--- a/ai_compression_project.pptx
+++ b/ai_compression_project.pptx
@@ -1685,7 +1685,7 @@
           <a:bodyPr/>
           <a:lstStyle/>
           <a:p>
-            <a:endParaRPr lang="en-US"/>
+            <a:endParaRPr lang="en-US" dirty="0"/>
           </a:p>
         </p:txBody>
       </p:sp>
@@ -6245,8 +6245,8 @@
         </p:nvSpPr>
         <p:spPr>
           <a:xfrm>
-            <a:off x="3156157" y="1393722"/>
-            <a:ext cx="5584722" cy="2246769"/>
+            <a:off x="3296042" y="1609165"/>
+            <a:ext cx="5584722" cy="1815882"/>
           </a:xfrm>
           <a:prstGeom prst="rect">
             <a:avLst/>
@@ -6279,7 +6279,7 @@
                 </a:solidFill>
                 <a:latin typeface="Calibri Light (Headings)"/>
               </a:rPr>
-              <a:t>convolutional </a:t>
+              <a:t>Development of the ai encoder learning methods, implementation of the information </a:t>
             </a:r>
             <a:r>
               <a:rPr lang="fr-FR" sz="2800" dirty="0">
@@ -6288,7 +6288,7 @@
                 </a:solidFill>
                 <a:latin typeface="Calibri Light (Headings)"/>
               </a:rPr>
-              <a:t>autoencoder, transformers, variational autoencoder, information theory </a:t>
+              <a:t>theory </a:t>
             </a:r>
             <a:r>
               <a:rPr lang="fr-FR" sz="2800" dirty="0" smtClean="0">
@@ -6322,7 +6322,7 @@
         </p:nvSpPr>
         <p:spPr>
           <a:xfrm>
-            <a:off x="6430296" y="2517106"/>
+            <a:off x="6459510" y="2517106"/>
             <a:ext cx="3687097" cy="2566220"/>
           </a:xfrm>
           <a:prstGeom prst="arc">
@@ -6403,13 +6403,13 @@
               <a:t>training the different kind of models on a big </a:t>
             </a:r>
             <a:r>
-              <a:rPr lang="en-US" sz="2800" dirty="0" err="1" smtClean="0">
+              <a:rPr lang="en-US" sz="2800" dirty="0" smtClean="0">
                 <a:solidFill>
                   <a:schemeClr val="bg1"/>
                 </a:solidFill>
                 <a:latin typeface="Calibri Light (Headings)"/>
               </a:rPr>
-              <a:t>openSource</a:t>
+              <a:t>open source </a:t>
             </a:r>
             <a:r>
               <a:rPr lang="en-US" sz="2800" dirty="0" smtClean="0">
@@ -6418,7 +6418,7 @@
                 </a:solidFill>
                 <a:latin typeface="Calibri Light (Headings)"/>
               </a:rPr>
-              <a:t> photo datasets</a:t>
+              <a:t>photo datasets</a:t>
             </a:r>
             <a:endParaRPr lang="en-US" sz="2800" dirty="0">
               <a:solidFill>
@@ -6506,14 +6506,20 @@
           <a:p>
             <a:pPr algn="ctr"/>
             <a:r>
-              <a:rPr lang="en-US" sz="2800" dirty="0">
+              <a:rPr lang="en-US" sz="2800" dirty="0" smtClean="0">
                 <a:solidFill>
                   <a:srgbClr val="C00000"/>
                 </a:solidFill>
                 <a:latin typeface="Calibri Light (Headings)"/>
               </a:rPr>
-              <a:t>Testing and Analysis</a:t>
-            </a:r>
+              <a:t>Working on less file size</a:t>
+            </a:r>
+            <a:endParaRPr lang="en-US" sz="2800" dirty="0">
+              <a:solidFill>
+                <a:srgbClr val="C00000"/>
+              </a:solidFill>
+              <a:latin typeface="Calibri Light (Headings)"/>
+            </a:endParaRPr>
           </a:p>
           <a:p>
             <a:pPr algn="ctr"/>
@@ -6524,55 +6530,7 @@
                 </a:solidFill>
                 <a:latin typeface="Calibri Light (Headings)"/>
               </a:rPr>
-              <a:t>PSNR</a:t>
-            </a:r>
-            <a:r>
-              <a:rPr lang="en-US" sz="2800" dirty="0">
-                <a:solidFill>
-                  <a:schemeClr val="bg1"/>
-                </a:solidFill>
-                <a:latin typeface="Calibri Light (Headings)"/>
-              </a:rPr>
-              <a:t>, SSIM, and other metrics</a:t>
-            </a:r>
-          </a:p>
-          <a:p>
-            <a:pPr algn="ctr"/>
-            <a:r>
-              <a:rPr lang="en-US" sz="2800" dirty="0">
-                <a:solidFill>
-                  <a:schemeClr val="bg1"/>
-                </a:solidFill>
-                <a:latin typeface="Calibri Light (Headings)"/>
-              </a:rPr>
-              <a:t>Compare with JPEG, </a:t>
-            </a:r>
-            <a:r>
-              <a:rPr lang="en-US" sz="2800" dirty="0" err="1" smtClean="0">
-                <a:solidFill>
-                  <a:schemeClr val="bg1"/>
-                </a:solidFill>
-                <a:latin typeface="Calibri Light (Headings)"/>
-              </a:rPr>
-              <a:t>WebM</a:t>
-            </a:r>
-            <a:r>
-              <a:rPr lang="en-US" sz="2800" dirty="0" smtClean="0">
-                <a:solidFill>
-                  <a:schemeClr val="bg1"/>
-                </a:solidFill>
-                <a:latin typeface="Calibri Light (Headings)"/>
-              </a:rPr>
-              <a:t> </a:t>
-            </a:r>
-            <a:r>
-              <a:rPr lang="en-US" sz="2800" dirty="0" err="1" smtClean="0">
-                <a:solidFill>
-                  <a:schemeClr val="bg1"/>
-                </a:solidFill>
-                <a:latin typeface="Calibri Light (Headings)"/>
-              </a:rPr>
-              <a:t>etc</a:t>
+              <a:t>decreasing encoded images size to compete with jpeg</a:t>
             </a:r>
             <a:endParaRPr lang="en-US" sz="2800" dirty="0">
               <a:solidFill>
@@ -6624,6 +6582,43 @@
           <a:p>
             <a:pPr algn="ctr"/>
             <a:endParaRPr lang="en-US"/>
+          </a:p>
+        </p:txBody>
+      </p:sp>
+      <p:sp>
+        <p:nvSpPr>
+          <p:cNvPr id="3" name="Прямоугольник 2"/>
+          <p:cNvSpPr/>
+          <p:nvPr/>
+        </p:nvSpPr>
+        <p:spPr>
+          <a:xfrm>
+            <a:off x="0" y="6067814"/>
+            <a:ext cx="842212" cy="769441"/>
+          </a:xfrm>
+          <a:prstGeom prst="rect">
+            <a:avLst/>
+          </a:prstGeom>
+        </p:spPr>
+        <p:txBody>
+          <a:bodyPr wrap="square">
+            <a:spAutoFit/>
+          </a:bodyPr>
+          <a:lstStyle/>
+          <a:p>
+            <a:r>
+              <a:rPr lang="en-US" sz="4400" dirty="0">
+                <a:solidFill>
+                  <a:schemeClr val="bg1"/>
+                </a:solidFill>
+              </a:rPr>
+              <a:t>V1</a:t>
+            </a:r>
+            <a:endParaRPr lang="ru-RU" sz="4400" dirty="0">
+              <a:solidFill>
+                <a:schemeClr val="bg1"/>
+              </a:solidFill>
+            </a:endParaRPr>
           </a:p>
         </p:txBody>
       </p:sp>
@@ -9973,7 +9968,7 @@
         </p:nvSpPr>
         <p:spPr>
           <a:xfrm>
-            <a:off x="1746373" y="1046748"/>
+            <a:off x="302583" y="-163931"/>
             <a:ext cx="2199839" cy="1143000"/>
           </a:xfrm>
         </p:spPr>
@@ -9995,134 +9990,6 @@
           </a:p>
         </p:txBody>
       </p:sp>
-      <p:pic>
-        <p:nvPicPr>
-          <p:cNvPr id="1027" name="Picture 3"/>
-          <p:cNvPicPr>
-            <a:picLocks noChangeAspect="1" noChangeArrowheads="1"/>
-          </p:cNvPicPr>
-          <p:nvPr/>
-        </p:nvPicPr>
-        <p:blipFill>
-          <a:blip r:embed="rId3">
-            <a:extLst>
-              <a:ext uri="{28A0092B-C50C-407E-A947-70E740481C1C}">
-                <a14:useLocalDpi xmlns:a14="http://schemas.microsoft.com/office/drawing/2010/main" val="0"/>
-              </a:ext>
-            </a:extLst>
-          </a:blip>
-          <a:srcRect/>
-          <a:stretch>
-            <a:fillRect/>
-          </a:stretch>
-        </p:blipFill>
-        <p:spPr bwMode="auto">
-          <a:xfrm>
-            <a:off x="5692589" y="1"/>
-            <a:ext cx="6499411" cy="4572000"/>
-          </a:xfrm>
-          <a:prstGeom prst="rect">
-            <a:avLst/>
-          </a:prstGeom>
-          <a:noFill/>
-          <a:ln>
-            <a:noFill/>
-          </a:ln>
-          <a:effectLst/>
-          <a:extLst>
-            <a:ext uri="{909E8E84-426E-40DD-AFC4-6F175D3DCCD1}">
-              <a14:hiddenFill xmlns:a14="http://schemas.microsoft.com/office/drawing/2010/main">
-                <a:solidFill>
-                  <a:schemeClr val="accent1"/>
-                </a:solidFill>
-              </a14:hiddenFill>
-            </a:ext>
-            <a:ext uri="{91240B29-F687-4F45-9708-019B960494DF}">
-              <a14:hiddenLine xmlns:a14="http://schemas.microsoft.com/office/drawing/2010/main" w="9525">
-                <a:solidFill>
-                  <a:schemeClr val="tx1"/>
-                </a:solidFill>
-                <a:miter lim="800000"/>
-                <a:headEnd/>
-                <a:tailEnd/>
-              </a14:hiddenLine>
-            </a:ext>
-            <a:ext uri="{AF507438-7753-43E0-B8FC-AC1667EBCBE1}">
-              <a14:hiddenEffects xmlns:a14="http://schemas.microsoft.com/office/drawing/2010/main">
-                <a:effectLst>
-                  <a:outerShdw dist="35921" dir="2700000" algn="ctr" rotWithShape="0">
-                    <a:schemeClr val="bg2"/>
-                  </a:outerShdw>
-                </a:effectLst>
-              </a14:hiddenEffects>
-            </a:ext>
-          </a:extLst>
-        </p:spPr>
-      </p:pic>
-      <p:pic>
-        <p:nvPicPr>
-          <p:cNvPr id="1028" name="Picture 4"/>
-          <p:cNvPicPr>
-            <a:picLocks noChangeAspect="1" noChangeArrowheads="1"/>
-          </p:cNvPicPr>
-          <p:nvPr/>
-        </p:nvPicPr>
-        <p:blipFill>
-          <a:blip r:embed="rId4">
-            <a:extLst>
-              <a:ext uri="{28A0092B-C50C-407E-A947-70E740481C1C}">
-                <a14:useLocalDpi xmlns:a14="http://schemas.microsoft.com/office/drawing/2010/main" val="0"/>
-              </a:ext>
-            </a:extLst>
-          </a:blip>
-          <a:srcRect/>
-          <a:stretch>
-            <a:fillRect/>
-          </a:stretch>
-        </p:blipFill>
-        <p:spPr bwMode="auto">
-          <a:xfrm>
-            <a:off x="-1" y="3167308"/>
-            <a:ext cx="5692589" cy="3634795"/>
-          </a:xfrm>
-          <a:prstGeom prst="rect">
-            <a:avLst/>
-          </a:prstGeom>
-          <a:noFill/>
-          <a:ln>
-            <a:noFill/>
-          </a:ln>
-          <a:effectLst/>
-          <a:extLst>
-            <a:ext uri="{909E8E84-426E-40DD-AFC4-6F175D3DCCD1}">
-              <a14:hiddenFill xmlns:a14="http://schemas.microsoft.com/office/drawing/2010/main">
-                <a:solidFill>
-                  <a:schemeClr val="accent1"/>
-                </a:solidFill>
-              </a14:hiddenFill>
-            </a:ext>
-            <a:ext uri="{91240B29-F687-4F45-9708-019B960494DF}">
-              <a14:hiddenLine xmlns:a14="http://schemas.microsoft.com/office/drawing/2010/main" w="9525">
-                <a:solidFill>
-                  <a:schemeClr val="tx1"/>
-                </a:solidFill>
-                <a:miter lim="800000"/>
-                <a:headEnd/>
-                <a:tailEnd/>
-              </a14:hiddenLine>
-            </a:ext>
-            <a:ext uri="{AF507438-7753-43E0-B8FC-AC1667EBCBE1}">
-              <a14:hiddenEffects xmlns:a14="http://schemas.microsoft.com/office/drawing/2010/main">
-                <a:effectLst>
-                  <a:outerShdw dist="35921" dir="2700000" algn="ctr" rotWithShape="0">
-                    <a:schemeClr val="bg2"/>
-                  </a:outerShdw>
-                </a:effectLst>
-              </a14:hiddenEffects>
-            </a:ext>
-          </a:extLst>
-        </p:spPr>
-      </p:pic>
       <p:pic>
         <p:nvPicPr>
           <p:cNvPr id="1029" name="Picture 5"/>
@@ -10132,7 +9999,7 @@
           <p:nvPr/>
         </p:nvPicPr>
         <p:blipFill>
-          <a:blip r:embed="rId5">
+          <a:blip r:embed="rId3">
             <a:extLst>
               <a:ext uri="{28A0092B-C50C-407E-A947-70E740481C1C}">
                 <a14:useLocalDpi xmlns:a14="http://schemas.microsoft.com/office/drawing/2010/main" val="0"/>
@@ -10187,6 +10054,235 @@
           </a:extLst>
         </p:spPr>
       </p:pic>
+      <p:pic>
+        <p:nvPicPr>
+          <p:cNvPr id="3" name="Picture 4"/>
+          <p:cNvPicPr>
+            <a:picLocks noChangeAspect="1" noChangeArrowheads="1"/>
+          </p:cNvPicPr>
+          <p:nvPr/>
+        </p:nvPicPr>
+        <p:blipFill>
+          <a:blip r:embed="rId4">
+            <a:extLst>
+              <a:ext uri="{28A0092B-C50C-407E-A947-70E740481C1C}">
+                <a14:useLocalDpi xmlns:a14="http://schemas.microsoft.com/office/drawing/2010/main" val="0"/>
+              </a:ext>
+            </a:extLst>
+          </a:blip>
+          <a:srcRect/>
+          <a:stretch>
+            <a:fillRect/>
+          </a:stretch>
+        </p:blipFill>
+        <p:spPr bwMode="auto">
+          <a:xfrm>
+            <a:off x="5644130" y="0"/>
+            <a:ext cx="6547870" cy="4659730"/>
+          </a:xfrm>
+          <a:prstGeom prst="rect">
+            <a:avLst/>
+          </a:prstGeom>
+          <a:noFill/>
+          <a:ln>
+            <a:noFill/>
+          </a:ln>
+          <a:effectLst/>
+          <a:extLst>
+            <a:ext uri="{909E8E84-426E-40DD-AFC4-6F175D3DCCD1}">
+              <a14:hiddenFill xmlns:a14="http://schemas.microsoft.com/office/drawing/2010/main">
+                <a:solidFill>
+                  <a:schemeClr val="accent1"/>
+                </a:solidFill>
+              </a14:hiddenFill>
+            </a:ext>
+            <a:ext uri="{91240B29-F687-4F45-9708-019B960494DF}">
+              <a14:hiddenLine xmlns:a14="http://schemas.microsoft.com/office/drawing/2010/main" w="9525">
+                <a:solidFill>
+                  <a:schemeClr val="tx1"/>
+                </a:solidFill>
+                <a:miter lim="800000"/>
+                <a:headEnd/>
+                <a:tailEnd/>
+              </a14:hiddenLine>
+            </a:ext>
+            <a:ext uri="{AF507438-7753-43E0-B8FC-AC1667EBCBE1}">
+              <a14:hiddenEffects xmlns:a14="http://schemas.microsoft.com/office/drawing/2010/main">
+                <a:effectLst>
+                  <a:outerShdw dist="35921" dir="2700000" algn="ctr" rotWithShape="0">
+                    <a:schemeClr val="bg2"/>
+                  </a:outerShdw>
+                </a:effectLst>
+              </a14:hiddenEffects>
+            </a:ext>
+          </a:extLst>
+        </p:spPr>
+      </p:pic>
+      <p:pic>
+        <p:nvPicPr>
+          <p:cNvPr id="4" name="Picture 5"/>
+          <p:cNvPicPr>
+            <a:picLocks noChangeAspect="1" noChangeArrowheads="1"/>
+          </p:cNvPicPr>
+          <p:nvPr/>
+        </p:nvPicPr>
+        <p:blipFill>
+          <a:blip r:embed="rId5">
+            <a:extLst>
+              <a:ext uri="{28A0092B-C50C-407E-A947-70E740481C1C}">
+                <a14:useLocalDpi xmlns:a14="http://schemas.microsoft.com/office/drawing/2010/main" val="0"/>
+              </a:ext>
+            </a:extLst>
+          </a:blip>
+          <a:srcRect/>
+          <a:stretch>
+            <a:fillRect/>
+          </a:stretch>
+        </p:blipFill>
+        <p:spPr bwMode="auto">
+          <a:xfrm>
+            <a:off x="0" y="710114"/>
+            <a:ext cx="4730142" cy="1619751"/>
+          </a:xfrm>
+          <a:prstGeom prst="rect">
+            <a:avLst/>
+          </a:prstGeom>
+          <a:noFill/>
+          <a:ln>
+            <a:noFill/>
+          </a:ln>
+          <a:effectLst/>
+          <a:extLst>
+            <a:ext uri="{909E8E84-426E-40DD-AFC4-6F175D3DCCD1}">
+              <a14:hiddenFill xmlns:a14="http://schemas.microsoft.com/office/drawing/2010/main">
+                <a:solidFill>
+                  <a:schemeClr val="accent1"/>
+                </a:solidFill>
+              </a14:hiddenFill>
+            </a:ext>
+            <a:ext uri="{91240B29-F687-4F45-9708-019B960494DF}">
+              <a14:hiddenLine xmlns:a14="http://schemas.microsoft.com/office/drawing/2010/main" w="9525">
+                <a:solidFill>
+                  <a:schemeClr val="tx1"/>
+                </a:solidFill>
+                <a:miter lim="800000"/>
+                <a:headEnd/>
+                <a:tailEnd/>
+              </a14:hiddenLine>
+            </a:ext>
+            <a:ext uri="{AF507438-7753-43E0-B8FC-AC1667EBCBE1}">
+              <a14:hiddenEffects xmlns:a14="http://schemas.microsoft.com/office/drawing/2010/main">
+                <a:effectLst>
+                  <a:outerShdw dist="35921" dir="2700000" algn="ctr" rotWithShape="0">
+                    <a:schemeClr val="bg2"/>
+                  </a:outerShdw>
+                </a:effectLst>
+              </a14:hiddenEffects>
+            </a:ext>
+          </a:extLst>
+        </p:spPr>
+      </p:pic>
+      <p:pic>
+        <p:nvPicPr>
+          <p:cNvPr id="1030" name="Picture 6"/>
+          <p:cNvPicPr>
+            <a:picLocks noChangeAspect="1" noChangeArrowheads="1"/>
+          </p:cNvPicPr>
+          <p:nvPr/>
+        </p:nvPicPr>
+        <p:blipFill>
+          <a:blip r:embed="rId6">
+            <a:extLst>
+              <a:ext uri="{28A0092B-C50C-407E-A947-70E740481C1C}">
+                <a14:useLocalDpi xmlns:a14="http://schemas.microsoft.com/office/drawing/2010/main" val="0"/>
+              </a:ext>
+            </a:extLst>
+          </a:blip>
+          <a:srcRect/>
+          <a:stretch>
+            <a:fillRect/>
+          </a:stretch>
+        </p:blipFill>
+        <p:spPr bwMode="auto">
+          <a:xfrm>
+            <a:off x="0" y="2470430"/>
+            <a:ext cx="5644130" cy="3673821"/>
+          </a:xfrm>
+          <a:prstGeom prst="rect">
+            <a:avLst/>
+          </a:prstGeom>
+          <a:noFill/>
+          <a:ln>
+            <a:noFill/>
+          </a:ln>
+          <a:effectLst/>
+          <a:extLst>
+            <a:ext uri="{909E8E84-426E-40DD-AFC4-6F175D3DCCD1}">
+              <a14:hiddenFill xmlns:a14="http://schemas.microsoft.com/office/drawing/2010/main">
+                <a:solidFill>
+                  <a:schemeClr val="accent1"/>
+                </a:solidFill>
+              </a14:hiddenFill>
+            </a:ext>
+            <a:ext uri="{91240B29-F687-4F45-9708-019B960494DF}">
+              <a14:hiddenLine xmlns:a14="http://schemas.microsoft.com/office/drawing/2010/main" w="9525">
+                <a:solidFill>
+                  <a:schemeClr val="tx1"/>
+                </a:solidFill>
+                <a:miter lim="800000"/>
+                <a:headEnd/>
+                <a:tailEnd/>
+              </a14:hiddenLine>
+            </a:ext>
+            <a:ext uri="{AF507438-7753-43E0-B8FC-AC1667EBCBE1}">
+              <a14:hiddenEffects xmlns:a14="http://schemas.microsoft.com/office/drawing/2010/main">
+                <a:effectLst>
+                  <a:outerShdw dist="35921" dir="2700000" algn="ctr" rotWithShape="0">
+                    <a:schemeClr val="bg2"/>
+                  </a:outerShdw>
+                </a:effectLst>
+              </a14:hiddenEffects>
+            </a:ext>
+          </a:extLst>
+        </p:spPr>
+      </p:pic>
+      <p:sp>
+        <p:nvSpPr>
+          <p:cNvPr id="12" name="Прямоугольник 11"/>
+          <p:cNvSpPr/>
+          <p:nvPr/>
+        </p:nvSpPr>
+        <p:spPr>
+          <a:xfrm>
+            <a:off x="0" y="6067814"/>
+            <a:ext cx="842212" cy="769441"/>
+          </a:xfrm>
+          <a:prstGeom prst="rect">
+            <a:avLst/>
+          </a:prstGeom>
+        </p:spPr>
+        <p:txBody>
+          <a:bodyPr wrap="square">
+            <a:spAutoFit/>
+          </a:bodyPr>
+          <a:lstStyle/>
+          <a:p>
+            <a:r>
+              <a:rPr lang="en-US" sz="4400" dirty="0">
+                <a:solidFill>
+                  <a:schemeClr val="bg1"/>
+                </a:solidFill>
+              </a:rPr>
+              <a:t>V1</a:t>
+            </a:r>
+            <a:endParaRPr lang="ru-RU" sz="4400" dirty="0">
+              <a:solidFill>
+                <a:schemeClr val="bg1"/>
+              </a:solidFill>
+            </a:endParaRPr>
+          </a:p>
+        </p:txBody>
+      </p:sp>
     </p:spTree>
     <p:extLst>
       <p:ext uri="{BB962C8B-B14F-4D97-AF65-F5344CB8AC3E}">
@@ -10250,7 +10346,7 @@
           <a:lstStyle/>
           <a:p>
             <a:r>
-              <a:rPr lang="en-US" b="1" kern="1200" dirty="0">
+              <a:rPr lang="en-US" sz="3200" b="1" kern="1200" dirty="0" smtClean="0">
                 <a:solidFill>
                   <a:srgbClr val="FFFFFF"/>
                 </a:solidFill>
@@ -10259,10 +10355,10 @@
                 <a:ea typeface="Crimson Pro Bold"/>
                 <a:cs typeface="+mn-cs"/>
               </a:rPr>
-              <a:t>Numerical </a:t>
-            </a:r>
-            <a:r>
-              <a:rPr lang="en-US" b="1" kern="1200" dirty="0" smtClean="0">
+              <a:t>Numerical experiments on our own neural network</a:t>
+            </a:r>
+            <a:r>
+              <a:rPr lang="ru-RU" sz="3200" b="1" kern="1200" dirty="0" smtClean="0">
                 <a:solidFill>
                   <a:srgbClr val="FFFFFF"/>
                 </a:solidFill>
@@ -10271,25 +10367,93 @@
                 <a:ea typeface="Crimson Pro Bold"/>
                 <a:cs typeface="+mn-cs"/>
               </a:rPr>
-              <a:t>experiments on out own neural network </a:t>
-            </a:r>
-            <a:endParaRPr lang="en-US" b="1" dirty="0">
+              <a:t>(30 </a:t>
+            </a:r>
+            <a:r>
+              <a:rPr lang="en-US" sz="3200" b="1" kern="1200" dirty="0" smtClean="0">
+                <a:solidFill>
+                  <a:srgbClr val="FFFFFF"/>
+                </a:solidFill>
+                <a:effectLst/>
+                <a:latin typeface="Calibri Light (Headings)"/>
+                <a:ea typeface="Crimson Pro Bold"/>
+                <a:cs typeface="+mn-cs"/>
+              </a:rPr>
+              <a:t>photos dataset</a:t>
+            </a:r>
+            <a:r>
+              <a:rPr lang="ru-RU" sz="3200" b="1" kern="1200" dirty="0" smtClean="0">
+                <a:solidFill>
+                  <a:srgbClr val="FFFFFF"/>
+                </a:solidFill>
+                <a:effectLst/>
+                <a:latin typeface="Calibri Light (Headings)"/>
+                <a:ea typeface="Crimson Pro Bold"/>
+                <a:cs typeface="+mn-cs"/>
+              </a:rPr>
+              <a:t>)</a:t>
+            </a:r>
+            <a:r>
+              <a:rPr lang="en-US" sz="3200" b="1" kern="1200" dirty="0" smtClean="0">
+                <a:solidFill>
+                  <a:srgbClr val="FFFFFF"/>
+                </a:solidFill>
+                <a:effectLst/>
+                <a:latin typeface="Calibri Light (Headings)"/>
+                <a:ea typeface="Crimson Pro Bold"/>
+                <a:cs typeface="+mn-cs"/>
+              </a:rPr>
+              <a:t> </a:t>
+            </a:r>
+            <a:endParaRPr lang="en-US" sz="3200" b="1" dirty="0">
               <a:latin typeface="Calibri Light (Headings)"/>
             </a:endParaRPr>
           </a:p>
         </p:txBody>
       </p:sp>
+      <p:sp>
+        <p:nvSpPr>
+          <p:cNvPr id="2" name="TextBox 1"/>
+          <p:cNvSpPr txBox="1"/>
+          <p:nvPr/>
+        </p:nvSpPr>
+        <p:spPr>
+          <a:xfrm>
+            <a:off x="2979" y="6073047"/>
+            <a:ext cx="794084" cy="769441"/>
+          </a:xfrm>
+          <a:prstGeom prst="rect">
+            <a:avLst/>
+          </a:prstGeom>
+          <a:noFill/>
+        </p:spPr>
+        <p:txBody>
+          <a:bodyPr wrap="square" rtlCol="0">
+            <a:spAutoFit/>
+          </a:bodyPr>
+          <a:lstStyle/>
+          <a:p>
+            <a:r>
+              <a:rPr lang="en-US" sz="4400" dirty="0" smtClean="0">
+                <a:solidFill>
+                  <a:schemeClr val="bg1"/>
+                </a:solidFill>
+              </a:rPr>
+              <a:t>V1</a:t>
+            </a:r>
+            <a:endParaRPr lang="ru-RU" sz="4400" dirty="0">
+              <a:solidFill>
+                <a:schemeClr val="bg1"/>
+              </a:solidFill>
+            </a:endParaRPr>
+          </a:p>
+        </p:txBody>
+      </p:sp>
       <p:pic>
         <p:nvPicPr>
-          <p:cNvPr id="3" name="Picture 2" descr="A graph of a graph with numbers and lines&#10;&#10;AI-generated content may be incorrect.">
-            <a:extLst>
-              <a:ext uri="{FF2B5EF4-FFF2-40B4-BE49-F238E27FC236}">
-                <a16:creationId xmlns:a16="http://schemas.microsoft.com/office/drawing/2014/main" xmlns="" id="{04029AF0-D9CB-B3A2-AB38-E3E114214392}"/>
-              </a:ext>
-            </a:extLst>
-          </p:cNvPr>
+          <p:cNvPr id="1026" name="Picture 2"/>
           <p:cNvPicPr>
-            <a:picLocks noChangeAspect="1"/>
+            <a:picLocks noChangeAspect="1" noChangeArrowheads="1"/>
           </p:cNvPicPr>
           <p:nvPr/>
         </p:nvPicPr>
@@ -10301,30 +10465,59 @@
               </a:ext>
             </a:extLst>
           </a:blip>
-          <a:srcRect b="7609"/>
-          <a:stretch/>
+          <a:srcRect/>
+          <a:stretch>
+            <a:fillRect/>
+          </a:stretch>
         </p:blipFill>
-        <p:spPr>
+        <p:spPr bwMode="auto">
           <a:xfrm>
-            <a:off x="748938" y="1423134"/>
-            <a:ext cx="5347062" cy="2664280"/>
+            <a:off x="797063" y="1302803"/>
+            <a:ext cx="5071033" cy="2705391"/>
           </a:xfrm>
           <a:prstGeom prst="rect">
             <a:avLst/>
           </a:prstGeom>
+          <a:noFill/>
+          <a:ln>
+            <a:noFill/>
+          </a:ln>
+          <a:effectLst/>
+          <a:extLst>
+            <a:ext uri="{909E8E84-426E-40DD-AFC4-6F175D3DCCD1}">
+              <a14:hiddenFill xmlns:a14="http://schemas.microsoft.com/office/drawing/2010/main">
+                <a:solidFill>
+                  <a:schemeClr val="accent1"/>
+                </a:solidFill>
+              </a14:hiddenFill>
+            </a:ext>
+            <a:ext uri="{91240B29-F687-4F45-9708-019B960494DF}">
+              <a14:hiddenLine xmlns:a14="http://schemas.microsoft.com/office/drawing/2010/main" w="9525">
+                <a:solidFill>
+                  <a:schemeClr val="tx1"/>
+                </a:solidFill>
+                <a:miter lim="800000"/>
+                <a:headEnd/>
+                <a:tailEnd/>
+              </a14:hiddenLine>
+            </a:ext>
+            <a:ext uri="{AF507438-7753-43E0-B8FC-AC1667EBCBE1}">
+              <a14:hiddenEffects xmlns:a14="http://schemas.microsoft.com/office/drawing/2010/main">
+                <a:effectLst>
+                  <a:outerShdw dist="35921" dir="2700000" algn="ctr" rotWithShape="0">
+                    <a:schemeClr val="bg2"/>
+                  </a:outerShdw>
+                </a:effectLst>
+              </a14:hiddenEffects>
+            </a:ext>
+          </a:extLst>
         </p:spPr>
       </p:pic>
       <p:pic>
         <p:nvPicPr>
-          <p:cNvPr id="6" name="Picture 5" descr="A graph of a graph with green and blue lines&#10;&#10;AI-generated content may be incorrect.">
-            <a:extLst>
-              <a:ext uri="{FF2B5EF4-FFF2-40B4-BE49-F238E27FC236}">
-                <a16:creationId xmlns:a16="http://schemas.microsoft.com/office/drawing/2014/main" xmlns="" id="{806347C8-E806-97E7-9110-6A3CC3E4B694}"/>
-              </a:ext>
-            </a:extLst>
-          </p:cNvPr>
+          <p:cNvPr id="1027" name="Picture 3"/>
           <p:cNvPicPr>
-            <a:picLocks noChangeAspect="1"/>
+            <a:picLocks noChangeAspect="1" noChangeArrowheads="1"/>
           </p:cNvPicPr>
           <p:nvPr/>
         </p:nvPicPr>
@@ -10336,30 +10529,59 @@
               </a:ext>
             </a:extLst>
           </a:blip>
-          <a:srcRect b="7609"/>
-          <a:stretch/>
+          <a:srcRect/>
+          <a:stretch>
+            <a:fillRect/>
+          </a:stretch>
         </p:blipFill>
-        <p:spPr>
+        <p:spPr bwMode="auto">
           <a:xfrm>
-            <a:off x="6348595" y="1423134"/>
-            <a:ext cx="5243649" cy="2664280"/>
+            <a:off x="6097340" y="1302804"/>
+            <a:ext cx="5296254" cy="2705391"/>
           </a:xfrm>
           <a:prstGeom prst="rect">
             <a:avLst/>
           </a:prstGeom>
+          <a:noFill/>
+          <a:ln>
+            <a:noFill/>
+          </a:ln>
+          <a:effectLst/>
+          <a:extLst>
+            <a:ext uri="{909E8E84-426E-40DD-AFC4-6F175D3DCCD1}">
+              <a14:hiddenFill xmlns:a14="http://schemas.microsoft.com/office/drawing/2010/main">
+                <a:solidFill>
+                  <a:schemeClr val="accent1"/>
+                </a:solidFill>
+              </a14:hiddenFill>
+            </a:ext>
+            <a:ext uri="{91240B29-F687-4F45-9708-019B960494DF}">
+              <a14:hiddenLine xmlns:a14="http://schemas.microsoft.com/office/drawing/2010/main" w="9525">
+                <a:solidFill>
+                  <a:schemeClr val="tx1"/>
+                </a:solidFill>
+                <a:miter lim="800000"/>
+                <a:headEnd/>
+                <a:tailEnd/>
+              </a14:hiddenLine>
+            </a:ext>
+            <a:ext uri="{AF507438-7753-43E0-B8FC-AC1667EBCBE1}">
+              <a14:hiddenEffects xmlns:a14="http://schemas.microsoft.com/office/drawing/2010/main">
+                <a:effectLst>
+                  <a:outerShdw dist="35921" dir="2700000" algn="ctr" rotWithShape="0">
+                    <a:schemeClr val="bg2"/>
+                  </a:outerShdw>
+                </a:effectLst>
+              </a14:hiddenEffects>
+            </a:ext>
+          </a:extLst>
         </p:spPr>
       </p:pic>
       <p:pic>
         <p:nvPicPr>
-          <p:cNvPr id="11" name="Picture 10" descr="A graph of different sizes and colors&#10;&#10;AI-generated content may be incorrect.">
-            <a:extLst>
-              <a:ext uri="{FF2B5EF4-FFF2-40B4-BE49-F238E27FC236}">
-                <a16:creationId xmlns:a16="http://schemas.microsoft.com/office/drawing/2014/main" xmlns="" id="{60D6CB1A-6A1F-9BE7-9A93-3C1AEA7227F5}"/>
-              </a:ext>
-            </a:extLst>
-          </p:cNvPr>
+          <p:cNvPr id="1028" name="Picture 4"/>
           <p:cNvPicPr>
-            <a:picLocks noChangeAspect="1"/>
+            <a:picLocks noChangeAspect="1" noChangeArrowheads="1"/>
           </p:cNvPicPr>
           <p:nvPr/>
         </p:nvPicPr>
@@ -10371,18 +10593,52 @@
               </a:ext>
             </a:extLst>
           </a:blip>
+          <a:srcRect/>
           <a:stretch>
             <a:fillRect/>
           </a:stretch>
         </p:blipFill>
-        <p:spPr>
+        <p:spPr bwMode="auto">
           <a:xfrm>
-            <a:off x="3422469" y="4193720"/>
-            <a:ext cx="5347062" cy="2664280"/>
+            <a:off x="3380747" y="4120468"/>
+            <a:ext cx="4974697" cy="2598666"/>
           </a:xfrm>
           <a:prstGeom prst="rect">
             <a:avLst/>
           </a:prstGeom>
+          <a:noFill/>
+          <a:ln>
+            <a:noFill/>
+          </a:ln>
+          <a:effectLst/>
+          <a:extLst>
+            <a:ext uri="{909E8E84-426E-40DD-AFC4-6F175D3DCCD1}">
+              <a14:hiddenFill xmlns:a14="http://schemas.microsoft.com/office/drawing/2010/main">
+                <a:solidFill>
+                  <a:schemeClr val="accent1"/>
+                </a:solidFill>
+              </a14:hiddenFill>
+            </a:ext>
+            <a:ext uri="{91240B29-F687-4F45-9708-019B960494DF}">
+              <a14:hiddenLine xmlns:a14="http://schemas.microsoft.com/office/drawing/2010/main" w="9525">
+                <a:solidFill>
+                  <a:schemeClr val="tx1"/>
+                </a:solidFill>
+                <a:miter lim="800000"/>
+                <a:headEnd/>
+                <a:tailEnd/>
+              </a14:hiddenLine>
+            </a:ext>
+            <a:ext uri="{AF507438-7753-43E0-B8FC-AC1667EBCBE1}">
+              <a14:hiddenEffects xmlns:a14="http://schemas.microsoft.com/office/drawing/2010/main">
+                <a:effectLst>
+                  <a:outerShdw dist="35921" dir="2700000" algn="ctr" rotWithShape="0">
+                    <a:schemeClr val="bg2"/>
+                  </a:outerShdw>
+                </a:effectLst>
+              </a14:hiddenEffects>
+            </a:ext>
+          </a:extLst>
         </p:spPr>
       </p:pic>
     </p:spTree>
@@ -11573,11 +11829,18 @@
 <file path=customXml/itemProps1.xml><?xml version="1.0" encoding="utf-8"?>
 <ds:datastoreItem xmlns:ds="http://schemas.openxmlformats.org/officeDocument/2006/customXml" ds:itemID="{85C2645A-E767-4D7E-984D-234E531E4556}">
   <ds:schemaRefs>
+    <ds:schemaRef ds:uri="230e9df3-be65-4c73-a93b-d1236ebd677e"/>
+    <ds:schemaRef ds:uri="http://schemas.microsoft.com/office/2006/documentManagement/types"/>
+    <ds:schemaRef ds:uri="http://purl.org/dc/terms/"/>
+    <ds:schemaRef ds:uri="http://purl.org/dc/elements/1.1/"/>
+    <ds:schemaRef ds:uri="http://schemas.openxmlformats.org/package/2006/metadata/core-properties"/>
+    <ds:schemaRef ds:uri="71af3243-3dd4-4a8d-8c0d-dd76da1f02a5"/>
+    <ds:schemaRef ds:uri="http://www.w3.org/XML/1998/namespace"/>
+    <ds:schemaRef ds:uri="http://purl.org/dc/dcmitype/"/>
+    <ds:schemaRef ds:uri="http://schemas.microsoft.com/office/infopath/2007/PartnerControls"/>
+    <ds:schemaRef ds:uri="16c05727-aa75-4e4a-9b5f-8a80a1165891"/>
+    <ds:schemaRef ds:uri="http://schemas.microsoft.com/sharepoint/v3"/>
     <ds:schemaRef ds:uri="http://schemas.microsoft.com/office/2006/metadata/properties"/>
-    <ds:schemaRef ds:uri="http://schemas.microsoft.com/office/infopath/2007/PartnerControls"/>
-    <ds:schemaRef ds:uri="http://schemas.microsoft.com/sharepoint/v3"/>
-    <ds:schemaRef ds:uri="71af3243-3dd4-4a8d-8c0d-dd76da1f02a5"/>
-    <ds:schemaRef ds:uri="230e9df3-be65-4c73-a93b-d1236ebd677e"/>
   </ds:schemaRefs>
 </ds:datastoreItem>
 </file>

--- a/ai_compression_project.pptx
+++ b/ai_compression_project.pptx
@@ -5,10 +5,10 @@
     <p:sldMasterId id="2147483648" r:id="rId4"/>
   </p:sldMasterIdLst>
   <p:notesMasterIdLst>
-    <p:notesMasterId r:id="rId18"/>
+    <p:notesMasterId r:id="rId26"/>
   </p:notesMasterIdLst>
   <p:handoutMasterIdLst>
-    <p:handoutMasterId r:id="rId19"/>
+    <p:handoutMasterId r:id="rId27"/>
   </p:handoutMasterIdLst>
   <p:sldIdLst>
     <p:sldId id="281" r:id="rId5"/>
@@ -21,9 +21,17 @@
     <p:sldId id="294" r:id="rId12"/>
     <p:sldId id="290" r:id="rId13"/>
     <p:sldId id="293" r:id="rId14"/>
-    <p:sldId id="295" r:id="rId15"/>
-    <p:sldId id="296" r:id="rId16"/>
-    <p:sldId id="291" r:id="rId17"/>
+    <p:sldId id="300" r:id="rId15"/>
+    <p:sldId id="295" r:id="rId16"/>
+    <p:sldId id="296" r:id="rId17"/>
+    <p:sldId id="297" r:id="rId18"/>
+    <p:sldId id="298" r:id="rId19"/>
+    <p:sldId id="301" r:id="rId20"/>
+    <p:sldId id="302" r:id="rId21"/>
+    <p:sldId id="303" r:id="rId22"/>
+    <p:sldId id="304" r:id="rId23"/>
+    <p:sldId id="305" r:id="rId24"/>
+    <p:sldId id="291" r:id="rId25"/>
   </p:sldIdLst>
   <p:sldSz cx="12192000" cy="6858000"/>
   <p:notesSz cx="6858000" cy="9144000"/>
@@ -124,10 +132,10 @@
   </p:defaultTextStyle>
   <p:extLst>
     <p:ext uri="{EFAFB233-063F-42B5-8137-9DF3F51BA10A}">
-      <p15:sldGuideLst xmlns="" xmlns:p15="http://schemas.microsoft.com/office/powerpoint/2012/main"/>
+      <p15:sldGuideLst xmlns:p15="http://schemas.microsoft.com/office/powerpoint/2012/main" xmlns=""/>
     </p:ext>
     <p:ext uri="{2D200454-40CA-4A62-9FC3-DE9A4176ACB9}">
-      <p15:notesGuideLst xmlns="" xmlns:p15="http://schemas.microsoft.com/office/powerpoint/2012/main"/>
+      <p15:notesGuideLst xmlns:p15="http://schemas.microsoft.com/office/powerpoint/2012/main" xmlns=""/>
     </p:ext>
   </p:extLst>
 </p:presentation>
@@ -166,7 +174,7 @@
           <p:cNvPr id="2" name="Header Placeholder 1">
             <a:extLst>
               <a:ext uri="{FF2B5EF4-FFF2-40B4-BE49-F238E27FC236}">
-                <a16:creationId xmlns="" xmlns:a16="http://schemas.microsoft.com/office/drawing/2014/main" id="{3976AB79-C677-3DB7-78CF-9305D5861483}"/>
+                <a16:creationId xmlns:a16="http://schemas.microsoft.com/office/drawing/2014/main" xmlns="" id="{3976AB79-C677-3DB7-78CF-9305D5861483}"/>
               </a:ext>
             </a:extLst>
           </p:cNvPr>
@@ -203,7 +211,7 @@
           <p:cNvPr id="3" name="Date Placeholder 2">
             <a:extLst>
               <a:ext uri="{FF2B5EF4-FFF2-40B4-BE49-F238E27FC236}">
-                <a16:creationId xmlns="" xmlns:a16="http://schemas.microsoft.com/office/drawing/2014/main" id="{113AB137-CEA6-0244-F12B-1ECC21172D00}"/>
+                <a16:creationId xmlns:a16="http://schemas.microsoft.com/office/drawing/2014/main" xmlns="" id="{113AB137-CEA6-0244-F12B-1ECC21172D00}"/>
               </a:ext>
             </a:extLst>
           </p:cNvPr>
@@ -244,7 +252,7 @@
           <p:cNvPr id="4" name="Footer Placeholder 3">
             <a:extLst>
               <a:ext uri="{FF2B5EF4-FFF2-40B4-BE49-F238E27FC236}">
-                <a16:creationId xmlns="" xmlns:a16="http://schemas.microsoft.com/office/drawing/2014/main" id="{0868EC96-C6CC-F2AF-D90F-143F4D20A07A}"/>
+                <a16:creationId xmlns:a16="http://schemas.microsoft.com/office/drawing/2014/main" xmlns="" id="{0868EC96-C6CC-F2AF-D90F-143F4D20A07A}"/>
               </a:ext>
             </a:extLst>
           </p:cNvPr>
@@ -281,7 +289,7 @@
           <p:cNvPr id="5" name="Slide Number Placeholder 4">
             <a:extLst>
               <a:ext uri="{FF2B5EF4-FFF2-40B4-BE49-F238E27FC236}">
-                <a16:creationId xmlns="" xmlns:a16="http://schemas.microsoft.com/office/drawing/2014/main" id="{94F8EC8D-EF88-0275-F75C-A789924433BA}"/>
+                <a16:creationId xmlns:a16="http://schemas.microsoft.com/office/drawing/2014/main" xmlns="" id="{94F8EC8D-EF88-0275-F75C-A789924433BA}"/>
               </a:ext>
             </a:extLst>
           </p:cNvPr>
@@ -769,7 +777,7 @@
         <p:cNvPr id="1" name="">
           <a:extLst>
             <a:ext uri="{FF2B5EF4-FFF2-40B4-BE49-F238E27FC236}">
-              <a16:creationId xmlns="" xmlns:a16="http://schemas.microsoft.com/office/drawing/2014/main" id="{84847B3D-F9FE-E845-0A9E-7B3E4737F607}"/>
+              <a16:creationId xmlns:a16="http://schemas.microsoft.com/office/drawing/2014/main" xmlns="" id="{84847B3D-F9FE-E845-0A9E-7B3E4737F607}"/>
             </a:ext>
           </a:extLst>
         </p:cNvPr>
@@ -789,7 +797,7 @@
           <p:cNvPr id="2" name="Slide Image Placeholder 1">
             <a:extLst>
               <a:ext uri="{FF2B5EF4-FFF2-40B4-BE49-F238E27FC236}">
-                <a16:creationId xmlns="" xmlns:a16="http://schemas.microsoft.com/office/drawing/2014/main" id="{A65C55DC-40F4-B8B2-A44F-CEE7EA9104C1}"/>
+                <a16:creationId xmlns:a16="http://schemas.microsoft.com/office/drawing/2014/main" xmlns="" id="{A65C55DC-40F4-B8B2-A44F-CEE7EA9104C1}"/>
               </a:ext>
             </a:extLst>
           </p:cNvPr>
@@ -807,7 +815,7 @@
           <p:cNvPr id="3" name="Notes Placeholder 2">
             <a:extLst>
               <a:ext uri="{FF2B5EF4-FFF2-40B4-BE49-F238E27FC236}">
-                <a16:creationId xmlns="" xmlns:a16="http://schemas.microsoft.com/office/drawing/2014/main" id="{AFAEFE12-CFF9-2E00-9808-098A1D824723}"/>
+                <a16:creationId xmlns:a16="http://schemas.microsoft.com/office/drawing/2014/main" xmlns="" id="{AFAEFE12-CFF9-2E00-9808-098A1D824723}"/>
               </a:ext>
             </a:extLst>
           </p:cNvPr>
@@ -832,7 +840,7 @@
           <p:cNvPr id="4" name="Slide Number Placeholder 3">
             <a:extLst>
               <a:ext uri="{FF2B5EF4-FFF2-40B4-BE49-F238E27FC236}">
-                <a16:creationId xmlns="" xmlns:a16="http://schemas.microsoft.com/office/drawing/2014/main" id="{85084F94-5BAE-E3B2-298D-1E3D1D48D1F6}"/>
+                <a16:creationId xmlns:a16="http://schemas.microsoft.com/office/drawing/2014/main" xmlns="" id="{85084F94-5BAE-E3B2-298D-1E3D1D48D1F6}"/>
               </a:ext>
             </a:extLst>
           </p:cNvPr>
@@ -877,7 +885,7 @@
         <p:cNvPr id="1" name="">
           <a:extLst>
             <a:ext uri="{FF2B5EF4-FFF2-40B4-BE49-F238E27FC236}">
-              <a16:creationId xmlns="" xmlns:a16="http://schemas.microsoft.com/office/drawing/2014/main" id="{84847B3D-F9FE-E845-0A9E-7B3E4737F607}"/>
+              <a16:creationId xmlns:a16="http://schemas.microsoft.com/office/drawing/2014/main" xmlns="" id="{84847B3D-F9FE-E845-0A9E-7B3E4737F607}"/>
             </a:ext>
           </a:extLst>
         </p:cNvPr>
@@ -897,7 +905,7 @@
           <p:cNvPr id="2" name="Slide Image Placeholder 1">
             <a:extLst>
               <a:ext uri="{FF2B5EF4-FFF2-40B4-BE49-F238E27FC236}">
-                <a16:creationId xmlns="" xmlns:a16="http://schemas.microsoft.com/office/drawing/2014/main" id="{A65C55DC-40F4-B8B2-A44F-CEE7EA9104C1}"/>
+                <a16:creationId xmlns:a16="http://schemas.microsoft.com/office/drawing/2014/main" xmlns="" id="{A65C55DC-40F4-B8B2-A44F-CEE7EA9104C1}"/>
               </a:ext>
             </a:extLst>
           </p:cNvPr>
@@ -915,7 +923,7 @@
           <p:cNvPr id="3" name="Notes Placeholder 2">
             <a:extLst>
               <a:ext uri="{FF2B5EF4-FFF2-40B4-BE49-F238E27FC236}">
-                <a16:creationId xmlns="" xmlns:a16="http://schemas.microsoft.com/office/drawing/2014/main" id="{AFAEFE12-CFF9-2E00-9808-098A1D824723}"/>
+                <a16:creationId xmlns:a16="http://schemas.microsoft.com/office/drawing/2014/main" xmlns="" id="{AFAEFE12-CFF9-2E00-9808-098A1D824723}"/>
               </a:ext>
             </a:extLst>
           </p:cNvPr>
@@ -940,7 +948,7 @@
           <p:cNvPr id="4" name="Slide Number Placeholder 3">
             <a:extLst>
               <a:ext uri="{FF2B5EF4-FFF2-40B4-BE49-F238E27FC236}">
-                <a16:creationId xmlns="" xmlns:a16="http://schemas.microsoft.com/office/drawing/2014/main" id="{85084F94-5BAE-E3B2-298D-1E3D1D48D1F6}"/>
+                <a16:creationId xmlns:a16="http://schemas.microsoft.com/office/drawing/2014/main" xmlns="" id="{85084F94-5BAE-E3B2-298D-1E3D1D48D1F6}"/>
               </a:ext>
             </a:extLst>
           </p:cNvPr>
@@ -985,7 +993,7 @@
         <p:cNvPr id="1" name="">
           <a:extLst>
             <a:ext uri="{FF2B5EF4-FFF2-40B4-BE49-F238E27FC236}">
-              <a16:creationId xmlns="" xmlns:a16="http://schemas.microsoft.com/office/drawing/2014/main" id="{84F15084-9E64-0732-2172-D06E24D20324}"/>
+              <a16:creationId xmlns:a16="http://schemas.microsoft.com/office/drawing/2014/main" xmlns="" id="{84847B3D-F9FE-E845-0A9E-7B3E4737F607}"/>
             </a:ext>
           </a:extLst>
         </p:cNvPr>
@@ -1005,7 +1013,7 @@
           <p:cNvPr id="2" name="Slide Image Placeholder 1">
             <a:extLst>
               <a:ext uri="{FF2B5EF4-FFF2-40B4-BE49-F238E27FC236}">
-                <a16:creationId xmlns="" xmlns:a16="http://schemas.microsoft.com/office/drawing/2014/main" id="{7CCBBEEF-0F58-7DB2-13AB-6DAFC52BE070}"/>
+                <a16:creationId xmlns:a16="http://schemas.microsoft.com/office/drawing/2014/main" xmlns="" id="{A65C55DC-40F4-B8B2-A44F-CEE7EA9104C1}"/>
               </a:ext>
             </a:extLst>
           </p:cNvPr>
@@ -1023,7 +1031,7 @@
           <p:cNvPr id="3" name="Notes Placeholder 2">
             <a:extLst>
               <a:ext uri="{FF2B5EF4-FFF2-40B4-BE49-F238E27FC236}">
-                <a16:creationId xmlns="" xmlns:a16="http://schemas.microsoft.com/office/drawing/2014/main" id="{C62C92A2-0E82-6EA1-AA1F-C125D6D8C6A8}"/>
+                <a16:creationId xmlns:a16="http://schemas.microsoft.com/office/drawing/2014/main" xmlns="" id="{AFAEFE12-CFF9-2E00-9808-098A1D824723}"/>
               </a:ext>
             </a:extLst>
           </p:cNvPr>
@@ -1039,7 +1047,7 @@
           <a:bodyPr/>
           <a:lstStyle/>
           <a:p>
-            <a:endParaRPr lang="en-US"/>
+            <a:endParaRPr lang="en-US" dirty="0"/>
           </a:p>
         </p:txBody>
       </p:sp>
@@ -1048,7 +1056,7 @@
           <p:cNvPr id="4" name="Slide Number Placeholder 3">
             <a:extLst>
               <a:ext uri="{FF2B5EF4-FFF2-40B4-BE49-F238E27FC236}">
-                <a16:creationId xmlns="" xmlns:a16="http://schemas.microsoft.com/office/drawing/2014/main" id="{F80306BD-3757-CA40-4082-AACA5F6DB656}"/>
+                <a16:creationId xmlns:a16="http://schemas.microsoft.com/office/drawing/2014/main" xmlns="" id="{85084F94-5BAE-E3B2-298D-1E3D1D48D1F6}"/>
               </a:ext>
             </a:extLst>
           </p:cNvPr>
@@ -1075,7 +1083,763 @@
     </p:spTree>
     <p:extLst>
       <p:ext uri="{BB962C8B-B14F-4D97-AF65-F5344CB8AC3E}">
-        <p14:creationId xmlns:p14="http://schemas.microsoft.com/office/powerpoint/2010/main" val="2113507462"/>
+        <p14:creationId xmlns:p14="http://schemas.microsoft.com/office/powerpoint/2010/main" val="1899534547"/>
+      </p:ext>
+    </p:extLst>
+  </p:cSld>
+  <p:clrMapOvr>
+    <a:masterClrMapping/>
+  </p:clrMapOvr>
+</p:notes>
+</file>
+
+<file path=ppt/notesSlides/notesSlide13.xml><?xml version="1.0" encoding="utf-8"?>
+<p:notes xmlns:a="http://schemas.openxmlformats.org/drawingml/2006/main" xmlns:r="http://schemas.openxmlformats.org/officeDocument/2006/relationships" xmlns:p="http://schemas.openxmlformats.org/presentationml/2006/main">
+  <p:cSld>
+    <p:spTree>
+      <p:nvGrpSpPr>
+        <p:cNvPr id="1" name="">
+          <a:extLst>
+            <a:ext uri="{FF2B5EF4-FFF2-40B4-BE49-F238E27FC236}">
+              <a16:creationId xmlns:a16="http://schemas.microsoft.com/office/drawing/2014/main" xmlns="" id="{84847B3D-F9FE-E845-0A9E-7B3E4737F607}"/>
+            </a:ext>
+          </a:extLst>
+        </p:cNvPr>
+        <p:cNvGrpSpPr/>
+        <p:nvPr/>
+      </p:nvGrpSpPr>
+      <p:grpSpPr>
+        <a:xfrm>
+          <a:off x="0" y="0"/>
+          <a:ext cx="0" cy="0"/>
+          <a:chOff x="0" y="0"/>
+          <a:chExt cx="0" cy="0"/>
+        </a:xfrm>
+      </p:grpSpPr>
+      <p:sp>
+        <p:nvSpPr>
+          <p:cNvPr id="2" name="Slide Image Placeholder 1">
+            <a:extLst>
+              <a:ext uri="{FF2B5EF4-FFF2-40B4-BE49-F238E27FC236}">
+                <a16:creationId xmlns:a16="http://schemas.microsoft.com/office/drawing/2014/main" xmlns="" id="{A65C55DC-40F4-B8B2-A44F-CEE7EA9104C1}"/>
+              </a:ext>
+            </a:extLst>
+          </p:cNvPr>
+          <p:cNvSpPr>
+            <a:spLocks noGrp="1" noRot="1" noChangeAspect="1"/>
+          </p:cNvSpPr>
+          <p:nvPr>
+            <p:ph type="sldImg"/>
+          </p:nvPr>
+        </p:nvSpPr>
+        <p:spPr/>
+      </p:sp>
+      <p:sp>
+        <p:nvSpPr>
+          <p:cNvPr id="3" name="Notes Placeholder 2">
+            <a:extLst>
+              <a:ext uri="{FF2B5EF4-FFF2-40B4-BE49-F238E27FC236}">
+                <a16:creationId xmlns:a16="http://schemas.microsoft.com/office/drawing/2014/main" xmlns="" id="{AFAEFE12-CFF9-2E00-9808-098A1D824723}"/>
+              </a:ext>
+            </a:extLst>
+          </p:cNvPr>
+          <p:cNvSpPr>
+            <a:spLocks noGrp="1"/>
+          </p:cNvSpPr>
+          <p:nvPr>
+            <p:ph type="body" idx="1"/>
+          </p:nvPr>
+        </p:nvSpPr>
+        <p:spPr/>
+        <p:txBody>
+          <a:bodyPr/>
+          <a:lstStyle/>
+          <a:p>
+            <a:endParaRPr lang="en-US" dirty="0"/>
+          </a:p>
+        </p:txBody>
+      </p:sp>
+      <p:sp>
+        <p:nvSpPr>
+          <p:cNvPr id="4" name="Slide Number Placeholder 3">
+            <a:extLst>
+              <a:ext uri="{FF2B5EF4-FFF2-40B4-BE49-F238E27FC236}">
+                <a16:creationId xmlns:a16="http://schemas.microsoft.com/office/drawing/2014/main" xmlns="" id="{85084F94-5BAE-E3B2-298D-1E3D1D48D1F6}"/>
+              </a:ext>
+            </a:extLst>
+          </p:cNvPr>
+          <p:cNvSpPr>
+            <a:spLocks noGrp="1"/>
+          </p:cNvSpPr>
+          <p:nvPr>
+            <p:ph type="sldNum" sz="quarter" idx="5"/>
+          </p:nvPr>
+        </p:nvSpPr>
+        <p:spPr/>
+        <p:txBody>
+          <a:bodyPr/>
+          <a:lstStyle/>
+          <a:p>
+            <a:fld id="{55247812-3409-784D-BAE7-ABE53735D59F}" type="slidenum">
+              <a:rPr lang="en-US" smtClean="0"/>
+              <a:t>14</a:t>
+            </a:fld>
+            <a:endParaRPr lang="en-US"/>
+          </a:p>
+        </p:txBody>
+      </p:sp>
+    </p:spTree>
+    <p:extLst>
+      <p:ext uri="{BB962C8B-B14F-4D97-AF65-F5344CB8AC3E}">
+        <p14:creationId xmlns:p14="http://schemas.microsoft.com/office/powerpoint/2010/main" val="1899534547"/>
+      </p:ext>
+    </p:extLst>
+  </p:cSld>
+  <p:clrMapOvr>
+    <a:masterClrMapping/>
+  </p:clrMapOvr>
+</p:notes>
+</file>
+
+<file path=ppt/notesSlides/notesSlide14.xml><?xml version="1.0" encoding="utf-8"?>
+<p:notes xmlns:a="http://schemas.openxmlformats.org/drawingml/2006/main" xmlns:r="http://schemas.openxmlformats.org/officeDocument/2006/relationships" xmlns:p="http://schemas.openxmlformats.org/presentationml/2006/main">
+  <p:cSld>
+    <p:spTree>
+      <p:nvGrpSpPr>
+        <p:cNvPr id="1" name="">
+          <a:extLst>
+            <a:ext uri="{FF2B5EF4-FFF2-40B4-BE49-F238E27FC236}">
+              <a16:creationId xmlns:a16="http://schemas.microsoft.com/office/drawing/2014/main" xmlns="" id="{84847B3D-F9FE-E845-0A9E-7B3E4737F607}"/>
+            </a:ext>
+          </a:extLst>
+        </p:cNvPr>
+        <p:cNvGrpSpPr/>
+        <p:nvPr/>
+      </p:nvGrpSpPr>
+      <p:grpSpPr>
+        <a:xfrm>
+          <a:off x="0" y="0"/>
+          <a:ext cx="0" cy="0"/>
+          <a:chOff x="0" y="0"/>
+          <a:chExt cx="0" cy="0"/>
+        </a:xfrm>
+      </p:grpSpPr>
+      <p:sp>
+        <p:nvSpPr>
+          <p:cNvPr id="2" name="Slide Image Placeholder 1">
+            <a:extLst>
+              <a:ext uri="{FF2B5EF4-FFF2-40B4-BE49-F238E27FC236}">
+                <a16:creationId xmlns:a16="http://schemas.microsoft.com/office/drawing/2014/main" xmlns="" id="{A65C55DC-40F4-B8B2-A44F-CEE7EA9104C1}"/>
+              </a:ext>
+            </a:extLst>
+          </p:cNvPr>
+          <p:cNvSpPr>
+            <a:spLocks noGrp="1" noRot="1" noChangeAspect="1"/>
+          </p:cNvSpPr>
+          <p:nvPr>
+            <p:ph type="sldImg"/>
+          </p:nvPr>
+        </p:nvSpPr>
+        <p:spPr/>
+      </p:sp>
+      <p:sp>
+        <p:nvSpPr>
+          <p:cNvPr id="3" name="Notes Placeholder 2">
+            <a:extLst>
+              <a:ext uri="{FF2B5EF4-FFF2-40B4-BE49-F238E27FC236}">
+                <a16:creationId xmlns:a16="http://schemas.microsoft.com/office/drawing/2014/main" xmlns="" id="{AFAEFE12-CFF9-2E00-9808-098A1D824723}"/>
+              </a:ext>
+            </a:extLst>
+          </p:cNvPr>
+          <p:cNvSpPr>
+            <a:spLocks noGrp="1"/>
+          </p:cNvSpPr>
+          <p:nvPr>
+            <p:ph type="body" idx="1"/>
+          </p:nvPr>
+        </p:nvSpPr>
+        <p:spPr/>
+        <p:txBody>
+          <a:bodyPr/>
+          <a:lstStyle/>
+          <a:p>
+            <a:endParaRPr lang="en-US" dirty="0"/>
+          </a:p>
+        </p:txBody>
+      </p:sp>
+      <p:sp>
+        <p:nvSpPr>
+          <p:cNvPr id="4" name="Slide Number Placeholder 3">
+            <a:extLst>
+              <a:ext uri="{FF2B5EF4-FFF2-40B4-BE49-F238E27FC236}">
+                <a16:creationId xmlns:a16="http://schemas.microsoft.com/office/drawing/2014/main" xmlns="" id="{85084F94-5BAE-E3B2-298D-1E3D1D48D1F6}"/>
+              </a:ext>
+            </a:extLst>
+          </p:cNvPr>
+          <p:cNvSpPr>
+            <a:spLocks noGrp="1"/>
+          </p:cNvSpPr>
+          <p:nvPr>
+            <p:ph type="sldNum" sz="quarter" idx="5"/>
+          </p:nvPr>
+        </p:nvSpPr>
+        <p:spPr/>
+        <p:txBody>
+          <a:bodyPr/>
+          <a:lstStyle/>
+          <a:p>
+            <a:fld id="{55247812-3409-784D-BAE7-ABE53735D59F}" type="slidenum">
+              <a:rPr lang="en-US" smtClean="0"/>
+              <a:t>15</a:t>
+            </a:fld>
+            <a:endParaRPr lang="en-US"/>
+          </a:p>
+        </p:txBody>
+      </p:sp>
+    </p:spTree>
+    <p:extLst>
+      <p:ext uri="{BB962C8B-B14F-4D97-AF65-F5344CB8AC3E}">
+        <p14:creationId xmlns:p14="http://schemas.microsoft.com/office/powerpoint/2010/main" val="1899534547"/>
+      </p:ext>
+    </p:extLst>
+  </p:cSld>
+  <p:clrMapOvr>
+    <a:masterClrMapping/>
+  </p:clrMapOvr>
+</p:notes>
+</file>
+
+<file path=ppt/notesSlides/notesSlide15.xml><?xml version="1.0" encoding="utf-8"?>
+<p:notes xmlns:a="http://schemas.openxmlformats.org/drawingml/2006/main" xmlns:r="http://schemas.openxmlformats.org/officeDocument/2006/relationships" xmlns:p="http://schemas.openxmlformats.org/presentationml/2006/main">
+  <p:cSld>
+    <p:spTree>
+      <p:nvGrpSpPr>
+        <p:cNvPr id="1" name="">
+          <a:extLst>
+            <a:ext uri="{FF2B5EF4-FFF2-40B4-BE49-F238E27FC236}">
+              <a16:creationId xmlns:a16="http://schemas.microsoft.com/office/drawing/2014/main" xmlns="" id="{84847B3D-F9FE-E845-0A9E-7B3E4737F607}"/>
+            </a:ext>
+          </a:extLst>
+        </p:cNvPr>
+        <p:cNvGrpSpPr/>
+        <p:nvPr/>
+      </p:nvGrpSpPr>
+      <p:grpSpPr>
+        <a:xfrm>
+          <a:off x="0" y="0"/>
+          <a:ext cx="0" cy="0"/>
+          <a:chOff x="0" y="0"/>
+          <a:chExt cx="0" cy="0"/>
+        </a:xfrm>
+      </p:grpSpPr>
+      <p:sp>
+        <p:nvSpPr>
+          <p:cNvPr id="2" name="Slide Image Placeholder 1">
+            <a:extLst>
+              <a:ext uri="{FF2B5EF4-FFF2-40B4-BE49-F238E27FC236}">
+                <a16:creationId xmlns:a16="http://schemas.microsoft.com/office/drawing/2014/main" xmlns="" id="{A65C55DC-40F4-B8B2-A44F-CEE7EA9104C1}"/>
+              </a:ext>
+            </a:extLst>
+          </p:cNvPr>
+          <p:cNvSpPr>
+            <a:spLocks noGrp="1" noRot="1" noChangeAspect="1"/>
+          </p:cNvSpPr>
+          <p:nvPr>
+            <p:ph type="sldImg"/>
+          </p:nvPr>
+        </p:nvSpPr>
+        <p:spPr/>
+      </p:sp>
+      <p:sp>
+        <p:nvSpPr>
+          <p:cNvPr id="3" name="Notes Placeholder 2">
+            <a:extLst>
+              <a:ext uri="{FF2B5EF4-FFF2-40B4-BE49-F238E27FC236}">
+                <a16:creationId xmlns:a16="http://schemas.microsoft.com/office/drawing/2014/main" xmlns="" id="{AFAEFE12-CFF9-2E00-9808-098A1D824723}"/>
+              </a:ext>
+            </a:extLst>
+          </p:cNvPr>
+          <p:cNvSpPr>
+            <a:spLocks noGrp="1"/>
+          </p:cNvSpPr>
+          <p:nvPr>
+            <p:ph type="body" idx="1"/>
+          </p:nvPr>
+        </p:nvSpPr>
+        <p:spPr/>
+        <p:txBody>
+          <a:bodyPr/>
+          <a:lstStyle/>
+          <a:p>
+            <a:endParaRPr lang="en-US" dirty="0"/>
+          </a:p>
+        </p:txBody>
+      </p:sp>
+      <p:sp>
+        <p:nvSpPr>
+          <p:cNvPr id="4" name="Slide Number Placeholder 3">
+            <a:extLst>
+              <a:ext uri="{FF2B5EF4-FFF2-40B4-BE49-F238E27FC236}">
+                <a16:creationId xmlns:a16="http://schemas.microsoft.com/office/drawing/2014/main" xmlns="" id="{85084F94-5BAE-E3B2-298D-1E3D1D48D1F6}"/>
+              </a:ext>
+            </a:extLst>
+          </p:cNvPr>
+          <p:cNvSpPr>
+            <a:spLocks noGrp="1"/>
+          </p:cNvSpPr>
+          <p:nvPr>
+            <p:ph type="sldNum" sz="quarter" idx="5"/>
+          </p:nvPr>
+        </p:nvSpPr>
+        <p:spPr/>
+        <p:txBody>
+          <a:bodyPr/>
+          <a:lstStyle/>
+          <a:p>
+            <a:fld id="{55247812-3409-784D-BAE7-ABE53735D59F}" type="slidenum">
+              <a:rPr lang="en-US" smtClean="0"/>
+              <a:t>16</a:t>
+            </a:fld>
+            <a:endParaRPr lang="en-US"/>
+          </a:p>
+        </p:txBody>
+      </p:sp>
+    </p:spTree>
+    <p:extLst>
+      <p:ext uri="{BB962C8B-B14F-4D97-AF65-F5344CB8AC3E}">
+        <p14:creationId xmlns:p14="http://schemas.microsoft.com/office/powerpoint/2010/main" val="1899534547"/>
+      </p:ext>
+    </p:extLst>
+  </p:cSld>
+  <p:clrMapOvr>
+    <a:masterClrMapping/>
+  </p:clrMapOvr>
+</p:notes>
+</file>
+
+<file path=ppt/notesSlides/notesSlide16.xml><?xml version="1.0" encoding="utf-8"?>
+<p:notes xmlns:a="http://schemas.openxmlformats.org/drawingml/2006/main" xmlns:r="http://schemas.openxmlformats.org/officeDocument/2006/relationships" xmlns:p="http://schemas.openxmlformats.org/presentationml/2006/main">
+  <p:cSld>
+    <p:spTree>
+      <p:nvGrpSpPr>
+        <p:cNvPr id="1" name="">
+          <a:extLst>
+            <a:ext uri="{FF2B5EF4-FFF2-40B4-BE49-F238E27FC236}">
+              <a16:creationId xmlns:a16="http://schemas.microsoft.com/office/drawing/2014/main" xmlns="" id="{84847B3D-F9FE-E845-0A9E-7B3E4737F607}"/>
+            </a:ext>
+          </a:extLst>
+        </p:cNvPr>
+        <p:cNvGrpSpPr/>
+        <p:nvPr/>
+      </p:nvGrpSpPr>
+      <p:grpSpPr>
+        <a:xfrm>
+          <a:off x="0" y="0"/>
+          <a:ext cx="0" cy="0"/>
+          <a:chOff x="0" y="0"/>
+          <a:chExt cx="0" cy="0"/>
+        </a:xfrm>
+      </p:grpSpPr>
+      <p:sp>
+        <p:nvSpPr>
+          <p:cNvPr id="2" name="Slide Image Placeholder 1">
+            <a:extLst>
+              <a:ext uri="{FF2B5EF4-FFF2-40B4-BE49-F238E27FC236}">
+                <a16:creationId xmlns:a16="http://schemas.microsoft.com/office/drawing/2014/main" xmlns="" id="{A65C55DC-40F4-B8B2-A44F-CEE7EA9104C1}"/>
+              </a:ext>
+            </a:extLst>
+          </p:cNvPr>
+          <p:cNvSpPr>
+            <a:spLocks noGrp="1" noRot="1" noChangeAspect="1"/>
+          </p:cNvSpPr>
+          <p:nvPr>
+            <p:ph type="sldImg"/>
+          </p:nvPr>
+        </p:nvSpPr>
+        <p:spPr/>
+      </p:sp>
+      <p:sp>
+        <p:nvSpPr>
+          <p:cNvPr id="3" name="Notes Placeholder 2">
+            <a:extLst>
+              <a:ext uri="{FF2B5EF4-FFF2-40B4-BE49-F238E27FC236}">
+                <a16:creationId xmlns:a16="http://schemas.microsoft.com/office/drawing/2014/main" xmlns="" id="{AFAEFE12-CFF9-2E00-9808-098A1D824723}"/>
+              </a:ext>
+            </a:extLst>
+          </p:cNvPr>
+          <p:cNvSpPr>
+            <a:spLocks noGrp="1"/>
+          </p:cNvSpPr>
+          <p:nvPr>
+            <p:ph type="body" idx="1"/>
+          </p:nvPr>
+        </p:nvSpPr>
+        <p:spPr/>
+        <p:txBody>
+          <a:bodyPr/>
+          <a:lstStyle/>
+          <a:p>
+            <a:endParaRPr lang="en-US" dirty="0"/>
+          </a:p>
+        </p:txBody>
+      </p:sp>
+      <p:sp>
+        <p:nvSpPr>
+          <p:cNvPr id="4" name="Slide Number Placeholder 3">
+            <a:extLst>
+              <a:ext uri="{FF2B5EF4-FFF2-40B4-BE49-F238E27FC236}">
+                <a16:creationId xmlns:a16="http://schemas.microsoft.com/office/drawing/2014/main" xmlns="" id="{85084F94-5BAE-E3B2-298D-1E3D1D48D1F6}"/>
+              </a:ext>
+            </a:extLst>
+          </p:cNvPr>
+          <p:cNvSpPr>
+            <a:spLocks noGrp="1"/>
+          </p:cNvSpPr>
+          <p:nvPr>
+            <p:ph type="sldNum" sz="quarter" idx="5"/>
+          </p:nvPr>
+        </p:nvSpPr>
+        <p:spPr/>
+        <p:txBody>
+          <a:bodyPr/>
+          <a:lstStyle/>
+          <a:p>
+            <a:fld id="{55247812-3409-784D-BAE7-ABE53735D59F}" type="slidenum">
+              <a:rPr lang="en-US" smtClean="0"/>
+              <a:t>17</a:t>
+            </a:fld>
+            <a:endParaRPr lang="en-US"/>
+          </a:p>
+        </p:txBody>
+      </p:sp>
+    </p:spTree>
+    <p:extLst>
+      <p:ext uri="{BB962C8B-B14F-4D97-AF65-F5344CB8AC3E}">
+        <p14:creationId xmlns:p14="http://schemas.microsoft.com/office/powerpoint/2010/main" val="1899534547"/>
+      </p:ext>
+    </p:extLst>
+  </p:cSld>
+  <p:clrMapOvr>
+    <a:masterClrMapping/>
+  </p:clrMapOvr>
+</p:notes>
+</file>
+
+<file path=ppt/notesSlides/notesSlide17.xml><?xml version="1.0" encoding="utf-8"?>
+<p:notes xmlns:a="http://schemas.openxmlformats.org/drawingml/2006/main" xmlns:r="http://schemas.openxmlformats.org/officeDocument/2006/relationships" xmlns:p="http://schemas.openxmlformats.org/presentationml/2006/main">
+  <p:cSld>
+    <p:spTree>
+      <p:nvGrpSpPr>
+        <p:cNvPr id="1" name="">
+          <a:extLst>
+            <a:ext uri="{FF2B5EF4-FFF2-40B4-BE49-F238E27FC236}">
+              <a16:creationId xmlns:a16="http://schemas.microsoft.com/office/drawing/2014/main" xmlns="" id="{84847B3D-F9FE-E845-0A9E-7B3E4737F607}"/>
+            </a:ext>
+          </a:extLst>
+        </p:cNvPr>
+        <p:cNvGrpSpPr/>
+        <p:nvPr/>
+      </p:nvGrpSpPr>
+      <p:grpSpPr>
+        <a:xfrm>
+          <a:off x="0" y="0"/>
+          <a:ext cx="0" cy="0"/>
+          <a:chOff x="0" y="0"/>
+          <a:chExt cx="0" cy="0"/>
+        </a:xfrm>
+      </p:grpSpPr>
+      <p:sp>
+        <p:nvSpPr>
+          <p:cNvPr id="2" name="Slide Image Placeholder 1">
+            <a:extLst>
+              <a:ext uri="{FF2B5EF4-FFF2-40B4-BE49-F238E27FC236}">
+                <a16:creationId xmlns:a16="http://schemas.microsoft.com/office/drawing/2014/main" xmlns="" id="{A65C55DC-40F4-B8B2-A44F-CEE7EA9104C1}"/>
+              </a:ext>
+            </a:extLst>
+          </p:cNvPr>
+          <p:cNvSpPr>
+            <a:spLocks noGrp="1" noRot="1" noChangeAspect="1"/>
+          </p:cNvSpPr>
+          <p:nvPr>
+            <p:ph type="sldImg"/>
+          </p:nvPr>
+        </p:nvSpPr>
+        <p:spPr/>
+      </p:sp>
+      <p:sp>
+        <p:nvSpPr>
+          <p:cNvPr id="3" name="Notes Placeholder 2">
+            <a:extLst>
+              <a:ext uri="{FF2B5EF4-FFF2-40B4-BE49-F238E27FC236}">
+                <a16:creationId xmlns:a16="http://schemas.microsoft.com/office/drawing/2014/main" xmlns="" id="{AFAEFE12-CFF9-2E00-9808-098A1D824723}"/>
+              </a:ext>
+            </a:extLst>
+          </p:cNvPr>
+          <p:cNvSpPr>
+            <a:spLocks noGrp="1"/>
+          </p:cNvSpPr>
+          <p:nvPr>
+            <p:ph type="body" idx="1"/>
+          </p:nvPr>
+        </p:nvSpPr>
+        <p:spPr/>
+        <p:txBody>
+          <a:bodyPr/>
+          <a:lstStyle/>
+          <a:p>
+            <a:endParaRPr lang="en-US" dirty="0"/>
+          </a:p>
+        </p:txBody>
+      </p:sp>
+      <p:sp>
+        <p:nvSpPr>
+          <p:cNvPr id="4" name="Slide Number Placeholder 3">
+            <a:extLst>
+              <a:ext uri="{FF2B5EF4-FFF2-40B4-BE49-F238E27FC236}">
+                <a16:creationId xmlns:a16="http://schemas.microsoft.com/office/drawing/2014/main" xmlns="" id="{85084F94-5BAE-E3B2-298D-1E3D1D48D1F6}"/>
+              </a:ext>
+            </a:extLst>
+          </p:cNvPr>
+          <p:cNvSpPr>
+            <a:spLocks noGrp="1"/>
+          </p:cNvSpPr>
+          <p:nvPr>
+            <p:ph type="sldNum" sz="quarter" idx="5"/>
+          </p:nvPr>
+        </p:nvSpPr>
+        <p:spPr/>
+        <p:txBody>
+          <a:bodyPr/>
+          <a:lstStyle/>
+          <a:p>
+            <a:fld id="{55247812-3409-784D-BAE7-ABE53735D59F}" type="slidenum">
+              <a:rPr lang="en-US" smtClean="0"/>
+              <a:t>18</a:t>
+            </a:fld>
+            <a:endParaRPr lang="en-US"/>
+          </a:p>
+        </p:txBody>
+      </p:sp>
+    </p:spTree>
+    <p:extLst>
+      <p:ext uri="{BB962C8B-B14F-4D97-AF65-F5344CB8AC3E}">
+        <p14:creationId xmlns:p14="http://schemas.microsoft.com/office/powerpoint/2010/main" val="1899534547"/>
+      </p:ext>
+    </p:extLst>
+  </p:cSld>
+  <p:clrMapOvr>
+    <a:masterClrMapping/>
+  </p:clrMapOvr>
+</p:notes>
+</file>
+
+<file path=ppt/notesSlides/notesSlide18.xml><?xml version="1.0" encoding="utf-8"?>
+<p:notes xmlns:a="http://schemas.openxmlformats.org/drawingml/2006/main" xmlns:r="http://schemas.openxmlformats.org/officeDocument/2006/relationships" xmlns:p="http://schemas.openxmlformats.org/presentationml/2006/main">
+  <p:cSld>
+    <p:spTree>
+      <p:nvGrpSpPr>
+        <p:cNvPr id="1" name="">
+          <a:extLst>
+            <a:ext uri="{FF2B5EF4-FFF2-40B4-BE49-F238E27FC236}">
+              <a16:creationId xmlns:a16="http://schemas.microsoft.com/office/drawing/2014/main" xmlns="" id="{84847B3D-F9FE-E845-0A9E-7B3E4737F607}"/>
+            </a:ext>
+          </a:extLst>
+        </p:cNvPr>
+        <p:cNvGrpSpPr/>
+        <p:nvPr/>
+      </p:nvGrpSpPr>
+      <p:grpSpPr>
+        <a:xfrm>
+          <a:off x="0" y="0"/>
+          <a:ext cx="0" cy="0"/>
+          <a:chOff x="0" y="0"/>
+          <a:chExt cx="0" cy="0"/>
+        </a:xfrm>
+      </p:grpSpPr>
+      <p:sp>
+        <p:nvSpPr>
+          <p:cNvPr id="2" name="Slide Image Placeholder 1">
+            <a:extLst>
+              <a:ext uri="{FF2B5EF4-FFF2-40B4-BE49-F238E27FC236}">
+                <a16:creationId xmlns:a16="http://schemas.microsoft.com/office/drawing/2014/main" xmlns="" id="{A65C55DC-40F4-B8B2-A44F-CEE7EA9104C1}"/>
+              </a:ext>
+            </a:extLst>
+          </p:cNvPr>
+          <p:cNvSpPr>
+            <a:spLocks noGrp="1" noRot="1" noChangeAspect="1"/>
+          </p:cNvSpPr>
+          <p:nvPr>
+            <p:ph type="sldImg"/>
+          </p:nvPr>
+        </p:nvSpPr>
+        <p:spPr/>
+      </p:sp>
+      <p:sp>
+        <p:nvSpPr>
+          <p:cNvPr id="3" name="Notes Placeholder 2">
+            <a:extLst>
+              <a:ext uri="{FF2B5EF4-FFF2-40B4-BE49-F238E27FC236}">
+                <a16:creationId xmlns:a16="http://schemas.microsoft.com/office/drawing/2014/main" xmlns="" id="{AFAEFE12-CFF9-2E00-9808-098A1D824723}"/>
+              </a:ext>
+            </a:extLst>
+          </p:cNvPr>
+          <p:cNvSpPr>
+            <a:spLocks noGrp="1"/>
+          </p:cNvSpPr>
+          <p:nvPr>
+            <p:ph type="body" idx="1"/>
+          </p:nvPr>
+        </p:nvSpPr>
+        <p:spPr/>
+        <p:txBody>
+          <a:bodyPr/>
+          <a:lstStyle/>
+          <a:p>
+            <a:endParaRPr lang="en-US" dirty="0"/>
+          </a:p>
+        </p:txBody>
+      </p:sp>
+      <p:sp>
+        <p:nvSpPr>
+          <p:cNvPr id="4" name="Slide Number Placeholder 3">
+            <a:extLst>
+              <a:ext uri="{FF2B5EF4-FFF2-40B4-BE49-F238E27FC236}">
+                <a16:creationId xmlns:a16="http://schemas.microsoft.com/office/drawing/2014/main" xmlns="" id="{85084F94-5BAE-E3B2-298D-1E3D1D48D1F6}"/>
+              </a:ext>
+            </a:extLst>
+          </p:cNvPr>
+          <p:cNvSpPr>
+            <a:spLocks noGrp="1"/>
+          </p:cNvSpPr>
+          <p:nvPr>
+            <p:ph type="sldNum" sz="quarter" idx="5"/>
+          </p:nvPr>
+        </p:nvSpPr>
+        <p:spPr/>
+        <p:txBody>
+          <a:bodyPr/>
+          <a:lstStyle/>
+          <a:p>
+            <a:fld id="{55247812-3409-784D-BAE7-ABE53735D59F}" type="slidenum">
+              <a:rPr lang="en-US" smtClean="0"/>
+              <a:t>19</a:t>
+            </a:fld>
+            <a:endParaRPr lang="en-US"/>
+          </a:p>
+        </p:txBody>
+      </p:sp>
+    </p:spTree>
+    <p:extLst>
+      <p:ext uri="{BB962C8B-B14F-4D97-AF65-F5344CB8AC3E}">
+        <p14:creationId xmlns:p14="http://schemas.microsoft.com/office/powerpoint/2010/main" val="1899534547"/>
+      </p:ext>
+    </p:extLst>
+  </p:cSld>
+  <p:clrMapOvr>
+    <a:masterClrMapping/>
+  </p:clrMapOvr>
+</p:notes>
+</file>
+
+<file path=ppt/notesSlides/notesSlide19.xml><?xml version="1.0" encoding="utf-8"?>
+<p:notes xmlns:a="http://schemas.openxmlformats.org/drawingml/2006/main" xmlns:r="http://schemas.openxmlformats.org/officeDocument/2006/relationships" xmlns:p="http://schemas.openxmlformats.org/presentationml/2006/main">
+  <p:cSld>
+    <p:spTree>
+      <p:nvGrpSpPr>
+        <p:cNvPr id="1" name="">
+          <a:extLst>
+            <a:ext uri="{FF2B5EF4-FFF2-40B4-BE49-F238E27FC236}">
+              <a16:creationId xmlns:a16="http://schemas.microsoft.com/office/drawing/2014/main" xmlns="" id="{84847B3D-F9FE-E845-0A9E-7B3E4737F607}"/>
+            </a:ext>
+          </a:extLst>
+        </p:cNvPr>
+        <p:cNvGrpSpPr/>
+        <p:nvPr/>
+      </p:nvGrpSpPr>
+      <p:grpSpPr>
+        <a:xfrm>
+          <a:off x="0" y="0"/>
+          <a:ext cx="0" cy="0"/>
+          <a:chOff x="0" y="0"/>
+          <a:chExt cx="0" cy="0"/>
+        </a:xfrm>
+      </p:grpSpPr>
+      <p:sp>
+        <p:nvSpPr>
+          <p:cNvPr id="2" name="Slide Image Placeholder 1">
+            <a:extLst>
+              <a:ext uri="{FF2B5EF4-FFF2-40B4-BE49-F238E27FC236}">
+                <a16:creationId xmlns:a16="http://schemas.microsoft.com/office/drawing/2014/main" xmlns="" id="{A65C55DC-40F4-B8B2-A44F-CEE7EA9104C1}"/>
+              </a:ext>
+            </a:extLst>
+          </p:cNvPr>
+          <p:cNvSpPr>
+            <a:spLocks noGrp="1" noRot="1" noChangeAspect="1"/>
+          </p:cNvSpPr>
+          <p:nvPr>
+            <p:ph type="sldImg"/>
+          </p:nvPr>
+        </p:nvSpPr>
+        <p:spPr/>
+      </p:sp>
+      <p:sp>
+        <p:nvSpPr>
+          <p:cNvPr id="3" name="Notes Placeholder 2">
+            <a:extLst>
+              <a:ext uri="{FF2B5EF4-FFF2-40B4-BE49-F238E27FC236}">
+                <a16:creationId xmlns:a16="http://schemas.microsoft.com/office/drawing/2014/main" xmlns="" id="{AFAEFE12-CFF9-2E00-9808-098A1D824723}"/>
+              </a:ext>
+            </a:extLst>
+          </p:cNvPr>
+          <p:cNvSpPr>
+            <a:spLocks noGrp="1"/>
+          </p:cNvSpPr>
+          <p:nvPr>
+            <p:ph type="body" idx="1"/>
+          </p:nvPr>
+        </p:nvSpPr>
+        <p:spPr/>
+        <p:txBody>
+          <a:bodyPr/>
+          <a:lstStyle/>
+          <a:p>
+            <a:endParaRPr lang="en-US" dirty="0"/>
+          </a:p>
+        </p:txBody>
+      </p:sp>
+      <p:sp>
+        <p:nvSpPr>
+          <p:cNvPr id="4" name="Slide Number Placeholder 3">
+            <a:extLst>
+              <a:ext uri="{FF2B5EF4-FFF2-40B4-BE49-F238E27FC236}">
+                <a16:creationId xmlns:a16="http://schemas.microsoft.com/office/drawing/2014/main" xmlns="" id="{85084F94-5BAE-E3B2-298D-1E3D1D48D1F6}"/>
+              </a:ext>
+            </a:extLst>
+          </p:cNvPr>
+          <p:cNvSpPr>
+            <a:spLocks noGrp="1"/>
+          </p:cNvSpPr>
+          <p:nvPr>
+            <p:ph type="sldNum" sz="quarter" idx="5"/>
+          </p:nvPr>
+        </p:nvSpPr>
+        <p:spPr/>
+        <p:txBody>
+          <a:bodyPr/>
+          <a:lstStyle/>
+          <a:p>
+            <a:fld id="{55247812-3409-784D-BAE7-ABE53735D59F}" type="slidenum">
+              <a:rPr lang="en-US" smtClean="0"/>
+              <a:t>20</a:t>
+            </a:fld>
+            <a:endParaRPr lang="en-US"/>
+          </a:p>
+        </p:txBody>
+      </p:sp>
+    </p:spTree>
+    <p:extLst>
+      <p:ext uri="{BB962C8B-B14F-4D97-AF65-F5344CB8AC3E}">
+        <p14:creationId xmlns:p14="http://schemas.microsoft.com/office/powerpoint/2010/main" val="1899534547"/>
       </p:ext>
     </p:extLst>
   </p:cSld>
@@ -1093,7 +1857,7 @@
         <p:cNvPr id="1" name="">
           <a:extLst>
             <a:ext uri="{FF2B5EF4-FFF2-40B4-BE49-F238E27FC236}">
-              <a16:creationId xmlns="" xmlns:a16="http://schemas.microsoft.com/office/drawing/2014/main" id="{89563512-A8BA-1764-87C7-A00C34FD03E8}"/>
+              <a16:creationId xmlns:a16="http://schemas.microsoft.com/office/drawing/2014/main" xmlns="" id="{89563512-A8BA-1764-87C7-A00C34FD03E8}"/>
             </a:ext>
           </a:extLst>
         </p:cNvPr>
@@ -1113,7 +1877,7 @@
           <p:cNvPr id="2" name="Slide Image Placeholder 1">
             <a:extLst>
               <a:ext uri="{FF2B5EF4-FFF2-40B4-BE49-F238E27FC236}">
-                <a16:creationId xmlns="" xmlns:a16="http://schemas.microsoft.com/office/drawing/2014/main" id="{F8D8F7F0-68B1-3C8C-3974-1CFE7D3952A7}"/>
+                <a16:creationId xmlns:a16="http://schemas.microsoft.com/office/drawing/2014/main" xmlns="" id="{F8D8F7F0-68B1-3C8C-3974-1CFE7D3952A7}"/>
               </a:ext>
             </a:extLst>
           </p:cNvPr>
@@ -1131,7 +1895,7 @@
           <p:cNvPr id="3" name="Notes Placeholder 2">
             <a:extLst>
               <a:ext uri="{FF2B5EF4-FFF2-40B4-BE49-F238E27FC236}">
-                <a16:creationId xmlns="" xmlns:a16="http://schemas.microsoft.com/office/drawing/2014/main" id="{7893E87E-9A62-BE42-B48F-A4960F0B96B7}"/>
+                <a16:creationId xmlns:a16="http://schemas.microsoft.com/office/drawing/2014/main" xmlns="" id="{7893E87E-9A62-BE42-B48F-A4960F0B96B7}"/>
               </a:ext>
             </a:extLst>
           </p:cNvPr>
@@ -1156,7 +1920,7 @@
           <p:cNvPr id="4" name="Slide Number Placeholder 3">
             <a:extLst>
               <a:ext uri="{FF2B5EF4-FFF2-40B4-BE49-F238E27FC236}">
-                <a16:creationId xmlns="" xmlns:a16="http://schemas.microsoft.com/office/drawing/2014/main" id="{61190961-0558-0020-C7FC-07CF6AD55449}"/>
+                <a16:creationId xmlns:a16="http://schemas.microsoft.com/office/drawing/2014/main" xmlns="" id="{61190961-0558-0020-C7FC-07CF6AD55449}"/>
               </a:ext>
             </a:extLst>
           </p:cNvPr>
@@ -1184,6 +1948,114 @@
     <p:extLst>
       <p:ext uri="{BB962C8B-B14F-4D97-AF65-F5344CB8AC3E}">
         <p14:creationId xmlns:p14="http://schemas.microsoft.com/office/powerpoint/2010/main" val="1302382842"/>
+      </p:ext>
+    </p:extLst>
+  </p:cSld>
+  <p:clrMapOvr>
+    <a:masterClrMapping/>
+  </p:clrMapOvr>
+</p:notes>
+</file>
+
+<file path=ppt/notesSlides/notesSlide20.xml><?xml version="1.0" encoding="utf-8"?>
+<p:notes xmlns:a="http://schemas.openxmlformats.org/drawingml/2006/main" xmlns:r="http://schemas.openxmlformats.org/officeDocument/2006/relationships" xmlns:p="http://schemas.openxmlformats.org/presentationml/2006/main">
+  <p:cSld>
+    <p:spTree>
+      <p:nvGrpSpPr>
+        <p:cNvPr id="1" name="">
+          <a:extLst>
+            <a:ext uri="{FF2B5EF4-FFF2-40B4-BE49-F238E27FC236}">
+              <a16:creationId xmlns:a16="http://schemas.microsoft.com/office/drawing/2014/main" xmlns="" id="{84F15084-9E64-0732-2172-D06E24D20324}"/>
+            </a:ext>
+          </a:extLst>
+        </p:cNvPr>
+        <p:cNvGrpSpPr/>
+        <p:nvPr/>
+      </p:nvGrpSpPr>
+      <p:grpSpPr>
+        <a:xfrm>
+          <a:off x="0" y="0"/>
+          <a:ext cx="0" cy="0"/>
+          <a:chOff x="0" y="0"/>
+          <a:chExt cx="0" cy="0"/>
+        </a:xfrm>
+      </p:grpSpPr>
+      <p:sp>
+        <p:nvSpPr>
+          <p:cNvPr id="2" name="Slide Image Placeholder 1">
+            <a:extLst>
+              <a:ext uri="{FF2B5EF4-FFF2-40B4-BE49-F238E27FC236}">
+                <a16:creationId xmlns:a16="http://schemas.microsoft.com/office/drawing/2014/main" xmlns="" id="{7CCBBEEF-0F58-7DB2-13AB-6DAFC52BE070}"/>
+              </a:ext>
+            </a:extLst>
+          </p:cNvPr>
+          <p:cNvSpPr>
+            <a:spLocks noGrp="1" noRot="1" noChangeAspect="1"/>
+          </p:cNvSpPr>
+          <p:nvPr>
+            <p:ph type="sldImg"/>
+          </p:nvPr>
+        </p:nvSpPr>
+        <p:spPr/>
+      </p:sp>
+      <p:sp>
+        <p:nvSpPr>
+          <p:cNvPr id="3" name="Notes Placeholder 2">
+            <a:extLst>
+              <a:ext uri="{FF2B5EF4-FFF2-40B4-BE49-F238E27FC236}">
+                <a16:creationId xmlns:a16="http://schemas.microsoft.com/office/drawing/2014/main" xmlns="" id="{C62C92A2-0E82-6EA1-AA1F-C125D6D8C6A8}"/>
+              </a:ext>
+            </a:extLst>
+          </p:cNvPr>
+          <p:cNvSpPr>
+            <a:spLocks noGrp="1"/>
+          </p:cNvSpPr>
+          <p:nvPr>
+            <p:ph type="body" idx="1"/>
+          </p:nvPr>
+        </p:nvSpPr>
+        <p:spPr/>
+        <p:txBody>
+          <a:bodyPr/>
+          <a:lstStyle/>
+          <a:p>
+            <a:endParaRPr lang="en-US"/>
+          </a:p>
+        </p:txBody>
+      </p:sp>
+      <p:sp>
+        <p:nvSpPr>
+          <p:cNvPr id="4" name="Slide Number Placeholder 3">
+            <a:extLst>
+              <a:ext uri="{FF2B5EF4-FFF2-40B4-BE49-F238E27FC236}">
+                <a16:creationId xmlns:a16="http://schemas.microsoft.com/office/drawing/2014/main" xmlns="" id="{F80306BD-3757-CA40-4082-AACA5F6DB656}"/>
+              </a:ext>
+            </a:extLst>
+          </p:cNvPr>
+          <p:cNvSpPr>
+            <a:spLocks noGrp="1"/>
+          </p:cNvSpPr>
+          <p:nvPr>
+            <p:ph type="sldNum" sz="quarter" idx="5"/>
+          </p:nvPr>
+        </p:nvSpPr>
+        <p:spPr/>
+        <p:txBody>
+          <a:bodyPr/>
+          <a:lstStyle/>
+          <a:p>
+            <a:fld id="{55247812-3409-784D-BAE7-ABE53735D59F}" type="slidenum">
+              <a:rPr lang="en-US" smtClean="0"/>
+              <a:t>21</a:t>
+            </a:fld>
+            <a:endParaRPr lang="en-US"/>
+          </a:p>
+        </p:txBody>
+      </p:sp>
+    </p:spTree>
+    <p:extLst>
+      <p:ext uri="{BB962C8B-B14F-4D97-AF65-F5344CB8AC3E}">
+        <p14:creationId xmlns:p14="http://schemas.microsoft.com/office/powerpoint/2010/main" val="2113507462"/>
       </p:ext>
     </p:extLst>
   </p:cSld>
@@ -1201,7 +2073,7 @@
         <p:cNvPr id="1" name="">
           <a:extLst>
             <a:ext uri="{FF2B5EF4-FFF2-40B4-BE49-F238E27FC236}">
-              <a16:creationId xmlns="" xmlns:a16="http://schemas.microsoft.com/office/drawing/2014/main" id="{413E0E2F-FB5F-19AD-18FD-02AFD3C3D2A7}"/>
+              <a16:creationId xmlns:a16="http://schemas.microsoft.com/office/drawing/2014/main" xmlns="" id="{413E0E2F-FB5F-19AD-18FD-02AFD3C3D2A7}"/>
             </a:ext>
           </a:extLst>
         </p:cNvPr>
@@ -1221,7 +2093,7 @@
           <p:cNvPr id="2" name="Slide Image Placeholder 1">
             <a:extLst>
               <a:ext uri="{FF2B5EF4-FFF2-40B4-BE49-F238E27FC236}">
-                <a16:creationId xmlns="" xmlns:a16="http://schemas.microsoft.com/office/drawing/2014/main" id="{7836B388-51EF-10FA-3783-0696B2AF7329}"/>
+                <a16:creationId xmlns:a16="http://schemas.microsoft.com/office/drawing/2014/main" xmlns="" id="{7836B388-51EF-10FA-3783-0696B2AF7329}"/>
               </a:ext>
             </a:extLst>
           </p:cNvPr>
@@ -1239,7 +2111,7 @@
           <p:cNvPr id="3" name="Notes Placeholder 2">
             <a:extLst>
               <a:ext uri="{FF2B5EF4-FFF2-40B4-BE49-F238E27FC236}">
-                <a16:creationId xmlns="" xmlns:a16="http://schemas.microsoft.com/office/drawing/2014/main" id="{31C1FAC0-00E4-5BDB-5727-4597CCDC9776}"/>
+                <a16:creationId xmlns:a16="http://schemas.microsoft.com/office/drawing/2014/main" xmlns="" id="{31C1FAC0-00E4-5BDB-5727-4597CCDC9776}"/>
               </a:ext>
             </a:extLst>
           </p:cNvPr>
@@ -1264,7 +2136,7 @@
           <p:cNvPr id="4" name="Slide Number Placeholder 3">
             <a:extLst>
               <a:ext uri="{FF2B5EF4-FFF2-40B4-BE49-F238E27FC236}">
-                <a16:creationId xmlns="" xmlns:a16="http://schemas.microsoft.com/office/drawing/2014/main" id="{387CD11C-29A5-A450-5B49-9B2C8F5A483A}"/>
+                <a16:creationId xmlns:a16="http://schemas.microsoft.com/office/drawing/2014/main" xmlns="" id="{387CD11C-29A5-A450-5B49-9B2C8F5A483A}"/>
               </a:ext>
             </a:extLst>
           </p:cNvPr>
@@ -1309,7 +2181,7 @@
         <p:cNvPr id="1" name="">
           <a:extLst>
             <a:ext uri="{FF2B5EF4-FFF2-40B4-BE49-F238E27FC236}">
-              <a16:creationId xmlns="" xmlns:a16="http://schemas.microsoft.com/office/drawing/2014/main" id="{32CDD179-4403-A07F-630C-A153B2FB9440}"/>
+              <a16:creationId xmlns:a16="http://schemas.microsoft.com/office/drawing/2014/main" xmlns="" id="{32CDD179-4403-A07F-630C-A153B2FB9440}"/>
             </a:ext>
           </a:extLst>
         </p:cNvPr>
@@ -1329,7 +2201,7 @@
           <p:cNvPr id="2" name="Slide Image Placeholder 1">
             <a:extLst>
               <a:ext uri="{FF2B5EF4-FFF2-40B4-BE49-F238E27FC236}">
-                <a16:creationId xmlns="" xmlns:a16="http://schemas.microsoft.com/office/drawing/2014/main" id="{C5371C59-0780-417A-50AE-5F81ED51E3DD}"/>
+                <a16:creationId xmlns:a16="http://schemas.microsoft.com/office/drawing/2014/main" xmlns="" id="{C5371C59-0780-417A-50AE-5F81ED51E3DD}"/>
               </a:ext>
             </a:extLst>
           </p:cNvPr>
@@ -1347,7 +2219,7 @@
           <p:cNvPr id="3" name="Notes Placeholder 2">
             <a:extLst>
               <a:ext uri="{FF2B5EF4-FFF2-40B4-BE49-F238E27FC236}">
-                <a16:creationId xmlns="" xmlns:a16="http://schemas.microsoft.com/office/drawing/2014/main" id="{3877DC73-D2E6-4C8A-5B32-AAE3B3DEC3E1}"/>
+                <a16:creationId xmlns:a16="http://schemas.microsoft.com/office/drawing/2014/main" xmlns="" id="{3877DC73-D2E6-4C8A-5B32-AAE3B3DEC3E1}"/>
               </a:ext>
             </a:extLst>
           </p:cNvPr>
@@ -1372,7 +2244,7 @@
           <p:cNvPr id="4" name="Slide Number Placeholder 3">
             <a:extLst>
               <a:ext uri="{FF2B5EF4-FFF2-40B4-BE49-F238E27FC236}">
-                <a16:creationId xmlns="" xmlns:a16="http://schemas.microsoft.com/office/drawing/2014/main" id="{A53F2668-F7D8-0DD8-090D-8D685CDFDF82}"/>
+                <a16:creationId xmlns:a16="http://schemas.microsoft.com/office/drawing/2014/main" xmlns="" id="{A53F2668-F7D8-0DD8-090D-8D685CDFDF82}"/>
               </a:ext>
             </a:extLst>
           </p:cNvPr>
@@ -1417,7 +2289,7 @@
         <p:cNvPr id="1" name="">
           <a:extLst>
             <a:ext uri="{FF2B5EF4-FFF2-40B4-BE49-F238E27FC236}">
-              <a16:creationId xmlns="" xmlns:a16="http://schemas.microsoft.com/office/drawing/2014/main" id="{611B77C4-0D39-64D6-A86B-642112E29695}"/>
+              <a16:creationId xmlns:a16="http://schemas.microsoft.com/office/drawing/2014/main" xmlns="" id="{611B77C4-0D39-64D6-A86B-642112E29695}"/>
             </a:ext>
           </a:extLst>
         </p:cNvPr>
@@ -1437,7 +2309,7 @@
           <p:cNvPr id="2" name="Slide Image Placeholder 1">
             <a:extLst>
               <a:ext uri="{FF2B5EF4-FFF2-40B4-BE49-F238E27FC236}">
-                <a16:creationId xmlns="" xmlns:a16="http://schemas.microsoft.com/office/drawing/2014/main" id="{248CF8F3-1596-3F28-5175-2E3D216F2B36}"/>
+                <a16:creationId xmlns:a16="http://schemas.microsoft.com/office/drawing/2014/main" xmlns="" id="{248CF8F3-1596-3F28-5175-2E3D216F2B36}"/>
               </a:ext>
             </a:extLst>
           </p:cNvPr>
@@ -1455,7 +2327,7 @@
           <p:cNvPr id="3" name="Notes Placeholder 2">
             <a:extLst>
               <a:ext uri="{FF2B5EF4-FFF2-40B4-BE49-F238E27FC236}">
-                <a16:creationId xmlns="" xmlns:a16="http://schemas.microsoft.com/office/drawing/2014/main" id="{8DAF0CB2-EC6B-167D-32D1-6BCC4A35A007}"/>
+                <a16:creationId xmlns:a16="http://schemas.microsoft.com/office/drawing/2014/main" xmlns="" id="{8DAF0CB2-EC6B-167D-32D1-6BCC4A35A007}"/>
               </a:ext>
             </a:extLst>
           </p:cNvPr>
@@ -1480,7 +2352,7 @@
           <p:cNvPr id="4" name="Slide Number Placeholder 3">
             <a:extLst>
               <a:ext uri="{FF2B5EF4-FFF2-40B4-BE49-F238E27FC236}">
-                <a16:creationId xmlns="" xmlns:a16="http://schemas.microsoft.com/office/drawing/2014/main" id="{4B9C545A-1AD5-BFF5-B687-7B9BD552CC0D}"/>
+                <a16:creationId xmlns:a16="http://schemas.microsoft.com/office/drawing/2014/main" xmlns="" id="{4B9C545A-1AD5-BFF5-B687-7B9BD552CC0D}"/>
               </a:ext>
             </a:extLst>
           </p:cNvPr>
@@ -1525,7 +2397,7 @@
         <p:cNvPr id="1" name="">
           <a:extLst>
             <a:ext uri="{FF2B5EF4-FFF2-40B4-BE49-F238E27FC236}">
-              <a16:creationId xmlns="" xmlns:a16="http://schemas.microsoft.com/office/drawing/2014/main" id="{3E01EA9D-0D8E-B3B3-3471-A72EA7077645}"/>
+              <a16:creationId xmlns:a16="http://schemas.microsoft.com/office/drawing/2014/main" xmlns="" id="{3E01EA9D-0D8E-B3B3-3471-A72EA7077645}"/>
             </a:ext>
           </a:extLst>
         </p:cNvPr>
@@ -1545,7 +2417,7 @@
           <p:cNvPr id="2" name="Slide Image Placeholder 1">
             <a:extLst>
               <a:ext uri="{FF2B5EF4-FFF2-40B4-BE49-F238E27FC236}">
-                <a16:creationId xmlns="" xmlns:a16="http://schemas.microsoft.com/office/drawing/2014/main" id="{7B90D1D5-C864-5E4C-3C40-4D43E6C4296D}"/>
+                <a16:creationId xmlns:a16="http://schemas.microsoft.com/office/drawing/2014/main" xmlns="" id="{7B90D1D5-C864-5E4C-3C40-4D43E6C4296D}"/>
               </a:ext>
             </a:extLst>
           </p:cNvPr>
@@ -1563,7 +2435,7 @@
           <p:cNvPr id="3" name="Notes Placeholder 2">
             <a:extLst>
               <a:ext uri="{FF2B5EF4-FFF2-40B4-BE49-F238E27FC236}">
-                <a16:creationId xmlns="" xmlns:a16="http://schemas.microsoft.com/office/drawing/2014/main" id="{ED9CB586-8860-3BD8-3381-DA1CEFABC39B}"/>
+                <a16:creationId xmlns:a16="http://schemas.microsoft.com/office/drawing/2014/main" xmlns="" id="{ED9CB586-8860-3BD8-3381-DA1CEFABC39B}"/>
               </a:ext>
             </a:extLst>
           </p:cNvPr>
@@ -1588,7 +2460,7 @@
           <p:cNvPr id="4" name="Slide Number Placeholder 3">
             <a:extLst>
               <a:ext uri="{FF2B5EF4-FFF2-40B4-BE49-F238E27FC236}">
-                <a16:creationId xmlns="" xmlns:a16="http://schemas.microsoft.com/office/drawing/2014/main" id="{C0A432A5-CFDC-1082-A3A3-88230315F764}"/>
+                <a16:creationId xmlns:a16="http://schemas.microsoft.com/office/drawing/2014/main" xmlns="" id="{C0A432A5-CFDC-1082-A3A3-88230315F764}"/>
               </a:ext>
             </a:extLst>
           </p:cNvPr>
@@ -1633,7 +2505,7 @@
         <p:cNvPr id="1" name="">
           <a:extLst>
             <a:ext uri="{FF2B5EF4-FFF2-40B4-BE49-F238E27FC236}">
-              <a16:creationId xmlns="" xmlns:a16="http://schemas.microsoft.com/office/drawing/2014/main" id="{3E01EA9D-0D8E-B3B3-3471-A72EA7077645}"/>
+              <a16:creationId xmlns:a16="http://schemas.microsoft.com/office/drawing/2014/main" xmlns="" id="{3E01EA9D-0D8E-B3B3-3471-A72EA7077645}"/>
             </a:ext>
           </a:extLst>
         </p:cNvPr>
@@ -1653,7 +2525,7 @@
           <p:cNvPr id="2" name="Slide Image Placeholder 1">
             <a:extLst>
               <a:ext uri="{FF2B5EF4-FFF2-40B4-BE49-F238E27FC236}">
-                <a16:creationId xmlns="" xmlns:a16="http://schemas.microsoft.com/office/drawing/2014/main" id="{7B90D1D5-C864-5E4C-3C40-4D43E6C4296D}"/>
+                <a16:creationId xmlns:a16="http://schemas.microsoft.com/office/drawing/2014/main" xmlns="" id="{7B90D1D5-C864-5E4C-3C40-4D43E6C4296D}"/>
               </a:ext>
             </a:extLst>
           </p:cNvPr>
@@ -1671,7 +2543,7 @@
           <p:cNvPr id="3" name="Notes Placeholder 2">
             <a:extLst>
               <a:ext uri="{FF2B5EF4-FFF2-40B4-BE49-F238E27FC236}">
-                <a16:creationId xmlns="" xmlns:a16="http://schemas.microsoft.com/office/drawing/2014/main" id="{ED9CB586-8860-3BD8-3381-DA1CEFABC39B}"/>
+                <a16:creationId xmlns:a16="http://schemas.microsoft.com/office/drawing/2014/main" xmlns="" id="{ED9CB586-8860-3BD8-3381-DA1CEFABC39B}"/>
               </a:ext>
             </a:extLst>
           </p:cNvPr>
@@ -1696,7 +2568,7 @@
           <p:cNvPr id="4" name="Slide Number Placeholder 3">
             <a:extLst>
               <a:ext uri="{FF2B5EF4-FFF2-40B4-BE49-F238E27FC236}">
-                <a16:creationId xmlns="" xmlns:a16="http://schemas.microsoft.com/office/drawing/2014/main" id="{C0A432A5-CFDC-1082-A3A3-88230315F764}"/>
+                <a16:creationId xmlns:a16="http://schemas.microsoft.com/office/drawing/2014/main" xmlns="" id="{C0A432A5-CFDC-1082-A3A3-88230315F764}"/>
               </a:ext>
             </a:extLst>
           </p:cNvPr>
@@ -1741,7 +2613,7 @@
         <p:cNvPr id="1" name="">
           <a:extLst>
             <a:ext uri="{FF2B5EF4-FFF2-40B4-BE49-F238E27FC236}">
-              <a16:creationId xmlns="" xmlns:a16="http://schemas.microsoft.com/office/drawing/2014/main" id="{5EB58F29-43BC-250B-F029-F71591A0B61F}"/>
+              <a16:creationId xmlns:a16="http://schemas.microsoft.com/office/drawing/2014/main" xmlns="" id="{5EB58F29-43BC-250B-F029-F71591A0B61F}"/>
             </a:ext>
           </a:extLst>
         </p:cNvPr>
@@ -1761,7 +2633,7 @@
           <p:cNvPr id="2" name="Slide Image Placeholder 1">
             <a:extLst>
               <a:ext uri="{FF2B5EF4-FFF2-40B4-BE49-F238E27FC236}">
-                <a16:creationId xmlns="" xmlns:a16="http://schemas.microsoft.com/office/drawing/2014/main" id="{5DE86BF1-A149-E84A-3F16-6B3EA6508255}"/>
+                <a16:creationId xmlns:a16="http://schemas.microsoft.com/office/drawing/2014/main" xmlns="" id="{5DE86BF1-A149-E84A-3F16-6B3EA6508255}"/>
               </a:ext>
             </a:extLst>
           </p:cNvPr>
@@ -1779,7 +2651,7 @@
           <p:cNvPr id="3" name="Notes Placeholder 2">
             <a:extLst>
               <a:ext uri="{FF2B5EF4-FFF2-40B4-BE49-F238E27FC236}">
-                <a16:creationId xmlns="" xmlns:a16="http://schemas.microsoft.com/office/drawing/2014/main" id="{CA0F34B0-7045-260E-477B-11A6EFF1956C}"/>
+                <a16:creationId xmlns:a16="http://schemas.microsoft.com/office/drawing/2014/main" xmlns="" id="{CA0F34B0-7045-260E-477B-11A6EFF1956C}"/>
               </a:ext>
             </a:extLst>
           </p:cNvPr>
@@ -1804,7 +2676,7 @@
           <p:cNvPr id="4" name="Slide Number Placeholder 3">
             <a:extLst>
               <a:ext uri="{FF2B5EF4-FFF2-40B4-BE49-F238E27FC236}">
-                <a16:creationId xmlns="" xmlns:a16="http://schemas.microsoft.com/office/drawing/2014/main" id="{A5688479-B809-6A48-F4C5-5339F475891A}"/>
+                <a16:creationId xmlns:a16="http://schemas.microsoft.com/office/drawing/2014/main" xmlns="" id="{A5688479-B809-6A48-F4C5-5339F475891A}"/>
               </a:ext>
             </a:extLst>
           </p:cNvPr>
@@ -1849,7 +2721,7 @@
         <p:cNvPr id="1" name="">
           <a:extLst>
             <a:ext uri="{FF2B5EF4-FFF2-40B4-BE49-F238E27FC236}">
-              <a16:creationId xmlns="" xmlns:a16="http://schemas.microsoft.com/office/drawing/2014/main" id="{84847B3D-F9FE-E845-0A9E-7B3E4737F607}"/>
+              <a16:creationId xmlns:a16="http://schemas.microsoft.com/office/drawing/2014/main" xmlns="" id="{84847B3D-F9FE-E845-0A9E-7B3E4737F607}"/>
             </a:ext>
           </a:extLst>
         </p:cNvPr>
@@ -1869,7 +2741,7 @@
           <p:cNvPr id="2" name="Slide Image Placeholder 1">
             <a:extLst>
               <a:ext uri="{FF2B5EF4-FFF2-40B4-BE49-F238E27FC236}">
-                <a16:creationId xmlns="" xmlns:a16="http://schemas.microsoft.com/office/drawing/2014/main" id="{A65C55DC-40F4-B8B2-A44F-CEE7EA9104C1}"/>
+                <a16:creationId xmlns:a16="http://schemas.microsoft.com/office/drawing/2014/main" xmlns="" id="{A65C55DC-40F4-B8B2-A44F-CEE7EA9104C1}"/>
               </a:ext>
             </a:extLst>
           </p:cNvPr>
@@ -1887,7 +2759,7 @@
           <p:cNvPr id="3" name="Notes Placeholder 2">
             <a:extLst>
               <a:ext uri="{FF2B5EF4-FFF2-40B4-BE49-F238E27FC236}">
-                <a16:creationId xmlns="" xmlns:a16="http://schemas.microsoft.com/office/drawing/2014/main" id="{AFAEFE12-CFF9-2E00-9808-098A1D824723}"/>
+                <a16:creationId xmlns:a16="http://schemas.microsoft.com/office/drawing/2014/main" xmlns="" id="{AFAEFE12-CFF9-2E00-9808-098A1D824723}"/>
               </a:ext>
             </a:extLst>
           </p:cNvPr>
@@ -1912,7 +2784,7 @@
           <p:cNvPr id="4" name="Slide Number Placeholder 3">
             <a:extLst>
               <a:ext uri="{FF2B5EF4-FFF2-40B4-BE49-F238E27FC236}">
-                <a16:creationId xmlns="" xmlns:a16="http://schemas.microsoft.com/office/drawing/2014/main" id="{85084F94-5BAE-E3B2-298D-1E3D1D48D1F6}"/>
+                <a16:creationId xmlns:a16="http://schemas.microsoft.com/office/drawing/2014/main" xmlns="" id="{85084F94-5BAE-E3B2-298D-1E3D1D48D1F6}"/>
               </a:ext>
             </a:extLst>
           </p:cNvPr>
@@ -1979,7 +2851,7 @@
           <p:cNvPr id="7" name="Picture Placeholder 6">
             <a:extLst>
               <a:ext uri="{FF2B5EF4-FFF2-40B4-BE49-F238E27FC236}">
-                <a16:creationId xmlns="" xmlns:a16="http://schemas.microsoft.com/office/drawing/2014/main" id="{7A7F58C7-D277-8F14-F024-4B41D20D054F}"/>
+                <a16:creationId xmlns:a16="http://schemas.microsoft.com/office/drawing/2014/main" xmlns="" id="{7A7F58C7-D277-8F14-F024-4B41D20D054F}"/>
               </a:ext>
             </a:extLst>
           </p:cNvPr>
@@ -2024,7 +2896,7 @@
           <p:cNvPr id="6" name="Title 1">
             <a:extLst>
               <a:ext uri="{FF2B5EF4-FFF2-40B4-BE49-F238E27FC236}">
-                <a16:creationId xmlns="" xmlns:a16="http://schemas.microsoft.com/office/drawing/2014/main" id="{2E8C189B-2E00-67DA-E342-3440F5EBB4CE}"/>
+                <a16:creationId xmlns:a16="http://schemas.microsoft.com/office/drawing/2014/main" xmlns="" id="{2E8C189B-2E00-67DA-E342-3440F5EBB4CE}"/>
               </a:ext>
             </a:extLst>
           </p:cNvPr>
@@ -2097,7 +2969,7 @@
           <p:cNvPr id="2" name="Title 1">
             <a:extLst>
               <a:ext uri="{FF2B5EF4-FFF2-40B4-BE49-F238E27FC236}">
-                <a16:creationId xmlns="" xmlns:a16="http://schemas.microsoft.com/office/drawing/2014/main" id="{0C40C44A-93E6-6C58-5E88-AFDC594EC27A}"/>
+                <a16:creationId xmlns:a16="http://schemas.microsoft.com/office/drawing/2014/main" xmlns="" id="{0C40C44A-93E6-6C58-5E88-AFDC594EC27A}"/>
               </a:ext>
             </a:extLst>
           </p:cNvPr>
@@ -2136,7 +3008,7 @@
           <p:cNvPr id="8" name="Content Placeholder 10">
             <a:extLst>
               <a:ext uri="{FF2B5EF4-FFF2-40B4-BE49-F238E27FC236}">
-                <a16:creationId xmlns="" xmlns:a16="http://schemas.microsoft.com/office/drawing/2014/main" id="{A524C1E0-92FE-D7D2-83A7-46D29A838874}"/>
+                <a16:creationId xmlns:a16="http://schemas.microsoft.com/office/drawing/2014/main" xmlns="" id="{A524C1E0-92FE-D7D2-83A7-46D29A838874}"/>
               </a:ext>
             </a:extLst>
           </p:cNvPr>
@@ -2284,7 +3156,7 @@
           <p:cNvPr id="11" name="Content Placeholder 10">
             <a:extLst>
               <a:ext uri="{FF2B5EF4-FFF2-40B4-BE49-F238E27FC236}">
-                <a16:creationId xmlns="" xmlns:a16="http://schemas.microsoft.com/office/drawing/2014/main" id="{427E0367-8E38-8905-DC9A-D0C376A591A7}"/>
+                <a16:creationId xmlns:a16="http://schemas.microsoft.com/office/drawing/2014/main" xmlns="" id="{427E0367-8E38-8905-DC9A-D0C376A591A7}"/>
               </a:ext>
             </a:extLst>
           </p:cNvPr>
@@ -2432,10 +3304,10 @@
           <p:cNvPr id="10" name="Rectangle 9">
             <a:extLst>
               <a:ext uri="{FF2B5EF4-FFF2-40B4-BE49-F238E27FC236}">
-                <a16:creationId xmlns="" xmlns:a16="http://schemas.microsoft.com/office/drawing/2014/main" id="{43D847DE-29F2-8ABB-1718-34BED4F37718}"/>
+                <a16:creationId xmlns:a16="http://schemas.microsoft.com/office/drawing/2014/main" xmlns="" id="{43D847DE-29F2-8ABB-1718-34BED4F37718}"/>
               </a:ext>
               <a:ext uri="{C183D7F6-B498-43B3-948B-1728B52AA6E4}">
-                <adec:decorative xmlns="" xmlns:adec="http://schemas.microsoft.com/office/drawing/2017/decorative" val="1"/>
+                <adec:decorative xmlns:adec="http://schemas.microsoft.com/office/drawing/2017/decorative" xmlns="" val="1"/>
               </a:ext>
             </a:extLst>
           </p:cNvPr>
@@ -2504,7 +3376,7 @@
           <p:cNvPr id="5" name="Date Placeholder 4">
             <a:extLst>
               <a:ext uri="{FF2B5EF4-FFF2-40B4-BE49-F238E27FC236}">
-                <a16:creationId xmlns="" xmlns:a16="http://schemas.microsoft.com/office/drawing/2014/main" id="{C6CFCEB5-4092-FD13-478E-51CD74FDB82E}"/>
+                <a16:creationId xmlns:a16="http://schemas.microsoft.com/office/drawing/2014/main" xmlns="" id="{C6CFCEB5-4092-FD13-478E-51CD74FDB82E}"/>
               </a:ext>
             </a:extLst>
           </p:cNvPr>
@@ -2533,7 +3405,7 @@
           <p:cNvPr id="6" name="Footer Placeholder 5">
             <a:extLst>
               <a:ext uri="{FF2B5EF4-FFF2-40B4-BE49-F238E27FC236}">
-                <a16:creationId xmlns="" xmlns:a16="http://schemas.microsoft.com/office/drawing/2014/main" id="{5D077A4D-E7C0-912D-293F-D93F0CB5CA49}"/>
+                <a16:creationId xmlns:a16="http://schemas.microsoft.com/office/drawing/2014/main" xmlns="" id="{5D077A4D-E7C0-912D-293F-D93F0CB5CA49}"/>
               </a:ext>
             </a:extLst>
           </p:cNvPr>
@@ -2558,7 +3430,7 @@
           <p:cNvPr id="7" name="Slide Number Placeholder 6">
             <a:extLst>
               <a:ext uri="{FF2B5EF4-FFF2-40B4-BE49-F238E27FC236}">
-                <a16:creationId xmlns="" xmlns:a16="http://schemas.microsoft.com/office/drawing/2014/main" id="{CA6AA9E1-334B-5F8F-8A92-67DD095F7838}"/>
+                <a16:creationId xmlns:a16="http://schemas.microsoft.com/office/drawing/2014/main" xmlns="" id="{CA6AA9E1-334B-5F8F-8A92-67DD095F7838}"/>
               </a:ext>
             </a:extLst>
           </p:cNvPr>
@@ -2617,7 +3489,7 @@
           <p:cNvPr id="2" name="Title 1">
             <a:extLst>
               <a:ext uri="{FF2B5EF4-FFF2-40B4-BE49-F238E27FC236}">
-                <a16:creationId xmlns="" xmlns:a16="http://schemas.microsoft.com/office/drawing/2014/main" id="{F657BD59-35CC-9BB3-8621-6FA3356F81AA}"/>
+                <a16:creationId xmlns:a16="http://schemas.microsoft.com/office/drawing/2014/main" xmlns="" id="{F657BD59-35CC-9BB3-8621-6FA3356F81AA}"/>
               </a:ext>
             </a:extLst>
           </p:cNvPr>
@@ -2651,7 +3523,7 @@
           <p:cNvPr id="8" name="Table Placeholder 7">
             <a:extLst>
               <a:ext uri="{FF2B5EF4-FFF2-40B4-BE49-F238E27FC236}">
-                <a16:creationId xmlns="" xmlns:a16="http://schemas.microsoft.com/office/drawing/2014/main" id="{0CEAFE70-86D3-8690-31CA-F9A1FBA494D0}"/>
+                <a16:creationId xmlns:a16="http://schemas.microsoft.com/office/drawing/2014/main" xmlns="" id="{0CEAFE70-86D3-8690-31CA-F9A1FBA494D0}"/>
               </a:ext>
             </a:extLst>
           </p:cNvPr>
@@ -2689,7 +3561,7 @@
           <p:cNvPr id="4" name="Date Placeholder 3">
             <a:extLst>
               <a:ext uri="{FF2B5EF4-FFF2-40B4-BE49-F238E27FC236}">
-                <a16:creationId xmlns="" xmlns:a16="http://schemas.microsoft.com/office/drawing/2014/main" id="{8C56EB0F-63C8-5F75-A333-3413A9DC6F76}"/>
+                <a16:creationId xmlns:a16="http://schemas.microsoft.com/office/drawing/2014/main" xmlns="" id="{8C56EB0F-63C8-5F75-A333-3413A9DC6F76}"/>
               </a:ext>
             </a:extLst>
           </p:cNvPr>
@@ -2718,7 +3590,7 @@
           <p:cNvPr id="5" name="Footer Placeholder 4">
             <a:extLst>
               <a:ext uri="{FF2B5EF4-FFF2-40B4-BE49-F238E27FC236}">
-                <a16:creationId xmlns="" xmlns:a16="http://schemas.microsoft.com/office/drawing/2014/main" id="{4D4DE333-25B4-E092-1CC4-C3D20BA25168}"/>
+                <a16:creationId xmlns:a16="http://schemas.microsoft.com/office/drawing/2014/main" xmlns="" id="{4D4DE333-25B4-E092-1CC4-C3D20BA25168}"/>
               </a:ext>
             </a:extLst>
           </p:cNvPr>
@@ -2743,7 +3615,7 @@
           <p:cNvPr id="6" name="Slide Number Placeholder 5">
             <a:extLst>
               <a:ext uri="{FF2B5EF4-FFF2-40B4-BE49-F238E27FC236}">
-                <a16:creationId xmlns="" xmlns:a16="http://schemas.microsoft.com/office/drawing/2014/main" id="{8F1AF200-E81F-A326-0EDB-4B93C71D9BF4}"/>
+                <a16:creationId xmlns:a16="http://schemas.microsoft.com/office/drawing/2014/main" xmlns="" id="{8F1AF200-E81F-A326-0EDB-4B93C71D9BF4}"/>
               </a:ext>
             </a:extLst>
           </p:cNvPr>
@@ -2802,7 +3674,7 @@
           <p:cNvPr id="12" name="Picture Placeholder 11">
             <a:extLst>
               <a:ext uri="{FF2B5EF4-FFF2-40B4-BE49-F238E27FC236}">
-                <a16:creationId xmlns="" xmlns:a16="http://schemas.microsoft.com/office/drawing/2014/main" id="{76EE6F3F-63EB-5C0E-2307-3B7CBBA1C374}"/>
+                <a16:creationId xmlns:a16="http://schemas.microsoft.com/office/drawing/2014/main" xmlns="" id="{76EE6F3F-63EB-5C0E-2307-3B7CBBA1C374}"/>
               </a:ext>
             </a:extLst>
           </p:cNvPr>
@@ -2850,7 +3722,7 @@
           <p:cNvPr id="2" name="Title 1">
             <a:extLst>
               <a:ext uri="{FF2B5EF4-FFF2-40B4-BE49-F238E27FC236}">
-                <a16:creationId xmlns="" xmlns:a16="http://schemas.microsoft.com/office/drawing/2014/main" id="{F657BD59-35CC-9BB3-8621-6FA3356F81AA}"/>
+                <a16:creationId xmlns:a16="http://schemas.microsoft.com/office/drawing/2014/main" xmlns="" id="{F657BD59-35CC-9BB3-8621-6FA3356F81AA}"/>
               </a:ext>
             </a:extLst>
           </p:cNvPr>
@@ -2896,7 +3768,7 @@
           <p:cNvPr id="10" name="Text Placeholder 9">
             <a:extLst>
               <a:ext uri="{FF2B5EF4-FFF2-40B4-BE49-F238E27FC236}">
-                <a16:creationId xmlns="" xmlns:a16="http://schemas.microsoft.com/office/drawing/2014/main" id="{E12DA517-30B0-BC62-0422-F995FB9189E2}"/>
+                <a16:creationId xmlns:a16="http://schemas.microsoft.com/office/drawing/2014/main" xmlns="" id="{E12DA517-30B0-BC62-0422-F995FB9189E2}"/>
               </a:ext>
             </a:extLst>
           </p:cNvPr>
@@ -3018,7 +3890,7 @@
           <p:cNvPr id="2" name="Title 1">
             <a:extLst>
               <a:ext uri="{FF2B5EF4-FFF2-40B4-BE49-F238E27FC236}">
-                <a16:creationId xmlns="" xmlns:a16="http://schemas.microsoft.com/office/drawing/2014/main" id="{F657BD59-35CC-9BB3-8621-6FA3356F81AA}"/>
+                <a16:creationId xmlns:a16="http://schemas.microsoft.com/office/drawing/2014/main" xmlns="" id="{F657BD59-35CC-9BB3-8621-6FA3356F81AA}"/>
               </a:ext>
             </a:extLst>
           </p:cNvPr>
@@ -3057,7 +3929,7 @@
           <p:cNvPr id="10" name="Picture Placeholder 9">
             <a:extLst>
               <a:ext uri="{FF2B5EF4-FFF2-40B4-BE49-F238E27FC236}">
-                <a16:creationId xmlns="" xmlns:a16="http://schemas.microsoft.com/office/drawing/2014/main" id="{6B8CBAD6-FC79-B2BB-0B67-26429A6D4C8C}"/>
+                <a16:creationId xmlns:a16="http://schemas.microsoft.com/office/drawing/2014/main" xmlns="" id="{6B8CBAD6-FC79-B2BB-0B67-26429A6D4C8C}"/>
               </a:ext>
             </a:extLst>
           </p:cNvPr>
@@ -3104,7 +3976,7 @@
           <p:cNvPr id="3" name="Content Placeholder 2">
             <a:extLst>
               <a:ext uri="{FF2B5EF4-FFF2-40B4-BE49-F238E27FC236}">
-                <a16:creationId xmlns="" xmlns:a16="http://schemas.microsoft.com/office/drawing/2014/main" id="{A772710C-A212-1B12-06CD-FA2A14F89D68}"/>
+                <a16:creationId xmlns:a16="http://schemas.microsoft.com/office/drawing/2014/main" xmlns="" id="{A772710C-A212-1B12-06CD-FA2A14F89D68}"/>
               </a:ext>
             </a:extLst>
           </p:cNvPr>
@@ -3219,10 +4091,10 @@
           <p:cNvPr id="11" name="Rectangle 10">
             <a:extLst>
               <a:ext uri="{FF2B5EF4-FFF2-40B4-BE49-F238E27FC236}">
-                <a16:creationId xmlns="" xmlns:a16="http://schemas.microsoft.com/office/drawing/2014/main" id="{934796A3-781D-5244-DAB8-2D6EE0AC3B70}"/>
+                <a16:creationId xmlns:a16="http://schemas.microsoft.com/office/drawing/2014/main" xmlns="" id="{934796A3-781D-5244-DAB8-2D6EE0AC3B70}"/>
               </a:ext>
               <a:ext uri="{C183D7F6-B498-43B3-948B-1728B52AA6E4}">
-                <adec:decorative xmlns="" xmlns:adec="http://schemas.microsoft.com/office/drawing/2017/decorative" val="1"/>
+                <adec:decorative xmlns:adec="http://schemas.microsoft.com/office/drawing/2017/decorative" xmlns="" val="1"/>
               </a:ext>
             </a:extLst>
           </p:cNvPr>
@@ -3298,7 +4170,7 @@
   </p:clrMapOvr>
   <p:extLst>
     <p:ext uri="{DCECCB84-F9BA-43D5-87BE-67443E8EF086}">
-      <p15:sldGuideLst xmlns="" xmlns:p15="http://schemas.microsoft.com/office/powerpoint/2012/main">
+      <p15:sldGuideLst xmlns:p15="http://schemas.microsoft.com/office/powerpoint/2012/main" xmlns="">
         <p15:guide id="1" orient="horz" pos="2160" userDrawn="1">
           <p15:clr>
             <a:srgbClr val="FBAE40"/>
@@ -3337,7 +4209,7 @@
           <p:cNvPr id="2" name="Title 1">
             <a:extLst>
               <a:ext uri="{FF2B5EF4-FFF2-40B4-BE49-F238E27FC236}">
-                <a16:creationId xmlns="" xmlns:a16="http://schemas.microsoft.com/office/drawing/2014/main" id="{32772C41-A024-2F33-1F04-21E003FA7291}"/>
+                <a16:creationId xmlns:a16="http://schemas.microsoft.com/office/drawing/2014/main" xmlns="" id="{32772C41-A024-2F33-1F04-21E003FA7291}"/>
               </a:ext>
             </a:extLst>
           </p:cNvPr>
@@ -3377,7 +4249,7 @@
           <p:cNvPr id="12" name="Picture Placeholder 11">
             <a:extLst>
               <a:ext uri="{FF2B5EF4-FFF2-40B4-BE49-F238E27FC236}">
-                <a16:creationId xmlns="" xmlns:a16="http://schemas.microsoft.com/office/drawing/2014/main" id="{82836803-D9E6-3DF1-3B90-1E7E677CC7B7}"/>
+                <a16:creationId xmlns:a16="http://schemas.microsoft.com/office/drawing/2014/main" xmlns="" id="{82836803-D9E6-3DF1-3B90-1E7E677CC7B7}"/>
               </a:ext>
             </a:extLst>
           </p:cNvPr>
@@ -3423,7 +4295,7 @@
           <p:cNvPr id="3" name="Subtitle 2">
             <a:extLst>
               <a:ext uri="{FF2B5EF4-FFF2-40B4-BE49-F238E27FC236}">
-                <a16:creationId xmlns="" xmlns:a16="http://schemas.microsoft.com/office/drawing/2014/main" id="{473BC2DF-9C2A-052C-AD2C-0A8ABAA50374}"/>
+                <a16:creationId xmlns:a16="http://schemas.microsoft.com/office/drawing/2014/main" xmlns="" id="{473BC2DF-9C2A-052C-AD2C-0A8ABAA50374}"/>
               </a:ext>
             </a:extLst>
           </p:cNvPr>
@@ -3549,7 +4421,7 @@
           <p:cNvPr id="2" name="Title 1">
             <a:extLst>
               <a:ext uri="{FF2B5EF4-FFF2-40B4-BE49-F238E27FC236}">
-                <a16:creationId xmlns="" xmlns:a16="http://schemas.microsoft.com/office/drawing/2014/main" id="{F657BD59-35CC-9BB3-8621-6FA3356F81AA}"/>
+                <a16:creationId xmlns:a16="http://schemas.microsoft.com/office/drawing/2014/main" xmlns="" id="{F657BD59-35CC-9BB3-8621-6FA3356F81AA}"/>
               </a:ext>
             </a:extLst>
           </p:cNvPr>
@@ -3588,7 +4460,7 @@
           <p:cNvPr id="10" name="Picture Placeholder 9">
             <a:extLst>
               <a:ext uri="{FF2B5EF4-FFF2-40B4-BE49-F238E27FC236}">
-                <a16:creationId xmlns="" xmlns:a16="http://schemas.microsoft.com/office/drawing/2014/main" id="{511A5385-FB23-93A8-2B8F-9887244244DF}"/>
+                <a16:creationId xmlns:a16="http://schemas.microsoft.com/office/drawing/2014/main" xmlns="" id="{511A5385-FB23-93A8-2B8F-9887244244DF}"/>
               </a:ext>
             </a:extLst>
           </p:cNvPr>
@@ -3629,7 +4501,7 @@
           <p:cNvPr id="3" name="Content Placeholder 2">
             <a:extLst>
               <a:ext uri="{FF2B5EF4-FFF2-40B4-BE49-F238E27FC236}">
-                <a16:creationId xmlns="" xmlns:a16="http://schemas.microsoft.com/office/drawing/2014/main" id="{A772710C-A212-1B12-06CD-FA2A14F89D68}"/>
+                <a16:creationId xmlns:a16="http://schemas.microsoft.com/office/drawing/2014/main" xmlns="" id="{A772710C-A212-1B12-06CD-FA2A14F89D68}"/>
               </a:ext>
             </a:extLst>
           </p:cNvPr>
@@ -3764,10 +4636,10 @@
           <p:cNvPr id="8" name="Rectangle 7">
             <a:extLst>
               <a:ext uri="{FF2B5EF4-FFF2-40B4-BE49-F238E27FC236}">
-                <a16:creationId xmlns="" xmlns:a16="http://schemas.microsoft.com/office/drawing/2014/main" id="{50E25A87-9155-9E07-878F-CEC0B137C2D7}"/>
+                <a16:creationId xmlns:a16="http://schemas.microsoft.com/office/drawing/2014/main" xmlns="" id="{50E25A87-9155-9E07-878F-CEC0B137C2D7}"/>
               </a:ext>
               <a:ext uri="{C183D7F6-B498-43B3-948B-1728B52AA6E4}">
-                <adec:decorative xmlns="" xmlns:adec="http://schemas.microsoft.com/office/drawing/2017/decorative" val="1"/>
+                <adec:decorative xmlns:adec="http://schemas.microsoft.com/office/drawing/2017/decorative" xmlns="" val="1"/>
               </a:ext>
             </a:extLst>
           </p:cNvPr>
@@ -3866,7 +4738,7 @@
           <p:cNvPr id="2" name="Title 1">
             <a:extLst>
               <a:ext uri="{FF2B5EF4-FFF2-40B4-BE49-F238E27FC236}">
-                <a16:creationId xmlns="" xmlns:a16="http://schemas.microsoft.com/office/drawing/2014/main" id="{32772C41-A024-2F33-1F04-21E003FA7291}"/>
+                <a16:creationId xmlns:a16="http://schemas.microsoft.com/office/drawing/2014/main" xmlns="" id="{32772C41-A024-2F33-1F04-21E003FA7291}"/>
               </a:ext>
             </a:extLst>
           </p:cNvPr>
@@ -3905,7 +4777,7 @@
           <p:cNvPr id="3" name="Subtitle 2">
             <a:extLst>
               <a:ext uri="{FF2B5EF4-FFF2-40B4-BE49-F238E27FC236}">
-                <a16:creationId xmlns="" xmlns:a16="http://schemas.microsoft.com/office/drawing/2014/main" id="{473BC2DF-9C2A-052C-AD2C-0A8ABAA50374}"/>
+                <a16:creationId xmlns:a16="http://schemas.microsoft.com/office/drawing/2014/main" xmlns="" id="{473BC2DF-9C2A-052C-AD2C-0A8ABAA50374}"/>
               </a:ext>
             </a:extLst>
           </p:cNvPr>
@@ -4031,10 +4903,10 @@
           <p:cNvPr id="10" name="Rectangle 9">
             <a:extLst>
               <a:ext uri="{FF2B5EF4-FFF2-40B4-BE49-F238E27FC236}">
-                <a16:creationId xmlns="" xmlns:a16="http://schemas.microsoft.com/office/drawing/2014/main" id="{29577E27-B60E-C6DD-BAAF-5CCC3D59E5D5}"/>
+                <a16:creationId xmlns:a16="http://schemas.microsoft.com/office/drawing/2014/main" xmlns="" id="{29577E27-B60E-C6DD-BAAF-5CCC3D59E5D5}"/>
               </a:ext>
               <a:ext uri="{C183D7F6-B498-43B3-948B-1728B52AA6E4}">
-                <adec:decorative xmlns="" xmlns:adec="http://schemas.microsoft.com/office/drawing/2017/decorative" val="1"/>
+                <adec:decorative xmlns:adec="http://schemas.microsoft.com/office/drawing/2017/decorative" xmlns="" val="1"/>
               </a:ext>
             </a:extLst>
           </p:cNvPr>
@@ -4103,7 +4975,7 @@
           <p:cNvPr id="2" name="Title 1">
             <a:extLst>
               <a:ext uri="{FF2B5EF4-FFF2-40B4-BE49-F238E27FC236}">
-                <a16:creationId xmlns="" xmlns:a16="http://schemas.microsoft.com/office/drawing/2014/main" id="{0C40C44A-93E6-6C58-5E88-AFDC594EC27A}"/>
+                <a16:creationId xmlns:a16="http://schemas.microsoft.com/office/drawing/2014/main" xmlns="" id="{0C40C44A-93E6-6C58-5E88-AFDC594EC27A}"/>
               </a:ext>
             </a:extLst>
           </p:cNvPr>
@@ -4142,7 +5014,7 @@
           <p:cNvPr id="9" name="Content Placeholder 10">
             <a:extLst>
               <a:ext uri="{FF2B5EF4-FFF2-40B4-BE49-F238E27FC236}">
-                <a16:creationId xmlns="" xmlns:a16="http://schemas.microsoft.com/office/drawing/2014/main" id="{964CA031-27E0-D0AA-1451-A904CCF234FE}"/>
+                <a16:creationId xmlns:a16="http://schemas.microsoft.com/office/drawing/2014/main" xmlns="" id="{964CA031-27E0-D0AA-1451-A904CCF234FE}"/>
               </a:ext>
             </a:extLst>
           </p:cNvPr>
@@ -4287,7 +5159,7 @@
           <p:cNvPr id="12" name="Content Placeholder 10">
             <a:extLst>
               <a:ext uri="{FF2B5EF4-FFF2-40B4-BE49-F238E27FC236}">
-                <a16:creationId xmlns="" xmlns:a16="http://schemas.microsoft.com/office/drawing/2014/main" id="{81FE0D7D-86B7-CCD2-A7A1-70E95846B542}"/>
+                <a16:creationId xmlns:a16="http://schemas.microsoft.com/office/drawing/2014/main" xmlns="" id="{81FE0D7D-86B7-CCD2-A7A1-70E95846B542}"/>
               </a:ext>
             </a:extLst>
           </p:cNvPr>
@@ -4432,7 +5304,7 @@
           <p:cNvPr id="5" name="Date Placeholder 4">
             <a:extLst>
               <a:ext uri="{FF2B5EF4-FFF2-40B4-BE49-F238E27FC236}">
-                <a16:creationId xmlns="" xmlns:a16="http://schemas.microsoft.com/office/drawing/2014/main" id="{C6CFCEB5-4092-FD13-478E-51CD74FDB82E}"/>
+                <a16:creationId xmlns:a16="http://schemas.microsoft.com/office/drawing/2014/main" xmlns="" id="{C6CFCEB5-4092-FD13-478E-51CD74FDB82E}"/>
               </a:ext>
             </a:extLst>
           </p:cNvPr>
@@ -4461,7 +5333,7 @@
           <p:cNvPr id="6" name="Footer Placeholder 5">
             <a:extLst>
               <a:ext uri="{FF2B5EF4-FFF2-40B4-BE49-F238E27FC236}">
-                <a16:creationId xmlns="" xmlns:a16="http://schemas.microsoft.com/office/drawing/2014/main" id="{5D077A4D-E7C0-912D-293F-D93F0CB5CA49}"/>
+                <a16:creationId xmlns:a16="http://schemas.microsoft.com/office/drawing/2014/main" xmlns="" id="{5D077A4D-E7C0-912D-293F-D93F0CB5CA49}"/>
               </a:ext>
             </a:extLst>
           </p:cNvPr>
@@ -4486,7 +5358,7 @@
           <p:cNvPr id="7" name="Slide Number Placeholder 6">
             <a:extLst>
               <a:ext uri="{FF2B5EF4-FFF2-40B4-BE49-F238E27FC236}">
-                <a16:creationId xmlns="" xmlns:a16="http://schemas.microsoft.com/office/drawing/2014/main" id="{CA6AA9E1-334B-5F8F-8A92-67DD095F7838}"/>
+                <a16:creationId xmlns:a16="http://schemas.microsoft.com/office/drawing/2014/main" xmlns="" id="{CA6AA9E1-334B-5F8F-8A92-67DD095F7838}"/>
               </a:ext>
             </a:extLst>
           </p:cNvPr>
@@ -4545,7 +5417,7 @@
           <p:cNvPr id="2" name="Title 1">
             <a:extLst>
               <a:ext uri="{FF2B5EF4-FFF2-40B4-BE49-F238E27FC236}">
-                <a16:creationId xmlns="" xmlns:a16="http://schemas.microsoft.com/office/drawing/2014/main" id="{0C40C44A-93E6-6C58-5E88-AFDC594EC27A}"/>
+                <a16:creationId xmlns:a16="http://schemas.microsoft.com/office/drawing/2014/main" xmlns="" id="{0C40C44A-93E6-6C58-5E88-AFDC594EC27A}"/>
               </a:ext>
             </a:extLst>
           </p:cNvPr>
@@ -4584,7 +5456,7 @@
           <p:cNvPr id="11" name="Content Placeholder 10">
             <a:extLst>
               <a:ext uri="{FF2B5EF4-FFF2-40B4-BE49-F238E27FC236}">
-                <a16:creationId xmlns="" xmlns:a16="http://schemas.microsoft.com/office/drawing/2014/main" id="{2D2DE411-9D7C-15AE-0B59-F26B2BF8C522}"/>
+                <a16:creationId xmlns:a16="http://schemas.microsoft.com/office/drawing/2014/main" xmlns="" id="{2D2DE411-9D7C-15AE-0B59-F26B2BF8C522}"/>
               </a:ext>
             </a:extLst>
           </p:cNvPr>
@@ -4722,7 +5594,7 @@
           <p:cNvPr id="4" name="Content Placeholder 10">
             <a:extLst>
               <a:ext uri="{FF2B5EF4-FFF2-40B4-BE49-F238E27FC236}">
-                <a16:creationId xmlns="" xmlns:a16="http://schemas.microsoft.com/office/drawing/2014/main" id="{60FEDE7C-502F-ECFE-4136-E99206849C2A}"/>
+                <a16:creationId xmlns:a16="http://schemas.microsoft.com/office/drawing/2014/main" xmlns="" id="{60FEDE7C-502F-ECFE-4136-E99206849C2A}"/>
               </a:ext>
             </a:extLst>
           </p:cNvPr>
@@ -4867,7 +5739,7 @@
           <p:cNvPr id="5" name="Date Placeholder 4">
             <a:extLst>
               <a:ext uri="{FF2B5EF4-FFF2-40B4-BE49-F238E27FC236}">
-                <a16:creationId xmlns="" xmlns:a16="http://schemas.microsoft.com/office/drawing/2014/main" id="{C6CFCEB5-4092-FD13-478E-51CD74FDB82E}"/>
+                <a16:creationId xmlns:a16="http://schemas.microsoft.com/office/drawing/2014/main" xmlns="" id="{C6CFCEB5-4092-FD13-478E-51CD74FDB82E}"/>
               </a:ext>
             </a:extLst>
           </p:cNvPr>
@@ -4896,7 +5768,7 @@
           <p:cNvPr id="6" name="Footer Placeholder 5">
             <a:extLst>
               <a:ext uri="{FF2B5EF4-FFF2-40B4-BE49-F238E27FC236}">
-                <a16:creationId xmlns="" xmlns:a16="http://schemas.microsoft.com/office/drawing/2014/main" id="{5D077A4D-E7C0-912D-293F-D93F0CB5CA49}"/>
+                <a16:creationId xmlns:a16="http://schemas.microsoft.com/office/drawing/2014/main" xmlns="" id="{5D077A4D-E7C0-912D-293F-D93F0CB5CA49}"/>
               </a:ext>
             </a:extLst>
           </p:cNvPr>
@@ -4921,7 +5793,7 @@
           <p:cNvPr id="7" name="Slide Number Placeholder 6">
             <a:extLst>
               <a:ext uri="{FF2B5EF4-FFF2-40B4-BE49-F238E27FC236}">
-                <a16:creationId xmlns="" xmlns:a16="http://schemas.microsoft.com/office/drawing/2014/main" id="{CA6AA9E1-334B-5F8F-8A92-67DD095F7838}"/>
+                <a16:creationId xmlns:a16="http://schemas.microsoft.com/office/drawing/2014/main" xmlns="" id="{CA6AA9E1-334B-5F8F-8A92-67DD095F7838}"/>
               </a:ext>
             </a:extLst>
           </p:cNvPr>
@@ -4980,7 +5852,7 @@
           <p:cNvPr id="2" name="Title 1">
             <a:extLst>
               <a:ext uri="{FF2B5EF4-FFF2-40B4-BE49-F238E27FC236}">
-                <a16:creationId xmlns="" xmlns:a16="http://schemas.microsoft.com/office/drawing/2014/main" id="{0C40C44A-93E6-6C58-5E88-AFDC594EC27A}"/>
+                <a16:creationId xmlns:a16="http://schemas.microsoft.com/office/drawing/2014/main" xmlns="" id="{0C40C44A-93E6-6C58-5E88-AFDC594EC27A}"/>
               </a:ext>
             </a:extLst>
           </p:cNvPr>
@@ -5020,7 +5892,7 @@
           <p:cNvPr id="4" name="Content Placeholder 10">
             <a:extLst>
               <a:ext uri="{FF2B5EF4-FFF2-40B4-BE49-F238E27FC236}">
-                <a16:creationId xmlns="" xmlns:a16="http://schemas.microsoft.com/office/drawing/2014/main" id="{5F30E2A0-23EF-51B1-8ABD-00429EEA0642}"/>
+                <a16:creationId xmlns:a16="http://schemas.microsoft.com/office/drawing/2014/main" xmlns="" id="{5F30E2A0-23EF-51B1-8ABD-00429EEA0642}"/>
               </a:ext>
             </a:extLst>
           </p:cNvPr>
@@ -5165,7 +6037,7 @@
           <p:cNvPr id="11" name="Picture Placeholder 10">
             <a:extLst>
               <a:ext uri="{FF2B5EF4-FFF2-40B4-BE49-F238E27FC236}">
-                <a16:creationId xmlns="" xmlns:a16="http://schemas.microsoft.com/office/drawing/2014/main" id="{AF15552F-C66B-341F-2D37-0389710BA5E2}"/>
+                <a16:creationId xmlns:a16="http://schemas.microsoft.com/office/drawing/2014/main" xmlns="" id="{AF15552F-C66B-341F-2D37-0389710BA5E2}"/>
               </a:ext>
             </a:extLst>
           </p:cNvPr>
@@ -5206,10 +6078,10 @@
           <p:cNvPr id="12" name="Rectangle 11">
             <a:extLst>
               <a:ext uri="{FF2B5EF4-FFF2-40B4-BE49-F238E27FC236}">
-                <a16:creationId xmlns="" xmlns:a16="http://schemas.microsoft.com/office/drawing/2014/main" id="{0D8DCC6D-8B88-7BE0-7240-F743AE09EC48}"/>
+                <a16:creationId xmlns:a16="http://schemas.microsoft.com/office/drawing/2014/main" xmlns="" id="{0D8DCC6D-8B88-7BE0-7240-F743AE09EC48}"/>
               </a:ext>
               <a:ext uri="{C183D7F6-B498-43B3-948B-1728B52AA6E4}">
-                <adec:decorative xmlns="" xmlns:adec="http://schemas.microsoft.com/office/drawing/2017/decorative" val="1"/>
+                <adec:decorative xmlns:adec="http://schemas.microsoft.com/office/drawing/2017/decorative" xmlns="" val="1"/>
               </a:ext>
             </a:extLst>
           </p:cNvPr>
@@ -5308,7 +6180,7 @@
           <p:cNvPr id="2" name="Title 1">
             <a:extLst>
               <a:ext uri="{FF2B5EF4-FFF2-40B4-BE49-F238E27FC236}">
-                <a16:creationId xmlns="" xmlns:a16="http://schemas.microsoft.com/office/drawing/2014/main" id="{0C40C44A-93E6-6C58-5E88-AFDC594EC27A}"/>
+                <a16:creationId xmlns:a16="http://schemas.microsoft.com/office/drawing/2014/main" xmlns="" id="{0C40C44A-93E6-6C58-5E88-AFDC594EC27A}"/>
               </a:ext>
             </a:extLst>
           </p:cNvPr>
@@ -5347,7 +6219,7 @@
           <p:cNvPr id="4" name="Content Placeholder 10">
             <a:extLst>
               <a:ext uri="{FF2B5EF4-FFF2-40B4-BE49-F238E27FC236}">
-                <a16:creationId xmlns="" xmlns:a16="http://schemas.microsoft.com/office/drawing/2014/main" id="{9C3ED3BF-FF6B-07FA-72C4-F6102A8558AF}"/>
+                <a16:creationId xmlns:a16="http://schemas.microsoft.com/office/drawing/2014/main" xmlns="" id="{9C3ED3BF-FF6B-07FA-72C4-F6102A8558AF}"/>
               </a:ext>
             </a:extLst>
           </p:cNvPr>
@@ -5492,7 +6364,7 @@
           <p:cNvPr id="8" name="Table Placeholder 7">
             <a:extLst>
               <a:ext uri="{FF2B5EF4-FFF2-40B4-BE49-F238E27FC236}">
-                <a16:creationId xmlns="" xmlns:a16="http://schemas.microsoft.com/office/drawing/2014/main" id="{423FEB60-8FB5-7F10-EDD7-8AB4B3139EF6}"/>
+                <a16:creationId xmlns:a16="http://schemas.microsoft.com/office/drawing/2014/main" xmlns="" id="{423FEB60-8FB5-7F10-EDD7-8AB4B3139EF6}"/>
               </a:ext>
             </a:extLst>
           </p:cNvPr>
@@ -5526,7 +6398,7 @@
           <p:cNvPr id="5" name="Date Placeholder 4">
             <a:extLst>
               <a:ext uri="{FF2B5EF4-FFF2-40B4-BE49-F238E27FC236}">
-                <a16:creationId xmlns="" xmlns:a16="http://schemas.microsoft.com/office/drawing/2014/main" id="{C6CFCEB5-4092-FD13-478E-51CD74FDB82E}"/>
+                <a16:creationId xmlns:a16="http://schemas.microsoft.com/office/drawing/2014/main" xmlns="" id="{C6CFCEB5-4092-FD13-478E-51CD74FDB82E}"/>
               </a:ext>
             </a:extLst>
           </p:cNvPr>
@@ -5555,7 +6427,7 @@
           <p:cNvPr id="6" name="Footer Placeholder 5">
             <a:extLst>
               <a:ext uri="{FF2B5EF4-FFF2-40B4-BE49-F238E27FC236}">
-                <a16:creationId xmlns="" xmlns:a16="http://schemas.microsoft.com/office/drawing/2014/main" id="{5D077A4D-E7C0-912D-293F-D93F0CB5CA49}"/>
+                <a16:creationId xmlns:a16="http://schemas.microsoft.com/office/drawing/2014/main" xmlns="" id="{5D077A4D-E7C0-912D-293F-D93F0CB5CA49}"/>
               </a:ext>
             </a:extLst>
           </p:cNvPr>
@@ -5580,7 +6452,7 @@
           <p:cNvPr id="7" name="Slide Number Placeholder 6">
             <a:extLst>
               <a:ext uri="{FF2B5EF4-FFF2-40B4-BE49-F238E27FC236}">
-                <a16:creationId xmlns="" xmlns:a16="http://schemas.microsoft.com/office/drawing/2014/main" id="{CA6AA9E1-334B-5F8F-8A92-67DD095F7838}"/>
+                <a16:creationId xmlns:a16="http://schemas.microsoft.com/office/drawing/2014/main" xmlns="" id="{CA6AA9E1-334B-5F8F-8A92-67DD095F7838}"/>
               </a:ext>
             </a:extLst>
           </p:cNvPr>
@@ -5644,7 +6516,7 @@
           <p:cNvPr id="2" name="Title Placeholder 1">
             <a:extLst>
               <a:ext uri="{FF2B5EF4-FFF2-40B4-BE49-F238E27FC236}">
-                <a16:creationId xmlns="" xmlns:a16="http://schemas.microsoft.com/office/drawing/2014/main" id="{4FD97564-C310-6E8C-8689-CE18881B4A17}"/>
+                <a16:creationId xmlns:a16="http://schemas.microsoft.com/office/drawing/2014/main" xmlns="" id="{4FD97564-C310-6E8C-8689-CE18881B4A17}"/>
               </a:ext>
             </a:extLst>
           </p:cNvPr>
@@ -5683,7 +6555,7 @@
           <p:cNvPr id="3" name="Text Placeholder 2">
             <a:extLst>
               <a:ext uri="{FF2B5EF4-FFF2-40B4-BE49-F238E27FC236}">
-                <a16:creationId xmlns="" xmlns:a16="http://schemas.microsoft.com/office/drawing/2014/main" id="{0FAD99FA-26D9-873B-BE7F-26FEC5C233A2}"/>
+                <a16:creationId xmlns:a16="http://schemas.microsoft.com/office/drawing/2014/main" xmlns="" id="{0FAD99FA-26D9-873B-BE7F-26FEC5C233A2}"/>
               </a:ext>
             </a:extLst>
           </p:cNvPr>
@@ -5751,7 +6623,7 @@
           <p:cNvPr id="4" name="Date Placeholder 3">
             <a:extLst>
               <a:ext uri="{FF2B5EF4-FFF2-40B4-BE49-F238E27FC236}">
-                <a16:creationId xmlns="" xmlns:a16="http://schemas.microsoft.com/office/drawing/2014/main" id="{C319819E-0266-97DD-DFD1-BAAA06AE3236}"/>
+                <a16:creationId xmlns:a16="http://schemas.microsoft.com/office/drawing/2014/main" xmlns="" id="{C319819E-0266-97DD-DFD1-BAAA06AE3236}"/>
               </a:ext>
             </a:extLst>
           </p:cNvPr>
@@ -5798,7 +6670,7 @@
           <p:cNvPr id="5" name="Footer Placeholder 4">
             <a:extLst>
               <a:ext uri="{FF2B5EF4-FFF2-40B4-BE49-F238E27FC236}">
-                <a16:creationId xmlns="" xmlns:a16="http://schemas.microsoft.com/office/drawing/2014/main" id="{2BFD19C9-01CE-9E2A-CDA5-C15940F055F7}"/>
+                <a16:creationId xmlns:a16="http://schemas.microsoft.com/office/drawing/2014/main" xmlns="" id="{2BFD19C9-01CE-9E2A-CDA5-C15940F055F7}"/>
               </a:ext>
             </a:extLst>
           </p:cNvPr>
@@ -5841,7 +6713,7 @@
           <p:cNvPr id="6" name="Slide Number Placeholder 5">
             <a:extLst>
               <a:ext uri="{FF2B5EF4-FFF2-40B4-BE49-F238E27FC236}">
-                <a16:creationId xmlns="" xmlns:a16="http://schemas.microsoft.com/office/drawing/2014/main" id="{A1801085-7B28-048D-E3D3-9C3614268DA7}"/>
+                <a16:creationId xmlns:a16="http://schemas.microsoft.com/office/drawing/2014/main" xmlns="" id="{A1801085-7B28-048D-E3D3-9C3614268DA7}"/>
               </a:ext>
             </a:extLst>
           </p:cNvPr>
@@ -6210,7 +7082,7 @@
           <p:cNvPr id="6" name="Title 5">
             <a:extLst>
               <a:ext uri="{FF2B5EF4-FFF2-40B4-BE49-F238E27FC236}">
-                <a16:creationId xmlns="" xmlns:a16="http://schemas.microsoft.com/office/drawing/2014/main" id="{F20A922B-22EC-7FD8-FA8C-2FFAC558BD66}"/>
+                <a16:creationId xmlns:a16="http://schemas.microsoft.com/office/drawing/2014/main" xmlns="" id="{F20A922B-22EC-7FD8-FA8C-2FFAC558BD66}"/>
               </a:ext>
             </a:extLst>
           </p:cNvPr>
@@ -6283,7 +7155,7 @@
           <p:cNvPr id="7" name="TextBox 6">
             <a:extLst>
               <a:ext uri="{FF2B5EF4-FFF2-40B4-BE49-F238E27FC236}">
-                <a16:creationId xmlns="" xmlns:a16="http://schemas.microsoft.com/office/drawing/2014/main" id="{80FDA16B-36A0-D5C1-2B07-8EE49AE7A5F9}"/>
+                <a16:creationId xmlns:a16="http://schemas.microsoft.com/office/drawing/2014/main" xmlns="" id="{80FDA16B-36A0-D5C1-2B07-8EE49AE7A5F9}"/>
               </a:ext>
             </a:extLst>
           </p:cNvPr>
@@ -6390,7 +7262,7 @@
         <p:cNvPr id="1" name="">
           <a:extLst>
             <a:ext uri="{FF2B5EF4-FFF2-40B4-BE49-F238E27FC236}">
-              <a16:creationId xmlns="" xmlns:a16="http://schemas.microsoft.com/office/drawing/2014/main" id="{EF87400A-AA39-C6BD-0F50-19DF27F0BEE1}"/>
+              <a16:creationId xmlns:a16="http://schemas.microsoft.com/office/drawing/2014/main" xmlns="" id="{EF87400A-AA39-C6BD-0F50-19DF27F0BEE1}"/>
             </a:ext>
           </a:extLst>
         </p:cNvPr>
@@ -6410,7 +7282,7 @@
           <p:cNvPr id="7" name="Title 6">
             <a:extLst>
               <a:ext uri="{FF2B5EF4-FFF2-40B4-BE49-F238E27FC236}">
-                <a16:creationId xmlns="" xmlns:a16="http://schemas.microsoft.com/office/drawing/2014/main" id="{DDE79998-A15C-2CB6-B04B-53D589C36C00}"/>
+                <a16:creationId xmlns:a16="http://schemas.microsoft.com/office/drawing/2014/main" xmlns="" id="{DDE79998-A15C-2CB6-B04B-53D589C36C00}"/>
               </a:ext>
             </a:extLst>
           </p:cNvPr>
@@ -6454,7 +7326,7 @@
           <p:cNvPr id="4" name="TextBox 3">
             <a:extLst>
               <a:ext uri="{FF2B5EF4-FFF2-40B4-BE49-F238E27FC236}">
-                <a16:creationId xmlns="" xmlns:a16="http://schemas.microsoft.com/office/drawing/2014/main" id="{879E6C82-14DA-B822-B0AD-CDBC55F93D43}"/>
+                <a16:creationId xmlns:a16="http://schemas.microsoft.com/office/drawing/2014/main" xmlns="" id="{879E6C82-14DA-B822-B0AD-CDBC55F93D43}"/>
               </a:ext>
             </a:extLst>
           </p:cNvPr>
@@ -6491,13 +7363,31 @@
           <a:p>
             <a:pPr algn="ctr"/>
             <a:r>
+              <a:rPr lang="fr-FR" sz="2800" dirty="0">
+                <a:solidFill>
+                  <a:schemeClr val="bg1"/>
+                </a:solidFill>
+                <a:latin typeface="Calibri Light (Headings)"/>
+              </a:rPr>
+              <a:t>d</a:t>
+            </a:r>
+            <a:r>
               <a:rPr lang="fr-FR" sz="2800" dirty="0" smtClean="0">
                 <a:solidFill>
                   <a:schemeClr val="bg1"/>
                 </a:solidFill>
                 <a:latin typeface="Calibri Light (Headings)"/>
               </a:rPr>
-              <a:t>Development of the ai encoder learning methods, implementation of the information </a:t>
+              <a:t>evelopment </a:t>
+            </a:r>
+            <a:r>
+              <a:rPr lang="fr-FR" sz="2800" dirty="0" smtClean="0">
+                <a:solidFill>
+                  <a:schemeClr val="bg1"/>
+                </a:solidFill>
+                <a:latin typeface="Calibri Light (Headings)"/>
+              </a:rPr>
+              <a:t>of the ai encoder learning methods, implementation of the information </a:t>
             </a:r>
             <a:r>
               <a:rPr lang="fr-FR" sz="2800" dirty="0">
@@ -6531,7 +7421,7 @@
           <p:cNvPr id="18" name="Arc 17">
             <a:extLst>
               <a:ext uri="{FF2B5EF4-FFF2-40B4-BE49-F238E27FC236}">
-                <a16:creationId xmlns="" xmlns:a16="http://schemas.microsoft.com/office/drawing/2014/main" id="{9B8D2FA6-CA42-5B24-DF6B-A4BC73628119}"/>
+                <a16:creationId xmlns:a16="http://schemas.microsoft.com/office/drawing/2014/main" xmlns="" id="{9B8D2FA6-CA42-5B24-DF6B-A4BC73628119}"/>
               </a:ext>
             </a:extLst>
           </p:cNvPr>
@@ -6575,7 +7465,7 @@
           <p:cNvPr id="19" name="TextBox 18">
             <a:extLst>
               <a:ext uri="{FF2B5EF4-FFF2-40B4-BE49-F238E27FC236}">
-                <a16:creationId xmlns="" xmlns:a16="http://schemas.microsoft.com/office/drawing/2014/main" id="{1D79FC21-9495-9973-2B02-EC44707476AF}"/>
+                <a16:creationId xmlns:a16="http://schemas.microsoft.com/office/drawing/2014/main" xmlns="" id="{1D79FC21-9495-9973-2B02-EC44707476AF}"/>
               </a:ext>
             </a:extLst>
           </p:cNvPr>
@@ -6634,7 +7524,7 @@
           <p:cNvPr id="21" name="Arc 20">
             <a:extLst>
               <a:ext uri="{FF2B5EF4-FFF2-40B4-BE49-F238E27FC236}">
-                <a16:creationId xmlns="" xmlns:a16="http://schemas.microsoft.com/office/drawing/2014/main" id="{D625BEE6-1977-BBA6-6801-FA5F97103C62}"/>
+                <a16:creationId xmlns:a16="http://schemas.microsoft.com/office/drawing/2014/main" xmlns="" id="{D625BEE6-1977-BBA6-6801-FA5F97103C62}"/>
               </a:ext>
             </a:extLst>
           </p:cNvPr>
@@ -6681,7 +7571,7 @@
           <p:cNvPr id="22" name="TextBox 21">
             <a:extLst>
               <a:ext uri="{FF2B5EF4-FFF2-40B4-BE49-F238E27FC236}">
-                <a16:creationId xmlns="" xmlns:a16="http://schemas.microsoft.com/office/drawing/2014/main" id="{3C172C52-0068-4260-6B4B-32D95D57BAE3}"/>
+                <a16:creationId xmlns:a16="http://schemas.microsoft.com/office/drawing/2014/main" xmlns="" id="{3C172C52-0068-4260-6B4B-32D95D57BAE3}"/>
               </a:ext>
             </a:extLst>
           </p:cNvPr>
@@ -6691,7 +7581,7 @@
         <p:spPr>
           <a:xfrm>
             <a:off x="0" y="4071353"/>
-            <a:ext cx="5584722" cy="1384995"/>
+            <a:ext cx="6959600" cy="2246769"/>
           </a:xfrm>
           <a:prstGeom prst="rect">
             <a:avLst/>
@@ -6712,7 +7602,16 @@
                 </a:solidFill>
                 <a:latin typeface="Calibri Light (Headings)"/>
               </a:rPr>
-              <a:t>Working on less file size</a:t>
+              <a:t>Working on less file </a:t>
+            </a:r>
+            <a:r>
+              <a:rPr lang="en-US" sz="2800" dirty="0" smtClean="0">
+                <a:solidFill>
+                  <a:srgbClr val="C00000"/>
+                </a:solidFill>
+                <a:latin typeface="Calibri Light (Headings)"/>
+              </a:rPr>
+              <a:t>size and high quality</a:t>
             </a:r>
             <a:endParaRPr lang="en-US" sz="2800" dirty="0">
               <a:solidFill>
@@ -6730,7 +7629,51 @@
                 </a:solidFill>
                 <a:latin typeface="Calibri Light (Headings)"/>
               </a:rPr>
-              <a:t>decreasing encoded images size to compete with jpeg</a:t>
+              <a:t>1) decreasing </a:t>
+            </a:r>
+            <a:r>
+              <a:rPr lang="en-US" sz="2800" dirty="0" smtClean="0">
+                <a:solidFill>
+                  <a:schemeClr val="bg1"/>
+                </a:solidFill>
+                <a:latin typeface="Calibri Light (Headings)"/>
+              </a:rPr>
+              <a:t>encoded images size to compete with </a:t>
+            </a:r>
+            <a:r>
+              <a:rPr lang="en-US" sz="2800" dirty="0" smtClean="0">
+                <a:solidFill>
+                  <a:schemeClr val="bg1"/>
+                </a:solidFill>
+                <a:latin typeface="Calibri Light (Headings)"/>
+              </a:rPr>
+              <a:t>jpeg</a:t>
+            </a:r>
+            <a:br>
+              <a:rPr lang="en-US" sz="2800" dirty="0" smtClean="0">
+                <a:solidFill>
+                  <a:schemeClr val="bg1"/>
+                </a:solidFill>
+                <a:latin typeface="Calibri Light (Headings)"/>
+              </a:rPr>
+            </a:br>
+            <a:r>
+              <a:rPr lang="en-US" sz="2800" dirty="0" smtClean="0">
+                <a:solidFill>
+                  <a:schemeClr val="bg1"/>
+                </a:solidFill>
+                <a:latin typeface="Calibri Light (Headings)"/>
+              </a:rPr>
+              <a:t>2) working on decoded image quality to be higher than </a:t>
+            </a:r>
+            <a:r>
+              <a:rPr lang="en-US" sz="2800" dirty="0" smtClean="0">
+                <a:solidFill>
+                  <a:schemeClr val="bg1"/>
+                </a:solidFill>
+                <a:latin typeface="Calibri Light (Headings)"/>
+              </a:rPr>
+              <a:t>jpeg</a:t>
             </a:r>
             <a:endParaRPr lang="en-US" sz="2800" dirty="0">
               <a:solidFill>
@@ -6746,7 +7689,7 @@
           <p:cNvPr id="23" name="Arc 22">
             <a:extLst>
               <a:ext uri="{FF2B5EF4-FFF2-40B4-BE49-F238E27FC236}">
-                <a16:creationId xmlns="" xmlns:a16="http://schemas.microsoft.com/office/drawing/2014/main" id="{E9F44C23-2D8C-90B8-227F-6E591C8E4A94}"/>
+                <a16:creationId xmlns:a16="http://schemas.microsoft.com/office/drawing/2014/main" xmlns="" id="{E9F44C23-2D8C-90B8-227F-6E591C8E4A94}"/>
               </a:ext>
             </a:extLst>
           </p:cNvPr>
@@ -6782,43 +7725,6 @@
           <a:p>
             <a:pPr algn="ctr"/>
             <a:endParaRPr lang="en-US"/>
-          </a:p>
-        </p:txBody>
-      </p:sp>
-      <p:sp>
-        <p:nvSpPr>
-          <p:cNvPr id="3" name="Прямоугольник 2"/>
-          <p:cNvSpPr/>
-          <p:nvPr/>
-        </p:nvSpPr>
-        <p:spPr>
-          <a:xfrm>
-            <a:off x="0" y="6067814"/>
-            <a:ext cx="842212" cy="769441"/>
-          </a:xfrm>
-          <a:prstGeom prst="rect">
-            <a:avLst/>
-          </a:prstGeom>
-        </p:spPr>
-        <p:txBody>
-          <a:bodyPr wrap="square">
-            <a:spAutoFit/>
-          </a:bodyPr>
-          <a:lstStyle/>
-          <a:p>
-            <a:r>
-              <a:rPr lang="en-US" sz="4400" dirty="0">
-                <a:solidFill>
-                  <a:schemeClr val="bg1"/>
-                </a:solidFill>
-              </a:rPr>
-              <a:t>V1</a:t>
-            </a:r>
-            <a:endParaRPr lang="ru-RU" sz="4400" dirty="0">
-              <a:solidFill>
-                <a:schemeClr val="bg1"/>
-              </a:solidFill>
-            </a:endParaRPr>
           </a:p>
         </p:txBody>
       </p:sp>
@@ -6843,7 +7749,7 @@
         <p:cNvPr id="1" name="">
           <a:extLst>
             <a:ext uri="{FF2B5EF4-FFF2-40B4-BE49-F238E27FC236}">
-              <a16:creationId xmlns="" xmlns:a16="http://schemas.microsoft.com/office/drawing/2014/main" id="{EF87400A-AA39-C6BD-0F50-19DF27F0BEE1}"/>
+              <a16:creationId xmlns:a16="http://schemas.microsoft.com/office/drawing/2014/main" xmlns="" id="{EF87400A-AA39-C6BD-0F50-19DF27F0BEE1}"/>
             </a:ext>
           </a:extLst>
         </p:cNvPr>
@@ -6860,44 +7766,13 @@
       </p:grpSpPr>
       <p:sp>
         <p:nvSpPr>
-          <p:cNvPr id="3" name="Прямоугольник 2"/>
-          <p:cNvSpPr/>
-          <p:nvPr/>
-        </p:nvSpPr>
-        <p:spPr>
-          <a:xfrm>
-            <a:off x="0" y="5658740"/>
-            <a:ext cx="1239254" cy="1200329"/>
-          </a:xfrm>
-          <a:prstGeom prst="rect">
-            <a:avLst/>
-          </a:prstGeom>
-        </p:spPr>
-        <p:txBody>
-          <a:bodyPr wrap="square">
-            <a:spAutoFit/>
-          </a:bodyPr>
-          <a:lstStyle/>
-          <a:p>
-            <a:r>
-              <a:rPr lang="en-US" sz="7200" dirty="0">
-                <a:solidFill>
-                  <a:schemeClr val="bg1"/>
-                </a:solidFill>
-              </a:rPr>
-              <a:t>V1</a:t>
-            </a:r>
-            <a:endParaRPr lang="ru-RU" sz="7200" dirty="0">
-              <a:solidFill>
-                <a:schemeClr val="bg1"/>
-              </a:solidFill>
-            </a:endParaRPr>
-          </a:p>
-        </p:txBody>
-      </p:sp>
-      <p:sp>
-        <p:nvSpPr>
-          <p:cNvPr id="2" name="Заголовок 1"/>
+          <p:cNvPr id="7" name="Title 6">
+            <a:extLst>
+              <a:ext uri="{FF2B5EF4-FFF2-40B4-BE49-F238E27FC236}">
+                <a16:creationId xmlns:a16="http://schemas.microsoft.com/office/drawing/2014/main" xmlns="" id="{DDE79998-A15C-2CB6-B04B-53D589C36C00}"/>
+              </a:ext>
+            </a:extLst>
+          </p:cNvPr>
           <p:cNvSpPr>
             <a:spLocks noGrp="1"/>
           </p:cNvSpPr>
@@ -6907,8 +7782,8 @@
         </p:nvSpPr>
         <p:spPr>
           <a:xfrm>
-            <a:off x="2249905" y="3657600"/>
-            <a:ext cx="2378241" cy="625642"/>
+            <a:off x="1975910" y="0"/>
+            <a:ext cx="8732730" cy="660400"/>
           </a:xfrm>
         </p:spPr>
         <p:txBody>
@@ -6916,16 +7791,220 @@
           <a:lstStyle/>
           <a:p>
             <a:r>
-              <a:rPr lang="en-US" sz="3600" dirty="0" smtClean="0"/>
-              <a:t>Original</a:t>
-            </a:r>
-            <a:endParaRPr lang="ru-RU" sz="3600" dirty="0"/>
+              <a:rPr lang="en-US" sz="3600" b="1" kern="1200" dirty="0" smtClean="0">
+                <a:solidFill>
+                  <a:srgbClr val="FFFFFF"/>
+                </a:solidFill>
+                <a:effectLst/>
+                <a:latin typeface="Calibri Light (Headings)"/>
+                <a:ea typeface="Crimson Pro Bold"/>
+                <a:cs typeface="+mn-cs"/>
+              </a:rPr>
+              <a:t>Code explanation</a:t>
+            </a:r>
+            <a:endParaRPr lang="en-US" sz="3600" b="1" dirty="0">
+              <a:latin typeface="Calibri Light (Headings)"/>
+            </a:endParaRPr>
+          </a:p>
+        </p:txBody>
+      </p:sp>
+      <p:sp>
+        <p:nvSpPr>
+          <p:cNvPr id="3" name="Прямоугольник 2"/>
+          <p:cNvSpPr/>
+          <p:nvPr/>
+        </p:nvSpPr>
+        <p:spPr>
+          <a:xfrm>
+            <a:off x="0" y="5661414"/>
+            <a:ext cx="1259840" cy="1200329"/>
+          </a:xfrm>
+          <a:prstGeom prst="rect">
+            <a:avLst/>
+          </a:prstGeom>
+        </p:spPr>
+        <p:txBody>
+          <a:bodyPr wrap="square">
+            <a:spAutoFit/>
+          </a:bodyPr>
+          <a:lstStyle/>
+          <a:p>
+            <a:r>
+              <a:rPr lang="en-US" sz="7200" dirty="0">
+                <a:solidFill>
+                  <a:schemeClr val="bg1"/>
+                </a:solidFill>
+              </a:rPr>
+              <a:t>V1</a:t>
+            </a:r>
+            <a:endParaRPr lang="ru-RU" sz="7200" dirty="0">
+              <a:solidFill>
+                <a:schemeClr val="bg1"/>
+              </a:solidFill>
+            </a:endParaRPr>
+          </a:p>
+        </p:txBody>
+      </p:sp>
+      <p:sp>
+        <p:nvSpPr>
+          <p:cNvPr id="2" name="Прямоугольник 1"/>
+          <p:cNvSpPr/>
+          <p:nvPr/>
+        </p:nvSpPr>
+        <p:spPr>
+          <a:xfrm>
+            <a:off x="518160" y="603963"/>
+            <a:ext cx="6096000" cy="646331"/>
+          </a:xfrm>
+          <a:prstGeom prst="rect">
+            <a:avLst/>
+          </a:prstGeom>
+        </p:spPr>
+        <p:txBody>
+          <a:bodyPr>
+            <a:spAutoFit/>
+          </a:bodyPr>
+          <a:lstStyle/>
+          <a:p>
+            <a:r>
+              <a:rPr lang="en-US" b="1" dirty="0">
+                <a:solidFill>
+                  <a:schemeClr val="bg1"/>
+                </a:solidFill>
+              </a:rPr>
+              <a:t>Learning </a:t>
+            </a:r>
+            <a:r>
+              <a:rPr lang="en-US" b="1" dirty="0" smtClean="0">
+                <a:solidFill>
+                  <a:schemeClr val="bg1"/>
+                </a:solidFill>
+              </a:rPr>
+              <a:t>Type</a:t>
+            </a:r>
+            <a:r>
+              <a:rPr lang="en-US" dirty="0" smtClean="0">
+                <a:solidFill>
+                  <a:schemeClr val="bg1"/>
+                </a:solidFill>
+              </a:rPr>
+              <a:t>: </a:t>
+            </a:r>
+            <a:r>
+              <a:rPr lang="en-US" dirty="0">
+                <a:solidFill>
+                  <a:schemeClr val="bg1"/>
+                </a:solidFill>
+              </a:rPr>
+              <a:t>s</a:t>
+            </a:r>
+            <a:r>
+              <a:rPr lang="en-US" dirty="0" smtClean="0">
+                <a:solidFill>
+                  <a:schemeClr val="bg1"/>
+                </a:solidFill>
+              </a:rPr>
+              <a:t>upervised </a:t>
+            </a:r>
+            <a:r>
+              <a:rPr lang="en-US" dirty="0">
+                <a:solidFill>
+                  <a:schemeClr val="bg1"/>
+                </a:solidFill>
+              </a:rPr>
+              <a:t>Learning – </a:t>
+            </a:r>
+            <a:r>
+              <a:rPr lang="en-US" dirty="0" smtClean="0">
+                <a:solidFill>
+                  <a:schemeClr val="bg1"/>
+                </a:solidFill>
+              </a:rPr>
+              <a:t>model </a:t>
+            </a:r>
+            <a:r>
+              <a:rPr lang="en-US" dirty="0">
+                <a:solidFill>
+                  <a:schemeClr val="bg1"/>
+                </a:solidFill>
+              </a:rPr>
+              <a:t>learns by minimizing reconstruction error using MSE loss.</a:t>
+            </a:r>
+          </a:p>
+        </p:txBody>
+      </p:sp>
+      <p:sp>
+        <p:nvSpPr>
+          <p:cNvPr id="5" name="Прямоугольник 4"/>
+          <p:cNvSpPr/>
+          <p:nvPr/>
+        </p:nvSpPr>
+        <p:spPr>
+          <a:xfrm>
+            <a:off x="5318443" y="1695187"/>
+            <a:ext cx="4084320" cy="369332"/>
+          </a:xfrm>
+          <a:prstGeom prst="rect">
+            <a:avLst/>
+          </a:prstGeom>
+        </p:spPr>
+        <p:txBody>
+          <a:bodyPr wrap="square">
+            <a:spAutoFit/>
+          </a:bodyPr>
+          <a:lstStyle/>
+          <a:p>
+            <a:r>
+              <a:rPr lang="en-US" b="1" dirty="0">
+                <a:solidFill>
+                  <a:schemeClr val="bg1"/>
+                </a:solidFill>
+              </a:rPr>
+              <a:t>Loss </a:t>
+            </a:r>
+            <a:r>
+              <a:rPr lang="en-US" b="1" dirty="0" smtClean="0">
+                <a:solidFill>
+                  <a:schemeClr val="bg1"/>
+                </a:solidFill>
+              </a:rPr>
+              <a:t>Function</a:t>
+            </a:r>
+            <a:r>
+              <a:rPr lang="en-US" dirty="0" smtClean="0">
+                <a:solidFill>
+                  <a:schemeClr val="bg1"/>
+                </a:solidFill>
+              </a:rPr>
+              <a:t>: Mean </a:t>
+            </a:r>
+            <a:r>
+              <a:rPr lang="en-US" dirty="0">
+                <a:solidFill>
+                  <a:schemeClr val="bg1"/>
+                </a:solidFill>
+              </a:rPr>
+              <a:t>Squared Error (MSE</a:t>
+            </a:r>
+            <a:r>
+              <a:rPr lang="en-US" dirty="0" smtClean="0">
+                <a:solidFill>
+                  <a:schemeClr val="bg1"/>
+                </a:solidFill>
+              </a:rPr>
+              <a:t>)</a:t>
+            </a:r>
+            <a:endParaRPr lang="en-US" dirty="0">
+              <a:solidFill>
+                <a:schemeClr val="bg1"/>
+              </a:solidFill>
+            </a:endParaRPr>
           </a:p>
         </p:txBody>
       </p:sp>
       <p:pic>
         <p:nvPicPr>
-          <p:cNvPr id="1029" name="Picture 5"/>
+          <p:cNvPr id="1026" name="Picture 2"/>
           <p:cNvPicPr>
             <a:picLocks noChangeAspect="1" noChangeArrowheads="1"/>
           </p:cNvPicPr>
@@ -6946,8 +8025,8 @@
         </p:blipFill>
         <p:spPr bwMode="auto">
           <a:xfrm>
-            <a:off x="7518686" y="4938529"/>
-            <a:ext cx="4673314" cy="1920540"/>
+            <a:off x="9402763" y="1465516"/>
+            <a:ext cx="2428875" cy="828675"/>
           </a:xfrm>
           <a:prstGeom prst="rect">
             <a:avLst/>
@@ -6987,9 +8066,170 @@
           </a:extLst>
         </p:spPr>
       </p:pic>
+      <p:sp>
+        <p:nvSpPr>
+          <p:cNvPr id="6" name="Прямоугольник 5"/>
+          <p:cNvSpPr/>
+          <p:nvPr/>
+        </p:nvSpPr>
+        <p:spPr>
+          <a:xfrm>
+            <a:off x="0" y="2537936"/>
+            <a:ext cx="9570720" cy="1477328"/>
+          </a:xfrm>
+          <a:prstGeom prst="rect">
+            <a:avLst/>
+          </a:prstGeom>
+        </p:spPr>
+        <p:txBody>
+          <a:bodyPr wrap="square">
+            <a:spAutoFit/>
+          </a:bodyPr>
+          <a:lstStyle/>
+          <a:p>
+            <a:r>
+              <a:rPr lang="en-US" dirty="0">
+                <a:solidFill>
+                  <a:schemeClr val="bg1"/>
+                </a:solidFill>
+              </a:rPr>
+              <a:t>Activation </a:t>
+            </a:r>
+            <a:r>
+              <a:rPr lang="en-US" dirty="0" smtClean="0">
+                <a:solidFill>
+                  <a:schemeClr val="bg1"/>
+                </a:solidFill>
+              </a:rPr>
+              <a:t>Functions</a:t>
+            </a:r>
+            <a:r>
+              <a:rPr lang="ru-RU" dirty="0" smtClean="0">
+                <a:solidFill>
+                  <a:schemeClr val="bg1"/>
+                </a:solidFill>
+              </a:rPr>
+              <a:t>(</a:t>
+            </a:r>
+            <a:r>
+              <a:rPr lang="en-US" dirty="0">
+                <a:solidFill>
+                  <a:schemeClr val="bg1"/>
+                </a:solidFill>
+              </a:rPr>
+              <a:t>Introduce non-linearity → Enable the model to learn complex patterns</a:t>
+            </a:r>
+            <a:r>
+              <a:rPr lang="ru-RU" dirty="0" smtClean="0">
+                <a:solidFill>
+                  <a:schemeClr val="bg1"/>
+                </a:solidFill>
+              </a:rPr>
+              <a:t>)</a:t>
+            </a:r>
+            <a:r>
+              <a:rPr lang="en-US" dirty="0" smtClean="0">
+                <a:solidFill>
+                  <a:schemeClr val="bg1"/>
+                </a:solidFill>
+              </a:rPr>
+              <a:t>:</a:t>
+            </a:r>
+            <a:r>
+              <a:rPr lang="ru-RU" dirty="0" smtClean="0">
+                <a:solidFill>
+                  <a:schemeClr val="bg1"/>
+                </a:solidFill>
+              </a:rPr>
+              <a:t/>
+            </a:r>
+            <a:br>
+              <a:rPr lang="ru-RU" dirty="0" smtClean="0">
+                <a:solidFill>
+                  <a:schemeClr val="bg1"/>
+                </a:solidFill>
+              </a:rPr>
+            </a:br>
+            <a:endParaRPr lang="en-US" dirty="0">
+              <a:solidFill>
+                <a:schemeClr val="bg1"/>
+              </a:solidFill>
+            </a:endParaRPr>
+          </a:p>
+          <a:p>
+            <a:r>
+              <a:rPr lang="ru-RU" dirty="0" smtClean="0">
+                <a:solidFill>
+                  <a:schemeClr val="bg1"/>
+                </a:solidFill>
+              </a:rPr>
+              <a:t>1) </a:t>
+            </a:r>
+            <a:r>
+              <a:rPr lang="en-US" dirty="0" err="1" smtClean="0">
+                <a:solidFill>
+                  <a:schemeClr val="bg1"/>
+                </a:solidFill>
+              </a:rPr>
+              <a:t>ReLU</a:t>
+            </a:r>
+            <a:r>
+              <a:rPr lang="ru-RU" dirty="0" smtClean="0">
+                <a:solidFill>
+                  <a:schemeClr val="bg1"/>
+                </a:solidFill>
+              </a:rPr>
+              <a:t/>
+            </a:r>
+            <a:br>
+              <a:rPr lang="ru-RU" dirty="0" smtClean="0">
+                <a:solidFill>
+                  <a:schemeClr val="bg1"/>
+                </a:solidFill>
+              </a:rPr>
+            </a:br>
+            <a:r>
+              <a:rPr lang="ru-RU" dirty="0" smtClean="0">
+                <a:solidFill>
+                  <a:schemeClr val="bg1"/>
+                </a:solidFill>
+              </a:rPr>
+              <a:t/>
+            </a:r>
+            <a:br>
+              <a:rPr lang="ru-RU" dirty="0" smtClean="0">
+                <a:solidFill>
+                  <a:schemeClr val="bg1"/>
+                </a:solidFill>
+              </a:rPr>
+            </a:br>
+            <a:r>
+              <a:rPr lang="ru-RU" dirty="0" smtClean="0">
+                <a:solidFill>
+                  <a:schemeClr val="bg1"/>
+                </a:solidFill>
+              </a:rPr>
+              <a:t>2) </a:t>
+            </a:r>
+            <a:r>
+              <a:rPr lang="en-US" dirty="0" smtClean="0">
+                <a:solidFill>
+                  <a:schemeClr val="bg1"/>
+                </a:solidFill>
+              </a:rPr>
+              <a:t>Sigmoid</a:t>
+            </a:r>
+            <a:endParaRPr lang="en-US" dirty="0">
+              <a:solidFill>
+                <a:schemeClr val="bg1"/>
+              </a:solidFill>
+            </a:endParaRPr>
+          </a:p>
+        </p:txBody>
+      </p:sp>
       <p:pic>
         <p:nvPicPr>
-          <p:cNvPr id="1030" name="Picture 6"/>
+          <p:cNvPr id="1027" name="Picture 3"/>
           <p:cNvPicPr>
             <a:picLocks noChangeAspect="1" noChangeArrowheads="1"/>
           </p:cNvPicPr>
@@ -7010,8 +8250,8 @@
         </p:blipFill>
         <p:spPr bwMode="auto">
           <a:xfrm>
-            <a:off x="2027238" y="4706576"/>
-            <a:ext cx="4469815" cy="2152493"/>
+            <a:off x="1114425" y="3076575"/>
+            <a:ext cx="1733550" cy="400050"/>
           </a:xfrm>
           <a:prstGeom prst="rect">
             <a:avLst/>
@@ -7051,127 +8291,9 @@
           </a:extLst>
         </p:spPr>
       </p:pic>
-      <p:sp>
-        <p:nvSpPr>
-          <p:cNvPr id="16" name="Заголовок 1"/>
-          <p:cNvSpPr txBox="1">
-            <a:spLocks/>
-          </p:cNvSpPr>
-          <p:nvPr/>
-        </p:nvSpPr>
-        <p:spPr>
-          <a:xfrm>
-            <a:off x="6244390" y="3687760"/>
-            <a:ext cx="5372600" cy="625642"/>
-          </a:xfrm>
-          <a:prstGeom prst="rect">
-            <a:avLst/>
-          </a:prstGeom>
-        </p:spPr>
-        <p:txBody>
-          <a:bodyPr vert="horz" lIns="91440" tIns="45720" rIns="91440" bIns="45720" rtlCol="0" anchor="ctr" anchorCtr="0">
-            <a:noAutofit/>
-          </a:bodyPr>
-          <a:lstStyle>
-            <a:lvl1pPr algn="ctr" defTabSz="914400" rtl="0" eaLnBrk="1" latinLnBrk="0" hangingPunct="1">
-              <a:lnSpc>
-                <a:spcPct val="90000"/>
-              </a:lnSpc>
-              <a:spcBef>
-                <a:spcPct val="0"/>
-              </a:spcBef>
-              <a:buNone/>
-              <a:defRPr sz="4800" kern="1200" cap="all" spc="300" baseline="0">
-                <a:solidFill>
-                  <a:schemeClr val="bg1"/>
-                </a:solidFill>
-                <a:latin typeface="+mj-lt"/>
-                <a:ea typeface="+mj-ea"/>
-                <a:cs typeface="+mj-cs"/>
-              </a:defRPr>
-            </a:lvl1pPr>
-          </a:lstStyle>
-          <a:p>
-            <a:r>
-              <a:rPr lang="en-US" sz="3600" dirty="0" smtClean="0"/>
-              <a:t>Decoded image</a:t>
-            </a:r>
-            <a:endParaRPr lang="ru-RU" sz="3600" dirty="0"/>
-          </a:p>
-        </p:txBody>
-      </p:sp>
-      <p:sp>
-        <p:nvSpPr>
-          <p:cNvPr id="9" name="Прямоугольник 8"/>
-          <p:cNvSpPr/>
-          <p:nvPr/>
-        </p:nvSpPr>
-        <p:spPr>
-          <a:xfrm>
-            <a:off x="0" y="4459706"/>
-            <a:ext cx="1874838" cy="830997"/>
-          </a:xfrm>
-          <a:prstGeom prst="rect">
-            <a:avLst/>
-          </a:prstGeom>
-        </p:spPr>
-        <p:txBody>
-          <a:bodyPr wrap="square">
-            <a:spAutoFit/>
-          </a:bodyPr>
-          <a:lstStyle/>
-          <a:p>
-            <a:r>
-              <a:rPr lang="en-US" sz="2400" dirty="0" smtClean="0">
-                <a:solidFill>
-                  <a:schemeClr val="bg1"/>
-                </a:solidFill>
-              </a:rPr>
-              <a:t>Training time</a:t>
-            </a:r>
-            <a:r>
-              <a:rPr lang="ru-RU" sz="2400" dirty="0" smtClean="0">
-                <a:solidFill>
-                  <a:schemeClr val="bg1"/>
-                </a:solidFill>
-              </a:rPr>
-              <a:t> – </a:t>
-            </a:r>
-            <a:r>
-              <a:rPr lang="en-US" sz="2400" dirty="0">
-                <a:solidFill>
-                  <a:schemeClr val="bg1"/>
-                </a:solidFill>
-              </a:rPr>
-              <a:t>1</a:t>
-            </a:r>
-            <a:r>
-              <a:rPr lang="en-US" sz="2400" dirty="0" smtClean="0">
-                <a:solidFill>
-                  <a:schemeClr val="bg1"/>
-                </a:solidFill>
-              </a:rPr>
-              <a:t> </a:t>
-            </a:r>
-            <a:r>
-              <a:rPr lang="en-US" sz="2400" dirty="0" smtClean="0">
-                <a:solidFill>
-                  <a:schemeClr val="bg1"/>
-                </a:solidFill>
-              </a:rPr>
-              <a:t>min</a:t>
-            </a:r>
-            <a:endParaRPr lang="ru-RU" sz="2400" dirty="0">
-              <a:solidFill>
-                <a:schemeClr val="bg1"/>
-              </a:solidFill>
-            </a:endParaRPr>
-          </a:p>
-        </p:txBody>
-      </p:sp>
       <p:pic>
         <p:nvPicPr>
-          <p:cNvPr id="4" name="Picture 2" descr="C:\Users\grigo\OneDrive\Рабочий стол\00000.png"/>
+          <p:cNvPr id="1028" name="Picture 4"/>
           <p:cNvPicPr>
             <a:picLocks noChangeAspect="1" noChangeArrowheads="1"/>
           </p:cNvPicPr>
@@ -7192,69 +8314,167 @@
         </p:blipFill>
         <p:spPr bwMode="auto">
           <a:xfrm>
-            <a:off x="2138588" y="663348"/>
-            <a:ext cx="2487839" cy="2487839"/>
+            <a:off x="1114425" y="3476625"/>
+            <a:ext cx="1733550" cy="695325"/>
           </a:xfrm>
           <a:prstGeom prst="rect">
             <a:avLst/>
           </a:prstGeom>
           <a:noFill/>
+          <a:ln>
+            <a:noFill/>
+          </a:ln>
+          <a:effectLst/>
           <a:extLst>
             <a:ext uri="{909E8E84-426E-40DD-AFC4-6F175D3DCCD1}">
               <a14:hiddenFill xmlns:a14="http://schemas.microsoft.com/office/drawing/2010/main">
                 <a:solidFill>
-                  <a:srgbClr val="FFFFFF"/>
+                  <a:schemeClr val="accent1"/>
                 </a:solidFill>
               </a14:hiddenFill>
             </a:ext>
+            <a:ext uri="{91240B29-F687-4F45-9708-019B960494DF}">
+              <a14:hiddenLine xmlns:a14="http://schemas.microsoft.com/office/drawing/2010/main" w="9525">
+                <a:solidFill>
+                  <a:schemeClr val="tx1"/>
+                </a:solidFill>
+                <a:miter lim="800000"/>
+                <a:headEnd/>
+                <a:tailEnd/>
+              </a14:hiddenLine>
+            </a:ext>
+            <a:ext uri="{AF507438-7753-43E0-B8FC-AC1667EBCBE1}">
+              <a14:hiddenEffects xmlns:a14="http://schemas.microsoft.com/office/drawing/2010/main">
+                <a:effectLst>
+                  <a:outerShdw dist="35921" dir="2700000" algn="ctr" rotWithShape="0">
+                    <a:schemeClr val="bg2"/>
+                  </a:outerShdw>
+                </a:effectLst>
+              </a14:hiddenEffects>
+            </a:ext>
           </a:extLst>
         </p:spPr>
       </p:pic>
-      <p:pic>
-        <p:nvPicPr>
-          <p:cNvPr id="5" name="Picture 3" descr="C:\Users\grigo\OneDrive\Рабочий стол\00000.png_decoded.png"/>
-          <p:cNvPicPr>
-            <a:picLocks noChangeAspect="1" noChangeArrowheads="1"/>
-          </p:cNvPicPr>
+      <p:sp>
+        <p:nvSpPr>
+          <p:cNvPr id="8" name="Прямоугольник 7"/>
+          <p:cNvSpPr/>
           <p:nvPr/>
-        </p:nvPicPr>
-        <p:blipFill>
-          <a:blip r:embed="rId6">
-            <a:extLst>
-              <a:ext uri="{28A0092B-C50C-407E-A947-70E740481C1C}">
-                <a14:useLocalDpi xmlns:a14="http://schemas.microsoft.com/office/drawing/2010/main" val="0"/>
-              </a:ext>
-            </a:extLst>
-          </a:blip>
-          <a:srcRect/>
-          <a:stretch>
-            <a:fillRect/>
-          </a:stretch>
-        </p:blipFill>
-        <p:spPr bwMode="auto">
-          <a:xfrm>
-            <a:off x="7686770" y="663348"/>
-            <a:ext cx="2487839" cy="2487839"/>
+        </p:nvSpPr>
+        <p:spPr>
+          <a:xfrm>
+            <a:off x="5283200" y="3980656"/>
+            <a:ext cx="6096000" cy="2031325"/>
           </a:xfrm>
           <a:prstGeom prst="rect">
             <a:avLst/>
           </a:prstGeom>
-          <a:noFill/>
-          <a:extLst>
-            <a:ext uri="{909E8E84-426E-40DD-AFC4-6F175D3DCCD1}">
-              <a14:hiddenFill xmlns:a14="http://schemas.microsoft.com/office/drawing/2010/main">
-                <a:solidFill>
-                  <a:srgbClr val="FFFFFF"/>
-                </a:solidFill>
-              </a14:hiddenFill>
-            </a:ext>
-          </a:extLst>
-        </p:spPr>
-      </p:pic>
+        </p:spPr>
+        <p:txBody>
+          <a:bodyPr>
+            <a:spAutoFit/>
+          </a:bodyPr>
+          <a:lstStyle/>
+          <a:p>
+            <a:r>
+              <a:rPr lang="en-US" b="1" dirty="0" smtClean="0">
+                <a:solidFill>
+                  <a:schemeClr val="bg1"/>
+                </a:solidFill>
+              </a:rPr>
+              <a:t>Architecture:</a:t>
+            </a:r>
+            <a:br>
+              <a:rPr lang="en-US" b="1" dirty="0" smtClean="0">
+                <a:solidFill>
+                  <a:schemeClr val="bg1"/>
+                </a:solidFill>
+              </a:rPr>
+            </a:br>
+            <a:endParaRPr lang="en-US" b="1" dirty="0" smtClean="0">
+              <a:solidFill>
+                <a:schemeClr val="bg1"/>
+              </a:solidFill>
+            </a:endParaRPr>
+          </a:p>
+          <a:p>
+            <a:r>
+              <a:rPr lang="en-US" b="1" dirty="0" smtClean="0">
+                <a:solidFill>
+                  <a:schemeClr val="bg1"/>
+                </a:solidFill>
+              </a:rPr>
+              <a:t>Encoder</a:t>
+            </a:r>
+            <a:r>
+              <a:rPr lang="en-US" dirty="0">
+                <a:solidFill>
+                  <a:schemeClr val="bg1"/>
+                </a:solidFill>
+              </a:rPr>
+              <a:t>: Conv2D (3→32) extracts low-level features, Conv2D (32→64) captures patterns</a:t>
+            </a:r>
+            <a:r>
+              <a:rPr lang="en-US" dirty="0" smtClean="0">
+                <a:solidFill>
+                  <a:schemeClr val="bg1"/>
+                </a:solidFill>
+              </a:rPr>
+              <a:t>.</a:t>
+            </a:r>
+            <a:br>
+              <a:rPr lang="en-US" dirty="0" smtClean="0">
+                <a:solidFill>
+                  <a:schemeClr val="bg1"/>
+                </a:solidFill>
+              </a:rPr>
+            </a:br>
+            <a:endParaRPr lang="en-US" dirty="0">
+              <a:solidFill>
+                <a:schemeClr val="bg1"/>
+              </a:solidFill>
+            </a:endParaRPr>
+          </a:p>
+          <a:p>
+            <a:r>
+              <a:rPr lang="en-US" b="1" dirty="0">
+                <a:solidFill>
+                  <a:schemeClr val="bg1"/>
+                </a:solidFill>
+              </a:rPr>
+              <a:t>Decoder</a:t>
+            </a:r>
+            <a:r>
+              <a:rPr lang="en-US" dirty="0">
+                <a:solidFill>
+                  <a:schemeClr val="bg1"/>
+                </a:solidFill>
+              </a:rPr>
+              <a:t>: ConvTranspose2D (64→32) </a:t>
+            </a:r>
+            <a:r>
+              <a:rPr lang="en-US" dirty="0" err="1">
+                <a:solidFill>
+                  <a:schemeClr val="bg1"/>
+                </a:solidFill>
+              </a:rPr>
+              <a:t>upsamples</a:t>
+            </a:r>
+            <a:r>
+              <a:rPr lang="en-US" dirty="0">
+                <a:solidFill>
+                  <a:schemeClr val="bg1"/>
+                </a:solidFill>
+              </a:rPr>
+              <a:t>, ConvTranspose2D (32→3, Sigmoid) reconstructs the image.</a:t>
+            </a:r>
+          </a:p>
+        </p:txBody>
+      </p:sp>
     </p:spTree>
     <p:extLst>
       <p:ext uri="{BB962C8B-B14F-4D97-AF65-F5344CB8AC3E}">
-        <p14:creationId xmlns:p14="http://schemas.microsoft.com/office/powerpoint/2010/main" val="3336434313"/>
+        <p14:creationId xmlns:p14="http://schemas.microsoft.com/office/powerpoint/2010/main" val="1639880916"/>
       </p:ext>
     </p:extLst>
   </p:cSld>
@@ -7272,7 +8492,7 @@
         <p:cNvPr id="1" name="">
           <a:extLst>
             <a:ext uri="{FF2B5EF4-FFF2-40B4-BE49-F238E27FC236}">
-              <a16:creationId xmlns="" xmlns:a16="http://schemas.microsoft.com/office/drawing/2014/main" id="{EF87400A-AA39-C6BD-0F50-19DF27F0BEE1}"/>
+              <a16:creationId xmlns:a16="http://schemas.microsoft.com/office/drawing/2014/main" xmlns="" id="{EF87400A-AA39-C6BD-0F50-19DF27F0BEE1}"/>
             </a:ext>
           </a:extLst>
         </p:cNvPr>
@@ -7296,7 +8516,7 @@
         <p:spPr>
           <a:xfrm>
             <a:off x="0" y="5658740"/>
-            <a:ext cx="1876926" cy="1200329"/>
+            <a:ext cx="1239254" cy="1200329"/>
           </a:xfrm>
           <a:prstGeom prst="rect">
             <a:avLst/>
@@ -7309,20 +8529,12 @@
           <a:lstStyle/>
           <a:p>
             <a:r>
-              <a:rPr lang="en-US" sz="7200" dirty="0" smtClean="0">
-                <a:solidFill>
-                  <a:schemeClr val="bg1"/>
-                </a:solidFill>
-              </a:rPr>
-              <a:t>V</a:t>
-            </a:r>
-            <a:r>
-              <a:rPr lang="ru-RU" sz="7200" dirty="0" smtClean="0">
-                <a:solidFill>
-                  <a:schemeClr val="bg1"/>
-                </a:solidFill>
-              </a:rPr>
-              <a:t>1.5</a:t>
+              <a:rPr lang="en-US" sz="7200" dirty="0">
+                <a:solidFill>
+                  <a:schemeClr val="bg1"/>
+                </a:solidFill>
+              </a:rPr>
+              <a:t>V1</a:t>
             </a:r>
             <a:endParaRPr lang="ru-RU" sz="7200" dirty="0">
               <a:solidFill>
@@ -7334,181 +8546,46 @@
       </p:sp>
       <p:sp>
         <p:nvSpPr>
-          <p:cNvPr id="10" name="Заголовок 1"/>
-          <p:cNvSpPr txBox="1">
-            <a:spLocks/>
+          <p:cNvPr id="2" name="Заголовок 1"/>
+          <p:cNvSpPr>
+            <a:spLocks noGrp="1"/>
           </p:cNvSpPr>
-          <p:nvPr/>
+          <p:nvPr>
+            <p:ph type="ctrTitle"/>
+          </p:nvPr>
         </p:nvSpPr>
         <p:spPr>
           <a:xfrm>
             <a:off x="2249905" y="3657600"/>
             <a:ext cx="2378241" cy="625642"/>
           </a:xfrm>
-          <a:prstGeom prst="rect">
-            <a:avLst/>
-          </a:prstGeom>
-        </p:spPr>
-        <p:txBody>
-          <a:bodyPr vert="horz" lIns="91440" tIns="45720" rIns="91440" bIns="45720" rtlCol="0" anchor="ctr" anchorCtr="0">
-            <a:noAutofit/>
-          </a:bodyPr>
-          <a:lstStyle>
-            <a:lvl1pPr algn="ctr" defTabSz="914400" rtl="0" eaLnBrk="1" latinLnBrk="0" hangingPunct="1">
-              <a:lnSpc>
-                <a:spcPct val="90000"/>
-              </a:lnSpc>
-              <a:spcBef>
-                <a:spcPct val="0"/>
-              </a:spcBef>
-              <a:buNone/>
-              <a:defRPr sz="4800" kern="1200" cap="all" spc="300" baseline="0">
-                <a:solidFill>
-                  <a:schemeClr val="bg1"/>
-                </a:solidFill>
-                <a:latin typeface="+mj-lt"/>
-                <a:ea typeface="+mj-ea"/>
-                <a:cs typeface="+mj-cs"/>
-              </a:defRPr>
-            </a:lvl1pPr>
-          </a:lstStyle>
-          <a:p>
-            <a:r>
-              <a:rPr lang="en-US" sz="3600" dirty="0"/>
-              <a:t>Original</a:t>
+        </p:spPr>
+        <p:txBody>
+          <a:bodyPr/>
+          <a:lstStyle/>
+          <a:p>
+            <a:r>
+              <a:rPr lang="ru-RU" sz="3600" dirty="0" smtClean="0"/>
+              <a:t>34</a:t>
+            </a:r>
+            <a:r>
+              <a:rPr lang="en-US" sz="3600" dirty="0" smtClean="0"/>
+              <a:t>KB</a:t>
             </a:r>
             <a:endParaRPr lang="ru-RU" sz="3600" dirty="0"/>
-          </a:p>
-        </p:txBody>
-      </p:sp>
-      <p:sp>
-        <p:nvSpPr>
-          <p:cNvPr id="11" name="Заголовок 1"/>
-          <p:cNvSpPr txBox="1">
-            <a:spLocks/>
-          </p:cNvSpPr>
-          <p:nvPr/>
-        </p:nvSpPr>
-        <p:spPr>
-          <a:xfrm>
-            <a:off x="6404650" y="3657600"/>
-            <a:ext cx="5666874" cy="625642"/>
-          </a:xfrm>
-          <a:prstGeom prst="rect">
-            <a:avLst/>
-          </a:prstGeom>
-        </p:spPr>
-        <p:txBody>
-          <a:bodyPr vert="horz" lIns="91440" tIns="45720" rIns="91440" bIns="45720" rtlCol="0" anchor="ctr" anchorCtr="0">
-            <a:noAutofit/>
-          </a:bodyPr>
-          <a:lstStyle>
-            <a:lvl1pPr algn="ctr" defTabSz="914400" rtl="0" eaLnBrk="1" latinLnBrk="0" hangingPunct="1">
-              <a:lnSpc>
-                <a:spcPct val="90000"/>
-              </a:lnSpc>
-              <a:spcBef>
-                <a:spcPct val="0"/>
-              </a:spcBef>
-              <a:buNone/>
-              <a:defRPr sz="4800" kern="1200" cap="all" spc="300" baseline="0">
-                <a:solidFill>
-                  <a:schemeClr val="bg1"/>
-                </a:solidFill>
-                <a:latin typeface="+mj-lt"/>
-                <a:ea typeface="+mj-ea"/>
-                <a:cs typeface="+mj-cs"/>
-              </a:defRPr>
-            </a:lvl1pPr>
-          </a:lstStyle>
-          <a:p>
-            <a:r>
-              <a:rPr lang="en-US" sz="3600" dirty="0"/>
-              <a:t>Decoded image</a:t>
-            </a:r>
-            <a:endParaRPr lang="ru-RU" sz="3600" dirty="0"/>
-          </a:p>
-        </p:txBody>
-      </p:sp>
-      <p:sp>
-        <p:nvSpPr>
-          <p:cNvPr id="9" name="Прямоугольник 8"/>
-          <p:cNvSpPr/>
-          <p:nvPr/>
-        </p:nvSpPr>
-        <p:spPr>
-          <a:xfrm>
-            <a:off x="8502" y="4453081"/>
-            <a:ext cx="1868424" cy="830997"/>
-          </a:xfrm>
-          <a:prstGeom prst="rect">
-            <a:avLst/>
-          </a:prstGeom>
-        </p:spPr>
-        <p:txBody>
-          <a:bodyPr wrap="square">
-            <a:spAutoFit/>
-          </a:bodyPr>
-          <a:lstStyle/>
-          <a:p>
-            <a:r>
-              <a:rPr lang="en-US" sz="2400" dirty="0" smtClean="0">
-                <a:solidFill>
-                  <a:schemeClr val="bg1"/>
-                </a:solidFill>
-              </a:rPr>
-              <a:t>Training time</a:t>
-            </a:r>
-            <a:r>
-              <a:rPr lang="ru-RU" sz="2400" dirty="0" smtClean="0">
-                <a:solidFill>
-                  <a:schemeClr val="bg1"/>
-                </a:solidFill>
-              </a:rPr>
-              <a:t> – </a:t>
-            </a:r>
-            <a:r>
-              <a:rPr lang="en-US" sz="2400" dirty="0" smtClean="0">
-                <a:solidFill>
-                  <a:schemeClr val="bg1"/>
-                </a:solidFill>
-              </a:rPr>
-              <a:t>1</a:t>
-            </a:r>
-            <a:r>
-              <a:rPr lang="en-US" sz="2400" dirty="0" smtClean="0">
-                <a:solidFill>
-                  <a:schemeClr val="bg1"/>
-                </a:solidFill>
-              </a:rPr>
-              <a:t> </a:t>
-            </a:r>
-            <a:r>
-              <a:rPr lang="en-US" sz="2400" dirty="0">
-                <a:solidFill>
-                  <a:schemeClr val="bg1"/>
-                </a:solidFill>
-              </a:rPr>
-              <a:t>min</a:t>
-            </a:r>
-            <a:endParaRPr lang="ru-RU" sz="2400" dirty="0">
-              <a:solidFill>
-                <a:schemeClr val="bg1"/>
-              </a:solidFill>
-            </a:endParaRPr>
           </a:p>
         </p:txBody>
       </p:sp>
       <p:pic>
         <p:nvPicPr>
-          <p:cNvPr id="2" name="Picture 2"/>
+          <p:cNvPr id="1029" name="Picture 5"/>
           <p:cNvPicPr>
             <a:picLocks noChangeAspect="1" noChangeArrowheads="1"/>
           </p:cNvPicPr>
           <p:nvPr/>
         </p:nvPicPr>
         <p:blipFill>
-          <a:blip r:embed="rId3" cstate="print">
+          <a:blip r:embed="rId3">
             <a:extLst>
               <a:ext uri="{28A0092B-C50C-407E-A947-70E740481C1C}">
                 <a14:useLocalDpi xmlns:a14="http://schemas.microsoft.com/office/drawing/2010/main" val="0"/>
@@ -7522,8 +8599,8 @@
         </p:blipFill>
         <p:spPr bwMode="auto">
           <a:xfrm>
-            <a:off x="2615294" y="4811879"/>
-            <a:ext cx="3339292" cy="2046121"/>
+            <a:off x="7518686" y="4938529"/>
+            <a:ext cx="4673314" cy="1920540"/>
           </a:xfrm>
           <a:prstGeom prst="rect">
             <a:avLst/>
@@ -7565,7 +8642,7 @@
       </p:pic>
       <p:pic>
         <p:nvPicPr>
-          <p:cNvPr id="12" name="Picture 5"/>
+          <p:cNvPr id="1030" name="Picture 6"/>
           <p:cNvPicPr>
             <a:picLocks noChangeAspect="1" noChangeArrowheads="1"/>
           </p:cNvPicPr>
@@ -7586,8 +8663,8 @@
         </p:blipFill>
         <p:spPr bwMode="auto">
           <a:xfrm>
-            <a:off x="7518686" y="4938529"/>
-            <a:ext cx="4673314" cy="1920540"/>
+            <a:off x="2027238" y="4706576"/>
+            <a:ext cx="4469815" cy="2152493"/>
           </a:xfrm>
           <a:prstGeom prst="rect">
             <a:avLst/>
@@ -7629,7 +8706,7 @@
       </p:pic>
       <p:sp>
         <p:nvSpPr>
-          <p:cNvPr id="13" name="Заголовок 1"/>
+          <p:cNvPr id="16" name="Заголовок 1"/>
           <p:cNvSpPr txBox="1">
             <a:spLocks/>
           </p:cNvSpPr>
@@ -7637,8 +8714,8 @@
         </p:nvSpPr>
         <p:spPr>
           <a:xfrm>
-            <a:off x="2201925" y="173736"/>
-            <a:ext cx="7653418" cy="625642"/>
+            <a:off x="6244390" y="3687760"/>
+            <a:ext cx="5372600" cy="625642"/>
           </a:xfrm>
           <a:prstGeom prst="rect">
             <a:avLst/>
@@ -7669,27 +8746,214 @@
           </a:lstStyle>
           <a:p>
             <a:r>
+              <a:rPr lang="en-US" sz="3600" dirty="0" smtClean="0"/>
+              <a:t>300 kb encoded</a:t>
+            </a:r>
+          </a:p>
+          <a:p>
+            <a:r>
+              <a:rPr lang="en-US" sz="3600" dirty="0" smtClean="0"/>
+              <a:t>26.4KB decoded</a:t>
+            </a:r>
+            <a:endParaRPr lang="ru-RU" sz="3600" dirty="0"/>
+          </a:p>
+        </p:txBody>
+      </p:sp>
+      <p:sp>
+        <p:nvSpPr>
+          <p:cNvPr id="9" name="Прямоугольник 8"/>
+          <p:cNvSpPr/>
+          <p:nvPr/>
+        </p:nvSpPr>
+        <p:spPr>
+          <a:xfrm>
+            <a:off x="0" y="4459705"/>
+            <a:ext cx="1874838" cy="830997"/>
+          </a:xfrm>
+          <a:prstGeom prst="rect">
+            <a:avLst/>
+          </a:prstGeom>
+        </p:spPr>
+        <p:txBody>
+          <a:bodyPr wrap="square">
+            <a:spAutoFit/>
+          </a:bodyPr>
+          <a:lstStyle/>
+          <a:p>
+            <a:r>
+              <a:rPr lang="en-US" sz="2400" dirty="0" smtClean="0">
+                <a:solidFill>
+                  <a:schemeClr val="bg1"/>
+                </a:solidFill>
+              </a:rPr>
+              <a:t>Training time</a:t>
+            </a:r>
+            <a:r>
+              <a:rPr lang="ru-RU" sz="2400" dirty="0" smtClean="0">
+                <a:solidFill>
+                  <a:schemeClr val="bg1"/>
+                </a:solidFill>
+              </a:rPr>
+              <a:t> – </a:t>
+            </a:r>
+            <a:r>
+              <a:rPr lang="en-US" sz="2400" dirty="0">
+                <a:solidFill>
+                  <a:schemeClr val="bg1"/>
+                </a:solidFill>
+              </a:rPr>
+              <a:t>1</a:t>
+            </a:r>
+            <a:r>
+              <a:rPr lang="en-US" sz="2400" dirty="0" smtClean="0">
+                <a:solidFill>
+                  <a:schemeClr val="bg1"/>
+                </a:solidFill>
+              </a:rPr>
+              <a:t> min</a:t>
+            </a:r>
+            <a:endParaRPr lang="ru-RU" sz="2400" dirty="0">
+              <a:solidFill>
+                <a:schemeClr val="bg1"/>
+              </a:solidFill>
+            </a:endParaRPr>
+          </a:p>
+        </p:txBody>
+      </p:sp>
+      <p:pic>
+        <p:nvPicPr>
+          <p:cNvPr id="4" name="Picture 2" descr="C:\Users\grigo\OneDrive\Рабочий стол\00000.png"/>
+          <p:cNvPicPr>
+            <a:picLocks noChangeAspect="1" noChangeArrowheads="1"/>
+          </p:cNvPicPr>
+          <p:nvPr/>
+        </p:nvPicPr>
+        <p:blipFill>
+          <a:blip r:embed="rId5">
+            <a:extLst>
+              <a:ext uri="{28A0092B-C50C-407E-A947-70E740481C1C}">
+                <a14:useLocalDpi xmlns:a14="http://schemas.microsoft.com/office/drawing/2010/main" val="0"/>
+              </a:ext>
+            </a:extLst>
+          </a:blip>
+          <a:srcRect/>
+          <a:stretch>
+            <a:fillRect/>
+          </a:stretch>
+        </p:blipFill>
+        <p:spPr bwMode="auto">
+          <a:xfrm>
+            <a:off x="2138588" y="663348"/>
+            <a:ext cx="2487839" cy="2487839"/>
+          </a:xfrm>
+          <a:prstGeom prst="rect">
+            <a:avLst/>
+          </a:prstGeom>
+          <a:noFill/>
+          <a:extLst>
+            <a:ext uri="{909E8E84-426E-40DD-AFC4-6F175D3DCCD1}">
+              <a14:hiddenFill xmlns:a14="http://schemas.microsoft.com/office/drawing/2010/main">
+                <a:solidFill>
+                  <a:srgbClr val="FFFFFF"/>
+                </a:solidFill>
+              </a14:hiddenFill>
+            </a:ext>
+          </a:extLst>
+        </p:spPr>
+      </p:pic>
+      <p:pic>
+        <p:nvPicPr>
+          <p:cNvPr id="5" name="Picture 3" descr="C:\Users\grigo\OneDrive\Рабочий стол\00000.png_decoded.png"/>
+          <p:cNvPicPr>
+            <a:picLocks noChangeAspect="1" noChangeArrowheads="1"/>
+          </p:cNvPicPr>
+          <p:nvPr/>
+        </p:nvPicPr>
+        <p:blipFill>
+          <a:blip r:embed="rId6">
+            <a:extLst>
+              <a:ext uri="{28A0092B-C50C-407E-A947-70E740481C1C}">
+                <a14:useLocalDpi xmlns:a14="http://schemas.microsoft.com/office/drawing/2010/main" val="0"/>
+              </a:ext>
+            </a:extLst>
+          </a:blip>
+          <a:srcRect/>
+          <a:stretch>
+            <a:fillRect/>
+          </a:stretch>
+        </p:blipFill>
+        <p:spPr bwMode="auto">
+          <a:xfrm>
+            <a:off x="7686770" y="663348"/>
+            <a:ext cx="2487839" cy="2487839"/>
+          </a:xfrm>
+          <a:prstGeom prst="rect">
+            <a:avLst/>
+          </a:prstGeom>
+          <a:noFill/>
+          <a:extLst>
+            <a:ext uri="{909E8E84-426E-40DD-AFC4-6F175D3DCCD1}">
+              <a14:hiddenFill xmlns:a14="http://schemas.microsoft.com/office/drawing/2010/main">
+                <a:solidFill>
+                  <a:srgbClr val="FFFFFF"/>
+                </a:solidFill>
+              </a14:hiddenFill>
+            </a:ext>
+          </a:extLst>
+        </p:spPr>
+      </p:pic>
+      <p:sp>
+        <p:nvSpPr>
+          <p:cNvPr id="10" name="Заголовок 1"/>
+          <p:cNvSpPr txBox="1">
+            <a:spLocks/>
+          </p:cNvSpPr>
+          <p:nvPr/>
+        </p:nvSpPr>
+        <p:spPr>
+          <a:xfrm>
+            <a:off x="2201925" y="0"/>
+            <a:ext cx="7653418" cy="625642"/>
+          </a:xfrm>
+          <a:prstGeom prst="rect">
+            <a:avLst/>
+          </a:prstGeom>
+        </p:spPr>
+        <p:txBody>
+          <a:bodyPr vert="horz" lIns="91440" tIns="45720" rIns="91440" bIns="45720" rtlCol="0" anchor="ctr" anchorCtr="0">
+            <a:noAutofit/>
+          </a:bodyPr>
+          <a:lstStyle>
+            <a:lvl1pPr algn="ctr" defTabSz="914400" rtl="0" eaLnBrk="1" latinLnBrk="0" hangingPunct="1">
+              <a:lnSpc>
+                <a:spcPct val="90000"/>
+              </a:lnSpc>
+              <a:spcBef>
+                <a:spcPct val="0"/>
+              </a:spcBef>
+              <a:buNone/>
+              <a:defRPr sz="4800" kern="1200" cap="all" spc="300" baseline="0">
+                <a:solidFill>
+                  <a:schemeClr val="bg1"/>
+                </a:solidFill>
+                <a:latin typeface="+mj-lt"/>
+                <a:ea typeface="+mj-ea"/>
+                <a:cs typeface="+mj-cs"/>
+              </a:defRPr>
+            </a:lvl1pPr>
+          </a:lstStyle>
+          <a:p>
+            <a:r>
               <a:rPr lang="en-US" sz="2800" dirty="0" smtClean="0"/>
-              <a:t>Working on the size and the quality</a:t>
-            </a:r>
-            <a:br>
+              <a:t>30 photos dataset(128</a:t>
+            </a:r>
+            <a:r>
               <a:rPr lang="en-US" sz="2800" dirty="0" smtClean="0"/>
-            </a:br>
+              <a:t>x128px</a:t>
+            </a:r>
             <a:r>
               <a:rPr lang="en-US" sz="2800" dirty="0" smtClean="0"/>
-              <a:t>using </a:t>
-            </a:r>
-            <a:r>
-              <a:rPr lang="en-US" sz="2800" dirty="0" err="1" smtClean="0"/>
-              <a:t>Tanh</a:t>
-            </a:r>
-            <a:r>
-              <a:rPr lang="en-US" sz="2800" dirty="0"/>
-              <a:t> </a:t>
-            </a:r>
-            <a:r>
-              <a:rPr lang="en-US" sz="2800" dirty="0" smtClean="0"/>
-              <a:t>instead of sigmoid</a:t>
+              <a:t>)</a:t>
             </a:r>
             <a:endParaRPr lang="en-US" sz="2800" dirty="0"/>
           </a:p>
@@ -7698,7 +8962,7 @@
     </p:spTree>
     <p:extLst>
       <p:ext uri="{BB962C8B-B14F-4D97-AF65-F5344CB8AC3E}">
-        <p14:creationId xmlns:p14="http://schemas.microsoft.com/office/powerpoint/2010/main" val="2758561739"/>
+        <p14:creationId xmlns:p14="http://schemas.microsoft.com/office/powerpoint/2010/main" val="3336434313"/>
       </p:ext>
     </p:extLst>
   </p:cSld>
@@ -7716,7 +8980,7 @@
         <p:cNvPr id="1" name="">
           <a:extLst>
             <a:ext uri="{FF2B5EF4-FFF2-40B4-BE49-F238E27FC236}">
-              <a16:creationId xmlns="" xmlns:a16="http://schemas.microsoft.com/office/drawing/2014/main" id="{8C579E26-FA2D-1C68-DB27-3D2C268F6B28}"/>
+              <a16:creationId xmlns:a16="http://schemas.microsoft.com/office/drawing/2014/main" xmlns="" id="{EF87400A-AA39-C6BD-0F50-19DF27F0BEE1}"/>
             </a:ext>
           </a:extLst>
         </p:cNvPr>
@@ -7733,10 +8997,1015 @@
       </p:grpSpPr>
       <p:sp>
         <p:nvSpPr>
+          <p:cNvPr id="3" name="Прямоугольник 2"/>
+          <p:cNvSpPr/>
+          <p:nvPr/>
+        </p:nvSpPr>
+        <p:spPr>
+          <a:xfrm>
+            <a:off x="0" y="5658740"/>
+            <a:ext cx="1876926" cy="1200329"/>
+          </a:xfrm>
+          <a:prstGeom prst="rect">
+            <a:avLst/>
+          </a:prstGeom>
+        </p:spPr>
+        <p:txBody>
+          <a:bodyPr wrap="square">
+            <a:spAutoFit/>
+          </a:bodyPr>
+          <a:lstStyle/>
+          <a:p>
+            <a:r>
+              <a:rPr lang="en-US" sz="7200" dirty="0" smtClean="0">
+                <a:solidFill>
+                  <a:schemeClr val="bg1"/>
+                </a:solidFill>
+              </a:rPr>
+              <a:t>V</a:t>
+            </a:r>
+            <a:r>
+              <a:rPr lang="ru-RU" sz="7200" dirty="0" smtClean="0">
+                <a:solidFill>
+                  <a:schemeClr val="bg1"/>
+                </a:solidFill>
+              </a:rPr>
+              <a:t>1</a:t>
+            </a:r>
+            <a:endParaRPr lang="ru-RU" sz="7200" dirty="0">
+              <a:solidFill>
+                <a:schemeClr val="bg1"/>
+              </a:solidFill>
+            </a:endParaRPr>
+          </a:p>
+        </p:txBody>
+      </p:sp>
+      <p:sp>
+        <p:nvSpPr>
+          <p:cNvPr id="9" name="Прямоугольник 8"/>
+          <p:cNvSpPr/>
+          <p:nvPr/>
+        </p:nvSpPr>
+        <p:spPr>
+          <a:xfrm>
+            <a:off x="0" y="4453081"/>
+            <a:ext cx="1868424" cy="830997"/>
+          </a:xfrm>
+          <a:prstGeom prst="rect">
+            <a:avLst/>
+          </a:prstGeom>
+        </p:spPr>
+        <p:txBody>
+          <a:bodyPr wrap="square">
+            <a:spAutoFit/>
+          </a:bodyPr>
+          <a:lstStyle/>
+          <a:p>
+            <a:r>
+              <a:rPr lang="en-US" sz="2400" dirty="0" smtClean="0">
+                <a:solidFill>
+                  <a:schemeClr val="bg1"/>
+                </a:solidFill>
+              </a:rPr>
+              <a:t>Training time</a:t>
+            </a:r>
+            <a:r>
+              <a:rPr lang="ru-RU" sz="2400" dirty="0" smtClean="0">
+                <a:solidFill>
+                  <a:schemeClr val="bg1"/>
+                </a:solidFill>
+              </a:rPr>
+              <a:t> – </a:t>
+            </a:r>
+            <a:r>
+              <a:rPr lang="en-US" sz="2400" dirty="0" smtClean="0">
+                <a:solidFill>
+                  <a:schemeClr val="bg1"/>
+                </a:solidFill>
+              </a:rPr>
+              <a:t>5 hours</a:t>
+            </a:r>
+            <a:endParaRPr lang="ru-RU" sz="2400" dirty="0">
+              <a:solidFill>
+                <a:schemeClr val="bg1"/>
+              </a:solidFill>
+            </a:endParaRPr>
+          </a:p>
+        </p:txBody>
+      </p:sp>
+      <p:sp>
+        <p:nvSpPr>
+          <p:cNvPr id="13" name="Заголовок 1"/>
+          <p:cNvSpPr txBox="1">
+            <a:spLocks/>
+          </p:cNvSpPr>
+          <p:nvPr/>
+        </p:nvSpPr>
+        <p:spPr>
+          <a:xfrm>
+            <a:off x="2201925" y="0"/>
+            <a:ext cx="7653418" cy="625642"/>
+          </a:xfrm>
+          <a:prstGeom prst="rect">
+            <a:avLst/>
+          </a:prstGeom>
+        </p:spPr>
+        <p:txBody>
+          <a:bodyPr vert="horz" lIns="91440" tIns="45720" rIns="91440" bIns="45720" rtlCol="0" anchor="ctr" anchorCtr="0">
+            <a:noAutofit/>
+          </a:bodyPr>
+          <a:lstStyle>
+            <a:lvl1pPr algn="ctr" defTabSz="914400" rtl="0" eaLnBrk="1" latinLnBrk="0" hangingPunct="1">
+              <a:lnSpc>
+                <a:spcPct val="90000"/>
+              </a:lnSpc>
+              <a:spcBef>
+                <a:spcPct val="0"/>
+              </a:spcBef>
+              <a:buNone/>
+              <a:defRPr sz="4800" kern="1200" cap="all" spc="300" baseline="0">
+                <a:solidFill>
+                  <a:schemeClr val="bg1"/>
+                </a:solidFill>
+                <a:latin typeface="+mj-lt"/>
+                <a:ea typeface="+mj-ea"/>
+                <a:cs typeface="+mj-cs"/>
+              </a:defRPr>
+            </a:lvl1pPr>
+          </a:lstStyle>
+          <a:p>
+            <a:r>
+              <a:rPr lang="en-US" sz="2800" dirty="0" smtClean="0"/>
+              <a:t> 52000 </a:t>
+            </a:r>
+            <a:r>
+              <a:rPr lang="en-US" sz="2800" dirty="0"/>
+              <a:t>photos dataset(128x128px</a:t>
+            </a:r>
+            <a:r>
+              <a:rPr lang="en-US" sz="2800" dirty="0" smtClean="0"/>
+              <a:t>)</a:t>
+            </a:r>
+            <a:endParaRPr lang="en-US" sz="2800" dirty="0"/>
+          </a:p>
+        </p:txBody>
+      </p:sp>
+      <p:pic>
+        <p:nvPicPr>
+          <p:cNvPr id="14" name="Picture 6"/>
+          <p:cNvPicPr>
+            <a:picLocks noChangeAspect="1" noChangeArrowheads="1"/>
+          </p:cNvPicPr>
+          <p:nvPr/>
+        </p:nvPicPr>
+        <p:blipFill>
+          <a:blip r:embed="rId3">
+            <a:extLst>
+              <a:ext uri="{28A0092B-C50C-407E-A947-70E740481C1C}">
+                <a14:useLocalDpi xmlns:a14="http://schemas.microsoft.com/office/drawing/2010/main" val="0"/>
+              </a:ext>
+            </a:extLst>
+          </a:blip>
+          <a:srcRect/>
+          <a:stretch>
+            <a:fillRect/>
+          </a:stretch>
+        </p:blipFill>
+        <p:spPr bwMode="auto">
+          <a:xfrm>
+            <a:off x="2027238" y="4706576"/>
+            <a:ext cx="4469815" cy="2152493"/>
+          </a:xfrm>
+          <a:prstGeom prst="rect">
+            <a:avLst/>
+          </a:prstGeom>
+          <a:noFill/>
+          <a:ln>
+            <a:noFill/>
+          </a:ln>
+          <a:effectLst/>
+          <a:extLst>
+            <a:ext uri="{909E8E84-426E-40DD-AFC4-6F175D3DCCD1}">
+              <a14:hiddenFill xmlns:a14="http://schemas.microsoft.com/office/drawing/2010/main">
+                <a:solidFill>
+                  <a:schemeClr val="accent1"/>
+                </a:solidFill>
+              </a14:hiddenFill>
+            </a:ext>
+            <a:ext uri="{91240B29-F687-4F45-9708-019B960494DF}">
+              <a14:hiddenLine xmlns:a14="http://schemas.microsoft.com/office/drawing/2010/main" w="9525">
+                <a:solidFill>
+                  <a:schemeClr val="tx1"/>
+                </a:solidFill>
+                <a:miter lim="800000"/>
+                <a:headEnd/>
+                <a:tailEnd/>
+              </a14:hiddenLine>
+            </a:ext>
+            <a:ext uri="{AF507438-7753-43E0-B8FC-AC1667EBCBE1}">
+              <a14:hiddenEffects xmlns:a14="http://schemas.microsoft.com/office/drawing/2010/main">
+                <a:effectLst>
+                  <a:outerShdw dist="35921" dir="2700000" algn="ctr" rotWithShape="0">
+                    <a:schemeClr val="bg2"/>
+                  </a:outerShdw>
+                </a:effectLst>
+              </a14:hiddenEffects>
+            </a:ext>
+          </a:extLst>
+        </p:spPr>
+      </p:pic>
+      <p:sp>
+        <p:nvSpPr>
+          <p:cNvPr id="15" name="Заголовок 1"/>
+          <p:cNvSpPr txBox="1">
+            <a:spLocks/>
+          </p:cNvSpPr>
+          <p:nvPr/>
+        </p:nvSpPr>
+        <p:spPr>
+          <a:xfrm>
+            <a:off x="6244390" y="3687760"/>
+            <a:ext cx="5372600" cy="625642"/>
+          </a:xfrm>
+          <a:prstGeom prst="rect">
+            <a:avLst/>
+          </a:prstGeom>
+        </p:spPr>
+        <p:txBody>
+          <a:bodyPr vert="horz" lIns="91440" tIns="45720" rIns="91440" bIns="45720" rtlCol="0" anchor="ctr" anchorCtr="0">
+            <a:noAutofit/>
+          </a:bodyPr>
+          <a:lstStyle>
+            <a:lvl1pPr algn="ctr" defTabSz="914400" rtl="0" eaLnBrk="1" latinLnBrk="0" hangingPunct="1">
+              <a:lnSpc>
+                <a:spcPct val="90000"/>
+              </a:lnSpc>
+              <a:spcBef>
+                <a:spcPct val="0"/>
+              </a:spcBef>
+              <a:buNone/>
+              <a:defRPr sz="4800" kern="1200" cap="all" spc="300" baseline="0">
+                <a:solidFill>
+                  <a:schemeClr val="bg1"/>
+                </a:solidFill>
+                <a:latin typeface="+mj-lt"/>
+                <a:ea typeface="+mj-ea"/>
+                <a:cs typeface="+mj-cs"/>
+              </a:defRPr>
+            </a:lvl1pPr>
+          </a:lstStyle>
+          <a:p>
+            <a:r>
+              <a:rPr lang="en-US" sz="3600" dirty="0" smtClean="0"/>
+              <a:t>300 kb encoded</a:t>
+            </a:r>
+          </a:p>
+          <a:p>
+            <a:r>
+              <a:rPr lang="en-US" sz="3600" dirty="0" smtClean="0"/>
+              <a:t>26.4KB decoded</a:t>
+            </a:r>
+            <a:endParaRPr lang="ru-RU" sz="3600" dirty="0"/>
+          </a:p>
+        </p:txBody>
+      </p:sp>
+      <p:sp>
+        <p:nvSpPr>
+          <p:cNvPr id="16" name="Заголовок 1"/>
+          <p:cNvSpPr>
+            <a:spLocks noGrp="1"/>
+          </p:cNvSpPr>
+          <p:nvPr>
+            <p:ph type="ctrTitle"/>
+          </p:nvPr>
+        </p:nvSpPr>
+        <p:spPr>
+          <a:xfrm>
+            <a:off x="2249905" y="3657600"/>
+            <a:ext cx="2378241" cy="625642"/>
+          </a:xfrm>
+        </p:spPr>
+        <p:txBody>
+          <a:bodyPr/>
+          <a:lstStyle/>
+          <a:p>
+            <a:r>
+              <a:rPr lang="ru-RU" sz="3600" dirty="0" smtClean="0"/>
+              <a:t>34</a:t>
+            </a:r>
+            <a:r>
+              <a:rPr lang="en-US" sz="3600" dirty="0" smtClean="0"/>
+              <a:t>KB</a:t>
+            </a:r>
+            <a:endParaRPr lang="ru-RU" sz="3600" dirty="0"/>
+          </a:p>
+        </p:txBody>
+      </p:sp>
+      <p:pic>
+        <p:nvPicPr>
+          <p:cNvPr id="17" name="Picture 2" descr="C:\Users\grigo\OneDrive\Рабочий стол\00000.png"/>
+          <p:cNvPicPr>
+            <a:picLocks noChangeAspect="1" noChangeArrowheads="1"/>
+          </p:cNvPicPr>
+          <p:nvPr/>
+        </p:nvPicPr>
+        <p:blipFill>
+          <a:blip r:embed="rId4">
+            <a:extLst>
+              <a:ext uri="{28A0092B-C50C-407E-A947-70E740481C1C}">
+                <a14:useLocalDpi xmlns:a14="http://schemas.microsoft.com/office/drawing/2010/main" val="0"/>
+              </a:ext>
+            </a:extLst>
+          </a:blip>
+          <a:srcRect/>
+          <a:stretch>
+            <a:fillRect/>
+          </a:stretch>
+        </p:blipFill>
+        <p:spPr bwMode="auto">
+          <a:xfrm>
+            <a:off x="2138588" y="663348"/>
+            <a:ext cx="2487839" cy="2487839"/>
+          </a:xfrm>
+          <a:prstGeom prst="rect">
+            <a:avLst/>
+          </a:prstGeom>
+          <a:noFill/>
+          <a:extLst>
+            <a:ext uri="{909E8E84-426E-40DD-AFC4-6F175D3DCCD1}">
+              <a14:hiddenFill xmlns:a14="http://schemas.microsoft.com/office/drawing/2010/main">
+                <a:solidFill>
+                  <a:srgbClr val="FFFFFF"/>
+                </a:solidFill>
+              </a14:hiddenFill>
+            </a:ext>
+          </a:extLst>
+        </p:spPr>
+      </p:pic>
+      <p:pic>
+        <p:nvPicPr>
+          <p:cNvPr id="2051" name="Picture 3"/>
+          <p:cNvPicPr>
+            <a:picLocks noChangeAspect="1" noChangeArrowheads="1"/>
+          </p:cNvPicPr>
+          <p:nvPr/>
+        </p:nvPicPr>
+        <p:blipFill>
+          <a:blip r:embed="rId5">
+            <a:extLst>
+              <a:ext uri="{28A0092B-C50C-407E-A947-70E740481C1C}">
+                <a14:useLocalDpi xmlns:a14="http://schemas.microsoft.com/office/drawing/2010/main" val="0"/>
+              </a:ext>
+            </a:extLst>
+          </a:blip>
+          <a:srcRect/>
+          <a:stretch>
+            <a:fillRect/>
+          </a:stretch>
+        </p:blipFill>
+        <p:spPr bwMode="auto">
+          <a:xfrm>
+            <a:off x="7883244" y="4999321"/>
+            <a:ext cx="4308756" cy="1858679"/>
+          </a:xfrm>
+          <a:prstGeom prst="rect">
+            <a:avLst/>
+          </a:prstGeom>
+          <a:noFill/>
+          <a:ln>
+            <a:noFill/>
+          </a:ln>
+          <a:effectLst/>
+          <a:extLst>
+            <a:ext uri="{909E8E84-426E-40DD-AFC4-6F175D3DCCD1}">
+              <a14:hiddenFill xmlns:a14="http://schemas.microsoft.com/office/drawing/2010/main">
+                <a:solidFill>
+                  <a:schemeClr val="accent1"/>
+                </a:solidFill>
+              </a14:hiddenFill>
+            </a:ext>
+            <a:ext uri="{91240B29-F687-4F45-9708-019B960494DF}">
+              <a14:hiddenLine xmlns:a14="http://schemas.microsoft.com/office/drawing/2010/main" w="9525">
+                <a:solidFill>
+                  <a:schemeClr val="tx1"/>
+                </a:solidFill>
+                <a:miter lim="800000"/>
+                <a:headEnd/>
+                <a:tailEnd/>
+              </a14:hiddenLine>
+            </a:ext>
+            <a:ext uri="{AF507438-7753-43E0-B8FC-AC1667EBCBE1}">
+              <a14:hiddenEffects xmlns:a14="http://schemas.microsoft.com/office/drawing/2010/main">
+                <a:effectLst>
+                  <a:outerShdw dist="35921" dir="2700000" algn="ctr" rotWithShape="0">
+                    <a:schemeClr val="bg2"/>
+                  </a:outerShdw>
+                </a:effectLst>
+              </a14:hiddenEffects>
+            </a:ext>
+          </a:extLst>
+        </p:spPr>
+      </p:pic>
+    </p:spTree>
+    <p:extLst>
+      <p:ext uri="{BB962C8B-B14F-4D97-AF65-F5344CB8AC3E}">
+        <p14:creationId xmlns:p14="http://schemas.microsoft.com/office/powerpoint/2010/main" val="2758561739"/>
+      </p:ext>
+    </p:extLst>
+  </p:cSld>
+  <p:clrMapOvr>
+    <a:masterClrMapping/>
+  </p:clrMapOvr>
+</p:sld>
+</file>
+
+<file path=ppt/slides/slide14.xml><?xml version="1.0" encoding="utf-8"?>
+<p:sld xmlns:a="http://schemas.openxmlformats.org/drawingml/2006/main" xmlns:r="http://schemas.openxmlformats.org/officeDocument/2006/relationships" xmlns:p="http://schemas.openxmlformats.org/presentationml/2006/main">
+  <p:cSld>
+    <p:spTree>
+      <p:nvGrpSpPr>
+        <p:cNvPr id="1" name="">
+          <a:extLst>
+            <a:ext uri="{FF2B5EF4-FFF2-40B4-BE49-F238E27FC236}">
+              <a16:creationId xmlns:a16="http://schemas.microsoft.com/office/drawing/2014/main" xmlns="" id="{EF87400A-AA39-C6BD-0F50-19DF27F0BEE1}"/>
+            </a:ext>
+          </a:extLst>
+        </p:cNvPr>
+        <p:cNvGrpSpPr/>
+        <p:nvPr/>
+      </p:nvGrpSpPr>
+      <p:grpSpPr>
+        <a:xfrm>
+          <a:off x="0" y="0"/>
+          <a:ext cx="0" cy="0"/>
+          <a:chOff x="0" y="0"/>
+          <a:chExt cx="0" cy="0"/>
+        </a:xfrm>
+      </p:grpSpPr>
+      <p:sp>
+        <p:nvSpPr>
+          <p:cNvPr id="3" name="Прямоугольник 2"/>
+          <p:cNvSpPr/>
+          <p:nvPr/>
+        </p:nvSpPr>
+        <p:spPr>
+          <a:xfrm>
+            <a:off x="0" y="5658740"/>
+            <a:ext cx="1876926" cy="1200329"/>
+          </a:xfrm>
+          <a:prstGeom prst="rect">
+            <a:avLst/>
+          </a:prstGeom>
+        </p:spPr>
+        <p:txBody>
+          <a:bodyPr wrap="square">
+            <a:spAutoFit/>
+          </a:bodyPr>
+          <a:lstStyle/>
+          <a:p>
+            <a:r>
+              <a:rPr lang="en-US" sz="7200" dirty="0" smtClean="0">
+                <a:solidFill>
+                  <a:schemeClr val="bg1"/>
+                </a:solidFill>
+              </a:rPr>
+              <a:t>V</a:t>
+            </a:r>
+            <a:r>
+              <a:rPr lang="ru-RU" sz="7200" dirty="0" smtClean="0">
+                <a:solidFill>
+                  <a:schemeClr val="bg1"/>
+                </a:solidFill>
+              </a:rPr>
+              <a:t>1</a:t>
+            </a:r>
+            <a:endParaRPr lang="ru-RU" sz="7200" dirty="0">
+              <a:solidFill>
+                <a:schemeClr val="bg1"/>
+              </a:solidFill>
+            </a:endParaRPr>
+          </a:p>
+        </p:txBody>
+      </p:sp>
+      <p:sp>
+        <p:nvSpPr>
+          <p:cNvPr id="13" name="Заголовок 1"/>
+          <p:cNvSpPr txBox="1">
+            <a:spLocks/>
+          </p:cNvSpPr>
+          <p:nvPr/>
+        </p:nvSpPr>
+        <p:spPr>
+          <a:xfrm>
+            <a:off x="2201925" y="173736"/>
+            <a:ext cx="7653418" cy="625642"/>
+          </a:xfrm>
+          <a:prstGeom prst="rect">
+            <a:avLst/>
+          </a:prstGeom>
+        </p:spPr>
+        <p:txBody>
+          <a:bodyPr vert="horz" lIns="91440" tIns="45720" rIns="91440" bIns="45720" rtlCol="0" anchor="ctr" anchorCtr="0">
+            <a:noAutofit/>
+          </a:bodyPr>
+          <a:lstStyle>
+            <a:lvl1pPr algn="ctr" defTabSz="914400" rtl="0" eaLnBrk="1" latinLnBrk="0" hangingPunct="1">
+              <a:lnSpc>
+                <a:spcPct val="90000"/>
+              </a:lnSpc>
+              <a:spcBef>
+                <a:spcPct val="0"/>
+              </a:spcBef>
+              <a:buNone/>
+              <a:defRPr sz="4800" kern="1200" cap="all" spc="300" baseline="0">
+                <a:solidFill>
+                  <a:schemeClr val="bg1"/>
+                </a:solidFill>
+                <a:latin typeface="+mj-lt"/>
+                <a:ea typeface="+mj-ea"/>
+                <a:cs typeface="+mj-cs"/>
+              </a:defRPr>
+            </a:lvl1pPr>
+          </a:lstStyle>
+          <a:p>
+            <a:r>
+              <a:rPr lang="en-US" sz="2800" dirty="0" smtClean="0"/>
+              <a:t>Results(52000 photos trained model)</a:t>
+            </a:r>
+            <a:endParaRPr lang="en-US" sz="2800" dirty="0"/>
+          </a:p>
+        </p:txBody>
+      </p:sp>
+      <p:pic>
+        <p:nvPicPr>
+          <p:cNvPr id="14" name="Picture 2"/>
+          <p:cNvPicPr>
+            <a:picLocks noChangeAspect="1" noChangeArrowheads="1"/>
+          </p:cNvPicPr>
+          <p:nvPr/>
+        </p:nvPicPr>
+        <p:blipFill>
+          <a:blip r:embed="rId3">
+            <a:extLst>
+              <a:ext uri="{28A0092B-C50C-407E-A947-70E740481C1C}">
+                <a14:useLocalDpi xmlns:a14="http://schemas.microsoft.com/office/drawing/2010/main" val="0"/>
+              </a:ext>
+            </a:extLst>
+          </a:blip>
+          <a:srcRect/>
+          <a:stretch>
+            <a:fillRect/>
+          </a:stretch>
+        </p:blipFill>
+        <p:spPr bwMode="auto">
+          <a:xfrm>
+            <a:off x="797063" y="1302803"/>
+            <a:ext cx="5071033" cy="2705391"/>
+          </a:xfrm>
+          <a:prstGeom prst="rect">
+            <a:avLst/>
+          </a:prstGeom>
+          <a:noFill/>
+          <a:ln>
+            <a:noFill/>
+          </a:ln>
+          <a:effectLst/>
+          <a:extLst>
+            <a:ext uri="{909E8E84-426E-40DD-AFC4-6F175D3DCCD1}">
+              <a14:hiddenFill xmlns:a14="http://schemas.microsoft.com/office/drawing/2010/main">
+                <a:solidFill>
+                  <a:schemeClr val="accent1"/>
+                </a:solidFill>
+              </a14:hiddenFill>
+            </a:ext>
+            <a:ext uri="{91240B29-F687-4F45-9708-019B960494DF}">
+              <a14:hiddenLine xmlns:a14="http://schemas.microsoft.com/office/drawing/2010/main" w="9525">
+                <a:solidFill>
+                  <a:schemeClr val="tx1"/>
+                </a:solidFill>
+                <a:miter lim="800000"/>
+                <a:headEnd/>
+                <a:tailEnd/>
+              </a14:hiddenLine>
+            </a:ext>
+            <a:ext uri="{AF507438-7753-43E0-B8FC-AC1667EBCBE1}">
+              <a14:hiddenEffects xmlns:a14="http://schemas.microsoft.com/office/drawing/2010/main">
+                <a:effectLst>
+                  <a:outerShdw dist="35921" dir="2700000" algn="ctr" rotWithShape="0">
+                    <a:schemeClr val="bg2"/>
+                  </a:outerShdw>
+                </a:effectLst>
+              </a14:hiddenEffects>
+            </a:ext>
+          </a:extLst>
+        </p:spPr>
+      </p:pic>
+      <p:pic>
+        <p:nvPicPr>
+          <p:cNvPr id="15" name="Picture 3"/>
+          <p:cNvPicPr>
+            <a:picLocks noChangeAspect="1" noChangeArrowheads="1"/>
+          </p:cNvPicPr>
+          <p:nvPr/>
+        </p:nvPicPr>
+        <p:blipFill>
+          <a:blip r:embed="rId4">
+            <a:extLst>
+              <a:ext uri="{28A0092B-C50C-407E-A947-70E740481C1C}">
+                <a14:useLocalDpi xmlns:a14="http://schemas.microsoft.com/office/drawing/2010/main" val="0"/>
+              </a:ext>
+            </a:extLst>
+          </a:blip>
+          <a:srcRect/>
+          <a:stretch>
+            <a:fillRect/>
+          </a:stretch>
+        </p:blipFill>
+        <p:spPr bwMode="auto">
+          <a:xfrm>
+            <a:off x="6097340" y="1302804"/>
+            <a:ext cx="5296254" cy="2705391"/>
+          </a:xfrm>
+          <a:prstGeom prst="rect">
+            <a:avLst/>
+          </a:prstGeom>
+          <a:noFill/>
+          <a:ln>
+            <a:noFill/>
+          </a:ln>
+          <a:effectLst/>
+          <a:extLst>
+            <a:ext uri="{909E8E84-426E-40DD-AFC4-6F175D3DCCD1}">
+              <a14:hiddenFill xmlns:a14="http://schemas.microsoft.com/office/drawing/2010/main">
+                <a:solidFill>
+                  <a:schemeClr val="accent1"/>
+                </a:solidFill>
+              </a14:hiddenFill>
+            </a:ext>
+            <a:ext uri="{91240B29-F687-4F45-9708-019B960494DF}">
+              <a14:hiddenLine xmlns:a14="http://schemas.microsoft.com/office/drawing/2010/main" w="9525">
+                <a:solidFill>
+                  <a:schemeClr val="tx1"/>
+                </a:solidFill>
+                <a:miter lim="800000"/>
+                <a:headEnd/>
+                <a:tailEnd/>
+              </a14:hiddenLine>
+            </a:ext>
+            <a:ext uri="{AF507438-7753-43E0-B8FC-AC1667EBCBE1}">
+              <a14:hiddenEffects xmlns:a14="http://schemas.microsoft.com/office/drawing/2010/main">
+                <a:effectLst>
+                  <a:outerShdw dist="35921" dir="2700000" algn="ctr" rotWithShape="0">
+                    <a:schemeClr val="bg2"/>
+                  </a:outerShdw>
+                </a:effectLst>
+              </a14:hiddenEffects>
+            </a:ext>
+          </a:extLst>
+        </p:spPr>
+      </p:pic>
+      <p:pic>
+        <p:nvPicPr>
+          <p:cNvPr id="16" name="Picture 4"/>
+          <p:cNvPicPr>
+            <a:picLocks noChangeAspect="1" noChangeArrowheads="1"/>
+          </p:cNvPicPr>
+          <p:nvPr/>
+        </p:nvPicPr>
+        <p:blipFill>
+          <a:blip r:embed="rId5">
+            <a:extLst>
+              <a:ext uri="{28A0092B-C50C-407E-A947-70E740481C1C}">
+                <a14:useLocalDpi xmlns:a14="http://schemas.microsoft.com/office/drawing/2010/main" val="0"/>
+              </a:ext>
+            </a:extLst>
+          </a:blip>
+          <a:srcRect/>
+          <a:stretch>
+            <a:fillRect/>
+          </a:stretch>
+        </p:blipFill>
+        <p:spPr bwMode="auto">
+          <a:xfrm>
+            <a:off x="3380747" y="4120468"/>
+            <a:ext cx="4974697" cy="2598666"/>
+          </a:xfrm>
+          <a:prstGeom prst="rect">
+            <a:avLst/>
+          </a:prstGeom>
+          <a:noFill/>
+          <a:ln>
+            <a:noFill/>
+          </a:ln>
+          <a:effectLst/>
+          <a:extLst>
+            <a:ext uri="{909E8E84-426E-40DD-AFC4-6F175D3DCCD1}">
+              <a14:hiddenFill xmlns:a14="http://schemas.microsoft.com/office/drawing/2010/main">
+                <a:solidFill>
+                  <a:schemeClr val="accent1"/>
+                </a:solidFill>
+              </a14:hiddenFill>
+            </a:ext>
+            <a:ext uri="{91240B29-F687-4F45-9708-019B960494DF}">
+              <a14:hiddenLine xmlns:a14="http://schemas.microsoft.com/office/drawing/2010/main" w="9525">
+                <a:solidFill>
+                  <a:schemeClr val="tx1"/>
+                </a:solidFill>
+                <a:miter lim="800000"/>
+                <a:headEnd/>
+                <a:tailEnd/>
+              </a14:hiddenLine>
+            </a:ext>
+            <a:ext uri="{AF507438-7753-43E0-B8FC-AC1667EBCBE1}">
+              <a14:hiddenEffects xmlns:a14="http://schemas.microsoft.com/office/drawing/2010/main">
+                <a:effectLst>
+                  <a:outerShdw dist="35921" dir="2700000" algn="ctr" rotWithShape="0">
+                    <a:schemeClr val="bg2"/>
+                  </a:outerShdw>
+                </a:effectLst>
+              </a14:hiddenEffects>
+            </a:ext>
+          </a:extLst>
+        </p:spPr>
+      </p:pic>
+    </p:spTree>
+    <p:extLst>
+      <p:ext uri="{BB962C8B-B14F-4D97-AF65-F5344CB8AC3E}">
+        <p14:creationId xmlns:p14="http://schemas.microsoft.com/office/powerpoint/2010/main" val="3804315461"/>
+      </p:ext>
+    </p:extLst>
+  </p:cSld>
+  <p:clrMapOvr>
+    <a:masterClrMapping/>
+  </p:clrMapOvr>
+</p:sld>
+</file>
+
+<file path=ppt/slides/slide15.xml><?xml version="1.0" encoding="utf-8"?>
+<p:sld xmlns:a="http://schemas.openxmlformats.org/drawingml/2006/main" xmlns:r="http://schemas.openxmlformats.org/officeDocument/2006/relationships" xmlns:p="http://schemas.openxmlformats.org/presentationml/2006/main">
+  <p:cSld>
+    <p:spTree>
+      <p:nvGrpSpPr>
+        <p:cNvPr id="1" name="">
+          <a:extLst>
+            <a:ext uri="{FF2B5EF4-FFF2-40B4-BE49-F238E27FC236}">
+              <a16:creationId xmlns:a16="http://schemas.microsoft.com/office/drawing/2014/main" xmlns="" id="{EF87400A-AA39-C6BD-0F50-19DF27F0BEE1}"/>
+            </a:ext>
+          </a:extLst>
+        </p:cNvPr>
+        <p:cNvGrpSpPr/>
+        <p:nvPr/>
+      </p:nvGrpSpPr>
+      <p:grpSpPr>
+        <a:xfrm>
+          <a:off x="0" y="0"/>
+          <a:ext cx="0" cy="0"/>
+          <a:chOff x="0" y="0"/>
+          <a:chExt cx="0" cy="0"/>
+        </a:xfrm>
+      </p:grpSpPr>
+      <p:sp>
+        <p:nvSpPr>
+          <p:cNvPr id="3" name="Прямоугольник 2"/>
+          <p:cNvSpPr/>
+          <p:nvPr/>
+        </p:nvSpPr>
+        <p:spPr>
+          <a:xfrm>
+            <a:off x="0" y="5658740"/>
+            <a:ext cx="1876926" cy="1200329"/>
+          </a:xfrm>
+          <a:prstGeom prst="rect">
+            <a:avLst/>
+          </a:prstGeom>
+        </p:spPr>
+        <p:txBody>
+          <a:bodyPr wrap="square">
+            <a:spAutoFit/>
+          </a:bodyPr>
+          <a:lstStyle/>
+          <a:p>
+            <a:r>
+              <a:rPr lang="en-US" sz="7200" dirty="0" smtClean="0">
+                <a:solidFill>
+                  <a:schemeClr val="bg1"/>
+                </a:solidFill>
+              </a:rPr>
+              <a:t>V</a:t>
+            </a:r>
+            <a:r>
+              <a:rPr lang="ru-RU" sz="7200" dirty="0" smtClean="0">
+                <a:solidFill>
+                  <a:schemeClr val="bg1"/>
+                </a:solidFill>
+              </a:rPr>
+              <a:t>1</a:t>
+            </a:r>
+            <a:endParaRPr lang="ru-RU" sz="7200" dirty="0">
+              <a:solidFill>
+                <a:schemeClr val="bg1"/>
+              </a:solidFill>
+            </a:endParaRPr>
+          </a:p>
+        </p:txBody>
+      </p:sp>
+      <p:sp>
+        <p:nvSpPr>
+          <p:cNvPr id="13" name="Заголовок 1"/>
+          <p:cNvSpPr txBox="1">
+            <a:spLocks/>
+          </p:cNvSpPr>
+          <p:nvPr/>
+        </p:nvSpPr>
+        <p:spPr>
+          <a:xfrm>
+            <a:off x="2201925" y="173736"/>
+            <a:ext cx="7653418" cy="625642"/>
+          </a:xfrm>
+          <a:prstGeom prst="rect">
+            <a:avLst/>
+          </a:prstGeom>
+        </p:spPr>
+        <p:txBody>
+          <a:bodyPr vert="horz" lIns="91440" tIns="45720" rIns="91440" bIns="45720" rtlCol="0" anchor="ctr" anchorCtr="0">
+            <a:noAutofit/>
+          </a:bodyPr>
+          <a:lstStyle>
+            <a:lvl1pPr algn="ctr" defTabSz="914400" rtl="0" eaLnBrk="1" latinLnBrk="0" hangingPunct="1">
+              <a:lnSpc>
+                <a:spcPct val="90000"/>
+              </a:lnSpc>
+              <a:spcBef>
+                <a:spcPct val="0"/>
+              </a:spcBef>
+              <a:buNone/>
+              <a:defRPr sz="4800" kern="1200" cap="all" spc="300" baseline="0">
+                <a:solidFill>
+                  <a:schemeClr val="bg1"/>
+                </a:solidFill>
+                <a:latin typeface="+mj-lt"/>
+                <a:ea typeface="+mj-ea"/>
+                <a:cs typeface="+mj-cs"/>
+              </a:defRPr>
+            </a:lvl1pPr>
+          </a:lstStyle>
+          <a:p>
+            <a:r>
+              <a:rPr lang="en-US" sz="2800" dirty="0" smtClean="0"/>
+              <a:t>Conclusion and next step</a:t>
+            </a:r>
+            <a:endParaRPr lang="en-US" sz="2800" dirty="0"/>
+          </a:p>
+        </p:txBody>
+      </p:sp>
+      <p:sp>
+        <p:nvSpPr>
+          <p:cNvPr id="5" name="Заголовок 1"/>
+          <p:cNvSpPr txBox="1">
+            <a:spLocks/>
+          </p:cNvSpPr>
+          <p:nvPr/>
+        </p:nvSpPr>
+        <p:spPr>
+          <a:xfrm>
+            <a:off x="2069845" y="1565656"/>
+            <a:ext cx="7653418" cy="625642"/>
+          </a:xfrm>
+          <a:prstGeom prst="rect">
+            <a:avLst/>
+          </a:prstGeom>
+        </p:spPr>
+        <p:txBody>
+          <a:bodyPr vert="horz" lIns="91440" tIns="45720" rIns="91440" bIns="45720" rtlCol="0" anchor="ctr" anchorCtr="0">
+            <a:noAutofit/>
+          </a:bodyPr>
+          <a:lstStyle>
+            <a:lvl1pPr algn="ctr" defTabSz="914400" rtl="0" eaLnBrk="1" latinLnBrk="0" hangingPunct="1">
+              <a:lnSpc>
+                <a:spcPct val="90000"/>
+              </a:lnSpc>
+              <a:spcBef>
+                <a:spcPct val="0"/>
+              </a:spcBef>
+              <a:buNone/>
+              <a:defRPr sz="4800" kern="1200" cap="all" spc="300" baseline="0">
+                <a:solidFill>
+                  <a:schemeClr val="bg1"/>
+                </a:solidFill>
+                <a:latin typeface="+mj-lt"/>
+                <a:ea typeface="+mj-ea"/>
+                <a:cs typeface="+mj-cs"/>
+              </a:defRPr>
+            </a:lvl1pPr>
+          </a:lstStyle>
+          <a:p>
+            <a:r>
+              <a:rPr lang="en-US" sz="1800" dirty="0" smtClean="0"/>
+              <a:t>We see that quality is quite high, but the encoded size of image is enormous, so we need to work on the size and make sure that quality stays high</a:t>
+            </a:r>
+            <a:endParaRPr lang="en-US" sz="1800" dirty="0"/>
+          </a:p>
+        </p:txBody>
+      </p:sp>
+      <p:sp>
+        <p:nvSpPr>
+          <p:cNvPr id="6" name="Заголовок 1"/>
+          <p:cNvSpPr txBox="1">
+            <a:spLocks/>
+          </p:cNvSpPr>
+          <p:nvPr/>
+        </p:nvSpPr>
+        <p:spPr>
+          <a:xfrm>
+            <a:off x="2069845" y="3099816"/>
+            <a:ext cx="7653418" cy="625642"/>
+          </a:xfrm>
+          <a:prstGeom prst="rect">
+            <a:avLst/>
+          </a:prstGeom>
+        </p:spPr>
+        <p:txBody>
+          <a:bodyPr vert="horz" lIns="91440" tIns="45720" rIns="91440" bIns="45720" rtlCol="0" anchor="ctr" anchorCtr="0">
+            <a:noAutofit/>
+          </a:bodyPr>
+          <a:lstStyle>
+            <a:lvl1pPr algn="ctr" defTabSz="914400" rtl="0" eaLnBrk="1" latinLnBrk="0" hangingPunct="1">
+              <a:lnSpc>
+                <a:spcPct val="90000"/>
+              </a:lnSpc>
+              <a:spcBef>
+                <a:spcPct val="0"/>
+              </a:spcBef>
+              <a:buNone/>
+              <a:defRPr sz="4800" kern="1200" cap="all" spc="300" baseline="0">
+                <a:solidFill>
+                  <a:schemeClr val="bg1"/>
+                </a:solidFill>
+                <a:latin typeface="+mj-lt"/>
+                <a:ea typeface="+mj-ea"/>
+                <a:cs typeface="+mj-cs"/>
+              </a:defRPr>
+            </a:lvl1pPr>
+          </a:lstStyle>
+          <a:p>
+            <a:r>
+              <a:rPr lang="en-US" sz="1800" dirty="0"/>
+              <a:t>The next step(V2) is to work on the neural network, implement new features, play with neural layers</a:t>
+            </a:r>
+            <a:r>
+              <a:rPr lang="ru-RU" sz="1800" dirty="0"/>
+              <a:t> </a:t>
+            </a:r>
+            <a:r>
+              <a:rPr lang="en-US" sz="1800" dirty="0"/>
+              <a:t>to reduce the size and increase the quality</a:t>
+            </a:r>
+            <a:endParaRPr lang="en-US" sz="1800" dirty="0"/>
+          </a:p>
+        </p:txBody>
+      </p:sp>
+    </p:spTree>
+    <p:extLst>
+      <p:ext uri="{BB962C8B-B14F-4D97-AF65-F5344CB8AC3E}">
+        <p14:creationId xmlns:p14="http://schemas.microsoft.com/office/powerpoint/2010/main" val="2856607344"/>
+      </p:ext>
+    </p:extLst>
+  </p:cSld>
+  <p:clrMapOvr>
+    <a:masterClrMapping/>
+  </p:clrMapOvr>
+</p:sld>
+</file>
+
+<file path=ppt/slides/slide16.xml><?xml version="1.0" encoding="utf-8"?>
+<p:sld xmlns:a="http://schemas.openxmlformats.org/drawingml/2006/main" xmlns:r="http://schemas.openxmlformats.org/officeDocument/2006/relationships" xmlns:p="http://schemas.openxmlformats.org/presentationml/2006/main">
+  <p:cSld>
+    <p:spTree>
+      <p:nvGrpSpPr>
+        <p:cNvPr id="1" name="">
+          <a:extLst>
+            <a:ext uri="{FF2B5EF4-FFF2-40B4-BE49-F238E27FC236}">
+              <a16:creationId xmlns:a16="http://schemas.microsoft.com/office/drawing/2014/main" xmlns="" id="{EF87400A-AA39-C6BD-0F50-19DF27F0BEE1}"/>
+            </a:ext>
+          </a:extLst>
+        </p:cNvPr>
+        <p:cNvGrpSpPr/>
+        <p:nvPr/>
+      </p:nvGrpSpPr>
+      <p:grpSpPr>
+        <a:xfrm>
+          <a:off x="0" y="0"/>
+          <a:ext cx="0" cy="0"/>
+          <a:chOff x="0" y="0"/>
+          <a:chExt cx="0" cy="0"/>
+        </a:xfrm>
+      </p:grpSpPr>
+      <p:sp>
+        <p:nvSpPr>
           <p:cNvPr id="7" name="Title 6">
             <a:extLst>
               <a:ext uri="{FF2B5EF4-FFF2-40B4-BE49-F238E27FC236}">
-                <a16:creationId xmlns="" xmlns:a16="http://schemas.microsoft.com/office/drawing/2014/main" id="{44A692C1-E622-D699-43E0-1ECB59404096}"/>
+                <a16:creationId xmlns:a16="http://schemas.microsoft.com/office/drawing/2014/main" xmlns="" id="{DDE79998-A15C-2CB6-B04B-53D589C36C00}"/>
               </a:ext>
             </a:extLst>
           </p:cNvPr>
@@ -7749,8 +10018,8 @@
         </p:nvSpPr>
         <p:spPr>
           <a:xfrm>
-            <a:off x="2344992" y="2857500"/>
-            <a:ext cx="7502015" cy="1143000"/>
+            <a:off x="1975910" y="0"/>
+            <a:ext cx="8732730" cy="660400"/>
           </a:xfrm>
         </p:spPr>
         <p:txBody>
@@ -7758,26 +10027,1947 @@
           <a:lstStyle/>
           <a:p>
             <a:r>
-              <a:rPr lang="en-US" b="1" dirty="0">
+              <a:rPr lang="en-US" sz="3600" b="1" kern="1200" dirty="0" smtClean="0">
                 <a:solidFill>
                   <a:srgbClr val="FFFFFF"/>
                 </a:solidFill>
+                <a:effectLst/>
                 <a:latin typeface="Calibri Light (Headings)"/>
                 <a:ea typeface="Crimson Pro Bold"/>
                 <a:cs typeface="+mn-cs"/>
               </a:rPr>
-              <a:t>Thank you</a:t>
-            </a:r>
-            <a:endParaRPr lang="en-US" b="1" dirty="0">
+              <a:t>Code explanation</a:t>
+            </a:r>
+            <a:endParaRPr lang="en-US" sz="3600" b="1" dirty="0">
               <a:latin typeface="Calibri Light (Headings)"/>
             </a:endParaRPr>
+          </a:p>
+        </p:txBody>
+      </p:sp>
+      <p:sp>
+        <p:nvSpPr>
+          <p:cNvPr id="3" name="Прямоугольник 2"/>
+          <p:cNvSpPr/>
+          <p:nvPr/>
+        </p:nvSpPr>
+        <p:spPr>
+          <a:xfrm>
+            <a:off x="0" y="5661414"/>
+            <a:ext cx="1259840" cy="1200329"/>
+          </a:xfrm>
+          <a:prstGeom prst="rect">
+            <a:avLst/>
+          </a:prstGeom>
+        </p:spPr>
+        <p:txBody>
+          <a:bodyPr wrap="square">
+            <a:spAutoFit/>
+          </a:bodyPr>
+          <a:lstStyle/>
+          <a:p>
+            <a:r>
+              <a:rPr lang="en-US" sz="7200" dirty="0" smtClean="0">
+                <a:solidFill>
+                  <a:schemeClr val="bg1"/>
+                </a:solidFill>
+              </a:rPr>
+              <a:t>V2</a:t>
+            </a:r>
+            <a:endParaRPr lang="ru-RU" sz="7200" dirty="0">
+              <a:solidFill>
+                <a:schemeClr val="bg1"/>
+              </a:solidFill>
+            </a:endParaRPr>
+          </a:p>
+        </p:txBody>
+      </p:sp>
+      <p:sp>
+        <p:nvSpPr>
+          <p:cNvPr id="2" name="Прямоугольник 1"/>
+          <p:cNvSpPr/>
+          <p:nvPr/>
+        </p:nvSpPr>
+        <p:spPr>
+          <a:xfrm>
+            <a:off x="518160" y="603963"/>
+            <a:ext cx="6096000" cy="646331"/>
+          </a:xfrm>
+          <a:prstGeom prst="rect">
+            <a:avLst/>
+          </a:prstGeom>
+        </p:spPr>
+        <p:txBody>
+          <a:bodyPr>
+            <a:spAutoFit/>
+          </a:bodyPr>
+          <a:lstStyle/>
+          <a:p>
+            <a:r>
+              <a:rPr lang="en-US" b="1" dirty="0">
+                <a:solidFill>
+                  <a:schemeClr val="bg1"/>
+                </a:solidFill>
+              </a:rPr>
+              <a:t>Learning </a:t>
+            </a:r>
+            <a:r>
+              <a:rPr lang="en-US" b="1" dirty="0" smtClean="0">
+                <a:solidFill>
+                  <a:schemeClr val="bg1"/>
+                </a:solidFill>
+              </a:rPr>
+              <a:t>Type</a:t>
+            </a:r>
+            <a:r>
+              <a:rPr lang="en-US" dirty="0" smtClean="0">
+                <a:solidFill>
+                  <a:schemeClr val="bg1"/>
+                </a:solidFill>
+              </a:rPr>
+              <a:t>: </a:t>
+            </a:r>
+            <a:r>
+              <a:rPr lang="en-US" dirty="0">
+                <a:solidFill>
+                  <a:schemeClr val="bg1"/>
+                </a:solidFill>
+              </a:rPr>
+              <a:t>s</a:t>
+            </a:r>
+            <a:r>
+              <a:rPr lang="en-US" dirty="0" smtClean="0">
+                <a:solidFill>
+                  <a:schemeClr val="bg1"/>
+                </a:solidFill>
+              </a:rPr>
+              <a:t>upervised </a:t>
+            </a:r>
+            <a:r>
+              <a:rPr lang="en-US" dirty="0">
+                <a:solidFill>
+                  <a:schemeClr val="bg1"/>
+                </a:solidFill>
+              </a:rPr>
+              <a:t>Learning – </a:t>
+            </a:r>
+            <a:r>
+              <a:rPr lang="en-US" dirty="0" smtClean="0">
+                <a:solidFill>
+                  <a:schemeClr val="bg1"/>
+                </a:solidFill>
+              </a:rPr>
+              <a:t>model </a:t>
+            </a:r>
+            <a:r>
+              <a:rPr lang="en-US" dirty="0">
+                <a:solidFill>
+                  <a:schemeClr val="bg1"/>
+                </a:solidFill>
+              </a:rPr>
+              <a:t>learns by minimizing reconstruction error using MSE loss.</a:t>
+            </a:r>
+          </a:p>
+        </p:txBody>
+      </p:sp>
+      <p:sp>
+        <p:nvSpPr>
+          <p:cNvPr id="5" name="Прямоугольник 4"/>
+          <p:cNvSpPr/>
+          <p:nvPr/>
+        </p:nvSpPr>
+        <p:spPr>
+          <a:xfrm>
+            <a:off x="5318443" y="1695187"/>
+            <a:ext cx="4084320" cy="369332"/>
+          </a:xfrm>
+          <a:prstGeom prst="rect">
+            <a:avLst/>
+          </a:prstGeom>
+        </p:spPr>
+        <p:txBody>
+          <a:bodyPr wrap="square">
+            <a:spAutoFit/>
+          </a:bodyPr>
+          <a:lstStyle/>
+          <a:p>
+            <a:r>
+              <a:rPr lang="en-US" b="1" dirty="0">
+                <a:solidFill>
+                  <a:schemeClr val="bg1"/>
+                </a:solidFill>
+              </a:rPr>
+              <a:t>Loss </a:t>
+            </a:r>
+            <a:r>
+              <a:rPr lang="en-US" b="1" dirty="0" smtClean="0">
+                <a:solidFill>
+                  <a:schemeClr val="bg1"/>
+                </a:solidFill>
+              </a:rPr>
+              <a:t>Function</a:t>
+            </a:r>
+            <a:r>
+              <a:rPr lang="en-US" dirty="0" smtClean="0">
+                <a:solidFill>
+                  <a:schemeClr val="bg1"/>
+                </a:solidFill>
+              </a:rPr>
+              <a:t>: Mean </a:t>
+            </a:r>
+            <a:r>
+              <a:rPr lang="en-US" dirty="0">
+                <a:solidFill>
+                  <a:schemeClr val="bg1"/>
+                </a:solidFill>
+              </a:rPr>
+              <a:t>Squared Error (MSE</a:t>
+            </a:r>
+            <a:r>
+              <a:rPr lang="en-US" dirty="0" smtClean="0">
+                <a:solidFill>
+                  <a:schemeClr val="bg1"/>
+                </a:solidFill>
+              </a:rPr>
+              <a:t>)</a:t>
+            </a:r>
+            <a:endParaRPr lang="en-US" dirty="0">
+              <a:solidFill>
+                <a:schemeClr val="bg1"/>
+              </a:solidFill>
+            </a:endParaRPr>
+          </a:p>
+        </p:txBody>
+      </p:sp>
+      <p:pic>
+        <p:nvPicPr>
+          <p:cNvPr id="1026" name="Picture 2"/>
+          <p:cNvPicPr>
+            <a:picLocks noChangeAspect="1" noChangeArrowheads="1"/>
+          </p:cNvPicPr>
+          <p:nvPr/>
+        </p:nvPicPr>
+        <p:blipFill>
+          <a:blip r:embed="rId3">
+            <a:extLst>
+              <a:ext uri="{28A0092B-C50C-407E-A947-70E740481C1C}">
+                <a14:useLocalDpi xmlns:a14="http://schemas.microsoft.com/office/drawing/2010/main" val="0"/>
+              </a:ext>
+            </a:extLst>
+          </a:blip>
+          <a:srcRect/>
+          <a:stretch>
+            <a:fillRect/>
+          </a:stretch>
+        </p:blipFill>
+        <p:spPr bwMode="auto">
+          <a:xfrm>
+            <a:off x="9402763" y="1465516"/>
+            <a:ext cx="2428875" cy="828675"/>
+          </a:xfrm>
+          <a:prstGeom prst="rect">
+            <a:avLst/>
+          </a:prstGeom>
+          <a:noFill/>
+          <a:ln>
+            <a:noFill/>
+          </a:ln>
+          <a:effectLst/>
+          <a:extLst>
+            <a:ext uri="{909E8E84-426E-40DD-AFC4-6F175D3DCCD1}">
+              <a14:hiddenFill xmlns:a14="http://schemas.microsoft.com/office/drawing/2010/main">
+                <a:solidFill>
+                  <a:schemeClr val="accent1"/>
+                </a:solidFill>
+              </a14:hiddenFill>
+            </a:ext>
+            <a:ext uri="{91240B29-F687-4F45-9708-019B960494DF}">
+              <a14:hiddenLine xmlns:a14="http://schemas.microsoft.com/office/drawing/2010/main" w="9525">
+                <a:solidFill>
+                  <a:schemeClr val="tx1"/>
+                </a:solidFill>
+                <a:miter lim="800000"/>
+                <a:headEnd/>
+                <a:tailEnd/>
+              </a14:hiddenLine>
+            </a:ext>
+            <a:ext uri="{AF507438-7753-43E0-B8FC-AC1667EBCBE1}">
+              <a14:hiddenEffects xmlns:a14="http://schemas.microsoft.com/office/drawing/2010/main">
+                <a:effectLst>
+                  <a:outerShdw dist="35921" dir="2700000" algn="ctr" rotWithShape="0">
+                    <a:schemeClr val="bg2"/>
+                  </a:outerShdw>
+                </a:effectLst>
+              </a14:hiddenEffects>
+            </a:ext>
+          </a:extLst>
+        </p:spPr>
+      </p:pic>
+      <p:sp>
+        <p:nvSpPr>
+          <p:cNvPr id="6" name="Прямоугольник 5"/>
+          <p:cNvSpPr/>
+          <p:nvPr/>
+        </p:nvSpPr>
+        <p:spPr>
+          <a:xfrm>
+            <a:off x="0" y="2537936"/>
+            <a:ext cx="9570720" cy="1477328"/>
+          </a:xfrm>
+          <a:prstGeom prst="rect">
+            <a:avLst/>
+          </a:prstGeom>
+        </p:spPr>
+        <p:txBody>
+          <a:bodyPr wrap="square">
+            <a:spAutoFit/>
+          </a:bodyPr>
+          <a:lstStyle/>
+          <a:p>
+            <a:r>
+              <a:rPr lang="en-US" dirty="0">
+                <a:solidFill>
+                  <a:schemeClr val="bg1"/>
+                </a:solidFill>
+              </a:rPr>
+              <a:t>Activation </a:t>
+            </a:r>
+            <a:r>
+              <a:rPr lang="en-US" dirty="0" smtClean="0">
+                <a:solidFill>
+                  <a:schemeClr val="bg1"/>
+                </a:solidFill>
+              </a:rPr>
+              <a:t>Functions</a:t>
+            </a:r>
+            <a:r>
+              <a:rPr lang="ru-RU" dirty="0" smtClean="0">
+                <a:solidFill>
+                  <a:schemeClr val="bg1"/>
+                </a:solidFill>
+              </a:rPr>
+              <a:t>(</a:t>
+            </a:r>
+            <a:r>
+              <a:rPr lang="en-US" dirty="0">
+                <a:solidFill>
+                  <a:schemeClr val="bg1"/>
+                </a:solidFill>
+              </a:rPr>
+              <a:t>Introduce non-linearity → Enable the model to learn complex patterns</a:t>
+            </a:r>
+            <a:r>
+              <a:rPr lang="ru-RU" dirty="0" smtClean="0">
+                <a:solidFill>
+                  <a:schemeClr val="bg1"/>
+                </a:solidFill>
+              </a:rPr>
+              <a:t>)</a:t>
+            </a:r>
+            <a:r>
+              <a:rPr lang="en-US" dirty="0" smtClean="0">
+                <a:solidFill>
+                  <a:schemeClr val="bg1"/>
+                </a:solidFill>
+              </a:rPr>
+              <a:t>:</a:t>
+            </a:r>
+            <a:r>
+              <a:rPr lang="ru-RU" dirty="0" smtClean="0">
+                <a:solidFill>
+                  <a:schemeClr val="bg1"/>
+                </a:solidFill>
+              </a:rPr>
+              <a:t/>
+            </a:r>
+            <a:br>
+              <a:rPr lang="ru-RU" dirty="0" smtClean="0">
+                <a:solidFill>
+                  <a:schemeClr val="bg1"/>
+                </a:solidFill>
+              </a:rPr>
+            </a:br>
+            <a:endParaRPr lang="en-US" dirty="0">
+              <a:solidFill>
+                <a:schemeClr val="bg1"/>
+              </a:solidFill>
+            </a:endParaRPr>
+          </a:p>
+          <a:p>
+            <a:r>
+              <a:rPr lang="ru-RU" dirty="0" smtClean="0">
+                <a:solidFill>
+                  <a:schemeClr val="bg1"/>
+                </a:solidFill>
+              </a:rPr>
+              <a:t>1) </a:t>
+            </a:r>
+            <a:r>
+              <a:rPr lang="en-US" dirty="0" err="1" smtClean="0">
+                <a:solidFill>
+                  <a:schemeClr val="bg1"/>
+                </a:solidFill>
+              </a:rPr>
+              <a:t>ReLU</a:t>
+            </a:r>
+            <a:r>
+              <a:rPr lang="ru-RU" dirty="0" smtClean="0">
+                <a:solidFill>
+                  <a:schemeClr val="bg1"/>
+                </a:solidFill>
+              </a:rPr>
+              <a:t/>
+            </a:r>
+            <a:br>
+              <a:rPr lang="ru-RU" dirty="0" smtClean="0">
+                <a:solidFill>
+                  <a:schemeClr val="bg1"/>
+                </a:solidFill>
+              </a:rPr>
+            </a:br>
+            <a:r>
+              <a:rPr lang="ru-RU" dirty="0" smtClean="0">
+                <a:solidFill>
+                  <a:schemeClr val="bg1"/>
+                </a:solidFill>
+              </a:rPr>
+              <a:t/>
+            </a:r>
+            <a:br>
+              <a:rPr lang="ru-RU" dirty="0" smtClean="0">
+                <a:solidFill>
+                  <a:schemeClr val="bg1"/>
+                </a:solidFill>
+              </a:rPr>
+            </a:br>
+            <a:r>
+              <a:rPr lang="ru-RU" dirty="0" smtClean="0">
+                <a:solidFill>
+                  <a:schemeClr val="bg1"/>
+                </a:solidFill>
+              </a:rPr>
+              <a:t>2) </a:t>
+            </a:r>
+            <a:r>
+              <a:rPr lang="en-US" dirty="0" smtClean="0">
+                <a:solidFill>
+                  <a:schemeClr val="bg1"/>
+                </a:solidFill>
+              </a:rPr>
+              <a:t>Sigmoid</a:t>
+            </a:r>
+            <a:endParaRPr lang="en-US" dirty="0">
+              <a:solidFill>
+                <a:schemeClr val="bg1"/>
+              </a:solidFill>
+            </a:endParaRPr>
+          </a:p>
+        </p:txBody>
+      </p:sp>
+      <p:pic>
+        <p:nvPicPr>
+          <p:cNvPr id="1027" name="Picture 3"/>
+          <p:cNvPicPr>
+            <a:picLocks noChangeAspect="1" noChangeArrowheads="1"/>
+          </p:cNvPicPr>
+          <p:nvPr/>
+        </p:nvPicPr>
+        <p:blipFill>
+          <a:blip r:embed="rId4">
+            <a:extLst>
+              <a:ext uri="{28A0092B-C50C-407E-A947-70E740481C1C}">
+                <a14:useLocalDpi xmlns:a14="http://schemas.microsoft.com/office/drawing/2010/main" val="0"/>
+              </a:ext>
+            </a:extLst>
+          </a:blip>
+          <a:srcRect/>
+          <a:stretch>
+            <a:fillRect/>
+          </a:stretch>
+        </p:blipFill>
+        <p:spPr bwMode="auto">
+          <a:xfrm>
+            <a:off x="1114425" y="3076575"/>
+            <a:ext cx="1733550" cy="400050"/>
+          </a:xfrm>
+          <a:prstGeom prst="rect">
+            <a:avLst/>
+          </a:prstGeom>
+          <a:noFill/>
+          <a:ln>
+            <a:noFill/>
+          </a:ln>
+          <a:effectLst/>
+          <a:extLst>
+            <a:ext uri="{909E8E84-426E-40DD-AFC4-6F175D3DCCD1}">
+              <a14:hiddenFill xmlns:a14="http://schemas.microsoft.com/office/drawing/2010/main">
+                <a:solidFill>
+                  <a:schemeClr val="accent1"/>
+                </a:solidFill>
+              </a14:hiddenFill>
+            </a:ext>
+            <a:ext uri="{91240B29-F687-4F45-9708-019B960494DF}">
+              <a14:hiddenLine xmlns:a14="http://schemas.microsoft.com/office/drawing/2010/main" w="9525">
+                <a:solidFill>
+                  <a:schemeClr val="tx1"/>
+                </a:solidFill>
+                <a:miter lim="800000"/>
+                <a:headEnd/>
+                <a:tailEnd/>
+              </a14:hiddenLine>
+            </a:ext>
+            <a:ext uri="{AF507438-7753-43E0-B8FC-AC1667EBCBE1}">
+              <a14:hiddenEffects xmlns:a14="http://schemas.microsoft.com/office/drawing/2010/main">
+                <a:effectLst>
+                  <a:outerShdw dist="35921" dir="2700000" algn="ctr" rotWithShape="0">
+                    <a:schemeClr val="bg2"/>
+                  </a:outerShdw>
+                </a:effectLst>
+              </a14:hiddenEffects>
+            </a:ext>
+          </a:extLst>
+        </p:spPr>
+      </p:pic>
+      <p:pic>
+        <p:nvPicPr>
+          <p:cNvPr id="1028" name="Picture 4"/>
+          <p:cNvPicPr>
+            <a:picLocks noChangeAspect="1" noChangeArrowheads="1"/>
+          </p:cNvPicPr>
+          <p:nvPr/>
+        </p:nvPicPr>
+        <p:blipFill>
+          <a:blip r:embed="rId5">
+            <a:extLst>
+              <a:ext uri="{28A0092B-C50C-407E-A947-70E740481C1C}">
+                <a14:useLocalDpi xmlns:a14="http://schemas.microsoft.com/office/drawing/2010/main" val="0"/>
+              </a:ext>
+            </a:extLst>
+          </a:blip>
+          <a:srcRect/>
+          <a:stretch>
+            <a:fillRect/>
+          </a:stretch>
+        </p:blipFill>
+        <p:spPr bwMode="auto">
+          <a:xfrm>
+            <a:off x="1114425" y="3476625"/>
+            <a:ext cx="1733550" cy="695325"/>
+          </a:xfrm>
+          <a:prstGeom prst="rect">
+            <a:avLst/>
+          </a:prstGeom>
+          <a:noFill/>
+          <a:ln>
+            <a:noFill/>
+          </a:ln>
+          <a:effectLst/>
+          <a:extLst>
+            <a:ext uri="{909E8E84-426E-40DD-AFC4-6F175D3DCCD1}">
+              <a14:hiddenFill xmlns:a14="http://schemas.microsoft.com/office/drawing/2010/main">
+                <a:solidFill>
+                  <a:schemeClr val="accent1"/>
+                </a:solidFill>
+              </a14:hiddenFill>
+            </a:ext>
+            <a:ext uri="{91240B29-F687-4F45-9708-019B960494DF}">
+              <a14:hiddenLine xmlns:a14="http://schemas.microsoft.com/office/drawing/2010/main" w="9525">
+                <a:solidFill>
+                  <a:schemeClr val="tx1"/>
+                </a:solidFill>
+                <a:miter lim="800000"/>
+                <a:headEnd/>
+                <a:tailEnd/>
+              </a14:hiddenLine>
+            </a:ext>
+            <a:ext uri="{AF507438-7753-43E0-B8FC-AC1667EBCBE1}">
+              <a14:hiddenEffects xmlns:a14="http://schemas.microsoft.com/office/drawing/2010/main">
+                <a:effectLst>
+                  <a:outerShdw dist="35921" dir="2700000" algn="ctr" rotWithShape="0">
+                    <a:schemeClr val="bg2"/>
+                  </a:outerShdw>
+                </a:effectLst>
+              </a14:hiddenEffects>
+            </a:ext>
+          </a:extLst>
+        </p:spPr>
+      </p:pic>
+      <p:sp>
+        <p:nvSpPr>
+          <p:cNvPr id="8" name="Прямоугольник 7"/>
+          <p:cNvSpPr/>
+          <p:nvPr/>
+        </p:nvSpPr>
+        <p:spPr>
+          <a:xfrm>
+            <a:off x="5283200" y="3980656"/>
+            <a:ext cx="6096000" cy="2031325"/>
+          </a:xfrm>
+          <a:prstGeom prst="rect">
+            <a:avLst/>
+          </a:prstGeom>
+        </p:spPr>
+        <p:txBody>
+          <a:bodyPr>
+            <a:spAutoFit/>
+          </a:bodyPr>
+          <a:lstStyle/>
+          <a:p>
+            <a:r>
+              <a:rPr lang="en-US" b="1" dirty="0" smtClean="0">
+                <a:solidFill>
+                  <a:schemeClr val="bg1"/>
+                </a:solidFill>
+              </a:rPr>
+              <a:t>Architecture:</a:t>
+            </a:r>
+            <a:br>
+              <a:rPr lang="en-US" b="1" dirty="0" smtClean="0">
+                <a:solidFill>
+                  <a:schemeClr val="bg1"/>
+                </a:solidFill>
+              </a:rPr>
+            </a:br>
+            <a:endParaRPr lang="en-US" b="1" dirty="0" smtClean="0">
+              <a:solidFill>
+                <a:schemeClr val="bg1"/>
+              </a:solidFill>
+            </a:endParaRPr>
+          </a:p>
+          <a:p>
+            <a:r>
+              <a:rPr lang="en-US" b="1" dirty="0" smtClean="0">
+                <a:solidFill>
+                  <a:schemeClr val="bg1"/>
+                </a:solidFill>
+              </a:rPr>
+              <a:t>Encoder</a:t>
+            </a:r>
+            <a:r>
+              <a:rPr lang="en-US" dirty="0">
+                <a:solidFill>
+                  <a:schemeClr val="bg1"/>
+                </a:solidFill>
+              </a:rPr>
+              <a:t>: Conv2D (3→32) extracts low-level features, Conv2D (32→64) captures patterns</a:t>
+            </a:r>
+            <a:r>
+              <a:rPr lang="en-US" dirty="0" smtClean="0">
+                <a:solidFill>
+                  <a:schemeClr val="bg1"/>
+                </a:solidFill>
+              </a:rPr>
+              <a:t>.</a:t>
+            </a:r>
+            <a:br>
+              <a:rPr lang="en-US" dirty="0" smtClean="0">
+                <a:solidFill>
+                  <a:schemeClr val="bg1"/>
+                </a:solidFill>
+              </a:rPr>
+            </a:br>
+            <a:endParaRPr lang="en-US" dirty="0">
+              <a:solidFill>
+                <a:schemeClr val="bg1"/>
+              </a:solidFill>
+            </a:endParaRPr>
+          </a:p>
+          <a:p>
+            <a:r>
+              <a:rPr lang="en-US" b="1" dirty="0">
+                <a:solidFill>
+                  <a:schemeClr val="bg1"/>
+                </a:solidFill>
+              </a:rPr>
+              <a:t>Decoder</a:t>
+            </a:r>
+            <a:r>
+              <a:rPr lang="en-US" dirty="0">
+                <a:solidFill>
+                  <a:schemeClr val="bg1"/>
+                </a:solidFill>
+              </a:rPr>
+              <a:t>: ConvTranspose2D (64→32) </a:t>
+            </a:r>
+            <a:r>
+              <a:rPr lang="en-US" dirty="0" err="1">
+                <a:solidFill>
+                  <a:schemeClr val="bg1"/>
+                </a:solidFill>
+              </a:rPr>
+              <a:t>upsamples</a:t>
+            </a:r>
+            <a:r>
+              <a:rPr lang="en-US" dirty="0">
+                <a:solidFill>
+                  <a:schemeClr val="bg1"/>
+                </a:solidFill>
+              </a:rPr>
+              <a:t>, ConvTranspose2D (32→3, Sigmoid) reconstructs the image.</a:t>
+            </a:r>
           </a:p>
         </p:txBody>
       </p:sp>
     </p:spTree>
     <p:extLst>
       <p:ext uri="{BB962C8B-B14F-4D97-AF65-F5344CB8AC3E}">
-        <p14:creationId xmlns:p14="http://schemas.microsoft.com/office/powerpoint/2010/main" val="4044571280"/>
+        <p14:creationId xmlns:p14="http://schemas.microsoft.com/office/powerpoint/2010/main" val="2001555425"/>
+      </p:ext>
+    </p:extLst>
+  </p:cSld>
+  <p:clrMapOvr>
+    <a:masterClrMapping/>
+  </p:clrMapOvr>
+</p:sld>
+</file>
+
+<file path=ppt/slides/slide17.xml><?xml version="1.0" encoding="utf-8"?>
+<p:sld xmlns:a="http://schemas.openxmlformats.org/drawingml/2006/main" xmlns:r="http://schemas.openxmlformats.org/officeDocument/2006/relationships" xmlns:p="http://schemas.openxmlformats.org/presentationml/2006/main">
+  <p:cSld>
+    <p:spTree>
+      <p:nvGrpSpPr>
+        <p:cNvPr id="1" name="">
+          <a:extLst>
+            <a:ext uri="{FF2B5EF4-FFF2-40B4-BE49-F238E27FC236}">
+              <a16:creationId xmlns:a16="http://schemas.microsoft.com/office/drawing/2014/main" xmlns="" id="{EF87400A-AA39-C6BD-0F50-19DF27F0BEE1}"/>
+            </a:ext>
+          </a:extLst>
+        </p:cNvPr>
+        <p:cNvGrpSpPr/>
+        <p:nvPr/>
+      </p:nvGrpSpPr>
+      <p:grpSpPr>
+        <a:xfrm>
+          <a:off x="0" y="0"/>
+          <a:ext cx="0" cy="0"/>
+          <a:chOff x="0" y="0"/>
+          <a:chExt cx="0" cy="0"/>
+        </a:xfrm>
+      </p:grpSpPr>
+      <p:sp>
+        <p:nvSpPr>
+          <p:cNvPr id="3" name="Прямоугольник 2"/>
+          <p:cNvSpPr/>
+          <p:nvPr/>
+        </p:nvSpPr>
+        <p:spPr>
+          <a:xfrm>
+            <a:off x="0" y="5658740"/>
+            <a:ext cx="1239254" cy="1200329"/>
+          </a:xfrm>
+          <a:prstGeom prst="rect">
+            <a:avLst/>
+          </a:prstGeom>
+        </p:spPr>
+        <p:txBody>
+          <a:bodyPr wrap="square">
+            <a:spAutoFit/>
+          </a:bodyPr>
+          <a:lstStyle/>
+          <a:p>
+            <a:r>
+              <a:rPr lang="en-US" sz="7200" dirty="0" smtClean="0">
+                <a:solidFill>
+                  <a:schemeClr val="bg1"/>
+                </a:solidFill>
+              </a:rPr>
+              <a:t>V2</a:t>
+            </a:r>
+            <a:endParaRPr lang="ru-RU" sz="7200" dirty="0">
+              <a:solidFill>
+                <a:schemeClr val="bg1"/>
+              </a:solidFill>
+            </a:endParaRPr>
+          </a:p>
+        </p:txBody>
+      </p:sp>
+      <p:sp>
+        <p:nvSpPr>
+          <p:cNvPr id="2" name="Заголовок 1"/>
+          <p:cNvSpPr>
+            <a:spLocks noGrp="1"/>
+          </p:cNvSpPr>
+          <p:nvPr>
+            <p:ph type="ctrTitle"/>
+          </p:nvPr>
+        </p:nvSpPr>
+        <p:spPr>
+          <a:xfrm>
+            <a:off x="2249905" y="3657600"/>
+            <a:ext cx="2378241" cy="625642"/>
+          </a:xfrm>
+        </p:spPr>
+        <p:txBody>
+          <a:bodyPr/>
+          <a:lstStyle/>
+          <a:p>
+            <a:r>
+              <a:rPr lang="ru-RU" sz="3600" dirty="0" smtClean="0"/>
+              <a:t>34</a:t>
+            </a:r>
+            <a:r>
+              <a:rPr lang="en-US" sz="3600" dirty="0" smtClean="0"/>
+              <a:t>KB</a:t>
+            </a:r>
+            <a:endParaRPr lang="ru-RU" sz="3600" dirty="0"/>
+          </a:p>
+        </p:txBody>
+      </p:sp>
+      <p:pic>
+        <p:nvPicPr>
+          <p:cNvPr id="1029" name="Picture 5"/>
+          <p:cNvPicPr>
+            <a:picLocks noChangeAspect="1" noChangeArrowheads="1"/>
+          </p:cNvPicPr>
+          <p:nvPr/>
+        </p:nvPicPr>
+        <p:blipFill>
+          <a:blip r:embed="rId3">
+            <a:extLst>
+              <a:ext uri="{28A0092B-C50C-407E-A947-70E740481C1C}">
+                <a14:useLocalDpi xmlns:a14="http://schemas.microsoft.com/office/drawing/2010/main" val="0"/>
+              </a:ext>
+            </a:extLst>
+          </a:blip>
+          <a:srcRect/>
+          <a:stretch>
+            <a:fillRect/>
+          </a:stretch>
+        </p:blipFill>
+        <p:spPr bwMode="auto">
+          <a:xfrm>
+            <a:off x="7518686" y="4938529"/>
+            <a:ext cx="4673314" cy="1920540"/>
+          </a:xfrm>
+          <a:prstGeom prst="rect">
+            <a:avLst/>
+          </a:prstGeom>
+          <a:noFill/>
+          <a:ln>
+            <a:noFill/>
+          </a:ln>
+          <a:effectLst/>
+          <a:extLst>
+            <a:ext uri="{909E8E84-426E-40DD-AFC4-6F175D3DCCD1}">
+              <a14:hiddenFill xmlns:a14="http://schemas.microsoft.com/office/drawing/2010/main">
+                <a:solidFill>
+                  <a:schemeClr val="accent1"/>
+                </a:solidFill>
+              </a14:hiddenFill>
+            </a:ext>
+            <a:ext uri="{91240B29-F687-4F45-9708-019B960494DF}">
+              <a14:hiddenLine xmlns:a14="http://schemas.microsoft.com/office/drawing/2010/main" w="9525">
+                <a:solidFill>
+                  <a:schemeClr val="tx1"/>
+                </a:solidFill>
+                <a:miter lim="800000"/>
+                <a:headEnd/>
+                <a:tailEnd/>
+              </a14:hiddenLine>
+            </a:ext>
+            <a:ext uri="{AF507438-7753-43E0-B8FC-AC1667EBCBE1}">
+              <a14:hiddenEffects xmlns:a14="http://schemas.microsoft.com/office/drawing/2010/main">
+                <a:effectLst>
+                  <a:outerShdw dist="35921" dir="2700000" algn="ctr" rotWithShape="0">
+                    <a:schemeClr val="bg2"/>
+                  </a:outerShdw>
+                </a:effectLst>
+              </a14:hiddenEffects>
+            </a:ext>
+          </a:extLst>
+        </p:spPr>
+      </p:pic>
+      <p:pic>
+        <p:nvPicPr>
+          <p:cNvPr id="1030" name="Picture 6"/>
+          <p:cNvPicPr>
+            <a:picLocks noChangeAspect="1" noChangeArrowheads="1"/>
+          </p:cNvPicPr>
+          <p:nvPr/>
+        </p:nvPicPr>
+        <p:blipFill>
+          <a:blip r:embed="rId4">
+            <a:extLst>
+              <a:ext uri="{28A0092B-C50C-407E-A947-70E740481C1C}">
+                <a14:useLocalDpi xmlns:a14="http://schemas.microsoft.com/office/drawing/2010/main" val="0"/>
+              </a:ext>
+            </a:extLst>
+          </a:blip>
+          <a:srcRect/>
+          <a:stretch>
+            <a:fillRect/>
+          </a:stretch>
+        </p:blipFill>
+        <p:spPr bwMode="auto">
+          <a:xfrm>
+            <a:off x="2027238" y="4706576"/>
+            <a:ext cx="4469815" cy="2152493"/>
+          </a:xfrm>
+          <a:prstGeom prst="rect">
+            <a:avLst/>
+          </a:prstGeom>
+          <a:noFill/>
+          <a:ln>
+            <a:noFill/>
+          </a:ln>
+          <a:effectLst/>
+          <a:extLst>
+            <a:ext uri="{909E8E84-426E-40DD-AFC4-6F175D3DCCD1}">
+              <a14:hiddenFill xmlns:a14="http://schemas.microsoft.com/office/drawing/2010/main">
+                <a:solidFill>
+                  <a:schemeClr val="accent1"/>
+                </a:solidFill>
+              </a14:hiddenFill>
+            </a:ext>
+            <a:ext uri="{91240B29-F687-4F45-9708-019B960494DF}">
+              <a14:hiddenLine xmlns:a14="http://schemas.microsoft.com/office/drawing/2010/main" w="9525">
+                <a:solidFill>
+                  <a:schemeClr val="tx1"/>
+                </a:solidFill>
+                <a:miter lim="800000"/>
+                <a:headEnd/>
+                <a:tailEnd/>
+              </a14:hiddenLine>
+            </a:ext>
+            <a:ext uri="{AF507438-7753-43E0-B8FC-AC1667EBCBE1}">
+              <a14:hiddenEffects xmlns:a14="http://schemas.microsoft.com/office/drawing/2010/main">
+                <a:effectLst>
+                  <a:outerShdw dist="35921" dir="2700000" algn="ctr" rotWithShape="0">
+                    <a:schemeClr val="bg2"/>
+                  </a:outerShdw>
+                </a:effectLst>
+              </a14:hiddenEffects>
+            </a:ext>
+          </a:extLst>
+        </p:spPr>
+      </p:pic>
+      <p:sp>
+        <p:nvSpPr>
+          <p:cNvPr id="16" name="Заголовок 1"/>
+          <p:cNvSpPr txBox="1">
+            <a:spLocks/>
+          </p:cNvSpPr>
+          <p:nvPr/>
+        </p:nvSpPr>
+        <p:spPr>
+          <a:xfrm>
+            <a:off x="6244390" y="3687760"/>
+            <a:ext cx="5372600" cy="625642"/>
+          </a:xfrm>
+          <a:prstGeom prst="rect">
+            <a:avLst/>
+          </a:prstGeom>
+        </p:spPr>
+        <p:txBody>
+          <a:bodyPr vert="horz" lIns="91440" tIns="45720" rIns="91440" bIns="45720" rtlCol="0" anchor="ctr" anchorCtr="0">
+            <a:noAutofit/>
+          </a:bodyPr>
+          <a:lstStyle>
+            <a:lvl1pPr algn="ctr" defTabSz="914400" rtl="0" eaLnBrk="1" latinLnBrk="0" hangingPunct="1">
+              <a:lnSpc>
+                <a:spcPct val="90000"/>
+              </a:lnSpc>
+              <a:spcBef>
+                <a:spcPct val="0"/>
+              </a:spcBef>
+              <a:buNone/>
+              <a:defRPr sz="4800" kern="1200" cap="all" spc="300" baseline="0">
+                <a:solidFill>
+                  <a:schemeClr val="bg1"/>
+                </a:solidFill>
+                <a:latin typeface="+mj-lt"/>
+                <a:ea typeface="+mj-ea"/>
+                <a:cs typeface="+mj-cs"/>
+              </a:defRPr>
+            </a:lvl1pPr>
+          </a:lstStyle>
+          <a:p>
+            <a:r>
+              <a:rPr lang="en-US" sz="3600" dirty="0" smtClean="0"/>
+              <a:t>300 kb encoded</a:t>
+            </a:r>
+          </a:p>
+          <a:p>
+            <a:r>
+              <a:rPr lang="en-US" sz="3600" dirty="0" smtClean="0"/>
+              <a:t>26.4KB decoded</a:t>
+            </a:r>
+            <a:endParaRPr lang="ru-RU" sz="3600" dirty="0"/>
+          </a:p>
+        </p:txBody>
+      </p:sp>
+      <p:sp>
+        <p:nvSpPr>
+          <p:cNvPr id="9" name="Прямоугольник 8"/>
+          <p:cNvSpPr/>
+          <p:nvPr/>
+        </p:nvSpPr>
+        <p:spPr>
+          <a:xfrm>
+            <a:off x="0" y="4459705"/>
+            <a:ext cx="1874838" cy="830997"/>
+          </a:xfrm>
+          <a:prstGeom prst="rect">
+            <a:avLst/>
+          </a:prstGeom>
+        </p:spPr>
+        <p:txBody>
+          <a:bodyPr wrap="square">
+            <a:spAutoFit/>
+          </a:bodyPr>
+          <a:lstStyle/>
+          <a:p>
+            <a:r>
+              <a:rPr lang="en-US" sz="2400" dirty="0" smtClean="0">
+                <a:solidFill>
+                  <a:schemeClr val="bg1"/>
+                </a:solidFill>
+              </a:rPr>
+              <a:t>Training time</a:t>
+            </a:r>
+            <a:r>
+              <a:rPr lang="ru-RU" sz="2400" dirty="0" smtClean="0">
+                <a:solidFill>
+                  <a:schemeClr val="bg1"/>
+                </a:solidFill>
+              </a:rPr>
+              <a:t> – </a:t>
+            </a:r>
+            <a:r>
+              <a:rPr lang="en-US" sz="2400" dirty="0">
+                <a:solidFill>
+                  <a:schemeClr val="bg1"/>
+                </a:solidFill>
+              </a:rPr>
+              <a:t>1</a:t>
+            </a:r>
+            <a:r>
+              <a:rPr lang="en-US" sz="2400" dirty="0" smtClean="0">
+                <a:solidFill>
+                  <a:schemeClr val="bg1"/>
+                </a:solidFill>
+              </a:rPr>
+              <a:t> min</a:t>
+            </a:r>
+            <a:endParaRPr lang="ru-RU" sz="2400" dirty="0">
+              <a:solidFill>
+                <a:schemeClr val="bg1"/>
+              </a:solidFill>
+            </a:endParaRPr>
+          </a:p>
+        </p:txBody>
+      </p:sp>
+      <p:pic>
+        <p:nvPicPr>
+          <p:cNvPr id="4" name="Picture 2" descr="C:\Users\grigo\OneDrive\Рабочий стол\00000.png"/>
+          <p:cNvPicPr>
+            <a:picLocks noChangeAspect="1" noChangeArrowheads="1"/>
+          </p:cNvPicPr>
+          <p:nvPr/>
+        </p:nvPicPr>
+        <p:blipFill>
+          <a:blip r:embed="rId5">
+            <a:extLst>
+              <a:ext uri="{28A0092B-C50C-407E-A947-70E740481C1C}">
+                <a14:useLocalDpi xmlns:a14="http://schemas.microsoft.com/office/drawing/2010/main" val="0"/>
+              </a:ext>
+            </a:extLst>
+          </a:blip>
+          <a:srcRect/>
+          <a:stretch>
+            <a:fillRect/>
+          </a:stretch>
+        </p:blipFill>
+        <p:spPr bwMode="auto">
+          <a:xfrm>
+            <a:off x="2138588" y="663348"/>
+            <a:ext cx="2487839" cy="2487839"/>
+          </a:xfrm>
+          <a:prstGeom prst="rect">
+            <a:avLst/>
+          </a:prstGeom>
+          <a:noFill/>
+          <a:extLst>
+            <a:ext uri="{909E8E84-426E-40DD-AFC4-6F175D3DCCD1}">
+              <a14:hiddenFill xmlns:a14="http://schemas.microsoft.com/office/drawing/2010/main">
+                <a:solidFill>
+                  <a:srgbClr val="FFFFFF"/>
+                </a:solidFill>
+              </a14:hiddenFill>
+            </a:ext>
+          </a:extLst>
+        </p:spPr>
+      </p:pic>
+      <p:pic>
+        <p:nvPicPr>
+          <p:cNvPr id="5" name="Picture 3" descr="C:\Users\grigo\OneDrive\Рабочий стол\00000.png_decoded.png"/>
+          <p:cNvPicPr>
+            <a:picLocks noChangeAspect="1" noChangeArrowheads="1"/>
+          </p:cNvPicPr>
+          <p:nvPr/>
+        </p:nvPicPr>
+        <p:blipFill>
+          <a:blip r:embed="rId6">
+            <a:extLst>
+              <a:ext uri="{28A0092B-C50C-407E-A947-70E740481C1C}">
+                <a14:useLocalDpi xmlns:a14="http://schemas.microsoft.com/office/drawing/2010/main" val="0"/>
+              </a:ext>
+            </a:extLst>
+          </a:blip>
+          <a:srcRect/>
+          <a:stretch>
+            <a:fillRect/>
+          </a:stretch>
+        </p:blipFill>
+        <p:spPr bwMode="auto">
+          <a:xfrm>
+            <a:off x="7686770" y="663348"/>
+            <a:ext cx="2487839" cy="2487839"/>
+          </a:xfrm>
+          <a:prstGeom prst="rect">
+            <a:avLst/>
+          </a:prstGeom>
+          <a:noFill/>
+          <a:extLst>
+            <a:ext uri="{909E8E84-426E-40DD-AFC4-6F175D3DCCD1}">
+              <a14:hiddenFill xmlns:a14="http://schemas.microsoft.com/office/drawing/2010/main">
+                <a:solidFill>
+                  <a:srgbClr val="FFFFFF"/>
+                </a:solidFill>
+              </a14:hiddenFill>
+            </a:ext>
+          </a:extLst>
+        </p:spPr>
+      </p:pic>
+      <p:sp>
+        <p:nvSpPr>
+          <p:cNvPr id="10" name="Заголовок 1"/>
+          <p:cNvSpPr txBox="1">
+            <a:spLocks/>
+          </p:cNvSpPr>
+          <p:nvPr/>
+        </p:nvSpPr>
+        <p:spPr>
+          <a:xfrm>
+            <a:off x="2201925" y="0"/>
+            <a:ext cx="7653418" cy="625642"/>
+          </a:xfrm>
+          <a:prstGeom prst="rect">
+            <a:avLst/>
+          </a:prstGeom>
+        </p:spPr>
+        <p:txBody>
+          <a:bodyPr vert="horz" lIns="91440" tIns="45720" rIns="91440" bIns="45720" rtlCol="0" anchor="ctr" anchorCtr="0">
+            <a:noAutofit/>
+          </a:bodyPr>
+          <a:lstStyle>
+            <a:lvl1pPr algn="ctr" defTabSz="914400" rtl="0" eaLnBrk="1" latinLnBrk="0" hangingPunct="1">
+              <a:lnSpc>
+                <a:spcPct val="90000"/>
+              </a:lnSpc>
+              <a:spcBef>
+                <a:spcPct val="0"/>
+              </a:spcBef>
+              <a:buNone/>
+              <a:defRPr sz="4800" kern="1200" cap="all" spc="300" baseline="0">
+                <a:solidFill>
+                  <a:schemeClr val="bg1"/>
+                </a:solidFill>
+                <a:latin typeface="+mj-lt"/>
+                <a:ea typeface="+mj-ea"/>
+                <a:cs typeface="+mj-cs"/>
+              </a:defRPr>
+            </a:lvl1pPr>
+          </a:lstStyle>
+          <a:p>
+            <a:r>
+              <a:rPr lang="en-US" sz="2800" dirty="0" smtClean="0"/>
+              <a:t>30 photos dataset(128</a:t>
+            </a:r>
+            <a:r>
+              <a:rPr lang="en-US" sz="2800" dirty="0" smtClean="0"/>
+              <a:t>x128px</a:t>
+            </a:r>
+            <a:r>
+              <a:rPr lang="en-US" sz="2800" dirty="0" smtClean="0"/>
+              <a:t>)</a:t>
+            </a:r>
+            <a:endParaRPr lang="en-US" sz="2800" dirty="0"/>
+          </a:p>
+        </p:txBody>
+      </p:sp>
+    </p:spTree>
+    <p:extLst>
+      <p:ext uri="{BB962C8B-B14F-4D97-AF65-F5344CB8AC3E}">
+        <p14:creationId xmlns:p14="http://schemas.microsoft.com/office/powerpoint/2010/main" val="3021820157"/>
+      </p:ext>
+    </p:extLst>
+  </p:cSld>
+  <p:clrMapOvr>
+    <a:masterClrMapping/>
+  </p:clrMapOvr>
+</p:sld>
+</file>
+
+<file path=ppt/slides/slide18.xml><?xml version="1.0" encoding="utf-8"?>
+<p:sld xmlns:a="http://schemas.openxmlformats.org/drawingml/2006/main" xmlns:r="http://schemas.openxmlformats.org/officeDocument/2006/relationships" xmlns:p="http://schemas.openxmlformats.org/presentationml/2006/main">
+  <p:cSld>
+    <p:spTree>
+      <p:nvGrpSpPr>
+        <p:cNvPr id="1" name="">
+          <a:extLst>
+            <a:ext uri="{FF2B5EF4-FFF2-40B4-BE49-F238E27FC236}">
+              <a16:creationId xmlns:a16="http://schemas.microsoft.com/office/drawing/2014/main" xmlns="" id="{EF87400A-AA39-C6BD-0F50-19DF27F0BEE1}"/>
+            </a:ext>
+          </a:extLst>
+        </p:cNvPr>
+        <p:cNvGrpSpPr/>
+        <p:nvPr/>
+      </p:nvGrpSpPr>
+      <p:grpSpPr>
+        <a:xfrm>
+          <a:off x="0" y="0"/>
+          <a:ext cx="0" cy="0"/>
+          <a:chOff x="0" y="0"/>
+          <a:chExt cx="0" cy="0"/>
+        </a:xfrm>
+      </p:grpSpPr>
+      <p:sp>
+        <p:nvSpPr>
+          <p:cNvPr id="3" name="Прямоугольник 2"/>
+          <p:cNvSpPr/>
+          <p:nvPr/>
+        </p:nvSpPr>
+        <p:spPr>
+          <a:xfrm>
+            <a:off x="0" y="5658740"/>
+            <a:ext cx="1876926" cy="1200329"/>
+          </a:xfrm>
+          <a:prstGeom prst="rect">
+            <a:avLst/>
+          </a:prstGeom>
+        </p:spPr>
+        <p:txBody>
+          <a:bodyPr wrap="square">
+            <a:spAutoFit/>
+          </a:bodyPr>
+          <a:lstStyle/>
+          <a:p>
+            <a:r>
+              <a:rPr lang="en-US" sz="7200" dirty="0" smtClean="0">
+                <a:solidFill>
+                  <a:schemeClr val="bg1"/>
+                </a:solidFill>
+              </a:rPr>
+              <a:t>V</a:t>
+            </a:r>
+            <a:r>
+              <a:rPr lang="en-US" sz="7200" dirty="0">
+                <a:solidFill>
+                  <a:schemeClr val="bg1"/>
+                </a:solidFill>
+              </a:rPr>
+              <a:t>2</a:t>
+            </a:r>
+            <a:endParaRPr lang="ru-RU" sz="7200" dirty="0">
+              <a:solidFill>
+                <a:schemeClr val="bg1"/>
+              </a:solidFill>
+            </a:endParaRPr>
+          </a:p>
+        </p:txBody>
+      </p:sp>
+      <p:sp>
+        <p:nvSpPr>
+          <p:cNvPr id="9" name="Прямоугольник 8"/>
+          <p:cNvSpPr/>
+          <p:nvPr/>
+        </p:nvSpPr>
+        <p:spPr>
+          <a:xfrm>
+            <a:off x="0" y="4453081"/>
+            <a:ext cx="1868424" cy="830997"/>
+          </a:xfrm>
+          <a:prstGeom prst="rect">
+            <a:avLst/>
+          </a:prstGeom>
+        </p:spPr>
+        <p:txBody>
+          <a:bodyPr wrap="square">
+            <a:spAutoFit/>
+          </a:bodyPr>
+          <a:lstStyle/>
+          <a:p>
+            <a:r>
+              <a:rPr lang="en-US" sz="2400" dirty="0" smtClean="0">
+                <a:solidFill>
+                  <a:schemeClr val="bg1"/>
+                </a:solidFill>
+              </a:rPr>
+              <a:t>Training time</a:t>
+            </a:r>
+            <a:r>
+              <a:rPr lang="ru-RU" sz="2400" dirty="0" smtClean="0">
+                <a:solidFill>
+                  <a:schemeClr val="bg1"/>
+                </a:solidFill>
+              </a:rPr>
+              <a:t> – </a:t>
+            </a:r>
+            <a:r>
+              <a:rPr lang="en-US" sz="2400" dirty="0" smtClean="0">
+                <a:solidFill>
+                  <a:schemeClr val="bg1"/>
+                </a:solidFill>
+              </a:rPr>
+              <a:t>5 hours</a:t>
+            </a:r>
+            <a:endParaRPr lang="ru-RU" sz="2400" dirty="0">
+              <a:solidFill>
+                <a:schemeClr val="bg1"/>
+              </a:solidFill>
+            </a:endParaRPr>
+          </a:p>
+        </p:txBody>
+      </p:sp>
+      <p:sp>
+        <p:nvSpPr>
+          <p:cNvPr id="13" name="Заголовок 1"/>
+          <p:cNvSpPr txBox="1">
+            <a:spLocks/>
+          </p:cNvSpPr>
+          <p:nvPr/>
+        </p:nvSpPr>
+        <p:spPr>
+          <a:xfrm>
+            <a:off x="2201925" y="0"/>
+            <a:ext cx="7653418" cy="625642"/>
+          </a:xfrm>
+          <a:prstGeom prst="rect">
+            <a:avLst/>
+          </a:prstGeom>
+        </p:spPr>
+        <p:txBody>
+          <a:bodyPr vert="horz" lIns="91440" tIns="45720" rIns="91440" bIns="45720" rtlCol="0" anchor="ctr" anchorCtr="0">
+            <a:noAutofit/>
+          </a:bodyPr>
+          <a:lstStyle>
+            <a:lvl1pPr algn="ctr" defTabSz="914400" rtl="0" eaLnBrk="1" latinLnBrk="0" hangingPunct="1">
+              <a:lnSpc>
+                <a:spcPct val="90000"/>
+              </a:lnSpc>
+              <a:spcBef>
+                <a:spcPct val="0"/>
+              </a:spcBef>
+              <a:buNone/>
+              <a:defRPr sz="4800" kern="1200" cap="all" spc="300" baseline="0">
+                <a:solidFill>
+                  <a:schemeClr val="bg1"/>
+                </a:solidFill>
+                <a:latin typeface="+mj-lt"/>
+                <a:ea typeface="+mj-ea"/>
+                <a:cs typeface="+mj-cs"/>
+              </a:defRPr>
+            </a:lvl1pPr>
+          </a:lstStyle>
+          <a:p>
+            <a:r>
+              <a:rPr lang="en-US" sz="2800" dirty="0" smtClean="0"/>
+              <a:t> 52000 </a:t>
+            </a:r>
+            <a:r>
+              <a:rPr lang="en-US" sz="2800" dirty="0"/>
+              <a:t>photos dataset(128x128px</a:t>
+            </a:r>
+            <a:r>
+              <a:rPr lang="en-US" sz="2800" dirty="0" smtClean="0"/>
+              <a:t>)</a:t>
+            </a:r>
+            <a:endParaRPr lang="en-US" sz="2800" dirty="0"/>
+          </a:p>
+        </p:txBody>
+      </p:sp>
+      <p:pic>
+        <p:nvPicPr>
+          <p:cNvPr id="14" name="Picture 6"/>
+          <p:cNvPicPr>
+            <a:picLocks noChangeAspect="1" noChangeArrowheads="1"/>
+          </p:cNvPicPr>
+          <p:nvPr/>
+        </p:nvPicPr>
+        <p:blipFill>
+          <a:blip r:embed="rId3">
+            <a:extLst>
+              <a:ext uri="{28A0092B-C50C-407E-A947-70E740481C1C}">
+                <a14:useLocalDpi xmlns:a14="http://schemas.microsoft.com/office/drawing/2010/main" val="0"/>
+              </a:ext>
+            </a:extLst>
+          </a:blip>
+          <a:srcRect/>
+          <a:stretch>
+            <a:fillRect/>
+          </a:stretch>
+        </p:blipFill>
+        <p:spPr bwMode="auto">
+          <a:xfrm>
+            <a:off x="2027238" y="4706576"/>
+            <a:ext cx="4469815" cy="2152493"/>
+          </a:xfrm>
+          <a:prstGeom prst="rect">
+            <a:avLst/>
+          </a:prstGeom>
+          <a:noFill/>
+          <a:ln>
+            <a:noFill/>
+          </a:ln>
+          <a:effectLst/>
+          <a:extLst>
+            <a:ext uri="{909E8E84-426E-40DD-AFC4-6F175D3DCCD1}">
+              <a14:hiddenFill xmlns:a14="http://schemas.microsoft.com/office/drawing/2010/main">
+                <a:solidFill>
+                  <a:schemeClr val="accent1"/>
+                </a:solidFill>
+              </a14:hiddenFill>
+            </a:ext>
+            <a:ext uri="{91240B29-F687-4F45-9708-019B960494DF}">
+              <a14:hiddenLine xmlns:a14="http://schemas.microsoft.com/office/drawing/2010/main" w="9525">
+                <a:solidFill>
+                  <a:schemeClr val="tx1"/>
+                </a:solidFill>
+                <a:miter lim="800000"/>
+                <a:headEnd/>
+                <a:tailEnd/>
+              </a14:hiddenLine>
+            </a:ext>
+            <a:ext uri="{AF507438-7753-43E0-B8FC-AC1667EBCBE1}">
+              <a14:hiddenEffects xmlns:a14="http://schemas.microsoft.com/office/drawing/2010/main">
+                <a:effectLst>
+                  <a:outerShdw dist="35921" dir="2700000" algn="ctr" rotWithShape="0">
+                    <a:schemeClr val="bg2"/>
+                  </a:outerShdw>
+                </a:effectLst>
+              </a14:hiddenEffects>
+            </a:ext>
+          </a:extLst>
+        </p:spPr>
+      </p:pic>
+      <p:sp>
+        <p:nvSpPr>
+          <p:cNvPr id="15" name="Заголовок 1"/>
+          <p:cNvSpPr txBox="1">
+            <a:spLocks/>
+          </p:cNvSpPr>
+          <p:nvPr/>
+        </p:nvSpPr>
+        <p:spPr>
+          <a:xfrm>
+            <a:off x="6244390" y="3687760"/>
+            <a:ext cx="5372600" cy="625642"/>
+          </a:xfrm>
+          <a:prstGeom prst="rect">
+            <a:avLst/>
+          </a:prstGeom>
+        </p:spPr>
+        <p:txBody>
+          <a:bodyPr vert="horz" lIns="91440" tIns="45720" rIns="91440" bIns="45720" rtlCol="0" anchor="ctr" anchorCtr="0">
+            <a:noAutofit/>
+          </a:bodyPr>
+          <a:lstStyle>
+            <a:lvl1pPr algn="ctr" defTabSz="914400" rtl="0" eaLnBrk="1" latinLnBrk="0" hangingPunct="1">
+              <a:lnSpc>
+                <a:spcPct val="90000"/>
+              </a:lnSpc>
+              <a:spcBef>
+                <a:spcPct val="0"/>
+              </a:spcBef>
+              <a:buNone/>
+              <a:defRPr sz="4800" kern="1200" cap="all" spc="300" baseline="0">
+                <a:solidFill>
+                  <a:schemeClr val="bg1"/>
+                </a:solidFill>
+                <a:latin typeface="+mj-lt"/>
+                <a:ea typeface="+mj-ea"/>
+                <a:cs typeface="+mj-cs"/>
+              </a:defRPr>
+            </a:lvl1pPr>
+          </a:lstStyle>
+          <a:p>
+            <a:r>
+              <a:rPr lang="en-US" sz="3600" dirty="0" smtClean="0"/>
+              <a:t>300 kb encoded</a:t>
+            </a:r>
+          </a:p>
+          <a:p>
+            <a:r>
+              <a:rPr lang="en-US" sz="3600" dirty="0" smtClean="0"/>
+              <a:t>26.4KB decoded</a:t>
+            </a:r>
+            <a:endParaRPr lang="ru-RU" sz="3600" dirty="0"/>
+          </a:p>
+        </p:txBody>
+      </p:sp>
+      <p:sp>
+        <p:nvSpPr>
+          <p:cNvPr id="16" name="Заголовок 1"/>
+          <p:cNvSpPr>
+            <a:spLocks noGrp="1"/>
+          </p:cNvSpPr>
+          <p:nvPr>
+            <p:ph type="ctrTitle"/>
+          </p:nvPr>
+        </p:nvSpPr>
+        <p:spPr>
+          <a:xfrm>
+            <a:off x="2249905" y="3657600"/>
+            <a:ext cx="2378241" cy="625642"/>
+          </a:xfrm>
+        </p:spPr>
+        <p:txBody>
+          <a:bodyPr/>
+          <a:lstStyle/>
+          <a:p>
+            <a:r>
+              <a:rPr lang="ru-RU" sz="3600" dirty="0" smtClean="0"/>
+              <a:t>34</a:t>
+            </a:r>
+            <a:r>
+              <a:rPr lang="en-US" sz="3600" dirty="0" smtClean="0"/>
+              <a:t>KB</a:t>
+            </a:r>
+            <a:endParaRPr lang="ru-RU" sz="3600" dirty="0"/>
+          </a:p>
+        </p:txBody>
+      </p:sp>
+      <p:pic>
+        <p:nvPicPr>
+          <p:cNvPr id="17" name="Picture 2" descr="C:\Users\grigo\OneDrive\Рабочий стол\00000.png"/>
+          <p:cNvPicPr>
+            <a:picLocks noChangeAspect="1" noChangeArrowheads="1"/>
+          </p:cNvPicPr>
+          <p:nvPr/>
+        </p:nvPicPr>
+        <p:blipFill>
+          <a:blip r:embed="rId4">
+            <a:extLst>
+              <a:ext uri="{28A0092B-C50C-407E-A947-70E740481C1C}">
+                <a14:useLocalDpi xmlns:a14="http://schemas.microsoft.com/office/drawing/2010/main" val="0"/>
+              </a:ext>
+            </a:extLst>
+          </a:blip>
+          <a:srcRect/>
+          <a:stretch>
+            <a:fillRect/>
+          </a:stretch>
+        </p:blipFill>
+        <p:spPr bwMode="auto">
+          <a:xfrm>
+            <a:off x="2138588" y="663348"/>
+            <a:ext cx="2487839" cy="2487839"/>
+          </a:xfrm>
+          <a:prstGeom prst="rect">
+            <a:avLst/>
+          </a:prstGeom>
+          <a:noFill/>
+          <a:extLst>
+            <a:ext uri="{909E8E84-426E-40DD-AFC4-6F175D3DCCD1}">
+              <a14:hiddenFill xmlns:a14="http://schemas.microsoft.com/office/drawing/2010/main">
+                <a:solidFill>
+                  <a:srgbClr val="FFFFFF"/>
+                </a:solidFill>
+              </a14:hiddenFill>
+            </a:ext>
+          </a:extLst>
+        </p:spPr>
+      </p:pic>
+      <p:pic>
+        <p:nvPicPr>
+          <p:cNvPr id="2051" name="Picture 3"/>
+          <p:cNvPicPr>
+            <a:picLocks noChangeAspect="1" noChangeArrowheads="1"/>
+          </p:cNvPicPr>
+          <p:nvPr/>
+        </p:nvPicPr>
+        <p:blipFill>
+          <a:blip r:embed="rId5">
+            <a:extLst>
+              <a:ext uri="{28A0092B-C50C-407E-A947-70E740481C1C}">
+                <a14:useLocalDpi xmlns:a14="http://schemas.microsoft.com/office/drawing/2010/main" val="0"/>
+              </a:ext>
+            </a:extLst>
+          </a:blip>
+          <a:srcRect/>
+          <a:stretch>
+            <a:fillRect/>
+          </a:stretch>
+        </p:blipFill>
+        <p:spPr bwMode="auto">
+          <a:xfrm>
+            <a:off x="7883244" y="4999321"/>
+            <a:ext cx="4308756" cy="1858679"/>
+          </a:xfrm>
+          <a:prstGeom prst="rect">
+            <a:avLst/>
+          </a:prstGeom>
+          <a:noFill/>
+          <a:ln>
+            <a:noFill/>
+          </a:ln>
+          <a:effectLst/>
+          <a:extLst>
+            <a:ext uri="{909E8E84-426E-40DD-AFC4-6F175D3DCCD1}">
+              <a14:hiddenFill xmlns:a14="http://schemas.microsoft.com/office/drawing/2010/main">
+                <a:solidFill>
+                  <a:schemeClr val="accent1"/>
+                </a:solidFill>
+              </a14:hiddenFill>
+            </a:ext>
+            <a:ext uri="{91240B29-F687-4F45-9708-019B960494DF}">
+              <a14:hiddenLine xmlns:a14="http://schemas.microsoft.com/office/drawing/2010/main" w="9525">
+                <a:solidFill>
+                  <a:schemeClr val="tx1"/>
+                </a:solidFill>
+                <a:miter lim="800000"/>
+                <a:headEnd/>
+                <a:tailEnd/>
+              </a14:hiddenLine>
+            </a:ext>
+            <a:ext uri="{AF507438-7753-43E0-B8FC-AC1667EBCBE1}">
+              <a14:hiddenEffects xmlns:a14="http://schemas.microsoft.com/office/drawing/2010/main">
+                <a:effectLst>
+                  <a:outerShdw dist="35921" dir="2700000" algn="ctr" rotWithShape="0">
+                    <a:schemeClr val="bg2"/>
+                  </a:outerShdw>
+                </a:effectLst>
+              </a14:hiddenEffects>
+            </a:ext>
+          </a:extLst>
+        </p:spPr>
+      </p:pic>
+    </p:spTree>
+    <p:extLst>
+      <p:ext uri="{BB962C8B-B14F-4D97-AF65-F5344CB8AC3E}">
+        <p14:creationId xmlns:p14="http://schemas.microsoft.com/office/powerpoint/2010/main" val="2456846431"/>
+      </p:ext>
+    </p:extLst>
+  </p:cSld>
+  <p:clrMapOvr>
+    <a:masterClrMapping/>
+  </p:clrMapOvr>
+</p:sld>
+</file>
+
+<file path=ppt/slides/slide19.xml><?xml version="1.0" encoding="utf-8"?>
+<p:sld xmlns:a="http://schemas.openxmlformats.org/drawingml/2006/main" xmlns:r="http://schemas.openxmlformats.org/officeDocument/2006/relationships" xmlns:p="http://schemas.openxmlformats.org/presentationml/2006/main">
+  <p:cSld>
+    <p:spTree>
+      <p:nvGrpSpPr>
+        <p:cNvPr id="1" name="">
+          <a:extLst>
+            <a:ext uri="{FF2B5EF4-FFF2-40B4-BE49-F238E27FC236}">
+              <a16:creationId xmlns:a16="http://schemas.microsoft.com/office/drawing/2014/main" xmlns="" id="{EF87400A-AA39-C6BD-0F50-19DF27F0BEE1}"/>
+            </a:ext>
+          </a:extLst>
+        </p:cNvPr>
+        <p:cNvGrpSpPr/>
+        <p:nvPr/>
+      </p:nvGrpSpPr>
+      <p:grpSpPr>
+        <a:xfrm>
+          <a:off x="0" y="0"/>
+          <a:ext cx="0" cy="0"/>
+          <a:chOff x="0" y="0"/>
+          <a:chExt cx="0" cy="0"/>
+        </a:xfrm>
+      </p:grpSpPr>
+      <p:sp>
+        <p:nvSpPr>
+          <p:cNvPr id="3" name="Прямоугольник 2"/>
+          <p:cNvSpPr/>
+          <p:nvPr/>
+        </p:nvSpPr>
+        <p:spPr>
+          <a:xfrm>
+            <a:off x="0" y="5658740"/>
+            <a:ext cx="1876926" cy="1200329"/>
+          </a:xfrm>
+          <a:prstGeom prst="rect">
+            <a:avLst/>
+          </a:prstGeom>
+        </p:spPr>
+        <p:txBody>
+          <a:bodyPr wrap="square">
+            <a:spAutoFit/>
+          </a:bodyPr>
+          <a:lstStyle/>
+          <a:p>
+            <a:r>
+              <a:rPr lang="en-US" sz="7200" dirty="0" smtClean="0">
+                <a:solidFill>
+                  <a:schemeClr val="bg1"/>
+                </a:solidFill>
+              </a:rPr>
+              <a:t>V</a:t>
+            </a:r>
+            <a:r>
+              <a:rPr lang="en-US" sz="7200" dirty="0">
+                <a:solidFill>
+                  <a:schemeClr val="bg1"/>
+                </a:solidFill>
+              </a:rPr>
+              <a:t>2</a:t>
+            </a:r>
+            <a:endParaRPr lang="ru-RU" sz="7200" dirty="0">
+              <a:solidFill>
+                <a:schemeClr val="bg1"/>
+              </a:solidFill>
+            </a:endParaRPr>
+          </a:p>
+        </p:txBody>
+      </p:sp>
+      <p:sp>
+        <p:nvSpPr>
+          <p:cNvPr id="13" name="Заголовок 1"/>
+          <p:cNvSpPr txBox="1">
+            <a:spLocks/>
+          </p:cNvSpPr>
+          <p:nvPr/>
+        </p:nvSpPr>
+        <p:spPr>
+          <a:xfrm>
+            <a:off x="2201925" y="173736"/>
+            <a:ext cx="7653418" cy="625642"/>
+          </a:xfrm>
+          <a:prstGeom prst="rect">
+            <a:avLst/>
+          </a:prstGeom>
+        </p:spPr>
+        <p:txBody>
+          <a:bodyPr vert="horz" lIns="91440" tIns="45720" rIns="91440" bIns="45720" rtlCol="0" anchor="ctr" anchorCtr="0">
+            <a:noAutofit/>
+          </a:bodyPr>
+          <a:lstStyle>
+            <a:lvl1pPr algn="ctr" defTabSz="914400" rtl="0" eaLnBrk="1" latinLnBrk="0" hangingPunct="1">
+              <a:lnSpc>
+                <a:spcPct val="90000"/>
+              </a:lnSpc>
+              <a:spcBef>
+                <a:spcPct val="0"/>
+              </a:spcBef>
+              <a:buNone/>
+              <a:defRPr sz="4800" kern="1200" cap="all" spc="300" baseline="0">
+                <a:solidFill>
+                  <a:schemeClr val="bg1"/>
+                </a:solidFill>
+                <a:latin typeface="+mj-lt"/>
+                <a:ea typeface="+mj-ea"/>
+                <a:cs typeface="+mj-cs"/>
+              </a:defRPr>
+            </a:lvl1pPr>
+          </a:lstStyle>
+          <a:p>
+            <a:r>
+              <a:rPr lang="en-US" sz="2800" dirty="0" smtClean="0"/>
+              <a:t>Results(52000 photos trained model)</a:t>
+            </a:r>
+            <a:endParaRPr lang="en-US" sz="2800" dirty="0"/>
+          </a:p>
+        </p:txBody>
+      </p:sp>
+      <p:pic>
+        <p:nvPicPr>
+          <p:cNvPr id="14" name="Picture 2"/>
+          <p:cNvPicPr>
+            <a:picLocks noChangeAspect="1" noChangeArrowheads="1"/>
+          </p:cNvPicPr>
+          <p:nvPr/>
+        </p:nvPicPr>
+        <p:blipFill>
+          <a:blip r:embed="rId3">
+            <a:extLst>
+              <a:ext uri="{28A0092B-C50C-407E-A947-70E740481C1C}">
+                <a14:useLocalDpi xmlns:a14="http://schemas.microsoft.com/office/drawing/2010/main" val="0"/>
+              </a:ext>
+            </a:extLst>
+          </a:blip>
+          <a:srcRect/>
+          <a:stretch>
+            <a:fillRect/>
+          </a:stretch>
+        </p:blipFill>
+        <p:spPr bwMode="auto">
+          <a:xfrm>
+            <a:off x="797063" y="1302803"/>
+            <a:ext cx="5071033" cy="2705391"/>
+          </a:xfrm>
+          <a:prstGeom prst="rect">
+            <a:avLst/>
+          </a:prstGeom>
+          <a:noFill/>
+          <a:ln>
+            <a:noFill/>
+          </a:ln>
+          <a:effectLst/>
+          <a:extLst>
+            <a:ext uri="{909E8E84-426E-40DD-AFC4-6F175D3DCCD1}">
+              <a14:hiddenFill xmlns:a14="http://schemas.microsoft.com/office/drawing/2010/main">
+                <a:solidFill>
+                  <a:schemeClr val="accent1"/>
+                </a:solidFill>
+              </a14:hiddenFill>
+            </a:ext>
+            <a:ext uri="{91240B29-F687-4F45-9708-019B960494DF}">
+              <a14:hiddenLine xmlns:a14="http://schemas.microsoft.com/office/drawing/2010/main" w="9525">
+                <a:solidFill>
+                  <a:schemeClr val="tx1"/>
+                </a:solidFill>
+                <a:miter lim="800000"/>
+                <a:headEnd/>
+                <a:tailEnd/>
+              </a14:hiddenLine>
+            </a:ext>
+            <a:ext uri="{AF507438-7753-43E0-B8FC-AC1667EBCBE1}">
+              <a14:hiddenEffects xmlns:a14="http://schemas.microsoft.com/office/drawing/2010/main">
+                <a:effectLst>
+                  <a:outerShdw dist="35921" dir="2700000" algn="ctr" rotWithShape="0">
+                    <a:schemeClr val="bg2"/>
+                  </a:outerShdw>
+                </a:effectLst>
+              </a14:hiddenEffects>
+            </a:ext>
+          </a:extLst>
+        </p:spPr>
+      </p:pic>
+      <p:pic>
+        <p:nvPicPr>
+          <p:cNvPr id="15" name="Picture 3"/>
+          <p:cNvPicPr>
+            <a:picLocks noChangeAspect="1" noChangeArrowheads="1"/>
+          </p:cNvPicPr>
+          <p:nvPr/>
+        </p:nvPicPr>
+        <p:blipFill>
+          <a:blip r:embed="rId4">
+            <a:extLst>
+              <a:ext uri="{28A0092B-C50C-407E-A947-70E740481C1C}">
+                <a14:useLocalDpi xmlns:a14="http://schemas.microsoft.com/office/drawing/2010/main" val="0"/>
+              </a:ext>
+            </a:extLst>
+          </a:blip>
+          <a:srcRect/>
+          <a:stretch>
+            <a:fillRect/>
+          </a:stretch>
+        </p:blipFill>
+        <p:spPr bwMode="auto">
+          <a:xfrm>
+            <a:off x="6097340" y="1302804"/>
+            <a:ext cx="5296254" cy="2705391"/>
+          </a:xfrm>
+          <a:prstGeom prst="rect">
+            <a:avLst/>
+          </a:prstGeom>
+          <a:noFill/>
+          <a:ln>
+            <a:noFill/>
+          </a:ln>
+          <a:effectLst/>
+          <a:extLst>
+            <a:ext uri="{909E8E84-426E-40DD-AFC4-6F175D3DCCD1}">
+              <a14:hiddenFill xmlns:a14="http://schemas.microsoft.com/office/drawing/2010/main">
+                <a:solidFill>
+                  <a:schemeClr val="accent1"/>
+                </a:solidFill>
+              </a14:hiddenFill>
+            </a:ext>
+            <a:ext uri="{91240B29-F687-4F45-9708-019B960494DF}">
+              <a14:hiddenLine xmlns:a14="http://schemas.microsoft.com/office/drawing/2010/main" w="9525">
+                <a:solidFill>
+                  <a:schemeClr val="tx1"/>
+                </a:solidFill>
+                <a:miter lim="800000"/>
+                <a:headEnd/>
+                <a:tailEnd/>
+              </a14:hiddenLine>
+            </a:ext>
+            <a:ext uri="{AF507438-7753-43E0-B8FC-AC1667EBCBE1}">
+              <a14:hiddenEffects xmlns:a14="http://schemas.microsoft.com/office/drawing/2010/main">
+                <a:effectLst>
+                  <a:outerShdw dist="35921" dir="2700000" algn="ctr" rotWithShape="0">
+                    <a:schemeClr val="bg2"/>
+                  </a:outerShdw>
+                </a:effectLst>
+              </a14:hiddenEffects>
+            </a:ext>
+          </a:extLst>
+        </p:spPr>
+      </p:pic>
+      <p:pic>
+        <p:nvPicPr>
+          <p:cNvPr id="16" name="Picture 4"/>
+          <p:cNvPicPr>
+            <a:picLocks noChangeAspect="1" noChangeArrowheads="1"/>
+          </p:cNvPicPr>
+          <p:nvPr/>
+        </p:nvPicPr>
+        <p:blipFill>
+          <a:blip r:embed="rId5">
+            <a:extLst>
+              <a:ext uri="{28A0092B-C50C-407E-A947-70E740481C1C}">
+                <a14:useLocalDpi xmlns:a14="http://schemas.microsoft.com/office/drawing/2010/main" val="0"/>
+              </a:ext>
+            </a:extLst>
+          </a:blip>
+          <a:srcRect/>
+          <a:stretch>
+            <a:fillRect/>
+          </a:stretch>
+        </p:blipFill>
+        <p:spPr bwMode="auto">
+          <a:xfrm>
+            <a:off x="3380747" y="4120468"/>
+            <a:ext cx="4974697" cy="2598666"/>
+          </a:xfrm>
+          <a:prstGeom prst="rect">
+            <a:avLst/>
+          </a:prstGeom>
+          <a:noFill/>
+          <a:ln>
+            <a:noFill/>
+          </a:ln>
+          <a:effectLst/>
+          <a:extLst>
+            <a:ext uri="{909E8E84-426E-40DD-AFC4-6F175D3DCCD1}">
+              <a14:hiddenFill xmlns:a14="http://schemas.microsoft.com/office/drawing/2010/main">
+                <a:solidFill>
+                  <a:schemeClr val="accent1"/>
+                </a:solidFill>
+              </a14:hiddenFill>
+            </a:ext>
+            <a:ext uri="{91240B29-F687-4F45-9708-019B960494DF}">
+              <a14:hiddenLine xmlns:a14="http://schemas.microsoft.com/office/drawing/2010/main" w="9525">
+                <a:solidFill>
+                  <a:schemeClr val="tx1"/>
+                </a:solidFill>
+                <a:miter lim="800000"/>
+                <a:headEnd/>
+                <a:tailEnd/>
+              </a14:hiddenLine>
+            </a:ext>
+            <a:ext uri="{AF507438-7753-43E0-B8FC-AC1667EBCBE1}">
+              <a14:hiddenEffects xmlns:a14="http://schemas.microsoft.com/office/drawing/2010/main">
+                <a:effectLst>
+                  <a:outerShdw dist="35921" dir="2700000" algn="ctr" rotWithShape="0">
+                    <a:schemeClr val="bg2"/>
+                  </a:outerShdw>
+                </a:effectLst>
+              </a14:hiddenEffects>
+            </a:ext>
+          </a:extLst>
+        </p:spPr>
+      </p:pic>
+    </p:spTree>
+    <p:extLst>
+      <p:ext uri="{BB962C8B-B14F-4D97-AF65-F5344CB8AC3E}">
+        <p14:creationId xmlns:p14="http://schemas.microsoft.com/office/powerpoint/2010/main" val="3610934540"/>
       </p:ext>
     </p:extLst>
   </p:cSld>
@@ -7809,7 +11999,7 @@
           <p:cNvPr id="7" name="Title 6">
             <a:extLst>
               <a:ext uri="{FF2B5EF4-FFF2-40B4-BE49-F238E27FC236}">
-                <a16:creationId xmlns="" xmlns:a16="http://schemas.microsoft.com/office/drawing/2014/main" id="{2B1821E8-F378-D74B-E865-C40990E3D41F}"/>
+                <a16:creationId xmlns:a16="http://schemas.microsoft.com/office/drawing/2014/main" xmlns="" id="{2B1821E8-F378-D74B-E865-C40990E3D41F}"/>
               </a:ext>
             </a:extLst>
           </p:cNvPr>
@@ -7842,7 +12032,7 @@
           <p:cNvPr id="8" name="TextBox 7">
             <a:extLst>
               <a:ext uri="{FF2B5EF4-FFF2-40B4-BE49-F238E27FC236}">
-                <a16:creationId xmlns="" xmlns:a16="http://schemas.microsoft.com/office/drawing/2014/main" id="{FA6ECF98-C929-063C-BFD6-AA57AAC2A02F}"/>
+                <a16:creationId xmlns:a16="http://schemas.microsoft.com/office/drawing/2014/main" xmlns="" id="{FA6ECF98-C929-063C-BFD6-AA57AAC2A02F}"/>
               </a:ext>
             </a:extLst>
           </p:cNvPr>
@@ -7986,7 +12176,7 @@
           <p:cNvPr id="9" name="TextBox 8">
             <a:extLst>
               <a:ext uri="{FF2B5EF4-FFF2-40B4-BE49-F238E27FC236}">
-                <a16:creationId xmlns="" xmlns:a16="http://schemas.microsoft.com/office/drawing/2014/main" id="{867A665E-4508-A316-4C04-8788127440A7}"/>
+                <a16:creationId xmlns:a16="http://schemas.microsoft.com/office/drawing/2014/main" xmlns="" id="{867A665E-4508-A316-4C04-8788127440A7}"/>
               </a:ext>
             </a:extLst>
           </p:cNvPr>
@@ -8179,6 +12369,215 @@
     <p:extLst>
       <p:ext uri="{BB962C8B-B14F-4D97-AF65-F5344CB8AC3E}">
         <p14:creationId xmlns:p14="http://schemas.microsoft.com/office/powerpoint/2010/main" val="467869221"/>
+      </p:ext>
+    </p:extLst>
+  </p:cSld>
+  <p:clrMapOvr>
+    <a:masterClrMapping/>
+  </p:clrMapOvr>
+</p:sld>
+</file>
+
+<file path=ppt/slides/slide20.xml><?xml version="1.0" encoding="utf-8"?>
+<p:sld xmlns:a="http://schemas.openxmlformats.org/drawingml/2006/main" xmlns:r="http://schemas.openxmlformats.org/officeDocument/2006/relationships" xmlns:p="http://schemas.openxmlformats.org/presentationml/2006/main">
+  <p:cSld>
+    <p:spTree>
+      <p:nvGrpSpPr>
+        <p:cNvPr id="1" name="">
+          <a:extLst>
+            <a:ext uri="{FF2B5EF4-FFF2-40B4-BE49-F238E27FC236}">
+              <a16:creationId xmlns:a16="http://schemas.microsoft.com/office/drawing/2014/main" xmlns="" id="{EF87400A-AA39-C6BD-0F50-19DF27F0BEE1}"/>
+            </a:ext>
+          </a:extLst>
+        </p:cNvPr>
+        <p:cNvGrpSpPr/>
+        <p:nvPr/>
+      </p:nvGrpSpPr>
+      <p:grpSpPr>
+        <a:xfrm>
+          <a:off x="0" y="0"/>
+          <a:ext cx="0" cy="0"/>
+          <a:chOff x="0" y="0"/>
+          <a:chExt cx="0" cy="0"/>
+        </a:xfrm>
+      </p:grpSpPr>
+      <p:sp>
+        <p:nvSpPr>
+          <p:cNvPr id="3" name="Прямоугольник 2"/>
+          <p:cNvSpPr/>
+          <p:nvPr/>
+        </p:nvSpPr>
+        <p:spPr>
+          <a:xfrm>
+            <a:off x="0" y="5658740"/>
+            <a:ext cx="1876926" cy="1200329"/>
+          </a:xfrm>
+          <a:prstGeom prst="rect">
+            <a:avLst/>
+          </a:prstGeom>
+        </p:spPr>
+        <p:txBody>
+          <a:bodyPr wrap="square">
+            <a:spAutoFit/>
+          </a:bodyPr>
+          <a:lstStyle/>
+          <a:p>
+            <a:r>
+              <a:rPr lang="en-US" sz="7200" dirty="0" smtClean="0">
+                <a:solidFill>
+                  <a:schemeClr val="bg1"/>
+                </a:solidFill>
+              </a:rPr>
+              <a:t>V</a:t>
+            </a:r>
+            <a:r>
+              <a:rPr lang="en-US" sz="7200" dirty="0">
+                <a:solidFill>
+                  <a:schemeClr val="bg1"/>
+                </a:solidFill>
+              </a:rPr>
+              <a:t>2</a:t>
+            </a:r>
+            <a:endParaRPr lang="ru-RU" sz="7200" dirty="0">
+              <a:solidFill>
+                <a:schemeClr val="bg1"/>
+              </a:solidFill>
+            </a:endParaRPr>
+          </a:p>
+        </p:txBody>
+      </p:sp>
+      <p:sp>
+        <p:nvSpPr>
+          <p:cNvPr id="13" name="Заголовок 1"/>
+          <p:cNvSpPr txBox="1">
+            <a:spLocks/>
+          </p:cNvSpPr>
+          <p:nvPr/>
+        </p:nvSpPr>
+        <p:spPr>
+          <a:xfrm>
+            <a:off x="2201925" y="173736"/>
+            <a:ext cx="7653418" cy="625642"/>
+          </a:xfrm>
+          <a:prstGeom prst="rect">
+            <a:avLst/>
+          </a:prstGeom>
+        </p:spPr>
+        <p:txBody>
+          <a:bodyPr vert="horz" lIns="91440" tIns="45720" rIns="91440" bIns="45720" rtlCol="0" anchor="ctr" anchorCtr="0">
+            <a:noAutofit/>
+          </a:bodyPr>
+          <a:lstStyle>
+            <a:lvl1pPr algn="ctr" defTabSz="914400" rtl="0" eaLnBrk="1" latinLnBrk="0" hangingPunct="1">
+              <a:lnSpc>
+                <a:spcPct val="90000"/>
+              </a:lnSpc>
+              <a:spcBef>
+                <a:spcPct val="0"/>
+              </a:spcBef>
+              <a:buNone/>
+              <a:defRPr sz="4800" kern="1200" cap="all" spc="300" baseline="0">
+                <a:solidFill>
+                  <a:schemeClr val="bg1"/>
+                </a:solidFill>
+                <a:latin typeface="+mj-lt"/>
+                <a:ea typeface="+mj-ea"/>
+                <a:cs typeface="+mj-cs"/>
+              </a:defRPr>
+            </a:lvl1pPr>
+          </a:lstStyle>
+          <a:p>
+            <a:r>
+              <a:rPr lang="en-US" sz="2800" dirty="0" smtClean="0"/>
+              <a:t>Conclusion and next step</a:t>
+            </a:r>
+            <a:endParaRPr lang="en-US" sz="2800" dirty="0"/>
+          </a:p>
+        </p:txBody>
+      </p:sp>
+    </p:spTree>
+    <p:extLst>
+      <p:ext uri="{BB962C8B-B14F-4D97-AF65-F5344CB8AC3E}">
+        <p14:creationId xmlns:p14="http://schemas.microsoft.com/office/powerpoint/2010/main" val="1177445828"/>
+      </p:ext>
+    </p:extLst>
+  </p:cSld>
+  <p:clrMapOvr>
+    <a:masterClrMapping/>
+  </p:clrMapOvr>
+</p:sld>
+</file>
+
+<file path=ppt/slides/slide21.xml><?xml version="1.0" encoding="utf-8"?>
+<p:sld xmlns:a="http://schemas.openxmlformats.org/drawingml/2006/main" xmlns:r="http://schemas.openxmlformats.org/officeDocument/2006/relationships" xmlns:p="http://schemas.openxmlformats.org/presentationml/2006/main">
+  <p:cSld>
+    <p:spTree>
+      <p:nvGrpSpPr>
+        <p:cNvPr id="1" name="">
+          <a:extLst>
+            <a:ext uri="{FF2B5EF4-FFF2-40B4-BE49-F238E27FC236}">
+              <a16:creationId xmlns:a16="http://schemas.microsoft.com/office/drawing/2014/main" xmlns="" id="{8C579E26-FA2D-1C68-DB27-3D2C268F6B28}"/>
+            </a:ext>
+          </a:extLst>
+        </p:cNvPr>
+        <p:cNvGrpSpPr/>
+        <p:nvPr/>
+      </p:nvGrpSpPr>
+      <p:grpSpPr>
+        <a:xfrm>
+          <a:off x="0" y="0"/>
+          <a:ext cx="0" cy="0"/>
+          <a:chOff x="0" y="0"/>
+          <a:chExt cx="0" cy="0"/>
+        </a:xfrm>
+      </p:grpSpPr>
+      <p:sp>
+        <p:nvSpPr>
+          <p:cNvPr id="7" name="Title 6">
+            <a:extLst>
+              <a:ext uri="{FF2B5EF4-FFF2-40B4-BE49-F238E27FC236}">
+                <a16:creationId xmlns:a16="http://schemas.microsoft.com/office/drawing/2014/main" xmlns="" id="{44A692C1-E622-D699-43E0-1ECB59404096}"/>
+              </a:ext>
+            </a:extLst>
+          </p:cNvPr>
+          <p:cNvSpPr>
+            <a:spLocks noGrp="1"/>
+          </p:cNvSpPr>
+          <p:nvPr>
+            <p:ph type="ctrTitle"/>
+          </p:nvPr>
+        </p:nvSpPr>
+        <p:spPr>
+          <a:xfrm>
+            <a:off x="2344992" y="2857500"/>
+            <a:ext cx="7502015" cy="1143000"/>
+          </a:xfrm>
+        </p:spPr>
+        <p:txBody>
+          <a:bodyPr/>
+          <a:lstStyle/>
+          <a:p>
+            <a:r>
+              <a:rPr lang="en-US" b="1" dirty="0">
+                <a:solidFill>
+                  <a:srgbClr val="FFFFFF"/>
+                </a:solidFill>
+                <a:latin typeface="Calibri Light (Headings)"/>
+                <a:ea typeface="Crimson Pro Bold"/>
+                <a:cs typeface="+mn-cs"/>
+              </a:rPr>
+              <a:t>Thank you</a:t>
+            </a:r>
+            <a:endParaRPr lang="en-US" b="1" dirty="0">
+              <a:latin typeface="Calibri Light (Headings)"/>
+            </a:endParaRPr>
+          </a:p>
+        </p:txBody>
+      </p:sp>
+    </p:spTree>
+    <p:extLst>
+      <p:ext uri="{BB962C8B-B14F-4D97-AF65-F5344CB8AC3E}">
+        <p14:creationId xmlns:p14="http://schemas.microsoft.com/office/powerpoint/2010/main" val="4044571280"/>
       </p:ext>
     </p:extLst>
   </p:cSld>
@@ -8196,7 +12595,7 @@
         <p:cNvPr id="1" name="">
           <a:extLst>
             <a:ext uri="{FF2B5EF4-FFF2-40B4-BE49-F238E27FC236}">
-              <a16:creationId xmlns="" xmlns:a16="http://schemas.microsoft.com/office/drawing/2014/main" id="{39288295-DCAF-069C-8B1B-4576B8E372BB}"/>
+              <a16:creationId xmlns:a16="http://schemas.microsoft.com/office/drawing/2014/main" xmlns="" id="{39288295-DCAF-069C-8B1B-4576B8E372BB}"/>
             </a:ext>
           </a:extLst>
         </p:cNvPr>
@@ -8216,7 +12615,7 @@
           <p:cNvPr id="7" name="Title 6">
             <a:extLst>
               <a:ext uri="{FF2B5EF4-FFF2-40B4-BE49-F238E27FC236}">
-                <a16:creationId xmlns="" xmlns:a16="http://schemas.microsoft.com/office/drawing/2014/main" id="{61F85EF1-69F5-5E4D-E911-359BF0A3DBF3}"/>
+                <a16:creationId xmlns:a16="http://schemas.microsoft.com/office/drawing/2014/main" xmlns="" id="{61F85EF1-69F5-5E4D-E911-359BF0A3DBF3}"/>
               </a:ext>
             </a:extLst>
           </p:cNvPr>
@@ -8257,7 +12656,7 @@
           <p:cNvPr id="8" name="TextBox 7">
             <a:extLst>
               <a:ext uri="{FF2B5EF4-FFF2-40B4-BE49-F238E27FC236}">
-                <a16:creationId xmlns="" xmlns:a16="http://schemas.microsoft.com/office/drawing/2014/main" id="{F8C56A79-35B0-9EBF-8FD3-C903CBFF847D}"/>
+                <a16:creationId xmlns:a16="http://schemas.microsoft.com/office/drawing/2014/main" xmlns="" id="{F8C56A79-35B0-9EBF-8FD3-C903CBFF847D}"/>
               </a:ext>
             </a:extLst>
           </p:cNvPr>
@@ -8380,7 +12779,7 @@
           <p:cNvPr id="2" name="TextBox 1">
             <a:extLst>
               <a:ext uri="{FF2B5EF4-FFF2-40B4-BE49-F238E27FC236}">
-                <a16:creationId xmlns="" xmlns:a16="http://schemas.microsoft.com/office/drawing/2014/main" id="{144EF226-6026-E052-DD93-BEC3F237B30F}"/>
+                <a16:creationId xmlns:a16="http://schemas.microsoft.com/office/drawing/2014/main" xmlns="" id="{144EF226-6026-E052-DD93-BEC3F237B30F}"/>
               </a:ext>
             </a:extLst>
           </p:cNvPr>
@@ -8520,7 +12919,7 @@
         <p:cNvPr id="1" name="">
           <a:extLst>
             <a:ext uri="{FF2B5EF4-FFF2-40B4-BE49-F238E27FC236}">
-              <a16:creationId xmlns="" xmlns:a16="http://schemas.microsoft.com/office/drawing/2014/main" id="{953B6214-BA54-21CA-C08F-F6E6CD6F9476}"/>
+              <a16:creationId xmlns:a16="http://schemas.microsoft.com/office/drawing/2014/main" xmlns="" id="{953B6214-BA54-21CA-C08F-F6E6CD6F9476}"/>
             </a:ext>
           </a:extLst>
         </p:cNvPr>
@@ -8540,7 +12939,7 @@
           <p:cNvPr id="7" name="Title 6">
             <a:extLst>
               <a:ext uri="{FF2B5EF4-FFF2-40B4-BE49-F238E27FC236}">
-                <a16:creationId xmlns="" xmlns:a16="http://schemas.microsoft.com/office/drawing/2014/main" id="{D1FCF065-2D37-1687-8F8E-2906BCCE04C9}"/>
+                <a16:creationId xmlns:a16="http://schemas.microsoft.com/office/drawing/2014/main" xmlns="" id="{D1FCF065-2D37-1687-8F8E-2906BCCE04C9}"/>
               </a:ext>
             </a:extLst>
           </p:cNvPr>
@@ -8580,7 +12979,7 @@
           <p:cNvPr id="8" name="TextBox 7">
             <a:extLst>
               <a:ext uri="{FF2B5EF4-FFF2-40B4-BE49-F238E27FC236}">
-                <a16:creationId xmlns="" xmlns:a16="http://schemas.microsoft.com/office/drawing/2014/main" id="{829DCAF4-0E7A-EA3D-F623-CCC0F2F22DFF}"/>
+                <a16:creationId xmlns:a16="http://schemas.microsoft.com/office/drawing/2014/main" xmlns="" id="{829DCAF4-0E7A-EA3D-F623-CCC0F2F22DFF}"/>
               </a:ext>
             </a:extLst>
           </p:cNvPr>
@@ -8719,7 +13118,7 @@
           <p:cNvPr id="3" name="TextBox 2">
             <a:extLst>
               <a:ext uri="{FF2B5EF4-FFF2-40B4-BE49-F238E27FC236}">
-                <a16:creationId xmlns="" xmlns:a16="http://schemas.microsoft.com/office/drawing/2014/main" id="{C529289A-69EA-F080-93CD-30695BDBF134}"/>
+                <a16:creationId xmlns:a16="http://schemas.microsoft.com/office/drawing/2014/main" xmlns="" id="{C529289A-69EA-F080-93CD-30695BDBF134}"/>
               </a:ext>
             </a:extLst>
           </p:cNvPr>
@@ -8821,7 +13220,7 @@
           <p:cNvPr id="6" name="TextBox 5">
             <a:extLst>
               <a:ext uri="{FF2B5EF4-FFF2-40B4-BE49-F238E27FC236}">
-                <a16:creationId xmlns="" xmlns:a16="http://schemas.microsoft.com/office/drawing/2014/main" id="{3C9745D3-7387-F090-C452-2E45D43F0971}"/>
+                <a16:creationId xmlns:a16="http://schemas.microsoft.com/office/drawing/2014/main" xmlns="" id="{3C9745D3-7387-F090-C452-2E45D43F0971}"/>
               </a:ext>
             </a:extLst>
           </p:cNvPr>
@@ -8956,7 +13355,7 @@
           <p:cNvPr id="9" name="Rectangle 8">
             <a:extLst>
               <a:ext uri="{FF2B5EF4-FFF2-40B4-BE49-F238E27FC236}">
-                <a16:creationId xmlns="" xmlns:a16="http://schemas.microsoft.com/office/drawing/2014/main" id="{3F9A327E-7B0F-6322-F8E7-5226A4116A9B}"/>
+                <a16:creationId xmlns:a16="http://schemas.microsoft.com/office/drawing/2014/main" xmlns="" id="{3F9A327E-7B0F-6322-F8E7-5226A4116A9B}"/>
               </a:ext>
             </a:extLst>
           </p:cNvPr>
@@ -9028,7 +13427,7 @@
         <p:cNvPr id="1" name="">
           <a:extLst>
             <a:ext uri="{FF2B5EF4-FFF2-40B4-BE49-F238E27FC236}">
-              <a16:creationId xmlns="" xmlns:a16="http://schemas.microsoft.com/office/drawing/2014/main" id="{00AB00F2-1ABB-46F7-FBD3-B7149DCD1A5B}"/>
+              <a16:creationId xmlns:a16="http://schemas.microsoft.com/office/drawing/2014/main" xmlns="" id="{00AB00F2-1ABB-46F7-FBD3-B7149DCD1A5B}"/>
             </a:ext>
           </a:extLst>
         </p:cNvPr>
@@ -9048,7 +13447,7 @@
           <p:cNvPr id="7" name="Title 6">
             <a:extLst>
               <a:ext uri="{FF2B5EF4-FFF2-40B4-BE49-F238E27FC236}">
-                <a16:creationId xmlns="" xmlns:a16="http://schemas.microsoft.com/office/drawing/2014/main" id="{65745319-EE7D-296C-2FFE-F56F0B6538A0}"/>
+                <a16:creationId xmlns:a16="http://schemas.microsoft.com/office/drawing/2014/main" xmlns="" id="{65745319-EE7D-296C-2FFE-F56F0B6538A0}"/>
               </a:ext>
             </a:extLst>
           </p:cNvPr>
@@ -9088,7 +13487,7 @@
           <p:cNvPr id="8" name="TextBox 7">
             <a:extLst>
               <a:ext uri="{FF2B5EF4-FFF2-40B4-BE49-F238E27FC236}">
-                <a16:creationId xmlns="" xmlns:a16="http://schemas.microsoft.com/office/drawing/2014/main" id="{6D710782-0111-EEBD-02DC-6E7ACC855995}"/>
+                <a16:creationId xmlns:a16="http://schemas.microsoft.com/office/drawing/2014/main" xmlns="" id="{6D710782-0111-EEBD-02DC-6E7ACC855995}"/>
               </a:ext>
             </a:extLst>
           </p:cNvPr>
@@ -9135,7 +13534,7 @@
           <p:cNvPr id="9" name="TextBox 8">
             <a:extLst>
               <a:ext uri="{FF2B5EF4-FFF2-40B4-BE49-F238E27FC236}">
-                <a16:creationId xmlns="" xmlns:a16="http://schemas.microsoft.com/office/drawing/2014/main" id="{AE941EAD-4479-E631-4FC0-8E1DFBDB66EF}"/>
+                <a16:creationId xmlns:a16="http://schemas.microsoft.com/office/drawing/2014/main" xmlns="" id="{AE941EAD-4479-E631-4FC0-8E1DFBDB66EF}"/>
               </a:ext>
             </a:extLst>
           </p:cNvPr>
@@ -9189,7 +13588,7 @@
           <p:cNvPr id="2" name="Rectangle 1">
             <a:extLst>
               <a:ext uri="{FF2B5EF4-FFF2-40B4-BE49-F238E27FC236}">
-                <a16:creationId xmlns="" xmlns:a16="http://schemas.microsoft.com/office/drawing/2014/main" id="{8BE59029-112F-330F-CBC2-D013521EFC34}"/>
+                <a16:creationId xmlns:a16="http://schemas.microsoft.com/office/drawing/2014/main" xmlns="" id="{8BE59029-112F-330F-CBC2-D013521EFC34}"/>
               </a:ext>
             </a:extLst>
           </p:cNvPr>
@@ -9245,7 +13644,7 @@
           <p:cNvPr id="3" name="TextBox 2">
             <a:extLst>
               <a:ext uri="{FF2B5EF4-FFF2-40B4-BE49-F238E27FC236}">
-                <a16:creationId xmlns="" xmlns:a16="http://schemas.microsoft.com/office/drawing/2014/main" id="{E5DE46A3-2E10-F599-6F94-3604A4BB1603}"/>
+                <a16:creationId xmlns:a16="http://schemas.microsoft.com/office/drawing/2014/main" xmlns="" id="{E5DE46A3-2E10-F599-6F94-3604A4BB1603}"/>
               </a:ext>
             </a:extLst>
           </p:cNvPr>
@@ -9292,7 +13691,7 @@
           <p:cNvPr id="4" name="Rectangle 3">
             <a:extLst>
               <a:ext uri="{FF2B5EF4-FFF2-40B4-BE49-F238E27FC236}">
-                <a16:creationId xmlns="" xmlns:a16="http://schemas.microsoft.com/office/drawing/2014/main" id="{09F4D9B4-F12A-0A44-0AFA-0BFA209DAD40}"/>
+                <a16:creationId xmlns:a16="http://schemas.microsoft.com/office/drawing/2014/main" xmlns="" id="{09F4D9B4-F12A-0A44-0AFA-0BFA209DAD40}"/>
               </a:ext>
             </a:extLst>
           </p:cNvPr>
@@ -9348,7 +13747,7 @@
           <p:cNvPr id="5" name="TextBox 4">
             <a:extLst>
               <a:ext uri="{FF2B5EF4-FFF2-40B4-BE49-F238E27FC236}">
-                <a16:creationId xmlns="" xmlns:a16="http://schemas.microsoft.com/office/drawing/2014/main" id="{4B8F1482-E9ED-644D-56F0-2E8E230275E4}"/>
+                <a16:creationId xmlns:a16="http://schemas.microsoft.com/office/drawing/2014/main" xmlns="" id="{4B8F1482-E9ED-644D-56F0-2E8E230275E4}"/>
               </a:ext>
             </a:extLst>
           </p:cNvPr>
@@ -9402,7 +13801,7 @@
           <p:cNvPr id="6" name="Rectangle 5">
             <a:extLst>
               <a:ext uri="{FF2B5EF4-FFF2-40B4-BE49-F238E27FC236}">
-                <a16:creationId xmlns="" xmlns:a16="http://schemas.microsoft.com/office/drawing/2014/main" id="{F36FF003-B68C-97DC-B023-B640B58811FB}"/>
+                <a16:creationId xmlns:a16="http://schemas.microsoft.com/office/drawing/2014/main" xmlns="" id="{F36FF003-B68C-97DC-B023-B640B58811FB}"/>
               </a:ext>
             </a:extLst>
           </p:cNvPr>
@@ -9466,7 +13865,7 @@
           <p:cNvPr id="10" name="TextBox 9">
             <a:extLst>
               <a:ext uri="{FF2B5EF4-FFF2-40B4-BE49-F238E27FC236}">
-                <a16:creationId xmlns="" xmlns:a16="http://schemas.microsoft.com/office/drawing/2014/main" id="{23E42A81-E323-6371-B6FE-90B77C71CF1C}"/>
+                <a16:creationId xmlns:a16="http://schemas.microsoft.com/office/drawing/2014/main" xmlns="" id="{23E42A81-E323-6371-B6FE-90B77C71CF1C}"/>
               </a:ext>
             </a:extLst>
           </p:cNvPr>
@@ -9520,7 +13919,7 @@
           <p:cNvPr id="12" name="Picture 11" descr="A white snake with blue eyes&#10;&#10;AI-generated content may be incorrect.">
             <a:extLst>
               <a:ext uri="{FF2B5EF4-FFF2-40B4-BE49-F238E27FC236}">
-                <a16:creationId xmlns="" xmlns:a16="http://schemas.microsoft.com/office/drawing/2014/main" id="{D9DE6AA5-2528-AC56-C9A1-0E28C374E6CD}"/>
+                <a16:creationId xmlns:a16="http://schemas.microsoft.com/office/drawing/2014/main" xmlns="" id="{D9DE6AA5-2528-AC56-C9A1-0E28C374E6CD}"/>
               </a:ext>
             </a:extLst>
           </p:cNvPr>
@@ -9556,7 +13955,7 @@
           <p:cNvPr id="14" name="Picture 13" descr="A black background with white text&#10;&#10;AI-generated content may be incorrect.">
             <a:extLst>
               <a:ext uri="{FF2B5EF4-FFF2-40B4-BE49-F238E27FC236}">
-                <a16:creationId xmlns="" xmlns:a16="http://schemas.microsoft.com/office/drawing/2014/main" id="{E5F34F0F-1868-BDDA-B7A2-4B9B8D5E70C7}"/>
+                <a16:creationId xmlns:a16="http://schemas.microsoft.com/office/drawing/2014/main" xmlns="" id="{E5F34F0F-1868-BDDA-B7A2-4B9B8D5E70C7}"/>
               </a:ext>
             </a:extLst>
           </p:cNvPr>
@@ -9592,7 +13991,7 @@
           <p:cNvPr id="16" name="Picture 15" descr="A black and green symbol with a checkered pattern&#10;&#10;AI-generated content may be incorrect.">
             <a:extLst>
               <a:ext uri="{FF2B5EF4-FFF2-40B4-BE49-F238E27FC236}">
-                <a16:creationId xmlns="" xmlns:a16="http://schemas.microsoft.com/office/drawing/2014/main" id="{45DD2A95-1335-EFEF-D0FB-5A8AFC7B3575}"/>
+                <a16:creationId xmlns:a16="http://schemas.microsoft.com/office/drawing/2014/main" xmlns="" id="{45DD2A95-1335-EFEF-D0FB-5A8AFC7B3575}"/>
               </a:ext>
             </a:extLst>
           </p:cNvPr>
@@ -9628,7 +14027,7 @@
           <p:cNvPr id="18" name="Picture 17" descr="A purple rectangular object with white text&#10;&#10;AI-generated content may be incorrect.">
             <a:extLst>
               <a:ext uri="{FF2B5EF4-FFF2-40B4-BE49-F238E27FC236}">
-                <a16:creationId xmlns="" xmlns:a16="http://schemas.microsoft.com/office/drawing/2014/main" id="{748AF984-AFF8-25B6-3929-06533135F867}"/>
+                <a16:creationId xmlns:a16="http://schemas.microsoft.com/office/drawing/2014/main" xmlns="" id="{748AF984-AFF8-25B6-3929-06533135F867}"/>
               </a:ext>
             </a:extLst>
           </p:cNvPr>
@@ -9664,7 +14063,7 @@
           <p:cNvPr id="20" name="Picture 19">
             <a:extLst>
               <a:ext uri="{FF2B5EF4-FFF2-40B4-BE49-F238E27FC236}">
-                <a16:creationId xmlns="" xmlns:a16="http://schemas.microsoft.com/office/drawing/2014/main" id="{995B517E-6B59-0EDF-176D-2C3A8DDD1E24}"/>
+                <a16:creationId xmlns:a16="http://schemas.microsoft.com/office/drawing/2014/main" xmlns="" id="{995B517E-6B59-0EDF-176D-2C3A8DDD1E24}"/>
               </a:ext>
             </a:extLst>
           </p:cNvPr>
@@ -9700,7 +14099,7 @@
           <p:cNvPr id="22" name="Picture 21" descr="A math equations and symbols&#10;&#10;AI-generated content may be incorrect.">
             <a:extLst>
               <a:ext uri="{FF2B5EF4-FFF2-40B4-BE49-F238E27FC236}">
-                <a16:creationId xmlns="" xmlns:a16="http://schemas.microsoft.com/office/drawing/2014/main" id="{F5515C3C-6DE4-6DC0-C477-32381037F16D}"/>
+                <a16:creationId xmlns:a16="http://schemas.microsoft.com/office/drawing/2014/main" xmlns="" id="{F5515C3C-6DE4-6DC0-C477-32381037F16D}"/>
               </a:ext>
             </a:extLst>
           </p:cNvPr>
@@ -9752,7 +14151,7 @@
         <p:cNvPr id="1" name="">
           <a:extLst>
             <a:ext uri="{FF2B5EF4-FFF2-40B4-BE49-F238E27FC236}">
-              <a16:creationId xmlns="" xmlns:a16="http://schemas.microsoft.com/office/drawing/2014/main" id="{DBE5E39A-F5D5-D29E-5B7F-DCFE051AAE1B}"/>
+              <a16:creationId xmlns:a16="http://schemas.microsoft.com/office/drawing/2014/main" xmlns="" id="{DBE5E39A-F5D5-D29E-5B7F-DCFE051AAE1B}"/>
             </a:ext>
           </a:extLst>
         </p:cNvPr>
@@ -9772,7 +14171,7 @@
           <p:cNvPr id="7" name="Title 6">
             <a:extLst>
               <a:ext uri="{FF2B5EF4-FFF2-40B4-BE49-F238E27FC236}">
-                <a16:creationId xmlns="" xmlns:a16="http://schemas.microsoft.com/office/drawing/2014/main" id="{B4656742-F44E-DEB8-0DE2-46FE8A3B4872}"/>
+                <a16:creationId xmlns:a16="http://schemas.microsoft.com/office/drawing/2014/main" xmlns="" id="{B4656742-F44E-DEB8-0DE2-46FE8A3B4872}"/>
               </a:ext>
             </a:extLst>
           </p:cNvPr>
@@ -9814,7 +14213,7 @@
           <p:cNvPr id="24" name="Text 1">
             <a:extLst>
               <a:ext uri="{FF2B5EF4-FFF2-40B4-BE49-F238E27FC236}">
-                <a16:creationId xmlns="" xmlns:a16="http://schemas.microsoft.com/office/drawing/2014/main" id="{472BFC16-825E-73E4-9596-F2CA527F48EA}"/>
+                <a16:creationId xmlns:a16="http://schemas.microsoft.com/office/drawing/2014/main" xmlns="" id="{472BFC16-825E-73E4-9596-F2CA527F48EA}"/>
               </a:ext>
             </a:extLst>
           </p:cNvPr>
@@ -9961,7 +14360,7 @@
           <p:cNvPr id="25" name="Text 2">
             <a:extLst>
               <a:ext uri="{FF2B5EF4-FFF2-40B4-BE49-F238E27FC236}">
-                <a16:creationId xmlns="" xmlns:a16="http://schemas.microsoft.com/office/drawing/2014/main" id="{0ED9AA18-9EE7-D709-C4C3-818089404EA4}"/>
+                <a16:creationId xmlns:a16="http://schemas.microsoft.com/office/drawing/2014/main" xmlns="" id="{0ED9AA18-9EE7-D709-C4C3-818089404EA4}"/>
               </a:ext>
             </a:extLst>
           </p:cNvPr>
@@ -10108,7 +14507,7 @@
           <p:cNvPr id="26" name="Image 1">
             <a:extLst>
               <a:ext uri="{FF2B5EF4-FFF2-40B4-BE49-F238E27FC236}">
-                <a16:creationId xmlns="" xmlns:a16="http://schemas.microsoft.com/office/drawing/2014/main" id="{3AA18FAE-20E6-DD3E-8389-A3A3C5E5F02F}"/>
+                <a16:creationId xmlns:a16="http://schemas.microsoft.com/office/drawing/2014/main" xmlns="" id="{3AA18FAE-20E6-DD3E-8389-A3A3C5E5F02F}"/>
               </a:ext>
             </a:extLst>
           </p:cNvPr>
@@ -10138,7 +14537,7 @@
           <p:cNvPr id="27" name="Image 3">
             <a:extLst>
               <a:ext uri="{FF2B5EF4-FFF2-40B4-BE49-F238E27FC236}">
-                <a16:creationId xmlns="" xmlns:a16="http://schemas.microsoft.com/office/drawing/2014/main" id="{0C8D0B1D-8793-388D-0ADB-907B849DA21A}"/>
+                <a16:creationId xmlns:a16="http://schemas.microsoft.com/office/drawing/2014/main" xmlns="" id="{0C8D0B1D-8793-388D-0ADB-907B849DA21A}"/>
               </a:ext>
             </a:extLst>
           </p:cNvPr>
@@ -10174,7 +14573,7 @@
           <p:cNvPr id="28" name="Text 5">
             <a:extLst>
               <a:ext uri="{FF2B5EF4-FFF2-40B4-BE49-F238E27FC236}">
-                <a16:creationId xmlns="" xmlns:a16="http://schemas.microsoft.com/office/drawing/2014/main" id="{6FEBA9B4-92F8-1783-D199-984E9BD35FE4}"/>
+                <a16:creationId xmlns:a16="http://schemas.microsoft.com/office/drawing/2014/main" xmlns="" id="{6FEBA9B4-92F8-1783-D199-984E9BD35FE4}"/>
               </a:ext>
             </a:extLst>
           </p:cNvPr>
@@ -10321,7 +14720,7 @@
           <p:cNvPr id="29" name="Text 6">
             <a:extLst>
               <a:ext uri="{FF2B5EF4-FFF2-40B4-BE49-F238E27FC236}">
-                <a16:creationId xmlns="" xmlns:a16="http://schemas.microsoft.com/office/drawing/2014/main" id="{A01B7A0E-C486-C1C0-401D-9E6A0598F71F}"/>
+                <a16:creationId xmlns:a16="http://schemas.microsoft.com/office/drawing/2014/main" xmlns="" id="{A01B7A0E-C486-C1C0-401D-9E6A0598F71F}"/>
               </a:ext>
             </a:extLst>
           </p:cNvPr>
@@ -10468,7 +14867,7 @@
           <p:cNvPr id="30" name="Image 2">
             <a:extLst>
               <a:ext uri="{FF2B5EF4-FFF2-40B4-BE49-F238E27FC236}">
-                <a16:creationId xmlns="" xmlns:a16="http://schemas.microsoft.com/office/drawing/2014/main" id="{4699EAB3-B451-FA65-3003-7F72825EBD8F}"/>
+                <a16:creationId xmlns:a16="http://schemas.microsoft.com/office/drawing/2014/main" xmlns="" id="{4699EAB3-B451-FA65-3003-7F72825EBD8F}"/>
               </a:ext>
             </a:extLst>
           </p:cNvPr>
@@ -10498,7 +14897,7 @@
           <p:cNvPr id="31" name="Text 3">
             <a:extLst>
               <a:ext uri="{FF2B5EF4-FFF2-40B4-BE49-F238E27FC236}">
-                <a16:creationId xmlns="" xmlns:a16="http://schemas.microsoft.com/office/drawing/2014/main" id="{3317EA26-C890-3AA8-57C6-07F0D9D86A26}"/>
+                <a16:creationId xmlns:a16="http://schemas.microsoft.com/office/drawing/2014/main" xmlns="" id="{3317EA26-C890-3AA8-57C6-07F0D9D86A26}"/>
               </a:ext>
             </a:extLst>
           </p:cNvPr>
@@ -10645,7 +15044,7 @@
           <p:cNvPr id="32" name="Text 4">
             <a:extLst>
               <a:ext uri="{FF2B5EF4-FFF2-40B4-BE49-F238E27FC236}">
-                <a16:creationId xmlns="" xmlns:a16="http://schemas.microsoft.com/office/drawing/2014/main" id="{2F075863-C6D6-3DCA-EAB9-909D73EE40B1}"/>
+                <a16:creationId xmlns:a16="http://schemas.microsoft.com/office/drawing/2014/main" xmlns="" id="{2F075863-C6D6-3DCA-EAB9-909D73EE40B1}"/>
               </a:ext>
             </a:extLst>
           </p:cNvPr>
@@ -10808,7 +15207,7 @@
         <p:cNvPr id="1" name="">
           <a:extLst>
             <a:ext uri="{FF2B5EF4-FFF2-40B4-BE49-F238E27FC236}">
-              <a16:creationId xmlns="" xmlns:a16="http://schemas.microsoft.com/office/drawing/2014/main" id="{7B580C78-F914-AF3B-B3F8-86674699E7E9}"/>
+              <a16:creationId xmlns:a16="http://schemas.microsoft.com/office/drawing/2014/main" xmlns="" id="{7B580C78-F914-AF3B-B3F8-86674699E7E9}"/>
             </a:ext>
           </a:extLst>
         </p:cNvPr>
@@ -10828,7 +15227,7 @@
           <p:cNvPr id="7" name="Title 6">
             <a:extLst>
               <a:ext uri="{FF2B5EF4-FFF2-40B4-BE49-F238E27FC236}">
-                <a16:creationId xmlns="" xmlns:a16="http://schemas.microsoft.com/office/drawing/2014/main" id="{6C658EAB-7DAF-BE2F-A84A-38A3402BEF3F}"/>
+                <a16:creationId xmlns:a16="http://schemas.microsoft.com/office/drawing/2014/main" xmlns="" id="{6C658EAB-7DAF-BE2F-A84A-38A3402BEF3F}"/>
               </a:ext>
             </a:extLst>
           </p:cNvPr>
@@ -10881,10 +15280,10 @@
       </p:sp>
       <p:pic>
         <p:nvPicPr>
-          <p:cNvPr id="5" name="Picture 4" descr="A black background with white letters&#10;&#10;AI-generated content may be incorrect.">
+          <p:cNvPr id="9" name="Picture 8" descr="A black background with white text&#10;&#10;AI-generated content may be incorrect.">
             <a:extLst>
               <a:ext uri="{FF2B5EF4-FFF2-40B4-BE49-F238E27FC236}">
-                <a16:creationId xmlns="" xmlns:a16="http://schemas.microsoft.com/office/drawing/2014/main" id="{6F24CAEB-A637-EE86-3F90-26D1E11D40ED}"/>
+                <a16:creationId xmlns:a16="http://schemas.microsoft.com/office/drawing/2014/main" xmlns="" id="{C4E41495-4A51-AEA7-884E-CAA49182C5C7}"/>
               </a:ext>
             </a:extLst>
           </p:cNvPr>
@@ -10907,86 +15306,85 @@
         </p:blipFill>
         <p:spPr>
           <a:xfrm>
-            <a:off x="1114135" y="2616343"/>
-            <a:ext cx="2997032" cy="812657"/>
+            <a:off x="6892414" y="2616343"/>
+            <a:ext cx="3188381" cy="869966"/>
           </a:xfrm>
           <a:prstGeom prst="rect">
             <a:avLst/>
           </a:prstGeom>
         </p:spPr>
       </p:pic>
-      <p:pic>
-        <p:nvPicPr>
-          <p:cNvPr id="8" name="Picture 7" descr="A collage of different images of a tree&#10;&#10;AI-generated content may be incorrect.">
-            <a:extLst>
-              <a:ext uri="{FF2B5EF4-FFF2-40B4-BE49-F238E27FC236}">
-                <a16:creationId xmlns="" xmlns:a16="http://schemas.microsoft.com/office/drawing/2014/main" id="{05879ABD-6C50-1292-708B-EFDDC0F2D3C0}"/>
-              </a:ext>
-            </a:extLst>
-          </p:cNvPr>
-          <p:cNvPicPr>
-            <a:picLocks noChangeAspect="1"/>
-          </p:cNvPicPr>
+      <p:sp>
+        <p:nvSpPr>
+          <p:cNvPr id="2" name="Прямоугольник 1"/>
+          <p:cNvSpPr/>
           <p:nvPr/>
-        </p:nvPicPr>
-        <p:blipFill>
-          <a:blip r:embed="rId4">
-            <a:extLst>
-              <a:ext uri="{28A0092B-C50C-407E-A947-70E740481C1C}">
-                <a14:useLocalDpi xmlns:a14="http://schemas.microsoft.com/office/drawing/2010/main" val="0"/>
-              </a:ext>
-            </a:extLst>
-          </a:blip>
-          <a:stretch>
-            <a:fillRect/>
-          </a:stretch>
-        </p:blipFill>
+        </p:nvSpPr>
         <p:spPr>
           <a:xfrm>
-            <a:off x="2149630" y="4366486"/>
-            <a:ext cx="3639746" cy="1459082"/>
+            <a:off x="708189" y="4260009"/>
+            <a:ext cx="3626249" cy="738664"/>
           </a:xfrm>
           <a:prstGeom prst="rect">
             <a:avLst/>
           </a:prstGeom>
         </p:spPr>
-      </p:pic>
-      <p:pic>
-        <p:nvPicPr>
-          <p:cNvPr id="9" name="Picture 8" descr="A black background with white text&#10;&#10;AI-generated content may be incorrect.">
-            <a:extLst>
-              <a:ext uri="{FF2B5EF4-FFF2-40B4-BE49-F238E27FC236}">
-                <a16:creationId xmlns="" xmlns:a16="http://schemas.microsoft.com/office/drawing/2014/main" id="{C4E41495-4A51-AEA7-884E-CAA49182C5C7}"/>
-              </a:ext>
-            </a:extLst>
-          </p:cNvPr>
-          <p:cNvPicPr>
-            <a:picLocks noChangeAspect="1"/>
-          </p:cNvPicPr>
-          <p:nvPr/>
-        </p:nvPicPr>
-        <p:blipFill>
-          <a:blip r:embed="rId5">
-            <a:extLst>
-              <a:ext uri="{28A0092B-C50C-407E-A947-70E740481C1C}">
-                <a14:useLocalDpi xmlns:a14="http://schemas.microsoft.com/office/drawing/2010/main" val="0"/>
-              </a:ext>
-            </a:extLst>
-          </a:blip>
-          <a:stretch>
-            <a:fillRect/>
-          </a:stretch>
-        </p:blipFill>
-        <p:spPr>
-          <a:xfrm>
-            <a:off x="6892414" y="2616343"/>
-            <a:ext cx="3188381" cy="869966"/>
-          </a:xfrm>
-          <a:prstGeom prst="rect">
-            <a:avLst/>
-          </a:prstGeom>
-        </p:spPr>
-      </p:pic>
+        <p:txBody>
+          <a:bodyPr wrap="none">
+            <a:spAutoFit/>
+          </a:bodyPr>
+          <a:lstStyle/>
+          <a:p>
+            <a:r>
+              <a:rPr lang="en-US" sz="2400" dirty="0">
+                <a:solidFill>
+                  <a:schemeClr val="bg1"/>
+                </a:solidFill>
+              </a:rPr>
+              <a:t>Flickr Faces Dataset </a:t>
+            </a:r>
+            <a:r>
+              <a:rPr lang="en-US" sz="2400" dirty="0" smtClean="0">
+                <a:solidFill>
+                  <a:schemeClr val="bg1"/>
+                </a:solidFill>
+              </a:rPr>
+              <a:t>Resized</a:t>
+            </a:r>
+          </a:p>
+          <a:p>
+            <a:r>
+              <a:rPr lang="en-US" dirty="0" smtClean="0">
+                <a:solidFill>
+                  <a:schemeClr val="bg1"/>
+                </a:solidFill>
+              </a:rPr>
+              <a:t>(</a:t>
+            </a:r>
+            <a:r>
+              <a:rPr lang="en-US" dirty="0" err="1" smtClean="0">
+                <a:solidFill>
+                  <a:schemeClr val="bg1"/>
+                </a:solidFill>
+              </a:rPr>
+              <a:t>OpenSource</a:t>
+            </a:r>
+            <a:r>
+              <a:rPr lang="en-US" dirty="0" smtClean="0">
+                <a:solidFill>
+                  <a:schemeClr val="bg1"/>
+                </a:solidFill>
+              </a:rPr>
+              <a:t> faces image dataset)</a:t>
+            </a:r>
+            <a:endParaRPr lang="ru-RU" dirty="0">
+              <a:solidFill>
+                <a:schemeClr val="bg1"/>
+              </a:solidFill>
+            </a:endParaRPr>
+          </a:p>
+        </p:txBody>
+      </p:sp>
     </p:spTree>
     <p:extLst>
       <p:ext uri="{BB962C8B-B14F-4D97-AF65-F5344CB8AC3E}">
@@ -11008,7 +15406,7 @@
         <p:cNvPr id="1" name="">
           <a:extLst>
             <a:ext uri="{FF2B5EF4-FFF2-40B4-BE49-F238E27FC236}">
-              <a16:creationId xmlns="" xmlns:a16="http://schemas.microsoft.com/office/drawing/2014/main" id="{7B580C78-F914-AF3B-B3F8-86674699E7E9}"/>
+              <a16:creationId xmlns:a16="http://schemas.microsoft.com/office/drawing/2014/main" xmlns="" id="{7B580C78-F914-AF3B-B3F8-86674699E7E9}"/>
             </a:ext>
           </a:extLst>
         </p:cNvPr>
@@ -11028,7 +15426,7 @@
           <p:cNvPr id="7" name="Title 6">
             <a:extLst>
               <a:ext uri="{FF2B5EF4-FFF2-40B4-BE49-F238E27FC236}">
-                <a16:creationId xmlns="" xmlns:a16="http://schemas.microsoft.com/office/drawing/2014/main" id="{6C658EAB-7DAF-BE2F-A84A-38A3402BEF3F}"/>
+                <a16:creationId xmlns:a16="http://schemas.microsoft.com/office/drawing/2014/main" xmlns="" id="{6C658EAB-7DAF-BE2F-A84A-38A3402BEF3F}"/>
               </a:ext>
             </a:extLst>
           </p:cNvPr>
@@ -11377,7 +15775,7 @@
         <p:cNvPr id="1" name="">
           <a:extLst>
             <a:ext uri="{FF2B5EF4-FFF2-40B4-BE49-F238E27FC236}">
-              <a16:creationId xmlns="" xmlns:a16="http://schemas.microsoft.com/office/drawing/2014/main" id="{FDF6AF63-1DBE-D11B-6DC9-B3687284A56C}"/>
+              <a16:creationId xmlns:a16="http://schemas.microsoft.com/office/drawing/2014/main" xmlns="" id="{FDF6AF63-1DBE-D11B-6DC9-B3687284A56C}"/>
             </a:ext>
           </a:extLst>
         </p:cNvPr>
@@ -11397,7 +15795,7 @@
           <p:cNvPr id="7" name="Title 6">
             <a:extLst>
               <a:ext uri="{FF2B5EF4-FFF2-40B4-BE49-F238E27FC236}">
-                <a16:creationId xmlns="" xmlns:a16="http://schemas.microsoft.com/office/drawing/2014/main" id="{C8FF4F10-97E7-7357-3F36-228622417091}"/>
+                <a16:creationId xmlns:a16="http://schemas.microsoft.com/office/drawing/2014/main" xmlns="" id="{C8FF4F10-97E7-7357-3F36-228622417091}"/>
               </a:ext>
             </a:extLst>
           </p:cNvPr>
@@ -11480,44 +15878,6 @@
             </a:r>
             <a:endParaRPr lang="en-US" sz="3200" b="1" dirty="0">
               <a:latin typeface="Calibri Light (Headings)"/>
-            </a:endParaRPr>
-          </a:p>
-        </p:txBody>
-      </p:sp>
-      <p:sp>
-        <p:nvSpPr>
-          <p:cNvPr id="2" name="TextBox 1"/>
-          <p:cNvSpPr txBox="1"/>
-          <p:nvPr/>
-        </p:nvSpPr>
-        <p:spPr>
-          <a:xfrm>
-            <a:off x="2979" y="6073047"/>
-            <a:ext cx="794084" cy="769441"/>
-          </a:xfrm>
-          <a:prstGeom prst="rect">
-            <a:avLst/>
-          </a:prstGeom>
-          <a:noFill/>
-        </p:spPr>
-        <p:txBody>
-          <a:bodyPr wrap="square" rtlCol="0">
-            <a:spAutoFit/>
-          </a:bodyPr>
-          <a:lstStyle/>
-          <a:p>
-            <a:r>
-              <a:rPr lang="en-US" sz="4400" dirty="0" smtClean="0">
-                <a:solidFill>
-                  <a:schemeClr val="bg1"/>
-                </a:solidFill>
-              </a:rPr>
-              <a:t>V1</a:t>
-            </a:r>
-            <a:endParaRPr lang="ru-RU" sz="4400" dirty="0">
-              <a:solidFill>
-                <a:schemeClr val="bg1"/>
-              </a:solidFill>
             </a:endParaRPr>
           </a:p>
         </p:txBody>
@@ -11942,7 +16302,7 @@
   <a:extraClrSchemeLst/>
   <a:extLst>
     <a:ext uri="{05A4C25C-085E-4340-85A3-A5531E510DB2}">
-      <thm15:themeFamily xmlns="" xmlns:thm15="http://schemas.microsoft.com/office/thememl/2012/main" name="TM55661986_wac_CP_V19" id="{030227AD-26D8-46F7-B412-6532AF4DDFEA}" vid="{787E6F9C-FC70-455D-8D81-5DEDA8A08FF0}"/>
+      <thm15:themeFamily xmlns:thm15="http://schemas.microsoft.com/office/thememl/2012/main" xmlns="" name="TM55661986_wac_CP_V19" id="{030227AD-26D8-46F7-B412-6532AF4DDFEA}" vid="{787E6F9C-FC70-455D-8D81-5DEDA8A08FF0}"/>
     </a:ext>
   </a:extLst>
 </a:theme>
@@ -12237,7 +16597,7 @@
   <a:extraClrSchemeLst/>
   <a:extLst>
     <a:ext uri="{05A4C25C-085E-4340-85A3-A5531E510DB2}">
-      <thm15:themeFamily xmlns="" xmlns:thm15="http://schemas.microsoft.com/office/thememl/2012/main" name="Office Theme" id="{62F939B6-93AF-4DB8-9C6B-D6C7DFDC589F}" vid="{4A3C46E8-61CC-4603-A589-7422A47A8E4A}"/>
+      <thm15:themeFamily xmlns:thm15="http://schemas.microsoft.com/office/thememl/2012/main" xmlns="" name="Office Theme" id="{62F939B6-93AF-4DB8-9C6B-D6C7DFDC589F}" vid="{4A3C46E8-61CC-4603-A589-7422A47A8E4A}"/>
     </a:ext>
   </a:extLst>
 </a:theme>
@@ -12552,19 +16912,30 @@
   <a:extraClrSchemeLst/>
   <a:extLst>
     <a:ext uri="{05A4C25C-085E-4340-85A3-A5531E510DB2}">
-      <thm15:themeFamily xmlns="" xmlns:thm15="http://schemas.microsoft.com/office/thememl/2012/main" name="Office Theme" id="{2E142A2C-CD16-42D6-873A-C26D2A0506FA}" vid="{1BDDFF52-6CD6-40A5-AB3C-68EB2F1E4D0A}"/>
+      <thm15:themeFamily xmlns:thm15="http://schemas.microsoft.com/office/thememl/2012/main" xmlns="" name="Office Theme" id="{2E142A2C-CD16-42D6-873A-C26D2A0506FA}" vid="{1BDDFF52-6CD6-40A5-AB3C-68EB2F1E4D0A}"/>
     </a:ext>
   </a:extLst>
 </a:theme>
 </file>
 
 <file path=customXml/item1.xml><?xml version="1.0" encoding="utf-8"?>
-<?mso-contentType ?>
-<FormTemplates xmlns="http://schemas.microsoft.com/sharepoint/v3/contenttype/forms">
-  <Display>DocumentLibraryForm</Display>
-  <Edit>DocumentLibraryForm</Edit>
-  <New>DocumentLibraryForm</New>
-</FormTemplates>
+<p:properties xmlns:p="http://schemas.microsoft.com/office/2006/metadata/properties" xmlns:xsi="http://www.w3.org/2001/XMLSchema-instance" xmlns:pc="http://schemas.microsoft.com/office/infopath/2007/PartnerControls">
+  <documentManagement>
+    <_ip_UnifiedCompliancePolicyUIAction xmlns="http://schemas.microsoft.com/sharepoint/v3" xsi:nil="true"/>
+    <Image xmlns="71af3243-3dd4-4a8d-8c0d-dd76da1f02a5">
+      <Url xsi:nil="true"/>
+      <Description xsi:nil="true"/>
+    </Image>
+    <Status xmlns="71af3243-3dd4-4a8d-8c0d-dd76da1f02a5">Not started</Status>
+    <Background xmlns="71af3243-3dd4-4a8d-8c0d-dd76da1f02a5">false</Background>
+    <_ip_UnifiedCompliancePolicyProperties xmlns="http://schemas.microsoft.com/sharepoint/v3" xsi:nil="true"/>
+    <ImageTagsTaxHTField xmlns="71af3243-3dd4-4a8d-8c0d-dd76da1f02a5">
+      <Terms xmlns="http://schemas.microsoft.com/office/infopath/2007/PartnerControls"/>
+    </ImageTagsTaxHTField>
+    <TaxCatchAll xmlns="230e9df3-be65-4c73-a93b-d1236ebd677e" xsi:nil="true"/>
+    <MediaServiceKeyPoints xmlns="71af3243-3dd4-4a8d-8c0d-dd76da1f02a5" xsi:nil="true"/>
+  </documentManagement>
+</p:properties>
 </file>
 
 <file path=customXml/item2.xml><?xml version="1.0" encoding="utf-8"?>
@@ -12880,29 +17251,29 @@
 </file>
 
 <file path=customXml/item3.xml><?xml version="1.0" encoding="utf-8"?>
-<p:properties xmlns:p="http://schemas.microsoft.com/office/2006/metadata/properties" xmlns:xsi="http://www.w3.org/2001/XMLSchema-instance" xmlns:pc="http://schemas.microsoft.com/office/infopath/2007/PartnerControls">
-  <documentManagement>
-    <_ip_UnifiedCompliancePolicyUIAction xmlns="http://schemas.microsoft.com/sharepoint/v3" xsi:nil="true"/>
-    <Image xmlns="71af3243-3dd4-4a8d-8c0d-dd76da1f02a5">
-      <Url xsi:nil="true"/>
-      <Description xsi:nil="true"/>
-    </Image>
-    <Status xmlns="71af3243-3dd4-4a8d-8c0d-dd76da1f02a5">Not started</Status>
-    <Background xmlns="71af3243-3dd4-4a8d-8c0d-dd76da1f02a5">false</Background>
-    <_ip_UnifiedCompliancePolicyProperties xmlns="http://schemas.microsoft.com/sharepoint/v3" xsi:nil="true"/>
-    <ImageTagsTaxHTField xmlns="71af3243-3dd4-4a8d-8c0d-dd76da1f02a5">
-      <Terms xmlns="http://schemas.microsoft.com/office/infopath/2007/PartnerControls"/>
-    </ImageTagsTaxHTField>
-    <TaxCatchAll xmlns="230e9df3-be65-4c73-a93b-d1236ebd677e" xsi:nil="true"/>
-    <MediaServiceKeyPoints xmlns="71af3243-3dd4-4a8d-8c0d-dd76da1f02a5" xsi:nil="true"/>
-  </documentManagement>
-</p:properties>
+<?mso-contentType ?>
+<FormTemplates xmlns="http://schemas.microsoft.com/sharepoint/v3/contenttype/forms">
+  <Display>DocumentLibraryForm</Display>
+  <Edit>DocumentLibraryForm</Edit>
+  <New>DocumentLibraryForm</New>
+</FormTemplates>
 </file>
 
 <file path=customXml/itemProps1.xml><?xml version="1.0" encoding="utf-8"?>
-<ds:datastoreItem xmlns:ds="http://schemas.openxmlformats.org/officeDocument/2006/customXml" ds:itemID="{0F048343-1EA9-44C3-883E-652FAAF0713E}">
+<ds:datastoreItem xmlns:ds="http://schemas.openxmlformats.org/officeDocument/2006/customXml" ds:itemID="{85C2645A-E767-4D7E-984D-234E531E4556}">
   <ds:schemaRefs>
-    <ds:schemaRef ds:uri="http://schemas.microsoft.com/sharepoint/v3/contenttype/forms"/>
+    <ds:schemaRef ds:uri="230e9df3-be65-4c73-a93b-d1236ebd677e"/>
+    <ds:schemaRef ds:uri="http://schemas.microsoft.com/office/2006/documentManagement/types"/>
+    <ds:schemaRef ds:uri="http://purl.org/dc/terms/"/>
+    <ds:schemaRef ds:uri="http://purl.org/dc/elements/1.1/"/>
+    <ds:schemaRef ds:uri="http://schemas.openxmlformats.org/package/2006/metadata/core-properties"/>
+    <ds:schemaRef ds:uri="71af3243-3dd4-4a8d-8c0d-dd76da1f02a5"/>
+    <ds:schemaRef ds:uri="http://www.w3.org/XML/1998/namespace"/>
+    <ds:schemaRef ds:uri="http://purl.org/dc/dcmitype/"/>
+    <ds:schemaRef ds:uri="http://schemas.microsoft.com/office/infopath/2007/PartnerControls"/>
+    <ds:schemaRef ds:uri="16c05727-aa75-4e4a-9b5f-8a80a1165891"/>
+    <ds:schemaRef ds:uri="http://schemas.microsoft.com/sharepoint/v3"/>
+    <ds:schemaRef ds:uri="http://schemas.microsoft.com/office/2006/metadata/properties"/>
   </ds:schemaRefs>
 </ds:datastoreItem>
 </file>
@@ -12929,20 +17300,9 @@
 </file>
 
 <file path=customXml/itemProps3.xml><?xml version="1.0" encoding="utf-8"?>
-<ds:datastoreItem xmlns:ds="http://schemas.openxmlformats.org/officeDocument/2006/customXml" ds:itemID="{85C2645A-E767-4D7E-984D-234E531E4556}">
+<ds:datastoreItem xmlns:ds="http://schemas.openxmlformats.org/officeDocument/2006/customXml" ds:itemID="{0F048343-1EA9-44C3-883E-652FAAF0713E}">
   <ds:schemaRefs>
-    <ds:schemaRef ds:uri="230e9df3-be65-4c73-a93b-d1236ebd677e"/>
-    <ds:schemaRef ds:uri="http://schemas.microsoft.com/office/2006/documentManagement/types"/>
-    <ds:schemaRef ds:uri="http://purl.org/dc/terms/"/>
-    <ds:schemaRef ds:uri="http://purl.org/dc/elements/1.1/"/>
-    <ds:schemaRef ds:uri="http://schemas.openxmlformats.org/package/2006/metadata/core-properties"/>
-    <ds:schemaRef ds:uri="71af3243-3dd4-4a8d-8c0d-dd76da1f02a5"/>
-    <ds:schemaRef ds:uri="http://www.w3.org/XML/1998/namespace"/>
-    <ds:schemaRef ds:uri="http://purl.org/dc/dcmitype/"/>
-    <ds:schemaRef ds:uri="http://schemas.microsoft.com/office/infopath/2007/PartnerControls"/>
-    <ds:schemaRef ds:uri="16c05727-aa75-4e4a-9b5f-8a80a1165891"/>
-    <ds:schemaRef ds:uri="http://schemas.microsoft.com/sharepoint/v3"/>
-    <ds:schemaRef ds:uri="http://schemas.microsoft.com/office/2006/metadata/properties"/>
+    <ds:schemaRef ds:uri="http://schemas.microsoft.com/sharepoint/v3/contenttype/forms"/>
   </ds:schemaRefs>
 </ds:datastoreItem>
 </file>

--- a/ai_compression_project.pptx
+++ b/ai_compression_project.pptx
@@ -241,7 +241,7 @@
           <a:p>
             <a:fld id="{0DC994AA-C437-4EF4-8BEF-0B832D7FA420}" type="datetimeFigureOut">
               <a:rPr lang="en-US" smtClean="0"/>
-              <a:t>2/28/2025</a:t>
+              <a:t>3/1/2025</a:t>
             </a:fld>
             <a:endParaRPr lang="en-US"/>
           </a:p>
@@ -418,7 +418,7 @@
           <a:p>
             <a:fld id="{3B4FE048-FAD0-D943-9A17-3C4CB7633182}" type="datetimeFigureOut">
               <a:rPr lang="en-US" smtClean="0"/>
-              <a:t>2/28/2025</a:t>
+              <a:t>3/1/2025</a:t>
             </a:fld>
             <a:endParaRPr lang="en-US"/>
           </a:p>
@@ -3394,7 +3394,7 @@
           <a:p>
             <a:fld id="{D6D8061D-18C3-4F4F-85EF-561633F58754}" type="datetimeFigureOut">
               <a:rPr lang="en-US" smtClean="0"/>
-              <a:t>2/28/2025</a:t>
+              <a:t>3/1/2025</a:t>
             </a:fld>
             <a:endParaRPr lang="en-US"/>
           </a:p>
@@ -3579,7 +3579,7 @@
           <a:p>
             <a:fld id="{D6D8061D-18C3-4F4F-85EF-561633F58754}" type="datetimeFigureOut">
               <a:rPr lang="en-US" smtClean="0"/>
-              <a:t>2/28/2025</a:t>
+              <a:t>3/1/2025</a:t>
             </a:fld>
             <a:endParaRPr lang="en-US"/>
           </a:p>
@@ -5322,7 +5322,7 @@
           <a:p>
             <a:fld id="{D6D8061D-18C3-4F4F-85EF-561633F58754}" type="datetimeFigureOut">
               <a:rPr lang="en-US" smtClean="0"/>
-              <a:t>2/28/2025</a:t>
+              <a:t>3/1/2025</a:t>
             </a:fld>
             <a:endParaRPr lang="en-US"/>
           </a:p>
@@ -5757,7 +5757,7 @@
           <a:p>
             <a:fld id="{D6D8061D-18C3-4F4F-85EF-561633F58754}" type="datetimeFigureOut">
               <a:rPr lang="en-US" smtClean="0"/>
-              <a:t>2/28/2025</a:t>
+              <a:t>3/1/2025</a:t>
             </a:fld>
             <a:endParaRPr lang="en-US"/>
           </a:p>
@@ -6416,7 +6416,7 @@
           <a:p>
             <a:fld id="{D6D8061D-18C3-4F4F-85EF-561633F58754}" type="datetimeFigureOut">
               <a:rPr lang="en-US" smtClean="0"/>
-              <a:t>2/28/2025</a:t>
+              <a:t>3/1/2025</a:t>
             </a:fld>
             <a:endParaRPr lang="en-US"/>
           </a:p>
@@ -6659,7 +6659,7 @@
           <a:p>
             <a:fld id="{D6D8061D-18C3-4F4F-85EF-561633F58754}" type="datetimeFigureOut">
               <a:rPr lang="en-US" smtClean="0"/>
-              <a:t>2/28/2025</a:t>
+              <a:t>3/1/2025</a:t>
             </a:fld>
             <a:endParaRPr lang="en-US"/>
           </a:p>
@@ -7378,16 +7378,7 @@
                 </a:solidFill>
                 <a:latin typeface="Calibri Light (Headings)"/>
               </a:rPr>
-              <a:t>evelopment </a:t>
-            </a:r>
-            <a:r>
-              <a:rPr lang="fr-FR" sz="2800" dirty="0" smtClean="0">
-                <a:solidFill>
-                  <a:schemeClr val="bg1"/>
-                </a:solidFill>
-                <a:latin typeface="Calibri Light (Headings)"/>
-              </a:rPr>
-              <a:t>of the ai encoder learning methods, implementation of the information </a:t>
+              <a:t>evelopment of the ai encoder learning methods, implementation of the information </a:t>
             </a:r>
             <a:r>
               <a:rPr lang="fr-FR" sz="2800" dirty="0">
@@ -7602,16 +7593,7 @@
                 </a:solidFill>
                 <a:latin typeface="Calibri Light (Headings)"/>
               </a:rPr>
-              <a:t>Working on less file </a:t>
-            </a:r>
-            <a:r>
-              <a:rPr lang="en-US" sz="2800" dirty="0" smtClean="0">
-                <a:solidFill>
-                  <a:srgbClr val="C00000"/>
-                </a:solidFill>
-                <a:latin typeface="Calibri Light (Headings)"/>
-              </a:rPr>
-              <a:t>size and high quality</a:t>
+              <a:t>Working on less file size and high quality</a:t>
             </a:r>
             <a:endParaRPr lang="en-US" sz="2800" dirty="0">
               <a:solidFill>
@@ -7629,25 +7611,7 @@
                 </a:solidFill>
                 <a:latin typeface="Calibri Light (Headings)"/>
               </a:rPr>
-              <a:t>1) decreasing </a:t>
-            </a:r>
-            <a:r>
-              <a:rPr lang="en-US" sz="2800" dirty="0" smtClean="0">
-                <a:solidFill>
-                  <a:schemeClr val="bg1"/>
-                </a:solidFill>
-                <a:latin typeface="Calibri Light (Headings)"/>
-              </a:rPr>
-              <a:t>encoded images size to compete with </a:t>
-            </a:r>
-            <a:r>
-              <a:rPr lang="en-US" sz="2800" dirty="0" smtClean="0">
-                <a:solidFill>
-                  <a:schemeClr val="bg1"/>
-                </a:solidFill>
-                <a:latin typeface="Calibri Light (Headings)"/>
-              </a:rPr>
-              <a:t>jpeg</a:t>
+              <a:t>1) decreasing encoded images size to compete with jpeg</a:t>
             </a:r>
             <a:br>
               <a:rPr lang="en-US" sz="2800" dirty="0" smtClean="0">
@@ -7664,16 +7628,7 @@
                 </a:solidFill>
                 <a:latin typeface="Calibri Light (Headings)"/>
               </a:rPr>
-              <a:t>2) working on decoded image quality to be higher than </a:t>
-            </a:r>
-            <a:r>
-              <a:rPr lang="en-US" sz="2800" dirty="0" smtClean="0">
-                <a:solidFill>
-                  <a:schemeClr val="bg1"/>
-                </a:solidFill>
-                <a:latin typeface="Calibri Light (Headings)"/>
-              </a:rPr>
-              <a:t>jpeg</a:t>
+              <a:t>2) working on decoded image quality to be higher than jpeg</a:t>
             </a:r>
             <a:endParaRPr lang="en-US" sz="2800" dirty="0">
               <a:solidFill>
@@ -8884,7 +8839,7 @@
         </p:blipFill>
         <p:spPr bwMode="auto">
           <a:xfrm>
-            <a:off x="7686770" y="663348"/>
+            <a:off x="7698345" y="663348"/>
             <a:ext cx="2487839" cy="2487839"/>
           </a:xfrm>
           <a:prstGeom prst="rect">
@@ -8945,15 +8900,7 @@
           <a:p>
             <a:r>
               <a:rPr lang="en-US" sz="2800" dirty="0" smtClean="0"/>
-              <a:t>30 photos dataset(128</a:t>
-            </a:r>
-            <a:r>
-              <a:rPr lang="en-US" sz="2800" dirty="0" smtClean="0"/>
-              <a:t>x128px</a:t>
-            </a:r>
-            <a:r>
-              <a:rPr lang="en-US" sz="2800" dirty="0" smtClean="0"/>
-              <a:t>)</a:t>
+              <a:t>30 photos dataset(128x128px)</a:t>
             </a:r>
             <a:endParaRPr lang="en-US" sz="2800" dirty="0"/>
           </a:p>
@@ -9049,7 +8996,7 @@
         <p:spPr>
           <a:xfrm>
             <a:off x="0" y="4453081"/>
-            <a:ext cx="1868424" cy="830997"/>
+            <a:ext cx="1868424" cy="1200329"/>
           </a:xfrm>
           <a:prstGeom prst="rect">
             <a:avLst/>
@@ -9083,7 +9030,7 @@
                   <a:schemeClr val="bg1"/>
                 </a:solidFill>
               </a:rPr>
-              <a:t>5 hours</a:t>
+              <a:t>170 minutes</a:t>
             </a:r>
             <a:endParaRPr lang="ru-RU" sz="2400" dirty="0">
               <a:solidFill>
@@ -9257,13 +9204,13 @@
           <a:p>
             <a:r>
               <a:rPr lang="en-US" sz="3600" dirty="0" smtClean="0"/>
-              <a:t>300 kb encoded</a:t>
+              <a:t>391 kb encoded</a:t>
             </a:r>
           </a:p>
           <a:p>
             <a:r>
               <a:rPr lang="en-US" sz="3600" dirty="0" smtClean="0"/>
-              <a:t>26.4KB decoded</a:t>
+              <a:t>30KB decoded</a:t>
             </a:r>
             <a:endParaRPr lang="ru-RU" sz="3600" dirty="0"/>
           </a:p>
@@ -9402,6 +9349,47 @@
                   </a:outerShdw>
                 </a:effectLst>
               </a14:hiddenEffects>
+            </a:ext>
+          </a:extLst>
+        </p:spPr>
+      </p:pic>
+      <p:pic>
+        <p:nvPicPr>
+          <p:cNvPr id="1026" name="Picture 2" descr="C:\Users\grigo\OneDrive\Documents\GitHub\inf_theory_project\compressed_images\00000.png_decoded.png"/>
+          <p:cNvPicPr>
+            <a:picLocks noChangeAspect="1" noChangeArrowheads="1"/>
+          </p:cNvPicPr>
+          <p:nvPr/>
+        </p:nvPicPr>
+        <p:blipFill>
+          <a:blip r:embed="rId6">
+            <a:extLst>
+              <a:ext uri="{28A0092B-C50C-407E-A947-70E740481C1C}">
+                <a14:useLocalDpi xmlns:a14="http://schemas.microsoft.com/office/drawing/2010/main" val="0"/>
+              </a:ext>
+            </a:extLst>
+          </a:blip>
+          <a:srcRect/>
+          <a:stretch>
+            <a:fillRect/>
+          </a:stretch>
+        </p:blipFill>
+        <p:spPr bwMode="auto">
+          <a:xfrm>
+            <a:off x="7694876" y="663348"/>
+            <a:ext cx="2487839" cy="2487839"/>
+          </a:xfrm>
+          <a:prstGeom prst="rect">
+            <a:avLst/>
+          </a:prstGeom>
+          <a:noFill/>
+          <a:extLst>
+            <a:ext uri="{909E8E84-426E-40DD-AFC4-6F175D3DCCD1}">
+              <a14:hiddenFill xmlns:a14="http://schemas.microsoft.com/office/drawing/2010/main">
+                <a:solidFill>
+                  <a:srgbClr val="FFFFFF"/>
+                </a:solidFill>
+              </a14:hiddenFill>
             </a:ext>
           </a:extLst>
         </p:spPr>
@@ -9538,7 +9526,7 @@
       </p:sp>
       <p:pic>
         <p:nvPicPr>
-          <p:cNvPr id="14" name="Picture 2"/>
+          <p:cNvPr id="2050" name="Picture 2"/>
           <p:cNvPicPr>
             <a:picLocks noChangeAspect="1" noChangeArrowheads="1"/>
           </p:cNvPicPr>
@@ -9559,8 +9547,8 @@
         </p:blipFill>
         <p:spPr bwMode="auto">
           <a:xfrm>
-            <a:off x="797063" y="1302803"/>
-            <a:ext cx="5071033" cy="2705391"/>
+            <a:off x="810227" y="1284734"/>
+            <a:ext cx="4918919" cy="2723461"/>
           </a:xfrm>
           <a:prstGeom prst="rect">
             <a:avLst/>
@@ -9602,7 +9590,7 @@
       </p:pic>
       <p:pic>
         <p:nvPicPr>
-          <p:cNvPr id="15" name="Picture 3"/>
+          <p:cNvPr id="2051" name="Picture 3"/>
           <p:cNvPicPr>
             <a:picLocks noChangeAspect="1" noChangeArrowheads="1"/>
           </p:cNvPicPr>
@@ -9623,8 +9611,8 @@
         </p:blipFill>
         <p:spPr bwMode="auto">
           <a:xfrm>
-            <a:off x="6097340" y="1302804"/>
-            <a:ext cx="5296254" cy="2705391"/>
+            <a:off x="6028634" y="1284734"/>
+            <a:ext cx="5106705" cy="2723461"/>
           </a:xfrm>
           <a:prstGeom prst="rect">
             <a:avLst/>
@@ -9666,14 +9654,14 @@
       </p:pic>
       <p:pic>
         <p:nvPicPr>
-          <p:cNvPr id="16" name="Picture 4"/>
+          <p:cNvPr id="1026" name="Picture 2"/>
           <p:cNvPicPr>
             <a:picLocks noChangeAspect="1" noChangeArrowheads="1"/>
           </p:cNvPicPr>
           <p:nvPr/>
         </p:nvPicPr>
         <p:blipFill>
-          <a:blip r:embed="rId5">
+          <a:blip r:embed="rId5" cstate="print">
             <a:extLst>
               <a:ext uri="{28A0092B-C50C-407E-A947-70E740481C1C}">
                 <a14:useLocalDpi xmlns:a14="http://schemas.microsoft.com/office/drawing/2010/main" val="0"/>
@@ -9687,8 +9675,8 @@
         </p:blipFill>
         <p:spPr bwMode="auto">
           <a:xfrm>
-            <a:off x="3380747" y="4120468"/>
-            <a:ext cx="4974697" cy="2598666"/>
+            <a:off x="3664532" y="4232198"/>
+            <a:ext cx="4337571" cy="2411670"/>
           </a:xfrm>
           <a:prstGeom prst="rect">
             <a:avLst/>
@@ -9901,7 +9889,7 @@
           <a:p>
             <a:r>
               <a:rPr lang="en-US" sz="1800" dirty="0" smtClean="0"/>
-              <a:t>We see that quality is quite high, but the encoded size of image is enormous, so we need to work on the size and make sure that quality stays high</a:t>
+              <a:t>We see that quality of decoded image is better, than JPEG, but the encoded size of image is enormous, so we need to work on the size and make sure that quality stays high. The quality doesn’t matter, if the decoded size is bigger than the original, there is no reason to use it.</a:t>
             </a:r>
             <a:endParaRPr lang="en-US" sz="1800" dirty="0"/>
           </a:p>
@@ -9960,7 +9948,6 @@
               <a:rPr lang="en-US" sz="1800" dirty="0"/>
               <a:t>to reduce the size and increase the quality</a:t>
             </a:r>
-            <a:endParaRPr lang="en-US" sz="1800" dirty="0"/>
           </a:p>
         </p:txBody>
       </p:sp>
@@ -10982,14 +10969,30 @@
           </a:lstStyle>
           <a:p>
             <a:r>
+              <a:rPr lang="ru-RU" sz="3600" dirty="0" smtClean="0"/>
+              <a:t>12.6</a:t>
+            </a:r>
+            <a:r>
               <a:rPr lang="en-US" sz="3600" dirty="0" smtClean="0"/>
-              <a:t>300 kb encoded</a:t>
-            </a:r>
-          </a:p>
-          <a:p>
+              <a:t> </a:t>
+            </a:r>
             <a:r>
               <a:rPr lang="en-US" sz="3600" dirty="0" smtClean="0"/>
-              <a:t>26.4KB decoded</a:t>
+              <a:t>kb encoded</a:t>
+            </a:r>
+          </a:p>
+          <a:p>
+            <a:r>
+              <a:rPr lang="ru-RU" sz="3600" dirty="0" smtClean="0"/>
+              <a:t>31.6</a:t>
+            </a:r>
+            <a:r>
+              <a:rPr lang="en-US" sz="3600" dirty="0" smtClean="0"/>
+              <a:t>KB </a:t>
+            </a:r>
+            <a:r>
+              <a:rPr lang="en-US" sz="3600" dirty="0" smtClean="0"/>
+              <a:t>decoded</a:t>
             </a:r>
             <a:endParaRPr lang="ru-RU" sz="3600" dirty="0"/>
           </a:p>
@@ -11033,20 +11036,20 @@
               <a:t> – </a:t>
             </a:r>
             <a:r>
-              <a:rPr lang="en-US" sz="2400" dirty="0">
-                <a:solidFill>
-                  <a:schemeClr val="bg1"/>
-                </a:solidFill>
-              </a:rPr>
-              <a:t>1</a:t>
-            </a:r>
-            <a:r>
-              <a:rPr lang="en-US" sz="2400" dirty="0" smtClean="0">
-                <a:solidFill>
-                  <a:schemeClr val="bg1"/>
-                </a:solidFill>
-              </a:rPr>
-              <a:t> min</a:t>
+              <a:rPr lang="ru-RU" sz="2400" dirty="0" smtClean="0">
+                <a:solidFill>
+                  <a:schemeClr val="bg1"/>
+                </a:solidFill>
+              </a:rPr>
+              <a:t>30 </a:t>
+            </a:r>
+            <a:r>
+              <a:rPr lang="en-US" sz="2400" smtClean="0">
+                <a:solidFill>
+                  <a:schemeClr val="bg1"/>
+                </a:solidFill>
+              </a:rPr>
+              <a:t>seconds</a:t>
             </a:r>
             <a:endParaRPr lang="ru-RU" sz="2400" dirty="0">
               <a:solidFill>
@@ -11080,47 +11083,6 @@
         <p:spPr bwMode="auto">
           <a:xfrm>
             <a:off x="2138588" y="663348"/>
-            <a:ext cx="2487839" cy="2487839"/>
-          </a:xfrm>
-          <a:prstGeom prst="rect">
-            <a:avLst/>
-          </a:prstGeom>
-          <a:noFill/>
-          <a:extLst>
-            <a:ext uri="{909E8E84-426E-40DD-AFC4-6F175D3DCCD1}">
-              <a14:hiddenFill xmlns:a14="http://schemas.microsoft.com/office/drawing/2010/main">
-                <a:solidFill>
-                  <a:srgbClr val="FFFFFF"/>
-                </a:solidFill>
-              </a14:hiddenFill>
-            </a:ext>
-          </a:extLst>
-        </p:spPr>
-      </p:pic>
-      <p:pic>
-        <p:nvPicPr>
-          <p:cNvPr id="5" name="Picture 3" descr="C:\Users\grigo\OneDrive\Рабочий стол\00000.png_decoded.png"/>
-          <p:cNvPicPr>
-            <a:picLocks noChangeAspect="1" noChangeArrowheads="1"/>
-          </p:cNvPicPr>
-          <p:nvPr/>
-        </p:nvPicPr>
-        <p:blipFill>
-          <a:blip r:embed="rId6">
-            <a:extLst>
-              <a:ext uri="{28A0092B-C50C-407E-A947-70E740481C1C}">
-                <a14:useLocalDpi xmlns:a14="http://schemas.microsoft.com/office/drawing/2010/main" val="0"/>
-              </a:ext>
-            </a:extLst>
-          </a:blip>
-          <a:srcRect/>
-          <a:stretch>
-            <a:fillRect/>
-          </a:stretch>
-        </p:blipFill>
-        <p:spPr bwMode="auto">
-          <a:xfrm>
-            <a:off x="7686770" y="663348"/>
             <a:ext cx="2487839" cy="2487839"/>
           </a:xfrm>
           <a:prstGeom prst="rect">
@@ -11181,20 +11143,53 @@
           <a:p>
             <a:r>
               <a:rPr lang="en-US" sz="2800" dirty="0" smtClean="0"/>
-              <a:t>30 photos dataset(128</a:t>
-            </a:r>
-            <a:r>
-              <a:rPr lang="en-US" sz="2800" dirty="0" smtClean="0"/>
-              <a:t>x128px</a:t>
-            </a:r>
-            <a:r>
-              <a:rPr lang="en-US" sz="2800" dirty="0" smtClean="0"/>
-              <a:t>)</a:t>
+              <a:t>30 photos dataset(128x128px)</a:t>
             </a:r>
             <a:endParaRPr lang="en-US" sz="2800" dirty="0"/>
           </a:p>
         </p:txBody>
       </p:sp>
+      <p:pic>
+        <p:nvPicPr>
+          <p:cNvPr id="2050" name="Picture 2" descr="C:\Users\grigo\OneDrive\Documents\GitHub\inf_theory_project\compressed_images\00000.png_decoded.png"/>
+          <p:cNvPicPr>
+            <a:picLocks noChangeAspect="1" noChangeArrowheads="1"/>
+          </p:cNvPicPr>
+          <p:nvPr/>
+        </p:nvPicPr>
+        <p:blipFill>
+          <a:blip r:embed="rId6">
+            <a:extLst>
+              <a:ext uri="{28A0092B-C50C-407E-A947-70E740481C1C}">
+                <a14:useLocalDpi xmlns:a14="http://schemas.microsoft.com/office/drawing/2010/main" val="0"/>
+              </a:ext>
+            </a:extLst>
+          </a:blip>
+          <a:srcRect/>
+          <a:stretch>
+            <a:fillRect/>
+          </a:stretch>
+        </p:blipFill>
+        <p:spPr bwMode="auto">
+          <a:xfrm>
+            <a:off x="7686770" y="663347"/>
+            <a:ext cx="2487840" cy="2487840"/>
+          </a:xfrm>
+          <a:prstGeom prst="rect">
+            <a:avLst/>
+          </a:prstGeom>
+          <a:noFill/>
+          <a:extLst>
+            <a:ext uri="{909E8E84-426E-40DD-AFC4-6F175D3DCCD1}">
+              <a14:hiddenFill xmlns:a14="http://schemas.microsoft.com/office/drawing/2010/main">
+                <a:solidFill>
+                  <a:srgbClr val="FFFFFF"/>
+                </a:solidFill>
+              </a14:hiddenFill>
+            </a:ext>
+          </a:extLst>
+        </p:spPr>
+      </p:pic>
     </p:spTree>
     <p:extLst>
       <p:ext uri="{BB962C8B-B14F-4D97-AF65-F5344CB8AC3E}">
@@ -11492,14 +11487,8 @@
           </a:lstStyle>
           <a:p>
             <a:r>
-              <a:rPr lang="en-US" sz="3600" dirty="0" smtClean="0"/>
-              <a:t>300 kb encoded</a:t>
-            </a:r>
-          </a:p>
-          <a:p>
-            <a:r>
-              <a:rPr lang="en-US" sz="3600" dirty="0" smtClean="0"/>
-              <a:t>26.4KB decoded</a:t>
+              <a:rPr lang="ru-RU" sz="3600" dirty="0" smtClean="0"/>
+              <a:t>??????</a:t>
             </a:r>
             <a:endParaRPr lang="ru-RU" sz="3600" dirty="0"/>
           </a:p>
@@ -11580,7 +11569,7 @@
       </p:pic>
       <p:pic>
         <p:nvPicPr>
-          <p:cNvPr id="2051" name="Picture 3"/>
+          <p:cNvPr id="3074" name="Picture 2"/>
           <p:cNvPicPr>
             <a:picLocks noChangeAspect="1" noChangeArrowheads="1"/>
           </p:cNvPicPr>
@@ -11601,8 +11590,8 @@
         </p:blipFill>
         <p:spPr bwMode="auto">
           <a:xfrm>
-            <a:off x="7883244" y="4999321"/>
-            <a:ext cx="4308756" cy="1858679"/>
+            <a:off x="7569099" y="4977114"/>
+            <a:ext cx="4622901" cy="1880886"/>
           </a:xfrm>
           <a:prstGeom prst="rect">
             <a:avLst/>

--- a/ai_compression_project.pptx
+++ b/ai_compression_project.pptx
@@ -5,10 +5,10 @@
     <p:sldMasterId id="2147483648" r:id="rId4"/>
   </p:sldMasterIdLst>
   <p:notesMasterIdLst>
-    <p:notesMasterId r:id="rId26"/>
+    <p:notesMasterId r:id="rId30"/>
   </p:notesMasterIdLst>
   <p:handoutMasterIdLst>
-    <p:handoutMasterId r:id="rId27"/>
+    <p:handoutMasterId r:id="rId31"/>
   </p:handoutMasterIdLst>
   <p:sldIdLst>
     <p:sldId id="281" r:id="rId5"/>
@@ -31,7 +31,11 @@
     <p:sldId id="303" r:id="rId22"/>
     <p:sldId id="304" r:id="rId23"/>
     <p:sldId id="305" r:id="rId24"/>
-    <p:sldId id="291" r:id="rId25"/>
+    <p:sldId id="307" r:id="rId25"/>
+    <p:sldId id="308" r:id="rId26"/>
+    <p:sldId id="309" r:id="rId27"/>
+    <p:sldId id="310" r:id="rId28"/>
+    <p:sldId id="291" r:id="rId29"/>
   </p:sldIdLst>
   <p:sldSz cx="12192000" cy="6858000"/>
   <p:notesSz cx="6858000" cy="9144000"/>
@@ -241,7 +245,7 @@
           <a:p>
             <a:fld id="{0DC994AA-C437-4EF4-8BEF-0B832D7FA420}" type="datetimeFigureOut">
               <a:rPr lang="en-US" smtClean="0"/>
-              <a:t>3/1/2025</a:t>
+              <a:t>3/2/2025</a:t>
             </a:fld>
             <a:endParaRPr lang="en-US"/>
           </a:p>
@@ -418,7 +422,7 @@
           <a:p>
             <a:fld id="{3B4FE048-FAD0-D943-9A17-3C4CB7633182}" type="datetimeFigureOut">
               <a:rPr lang="en-US" smtClean="0"/>
-              <a:t>3/1/2025</a:t>
+              <a:t>3/2/2025</a:t>
             </a:fld>
             <a:endParaRPr lang="en-US"/>
           </a:p>
@@ -1965,6 +1969,438 @@
         <p:cNvPr id="1" name="">
           <a:extLst>
             <a:ext uri="{FF2B5EF4-FFF2-40B4-BE49-F238E27FC236}">
+              <a16:creationId xmlns:a16="http://schemas.microsoft.com/office/drawing/2014/main" xmlns="" id="{84847B3D-F9FE-E845-0A9E-7B3E4737F607}"/>
+            </a:ext>
+          </a:extLst>
+        </p:cNvPr>
+        <p:cNvGrpSpPr/>
+        <p:nvPr/>
+      </p:nvGrpSpPr>
+      <p:grpSpPr>
+        <a:xfrm>
+          <a:off x="0" y="0"/>
+          <a:ext cx="0" cy="0"/>
+          <a:chOff x="0" y="0"/>
+          <a:chExt cx="0" cy="0"/>
+        </a:xfrm>
+      </p:grpSpPr>
+      <p:sp>
+        <p:nvSpPr>
+          <p:cNvPr id="2" name="Slide Image Placeholder 1">
+            <a:extLst>
+              <a:ext uri="{FF2B5EF4-FFF2-40B4-BE49-F238E27FC236}">
+                <a16:creationId xmlns:a16="http://schemas.microsoft.com/office/drawing/2014/main" xmlns="" id="{A65C55DC-40F4-B8B2-A44F-CEE7EA9104C1}"/>
+              </a:ext>
+            </a:extLst>
+          </p:cNvPr>
+          <p:cNvSpPr>
+            <a:spLocks noGrp="1" noRot="1" noChangeAspect="1"/>
+          </p:cNvSpPr>
+          <p:nvPr>
+            <p:ph type="sldImg"/>
+          </p:nvPr>
+        </p:nvSpPr>
+        <p:spPr/>
+      </p:sp>
+      <p:sp>
+        <p:nvSpPr>
+          <p:cNvPr id="3" name="Notes Placeholder 2">
+            <a:extLst>
+              <a:ext uri="{FF2B5EF4-FFF2-40B4-BE49-F238E27FC236}">
+                <a16:creationId xmlns:a16="http://schemas.microsoft.com/office/drawing/2014/main" xmlns="" id="{AFAEFE12-CFF9-2E00-9808-098A1D824723}"/>
+              </a:ext>
+            </a:extLst>
+          </p:cNvPr>
+          <p:cNvSpPr>
+            <a:spLocks noGrp="1"/>
+          </p:cNvSpPr>
+          <p:nvPr>
+            <p:ph type="body" idx="1"/>
+          </p:nvPr>
+        </p:nvSpPr>
+        <p:spPr/>
+        <p:txBody>
+          <a:bodyPr/>
+          <a:lstStyle/>
+          <a:p>
+            <a:endParaRPr lang="en-US" dirty="0"/>
+          </a:p>
+        </p:txBody>
+      </p:sp>
+      <p:sp>
+        <p:nvSpPr>
+          <p:cNvPr id="4" name="Slide Number Placeholder 3">
+            <a:extLst>
+              <a:ext uri="{FF2B5EF4-FFF2-40B4-BE49-F238E27FC236}">
+                <a16:creationId xmlns:a16="http://schemas.microsoft.com/office/drawing/2014/main" xmlns="" id="{85084F94-5BAE-E3B2-298D-1E3D1D48D1F6}"/>
+              </a:ext>
+            </a:extLst>
+          </p:cNvPr>
+          <p:cNvSpPr>
+            <a:spLocks noGrp="1"/>
+          </p:cNvSpPr>
+          <p:nvPr>
+            <p:ph type="sldNum" sz="quarter" idx="5"/>
+          </p:nvPr>
+        </p:nvSpPr>
+        <p:spPr/>
+        <p:txBody>
+          <a:bodyPr/>
+          <a:lstStyle/>
+          <a:p>
+            <a:fld id="{55247812-3409-784D-BAE7-ABE53735D59F}" type="slidenum">
+              <a:rPr lang="en-US" smtClean="0"/>
+              <a:t>21</a:t>
+            </a:fld>
+            <a:endParaRPr lang="en-US"/>
+          </a:p>
+        </p:txBody>
+      </p:sp>
+    </p:spTree>
+    <p:extLst>
+      <p:ext uri="{BB962C8B-B14F-4D97-AF65-F5344CB8AC3E}">
+        <p14:creationId xmlns:p14="http://schemas.microsoft.com/office/powerpoint/2010/main" val="1899534547"/>
+      </p:ext>
+    </p:extLst>
+  </p:cSld>
+  <p:clrMapOvr>
+    <a:masterClrMapping/>
+  </p:clrMapOvr>
+</p:notes>
+</file>
+
+<file path=ppt/notesSlides/notesSlide21.xml><?xml version="1.0" encoding="utf-8"?>
+<p:notes xmlns:a="http://schemas.openxmlformats.org/drawingml/2006/main" xmlns:r="http://schemas.openxmlformats.org/officeDocument/2006/relationships" xmlns:p="http://schemas.openxmlformats.org/presentationml/2006/main">
+  <p:cSld>
+    <p:spTree>
+      <p:nvGrpSpPr>
+        <p:cNvPr id="1" name="">
+          <a:extLst>
+            <a:ext uri="{FF2B5EF4-FFF2-40B4-BE49-F238E27FC236}">
+              <a16:creationId xmlns:a16="http://schemas.microsoft.com/office/drawing/2014/main" xmlns="" id="{84847B3D-F9FE-E845-0A9E-7B3E4737F607}"/>
+            </a:ext>
+          </a:extLst>
+        </p:cNvPr>
+        <p:cNvGrpSpPr/>
+        <p:nvPr/>
+      </p:nvGrpSpPr>
+      <p:grpSpPr>
+        <a:xfrm>
+          <a:off x="0" y="0"/>
+          <a:ext cx="0" cy="0"/>
+          <a:chOff x="0" y="0"/>
+          <a:chExt cx="0" cy="0"/>
+        </a:xfrm>
+      </p:grpSpPr>
+      <p:sp>
+        <p:nvSpPr>
+          <p:cNvPr id="2" name="Slide Image Placeholder 1">
+            <a:extLst>
+              <a:ext uri="{FF2B5EF4-FFF2-40B4-BE49-F238E27FC236}">
+                <a16:creationId xmlns:a16="http://schemas.microsoft.com/office/drawing/2014/main" xmlns="" id="{A65C55DC-40F4-B8B2-A44F-CEE7EA9104C1}"/>
+              </a:ext>
+            </a:extLst>
+          </p:cNvPr>
+          <p:cNvSpPr>
+            <a:spLocks noGrp="1" noRot="1" noChangeAspect="1"/>
+          </p:cNvSpPr>
+          <p:nvPr>
+            <p:ph type="sldImg"/>
+          </p:nvPr>
+        </p:nvSpPr>
+        <p:spPr/>
+      </p:sp>
+      <p:sp>
+        <p:nvSpPr>
+          <p:cNvPr id="3" name="Notes Placeholder 2">
+            <a:extLst>
+              <a:ext uri="{FF2B5EF4-FFF2-40B4-BE49-F238E27FC236}">
+                <a16:creationId xmlns:a16="http://schemas.microsoft.com/office/drawing/2014/main" xmlns="" id="{AFAEFE12-CFF9-2E00-9808-098A1D824723}"/>
+              </a:ext>
+            </a:extLst>
+          </p:cNvPr>
+          <p:cNvSpPr>
+            <a:spLocks noGrp="1"/>
+          </p:cNvSpPr>
+          <p:nvPr>
+            <p:ph type="body" idx="1"/>
+          </p:nvPr>
+        </p:nvSpPr>
+        <p:spPr/>
+        <p:txBody>
+          <a:bodyPr/>
+          <a:lstStyle/>
+          <a:p>
+            <a:endParaRPr lang="en-US" dirty="0"/>
+          </a:p>
+        </p:txBody>
+      </p:sp>
+      <p:sp>
+        <p:nvSpPr>
+          <p:cNvPr id="4" name="Slide Number Placeholder 3">
+            <a:extLst>
+              <a:ext uri="{FF2B5EF4-FFF2-40B4-BE49-F238E27FC236}">
+                <a16:creationId xmlns:a16="http://schemas.microsoft.com/office/drawing/2014/main" xmlns="" id="{85084F94-5BAE-E3B2-298D-1E3D1D48D1F6}"/>
+              </a:ext>
+            </a:extLst>
+          </p:cNvPr>
+          <p:cNvSpPr>
+            <a:spLocks noGrp="1"/>
+          </p:cNvSpPr>
+          <p:nvPr>
+            <p:ph type="sldNum" sz="quarter" idx="5"/>
+          </p:nvPr>
+        </p:nvSpPr>
+        <p:spPr/>
+        <p:txBody>
+          <a:bodyPr/>
+          <a:lstStyle/>
+          <a:p>
+            <a:fld id="{55247812-3409-784D-BAE7-ABE53735D59F}" type="slidenum">
+              <a:rPr lang="en-US" smtClean="0"/>
+              <a:t>22</a:t>
+            </a:fld>
+            <a:endParaRPr lang="en-US"/>
+          </a:p>
+        </p:txBody>
+      </p:sp>
+    </p:spTree>
+    <p:extLst>
+      <p:ext uri="{BB962C8B-B14F-4D97-AF65-F5344CB8AC3E}">
+        <p14:creationId xmlns:p14="http://schemas.microsoft.com/office/powerpoint/2010/main" val="1899534547"/>
+      </p:ext>
+    </p:extLst>
+  </p:cSld>
+  <p:clrMapOvr>
+    <a:masterClrMapping/>
+  </p:clrMapOvr>
+</p:notes>
+</file>
+
+<file path=ppt/notesSlides/notesSlide22.xml><?xml version="1.0" encoding="utf-8"?>
+<p:notes xmlns:a="http://schemas.openxmlformats.org/drawingml/2006/main" xmlns:r="http://schemas.openxmlformats.org/officeDocument/2006/relationships" xmlns:p="http://schemas.openxmlformats.org/presentationml/2006/main">
+  <p:cSld>
+    <p:spTree>
+      <p:nvGrpSpPr>
+        <p:cNvPr id="1" name="">
+          <a:extLst>
+            <a:ext uri="{FF2B5EF4-FFF2-40B4-BE49-F238E27FC236}">
+              <a16:creationId xmlns:a16="http://schemas.microsoft.com/office/drawing/2014/main" xmlns="" id="{84847B3D-F9FE-E845-0A9E-7B3E4737F607}"/>
+            </a:ext>
+          </a:extLst>
+        </p:cNvPr>
+        <p:cNvGrpSpPr/>
+        <p:nvPr/>
+      </p:nvGrpSpPr>
+      <p:grpSpPr>
+        <a:xfrm>
+          <a:off x="0" y="0"/>
+          <a:ext cx="0" cy="0"/>
+          <a:chOff x="0" y="0"/>
+          <a:chExt cx="0" cy="0"/>
+        </a:xfrm>
+      </p:grpSpPr>
+      <p:sp>
+        <p:nvSpPr>
+          <p:cNvPr id="2" name="Slide Image Placeholder 1">
+            <a:extLst>
+              <a:ext uri="{FF2B5EF4-FFF2-40B4-BE49-F238E27FC236}">
+                <a16:creationId xmlns:a16="http://schemas.microsoft.com/office/drawing/2014/main" xmlns="" id="{A65C55DC-40F4-B8B2-A44F-CEE7EA9104C1}"/>
+              </a:ext>
+            </a:extLst>
+          </p:cNvPr>
+          <p:cNvSpPr>
+            <a:spLocks noGrp="1" noRot="1" noChangeAspect="1"/>
+          </p:cNvSpPr>
+          <p:nvPr>
+            <p:ph type="sldImg"/>
+          </p:nvPr>
+        </p:nvSpPr>
+        <p:spPr/>
+      </p:sp>
+      <p:sp>
+        <p:nvSpPr>
+          <p:cNvPr id="3" name="Notes Placeholder 2">
+            <a:extLst>
+              <a:ext uri="{FF2B5EF4-FFF2-40B4-BE49-F238E27FC236}">
+                <a16:creationId xmlns:a16="http://schemas.microsoft.com/office/drawing/2014/main" xmlns="" id="{AFAEFE12-CFF9-2E00-9808-098A1D824723}"/>
+              </a:ext>
+            </a:extLst>
+          </p:cNvPr>
+          <p:cNvSpPr>
+            <a:spLocks noGrp="1"/>
+          </p:cNvSpPr>
+          <p:nvPr>
+            <p:ph type="body" idx="1"/>
+          </p:nvPr>
+        </p:nvSpPr>
+        <p:spPr/>
+        <p:txBody>
+          <a:bodyPr/>
+          <a:lstStyle/>
+          <a:p>
+            <a:endParaRPr lang="en-US" dirty="0"/>
+          </a:p>
+        </p:txBody>
+      </p:sp>
+      <p:sp>
+        <p:nvSpPr>
+          <p:cNvPr id="4" name="Slide Number Placeholder 3">
+            <a:extLst>
+              <a:ext uri="{FF2B5EF4-FFF2-40B4-BE49-F238E27FC236}">
+                <a16:creationId xmlns:a16="http://schemas.microsoft.com/office/drawing/2014/main" xmlns="" id="{85084F94-5BAE-E3B2-298D-1E3D1D48D1F6}"/>
+              </a:ext>
+            </a:extLst>
+          </p:cNvPr>
+          <p:cNvSpPr>
+            <a:spLocks noGrp="1"/>
+          </p:cNvSpPr>
+          <p:nvPr>
+            <p:ph type="sldNum" sz="quarter" idx="5"/>
+          </p:nvPr>
+        </p:nvSpPr>
+        <p:spPr/>
+        <p:txBody>
+          <a:bodyPr/>
+          <a:lstStyle/>
+          <a:p>
+            <a:fld id="{55247812-3409-784D-BAE7-ABE53735D59F}" type="slidenum">
+              <a:rPr lang="en-US" smtClean="0"/>
+              <a:t>23</a:t>
+            </a:fld>
+            <a:endParaRPr lang="en-US"/>
+          </a:p>
+        </p:txBody>
+      </p:sp>
+    </p:spTree>
+    <p:extLst>
+      <p:ext uri="{BB962C8B-B14F-4D97-AF65-F5344CB8AC3E}">
+        <p14:creationId xmlns:p14="http://schemas.microsoft.com/office/powerpoint/2010/main" val="1899534547"/>
+      </p:ext>
+    </p:extLst>
+  </p:cSld>
+  <p:clrMapOvr>
+    <a:masterClrMapping/>
+  </p:clrMapOvr>
+</p:notes>
+</file>
+
+<file path=ppt/notesSlides/notesSlide23.xml><?xml version="1.0" encoding="utf-8"?>
+<p:notes xmlns:a="http://schemas.openxmlformats.org/drawingml/2006/main" xmlns:r="http://schemas.openxmlformats.org/officeDocument/2006/relationships" xmlns:p="http://schemas.openxmlformats.org/presentationml/2006/main">
+  <p:cSld>
+    <p:spTree>
+      <p:nvGrpSpPr>
+        <p:cNvPr id="1" name="">
+          <a:extLst>
+            <a:ext uri="{FF2B5EF4-FFF2-40B4-BE49-F238E27FC236}">
+              <a16:creationId xmlns:a16="http://schemas.microsoft.com/office/drawing/2014/main" xmlns="" id="{84847B3D-F9FE-E845-0A9E-7B3E4737F607}"/>
+            </a:ext>
+          </a:extLst>
+        </p:cNvPr>
+        <p:cNvGrpSpPr/>
+        <p:nvPr/>
+      </p:nvGrpSpPr>
+      <p:grpSpPr>
+        <a:xfrm>
+          <a:off x="0" y="0"/>
+          <a:ext cx="0" cy="0"/>
+          <a:chOff x="0" y="0"/>
+          <a:chExt cx="0" cy="0"/>
+        </a:xfrm>
+      </p:grpSpPr>
+      <p:sp>
+        <p:nvSpPr>
+          <p:cNvPr id="2" name="Slide Image Placeholder 1">
+            <a:extLst>
+              <a:ext uri="{FF2B5EF4-FFF2-40B4-BE49-F238E27FC236}">
+                <a16:creationId xmlns:a16="http://schemas.microsoft.com/office/drawing/2014/main" xmlns="" id="{A65C55DC-40F4-B8B2-A44F-CEE7EA9104C1}"/>
+              </a:ext>
+            </a:extLst>
+          </p:cNvPr>
+          <p:cNvSpPr>
+            <a:spLocks noGrp="1" noRot="1" noChangeAspect="1"/>
+          </p:cNvSpPr>
+          <p:nvPr>
+            <p:ph type="sldImg"/>
+          </p:nvPr>
+        </p:nvSpPr>
+        <p:spPr/>
+      </p:sp>
+      <p:sp>
+        <p:nvSpPr>
+          <p:cNvPr id="3" name="Notes Placeholder 2">
+            <a:extLst>
+              <a:ext uri="{FF2B5EF4-FFF2-40B4-BE49-F238E27FC236}">
+                <a16:creationId xmlns:a16="http://schemas.microsoft.com/office/drawing/2014/main" xmlns="" id="{AFAEFE12-CFF9-2E00-9808-098A1D824723}"/>
+              </a:ext>
+            </a:extLst>
+          </p:cNvPr>
+          <p:cNvSpPr>
+            <a:spLocks noGrp="1"/>
+          </p:cNvSpPr>
+          <p:nvPr>
+            <p:ph type="body" idx="1"/>
+          </p:nvPr>
+        </p:nvSpPr>
+        <p:spPr/>
+        <p:txBody>
+          <a:bodyPr/>
+          <a:lstStyle/>
+          <a:p>
+            <a:endParaRPr lang="en-US" dirty="0"/>
+          </a:p>
+        </p:txBody>
+      </p:sp>
+      <p:sp>
+        <p:nvSpPr>
+          <p:cNvPr id="4" name="Slide Number Placeholder 3">
+            <a:extLst>
+              <a:ext uri="{FF2B5EF4-FFF2-40B4-BE49-F238E27FC236}">
+                <a16:creationId xmlns:a16="http://schemas.microsoft.com/office/drawing/2014/main" xmlns="" id="{85084F94-5BAE-E3B2-298D-1E3D1D48D1F6}"/>
+              </a:ext>
+            </a:extLst>
+          </p:cNvPr>
+          <p:cNvSpPr>
+            <a:spLocks noGrp="1"/>
+          </p:cNvSpPr>
+          <p:nvPr>
+            <p:ph type="sldNum" sz="quarter" idx="5"/>
+          </p:nvPr>
+        </p:nvSpPr>
+        <p:spPr/>
+        <p:txBody>
+          <a:bodyPr/>
+          <a:lstStyle/>
+          <a:p>
+            <a:fld id="{55247812-3409-784D-BAE7-ABE53735D59F}" type="slidenum">
+              <a:rPr lang="en-US" smtClean="0"/>
+              <a:t>24</a:t>
+            </a:fld>
+            <a:endParaRPr lang="en-US"/>
+          </a:p>
+        </p:txBody>
+      </p:sp>
+    </p:spTree>
+    <p:extLst>
+      <p:ext uri="{BB962C8B-B14F-4D97-AF65-F5344CB8AC3E}">
+        <p14:creationId xmlns:p14="http://schemas.microsoft.com/office/powerpoint/2010/main" val="1899534547"/>
+      </p:ext>
+    </p:extLst>
+  </p:cSld>
+  <p:clrMapOvr>
+    <a:masterClrMapping/>
+  </p:clrMapOvr>
+</p:notes>
+</file>
+
+<file path=ppt/notesSlides/notesSlide24.xml><?xml version="1.0" encoding="utf-8"?>
+<p:notes xmlns:a="http://schemas.openxmlformats.org/drawingml/2006/main" xmlns:r="http://schemas.openxmlformats.org/officeDocument/2006/relationships" xmlns:p="http://schemas.openxmlformats.org/presentationml/2006/main">
+  <p:cSld>
+    <p:spTree>
+      <p:nvGrpSpPr>
+        <p:cNvPr id="1" name="">
+          <a:extLst>
+            <a:ext uri="{FF2B5EF4-FFF2-40B4-BE49-F238E27FC236}">
               <a16:creationId xmlns:a16="http://schemas.microsoft.com/office/drawing/2014/main" xmlns="" id="{84F15084-9E64-0732-2172-D06E24D20324}"/>
             </a:ext>
           </a:extLst>
@@ -2046,7 +2482,7 @@
           <a:p>
             <a:fld id="{55247812-3409-784D-BAE7-ABE53735D59F}" type="slidenum">
               <a:rPr lang="en-US" smtClean="0"/>
-              <a:t>21</a:t>
+              <a:t>25</a:t>
             </a:fld>
             <a:endParaRPr lang="en-US"/>
           </a:p>
@@ -3394,7 +3830,7 @@
           <a:p>
             <a:fld id="{D6D8061D-18C3-4F4F-85EF-561633F58754}" type="datetimeFigureOut">
               <a:rPr lang="en-US" smtClean="0"/>
-              <a:t>3/1/2025</a:t>
+              <a:t>3/2/2025</a:t>
             </a:fld>
             <a:endParaRPr lang="en-US"/>
           </a:p>
@@ -3579,7 +4015,7 @@
           <a:p>
             <a:fld id="{D6D8061D-18C3-4F4F-85EF-561633F58754}" type="datetimeFigureOut">
               <a:rPr lang="en-US" smtClean="0"/>
-              <a:t>3/1/2025</a:t>
+              <a:t>3/2/2025</a:t>
             </a:fld>
             <a:endParaRPr lang="en-US"/>
           </a:p>
@@ -5322,7 +5758,7 @@
           <a:p>
             <a:fld id="{D6D8061D-18C3-4F4F-85EF-561633F58754}" type="datetimeFigureOut">
               <a:rPr lang="en-US" smtClean="0"/>
-              <a:t>3/1/2025</a:t>
+              <a:t>3/2/2025</a:t>
             </a:fld>
             <a:endParaRPr lang="en-US"/>
           </a:p>
@@ -5757,7 +6193,7 @@
           <a:p>
             <a:fld id="{D6D8061D-18C3-4F4F-85EF-561633F58754}" type="datetimeFigureOut">
               <a:rPr lang="en-US" smtClean="0"/>
-              <a:t>3/1/2025</a:t>
+              <a:t>3/2/2025</a:t>
             </a:fld>
             <a:endParaRPr lang="en-US"/>
           </a:p>
@@ -6416,7 +6852,7 @@
           <a:p>
             <a:fld id="{D6D8061D-18C3-4F4F-85EF-561633F58754}" type="datetimeFigureOut">
               <a:rPr lang="en-US" smtClean="0"/>
-              <a:t>3/1/2025</a:t>
+              <a:t>3/2/2025</a:t>
             </a:fld>
             <a:endParaRPr lang="en-US"/>
           </a:p>
@@ -6659,7 +7095,7 @@
           <a:p>
             <a:fld id="{D6D8061D-18C3-4F4F-85EF-561633F58754}" type="datetimeFigureOut">
               <a:rPr lang="en-US" smtClean="0"/>
-              <a:t>3/1/2025</a:t>
+              <a:t>3/2/2025</a:t>
             </a:fld>
             <a:endParaRPr lang="en-US"/>
           </a:p>
@@ -8337,7 +8773,15 @@
                   <a:schemeClr val="bg1"/>
                 </a:solidFill>
               </a:rPr>
-              <a:t>Architecture:</a:t>
+              <a:t>Architecture(2 layers):</a:t>
+            </a:r>
+            <a:r>
+              <a:rPr lang="en-US" b="1" dirty="0" smtClean="0">
+                <a:solidFill>
+                  <a:schemeClr val="bg1"/>
+                </a:solidFill>
+              </a:rPr>
+              <a:t/>
             </a:r>
             <a:br>
               <a:rPr lang="en-US" b="1" dirty="0" smtClean="0">
@@ -8362,20 +8806,12 @@
               <a:t>Encoder</a:t>
             </a:r>
             <a:r>
-              <a:rPr lang="en-US" dirty="0">
-                <a:solidFill>
-                  <a:schemeClr val="bg1"/>
-                </a:solidFill>
-              </a:rPr>
-              <a:t>: Conv2D (3→32) extracts low-level features, Conv2D (32→64) captures patterns</a:t>
-            </a:r>
-            <a:r>
               <a:rPr lang="en-US" dirty="0" smtClean="0">
                 <a:solidFill>
                   <a:schemeClr val="bg1"/>
                 </a:solidFill>
               </a:rPr>
-              <a:t>.</a:t>
+              <a:t>: Conv2D (3→32) extracts low-level features, Conv2D (32→64) captures patterns.</a:t>
             </a:r>
             <a:br>
               <a:rPr lang="en-US" dirty="0" smtClean="0">
@@ -8384,45 +8820,50 @@
                 </a:solidFill>
               </a:rPr>
             </a:br>
+            <a:endParaRPr lang="en-US" dirty="0" smtClean="0">
+              <a:solidFill>
+                <a:schemeClr val="bg1"/>
+              </a:solidFill>
+            </a:endParaRPr>
+          </a:p>
+          <a:p>
+            <a:r>
+              <a:rPr lang="en-US" b="1" dirty="0" smtClean="0">
+                <a:solidFill>
+                  <a:schemeClr val="bg1"/>
+                </a:solidFill>
+              </a:rPr>
+              <a:t>Decoder</a:t>
+            </a:r>
+            <a:r>
+              <a:rPr lang="en-US" dirty="0" smtClean="0">
+                <a:solidFill>
+                  <a:schemeClr val="bg1"/>
+                </a:solidFill>
+              </a:rPr>
+              <a:t>: ConvTranspose2D (64→32) </a:t>
+            </a:r>
+            <a:r>
+              <a:rPr lang="en-US" dirty="0" err="1" smtClean="0">
+                <a:solidFill>
+                  <a:schemeClr val="bg1"/>
+                </a:solidFill>
+              </a:rPr>
+              <a:t>upsamples</a:t>
+            </a:r>
+            <a:r>
+              <a:rPr lang="en-US" dirty="0" smtClean="0">
+                <a:solidFill>
+                  <a:schemeClr val="bg1"/>
+                </a:solidFill>
+              </a:rPr>
+              <a:t>, ConvTranspose2D (32→3, Sigmoid) reconstructs the image.</a:t>
+            </a:r>
             <a:endParaRPr lang="en-US" dirty="0">
               <a:solidFill>
                 <a:schemeClr val="bg1"/>
               </a:solidFill>
             </a:endParaRPr>
-          </a:p>
-          <a:p>
-            <a:r>
-              <a:rPr lang="en-US" b="1" dirty="0">
-                <a:solidFill>
-                  <a:schemeClr val="bg1"/>
-                </a:solidFill>
-              </a:rPr>
-              <a:t>Decoder</a:t>
-            </a:r>
-            <a:r>
-              <a:rPr lang="en-US" dirty="0">
-                <a:solidFill>
-                  <a:schemeClr val="bg1"/>
-                </a:solidFill>
-              </a:rPr>
-              <a:t>: ConvTranspose2D (64→32) </a:t>
-            </a:r>
-            <a:r>
-              <a:rPr lang="en-US" dirty="0" err="1">
-                <a:solidFill>
-                  <a:schemeClr val="bg1"/>
-                </a:solidFill>
-              </a:rPr>
-              <a:t>upsamples</a:t>
-            </a:r>
-            <a:r>
-              <a:rPr lang="en-US" dirty="0">
-                <a:solidFill>
-                  <a:schemeClr val="bg1"/>
-                </a:solidFill>
-              </a:rPr>
-              <a:t>, ConvTranspose2D (32→3, Sigmoid) reconstructs the image.</a:t>
-            </a:r>
           </a:p>
         </p:txBody>
       </p:sp>
@@ -8701,8 +9142,12 @@
           </a:lstStyle>
           <a:p>
             <a:r>
+              <a:rPr lang="ru-RU" sz="3600" dirty="0" smtClean="0"/>
+              <a:t>100</a:t>
+            </a:r>
+            <a:r>
               <a:rPr lang="en-US" sz="3600" dirty="0" smtClean="0"/>
-              <a:t>300 kb encoded</a:t>
+              <a:t> kb encoded</a:t>
             </a:r>
           </a:p>
           <a:p>
@@ -9204,7 +9649,7 @@
           <a:p>
             <a:r>
               <a:rPr lang="en-US" sz="3600" dirty="0" smtClean="0"/>
-              <a:t>391 kb encoded</a:t>
+              <a:t>100kb encoded</a:t>
             </a:r>
           </a:p>
           <a:p>
@@ -10587,7 +11032,7 @@
         <p:spPr>
           <a:xfrm>
             <a:off x="5283200" y="3980656"/>
-            <a:ext cx="6096000" cy="2031325"/>
+            <a:ext cx="6096000" cy="2585323"/>
           </a:xfrm>
           <a:prstGeom prst="rect">
             <a:avLst/>
@@ -10600,21 +11045,21 @@
           <a:lstStyle/>
           <a:p>
             <a:r>
-              <a:rPr lang="en-US" b="1" dirty="0" smtClean="0">
-                <a:solidFill>
-                  <a:schemeClr val="bg1"/>
-                </a:solidFill>
-              </a:rPr>
-              <a:t>Architecture:</a:t>
+              <a:rPr lang="en-US" b="1" dirty="0">
+                <a:solidFill>
+                  <a:schemeClr val="bg1"/>
+                </a:solidFill>
+              </a:rPr>
+              <a:t>Architecture(3 layers):</a:t>
             </a:r>
             <a:br>
-              <a:rPr lang="en-US" b="1" dirty="0" smtClean="0">
+              <a:rPr lang="en-US" b="1" dirty="0">
                 <a:solidFill>
                   <a:schemeClr val="bg1"/>
                 </a:solidFill>
               </a:rPr>
             </a:br>
-            <a:endParaRPr lang="en-US" b="1" dirty="0" smtClean="0">
+            <a:endParaRPr lang="ru-RU" dirty="0">
               <a:solidFill>
                 <a:schemeClr val="bg1"/>
               </a:solidFill>
@@ -10622,37 +11067,14 @@
           </a:p>
           <a:p>
             <a:r>
-              <a:rPr lang="en-US" b="1" dirty="0" smtClean="0">
-                <a:solidFill>
-                  <a:schemeClr val="bg1"/>
-                </a:solidFill>
-              </a:rPr>
-              <a:t>Encoder</a:t>
-            </a:r>
-            <a:r>
               <a:rPr lang="en-US" dirty="0">
                 <a:solidFill>
                   <a:schemeClr val="bg1"/>
                 </a:solidFill>
               </a:rPr>
-              <a:t>: Conv2D (3→32) extracts low-level features, Conv2D (32→64) captures patterns</a:t>
-            </a:r>
-            <a:r>
-              <a:rPr lang="en-US" dirty="0" smtClean="0">
-                <a:solidFill>
-                  <a:schemeClr val="bg1"/>
-                </a:solidFill>
-              </a:rPr>
-              <a:t>.</a:t>
-            </a:r>
-            <a:br>
-              <a:rPr lang="en-US" dirty="0" smtClean="0">
-                <a:solidFill>
-                  <a:schemeClr val="bg1"/>
-                </a:solidFill>
-              </a:rPr>
-            </a:br>
-            <a:endParaRPr lang="en-US" dirty="0">
+              <a:t>Encoder: Conv2D (3→16) extracts low-level features, Conv2D (16→32) captures patterns, Conv2D (32→32) refines representation.</a:t>
+            </a:r>
+            <a:endParaRPr lang="ru-RU" dirty="0">
               <a:solidFill>
                 <a:schemeClr val="bg1"/>
               </a:solidFill>
@@ -10660,20 +11082,27 @@
           </a:p>
           <a:p>
             <a:r>
-              <a:rPr lang="en-US" b="1" dirty="0">
-                <a:solidFill>
-                  <a:schemeClr val="bg1"/>
-                </a:solidFill>
-              </a:rPr>
-              <a:t>Decoder</a:t>
-            </a:r>
-            <a:r>
               <a:rPr lang="en-US" dirty="0">
                 <a:solidFill>
                   <a:schemeClr val="bg1"/>
                 </a:solidFill>
               </a:rPr>
-              <a:t>: ConvTranspose2D (64→32) </a:t>
+              <a:t/>
+            </a:r>
+            <a:br>
+              <a:rPr lang="en-US" dirty="0">
+                <a:solidFill>
+                  <a:schemeClr val="bg1"/>
+                </a:solidFill>
+              </a:rPr>
+            </a:br>
+            <a:r>
+              <a:rPr lang="en-US" dirty="0">
+                <a:solidFill>
+                  <a:schemeClr val="bg1"/>
+                </a:solidFill>
+              </a:rPr>
+              <a:t>Decoder: ConvTranspose2D (32→32) </a:t>
             </a:r>
             <a:r>
               <a:rPr lang="en-US" dirty="0" err="1">
@@ -10689,8 +11118,14 @@
                   <a:schemeClr val="bg1"/>
                 </a:solidFill>
               </a:rPr>
-              <a:t>, ConvTranspose2D (32→3, Sigmoid) reconstructs the image.</a:t>
-            </a:r>
+              <a:t>, ConvTranspose2D (32→16) restores details, ConvTranspose2D (16→3, Sigmoid) reconstructs the image.</a:t>
+            </a:r>
+            <a:endParaRPr lang="ru-RU" dirty="0">
+              <a:solidFill>
+                <a:schemeClr val="bg1"/>
+              </a:solidFill>
+              <a:effectLst/>
+            </a:endParaRPr>
           </a:p>
         </p:txBody>
       </p:sp>
@@ -10974,11 +11409,7 @@
             </a:r>
             <a:r>
               <a:rPr lang="en-US" sz="3600" dirty="0" smtClean="0"/>
-              <a:t> </a:t>
-            </a:r>
-            <a:r>
-              <a:rPr lang="en-US" sz="3600" dirty="0" smtClean="0"/>
-              <a:t>kb encoded</a:t>
+              <a:t> kb encoded</a:t>
             </a:r>
           </a:p>
           <a:p>
@@ -10988,11 +11419,7 @@
             </a:r>
             <a:r>
               <a:rPr lang="en-US" sz="3600" dirty="0" smtClean="0"/>
-              <a:t>KB </a:t>
-            </a:r>
-            <a:r>
-              <a:rPr lang="en-US" sz="3600" dirty="0" smtClean="0"/>
-              <a:t>decoded</a:t>
+              <a:t>KB decoded</a:t>
             </a:r>
             <a:endParaRPr lang="ru-RU" sz="3600" dirty="0"/>
           </a:p>
@@ -11033,15 +11460,7 @@
                   <a:schemeClr val="bg1"/>
                 </a:solidFill>
               </a:rPr>
-              <a:t> – </a:t>
-            </a:r>
-            <a:r>
-              <a:rPr lang="ru-RU" sz="2400" dirty="0" smtClean="0">
-                <a:solidFill>
-                  <a:schemeClr val="bg1"/>
-                </a:solidFill>
-              </a:rPr>
-              <a:t>30 </a:t>
+              <a:t> – 30 </a:t>
             </a:r>
             <a:r>
               <a:rPr lang="en-US" sz="2400" smtClean="0">
@@ -11280,7 +11699,7 @@
         <p:spPr>
           <a:xfrm>
             <a:off x="0" y="4453081"/>
-            <a:ext cx="1868424" cy="830997"/>
+            <a:ext cx="1868424" cy="1200329"/>
           </a:xfrm>
           <a:prstGeom prst="rect">
             <a:avLst/>
@@ -11306,7 +11725,7 @@
                   <a:schemeClr val="bg1"/>
                 </a:solidFill>
               </a:rPr>
-              <a:t> – </a:t>
+              <a:t> – 121 </a:t>
             </a:r>
             <a:r>
               <a:rPr lang="en-US" sz="2400" dirty="0" smtClean="0">
@@ -11314,7 +11733,7 @@
                   <a:schemeClr val="bg1"/>
                 </a:solidFill>
               </a:rPr>
-              <a:t>5 hours</a:t>
+              <a:t>minutes</a:t>
             </a:r>
             <a:endParaRPr lang="ru-RU" sz="2400" dirty="0">
               <a:solidFill>
@@ -11487,8 +11906,18 @@
           </a:lstStyle>
           <a:p>
             <a:r>
-              <a:rPr lang="ru-RU" sz="3600" dirty="0" smtClean="0"/>
-              <a:t>??????</a:t>
+              <a:rPr lang="en-US" sz="3600" dirty="0"/>
+              <a:t>13.1KB </a:t>
+            </a:r>
+            <a:r>
+              <a:rPr lang="en-US" sz="3600" dirty="0" smtClean="0"/>
+              <a:t>encoded</a:t>
+            </a:r>
+          </a:p>
+          <a:p>
+            <a:r>
+              <a:rPr lang="en-US" sz="3600" dirty="0" smtClean="0"/>
+              <a:t>26,9KB Decoded</a:t>
             </a:r>
             <a:endParaRPr lang="ru-RU" sz="3600" dirty="0"/>
           </a:p>
@@ -11627,6 +12056,47 @@
                   </a:outerShdw>
                 </a:effectLst>
               </a14:hiddenEffects>
+            </a:ext>
+          </a:extLst>
+        </p:spPr>
+      </p:pic>
+      <p:pic>
+        <p:nvPicPr>
+          <p:cNvPr id="1026" name="Picture 2" descr="C:\Users\grigo\OneDrive\Documents\GitHub\inf_theory_project\compressed_images\00000.png_decoded.png"/>
+          <p:cNvPicPr>
+            <a:picLocks noChangeAspect="1" noChangeArrowheads="1"/>
+          </p:cNvPicPr>
+          <p:nvPr/>
+        </p:nvPicPr>
+        <p:blipFill>
+          <a:blip r:embed="rId6">
+            <a:extLst>
+              <a:ext uri="{28A0092B-C50C-407E-A947-70E740481C1C}">
+                <a14:useLocalDpi xmlns:a14="http://schemas.microsoft.com/office/drawing/2010/main" val="0"/>
+              </a:ext>
+            </a:extLst>
+          </a:blip>
+          <a:srcRect/>
+          <a:stretch>
+            <a:fillRect/>
+          </a:stretch>
+        </p:blipFill>
+        <p:spPr bwMode="auto">
+          <a:xfrm>
+            <a:off x="7680252" y="650311"/>
+            <a:ext cx="2500876" cy="2500876"/>
+          </a:xfrm>
+          <a:prstGeom prst="rect">
+            <a:avLst/>
+          </a:prstGeom>
+          <a:noFill/>
+          <a:extLst>
+            <a:ext uri="{909E8E84-426E-40DD-AFC4-6F175D3DCCD1}">
+              <a14:hiddenFill xmlns:a14="http://schemas.microsoft.com/office/drawing/2010/main">
+                <a:solidFill>
+                  <a:srgbClr val="FFFFFF"/>
+                </a:solidFill>
+              </a14:hiddenFill>
             </a:ext>
           </a:extLst>
         </p:spPr>
@@ -11763,7 +12233,7 @@
       </p:sp>
       <p:pic>
         <p:nvPicPr>
-          <p:cNvPr id="14" name="Picture 2"/>
+          <p:cNvPr id="2050" name="Picture 2"/>
           <p:cNvPicPr>
             <a:picLocks noChangeAspect="1" noChangeArrowheads="1"/>
           </p:cNvPicPr>
@@ -11784,8 +12254,8 @@
         </p:blipFill>
         <p:spPr bwMode="auto">
           <a:xfrm>
-            <a:off x="797063" y="1302803"/>
-            <a:ext cx="5071033" cy="2705391"/>
+            <a:off x="487366" y="1087048"/>
+            <a:ext cx="5380729" cy="2868329"/>
           </a:xfrm>
           <a:prstGeom prst="rect">
             <a:avLst/>
@@ -11827,7 +12297,7 @@
       </p:pic>
       <p:pic>
         <p:nvPicPr>
-          <p:cNvPr id="15" name="Picture 3"/>
+          <p:cNvPr id="2051" name="Picture 3"/>
           <p:cNvPicPr>
             <a:picLocks noChangeAspect="1" noChangeArrowheads="1"/>
           </p:cNvPicPr>
@@ -11848,8 +12318,8 @@
         </p:blipFill>
         <p:spPr bwMode="auto">
           <a:xfrm>
-            <a:off x="6097340" y="1302804"/>
-            <a:ext cx="5296254" cy="2705391"/>
+            <a:off x="6349825" y="1230675"/>
+            <a:ext cx="5034277" cy="2581074"/>
           </a:xfrm>
           <a:prstGeom prst="rect">
             <a:avLst/>
@@ -11891,7 +12361,7 @@
       </p:pic>
       <p:pic>
         <p:nvPicPr>
-          <p:cNvPr id="16" name="Picture 4"/>
+          <p:cNvPr id="2052" name="Picture 4"/>
           <p:cNvPicPr>
             <a:picLocks noChangeAspect="1" noChangeArrowheads="1"/>
           </p:cNvPicPr>
@@ -11912,8 +12382,8 @@
         </p:blipFill>
         <p:spPr bwMode="auto">
           <a:xfrm>
-            <a:off x="3380747" y="4120468"/>
-            <a:ext cx="4974697" cy="2598666"/>
+            <a:off x="3564497" y="4091873"/>
+            <a:ext cx="4928273" cy="2555025"/>
           </a:xfrm>
           <a:prstGeom prst="rect">
             <a:avLst/>
@@ -12498,6 +12968,2049 @@
 </file>
 
 <file path=ppt/slides/slide21.xml><?xml version="1.0" encoding="utf-8"?>
+<p:sld xmlns:a="http://schemas.openxmlformats.org/drawingml/2006/main" xmlns:r="http://schemas.openxmlformats.org/officeDocument/2006/relationships" xmlns:p="http://schemas.openxmlformats.org/presentationml/2006/main">
+  <p:cSld>
+    <p:spTree>
+      <p:nvGrpSpPr>
+        <p:cNvPr id="1" name="">
+          <a:extLst>
+            <a:ext uri="{FF2B5EF4-FFF2-40B4-BE49-F238E27FC236}">
+              <a16:creationId xmlns:a16="http://schemas.microsoft.com/office/drawing/2014/main" xmlns="" id="{EF87400A-AA39-C6BD-0F50-19DF27F0BEE1}"/>
+            </a:ext>
+          </a:extLst>
+        </p:cNvPr>
+        <p:cNvGrpSpPr/>
+        <p:nvPr/>
+      </p:nvGrpSpPr>
+      <p:grpSpPr>
+        <a:xfrm>
+          <a:off x="0" y="0"/>
+          <a:ext cx="0" cy="0"/>
+          <a:chOff x="0" y="0"/>
+          <a:chExt cx="0" cy="0"/>
+        </a:xfrm>
+      </p:grpSpPr>
+      <p:sp>
+        <p:nvSpPr>
+          <p:cNvPr id="7" name="Title 6">
+            <a:extLst>
+              <a:ext uri="{FF2B5EF4-FFF2-40B4-BE49-F238E27FC236}">
+                <a16:creationId xmlns:a16="http://schemas.microsoft.com/office/drawing/2014/main" xmlns="" id="{DDE79998-A15C-2CB6-B04B-53D589C36C00}"/>
+              </a:ext>
+            </a:extLst>
+          </p:cNvPr>
+          <p:cNvSpPr>
+            <a:spLocks noGrp="1"/>
+          </p:cNvSpPr>
+          <p:nvPr>
+            <p:ph type="ctrTitle"/>
+          </p:nvPr>
+        </p:nvSpPr>
+        <p:spPr>
+          <a:xfrm>
+            <a:off x="1975910" y="0"/>
+            <a:ext cx="8732730" cy="660400"/>
+          </a:xfrm>
+        </p:spPr>
+        <p:txBody>
+          <a:bodyPr/>
+          <a:lstStyle/>
+          <a:p>
+            <a:r>
+              <a:rPr lang="en-US" sz="3600" b="1" kern="1200" dirty="0" smtClean="0">
+                <a:solidFill>
+                  <a:srgbClr val="FFFFFF"/>
+                </a:solidFill>
+                <a:effectLst/>
+                <a:latin typeface="Calibri Light (Headings)"/>
+                <a:ea typeface="Crimson Pro Bold"/>
+                <a:cs typeface="+mn-cs"/>
+              </a:rPr>
+              <a:t>Code explanation</a:t>
+            </a:r>
+            <a:endParaRPr lang="en-US" sz="3600" b="1" dirty="0">
+              <a:latin typeface="Calibri Light (Headings)"/>
+            </a:endParaRPr>
+          </a:p>
+        </p:txBody>
+      </p:sp>
+      <p:sp>
+        <p:nvSpPr>
+          <p:cNvPr id="3" name="Прямоугольник 2"/>
+          <p:cNvSpPr/>
+          <p:nvPr/>
+        </p:nvSpPr>
+        <p:spPr>
+          <a:xfrm>
+            <a:off x="0" y="5661414"/>
+            <a:ext cx="1259840" cy="1200329"/>
+          </a:xfrm>
+          <a:prstGeom prst="rect">
+            <a:avLst/>
+          </a:prstGeom>
+        </p:spPr>
+        <p:txBody>
+          <a:bodyPr wrap="square">
+            <a:spAutoFit/>
+          </a:bodyPr>
+          <a:lstStyle/>
+          <a:p>
+            <a:r>
+              <a:rPr lang="en-US" sz="7200" dirty="0" smtClean="0">
+                <a:solidFill>
+                  <a:schemeClr val="bg1"/>
+                </a:solidFill>
+              </a:rPr>
+              <a:t>V</a:t>
+            </a:r>
+            <a:r>
+              <a:rPr lang="ru-RU" sz="7200" dirty="0" smtClean="0">
+                <a:solidFill>
+                  <a:schemeClr val="bg1"/>
+                </a:solidFill>
+              </a:rPr>
+              <a:t>3</a:t>
+            </a:r>
+            <a:endParaRPr lang="ru-RU" sz="7200" dirty="0">
+              <a:solidFill>
+                <a:schemeClr val="bg1"/>
+              </a:solidFill>
+            </a:endParaRPr>
+          </a:p>
+        </p:txBody>
+      </p:sp>
+      <p:sp>
+        <p:nvSpPr>
+          <p:cNvPr id="2" name="Прямоугольник 1"/>
+          <p:cNvSpPr/>
+          <p:nvPr/>
+        </p:nvSpPr>
+        <p:spPr>
+          <a:xfrm>
+            <a:off x="518160" y="603963"/>
+            <a:ext cx="6096000" cy="646331"/>
+          </a:xfrm>
+          <a:prstGeom prst="rect">
+            <a:avLst/>
+          </a:prstGeom>
+        </p:spPr>
+        <p:txBody>
+          <a:bodyPr>
+            <a:spAutoFit/>
+          </a:bodyPr>
+          <a:lstStyle/>
+          <a:p>
+            <a:r>
+              <a:rPr lang="en-US" b="1" dirty="0">
+                <a:solidFill>
+                  <a:schemeClr val="bg1"/>
+                </a:solidFill>
+              </a:rPr>
+              <a:t>Learning </a:t>
+            </a:r>
+            <a:r>
+              <a:rPr lang="en-US" b="1" dirty="0" smtClean="0">
+                <a:solidFill>
+                  <a:schemeClr val="bg1"/>
+                </a:solidFill>
+              </a:rPr>
+              <a:t>Type</a:t>
+            </a:r>
+            <a:r>
+              <a:rPr lang="en-US" dirty="0" smtClean="0">
+                <a:solidFill>
+                  <a:schemeClr val="bg1"/>
+                </a:solidFill>
+              </a:rPr>
+              <a:t>: </a:t>
+            </a:r>
+            <a:r>
+              <a:rPr lang="en-US" dirty="0">
+                <a:solidFill>
+                  <a:schemeClr val="bg1"/>
+                </a:solidFill>
+              </a:rPr>
+              <a:t>s</a:t>
+            </a:r>
+            <a:r>
+              <a:rPr lang="en-US" dirty="0" smtClean="0">
+                <a:solidFill>
+                  <a:schemeClr val="bg1"/>
+                </a:solidFill>
+              </a:rPr>
+              <a:t>upervised </a:t>
+            </a:r>
+            <a:r>
+              <a:rPr lang="en-US" dirty="0">
+                <a:solidFill>
+                  <a:schemeClr val="bg1"/>
+                </a:solidFill>
+              </a:rPr>
+              <a:t>Learning – </a:t>
+            </a:r>
+            <a:r>
+              <a:rPr lang="en-US" dirty="0" smtClean="0">
+                <a:solidFill>
+                  <a:schemeClr val="bg1"/>
+                </a:solidFill>
+              </a:rPr>
+              <a:t>model </a:t>
+            </a:r>
+            <a:r>
+              <a:rPr lang="en-US" dirty="0">
+                <a:solidFill>
+                  <a:schemeClr val="bg1"/>
+                </a:solidFill>
+              </a:rPr>
+              <a:t>learns by minimizing reconstruction error using MSE loss.</a:t>
+            </a:r>
+          </a:p>
+        </p:txBody>
+      </p:sp>
+      <p:sp>
+        <p:nvSpPr>
+          <p:cNvPr id="5" name="Прямоугольник 4"/>
+          <p:cNvSpPr/>
+          <p:nvPr/>
+        </p:nvSpPr>
+        <p:spPr>
+          <a:xfrm>
+            <a:off x="5318443" y="1695187"/>
+            <a:ext cx="4084320" cy="369332"/>
+          </a:xfrm>
+          <a:prstGeom prst="rect">
+            <a:avLst/>
+          </a:prstGeom>
+        </p:spPr>
+        <p:txBody>
+          <a:bodyPr wrap="square">
+            <a:spAutoFit/>
+          </a:bodyPr>
+          <a:lstStyle/>
+          <a:p>
+            <a:r>
+              <a:rPr lang="en-US" b="1" dirty="0">
+                <a:solidFill>
+                  <a:schemeClr val="bg1"/>
+                </a:solidFill>
+              </a:rPr>
+              <a:t>Loss </a:t>
+            </a:r>
+            <a:r>
+              <a:rPr lang="en-US" b="1" dirty="0" smtClean="0">
+                <a:solidFill>
+                  <a:schemeClr val="bg1"/>
+                </a:solidFill>
+              </a:rPr>
+              <a:t>Function</a:t>
+            </a:r>
+            <a:r>
+              <a:rPr lang="en-US" dirty="0" smtClean="0">
+                <a:solidFill>
+                  <a:schemeClr val="bg1"/>
+                </a:solidFill>
+              </a:rPr>
+              <a:t>: Mean </a:t>
+            </a:r>
+            <a:r>
+              <a:rPr lang="en-US" dirty="0">
+                <a:solidFill>
+                  <a:schemeClr val="bg1"/>
+                </a:solidFill>
+              </a:rPr>
+              <a:t>Squared Error (MSE</a:t>
+            </a:r>
+            <a:r>
+              <a:rPr lang="en-US" dirty="0" smtClean="0">
+                <a:solidFill>
+                  <a:schemeClr val="bg1"/>
+                </a:solidFill>
+              </a:rPr>
+              <a:t>)</a:t>
+            </a:r>
+            <a:endParaRPr lang="en-US" dirty="0">
+              <a:solidFill>
+                <a:schemeClr val="bg1"/>
+              </a:solidFill>
+            </a:endParaRPr>
+          </a:p>
+        </p:txBody>
+      </p:sp>
+      <p:pic>
+        <p:nvPicPr>
+          <p:cNvPr id="1026" name="Picture 2"/>
+          <p:cNvPicPr>
+            <a:picLocks noChangeAspect="1" noChangeArrowheads="1"/>
+          </p:cNvPicPr>
+          <p:nvPr/>
+        </p:nvPicPr>
+        <p:blipFill>
+          <a:blip r:embed="rId3">
+            <a:extLst>
+              <a:ext uri="{28A0092B-C50C-407E-A947-70E740481C1C}">
+                <a14:useLocalDpi xmlns:a14="http://schemas.microsoft.com/office/drawing/2010/main" val="0"/>
+              </a:ext>
+            </a:extLst>
+          </a:blip>
+          <a:srcRect/>
+          <a:stretch>
+            <a:fillRect/>
+          </a:stretch>
+        </p:blipFill>
+        <p:spPr bwMode="auto">
+          <a:xfrm>
+            <a:off x="9402763" y="1465516"/>
+            <a:ext cx="2428875" cy="828675"/>
+          </a:xfrm>
+          <a:prstGeom prst="rect">
+            <a:avLst/>
+          </a:prstGeom>
+          <a:noFill/>
+          <a:ln>
+            <a:noFill/>
+          </a:ln>
+          <a:effectLst/>
+          <a:extLst>
+            <a:ext uri="{909E8E84-426E-40DD-AFC4-6F175D3DCCD1}">
+              <a14:hiddenFill xmlns:a14="http://schemas.microsoft.com/office/drawing/2010/main">
+                <a:solidFill>
+                  <a:schemeClr val="accent1"/>
+                </a:solidFill>
+              </a14:hiddenFill>
+            </a:ext>
+            <a:ext uri="{91240B29-F687-4F45-9708-019B960494DF}">
+              <a14:hiddenLine xmlns:a14="http://schemas.microsoft.com/office/drawing/2010/main" w="9525">
+                <a:solidFill>
+                  <a:schemeClr val="tx1"/>
+                </a:solidFill>
+                <a:miter lim="800000"/>
+                <a:headEnd/>
+                <a:tailEnd/>
+              </a14:hiddenLine>
+            </a:ext>
+            <a:ext uri="{AF507438-7753-43E0-B8FC-AC1667EBCBE1}">
+              <a14:hiddenEffects xmlns:a14="http://schemas.microsoft.com/office/drawing/2010/main">
+                <a:effectLst>
+                  <a:outerShdw dist="35921" dir="2700000" algn="ctr" rotWithShape="0">
+                    <a:schemeClr val="bg2"/>
+                  </a:outerShdw>
+                </a:effectLst>
+              </a14:hiddenEffects>
+            </a:ext>
+          </a:extLst>
+        </p:spPr>
+      </p:pic>
+      <p:sp>
+        <p:nvSpPr>
+          <p:cNvPr id="6" name="Прямоугольник 5"/>
+          <p:cNvSpPr/>
+          <p:nvPr/>
+        </p:nvSpPr>
+        <p:spPr>
+          <a:xfrm>
+            <a:off x="0" y="2537936"/>
+            <a:ext cx="9570720" cy="1477328"/>
+          </a:xfrm>
+          <a:prstGeom prst="rect">
+            <a:avLst/>
+          </a:prstGeom>
+        </p:spPr>
+        <p:txBody>
+          <a:bodyPr wrap="square">
+            <a:spAutoFit/>
+          </a:bodyPr>
+          <a:lstStyle/>
+          <a:p>
+            <a:r>
+              <a:rPr lang="en-US" dirty="0">
+                <a:solidFill>
+                  <a:schemeClr val="bg1"/>
+                </a:solidFill>
+              </a:rPr>
+              <a:t>Activation </a:t>
+            </a:r>
+            <a:r>
+              <a:rPr lang="en-US" dirty="0" smtClean="0">
+                <a:solidFill>
+                  <a:schemeClr val="bg1"/>
+                </a:solidFill>
+              </a:rPr>
+              <a:t>Functions</a:t>
+            </a:r>
+            <a:r>
+              <a:rPr lang="ru-RU" dirty="0" smtClean="0">
+                <a:solidFill>
+                  <a:schemeClr val="bg1"/>
+                </a:solidFill>
+              </a:rPr>
+              <a:t>(</a:t>
+            </a:r>
+            <a:r>
+              <a:rPr lang="en-US" dirty="0">
+                <a:solidFill>
+                  <a:schemeClr val="bg1"/>
+                </a:solidFill>
+              </a:rPr>
+              <a:t>Introduce non-linearity → Enable the model to learn complex patterns</a:t>
+            </a:r>
+            <a:r>
+              <a:rPr lang="ru-RU" dirty="0" smtClean="0">
+                <a:solidFill>
+                  <a:schemeClr val="bg1"/>
+                </a:solidFill>
+              </a:rPr>
+              <a:t>)</a:t>
+            </a:r>
+            <a:r>
+              <a:rPr lang="en-US" dirty="0" smtClean="0">
+                <a:solidFill>
+                  <a:schemeClr val="bg1"/>
+                </a:solidFill>
+              </a:rPr>
+              <a:t>:</a:t>
+            </a:r>
+            <a:r>
+              <a:rPr lang="ru-RU" dirty="0" smtClean="0">
+                <a:solidFill>
+                  <a:schemeClr val="bg1"/>
+                </a:solidFill>
+              </a:rPr>
+              <a:t/>
+            </a:r>
+            <a:br>
+              <a:rPr lang="ru-RU" dirty="0" smtClean="0">
+                <a:solidFill>
+                  <a:schemeClr val="bg1"/>
+                </a:solidFill>
+              </a:rPr>
+            </a:br>
+            <a:endParaRPr lang="en-US" dirty="0">
+              <a:solidFill>
+                <a:schemeClr val="bg1"/>
+              </a:solidFill>
+            </a:endParaRPr>
+          </a:p>
+          <a:p>
+            <a:r>
+              <a:rPr lang="ru-RU" dirty="0" smtClean="0">
+                <a:solidFill>
+                  <a:schemeClr val="bg1"/>
+                </a:solidFill>
+              </a:rPr>
+              <a:t>1) </a:t>
+            </a:r>
+            <a:r>
+              <a:rPr lang="en-US" dirty="0" err="1" smtClean="0">
+                <a:solidFill>
+                  <a:schemeClr val="bg1"/>
+                </a:solidFill>
+              </a:rPr>
+              <a:t>ReLU</a:t>
+            </a:r>
+            <a:r>
+              <a:rPr lang="ru-RU" dirty="0" smtClean="0">
+                <a:solidFill>
+                  <a:schemeClr val="bg1"/>
+                </a:solidFill>
+              </a:rPr>
+              <a:t/>
+            </a:r>
+            <a:br>
+              <a:rPr lang="ru-RU" dirty="0" smtClean="0">
+                <a:solidFill>
+                  <a:schemeClr val="bg1"/>
+                </a:solidFill>
+              </a:rPr>
+            </a:br>
+            <a:r>
+              <a:rPr lang="ru-RU" dirty="0" smtClean="0">
+                <a:solidFill>
+                  <a:schemeClr val="bg1"/>
+                </a:solidFill>
+              </a:rPr>
+              <a:t/>
+            </a:r>
+            <a:br>
+              <a:rPr lang="ru-RU" dirty="0" smtClean="0">
+                <a:solidFill>
+                  <a:schemeClr val="bg1"/>
+                </a:solidFill>
+              </a:rPr>
+            </a:br>
+            <a:r>
+              <a:rPr lang="ru-RU" dirty="0" smtClean="0">
+                <a:solidFill>
+                  <a:schemeClr val="bg1"/>
+                </a:solidFill>
+              </a:rPr>
+              <a:t>2) </a:t>
+            </a:r>
+            <a:r>
+              <a:rPr lang="en-US" dirty="0" smtClean="0">
+                <a:solidFill>
+                  <a:schemeClr val="bg1"/>
+                </a:solidFill>
+              </a:rPr>
+              <a:t>Sigmoid</a:t>
+            </a:r>
+            <a:endParaRPr lang="en-US" dirty="0">
+              <a:solidFill>
+                <a:schemeClr val="bg1"/>
+              </a:solidFill>
+            </a:endParaRPr>
+          </a:p>
+        </p:txBody>
+      </p:sp>
+      <p:pic>
+        <p:nvPicPr>
+          <p:cNvPr id="1027" name="Picture 3"/>
+          <p:cNvPicPr>
+            <a:picLocks noChangeAspect="1" noChangeArrowheads="1"/>
+          </p:cNvPicPr>
+          <p:nvPr/>
+        </p:nvPicPr>
+        <p:blipFill>
+          <a:blip r:embed="rId4">
+            <a:extLst>
+              <a:ext uri="{28A0092B-C50C-407E-A947-70E740481C1C}">
+                <a14:useLocalDpi xmlns:a14="http://schemas.microsoft.com/office/drawing/2010/main" val="0"/>
+              </a:ext>
+            </a:extLst>
+          </a:blip>
+          <a:srcRect/>
+          <a:stretch>
+            <a:fillRect/>
+          </a:stretch>
+        </p:blipFill>
+        <p:spPr bwMode="auto">
+          <a:xfrm>
+            <a:off x="1114425" y="3076575"/>
+            <a:ext cx="1733550" cy="400050"/>
+          </a:xfrm>
+          <a:prstGeom prst="rect">
+            <a:avLst/>
+          </a:prstGeom>
+          <a:noFill/>
+          <a:ln>
+            <a:noFill/>
+          </a:ln>
+          <a:effectLst/>
+          <a:extLst>
+            <a:ext uri="{909E8E84-426E-40DD-AFC4-6F175D3DCCD1}">
+              <a14:hiddenFill xmlns:a14="http://schemas.microsoft.com/office/drawing/2010/main">
+                <a:solidFill>
+                  <a:schemeClr val="accent1"/>
+                </a:solidFill>
+              </a14:hiddenFill>
+            </a:ext>
+            <a:ext uri="{91240B29-F687-4F45-9708-019B960494DF}">
+              <a14:hiddenLine xmlns:a14="http://schemas.microsoft.com/office/drawing/2010/main" w="9525">
+                <a:solidFill>
+                  <a:schemeClr val="tx1"/>
+                </a:solidFill>
+                <a:miter lim="800000"/>
+                <a:headEnd/>
+                <a:tailEnd/>
+              </a14:hiddenLine>
+            </a:ext>
+            <a:ext uri="{AF507438-7753-43E0-B8FC-AC1667EBCBE1}">
+              <a14:hiddenEffects xmlns:a14="http://schemas.microsoft.com/office/drawing/2010/main">
+                <a:effectLst>
+                  <a:outerShdw dist="35921" dir="2700000" algn="ctr" rotWithShape="0">
+                    <a:schemeClr val="bg2"/>
+                  </a:outerShdw>
+                </a:effectLst>
+              </a14:hiddenEffects>
+            </a:ext>
+          </a:extLst>
+        </p:spPr>
+      </p:pic>
+      <p:pic>
+        <p:nvPicPr>
+          <p:cNvPr id="1028" name="Picture 4"/>
+          <p:cNvPicPr>
+            <a:picLocks noChangeAspect="1" noChangeArrowheads="1"/>
+          </p:cNvPicPr>
+          <p:nvPr/>
+        </p:nvPicPr>
+        <p:blipFill>
+          <a:blip r:embed="rId5">
+            <a:extLst>
+              <a:ext uri="{28A0092B-C50C-407E-A947-70E740481C1C}">
+                <a14:useLocalDpi xmlns:a14="http://schemas.microsoft.com/office/drawing/2010/main" val="0"/>
+              </a:ext>
+            </a:extLst>
+          </a:blip>
+          <a:srcRect/>
+          <a:stretch>
+            <a:fillRect/>
+          </a:stretch>
+        </p:blipFill>
+        <p:spPr bwMode="auto">
+          <a:xfrm>
+            <a:off x="1114425" y="3476625"/>
+            <a:ext cx="1733550" cy="695325"/>
+          </a:xfrm>
+          <a:prstGeom prst="rect">
+            <a:avLst/>
+          </a:prstGeom>
+          <a:noFill/>
+          <a:ln>
+            <a:noFill/>
+          </a:ln>
+          <a:effectLst/>
+          <a:extLst>
+            <a:ext uri="{909E8E84-426E-40DD-AFC4-6F175D3DCCD1}">
+              <a14:hiddenFill xmlns:a14="http://schemas.microsoft.com/office/drawing/2010/main">
+                <a:solidFill>
+                  <a:schemeClr val="accent1"/>
+                </a:solidFill>
+              </a14:hiddenFill>
+            </a:ext>
+            <a:ext uri="{91240B29-F687-4F45-9708-019B960494DF}">
+              <a14:hiddenLine xmlns:a14="http://schemas.microsoft.com/office/drawing/2010/main" w="9525">
+                <a:solidFill>
+                  <a:schemeClr val="tx1"/>
+                </a:solidFill>
+                <a:miter lim="800000"/>
+                <a:headEnd/>
+                <a:tailEnd/>
+              </a14:hiddenLine>
+            </a:ext>
+            <a:ext uri="{AF507438-7753-43E0-B8FC-AC1667EBCBE1}">
+              <a14:hiddenEffects xmlns:a14="http://schemas.microsoft.com/office/drawing/2010/main">
+                <a:effectLst>
+                  <a:outerShdw dist="35921" dir="2700000" algn="ctr" rotWithShape="0">
+                    <a:schemeClr val="bg2"/>
+                  </a:outerShdw>
+                </a:effectLst>
+              </a14:hiddenEffects>
+            </a:ext>
+          </a:extLst>
+        </p:spPr>
+      </p:pic>
+      <p:sp>
+        <p:nvSpPr>
+          <p:cNvPr id="8" name="Прямоугольник 7"/>
+          <p:cNvSpPr/>
+          <p:nvPr/>
+        </p:nvSpPr>
+        <p:spPr>
+          <a:xfrm>
+            <a:off x="5283200" y="3980656"/>
+            <a:ext cx="6096000" cy="2585323"/>
+          </a:xfrm>
+          <a:prstGeom prst="rect">
+            <a:avLst/>
+          </a:prstGeom>
+        </p:spPr>
+        <p:txBody>
+          <a:bodyPr>
+            <a:spAutoFit/>
+          </a:bodyPr>
+          <a:lstStyle/>
+          <a:p>
+            <a:r>
+              <a:rPr lang="en-US" b="1" dirty="0">
+                <a:solidFill>
+                  <a:schemeClr val="bg1"/>
+                </a:solidFill>
+              </a:rPr>
+              <a:t>Architecture(3 layers):</a:t>
+            </a:r>
+            <a:br>
+              <a:rPr lang="en-US" b="1" dirty="0">
+                <a:solidFill>
+                  <a:schemeClr val="bg1"/>
+                </a:solidFill>
+              </a:rPr>
+            </a:br>
+            <a:endParaRPr lang="ru-RU" dirty="0">
+              <a:solidFill>
+                <a:schemeClr val="bg1"/>
+              </a:solidFill>
+            </a:endParaRPr>
+          </a:p>
+          <a:p>
+            <a:r>
+              <a:rPr lang="en-US" dirty="0">
+                <a:solidFill>
+                  <a:schemeClr val="bg1"/>
+                </a:solidFill>
+              </a:rPr>
+              <a:t>Encoder: Conv2D (3→16) extracts low-level features, Conv2D (16→32) captures patterns, Conv2D (32→32) refines representation.</a:t>
+            </a:r>
+            <a:endParaRPr lang="ru-RU" dirty="0">
+              <a:solidFill>
+                <a:schemeClr val="bg1"/>
+              </a:solidFill>
+            </a:endParaRPr>
+          </a:p>
+          <a:p>
+            <a:r>
+              <a:rPr lang="en-US" dirty="0">
+                <a:solidFill>
+                  <a:schemeClr val="bg1"/>
+                </a:solidFill>
+              </a:rPr>
+              <a:t/>
+            </a:r>
+            <a:br>
+              <a:rPr lang="en-US" dirty="0">
+                <a:solidFill>
+                  <a:schemeClr val="bg1"/>
+                </a:solidFill>
+              </a:rPr>
+            </a:br>
+            <a:r>
+              <a:rPr lang="en-US" dirty="0">
+                <a:solidFill>
+                  <a:schemeClr val="bg1"/>
+                </a:solidFill>
+              </a:rPr>
+              <a:t>Decoder: ConvTranspose2D (32→32) </a:t>
+            </a:r>
+            <a:r>
+              <a:rPr lang="en-US" dirty="0" err="1">
+                <a:solidFill>
+                  <a:schemeClr val="bg1"/>
+                </a:solidFill>
+              </a:rPr>
+              <a:t>upsamples</a:t>
+            </a:r>
+            <a:r>
+              <a:rPr lang="en-US" dirty="0">
+                <a:solidFill>
+                  <a:schemeClr val="bg1"/>
+                </a:solidFill>
+              </a:rPr>
+              <a:t>, ConvTranspose2D (32→16) restores details, ConvTranspose2D (16→3, Sigmoid) reconstructs the image.</a:t>
+            </a:r>
+            <a:endParaRPr lang="ru-RU" dirty="0">
+              <a:solidFill>
+                <a:schemeClr val="bg1"/>
+              </a:solidFill>
+              <a:effectLst/>
+            </a:endParaRPr>
+          </a:p>
+        </p:txBody>
+      </p:sp>
+    </p:spTree>
+    <p:extLst>
+      <p:ext uri="{BB962C8B-B14F-4D97-AF65-F5344CB8AC3E}">
+        <p14:creationId xmlns:p14="http://schemas.microsoft.com/office/powerpoint/2010/main" val="710151159"/>
+      </p:ext>
+    </p:extLst>
+  </p:cSld>
+  <p:clrMapOvr>
+    <a:masterClrMapping/>
+  </p:clrMapOvr>
+</p:sld>
+</file>
+
+<file path=ppt/slides/slide22.xml><?xml version="1.0" encoding="utf-8"?>
+<p:sld xmlns:a="http://schemas.openxmlformats.org/drawingml/2006/main" xmlns:r="http://schemas.openxmlformats.org/officeDocument/2006/relationships" xmlns:p="http://schemas.openxmlformats.org/presentationml/2006/main">
+  <p:cSld>
+    <p:spTree>
+      <p:nvGrpSpPr>
+        <p:cNvPr id="1" name="">
+          <a:extLst>
+            <a:ext uri="{FF2B5EF4-FFF2-40B4-BE49-F238E27FC236}">
+              <a16:creationId xmlns:a16="http://schemas.microsoft.com/office/drawing/2014/main" xmlns="" id="{EF87400A-AA39-C6BD-0F50-19DF27F0BEE1}"/>
+            </a:ext>
+          </a:extLst>
+        </p:cNvPr>
+        <p:cNvGrpSpPr/>
+        <p:nvPr/>
+      </p:nvGrpSpPr>
+      <p:grpSpPr>
+        <a:xfrm>
+          <a:off x="0" y="0"/>
+          <a:ext cx="0" cy="0"/>
+          <a:chOff x="0" y="0"/>
+          <a:chExt cx="0" cy="0"/>
+        </a:xfrm>
+      </p:grpSpPr>
+      <p:sp>
+        <p:nvSpPr>
+          <p:cNvPr id="3" name="Прямоугольник 2"/>
+          <p:cNvSpPr/>
+          <p:nvPr/>
+        </p:nvSpPr>
+        <p:spPr>
+          <a:xfrm>
+            <a:off x="0" y="5658740"/>
+            <a:ext cx="1239254" cy="1200329"/>
+          </a:xfrm>
+          <a:prstGeom prst="rect">
+            <a:avLst/>
+          </a:prstGeom>
+        </p:spPr>
+        <p:txBody>
+          <a:bodyPr wrap="square">
+            <a:spAutoFit/>
+          </a:bodyPr>
+          <a:lstStyle/>
+          <a:p>
+            <a:r>
+              <a:rPr lang="en-US" sz="7200" dirty="0" smtClean="0">
+                <a:solidFill>
+                  <a:schemeClr val="bg1"/>
+                </a:solidFill>
+              </a:rPr>
+              <a:t>V</a:t>
+            </a:r>
+            <a:r>
+              <a:rPr lang="ru-RU" sz="7200" dirty="0" smtClean="0">
+                <a:solidFill>
+                  <a:schemeClr val="bg1"/>
+                </a:solidFill>
+              </a:rPr>
+              <a:t>3</a:t>
+            </a:r>
+            <a:endParaRPr lang="ru-RU" sz="7200" dirty="0">
+              <a:solidFill>
+                <a:schemeClr val="bg1"/>
+              </a:solidFill>
+            </a:endParaRPr>
+          </a:p>
+        </p:txBody>
+      </p:sp>
+      <p:sp>
+        <p:nvSpPr>
+          <p:cNvPr id="2" name="Заголовок 1"/>
+          <p:cNvSpPr>
+            <a:spLocks noGrp="1"/>
+          </p:cNvSpPr>
+          <p:nvPr>
+            <p:ph type="ctrTitle"/>
+          </p:nvPr>
+        </p:nvSpPr>
+        <p:spPr>
+          <a:xfrm>
+            <a:off x="2249905" y="3657600"/>
+            <a:ext cx="2378241" cy="625642"/>
+          </a:xfrm>
+        </p:spPr>
+        <p:txBody>
+          <a:bodyPr/>
+          <a:lstStyle/>
+          <a:p>
+            <a:r>
+              <a:rPr lang="ru-RU" sz="3600" dirty="0" smtClean="0"/>
+              <a:t>34</a:t>
+            </a:r>
+            <a:r>
+              <a:rPr lang="en-US" sz="3600" dirty="0" smtClean="0"/>
+              <a:t>KB</a:t>
+            </a:r>
+            <a:endParaRPr lang="ru-RU" sz="3600" dirty="0"/>
+          </a:p>
+        </p:txBody>
+      </p:sp>
+      <p:pic>
+        <p:nvPicPr>
+          <p:cNvPr id="1029" name="Picture 5"/>
+          <p:cNvPicPr>
+            <a:picLocks noChangeAspect="1" noChangeArrowheads="1"/>
+          </p:cNvPicPr>
+          <p:nvPr/>
+        </p:nvPicPr>
+        <p:blipFill>
+          <a:blip r:embed="rId3">
+            <a:extLst>
+              <a:ext uri="{28A0092B-C50C-407E-A947-70E740481C1C}">
+                <a14:useLocalDpi xmlns:a14="http://schemas.microsoft.com/office/drawing/2010/main" val="0"/>
+              </a:ext>
+            </a:extLst>
+          </a:blip>
+          <a:srcRect/>
+          <a:stretch>
+            <a:fillRect/>
+          </a:stretch>
+        </p:blipFill>
+        <p:spPr bwMode="auto">
+          <a:xfrm>
+            <a:off x="7518686" y="4938529"/>
+            <a:ext cx="4673314" cy="1920540"/>
+          </a:xfrm>
+          <a:prstGeom prst="rect">
+            <a:avLst/>
+          </a:prstGeom>
+          <a:noFill/>
+          <a:ln>
+            <a:noFill/>
+          </a:ln>
+          <a:effectLst/>
+          <a:extLst>
+            <a:ext uri="{909E8E84-426E-40DD-AFC4-6F175D3DCCD1}">
+              <a14:hiddenFill xmlns:a14="http://schemas.microsoft.com/office/drawing/2010/main">
+                <a:solidFill>
+                  <a:schemeClr val="accent1"/>
+                </a:solidFill>
+              </a14:hiddenFill>
+            </a:ext>
+            <a:ext uri="{91240B29-F687-4F45-9708-019B960494DF}">
+              <a14:hiddenLine xmlns:a14="http://schemas.microsoft.com/office/drawing/2010/main" w="9525">
+                <a:solidFill>
+                  <a:schemeClr val="tx1"/>
+                </a:solidFill>
+                <a:miter lim="800000"/>
+                <a:headEnd/>
+                <a:tailEnd/>
+              </a14:hiddenLine>
+            </a:ext>
+            <a:ext uri="{AF507438-7753-43E0-B8FC-AC1667EBCBE1}">
+              <a14:hiddenEffects xmlns:a14="http://schemas.microsoft.com/office/drawing/2010/main">
+                <a:effectLst>
+                  <a:outerShdw dist="35921" dir="2700000" algn="ctr" rotWithShape="0">
+                    <a:schemeClr val="bg2"/>
+                  </a:outerShdw>
+                </a:effectLst>
+              </a14:hiddenEffects>
+            </a:ext>
+          </a:extLst>
+        </p:spPr>
+      </p:pic>
+      <p:sp>
+        <p:nvSpPr>
+          <p:cNvPr id="16" name="Заголовок 1"/>
+          <p:cNvSpPr txBox="1">
+            <a:spLocks/>
+          </p:cNvSpPr>
+          <p:nvPr/>
+        </p:nvSpPr>
+        <p:spPr>
+          <a:xfrm>
+            <a:off x="6244390" y="3687760"/>
+            <a:ext cx="5372600" cy="625642"/>
+          </a:xfrm>
+          <a:prstGeom prst="rect">
+            <a:avLst/>
+          </a:prstGeom>
+        </p:spPr>
+        <p:txBody>
+          <a:bodyPr vert="horz" lIns="91440" tIns="45720" rIns="91440" bIns="45720" rtlCol="0" anchor="ctr" anchorCtr="0">
+            <a:noAutofit/>
+          </a:bodyPr>
+          <a:lstStyle>
+            <a:lvl1pPr algn="ctr" defTabSz="914400" rtl="0" eaLnBrk="1" latinLnBrk="0" hangingPunct="1">
+              <a:lnSpc>
+                <a:spcPct val="90000"/>
+              </a:lnSpc>
+              <a:spcBef>
+                <a:spcPct val="0"/>
+              </a:spcBef>
+              <a:buNone/>
+              <a:defRPr sz="4800" kern="1200" cap="all" spc="300" baseline="0">
+                <a:solidFill>
+                  <a:schemeClr val="bg1"/>
+                </a:solidFill>
+                <a:latin typeface="+mj-lt"/>
+                <a:ea typeface="+mj-ea"/>
+                <a:cs typeface="+mj-cs"/>
+              </a:defRPr>
+            </a:lvl1pPr>
+          </a:lstStyle>
+          <a:p>
+            <a:r>
+              <a:rPr lang="ru-RU" sz="3600" dirty="0" smtClean="0"/>
+              <a:t>100</a:t>
+            </a:r>
+            <a:r>
+              <a:rPr lang="en-US" sz="3600" dirty="0" smtClean="0"/>
+              <a:t> kb encoded</a:t>
+            </a:r>
+          </a:p>
+          <a:p>
+            <a:r>
+              <a:rPr lang="en-US" sz="3600" dirty="0" smtClean="0"/>
+              <a:t>26.4KB decoded</a:t>
+            </a:r>
+            <a:endParaRPr lang="ru-RU" sz="3600" dirty="0"/>
+          </a:p>
+        </p:txBody>
+      </p:sp>
+      <p:sp>
+        <p:nvSpPr>
+          <p:cNvPr id="9" name="Прямоугольник 8"/>
+          <p:cNvSpPr/>
+          <p:nvPr/>
+        </p:nvSpPr>
+        <p:spPr>
+          <a:xfrm>
+            <a:off x="0" y="4459705"/>
+            <a:ext cx="1874838" cy="830997"/>
+          </a:xfrm>
+          <a:prstGeom prst="rect">
+            <a:avLst/>
+          </a:prstGeom>
+        </p:spPr>
+        <p:txBody>
+          <a:bodyPr wrap="square">
+            <a:spAutoFit/>
+          </a:bodyPr>
+          <a:lstStyle/>
+          <a:p>
+            <a:r>
+              <a:rPr lang="en-US" sz="2400" dirty="0" smtClean="0">
+                <a:solidFill>
+                  <a:schemeClr val="bg1"/>
+                </a:solidFill>
+              </a:rPr>
+              <a:t>Training time</a:t>
+            </a:r>
+            <a:r>
+              <a:rPr lang="ru-RU" sz="2400" dirty="0" smtClean="0">
+                <a:solidFill>
+                  <a:schemeClr val="bg1"/>
+                </a:solidFill>
+              </a:rPr>
+              <a:t> – </a:t>
+            </a:r>
+            <a:r>
+              <a:rPr lang="en-US" sz="2400" dirty="0">
+                <a:solidFill>
+                  <a:schemeClr val="bg1"/>
+                </a:solidFill>
+              </a:rPr>
+              <a:t>1</a:t>
+            </a:r>
+            <a:r>
+              <a:rPr lang="en-US" sz="2400" dirty="0" smtClean="0">
+                <a:solidFill>
+                  <a:schemeClr val="bg1"/>
+                </a:solidFill>
+              </a:rPr>
+              <a:t> min</a:t>
+            </a:r>
+            <a:endParaRPr lang="ru-RU" sz="2400" dirty="0">
+              <a:solidFill>
+                <a:schemeClr val="bg1"/>
+              </a:solidFill>
+            </a:endParaRPr>
+          </a:p>
+        </p:txBody>
+      </p:sp>
+      <p:pic>
+        <p:nvPicPr>
+          <p:cNvPr id="4" name="Picture 2" descr="C:\Users\grigo\OneDrive\Рабочий стол\00000.png"/>
+          <p:cNvPicPr>
+            <a:picLocks noChangeAspect="1" noChangeArrowheads="1"/>
+          </p:cNvPicPr>
+          <p:nvPr/>
+        </p:nvPicPr>
+        <p:blipFill>
+          <a:blip r:embed="rId4">
+            <a:extLst>
+              <a:ext uri="{28A0092B-C50C-407E-A947-70E740481C1C}">
+                <a14:useLocalDpi xmlns:a14="http://schemas.microsoft.com/office/drawing/2010/main" val="0"/>
+              </a:ext>
+            </a:extLst>
+          </a:blip>
+          <a:srcRect/>
+          <a:stretch>
+            <a:fillRect/>
+          </a:stretch>
+        </p:blipFill>
+        <p:spPr bwMode="auto">
+          <a:xfrm>
+            <a:off x="2138588" y="663348"/>
+            <a:ext cx="2487839" cy="2487839"/>
+          </a:xfrm>
+          <a:prstGeom prst="rect">
+            <a:avLst/>
+          </a:prstGeom>
+          <a:noFill/>
+          <a:extLst>
+            <a:ext uri="{909E8E84-426E-40DD-AFC4-6F175D3DCCD1}">
+              <a14:hiddenFill xmlns:a14="http://schemas.microsoft.com/office/drawing/2010/main">
+                <a:solidFill>
+                  <a:srgbClr val="FFFFFF"/>
+                </a:solidFill>
+              </a14:hiddenFill>
+            </a:ext>
+          </a:extLst>
+        </p:spPr>
+      </p:pic>
+      <p:pic>
+        <p:nvPicPr>
+          <p:cNvPr id="5" name="Picture 3" descr="C:\Users\grigo\OneDrive\Рабочий стол\00000.png_decoded.png"/>
+          <p:cNvPicPr>
+            <a:picLocks noChangeAspect="1" noChangeArrowheads="1"/>
+          </p:cNvPicPr>
+          <p:nvPr/>
+        </p:nvPicPr>
+        <p:blipFill>
+          <a:blip r:embed="rId5">
+            <a:extLst>
+              <a:ext uri="{28A0092B-C50C-407E-A947-70E740481C1C}">
+                <a14:useLocalDpi xmlns:a14="http://schemas.microsoft.com/office/drawing/2010/main" val="0"/>
+              </a:ext>
+            </a:extLst>
+          </a:blip>
+          <a:srcRect/>
+          <a:stretch>
+            <a:fillRect/>
+          </a:stretch>
+        </p:blipFill>
+        <p:spPr bwMode="auto">
+          <a:xfrm>
+            <a:off x="7698345" y="663348"/>
+            <a:ext cx="2487839" cy="2487839"/>
+          </a:xfrm>
+          <a:prstGeom prst="rect">
+            <a:avLst/>
+          </a:prstGeom>
+          <a:noFill/>
+          <a:extLst>
+            <a:ext uri="{909E8E84-426E-40DD-AFC4-6F175D3DCCD1}">
+              <a14:hiddenFill xmlns:a14="http://schemas.microsoft.com/office/drawing/2010/main">
+                <a:solidFill>
+                  <a:srgbClr val="FFFFFF"/>
+                </a:solidFill>
+              </a14:hiddenFill>
+            </a:ext>
+          </a:extLst>
+        </p:spPr>
+      </p:pic>
+      <p:sp>
+        <p:nvSpPr>
+          <p:cNvPr id="10" name="Заголовок 1"/>
+          <p:cNvSpPr txBox="1">
+            <a:spLocks/>
+          </p:cNvSpPr>
+          <p:nvPr/>
+        </p:nvSpPr>
+        <p:spPr>
+          <a:xfrm>
+            <a:off x="2201925" y="0"/>
+            <a:ext cx="7653418" cy="625642"/>
+          </a:xfrm>
+          <a:prstGeom prst="rect">
+            <a:avLst/>
+          </a:prstGeom>
+        </p:spPr>
+        <p:txBody>
+          <a:bodyPr vert="horz" lIns="91440" tIns="45720" rIns="91440" bIns="45720" rtlCol="0" anchor="ctr" anchorCtr="0">
+            <a:noAutofit/>
+          </a:bodyPr>
+          <a:lstStyle>
+            <a:lvl1pPr algn="ctr" defTabSz="914400" rtl="0" eaLnBrk="1" latinLnBrk="0" hangingPunct="1">
+              <a:lnSpc>
+                <a:spcPct val="90000"/>
+              </a:lnSpc>
+              <a:spcBef>
+                <a:spcPct val="0"/>
+              </a:spcBef>
+              <a:buNone/>
+              <a:defRPr sz="4800" kern="1200" cap="all" spc="300" baseline="0">
+                <a:solidFill>
+                  <a:schemeClr val="bg1"/>
+                </a:solidFill>
+                <a:latin typeface="+mj-lt"/>
+                <a:ea typeface="+mj-ea"/>
+                <a:cs typeface="+mj-cs"/>
+              </a:defRPr>
+            </a:lvl1pPr>
+          </a:lstStyle>
+          <a:p>
+            <a:r>
+              <a:rPr lang="en-US" sz="2800" dirty="0" smtClean="0"/>
+              <a:t>30 photos dataset(128x128px)</a:t>
+            </a:r>
+            <a:endParaRPr lang="en-US" sz="2800" dirty="0"/>
+          </a:p>
+        </p:txBody>
+      </p:sp>
+      <p:pic>
+        <p:nvPicPr>
+          <p:cNvPr id="1026" name="Picture 2"/>
+          <p:cNvPicPr>
+            <a:picLocks noChangeAspect="1" noChangeArrowheads="1"/>
+          </p:cNvPicPr>
+          <p:nvPr/>
+        </p:nvPicPr>
+        <p:blipFill>
+          <a:blip r:embed="rId6">
+            <a:extLst>
+              <a:ext uri="{28A0092B-C50C-407E-A947-70E740481C1C}">
+                <a14:useLocalDpi xmlns:a14="http://schemas.microsoft.com/office/drawing/2010/main" val="0"/>
+              </a:ext>
+            </a:extLst>
+          </a:blip>
+          <a:srcRect/>
+          <a:stretch>
+            <a:fillRect/>
+          </a:stretch>
+        </p:blipFill>
+        <p:spPr bwMode="auto">
+          <a:xfrm>
+            <a:off x="2569082" y="4545901"/>
+            <a:ext cx="2670671" cy="2225678"/>
+          </a:xfrm>
+          <a:prstGeom prst="rect">
+            <a:avLst/>
+          </a:prstGeom>
+          <a:noFill/>
+          <a:ln>
+            <a:noFill/>
+          </a:ln>
+          <a:effectLst/>
+          <a:extLst>
+            <a:ext uri="{909E8E84-426E-40DD-AFC4-6F175D3DCCD1}">
+              <a14:hiddenFill xmlns:a14="http://schemas.microsoft.com/office/drawing/2010/main">
+                <a:solidFill>
+                  <a:schemeClr val="accent1"/>
+                </a:solidFill>
+              </a14:hiddenFill>
+            </a:ext>
+            <a:ext uri="{91240B29-F687-4F45-9708-019B960494DF}">
+              <a14:hiddenLine xmlns:a14="http://schemas.microsoft.com/office/drawing/2010/main" w="9525">
+                <a:solidFill>
+                  <a:schemeClr val="tx1"/>
+                </a:solidFill>
+                <a:miter lim="800000"/>
+                <a:headEnd/>
+                <a:tailEnd/>
+              </a14:hiddenLine>
+            </a:ext>
+            <a:ext uri="{AF507438-7753-43E0-B8FC-AC1667EBCBE1}">
+              <a14:hiddenEffects xmlns:a14="http://schemas.microsoft.com/office/drawing/2010/main">
+                <a:effectLst>
+                  <a:outerShdw dist="35921" dir="2700000" algn="ctr" rotWithShape="0">
+                    <a:schemeClr val="bg2"/>
+                  </a:outerShdw>
+                </a:effectLst>
+              </a14:hiddenEffects>
+            </a:ext>
+          </a:extLst>
+        </p:spPr>
+      </p:pic>
+    </p:spTree>
+    <p:extLst>
+      <p:ext uri="{BB962C8B-B14F-4D97-AF65-F5344CB8AC3E}">
+        <p14:creationId xmlns:p14="http://schemas.microsoft.com/office/powerpoint/2010/main" val="509300540"/>
+      </p:ext>
+    </p:extLst>
+  </p:cSld>
+  <p:clrMapOvr>
+    <a:masterClrMapping/>
+  </p:clrMapOvr>
+</p:sld>
+</file>
+
+<file path=ppt/slides/slide23.xml><?xml version="1.0" encoding="utf-8"?>
+<p:sld xmlns:a="http://schemas.openxmlformats.org/drawingml/2006/main" xmlns:r="http://schemas.openxmlformats.org/officeDocument/2006/relationships" xmlns:p="http://schemas.openxmlformats.org/presentationml/2006/main">
+  <p:cSld>
+    <p:spTree>
+      <p:nvGrpSpPr>
+        <p:cNvPr id="1" name="">
+          <a:extLst>
+            <a:ext uri="{FF2B5EF4-FFF2-40B4-BE49-F238E27FC236}">
+              <a16:creationId xmlns:a16="http://schemas.microsoft.com/office/drawing/2014/main" xmlns="" id="{EF87400A-AA39-C6BD-0F50-19DF27F0BEE1}"/>
+            </a:ext>
+          </a:extLst>
+        </p:cNvPr>
+        <p:cNvGrpSpPr/>
+        <p:nvPr/>
+      </p:nvGrpSpPr>
+      <p:grpSpPr>
+        <a:xfrm>
+          <a:off x="0" y="0"/>
+          <a:ext cx="0" cy="0"/>
+          <a:chOff x="0" y="0"/>
+          <a:chExt cx="0" cy="0"/>
+        </a:xfrm>
+      </p:grpSpPr>
+      <p:sp>
+        <p:nvSpPr>
+          <p:cNvPr id="3" name="Прямоугольник 2"/>
+          <p:cNvSpPr/>
+          <p:nvPr/>
+        </p:nvSpPr>
+        <p:spPr>
+          <a:xfrm>
+            <a:off x="0" y="5658740"/>
+            <a:ext cx="1876926" cy="1200329"/>
+          </a:xfrm>
+          <a:prstGeom prst="rect">
+            <a:avLst/>
+          </a:prstGeom>
+        </p:spPr>
+        <p:txBody>
+          <a:bodyPr wrap="square">
+            <a:spAutoFit/>
+          </a:bodyPr>
+          <a:lstStyle/>
+          <a:p>
+            <a:r>
+              <a:rPr lang="en-US" sz="7200" dirty="0" smtClean="0">
+                <a:solidFill>
+                  <a:schemeClr val="bg1"/>
+                </a:solidFill>
+              </a:rPr>
+              <a:t>V</a:t>
+            </a:r>
+            <a:r>
+              <a:rPr lang="ru-RU" sz="7200" dirty="0">
+                <a:solidFill>
+                  <a:schemeClr val="bg1"/>
+                </a:solidFill>
+              </a:rPr>
+              <a:t>3</a:t>
+            </a:r>
+            <a:endParaRPr lang="ru-RU" sz="7200" dirty="0">
+              <a:solidFill>
+                <a:schemeClr val="bg1"/>
+              </a:solidFill>
+            </a:endParaRPr>
+          </a:p>
+        </p:txBody>
+      </p:sp>
+      <p:sp>
+        <p:nvSpPr>
+          <p:cNvPr id="9" name="Прямоугольник 8"/>
+          <p:cNvSpPr/>
+          <p:nvPr/>
+        </p:nvSpPr>
+        <p:spPr>
+          <a:xfrm>
+            <a:off x="0" y="4453081"/>
+            <a:ext cx="1868424" cy="1200329"/>
+          </a:xfrm>
+          <a:prstGeom prst="rect">
+            <a:avLst/>
+          </a:prstGeom>
+        </p:spPr>
+        <p:txBody>
+          <a:bodyPr wrap="square">
+            <a:spAutoFit/>
+          </a:bodyPr>
+          <a:lstStyle/>
+          <a:p>
+            <a:r>
+              <a:rPr lang="en-US" sz="2400" dirty="0" smtClean="0">
+                <a:solidFill>
+                  <a:schemeClr val="bg1"/>
+                </a:solidFill>
+              </a:rPr>
+              <a:t>Training time</a:t>
+            </a:r>
+            <a:r>
+              <a:rPr lang="ru-RU" sz="2400" dirty="0" smtClean="0">
+                <a:solidFill>
+                  <a:schemeClr val="bg1"/>
+                </a:solidFill>
+              </a:rPr>
+              <a:t> – </a:t>
+            </a:r>
+            <a:r>
+              <a:rPr lang="en-US" sz="2400" dirty="0" smtClean="0">
+                <a:solidFill>
+                  <a:schemeClr val="bg1"/>
+                </a:solidFill>
+              </a:rPr>
+              <a:t>170 minutes</a:t>
+            </a:r>
+            <a:endParaRPr lang="ru-RU" sz="2400" dirty="0">
+              <a:solidFill>
+                <a:schemeClr val="bg1"/>
+              </a:solidFill>
+            </a:endParaRPr>
+          </a:p>
+        </p:txBody>
+      </p:sp>
+      <p:sp>
+        <p:nvSpPr>
+          <p:cNvPr id="13" name="Заголовок 1"/>
+          <p:cNvSpPr txBox="1">
+            <a:spLocks/>
+          </p:cNvSpPr>
+          <p:nvPr/>
+        </p:nvSpPr>
+        <p:spPr>
+          <a:xfrm>
+            <a:off x="2201925" y="0"/>
+            <a:ext cx="7653418" cy="625642"/>
+          </a:xfrm>
+          <a:prstGeom prst="rect">
+            <a:avLst/>
+          </a:prstGeom>
+        </p:spPr>
+        <p:txBody>
+          <a:bodyPr vert="horz" lIns="91440" tIns="45720" rIns="91440" bIns="45720" rtlCol="0" anchor="ctr" anchorCtr="0">
+            <a:noAutofit/>
+          </a:bodyPr>
+          <a:lstStyle>
+            <a:lvl1pPr algn="ctr" defTabSz="914400" rtl="0" eaLnBrk="1" latinLnBrk="0" hangingPunct="1">
+              <a:lnSpc>
+                <a:spcPct val="90000"/>
+              </a:lnSpc>
+              <a:spcBef>
+                <a:spcPct val="0"/>
+              </a:spcBef>
+              <a:buNone/>
+              <a:defRPr sz="4800" kern="1200" cap="all" spc="300" baseline="0">
+                <a:solidFill>
+                  <a:schemeClr val="bg1"/>
+                </a:solidFill>
+                <a:latin typeface="+mj-lt"/>
+                <a:ea typeface="+mj-ea"/>
+                <a:cs typeface="+mj-cs"/>
+              </a:defRPr>
+            </a:lvl1pPr>
+          </a:lstStyle>
+          <a:p>
+            <a:r>
+              <a:rPr lang="en-US" sz="2800" dirty="0" smtClean="0"/>
+              <a:t> 52000 </a:t>
+            </a:r>
+            <a:r>
+              <a:rPr lang="en-US" sz="2800" dirty="0"/>
+              <a:t>photos dataset(128x128px</a:t>
+            </a:r>
+            <a:r>
+              <a:rPr lang="en-US" sz="2800" dirty="0" smtClean="0"/>
+              <a:t>)</a:t>
+            </a:r>
+            <a:endParaRPr lang="en-US" sz="2800" dirty="0"/>
+          </a:p>
+        </p:txBody>
+      </p:sp>
+      <p:pic>
+        <p:nvPicPr>
+          <p:cNvPr id="14" name="Picture 6"/>
+          <p:cNvPicPr>
+            <a:picLocks noChangeAspect="1" noChangeArrowheads="1"/>
+          </p:cNvPicPr>
+          <p:nvPr/>
+        </p:nvPicPr>
+        <p:blipFill>
+          <a:blip r:embed="rId3">
+            <a:extLst>
+              <a:ext uri="{28A0092B-C50C-407E-A947-70E740481C1C}">
+                <a14:useLocalDpi xmlns:a14="http://schemas.microsoft.com/office/drawing/2010/main" val="0"/>
+              </a:ext>
+            </a:extLst>
+          </a:blip>
+          <a:srcRect/>
+          <a:stretch>
+            <a:fillRect/>
+          </a:stretch>
+        </p:blipFill>
+        <p:spPr bwMode="auto">
+          <a:xfrm>
+            <a:off x="2027238" y="4706576"/>
+            <a:ext cx="4469815" cy="2152493"/>
+          </a:xfrm>
+          <a:prstGeom prst="rect">
+            <a:avLst/>
+          </a:prstGeom>
+          <a:noFill/>
+          <a:ln>
+            <a:noFill/>
+          </a:ln>
+          <a:effectLst/>
+          <a:extLst>
+            <a:ext uri="{909E8E84-426E-40DD-AFC4-6F175D3DCCD1}">
+              <a14:hiddenFill xmlns:a14="http://schemas.microsoft.com/office/drawing/2010/main">
+                <a:solidFill>
+                  <a:schemeClr val="accent1"/>
+                </a:solidFill>
+              </a14:hiddenFill>
+            </a:ext>
+            <a:ext uri="{91240B29-F687-4F45-9708-019B960494DF}">
+              <a14:hiddenLine xmlns:a14="http://schemas.microsoft.com/office/drawing/2010/main" w="9525">
+                <a:solidFill>
+                  <a:schemeClr val="tx1"/>
+                </a:solidFill>
+                <a:miter lim="800000"/>
+                <a:headEnd/>
+                <a:tailEnd/>
+              </a14:hiddenLine>
+            </a:ext>
+            <a:ext uri="{AF507438-7753-43E0-B8FC-AC1667EBCBE1}">
+              <a14:hiddenEffects xmlns:a14="http://schemas.microsoft.com/office/drawing/2010/main">
+                <a:effectLst>
+                  <a:outerShdw dist="35921" dir="2700000" algn="ctr" rotWithShape="0">
+                    <a:schemeClr val="bg2"/>
+                  </a:outerShdw>
+                </a:effectLst>
+              </a14:hiddenEffects>
+            </a:ext>
+          </a:extLst>
+        </p:spPr>
+      </p:pic>
+      <p:sp>
+        <p:nvSpPr>
+          <p:cNvPr id="15" name="Заголовок 1"/>
+          <p:cNvSpPr txBox="1">
+            <a:spLocks/>
+          </p:cNvSpPr>
+          <p:nvPr/>
+        </p:nvSpPr>
+        <p:spPr>
+          <a:xfrm>
+            <a:off x="6244390" y="3687760"/>
+            <a:ext cx="5372600" cy="625642"/>
+          </a:xfrm>
+          <a:prstGeom prst="rect">
+            <a:avLst/>
+          </a:prstGeom>
+        </p:spPr>
+        <p:txBody>
+          <a:bodyPr vert="horz" lIns="91440" tIns="45720" rIns="91440" bIns="45720" rtlCol="0" anchor="ctr" anchorCtr="0">
+            <a:noAutofit/>
+          </a:bodyPr>
+          <a:lstStyle>
+            <a:lvl1pPr algn="ctr" defTabSz="914400" rtl="0" eaLnBrk="1" latinLnBrk="0" hangingPunct="1">
+              <a:lnSpc>
+                <a:spcPct val="90000"/>
+              </a:lnSpc>
+              <a:spcBef>
+                <a:spcPct val="0"/>
+              </a:spcBef>
+              <a:buNone/>
+              <a:defRPr sz="4800" kern="1200" cap="all" spc="300" baseline="0">
+                <a:solidFill>
+                  <a:schemeClr val="bg1"/>
+                </a:solidFill>
+                <a:latin typeface="+mj-lt"/>
+                <a:ea typeface="+mj-ea"/>
+                <a:cs typeface="+mj-cs"/>
+              </a:defRPr>
+            </a:lvl1pPr>
+          </a:lstStyle>
+          <a:p>
+            <a:r>
+              <a:rPr lang="en-US" sz="3600" dirty="0" smtClean="0"/>
+              <a:t>100kb encoded</a:t>
+            </a:r>
+          </a:p>
+          <a:p>
+            <a:r>
+              <a:rPr lang="en-US" sz="3600" dirty="0" smtClean="0"/>
+              <a:t>30KB decoded</a:t>
+            </a:r>
+            <a:endParaRPr lang="ru-RU" sz="3600" dirty="0"/>
+          </a:p>
+        </p:txBody>
+      </p:sp>
+      <p:sp>
+        <p:nvSpPr>
+          <p:cNvPr id="16" name="Заголовок 1"/>
+          <p:cNvSpPr>
+            <a:spLocks noGrp="1"/>
+          </p:cNvSpPr>
+          <p:nvPr>
+            <p:ph type="ctrTitle"/>
+          </p:nvPr>
+        </p:nvSpPr>
+        <p:spPr>
+          <a:xfrm>
+            <a:off x="2249905" y="3657600"/>
+            <a:ext cx="2378241" cy="625642"/>
+          </a:xfrm>
+        </p:spPr>
+        <p:txBody>
+          <a:bodyPr/>
+          <a:lstStyle/>
+          <a:p>
+            <a:r>
+              <a:rPr lang="ru-RU" sz="3600" dirty="0" smtClean="0"/>
+              <a:t>34</a:t>
+            </a:r>
+            <a:r>
+              <a:rPr lang="en-US" sz="3600" dirty="0" smtClean="0"/>
+              <a:t>KB</a:t>
+            </a:r>
+            <a:endParaRPr lang="ru-RU" sz="3600" dirty="0"/>
+          </a:p>
+        </p:txBody>
+      </p:sp>
+      <p:pic>
+        <p:nvPicPr>
+          <p:cNvPr id="17" name="Picture 2" descr="C:\Users\grigo\OneDrive\Рабочий стол\00000.png"/>
+          <p:cNvPicPr>
+            <a:picLocks noChangeAspect="1" noChangeArrowheads="1"/>
+          </p:cNvPicPr>
+          <p:nvPr/>
+        </p:nvPicPr>
+        <p:blipFill>
+          <a:blip r:embed="rId4">
+            <a:extLst>
+              <a:ext uri="{28A0092B-C50C-407E-A947-70E740481C1C}">
+                <a14:useLocalDpi xmlns:a14="http://schemas.microsoft.com/office/drawing/2010/main" val="0"/>
+              </a:ext>
+            </a:extLst>
+          </a:blip>
+          <a:srcRect/>
+          <a:stretch>
+            <a:fillRect/>
+          </a:stretch>
+        </p:blipFill>
+        <p:spPr bwMode="auto">
+          <a:xfrm>
+            <a:off x="2138588" y="663348"/>
+            <a:ext cx="2487839" cy="2487839"/>
+          </a:xfrm>
+          <a:prstGeom prst="rect">
+            <a:avLst/>
+          </a:prstGeom>
+          <a:noFill/>
+          <a:extLst>
+            <a:ext uri="{909E8E84-426E-40DD-AFC4-6F175D3DCCD1}">
+              <a14:hiddenFill xmlns:a14="http://schemas.microsoft.com/office/drawing/2010/main">
+                <a:solidFill>
+                  <a:srgbClr val="FFFFFF"/>
+                </a:solidFill>
+              </a14:hiddenFill>
+            </a:ext>
+          </a:extLst>
+        </p:spPr>
+      </p:pic>
+      <p:pic>
+        <p:nvPicPr>
+          <p:cNvPr id="2051" name="Picture 3"/>
+          <p:cNvPicPr>
+            <a:picLocks noChangeAspect="1" noChangeArrowheads="1"/>
+          </p:cNvPicPr>
+          <p:nvPr/>
+        </p:nvPicPr>
+        <p:blipFill>
+          <a:blip r:embed="rId5">
+            <a:extLst>
+              <a:ext uri="{28A0092B-C50C-407E-A947-70E740481C1C}">
+                <a14:useLocalDpi xmlns:a14="http://schemas.microsoft.com/office/drawing/2010/main" val="0"/>
+              </a:ext>
+            </a:extLst>
+          </a:blip>
+          <a:srcRect/>
+          <a:stretch>
+            <a:fillRect/>
+          </a:stretch>
+        </p:blipFill>
+        <p:spPr bwMode="auto">
+          <a:xfrm>
+            <a:off x="7883244" y="4999321"/>
+            <a:ext cx="4308756" cy="1858679"/>
+          </a:xfrm>
+          <a:prstGeom prst="rect">
+            <a:avLst/>
+          </a:prstGeom>
+          <a:noFill/>
+          <a:ln>
+            <a:noFill/>
+          </a:ln>
+          <a:effectLst/>
+          <a:extLst>
+            <a:ext uri="{909E8E84-426E-40DD-AFC4-6F175D3DCCD1}">
+              <a14:hiddenFill xmlns:a14="http://schemas.microsoft.com/office/drawing/2010/main">
+                <a:solidFill>
+                  <a:schemeClr val="accent1"/>
+                </a:solidFill>
+              </a14:hiddenFill>
+            </a:ext>
+            <a:ext uri="{91240B29-F687-4F45-9708-019B960494DF}">
+              <a14:hiddenLine xmlns:a14="http://schemas.microsoft.com/office/drawing/2010/main" w="9525">
+                <a:solidFill>
+                  <a:schemeClr val="tx1"/>
+                </a:solidFill>
+                <a:miter lim="800000"/>
+                <a:headEnd/>
+                <a:tailEnd/>
+              </a14:hiddenLine>
+            </a:ext>
+            <a:ext uri="{AF507438-7753-43E0-B8FC-AC1667EBCBE1}">
+              <a14:hiddenEffects xmlns:a14="http://schemas.microsoft.com/office/drawing/2010/main">
+                <a:effectLst>
+                  <a:outerShdw dist="35921" dir="2700000" algn="ctr" rotWithShape="0">
+                    <a:schemeClr val="bg2"/>
+                  </a:outerShdw>
+                </a:effectLst>
+              </a14:hiddenEffects>
+            </a:ext>
+          </a:extLst>
+        </p:spPr>
+      </p:pic>
+      <p:pic>
+        <p:nvPicPr>
+          <p:cNvPr id="1026" name="Picture 2" descr="C:\Users\grigo\OneDrive\Documents\GitHub\inf_theory_project\compressed_images\00000.png_decoded.png"/>
+          <p:cNvPicPr>
+            <a:picLocks noChangeAspect="1" noChangeArrowheads="1"/>
+          </p:cNvPicPr>
+          <p:nvPr/>
+        </p:nvPicPr>
+        <p:blipFill>
+          <a:blip r:embed="rId6">
+            <a:extLst>
+              <a:ext uri="{28A0092B-C50C-407E-A947-70E740481C1C}">
+                <a14:useLocalDpi xmlns:a14="http://schemas.microsoft.com/office/drawing/2010/main" val="0"/>
+              </a:ext>
+            </a:extLst>
+          </a:blip>
+          <a:srcRect/>
+          <a:stretch>
+            <a:fillRect/>
+          </a:stretch>
+        </p:blipFill>
+        <p:spPr bwMode="auto">
+          <a:xfrm>
+            <a:off x="7694876" y="663348"/>
+            <a:ext cx="2487839" cy="2487839"/>
+          </a:xfrm>
+          <a:prstGeom prst="rect">
+            <a:avLst/>
+          </a:prstGeom>
+          <a:noFill/>
+          <a:extLst>
+            <a:ext uri="{909E8E84-426E-40DD-AFC4-6F175D3DCCD1}">
+              <a14:hiddenFill xmlns:a14="http://schemas.microsoft.com/office/drawing/2010/main">
+                <a:solidFill>
+                  <a:srgbClr val="FFFFFF"/>
+                </a:solidFill>
+              </a14:hiddenFill>
+            </a:ext>
+          </a:extLst>
+        </p:spPr>
+      </p:pic>
+    </p:spTree>
+    <p:extLst>
+      <p:ext uri="{BB962C8B-B14F-4D97-AF65-F5344CB8AC3E}">
+        <p14:creationId xmlns:p14="http://schemas.microsoft.com/office/powerpoint/2010/main" val="2340429457"/>
+      </p:ext>
+    </p:extLst>
+  </p:cSld>
+  <p:clrMapOvr>
+    <a:masterClrMapping/>
+  </p:clrMapOvr>
+</p:sld>
+</file>
+
+<file path=ppt/slides/slide24.xml><?xml version="1.0" encoding="utf-8"?>
+<p:sld xmlns:a="http://schemas.openxmlformats.org/drawingml/2006/main" xmlns:r="http://schemas.openxmlformats.org/officeDocument/2006/relationships" xmlns:p="http://schemas.openxmlformats.org/presentationml/2006/main">
+  <p:cSld>
+    <p:spTree>
+      <p:nvGrpSpPr>
+        <p:cNvPr id="1" name="">
+          <a:extLst>
+            <a:ext uri="{FF2B5EF4-FFF2-40B4-BE49-F238E27FC236}">
+              <a16:creationId xmlns:a16="http://schemas.microsoft.com/office/drawing/2014/main" xmlns="" id="{EF87400A-AA39-C6BD-0F50-19DF27F0BEE1}"/>
+            </a:ext>
+          </a:extLst>
+        </p:cNvPr>
+        <p:cNvGrpSpPr/>
+        <p:nvPr/>
+      </p:nvGrpSpPr>
+      <p:grpSpPr>
+        <a:xfrm>
+          <a:off x="0" y="0"/>
+          <a:ext cx="0" cy="0"/>
+          <a:chOff x="0" y="0"/>
+          <a:chExt cx="0" cy="0"/>
+        </a:xfrm>
+      </p:grpSpPr>
+      <p:sp>
+        <p:nvSpPr>
+          <p:cNvPr id="3" name="Прямоугольник 2"/>
+          <p:cNvSpPr/>
+          <p:nvPr/>
+        </p:nvSpPr>
+        <p:spPr>
+          <a:xfrm>
+            <a:off x="0" y="5658740"/>
+            <a:ext cx="1876926" cy="1200329"/>
+          </a:xfrm>
+          <a:prstGeom prst="rect">
+            <a:avLst/>
+          </a:prstGeom>
+        </p:spPr>
+        <p:txBody>
+          <a:bodyPr wrap="square">
+            <a:spAutoFit/>
+          </a:bodyPr>
+          <a:lstStyle/>
+          <a:p>
+            <a:r>
+              <a:rPr lang="en-US" sz="7200" dirty="0" smtClean="0">
+                <a:solidFill>
+                  <a:schemeClr val="bg1"/>
+                </a:solidFill>
+              </a:rPr>
+              <a:t>V</a:t>
+            </a:r>
+            <a:r>
+              <a:rPr lang="ru-RU" sz="7200" dirty="0">
+                <a:solidFill>
+                  <a:schemeClr val="bg1"/>
+                </a:solidFill>
+              </a:rPr>
+              <a:t>3</a:t>
+            </a:r>
+            <a:endParaRPr lang="ru-RU" sz="7200" dirty="0">
+              <a:solidFill>
+                <a:schemeClr val="bg1"/>
+              </a:solidFill>
+            </a:endParaRPr>
+          </a:p>
+        </p:txBody>
+      </p:sp>
+      <p:sp>
+        <p:nvSpPr>
+          <p:cNvPr id="13" name="Заголовок 1"/>
+          <p:cNvSpPr txBox="1">
+            <a:spLocks/>
+          </p:cNvSpPr>
+          <p:nvPr/>
+        </p:nvSpPr>
+        <p:spPr>
+          <a:xfrm>
+            <a:off x="2201925" y="173736"/>
+            <a:ext cx="7653418" cy="625642"/>
+          </a:xfrm>
+          <a:prstGeom prst="rect">
+            <a:avLst/>
+          </a:prstGeom>
+        </p:spPr>
+        <p:txBody>
+          <a:bodyPr vert="horz" lIns="91440" tIns="45720" rIns="91440" bIns="45720" rtlCol="0" anchor="ctr" anchorCtr="0">
+            <a:noAutofit/>
+          </a:bodyPr>
+          <a:lstStyle>
+            <a:lvl1pPr algn="ctr" defTabSz="914400" rtl="0" eaLnBrk="1" latinLnBrk="0" hangingPunct="1">
+              <a:lnSpc>
+                <a:spcPct val="90000"/>
+              </a:lnSpc>
+              <a:spcBef>
+                <a:spcPct val="0"/>
+              </a:spcBef>
+              <a:buNone/>
+              <a:defRPr sz="4800" kern="1200" cap="all" spc="300" baseline="0">
+                <a:solidFill>
+                  <a:schemeClr val="bg1"/>
+                </a:solidFill>
+                <a:latin typeface="+mj-lt"/>
+                <a:ea typeface="+mj-ea"/>
+                <a:cs typeface="+mj-cs"/>
+              </a:defRPr>
+            </a:lvl1pPr>
+          </a:lstStyle>
+          <a:p>
+            <a:r>
+              <a:rPr lang="en-US" sz="2800" dirty="0" smtClean="0"/>
+              <a:t>Results(52000 photos trained model)</a:t>
+            </a:r>
+            <a:endParaRPr lang="en-US" sz="2800" dirty="0"/>
+          </a:p>
+        </p:txBody>
+      </p:sp>
+      <p:pic>
+        <p:nvPicPr>
+          <p:cNvPr id="2050" name="Picture 2"/>
+          <p:cNvPicPr>
+            <a:picLocks noChangeAspect="1" noChangeArrowheads="1"/>
+          </p:cNvPicPr>
+          <p:nvPr/>
+        </p:nvPicPr>
+        <p:blipFill>
+          <a:blip r:embed="rId3">
+            <a:extLst>
+              <a:ext uri="{28A0092B-C50C-407E-A947-70E740481C1C}">
+                <a14:useLocalDpi xmlns:a14="http://schemas.microsoft.com/office/drawing/2010/main" val="0"/>
+              </a:ext>
+            </a:extLst>
+          </a:blip>
+          <a:srcRect/>
+          <a:stretch>
+            <a:fillRect/>
+          </a:stretch>
+        </p:blipFill>
+        <p:spPr bwMode="auto">
+          <a:xfrm>
+            <a:off x="487366" y="1087048"/>
+            <a:ext cx="5380729" cy="2868329"/>
+          </a:xfrm>
+          <a:prstGeom prst="rect">
+            <a:avLst/>
+          </a:prstGeom>
+          <a:noFill/>
+          <a:ln>
+            <a:noFill/>
+          </a:ln>
+          <a:effectLst/>
+          <a:extLst>
+            <a:ext uri="{909E8E84-426E-40DD-AFC4-6F175D3DCCD1}">
+              <a14:hiddenFill xmlns:a14="http://schemas.microsoft.com/office/drawing/2010/main">
+                <a:solidFill>
+                  <a:schemeClr val="accent1"/>
+                </a:solidFill>
+              </a14:hiddenFill>
+            </a:ext>
+            <a:ext uri="{91240B29-F687-4F45-9708-019B960494DF}">
+              <a14:hiddenLine xmlns:a14="http://schemas.microsoft.com/office/drawing/2010/main" w="9525">
+                <a:solidFill>
+                  <a:schemeClr val="tx1"/>
+                </a:solidFill>
+                <a:miter lim="800000"/>
+                <a:headEnd/>
+                <a:tailEnd/>
+              </a14:hiddenLine>
+            </a:ext>
+            <a:ext uri="{AF507438-7753-43E0-B8FC-AC1667EBCBE1}">
+              <a14:hiddenEffects xmlns:a14="http://schemas.microsoft.com/office/drawing/2010/main">
+                <a:effectLst>
+                  <a:outerShdw dist="35921" dir="2700000" algn="ctr" rotWithShape="0">
+                    <a:schemeClr val="bg2"/>
+                  </a:outerShdw>
+                </a:effectLst>
+              </a14:hiddenEffects>
+            </a:ext>
+          </a:extLst>
+        </p:spPr>
+      </p:pic>
+      <p:pic>
+        <p:nvPicPr>
+          <p:cNvPr id="2051" name="Picture 3"/>
+          <p:cNvPicPr>
+            <a:picLocks noChangeAspect="1" noChangeArrowheads="1"/>
+          </p:cNvPicPr>
+          <p:nvPr/>
+        </p:nvPicPr>
+        <p:blipFill>
+          <a:blip r:embed="rId4">
+            <a:extLst>
+              <a:ext uri="{28A0092B-C50C-407E-A947-70E740481C1C}">
+                <a14:useLocalDpi xmlns:a14="http://schemas.microsoft.com/office/drawing/2010/main" val="0"/>
+              </a:ext>
+            </a:extLst>
+          </a:blip>
+          <a:srcRect/>
+          <a:stretch>
+            <a:fillRect/>
+          </a:stretch>
+        </p:blipFill>
+        <p:spPr bwMode="auto">
+          <a:xfrm>
+            <a:off x="6349825" y="1230675"/>
+            <a:ext cx="5034277" cy="2581074"/>
+          </a:xfrm>
+          <a:prstGeom prst="rect">
+            <a:avLst/>
+          </a:prstGeom>
+          <a:noFill/>
+          <a:ln>
+            <a:noFill/>
+          </a:ln>
+          <a:effectLst/>
+          <a:extLst>
+            <a:ext uri="{909E8E84-426E-40DD-AFC4-6F175D3DCCD1}">
+              <a14:hiddenFill xmlns:a14="http://schemas.microsoft.com/office/drawing/2010/main">
+                <a:solidFill>
+                  <a:schemeClr val="accent1"/>
+                </a:solidFill>
+              </a14:hiddenFill>
+            </a:ext>
+            <a:ext uri="{91240B29-F687-4F45-9708-019B960494DF}">
+              <a14:hiddenLine xmlns:a14="http://schemas.microsoft.com/office/drawing/2010/main" w="9525">
+                <a:solidFill>
+                  <a:schemeClr val="tx1"/>
+                </a:solidFill>
+                <a:miter lim="800000"/>
+                <a:headEnd/>
+                <a:tailEnd/>
+              </a14:hiddenLine>
+            </a:ext>
+            <a:ext uri="{AF507438-7753-43E0-B8FC-AC1667EBCBE1}">
+              <a14:hiddenEffects xmlns:a14="http://schemas.microsoft.com/office/drawing/2010/main">
+                <a:effectLst>
+                  <a:outerShdw dist="35921" dir="2700000" algn="ctr" rotWithShape="0">
+                    <a:schemeClr val="bg2"/>
+                  </a:outerShdw>
+                </a:effectLst>
+              </a14:hiddenEffects>
+            </a:ext>
+          </a:extLst>
+        </p:spPr>
+      </p:pic>
+      <p:pic>
+        <p:nvPicPr>
+          <p:cNvPr id="2052" name="Picture 4"/>
+          <p:cNvPicPr>
+            <a:picLocks noChangeAspect="1" noChangeArrowheads="1"/>
+          </p:cNvPicPr>
+          <p:nvPr/>
+        </p:nvPicPr>
+        <p:blipFill>
+          <a:blip r:embed="rId5">
+            <a:extLst>
+              <a:ext uri="{28A0092B-C50C-407E-A947-70E740481C1C}">
+                <a14:useLocalDpi xmlns:a14="http://schemas.microsoft.com/office/drawing/2010/main" val="0"/>
+              </a:ext>
+            </a:extLst>
+          </a:blip>
+          <a:srcRect/>
+          <a:stretch>
+            <a:fillRect/>
+          </a:stretch>
+        </p:blipFill>
+        <p:spPr bwMode="auto">
+          <a:xfrm>
+            <a:off x="3564497" y="4091873"/>
+            <a:ext cx="4928273" cy="2555025"/>
+          </a:xfrm>
+          <a:prstGeom prst="rect">
+            <a:avLst/>
+          </a:prstGeom>
+          <a:noFill/>
+          <a:ln>
+            <a:noFill/>
+          </a:ln>
+          <a:effectLst/>
+          <a:extLst>
+            <a:ext uri="{909E8E84-426E-40DD-AFC4-6F175D3DCCD1}">
+              <a14:hiddenFill xmlns:a14="http://schemas.microsoft.com/office/drawing/2010/main">
+                <a:solidFill>
+                  <a:schemeClr val="accent1"/>
+                </a:solidFill>
+              </a14:hiddenFill>
+            </a:ext>
+            <a:ext uri="{91240B29-F687-4F45-9708-019B960494DF}">
+              <a14:hiddenLine xmlns:a14="http://schemas.microsoft.com/office/drawing/2010/main" w="9525">
+                <a:solidFill>
+                  <a:schemeClr val="tx1"/>
+                </a:solidFill>
+                <a:miter lim="800000"/>
+                <a:headEnd/>
+                <a:tailEnd/>
+              </a14:hiddenLine>
+            </a:ext>
+            <a:ext uri="{AF507438-7753-43E0-B8FC-AC1667EBCBE1}">
+              <a14:hiddenEffects xmlns:a14="http://schemas.microsoft.com/office/drawing/2010/main">
+                <a:effectLst>
+                  <a:outerShdw dist="35921" dir="2700000" algn="ctr" rotWithShape="0">
+                    <a:schemeClr val="bg2"/>
+                  </a:outerShdw>
+                </a:effectLst>
+              </a14:hiddenEffects>
+            </a:ext>
+          </a:extLst>
+        </p:spPr>
+      </p:pic>
+    </p:spTree>
+    <p:extLst>
+      <p:ext uri="{BB962C8B-B14F-4D97-AF65-F5344CB8AC3E}">
+        <p14:creationId xmlns:p14="http://schemas.microsoft.com/office/powerpoint/2010/main" val="2549672440"/>
+      </p:ext>
+    </p:extLst>
+  </p:cSld>
+  <p:clrMapOvr>
+    <a:masterClrMapping/>
+  </p:clrMapOvr>
+</p:sld>
+</file>
+
+<file path=ppt/slides/slide25.xml><?xml version="1.0" encoding="utf-8"?>
 <p:sld xmlns:a="http://schemas.openxmlformats.org/drawingml/2006/main" xmlns:r="http://schemas.openxmlformats.org/officeDocument/2006/relationships" xmlns:p="http://schemas.openxmlformats.org/presentationml/2006/main">
   <p:cSld>
     <p:spTree>

--- a/ai_compression_project.pptx
+++ b/ai_compression_project.pptx
@@ -5,10 +5,10 @@
     <p:sldMasterId id="2147483648" r:id="rId4"/>
   </p:sldMasterIdLst>
   <p:notesMasterIdLst>
-    <p:notesMasterId r:id="rId30"/>
+    <p:notesMasterId r:id="rId33"/>
   </p:notesMasterIdLst>
   <p:handoutMasterIdLst>
-    <p:handoutMasterId r:id="rId31"/>
+    <p:handoutMasterId r:id="rId34"/>
   </p:handoutMasterIdLst>
   <p:sldIdLst>
     <p:sldId id="281" r:id="rId5"/>
@@ -35,7 +35,10 @@
     <p:sldId id="308" r:id="rId26"/>
     <p:sldId id="309" r:id="rId27"/>
     <p:sldId id="310" r:id="rId28"/>
-    <p:sldId id="291" r:id="rId29"/>
+    <p:sldId id="312" r:id="rId29"/>
+    <p:sldId id="311" r:id="rId30"/>
+    <p:sldId id="313" r:id="rId31"/>
+    <p:sldId id="291" r:id="rId32"/>
   </p:sldIdLst>
   <p:sldSz cx="12192000" cy="6858000"/>
   <p:notesSz cx="6858000" cy="9144000"/>
@@ -2401,6 +2404,330 @@
         <p:cNvPr id="1" name="">
           <a:extLst>
             <a:ext uri="{FF2B5EF4-FFF2-40B4-BE49-F238E27FC236}">
+              <a16:creationId xmlns:a16="http://schemas.microsoft.com/office/drawing/2014/main" xmlns="" id="{84847B3D-F9FE-E845-0A9E-7B3E4737F607}"/>
+            </a:ext>
+          </a:extLst>
+        </p:cNvPr>
+        <p:cNvGrpSpPr/>
+        <p:nvPr/>
+      </p:nvGrpSpPr>
+      <p:grpSpPr>
+        <a:xfrm>
+          <a:off x="0" y="0"/>
+          <a:ext cx="0" cy="0"/>
+          <a:chOff x="0" y="0"/>
+          <a:chExt cx="0" cy="0"/>
+        </a:xfrm>
+      </p:grpSpPr>
+      <p:sp>
+        <p:nvSpPr>
+          <p:cNvPr id="2" name="Slide Image Placeholder 1">
+            <a:extLst>
+              <a:ext uri="{FF2B5EF4-FFF2-40B4-BE49-F238E27FC236}">
+                <a16:creationId xmlns:a16="http://schemas.microsoft.com/office/drawing/2014/main" xmlns="" id="{A65C55DC-40F4-B8B2-A44F-CEE7EA9104C1}"/>
+              </a:ext>
+            </a:extLst>
+          </p:cNvPr>
+          <p:cNvSpPr>
+            <a:spLocks noGrp="1" noRot="1" noChangeAspect="1"/>
+          </p:cNvSpPr>
+          <p:nvPr>
+            <p:ph type="sldImg"/>
+          </p:nvPr>
+        </p:nvSpPr>
+        <p:spPr/>
+      </p:sp>
+      <p:sp>
+        <p:nvSpPr>
+          <p:cNvPr id="3" name="Notes Placeholder 2">
+            <a:extLst>
+              <a:ext uri="{FF2B5EF4-FFF2-40B4-BE49-F238E27FC236}">
+                <a16:creationId xmlns:a16="http://schemas.microsoft.com/office/drawing/2014/main" xmlns="" id="{AFAEFE12-CFF9-2E00-9808-098A1D824723}"/>
+              </a:ext>
+            </a:extLst>
+          </p:cNvPr>
+          <p:cNvSpPr>
+            <a:spLocks noGrp="1"/>
+          </p:cNvSpPr>
+          <p:nvPr>
+            <p:ph type="body" idx="1"/>
+          </p:nvPr>
+        </p:nvSpPr>
+        <p:spPr/>
+        <p:txBody>
+          <a:bodyPr/>
+          <a:lstStyle/>
+          <a:p>
+            <a:endParaRPr lang="en-US" dirty="0"/>
+          </a:p>
+        </p:txBody>
+      </p:sp>
+      <p:sp>
+        <p:nvSpPr>
+          <p:cNvPr id="4" name="Slide Number Placeholder 3">
+            <a:extLst>
+              <a:ext uri="{FF2B5EF4-FFF2-40B4-BE49-F238E27FC236}">
+                <a16:creationId xmlns:a16="http://schemas.microsoft.com/office/drawing/2014/main" xmlns="" id="{85084F94-5BAE-E3B2-298D-1E3D1D48D1F6}"/>
+              </a:ext>
+            </a:extLst>
+          </p:cNvPr>
+          <p:cNvSpPr>
+            <a:spLocks noGrp="1"/>
+          </p:cNvSpPr>
+          <p:nvPr>
+            <p:ph type="sldNum" sz="quarter" idx="5"/>
+          </p:nvPr>
+        </p:nvSpPr>
+        <p:spPr/>
+        <p:txBody>
+          <a:bodyPr/>
+          <a:lstStyle/>
+          <a:p>
+            <a:fld id="{55247812-3409-784D-BAE7-ABE53735D59F}" type="slidenum">
+              <a:rPr lang="en-US" smtClean="0"/>
+              <a:t>25</a:t>
+            </a:fld>
+            <a:endParaRPr lang="en-US"/>
+          </a:p>
+        </p:txBody>
+      </p:sp>
+    </p:spTree>
+    <p:extLst>
+      <p:ext uri="{BB962C8B-B14F-4D97-AF65-F5344CB8AC3E}">
+        <p14:creationId xmlns:p14="http://schemas.microsoft.com/office/powerpoint/2010/main" val="1899534547"/>
+      </p:ext>
+    </p:extLst>
+  </p:cSld>
+  <p:clrMapOvr>
+    <a:masterClrMapping/>
+  </p:clrMapOvr>
+</p:notes>
+</file>
+
+<file path=ppt/notesSlides/notesSlide25.xml><?xml version="1.0" encoding="utf-8"?>
+<p:notes xmlns:a="http://schemas.openxmlformats.org/drawingml/2006/main" xmlns:r="http://schemas.openxmlformats.org/officeDocument/2006/relationships" xmlns:p="http://schemas.openxmlformats.org/presentationml/2006/main">
+  <p:cSld>
+    <p:spTree>
+      <p:nvGrpSpPr>
+        <p:cNvPr id="1" name="">
+          <a:extLst>
+            <a:ext uri="{FF2B5EF4-FFF2-40B4-BE49-F238E27FC236}">
+              <a16:creationId xmlns:a16="http://schemas.microsoft.com/office/drawing/2014/main" xmlns="" id="{84847B3D-F9FE-E845-0A9E-7B3E4737F607}"/>
+            </a:ext>
+          </a:extLst>
+        </p:cNvPr>
+        <p:cNvGrpSpPr/>
+        <p:nvPr/>
+      </p:nvGrpSpPr>
+      <p:grpSpPr>
+        <a:xfrm>
+          <a:off x="0" y="0"/>
+          <a:ext cx="0" cy="0"/>
+          <a:chOff x="0" y="0"/>
+          <a:chExt cx="0" cy="0"/>
+        </a:xfrm>
+      </p:grpSpPr>
+      <p:sp>
+        <p:nvSpPr>
+          <p:cNvPr id="2" name="Slide Image Placeholder 1">
+            <a:extLst>
+              <a:ext uri="{FF2B5EF4-FFF2-40B4-BE49-F238E27FC236}">
+                <a16:creationId xmlns:a16="http://schemas.microsoft.com/office/drawing/2014/main" xmlns="" id="{A65C55DC-40F4-B8B2-A44F-CEE7EA9104C1}"/>
+              </a:ext>
+            </a:extLst>
+          </p:cNvPr>
+          <p:cNvSpPr>
+            <a:spLocks noGrp="1" noRot="1" noChangeAspect="1"/>
+          </p:cNvSpPr>
+          <p:nvPr>
+            <p:ph type="sldImg"/>
+          </p:nvPr>
+        </p:nvSpPr>
+        <p:spPr/>
+      </p:sp>
+      <p:sp>
+        <p:nvSpPr>
+          <p:cNvPr id="3" name="Notes Placeholder 2">
+            <a:extLst>
+              <a:ext uri="{FF2B5EF4-FFF2-40B4-BE49-F238E27FC236}">
+                <a16:creationId xmlns:a16="http://schemas.microsoft.com/office/drawing/2014/main" xmlns="" id="{AFAEFE12-CFF9-2E00-9808-098A1D824723}"/>
+              </a:ext>
+            </a:extLst>
+          </p:cNvPr>
+          <p:cNvSpPr>
+            <a:spLocks noGrp="1"/>
+          </p:cNvSpPr>
+          <p:nvPr>
+            <p:ph type="body" idx="1"/>
+          </p:nvPr>
+        </p:nvSpPr>
+        <p:spPr/>
+        <p:txBody>
+          <a:bodyPr/>
+          <a:lstStyle/>
+          <a:p>
+            <a:endParaRPr lang="en-US" dirty="0"/>
+          </a:p>
+        </p:txBody>
+      </p:sp>
+      <p:sp>
+        <p:nvSpPr>
+          <p:cNvPr id="4" name="Slide Number Placeholder 3">
+            <a:extLst>
+              <a:ext uri="{FF2B5EF4-FFF2-40B4-BE49-F238E27FC236}">
+                <a16:creationId xmlns:a16="http://schemas.microsoft.com/office/drawing/2014/main" xmlns="" id="{85084F94-5BAE-E3B2-298D-1E3D1D48D1F6}"/>
+              </a:ext>
+            </a:extLst>
+          </p:cNvPr>
+          <p:cNvSpPr>
+            <a:spLocks noGrp="1"/>
+          </p:cNvSpPr>
+          <p:nvPr>
+            <p:ph type="sldNum" sz="quarter" idx="5"/>
+          </p:nvPr>
+        </p:nvSpPr>
+        <p:spPr/>
+        <p:txBody>
+          <a:bodyPr/>
+          <a:lstStyle/>
+          <a:p>
+            <a:fld id="{55247812-3409-784D-BAE7-ABE53735D59F}" type="slidenum">
+              <a:rPr lang="en-US" smtClean="0"/>
+              <a:t>26</a:t>
+            </a:fld>
+            <a:endParaRPr lang="en-US"/>
+          </a:p>
+        </p:txBody>
+      </p:sp>
+    </p:spTree>
+    <p:extLst>
+      <p:ext uri="{BB962C8B-B14F-4D97-AF65-F5344CB8AC3E}">
+        <p14:creationId xmlns:p14="http://schemas.microsoft.com/office/powerpoint/2010/main" val="1899534547"/>
+      </p:ext>
+    </p:extLst>
+  </p:cSld>
+  <p:clrMapOvr>
+    <a:masterClrMapping/>
+  </p:clrMapOvr>
+</p:notes>
+</file>
+
+<file path=ppt/notesSlides/notesSlide26.xml><?xml version="1.0" encoding="utf-8"?>
+<p:notes xmlns:a="http://schemas.openxmlformats.org/drawingml/2006/main" xmlns:r="http://schemas.openxmlformats.org/officeDocument/2006/relationships" xmlns:p="http://schemas.openxmlformats.org/presentationml/2006/main">
+  <p:cSld>
+    <p:spTree>
+      <p:nvGrpSpPr>
+        <p:cNvPr id="1" name="">
+          <a:extLst>
+            <a:ext uri="{FF2B5EF4-FFF2-40B4-BE49-F238E27FC236}">
+              <a16:creationId xmlns:a16="http://schemas.microsoft.com/office/drawing/2014/main" xmlns="" id="{84847B3D-F9FE-E845-0A9E-7B3E4737F607}"/>
+            </a:ext>
+          </a:extLst>
+        </p:cNvPr>
+        <p:cNvGrpSpPr/>
+        <p:nvPr/>
+      </p:nvGrpSpPr>
+      <p:grpSpPr>
+        <a:xfrm>
+          <a:off x="0" y="0"/>
+          <a:ext cx="0" cy="0"/>
+          <a:chOff x="0" y="0"/>
+          <a:chExt cx="0" cy="0"/>
+        </a:xfrm>
+      </p:grpSpPr>
+      <p:sp>
+        <p:nvSpPr>
+          <p:cNvPr id="2" name="Slide Image Placeholder 1">
+            <a:extLst>
+              <a:ext uri="{FF2B5EF4-FFF2-40B4-BE49-F238E27FC236}">
+                <a16:creationId xmlns:a16="http://schemas.microsoft.com/office/drawing/2014/main" xmlns="" id="{A65C55DC-40F4-B8B2-A44F-CEE7EA9104C1}"/>
+              </a:ext>
+            </a:extLst>
+          </p:cNvPr>
+          <p:cNvSpPr>
+            <a:spLocks noGrp="1" noRot="1" noChangeAspect="1"/>
+          </p:cNvSpPr>
+          <p:nvPr>
+            <p:ph type="sldImg"/>
+          </p:nvPr>
+        </p:nvSpPr>
+        <p:spPr/>
+      </p:sp>
+      <p:sp>
+        <p:nvSpPr>
+          <p:cNvPr id="3" name="Notes Placeholder 2">
+            <a:extLst>
+              <a:ext uri="{FF2B5EF4-FFF2-40B4-BE49-F238E27FC236}">
+                <a16:creationId xmlns:a16="http://schemas.microsoft.com/office/drawing/2014/main" xmlns="" id="{AFAEFE12-CFF9-2E00-9808-098A1D824723}"/>
+              </a:ext>
+            </a:extLst>
+          </p:cNvPr>
+          <p:cNvSpPr>
+            <a:spLocks noGrp="1"/>
+          </p:cNvSpPr>
+          <p:nvPr>
+            <p:ph type="body" idx="1"/>
+          </p:nvPr>
+        </p:nvSpPr>
+        <p:spPr/>
+        <p:txBody>
+          <a:bodyPr/>
+          <a:lstStyle/>
+          <a:p>
+            <a:endParaRPr lang="en-US" dirty="0"/>
+          </a:p>
+        </p:txBody>
+      </p:sp>
+      <p:sp>
+        <p:nvSpPr>
+          <p:cNvPr id="4" name="Slide Number Placeholder 3">
+            <a:extLst>
+              <a:ext uri="{FF2B5EF4-FFF2-40B4-BE49-F238E27FC236}">
+                <a16:creationId xmlns:a16="http://schemas.microsoft.com/office/drawing/2014/main" xmlns="" id="{85084F94-5BAE-E3B2-298D-1E3D1D48D1F6}"/>
+              </a:ext>
+            </a:extLst>
+          </p:cNvPr>
+          <p:cNvSpPr>
+            <a:spLocks noGrp="1"/>
+          </p:cNvSpPr>
+          <p:nvPr>
+            <p:ph type="sldNum" sz="quarter" idx="5"/>
+          </p:nvPr>
+        </p:nvSpPr>
+        <p:spPr/>
+        <p:txBody>
+          <a:bodyPr/>
+          <a:lstStyle/>
+          <a:p>
+            <a:fld id="{55247812-3409-784D-BAE7-ABE53735D59F}" type="slidenum">
+              <a:rPr lang="en-US" smtClean="0"/>
+              <a:t>27</a:t>
+            </a:fld>
+            <a:endParaRPr lang="en-US"/>
+          </a:p>
+        </p:txBody>
+      </p:sp>
+    </p:spTree>
+    <p:extLst>
+      <p:ext uri="{BB962C8B-B14F-4D97-AF65-F5344CB8AC3E}">
+        <p14:creationId xmlns:p14="http://schemas.microsoft.com/office/powerpoint/2010/main" val="1899534547"/>
+      </p:ext>
+    </p:extLst>
+  </p:cSld>
+  <p:clrMapOvr>
+    <a:masterClrMapping/>
+  </p:clrMapOvr>
+</p:notes>
+</file>
+
+<file path=ppt/notesSlides/notesSlide27.xml><?xml version="1.0" encoding="utf-8"?>
+<p:notes xmlns:a="http://schemas.openxmlformats.org/drawingml/2006/main" xmlns:r="http://schemas.openxmlformats.org/officeDocument/2006/relationships" xmlns:p="http://schemas.openxmlformats.org/presentationml/2006/main">
+  <p:cSld>
+    <p:spTree>
+      <p:nvGrpSpPr>
+        <p:cNvPr id="1" name="">
+          <a:extLst>
+            <a:ext uri="{FF2B5EF4-FFF2-40B4-BE49-F238E27FC236}">
               <a16:creationId xmlns:a16="http://schemas.microsoft.com/office/drawing/2014/main" xmlns="" id="{84F15084-9E64-0732-2172-D06E24D20324}"/>
             </a:ext>
           </a:extLst>
@@ -2482,7 +2809,7 @@
           <a:p>
             <a:fld id="{55247812-3409-784D-BAE7-ABE53735D59F}" type="slidenum">
               <a:rPr lang="en-US" smtClean="0"/>
-              <a:t>25</a:t>
+              <a:t>28</a:t>
             </a:fld>
             <a:endParaRPr lang="en-US"/>
           </a:p>
@@ -8755,7 +9082,7 @@
         <p:spPr>
           <a:xfrm>
             <a:off x="5283200" y="3980656"/>
-            <a:ext cx="6096000" cy="2031325"/>
+            <a:ext cx="6096000" cy="923330"/>
           </a:xfrm>
           <a:prstGeom prst="rect">
             <a:avLst/>
@@ -8774,14 +9101,6 @@
                 </a:solidFill>
               </a:rPr>
               <a:t>Architecture(2 layers):</a:t>
-            </a:r>
-            <a:r>
-              <a:rPr lang="en-US" b="1" dirty="0" smtClean="0">
-                <a:solidFill>
-                  <a:schemeClr val="bg1"/>
-                </a:solidFill>
-              </a:rPr>
-              <a:t/>
             </a:r>
             <a:br>
               <a:rPr lang="en-US" b="1" dirty="0" smtClean="0">
@@ -8798,12 +9117,12 @@
           </a:p>
           <a:p>
             <a:r>
-              <a:rPr lang="en-US" b="1" dirty="0" smtClean="0">
-                <a:solidFill>
-                  <a:schemeClr val="bg1"/>
-                </a:solidFill>
-              </a:rPr>
-              <a:t>Encoder</a:t>
+              <a:rPr lang="en-US" dirty="0">
+                <a:solidFill>
+                  <a:schemeClr val="bg1"/>
+                </a:solidFill>
+              </a:rPr>
+              <a:t>Encoder, Decoder – </a:t>
             </a:r>
             <a:r>
               <a:rPr lang="en-US" dirty="0" smtClean="0">
@@ -8811,55 +9130,33 @@
                   <a:schemeClr val="bg1"/>
                 </a:solidFill>
               </a:rPr>
-              <a:t>: Conv2D (3→32) extracts low-level features, Conv2D (32→64) captures patterns.</a:t>
-            </a:r>
-            <a:br>
+              <a:t>2 </a:t>
+            </a:r>
+            <a:r>
+              <a:rPr lang="en-US" dirty="0">
+                <a:solidFill>
+                  <a:schemeClr val="bg1"/>
+                </a:solidFill>
+              </a:rPr>
+              <a:t>layers(AI model size – </a:t>
+            </a:r>
+            <a:r>
               <a:rPr lang="en-US" dirty="0" smtClean="0">
                 <a:solidFill>
                   <a:schemeClr val="bg1"/>
                 </a:solidFill>
               </a:rPr>
-            </a:br>
-            <a:endParaRPr lang="en-US" dirty="0" smtClean="0">
-              <a:solidFill>
-                <a:schemeClr val="bg1"/>
-              </a:solidFill>
-            </a:endParaRPr>
-          </a:p>
-          <a:p>
-            <a:r>
-              <a:rPr lang="en-US" b="1" dirty="0" smtClean="0">
-                <a:solidFill>
-                  <a:schemeClr val="bg1"/>
-                </a:solidFill>
-              </a:rPr>
-              <a:t>Decoder</a:t>
-            </a:r>
-            <a:r>
-              <a:rPr lang="en-US" dirty="0" smtClean="0">
-                <a:solidFill>
-                  <a:schemeClr val="bg1"/>
-                </a:solidFill>
-              </a:rPr>
-              <a:t>: ConvTranspose2D (64→32) </a:t>
-            </a:r>
-            <a:r>
-              <a:rPr lang="en-US" dirty="0" err="1" smtClean="0">
-                <a:solidFill>
-                  <a:schemeClr val="bg1"/>
-                </a:solidFill>
-              </a:rPr>
-              <a:t>upsamples</a:t>
-            </a:r>
-            <a:r>
-              <a:rPr lang="en-US" dirty="0" smtClean="0">
-                <a:solidFill>
-                  <a:schemeClr val="bg1"/>
-                </a:solidFill>
-              </a:rPr>
-              <a:t>, ConvTranspose2D (32→3, Sigmoid) reconstructs the image.</a:t>
-            </a:r>
-            <a:endParaRPr lang="en-US" dirty="0">
+              <a:t>0.1MB</a:t>
+            </a:r>
+            <a:r>
+              <a:rPr lang="en-US" dirty="0">
+                <a:solidFill>
+                  <a:schemeClr val="bg1"/>
+                </a:solidFill>
+              </a:rPr>
+              <a:t>)</a:t>
+            </a:r>
+            <a:endParaRPr lang="ru-RU" dirty="0">
               <a:solidFill>
                 <a:schemeClr val="bg1"/>
               </a:solidFill>
@@ -11032,7 +11329,7 @@
         <p:spPr>
           <a:xfrm>
             <a:off x="5283200" y="3980656"/>
-            <a:ext cx="6096000" cy="2585323"/>
+            <a:ext cx="6096000" cy="923330"/>
           </a:xfrm>
           <a:prstGeom prst="rect">
             <a:avLst/>
@@ -11067,58 +11364,12 @@
           </a:p>
           <a:p>
             <a:r>
-              <a:rPr lang="en-US" dirty="0">
-                <a:solidFill>
-                  <a:schemeClr val="bg1"/>
-                </a:solidFill>
-              </a:rPr>
-              <a:t>Encoder: Conv2D (3→16) extracts low-level features, Conv2D (16→32) captures patterns, Conv2D (32→32) refines representation.</a:t>
-            </a:r>
-            <a:endParaRPr lang="ru-RU" dirty="0">
-              <a:solidFill>
-                <a:schemeClr val="bg1"/>
-              </a:solidFill>
-            </a:endParaRPr>
-          </a:p>
-          <a:p>
-            <a:r>
-              <a:rPr lang="en-US" dirty="0">
-                <a:solidFill>
-                  <a:schemeClr val="bg1"/>
-                </a:solidFill>
-              </a:rPr>
-              <a:t/>
-            </a:r>
-            <a:br>
-              <a:rPr lang="en-US" dirty="0">
-                <a:solidFill>
-                  <a:schemeClr val="bg1"/>
-                </a:solidFill>
-              </a:rPr>
-            </a:br>
-            <a:r>
-              <a:rPr lang="en-US" dirty="0">
-                <a:solidFill>
-                  <a:schemeClr val="bg1"/>
-                </a:solidFill>
-              </a:rPr>
-              <a:t>Decoder: ConvTranspose2D (32→32) </a:t>
-            </a:r>
-            <a:r>
-              <a:rPr lang="en-US" dirty="0" err="1">
-                <a:solidFill>
-                  <a:schemeClr val="bg1"/>
-                </a:solidFill>
-              </a:rPr>
-              <a:t>upsamples</a:t>
-            </a:r>
-            <a:r>
-              <a:rPr lang="en-US" dirty="0">
-                <a:solidFill>
-                  <a:schemeClr val="bg1"/>
-                </a:solidFill>
-              </a:rPr>
-              <a:t>, ConvTranspose2D (32→16) restores details, ConvTranspose2D (16→3, Sigmoid) reconstructs the image.</a:t>
+              <a:rPr lang="en-US" dirty="0" smtClean="0">
+                <a:solidFill>
+                  <a:schemeClr val="bg1"/>
+                </a:solidFill>
+              </a:rPr>
+              <a:t>Encoder, Decoder – 3 layers(AI model size – 0.4MB)</a:t>
             </a:r>
             <a:endParaRPr lang="ru-RU" dirty="0">
               <a:solidFill>
@@ -12954,6 +13205,59 @@
           </a:p>
         </p:txBody>
       </p:sp>
+      <p:sp>
+        <p:nvSpPr>
+          <p:cNvPr id="4" name="Заголовок 1"/>
+          <p:cNvSpPr txBox="1">
+            <a:spLocks/>
+          </p:cNvSpPr>
+          <p:nvPr/>
+        </p:nvSpPr>
+        <p:spPr>
+          <a:xfrm>
+            <a:off x="2201925" y="2042160"/>
+            <a:ext cx="7653418" cy="1378498"/>
+          </a:xfrm>
+          <a:prstGeom prst="rect">
+            <a:avLst/>
+          </a:prstGeom>
+        </p:spPr>
+        <p:txBody>
+          <a:bodyPr vert="horz" lIns="91440" tIns="45720" rIns="91440" bIns="45720" rtlCol="0" anchor="ctr" anchorCtr="0">
+            <a:noAutofit/>
+          </a:bodyPr>
+          <a:lstStyle>
+            <a:lvl1pPr algn="ctr" defTabSz="914400" rtl="0" eaLnBrk="1" latinLnBrk="0" hangingPunct="1">
+              <a:lnSpc>
+                <a:spcPct val="90000"/>
+              </a:lnSpc>
+              <a:spcBef>
+                <a:spcPct val="0"/>
+              </a:spcBef>
+              <a:buNone/>
+              <a:defRPr sz="4800" kern="1200" cap="all" spc="300" baseline="0">
+                <a:solidFill>
+                  <a:schemeClr val="bg1"/>
+                </a:solidFill>
+                <a:latin typeface="+mj-lt"/>
+                <a:ea typeface="+mj-ea"/>
+                <a:cs typeface="+mj-cs"/>
+              </a:defRPr>
+            </a:lvl1pPr>
+          </a:lstStyle>
+          <a:p>
+            <a:r>
+              <a:rPr lang="en-US" sz="2800" dirty="0" smtClean="0"/>
+              <a:t>File size is smaller, but we need to work on them a little bit more to compete with jpeg/</a:t>
+            </a:r>
+            <a:r>
+              <a:rPr lang="en-US" sz="2800" dirty="0" err="1" smtClean="0"/>
+              <a:t>webm</a:t>
+            </a:r>
+            <a:endParaRPr lang="en-US" sz="2800" dirty="0"/>
+          </a:p>
+        </p:txBody>
+      </p:sp>
     </p:spTree>
     <p:extLst>
       <p:ext uri="{BB962C8B-B14F-4D97-AF65-F5344CB8AC3E}">
@@ -13598,7 +13902,7 @@
         <p:spPr>
           <a:xfrm>
             <a:off x="5283200" y="3980656"/>
-            <a:ext cx="6096000" cy="2585323"/>
+            <a:ext cx="6096000" cy="923330"/>
           </a:xfrm>
           <a:prstGeom prst="rect">
             <a:avLst/>
@@ -13633,58 +13937,28 @@
           </a:p>
           <a:p>
             <a:r>
+              <a:rPr lang="en-US" dirty="0" smtClean="0">
+                <a:solidFill>
+                  <a:schemeClr val="bg1"/>
+                </a:solidFill>
+              </a:rPr>
+              <a:t>Encoder &amp; Decoder</a:t>
+            </a:r>
+            <a:r>
               <a:rPr lang="en-US" dirty="0">
                 <a:solidFill>
                   <a:schemeClr val="bg1"/>
                 </a:solidFill>
               </a:rPr>
-              <a:t>Encoder: Conv2D (3→16) extracts low-level features, Conv2D (16→32) captures patterns, Conv2D (32→32) refines representation.</a:t>
-            </a:r>
-            <a:endParaRPr lang="ru-RU" dirty="0">
-              <a:solidFill>
-                <a:schemeClr val="bg1"/>
-              </a:solidFill>
-            </a:endParaRPr>
-          </a:p>
-          <a:p>
-            <a:r>
-              <a:rPr lang="en-US" dirty="0">
-                <a:solidFill>
-                  <a:schemeClr val="bg1"/>
-                </a:solidFill>
-              </a:rPr>
-              <a:t/>
-            </a:r>
-            <a:br>
-              <a:rPr lang="en-US" dirty="0">
-                <a:solidFill>
-                  <a:schemeClr val="bg1"/>
-                </a:solidFill>
-              </a:rPr>
-            </a:br>
-            <a:r>
-              <a:rPr lang="en-US" dirty="0">
-                <a:solidFill>
-                  <a:schemeClr val="bg1"/>
-                </a:solidFill>
-              </a:rPr>
-              <a:t>Decoder: ConvTranspose2D (32→32) </a:t>
-            </a:r>
-            <a:r>
-              <a:rPr lang="en-US" dirty="0" err="1">
-                <a:solidFill>
-                  <a:schemeClr val="bg1"/>
-                </a:solidFill>
-              </a:rPr>
-              <a:t>upsamples</a:t>
-            </a:r>
-            <a:r>
-              <a:rPr lang="en-US" dirty="0">
-                <a:solidFill>
-                  <a:schemeClr val="bg1"/>
-                </a:solidFill>
-              </a:rPr>
-              <a:t>, ConvTranspose2D (32→16) restores details, ConvTranspose2D (16→3, Sigmoid) reconstructs the image.</a:t>
+              <a:t>: </a:t>
+            </a:r>
+            <a:r>
+              <a:rPr lang="en-US" dirty="0" smtClean="0">
+                <a:solidFill>
+                  <a:schemeClr val="bg1"/>
+                </a:solidFill>
+              </a:rPr>
+              <a:t>5 layers(AI model size – 4MB)</a:t>
             </a:r>
             <a:endParaRPr lang="ru-RU" dirty="0">
               <a:solidFill>
@@ -13914,18 +14188,22 @@
           </a:lstStyle>
           <a:p>
             <a:r>
-              <a:rPr lang="ru-RU" sz="3600" dirty="0" smtClean="0"/>
-              <a:t>100</a:t>
-            </a:r>
-            <a:r>
               <a:rPr lang="en-US" sz="3600" dirty="0" smtClean="0"/>
-              <a:t> kb encoded</a:t>
+              <a:t>4.62kb </a:t>
+            </a:r>
+            <a:r>
+              <a:rPr lang="en-US" sz="3600" dirty="0"/>
+              <a:t>encoded</a:t>
             </a:r>
           </a:p>
           <a:p>
             <a:r>
               <a:rPr lang="en-US" sz="3600" dirty="0" smtClean="0"/>
-              <a:t>26.4KB decoded</a:t>
+              <a:t>29KB </a:t>
+            </a:r>
+            <a:r>
+              <a:rPr lang="en-US" sz="3600" dirty="0"/>
+              <a:t>decoded</a:t>
             </a:r>
             <a:endParaRPr lang="ru-RU" sz="3600" dirty="0"/>
           </a:p>
@@ -14016,47 +14294,6 @@
         <p:spPr bwMode="auto">
           <a:xfrm>
             <a:off x="2138588" y="663348"/>
-            <a:ext cx="2487839" cy="2487839"/>
-          </a:xfrm>
-          <a:prstGeom prst="rect">
-            <a:avLst/>
-          </a:prstGeom>
-          <a:noFill/>
-          <a:extLst>
-            <a:ext uri="{909E8E84-426E-40DD-AFC4-6F175D3DCCD1}">
-              <a14:hiddenFill xmlns:a14="http://schemas.microsoft.com/office/drawing/2010/main">
-                <a:solidFill>
-                  <a:srgbClr val="FFFFFF"/>
-                </a:solidFill>
-              </a14:hiddenFill>
-            </a:ext>
-          </a:extLst>
-        </p:spPr>
-      </p:pic>
-      <p:pic>
-        <p:nvPicPr>
-          <p:cNvPr id="5" name="Picture 3" descr="C:\Users\grigo\OneDrive\Рабочий стол\00000.png_decoded.png"/>
-          <p:cNvPicPr>
-            <a:picLocks noChangeAspect="1" noChangeArrowheads="1"/>
-          </p:cNvPicPr>
-          <p:nvPr/>
-        </p:nvPicPr>
-        <p:blipFill>
-          <a:blip r:embed="rId5">
-            <a:extLst>
-              <a:ext uri="{28A0092B-C50C-407E-A947-70E740481C1C}">
-                <a14:useLocalDpi xmlns:a14="http://schemas.microsoft.com/office/drawing/2010/main" val="0"/>
-              </a:ext>
-            </a:extLst>
-          </a:blip>
-          <a:srcRect/>
-          <a:stretch>
-            <a:fillRect/>
-          </a:stretch>
-        </p:blipFill>
-        <p:spPr bwMode="auto">
-          <a:xfrm>
-            <a:off x="7698345" y="663348"/>
             <a:ext cx="2487839" cy="2487839"/>
           </a:xfrm>
           <a:prstGeom prst="rect">
@@ -14125,14 +14362,14 @@
       </p:sp>
       <p:pic>
         <p:nvPicPr>
-          <p:cNvPr id="1026" name="Picture 2"/>
+          <p:cNvPr id="5" name="Picture 2"/>
           <p:cNvPicPr>
             <a:picLocks noChangeAspect="1" noChangeArrowheads="1"/>
           </p:cNvPicPr>
           <p:nvPr/>
         </p:nvPicPr>
         <p:blipFill>
-          <a:blip r:embed="rId6">
+          <a:blip r:embed="rId5">
             <a:extLst>
               <a:ext uri="{28A0092B-C50C-407E-A947-70E740481C1C}">
                 <a14:useLocalDpi xmlns:a14="http://schemas.microsoft.com/office/drawing/2010/main" val="0"/>
@@ -14146,8 +14383,72 @@
         </p:blipFill>
         <p:spPr bwMode="auto">
           <a:xfrm>
-            <a:off x="2569082" y="4545901"/>
-            <a:ext cx="2670671" cy="2225678"/>
+            <a:off x="7686770" y="663347"/>
+            <a:ext cx="2487839" cy="2487839"/>
+          </a:xfrm>
+          <a:prstGeom prst="rect">
+            <a:avLst/>
+          </a:prstGeom>
+          <a:noFill/>
+          <a:ln>
+            <a:noFill/>
+          </a:ln>
+          <a:effectLst/>
+          <a:extLst>
+            <a:ext uri="{909E8E84-426E-40DD-AFC4-6F175D3DCCD1}">
+              <a14:hiddenFill xmlns:a14="http://schemas.microsoft.com/office/drawing/2010/main">
+                <a:solidFill>
+                  <a:schemeClr val="accent1"/>
+                </a:solidFill>
+              </a14:hiddenFill>
+            </a:ext>
+            <a:ext uri="{91240B29-F687-4F45-9708-019B960494DF}">
+              <a14:hiddenLine xmlns:a14="http://schemas.microsoft.com/office/drawing/2010/main" w="9525">
+                <a:solidFill>
+                  <a:schemeClr val="tx1"/>
+                </a:solidFill>
+                <a:miter lim="800000"/>
+                <a:headEnd/>
+                <a:tailEnd/>
+              </a14:hiddenLine>
+            </a:ext>
+            <a:ext uri="{AF507438-7753-43E0-B8FC-AC1667EBCBE1}">
+              <a14:hiddenEffects xmlns:a14="http://schemas.microsoft.com/office/drawing/2010/main">
+                <a:effectLst>
+                  <a:outerShdw dist="35921" dir="2700000" algn="ctr" rotWithShape="0">
+                    <a:schemeClr val="bg2"/>
+                  </a:outerShdw>
+                </a:effectLst>
+              </a14:hiddenEffects>
+            </a:ext>
+          </a:extLst>
+        </p:spPr>
+      </p:pic>
+      <p:pic>
+        <p:nvPicPr>
+          <p:cNvPr id="6" name="Picture 2"/>
+          <p:cNvPicPr>
+            <a:picLocks noChangeAspect="1" noChangeArrowheads="1"/>
+          </p:cNvPicPr>
+          <p:nvPr/>
+        </p:nvPicPr>
+        <p:blipFill>
+          <a:blip r:embed="rId6" cstate="print">
+            <a:extLst>
+              <a:ext uri="{28A0092B-C50C-407E-A947-70E740481C1C}">
+                <a14:useLocalDpi xmlns:a14="http://schemas.microsoft.com/office/drawing/2010/main" val="0"/>
+              </a:ext>
+            </a:extLst>
+          </a:blip>
+          <a:srcRect/>
+          <a:stretch>
+            <a:fillRect/>
+          </a:stretch>
+        </p:blipFill>
+        <p:spPr bwMode="auto">
+          <a:xfrm>
+            <a:off x="2258535" y="4641532"/>
+            <a:ext cx="4067636" cy="2216468"/>
           </a:xfrm>
           <a:prstGeom prst="rect">
             <a:avLst/>
@@ -14260,11 +14561,6 @@
               </a:rPr>
               <a:t>3</a:t>
             </a:r>
-            <a:endParaRPr lang="ru-RU" sz="7200" dirty="0">
-              <a:solidFill>
-                <a:schemeClr val="bg1"/>
-              </a:solidFill>
-            </a:endParaRPr>
           </a:p>
         </p:txBody>
       </p:sp>
@@ -14311,7 +14607,23 @@
                   <a:schemeClr val="bg1"/>
                 </a:solidFill>
               </a:rPr>
-              <a:t>170 minutes</a:t>
+              <a:t>25</a:t>
+            </a:r>
+            <a:r>
+              <a:rPr lang="en-US" sz="2400" dirty="0" smtClean="0">
+                <a:solidFill>
+                  <a:schemeClr val="bg1"/>
+                </a:solidFill>
+              </a:rPr>
+              <a:t>0 </a:t>
+            </a:r>
+            <a:r>
+              <a:rPr lang="en-US" sz="2400" dirty="0" smtClean="0">
+                <a:solidFill>
+                  <a:schemeClr val="bg1"/>
+                </a:solidFill>
+              </a:rPr>
+              <a:t>minutes</a:t>
             </a:r>
             <a:endParaRPr lang="ru-RU" sz="2400" dirty="0">
               <a:solidFill>
@@ -14378,9 +14690,108 @@
           </a:p>
         </p:txBody>
       </p:sp>
+      <p:sp>
+        <p:nvSpPr>
+          <p:cNvPr id="15" name="Заголовок 1"/>
+          <p:cNvSpPr txBox="1">
+            <a:spLocks/>
+          </p:cNvSpPr>
+          <p:nvPr/>
+        </p:nvSpPr>
+        <p:spPr>
+          <a:xfrm>
+            <a:off x="6244390" y="3687760"/>
+            <a:ext cx="5372600" cy="625642"/>
+          </a:xfrm>
+          <a:prstGeom prst="rect">
+            <a:avLst/>
+          </a:prstGeom>
+        </p:spPr>
+        <p:txBody>
+          <a:bodyPr vert="horz" lIns="91440" tIns="45720" rIns="91440" bIns="45720" rtlCol="0" anchor="ctr" anchorCtr="0">
+            <a:noAutofit/>
+          </a:bodyPr>
+          <a:lstStyle>
+            <a:lvl1pPr algn="ctr" defTabSz="914400" rtl="0" eaLnBrk="1" latinLnBrk="0" hangingPunct="1">
+              <a:lnSpc>
+                <a:spcPct val="90000"/>
+              </a:lnSpc>
+              <a:spcBef>
+                <a:spcPct val="0"/>
+              </a:spcBef>
+              <a:buNone/>
+              <a:defRPr sz="4800" kern="1200" cap="all" spc="300" baseline="0">
+                <a:solidFill>
+                  <a:schemeClr val="bg1"/>
+                </a:solidFill>
+                <a:latin typeface="+mj-lt"/>
+                <a:ea typeface="+mj-ea"/>
+                <a:cs typeface="+mj-cs"/>
+              </a:defRPr>
+            </a:lvl1pPr>
+          </a:lstStyle>
+          <a:p>
+            <a:r>
+              <a:rPr lang="en-US" sz="3600" dirty="0" smtClean="0"/>
+              <a:t>5.8</a:t>
+            </a:r>
+            <a:r>
+              <a:rPr lang="en-US" sz="3600" dirty="0" smtClean="0"/>
+              <a:t>kb </a:t>
+            </a:r>
+            <a:r>
+              <a:rPr lang="en-US" sz="3600" dirty="0"/>
+              <a:t>encoded</a:t>
+            </a:r>
+          </a:p>
+          <a:p>
+            <a:r>
+              <a:rPr lang="en-US" sz="3600" dirty="0" smtClean="0"/>
+              <a:t>25KB </a:t>
+            </a:r>
+            <a:r>
+              <a:rPr lang="en-US" sz="3600" dirty="0"/>
+              <a:t>decoded</a:t>
+            </a:r>
+            <a:endParaRPr lang="ru-RU" sz="3600" dirty="0"/>
+          </a:p>
+        </p:txBody>
+      </p:sp>
+      <p:sp>
+        <p:nvSpPr>
+          <p:cNvPr id="16" name="Заголовок 1"/>
+          <p:cNvSpPr>
+            <a:spLocks noGrp="1"/>
+          </p:cNvSpPr>
+          <p:nvPr>
+            <p:ph type="ctrTitle"/>
+          </p:nvPr>
+        </p:nvSpPr>
+        <p:spPr>
+          <a:xfrm>
+            <a:off x="2249905" y="3657600"/>
+            <a:ext cx="2378241" cy="625642"/>
+          </a:xfrm>
+        </p:spPr>
+        <p:txBody>
+          <a:bodyPr/>
+          <a:lstStyle/>
+          <a:p>
+            <a:r>
+              <a:rPr lang="ru-RU" sz="3600" dirty="0" smtClean="0"/>
+              <a:t>34</a:t>
+            </a:r>
+            <a:r>
+              <a:rPr lang="en-US" sz="3600" dirty="0" smtClean="0"/>
+              <a:t>KB</a:t>
+            </a:r>
+            <a:endParaRPr lang="ru-RU" sz="3600" dirty="0"/>
+          </a:p>
+        </p:txBody>
+      </p:sp>
       <p:pic>
         <p:nvPicPr>
-          <p:cNvPr id="14" name="Picture 6"/>
+          <p:cNvPr id="17" name="Picture 2" descr="C:\Users\grigo\OneDrive\Рабочий стол\00000.png"/>
           <p:cNvPicPr>
             <a:picLocks noChangeAspect="1" noChangeArrowheads="1"/>
           </p:cNvPicPr>
@@ -14401,8 +14812,49 @@
         </p:blipFill>
         <p:spPr bwMode="auto">
           <a:xfrm>
-            <a:off x="2027238" y="4706576"/>
-            <a:ext cx="4469815" cy="2152493"/>
+            <a:off x="2138588" y="663348"/>
+            <a:ext cx="2487839" cy="2487839"/>
+          </a:xfrm>
+          <a:prstGeom prst="rect">
+            <a:avLst/>
+          </a:prstGeom>
+          <a:noFill/>
+          <a:extLst>
+            <a:ext uri="{909E8E84-426E-40DD-AFC4-6F175D3DCCD1}">
+              <a14:hiddenFill xmlns:a14="http://schemas.microsoft.com/office/drawing/2010/main">
+                <a:solidFill>
+                  <a:srgbClr val="FFFFFF"/>
+                </a:solidFill>
+              </a14:hiddenFill>
+            </a:ext>
+          </a:extLst>
+        </p:spPr>
+      </p:pic>
+      <p:pic>
+        <p:nvPicPr>
+          <p:cNvPr id="2051" name="Picture 3"/>
+          <p:cNvPicPr>
+            <a:picLocks noChangeAspect="1" noChangeArrowheads="1"/>
+          </p:cNvPicPr>
+          <p:nvPr/>
+        </p:nvPicPr>
+        <p:blipFill>
+          <a:blip r:embed="rId4">
+            <a:extLst>
+              <a:ext uri="{28A0092B-C50C-407E-A947-70E740481C1C}">
+                <a14:useLocalDpi xmlns:a14="http://schemas.microsoft.com/office/drawing/2010/main" val="0"/>
+              </a:ext>
+            </a:extLst>
+          </a:blip>
+          <a:srcRect/>
+          <a:stretch>
+            <a:fillRect/>
+          </a:stretch>
+        </p:blipFill>
+        <p:spPr bwMode="auto">
+          <a:xfrm>
+            <a:off x="7883244" y="4999321"/>
+            <a:ext cx="4308756" cy="1858679"/>
           </a:xfrm>
           <a:prstGeom prst="rect">
             <a:avLst/>
@@ -14442,103 +14894,16 @@
           </a:extLst>
         </p:spPr>
       </p:pic>
-      <p:sp>
-        <p:nvSpPr>
-          <p:cNvPr id="15" name="Заголовок 1"/>
-          <p:cNvSpPr txBox="1">
-            <a:spLocks/>
-          </p:cNvSpPr>
-          <p:nvPr/>
-        </p:nvSpPr>
-        <p:spPr>
-          <a:xfrm>
-            <a:off x="6244390" y="3687760"/>
-            <a:ext cx="5372600" cy="625642"/>
-          </a:xfrm>
-          <a:prstGeom prst="rect">
-            <a:avLst/>
-          </a:prstGeom>
-        </p:spPr>
-        <p:txBody>
-          <a:bodyPr vert="horz" lIns="91440" tIns="45720" rIns="91440" bIns="45720" rtlCol="0" anchor="ctr" anchorCtr="0">
-            <a:noAutofit/>
-          </a:bodyPr>
-          <a:lstStyle>
-            <a:lvl1pPr algn="ctr" defTabSz="914400" rtl="0" eaLnBrk="1" latinLnBrk="0" hangingPunct="1">
-              <a:lnSpc>
-                <a:spcPct val="90000"/>
-              </a:lnSpc>
-              <a:spcBef>
-                <a:spcPct val="0"/>
-              </a:spcBef>
-              <a:buNone/>
-              <a:defRPr sz="4800" kern="1200" cap="all" spc="300" baseline="0">
-                <a:solidFill>
-                  <a:schemeClr val="bg1"/>
-                </a:solidFill>
-                <a:latin typeface="+mj-lt"/>
-                <a:ea typeface="+mj-ea"/>
-                <a:cs typeface="+mj-cs"/>
-              </a:defRPr>
-            </a:lvl1pPr>
-          </a:lstStyle>
-          <a:p>
-            <a:r>
-              <a:rPr lang="en-US" sz="3600" dirty="0" smtClean="0"/>
-              <a:t>100kb encoded</a:t>
-            </a:r>
-          </a:p>
-          <a:p>
-            <a:r>
-              <a:rPr lang="en-US" sz="3600" dirty="0" smtClean="0"/>
-              <a:t>30KB decoded</a:t>
-            </a:r>
-            <a:endParaRPr lang="ru-RU" sz="3600" dirty="0"/>
-          </a:p>
-        </p:txBody>
-      </p:sp>
-      <p:sp>
-        <p:nvSpPr>
-          <p:cNvPr id="16" name="Заголовок 1"/>
-          <p:cNvSpPr>
-            <a:spLocks noGrp="1"/>
-          </p:cNvSpPr>
-          <p:nvPr>
-            <p:ph type="ctrTitle"/>
-          </p:nvPr>
-        </p:nvSpPr>
-        <p:spPr>
-          <a:xfrm>
-            <a:off x="2249905" y="3657600"/>
-            <a:ext cx="2378241" cy="625642"/>
-          </a:xfrm>
-        </p:spPr>
-        <p:txBody>
-          <a:bodyPr/>
-          <a:lstStyle/>
-          <a:p>
-            <a:r>
-              <a:rPr lang="ru-RU" sz="3600" dirty="0" smtClean="0"/>
-              <a:t>34</a:t>
-            </a:r>
-            <a:r>
-              <a:rPr lang="en-US" sz="3600" dirty="0" smtClean="0"/>
-              <a:t>KB</a:t>
-            </a:r>
-            <a:endParaRPr lang="ru-RU" sz="3600" dirty="0"/>
-          </a:p>
-        </p:txBody>
-      </p:sp>
       <p:pic>
         <p:nvPicPr>
-          <p:cNvPr id="17" name="Picture 2" descr="C:\Users\grigo\OneDrive\Рабочий стол\00000.png"/>
+          <p:cNvPr id="11" name="Picture 2"/>
           <p:cNvPicPr>
             <a:picLocks noChangeAspect="1" noChangeArrowheads="1"/>
           </p:cNvPicPr>
           <p:nvPr/>
         </p:nvPicPr>
         <p:blipFill>
-          <a:blip r:embed="rId4">
+          <a:blip r:embed="rId5" cstate="print">
             <a:extLst>
               <a:ext uri="{28A0092B-C50C-407E-A947-70E740481C1C}">
                 <a14:useLocalDpi xmlns:a14="http://schemas.microsoft.com/office/drawing/2010/main" val="0"/>
@@ -14552,49 +14917,8 @@
         </p:blipFill>
         <p:spPr bwMode="auto">
           <a:xfrm>
-            <a:off x="2138588" y="663348"/>
-            <a:ext cx="2487839" cy="2487839"/>
-          </a:xfrm>
-          <a:prstGeom prst="rect">
-            <a:avLst/>
-          </a:prstGeom>
-          <a:noFill/>
-          <a:extLst>
-            <a:ext uri="{909E8E84-426E-40DD-AFC4-6F175D3DCCD1}">
-              <a14:hiddenFill xmlns:a14="http://schemas.microsoft.com/office/drawing/2010/main">
-                <a:solidFill>
-                  <a:srgbClr val="FFFFFF"/>
-                </a:solidFill>
-              </a14:hiddenFill>
-            </a:ext>
-          </a:extLst>
-        </p:spPr>
-      </p:pic>
-      <p:pic>
-        <p:nvPicPr>
-          <p:cNvPr id="2051" name="Picture 3"/>
-          <p:cNvPicPr>
-            <a:picLocks noChangeAspect="1" noChangeArrowheads="1"/>
-          </p:cNvPicPr>
-          <p:nvPr/>
-        </p:nvPicPr>
-        <p:blipFill>
-          <a:blip r:embed="rId5">
-            <a:extLst>
-              <a:ext uri="{28A0092B-C50C-407E-A947-70E740481C1C}">
-                <a14:useLocalDpi xmlns:a14="http://schemas.microsoft.com/office/drawing/2010/main" val="0"/>
-              </a:ext>
-            </a:extLst>
-          </a:blip>
-          <a:srcRect/>
-          <a:stretch>
-            <a:fillRect/>
-          </a:stretch>
-        </p:blipFill>
-        <p:spPr bwMode="auto">
-          <a:xfrm>
-            <a:off x="7883244" y="4999321"/>
-            <a:ext cx="4308756" cy="1858679"/>
+            <a:off x="2258535" y="4641532"/>
+            <a:ext cx="4067636" cy="2216468"/>
           </a:xfrm>
           <a:prstGeom prst="rect">
             <a:avLst/>
@@ -14636,7 +14960,7 @@
       </p:pic>
       <p:pic>
         <p:nvPicPr>
-          <p:cNvPr id="1026" name="Picture 2" descr="C:\Users\grigo\OneDrive\Documents\GitHub\inf_theory_project\compressed_images\00000.png_decoded.png"/>
+          <p:cNvPr id="10" name="Picture 2" descr="C:\Users\grigo\OneDrive\Documents\GitHub\inf_theory_project\compressed_images\00000.png_decoded.png"/>
           <p:cNvPicPr>
             <a:picLocks noChangeAspect="1" noChangeArrowheads="1"/>
           </p:cNvPicPr>
@@ -14657,8 +14981,8 @@
         </p:blipFill>
         <p:spPr bwMode="auto">
           <a:xfrm>
-            <a:off x="7694876" y="663348"/>
-            <a:ext cx="2487839" cy="2487839"/>
+            <a:off x="7665929" y="663348"/>
+            <a:ext cx="2487838" cy="2487838"/>
           </a:xfrm>
           <a:prstGeom prst="rect">
             <a:avLst/>
@@ -14748,11 +15072,6 @@
               </a:rPr>
               <a:t>3</a:t>
             </a:r>
-            <a:endParaRPr lang="ru-RU" sz="7200" dirty="0">
-              <a:solidFill>
-                <a:schemeClr val="bg1"/>
-              </a:solidFill>
-            </a:endParaRPr>
           </a:p>
         </p:txBody>
       </p:sp>
@@ -14807,7 +15126,7 @@
       </p:sp>
       <p:pic>
         <p:nvPicPr>
-          <p:cNvPr id="2050" name="Picture 2"/>
+          <p:cNvPr id="2" name="Picture 2"/>
           <p:cNvPicPr>
             <a:picLocks noChangeAspect="1" noChangeArrowheads="1"/>
           </p:cNvPicPr>
@@ -14828,8 +15147,8 @@
         </p:blipFill>
         <p:spPr bwMode="auto">
           <a:xfrm>
-            <a:off x="487366" y="1087048"/>
-            <a:ext cx="5380729" cy="2868329"/>
+            <a:off x="607719" y="1037635"/>
+            <a:ext cx="5349794" cy="2861198"/>
           </a:xfrm>
           <a:prstGeom prst="rect">
             <a:avLst/>
@@ -14871,7 +15190,7 @@
       </p:pic>
       <p:pic>
         <p:nvPicPr>
-          <p:cNvPr id="2051" name="Picture 3"/>
+          <p:cNvPr id="4" name="Picture 3"/>
           <p:cNvPicPr>
             <a:picLocks noChangeAspect="1" noChangeArrowheads="1"/>
           </p:cNvPicPr>
@@ -14892,8 +15211,8 @@
         </p:blipFill>
         <p:spPr bwMode="auto">
           <a:xfrm>
-            <a:off x="6349825" y="1230675"/>
-            <a:ext cx="5034277" cy="2581074"/>
+            <a:off x="6211995" y="1037635"/>
+            <a:ext cx="5383739" cy="2861198"/>
           </a:xfrm>
           <a:prstGeom prst="rect">
             <a:avLst/>
@@ -14935,7 +15254,7 @@
       </p:pic>
       <p:pic>
         <p:nvPicPr>
-          <p:cNvPr id="2052" name="Picture 4"/>
+          <p:cNvPr id="5" name="Picture 4"/>
           <p:cNvPicPr>
             <a:picLocks noChangeAspect="1" noChangeArrowheads="1"/>
           </p:cNvPicPr>
@@ -14956,8 +15275,8 @@
         </p:blipFill>
         <p:spPr bwMode="auto">
           <a:xfrm>
-            <a:off x="3564497" y="4091873"/>
-            <a:ext cx="4928273" cy="2555025"/>
+            <a:off x="3780416" y="4125118"/>
+            <a:ext cx="4496435" cy="2474755"/>
           </a:xfrm>
           <a:prstGeom prst="rect">
             <a:avLst/>
@@ -15011,6 +15330,1049 @@
 </file>
 
 <file path=ppt/slides/slide25.xml><?xml version="1.0" encoding="utf-8"?>
+<p:sld xmlns:a="http://schemas.openxmlformats.org/drawingml/2006/main" xmlns:r="http://schemas.openxmlformats.org/officeDocument/2006/relationships" xmlns:p="http://schemas.openxmlformats.org/presentationml/2006/main">
+  <p:cSld>
+    <p:spTree>
+      <p:nvGrpSpPr>
+        <p:cNvPr id="1" name="">
+          <a:extLst>
+            <a:ext uri="{FF2B5EF4-FFF2-40B4-BE49-F238E27FC236}">
+              <a16:creationId xmlns:a16="http://schemas.microsoft.com/office/drawing/2014/main" xmlns="" id="{EF87400A-AA39-C6BD-0F50-19DF27F0BEE1}"/>
+            </a:ext>
+          </a:extLst>
+        </p:cNvPr>
+        <p:cNvGrpSpPr/>
+        <p:nvPr/>
+      </p:nvGrpSpPr>
+      <p:grpSpPr>
+        <a:xfrm>
+          <a:off x="0" y="0"/>
+          <a:ext cx="0" cy="0"/>
+          <a:chOff x="0" y="0"/>
+          <a:chExt cx="0" cy="0"/>
+        </a:xfrm>
+      </p:grpSpPr>
+      <p:sp>
+        <p:nvSpPr>
+          <p:cNvPr id="3" name="Прямоугольник 2"/>
+          <p:cNvSpPr/>
+          <p:nvPr/>
+        </p:nvSpPr>
+        <p:spPr>
+          <a:xfrm>
+            <a:off x="0" y="5658740"/>
+            <a:ext cx="1876926" cy="1200329"/>
+          </a:xfrm>
+          <a:prstGeom prst="rect">
+            <a:avLst/>
+          </a:prstGeom>
+        </p:spPr>
+        <p:txBody>
+          <a:bodyPr wrap="square">
+            <a:spAutoFit/>
+          </a:bodyPr>
+          <a:lstStyle/>
+          <a:p>
+            <a:r>
+              <a:rPr lang="en-US" sz="7200" dirty="0" smtClean="0">
+                <a:solidFill>
+                  <a:schemeClr val="bg1"/>
+                </a:solidFill>
+              </a:rPr>
+              <a:t>V</a:t>
+            </a:r>
+            <a:r>
+              <a:rPr lang="ru-RU" sz="7200" dirty="0">
+                <a:solidFill>
+                  <a:schemeClr val="bg1"/>
+                </a:solidFill>
+              </a:rPr>
+              <a:t>3</a:t>
+            </a:r>
+          </a:p>
+        </p:txBody>
+      </p:sp>
+      <p:sp>
+        <p:nvSpPr>
+          <p:cNvPr id="13" name="Заголовок 1"/>
+          <p:cNvSpPr txBox="1">
+            <a:spLocks/>
+          </p:cNvSpPr>
+          <p:nvPr/>
+        </p:nvSpPr>
+        <p:spPr>
+          <a:xfrm>
+            <a:off x="0" y="132080"/>
+            <a:ext cx="7653418" cy="625642"/>
+          </a:xfrm>
+          <a:prstGeom prst="rect">
+            <a:avLst/>
+          </a:prstGeom>
+        </p:spPr>
+        <p:txBody>
+          <a:bodyPr vert="horz" lIns="91440" tIns="45720" rIns="91440" bIns="45720" rtlCol="0" anchor="ctr" anchorCtr="0">
+            <a:noAutofit/>
+          </a:bodyPr>
+          <a:lstStyle>
+            <a:lvl1pPr algn="ctr" defTabSz="914400" rtl="0" eaLnBrk="1" latinLnBrk="0" hangingPunct="1">
+              <a:lnSpc>
+                <a:spcPct val="90000"/>
+              </a:lnSpc>
+              <a:spcBef>
+                <a:spcPct val="0"/>
+              </a:spcBef>
+              <a:buNone/>
+              <a:defRPr sz="4800" kern="1200" cap="all" spc="300" baseline="0">
+                <a:solidFill>
+                  <a:schemeClr val="bg1"/>
+                </a:solidFill>
+                <a:latin typeface="+mj-lt"/>
+                <a:ea typeface="+mj-ea"/>
+                <a:cs typeface="+mj-cs"/>
+              </a:defRPr>
+            </a:lvl1pPr>
+          </a:lstStyle>
+          <a:p>
+            <a:r>
+              <a:rPr lang="en-US" sz="2800" dirty="0" smtClean="0"/>
+              <a:t>Compression of the encoded image file(.</a:t>
+            </a:r>
+            <a:r>
+              <a:rPr lang="en-US" sz="2800" dirty="0" err="1" smtClean="0"/>
+              <a:t>pt</a:t>
+            </a:r>
+            <a:r>
+              <a:rPr lang="en-US" sz="2800" dirty="0" smtClean="0"/>
+              <a:t> file)</a:t>
+            </a:r>
+            <a:endParaRPr lang="en-US" sz="2800" dirty="0"/>
+          </a:p>
+        </p:txBody>
+      </p:sp>
+      <p:sp>
+        <p:nvSpPr>
+          <p:cNvPr id="7" name="Прямоугольник 6"/>
+          <p:cNvSpPr/>
+          <p:nvPr/>
+        </p:nvSpPr>
+        <p:spPr>
+          <a:xfrm>
+            <a:off x="8128000" y="444901"/>
+            <a:ext cx="2942658" cy="830997"/>
+          </a:xfrm>
+          <a:prstGeom prst="rect">
+            <a:avLst/>
+          </a:prstGeom>
+        </p:spPr>
+        <p:txBody>
+          <a:bodyPr wrap="square">
+            <a:spAutoFit/>
+          </a:bodyPr>
+          <a:lstStyle/>
+          <a:p>
+            <a:pPr marL="457200" indent="-457200">
+              <a:buAutoNum type="arabicParenR"/>
+            </a:pPr>
+            <a:r>
+              <a:rPr lang="en-US" sz="2400" dirty="0" smtClean="0">
+                <a:solidFill>
+                  <a:schemeClr val="bg1"/>
+                </a:solidFill>
+              </a:rPr>
+              <a:t>With </a:t>
+            </a:r>
+            <a:r>
+              <a:rPr lang="en-US" sz="2400" dirty="0" err="1" smtClean="0">
+                <a:solidFill>
+                  <a:schemeClr val="bg1"/>
+                </a:solidFill>
+              </a:rPr>
+              <a:t>gzip</a:t>
+            </a:r>
+            <a:r>
+              <a:rPr lang="en-US" sz="2400" dirty="0" smtClean="0">
+                <a:solidFill>
+                  <a:schemeClr val="bg1"/>
+                </a:solidFill>
+              </a:rPr>
+              <a:t>: 5.89KB</a:t>
+            </a:r>
+          </a:p>
+          <a:p>
+            <a:r>
+              <a:rPr lang="en-US" sz="2400" dirty="0" smtClean="0">
+                <a:solidFill>
+                  <a:schemeClr val="bg1"/>
+                </a:solidFill>
+              </a:rPr>
+              <a:t>No loss</a:t>
+            </a:r>
+            <a:endParaRPr lang="ru-RU" sz="2400" dirty="0">
+              <a:solidFill>
+                <a:schemeClr val="bg1"/>
+              </a:solidFill>
+            </a:endParaRPr>
+          </a:p>
+        </p:txBody>
+      </p:sp>
+      <p:sp>
+        <p:nvSpPr>
+          <p:cNvPr id="8" name="Прямоугольник 7"/>
+          <p:cNvSpPr/>
+          <p:nvPr/>
+        </p:nvSpPr>
+        <p:spPr>
+          <a:xfrm>
+            <a:off x="8128000" y="1634317"/>
+            <a:ext cx="4318000" cy="830997"/>
+          </a:xfrm>
+          <a:prstGeom prst="rect">
+            <a:avLst/>
+          </a:prstGeom>
+        </p:spPr>
+        <p:txBody>
+          <a:bodyPr wrap="square">
+            <a:spAutoFit/>
+          </a:bodyPr>
+          <a:lstStyle/>
+          <a:p>
+            <a:r>
+              <a:rPr lang="en-US" sz="2400" dirty="0">
+                <a:solidFill>
+                  <a:schemeClr val="bg1"/>
+                </a:solidFill>
+              </a:rPr>
+              <a:t>2</a:t>
+            </a:r>
+            <a:r>
+              <a:rPr lang="en-US" sz="2400" dirty="0" smtClean="0">
+                <a:solidFill>
+                  <a:schemeClr val="bg1"/>
+                </a:solidFill>
+              </a:rPr>
+              <a:t>) </a:t>
+            </a:r>
+            <a:r>
+              <a:rPr lang="en-US" sz="2400" dirty="0" err="1" smtClean="0">
+                <a:solidFill>
+                  <a:schemeClr val="bg1"/>
+                </a:solidFill>
+              </a:rPr>
+              <a:t>Lzma</a:t>
+            </a:r>
+            <a:r>
+              <a:rPr lang="en-US" sz="2400" dirty="0" smtClean="0">
+                <a:solidFill>
+                  <a:schemeClr val="bg1"/>
+                </a:solidFill>
+              </a:rPr>
+              <a:t> instead of </a:t>
+            </a:r>
+            <a:r>
+              <a:rPr lang="en-US" sz="2400" dirty="0" err="1" smtClean="0">
+                <a:solidFill>
+                  <a:schemeClr val="bg1"/>
+                </a:solidFill>
+              </a:rPr>
+              <a:t>gzip</a:t>
+            </a:r>
+            <a:r>
+              <a:rPr lang="en-US" sz="2400" dirty="0" smtClean="0">
+                <a:solidFill>
+                  <a:schemeClr val="bg1"/>
+                </a:solidFill>
+              </a:rPr>
+              <a:t>: 5.58KB</a:t>
+            </a:r>
+          </a:p>
+          <a:p>
+            <a:r>
+              <a:rPr lang="en-US" sz="2400" dirty="0" smtClean="0">
+                <a:solidFill>
+                  <a:schemeClr val="bg1"/>
+                </a:solidFill>
+              </a:rPr>
+              <a:t>No loss</a:t>
+            </a:r>
+            <a:endParaRPr lang="en-US" sz="2400" dirty="0">
+              <a:solidFill>
+                <a:schemeClr val="bg1"/>
+              </a:solidFill>
+            </a:endParaRPr>
+          </a:p>
+        </p:txBody>
+      </p:sp>
+      <p:sp>
+        <p:nvSpPr>
+          <p:cNvPr id="9" name="Прямоугольник 8"/>
+          <p:cNvSpPr/>
+          <p:nvPr/>
+        </p:nvSpPr>
+        <p:spPr>
+          <a:xfrm>
+            <a:off x="8128000" y="2690407"/>
+            <a:ext cx="4064000" cy="3416320"/>
+          </a:xfrm>
+          <a:prstGeom prst="rect">
+            <a:avLst/>
+          </a:prstGeom>
+        </p:spPr>
+        <p:txBody>
+          <a:bodyPr wrap="square">
+            <a:spAutoFit/>
+          </a:bodyPr>
+          <a:lstStyle/>
+          <a:p>
+            <a:r>
+              <a:rPr lang="en-US" sz="2400" dirty="0" smtClean="0">
+                <a:solidFill>
+                  <a:schemeClr val="bg1"/>
+                </a:solidFill>
+              </a:rPr>
+              <a:t>3) </a:t>
+            </a:r>
+            <a:r>
+              <a:rPr lang="en-US" sz="2400" dirty="0" err="1" smtClean="0">
+                <a:solidFill>
+                  <a:schemeClr val="bg1"/>
+                </a:solidFill>
+              </a:rPr>
+              <a:t>Lzma</a:t>
+            </a:r>
+            <a:r>
+              <a:rPr lang="ru-RU" sz="2400" dirty="0" smtClean="0">
+                <a:solidFill>
+                  <a:schemeClr val="bg1"/>
+                </a:solidFill>
+              </a:rPr>
+              <a:t> + </a:t>
+            </a:r>
+            <a:r>
+              <a:rPr lang="en-US" sz="2400" dirty="0" smtClean="0">
+                <a:solidFill>
+                  <a:schemeClr val="bg1"/>
+                </a:solidFill>
+              </a:rPr>
+              <a:t>quantization(FP16 </a:t>
+            </a:r>
+            <a:r>
+              <a:rPr lang="en-US" sz="2400" dirty="0">
+                <a:solidFill>
+                  <a:schemeClr val="bg1"/>
+                </a:solidFill>
+              </a:rPr>
+              <a:t>→ </a:t>
+            </a:r>
+            <a:r>
+              <a:rPr lang="en-US" sz="2400" dirty="0" smtClean="0">
+                <a:solidFill>
+                  <a:schemeClr val="bg1"/>
+                </a:solidFill>
+              </a:rPr>
+              <a:t>INT8): 2.9KB</a:t>
+            </a:r>
+          </a:p>
+          <a:p>
+            <a:endParaRPr lang="ru-RU" sz="2400" dirty="0" smtClean="0">
+              <a:solidFill>
+                <a:schemeClr val="bg1"/>
+              </a:solidFill>
+            </a:endParaRPr>
+          </a:p>
+          <a:p>
+            <a:r>
+              <a:rPr lang="en-US" sz="2400" dirty="0">
+                <a:solidFill>
+                  <a:schemeClr val="bg1"/>
+                </a:solidFill>
+              </a:rPr>
+              <a:t>The weight of a neuron narrows the </a:t>
+            </a:r>
+            <a:r>
+              <a:rPr lang="en-US" sz="2400" dirty="0" smtClean="0">
+                <a:solidFill>
+                  <a:schemeClr val="bg1"/>
+                </a:solidFill>
+              </a:rPr>
+              <a:t>range</a:t>
+            </a:r>
+            <a:r>
+              <a:rPr lang="ru-RU" sz="2400" dirty="0" smtClean="0">
+                <a:solidFill>
+                  <a:schemeClr val="bg1"/>
+                </a:solidFill>
+              </a:rPr>
+              <a:t> </a:t>
+            </a:r>
+            <a:r>
+              <a:rPr lang="en-US" sz="2400" dirty="0" smtClean="0">
+                <a:solidFill>
+                  <a:schemeClr val="bg1"/>
+                </a:solidFill>
+              </a:rPr>
+              <a:t>to [-127, 128]</a:t>
+            </a:r>
+            <a:endParaRPr lang="ru-RU" sz="2400" dirty="0" smtClean="0">
+              <a:solidFill>
+                <a:schemeClr val="bg1"/>
+              </a:solidFill>
+            </a:endParaRPr>
+          </a:p>
+          <a:p>
+            <a:endParaRPr lang="en-US" sz="2400" dirty="0" smtClean="0">
+              <a:solidFill>
+                <a:schemeClr val="bg1"/>
+              </a:solidFill>
+            </a:endParaRPr>
+          </a:p>
+          <a:p>
+            <a:r>
+              <a:rPr lang="en-US" sz="2400" dirty="0" smtClean="0">
+                <a:solidFill>
+                  <a:schemeClr val="bg1"/>
+                </a:solidFill>
+              </a:rPr>
+              <a:t>Loss is so small, that there is no difference, because</a:t>
+            </a:r>
+            <a:endParaRPr lang="ru-RU" sz="2400" dirty="0">
+              <a:solidFill>
+                <a:schemeClr val="bg1"/>
+              </a:solidFill>
+            </a:endParaRPr>
+          </a:p>
+        </p:txBody>
+      </p:sp>
+      <p:pic>
+        <p:nvPicPr>
+          <p:cNvPr id="10" name="Picture 2"/>
+          <p:cNvPicPr>
+            <a:picLocks noChangeAspect="1" noChangeArrowheads="1"/>
+          </p:cNvPicPr>
+          <p:nvPr/>
+        </p:nvPicPr>
+        <p:blipFill>
+          <a:blip r:embed="rId3" cstate="print">
+            <a:extLst>
+              <a:ext uri="{28A0092B-C50C-407E-A947-70E740481C1C}">
+                <a14:useLocalDpi xmlns:a14="http://schemas.microsoft.com/office/drawing/2010/main" val="0"/>
+              </a:ext>
+            </a:extLst>
+          </a:blip>
+          <a:srcRect/>
+          <a:stretch>
+            <a:fillRect/>
+          </a:stretch>
+        </p:blipFill>
+        <p:spPr bwMode="auto">
+          <a:xfrm>
+            <a:off x="98085" y="1513947"/>
+            <a:ext cx="3557681" cy="1902733"/>
+          </a:xfrm>
+          <a:prstGeom prst="rect">
+            <a:avLst/>
+          </a:prstGeom>
+          <a:noFill/>
+          <a:ln>
+            <a:noFill/>
+          </a:ln>
+          <a:effectLst/>
+          <a:extLst>
+            <a:ext uri="{909E8E84-426E-40DD-AFC4-6F175D3DCCD1}">
+              <a14:hiddenFill xmlns:a14="http://schemas.microsoft.com/office/drawing/2010/main">
+                <a:solidFill>
+                  <a:schemeClr val="accent1"/>
+                </a:solidFill>
+              </a14:hiddenFill>
+            </a:ext>
+            <a:ext uri="{91240B29-F687-4F45-9708-019B960494DF}">
+              <a14:hiddenLine xmlns:a14="http://schemas.microsoft.com/office/drawing/2010/main" w="9525">
+                <a:solidFill>
+                  <a:schemeClr val="tx1"/>
+                </a:solidFill>
+                <a:miter lim="800000"/>
+                <a:headEnd/>
+                <a:tailEnd/>
+              </a14:hiddenLine>
+            </a:ext>
+            <a:ext uri="{AF507438-7753-43E0-B8FC-AC1667EBCBE1}">
+              <a14:hiddenEffects xmlns:a14="http://schemas.microsoft.com/office/drawing/2010/main">
+                <a:effectLst>
+                  <a:outerShdw dist="35921" dir="2700000" algn="ctr" rotWithShape="0">
+                    <a:schemeClr val="bg2"/>
+                  </a:outerShdw>
+                </a:effectLst>
+              </a14:hiddenEffects>
+            </a:ext>
+          </a:extLst>
+        </p:spPr>
+      </p:pic>
+      <p:pic>
+        <p:nvPicPr>
+          <p:cNvPr id="3074" name="Picture 2"/>
+          <p:cNvPicPr>
+            <a:picLocks noChangeAspect="1" noChangeArrowheads="1"/>
+          </p:cNvPicPr>
+          <p:nvPr/>
+        </p:nvPicPr>
+        <p:blipFill>
+          <a:blip r:embed="rId4" cstate="print">
+            <a:extLst>
+              <a:ext uri="{28A0092B-C50C-407E-A947-70E740481C1C}">
+                <a14:useLocalDpi xmlns:a14="http://schemas.microsoft.com/office/drawing/2010/main" val="0"/>
+              </a:ext>
+            </a:extLst>
+          </a:blip>
+          <a:srcRect/>
+          <a:stretch>
+            <a:fillRect/>
+          </a:stretch>
+        </p:blipFill>
+        <p:spPr bwMode="auto">
+          <a:xfrm>
+            <a:off x="3960893" y="1513947"/>
+            <a:ext cx="3692525" cy="1902733"/>
+          </a:xfrm>
+          <a:prstGeom prst="rect">
+            <a:avLst/>
+          </a:prstGeom>
+          <a:noFill/>
+          <a:ln>
+            <a:noFill/>
+          </a:ln>
+          <a:effectLst/>
+          <a:extLst>
+            <a:ext uri="{909E8E84-426E-40DD-AFC4-6F175D3DCCD1}">
+              <a14:hiddenFill xmlns:a14="http://schemas.microsoft.com/office/drawing/2010/main">
+                <a:solidFill>
+                  <a:schemeClr val="accent1"/>
+                </a:solidFill>
+              </a14:hiddenFill>
+            </a:ext>
+            <a:ext uri="{91240B29-F687-4F45-9708-019B960494DF}">
+              <a14:hiddenLine xmlns:a14="http://schemas.microsoft.com/office/drawing/2010/main" w="9525">
+                <a:solidFill>
+                  <a:schemeClr val="tx1"/>
+                </a:solidFill>
+                <a:miter lim="800000"/>
+                <a:headEnd/>
+                <a:tailEnd/>
+              </a14:hiddenLine>
+            </a:ext>
+            <a:ext uri="{AF507438-7753-43E0-B8FC-AC1667EBCBE1}">
+              <a14:hiddenEffects xmlns:a14="http://schemas.microsoft.com/office/drawing/2010/main">
+                <a:effectLst>
+                  <a:outerShdw dist="35921" dir="2700000" algn="ctr" rotWithShape="0">
+                    <a:schemeClr val="bg2"/>
+                  </a:outerShdw>
+                </a:effectLst>
+              </a14:hiddenEffects>
+            </a:ext>
+          </a:extLst>
+        </p:spPr>
+      </p:pic>
+      <p:sp>
+        <p:nvSpPr>
+          <p:cNvPr id="12" name="Прямоугольник 11"/>
+          <p:cNvSpPr/>
+          <p:nvPr/>
+        </p:nvSpPr>
+        <p:spPr>
+          <a:xfrm>
+            <a:off x="2117555" y="1045065"/>
+            <a:ext cx="3418308" cy="461665"/>
+          </a:xfrm>
+          <a:prstGeom prst="rect">
+            <a:avLst/>
+          </a:prstGeom>
+        </p:spPr>
+        <p:txBody>
+          <a:bodyPr wrap="square">
+            <a:spAutoFit/>
+          </a:bodyPr>
+          <a:lstStyle/>
+          <a:p>
+            <a:r>
+              <a:rPr lang="en-US" sz="2400" dirty="0" smtClean="0">
+                <a:solidFill>
+                  <a:schemeClr val="bg1"/>
+                </a:solidFill>
+              </a:rPr>
+              <a:t>No loss after compression</a:t>
+            </a:r>
+            <a:endParaRPr lang="ru-RU" sz="2400" dirty="0">
+              <a:solidFill>
+                <a:schemeClr val="bg1"/>
+              </a:solidFill>
+            </a:endParaRPr>
+          </a:p>
+        </p:txBody>
+      </p:sp>
+      <p:pic>
+        <p:nvPicPr>
+          <p:cNvPr id="3075" name="Picture 3"/>
+          <p:cNvPicPr>
+            <a:picLocks noChangeAspect="1" noChangeArrowheads="1"/>
+          </p:cNvPicPr>
+          <p:nvPr/>
+        </p:nvPicPr>
+        <p:blipFill>
+          <a:blip r:embed="rId5">
+            <a:extLst>
+              <a:ext uri="{28A0092B-C50C-407E-A947-70E740481C1C}">
+                <a14:useLocalDpi xmlns:a14="http://schemas.microsoft.com/office/drawing/2010/main" val="0"/>
+              </a:ext>
+            </a:extLst>
+          </a:blip>
+          <a:srcRect/>
+          <a:stretch>
+            <a:fillRect/>
+          </a:stretch>
+        </p:blipFill>
+        <p:spPr bwMode="auto">
+          <a:xfrm>
+            <a:off x="1528996" y="3652319"/>
+            <a:ext cx="5911486" cy="3206749"/>
+          </a:xfrm>
+          <a:prstGeom prst="rect">
+            <a:avLst/>
+          </a:prstGeom>
+          <a:noFill/>
+          <a:ln>
+            <a:noFill/>
+          </a:ln>
+          <a:effectLst/>
+          <a:extLst>
+            <a:ext uri="{909E8E84-426E-40DD-AFC4-6F175D3DCCD1}">
+              <a14:hiddenFill xmlns:a14="http://schemas.microsoft.com/office/drawing/2010/main">
+                <a:solidFill>
+                  <a:schemeClr val="accent1"/>
+                </a:solidFill>
+              </a14:hiddenFill>
+            </a:ext>
+            <a:ext uri="{91240B29-F687-4F45-9708-019B960494DF}">
+              <a14:hiddenLine xmlns:a14="http://schemas.microsoft.com/office/drawing/2010/main" w="9525">
+                <a:solidFill>
+                  <a:schemeClr val="tx1"/>
+                </a:solidFill>
+                <a:miter lim="800000"/>
+                <a:headEnd/>
+                <a:tailEnd/>
+              </a14:hiddenLine>
+            </a:ext>
+            <a:ext uri="{AF507438-7753-43E0-B8FC-AC1667EBCBE1}">
+              <a14:hiddenEffects xmlns:a14="http://schemas.microsoft.com/office/drawing/2010/main">
+                <a:effectLst>
+                  <a:outerShdw dist="35921" dir="2700000" algn="ctr" rotWithShape="0">
+                    <a:schemeClr val="bg2"/>
+                  </a:outerShdw>
+                </a:effectLst>
+              </a14:hiddenEffects>
+            </a:ext>
+          </a:extLst>
+        </p:spPr>
+      </p:pic>
+    </p:spTree>
+    <p:extLst>
+      <p:ext uri="{BB962C8B-B14F-4D97-AF65-F5344CB8AC3E}">
+        <p14:creationId xmlns:p14="http://schemas.microsoft.com/office/powerpoint/2010/main" val="4078670568"/>
+      </p:ext>
+    </p:extLst>
+  </p:cSld>
+  <p:clrMapOvr>
+    <a:masterClrMapping/>
+  </p:clrMapOvr>
+</p:sld>
+</file>
+
+<file path=ppt/slides/slide26.xml><?xml version="1.0" encoding="utf-8"?>
+<p:sld xmlns:a="http://schemas.openxmlformats.org/drawingml/2006/main" xmlns:r="http://schemas.openxmlformats.org/officeDocument/2006/relationships" xmlns:p="http://schemas.openxmlformats.org/presentationml/2006/main">
+  <p:cSld>
+    <p:spTree>
+      <p:nvGrpSpPr>
+        <p:cNvPr id="1" name="">
+          <a:extLst>
+            <a:ext uri="{FF2B5EF4-FFF2-40B4-BE49-F238E27FC236}">
+              <a16:creationId xmlns:a16="http://schemas.microsoft.com/office/drawing/2014/main" xmlns="" id="{EF87400A-AA39-C6BD-0F50-19DF27F0BEE1}"/>
+            </a:ext>
+          </a:extLst>
+        </p:cNvPr>
+        <p:cNvGrpSpPr/>
+        <p:nvPr/>
+      </p:nvGrpSpPr>
+      <p:grpSpPr>
+        <a:xfrm>
+          <a:off x="0" y="0"/>
+          <a:ext cx="0" cy="0"/>
+          <a:chOff x="0" y="0"/>
+          <a:chExt cx="0" cy="0"/>
+        </a:xfrm>
+      </p:grpSpPr>
+      <p:sp>
+        <p:nvSpPr>
+          <p:cNvPr id="3" name="Прямоугольник 2"/>
+          <p:cNvSpPr/>
+          <p:nvPr/>
+        </p:nvSpPr>
+        <p:spPr>
+          <a:xfrm>
+            <a:off x="0" y="5658740"/>
+            <a:ext cx="1876926" cy="1200329"/>
+          </a:xfrm>
+          <a:prstGeom prst="rect">
+            <a:avLst/>
+          </a:prstGeom>
+        </p:spPr>
+        <p:txBody>
+          <a:bodyPr wrap="square">
+            <a:spAutoFit/>
+          </a:bodyPr>
+          <a:lstStyle/>
+          <a:p>
+            <a:r>
+              <a:rPr lang="en-US" sz="7200" dirty="0" smtClean="0">
+                <a:solidFill>
+                  <a:schemeClr val="bg1"/>
+                </a:solidFill>
+              </a:rPr>
+              <a:t>V</a:t>
+            </a:r>
+            <a:r>
+              <a:rPr lang="en-US" sz="7200" dirty="0">
+                <a:solidFill>
+                  <a:schemeClr val="bg1"/>
+                </a:solidFill>
+              </a:rPr>
+              <a:t>3</a:t>
+            </a:r>
+            <a:endParaRPr lang="ru-RU" sz="7200" dirty="0">
+              <a:solidFill>
+                <a:schemeClr val="bg1"/>
+              </a:solidFill>
+            </a:endParaRPr>
+          </a:p>
+        </p:txBody>
+      </p:sp>
+      <p:sp>
+        <p:nvSpPr>
+          <p:cNvPr id="13" name="Заголовок 1"/>
+          <p:cNvSpPr txBox="1">
+            <a:spLocks/>
+          </p:cNvSpPr>
+          <p:nvPr/>
+        </p:nvSpPr>
+        <p:spPr>
+          <a:xfrm>
+            <a:off x="2201925" y="173736"/>
+            <a:ext cx="7653418" cy="625642"/>
+          </a:xfrm>
+          <a:prstGeom prst="rect">
+            <a:avLst/>
+          </a:prstGeom>
+        </p:spPr>
+        <p:txBody>
+          <a:bodyPr vert="horz" lIns="91440" tIns="45720" rIns="91440" bIns="45720" rtlCol="0" anchor="ctr" anchorCtr="0">
+            <a:noAutofit/>
+          </a:bodyPr>
+          <a:lstStyle>
+            <a:lvl1pPr algn="ctr" defTabSz="914400" rtl="0" eaLnBrk="1" latinLnBrk="0" hangingPunct="1">
+              <a:lnSpc>
+                <a:spcPct val="90000"/>
+              </a:lnSpc>
+              <a:spcBef>
+                <a:spcPct val="0"/>
+              </a:spcBef>
+              <a:buNone/>
+              <a:defRPr sz="4800" kern="1200" cap="all" spc="300" baseline="0">
+                <a:solidFill>
+                  <a:schemeClr val="bg1"/>
+                </a:solidFill>
+                <a:latin typeface="+mj-lt"/>
+                <a:ea typeface="+mj-ea"/>
+                <a:cs typeface="+mj-cs"/>
+              </a:defRPr>
+            </a:lvl1pPr>
+          </a:lstStyle>
+          <a:p>
+            <a:r>
+              <a:rPr lang="en-US" sz="2800" dirty="0" smtClean="0"/>
+              <a:t>Conclusion and next step</a:t>
+            </a:r>
+            <a:endParaRPr lang="en-US" sz="2800" dirty="0"/>
+          </a:p>
+        </p:txBody>
+      </p:sp>
+      <p:sp>
+        <p:nvSpPr>
+          <p:cNvPr id="4" name="Заголовок 1"/>
+          <p:cNvSpPr txBox="1">
+            <a:spLocks/>
+          </p:cNvSpPr>
+          <p:nvPr/>
+        </p:nvSpPr>
+        <p:spPr>
+          <a:xfrm>
+            <a:off x="629920" y="2042160"/>
+            <a:ext cx="10739120" cy="1378498"/>
+          </a:xfrm>
+          <a:prstGeom prst="rect">
+            <a:avLst/>
+          </a:prstGeom>
+        </p:spPr>
+        <p:txBody>
+          <a:bodyPr vert="horz" lIns="91440" tIns="45720" rIns="91440" bIns="45720" rtlCol="0" anchor="ctr" anchorCtr="0">
+            <a:noAutofit/>
+          </a:bodyPr>
+          <a:lstStyle>
+            <a:lvl1pPr algn="ctr" defTabSz="914400" rtl="0" eaLnBrk="1" latinLnBrk="0" hangingPunct="1">
+              <a:lnSpc>
+                <a:spcPct val="90000"/>
+              </a:lnSpc>
+              <a:spcBef>
+                <a:spcPct val="0"/>
+              </a:spcBef>
+              <a:buNone/>
+              <a:defRPr sz="4800" kern="1200" cap="all" spc="300" baseline="0">
+                <a:solidFill>
+                  <a:schemeClr val="bg1"/>
+                </a:solidFill>
+                <a:latin typeface="+mj-lt"/>
+                <a:ea typeface="+mj-ea"/>
+                <a:cs typeface="+mj-cs"/>
+              </a:defRPr>
+            </a:lvl1pPr>
+          </a:lstStyle>
+          <a:p>
+            <a:r>
+              <a:rPr lang="en-US" sz="2800" dirty="0" smtClean="0"/>
+              <a:t>Now size can compete with jpeg, we need to work on quality.</a:t>
+            </a:r>
+          </a:p>
+          <a:p>
+            <a:r>
+              <a:rPr lang="en-US" sz="2800" dirty="0" smtClean="0"/>
+              <a:t>We will test </a:t>
+            </a:r>
+            <a:r>
+              <a:rPr lang="en-US" sz="2800" dirty="0"/>
+              <a:t>different </a:t>
+            </a:r>
+            <a:r>
+              <a:rPr lang="en-US" sz="2800" dirty="0" smtClean="0"/>
+              <a:t>hypotheses</a:t>
+            </a:r>
+            <a:r>
+              <a:rPr lang="ru-RU" sz="2800" dirty="0" smtClean="0"/>
+              <a:t> </a:t>
+            </a:r>
+            <a:r>
+              <a:rPr lang="en-US" sz="2800" dirty="0" smtClean="0"/>
+              <a:t>for that – optimizations, different loss/activation functions</a:t>
+            </a:r>
+            <a:endParaRPr lang="en-US" sz="2800" dirty="0"/>
+          </a:p>
+        </p:txBody>
+      </p:sp>
+    </p:spTree>
+    <p:extLst>
+      <p:ext uri="{BB962C8B-B14F-4D97-AF65-F5344CB8AC3E}">
+        <p14:creationId xmlns:p14="http://schemas.microsoft.com/office/powerpoint/2010/main" val="1915478618"/>
+      </p:ext>
+    </p:extLst>
+  </p:cSld>
+  <p:clrMapOvr>
+    <a:masterClrMapping/>
+  </p:clrMapOvr>
+</p:sld>
+</file>
+
+<file path=ppt/slides/slide27.xml><?xml version="1.0" encoding="utf-8"?>
+<p:sld xmlns:a="http://schemas.openxmlformats.org/drawingml/2006/main" xmlns:r="http://schemas.openxmlformats.org/officeDocument/2006/relationships" xmlns:p="http://schemas.openxmlformats.org/presentationml/2006/main">
+  <p:cSld>
+    <p:spTree>
+      <p:nvGrpSpPr>
+        <p:cNvPr id="1" name="">
+          <a:extLst>
+            <a:ext uri="{FF2B5EF4-FFF2-40B4-BE49-F238E27FC236}">
+              <a16:creationId xmlns:a16="http://schemas.microsoft.com/office/drawing/2014/main" xmlns="" id="{EF87400A-AA39-C6BD-0F50-19DF27F0BEE1}"/>
+            </a:ext>
+          </a:extLst>
+        </p:cNvPr>
+        <p:cNvGrpSpPr/>
+        <p:nvPr/>
+      </p:nvGrpSpPr>
+      <p:grpSpPr>
+        <a:xfrm>
+          <a:off x="0" y="0"/>
+          <a:ext cx="0" cy="0"/>
+          <a:chOff x="0" y="0"/>
+          <a:chExt cx="0" cy="0"/>
+        </a:xfrm>
+      </p:grpSpPr>
+      <p:sp>
+        <p:nvSpPr>
+          <p:cNvPr id="3" name="Прямоугольник 2"/>
+          <p:cNvSpPr/>
+          <p:nvPr/>
+        </p:nvSpPr>
+        <p:spPr>
+          <a:xfrm>
+            <a:off x="0" y="5658740"/>
+            <a:ext cx="1876926" cy="1200329"/>
+          </a:xfrm>
+          <a:prstGeom prst="rect">
+            <a:avLst/>
+          </a:prstGeom>
+        </p:spPr>
+        <p:txBody>
+          <a:bodyPr wrap="square">
+            <a:spAutoFit/>
+          </a:bodyPr>
+          <a:lstStyle/>
+          <a:p>
+            <a:r>
+              <a:rPr lang="en-US" sz="7200" dirty="0" smtClean="0">
+                <a:solidFill>
+                  <a:schemeClr val="bg1"/>
+                </a:solidFill>
+              </a:rPr>
+              <a:t>V</a:t>
+            </a:r>
+            <a:r>
+              <a:rPr lang="en-US" sz="7200" dirty="0">
+                <a:solidFill>
+                  <a:schemeClr val="bg1"/>
+                </a:solidFill>
+              </a:rPr>
+              <a:t>4</a:t>
+            </a:r>
+            <a:endParaRPr lang="ru-RU" sz="7200" dirty="0">
+              <a:solidFill>
+                <a:schemeClr val="bg1"/>
+              </a:solidFill>
+            </a:endParaRPr>
+          </a:p>
+        </p:txBody>
+      </p:sp>
+      <p:sp>
+        <p:nvSpPr>
+          <p:cNvPr id="13" name="Заголовок 1"/>
+          <p:cNvSpPr txBox="1">
+            <a:spLocks/>
+          </p:cNvSpPr>
+          <p:nvPr/>
+        </p:nvSpPr>
+        <p:spPr>
+          <a:xfrm>
+            <a:off x="2201925" y="173736"/>
+            <a:ext cx="7653418" cy="625642"/>
+          </a:xfrm>
+          <a:prstGeom prst="rect">
+            <a:avLst/>
+          </a:prstGeom>
+        </p:spPr>
+        <p:txBody>
+          <a:bodyPr vert="horz" lIns="91440" tIns="45720" rIns="91440" bIns="45720" rtlCol="0" anchor="ctr" anchorCtr="0">
+            <a:noAutofit/>
+          </a:bodyPr>
+          <a:lstStyle>
+            <a:lvl1pPr algn="ctr" defTabSz="914400" rtl="0" eaLnBrk="1" latinLnBrk="0" hangingPunct="1">
+              <a:lnSpc>
+                <a:spcPct val="90000"/>
+              </a:lnSpc>
+              <a:spcBef>
+                <a:spcPct val="0"/>
+              </a:spcBef>
+              <a:buNone/>
+              <a:defRPr sz="4800" kern="1200" cap="all" spc="300" baseline="0">
+                <a:solidFill>
+                  <a:schemeClr val="bg1"/>
+                </a:solidFill>
+                <a:latin typeface="+mj-lt"/>
+                <a:ea typeface="+mj-ea"/>
+                <a:cs typeface="+mj-cs"/>
+              </a:defRPr>
+            </a:lvl1pPr>
+          </a:lstStyle>
+          <a:p>
+            <a:r>
+              <a:rPr lang="ru-RU" sz="2800" dirty="0" smtClean="0"/>
+              <a:t>1</a:t>
+            </a:r>
+            <a:r>
+              <a:rPr lang="en-US" sz="2800" dirty="0"/>
+              <a:t>hypothesis</a:t>
+            </a:r>
+            <a:endParaRPr lang="en-US" sz="2800" dirty="0"/>
+          </a:p>
+        </p:txBody>
+      </p:sp>
+      <p:sp>
+        <p:nvSpPr>
+          <p:cNvPr id="4" name="Заголовок 1"/>
+          <p:cNvSpPr txBox="1">
+            <a:spLocks/>
+          </p:cNvSpPr>
+          <p:nvPr/>
+        </p:nvSpPr>
+        <p:spPr>
+          <a:xfrm>
+            <a:off x="629920" y="2042160"/>
+            <a:ext cx="10739120" cy="1378498"/>
+          </a:xfrm>
+          <a:prstGeom prst="rect">
+            <a:avLst/>
+          </a:prstGeom>
+        </p:spPr>
+        <p:txBody>
+          <a:bodyPr vert="horz" lIns="91440" tIns="45720" rIns="91440" bIns="45720" rtlCol="0" anchor="ctr" anchorCtr="0">
+            <a:noAutofit/>
+          </a:bodyPr>
+          <a:lstStyle>
+            <a:lvl1pPr algn="ctr" defTabSz="914400" rtl="0" eaLnBrk="1" latinLnBrk="0" hangingPunct="1">
+              <a:lnSpc>
+                <a:spcPct val="90000"/>
+              </a:lnSpc>
+              <a:spcBef>
+                <a:spcPct val="0"/>
+              </a:spcBef>
+              <a:buNone/>
+              <a:defRPr sz="4800" kern="1200" cap="all" spc="300" baseline="0">
+                <a:solidFill>
+                  <a:schemeClr val="bg1"/>
+                </a:solidFill>
+                <a:latin typeface="+mj-lt"/>
+                <a:ea typeface="+mj-ea"/>
+                <a:cs typeface="+mj-cs"/>
+              </a:defRPr>
+            </a:lvl1pPr>
+          </a:lstStyle>
+          <a:p>
+            <a:r>
+              <a:rPr lang="en-US" sz="2800" dirty="0" smtClean="0"/>
+              <a:t>Hypothesis</a:t>
+            </a:r>
+            <a:r>
+              <a:rPr lang="ru-RU" sz="2800" dirty="0" smtClean="0"/>
+              <a:t> - </a:t>
+            </a:r>
+            <a:endParaRPr lang="en-US" sz="2800" dirty="0"/>
+          </a:p>
+        </p:txBody>
+      </p:sp>
+    </p:spTree>
+    <p:extLst>
+      <p:ext uri="{BB962C8B-B14F-4D97-AF65-F5344CB8AC3E}">
+        <p14:creationId xmlns:p14="http://schemas.microsoft.com/office/powerpoint/2010/main" val="3571996370"/>
+      </p:ext>
+    </p:extLst>
+  </p:cSld>
+  <p:clrMapOvr>
+    <a:masterClrMapping/>
+  </p:clrMapOvr>
+</p:sld>
+</file>
+
+<file path=ppt/slides/slide28.xml><?xml version="1.0" encoding="utf-8"?>
 <p:sld xmlns:a="http://schemas.openxmlformats.org/drawingml/2006/main" xmlns:r="http://schemas.openxmlformats.org/officeDocument/2006/relationships" xmlns:p="http://schemas.openxmlformats.org/presentationml/2006/main">
   <p:cSld>
     <p:spTree>

--- a/ai_compression_project.pptx
+++ b/ai_compression_project.pptx
@@ -139,10 +139,10 @@
   </p:defaultTextStyle>
   <p:extLst>
     <p:ext uri="{EFAFB233-063F-42B5-8137-9DF3F51BA10A}">
-      <p15:sldGuideLst xmlns:p15="http://schemas.microsoft.com/office/powerpoint/2012/main" xmlns=""/>
+      <p15:sldGuideLst xmlns="" xmlns:p15="http://schemas.microsoft.com/office/powerpoint/2012/main"/>
     </p:ext>
     <p:ext uri="{2D200454-40CA-4A62-9FC3-DE9A4176ACB9}">
-      <p15:notesGuideLst xmlns:p15="http://schemas.microsoft.com/office/powerpoint/2012/main" xmlns=""/>
+      <p15:notesGuideLst xmlns="" xmlns:p15="http://schemas.microsoft.com/office/powerpoint/2012/main"/>
     </p:ext>
   </p:extLst>
 </p:presentation>
@@ -181,7 +181,7 @@
           <p:cNvPr id="2" name="Header Placeholder 1">
             <a:extLst>
               <a:ext uri="{FF2B5EF4-FFF2-40B4-BE49-F238E27FC236}">
-                <a16:creationId xmlns:a16="http://schemas.microsoft.com/office/drawing/2014/main" xmlns="" id="{3976AB79-C677-3DB7-78CF-9305D5861483}"/>
+                <a16:creationId xmlns="" xmlns:a16="http://schemas.microsoft.com/office/drawing/2014/main" id="{3976AB79-C677-3DB7-78CF-9305D5861483}"/>
               </a:ext>
             </a:extLst>
           </p:cNvPr>
@@ -218,7 +218,7 @@
           <p:cNvPr id="3" name="Date Placeholder 2">
             <a:extLst>
               <a:ext uri="{FF2B5EF4-FFF2-40B4-BE49-F238E27FC236}">
-                <a16:creationId xmlns:a16="http://schemas.microsoft.com/office/drawing/2014/main" xmlns="" id="{113AB137-CEA6-0244-F12B-1ECC21172D00}"/>
+                <a16:creationId xmlns="" xmlns:a16="http://schemas.microsoft.com/office/drawing/2014/main" id="{113AB137-CEA6-0244-F12B-1ECC21172D00}"/>
               </a:ext>
             </a:extLst>
           </p:cNvPr>
@@ -259,7 +259,7 @@
           <p:cNvPr id="4" name="Footer Placeholder 3">
             <a:extLst>
               <a:ext uri="{FF2B5EF4-FFF2-40B4-BE49-F238E27FC236}">
-                <a16:creationId xmlns:a16="http://schemas.microsoft.com/office/drawing/2014/main" xmlns="" id="{0868EC96-C6CC-F2AF-D90F-143F4D20A07A}"/>
+                <a16:creationId xmlns="" xmlns:a16="http://schemas.microsoft.com/office/drawing/2014/main" id="{0868EC96-C6CC-F2AF-D90F-143F4D20A07A}"/>
               </a:ext>
             </a:extLst>
           </p:cNvPr>
@@ -296,7 +296,7 @@
           <p:cNvPr id="5" name="Slide Number Placeholder 4">
             <a:extLst>
               <a:ext uri="{FF2B5EF4-FFF2-40B4-BE49-F238E27FC236}">
-                <a16:creationId xmlns:a16="http://schemas.microsoft.com/office/drawing/2014/main" xmlns="" id="{94F8EC8D-EF88-0275-F75C-A789924433BA}"/>
+                <a16:creationId xmlns="" xmlns:a16="http://schemas.microsoft.com/office/drawing/2014/main" id="{94F8EC8D-EF88-0275-F75C-A789924433BA}"/>
               </a:ext>
             </a:extLst>
           </p:cNvPr>
@@ -784,7 +784,7 @@
         <p:cNvPr id="1" name="">
           <a:extLst>
             <a:ext uri="{FF2B5EF4-FFF2-40B4-BE49-F238E27FC236}">
-              <a16:creationId xmlns:a16="http://schemas.microsoft.com/office/drawing/2014/main" xmlns="" id="{84847B3D-F9FE-E845-0A9E-7B3E4737F607}"/>
+              <a16:creationId xmlns="" xmlns:a16="http://schemas.microsoft.com/office/drawing/2014/main" id="{84847B3D-F9FE-E845-0A9E-7B3E4737F607}"/>
             </a:ext>
           </a:extLst>
         </p:cNvPr>
@@ -804,7 +804,7 @@
           <p:cNvPr id="2" name="Slide Image Placeholder 1">
             <a:extLst>
               <a:ext uri="{FF2B5EF4-FFF2-40B4-BE49-F238E27FC236}">
-                <a16:creationId xmlns:a16="http://schemas.microsoft.com/office/drawing/2014/main" xmlns="" id="{A65C55DC-40F4-B8B2-A44F-CEE7EA9104C1}"/>
+                <a16:creationId xmlns="" xmlns:a16="http://schemas.microsoft.com/office/drawing/2014/main" id="{A65C55DC-40F4-B8B2-A44F-CEE7EA9104C1}"/>
               </a:ext>
             </a:extLst>
           </p:cNvPr>
@@ -822,7 +822,7 @@
           <p:cNvPr id="3" name="Notes Placeholder 2">
             <a:extLst>
               <a:ext uri="{FF2B5EF4-FFF2-40B4-BE49-F238E27FC236}">
-                <a16:creationId xmlns:a16="http://schemas.microsoft.com/office/drawing/2014/main" xmlns="" id="{AFAEFE12-CFF9-2E00-9808-098A1D824723}"/>
+                <a16:creationId xmlns="" xmlns:a16="http://schemas.microsoft.com/office/drawing/2014/main" id="{AFAEFE12-CFF9-2E00-9808-098A1D824723}"/>
               </a:ext>
             </a:extLst>
           </p:cNvPr>
@@ -847,7 +847,7 @@
           <p:cNvPr id="4" name="Slide Number Placeholder 3">
             <a:extLst>
               <a:ext uri="{FF2B5EF4-FFF2-40B4-BE49-F238E27FC236}">
-                <a16:creationId xmlns:a16="http://schemas.microsoft.com/office/drawing/2014/main" xmlns="" id="{85084F94-5BAE-E3B2-298D-1E3D1D48D1F6}"/>
+                <a16:creationId xmlns="" xmlns:a16="http://schemas.microsoft.com/office/drawing/2014/main" id="{85084F94-5BAE-E3B2-298D-1E3D1D48D1F6}"/>
               </a:ext>
             </a:extLst>
           </p:cNvPr>
@@ -892,7 +892,7 @@
         <p:cNvPr id="1" name="">
           <a:extLst>
             <a:ext uri="{FF2B5EF4-FFF2-40B4-BE49-F238E27FC236}">
-              <a16:creationId xmlns:a16="http://schemas.microsoft.com/office/drawing/2014/main" xmlns="" id="{84847B3D-F9FE-E845-0A9E-7B3E4737F607}"/>
+              <a16:creationId xmlns="" xmlns:a16="http://schemas.microsoft.com/office/drawing/2014/main" id="{84847B3D-F9FE-E845-0A9E-7B3E4737F607}"/>
             </a:ext>
           </a:extLst>
         </p:cNvPr>
@@ -912,7 +912,7 @@
           <p:cNvPr id="2" name="Slide Image Placeholder 1">
             <a:extLst>
               <a:ext uri="{FF2B5EF4-FFF2-40B4-BE49-F238E27FC236}">
-                <a16:creationId xmlns:a16="http://schemas.microsoft.com/office/drawing/2014/main" xmlns="" id="{A65C55DC-40F4-B8B2-A44F-CEE7EA9104C1}"/>
+                <a16:creationId xmlns="" xmlns:a16="http://schemas.microsoft.com/office/drawing/2014/main" id="{A65C55DC-40F4-B8B2-A44F-CEE7EA9104C1}"/>
               </a:ext>
             </a:extLst>
           </p:cNvPr>
@@ -930,7 +930,7 @@
           <p:cNvPr id="3" name="Notes Placeholder 2">
             <a:extLst>
               <a:ext uri="{FF2B5EF4-FFF2-40B4-BE49-F238E27FC236}">
-                <a16:creationId xmlns:a16="http://schemas.microsoft.com/office/drawing/2014/main" xmlns="" id="{AFAEFE12-CFF9-2E00-9808-098A1D824723}"/>
+                <a16:creationId xmlns="" xmlns:a16="http://schemas.microsoft.com/office/drawing/2014/main" id="{AFAEFE12-CFF9-2E00-9808-098A1D824723}"/>
               </a:ext>
             </a:extLst>
           </p:cNvPr>
@@ -955,7 +955,7 @@
           <p:cNvPr id="4" name="Slide Number Placeholder 3">
             <a:extLst>
               <a:ext uri="{FF2B5EF4-FFF2-40B4-BE49-F238E27FC236}">
-                <a16:creationId xmlns:a16="http://schemas.microsoft.com/office/drawing/2014/main" xmlns="" id="{85084F94-5BAE-E3B2-298D-1E3D1D48D1F6}"/>
+                <a16:creationId xmlns="" xmlns:a16="http://schemas.microsoft.com/office/drawing/2014/main" id="{85084F94-5BAE-E3B2-298D-1E3D1D48D1F6}"/>
               </a:ext>
             </a:extLst>
           </p:cNvPr>
@@ -1000,7 +1000,7 @@
         <p:cNvPr id="1" name="">
           <a:extLst>
             <a:ext uri="{FF2B5EF4-FFF2-40B4-BE49-F238E27FC236}">
-              <a16:creationId xmlns:a16="http://schemas.microsoft.com/office/drawing/2014/main" xmlns="" id="{84847B3D-F9FE-E845-0A9E-7B3E4737F607}"/>
+              <a16:creationId xmlns="" xmlns:a16="http://schemas.microsoft.com/office/drawing/2014/main" id="{84847B3D-F9FE-E845-0A9E-7B3E4737F607}"/>
             </a:ext>
           </a:extLst>
         </p:cNvPr>
@@ -1020,7 +1020,7 @@
           <p:cNvPr id="2" name="Slide Image Placeholder 1">
             <a:extLst>
               <a:ext uri="{FF2B5EF4-FFF2-40B4-BE49-F238E27FC236}">
-                <a16:creationId xmlns:a16="http://schemas.microsoft.com/office/drawing/2014/main" xmlns="" id="{A65C55DC-40F4-B8B2-A44F-CEE7EA9104C1}"/>
+                <a16:creationId xmlns="" xmlns:a16="http://schemas.microsoft.com/office/drawing/2014/main" id="{A65C55DC-40F4-B8B2-A44F-CEE7EA9104C1}"/>
               </a:ext>
             </a:extLst>
           </p:cNvPr>
@@ -1038,7 +1038,7 @@
           <p:cNvPr id="3" name="Notes Placeholder 2">
             <a:extLst>
               <a:ext uri="{FF2B5EF4-FFF2-40B4-BE49-F238E27FC236}">
-                <a16:creationId xmlns:a16="http://schemas.microsoft.com/office/drawing/2014/main" xmlns="" id="{AFAEFE12-CFF9-2E00-9808-098A1D824723}"/>
+                <a16:creationId xmlns="" xmlns:a16="http://schemas.microsoft.com/office/drawing/2014/main" id="{AFAEFE12-CFF9-2E00-9808-098A1D824723}"/>
               </a:ext>
             </a:extLst>
           </p:cNvPr>
@@ -1063,7 +1063,7 @@
           <p:cNvPr id="4" name="Slide Number Placeholder 3">
             <a:extLst>
               <a:ext uri="{FF2B5EF4-FFF2-40B4-BE49-F238E27FC236}">
-                <a16:creationId xmlns:a16="http://schemas.microsoft.com/office/drawing/2014/main" xmlns="" id="{85084F94-5BAE-E3B2-298D-1E3D1D48D1F6}"/>
+                <a16:creationId xmlns="" xmlns:a16="http://schemas.microsoft.com/office/drawing/2014/main" id="{85084F94-5BAE-E3B2-298D-1E3D1D48D1F6}"/>
               </a:ext>
             </a:extLst>
           </p:cNvPr>
@@ -1108,7 +1108,7 @@
         <p:cNvPr id="1" name="">
           <a:extLst>
             <a:ext uri="{FF2B5EF4-FFF2-40B4-BE49-F238E27FC236}">
-              <a16:creationId xmlns:a16="http://schemas.microsoft.com/office/drawing/2014/main" xmlns="" id="{84847B3D-F9FE-E845-0A9E-7B3E4737F607}"/>
+              <a16:creationId xmlns="" xmlns:a16="http://schemas.microsoft.com/office/drawing/2014/main" id="{84847B3D-F9FE-E845-0A9E-7B3E4737F607}"/>
             </a:ext>
           </a:extLst>
         </p:cNvPr>
@@ -1128,7 +1128,7 @@
           <p:cNvPr id="2" name="Slide Image Placeholder 1">
             <a:extLst>
               <a:ext uri="{FF2B5EF4-FFF2-40B4-BE49-F238E27FC236}">
-                <a16:creationId xmlns:a16="http://schemas.microsoft.com/office/drawing/2014/main" xmlns="" id="{A65C55DC-40F4-B8B2-A44F-CEE7EA9104C1}"/>
+                <a16:creationId xmlns="" xmlns:a16="http://schemas.microsoft.com/office/drawing/2014/main" id="{A65C55DC-40F4-B8B2-A44F-CEE7EA9104C1}"/>
               </a:ext>
             </a:extLst>
           </p:cNvPr>
@@ -1146,7 +1146,7 @@
           <p:cNvPr id="3" name="Notes Placeholder 2">
             <a:extLst>
               <a:ext uri="{FF2B5EF4-FFF2-40B4-BE49-F238E27FC236}">
-                <a16:creationId xmlns:a16="http://schemas.microsoft.com/office/drawing/2014/main" xmlns="" id="{AFAEFE12-CFF9-2E00-9808-098A1D824723}"/>
+                <a16:creationId xmlns="" xmlns:a16="http://schemas.microsoft.com/office/drawing/2014/main" id="{AFAEFE12-CFF9-2E00-9808-098A1D824723}"/>
               </a:ext>
             </a:extLst>
           </p:cNvPr>
@@ -1171,7 +1171,7 @@
           <p:cNvPr id="4" name="Slide Number Placeholder 3">
             <a:extLst>
               <a:ext uri="{FF2B5EF4-FFF2-40B4-BE49-F238E27FC236}">
-                <a16:creationId xmlns:a16="http://schemas.microsoft.com/office/drawing/2014/main" xmlns="" id="{85084F94-5BAE-E3B2-298D-1E3D1D48D1F6}"/>
+                <a16:creationId xmlns="" xmlns:a16="http://schemas.microsoft.com/office/drawing/2014/main" id="{85084F94-5BAE-E3B2-298D-1E3D1D48D1F6}"/>
               </a:ext>
             </a:extLst>
           </p:cNvPr>
@@ -1216,7 +1216,7 @@
         <p:cNvPr id="1" name="">
           <a:extLst>
             <a:ext uri="{FF2B5EF4-FFF2-40B4-BE49-F238E27FC236}">
-              <a16:creationId xmlns:a16="http://schemas.microsoft.com/office/drawing/2014/main" xmlns="" id="{84847B3D-F9FE-E845-0A9E-7B3E4737F607}"/>
+              <a16:creationId xmlns="" xmlns:a16="http://schemas.microsoft.com/office/drawing/2014/main" id="{84847B3D-F9FE-E845-0A9E-7B3E4737F607}"/>
             </a:ext>
           </a:extLst>
         </p:cNvPr>
@@ -1236,7 +1236,7 @@
           <p:cNvPr id="2" name="Slide Image Placeholder 1">
             <a:extLst>
               <a:ext uri="{FF2B5EF4-FFF2-40B4-BE49-F238E27FC236}">
-                <a16:creationId xmlns:a16="http://schemas.microsoft.com/office/drawing/2014/main" xmlns="" id="{A65C55DC-40F4-B8B2-A44F-CEE7EA9104C1}"/>
+                <a16:creationId xmlns="" xmlns:a16="http://schemas.microsoft.com/office/drawing/2014/main" id="{A65C55DC-40F4-B8B2-A44F-CEE7EA9104C1}"/>
               </a:ext>
             </a:extLst>
           </p:cNvPr>
@@ -1254,7 +1254,7 @@
           <p:cNvPr id="3" name="Notes Placeholder 2">
             <a:extLst>
               <a:ext uri="{FF2B5EF4-FFF2-40B4-BE49-F238E27FC236}">
-                <a16:creationId xmlns:a16="http://schemas.microsoft.com/office/drawing/2014/main" xmlns="" id="{AFAEFE12-CFF9-2E00-9808-098A1D824723}"/>
+                <a16:creationId xmlns="" xmlns:a16="http://schemas.microsoft.com/office/drawing/2014/main" id="{AFAEFE12-CFF9-2E00-9808-098A1D824723}"/>
               </a:ext>
             </a:extLst>
           </p:cNvPr>
@@ -1279,7 +1279,7 @@
           <p:cNvPr id="4" name="Slide Number Placeholder 3">
             <a:extLst>
               <a:ext uri="{FF2B5EF4-FFF2-40B4-BE49-F238E27FC236}">
-                <a16:creationId xmlns:a16="http://schemas.microsoft.com/office/drawing/2014/main" xmlns="" id="{85084F94-5BAE-E3B2-298D-1E3D1D48D1F6}"/>
+                <a16:creationId xmlns="" xmlns:a16="http://schemas.microsoft.com/office/drawing/2014/main" id="{85084F94-5BAE-E3B2-298D-1E3D1D48D1F6}"/>
               </a:ext>
             </a:extLst>
           </p:cNvPr>
@@ -1324,7 +1324,7 @@
         <p:cNvPr id="1" name="">
           <a:extLst>
             <a:ext uri="{FF2B5EF4-FFF2-40B4-BE49-F238E27FC236}">
-              <a16:creationId xmlns:a16="http://schemas.microsoft.com/office/drawing/2014/main" xmlns="" id="{84847B3D-F9FE-E845-0A9E-7B3E4737F607}"/>
+              <a16:creationId xmlns="" xmlns:a16="http://schemas.microsoft.com/office/drawing/2014/main" id="{84847B3D-F9FE-E845-0A9E-7B3E4737F607}"/>
             </a:ext>
           </a:extLst>
         </p:cNvPr>
@@ -1344,7 +1344,7 @@
           <p:cNvPr id="2" name="Slide Image Placeholder 1">
             <a:extLst>
               <a:ext uri="{FF2B5EF4-FFF2-40B4-BE49-F238E27FC236}">
-                <a16:creationId xmlns:a16="http://schemas.microsoft.com/office/drawing/2014/main" xmlns="" id="{A65C55DC-40F4-B8B2-A44F-CEE7EA9104C1}"/>
+                <a16:creationId xmlns="" xmlns:a16="http://schemas.microsoft.com/office/drawing/2014/main" id="{A65C55DC-40F4-B8B2-A44F-CEE7EA9104C1}"/>
               </a:ext>
             </a:extLst>
           </p:cNvPr>
@@ -1362,7 +1362,7 @@
           <p:cNvPr id="3" name="Notes Placeholder 2">
             <a:extLst>
               <a:ext uri="{FF2B5EF4-FFF2-40B4-BE49-F238E27FC236}">
-                <a16:creationId xmlns:a16="http://schemas.microsoft.com/office/drawing/2014/main" xmlns="" id="{AFAEFE12-CFF9-2E00-9808-098A1D824723}"/>
+                <a16:creationId xmlns="" xmlns:a16="http://schemas.microsoft.com/office/drawing/2014/main" id="{AFAEFE12-CFF9-2E00-9808-098A1D824723}"/>
               </a:ext>
             </a:extLst>
           </p:cNvPr>
@@ -1387,7 +1387,7 @@
           <p:cNvPr id="4" name="Slide Number Placeholder 3">
             <a:extLst>
               <a:ext uri="{FF2B5EF4-FFF2-40B4-BE49-F238E27FC236}">
-                <a16:creationId xmlns:a16="http://schemas.microsoft.com/office/drawing/2014/main" xmlns="" id="{85084F94-5BAE-E3B2-298D-1E3D1D48D1F6}"/>
+                <a16:creationId xmlns="" xmlns:a16="http://schemas.microsoft.com/office/drawing/2014/main" id="{85084F94-5BAE-E3B2-298D-1E3D1D48D1F6}"/>
               </a:ext>
             </a:extLst>
           </p:cNvPr>
@@ -1432,7 +1432,7 @@
         <p:cNvPr id="1" name="">
           <a:extLst>
             <a:ext uri="{FF2B5EF4-FFF2-40B4-BE49-F238E27FC236}">
-              <a16:creationId xmlns:a16="http://schemas.microsoft.com/office/drawing/2014/main" xmlns="" id="{84847B3D-F9FE-E845-0A9E-7B3E4737F607}"/>
+              <a16:creationId xmlns="" xmlns:a16="http://schemas.microsoft.com/office/drawing/2014/main" id="{84847B3D-F9FE-E845-0A9E-7B3E4737F607}"/>
             </a:ext>
           </a:extLst>
         </p:cNvPr>
@@ -1452,7 +1452,7 @@
           <p:cNvPr id="2" name="Slide Image Placeholder 1">
             <a:extLst>
               <a:ext uri="{FF2B5EF4-FFF2-40B4-BE49-F238E27FC236}">
-                <a16:creationId xmlns:a16="http://schemas.microsoft.com/office/drawing/2014/main" xmlns="" id="{A65C55DC-40F4-B8B2-A44F-CEE7EA9104C1}"/>
+                <a16:creationId xmlns="" xmlns:a16="http://schemas.microsoft.com/office/drawing/2014/main" id="{A65C55DC-40F4-B8B2-A44F-CEE7EA9104C1}"/>
               </a:ext>
             </a:extLst>
           </p:cNvPr>
@@ -1470,7 +1470,7 @@
           <p:cNvPr id="3" name="Notes Placeholder 2">
             <a:extLst>
               <a:ext uri="{FF2B5EF4-FFF2-40B4-BE49-F238E27FC236}">
-                <a16:creationId xmlns:a16="http://schemas.microsoft.com/office/drawing/2014/main" xmlns="" id="{AFAEFE12-CFF9-2E00-9808-098A1D824723}"/>
+                <a16:creationId xmlns="" xmlns:a16="http://schemas.microsoft.com/office/drawing/2014/main" id="{AFAEFE12-CFF9-2E00-9808-098A1D824723}"/>
               </a:ext>
             </a:extLst>
           </p:cNvPr>
@@ -1495,7 +1495,7 @@
           <p:cNvPr id="4" name="Slide Number Placeholder 3">
             <a:extLst>
               <a:ext uri="{FF2B5EF4-FFF2-40B4-BE49-F238E27FC236}">
-                <a16:creationId xmlns:a16="http://schemas.microsoft.com/office/drawing/2014/main" xmlns="" id="{85084F94-5BAE-E3B2-298D-1E3D1D48D1F6}"/>
+                <a16:creationId xmlns="" xmlns:a16="http://schemas.microsoft.com/office/drawing/2014/main" id="{85084F94-5BAE-E3B2-298D-1E3D1D48D1F6}"/>
               </a:ext>
             </a:extLst>
           </p:cNvPr>
@@ -1540,7 +1540,7 @@
         <p:cNvPr id="1" name="">
           <a:extLst>
             <a:ext uri="{FF2B5EF4-FFF2-40B4-BE49-F238E27FC236}">
-              <a16:creationId xmlns:a16="http://schemas.microsoft.com/office/drawing/2014/main" xmlns="" id="{84847B3D-F9FE-E845-0A9E-7B3E4737F607}"/>
+              <a16:creationId xmlns="" xmlns:a16="http://schemas.microsoft.com/office/drawing/2014/main" id="{84847B3D-F9FE-E845-0A9E-7B3E4737F607}"/>
             </a:ext>
           </a:extLst>
         </p:cNvPr>
@@ -1560,7 +1560,7 @@
           <p:cNvPr id="2" name="Slide Image Placeholder 1">
             <a:extLst>
               <a:ext uri="{FF2B5EF4-FFF2-40B4-BE49-F238E27FC236}">
-                <a16:creationId xmlns:a16="http://schemas.microsoft.com/office/drawing/2014/main" xmlns="" id="{A65C55DC-40F4-B8B2-A44F-CEE7EA9104C1}"/>
+                <a16:creationId xmlns="" xmlns:a16="http://schemas.microsoft.com/office/drawing/2014/main" id="{A65C55DC-40F4-B8B2-A44F-CEE7EA9104C1}"/>
               </a:ext>
             </a:extLst>
           </p:cNvPr>
@@ -1578,7 +1578,7 @@
           <p:cNvPr id="3" name="Notes Placeholder 2">
             <a:extLst>
               <a:ext uri="{FF2B5EF4-FFF2-40B4-BE49-F238E27FC236}">
-                <a16:creationId xmlns:a16="http://schemas.microsoft.com/office/drawing/2014/main" xmlns="" id="{AFAEFE12-CFF9-2E00-9808-098A1D824723}"/>
+                <a16:creationId xmlns="" xmlns:a16="http://schemas.microsoft.com/office/drawing/2014/main" id="{AFAEFE12-CFF9-2E00-9808-098A1D824723}"/>
               </a:ext>
             </a:extLst>
           </p:cNvPr>
@@ -1603,7 +1603,7 @@
           <p:cNvPr id="4" name="Slide Number Placeholder 3">
             <a:extLst>
               <a:ext uri="{FF2B5EF4-FFF2-40B4-BE49-F238E27FC236}">
-                <a16:creationId xmlns:a16="http://schemas.microsoft.com/office/drawing/2014/main" xmlns="" id="{85084F94-5BAE-E3B2-298D-1E3D1D48D1F6}"/>
+                <a16:creationId xmlns="" xmlns:a16="http://schemas.microsoft.com/office/drawing/2014/main" id="{85084F94-5BAE-E3B2-298D-1E3D1D48D1F6}"/>
               </a:ext>
             </a:extLst>
           </p:cNvPr>
@@ -1648,7 +1648,7 @@
         <p:cNvPr id="1" name="">
           <a:extLst>
             <a:ext uri="{FF2B5EF4-FFF2-40B4-BE49-F238E27FC236}">
-              <a16:creationId xmlns:a16="http://schemas.microsoft.com/office/drawing/2014/main" xmlns="" id="{84847B3D-F9FE-E845-0A9E-7B3E4737F607}"/>
+              <a16:creationId xmlns="" xmlns:a16="http://schemas.microsoft.com/office/drawing/2014/main" id="{84847B3D-F9FE-E845-0A9E-7B3E4737F607}"/>
             </a:ext>
           </a:extLst>
         </p:cNvPr>
@@ -1668,7 +1668,7 @@
           <p:cNvPr id="2" name="Slide Image Placeholder 1">
             <a:extLst>
               <a:ext uri="{FF2B5EF4-FFF2-40B4-BE49-F238E27FC236}">
-                <a16:creationId xmlns:a16="http://schemas.microsoft.com/office/drawing/2014/main" xmlns="" id="{A65C55DC-40F4-B8B2-A44F-CEE7EA9104C1}"/>
+                <a16:creationId xmlns="" xmlns:a16="http://schemas.microsoft.com/office/drawing/2014/main" id="{A65C55DC-40F4-B8B2-A44F-CEE7EA9104C1}"/>
               </a:ext>
             </a:extLst>
           </p:cNvPr>
@@ -1686,7 +1686,7 @@
           <p:cNvPr id="3" name="Notes Placeholder 2">
             <a:extLst>
               <a:ext uri="{FF2B5EF4-FFF2-40B4-BE49-F238E27FC236}">
-                <a16:creationId xmlns:a16="http://schemas.microsoft.com/office/drawing/2014/main" xmlns="" id="{AFAEFE12-CFF9-2E00-9808-098A1D824723}"/>
+                <a16:creationId xmlns="" xmlns:a16="http://schemas.microsoft.com/office/drawing/2014/main" id="{AFAEFE12-CFF9-2E00-9808-098A1D824723}"/>
               </a:ext>
             </a:extLst>
           </p:cNvPr>
@@ -1711,7 +1711,7 @@
           <p:cNvPr id="4" name="Slide Number Placeholder 3">
             <a:extLst>
               <a:ext uri="{FF2B5EF4-FFF2-40B4-BE49-F238E27FC236}">
-                <a16:creationId xmlns:a16="http://schemas.microsoft.com/office/drawing/2014/main" xmlns="" id="{85084F94-5BAE-E3B2-298D-1E3D1D48D1F6}"/>
+                <a16:creationId xmlns="" xmlns:a16="http://schemas.microsoft.com/office/drawing/2014/main" id="{85084F94-5BAE-E3B2-298D-1E3D1D48D1F6}"/>
               </a:ext>
             </a:extLst>
           </p:cNvPr>
@@ -1756,7 +1756,7 @@
         <p:cNvPr id="1" name="">
           <a:extLst>
             <a:ext uri="{FF2B5EF4-FFF2-40B4-BE49-F238E27FC236}">
-              <a16:creationId xmlns:a16="http://schemas.microsoft.com/office/drawing/2014/main" xmlns="" id="{84847B3D-F9FE-E845-0A9E-7B3E4737F607}"/>
+              <a16:creationId xmlns="" xmlns:a16="http://schemas.microsoft.com/office/drawing/2014/main" id="{84847B3D-F9FE-E845-0A9E-7B3E4737F607}"/>
             </a:ext>
           </a:extLst>
         </p:cNvPr>
@@ -1776,7 +1776,7 @@
           <p:cNvPr id="2" name="Slide Image Placeholder 1">
             <a:extLst>
               <a:ext uri="{FF2B5EF4-FFF2-40B4-BE49-F238E27FC236}">
-                <a16:creationId xmlns:a16="http://schemas.microsoft.com/office/drawing/2014/main" xmlns="" id="{A65C55DC-40F4-B8B2-A44F-CEE7EA9104C1}"/>
+                <a16:creationId xmlns="" xmlns:a16="http://schemas.microsoft.com/office/drawing/2014/main" id="{A65C55DC-40F4-B8B2-A44F-CEE7EA9104C1}"/>
               </a:ext>
             </a:extLst>
           </p:cNvPr>
@@ -1794,7 +1794,7 @@
           <p:cNvPr id="3" name="Notes Placeholder 2">
             <a:extLst>
               <a:ext uri="{FF2B5EF4-FFF2-40B4-BE49-F238E27FC236}">
-                <a16:creationId xmlns:a16="http://schemas.microsoft.com/office/drawing/2014/main" xmlns="" id="{AFAEFE12-CFF9-2E00-9808-098A1D824723}"/>
+                <a16:creationId xmlns="" xmlns:a16="http://schemas.microsoft.com/office/drawing/2014/main" id="{AFAEFE12-CFF9-2E00-9808-098A1D824723}"/>
               </a:ext>
             </a:extLst>
           </p:cNvPr>
@@ -1819,7 +1819,7 @@
           <p:cNvPr id="4" name="Slide Number Placeholder 3">
             <a:extLst>
               <a:ext uri="{FF2B5EF4-FFF2-40B4-BE49-F238E27FC236}">
-                <a16:creationId xmlns:a16="http://schemas.microsoft.com/office/drawing/2014/main" xmlns="" id="{85084F94-5BAE-E3B2-298D-1E3D1D48D1F6}"/>
+                <a16:creationId xmlns="" xmlns:a16="http://schemas.microsoft.com/office/drawing/2014/main" id="{85084F94-5BAE-E3B2-298D-1E3D1D48D1F6}"/>
               </a:ext>
             </a:extLst>
           </p:cNvPr>
@@ -1864,7 +1864,7 @@
         <p:cNvPr id="1" name="">
           <a:extLst>
             <a:ext uri="{FF2B5EF4-FFF2-40B4-BE49-F238E27FC236}">
-              <a16:creationId xmlns:a16="http://schemas.microsoft.com/office/drawing/2014/main" xmlns="" id="{89563512-A8BA-1764-87C7-A00C34FD03E8}"/>
+              <a16:creationId xmlns="" xmlns:a16="http://schemas.microsoft.com/office/drawing/2014/main" id="{89563512-A8BA-1764-87C7-A00C34FD03E8}"/>
             </a:ext>
           </a:extLst>
         </p:cNvPr>
@@ -1884,7 +1884,7 @@
           <p:cNvPr id="2" name="Slide Image Placeholder 1">
             <a:extLst>
               <a:ext uri="{FF2B5EF4-FFF2-40B4-BE49-F238E27FC236}">
-                <a16:creationId xmlns:a16="http://schemas.microsoft.com/office/drawing/2014/main" xmlns="" id="{F8D8F7F0-68B1-3C8C-3974-1CFE7D3952A7}"/>
+                <a16:creationId xmlns="" xmlns:a16="http://schemas.microsoft.com/office/drawing/2014/main" id="{F8D8F7F0-68B1-3C8C-3974-1CFE7D3952A7}"/>
               </a:ext>
             </a:extLst>
           </p:cNvPr>
@@ -1902,7 +1902,7 @@
           <p:cNvPr id="3" name="Notes Placeholder 2">
             <a:extLst>
               <a:ext uri="{FF2B5EF4-FFF2-40B4-BE49-F238E27FC236}">
-                <a16:creationId xmlns:a16="http://schemas.microsoft.com/office/drawing/2014/main" xmlns="" id="{7893E87E-9A62-BE42-B48F-A4960F0B96B7}"/>
+                <a16:creationId xmlns="" xmlns:a16="http://schemas.microsoft.com/office/drawing/2014/main" id="{7893E87E-9A62-BE42-B48F-A4960F0B96B7}"/>
               </a:ext>
             </a:extLst>
           </p:cNvPr>
@@ -1927,7 +1927,7 @@
           <p:cNvPr id="4" name="Slide Number Placeholder 3">
             <a:extLst>
               <a:ext uri="{FF2B5EF4-FFF2-40B4-BE49-F238E27FC236}">
-                <a16:creationId xmlns:a16="http://schemas.microsoft.com/office/drawing/2014/main" xmlns="" id="{61190961-0558-0020-C7FC-07CF6AD55449}"/>
+                <a16:creationId xmlns="" xmlns:a16="http://schemas.microsoft.com/office/drawing/2014/main" id="{61190961-0558-0020-C7FC-07CF6AD55449}"/>
               </a:ext>
             </a:extLst>
           </p:cNvPr>
@@ -1972,7 +1972,7 @@
         <p:cNvPr id="1" name="">
           <a:extLst>
             <a:ext uri="{FF2B5EF4-FFF2-40B4-BE49-F238E27FC236}">
-              <a16:creationId xmlns:a16="http://schemas.microsoft.com/office/drawing/2014/main" xmlns="" id="{84847B3D-F9FE-E845-0A9E-7B3E4737F607}"/>
+              <a16:creationId xmlns="" xmlns:a16="http://schemas.microsoft.com/office/drawing/2014/main" id="{84847B3D-F9FE-E845-0A9E-7B3E4737F607}"/>
             </a:ext>
           </a:extLst>
         </p:cNvPr>
@@ -1992,7 +1992,7 @@
           <p:cNvPr id="2" name="Slide Image Placeholder 1">
             <a:extLst>
               <a:ext uri="{FF2B5EF4-FFF2-40B4-BE49-F238E27FC236}">
-                <a16:creationId xmlns:a16="http://schemas.microsoft.com/office/drawing/2014/main" xmlns="" id="{A65C55DC-40F4-B8B2-A44F-CEE7EA9104C1}"/>
+                <a16:creationId xmlns="" xmlns:a16="http://schemas.microsoft.com/office/drawing/2014/main" id="{A65C55DC-40F4-B8B2-A44F-CEE7EA9104C1}"/>
               </a:ext>
             </a:extLst>
           </p:cNvPr>
@@ -2010,7 +2010,7 @@
           <p:cNvPr id="3" name="Notes Placeholder 2">
             <a:extLst>
               <a:ext uri="{FF2B5EF4-FFF2-40B4-BE49-F238E27FC236}">
-                <a16:creationId xmlns:a16="http://schemas.microsoft.com/office/drawing/2014/main" xmlns="" id="{AFAEFE12-CFF9-2E00-9808-098A1D824723}"/>
+                <a16:creationId xmlns="" xmlns:a16="http://schemas.microsoft.com/office/drawing/2014/main" id="{AFAEFE12-CFF9-2E00-9808-098A1D824723}"/>
               </a:ext>
             </a:extLst>
           </p:cNvPr>
@@ -2035,7 +2035,7 @@
           <p:cNvPr id="4" name="Slide Number Placeholder 3">
             <a:extLst>
               <a:ext uri="{FF2B5EF4-FFF2-40B4-BE49-F238E27FC236}">
-                <a16:creationId xmlns:a16="http://schemas.microsoft.com/office/drawing/2014/main" xmlns="" id="{85084F94-5BAE-E3B2-298D-1E3D1D48D1F6}"/>
+                <a16:creationId xmlns="" xmlns:a16="http://schemas.microsoft.com/office/drawing/2014/main" id="{85084F94-5BAE-E3B2-298D-1E3D1D48D1F6}"/>
               </a:ext>
             </a:extLst>
           </p:cNvPr>
@@ -2080,7 +2080,7 @@
         <p:cNvPr id="1" name="">
           <a:extLst>
             <a:ext uri="{FF2B5EF4-FFF2-40B4-BE49-F238E27FC236}">
-              <a16:creationId xmlns:a16="http://schemas.microsoft.com/office/drawing/2014/main" xmlns="" id="{84847B3D-F9FE-E845-0A9E-7B3E4737F607}"/>
+              <a16:creationId xmlns="" xmlns:a16="http://schemas.microsoft.com/office/drawing/2014/main" id="{84847B3D-F9FE-E845-0A9E-7B3E4737F607}"/>
             </a:ext>
           </a:extLst>
         </p:cNvPr>
@@ -2100,7 +2100,7 @@
           <p:cNvPr id="2" name="Slide Image Placeholder 1">
             <a:extLst>
               <a:ext uri="{FF2B5EF4-FFF2-40B4-BE49-F238E27FC236}">
-                <a16:creationId xmlns:a16="http://schemas.microsoft.com/office/drawing/2014/main" xmlns="" id="{A65C55DC-40F4-B8B2-A44F-CEE7EA9104C1}"/>
+                <a16:creationId xmlns="" xmlns:a16="http://schemas.microsoft.com/office/drawing/2014/main" id="{A65C55DC-40F4-B8B2-A44F-CEE7EA9104C1}"/>
               </a:ext>
             </a:extLst>
           </p:cNvPr>
@@ -2118,7 +2118,7 @@
           <p:cNvPr id="3" name="Notes Placeholder 2">
             <a:extLst>
               <a:ext uri="{FF2B5EF4-FFF2-40B4-BE49-F238E27FC236}">
-                <a16:creationId xmlns:a16="http://schemas.microsoft.com/office/drawing/2014/main" xmlns="" id="{AFAEFE12-CFF9-2E00-9808-098A1D824723}"/>
+                <a16:creationId xmlns="" xmlns:a16="http://schemas.microsoft.com/office/drawing/2014/main" id="{AFAEFE12-CFF9-2E00-9808-098A1D824723}"/>
               </a:ext>
             </a:extLst>
           </p:cNvPr>
@@ -2143,7 +2143,7 @@
           <p:cNvPr id="4" name="Slide Number Placeholder 3">
             <a:extLst>
               <a:ext uri="{FF2B5EF4-FFF2-40B4-BE49-F238E27FC236}">
-                <a16:creationId xmlns:a16="http://schemas.microsoft.com/office/drawing/2014/main" xmlns="" id="{85084F94-5BAE-E3B2-298D-1E3D1D48D1F6}"/>
+                <a16:creationId xmlns="" xmlns:a16="http://schemas.microsoft.com/office/drawing/2014/main" id="{85084F94-5BAE-E3B2-298D-1E3D1D48D1F6}"/>
               </a:ext>
             </a:extLst>
           </p:cNvPr>
@@ -2188,7 +2188,7 @@
         <p:cNvPr id="1" name="">
           <a:extLst>
             <a:ext uri="{FF2B5EF4-FFF2-40B4-BE49-F238E27FC236}">
-              <a16:creationId xmlns:a16="http://schemas.microsoft.com/office/drawing/2014/main" xmlns="" id="{84847B3D-F9FE-E845-0A9E-7B3E4737F607}"/>
+              <a16:creationId xmlns="" xmlns:a16="http://schemas.microsoft.com/office/drawing/2014/main" id="{84847B3D-F9FE-E845-0A9E-7B3E4737F607}"/>
             </a:ext>
           </a:extLst>
         </p:cNvPr>
@@ -2208,7 +2208,7 @@
           <p:cNvPr id="2" name="Slide Image Placeholder 1">
             <a:extLst>
               <a:ext uri="{FF2B5EF4-FFF2-40B4-BE49-F238E27FC236}">
-                <a16:creationId xmlns:a16="http://schemas.microsoft.com/office/drawing/2014/main" xmlns="" id="{A65C55DC-40F4-B8B2-A44F-CEE7EA9104C1}"/>
+                <a16:creationId xmlns="" xmlns:a16="http://schemas.microsoft.com/office/drawing/2014/main" id="{A65C55DC-40F4-B8B2-A44F-CEE7EA9104C1}"/>
               </a:ext>
             </a:extLst>
           </p:cNvPr>
@@ -2226,7 +2226,7 @@
           <p:cNvPr id="3" name="Notes Placeholder 2">
             <a:extLst>
               <a:ext uri="{FF2B5EF4-FFF2-40B4-BE49-F238E27FC236}">
-                <a16:creationId xmlns:a16="http://schemas.microsoft.com/office/drawing/2014/main" xmlns="" id="{AFAEFE12-CFF9-2E00-9808-098A1D824723}"/>
+                <a16:creationId xmlns="" xmlns:a16="http://schemas.microsoft.com/office/drawing/2014/main" id="{AFAEFE12-CFF9-2E00-9808-098A1D824723}"/>
               </a:ext>
             </a:extLst>
           </p:cNvPr>
@@ -2251,7 +2251,7 @@
           <p:cNvPr id="4" name="Slide Number Placeholder 3">
             <a:extLst>
               <a:ext uri="{FF2B5EF4-FFF2-40B4-BE49-F238E27FC236}">
-                <a16:creationId xmlns:a16="http://schemas.microsoft.com/office/drawing/2014/main" xmlns="" id="{85084F94-5BAE-E3B2-298D-1E3D1D48D1F6}"/>
+                <a16:creationId xmlns="" xmlns:a16="http://schemas.microsoft.com/office/drawing/2014/main" id="{85084F94-5BAE-E3B2-298D-1E3D1D48D1F6}"/>
               </a:ext>
             </a:extLst>
           </p:cNvPr>
@@ -2296,7 +2296,7 @@
         <p:cNvPr id="1" name="">
           <a:extLst>
             <a:ext uri="{FF2B5EF4-FFF2-40B4-BE49-F238E27FC236}">
-              <a16:creationId xmlns:a16="http://schemas.microsoft.com/office/drawing/2014/main" xmlns="" id="{84847B3D-F9FE-E845-0A9E-7B3E4737F607}"/>
+              <a16:creationId xmlns="" xmlns:a16="http://schemas.microsoft.com/office/drawing/2014/main" id="{84847B3D-F9FE-E845-0A9E-7B3E4737F607}"/>
             </a:ext>
           </a:extLst>
         </p:cNvPr>
@@ -2316,7 +2316,7 @@
           <p:cNvPr id="2" name="Slide Image Placeholder 1">
             <a:extLst>
               <a:ext uri="{FF2B5EF4-FFF2-40B4-BE49-F238E27FC236}">
-                <a16:creationId xmlns:a16="http://schemas.microsoft.com/office/drawing/2014/main" xmlns="" id="{A65C55DC-40F4-B8B2-A44F-CEE7EA9104C1}"/>
+                <a16:creationId xmlns="" xmlns:a16="http://schemas.microsoft.com/office/drawing/2014/main" id="{A65C55DC-40F4-B8B2-A44F-CEE7EA9104C1}"/>
               </a:ext>
             </a:extLst>
           </p:cNvPr>
@@ -2334,7 +2334,7 @@
           <p:cNvPr id="3" name="Notes Placeholder 2">
             <a:extLst>
               <a:ext uri="{FF2B5EF4-FFF2-40B4-BE49-F238E27FC236}">
-                <a16:creationId xmlns:a16="http://schemas.microsoft.com/office/drawing/2014/main" xmlns="" id="{AFAEFE12-CFF9-2E00-9808-098A1D824723}"/>
+                <a16:creationId xmlns="" xmlns:a16="http://schemas.microsoft.com/office/drawing/2014/main" id="{AFAEFE12-CFF9-2E00-9808-098A1D824723}"/>
               </a:ext>
             </a:extLst>
           </p:cNvPr>
@@ -2359,7 +2359,7 @@
           <p:cNvPr id="4" name="Slide Number Placeholder 3">
             <a:extLst>
               <a:ext uri="{FF2B5EF4-FFF2-40B4-BE49-F238E27FC236}">
-                <a16:creationId xmlns:a16="http://schemas.microsoft.com/office/drawing/2014/main" xmlns="" id="{85084F94-5BAE-E3B2-298D-1E3D1D48D1F6}"/>
+                <a16:creationId xmlns="" xmlns:a16="http://schemas.microsoft.com/office/drawing/2014/main" id="{85084F94-5BAE-E3B2-298D-1E3D1D48D1F6}"/>
               </a:ext>
             </a:extLst>
           </p:cNvPr>
@@ -2404,7 +2404,7 @@
         <p:cNvPr id="1" name="">
           <a:extLst>
             <a:ext uri="{FF2B5EF4-FFF2-40B4-BE49-F238E27FC236}">
-              <a16:creationId xmlns:a16="http://schemas.microsoft.com/office/drawing/2014/main" xmlns="" id="{84847B3D-F9FE-E845-0A9E-7B3E4737F607}"/>
+              <a16:creationId xmlns="" xmlns:a16="http://schemas.microsoft.com/office/drawing/2014/main" id="{84847B3D-F9FE-E845-0A9E-7B3E4737F607}"/>
             </a:ext>
           </a:extLst>
         </p:cNvPr>
@@ -2424,7 +2424,7 @@
           <p:cNvPr id="2" name="Slide Image Placeholder 1">
             <a:extLst>
               <a:ext uri="{FF2B5EF4-FFF2-40B4-BE49-F238E27FC236}">
-                <a16:creationId xmlns:a16="http://schemas.microsoft.com/office/drawing/2014/main" xmlns="" id="{A65C55DC-40F4-B8B2-A44F-CEE7EA9104C1}"/>
+                <a16:creationId xmlns="" xmlns:a16="http://schemas.microsoft.com/office/drawing/2014/main" id="{A65C55DC-40F4-B8B2-A44F-CEE7EA9104C1}"/>
               </a:ext>
             </a:extLst>
           </p:cNvPr>
@@ -2442,7 +2442,7 @@
           <p:cNvPr id="3" name="Notes Placeholder 2">
             <a:extLst>
               <a:ext uri="{FF2B5EF4-FFF2-40B4-BE49-F238E27FC236}">
-                <a16:creationId xmlns:a16="http://schemas.microsoft.com/office/drawing/2014/main" xmlns="" id="{AFAEFE12-CFF9-2E00-9808-098A1D824723}"/>
+                <a16:creationId xmlns="" xmlns:a16="http://schemas.microsoft.com/office/drawing/2014/main" id="{AFAEFE12-CFF9-2E00-9808-098A1D824723}"/>
               </a:ext>
             </a:extLst>
           </p:cNvPr>
@@ -2467,7 +2467,7 @@
           <p:cNvPr id="4" name="Slide Number Placeholder 3">
             <a:extLst>
               <a:ext uri="{FF2B5EF4-FFF2-40B4-BE49-F238E27FC236}">
-                <a16:creationId xmlns:a16="http://schemas.microsoft.com/office/drawing/2014/main" xmlns="" id="{85084F94-5BAE-E3B2-298D-1E3D1D48D1F6}"/>
+                <a16:creationId xmlns="" xmlns:a16="http://schemas.microsoft.com/office/drawing/2014/main" id="{85084F94-5BAE-E3B2-298D-1E3D1D48D1F6}"/>
               </a:ext>
             </a:extLst>
           </p:cNvPr>
@@ -2512,7 +2512,7 @@
         <p:cNvPr id="1" name="">
           <a:extLst>
             <a:ext uri="{FF2B5EF4-FFF2-40B4-BE49-F238E27FC236}">
-              <a16:creationId xmlns:a16="http://schemas.microsoft.com/office/drawing/2014/main" xmlns="" id="{84847B3D-F9FE-E845-0A9E-7B3E4737F607}"/>
+              <a16:creationId xmlns="" xmlns:a16="http://schemas.microsoft.com/office/drawing/2014/main" id="{84847B3D-F9FE-E845-0A9E-7B3E4737F607}"/>
             </a:ext>
           </a:extLst>
         </p:cNvPr>
@@ -2532,7 +2532,7 @@
           <p:cNvPr id="2" name="Slide Image Placeholder 1">
             <a:extLst>
               <a:ext uri="{FF2B5EF4-FFF2-40B4-BE49-F238E27FC236}">
-                <a16:creationId xmlns:a16="http://schemas.microsoft.com/office/drawing/2014/main" xmlns="" id="{A65C55DC-40F4-B8B2-A44F-CEE7EA9104C1}"/>
+                <a16:creationId xmlns="" xmlns:a16="http://schemas.microsoft.com/office/drawing/2014/main" id="{A65C55DC-40F4-B8B2-A44F-CEE7EA9104C1}"/>
               </a:ext>
             </a:extLst>
           </p:cNvPr>
@@ -2550,7 +2550,7 @@
           <p:cNvPr id="3" name="Notes Placeholder 2">
             <a:extLst>
               <a:ext uri="{FF2B5EF4-FFF2-40B4-BE49-F238E27FC236}">
-                <a16:creationId xmlns:a16="http://schemas.microsoft.com/office/drawing/2014/main" xmlns="" id="{AFAEFE12-CFF9-2E00-9808-098A1D824723}"/>
+                <a16:creationId xmlns="" xmlns:a16="http://schemas.microsoft.com/office/drawing/2014/main" id="{AFAEFE12-CFF9-2E00-9808-098A1D824723}"/>
               </a:ext>
             </a:extLst>
           </p:cNvPr>
@@ -2575,7 +2575,7 @@
           <p:cNvPr id="4" name="Slide Number Placeholder 3">
             <a:extLst>
               <a:ext uri="{FF2B5EF4-FFF2-40B4-BE49-F238E27FC236}">
-                <a16:creationId xmlns:a16="http://schemas.microsoft.com/office/drawing/2014/main" xmlns="" id="{85084F94-5BAE-E3B2-298D-1E3D1D48D1F6}"/>
+                <a16:creationId xmlns="" xmlns:a16="http://schemas.microsoft.com/office/drawing/2014/main" id="{85084F94-5BAE-E3B2-298D-1E3D1D48D1F6}"/>
               </a:ext>
             </a:extLst>
           </p:cNvPr>
@@ -2620,7 +2620,7 @@
         <p:cNvPr id="1" name="">
           <a:extLst>
             <a:ext uri="{FF2B5EF4-FFF2-40B4-BE49-F238E27FC236}">
-              <a16:creationId xmlns:a16="http://schemas.microsoft.com/office/drawing/2014/main" xmlns="" id="{84847B3D-F9FE-E845-0A9E-7B3E4737F607}"/>
+              <a16:creationId xmlns="" xmlns:a16="http://schemas.microsoft.com/office/drawing/2014/main" id="{84847B3D-F9FE-E845-0A9E-7B3E4737F607}"/>
             </a:ext>
           </a:extLst>
         </p:cNvPr>
@@ -2640,7 +2640,7 @@
           <p:cNvPr id="2" name="Slide Image Placeholder 1">
             <a:extLst>
               <a:ext uri="{FF2B5EF4-FFF2-40B4-BE49-F238E27FC236}">
-                <a16:creationId xmlns:a16="http://schemas.microsoft.com/office/drawing/2014/main" xmlns="" id="{A65C55DC-40F4-B8B2-A44F-CEE7EA9104C1}"/>
+                <a16:creationId xmlns="" xmlns:a16="http://schemas.microsoft.com/office/drawing/2014/main" id="{A65C55DC-40F4-B8B2-A44F-CEE7EA9104C1}"/>
               </a:ext>
             </a:extLst>
           </p:cNvPr>
@@ -2658,7 +2658,7 @@
           <p:cNvPr id="3" name="Notes Placeholder 2">
             <a:extLst>
               <a:ext uri="{FF2B5EF4-FFF2-40B4-BE49-F238E27FC236}">
-                <a16:creationId xmlns:a16="http://schemas.microsoft.com/office/drawing/2014/main" xmlns="" id="{AFAEFE12-CFF9-2E00-9808-098A1D824723}"/>
+                <a16:creationId xmlns="" xmlns:a16="http://schemas.microsoft.com/office/drawing/2014/main" id="{AFAEFE12-CFF9-2E00-9808-098A1D824723}"/>
               </a:ext>
             </a:extLst>
           </p:cNvPr>
@@ -2683,7 +2683,7 @@
           <p:cNvPr id="4" name="Slide Number Placeholder 3">
             <a:extLst>
               <a:ext uri="{FF2B5EF4-FFF2-40B4-BE49-F238E27FC236}">
-                <a16:creationId xmlns:a16="http://schemas.microsoft.com/office/drawing/2014/main" xmlns="" id="{85084F94-5BAE-E3B2-298D-1E3D1D48D1F6}"/>
+                <a16:creationId xmlns="" xmlns:a16="http://schemas.microsoft.com/office/drawing/2014/main" id="{85084F94-5BAE-E3B2-298D-1E3D1D48D1F6}"/>
               </a:ext>
             </a:extLst>
           </p:cNvPr>
@@ -2728,7 +2728,7 @@
         <p:cNvPr id="1" name="">
           <a:extLst>
             <a:ext uri="{FF2B5EF4-FFF2-40B4-BE49-F238E27FC236}">
-              <a16:creationId xmlns:a16="http://schemas.microsoft.com/office/drawing/2014/main" xmlns="" id="{84F15084-9E64-0732-2172-D06E24D20324}"/>
+              <a16:creationId xmlns="" xmlns:a16="http://schemas.microsoft.com/office/drawing/2014/main" id="{84F15084-9E64-0732-2172-D06E24D20324}"/>
             </a:ext>
           </a:extLst>
         </p:cNvPr>
@@ -2748,7 +2748,7 @@
           <p:cNvPr id="2" name="Slide Image Placeholder 1">
             <a:extLst>
               <a:ext uri="{FF2B5EF4-FFF2-40B4-BE49-F238E27FC236}">
-                <a16:creationId xmlns:a16="http://schemas.microsoft.com/office/drawing/2014/main" xmlns="" id="{7CCBBEEF-0F58-7DB2-13AB-6DAFC52BE070}"/>
+                <a16:creationId xmlns="" xmlns:a16="http://schemas.microsoft.com/office/drawing/2014/main" id="{7CCBBEEF-0F58-7DB2-13AB-6DAFC52BE070}"/>
               </a:ext>
             </a:extLst>
           </p:cNvPr>
@@ -2766,7 +2766,7 @@
           <p:cNvPr id="3" name="Notes Placeholder 2">
             <a:extLst>
               <a:ext uri="{FF2B5EF4-FFF2-40B4-BE49-F238E27FC236}">
-                <a16:creationId xmlns:a16="http://schemas.microsoft.com/office/drawing/2014/main" xmlns="" id="{C62C92A2-0E82-6EA1-AA1F-C125D6D8C6A8}"/>
+                <a16:creationId xmlns="" xmlns:a16="http://schemas.microsoft.com/office/drawing/2014/main" id="{C62C92A2-0E82-6EA1-AA1F-C125D6D8C6A8}"/>
               </a:ext>
             </a:extLst>
           </p:cNvPr>
@@ -2791,7 +2791,7 @@
           <p:cNvPr id="4" name="Slide Number Placeholder 3">
             <a:extLst>
               <a:ext uri="{FF2B5EF4-FFF2-40B4-BE49-F238E27FC236}">
-                <a16:creationId xmlns:a16="http://schemas.microsoft.com/office/drawing/2014/main" xmlns="" id="{F80306BD-3757-CA40-4082-AACA5F6DB656}"/>
+                <a16:creationId xmlns="" xmlns:a16="http://schemas.microsoft.com/office/drawing/2014/main" id="{F80306BD-3757-CA40-4082-AACA5F6DB656}"/>
               </a:ext>
             </a:extLst>
           </p:cNvPr>
@@ -2836,7 +2836,7 @@
         <p:cNvPr id="1" name="">
           <a:extLst>
             <a:ext uri="{FF2B5EF4-FFF2-40B4-BE49-F238E27FC236}">
-              <a16:creationId xmlns:a16="http://schemas.microsoft.com/office/drawing/2014/main" xmlns="" id="{413E0E2F-FB5F-19AD-18FD-02AFD3C3D2A7}"/>
+              <a16:creationId xmlns="" xmlns:a16="http://schemas.microsoft.com/office/drawing/2014/main" id="{413E0E2F-FB5F-19AD-18FD-02AFD3C3D2A7}"/>
             </a:ext>
           </a:extLst>
         </p:cNvPr>
@@ -2856,7 +2856,7 @@
           <p:cNvPr id="2" name="Slide Image Placeholder 1">
             <a:extLst>
               <a:ext uri="{FF2B5EF4-FFF2-40B4-BE49-F238E27FC236}">
-                <a16:creationId xmlns:a16="http://schemas.microsoft.com/office/drawing/2014/main" xmlns="" id="{7836B388-51EF-10FA-3783-0696B2AF7329}"/>
+                <a16:creationId xmlns="" xmlns:a16="http://schemas.microsoft.com/office/drawing/2014/main" id="{7836B388-51EF-10FA-3783-0696B2AF7329}"/>
               </a:ext>
             </a:extLst>
           </p:cNvPr>
@@ -2874,7 +2874,7 @@
           <p:cNvPr id="3" name="Notes Placeholder 2">
             <a:extLst>
               <a:ext uri="{FF2B5EF4-FFF2-40B4-BE49-F238E27FC236}">
-                <a16:creationId xmlns:a16="http://schemas.microsoft.com/office/drawing/2014/main" xmlns="" id="{31C1FAC0-00E4-5BDB-5727-4597CCDC9776}"/>
+                <a16:creationId xmlns="" xmlns:a16="http://schemas.microsoft.com/office/drawing/2014/main" id="{31C1FAC0-00E4-5BDB-5727-4597CCDC9776}"/>
               </a:ext>
             </a:extLst>
           </p:cNvPr>
@@ -2899,7 +2899,7 @@
           <p:cNvPr id="4" name="Slide Number Placeholder 3">
             <a:extLst>
               <a:ext uri="{FF2B5EF4-FFF2-40B4-BE49-F238E27FC236}">
-                <a16:creationId xmlns:a16="http://schemas.microsoft.com/office/drawing/2014/main" xmlns="" id="{387CD11C-29A5-A450-5B49-9B2C8F5A483A}"/>
+                <a16:creationId xmlns="" xmlns:a16="http://schemas.microsoft.com/office/drawing/2014/main" id="{387CD11C-29A5-A450-5B49-9B2C8F5A483A}"/>
               </a:ext>
             </a:extLst>
           </p:cNvPr>
@@ -2944,7 +2944,7 @@
         <p:cNvPr id="1" name="">
           <a:extLst>
             <a:ext uri="{FF2B5EF4-FFF2-40B4-BE49-F238E27FC236}">
-              <a16:creationId xmlns:a16="http://schemas.microsoft.com/office/drawing/2014/main" xmlns="" id="{32CDD179-4403-A07F-630C-A153B2FB9440}"/>
+              <a16:creationId xmlns="" xmlns:a16="http://schemas.microsoft.com/office/drawing/2014/main" id="{32CDD179-4403-A07F-630C-A153B2FB9440}"/>
             </a:ext>
           </a:extLst>
         </p:cNvPr>
@@ -2964,7 +2964,7 @@
           <p:cNvPr id="2" name="Slide Image Placeholder 1">
             <a:extLst>
               <a:ext uri="{FF2B5EF4-FFF2-40B4-BE49-F238E27FC236}">
-                <a16:creationId xmlns:a16="http://schemas.microsoft.com/office/drawing/2014/main" xmlns="" id="{C5371C59-0780-417A-50AE-5F81ED51E3DD}"/>
+                <a16:creationId xmlns="" xmlns:a16="http://schemas.microsoft.com/office/drawing/2014/main" id="{C5371C59-0780-417A-50AE-5F81ED51E3DD}"/>
               </a:ext>
             </a:extLst>
           </p:cNvPr>
@@ -2982,7 +2982,7 @@
           <p:cNvPr id="3" name="Notes Placeholder 2">
             <a:extLst>
               <a:ext uri="{FF2B5EF4-FFF2-40B4-BE49-F238E27FC236}">
-                <a16:creationId xmlns:a16="http://schemas.microsoft.com/office/drawing/2014/main" xmlns="" id="{3877DC73-D2E6-4C8A-5B32-AAE3B3DEC3E1}"/>
+                <a16:creationId xmlns="" xmlns:a16="http://schemas.microsoft.com/office/drawing/2014/main" id="{3877DC73-D2E6-4C8A-5B32-AAE3B3DEC3E1}"/>
               </a:ext>
             </a:extLst>
           </p:cNvPr>
@@ -3007,7 +3007,7 @@
           <p:cNvPr id="4" name="Slide Number Placeholder 3">
             <a:extLst>
               <a:ext uri="{FF2B5EF4-FFF2-40B4-BE49-F238E27FC236}">
-                <a16:creationId xmlns:a16="http://schemas.microsoft.com/office/drawing/2014/main" xmlns="" id="{A53F2668-F7D8-0DD8-090D-8D685CDFDF82}"/>
+                <a16:creationId xmlns="" xmlns:a16="http://schemas.microsoft.com/office/drawing/2014/main" id="{A53F2668-F7D8-0DD8-090D-8D685CDFDF82}"/>
               </a:ext>
             </a:extLst>
           </p:cNvPr>
@@ -3052,7 +3052,7 @@
         <p:cNvPr id="1" name="">
           <a:extLst>
             <a:ext uri="{FF2B5EF4-FFF2-40B4-BE49-F238E27FC236}">
-              <a16:creationId xmlns:a16="http://schemas.microsoft.com/office/drawing/2014/main" xmlns="" id="{611B77C4-0D39-64D6-A86B-642112E29695}"/>
+              <a16:creationId xmlns="" xmlns:a16="http://schemas.microsoft.com/office/drawing/2014/main" id="{611B77C4-0D39-64D6-A86B-642112E29695}"/>
             </a:ext>
           </a:extLst>
         </p:cNvPr>
@@ -3072,7 +3072,7 @@
           <p:cNvPr id="2" name="Slide Image Placeholder 1">
             <a:extLst>
               <a:ext uri="{FF2B5EF4-FFF2-40B4-BE49-F238E27FC236}">
-                <a16:creationId xmlns:a16="http://schemas.microsoft.com/office/drawing/2014/main" xmlns="" id="{248CF8F3-1596-3F28-5175-2E3D216F2B36}"/>
+                <a16:creationId xmlns="" xmlns:a16="http://schemas.microsoft.com/office/drawing/2014/main" id="{248CF8F3-1596-3F28-5175-2E3D216F2B36}"/>
               </a:ext>
             </a:extLst>
           </p:cNvPr>
@@ -3090,7 +3090,7 @@
           <p:cNvPr id="3" name="Notes Placeholder 2">
             <a:extLst>
               <a:ext uri="{FF2B5EF4-FFF2-40B4-BE49-F238E27FC236}">
-                <a16:creationId xmlns:a16="http://schemas.microsoft.com/office/drawing/2014/main" xmlns="" id="{8DAF0CB2-EC6B-167D-32D1-6BCC4A35A007}"/>
+                <a16:creationId xmlns="" xmlns:a16="http://schemas.microsoft.com/office/drawing/2014/main" id="{8DAF0CB2-EC6B-167D-32D1-6BCC4A35A007}"/>
               </a:ext>
             </a:extLst>
           </p:cNvPr>
@@ -3115,7 +3115,7 @@
           <p:cNvPr id="4" name="Slide Number Placeholder 3">
             <a:extLst>
               <a:ext uri="{FF2B5EF4-FFF2-40B4-BE49-F238E27FC236}">
-                <a16:creationId xmlns:a16="http://schemas.microsoft.com/office/drawing/2014/main" xmlns="" id="{4B9C545A-1AD5-BFF5-B687-7B9BD552CC0D}"/>
+                <a16:creationId xmlns="" xmlns:a16="http://schemas.microsoft.com/office/drawing/2014/main" id="{4B9C545A-1AD5-BFF5-B687-7B9BD552CC0D}"/>
               </a:ext>
             </a:extLst>
           </p:cNvPr>
@@ -3160,7 +3160,7 @@
         <p:cNvPr id="1" name="">
           <a:extLst>
             <a:ext uri="{FF2B5EF4-FFF2-40B4-BE49-F238E27FC236}">
-              <a16:creationId xmlns:a16="http://schemas.microsoft.com/office/drawing/2014/main" xmlns="" id="{3E01EA9D-0D8E-B3B3-3471-A72EA7077645}"/>
+              <a16:creationId xmlns="" xmlns:a16="http://schemas.microsoft.com/office/drawing/2014/main" id="{3E01EA9D-0D8E-B3B3-3471-A72EA7077645}"/>
             </a:ext>
           </a:extLst>
         </p:cNvPr>
@@ -3180,7 +3180,7 @@
           <p:cNvPr id="2" name="Slide Image Placeholder 1">
             <a:extLst>
               <a:ext uri="{FF2B5EF4-FFF2-40B4-BE49-F238E27FC236}">
-                <a16:creationId xmlns:a16="http://schemas.microsoft.com/office/drawing/2014/main" xmlns="" id="{7B90D1D5-C864-5E4C-3C40-4D43E6C4296D}"/>
+                <a16:creationId xmlns="" xmlns:a16="http://schemas.microsoft.com/office/drawing/2014/main" id="{7B90D1D5-C864-5E4C-3C40-4D43E6C4296D}"/>
               </a:ext>
             </a:extLst>
           </p:cNvPr>
@@ -3198,7 +3198,7 @@
           <p:cNvPr id="3" name="Notes Placeholder 2">
             <a:extLst>
               <a:ext uri="{FF2B5EF4-FFF2-40B4-BE49-F238E27FC236}">
-                <a16:creationId xmlns:a16="http://schemas.microsoft.com/office/drawing/2014/main" xmlns="" id="{ED9CB586-8860-3BD8-3381-DA1CEFABC39B}"/>
+                <a16:creationId xmlns="" xmlns:a16="http://schemas.microsoft.com/office/drawing/2014/main" id="{ED9CB586-8860-3BD8-3381-DA1CEFABC39B}"/>
               </a:ext>
             </a:extLst>
           </p:cNvPr>
@@ -3223,7 +3223,7 @@
           <p:cNvPr id="4" name="Slide Number Placeholder 3">
             <a:extLst>
               <a:ext uri="{FF2B5EF4-FFF2-40B4-BE49-F238E27FC236}">
-                <a16:creationId xmlns:a16="http://schemas.microsoft.com/office/drawing/2014/main" xmlns="" id="{C0A432A5-CFDC-1082-A3A3-88230315F764}"/>
+                <a16:creationId xmlns="" xmlns:a16="http://schemas.microsoft.com/office/drawing/2014/main" id="{C0A432A5-CFDC-1082-A3A3-88230315F764}"/>
               </a:ext>
             </a:extLst>
           </p:cNvPr>
@@ -3268,7 +3268,7 @@
         <p:cNvPr id="1" name="">
           <a:extLst>
             <a:ext uri="{FF2B5EF4-FFF2-40B4-BE49-F238E27FC236}">
-              <a16:creationId xmlns:a16="http://schemas.microsoft.com/office/drawing/2014/main" xmlns="" id="{3E01EA9D-0D8E-B3B3-3471-A72EA7077645}"/>
+              <a16:creationId xmlns="" xmlns:a16="http://schemas.microsoft.com/office/drawing/2014/main" id="{3E01EA9D-0D8E-B3B3-3471-A72EA7077645}"/>
             </a:ext>
           </a:extLst>
         </p:cNvPr>
@@ -3288,7 +3288,7 @@
           <p:cNvPr id="2" name="Slide Image Placeholder 1">
             <a:extLst>
               <a:ext uri="{FF2B5EF4-FFF2-40B4-BE49-F238E27FC236}">
-                <a16:creationId xmlns:a16="http://schemas.microsoft.com/office/drawing/2014/main" xmlns="" id="{7B90D1D5-C864-5E4C-3C40-4D43E6C4296D}"/>
+                <a16:creationId xmlns="" xmlns:a16="http://schemas.microsoft.com/office/drawing/2014/main" id="{7B90D1D5-C864-5E4C-3C40-4D43E6C4296D}"/>
               </a:ext>
             </a:extLst>
           </p:cNvPr>
@@ -3306,7 +3306,7 @@
           <p:cNvPr id="3" name="Notes Placeholder 2">
             <a:extLst>
               <a:ext uri="{FF2B5EF4-FFF2-40B4-BE49-F238E27FC236}">
-                <a16:creationId xmlns:a16="http://schemas.microsoft.com/office/drawing/2014/main" xmlns="" id="{ED9CB586-8860-3BD8-3381-DA1CEFABC39B}"/>
+                <a16:creationId xmlns="" xmlns:a16="http://schemas.microsoft.com/office/drawing/2014/main" id="{ED9CB586-8860-3BD8-3381-DA1CEFABC39B}"/>
               </a:ext>
             </a:extLst>
           </p:cNvPr>
@@ -3331,7 +3331,7 @@
           <p:cNvPr id="4" name="Slide Number Placeholder 3">
             <a:extLst>
               <a:ext uri="{FF2B5EF4-FFF2-40B4-BE49-F238E27FC236}">
-                <a16:creationId xmlns:a16="http://schemas.microsoft.com/office/drawing/2014/main" xmlns="" id="{C0A432A5-CFDC-1082-A3A3-88230315F764}"/>
+                <a16:creationId xmlns="" xmlns:a16="http://schemas.microsoft.com/office/drawing/2014/main" id="{C0A432A5-CFDC-1082-A3A3-88230315F764}"/>
               </a:ext>
             </a:extLst>
           </p:cNvPr>
@@ -3376,7 +3376,7 @@
         <p:cNvPr id="1" name="">
           <a:extLst>
             <a:ext uri="{FF2B5EF4-FFF2-40B4-BE49-F238E27FC236}">
-              <a16:creationId xmlns:a16="http://schemas.microsoft.com/office/drawing/2014/main" xmlns="" id="{5EB58F29-43BC-250B-F029-F71591A0B61F}"/>
+              <a16:creationId xmlns="" xmlns:a16="http://schemas.microsoft.com/office/drawing/2014/main" id="{5EB58F29-43BC-250B-F029-F71591A0B61F}"/>
             </a:ext>
           </a:extLst>
         </p:cNvPr>
@@ -3396,7 +3396,7 @@
           <p:cNvPr id="2" name="Slide Image Placeholder 1">
             <a:extLst>
               <a:ext uri="{FF2B5EF4-FFF2-40B4-BE49-F238E27FC236}">
-                <a16:creationId xmlns:a16="http://schemas.microsoft.com/office/drawing/2014/main" xmlns="" id="{5DE86BF1-A149-E84A-3F16-6B3EA6508255}"/>
+                <a16:creationId xmlns="" xmlns:a16="http://schemas.microsoft.com/office/drawing/2014/main" id="{5DE86BF1-A149-E84A-3F16-6B3EA6508255}"/>
               </a:ext>
             </a:extLst>
           </p:cNvPr>
@@ -3414,7 +3414,7 @@
           <p:cNvPr id="3" name="Notes Placeholder 2">
             <a:extLst>
               <a:ext uri="{FF2B5EF4-FFF2-40B4-BE49-F238E27FC236}">
-                <a16:creationId xmlns:a16="http://schemas.microsoft.com/office/drawing/2014/main" xmlns="" id="{CA0F34B0-7045-260E-477B-11A6EFF1956C}"/>
+                <a16:creationId xmlns="" xmlns:a16="http://schemas.microsoft.com/office/drawing/2014/main" id="{CA0F34B0-7045-260E-477B-11A6EFF1956C}"/>
               </a:ext>
             </a:extLst>
           </p:cNvPr>
@@ -3439,7 +3439,7 @@
           <p:cNvPr id="4" name="Slide Number Placeholder 3">
             <a:extLst>
               <a:ext uri="{FF2B5EF4-FFF2-40B4-BE49-F238E27FC236}">
-                <a16:creationId xmlns:a16="http://schemas.microsoft.com/office/drawing/2014/main" xmlns="" id="{A5688479-B809-6A48-F4C5-5339F475891A}"/>
+                <a16:creationId xmlns="" xmlns:a16="http://schemas.microsoft.com/office/drawing/2014/main" id="{A5688479-B809-6A48-F4C5-5339F475891A}"/>
               </a:ext>
             </a:extLst>
           </p:cNvPr>
@@ -3484,7 +3484,7 @@
         <p:cNvPr id="1" name="">
           <a:extLst>
             <a:ext uri="{FF2B5EF4-FFF2-40B4-BE49-F238E27FC236}">
-              <a16:creationId xmlns:a16="http://schemas.microsoft.com/office/drawing/2014/main" xmlns="" id="{84847B3D-F9FE-E845-0A9E-7B3E4737F607}"/>
+              <a16:creationId xmlns="" xmlns:a16="http://schemas.microsoft.com/office/drawing/2014/main" id="{84847B3D-F9FE-E845-0A9E-7B3E4737F607}"/>
             </a:ext>
           </a:extLst>
         </p:cNvPr>
@@ -3504,7 +3504,7 @@
           <p:cNvPr id="2" name="Slide Image Placeholder 1">
             <a:extLst>
               <a:ext uri="{FF2B5EF4-FFF2-40B4-BE49-F238E27FC236}">
-                <a16:creationId xmlns:a16="http://schemas.microsoft.com/office/drawing/2014/main" xmlns="" id="{A65C55DC-40F4-B8B2-A44F-CEE7EA9104C1}"/>
+                <a16:creationId xmlns="" xmlns:a16="http://schemas.microsoft.com/office/drawing/2014/main" id="{A65C55DC-40F4-B8B2-A44F-CEE7EA9104C1}"/>
               </a:ext>
             </a:extLst>
           </p:cNvPr>
@@ -3522,7 +3522,7 @@
           <p:cNvPr id="3" name="Notes Placeholder 2">
             <a:extLst>
               <a:ext uri="{FF2B5EF4-FFF2-40B4-BE49-F238E27FC236}">
-                <a16:creationId xmlns:a16="http://schemas.microsoft.com/office/drawing/2014/main" xmlns="" id="{AFAEFE12-CFF9-2E00-9808-098A1D824723}"/>
+                <a16:creationId xmlns="" xmlns:a16="http://schemas.microsoft.com/office/drawing/2014/main" id="{AFAEFE12-CFF9-2E00-9808-098A1D824723}"/>
               </a:ext>
             </a:extLst>
           </p:cNvPr>
@@ -3547,7 +3547,7 @@
           <p:cNvPr id="4" name="Slide Number Placeholder 3">
             <a:extLst>
               <a:ext uri="{FF2B5EF4-FFF2-40B4-BE49-F238E27FC236}">
-                <a16:creationId xmlns:a16="http://schemas.microsoft.com/office/drawing/2014/main" xmlns="" id="{85084F94-5BAE-E3B2-298D-1E3D1D48D1F6}"/>
+                <a16:creationId xmlns="" xmlns:a16="http://schemas.microsoft.com/office/drawing/2014/main" id="{85084F94-5BAE-E3B2-298D-1E3D1D48D1F6}"/>
               </a:ext>
             </a:extLst>
           </p:cNvPr>
@@ -3614,7 +3614,7 @@
           <p:cNvPr id="7" name="Picture Placeholder 6">
             <a:extLst>
               <a:ext uri="{FF2B5EF4-FFF2-40B4-BE49-F238E27FC236}">
-                <a16:creationId xmlns:a16="http://schemas.microsoft.com/office/drawing/2014/main" xmlns="" id="{7A7F58C7-D277-8F14-F024-4B41D20D054F}"/>
+                <a16:creationId xmlns="" xmlns:a16="http://schemas.microsoft.com/office/drawing/2014/main" id="{7A7F58C7-D277-8F14-F024-4B41D20D054F}"/>
               </a:ext>
             </a:extLst>
           </p:cNvPr>
@@ -3659,7 +3659,7 @@
           <p:cNvPr id="6" name="Title 1">
             <a:extLst>
               <a:ext uri="{FF2B5EF4-FFF2-40B4-BE49-F238E27FC236}">
-                <a16:creationId xmlns:a16="http://schemas.microsoft.com/office/drawing/2014/main" xmlns="" id="{2E8C189B-2E00-67DA-E342-3440F5EBB4CE}"/>
+                <a16:creationId xmlns="" xmlns:a16="http://schemas.microsoft.com/office/drawing/2014/main" id="{2E8C189B-2E00-67DA-E342-3440F5EBB4CE}"/>
               </a:ext>
             </a:extLst>
           </p:cNvPr>
@@ -3732,7 +3732,7 @@
           <p:cNvPr id="2" name="Title 1">
             <a:extLst>
               <a:ext uri="{FF2B5EF4-FFF2-40B4-BE49-F238E27FC236}">
-                <a16:creationId xmlns:a16="http://schemas.microsoft.com/office/drawing/2014/main" xmlns="" id="{0C40C44A-93E6-6C58-5E88-AFDC594EC27A}"/>
+                <a16:creationId xmlns="" xmlns:a16="http://schemas.microsoft.com/office/drawing/2014/main" id="{0C40C44A-93E6-6C58-5E88-AFDC594EC27A}"/>
               </a:ext>
             </a:extLst>
           </p:cNvPr>
@@ -3771,7 +3771,7 @@
           <p:cNvPr id="8" name="Content Placeholder 10">
             <a:extLst>
               <a:ext uri="{FF2B5EF4-FFF2-40B4-BE49-F238E27FC236}">
-                <a16:creationId xmlns:a16="http://schemas.microsoft.com/office/drawing/2014/main" xmlns="" id="{A524C1E0-92FE-D7D2-83A7-46D29A838874}"/>
+                <a16:creationId xmlns="" xmlns:a16="http://schemas.microsoft.com/office/drawing/2014/main" id="{A524C1E0-92FE-D7D2-83A7-46D29A838874}"/>
               </a:ext>
             </a:extLst>
           </p:cNvPr>
@@ -3919,7 +3919,7 @@
           <p:cNvPr id="11" name="Content Placeholder 10">
             <a:extLst>
               <a:ext uri="{FF2B5EF4-FFF2-40B4-BE49-F238E27FC236}">
-                <a16:creationId xmlns:a16="http://schemas.microsoft.com/office/drawing/2014/main" xmlns="" id="{427E0367-8E38-8905-DC9A-D0C376A591A7}"/>
+                <a16:creationId xmlns="" xmlns:a16="http://schemas.microsoft.com/office/drawing/2014/main" id="{427E0367-8E38-8905-DC9A-D0C376A591A7}"/>
               </a:ext>
             </a:extLst>
           </p:cNvPr>
@@ -4067,10 +4067,10 @@
           <p:cNvPr id="10" name="Rectangle 9">
             <a:extLst>
               <a:ext uri="{FF2B5EF4-FFF2-40B4-BE49-F238E27FC236}">
-                <a16:creationId xmlns:a16="http://schemas.microsoft.com/office/drawing/2014/main" xmlns="" id="{43D847DE-29F2-8ABB-1718-34BED4F37718}"/>
+                <a16:creationId xmlns="" xmlns:a16="http://schemas.microsoft.com/office/drawing/2014/main" id="{43D847DE-29F2-8ABB-1718-34BED4F37718}"/>
               </a:ext>
               <a:ext uri="{C183D7F6-B498-43B3-948B-1728B52AA6E4}">
-                <adec:decorative xmlns:adec="http://schemas.microsoft.com/office/drawing/2017/decorative" xmlns="" val="1"/>
+                <adec:decorative xmlns="" xmlns:adec="http://schemas.microsoft.com/office/drawing/2017/decorative" val="1"/>
               </a:ext>
             </a:extLst>
           </p:cNvPr>
@@ -4139,7 +4139,7 @@
           <p:cNvPr id="5" name="Date Placeholder 4">
             <a:extLst>
               <a:ext uri="{FF2B5EF4-FFF2-40B4-BE49-F238E27FC236}">
-                <a16:creationId xmlns:a16="http://schemas.microsoft.com/office/drawing/2014/main" xmlns="" id="{C6CFCEB5-4092-FD13-478E-51CD74FDB82E}"/>
+                <a16:creationId xmlns="" xmlns:a16="http://schemas.microsoft.com/office/drawing/2014/main" id="{C6CFCEB5-4092-FD13-478E-51CD74FDB82E}"/>
               </a:ext>
             </a:extLst>
           </p:cNvPr>
@@ -4168,7 +4168,7 @@
           <p:cNvPr id="6" name="Footer Placeholder 5">
             <a:extLst>
               <a:ext uri="{FF2B5EF4-FFF2-40B4-BE49-F238E27FC236}">
-                <a16:creationId xmlns:a16="http://schemas.microsoft.com/office/drawing/2014/main" xmlns="" id="{5D077A4D-E7C0-912D-293F-D93F0CB5CA49}"/>
+                <a16:creationId xmlns="" xmlns:a16="http://schemas.microsoft.com/office/drawing/2014/main" id="{5D077A4D-E7C0-912D-293F-D93F0CB5CA49}"/>
               </a:ext>
             </a:extLst>
           </p:cNvPr>
@@ -4193,7 +4193,7 @@
           <p:cNvPr id="7" name="Slide Number Placeholder 6">
             <a:extLst>
               <a:ext uri="{FF2B5EF4-FFF2-40B4-BE49-F238E27FC236}">
-                <a16:creationId xmlns:a16="http://schemas.microsoft.com/office/drawing/2014/main" xmlns="" id="{CA6AA9E1-334B-5F8F-8A92-67DD095F7838}"/>
+                <a16:creationId xmlns="" xmlns:a16="http://schemas.microsoft.com/office/drawing/2014/main" id="{CA6AA9E1-334B-5F8F-8A92-67DD095F7838}"/>
               </a:ext>
             </a:extLst>
           </p:cNvPr>
@@ -4252,7 +4252,7 @@
           <p:cNvPr id="2" name="Title 1">
             <a:extLst>
               <a:ext uri="{FF2B5EF4-FFF2-40B4-BE49-F238E27FC236}">
-                <a16:creationId xmlns:a16="http://schemas.microsoft.com/office/drawing/2014/main" xmlns="" id="{F657BD59-35CC-9BB3-8621-6FA3356F81AA}"/>
+                <a16:creationId xmlns="" xmlns:a16="http://schemas.microsoft.com/office/drawing/2014/main" id="{F657BD59-35CC-9BB3-8621-6FA3356F81AA}"/>
               </a:ext>
             </a:extLst>
           </p:cNvPr>
@@ -4286,7 +4286,7 @@
           <p:cNvPr id="8" name="Table Placeholder 7">
             <a:extLst>
               <a:ext uri="{FF2B5EF4-FFF2-40B4-BE49-F238E27FC236}">
-                <a16:creationId xmlns:a16="http://schemas.microsoft.com/office/drawing/2014/main" xmlns="" id="{0CEAFE70-86D3-8690-31CA-F9A1FBA494D0}"/>
+                <a16:creationId xmlns="" xmlns:a16="http://schemas.microsoft.com/office/drawing/2014/main" id="{0CEAFE70-86D3-8690-31CA-F9A1FBA494D0}"/>
               </a:ext>
             </a:extLst>
           </p:cNvPr>
@@ -4324,7 +4324,7 @@
           <p:cNvPr id="4" name="Date Placeholder 3">
             <a:extLst>
               <a:ext uri="{FF2B5EF4-FFF2-40B4-BE49-F238E27FC236}">
-                <a16:creationId xmlns:a16="http://schemas.microsoft.com/office/drawing/2014/main" xmlns="" id="{8C56EB0F-63C8-5F75-A333-3413A9DC6F76}"/>
+                <a16:creationId xmlns="" xmlns:a16="http://schemas.microsoft.com/office/drawing/2014/main" id="{8C56EB0F-63C8-5F75-A333-3413A9DC6F76}"/>
               </a:ext>
             </a:extLst>
           </p:cNvPr>
@@ -4353,7 +4353,7 @@
           <p:cNvPr id="5" name="Footer Placeholder 4">
             <a:extLst>
               <a:ext uri="{FF2B5EF4-FFF2-40B4-BE49-F238E27FC236}">
-                <a16:creationId xmlns:a16="http://schemas.microsoft.com/office/drawing/2014/main" xmlns="" id="{4D4DE333-25B4-E092-1CC4-C3D20BA25168}"/>
+                <a16:creationId xmlns="" xmlns:a16="http://schemas.microsoft.com/office/drawing/2014/main" id="{4D4DE333-25B4-E092-1CC4-C3D20BA25168}"/>
               </a:ext>
             </a:extLst>
           </p:cNvPr>
@@ -4378,7 +4378,7 @@
           <p:cNvPr id="6" name="Slide Number Placeholder 5">
             <a:extLst>
               <a:ext uri="{FF2B5EF4-FFF2-40B4-BE49-F238E27FC236}">
-                <a16:creationId xmlns:a16="http://schemas.microsoft.com/office/drawing/2014/main" xmlns="" id="{8F1AF200-E81F-A326-0EDB-4B93C71D9BF4}"/>
+                <a16:creationId xmlns="" xmlns:a16="http://schemas.microsoft.com/office/drawing/2014/main" id="{8F1AF200-E81F-A326-0EDB-4B93C71D9BF4}"/>
               </a:ext>
             </a:extLst>
           </p:cNvPr>
@@ -4437,7 +4437,7 @@
           <p:cNvPr id="12" name="Picture Placeholder 11">
             <a:extLst>
               <a:ext uri="{FF2B5EF4-FFF2-40B4-BE49-F238E27FC236}">
-                <a16:creationId xmlns:a16="http://schemas.microsoft.com/office/drawing/2014/main" xmlns="" id="{76EE6F3F-63EB-5C0E-2307-3B7CBBA1C374}"/>
+                <a16:creationId xmlns="" xmlns:a16="http://schemas.microsoft.com/office/drawing/2014/main" id="{76EE6F3F-63EB-5C0E-2307-3B7CBBA1C374}"/>
               </a:ext>
             </a:extLst>
           </p:cNvPr>
@@ -4485,7 +4485,7 @@
           <p:cNvPr id="2" name="Title 1">
             <a:extLst>
               <a:ext uri="{FF2B5EF4-FFF2-40B4-BE49-F238E27FC236}">
-                <a16:creationId xmlns:a16="http://schemas.microsoft.com/office/drawing/2014/main" xmlns="" id="{F657BD59-35CC-9BB3-8621-6FA3356F81AA}"/>
+                <a16:creationId xmlns="" xmlns:a16="http://schemas.microsoft.com/office/drawing/2014/main" id="{F657BD59-35CC-9BB3-8621-6FA3356F81AA}"/>
               </a:ext>
             </a:extLst>
           </p:cNvPr>
@@ -4531,7 +4531,7 @@
           <p:cNvPr id="10" name="Text Placeholder 9">
             <a:extLst>
               <a:ext uri="{FF2B5EF4-FFF2-40B4-BE49-F238E27FC236}">
-                <a16:creationId xmlns:a16="http://schemas.microsoft.com/office/drawing/2014/main" xmlns="" id="{E12DA517-30B0-BC62-0422-F995FB9189E2}"/>
+                <a16:creationId xmlns="" xmlns:a16="http://schemas.microsoft.com/office/drawing/2014/main" id="{E12DA517-30B0-BC62-0422-F995FB9189E2}"/>
               </a:ext>
             </a:extLst>
           </p:cNvPr>
@@ -4653,7 +4653,7 @@
           <p:cNvPr id="2" name="Title 1">
             <a:extLst>
               <a:ext uri="{FF2B5EF4-FFF2-40B4-BE49-F238E27FC236}">
-                <a16:creationId xmlns:a16="http://schemas.microsoft.com/office/drawing/2014/main" xmlns="" id="{F657BD59-35CC-9BB3-8621-6FA3356F81AA}"/>
+                <a16:creationId xmlns="" xmlns:a16="http://schemas.microsoft.com/office/drawing/2014/main" id="{F657BD59-35CC-9BB3-8621-6FA3356F81AA}"/>
               </a:ext>
             </a:extLst>
           </p:cNvPr>
@@ -4692,7 +4692,7 @@
           <p:cNvPr id="10" name="Picture Placeholder 9">
             <a:extLst>
               <a:ext uri="{FF2B5EF4-FFF2-40B4-BE49-F238E27FC236}">
-                <a16:creationId xmlns:a16="http://schemas.microsoft.com/office/drawing/2014/main" xmlns="" id="{6B8CBAD6-FC79-B2BB-0B67-26429A6D4C8C}"/>
+                <a16:creationId xmlns="" xmlns:a16="http://schemas.microsoft.com/office/drawing/2014/main" id="{6B8CBAD6-FC79-B2BB-0B67-26429A6D4C8C}"/>
               </a:ext>
             </a:extLst>
           </p:cNvPr>
@@ -4739,7 +4739,7 @@
           <p:cNvPr id="3" name="Content Placeholder 2">
             <a:extLst>
               <a:ext uri="{FF2B5EF4-FFF2-40B4-BE49-F238E27FC236}">
-                <a16:creationId xmlns:a16="http://schemas.microsoft.com/office/drawing/2014/main" xmlns="" id="{A772710C-A212-1B12-06CD-FA2A14F89D68}"/>
+                <a16:creationId xmlns="" xmlns:a16="http://schemas.microsoft.com/office/drawing/2014/main" id="{A772710C-A212-1B12-06CD-FA2A14F89D68}"/>
               </a:ext>
             </a:extLst>
           </p:cNvPr>
@@ -4854,10 +4854,10 @@
           <p:cNvPr id="11" name="Rectangle 10">
             <a:extLst>
               <a:ext uri="{FF2B5EF4-FFF2-40B4-BE49-F238E27FC236}">
-                <a16:creationId xmlns:a16="http://schemas.microsoft.com/office/drawing/2014/main" xmlns="" id="{934796A3-781D-5244-DAB8-2D6EE0AC3B70}"/>
+                <a16:creationId xmlns="" xmlns:a16="http://schemas.microsoft.com/office/drawing/2014/main" id="{934796A3-781D-5244-DAB8-2D6EE0AC3B70}"/>
               </a:ext>
               <a:ext uri="{C183D7F6-B498-43B3-948B-1728B52AA6E4}">
-                <adec:decorative xmlns:adec="http://schemas.microsoft.com/office/drawing/2017/decorative" xmlns="" val="1"/>
+                <adec:decorative xmlns="" xmlns:adec="http://schemas.microsoft.com/office/drawing/2017/decorative" val="1"/>
               </a:ext>
             </a:extLst>
           </p:cNvPr>
@@ -4933,7 +4933,7 @@
   </p:clrMapOvr>
   <p:extLst>
     <p:ext uri="{DCECCB84-F9BA-43D5-87BE-67443E8EF086}">
-      <p15:sldGuideLst xmlns:p15="http://schemas.microsoft.com/office/powerpoint/2012/main" xmlns="">
+      <p15:sldGuideLst xmlns="" xmlns:p15="http://schemas.microsoft.com/office/powerpoint/2012/main">
         <p15:guide id="1" orient="horz" pos="2160" userDrawn="1">
           <p15:clr>
             <a:srgbClr val="FBAE40"/>
@@ -4972,7 +4972,7 @@
           <p:cNvPr id="2" name="Title 1">
             <a:extLst>
               <a:ext uri="{FF2B5EF4-FFF2-40B4-BE49-F238E27FC236}">
-                <a16:creationId xmlns:a16="http://schemas.microsoft.com/office/drawing/2014/main" xmlns="" id="{32772C41-A024-2F33-1F04-21E003FA7291}"/>
+                <a16:creationId xmlns="" xmlns:a16="http://schemas.microsoft.com/office/drawing/2014/main" id="{32772C41-A024-2F33-1F04-21E003FA7291}"/>
               </a:ext>
             </a:extLst>
           </p:cNvPr>
@@ -5012,7 +5012,7 @@
           <p:cNvPr id="12" name="Picture Placeholder 11">
             <a:extLst>
               <a:ext uri="{FF2B5EF4-FFF2-40B4-BE49-F238E27FC236}">
-                <a16:creationId xmlns:a16="http://schemas.microsoft.com/office/drawing/2014/main" xmlns="" id="{82836803-D9E6-3DF1-3B90-1E7E677CC7B7}"/>
+                <a16:creationId xmlns="" xmlns:a16="http://schemas.microsoft.com/office/drawing/2014/main" id="{82836803-D9E6-3DF1-3B90-1E7E677CC7B7}"/>
               </a:ext>
             </a:extLst>
           </p:cNvPr>
@@ -5058,7 +5058,7 @@
           <p:cNvPr id="3" name="Subtitle 2">
             <a:extLst>
               <a:ext uri="{FF2B5EF4-FFF2-40B4-BE49-F238E27FC236}">
-                <a16:creationId xmlns:a16="http://schemas.microsoft.com/office/drawing/2014/main" xmlns="" id="{473BC2DF-9C2A-052C-AD2C-0A8ABAA50374}"/>
+                <a16:creationId xmlns="" xmlns:a16="http://schemas.microsoft.com/office/drawing/2014/main" id="{473BC2DF-9C2A-052C-AD2C-0A8ABAA50374}"/>
               </a:ext>
             </a:extLst>
           </p:cNvPr>
@@ -5184,7 +5184,7 @@
           <p:cNvPr id="2" name="Title 1">
             <a:extLst>
               <a:ext uri="{FF2B5EF4-FFF2-40B4-BE49-F238E27FC236}">
-                <a16:creationId xmlns:a16="http://schemas.microsoft.com/office/drawing/2014/main" xmlns="" id="{F657BD59-35CC-9BB3-8621-6FA3356F81AA}"/>
+                <a16:creationId xmlns="" xmlns:a16="http://schemas.microsoft.com/office/drawing/2014/main" id="{F657BD59-35CC-9BB3-8621-6FA3356F81AA}"/>
               </a:ext>
             </a:extLst>
           </p:cNvPr>
@@ -5223,7 +5223,7 @@
           <p:cNvPr id="10" name="Picture Placeholder 9">
             <a:extLst>
               <a:ext uri="{FF2B5EF4-FFF2-40B4-BE49-F238E27FC236}">
-                <a16:creationId xmlns:a16="http://schemas.microsoft.com/office/drawing/2014/main" xmlns="" id="{511A5385-FB23-93A8-2B8F-9887244244DF}"/>
+                <a16:creationId xmlns="" xmlns:a16="http://schemas.microsoft.com/office/drawing/2014/main" id="{511A5385-FB23-93A8-2B8F-9887244244DF}"/>
               </a:ext>
             </a:extLst>
           </p:cNvPr>
@@ -5264,7 +5264,7 @@
           <p:cNvPr id="3" name="Content Placeholder 2">
             <a:extLst>
               <a:ext uri="{FF2B5EF4-FFF2-40B4-BE49-F238E27FC236}">
-                <a16:creationId xmlns:a16="http://schemas.microsoft.com/office/drawing/2014/main" xmlns="" id="{A772710C-A212-1B12-06CD-FA2A14F89D68}"/>
+                <a16:creationId xmlns="" xmlns:a16="http://schemas.microsoft.com/office/drawing/2014/main" id="{A772710C-A212-1B12-06CD-FA2A14F89D68}"/>
               </a:ext>
             </a:extLst>
           </p:cNvPr>
@@ -5399,10 +5399,10 @@
           <p:cNvPr id="8" name="Rectangle 7">
             <a:extLst>
               <a:ext uri="{FF2B5EF4-FFF2-40B4-BE49-F238E27FC236}">
-                <a16:creationId xmlns:a16="http://schemas.microsoft.com/office/drawing/2014/main" xmlns="" id="{50E25A87-9155-9E07-878F-CEC0B137C2D7}"/>
+                <a16:creationId xmlns="" xmlns:a16="http://schemas.microsoft.com/office/drawing/2014/main" id="{50E25A87-9155-9E07-878F-CEC0B137C2D7}"/>
               </a:ext>
               <a:ext uri="{C183D7F6-B498-43B3-948B-1728B52AA6E4}">
-                <adec:decorative xmlns:adec="http://schemas.microsoft.com/office/drawing/2017/decorative" xmlns="" val="1"/>
+                <adec:decorative xmlns="" xmlns:adec="http://schemas.microsoft.com/office/drawing/2017/decorative" val="1"/>
               </a:ext>
             </a:extLst>
           </p:cNvPr>
@@ -5501,7 +5501,7 @@
           <p:cNvPr id="2" name="Title 1">
             <a:extLst>
               <a:ext uri="{FF2B5EF4-FFF2-40B4-BE49-F238E27FC236}">
-                <a16:creationId xmlns:a16="http://schemas.microsoft.com/office/drawing/2014/main" xmlns="" id="{32772C41-A024-2F33-1F04-21E003FA7291}"/>
+                <a16:creationId xmlns="" xmlns:a16="http://schemas.microsoft.com/office/drawing/2014/main" id="{32772C41-A024-2F33-1F04-21E003FA7291}"/>
               </a:ext>
             </a:extLst>
           </p:cNvPr>
@@ -5540,7 +5540,7 @@
           <p:cNvPr id="3" name="Subtitle 2">
             <a:extLst>
               <a:ext uri="{FF2B5EF4-FFF2-40B4-BE49-F238E27FC236}">
-                <a16:creationId xmlns:a16="http://schemas.microsoft.com/office/drawing/2014/main" xmlns="" id="{473BC2DF-9C2A-052C-AD2C-0A8ABAA50374}"/>
+                <a16:creationId xmlns="" xmlns:a16="http://schemas.microsoft.com/office/drawing/2014/main" id="{473BC2DF-9C2A-052C-AD2C-0A8ABAA50374}"/>
               </a:ext>
             </a:extLst>
           </p:cNvPr>
@@ -5666,10 +5666,10 @@
           <p:cNvPr id="10" name="Rectangle 9">
             <a:extLst>
               <a:ext uri="{FF2B5EF4-FFF2-40B4-BE49-F238E27FC236}">
-                <a16:creationId xmlns:a16="http://schemas.microsoft.com/office/drawing/2014/main" xmlns="" id="{29577E27-B60E-C6DD-BAAF-5CCC3D59E5D5}"/>
+                <a16:creationId xmlns="" xmlns:a16="http://schemas.microsoft.com/office/drawing/2014/main" id="{29577E27-B60E-C6DD-BAAF-5CCC3D59E5D5}"/>
               </a:ext>
               <a:ext uri="{C183D7F6-B498-43B3-948B-1728B52AA6E4}">
-                <adec:decorative xmlns:adec="http://schemas.microsoft.com/office/drawing/2017/decorative" xmlns="" val="1"/>
+                <adec:decorative xmlns="" xmlns:adec="http://schemas.microsoft.com/office/drawing/2017/decorative" val="1"/>
               </a:ext>
             </a:extLst>
           </p:cNvPr>
@@ -5738,7 +5738,7 @@
           <p:cNvPr id="2" name="Title 1">
             <a:extLst>
               <a:ext uri="{FF2B5EF4-FFF2-40B4-BE49-F238E27FC236}">
-                <a16:creationId xmlns:a16="http://schemas.microsoft.com/office/drawing/2014/main" xmlns="" id="{0C40C44A-93E6-6C58-5E88-AFDC594EC27A}"/>
+                <a16:creationId xmlns="" xmlns:a16="http://schemas.microsoft.com/office/drawing/2014/main" id="{0C40C44A-93E6-6C58-5E88-AFDC594EC27A}"/>
               </a:ext>
             </a:extLst>
           </p:cNvPr>
@@ -5777,7 +5777,7 @@
           <p:cNvPr id="9" name="Content Placeholder 10">
             <a:extLst>
               <a:ext uri="{FF2B5EF4-FFF2-40B4-BE49-F238E27FC236}">
-                <a16:creationId xmlns:a16="http://schemas.microsoft.com/office/drawing/2014/main" xmlns="" id="{964CA031-27E0-D0AA-1451-A904CCF234FE}"/>
+                <a16:creationId xmlns="" xmlns:a16="http://schemas.microsoft.com/office/drawing/2014/main" id="{964CA031-27E0-D0AA-1451-A904CCF234FE}"/>
               </a:ext>
             </a:extLst>
           </p:cNvPr>
@@ -5922,7 +5922,7 @@
           <p:cNvPr id="12" name="Content Placeholder 10">
             <a:extLst>
               <a:ext uri="{FF2B5EF4-FFF2-40B4-BE49-F238E27FC236}">
-                <a16:creationId xmlns:a16="http://schemas.microsoft.com/office/drawing/2014/main" xmlns="" id="{81FE0D7D-86B7-CCD2-A7A1-70E95846B542}"/>
+                <a16:creationId xmlns="" xmlns:a16="http://schemas.microsoft.com/office/drawing/2014/main" id="{81FE0D7D-86B7-CCD2-A7A1-70E95846B542}"/>
               </a:ext>
             </a:extLst>
           </p:cNvPr>
@@ -6067,7 +6067,7 @@
           <p:cNvPr id="5" name="Date Placeholder 4">
             <a:extLst>
               <a:ext uri="{FF2B5EF4-FFF2-40B4-BE49-F238E27FC236}">
-                <a16:creationId xmlns:a16="http://schemas.microsoft.com/office/drawing/2014/main" xmlns="" id="{C6CFCEB5-4092-FD13-478E-51CD74FDB82E}"/>
+                <a16:creationId xmlns="" xmlns:a16="http://schemas.microsoft.com/office/drawing/2014/main" id="{C6CFCEB5-4092-FD13-478E-51CD74FDB82E}"/>
               </a:ext>
             </a:extLst>
           </p:cNvPr>
@@ -6096,7 +6096,7 @@
           <p:cNvPr id="6" name="Footer Placeholder 5">
             <a:extLst>
               <a:ext uri="{FF2B5EF4-FFF2-40B4-BE49-F238E27FC236}">
-                <a16:creationId xmlns:a16="http://schemas.microsoft.com/office/drawing/2014/main" xmlns="" id="{5D077A4D-E7C0-912D-293F-D93F0CB5CA49}"/>
+                <a16:creationId xmlns="" xmlns:a16="http://schemas.microsoft.com/office/drawing/2014/main" id="{5D077A4D-E7C0-912D-293F-D93F0CB5CA49}"/>
               </a:ext>
             </a:extLst>
           </p:cNvPr>
@@ -6121,7 +6121,7 @@
           <p:cNvPr id="7" name="Slide Number Placeholder 6">
             <a:extLst>
               <a:ext uri="{FF2B5EF4-FFF2-40B4-BE49-F238E27FC236}">
-                <a16:creationId xmlns:a16="http://schemas.microsoft.com/office/drawing/2014/main" xmlns="" id="{CA6AA9E1-334B-5F8F-8A92-67DD095F7838}"/>
+                <a16:creationId xmlns="" xmlns:a16="http://schemas.microsoft.com/office/drawing/2014/main" id="{CA6AA9E1-334B-5F8F-8A92-67DD095F7838}"/>
               </a:ext>
             </a:extLst>
           </p:cNvPr>
@@ -6180,7 +6180,7 @@
           <p:cNvPr id="2" name="Title 1">
             <a:extLst>
               <a:ext uri="{FF2B5EF4-FFF2-40B4-BE49-F238E27FC236}">
-                <a16:creationId xmlns:a16="http://schemas.microsoft.com/office/drawing/2014/main" xmlns="" id="{0C40C44A-93E6-6C58-5E88-AFDC594EC27A}"/>
+                <a16:creationId xmlns="" xmlns:a16="http://schemas.microsoft.com/office/drawing/2014/main" id="{0C40C44A-93E6-6C58-5E88-AFDC594EC27A}"/>
               </a:ext>
             </a:extLst>
           </p:cNvPr>
@@ -6219,7 +6219,7 @@
           <p:cNvPr id="11" name="Content Placeholder 10">
             <a:extLst>
               <a:ext uri="{FF2B5EF4-FFF2-40B4-BE49-F238E27FC236}">
-                <a16:creationId xmlns:a16="http://schemas.microsoft.com/office/drawing/2014/main" xmlns="" id="{2D2DE411-9D7C-15AE-0B59-F26B2BF8C522}"/>
+                <a16:creationId xmlns="" xmlns:a16="http://schemas.microsoft.com/office/drawing/2014/main" id="{2D2DE411-9D7C-15AE-0B59-F26B2BF8C522}"/>
               </a:ext>
             </a:extLst>
           </p:cNvPr>
@@ -6357,7 +6357,7 @@
           <p:cNvPr id="4" name="Content Placeholder 10">
             <a:extLst>
               <a:ext uri="{FF2B5EF4-FFF2-40B4-BE49-F238E27FC236}">
-                <a16:creationId xmlns:a16="http://schemas.microsoft.com/office/drawing/2014/main" xmlns="" id="{60FEDE7C-502F-ECFE-4136-E99206849C2A}"/>
+                <a16:creationId xmlns="" xmlns:a16="http://schemas.microsoft.com/office/drawing/2014/main" id="{60FEDE7C-502F-ECFE-4136-E99206849C2A}"/>
               </a:ext>
             </a:extLst>
           </p:cNvPr>
@@ -6502,7 +6502,7 @@
           <p:cNvPr id="5" name="Date Placeholder 4">
             <a:extLst>
               <a:ext uri="{FF2B5EF4-FFF2-40B4-BE49-F238E27FC236}">
-                <a16:creationId xmlns:a16="http://schemas.microsoft.com/office/drawing/2014/main" xmlns="" id="{C6CFCEB5-4092-FD13-478E-51CD74FDB82E}"/>
+                <a16:creationId xmlns="" xmlns:a16="http://schemas.microsoft.com/office/drawing/2014/main" id="{C6CFCEB5-4092-FD13-478E-51CD74FDB82E}"/>
               </a:ext>
             </a:extLst>
           </p:cNvPr>
@@ -6531,7 +6531,7 @@
           <p:cNvPr id="6" name="Footer Placeholder 5">
             <a:extLst>
               <a:ext uri="{FF2B5EF4-FFF2-40B4-BE49-F238E27FC236}">
-                <a16:creationId xmlns:a16="http://schemas.microsoft.com/office/drawing/2014/main" xmlns="" id="{5D077A4D-E7C0-912D-293F-D93F0CB5CA49}"/>
+                <a16:creationId xmlns="" xmlns:a16="http://schemas.microsoft.com/office/drawing/2014/main" id="{5D077A4D-E7C0-912D-293F-D93F0CB5CA49}"/>
               </a:ext>
             </a:extLst>
           </p:cNvPr>
@@ -6556,7 +6556,7 @@
           <p:cNvPr id="7" name="Slide Number Placeholder 6">
             <a:extLst>
               <a:ext uri="{FF2B5EF4-FFF2-40B4-BE49-F238E27FC236}">
-                <a16:creationId xmlns:a16="http://schemas.microsoft.com/office/drawing/2014/main" xmlns="" id="{CA6AA9E1-334B-5F8F-8A92-67DD095F7838}"/>
+                <a16:creationId xmlns="" xmlns:a16="http://schemas.microsoft.com/office/drawing/2014/main" id="{CA6AA9E1-334B-5F8F-8A92-67DD095F7838}"/>
               </a:ext>
             </a:extLst>
           </p:cNvPr>
@@ -6615,7 +6615,7 @@
           <p:cNvPr id="2" name="Title 1">
             <a:extLst>
               <a:ext uri="{FF2B5EF4-FFF2-40B4-BE49-F238E27FC236}">
-                <a16:creationId xmlns:a16="http://schemas.microsoft.com/office/drawing/2014/main" xmlns="" id="{0C40C44A-93E6-6C58-5E88-AFDC594EC27A}"/>
+                <a16:creationId xmlns="" xmlns:a16="http://schemas.microsoft.com/office/drawing/2014/main" id="{0C40C44A-93E6-6C58-5E88-AFDC594EC27A}"/>
               </a:ext>
             </a:extLst>
           </p:cNvPr>
@@ -6655,7 +6655,7 @@
           <p:cNvPr id="4" name="Content Placeholder 10">
             <a:extLst>
               <a:ext uri="{FF2B5EF4-FFF2-40B4-BE49-F238E27FC236}">
-                <a16:creationId xmlns:a16="http://schemas.microsoft.com/office/drawing/2014/main" xmlns="" id="{5F30E2A0-23EF-51B1-8ABD-00429EEA0642}"/>
+                <a16:creationId xmlns="" xmlns:a16="http://schemas.microsoft.com/office/drawing/2014/main" id="{5F30E2A0-23EF-51B1-8ABD-00429EEA0642}"/>
               </a:ext>
             </a:extLst>
           </p:cNvPr>
@@ -6800,7 +6800,7 @@
           <p:cNvPr id="11" name="Picture Placeholder 10">
             <a:extLst>
               <a:ext uri="{FF2B5EF4-FFF2-40B4-BE49-F238E27FC236}">
-                <a16:creationId xmlns:a16="http://schemas.microsoft.com/office/drawing/2014/main" xmlns="" id="{AF15552F-C66B-341F-2D37-0389710BA5E2}"/>
+                <a16:creationId xmlns="" xmlns:a16="http://schemas.microsoft.com/office/drawing/2014/main" id="{AF15552F-C66B-341F-2D37-0389710BA5E2}"/>
               </a:ext>
             </a:extLst>
           </p:cNvPr>
@@ -6841,10 +6841,10 @@
           <p:cNvPr id="12" name="Rectangle 11">
             <a:extLst>
               <a:ext uri="{FF2B5EF4-FFF2-40B4-BE49-F238E27FC236}">
-                <a16:creationId xmlns:a16="http://schemas.microsoft.com/office/drawing/2014/main" xmlns="" id="{0D8DCC6D-8B88-7BE0-7240-F743AE09EC48}"/>
+                <a16:creationId xmlns="" xmlns:a16="http://schemas.microsoft.com/office/drawing/2014/main" id="{0D8DCC6D-8B88-7BE0-7240-F743AE09EC48}"/>
               </a:ext>
               <a:ext uri="{C183D7F6-B498-43B3-948B-1728B52AA6E4}">
-                <adec:decorative xmlns:adec="http://schemas.microsoft.com/office/drawing/2017/decorative" xmlns="" val="1"/>
+                <adec:decorative xmlns="" xmlns:adec="http://schemas.microsoft.com/office/drawing/2017/decorative" val="1"/>
               </a:ext>
             </a:extLst>
           </p:cNvPr>
@@ -6943,7 +6943,7 @@
           <p:cNvPr id="2" name="Title 1">
             <a:extLst>
               <a:ext uri="{FF2B5EF4-FFF2-40B4-BE49-F238E27FC236}">
-                <a16:creationId xmlns:a16="http://schemas.microsoft.com/office/drawing/2014/main" xmlns="" id="{0C40C44A-93E6-6C58-5E88-AFDC594EC27A}"/>
+                <a16:creationId xmlns="" xmlns:a16="http://schemas.microsoft.com/office/drawing/2014/main" id="{0C40C44A-93E6-6C58-5E88-AFDC594EC27A}"/>
               </a:ext>
             </a:extLst>
           </p:cNvPr>
@@ -6982,7 +6982,7 @@
           <p:cNvPr id="4" name="Content Placeholder 10">
             <a:extLst>
               <a:ext uri="{FF2B5EF4-FFF2-40B4-BE49-F238E27FC236}">
-                <a16:creationId xmlns:a16="http://schemas.microsoft.com/office/drawing/2014/main" xmlns="" id="{9C3ED3BF-FF6B-07FA-72C4-F6102A8558AF}"/>
+                <a16:creationId xmlns="" xmlns:a16="http://schemas.microsoft.com/office/drawing/2014/main" id="{9C3ED3BF-FF6B-07FA-72C4-F6102A8558AF}"/>
               </a:ext>
             </a:extLst>
           </p:cNvPr>
@@ -7127,7 +7127,7 @@
           <p:cNvPr id="8" name="Table Placeholder 7">
             <a:extLst>
               <a:ext uri="{FF2B5EF4-FFF2-40B4-BE49-F238E27FC236}">
-                <a16:creationId xmlns:a16="http://schemas.microsoft.com/office/drawing/2014/main" xmlns="" id="{423FEB60-8FB5-7F10-EDD7-8AB4B3139EF6}"/>
+                <a16:creationId xmlns="" xmlns:a16="http://schemas.microsoft.com/office/drawing/2014/main" id="{423FEB60-8FB5-7F10-EDD7-8AB4B3139EF6}"/>
               </a:ext>
             </a:extLst>
           </p:cNvPr>
@@ -7161,7 +7161,7 @@
           <p:cNvPr id="5" name="Date Placeholder 4">
             <a:extLst>
               <a:ext uri="{FF2B5EF4-FFF2-40B4-BE49-F238E27FC236}">
-                <a16:creationId xmlns:a16="http://schemas.microsoft.com/office/drawing/2014/main" xmlns="" id="{C6CFCEB5-4092-FD13-478E-51CD74FDB82E}"/>
+                <a16:creationId xmlns="" xmlns:a16="http://schemas.microsoft.com/office/drawing/2014/main" id="{C6CFCEB5-4092-FD13-478E-51CD74FDB82E}"/>
               </a:ext>
             </a:extLst>
           </p:cNvPr>
@@ -7190,7 +7190,7 @@
           <p:cNvPr id="6" name="Footer Placeholder 5">
             <a:extLst>
               <a:ext uri="{FF2B5EF4-FFF2-40B4-BE49-F238E27FC236}">
-                <a16:creationId xmlns:a16="http://schemas.microsoft.com/office/drawing/2014/main" xmlns="" id="{5D077A4D-E7C0-912D-293F-D93F0CB5CA49}"/>
+                <a16:creationId xmlns="" xmlns:a16="http://schemas.microsoft.com/office/drawing/2014/main" id="{5D077A4D-E7C0-912D-293F-D93F0CB5CA49}"/>
               </a:ext>
             </a:extLst>
           </p:cNvPr>
@@ -7215,7 +7215,7 @@
           <p:cNvPr id="7" name="Slide Number Placeholder 6">
             <a:extLst>
               <a:ext uri="{FF2B5EF4-FFF2-40B4-BE49-F238E27FC236}">
-                <a16:creationId xmlns:a16="http://schemas.microsoft.com/office/drawing/2014/main" xmlns="" id="{CA6AA9E1-334B-5F8F-8A92-67DD095F7838}"/>
+                <a16:creationId xmlns="" xmlns:a16="http://schemas.microsoft.com/office/drawing/2014/main" id="{CA6AA9E1-334B-5F8F-8A92-67DD095F7838}"/>
               </a:ext>
             </a:extLst>
           </p:cNvPr>
@@ -7279,7 +7279,7 @@
           <p:cNvPr id="2" name="Title Placeholder 1">
             <a:extLst>
               <a:ext uri="{FF2B5EF4-FFF2-40B4-BE49-F238E27FC236}">
-                <a16:creationId xmlns:a16="http://schemas.microsoft.com/office/drawing/2014/main" xmlns="" id="{4FD97564-C310-6E8C-8689-CE18881B4A17}"/>
+                <a16:creationId xmlns="" xmlns:a16="http://schemas.microsoft.com/office/drawing/2014/main" id="{4FD97564-C310-6E8C-8689-CE18881B4A17}"/>
               </a:ext>
             </a:extLst>
           </p:cNvPr>
@@ -7318,7 +7318,7 @@
           <p:cNvPr id="3" name="Text Placeholder 2">
             <a:extLst>
               <a:ext uri="{FF2B5EF4-FFF2-40B4-BE49-F238E27FC236}">
-                <a16:creationId xmlns:a16="http://schemas.microsoft.com/office/drawing/2014/main" xmlns="" id="{0FAD99FA-26D9-873B-BE7F-26FEC5C233A2}"/>
+                <a16:creationId xmlns="" xmlns:a16="http://schemas.microsoft.com/office/drawing/2014/main" id="{0FAD99FA-26D9-873B-BE7F-26FEC5C233A2}"/>
               </a:ext>
             </a:extLst>
           </p:cNvPr>
@@ -7386,7 +7386,7 @@
           <p:cNvPr id="4" name="Date Placeholder 3">
             <a:extLst>
               <a:ext uri="{FF2B5EF4-FFF2-40B4-BE49-F238E27FC236}">
-                <a16:creationId xmlns:a16="http://schemas.microsoft.com/office/drawing/2014/main" xmlns="" id="{C319819E-0266-97DD-DFD1-BAAA06AE3236}"/>
+                <a16:creationId xmlns="" xmlns:a16="http://schemas.microsoft.com/office/drawing/2014/main" id="{C319819E-0266-97DD-DFD1-BAAA06AE3236}"/>
               </a:ext>
             </a:extLst>
           </p:cNvPr>
@@ -7433,7 +7433,7 @@
           <p:cNvPr id="5" name="Footer Placeholder 4">
             <a:extLst>
               <a:ext uri="{FF2B5EF4-FFF2-40B4-BE49-F238E27FC236}">
-                <a16:creationId xmlns:a16="http://schemas.microsoft.com/office/drawing/2014/main" xmlns="" id="{2BFD19C9-01CE-9E2A-CDA5-C15940F055F7}"/>
+                <a16:creationId xmlns="" xmlns:a16="http://schemas.microsoft.com/office/drawing/2014/main" id="{2BFD19C9-01CE-9E2A-CDA5-C15940F055F7}"/>
               </a:ext>
             </a:extLst>
           </p:cNvPr>
@@ -7476,7 +7476,7 @@
           <p:cNvPr id="6" name="Slide Number Placeholder 5">
             <a:extLst>
               <a:ext uri="{FF2B5EF4-FFF2-40B4-BE49-F238E27FC236}">
-                <a16:creationId xmlns:a16="http://schemas.microsoft.com/office/drawing/2014/main" xmlns="" id="{A1801085-7B28-048D-E3D3-9C3614268DA7}"/>
+                <a16:creationId xmlns="" xmlns:a16="http://schemas.microsoft.com/office/drawing/2014/main" id="{A1801085-7B28-048D-E3D3-9C3614268DA7}"/>
               </a:ext>
             </a:extLst>
           </p:cNvPr>
@@ -7845,7 +7845,7 @@
           <p:cNvPr id="6" name="Title 5">
             <a:extLst>
               <a:ext uri="{FF2B5EF4-FFF2-40B4-BE49-F238E27FC236}">
-                <a16:creationId xmlns:a16="http://schemas.microsoft.com/office/drawing/2014/main" xmlns="" id="{F20A922B-22EC-7FD8-FA8C-2FFAC558BD66}"/>
+                <a16:creationId xmlns="" xmlns:a16="http://schemas.microsoft.com/office/drawing/2014/main" id="{F20A922B-22EC-7FD8-FA8C-2FFAC558BD66}"/>
               </a:ext>
             </a:extLst>
           </p:cNvPr>
@@ -7918,7 +7918,7 @@
           <p:cNvPr id="7" name="TextBox 6">
             <a:extLst>
               <a:ext uri="{FF2B5EF4-FFF2-40B4-BE49-F238E27FC236}">
-                <a16:creationId xmlns:a16="http://schemas.microsoft.com/office/drawing/2014/main" xmlns="" id="{80FDA16B-36A0-D5C1-2B07-8EE49AE7A5F9}"/>
+                <a16:creationId xmlns="" xmlns:a16="http://schemas.microsoft.com/office/drawing/2014/main" id="{80FDA16B-36A0-D5C1-2B07-8EE49AE7A5F9}"/>
               </a:ext>
             </a:extLst>
           </p:cNvPr>
@@ -8025,7 +8025,7 @@
         <p:cNvPr id="1" name="">
           <a:extLst>
             <a:ext uri="{FF2B5EF4-FFF2-40B4-BE49-F238E27FC236}">
-              <a16:creationId xmlns:a16="http://schemas.microsoft.com/office/drawing/2014/main" xmlns="" id="{EF87400A-AA39-C6BD-0F50-19DF27F0BEE1}"/>
+              <a16:creationId xmlns="" xmlns:a16="http://schemas.microsoft.com/office/drawing/2014/main" id="{EF87400A-AA39-C6BD-0F50-19DF27F0BEE1}"/>
             </a:ext>
           </a:extLst>
         </p:cNvPr>
@@ -8045,7 +8045,7 @@
           <p:cNvPr id="7" name="Title 6">
             <a:extLst>
               <a:ext uri="{FF2B5EF4-FFF2-40B4-BE49-F238E27FC236}">
-                <a16:creationId xmlns:a16="http://schemas.microsoft.com/office/drawing/2014/main" xmlns="" id="{DDE79998-A15C-2CB6-B04B-53D589C36C00}"/>
+                <a16:creationId xmlns="" xmlns:a16="http://schemas.microsoft.com/office/drawing/2014/main" id="{DDE79998-A15C-2CB6-B04B-53D589C36C00}"/>
               </a:ext>
             </a:extLst>
           </p:cNvPr>
@@ -8089,7 +8089,7 @@
           <p:cNvPr id="4" name="TextBox 3">
             <a:extLst>
               <a:ext uri="{FF2B5EF4-FFF2-40B4-BE49-F238E27FC236}">
-                <a16:creationId xmlns:a16="http://schemas.microsoft.com/office/drawing/2014/main" xmlns="" id="{879E6C82-14DA-B822-B0AD-CDBC55F93D43}"/>
+                <a16:creationId xmlns="" xmlns:a16="http://schemas.microsoft.com/office/drawing/2014/main" id="{879E6C82-14DA-B822-B0AD-CDBC55F93D43}"/>
               </a:ext>
             </a:extLst>
           </p:cNvPr>
@@ -8175,7 +8175,7 @@
           <p:cNvPr id="18" name="Arc 17">
             <a:extLst>
               <a:ext uri="{FF2B5EF4-FFF2-40B4-BE49-F238E27FC236}">
-                <a16:creationId xmlns:a16="http://schemas.microsoft.com/office/drawing/2014/main" xmlns="" id="{9B8D2FA6-CA42-5B24-DF6B-A4BC73628119}"/>
+                <a16:creationId xmlns="" xmlns:a16="http://schemas.microsoft.com/office/drawing/2014/main" id="{9B8D2FA6-CA42-5B24-DF6B-A4BC73628119}"/>
               </a:ext>
             </a:extLst>
           </p:cNvPr>
@@ -8219,7 +8219,7 @@
           <p:cNvPr id="19" name="TextBox 18">
             <a:extLst>
               <a:ext uri="{FF2B5EF4-FFF2-40B4-BE49-F238E27FC236}">
-                <a16:creationId xmlns:a16="http://schemas.microsoft.com/office/drawing/2014/main" xmlns="" id="{1D79FC21-9495-9973-2B02-EC44707476AF}"/>
+                <a16:creationId xmlns="" xmlns:a16="http://schemas.microsoft.com/office/drawing/2014/main" id="{1D79FC21-9495-9973-2B02-EC44707476AF}"/>
               </a:ext>
             </a:extLst>
           </p:cNvPr>
@@ -8278,7 +8278,7 @@
           <p:cNvPr id="21" name="Arc 20">
             <a:extLst>
               <a:ext uri="{FF2B5EF4-FFF2-40B4-BE49-F238E27FC236}">
-                <a16:creationId xmlns:a16="http://schemas.microsoft.com/office/drawing/2014/main" xmlns="" id="{D625BEE6-1977-BBA6-6801-FA5F97103C62}"/>
+                <a16:creationId xmlns="" xmlns:a16="http://schemas.microsoft.com/office/drawing/2014/main" id="{D625BEE6-1977-BBA6-6801-FA5F97103C62}"/>
               </a:ext>
             </a:extLst>
           </p:cNvPr>
@@ -8325,7 +8325,7 @@
           <p:cNvPr id="22" name="TextBox 21">
             <a:extLst>
               <a:ext uri="{FF2B5EF4-FFF2-40B4-BE49-F238E27FC236}">
-                <a16:creationId xmlns:a16="http://schemas.microsoft.com/office/drawing/2014/main" xmlns="" id="{3C172C52-0068-4260-6B4B-32D95D57BAE3}"/>
+                <a16:creationId xmlns="" xmlns:a16="http://schemas.microsoft.com/office/drawing/2014/main" id="{3C172C52-0068-4260-6B4B-32D95D57BAE3}"/>
               </a:ext>
             </a:extLst>
           </p:cNvPr>
@@ -8407,7 +8407,7 @@
           <p:cNvPr id="23" name="Arc 22">
             <a:extLst>
               <a:ext uri="{FF2B5EF4-FFF2-40B4-BE49-F238E27FC236}">
-                <a16:creationId xmlns:a16="http://schemas.microsoft.com/office/drawing/2014/main" xmlns="" id="{E9F44C23-2D8C-90B8-227F-6E591C8E4A94}"/>
+                <a16:creationId xmlns="" xmlns:a16="http://schemas.microsoft.com/office/drawing/2014/main" id="{E9F44C23-2D8C-90B8-227F-6E591C8E4A94}"/>
               </a:ext>
             </a:extLst>
           </p:cNvPr>
@@ -8467,7 +8467,7 @@
         <p:cNvPr id="1" name="">
           <a:extLst>
             <a:ext uri="{FF2B5EF4-FFF2-40B4-BE49-F238E27FC236}">
-              <a16:creationId xmlns:a16="http://schemas.microsoft.com/office/drawing/2014/main" xmlns="" id="{EF87400A-AA39-C6BD-0F50-19DF27F0BEE1}"/>
+              <a16:creationId xmlns="" xmlns:a16="http://schemas.microsoft.com/office/drawing/2014/main" id="{EF87400A-AA39-C6BD-0F50-19DF27F0BEE1}"/>
             </a:ext>
           </a:extLst>
         </p:cNvPr>
@@ -8487,7 +8487,7 @@
           <p:cNvPr id="7" name="Title 6">
             <a:extLst>
               <a:ext uri="{FF2B5EF4-FFF2-40B4-BE49-F238E27FC236}">
-                <a16:creationId xmlns:a16="http://schemas.microsoft.com/office/drawing/2014/main" xmlns="" id="{DDE79998-A15C-2CB6-B04B-53D589C36C00}"/>
+                <a16:creationId xmlns="" xmlns:a16="http://schemas.microsoft.com/office/drawing/2014/main" id="{DDE79998-A15C-2CB6-B04B-53D589C36C00}"/>
               </a:ext>
             </a:extLst>
           </p:cNvPr>
@@ -9185,7 +9185,7 @@
         <p:cNvPr id="1" name="">
           <a:extLst>
             <a:ext uri="{FF2B5EF4-FFF2-40B4-BE49-F238E27FC236}">
-              <a16:creationId xmlns:a16="http://schemas.microsoft.com/office/drawing/2014/main" xmlns="" id="{EF87400A-AA39-C6BD-0F50-19DF27F0BEE1}"/>
+              <a16:creationId xmlns="" xmlns:a16="http://schemas.microsoft.com/office/drawing/2014/main" id="{EF87400A-AA39-C6BD-0F50-19DF27F0BEE1}"/>
             </a:ext>
           </a:extLst>
         </p:cNvPr>
@@ -9669,7 +9669,7 @@
         <p:cNvPr id="1" name="">
           <a:extLst>
             <a:ext uri="{FF2B5EF4-FFF2-40B4-BE49-F238E27FC236}">
-              <a16:creationId xmlns:a16="http://schemas.microsoft.com/office/drawing/2014/main" xmlns="" id="{EF87400A-AA39-C6BD-0F50-19DF27F0BEE1}"/>
+              <a16:creationId xmlns="" xmlns:a16="http://schemas.microsoft.com/office/drawing/2014/main" id="{EF87400A-AA39-C6BD-0F50-19DF27F0BEE1}"/>
             </a:ext>
           </a:extLst>
         </p:cNvPr>
@@ -10157,7 +10157,7 @@
         <p:cNvPr id="1" name="">
           <a:extLst>
             <a:ext uri="{FF2B5EF4-FFF2-40B4-BE49-F238E27FC236}">
-              <a16:creationId xmlns:a16="http://schemas.microsoft.com/office/drawing/2014/main" xmlns="" id="{EF87400A-AA39-C6BD-0F50-19DF27F0BEE1}"/>
+              <a16:creationId xmlns="" xmlns:a16="http://schemas.microsoft.com/office/drawing/2014/main" id="{EF87400A-AA39-C6BD-0F50-19DF27F0BEE1}"/>
             </a:ext>
           </a:extLst>
         </p:cNvPr>
@@ -10479,7 +10479,7 @@
         <p:cNvPr id="1" name="">
           <a:extLst>
             <a:ext uri="{FF2B5EF4-FFF2-40B4-BE49-F238E27FC236}">
-              <a16:creationId xmlns:a16="http://schemas.microsoft.com/office/drawing/2014/main" xmlns="" id="{EF87400A-AA39-C6BD-0F50-19DF27F0BEE1}"/>
+              <a16:creationId xmlns="" xmlns:a16="http://schemas.microsoft.com/office/drawing/2014/main" id="{EF87400A-AA39-C6BD-0F50-19DF27F0BEE1}"/>
             </a:ext>
           </a:extLst>
         </p:cNvPr>
@@ -10714,7 +10714,7 @@
         <p:cNvPr id="1" name="">
           <a:extLst>
             <a:ext uri="{FF2B5EF4-FFF2-40B4-BE49-F238E27FC236}">
-              <a16:creationId xmlns:a16="http://schemas.microsoft.com/office/drawing/2014/main" xmlns="" id="{EF87400A-AA39-C6BD-0F50-19DF27F0BEE1}"/>
+              <a16:creationId xmlns="" xmlns:a16="http://schemas.microsoft.com/office/drawing/2014/main" id="{EF87400A-AA39-C6BD-0F50-19DF27F0BEE1}"/>
             </a:ext>
           </a:extLst>
         </p:cNvPr>
@@ -10734,7 +10734,7 @@
           <p:cNvPr id="7" name="Title 6">
             <a:extLst>
               <a:ext uri="{FF2B5EF4-FFF2-40B4-BE49-F238E27FC236}">
-                <a16:creationId xmlns:a16="http://schemas.microsoft.com/office/drawing/2014/main" xmlns="" id="{DDE79998-A15C-2CB6-B04B-53D589C36C00}"/>
+                <a16:creationId xmlns="" xmlns:a16="http://schemas.microsoft.com/office/drawing/2014/main" id="{DDE79998-A15C-2CB6-B04B-53D589C36C00}"/>
               </a:ext>
             </a:extLst>
           </p:cNvPr>
@@ -11401,7 +11401,7 @@
         <p:cNvPr id="1" name="">
           <a:extLst>
             <a:ext uri="{FF2B5EF4-FFF2-40B4-BE49-F238E27FC236}">
-              <a16:creationId xmlns:a16="http://schemas.microsoft.com/office/drawing/2014/main" xmlns="" id="{EF87400A-AA39-C6BD-0F50-19DF27F0BEE1}"/>
+              <a16:creationId xmlns="" xmlns:a16="http://schemas.microsoft.com/office/drawing/2014/main" id="{EF87400A-AA39-C6BD-0F50-19DF27F0BEE1}"/>
             </a:ext>
           </a:extLst>
         </p:cNvPr>
@@ -11549,9 +11549,125 @@
           </a:extLst>
         </p:spPr>
       </p:pic>
+      <p:sp>
+        <p:nvSpPr>
+          <p:cNvPr id="16" name="Заголовок 1"/>
+          <p:cNvSpPr txBox="1">
+            <a:spLocks/>
+          </p:cNvSpPr>
+          <p:nvPr/>
+        </p:nvSpPr>
+        <p:spPr>
+          <a:xfrm>
+            <a:off x="6244390" y="3687760"/>
+            <a:ext cx="5372600" cy="625642"/>
+          </a:xfrm>
+          <a:prstGeom prst="rect">
+            <a:avLst/>
+          </a:prstGeom>
+        </p:spPr>
+        <p:txBody>
+          <a:bodyPr vert="horz" lIns="91440" tIns="45720" rIns="91440" bIns="45720" rtlCol="0" anchor="ctr" anchorCtr="0">
+            <a:noAutofit/>
+          </a:bodyPr>
+          <a:lstStyle>
+            <a:lvl1pPr algn="ctr" defTabSz="914400" rtl="0" eaLnBrk="1" latinLnBrk="0" hangingPunct="1">
+              <a:lnSpc>
+                <a:spcPct val="90000"/>
+              </a:lnSpc>
+              <a:spcBef>
+                <a:spcPct val="0"/>
+              </a:spcBef>
+              <a:buNone/>
+              <a:defRPr sz="4800" kern="1200" cap="all" spc="300" baseline="0">
+                <a:solidFill>
+                  <a:schemeClr val="bg1"/>
+                </a:solidFill>
+                <a:latin typeface="+mj-lt"/>
+                <a:ea typeface="+mj-ea"/>
+                <a:cs typeface="+mj-cs"/>
+              </a:defRPr>
+            </a:lvl1pPr>
+          </a:lstStyle>
+          <a:p>
+            <a:r>
+              <a:rPr lang="ru-RU" sz="3600" dirty="0" smtClean="0"/>
+              <a:t>12.6</a:t>
+            </a:r>
+            <a:r>
+              <a:rPr lang="en-US" sz="3600" dirty="0" smtClean="0"/>
+              <a:t> kb encoded</a:t>
+            </a:r>
+          </a:p>
+          <a:p>
+            <a:r>
+              <a:rPr lang="ru-RU" sz="3600" dirty="0" smtClean="0"/>
+              <a:t>31.6</a:t>
+            </a:r>
+            <a:r>
+              <a:rPr lang="en-US" sz="3600" dirty="0" smtClean="0"/>
+              <a:t>KB decoded</a:t>
+            </a:r>
+            <a:endParaRPr lang="ru-RU" sz="3600" dirty="0"/>
+          </a:p>
+        </p:txBody>
+      </p:sp>
+      <p:sp>
+        <p:nvSpPr>
+          <p:cNvPr id="9" name="Прямоугольник 8"/>
+          <p:cNvSpPr/>
+          <p:nvPr/>
+        </p:nvSpPr>
+        <p:spPr>
+          <a:xfrm>
+            <a:off x="0" y="4459705"/>
+            <a:ext cx="1874838" cy="830997"/>
+          </a:xfrm>
+          <a:prstGeom prst="rect">
+            <a:avLst/>
+          </a:prstGeom>
+        </p:spPr>
+        <p:txBody>
+          <a:bodyPr wrap="square">
+            <a:spAutoFit/>
+          </a:bodyPr>
+          <a:lstStyle/>
+          <a:p>
+            <a:r>
+              <a:rPr lang="en-US" sz="2400" dirty="0" smtClean="0">
+                <a:solidFill>
+                  <a:schemeClr val="bg1"/>
+                </a:solidFill>
+              </a:rPr>
+              <a:t>Training time</a:t>
+            </a:r>
+            <a:r>
+              <a:rPr lang="ru-RU" sz="2400" dirty="0" smtClean="0">
+                <a:solidFill>
+                  <a:schemeClr val="bg1"/>
+                </a:solidFill>
+              </a:rPr>
+              <a:t> – 30 </a:t>
+            </a:r>
+            <a:r>
+              <a:rPr lang="en-US" sz="2400" smtClean="0">
+                <a:solidFill>
+                  <a:schemeClr val="bg1"/>
+                </a:solidFill>
+              </a:rPr>
+              <a:t>seconds</a:t>
+            </a:r>
+            <a:endParaRPr lang="ru-RU" sz="2400" dirty="0">
+              <a:solidFill>
+                <a:schemeClr val="bg1"/>
+              </a:solidFill>
+            </a:endParaRPr>
+          </a:p>
+        </p:txBody>
+      </p:sp>
       <p:pic>
         <p:nvPicPr>
-          <p:cNvPr id="1030" name="Picture 6"/>
+          <p:cNvPr id="4" name="Picture 2" descr="C:\Users\grigo\OneDrive\Рабочий стол\00000.png"/>
           <p:cNvPicPr>
             <a:picLocks noChangeAspect="1" noChangeArrowheads="1"/>
           </p:cNvPicPr>
@@ -11572,8 +11688,139 @@
         </p:blipFill>
         <p:spPr bwMode="auto">
           <a:xfrm>
-            <a:off x="2027238" y="4706576"/>
-            <a:ext cx="4469815" cy="2152493"/>
+            <a:off x="2138588" y="663348"/>
+            <a:ext cx="2487839" cy="2487839"/>
+          </a:xfrm>
+          <a:prstGeom prst="rect">
+            <a:avLst/>
+          </a:prstGeom>
+          <a:noFill/>
+          <a:extLst>
+            <a:ext uri="{909E8E84-426E-40DD-AFC4-6F175D3DCCD1}">
+              <a14:hiddenFill xmlns:a14="http://schemas.microsoft.com/office/drawing/2010/main">
+                <a:solidFill>
+                  <a:srgbClr val="FFFFFF"/>
+                </a:solidFill>
+              </a14:hiddenFill>
+            </a:ext>
+          </a:extLst>
+        </p:spPr>
+      </p:pic>
+      <p:sp>
+        <p:nvSpPr>
+          <p:cNvPr id="10" name="Заголовок 1"/>
+          <p:cNvSpPr txBox="1">
+            <a:spLocks/>
+          </p:cNvSpPr>
+          <p:nvPr/>
+        </p:nvSpPr>
+        <p:spPr>
+          <a:xfrm>
+            <a:off x="2201925" y="0"/>
+            <a:ext cx="7653418" cy="625642"/>
+          </a:xfrm>
+          <a:prstGeom prst="rect">
+            <a:avLst/>
+          </a:prstGeom>
+        </p:spPr>
+        <p:txBody>
+          <a:bodyPr vert="horz" lIns="91440" tIns="45720" rIns="91440" bIns="45720" rtlCol="0" anchor="ctr" anchorCtr="0">
+            <a:noAutofit/>
+          </a:bodyPr>
+          <a:lstStyle>
+            <a:lvl1pPr algn="ctr" defTabSz="914400" rtl="0" eaLnBrk="1" latinLnBrk="0" hangingPunct="1">
+              <a:lnSpc>
+                <a:spcPct val="90000"/>
+              </a:lnSpc>
+              <a:spcBef>
+                <a:spcPct val="0"/>
+              </a:spcBef>
+              <a:buNone/>
+              <a:defRPr sz="4800" kern="1200" cap="all" spc="300" baseline="0">
+                <a:solidFill>
+                  <a:schemeClr val="bg1"/>
+                </a:solidFill>
+                <a:latin typeface="+mj-lt"/>
+                <a:ea typeface="+mj-ea"/>
+                <a:cs typeface="+mj-cs"/>
+              </a:defRPr>
+            </a:lvl1pPr>
+          </a:lstStyle>
+          <a:p>
+            <a:r>
+              <a:rPr lang="en-US" sz="2800" dirty="0" smtClean="0"/>
+              <a:t>30 photos dataset(128x128px)</a:t>
+            </a:r>
+            <a:endParaRPr lang="en-US" sz="2800" dirty="0"/>
+          </a:p>
+        </p:txBody>
+      </p:sp>
+      <p:pic>
+        <p:nvPicPr>
+          <p:cNvPr id="2050" name="Picture 2" descr="C:\Users\grigo\OneDrive\Documents\GitHub\inf_theory_project\compressed_images\00000.png_decoded.png"/>
+          <p:cNvPicPr>
+            <a:picLocks noChangeAspect="1" noChangeArrowheads="1"/>
+          </p:cNvPicPr>
+          <p:nvPr/>
+        </p:nvPicPr>
+        <p:blipFill>
+          <a:blip r:embed="rId5">
+            <a:extLst>
+              <a:ext uri="{28A0092B-C50C-407E-A947-70E740481C1C}">
+                <a14:useLocalDpi xmlns:a14="http://schemas.microsoft.com/office/drawing/2010/main" val="0"/>
+              </a:ext>
+            </a:extLst>
+          </a:blip>
+          <a:srcRect/>
+          <a:stretch>
+            <a:fillRect/>
+          </a:stretch>
+        </p:blipFill>
+        <p:spPr bwMode="auto">
+          <a:xfrm>
+            <a:off x="7686770" y="663347"/>
+            <a:ext cx="2487840" cy="2487840"/>
+          </a:xfrm>
+          <a:prstGeom prst="rect">
+            <a:avLst/>
+          </a:prstGeom>
+          <a:noFill/>
+          <a:extLst>
+            <a:ext uri="{909E8E84-426E-40DD-AFC4-6F175D3DCCD1}">
+              <a14:hiddenFill xmlns:a14="http://schemas.microsoft.com/office/drawing/2010/main">
+                <a:solidFill>
+                  <a:srgbClr val="FFFFFF"/>
+                </a:solidFill>
+              </a14:hiddenFill>
+            </a:ext>
+          </a:extLst>
+        </p:spPr>
+      </p:pic>
+      <p:pic>
+        <p:nvPicPr>
+          <p:cNvPr id="1026" name="Picture 2"/>
+          <p:cNvPicPr>
+            <a:picLocks noChangeAspect="1" noChangeArrowheads="1"/>
+          </p:cNvPicPr>
+          <p:nvPr/>
+        </p:nvPicPr>
+        <p:blipFill>
+          <a:blip r:embed="rId6">
+            <a:extLst>
+              <a:ext uri="{28A0092B-C50C-407E-A947-70E740481C1C}">
+                <a14:useLocalDpi xmlns:a14="http://schemas.microsoft.com/office/drawing/2010/main" val="0"/>
+              </a:ext>
+            </a:extLst>
+          </a:blip>
+          <a:srcRect/>
+          <a:stretch>
+            <a:fillRect/>
+          </a:stretch>
+        </p:blipFill>
+        <p:spPr bwMode="auto">
+          <a:xfrm>
+            <a:off x="1873702" y="4560535"/>
+            <a:ext cx="5505450" cy="2297465"/>
           </a:xfrm>
           <a:prstGeom prst="rect">
             <a:avLst/>
@@ -11609,253 +11856,6 @@
                   </a:outerShdw>
                 </a:effectLst>
               </a14:hiddenEffects>
-            </a:ext>
-          </a:extLst>
-        </p:spPr>
-      </p:pic>
-      <p:sp>
-        <p:nvSpPr>
-          <p:cNvPr id="16" name="Заголовок 1"/>
-          <p:cNvSpPr txBox="1">
-            <a:spLocks/>
-          </p:cNvSpPr>
-          <p:nvPr/>
-        </p:nvSpPr>
-        <p:spPr>
-          <a:xfrm>
-            <a:off x="6244390" y="3687760"/>
-            <a:ext cx="5372600" cy="625642"/>
-          </a:xfrm>
-          <a:prstGeom prst="rect">
-            <a:avLst/>
-          </a:prstGeom>
-        </p:spPr>
-        <p:txBody>
-          <a:bodyPr vert="horz" lIns="91440" tIns="45720" rIns="91440" bIns="45720" rtlCol="0" anchor="ctr" anchorCtr="0">
-            <a:noAutofit/>
-          </a:bodyPr>
-          <a:lstStyle>
-            <a:lvl1pPr algn="ctr" defTabSz="914400" rtl="0" eaLnBrk="1" latinLnBrk="0" hangingPunct="1">
-              <a:lnSpc>
-                <a:spcPct val="90000"/>
-              </a:lnSpc>
-              <a:spcBef>
-                <a:spcPct val="0"/>
-              </a:spcBef>
-              <a:buNone/>
-              <a:defRPr sz="4800" kern="1200" cap="all" spc="300" baseline="0">
-                <a:solidFill>
-                  <a:schemeClr val="bg1"/>
-                </a:solidFill>
-                <a:latin typeface="+mj-lt"/>
-                <a:ea typeface="+mj-ea"/>
-                <a:cs typeface="+mj-cs"/>
-              </a:defRPr>
-            </a:lvl1pPr>
-          </a:lstStyle>
-          <a:p>
-            <a:r>
-              <a:rPr lang="ru-RU" sz="3600" dirty="0" smtClean="0"/>
-              <a:t>12.6</a:t>
-            </a:r>
-            <a:r>
-              <a:rPr lang="en-US" sz="3600" dirty="0" smtClean="0"/>
-              <a:t> kb encoded</a:t>
-            </a:r>
-          </a:p>
-          <a:p>
-            <a:r>
-              <a:rPr lang="ru-RU" sz="3600" dirty="0" smtClean="0"/>
-              <a:t>31.6</a:t>
-            </a:r>
-            <a:r>
-              <a:rPr lang="en-US" sz="3600" dirty="0" smtClean="0"/>
-              <a:t>KB decoded</a:t>
-            </a:r>
-            <a:endParaRPr lang="ru-RU" sz="3600" dirty="0"/>
-          </a:p>
-        </p:txBody>
-      </p:sp>
-      <p:sp>
-        <p:nvSpPr>
-          <p:cNvPr id="9" name="Прямоугольник 8"/>
-          <p:cNvSpPr/>
-          <p:nvPr/>
-        </p:nvSpPr>
-        <p:spPr>
-          <a:xfrm>
-            <a:off x="0" y="4459705"/>
-            <a:ext cx="1874838" cy="830997"/>
-          </a:xfrm>
-          <a:prstGeom prst="rect">
-            <a:avLst/>
-          </a:prstGeom>
-        </p:spPr>
-        <p:txBody>
-          <a:bodyPr wrap="square">
-            <a:spAutoFit/>
-          </a:bodyPr>
-          <a:lstStyle/>
-          <a:p>
-            <a:r>
-              <a:rPr lang="en-US" sz="2400" dirty="0" smtClean="0">
-                <a:solidFill>
-                  <a:schemeClr val="bg1"/>
-                </a:solidFill>
-              </a:rPr>
-              <a:t>Training time</a:t>
-            </a:r>
-            <a:r>
-              <a:rPr lang="ru-RU" sz="2400" dirty="0" smtClean="0">
-                <a:solidFill>
-                  <a:schemeClr val="bg1"/>
-                </a:solidFill>
-              </a:rPr>
-              <a:t> – 30 </a:t>
-            </a:r>
-            <a:r>
-              <a:rPr lang="en-US" sz="2400" smtClean="0">
-                <a:solidFill>
-                  <a:schemeClr val="bg1"/>
-                </a:solidFill>
-              </a:rPr>
-              <a:t>seconds</a:t>
-            </a:r>
-            <a:endParaRPr lang="ru-RU" sz="2400" dirty="0">
-              <a:solidFill>
-                <a:schemeClr val="bg1"/>
-              </a:solidFill>
-            </a:endParaRPr>
-          </a:p>
-        </p:txBody>
-      </p:sp>
-      <p:pic>
-        <p:nvPicPr>
-          <p:cNvPr id="4" name="Picture 2" descr="C:\Users\grigo\OneDrive\Рабочий стол\00000.png"/>
-          <p:cNvPicPr>
-            <a:picLocks noChangeAspect="1" noChangeArrowheads="1"/>
-          </p:cNvPicPr>
-          <p:nvPr/>
-        </p:nvPicPr>
-        <p:blipFill>
-          <a:blip r:embed="rId5">
-            <a:extLst>
-              <a:ext uri="{28A0092B-C50C-407E-A947-70E740481C1C}">
-                <a14:useLocalDpi xmlns:a14="http://schemas.microsoft.com/office/drawing/2010/main" val="0"/>
-              </a:ext>
-            </a:extLst>
-          </a:blip>
-          <a:srcRect/>
-          <a:stretch>
-            <a:fillRect/>
-          </a:stretch>
-        </p:blipFill>
-        <p:spPr bwMode="auto">
-          <a:xfrm>
-            <a:off x="2138588" y="663348"/>
-            <a:ext cx="2487839" cy="2487839"/>
-          </a:xfrm>
-          <a:prstGeom prst="rect">
-            <a:avLst/>
-          </a:prstGeom>
-          <a:noFill/>
-          <a:extLst>
-            <a:ext uri="{909E8E84-426E-40DD-AFC4-6F175D3DCCD1}">
-              <a14:hiddenFill xmlns:a14="http://schemas.microsoft.com/office/drawing/2010/main">
-                <a:solidFill>
-                  <a:srgbClr val="FFFFFF"/>
-                </a:solidFill>
-              </a14:hiddenFill>
-            </a:ext>
-          </a:extLst>
-        </p:spPr>
-      </p:pic>
-      <p:sp>
-        <p:nvSpPr>
-          <p:cNvPr id="10" name="Заголовок 1"/>
-          <p:cNvSpPr txBox="1">
-            <a:spLocks/>
-          </p:cNvSpPr>
-          <p:nvPr/>
-        </p:nvSpPr>
-        <p:spPr>
-          <a:xfrm>
-            <a:off x="2201925" y="0"/>
-            <a:ext cx="7653418" cy="625642"/>
-          </a:xfrm>
-          <a:prstGeom prst="rect">
-            <a:avLst/>
-          </a:prstGeom>
-        </p:spPr>
-        <p:txBody>
-          <a:bodyPr vert="horz" lIns="91440" tIns="45720" rIns="91440" bIns="45720" rtlCol="0" anchor="ctr" anchorCtr="0">
-            <a:noAutofit/>
-          </a:bodyPr>
-          <a:lstStyle>
-            <a:lvl1pPr algn="ctr" defTabSz="914400" rtl="0" eaLnBrk="1" latinLnBrk="0" hangingPunct="1">
-              <a:lnSpc>
-                <a:spcPct val="90000"/>
-              </a:lnSpc>
-              <a:spcBef>
-                <a:spcPct val="0"/>
-              </a:spcBef>
-              <a:buNone/>
-              <a:defRPr sz="4800" kern="1200" cap="all" spc="300" baseline="0">
-                <a:solidFill>
-                  <a:schemeClr val="bg1"/>
-                </a:solidFill>
-                <a:latin typeface="+mj-lt"/>
-                <a:ea typeface="+mj-ea"/>
-                <a:cs typeface="+mj-cs"/>
-              </a:defRPr>
-            </a:lvl1pPr>
-          </a:lstStyle>
-          <a:p>
-            <a:r>
-              <a:rPr lang="en-US" sz="2800" dirty="0" smtClean="0"/>
-              <a:t>30 photos dataset(128x128px)</a:t>
-            </a:r>
-            <a:endParaRPr lang="en-US" sz="2800" dirty="0"/>
-          </a:p>
-        </p:txBody>
-      </p:sp>
-      <p:pic>
-        <p:nvPicPr>
-          <p:cNvPr id="2050" name="Picture 2" descr="C:\Users\grigo\OneDrive\Documents\GitHub\inf_theory_project\compressed_images\00000.png_decoded.png"/>
-          <p:cNvPicPr>
-            <a:picLocks noChangeAspect="1" noChangeArrowheads="1"/>
-          </p:cNvPicPr>
-          <p:nvPr/>
-        </p:nvPicPr>
-        <p:blipFill>
-          <a:blip r:embed="rId6">
-            <a:extLst>
-              <a:ext uri="{28A0092B-C50C-407E-A947-70E740481C1C}">
-                <a14:useLocalDpi xmlns:a14="http://schemas.microsoft.com/office/drawing/2010/main" val="0"/>
-              </a:ext>
-            </a:extLst>
-          </a:blip>
-          <a:srcRect/>
-          <a:stretch>
-            <a:fillRect/>
-          </a:stretch>
-        </p:blipFill>
-        <p:spPr bwMode="auto">
-          <a:xfrm>
-            <a:off x="7686770" y="663347"/>
-            <a:ext cx="2487840" cy="2487840"/>
-          </a:xfrm>
-          <a:prstGeom prst="rect">
-            <a:avLst/>
-          </a:prstGeom>
-          <a:noFill/>
-          <a:extLst>
-            <a:ext uri="{909E8E84-426E-40DD-AFC4-6F175D3DCCD1}">
-              <a14:hiddenFill xmlns:a14="http://schemas.microsoft.com/office/drawing/2010/main">
-                <a:solidFill>
-                  <a:srgbClr val="FFFFFF"/>
-                </a:solidFill>
-              </a14:hiddenFill>
             </a:ext>
           </a:extLst>
         </p:spPr>
@@ -11881,7 +11881,7 @@
         <p:cNvPr id="1" name="">
           <a:extLst>
             <a:ext uri="{FF2B5EF4-FFF2-40B4-BE49-F238E27FC236}">
-              <a16:creationId xmlns:a16="http://schemas.microsoft.com/office/drawing/2014/main" xmlns="" id="{EF87400A-AA39-C6BD-0F50-19DF27F0BEE1}"/>
+              <a16:creationId xmlns="" xmlns:a16="http://schemas.microsoft.com/office/drawing/2014/main" id="{EF87400A-AA39-C6BD-0F50-19DF27F0BEE1}"/>
             </a:ext>
           </a:extLst>
         </p:cNvPr>
@@ -12051,9 +12051,100 @@
           </a:p>
         </p:txBody>
       </p:sp>
+      <p:sp>
+        <p:nvSpPr>
+          <p:cNvPr id="15" name="Заголовок 1"/>
+          <p:cNvSpPr txBox="1">
+            <a:spLocks/>
+          </p:cNvSpPr>
+          <p:nvPr/>
+        </p:nvSpPr>
+        <p:spPr>
+          <a:xfrm>
+            <a:off x="6244390" y="3687760"/>
+            <a:ext cx="5372600" cy="625642"/>
+          </a:xfrm>
+          <a:prstGeom prst="rect">
+            <a:avLst/>
+          </a:prstGeom>
+        </p:spPr>
+        <p:txBody>
+          <a:bodyPr vert="horz" lIns="91440" tIns="45720" rIns="91440" bIns="45720" rtlCol="0" anchor="ctr" anchorCtr="0">
+            <a:noAutofit/>
+          </a:bodyPr>
+          <a:lstStyle>
+            <a:lvl1pPr algn="ctr" defTabSz="914400" rtl="0" eaLnBrk="1" latinLnBrk="0" hangingPunct="1">
+              <a:lnSpc>
+                <a:spcPct val="90000"/>
+              </a:lnSpc>
+              <a:spcBef>
+                <a:spcPct val="0"/>
+              </a:spcBef>
+              <a:buNone/>
+              <a:defRPr sz="4800" kern="1200" cap="all" spc="300" baseline="0">
+                <a:solidFill>
+                  <a:schemeClr val="bg1"/>
+                </a:solidFill>
+                <a:latin typeface="+mj-lt"/>
+                <a:ea typeface="+mj-ea"/>
+                <a:cs typeface="+mj-cs"/>
+              </a:defRPr>
+            </a:lvl1pPr>
+          </a:lstStyle>
+          <a:p>
+            <a:r>
+              <a:rPr lang="en-US" sz="3600" dirty="0"/>
+              <a:t>13.1KB </a:t>
+            </a:r>
+            <a:r>
+              <a:rPr lang="en-US" sz="3600" dirty="0" smtClean="0"/>
+              <a:t>encoded</a:t>
+            </a:r>
+          </a:p>
+          <a:p>
+            <a:r>
+              <a:rPr lang="en-US" sz="3600" dirty="0" smtClean="0"/>
+              <a:t>26,9KB Decoded</a:t>
+            </a:r>
+            <a:endParaRPr lang="ru-RU" sz="3600" dirty="0"/>
+          </a:p>
+        </p:txBody>
+      </p:sp>
+      <p:sp>
+        <p:nvSpPr>
+          <p:cNvPr id="16" name="Заголовок 1"/>
+          <p:cNvSpPr>
+            <a:spLocks noGrp="1"/>
+          </p:cNvSpPr>
+          <p:nvPr>
+            <p:ph type="ctrTitle"/>
+          </p:nvPr>
+        </p:nvSpPr>
+        <p:spPr>
+          <a:xfrm>
+            <a:off x="2249905" y="3657600"/>
+            <a:ext cx="2378241" cy="625642"/>
+          </a:xfrm>
+        </p:spPr>
+        <p:txBody>
+          <a:bodyPr/>
+          <a:lstStyle/>
+          <a:p>
+            <a:r>
+              <a:rPr lang="ru-RU" sz="3600" dirty="0" smtClean="0"/>
+              <a:t>34</a:t>
+            </a:r>
+            <a:r>
+              <a:rPr lang="en-US" sz="3600" dirty="0" smtClean="0"/>
+              <a:t>KB</a:t>
+            </a:r>
+            <a:endParaRPr lang="ru-RU" sz="3600" dirty="0"/>
+          </a:p>
+        </p:txBody>
+      </p:sp>
       <p:pic>
         <p:nvPicPr>
-          <p:cNvPr id="14" name="Picture 6"/>
+          <p:cNvPr id="17" name="Picture 2" descr="C:\Users\grigo\OneDrive\Рабочий стол\00000.png"/>
           <p:cNvPicPr>
             <a:picLocks noChangeAspect="1" noChangeArrowheads="1"/>
           </p:cNvPicPr>
@@ -12074,8 +12165,49 @@
         </p:blipFill>
         <p:spPr bwMode="auto">
           <a:xfrm>
-            <a:off x="2027238" y="4706576"/>
-            <a:ext cx="4469815" cy="2152493"/>
+            <a:off x="2138588" y="663348"/>
+            <a:ext cx="2487839" cy="2487839"/>
+          </a:xfrm>
+          <a:prstGeom prst="rect">
+            <a:avLst/>
+          </a:prstGeom>
+          <a:noFill/>
+          <a:extLst>
+            <a:ext uri="{909E8E84-426E-40DD-AFC4-6F175D3DCCD1}">
+              <a14:hiddenFill xmlns:a14="http://schemas.microsoft.com/office/drawing/2010/main">
+                <a:solidFill>
+                  <a:srgbClr val="FFFFFF"/>
+                </a:solidFill>
+              </a14:hiddenFill>
+            </a:ext>
+          </a:extLst>
+        </p:spPr>
+      </p:pic>
+      <p:pic>
+        <p:nvPicPr>
+          <p:cNvPr id="3074" name="Picture 2"/>
+          <p:cNvPicPr>
+            <a:picLocks noChangeAspect="1" noChangeArrowheads="1"/>
+          </p:cNvPicPr>
+          <p:nvPr/>
+        </p:nvPicPr>
+        <p:blipFill>
+          <a:blip r:embed="rId4">
+            <a:extLst>
+              <a:ext uri="{28A0092B-C50C-407E-A947-70E740481C1C}">
+                <a14:useLocalDpi xmlns:a14="http://schemas.microsoft.com/office/drawing/2010/main" val="0"/>
+              </a:ext>
+            </a:extLst>
+          </a:blip>
+          <a:srcRect/>
+          <a:stretch>
+            <a:fillRect/>
+          </a:stretch>
+        </p:blipFill>
+        <p:spPr bwMode="auto">
+          <a:xfrm>
+            <a:off x="7569099" y="4977114"/>
+            <a:ext cx="4622901" cy="1880886"/>
           </a:xfrm>
           <a:prstGeom prst="rect">
             <a:avLst/>
@@ -12115,107 +12247,16 @@
           </a:extLst>
         </p:spPr>
       </p:pic>
-      <p:sp>
-        <p:nvSpPr>
-          <p:cNvPr id="15" name="Заголовок 1"/>
-          <p:cNvSpPr txBox="1">
-            <a:spLocks/>
-          </p:cNvSpPr>
-          <p:nvPr/>
-        </p:nvSpPr>
-        <p:spPr>
-          <a:xfrm>
-            <a:off x="6244390" y="3687760"/>
-            <a:ext cx="5372600" cy="625642"/>
-          </a:xfrm>
-          <a:prstGeom prst="rect">
-            <a:avLst/>
-          </a:prstGeom>
-        </p:spPr>
-        <p:txBody>
-          <a:bodyPr vert="horz" lIns="91440" tIns="45720" rIns="91440" bIns="45720" rtlCol="0" anchor="ctr" anchorCtr="0">
-            <a:noAutofit/>
-          </a:bodyPr>
-          <a:lstStyle>
-            <a:lvl1pPr algn="ctr" defTabSz="914400" rtl="0" eaLnBrk="1" latinLnBrk="0" hangingPunct="1">
-              <a:lnSpc>
-                <a:spcPct val="90000"/>
-              </a:lnSpc>
-              <a:spcBef>
-                <a:spcPct val="0"/>
-              </a:spcBef>
-              <a:buNone/>
-              <a:defRPr sz="4800" kern="1200" cap="all" spc="300" baseline="0">
-                <a:solidFill>
-                  <a:schemeClr val="bg1"/>
-                </a:solidFill>
-                <a:latin typeface="+mj-lt"/>
-                <a:ea typeface="+mj-ea"/>
-                <a:cs typeface="+mj-cs"/>
-              </a:defRPr>
-            </a:lvl1pPr>
-          </a:lstStyle>
-          <a:p>
-            <a:r>
-              <a:rPr lang="en-US" sz="3600" dirty="0"/>
-              <a:t>13.1KB </a:t>
-            </a:r>
-            <a:r>
-              <a:rPr lang="en-US" sz="3600" dirty="0" smtClean="0"/>
-              <a:t>encoded</a:t>
-            </a:r>
-          </a:p>
-          <a:p>
-            <a:r>
-              <a:rPr lang="en-US" sz="3600" dirty="0" smtClean="0"/>
-              <a:t>26,9KB Decoded</a:t>
-            </a:r>
-            <a:endParaRPr lang="ru-RU" sz="3600" dirty="0"/>
-          </a:p>
-        </p:txBody>
-      </p:sp>
-      <p:sp>
-        <p:nvSpPr>
-          <p:cNvPr id="16" name="Заголовок 1"/>
-          <p:cNvSpPr>
-            <a:spLocks noGrp="1"/>
-          </p:cNvSpPr>
-          <p:nvPr>
-            <p:ph type="ctrTitle"/>
-          </p:nvPr>
-        </p:nvSpPr>
-        <p:spPr>
-          <a:xfrm>
-            <a:off x="2249905" y="3657600"/>
-            <a:ext cx="2378241" cy="625642"/>
-          </a:xfrm>
-        </p:spPr>
-        <p:txBody>
-          <a:bodyPr/>
-          <a:lstStyle/>
-          <a:p>
-            <a:r>
-              <a:rPr lang="ru-RU" sz="3600" dirty="0" smtClean="0"/>
-              <a:t>34</a:t>
-            </a:r>
-            <a:r>
-              <a:rPr lang="en-US" sz="3600" dirty="0" smtClean="0"/>
-              <a:t>KB</a:t>
-            </a:r>
-            <a:endParaRPr lang="ru-RU" sz="3600" dirty="0"/>
-          </a:p>
-        </p:txBody>
-      </p:sp>
       <p:pic>
         <p:nvPicPr>
-          <p:cNvPr id="17" name="Picture 2" descr="C:\Users\grigo\OneDrive\Рабочий стол\00000.png"/>
+          <p:cNvPr id="1026" name="Picture 2" descr="C:\Users\grigo\OneDrive\Documents\GitHub\inf_theory_project\compressed_images\00000.png_decoded.png"/>
           <p:cNvPicPr>
             <a:picLocks noChangeAspect="1" noChangeArrowheads="1"/>
           </p:cNvPicPr>
           <p:nvPr/>
         </p:nvPicPr>
         <p:blipFill>
-          <a:blip r:embed="rId4">
+          <a:blip r:embed="rId5">
             <a:extLst>
               <a:ext uri="{28A0092B-C50C-407E-A947-70E740481C1C}">
                 <a14:useLocalDpi xmlns:a14="http://schemas.microsoft.com/office/drawing/2010/main" val="0"/>
@@ -12229,8 +12270,8 @@
         </p:blipFill>
         <p:spPr bwMode="auto">
           <a:xfrm>
-            <a:off x="2138588" y="663348"/>
-            <a:ext cx="2487839" cy="2487839"/>
+            <a:off x="7680252" y="650311"/>
+            <a:ext cx="2500876" cy="2500876"/>
           </a:xfrm>
           <a:prstGeom prst="rect">
             <a:avLst/>
@@ -12249,14 +12290,14 @@
       </p:pic>
       <p:pic>
         <p:nvPicPr>
-          <p:cNvPr id="3074" name="Picture 2"/>
+          <p:cNvPr id="11" name="Picture 2"/>
           <p:cNvPicPr>
             <a:picLocks noChangeAspect="1" noChangeArrowheads="1"/>
           </p:cNvPicPr>
           <p:nvPr/>
         </p:nvPicPr>
         <p:blipFill>
-          <a:blip r:embed="rId5">
+          <a:blip r:embed="rId6">
             <a:extLst>
               <a:ext uri="{28A0092B-C50C-407E-A947-70E740481C1C}">
                 <a14:useLocalDpi xmlns:a14="http://schemas.microsoft.com/office/drawing/2010/main" val="0"/>
@@ -12270,8 +12311,8 @@
         </p:blipFill>
         <p:spPr bwMode="auto">
           <a:xfrm>
-            <a:off x="7569099" y="4977114"/>
-            <a:ext cx="4622901" cy="1880886"/>
+            <a:off x="1873702" y="4560535"/>
+            <a:ext cx="5505450" cy="2297465"/>
           </a:xfrm>
           <a:prstGeom prst="rect">
             <a:avLst/>
@@ -12307,47 +12348,6 @@
                   </a:outerShdw>
                 </a:effectLst>
               </a14:hiddenEffects>
-            </a:ext>
-          </a:extLst>
-        </p:spPr>
-      </p:pic>
-      <p:pic>
-        <p:nvPicPr>
-          <p:cNvPr id="1026" name="Picture 2" descr="C:\Users\grigo\OneDrive\Documents\GitHub\inf_theory_project\compressed_images\00000.png_decoded.png"/>
-          <p:cNvPicPr>
-            <a:picLocks noChangeAspect="1" noChangeArrowheads="1"/>
-          </p:cNvPicPr>
-          <p:nvPr/>
-        </p:nvPicPr>
-        <p:blipFill>
-          <a:blip r:embed="rId6">
-            <a:extLst>
-              <a:ext uri="{28A0092B-C50C-407E-A947-70E740481C1C}">
-                <a14:useLocalDpi xmlns:a14="http://schemas.microsoft.com/office/drawing/2010/main" val="0"/>
-              </a:ext>
-            </a:extLst>
-          </a:blip>
-          <a:srcRect/>
-          <a:stretch>
-            <a:fillRect/>
-          </a:stretch>
-        </p:blipFill>
-        <p:spPr bwMode="auto">
-          <a:xfrm>
-            <a:off x="7680252" y="650311"/>
-            <a:ext cx="2500876" cy="2500876"/>
-          </a:xfrm>
-          <a:prstGeom prst="rect">
-            <a:avLst/>
-          </a:prstGeom>
-          <a:noFill/>
-          <a:extLst>
-            <a:ext uri="{909E8E84-426E-40DD-AFC4-6F175D3DCCD1}">
-              <a14:hiddenFill xmlns:a14="http://schemas.microsoft.com/office/drawing/2010/main">
-                <a:solidFill>
-                  <a:srgbClr val="FFFFFF"/>
-                </a:solidFill>
-              </a14:hiddenFill>
             </a:ext>
           </a:extLst>
         </p:spPr>
@@ -12373,7 +12373,7 @@
         <p:cNvPr id="1" name="">
           <a:extLst>
             <a:ext uri="{FF2B5EF4-FFF2-40B4-BE49-F238E27FC236}">
-              <a16:creationId xmlns:a16="http://schemas.microsoft.com/office/drawing/2014/main" xmlns="" id="{EF87400A-AA39-C6BD-0F50-19DF27F0BEE1}"/>
+              <a16:creationId xmlns="" xmlns:a16="http://schemas.microsoft.com/office/drawing/2014/main" id="{EF87400A-AA39-C6BD-0F50-19DF27F0BEE1}"/>
             </a:ext>
           </a:extLst>
         </p:cNvPr>
@@ -12709,7 +12709,7 @@
           <p:cNvPr id="7" name="Title 6">
             <a:extLst>
               <a:ext uri="{FF2B5EF4-FFF2-40B4-BE49-F238E27FC236}">
-                <a16:creationId xmlns:a16="http://schemas.microsoft.com/office/drawing/2014/main" xmlns="" id="{2B1821E8-F378-D74B-E865-C40990E3D41F}"/>
+                <a16:creationId xmlns="" xmlns:a16="http://schemas.microsoft.com/office/drawing/2014/main" id="{2B1821E8-F378-D74B-E865-C40990E3D41F}"/>
               </a:ext>
             </a:extLst>
           </p:cNvPr>
@@ -12742,7 +12742,7 @@
           <p:cNvPr id="8" name="TextBox 7">
             <a:extLst>
               <a:ext uri="{FF2B5EF4-FFF2-40B4-BE49-F238E27FC236}">
-                <a16:creationId xmlns:a16="http://schemas.microsoft.com/office/drawing/2014/main" xmlns="" id="{FA6ECF98-C929-063C-BFD6-AA57AAC2A02F}"/>
+                <a16:creationId xmlns="" xmlns:a16="http://schemas.microsoft.com/office/drawing/2014/main" id="{FA6ECF98-C929-063C-BFD6-AA57AAC2A02F}"/>
               </a:ext>
             </a:extLst>
           </p:cNvPr>
@@ -12886,7 +12886,7 @@
           <p:cNvPr id="9" name="TextBox 8">
             <a:extLst>
               <a:ext uri="{FF2B5EF4-FFF2-40B4-BE49-F238E27FC236}">
-                <a16:creationId xmlns:a16="http://schemas.microsoft.com/office/drawing/2014/main" xmlns="" id="{867A665E-4508-A316-4C04-8788127440A7}"/>
+                <a16:creationId xmlns="" xmlns:a16="http://schemas.microsoft.com/office/drawing/2014/main" id="{867A665E-4508-A316-4C04-8788127440A7}"/>
               </a:ext>
             </a:extLst>
           </p:cNvPr>
@@ -13096,7 +13096,7 @@
         <p:cNvPr id="1" name="">
           <a:extLst>
             <a:ext uri="{FF2B5EF4-FFF2-40B4-BE49-F238E27FC236}">
-              <a16:creationId xmlns:a16="http://schemas.microsoft.com/office/drawing/2014/main" xmlns="" id="{EF87400A-AA39-C6BD-0F50-19DF27F0BEE1}"/>
+              <a16:creationId xmlns="" xmlns:a16="http://schemas.microsoft.com/office/drawing/2014/main" id="{EF87400A-AA39-C6BD-0F50-19DF27F0BEE1}"/>
             </a:ext>
           </a:extLst>
         </p:cNvPr>
@@ -13279,7 +13279,7 @@
         <p:cNvPr id="1" name="">
           <a:extLst>
             <a:ext uri="{FF2B5EF4-FFF2-40B4-BE49-F238E27FC236}">
-              <a16:creationId xmlns:a16="http://schemas.microsoft.com/office/drawing/2014/main" xmlns="" id="{EF87400A-AA39-C6BD-0F50-19DF27F0BEE1}"/>
+              <a16:creationId xmlns="" xmlns:a16="http://schemas.microsoft.com/office/drawing/2014/main" id="{EF87400A-AA39-C6BD-0F50-19DF27F0BEE1}"/>
             </a:ext>
           </a:extLst>
         </p:cNvPr>
@@ -13299,7 +13299,7 @@
           <p:cNvPr id="7" name="Title 6">
             <a:extLst>
               <a:ext uri="{FF2B5EF4-FFF2-40B4-BE49-F238E27FC236}">
-                <a16:creationId xmlns:a16="http://schemas.microsoft.com/office/drawing/2014/main" xmlns="" id="{DDE79998-A15C-2CB6-B04B-53D589C36C00}"/>
+                <a16:creationId xmlns="" xmlns:a16="http://schemas.microsoft.com/office/drawing/2014/main" id="{DDE79998-A15C-2CB6-B04B-53D589C36C00}"/>
               </a:ext>
             </a:extLst>
           </p:cNvPr>
@@ -13915,12 +13915,36 @@
           <a:lstStyle/>
           <a:p>
             <a:r>
+              <a:rPr lang="en-US" b="1" dirty="0" smtClean="0">
+                <a:solidFill>
+                  <a:schemeClr val="bg1"/>
+                </a:solidFill>
+              </a:rPr>
+              <a:t>Architecture(</a:t>
+            </a:r>
+            <a:r>
+              <a:rPr lang="ru-RU" b="1" dirty="0" smtClean="0">
+                <a:solidFill>
+                  <a:schemeClr val="bg1"/>
+                </a:solidFill>
+              </a:rPr>
+              <a:t>5</a:t>
+            </a:r>
+            <a:r>
+              <a:rPr lang="en-US" b="1" dirty="0" smtClean="0">
+                <a:solidFill>
+                  <a:schemeClr val="bg1"/>
+                </a:solidFill>
+              </a:rPr>
+              <a:t> </a:t>
+            </a:r>
+            <a:r>
               <a:rPr lang="en-US" b="1" dirty="0">
                 <a:solidFill>
                   <a:schemeClr val="bg1"/>
                 </a:solidFill>
               </a:rPr>
-              <a:t>Architecture(3 layers):</a:t>
+              <a:t>layers):</a:t>
             </a:r>
             <a:br>
               <a:rPr lang="en-US" b="1" dirty="0">
@@ -13990,7 +14014,7 @@
         <p:cNvPr id="1" name="">
           <a:extLst>
             <a:ext uri="{FF2B5EF4-FFF2-40B4-BE49-F238E27FC236}">
-              <a16:creationId xmlns:a16="http://schemas.microsoft.com/office/drawing/2014/main" xmlns="" id="{EF87400A-AA39-C6BD-0F50-19DF27F0BEE1}"/>
+              <a16:creationId xmlns="" xmlns:a16="http://schemas.microsoft.com/office/drawing/2014/main" id="{EF87400A-AA39-C6BD-0F50-19DF27F0BEE1}"/>
             </a:ext>
           </a:extLst>
         </p:cNvPr>
@@ -14509,7 +14533,7 @@
         <p:cNvPr id="1" name="">
           <a:extLst>
             <a:ext uri="{FF2B5EF4-FFF2-40B4-BE49-F238E27FC236}">
-              <a16:creationId xmlns:a16="http://schemas.microsoft.com/office/drawing/2014/main" xmlns="" id="{EF87400A-AA39-C6BD-0F50-19DF27F0BEE1}"/>
+              <a16:creationId xmlns="" xmlns:a16="http://schemas.microsoft.com/office/drawing/2014/main" id="{EF87400A-AA39-C6BD-0F50-19DF27F0BEE1}"/>
             </a:ext>
           </a:extLst>
         </p:cNvPr>
@@ -14607,23 +14631,7 @@
                   <a:schemeClr val="bg1"/>
                 </a:solidFill>
               </a:rPr>
-              <a:t>25</a:t>
-            </a:r>
-            <a:r>
-              <a:rPr lang="en-US" sz="2400" dirty="0" smtClean="0">
-                <a:solidFill>
-                  <a:schemeClr val="bg1"/>
-                </a:solidFill>
-              </a:rPr>
-              <a:t>0 </a:t>
-            </a:r>
-            <a:r>
-              <a:rPr lang="en-US" sz="2400" dirty="0" smtClean="0">
-                <a:solidFill>
-                  <a:schemeClr val="bg1"/>
-                </a:solidFill>
-              </a:rPr>
-              <a:t>minutes</a:t>
+              <a:t>250 minutes</a:t>
             </a:r>
             <a:endParaRPr lang="ru-RU" sz="2400" dirty="0">
               <a:solidFill>
@@ -14733,11 +14741,7 @@
           <a:p>
             <a:r>
               <a:rPr lang="en-US" sz="3600" dirty="0" smtClean="0"/>
-              <a:t>5.8</a:t>
-            </a:r>
-            <a:r>
-              <a:rPr lang="en-US" sz="3600" dirty="0" smtClean="0"/>
-              <a:t>kb </a:t>
+              <a:t>5.8kb </a:t>
             </a:r>
             <a:r>
               <a:rPr lang="en-US" sz="3600" dirty="0"/>
@@ -15020,7 +15024,7 @@
         <p:cNvPr id="1" name="">
           <a:extLst>
             <a:ext uri="{FF2B5EF4-FFF2-40B4-BE49-F238E27FC236}">
-              <a16:creationId xmlns:a16="http://schemas.microsoft.com/office/drawing/2014/main" xmlns="" id="{EF87400A-AA39-C6BD-0F50-19DF27F0BEE1}"/>
+              <a16:creationId xmlns="" xmlns:a16="http://schemas.microsoft.com/office/drawing/2014/main" id="{EF87400A-AA39-C6BD-0F50-19DF27F0BEE1}"/>
             </a:ext>
           </a:extLst>
         </p:cNvPr>
@@ -15337,7 +15341,7 @@
         <p:cNvPr id="1" name="">
           <a:extLst>
             <a:ext uri="{FF2B5EF4-FFF2-40B4-BE49-F238E27FC236}">
-              <a16:creationId xmlns:a16="http://schemas.microsoft.com/office/drawing/2014/main" xmlns="" id="{EF87400A-AA39-C6BD-0F50-19DF27F0BEE1}"/>
+              <a16:creationId xmlns="" xmlns:a16="http://schemas.microsoft.com/office/drawing/2014/main" id="{EF87400A-AA39-C6BD-0F50-19DF27F0BEE1}"/>
             </a:ext>
           </a:extLst>
         </p:cNvPr>
@@ -15470,16 +15474,13 @@
           </a:bodyPr>
           <a:lstStyle/>
           <a:p>
-            <a:pPr marL="457200" indent="-457200">
-              <a:buAutoNum type="arabicParenR"/>
-            </a:pPr>
             <a:r>
               <a:rPr lang="en-US" sz="2400" dirty="0" smtClean="0">
                 <a:solidFill>
                   <a:schemeClr val="bg1"/>
                 </a:solidFill>
               </a:rPr>
-              <a:t>With </a:t>
+              <a:t>1) With </a:t>
             </a:r>
             <a:r>
               <a:rPr lang="en-US" sz="2400" dirty="0" err="1" smtClean="0">
@@ -15537,20 +15538,12 @@
           <a:lstStyle/>
           <a:p>
             <a:r>
-              <a:rPr lang="en-US" sz="2400" dirty="0">
-                <a:solidFill>
-                  <a:schemeClr val="bg1"/>
-                </a:solidFill>
-              </a:rPr>
-              <a:t>2</a:t>
-            </a:r>
-            <a:r>
               <a:rPr lang="en-US" sz="2400" dirty="0" smtClean="0">
                 <a:solidFill>
                   <a:schemeClr val="bg1"/>
                 </a:solidFill>
               </a:rPr>
-              <a:t>) </a:t>
+              <a:t>2) </a:t>
             </a:r>
             <a:r>
               <a:rPr lang="en-US" sz="2400" dirty="0" err="1" smtClean="0">
@@ -15566,7 +15559,15 @@
                   <a:schemeClr val="bg1"/>
                 </a:solidFill>
               </a:rPr>
-              <a:t> instead of </a:t>
+              <a:t> </a:t>
+            </a:r>
+            <a:r>
+              <a:rPr lang="en-US" sz="2400" dirty="0" smtClean="0">
+                <a:solidFill>
+                  <a:schemeClr val="bg1"/>
+                </a:solidFill>
+              </a:rPr>
+              <a:t>instead of </a:t>
             </a:r>
             <a:r>
               <a:rPr lang="en-US" sz="2400" dirty="0" err="1" smtClean="0">
@@ -15629,7 +15630,15 @@
                   <a:schemeClr val="bg1"/>
                 </a:solidFill>
               </a:rPr>
-              <a:t>3) </a:t>
+              <a:t>3</a:t>
+            </a:r>
+            <a:r>
+              <a:rPr lang="en-US" sz="2400" dirty="0" smtClean="0">
+                <a:solidFill>
+                  <a:schemeClr val="bg1"/>
+                </a:solidFill>
+              </a:rPr>
+              <a:t>) </a:t>
             </a:r>
             <a:r>
               <a:rPr lang="en-US" sz="2400" dirty="0" err="1" smtClean="0">
@@ -15992,7 +16001,7 @@
         <p:cNvPr id="1" name="">
           <a:extLst>
             <a:ext uri="{FF2B5EF4-FFF2-40B4-BE49-F238E27FC236}">
-              <a16:creationId xmlns:a16="http://schemas.microsoft.com/office/drawing/2014/main" xmlns="" id="{EF87400A-AA39-C6BD-0F50-19DF27F0BEE1}"/>
+              <a16:creationId xmlns="" xmlns:a16="http://schemas.microsoft.com/office/drawing/2014/main" id="{EF87400A-AA39-C6BD-0F50-19DF27F0BEE1}"/>
             </a:ext>
           </a:extLst>
         </p:cNvPr>
@@ -16193,7 +16202,7 @@
         <p:cNvPr id="1" name="">
           <a:extLst>
             <a:ext uri="{FF2B5EF4-FFF2-40B4-BE49-F238E27FC236}">
-              <a16:creationId xmlns:a16="http://schemas.microsoft.com/office/drawing/2014/main" xmlns="" id="{EF87400A-AA39-C6BD-0F50-19DF27F0BEE1}"/>
+              <a16:creationId xmlns="" xmlns:a16="http://schemas.microsoft.com/office/drawing/2014/main" id="{EF87400A-AA39-C6BD-0F50-19DF27F0BEE1}"/>
             </a:ext>
           </a:extLst>
         </p:cNvPr>
@@ -16296,10 +16305,10 @@
           <a:p>
             <a:r>
               <a:rPr lang="ru-RU" sz="2800" dirty="0" smtClean="0"/>
-              <a:t>1</a:t>
-            </a:r>
-            <a:r>
-              <a:rPr lang="en-US" sz="2800" dirty="0"/>
+              <a:t>1 </a:t>
+            </a:r>
+            <a:r>
+              <a:rPr lang="en-US" sz="2800" dirty="0" smtClean="0"/>
               <a:t>hypothesis</a:t>
             </a:r>
             <a:endParaRPr lang="en-US" sz="2800" dirty="0"/>
@@ -16316,8 +16325,8 @@
         </p:nvSpPr>
         <p:spPr>
           <a:xfrm>
-            <a:off x="629920" y="2042160"/>
-            <a:ext cx="10739120" cy="1378498"/>
+            <a:off x="0" y="904240"/>
+            <a:ext cx="9113520" cy="689249"/>
           </a:xfrm>
           <a:prstGeom prst="rect">
             <a:avLst/>
@@ -16347,15 +16356,444 @@
             </a:lvl1pPr>
           </a:lstStyle>
           <a:p>
+            <a:pPr algn="l"/>
+            <a:r>
+              <a:rPr lang="en-US" sz="2400" dirty="0" smtClean="0"/>
+              <a:t>Hypothesis</a:t>
+            </a:r>
+            <a:r>
+              <a:rPr lang="ru-RU" sz="2400" dirty="0" smtClean="0"/>
+              <a:t> </a:t>
+            </a:r>
+            <a:r>
+              <a:rPr lang="ru-RU" sz="2400" dirty="0" smtClean="0"/>
+              <a:t>-</a:t>
+            </a:r>
+            <a:r>
+              <a:rPr lang="en-US" sz="2400" dirty="0"/>
+              <a:t>Use Skip Connections (U-Net Style</a:t>
+            </a:r>
+            <a:r>
+              <a:rPr lang="en-US" sz="2400" dirty="0" smtClean="0"/>
+              <a:t>)</a:t>
+            </a:r>
+            <a:endParaRPr lang="ru-RU" sz="2400" dirty="0" smtClean="0"/>
+          </a:p>
+          <a:p>
+            <a:pPr algn="l"/>
+            <a:r>
+              <a:rPr lang="en-US" sz="2400" dirty="0" smtClean="0"/>
+              <a:t>Training time: </a:t>
+            </a:r>
+            <a:r>
+              <a:rPr lang="ru-RU" sz="2400" dirty="0" smtClean="0"/>
+              <a:t>???</a:t>
+            </a:r>
+            <a:endParaRPr lang="en-US" sz="2400" dirty="0"/>
+          </a:p>
+        </p:txBody>
+      </p:sp>
+      <p:pic>
+        <p:nvPicPr>
+          <p:cNvPr id="2050" name="Picture 2"/>
+          <p:cNvPicPr>
+            <a:picLocks noChangeAspect="1" noChangeArrowheads="1"/>
+          </p:cNvPicPr>
+          <p:nvPr/>
+        </p:nvPicPr>
+        <p:blipFill>
+          <a:blip r:embed="rId3">
+            <a:extLst>
+              <a:ext uri="{28A0092B-C50C-407E-A947-70E740481C1C}">
+                <a14:useLocalDpi xmlns:a14="http://schemas.microsoft.com/office/drawing/2010/main" val="0"/>
+              </a:ext>
+            </a:extLst>
+          </a:blip>
+          <a:srcRect/>
+          <a:stretch>
+            <a:fillRect/>
+          </a:stretch>
+        </p:blipFill>
+        <p:spPr bwMode="auto">
+          <a:xfrm>
+            <a:off x="7730288" y="3354070"/>
+            <a:ext cx="4461712" cy="3503930"/>
+          </a:xfrm>
+          <a:prstGeom prst="rect">
+            <a:avLst/>
+          </a:prstGeom>
+          <a:noFill/>
+          <a:ln>
+            <a:noFill/>
+          </a:ln>
+          <a:effectLst/>
+          <a:extLst>
+            <a:ext uri="{909E8E84-426E-40DD-AFC4-6F175D3DCCD1}">
+              <a14:hiddenFill xmlns:a14="http://schemas.microsoft.com/office/drawing/2010/main">
+                <a:solidFill>
+                  <a:schemeClr val="accent1"/>
+                </a:solidFill>
+              </a14:hiddenFill>
+            </a:ext>
+            <a:ext uri="{91240B29-F687-4F45-9708-019B960494DF}">
+              <a14:hiddenLine xmlns:a14="http://schemas.microsoft.com/office/drawing/2010/main" w="9525">
+                <a:solidFill>
+                  <a:schemeClr val="tx1"/>
+                </a:solidFill>
+                <a:miter lim="800000"/>
+                <a:headEnd/>
+                <a:tailEnd/>
+              </a14:hiddenLine>
+            </a:ext>
+            <a:ext uri="{AF507438-7753-43E0-B8FC-AC1667EBCBE1}">
+              <a14:hiddenEffects xmlns:a14="http://schemas.microsoft.com/office/drawing/2010/main">
+                <a:effectLst>
+                  <a:outerShdw dist="35921" dir="2700000" algn="ctr" rotWithShape="0">
+                    <a:schemeClr val="bg2"/>
+                  </a:outerShdw>
+                </a:effectLst>
+              </a14:hiddenEffects>
+            </a:ext>
+          </a:extLst>
+        </p:spPr>
+      </p:pic>
+      <p:pic>
+        <p:nvPicPr>
+          <p:cNvPr id="6" name="Picture 2"/>
+          <p:cNvPicPr>
+            <a:picLocks noChangeAspect="1" noChangeArrowheads="1"/>
+          </p:cNvPicPr>
+          <p:nvPr/>
+        </p:nvPicPr>
+        <p:blipFill>
+          <a:blip r:embed="rId4" cstate="print">
+            <a:extLst>
+              <a:ext uri="{28A0092B-C50C-407E-A947-70E740481C1C}">
+                <a14:useLocalDpi xmlns:a14="http://schemas.microsoft.com/office/drawing/2010/main" val="0"/>
+              </a:ext>
+            </a:extLst>
+          </a:blip>
+          <a:srcRect/>
+          <a:stretch>
+            <a:fillRect/>
+          </a:stretch>
+        </p:blipFill>
+        <p:spPr bwMode="auto">
+          <a:xfrm>
+            <a:off x="98085" y="3756007"/>
+            <a:ext cx="3557681" cy="1902733"/>
+          </a:xfrm>
+          <a:prstGeom prst="rect">
+            <a:avLst/>
+          </a:prstGeom>
+          <a:noFill/>
+          <a:ln>
+            <a:noFill/>
+          </a:ln>
+          <a:effectLst/>
+          <a:extLst>
+            <a:ext uri="{909E8E84-426E-40DD-AFC4-6F175D3DCCD1}">
+              <a14:hiddenFill xmlns:a14="http://schemas.microsoft.com/office/drawing/2010/main">
+                <a:solidFill>
+                  <a:schemeClr val="accent1"/>
+                </a:solidFill>
+              </a14:hiddenFill>
+            </a:ext>
+            <a:ext uri="{91240B29-F687-4F45-9708-019B960494DF}">
+              <a14:hiddenLine xmlns:a14="http://schemas.microsoft.com/office/drawing/2010/main" w="9525">
+                <a:solidFill>
+                  <a:schemeClr val="tx1"/>
+                </a:solidFill>
+                <a:miter lim="800000"/>
+                <a:headEnd/>
+                <a:tailEnd/>
+              </a14:hiddenLine>
+            </a:ext>
+            <a:ext uri="{AF507438-7753-43E0-B8FC-AC1667EBCBE1}">
+              <a14:hiddenEffects xmlns:a14="http://schemas.microsoft.com/office/drawing/2010/main">
+                <a:effectLst>
+                  <a:outerShdw dist="35921" dir="2700000" algn="ctr" rotWithShape="0">
+                    <a:schemeClr val="bg2"/>
+                  </a:outerShdw>
+                </a:effectLst>
+              </a14:hiddenEffects>
+            </a:ext>
+          </a:extLst>
+        </p:spPr>
+      </p:pic>
+      <p:sp>
+        <p:nvSpPr>
+          <p:cNvPr id="7" name="Заголовок 1"/>
+          <p:cNvSpPr txBox="1">
+            <a:spLocks/>
+          </p:cNvSpPr>
+          <p:nvPr/>
+        </p:nvSpPr>
+        <p:spPr>
+          <a:xfrm>
+            <a:off x="98085" y="3041249"/>
+            <a:ext cx="3557681" cy="625642"/>
+          </a:xfrm>
+          <a:prstGeom prst="rect">
+            <a:avLst/>
+          </a:prstGeom>
+        </p:spPr>
+        <p:txBody>
+          <a:bodyPr vert="horz" lIns="91440" tIns="45720" rIns="91440" bIns="45720" rtlCol="0" anchor="ctr" anchorCtr="0">
+            <a:noAutofit/>
+          </a:bodyPr>
+          <a:lstStyle>
+            <a:lvl1pPr algn="ctr" defTabSz="914400" rtl="0" eaLnBrk="1" latinLnBrk="0" hangingPunct="1">
+              <a:lnSpc>
+                <a:spcPct val="90000"/>
+              </a:lnSpc>
+              <a:spcBef>
+                <a:spcPct val="0"/>
+              </a:spcBef>
+              <a:buNone/>
+              <a:defRPr sz="4800" kern="1200" cap="all" spc="300" baseline="0">
+                <a:solidFill>
+                  <a:schemeClr val="bg1"/>
+                </a:solidFill>
+                <a:latin typeface="+mj-lt"/>
+                <a:ea typeface="+mj-ea"/>
+                <a:cs typeface="+mj-cs"/>
+              </a:defRPr>
+            </a:lvl1pPr>
+          </a:lstStyle>
+          <a:p>
             <a:r>
               <a:rPr lang="en-US" sz="2800" dirty="0" smtClean="0"/>
-              <a:t>Hypothesis</a:t>
+              <a:t>Old(FN - </a:t>
             </a:r>
             <a:r>
               <a:rPr lang="ru-RU" sz="2800" dirty="0" smtClean="0"/>
-              <a:t> - </a:t>
+              <a:t>0.0039</a:t>
+            </a:r>
+            <a:r>
+              <a:rPr lang="en-US" sz="2800" dirty="0" smtClean="0"/>
+              <a:t>)</a:t>
             </a:r>
             <a:endParaRPr lang="en-US" sz="2800" dirty="0"/>
+          </a:p>
+        </p:txBody>
+      </p:sp>
+      <p:pic>
+        <p:nvPicPr>
+          <p:cNvPr id="8" name="Picture 2"/>
+          <p:cNvPicPr>
+            <a:picLocks noChangeAspect="1" noChangeArrowheads="1"/>
+          </p:cNvPicPr>
+          <p:nvPr/>
+        </p:nvPicPr>
+        <p:blipFill>
+          <a:blip r:embed="rId4" cstate="print">
+            <a:extLst>
+              <a:ext uri="{28A0092B-C50C-407E-A947-70E740481C1C}">
+                <a14:useLocalDpi xmlns:a14="http://schemas.microsoft.com/office/drawing/2010/main" val="0"/>
+              </a:ext>
+            </a:extLst>
+          </a:blip>
+          <a:srcRect/>
+          <a:stretch>
+            <a:fillRect/>
+          </a:stretch>
+        </p:blipFill>
+        <p:spPr bwMode="auto">
+          <a:xfrm>
+            <a:off x="3828365" y="3756007"/>
+            <a:ext cx="3557681" cy="1902733"/>
+          </a:xfrm>
+          <a:prstGeom prst="rect">
+            <a:avLst/>
+          </a:prstGeom>
+          <a:noFill/>
+          <a:ln>
+            <a:noFill/>
+          </a:ln>
+          <a:effectLst/>
+          <a:extLst>
+            <a:ext uri="{909E8E84-426E-40DD-AFC4-6F175D3DCCD1}">
+              <a14:hiddenFill xmlns:a14="http://schemas.microsoft.com/office/drawing/2010/main">
+                <a:solidFill>
+                  <a:schemeClr val="accent1"/>
+                </a:solidFill>
+              </a14:hiddenFill>
+            </a:ext>
+            <a:ext uri="{91240B29-F687-4F45-9708-019B960494DF}">
+              <a14:hiddenLine xmlns:a14="http://schemas.microsoft.com/office/drawing/2010/main" w="9525">
+                <a:solidFill>
+                  <a:schemeClr val="tx1"/>
+                </a:solidFill>
+                <a:miter lim="800000"/>
+                <a:headEnd/>
+                <a:tailEnd/>
+              </a14:hiddenLine>
+            </a:ext>
+            <a:ext uri="{AF507438-7753-43E0-B8FC-AC1667EBCBE1}">
+              <a14:hiddenEffects xmlns:a14="http://schemas.microsoft.com/office/drawing/2010/main">
+                <a:effectLst>
+                  <a:outerShdw dist="35921" dir="2700000" algn="ctr" rotWithShape="0">
+                    <a:schemeClr val="bg2"/>
+                  </a:outerShdw>
+                </a:effectLst>
+              </a14:hiddenEffects>
+            </a:ext>
+          </a:extLst>
+        </p:spPr>
+      </p:pic>
+      <p:sp>
+        <p:nvSpPr>
+          <p:cNvPr id="9" name="Заголовок 1"/>
+          <p:cNvSpPr txBox="1">
+            <a:spLocks/>
+          </p:cNvSpPr>
+          <p:nvPr/>
+        </p:nvSpPr>
+        <p:spPr>
+          <a:xfrm>
+            <a:off x="3828365" y="3041249"/>
+            <a:ext cx="3546680" cy="625642"/>
+          </a:xfrm>
+          <a:prstGeom prst="rect">
+            <a:avLst/>
+          </a:prstGeom>
+        </p:spPr>
+        <p:txBody>
+          <a:bodyPr vert="horz" lIns="91440" tIns="45720" rIns="91440" bIns="45720" rtlCol="0" anchor="ctr" anchorCtr="0">
+            <a:noAutofit/>
+          </a:bodyPr>
+          <a:lstStyle>
+            <a:lvl1pPr algn="ctr" defTabSz="914400" rtl="0" eaLnBrk="1" latinLnBrk="0" hangingPunct="1">
+              <a:lnSpc>
+                <a:spcPct val="90000"/>
+              </a:lnSpc>
+              <a:spcBef>
+                <a:spcPct val="0"/>
+              </a:spcBef>
+              <a:buNone/>
+              <a:defRPr sz="4800" kern="1200" cap="all" spc="300" baseline="0">
+                <a:solidFill>
+                  <a:schemeClr val="bg1"/>
+                </a:solidFill>
+                <a:latin typeface="+mj-lt"/>
+                <a:ea typeface="+mj-ea"/>
+                <a:cs typeface="+mj-cs"/>
+              </a:defRPr>
+            </a:lvl1pPr>
+          </a:lstStyle>
+          <a:p>
+            <a:r>
+              <a:rPr lang="en-US" sz="2800" dirty="0"/>
+              <a:t>new(FN - </a:t>
+            </a:r>
+            <a:r>
+              <a:rPr lang="ru-RU" sz="2800" dirty="0"/>
+              <a:t>0.0039</a:t>
+            </a:r>
+            <a:r>
+              <a:rPr lang="en-US" sz="2800" dirty="0" smtClean="0"/>
+              <a:t>)</a:t>
+            </a:r>
+            <a:endParaRPr lang="en-US" sz="2800" dirty="0"/>
+          </a:p>
+        </p:txBody>
+      </p:sp>
+      <p:sp>
+        <p:nvSpPr>
+          <p:cNvPr id="10" name="Заголовок 1"/>
+          <p:cNvSpPr txBox="1">
+            <a:spLocks/>
+          </p:cNvSpPr>
+          <p:nvPr/>
+        </p:nvSpPr>
+        <p:spPr>
+          <a:xfrm>
+            <a:off x="1545490" y="6189923"/>
+            <a:ext cx="4757675" cy="625642"/>
+          </a:xfrm>
+          <a:prstGeom prst="rect">
+            <a:avLst/>
+          </a:prstGeom>
+        </p:spPr>
+        <p:txBody>
+          <a:bodyPr vert="horz" lIns="91440" tIns="45720" rIns="91440" bIns="45720" rtlCol="0" anchor="ctr" anchorCtr="0">
+            <a:noAutofit/>
+          </a:bodyPr>
+          <a:lstStyle>
+            <a:lvl1pPr algn="ctr" defTabSz="914400" rtl="0" eaLnBrk="1" latinLnBrk="0" hangingPunct="1">
+              <a:lnSpc>
+                <a:spcPct val="90000"/>
+              </a:lnSpc>
+              <a:spcBef>
+                <a:spcPct val="0"/>
+              </a:spcBef>
+              <a:buNone/>
+              <a:defRPr sz="4800" kern="1200" cap="all" spc="300" baseline="0">
+                <a:solidFill>
+                  <a:schemeClr val="bg1"/>
+                </a:solidFill>
+                <a:latin typeface="+mj-lt"/>
+                <a:ea typeface="+mj-ea"/>
+                <a:cs typeface="+mj-cs"/>
+              </a:defRPr>
+            </a:lvl1pPr>
+          </a:lstStyle>
+          <a:p>
+            <a:r>
+              <a:rPr lang="en-US" sz="2800" dirty="0" smtClean="0"/>
+              <a:t>Look at green line</a:t>
+            </a:r>
+            <a:endParaRPr lang="en-US" sz="2800" dirty="0"/>
+          </a:p>
+        </p:txBody>
+      </p:sp>
+      <p:sp>
+        <p:nvSpPr>
+          <p:cNvPr id="12" name="Заголовок 1"/>
+          <p:cNvSpPr txBox="1">
+            <a:spLocks/>
+          </p:cNvSpPr>
+          <p:nvPr/>
+        </p:nvSpPr>
+        <p:spPr>
+          <a:xfrm>
+            <a:off x="1323367" y="2708998"/>
+            <a:ext cx="5201920" cy="312821"/>
+          </a:xfrm>
+          <a:prstGeom prst="rect">
+            <a:avLst/>
+          </a:prstGeom>
+        </p:spPr>
+        <p:txBody>
+          <a:bodyPr vert="horz" lIns="91440" tIns="45720" rIns="91440" bIns="45720" rtlCol="0" anchor="ctr" anchorCtr="0">
+            <a:noAutofit/>
+          </a:bodyPr>
+          <a:lstStyle>
+            <a:lvl1pPr algn="ctr" defTabSz="914400" rtl="0" eaLnBrk="1" latinLnBrk="0" hangingPunct="1">
+              <a:lnSpc>
+                <a:spcPct val="90000"/>
+              </a:lnSpc>
+              <a:spcBef>
+                <a:spcPct val="0"/>
+              </a:spcBef>
+              <a:buNone/>
+              <a:defRPr sz="4800" kern="1200" cap="all" spc="300" baseline="0">
+                <a:solidFill>
+                  <a:schemeClr val="bg1"/>
+                </a:solidFill>
+                <a:latin typeface="+mj-lt"/>
+                <a:ea typeface="+mj-ea"/>
+                <a:cs typeface="+mj-cs"/>
+              </a:defRPr>
+            </a:lvl1pPr>
+          </a:lstStyle>
+          <a:p>
+            <a:r>
+              <a:rPr lang="en-US" sz="1800" i="1" dirty="0" smtClean="0"/>
+              <a:t>FN – final loss(it should be small)</a:t>
+            </a:r>
+            <a:endParaRPr lang="en-US" sz="1800" i="1" dirty="0"/>
           </a:p>
         </p:txBody>
       </p:sp>
@@ -16380,7 +16818,7 @@
         <p:cNvPr id="1" name="">
           <a:extLst>
             <a:ext uri="{FF2B5EF4-FFF2-40B4-BE49-F238E27FC236}">
-              <a16:creationId xmlns:a16="http://schemas.microsoft.com/office/drawing/2014/main" xmlns="" id="{8C579E26-FA2D-1C68-DB27-3D2C268F6B28}"/>
+              <a16:creationId xmlns="" xmlns:a16="http://schemas.microsoft.com/office/drawing/2014/main" id="{8C579E26-FA2D-1C68-DB27-3D2C268F6B28}"/>
             </a:ext>
           </a:extLst>
         </p:cNvPr>
@@ -16400,7 +16838,7 @@
           <p:cNvPr id="7" name="Title 6">
             <a:extLst>
               <a:ext uri="{FF2B5EF4-FFF2-40B4-BE49-F238E27FC236}">
-                <a16:creationId xmlns:a16="http://schemas.microsoft.com/office/drawing/2014/main" xmlns="" id="{44A692C1-E622-D699-43E0-1ECB59404096}"/>
+                <a16:creationId xmlns="" xmlns:a16="http://schemas.microsoft.com/office/drawing/2014/main" id="{44A692C1-E622-D699-43E0-1ECB59404096}"/>
               </a:ext>
             </a:extLst>
           </p:cNvPr>
@@ -16459,7 +16897,7 @@
         <p:cNvPr id="1" name="">
           <a:extLst>
             <a:ext uri="{FF2B5EF4-FFF2-40B4-BE49-F238E27FC236}">
-              <a16:creationId xmlns:a16="http://schemas.microsoft.com/office/drawing/2014/main" xmlns="" id="{39288295-DCAF-069C-8B1B-4576B8E372BB}"/>
+              <a16:creationId xmlns="" xmlns:a16="http://schemas.microsoft.com/office/drawing/2014/main" id="{39288295-DCAF-069C-8B1B-4576B8E372BB}"/>
             </a:ext>
           </a:extLst>
         </p:cNvPr>
@@ -16479,7 +16917,7 @@
           <p:cNvPr id="7" name="Title 6">
             <a:extLst>
               <a:ext uri="{FF2B5EF4-FFF2-40B4-BE49-F238E27FC236}">
-                <a16:creationId xmlns:a16="http://schemas.microsoft.com/office/drawing/2014/main" xmlns="" id="{61F85EF1-69F5-5E4D-E911-359BF0A3DBF3}"/>
+                <a16:creationId xmlns="" xmlns:a16="http://schemas.microsoft.com/office/drawing/2014/main" id="{61F85EF1-69F5-5E4D-E911-359BF0A3DBF3}"/>
               </a:ext>
             </a:extLst>
           </p:cNvPr>
@@ -16520,7 +16958,7 @@
           <p:cNvPr id="8" name="TextBox 7">
             <a:extLst>
               <a:ext uri="{FF2B5EF4-FFF2-40B4-BE49-F238E27FC236}">
-                <a16:creationId xmlns:a16="http://schemas.microsoft.com/office/drawing/2014/main" xmlns="" id="{F8C56A79-35B0-9EBF-8FD3-C903CBFF847D}"/>
+                <a16:creationId xmlns="" xmlns:a16="http://schemas.microsoft.com/office/drawing/2014/main" id="{F8C56A79-35B0-9EBF-8FD3-C903CBFF847D}"/>
               </a:ext>
             </a:extLst>
           </p:cNvPr>
@@ -16643,7 +17081,7 @@
           <p:cNvPr id="2" name="TextBox 1">
             <a:extLst>
               <a:ext uri="{FF2B5EF4-FFF2-40B4-BE49-F238E27FC236}">
-                <a16:creationId xmlns:a16="http://schemas.microsoft.com/office/drawing/2014/main" xmlns="" id="{144EF226-6026-E052-DD93-BEC3F237B30F}"/>
+                <a16:creationId xmlns="" xmlns:a16="http://schemas.microsoft.com/office/drawing/2014/main" id="{144EF226-6026-E052-DD93-BEC3F237B30F}"/>
               </a:ext>
             </a:extLst>
           </p:cNvPr>
@@ -16783,7 +17221,7 @@
         <p:cNvPr id="1" name="">
           <a:extLst>
             <a:ext uri="{FF2B5EF4-FFF2-40B4-BE49-F238E27FC236}">
-              <a16:creationId xmlns:a16="http://schemas.microsoft.com/office/drawing/2014/main" xmlns="" id="{953B6214-BA54-21CA-C08F-F6E6CD6F9476}"/>
+              <a16:creationId xmlns="" xmlns:a16="http://schemas.microsoft.com/office/drawing/2014/main" id="{953B6214-BA54-21CA-C08F-F6E6CD6F9476}"/>
             </a:ext>
           </a:extLst>
         </p:cNvPr>
@@ -16803,7 +17241,7 @@
           <p:cNvPr id="7" name="Title 6">
             <a:extLst>
               <a:ext uri="{FF2B5EF4-FFF2-40B4-BE49-F238E27FC236}">
-                <a16:creationId xmlns:a16="http://schemas.microsoft.com/office/drawing/2014/main" xmlns="" id="{D1FCF065-2D37-1687-8F8E-2906BCCE04C9}"/>
+                <a16:creationId xmlns="" xmlns:a16="http://schemas.microsoft.com/office/drawing/2014/main" id="{D1FCF065-2D37-1687-8F8E-2906BCCE04C9}"/>
               </a:ext>
             </a:extLst>
           </p:cNvPr>
@@ -16843,7 +17281,7 @@
           <p:cNvPr id="8" name="TextBox 7">
             <a:extLst>
               <a:ext uri="{FF2B5EF4-FFF2-40B4-BE49-F238E27FC236}">
-                <a16:creationId xmlns:a16="http://schemas.microsoft.com/office/drawing/2014/main" xmlns="" id="{829DCAF4-0E7A-EA3D-F623-CCC0F2F22DFF}"/>
+                <a16:creationId xmlns="" xmlns:a16="http://schemas.microsoft.com/office/drawing/2014/main" id="{829DCAF4-0E7A-EA3D-F623-CCC0F2F22DFF}"/>
               </a:ext>
             </a:extLst>
           </p:cNvPr>
@@ -16982,7 +17420,7 @@
           <p:cNvPr id="3" name="TextBox 2">
             <a:extLst>
               <a:ext uri="{FF2B5EF4-FFF2-40B4-BE49-F238E27FC236}">
-                <a16:creationId xmlns:a16="http://schemas.microsoft.com/office/drawing/2014/main" xmlns="" id="{C529289A-69EA-F080-93CD-30695BDBF134}"/>
+                <a16:creationId xmlns="" xmlns:a16="http://schemas.microsoft.com/office/drawing/2014/main" id="{C529289A-69EA-F080-93CD-30695BDBF134}"/>
               </a:ext>
             </a:extLst>
           </p:cNvPr>
@@ -17084,7 +17522,7 @@
           <p:cNvPr id="6" name="TextBox 5">
             <a:extLst>
               <a:ext uri="{FF2B5EF4-FFF2-40B4-BE49-F238E27FC236}">
-                <a16:creationId xmlns:a16="http://schemas.microsoft.com/office/drawing/2014/main" xmlns="" id="{3C9745D3-7387-F090-C452-2E45D43F0971}"/>
+                <a16:creationId xmlns="" xmlns:a16="http://schemas.microsoft.com/office/drawing/2014/main" id="{3C9745D3-7387-F090-C452-2E45D43F0971}"/>
               </a:ext>
             </a:extLst>
           </p:cNvPr>
@@ -17219,7 +17657,7 @@
           <p:cNvPr id="9" name="Rectangle 8">
             <a:extLst>
               <a:ext uri="{FF2B5EF4-FFF2-40B4-BE49-F238E27FC236}">
-                <a16:creationId xmlns:a16="http://schemas.microsoft.com/office/drawing/2014/main" xmlns="" id="{3F9A327E-7B0F-6322-F8E7-5226A4116A9B}"/>
+                <a16:creationId xmlns="" xmlns:a16="http://schemas.microsoft.com/office/drawing/2014/main" id="{3F9A327E-7B0F-6322-F8E7-5226A4116A9B}"/>
               </a:ext>
             </a:extLst>
           </p:cNvPr>
@@ -17291,7 +17729,7 @@
         <p:cNvPr id="1" name="">
           <a:extLst>
             <a:ext uri="{FF2B5EF4-FFF2-40B4-BE49-F238E27FC236}">
-              <a16:creationId xmlns:a16="http://schemas.microsoft.com/office/drawing/2014/main" xmlns="" id="{00AB00F2-1ABB-46F7-FBD3-B7149DCD1A5B}"/>
+              <a16:creationId xmlns="" xmlns:a16="http://schemas.microsoft.com/office/drawing/2014/main" id="{00AB00F2-1ABB-46F7-FBD3-B7149DCD1A5B}"/>
             </a:ext>
           </a:extLst>
         </p:cNvPr>
@@ -17311,7 +17749,7 @@
           <p:cNvPr id="7" name="Title 6">
             <a:extLst>
               <a:ext uri="{FF2B5EF4-FFF2-40B4-BE49-F238E27FC236}">
-                <a16:creationId xmlns:a16="http://schemas.microsoft.com/office/drawing/2014/main" xmlns="" id="{65745319-EE7D-296C-2FFE-F56F0B6538A0}"/>
+                <a16:creationId xmlns="" xmlns:a16="http://schemas.microsoft.com/office/drawing/2014/main" id="{65745319-EE7D-296C-2FFE-F56F0B6538A0}"/>
               </a:ext>
             </a:extLst>
           </p:cNvPr>
@@ -17351,7 +17789,7 @@
           <p:cNvPr id="8" name="TextBox 7">
             <a:extLst>
               <a:ext uri="{FF2B5EF4-FFF2-40B4-BE49-F238E27FC236}">
-                <a16:creationId xmlns:a16="http://schemas.microsoft.com/office/drawing/2014/main" xmlns="" id="{6D710782-0111-EEBD-02DC-6E7ACC855995}"/>
+                <a16:creationId xmlns="" xmlns:a16="http://schemas.microsoft.com/office/drawing/2014/main" id="{6D710782-0111-EEBD-02DC-6E7ACC855995}"/>
               </a:ext>
             </a:extLst>
           </p:cNvPr>
@@ -17398,7 +17836,7 @@
           <p:cNvPr id="9" name="TextBox 8">
             <a:extLst>
               <a:ext uri="{FF2B5EF4-FFF2-40B4-BE49-F238E27FC236}">
-                <a16:creationId xmlns:a16="http://schemas.microsoft.com/office/drawing/2014/main" xmlns="" id="{AE941EAD-4479-E631-4FC0-8E1DFBDB66EF}"/>
+                <a16:creationId xmlns="" xmlns:a16="http://schemas.microsoft.com/office/drawing/2014/main" id="{AE941EAD-4479-E631-4FC0-8E1DFBDB66EF}"/>
               </a:ext>
             </a:extLst>
           </p:cNvPr>
@@ -17452,7 +17890,7 @@
           <p:cNvPr id="2" name="Rectangle 1">
             <a:extLst>
               <a:ext uri="{FF2B5EF4-FFF2-40B4-BE49-F238E27FC236}">
-                <a16:creationId xmlns:a16="http://schemas.microsoft.com/office/drawing/2014/main" xmlns="" id="{8BE59029-112F-330F-CBC2-D013521EFC34}"/>
+                <a16:creationId xmlns="" xmlns:a16="http://schemas.microsoft.com/office/drawing/2014/main" id="{8BE59029-112F-330F-CBC2-D013521EFC34}"/>
               </a:ext>
             </a:extLst>
           </p:cNvPr>
@@ -17508,7 +17946,7 @@
           <p:cNvPr id="3" name="TextBox 2">
             <a:extLst>
               <a:ext uri="{FF2B5EF4-FFF2-40B4-BE49-F238E27FC236}">
-                <a16:creationId xmlns:a16="http://schemas.microsoft.com/office/drawing/2014/main" xmlns="" id="{E5DE46A3-2E10-F599-6F94-3604A4BB1603}"/>
+                <a16:creationId xmlns="" xmlns:a16="http://schemas.microsoft.com/office/drawing/2014/main" id="{E5DE46A3-2E10-F599-6F94-3604A4BB1603}"/>
               </a:ext>
             </a:extLst>
           </p:cNvPr>
@@ -17555,7 +17993,7 @@
           <p:cNvPr id="4" name="Rectangle 3">
             <a:extLst>
               <a:ext uri="{FF2B5EF4-FFF2-40B4-BE49-F238E27FC236}">
-                <a16:creationId xmlns:a16="http://schemas.microsoft.com/office/drawing/2014/main" xmlns="" id="{09F4D9B4-F12A-0A44-0AFA-0BFA209DAD40}"/>
+                <a16:creationId xmlns="" xmlns:a16="http://schemas.microsoft.com/office/drawing/2014/main" id="{09F4D9B4-F12A-0A44-0AFA-0BFA209DAD40}"/>
               </a:ext>
             </a:extLst>
           </p:cNvPr>
@@ -17611,7 +18049,7 @@
           <p:cNvPr id="5" name="TextBox 4">
             <a:extLst>
               <a:ext uri="{FF2B5EF4-FFF2-40B4-BE49-F238E27FC236}">
-                <a16:creationId xmlns:a16="http://schemas.microsoft.com/office/drawing/2014/main" xmlns="" id="{4B8F1482-E9ED-644D-56F0-2E8E230275E4}"/>
+                <a16:creationId xmlns="" xmlns:a16="http://schemas.microsoft.com/office/drawing/2014/main" id="{4B8F1482-E9ED-644D-56F0-2E8E230275E4}"/>
               </a:ext>
             </a:extLst>
           </p:cNvPr>
@@ -17665,7 +18103,7 @@
           <p:cNvPr id="6" name="Rectangle 5">
             <a:extLst>
               <a:ext uri="{FF2B5EF4-FFF2-40B4-BE49-F238E27FC236}">
-                <a16:creationId xmlns:a16="http://schemas.microsoft.com/office/drawing/2014/main" xmlns="" id="{F36FF003-B68C-97DC-B023-B640B58811FB}"/>
+                <a16:creationId xmlns="" xmlns:a16="http://schemas.microsoft.com/office/drawing/2014/main" id="{F36FF003-B68C-97DC-B023-B640B58811FB}"/>
               </a:ext>
             </a:extLst>
           </p:cNvPr>
@@ -17729,7 +18167,7 @@
           <p:cNvPr id="10" name="TextBox 9">
             <a:extLst>
               <a:ext uri="{FF2B5EF4-FFF2-40B4-BE49-F238E27FC236}">
-                <a16:creationId xmlns:a16="http://schemas.microsoft.com/office/drawing/2014/main" xmlns="" id="{23E42A81-E323-6371-B6FE-90B77C71CF1C}"/>
+                <a16:creationId xmlns="" xmlns:a16="http://schemas.microsoft.com/office/drawing/2014/main" id="{23E42A81-E323-6371-B6FE-90B77C71CF1C}"/>
               </a:ext>
             </a:extLst>
           </p:cNvPr>
@@ -17783,7 +18221,7 @@
           <p:cNvPr id="12" name="Picture 11" descr="A white snake with blue eyes&#10;&#10;AI-generated content may be incorrect.">
             <a:extLst>
               <a:ext uri="{FF2B5EF4-FFF2-40B4-BE49-F238E27FC236}">
-                <a16:creationId xmlns:a16="http://schemas.microsoft.com/office/drawing/2014/main" xmlns="" id="{D9DE6AA5-2528-AC56-C9A1-0E28C374E6CD}"/>
+                <a16:creationId xmlns="" xmlns:a16="http://schemas.microsoft.com/office/drawing/2014/main" id="{D9DE6AA5-2528-AC56-C9A1-0E28C374E6CD}"/>
               </a:ext>
             </a:extLst>
           </p:cNvPr>
@@ -17819,7 +18257,7 @@
           <p:cNvPr id="14" name="Picture 13" descr="A black background with white text&#10;&#10;AI-generated content may be incorrect.">
             <a:extLst>
               <a:ext uri="{FF2B5EF4-FFF2-40B4-BE49-F238E27FC236}">
-                <a16:creationId xmlns:a16="http://schemas.microsoft.com/office/drawing/2014/main" xmlns="" id="{E5F34F0F-1868-BDDA-B7A2-4B9B8D5E70C7}"/>
+                <a16:creationId xmlns="" xmlns:a16="http://schemas.microsoft.com/office/drawing/2014/main" id="{E5F34F0F-1868-BDDA-B7A2-4B9B8D5E70C7}"/>
               </a:ext>
             </a:extLst>
           </p:cNvPr>
@@ -17855,7 +18293,7 @@
           <p:cNvPr id="16" name="Picture 15" descr="A black and green symbol with a checkered pattern&#10;&#10;AI-generated content may be incorrect.">
             <a:extLst>
               <a:ext uri="{FF2B5EF4-FFF2-40B4-BE49-F238E27FC236}">
-                <a16:creationId xmlns:a16="http://schemas.microsoft.com/office/drawing/2014/main" xmlns="" id="{45DD2A95-1335-EFEF-D0FB-5A8AFC7B3575}"/>
+                <a16:creationId xmlns="" xmlns:a16="http://schemas.microsoft.com/office/drawing/2014/main" id="{45DD2A95-1335-EFEF-D0FB-5A8AFC7B3575}"/>
               </a:ext>
             </a:extLst>
           </p:cNvPr>
@@ -17891,7 +18329,7 @@
           <p:cNvPr id="18" name="Picture 17" descr="A purple rectangular object with white text&#10;&#10;AI-generated content may be incorrect.">
             <a:extLst>
               <a:ext uri="{FF2B5EF4-FFF2-40B4-BE49-F238E27FC236}">
-                <a16:creationId xmlns:a16="http://schemas.microsoft.com/office/drawing/2014/main" xmlns="" id="{748AF984-AFF8-25B6-3929-06533135F867}"/>
+                <a16:creationId xmlns="" xmlns:a16="http://schemas.microsoft.com/office/drawing/2014/main" id="{748AF984-AFF8-25B6-3929-06533135F867}"/>
               </a:ext>
             </a:extLst>
           </p:cNvPr>
@@ -17927,7 +18365,7 @@
           <p:cNvPr id="20" name="Picture 19">
             <a:extLst>
               <a:ext uri="{FF2B5EF4-FFF2-40B4-BE49-F238E27FC236}">
-                <a16:creationId xmlns:a16="http://schemas.microsoft.com/office/drawing/2014/main" xmlns="" id="{995B517E-6B59-0EDF-176D-2C3A8DDD1E24}"/>
+                <a16:creationId xmlns="" xmlns:a16="http://schemas.microsoft.com/office/drawing/2014/main" id="{995B517E-6B59-0EDF-176D-2C3A8DDD1E24}"/>
               </a:ext>
             </a:extLst>
           </p:cNvPr>
@@ -17963,7 +18401,7 @@
           <p:cNvPr id="22" name="Picture 21" descr="A math equations and symbols&#10;&#10;AI-generated content may be incorrect.">
             <a:extLst>
               <a:ext uri="{FF2B5EF4-FFF2-40B4-BE49-F238E27FC236}">
-                <a16:creationId xmlns:a16="http://schemas.microsoft.com/office/drawing/2014/main" xmlns="" id="{F5515C3C-6DE4-6DC0-C477-32381037F16D}"/>
+                <a16:creationId xmlns="" xmlns:a16="http://schemas.microsoft.com/office/drawing/2014/main" id="{F5515C3C-6DE4-6DC0-C477-32381037F16D}"/>
               </a:ext>
             </a:extLst>
           </p:cNvPr>
@@ -18015,7 +18453,7 @@
         <p:cNvPr id="1" name="">
           <a:extLst>
             <a:ext uri="{FF2B5EF4-FFF2-40B4-BE49-F238E27FC236}">
-              <a16:creationId xmlns:a16="http://schemas.microsoft.com/office/drawing/2014/main" xmlns="" id="{DBE5E39A-F5D5-D29E-5B7F-DCFE051AAE1B}"/>
+              <a16:creationId xmlns="" xmlns:a16="http://schemas.microsoft.com/office/drawing/2014/main" id="{DBE5E39A-F5D5-D29E-5B7F-DCFE051AAE1B}"/>
             </a:ext>
           </a:extLst>
         </p:cNvPr>
@@ -18035,7 +18473,7 @@
           <p:cNvPr id="7" name="Title 6">
             <a:extLst>
               <a:ext uri="{FF2B5EF4-FFF2-40B4-BE49-F238E27FC236}">
-                <a16:creationId xmlns:a16="http://schemas.microsoft.com/office/drawing/2014/main" xmlns="" id="{B4656742-F44E-DEB8-0DE2-46FE8A3B4872}"/>
+                <a16:creationId xmlns="" xmlns:a16="http://schemas.microsoft.com/office/drawing/2014/main" id="{B4656742-F44E-DEB8-0DE2-46FE8A3B4872}"/>
               </a:ext>
             </a:extLst>
           </p:cNvPr>
@@ -18077,7 +18515,7 @@
           <p:cNvPr id="24" name="Text 1">
             <a:extLst>
               <a:ext uri="{FF2B5EF4-FFF2-40B4-BE49-F238E27FC236}">
-                <a16:creationId xmlns:a16="http://schemas.microsoft.com/office/drawing/2014/main" xmlns="" id="{472BFC16-825E-73E4-9596-F2CA527F48EA}"/>
+                <a16:creationId xmlns="" xmlns:a16="http://schemas.microsoft.com/office/drawing/2014/main" id="{472BFC16-825E-73E4-9596-F2CA527F48EA}"/>
               </a:ext>
             </a:extLst>
           </p:cNvPr>
@@ -18224,7 +18662,7 @@
           <p:cNvPr id="25" name="Text 2">
             <a:extLst>
               <a:ext uri="{FF2B5EF4-FFF2-40B4-BE49-F238E27FC236}">
-                <a16:creationId xmlns:a16="http://schemas.microsoft.com/office/drawing/2014/main" xmlns="" id="{0ED9AA18-9EE7-D709-C4C3-818089404EA4}"/>
+                <a16:creationId xmlns="" xmlns:a16="http://schemas.microsoft.com/office/drawing/2014/main" id="{0ED9AA18-9EE7-D709-C4C3-818089404EA4}"/>
               </a:ext>
             </a:extLst>
           </p:cNvPr>
@@ -18371,7 +18809,7 @@
           <p:cNvPr id="26" name="Image 1">
             <a:extLst>
               <a:ext uri="{FF2B5EF4-FFF2-40B4-BE49-F238E27FC236}">
-                <a16:creationId xmlns:a16="http://schemas.microsoft.com/office/drawing/2014/main" xmlns="" id="{3AA18FAE-20E6-DD3E-8389-A3A3C5E5F02F}"/>
+                <a16:creationId xmlns="" xmlns:a16="http://schemas.microsoft.com/office/drawing/2014/main" id="{3AA18FAE-20E6-DD3E-8389-A3A3C5E5F02F}"/>
               </a:ext>
             </a:extLst>
           </p:cNvPr>
@@ -18401,7 +18839,7 @@
           <p:cNvPr id="27" name="Image 3">
             <a:extLst>
               <a:ext uri="{FF2B5EF4-FFF2-40B4-BE49-F238E27FC236}">
-                <a16:creationId xmlns:a16="http://schemas.microsoft.com/office/drawing/2014/main" xmlns="" id="{0C8D0B1D-8793-388D-0ADB-907B849DA21A}"/>
+                <a16:creationId xmlns="" xmlns:a16="http://schemas.microsoft.com/office/drawing/2014/main" id="{0C8D0B1D-8793-388D-0ADB-907B849DA21A}"/>
               </a:ext>
             </a:extLst>
           </p:cNvPr>
@@ -18437,7 +18875,7 @@
           <p:cNvPr id="28" name="Text 5">
             <a:extLst>
               <a:ext uri="{FF2B5EF4-FFF2-40B4-BE49-F238E27FC236}">
-                <a16:creationId xmlns:a16="http://schemas.microsoft.com/office/drawing/2014/main" xmlns="" id="{6FEBA9B4-92F8-1783-D199-984E9BD35FE4}"/>
+                <a16:creationId xmlns="" xmlns:a16="http://schemas.microsoft.com/office/drawing/2014/main" id="{6FEBA9B4-92F8-1783-D199-984E9BD35FE4}"/>
               </a:ext>
             </a:extLst>
           </p:cNvPr>
@@ -18584,7 +19022,7 @@
           <p:cNvPr id="29" name="Text 6">
             <a:extLst>
               <a:ext uri="{FF2B5EF4-FFF2-40B4-BE49-F238E27FC236}">
-                <a16:creationId xmlns:a16="http://schemas.microsoft.com/office/drawing/2014/main" xmlns="" id="{A01B7A0E-C486-C1C0-401D-9E6A0598F71F}"/>
+                <a16:creationId xmlns="" xmlns:a16="http://schemas.microsoft.com/office/drawing/2014/main" id="{A01B7A0E-C486-C1C0-401D-9E6A0598F71F}"/>
               </a:ext>
             </a:extLst>
           </p:cNvPr>
@@ -18731,7 +19169,7 @@
           <p:cNvPr id="30" name="Image 2">
             <a:extLst>
               <a:ext uri="{FF2B5EF4-FFF2-40B4-BE49-F238E27FC236}">
-                <a16:creationId xmlns:a16="http://schemas.microsoft.com/office/drawing/2014/main" xmlns="" id="{4699EAB3-B451-FA65-3003-7F72825EBD8F}"/>
+                <a16:creationId xmlns="" xmlns:a16="http://schemas.microsoft.com/office/drawing/2014/main" id="{4699EAB3-B451-FA65-3003-7F72825EBD8F}"/>
               </a:ext>
             </a:extLst>
           </p:cNvPr>
@@ -18761,7 +19199,7 @@
           <p:cNvPr id="31" name="Text 3">
             <a:extLst>
               <a:ext uri="{FF2B5EF4-FFF2-40B4-BE49-F238E27FC236}">
-                <a16:creationId xmlns:a16="http://schemas.microsoft.com/office/drawing/2014/main" xmlns="" id="{3317EA26-C890-3AA8-57C6-07F0D9D86A26}"/>
+                <a16:creationId xmlns="" xmlns:a16="http://schemas.microsoft.com/office/drawing/2014/main" id="{3317EA26-C890-3AA8-57C6-07F0D9D86A26}"/>
               </a:ext>
             </a:extLst>
           </p:cNvPr>
@@ -18908,7 +19346,7 @@
           <p:cNvPr id="32" name="Text 4">
             <a:extLst>
               <a:ext uri="{FF2B5EF4-FFF2-40B4-BE49-F238E27FC236}">
-                <a16:creationId xmlns:a16="http://schemas.microsoft.com/office/drawing/2014/main" xmlns="" id="{2F075863-C6D6-3DCA-EAB9-909D73EE40B1}"/>
+                <a16:creationId xmlns="" xmlns:a16="http://schemas.microsoft.com/office/drawing/2014/main" id="{2F075863-C6D6-3DCA-EAB9-909D73EE40B1}"/>
               </a:ext>
             </a:extLst>
           </p:cNvPr>
@@ -19071,7 +19509,7 @@
         <p:cNvPr id="1" name="">
           <a:extLst>
             <a:ext uri="{FF2B5EF4-FFF2-40B4-BE49-F238E27FC236}">
-              <a16:creationId xmlns:a16="http://schemas.microsoft.com/office/drawing/2014/main" xmlns="" id="{7B580C78-F914-AF3B-B3F8-86674699E7E9}"/>
+              <a16:creationId xmlns="" xmlns:a16="http://schemas.microsoft.com/office/drawing/2014/main" id="{7B580C78-F914-AF3B-B3F8-86674699E7E9}"/>
             </a:ext>
           </a:extLst>
         </p:cNvPr>
@@ -19091,7 +19529,7 @@
           <p:cNvPr id="7" name="Title 6">
             <a:extLst>
               <a:ext uri="{FF2B5EF4-FFF2-40B4-BE49-F238E27FC236}">
-                <a16:creationId xmlns:a16="http://schemas.microsoft.com/office/drawing/2014/main" xmlns="" id="{6C658EAB-7DAF-BE2F-A84A-38A3402BEF3F}"/>
+                <a16:creationId xmlns="" xmlns:a16="http://schemas.microsoft.com/office/drawing/2014/main" id="{6C658EAB-7DAF-BE2F-A84A-38A3402BEF3F}"/>
               </a:ext>
             </a:extLst>
           </p:cNvPr>
@@ -19147,7 +19585,7 @@
           <p:cNvPr id="9" name="Picture 8" descr="A black background with white text&#10;&#10;AI-generated content may be incorrect.">
             <a:extLst>
               <a:ext uri="{FF2B5EF4-FFF2-40B4-BE49-F238E27FC236}">
-                <a16:creationId xmlns:a16="http://schemas.microsoft.com/office/drawing/2014/main" xmlns="" id="{C4E41495-4A51-AEA7-884E-CAA49182C5C7}"/>
+                <a16:creationId xmlns="" xmlns:a16="http://schemas.microsoft.com/office/drawing/2014/main" id="{C4E41495-4A51-AEA7-884E-CAA49182C5C7}"/>
               </a:ext>
             </a:extLst>
           </p:cNvPr>
@@ -19270,7 +19708,7 @@
         <p:cNvPr id="1" name="">
           <a:extLst>
             <a:ext uri="{FF2B5EF4-FFF2-40B4-BE49-F238E27FC236}">
-              <a16:creationId xmlns:a16="http://schemas.microsoft.com/office/drawing/2014/main" xmlns="" id="{7B580C78-F914-AF3B-B3F8-86674699E7E9}"/>
+              <a16:creationId xmlns="" xmlns:a16="http://schemas.microsoft.com/office/drawing/2014/main" id="{7B580C78-F914-AF3B-B3F8-86674699E7E9}"/>
             </a:ext>
           </a:extLst>
         </p:cNvPr>
@@ -19290,7 +19728,7 @@
           <p:cNvPr id="7" name="Title 6">
             <a:extLst>
               <a:ext uri="{FF2B5EF4-FFF2-40B4-BE49-F238E27FC236}">
-                <a16:creationId xmlns:a16="http://schemas.microsoft.com/office/drawing/2014/main" xmlns="" id="{6C658EAB-7DAF-BE2F-A84A-38A3402BEF3F}"/>
+                <a16:creationId xmlns="" xmlns:a16="http://schemas.microsoft.com/office/drawing/2014/main" id="{6C658EAB-7DAF-BE2F-A84A-38A3402BEF3F}"/>
               </a:ext>
             </a:extLst>
           </p:cNvPr>
@@ -19639,7 +20077,7 @@
         <p:cNvPr id="1" name="">
           <a:extLst>
             <a:ext uri="{FF2B5EF4-FFF2-40B4-BE49-F238E27FC236}">
-              <a16:creationId xmlns:a16="http://schemas.microsoft.com/office/drawing/2014/main" xmlns="" id="{FDF6AF63-1DBE-D11B-6DC9-B3687284A56C}"/>
+              <a16:creationId xmlns="" xmlns:a16="http://schemas.microsoft.com/office/drawing/2014/main" id="{FDF6AF63-1DBE-D11B-6DC9-B3687284A56C}"/>
             </a:ext>
           </a:extLst>
         </p:cNvPr>
@@ -19659,7 +20097,7 @@
           <p:cNvPr id="7" name="Title 6">
             <a:extLst>
               <a:ext uri="{FF2B5EF4-FFF2-40B4-BE49-F238E27FC236}">
-                <a16:creationId xmlns:a16="http://schemas.microsoft.com/office/drawing/2014/main" xmlns="" id="{C8FF4F10-97E7-7357-3F36-228622417091}"/>
+                <a16:creationId xmlns="" xmlns:a16="http://schemas.microsoft.com/office/drawing/2014/main" id="{C8FF4F10-97E7-7357-3F36-228622417091}"/>
               </a:ext>
             </a:extLst>
           </p:cNvPr>
@@ -20166,7 +20604,7 @@
   <a:extraClrSchemeLst/>
   <a:extLst>
     <a:ext uri="{05A4C25C-085E-4340-85A3-A5531E510DB2}">
-      <thm15:themeFamily xmlns:thm15="http://schemas.microsoft.com/office/thememl/2012/main" xmlns="" name="TM55661986_wac_CP_V19" id="{030227AD-26D8-46F7-B412-6532AF4DDFEA}" vid="{787E6F9C-FC70-455D-8D81-5DEDA8A08FF0}"/>
+      <thm15:themeFamily xmlns="" xmlns:thm15="http://schemas.microsoft.com/office/thememl/2012/main" name="TM55661986_wac_CP_V19" id="{030227AD-26D8-46F7-B412-6532AF4DDFEA}" vid="{787E6F9C-FC70-455D-8D81-5DEDA8A08FF0}"/>
     </a:ext>
   </a:extLst>
 </a:theme>
@@ -20461,7 +20899,7 @@
   <a:extraClrSchemeLst/>
   <a:extLst>
     <a:ext uri="{05A4C25C-085E-4340-85A3-A5531E510DB2}">
-      <thm15:themeFamily xmlns:thm15="http://schemas.microsoft.com/office/thememl/2012/main" xmlns="" name="Office Theme" id="{62F939B6-93AF-4DB8-9C6B-D6C7DFDC589F}" vid="{4A3C46E8-61CC-4603-A589-7422A47A8E4A}"/>
+      <thm15:themeFamily xmlns="" xmlns:thm15="http://schemas.microsoft.com/office/thememl/2012/main" name="Office Theme" id="{62F939B6-93AF-4DB8-9C6B-D6C7DFDC589F}" vid="{4A3C46E8-61CC-4603-A589-7422A47A8E4A}"/>
     </a:ext>
   </a:extLst>
 </a:theme>
@@ -20776,33 +21214,13 @@
   <a:extraClrSchemeLst/>
   <a:extLst>
     <a:ext uri="{05A4C25C-085E-4340-85A3-A5531E510DB2}">
-      <thm15:themeFamily xmlns:thm15="http://schemas.microsoft.com/office/thememl/2012/main" xmlns="" name="Office Theme" id="{2E142A2C-CD16-42D6-873A-C26D2A0506FA}" vid="{1BDDFF52-6CD6-40A5-AB3C-68EB2F1E4D0A}"/>
+      <thm15:themeFamily xmlns="" xmlns:thm15="http://schemas.microsoft.com/office/thememl/2012/main" name="Office Theme" id="{2E142A2C-CD16-42D6-873A-C26D2A0506FA}" vid="{1BDDFF52-6CD6-40A5-AB3C-68EB2F1E4D0A}"/>
     </a:ext>
   </a:extLst>
 </a:theme>
 </file>
 
 <file path=customXml/item1.xml><?xml version="1.0" encoding="utf-8"?>
-<p:properties xmlns:p="http://schemas.microsoft.com/office/2006/metadata/properties" xmlns:xsi="http://www.w3.org/2001/XMLSchema-instance" xmlns:pc="http://schemas.microsoft.com/office/infopath/2007/PartnerControls">
-  <documentManagement>
-    <_ip_UnifiedCompliancePolicyUIAction xmlns="http://schemas.microsoft.com/sharepoint/v3" xsi:nil="true"/>
-    <Image xmlns="71af3243-3dd4-4a8d-8c0d-dd76da1f02a5">
-      <Url xsi:nil="true"/>
-      <Description xsi:nil="true"/>
-    </Image>
-    <Status xmlns="71af3243-3dd4-4a8d-8c0d-dd76da1f02a5">Not started</Status>
-    <Background xmlns="71af3243-3dd4-4a8d-8c0d-dd76da1f02a5">false</Background>
-    <_ip_UnifiedCompliancePolicyProperties xmlns="http://schemas.microsoft.com/sharepoint/v3" xsi:nil="true"/>
-    <ImageTagsTaxHTField xmlns="71af3243-3dd4-4a8d-8c0d-dd76da1f02a5">
-      <Terms xmlns="http://schemas.microsoft.com/office/infopath/2007/PartnerControls"/>
-    </ImageTagsTaxHTField>
-    <TaxCatchAll xmlns="230e9df3-be65-4c73-a93b-d1236ebd677e" xsi:nil="true"/>
-    <MediaServiceKeyPoints xmlns="71af3243-3dd4-4a8d-8c0d-dd76da1f02a5" xsi:nil="true"/>
-  </documentManagement>
-</p:properties>
-</file>
-
-<file path=customXml/item2.xml><?xml version="1.0" encoding="utf-8"?>
 <ct:contentTypeSchema xmlns:ct="http://schemas.microsoft.com/office/2006/metadata/contentType" xmlns:ma="http://schemas.microsoft.com/office/2006/metadata/properties/metaAttributes" ct:_="" ma:_="" ma:contentTypeName="Document" ma:contentTypeID="0x01010079F111ED35F8CC479449609E8A0923A6" ma:contentTypeVersion="28" ma:contentTypeDescription="Create a new document." ma:contentTypeScope="" ma:versionID="60f5a4f2d2b0abadcf532d48ebf9cb71">
   <xsd:schema xmlns:xsd="http://www.w3.org/2001/XMLSchema" xmlns:xs="http://www.w3.org/2001/XMLSchema" xmlns:p="http://schemas.microsoft.com/office/2006/metadata/properties" xmlns:ns1="http://schemas.microsoft.com/sharepoint/v3" xmlns:ns2="71af3243-3dd4-4a8d-8c0d-dd76da1f02a5" xmlns:ns3="16c05727-aa75-4e4a-9b5f-8a80a1165891" xmlns:ns4="230e9df3-be65-4c73-a93b-d1236ebd677e" targetNamespace="http://schemas.microsoft.com/office/2006/metadata/properties" ma:root="true" ma:fieldsID="7dd78129e6a1811f84807ad11c651531" ns1:_="" ns2:_="" ns3:_="" ns4:_="">
     <xsd:import namespace="http://schemas.microsoft.com/sharepoint/v3"/>
@@ -21114,6 +21532,26 @@
 </ct:contentTypeSchema>
 </file>
 
+<file path=customXml/item2.xml><?xml version="1.0" encoding="utf-8"?>
+<p:properties xmlns:p="http://schemas.microsoft.com/office/2006/metadata/properties" xmlns:xsi="http://www.w3.org/2001/XMLSchema-instance" xmlns:pc="http://schemas.microsoft.com/office/infopath/2007/PartnerControls">
+  <documentManagement>
+    <_ip_UnifiedCompliancePolicyUIAction xmlns="http://schemas.microsoft.com/sharepoint/v3" xsi:nil="true"/>
+    <Image xmlns="71af3243-3dd4-4a8d-8c0d-dd76da1f02a5">
+      <Url xsi:nil="true"/>
+      <Description xsi:nil="true"/>
+    </Image>
+    <Status xmlns="71af3243-3dd4-4a8d-8c0d-dd76da1f02a5">Not started</Status>
+    <Background xmlns="71af3243-3dd4-4a8d-8c0d-dd76da1f02a5">false</Background>
+    <_ip_UnifiedCompliancePolicyProperties xmlns="http://schemas.microsoft.com/sharepoint/v3" xsi:nil="true"/>
+    <ImageTagsTaxHTField xmlns="71af3243-3dd4-4a8d-8c0d-dd76da1f02a5">
+      <Terms xmlns="http://schemas.microsoft.com/office/infopath/2007/PartnerControls"/>
+    </ImageTagsTaxHTField>
+    <TaxCatchAll xmlns="230e9df3-be65-4c73-a93b-d1236ebd677e" xsi:nil="true"/>
+    <MediaServiceKeyPoints xmlns="71af3243-3dd4-4a8d-8c0d-dd76da1f02a5" xsi:nil="true"/>
+  </documentManagement>
+</p:properties>
+</file>
+
 <file path=customXml/item3.xml><?xml version="1.0" encoding="utf-8"?>
 <?mso-contentType ?>
 <FormTemplates xmlns="http://schemas.microsoft.com/sharepoint/v3/contenttype/forms">
@@ -21124,25 +21562,6 @@
 </file>
 
 <file path=customXml/itemProps1.xml><?xml version="1.0" encoding="utf-8"?>
-<ds:datastoreItem xmlns:ds="http://schemas.openxmlformats.org/officeDocument/2006/customXml" ds:itemID="{85C2645A-E767-4D7E-984D-234E531E4556}">
-  <ds:schemaRefs>
-    <ds:schemaRef ds:uri="230e9df3-be65-4c73-a93b-d1236ebd677e"/>
-    <ds:schemaRef ds:uri="http://schemas.microsoft.com/office/2006/documentManagement/types"/>
-    <ds:schemaRef ds:uri="http://purl.org/dc/terms/"/>
-    <ds:schemaRef ds:uri="http://purl.org/dc/elements/1.1/"/>
-    <ds:schemaRef ds:uri="http://schemas.openxmlformats.org/package/2006/metadata/core-properties"/>
-    <ds:schemaRef ds:uri="71af3243-3dd4-4a8d-8c0d-dd76da1f02a5"/>
-    <ds:schemaRef ds:uri="http://www.w3.org/XML/1998/namespace"/>
-    <ds:schemaRef ds:uri="http://purl.org/dc/dcmitype/"/>
-    <ds:schemaRef ds:uri="http://schemas.microsoft.com/office/infopath/2007/PartnerControls"/>
-    <ds:schemaRef ds:uri="16c05727-aa75-4e4a-9b5f-8a80a1165891"/>
-    <ds:schemaRef ds:uri="http://schemas.microsoft.com/sharepoint/v3"/>
-    <ds:schemaRef ds:uri="http://schemas.microsoft.com/office/2006/metadata/properties"/>
-  </ds:schemaRefs>
-</ds:datastoreItem>
-</file>
-
-<file path=customXml/itemProps2.xml><?xml version="1.0" encoding="utf-8"?>
 <ds:datastoreItem xmlns:ds="http://schemas.openxmlformats.org/officeDocument/2006/customXml" ds:itemID="{5F2A2379-DD35-4769-BFD6-4857D72F808A}">
   <ds:schemaRefs>
     <ds:schemaRef ds:uri="http://schemas.microsoft.com/office/2006/metadata/contentType"/>
@@ -21163,6 +21582,25 @@
 </ds:datastoreItem>
 </file>
 
+<file path=customXml/itemProps2.xml><?xml version="1.0" encoding="utf-8"?>
+<ds:datastoreItem xmlns:ds="http://schemas.openxmlformats.org/officeDocument/2006/customXml" ds:itemID="{85C2645A-E767-4D7E-984D-234E531E4556}">
+  <ds:schemaRefs>
+    <ds:schemaRef ds:uri="230e9df3-be65-4c73-a93b-d1236ebd677e"/>
+    <ds:schemaRef ds:uri="http://schemas.microsoft.com/office/2006/documentManagement/types"/>
+    <ds:schemaRef ds:uri="http://purl.org/dc/terms/"/>
+    <ds:schemaRef ds:uri="http://purl.org/dc/elements/1.1/"/>
+    <ds:schemaRef ds:uri="http://schemas.openxmlformats.org/package/2006/metadata/core-properties"/>
+    <ds:schemaRef ds:uri="71af3243-3dd4-4a8d-8c0d-dd76da1f02a5"/>
+    <ds:schemaRef ds:uri="http://www.w3.org/XML/1998/namespace"/>
+    <ds:schemaRef ds:uri="http://purl.org/dc/dcmitype/"/>
+    <ds:schemaRef ds:uri="http://schemas.microsoft.com/office/infopath/2007/PartnerControls"/>
+    <ds:schemaRef ds:uri="16c05727-aa75-4e4a-9b5f-8a80a1165891"/>
+    <ds:schemaRef ds:uri="http://schemas.microsoft.com/sharepoint/v3"/>
+    <ds:schemaRef ds:uri="http://schemas.microsoft.com/office/2006/metadata/properties"/>
+  </ds:schemaRefs>
+</ds:datastoreItem>
+</file>
+
 <file path=customXml/itemProps3.xml><?xml version="1.0" encoding="utf-8"?>
 <ds:datastoreItem xmlns:ds="http://schemas.openxmlformats.org/officeDocument/2006/customXml" ds:itemID="{0F048343-1EA9-44C3-883E-652FAAF0713E}">
   <ds:schemaRefs>

--- a/ai_compression_project.pptx
+++ b/ai_compression_project.pptx
@@ -5,10 +5,10 @@
     <p:sldMasterId id="2147483648" r:id="rId4"/>
   </p:sldMasterIdLst>
   <p:notesMasterIdLst>
-    <p:notesMasterId r:id="rId33"/>
+    <p:notesMasterId r:id="rId34"/>
   </p:notesMasterIdLst>
   <p:handoutMasterIdLst>
-    <p:handoutMasterId r:id="rId34"/>
+    <p:handoutMasterId r:id="rId35"/>
   </p:handoutMasterIdLst>
   <p:sldIdLst>
     <p:sldId id="281" r:id="rId5"/>
@@ -38,7 +38,8 @@
     <p:sldId id="312" r:id="rId29"/>
     <p:sldId id="311" r:id="rId30"/>
     <p:sldId id="313" r:id="rId31"/>
-    <p:sldId id="291" r:id="rId32"/>
+    <p:sldId id="314" r:id="rId32"/>
+    <p:sldId id="291" r:id="rId33"/>
   </p:sldIdLst>
   <p:sldSz cx="12192000" cy="6858000"/>
   <p:notesSz cx="6858000" cy="9144000"/>
@@ -139,10 +140,10 @@
   </p:defaultTextStyle>
   <p:extLst>
     <p:ext uri="{EFAFB233-063F-42B5-8137-9DF3F51BA10A}">
-      <p15:sldGuideLst xmlns="" xmlns:p15="http://schemas.microsoft.com/office/powerpoint/2012/main"/>
+      <p15:sldGuideLst xmlns:p15="http://schemas.microsoft.com/office/powerpoint/2012/main" xmlns=""/>
     </p:ext>
     <p:ext uri="{2D200454-40CA-4A62-9FC3-DE9A4176ACB9}">
-      <p15:notesGuideLst xmlns="" xmlns:p15="http://schemas.microsoft.com/office/powerpoint/2012/main"/>
+      <p15:notesGuideLst xmlns:p15="http://schemas.microsoft.com/office/powerpoint/2012/main" xmlns=""/>
     </p:ext>
   </p:extLst>
 </p:presentation>
@@ -181,7 +182,7 @@
           <p:cNvPr id="2" name="Header Placeholder 1">
             <a:extLst>
               <a:ext uri="{FF2B5EF4-FFF2-40B4-BE49-F238E27FC236}">
-                <a16:creationId xmlns="" xmlns:a16="http://schemas.microsoft.com/office/drawing/2014/main" id="{3976AB79-C677-3DB7-78CF-9305D5861483}"/>
+                <a16:creationId xmlns:a16="http://schemas.microsoft.com/office/drawing/2014/main" xmlns="" id="{3976AB79-C677-3DB7-78CF-9305D5861483}"/>
               </a:ext>
             </a:extLst>
           </p:cNvPr>
@@ -218,7 +219,7 @@
           <p:cNvPr id="3" name="Date Placeholder 2">
             <a:extLst>
               <a:ext uri="{FF2B5EF4-FFF2-40B4-BE49-F238E27FC236}">
-                <a16:creationId xmlns="" xmlns:a16="http://schemas.microsoft.com/office/drawing/2014/main" id="{113AB137-CEA6-0244-F12B-1ECC21172D00}"/>
+                <a16:creationId xmlns:a16="http://schemas.microsoft.com/office/drawing/2014/main" xmlns="" id="{113AB137-CEA6-0244-F12B-1ECC21172D00}"/>
               </a:ext>
             </a:extLst>
           </p:cNvPr>
@@ -248,7 +249,7 @@
           <a:p>
             <a:fld id="{0DC994AA-C437-4EF4-8BEF-0B832D7FA420}" type="datetimeFigureOut">
               <a:rPr lang="en-US" smtClean="0"/>
-              <a:t>3/2/2025</a:t>
+              <a:t>3/4/2025</a:t>
             </a:fld>
             <a:endParaRPr lang="en-US"/>
           </a:p>
@@ -259,7 +260,7 @@
           <p:cNvPr id="4" name="Footer Placeholder 3">
             <a:extLst>
               <a:ext uri="{FF2B5EF4-FFF2-40B4-BE49-F238E27FC236}">
-                <a16:creationId xmlns="" xmlns:a16="http://schemas.microsoft.com/office/drawing/2014/main" id="{0868EC96-C6CC-F2AF-D90F-143F4D20A07A}"/>
+                <a16:creationId xmlns:a16="http://schemas.microsoft.com/office/drawing/2014/main" xmlns="" id="{0868EC96-C6CC-F2AF-D90F-143F4D20A07A}"/>
               </a:ext>
             </a:extLst>
           </p:cNvPr>
@@ -296,7 +297,7 @@
           <p:cNvPr id="5" name="Slide Number Placeholder 4">
             <a:extLst>
               <a:ext uri="{FF2B5EF4-FFF2-40B4-BE49-F238E27FC236}">
-                <a16:creationId xmlns="" xmlns:a16="http://schemas.microsoft.com/office/drawing/2014/main" id="{94F8EC8D-EF88-0275-F75C-A789924433BA}"/>
+                <a16:creationId xmlns:a16="http://schemas.microsoft.com/office/drawing/2014/main" xmlns="" id="{94F8EC8D-EF88-0275-F75C-A789924433BA}"/>
               </a:ext>
             </a:extLst>
           </p:cNvPr>
@@ -425,7 +426,7 @@
           <a:p>
             <a:fld id="{3B4FE048-FAD0-D943-9A17-3C4CB7633182}" type="datetimeFigureOut">
               <a:rPr lang="en-US" smtClean="0"/>
-              <a:t>3/2/2025</a:t>
+              <a:t>3/4/2025</a:t>
             </a:fld>
             <a:endParaRPr lang="en-US"/>
           </a:p>
@@ -784,7 +785,7 @@
         <p:cNvPr id="1" name="">
           <a:extLst>
             <a:ext uri="{FF2B5EF4-FFF2-40B4-BE49-F238E27FC236}">
-              <a16:creationId xmlns="" xmlns:a16="http://schemas.microsoft.com/office/drawing/2014/main" id="{84847B3D-F9FE-E845-0A9E-7B3E4737F607}"/>
+              <a16:creationId xmlns:a16="http://schemas.microsoft.com/office/drawing/2014/main" xmlns="" id="{84847B3D-F9FE-E845-0A9E-7B3E4737F607}"/>
             </a:ext>
           </a:extLst>
         </p:cNvPr>
@@ -804,7 +805,7 @@
           <p:cNvPr id="2" name="Slide Image Placeholder 1">
             <a:extLst>
               <a:ext uri="{FF2B5EF4-FFF2-40B4-BE49-F238E27FC236}">
-                <a16:creationId xmlns="" xmlns:a16="http://schemas.microsoft.com/office/drawing/2014/main" id="{A65C55DC-40F4-B8B2-A44F-CEE7EA9104C1}"/>
+                <a16:creationId xmlns:a16="http://schemas.microsoft.com/office/drawing/2014/main" xmlns="" id="{A65C55DC-40F4-B8B2-A44F-CEE7EA9104C1}"/>
               </a:ext>
             </a:extLst>
           </p:cNvPr>
@@ -822,7 +823,7 @@
           <p:cNvPr id="3" name="Notes Placeholder 2">
             <a:extLst>
               <a:ext uri="{FF2B5EF4-FFF2-40B4-BE49-F238E27FC236}">
-                <a16:creationId xmlns="" xmlns:a16="http://schemas.microsoft.com/office/drawing/2014/main" id="{AFAEFE12-CFF9-2E00-9808-098A1D824723}"/>
+                <a16:creationId xmlns:a16="http://schemas.microsoft.com/office/drawing/2014/main" xmlns="" id="{AFAEFE12-CFF9-2E00-9808-098A1D824723}"/>
               </a:ext>
             </a:extLst>
           </p:cNvPr>
@@ -847,7 +848,7 @@
           <p:cNvPr id="4" name="Slide Number Placeholder 3">
             <a:extLst>
               <a:ext uri="{FF2B5EF4-FFF2-40B4-BE49-F238E27FC236}">
-                <a16:creationId xmlns="" xmlns:a16="http://schemas.microsoft.com/office/drawing/2014/main" id="{85084F94-5BAE-E3B2-298D-1E3D1D48D1F6}"/>
+                <a16:creationId xmlns:a16="http://schemas.microsoft.com/office/drawing/2014/main" xmlns="" id="{85084F94-5BAE-E3B2-298D-1E3D1D48D1F6}"/>
               </a:ext>
             </a:extLst>
           </p:cNvPr>
@@ -892,7 +893,7 @@
         <p:cNvPr id="1" name="">
           <a:extLst>
             <a:ext uri="{FF2B5EF4-FFF2-40B4-BE49-F238E27FC236}">
-              <a16:creationId xmlns="" xmlns:a16="http://schemas.microsoft.com/office/drawing/2014/main" id="{84847B3D-F9FE-E845-0A9E-7B3E4737F607}"/>
+              <a16:creationId xmlns:a16="http://schemas.microsoft.com/office/drawing/2014/main" xmlns="" id="{84847B3D-F9FE-E845-0A9E-7B3E4737F607}"/>
             </a:ext>
           </a:extLst>
         </p:cNvPr>
@@ -912,7 +913,7 @@
           <p:cNvPr id="2" name="Slide Image Placeholder 1">
             <a:extLst>
               <a:ext uri="{FF2B5EF4-FFF2-40B4-BE49-F238E27FC236}">
-                <a16:creationId xmlns="" xmlns:a16="http://schemas.microsoft.com/office/drawing/2014/main" id="{A65C55DC-40F4-B8B2-A44F-CEE7EA9104C1}"/>
+                <a16:creationId xmlns:a16="http://schemas.microsoft.com/office/drawing/2014/main" xmlns="" id="{A65C55DC-40F4-B8B2-A44F-CEE7EA9104C1}"/>
               </a:ext>
             </a:extLst>
           </p:cNvPr>
@@ -930,7 +931,7 @@
           <p:cNvPr id="3" name="Notes Placeholder 2">
             <a:extLst>
               <a:ext uri="{FF2B5EF4-FFF2-40B4-BE49-F238E27FC236}">
-                <a16:creationId xmlns="" xmlns:a16="http://schemas.microsoft.com/office/drawing/2014/main" id="{AFAEFE12-CFF9-2E00-9808-098A1D824723}"/>
+                <a16:creationId xmlns:a16="http://schemas.microsoft.com/office/drawing/2014/main" xmlns="" id="{AFAEFE12-CFF9-2E00-9808-098A1D824723}"/>
               </a:ext>
             </a:extLst>
           </p:cNvPr>
@@ -955,7 +956,7 @@
           <p:cNvPr id="4" name="Slide Number Placeholder 3">
             <a:extLst>
               <a:ext uri="{FF2B5EF4-FFF2-40B4-BE49-F238E27FC236}">
-                <a16:creationId xmlns="" xmlns:a16="http://schemas.microsoft.com/office/drawing/2014/main" id="{85084F94-5BAE-E3B2-298D-1E3D1D48D1F6}"/>
+                <a16:creationId xmlns:a16="http://schemas.microsoft.com/office/drawing/2014/main" xmlns="" id="{85084F94-5BAE-E3B2-298D-1E3D1D48D1F6}"/>
               </a:ext>
             </a:extLst>
           </p:cNvPr>
@@ -1000,7 +1001,7 @@
         <p:cNvPr id="1" name="">
           <a:extLst>
             <a:ext uri="{FF2B5EF4-FFF2-40B4-BE49-F238E27FC236}">
-              <a16:creationId xmlns="" xmlns:a16="http://schemas.microsoft.com/office/drawing/2014/main" id="{84847B3D-F9FE-E845-0A9E-7B3E4737F607}"/>
+              <a16:creationId xmlns:a16="http://schemas.microsoft.com/office/drawing/2014/main" xmlns="" id="{84847B3D-F9FE-E845-0A9E-7B3E4737F607}"/>
             </a:ext>
           </a:extLst>
         </p:cNvPr>
@@ -1020,7 +1021,7 @@
           <p:cNvPr id="2" name="Slide Image Placeholder 1">
             <a:extLst>
               <a:ext uri="{FF2B5EF4-FFF2-40B4-BE49-F238E27FC236}">
-                <a16:creationId xmlns="" xmlns:a16="http://schemas.microsoft.com/office/drawing/2014/main" id="{A65C55DC-40F4-B8B2-A44F-CEE7EA9104C1}"/>
+                <a16:creationId xmlns:a16="http://schemas.microsoft.com/office/drawing/2014/main" xmlns="" id="{A65C55DC-40F4-B8B2-A44F-CEE7EA9104C1}"/>
               </a:ext>
             </a:extLst>
           </p:cNvPr>
@@ -1038,7 +1039,7 @@
           <p:cNvPr id="3" name="Notes Placeholder 2">
             <a:extLst>
               <a:ext uri="{FF2B5EF4-FFF2-40B4-BE49-F238E27FC236}">
-                <a16:creationId xmlns="" xmlns:a16="http://schemas.microsoft.com/office/drawing/2014/main" id="{AFAEFE12-CFF9-2E00-9808-098A1D824723}"/>
+                <a16:creationId xmlns:a16="http://schemas.microsoft.com/office/drawing/2014/main" xmlns="" id="{AFAEFE12-CFF9-2E00-9808-098A1D824723}"/>
               </a:ext>
             </a:extLst>
           </p:cNvPr>
@@ -1063,7 +1064,7 @@
           <p:cNvPr id="4" name="Slide Number Placeholder 3">
             <a:extLst>
               <a:ext uri="{FF2B5EF4-FFF2-40B4-BE49-F238E27FC236}">
-                <a16:creationId xmlns="" xmlns:a16="http://schemas.microsoft.com/office/drawing/2014/main" id="{85084F94-5BAE-E3B2-298D-1E3D1D48D1F6}"/>
+                <a16:creationId xmlns:a16="http://schemas.microsoft.com/office/drawing/2014/main" xmlns="" id="{85084F94-5BAE-E3B2-298D-1E3D1D48D1F6}"/>
               </a:ext>
             </a:extLst>
           </p:cNvPr>
@@ -1108,7 +1109,7 @@
         <p:cNvPr id="1" name="">
           <a:extLst>
             <a:ext uri="{FF2B5EF4-FFF2-40B4-BE49-F238E27FC236}">
-              <a16:creationId xmlns="" xmlns:a16="http://schemas.microsoft.com/office/drawing/2014/main" id="{84847B3D-F9FE-E845-0A9E-7B3E4737F607}"/>
+              <a16:creationId xmlns:a16="http://schemas.microsoft.com/office/drawing/2014/main" xmlns="" id="{84847B3D-F9FE-E845-0A9E-7B3E4737F607}"/>
             </a:ext>
           </a:extLst>
         </p:cNvPr>
@@ -1128,7 +1129,7 @@
           <p:cNvPr id="2" name="Slide Image Placeholder 1">
             <a:extLst>
               <a:ext uri="{FF2B5EF4-FFF2-40B4-BE49-F238E27FC236}">
-                <a16:creationId xmlns="" xmlns:a16="http://schemas.microsoft.com/office/drawing/2014/main" id="{A65C55DC-40F4-B8B2-A44F-CEE7EA9104C1}"/>
+                <a16:creationId xmlns:a16="http://schemas.microsoft.com/office/drawing/2014/main" xmlns="" id="{A65C55DC-40F4-B8B2-A44F-CEE7EA9104C1}"/>
               </a:ext>
             </a:extLst>
           </p:cNvPr>
@@ -1146,7 +1147,7 @@
           <p:cNvPr id="3" name="Notes Placeholder 2">
             <a:extLst>
               <a:ext uri="{FF2B5EF4-FFF2-40B4-BE49-F238E27FC236}">
-                <a16:creationId xmlns="" xmlns:a16="http://schemas.microsoft.com/office/drawing/2014/main" id="{AFAEFE12-CFF9-2E00-9808-098A1D824723}"/>
+                <a16:creationId xmlns:a16="http://schemas.microsoft.com/office/drawing/2014/main" xmlns="" id="{AFAEFE12-CFF9-2E00-9808-098A1D824723}"/>
               </a:ext>
             </a:extLst>
           </p:cNvPr>
@@ -1171,7 +1172,7 @@
           <p:cNvPr id="4" name="Slide Number Placeholder 3">
             <a:extLst>
               <a:ext uri="{FF2B5EF4-FFF2-40B4-BE49-F238E27FC236}">
-                <a16:creationId xmlns="" xmlns:a16="http://schemas.microsoft.com/office/drawing/2014/main" id="{85084F94-5BAE-E3B2-298D-1E3D1D48D1F6}"/>
+                <a16:creationId xmlns:a16="http://schemas.microsoft.com/office/drawing/2014/main" xmlns="" id="{85084F94-5BAE-E3B2-298D-1E3D1D48D1F6}"/>
               </a:ext>
             </a:extLst>
           </p:cNvPr>
@@ -1216,7 +1217,7 @@
         <p:cNvPr id="1" name="">
           <a:extLst>
             <a:ext uri="{FF2B5EF4-FFF2-40B4-BE49-F238E27FC236}">
-              <a16:creationId xmlns="" xmlns:a16="http://schemas.microsoft.com/office/drawing/2014/main" id="{84847B3D-F9FE-E845-0A9E-7B3E4737F607}"/>
+              <a16:creationId xmlns:a16="http://schemas.microsoft.com/office/drawing/2014/main" xmlns="" id="{84847B3D-F9FE-E845-0A9E-7B3E4737F607}"/>
             </a:ext>
           </a:extLst>
         </p:cNvPr>
@@ -1236,7 +1237,7 @@
           <p:cNvPr id="2" name="Slide Image Placeholder 1">
             <a:extLst>
               <a:ext uri="{FF2B5EF4-FFF2-40B4-BE49-F238E27FC236}">
-                <a16:creationId xmlns="" xmlns:a16="http://schemas.microsoft.com/office/drawing/2014/main" id="{A65C55DC-40F4-B8B2-A44F-CEE7EA9104C1}"/>
+                <a16:creationId xmlns:a16="http://schemas.microsoft.com/office/drawing/2014/main" xmlns="" id="{A65C55DC-40F4-B8B2-A44F-CEE7EA9104C1}"/>
               </a:ext>
             </a:extLst>
           </p:cNvPr>
@@ -1254,7 +1255,7 @@
           <p:cNvPr id="3" name="Notes Placeholder 2">
             <a:extLst>
               <a:ext uri="{FF2B5EF4-FFF2-40B4-BE49-F238E27FC236}">
-                <a16:creationId xmlns="" xmlns:a16="http://schemas.microsoft.com/office/drawing/2014/main" id="{AFAEFE12-CFF9-2E00-9808-098A1D824723}"/>
+                <a16:creationId xmlns:a16="http://schemas.microsoft.com/office/drawing/2014/main" xmlns="" id="{AFAEFE12-CFF9-2E00-9808-098A1D824723}"/>
               </a:ext>
             </a:extLst>
           </p:cNvPr>
@@ -1279,7 +1280,7 @@
           <p:cNvPr id="4" name="Slide Number Placeholder 3">
             <a:extLst>
               <a:ext uri="{FF2B5EF4-FFF2-40B4-BE49-F238E27FC236}">
-                <a16:creationId xmlns="" xmlns:a16="http://schemas.microsoft.com/office/drawing/2014/main" id="{85084F94-5BAE-E3B2-298D-1E3D1D48D1F6}"/>
+                <a16:creationId xmlns:a16="http://schemas.microsoft.com/office/drawing/2014/main" xmlns="" id="{85084F94-5BAE-E3B2-298D-1E3D1D48D1F6}"/>
               </a:ext>
             </a:extLst>
           </p:cNvPr>
@@ -1324,7 +1325,7 @@
         <p:cNvPr id="1" name="">
           <a:extLst>
             <a:ext uri="{FF2B5EF4-FFF2-40B4-BE49-F238E27FC236}">
-              <a16:creationId xmlns="" xmlns:a16="http://schemas.microsoft.com/office/drawing/2014/main" id="{84847B3D-F9FE-E845-0A9E-7B3E4737F607}"/>
+              <a16:creationId xmlns:a16="http://schemas.microsoft.com/office/drawing/2014/main" xmlns="" id="{84847B3D-F9FE-E845-0A9E-7B3E4737F607}"/>
             </a:ext>
           </a:extLst>
         </p:cNvPr>
@@ -1344,7 +1345,7 @@
           <p:cNvPr id="2" name="Slide Image Placeholder 1">
             <a:extLst>
               <a:ext uri="{FF2B5EF4-FFF2-40B4-BE49-F238E27FC236}">
-                <a16:creationId xmlns="" xmlns:a16="http://schemas.microsoft.com/office/drawing/2014/main" id="{A65C55DC-40F4-B8B2-A44F-CEE7EA9104C1}"/>
+                <a16:creationId xmlns:a16="http://schemas.microsoft.com/office/drawing/2014/main" xmlns="" id="{A65C55DC-40F4-B8B2-A44F-CEE7EA9104C1}"/>
               </a:ext>
             </a:extLst>
           </p:cNvPr>
@@ -1362,7 +1363,7 @@
           <p:cNvPr id="3" name="Notes Placeholder 2">
             <a:extLst>
               <a:ext uri="{FF2B5EF4-FFF2-40B4-BE49-F238E27FC236}">
-                <a16:creationId xmlns="" xmlns:a16="http://schemas.microsoft.com/office/drawing/2014/main" id="{AFAEFE12-CFF9-2E00-9808-098A1D824723}"/>
+                <a16:creationId xmlns:a16="http://schemas.microsoft.com/office/drawing/2014/main" xmlns="" id="{AFAEFE12-CFF9-2E00-9808-098A1D824723}"/>
               </a:ext>
             </a:extLst>
           </p:cNvPr>
@@ -1387,7 +1388,7 @@
           <p:cNvPr id="4" name="Slide Number Placeholder 3">
             <a:extLst>
               <a:ext uri="{FF2B5EF4-FFF2-40B4-BE49-F238E27FC236}">
-                <a16:creationId xmlns="" xmlns:a16="http://schemas.microsoft.com/office/drawing/2014/main" id="{85084F94-5BAE-E3B2-298D-1E3D1D48D1F6}"/>
+                <a16:creationId xmlns:a16="http://schemas.microsoft.com/office/drawing/2014/main" xmlns="" id="{85084F94-5BAE-E3B2-298D-1E3D1D48D1F6}"/>
               </a:ext>
             </a:extLst>
           </p:cNvPr>
@@ -1432,7 +1433,7 @@
         <p:cNvPr id="1" name="">
           <a:extLst>
             <a:ext uri="{FF2B5EF4-FFF2-40B4-BE49-F238E27FC236}">
-              <a16:creationId xmlns="" xmlns:a16="http://schemas.microsoft.com/office/drawing/2014/main" id="{84847B3D-F9FE-E845-0A9E-7B3E4737F607}"/>
+              <a16:creationId xmlns:a16="http://schemas.microsoft.com/office/drawing/2014/main" xmlns="" id="{84847B3D-F9FE-E845-0A9E-7B3E4737F607}"/>
             </a:ext>
           </a:extLst>
         </p:cNvPr>
@@ -1452,7 +1453,7 @@
           <p:cNvPr id="2" name="Slide Image Placeholder 1">
             <a:extLst>
               <a:ext uri="{FF2B5EF4-FFF2-40B4-BE49-F238E27FC236}">
-                <a16:creationId xmlns="" xmlns:a16="http://schemas.microsoft.com/office/drawing/2014/main" id="{A65C55DC-40F4-B8B2-A44F-CEE7EA9104C1}"/>
+                <a16:creationId xmlns:a16="http://schemas.microsoft.com/office/drawing/2014/main" xmlns="" id="{A65C55DC-40F4-B8B2-A44F-CEE7EA9104C1}"/>
               </a:ext>
             </a:extLst>
           </p:cNvPr>
@@ -1470,7 +1471,7 @@
           <p:cNvPr id="3" name="Notes Placeholder 2">
             <a:extLst>
               <a:ext uri="{FF2B5EF4-FFF2-40B4-BE49-F238E27FC236}">
-                <a16:creationId xmlns="" xmlns:a16="http://schemas.microsoft.com/office/drawing/2014/main" id="{AFAEFE12-CFF9-2E00-9808-098A1D824723}"/>
+                <a16:creationId xmlns:a16="http://schemas.microsoft.com/office/drawing/2014/main" xmlns="" id="{AFAEFE12-CFF9-2E00-9808-098A1D824723}"/>
               </a:ext>
             </a:extLst>
           </p:cNvPr>
@@ -1495,7 +1496,7 @@
           <p:cNvPr id="4" name="Slide Number Placeholder 3">
             <a:extLst>
               <a:ext uri="{FF2B5EF4-FFF2-40B4-BE49-F238E27FC236}">
-                <a16:creationId xmlns="" xmlns:a16="http://schemas.microsoft.com/office/drawing/2014/main" id="{85084F94-5BAE-E3B2-298D-1E3D1D48D1F6}"/>
+                <a16:creationId xmlns:a16="http://schemas.microsoft.com/office/drawing/2014/main" xmlns="" id="{85084F94-5BAE-E3B2-298D-1E3D1D48D1F6}"/>
               </a:ext>
             </a:extLst>
           </p:cNvPr>
@@ -1540,7 +1541,7 @@
         <p:cNvPr id="1" name="">
           <a:extLst>
             <a:ext uri="{FF2B5EF4-FFF2-40B4-BE49-F238E27FC236}">
-              <a16:creationId xmlns="" xmlns:a16="http://schemas.microsoft.com/office/drawing/2014/main" id="{84847B3D-F9FE-E845-0A9E-7B3E4737F607}"/>
+              <a16:creationId xmlns:a16="http://schemas.microsoft.com/office/drawing/2014/main" xmlns="" id="{84847B3D-F9FE-E845-0A9E-7B3E4737F607}"/>
             </a:ext>
           </a:extLst>
         </p:cNvPr>
@@ -1560,7 +1561,7 @@
           <p:cNvPr id="2" name="Slide Image Placeholder 1">
             <a:extLst>
               <a:ext uri="{FF2B5EF4-FFF2-40B4-BE49-F238E27FC236}">
-                <a16:creationId xmlns="" xmlns:a16="http://schemas.microsoft.com/office/drawing/2014/main" id="{A65C55DC-40F4-B8B2-A44F-CEE7EA9104C1}"/>
+                <a16:creationId xmlns:a16="http://schemas.microsoft.com/office/drawing/2014/main" xmlns="" id="{A65C55DC-40F4-B8B2-A44F-CEE7EA9104C1}"/>
               </a:ext>
             </a:extLst>
           </p:cNvPr>
@@ -1578,7 +1579,7 @@
           <p:cNvPr id="3" name="Notes Placeholder 2">
             <a:extLst>
               <a:ext uri="{FF2B5EF4-FFF2-40B4-BE49-F238E27FC236}">
-                <a16:creationId xmlns="" xmlns:a16="http://schemas.microsoft.com/office/drawing/2014/main" id="{AFAEFE12-CFF9-2E00-9808-098A1D824723}"/>
+                <a16:creationId xmlns:a16="http://schemas.microsoft.com/office/drawing/2014/main" xmlns="" id="{AFAEFE12-CFF9-2E00-9808-098A1D824723}"/>
               </a:ext>
             </a:extLst>
           </p:cNvPr>
@@ -1603,7 +1604,7 @@
           <p:cNvPr id="4" name="Slide Number Placeholder 3">
             <a:extLst>
               <a:ext uri="{FF2B5EF4-FFF2-40B4-BE49-F238E27FC236}">
-                <a16:creationId xmlns="" xmlns:a16="http://schemas.microsoft.com/office/drawing/2014/main" id="{85084F94-5BAE-E3B2-298D-1E3D1D48D1F6}"/>
+                <a16:creationId xmlns:a16="http://schemas.microsoft.com/office/drawing/2014/main" xmlns="" id="{85084F94-5BAE-E3B2-298D-1E3D1D48D1F6}"/>
               </a:ext>
             </a:extLst>
           </p:cNvPr>
@@ -1648,7 +1649,7 @@
         <p:cNvPr id="1" name="">
           <a:extLst>
             <a:ext uri="{FF2B5EF4-FFF2-40B4-BE49-F238E27FC236}">
-              <a16:creationId xmlns="" xmlns:a16="http://schemas.microsoft.com/office/drawing/2014/main" id="{84847B3D-F9FE-E845-0A9E-7B3E4737F607}"/>
+              <a16:creationId xmlns:a16="http://schemas.microsoft.com/office/drawing/2014/main" xmlns="" id="{84847B3D-F9FE-E845-0A9E-7B3E4737F607}"/>
             </a:ext>
           </a:extLst>
         </p:cNvPr>
@@ -1668,7 +1669,7 @@
           <p:cNvPr id="2" name="Slide Image Placeholder 1">
             <a:extLst>
               <a:ext uri="{FF2B5EF4-FFF2-40B4-BE49-F238E27FC236}">
-                <a16:creationId xmlns="" xmlns:a16="http://schemas.microsoft.com/office/drawing/2014/main" id="{A65C55DC-40F4-B8B2-A44F-CEE7EA9104C1}"/>
+                <a16:creationId xmlns:a16="http://schemas.microsoft.com/office/drawing/2014/main" xmlns="" id="{A65C55DC-40F4-B8B2-A44F-CEE7EA9104C1}"/>
               </a:ext>
             </a:extLst>
           </p:cNvPr>
@@ -1686,7 +1687,7 @@
           <p:cNvPr id="3" name="Notes Placeholder 2">
             <a:extLst>
               <a:ext uri="{FF2B5EF4-FFF2-40B4-BE49-F238E27FC236}">
-                <a16:creationId xmlns="" xmlns:a16="http://schemas.microsoft.com/office/drawing/2014/main" id="{AFAEFE12-CFF9-2E00-9808-098A1D824723}"/>
+                <a16:creationId xmlns:a16="http://schemas.microsoft.com/office/drawing/2014/main" xmlns="" id="{AFAEFE12-CFF9-2E00-9808-098A1D824723}"/>
               </a:ext>
             </a:extLst>
           </p:cNvPr>
@@ -1711,7 +1712,7 @@
           <p:cNvPr id="4" name="Slide Number Placeholder 3">
             <a:extLst>
               <a:ext uri="{FF2B5EF4-FFF2-40B4-BE49-F238E27FC236}">
-                <a16:creationId xmlns="" xmlns:a16="http://schemas.microsoft.com/office/drawing/2014/main" id="{85084F94-5BAE-E3B2-298D-1E3D1D48D1F6}"/>
+                <a16:creationId xmlns:a16="http://schemas.microsoft.com/office/drawing/2014/main" xmlns="" id="{85084F94-5BAE-E3B2-298D-1E3D1D48D1F6}"/>
               </a:ext>
             </a:extLst>
           </p:cNvPr>
@@ -1756,7 +1757,7 @@
         <p:cNvPr id="1" name="">
           <a:extLst>
             <a:ext uri="{FF2B5EF4-FFF2-40B4-BE49-F238E27FC236}">
-              <a16:creationId xmlns="" xmlns:a16="http://schemas.microsoft.com/office/drawing/2014/main" id="{84847B3D-F9FE-E845-0A9E-7B3E4737F607}"/>
+              <a16:creationId xmlns:a16="http://schemas.microsoft.com/office/drawing/2014/main" xmlns="" id="{84847B3D-F9FE-E845-0A9E-7B3E4737F607}"/>
             </a:ext>
           </a:extLst>
         </p:cNvPr>
@@ -1776,7 +1777,7 @@
           <p:cNvPr id="2" name="Slide Image Placeholder 1">
             <a:extLst>
               <a:ext uri="{FF2B5EF4-FFF2-40B4-BE49-F238E27FC236}">
-                <a16:creationId xmlns="" xmlns:a16="http://schemas.microsoft.com/office/drawing/2014/main" id="{A65C55DC-40F4-B8B2-A44F-CEE7EA9104C1}"/>
+                <a16:creationId xmlns:a16="http://schemas.microsoft.com/office/drawing/2014/main" xmlns="" id="{A65C55DC-40F4-B8B2-A44F-CEE7EA9104C1}"/>
               </a:ext>
             </a:extLst>
           </p:cNvPr>
@@ -1794,7 +1795,7 @@
           <p:cNvPr id="3" name="Notes Placeholder 2">
             <a:extLst>
               <a:ext uri="{FF2B5EF4-FFF2-40B4-BE49-F238E27FC236}">
-                <a16:creationId xmlns="" xmlns:a16="http://schemas.microsoft.com/office/drawing/2014/main" id="{AFAEFE12-CFF9-2E00-9808-098A1D824723}"/>
+                <a16:creationId xmlns:a16="http://schemas.microsoft.com/office/drawing/2014/main" xmlns="" id="{AFAEFE12-CFF9-2E00-9808-098A1D824723}"/>
               </a:ext>
             </a:extLst>
           </p:cNvPr>
@@ -1819,7 +1820,7 @@
           <p:cNvPr id="4" name="Slide Number Placeholder 3">
             <a:extLst>
               <a:ext uri="{FF2B5EF4-FFF2-40B4-BE49-F238E27FC236}">
-                <a16:creationId xmlns="" xmlns:a16="http://schemas.microsoft.com/office/drawing/2014/main" id="{85084F94-5BAE-E3B2-298D-1E3D1D48D1F6}"/>
+                <a16:creationId xmlns:a16="http://schemas.microsoft.com/office/drawing/2014/main" xmlns="" id="{85084F94-5BAE-E3B2-298D-1E3D1D48D1F6}"/>
               </a:ext>
             </a:extLst>
           </p:cNvPr>
@@ -1864,7 +1865,7 @@
         <p:cNvPr id="1" name="">
           <a:extLst>
             <a:ext uri="{FF2B5EF4-FFF2-40B4-BE49-F238E27FC236}">
-              <a16:creationId xmlns="" xmlns:a16="http://schemas.microsoft.com/office/drawing/2014/main" id="{89563512-A8BA-1764-87C7-A00C34FD03E8}"/>
+              <a16:creationId xmlns:a16="http://schemas.microsoft.com/office/drawing/2014/main" xmlns="" id="{89563512-A8BA-1764-87C7-A00C34FD03E8}"/>
             </a:ext>
           </a:extLst>
         </p:cNvPr>
@@ -1884,7 +1885,7 @@
           <p:cNvPr id="2" name="Slide Image Placeholder 1">
             <a:extLst>
               <a:ext uri="{FF2B5EF4-FFF2-40B4-BE49-F238E27FC236}">
-                <a16:creationId xmlns="" xmlns:a16="http://schemas.microsoft.com/office/drawing/2014/main" id="{F8D8F7F0-68B1-3C8C-3974-1CFE7D3952A7}"/>
+                <a16:creationId xmlns:a16="http://schemas.microsoft.com/office/drawing/2014/main" xmlns="" id="{F8D8F7F0-68B1-3C8C-3974-1CFE7D3952A7}"/>
               </a:ext>
             </a:extLst>
           </p:cNvPr>
@@ -1902,7 +1903,7 @@
           <p:cNvPr id="3" name="Notes Placeholder 2">
             <a:extLst>
               <a:ext uri="{FF2B5EF4-FFF2-40B4-BE49-F238E27FC236}">
-                <a16:creationId xmlns="" xmlns:a16="http://schemas.microsoft.com/office/drawing/2014/main" id="{7893E87E-9A62-BE42-B48F-A4960F0B96B7}"/>
+                <a16:creationId xmlns:a16="http://schemas.microsoft.com/office/drawing/2014/main" xmlns="" id="{7893E87E-9A62-BE42-B48F-A4960F0B96B7}"/>
               </a:ext>
             </a:extLst>
           </p:cNvPr>
@@ -1927,7 +1928,7 @@
           <p:cNvPr id="4" name="Slide Number Placeholder 3">
             <a:extLst>
               <a:ext uri="{FF2B5EF4-FFF2-40B4-BE49-F238E27FC236}">
-                <a16:creationId xmlns="" xmlns:a16="http://schemas.microsoft.com/office/drawing/2014/main" id="{61190961-0558-0020-C7FC-07CF6AD55449}"/>
+                <a16:creationId xmlns:a16="http://schemas.microsoft.com/office/drawing/2014/main" xmlns="" id="{61190961-0558-0020-C7FC-07CF6AD55449}"/>
               </a:ext>
             </a:extLst>
           </p:cNvPr>
@@ -1972,7 +1973,7 @@
         <p:cNvPr id="1" name="">
           <a:extLst>
             <a:ext uri="{FF2B5EF4-FFF2-40B4-BE49-F238E27FC236}">
-              <a16:creationId xmlns="" xmlns:a16="http://schemas.microsoft.com/office/drawing/2014/main" id="{84847B3D-F9FE-E845-0A9E-7B3E4737F607}"/>
+              <a16:creationId xmlns:a16="http://schemas.microsoft.com/office/drawing/2014/main" xmlns="" id="{84847B3D-F9FE-E845-0A9E-7B3E4737F607}"/>
             </a:ext>
           </a:extLst>
         </p:cNvPr>
@@ -1992,7 +1993,7 @@
           <p:cNvPr id="2" name="Slide Image Placeholder 1">
             <a:extLst>
               <a:ext uri="{FF2B5EF4-FFF2-40B4-BE49-F238E27FC236}">
-                <a16:creationId xmlns="" xmlns:a16="http://schemas.microsoft.com/office/drawing/2014/main" id="{A65C55DC-40F4-B8B2-A44F-CEE7EA9104C1}"/>
+                <a16:creationId xmlns:a16="http://schemas.microsoft.com/office/drawing/2014/main" xmlns="" id="{A65C55DC-40F4-B8B2-A44F-CEE7EA9104C1}"/>
               </a:ext>
             </a:extLst>
           </p:cNvPr>
@@ -2010,7 +2011,7 @@
           <p:cNvPr id="3" name="Notes Placeholder 2">
             <a:extLst>
               <a:ext uri="{FF2B5EF4-FFF2-40B4-BE49-F238E27FC236}">
-                <a16:creationId xmlns="" xmlns:a16="http://schemas.microsoft.com/office/drawing/2014/main" id="{AFAEFE12-CFF9-2E00-9808-098A1D824723}"/>
+                <a16:creationId xmlns:a16="http://schemas.microsoft.com/office/drawing/2014/main" xmlns="" id="{AFAEFE12-CFF9-2E00-9808-098A1D824723}"/>
               </a:ext>
             </a:extLst>
           </p:cNvPr>
@@ -2035,7 +2036,7 @@
           <p:cNvPr id="4" name="Slide Number Placeholder 3">
             <a:extLst>
               <a:ext uri="{FF2B5EF4-FFF2-40B4-BE49-F238E27FC236}">
-                <a16:creationId xmlns="" xmlns:a16="http://schemas.microsoft.com/office/drawing/2014/main" id="{85084F94-5BAE-E3B2-298D-1E3D1D48D1F6}"/>
+                <a16:creationId xmlns:a16="http://schemas.microsoft.com/office/drawing/2014/main" xmlns="" id="{85084F94-5BAE-E3B2-298D-1E3D1D48D1F6}"/>
               </a:ext>
             </a:extLst>
           </p:cNvPr>
@@ -2080,7 +2081,7 @@
         <p:cNvPr id="1" name="">
           <a:extLst>
             <a:ext uri="{FF2B5EF4-FFF2-40B4-BE49-F238E27FC236}">
-              <a16:creationId xmlns="" xmlns:a16="http://schemas.microsoft.com/office/drawing/2014/main" id="{84847B3D-F9FE-E845-0A9E-7B3E4737F607}"/>
+              <a16:creationId xmlns:a16="http://schemas.microsoft.com/office/drawing/2014/main" xmlns="" id="{84847B3D-F9FE-E845-0A9E-7B3E4737F607}"/>
             </a:ext>
           </a:extLst>
         </p:cNvPr>
@@ -2100,7 +2101,7 @@
           <p:cNvPr id="2" name="Slide Image Placeholder 1">
             <a:extLst>
               <a:ext uri="{FF2B5EF4-FFF2-40B4-BE49-F238E27FC236}">
-                <a16:creationId xmlns="" xmlns:a16="http://schemas.microsoft.com/office/drawing/2014/main" id="{A65C55DC-40F4-B8B2-A44F-CEE7EA9104C1}"/>
+                <a16:creationId xmlns:a16="http://schemas.microsoft.com/office/drawing/2014/main" xmlns="" id="{A65C55DC-40F4-B8B2-A44F-CEE7EA9104C1}"/>
               </a:ext>
             </a:extLst>
           </p:cNvPr>
@@ -2118,7 +2119,7 @@
           <p:cNvPr id="3" name="Notes Placeholder 2">
             <a:extLst>
               <a:ext uri="{FF2B5EF4-FFF2-40B4-BE49-F238E27FC236}">
-                <a16:creationId xmlns="" xmlns:a16="http://schemas.microsoft.com/office/drawing/2014/main" id="{AFAEFE12-CFF9-2E00-9808-098A1D824723}"/>
+                <a16:creationId xmlns:a16="http://schemas.microsoft.com/office/drawing/2014/main" xmlns="" id="{AFAEFE12-CFF9-2E00-9808-098A1D824723}"/>
               </a:ext>
             </a:extLst>
           </p:cNvPr>
@@ -2143,7 +2144,7 @@
           <p:cNvPr id="4" name="Slide Number Placeholder 3">
             <a:extLst>
               <a:ext uri="{FF2B5EF4-FFF2-40B4-BE49-F238E27FC236}">
-                <a16:creationId xmlns="" xmlns:a16="http://schemas.microsoft.com/office/drawing/2014/main" id="{85084F94-5BAE-E3B2-298D-1E3D1D48D1F6}"/>
+                <a16:creationId xmlns:a16="http://schemas.microsoft.com/office/drawing/2014/main" xmlns="" id="{85084F94-5BAE-E3B2-298D-1E3D1D48D1F6}"/>
               </a:ext>
             </a:extLst>
           </p:cNvPr>
@@ -2188,7 +2189,7 @@
         <p:cNvPr id="1" name="">
           <a:extLst>
             <a:ext uri="{FF2B5EF4-FFF2-40B4-BE49-F238E27FC236}">
-              <a16:creationId xmlns="" xmlns:a16="http://schemas.microsoft.com/office/drawing/2014/main" id="{84847B3D-F9FE-E845-0A9E-7B3E4737F607}"/>
+              <a16:creationId xmlns:a16="http://schemas.microsoft.com/office/drawing/2014/main" xmlns="" id="{84847B3D-F9FE-E845-0A9E-7B3E4737F607}"/>
             </a:ext>
           </a:extLst>
         </p:cNvPr>
@@ -2208,7 +2209,7 @@
           <p:cNvPr id="2" name="Slide Image Placeholder 1">
             <a:extLst>
               <a:ext uri="{FF2B5EF4-FFF2-40B4-BE49-F238E27FC236}">
-                <a16:creationId xmlns="" xmlns:a16="http://schemas.microsoft.com/office/drawing/2014/main" id="{A65C55DC-40F4-B8B2-A44F-CEE7EA9104C1}"/>
+                <a16:creationId xmlns:a16="http://schemas.microsoft.com/office/drawing/2014/main" xmlns="" id="{A65C55DC-40F4-B8B2-A44F-CEE7EA9104C1}"/>
               </a:ext>
             </a:extLst>
           </p:cNvPr>
@@ -2226,7 +2227,7 @@
           <p:cNvPr id="3" name="Notes Placeholder 2">
             <a:extLst>
               <a:ext uri="{FF2B5EF4-FFF2-40B4-BE49-F238E27FC236}">
-                <a16:creationId xmlns="" xmlns:a16="http://schemas.microsoft.com/office/drawing/2014/main" id="{AFAEFE12-CFF9-2E00-9808-098A1D824723}"/>
+                <a16:creationId xmlns:a16="http://schemas.microsoft.com/office/drawing/2014/main" xmlns="" id="{AFAEFE12-CFF9-2E00-9808-098A1D824723}"/>
               </a:ext>
             </a:extLst>
           </p:cNvPr>
@@ -2251,7 +2252,7 @@
           <p:cNvPr id="4" name="Slide Number Placeholder 3">
             <a:extLst>
               <a:ext uri="{FF2B5EF4-FFF2-40B4-BE49-F238E27FC236}">
-                <a16:creationId xmlns="" xmlns:a16="http://schemas.microsoft.com/office/drawing/2014/main" id="{85084F94-5BAE-E3B2-298D-1E3D1D48D1F6}"/>
+                <a16:creationId xmlns:a16="http://schemas.microsoft.com/office/drawing/2014/main" xmlns="" id="{85084F94-5BAE-E3B2-298D-1E3D1D48D1F6}"/>
               </a:ext>
             </a:extLst>
           </p:cNvPr>
@@ -2296,7 +2297,7 @@
         <p:cNvPr id="1" name="">
           <a:extLst>
             <a:ext uri="{FF2B5EF4-FFF2-40B4-BE49-F238E27FC236}">
-              <a16:creationId xmlns="" xmlns:a16="http://schemas.microsoft.com/office/drawing/2014/main" id="{84847B3D-F9FE-E845-0A9E-7B3E4737F607}"/>
+              <a16:creationId xmlns:a16="http://schemas.microsoft.com/office/drawing/2014/main" xmlns="" id="{84847B3D-F9FE-E845-0A9E-7B3E4737F607}"/>
             </a:ext>
           </a:extLst>
         </p:cNvPr>
@@ -2316,7 +2317,7 @@
           <p:cNvPr id="2" name="Slide Image Placeholder 1">
             <a:extLst>
               <a:ext uri="{FF2B5EF4-FFF2-40B4-BE49-F238E27FC236}">
-                <a16:creationId xmlns="" xmlns:a16="http://schemas.microsoft.com/office/drawing/2014/main" id="{A65C55DC-40F4-B8B2-A44F-CEE7EA9104C1}"/>
+                <a16:creationId xmlns:a16="http://schemas.microsoft.com/office/drawing/2014/main" xmlns="" id="{A65C55DC-40F4-B8B2-A44F-CEE7EA9104C1}"/>
               </a:ext>
             </a:extLst>
           </p:cNvPr>
@@ -2334,7 +2335,7 @@
           <p:cNvPr id="3" name="Notes Placeholder 2">
             <a:extLst>
               <a:ext uri="{FF2B5EF4-FFF2-40B4-BE49-F238E27FC236}">
-                <a16:creationId xmlns="" xmlns:a16="http://schemas.microsoft.com/office/drawing/2014/main" id="{AFAEFE12-CFF9-2E00-9808-098A1D824723}"/>
+                <a16:creationId xmlns:a16="http://schemas.microsoft.com/office/drawing/2014/main" xmlns="" id="{AFAEFE12-CFF9-2E00-9808-098A1D824723}"/>
               </a:ext>
             </a:extLst>
           </p:cNvPr>
@@ -2359,7 +2360,7 @@
           <p:cNvPr id="4" name="Slide Number Placeholder 3">
             <a:extLst>
               <a:ext uri="{FF2B5EF4-FFF2-40B4-BE49-F238E27FC236}">
-                <a16:creationId xmlns="" xmlns:a16="http://schemas.microsoft.com/office/drawing/2014/main" id="{85084F94-5BAE-E3B2-298D-1E3D1D48D1F6}"/>
+                <a16:creationId xmlns:a16="http://schemas.microsoft.com/office/drawing/2014/main" xmlns="" id="{85084F94-5BAE-E3B2-298D-1E3D1D48D1F6}"/>
               </a:ext>
             </a:extLst>
           </p:cNvPr>
@@ -2404,7 +2405,7 @@
         <p:cNvPr id="1" name="">
           <a:extLst>
             <a:ext uri="{FF2B5EF4-FFF2-40B4-BE49-F238E27FC236}">
-              <a16:creationId xmlns="" xmlns:a16="http://schemas.microsoft.com/office/drawing/2014/main" id="{84847B3D-F9FE-E845-0A9E-7B3E4737F607}"/>
+              <a16:creationId xmlns:a16="http://schemas.microsoft.com/office/drawing/2014/main" xmlns="" id="{84847B3D-F9FE-E845-0A9E-7B3E4737F607}"/>
             </a:ext>
           </a:extLst>
         </p:cNvPr>
@@ -2424,7 +2425,7 @@
           <p:cNvPr id="2" name="Slide Image Placeholder 1">
             <a:extLst>
               <a:ext uri="{FF2B5EF4-FFF2-40B4-BE49-F238E27FC236}">
-                <a16:creationId xmlns="" xmlns:a16="http://schemas.microsoft.com/office/drawing/2014/main" id="{A65C55DC-40F4-B8B2-A44F-CEE7EA9104C1}"/>
+                <a16:creationId xmlns:a16="http://schemas.microsoft.com/office/drawing/2014/main" xmlns="" id="{A65C55DC-40F4-B8B2-A44F-CEE7EA9104C1}"/>
               </a:ext>
             </a:extLst>
           </p:cNvPr>
@@ -2442,7 +2443,7 @@
           <p:cNvPr id="3" name="Notes Placeholder 2">
             <a:extLst>
               <a:ext uri="{FF2B5EF4-FFF2-40B4-BE49-F238E27FC236}">
-                <a16:creationId xmlns="" xmlns:a16="http://schemas.microsoft.com/office/drawing/2014/main" id="{AFAEFE12-CFF9-2E00-9808-098A1D824723}"/>
+                <a16:creationId xmlns:a16="http://schemas.microsoft.com/office/drawing/2014/main" xmlns="" id="{AFAEFE12-CFF9-2E00-9808-098A1D824723}"/>
               </a:ext>
             </a:extLst>
           </p:cNvPr>
@@ -2467,7 +2468,7 @@
           <p:cNvPr id="4" name="Slide Number Placeholder 3">
             <a:extLst>
               <a:ext uri="{FF2B5EF4-FFF2-40B4-BE49-F238E27FC236}">
-                <a16:creationId xmlns="" xmlns:a16="http://schemas.microsoft.com/office/drawing/2014/main" id="{85084F94-5BAE-E3B2-298D-1E3D1D48D1F6}"/>
+                <a16:creationId xmlns:a16="http://schemas.microsoft.com/office/drawing/2014/main" xmlns="" id="{85084F94-5BAE-E3B2-298D-1E3D1D48D1F6}"/>
               </a:ext>
             </a:extLst>
           </p:cNvPr>
@@ -2512,7 +2513,7 @@
         <p:cNvPr id="1" name="">
           <a:extLst>
             <a:ext uri="{FF2B5EF4-FFF2-40B4-BE49-F238E27FC236}">
-              <a16:creationId xmlns="" xmlns:a16="http://schemas.microsoft.com/office/drawing/2014/main" id="{84847B3D-F9FE-E845-0A9E-7B3E4737F607}"/>
+              <a16:creationId xmlns:a16="http://schemas.microsoft.com/office/drawing/2014/main" xmlns="" id="{84847B3D-F9FE-E845-0A9E-7B3E4737F607}"/>
             </a:ext>
           </a:extLst>
         </p:cNvPr>
@@ -2532,7 +2533,7 @@
           <p:cNvPr id="2" name="Slide Image Placeholder 1">
             <a:extLst>
               <a:ext uri="{FF2B5EF4-FFF2-40B4-BE49-F238E27FC236}">
-                <a16:creationId xmlns="" xmlns:a16="http://schemas.microsoft.com/office/drawing/2014/main" id="{A65C55DC-40F4-B8B2-A44F-CEE7EA9104C1}"/>
+                <a16:creationId xmlns:a16="http://schemas.microsoft.com/office/drawing/2014/main" xmlns="" id="{A65C55DC-40F4-B8B2-A44F-CEE7EA9104C1}"/>
               </a:ext>
             </a:extLst>
           </p:cNvPr>
@@ -2550,7 +2551,7 @@
           <p:cNvPr id="3" name="Notes Placeholder 2">
             <a:extLst>
               <a:ext uri="{FF2B5EF4-FFF2-40B4-BE49-F238E27FC236}">
-                <a16:creationId xmlns="" xmlns:a16="http://schemas.microsoft.com/office/drawing/2014/main" id="{AFAEFE12-CFF9-2E00-9808-098A1D824723}"/>
+                <a16:creationId xmlns:a16="http://schemas.microsoft.com/office/drawing/2014/main" xmlns="" id="{AFAEFE12-CFF9-2E00-9808-098A1D824723}"/>
               </a:ext>
             </a:extLst>
           </p:cNvPr>
@@ -2575,7 +2576,7 @@
           <p:cNvPr id="4" name="Slide Number Placeholder 3">
             <a:extLst>
               <a:ext uri="{FF2B5EF4-FFF2-40B4-BE49-F238E27FC236}">
-                <a16:creationId xmlns="" xmlns:a16="http://schemas.microsoft.com/office/drawing/2014/main" id="{85084F94-5BAE-E3B2-298D-1E3D1D48D1F6}"/>
+                <a16:creationId xmlns:a16="http://schemas.microsoft.com/office/drawing/2014/main" xmlns="" id="{85084F94-5BAE-E3B2-298D-1E3D1D48D1F6}"/>
               </a:ext>
             </a:extLst>
           </p:cNvPr>
@@ -2620,7 +2621,7 @@
         <p:cNvPr id="1" name="">
           <a:extLst>
             <a:ext uri="{FF2B5EF4-FFF2-40B4-BE49-F238E27FC236}">
-              <a16:creationId xmlns="" xmlns:a16="http://schemas.microsoft.com/office/drawing/2014/main" id="{84847B3D-F9FE-E845-0A9E-7B3E4737F607}"/>
+              <a16:creationId xmlns:a16="http://schemas.microsoft.com/office/drawing/2014/main" xmlns="" id="{84847B3D-F9FE-E845-0A9E-7B3E4737F607}"/>
             </a:ext>
           </a:extLst>
         </p:cNvPr>
@@ -2640,7 +2641,7 @@
           <p:cNvPr id="2" name="Slide Image Placeholder 1">
             <a:extLst>
               <a:ext uri="{FF2B5EF4-FFF2-40B4-BE49-F238E27FC236}">
-                <a16:creationId xmlns="" xmlns:a16="http://schemas.microsoft.com/office/drawing/2014/main" id="{A65C55DC-40F4-B8B2-A44F-CEE7EA9104C1}"/>
+                <a16:creationId xmlns:a16="http://schemas.microsoft.com/office/drawing/2014/main" xmlns="" id="{A65C55DC-40F4-B8B2-A44F-CEE7EA9104C1}"/>
               </a:ext>
             </a:extLst>
           </p:cNvPr>
@@ -2658,7 +2659,7 @@
           <p:cNvPr id="3" name="Notes Placeholder 2">
             <a:extLst>
               <a:ext uri="{FF2B5EF4-FFF2-40B4-BE49-F238E27FC236}">
-                <a16:creationId xmlns="" xmlns:a16="http://schemas.microsoft.com/office/drawing/2014/main" id="{AFAEFE12-CFF9-2E00-9808-098A1D824723}"/>
+                <a16:creationId xmlns:a16="http://schemas.microsoft.com/office/drawing/2014/main" xmlns="" id="{AFAEFE12-CFF9-2E00-9808-098A1D824723}"/>
               </a:ext>
             </a:extLst>
           </p:cNvPr>
@@ -2683,7 +2684,7 @@
           <p:cNvPr id="4" name="Slide Number Placeholder 3">
             <a:extLst>
               <a:ext uri="{FF2B5EF4-FFF2-40B4-BE49-F238E27FC236}">
-                <a16:creationId xmlns="" xmlns:a16="http://schemas.microsoft.com/office/drawing/2014/main" id="{85084F94-5BAE-E3B2-298D-1E3D1D48D1F6}"/>
+                <a16:creationId xmlns:a16="http://schemas.microsoft.com/office/drawing/2014/main" xmlns="" id="{85084F94-5BAE-E3B2-298D-1E3D1D48D1F6}"/>
               </a:ext>
             </a:extLst>
           </p:cNvPr>
@@ -2728,7 +2729,7 @@
         <p:cNvPr id="1" name="">
           <a:extLst>
             <a:ext uri="{FF2B5EF4-FFF2-40B4-BE49-F238E27FC236}">
-              <a16:creationId xmlns="" xmlns:a16="http://schemas.microsoft.com/office/drawing/2014/main" id="{84F15084-9E64-0732-2172-D06E24D20324}"/>
+              <a16:creationId xmlns:a16="http://schemas.microsoft.com/office/drawing/2014/main" xmlns="" id="{84847B3D-F9FE-E845-0A9E-7B3E4737F607}"/>
             </a:ext>
           </a:extLst>
         </p:cNvPr>
@@ -2748,7 +2749,7 @@
           <p:cNvPr id="2" name="Slide Image Placeholder 1">
             <a:extLst>
               <a:ext uri="{FF2B5EF4-FFF2-40B4-BE49-F238E27FC236}">
-                <a16:creationId xmlns="" xmlns:a16="http://schemas.microsoft.com/office/drawing/2014/main" id="{7CCBBEEF-0F58-7DB2-13AB-6DAFC52BE070}"/>
+                <a16:creationId xmlns:a16="http://schemas.microsoft.com/office/drawing/2014/main" xmlns="" id="{A65C55DC-40F4-B8B2-A44F-CEE7EA9104C1}"/>
               </a:ext>
             </a:extLst>
           </p:cNvPr>
@@ -2766,7 +2767,7 @@
           <p:cNvPr id="3" name="Notes Placeholder 2">
             <a:extLst>
               <a:ext uri="{FF2B5EF4-FFF2-40B4-BE49-F238E27FC236}">
-                <a16:creationId xmlns="" xmlns:a16="http://schemas.microsoft.com/office/drawing/2014/main" id="{C62C92A2-0E82-6EA1-AA1F-C125D6D8C6A8}"/>
+                <a16:creationId xmlns:a16="http://schemas.microsoft.com/office/drawing/2014/main" xmlns="" id="{AFAEFE12-CFF9-2E00-9808-098A1D824723}"/>
               </a:ext>
             </a:extLst>
           </p:cNvPr>
@@ -2782,7 +2783,7 @@
           <a:bodyPr/>
           <a:lstStyle/>
           <a:p>
-            <a:endParaRPr lang="en-US"/>
+            <a:endParaRPr lang="en-US" dirty="0"/>
           </a:p>
         </p:txBody>
       </p:sp>
@@ -2791,7 +2792,7 @@
           <p:cNvPr id="4" name="Slide Number Placeholder 3">
             <a:extLst>
               <a:ext uri="{FF2B5EF4-FFF2-40B4-BE49-F238E27FC236}">
-                <a16:creationId xmlns="" xmlns:a16="http://schemas.microsoft.com/office/drawing/2014/main" id="{F80306BD-3757-CA40-4082-AACA5F6DB656}"/>
+                <a16:creationId xmlns:a16="http://schemas.microsoft.com/office/drawing/2014/main" xmlns="" id="{85084F94-5BAE-E3B2-298D-1E3D1D48D1F6}"/>
               </a:ext>
             </a:extLst>
           </p:cNvPr>
@@ -2810,6 +2811,114 @@
             <a:fld id="{55247812-3409-784D-BAE7-ABE53735D59F}" type="slidenum">
               <a:rPr lang="en-US" smtClean="0"/>
               <a:t>28</a:t>
+            </a:fld>
+            <a:endParaRPr lang="en-US"/>
+          </a:p>
+        </p:txBody>
+      </p:sp>
+    </p:spTree>
+    <p:extLst>
+      <p:ext uri="{BB962C8B-B14F-4D97-AF65-F5344CB8AC3E}">
+        <p14:creationId xmlns:p14="http://schemas.microsoft.com/office/powerpoint/2010/main" val="1899534547"/>
+      </p:ext>
+    </p:extLst>
+  </p:cSld>
+  <p:clrMapOvr>
+    <a:masterClrMapping/>
+  </p:clrMapOvr>
+</p:notes>
+</file>
+
+<file path=ppt/notesSlides/notesSlide28.xml><?xml version="1.0" encoding="utf-8"?>
+<p:notes xmlns:a="http://schemas.openxmlformats.org/drawingml/2006/main" xmlns:r="http://schemas.openxmlformats.org/officeDocument/2006/relationships" xmlns:p="http://schemas.openxmlformats.org/presentationml/2006/main">
+  <p:cSld>
+    <p:spTree>
+      <p:nvGrpSpPr>
+        <p:cNvPr id="1" name="">
+          <a:extLst>
+            <a:ext uri="{FF2B5EF4-FFF2-40B4-BE49-F238E27FC236}">
+              <a16:creationId xmlns:a16="http://schemas.microsoft.com/office/drawing/2014/main" xmlns="" id="{84F15084-9E64-0732-2172-D06E24D20324}"/>
+            </a:ext>
+          </a:extLst>
+        </p:cNvPr>
+        <p:cNvGrpSpPr/>
+        <p:nvPr/>
+      </p:nvGrpSpPr>
+      <p:grpSpPr>
+        <a:xfrm>
+          <a:off x="0" y="0"/>
+          <a:ext cx="0" cy="0"/>
+          <a:chOff x="0" y="0"/>
+          <a:chExt cx="0" cy="0"/>
+        </a:xfrm>
+      </p:grpSpPr>
+      <p:sp>
+        <p:nvSpPr>
+          <p:cNvPr id="2" name="Slide Image Placeholder 1">
+            <a:extLst>
+              <a:ext uri="{FF2B5EF4-FFF2-40B4-BE49-F238E27FC236}">
+                <a16:creationId xmlns:a16="http://schemas.microsoft.com/office/drawing/2014/main" xmlns="" id="{7CCBBEEF-0F58-7DB2-13AB-6DAFC52BE070}"/>
+              </a:ext>
+            </a:extLst>
+          </p:cNvPr>
+          <p:cNvSpPr>
+            <a:spLocks noGrp="1" noRot="1" noChangeAspect="1"/>
+          </p:cNvSpPr>
+          <p:nvPr>
+            <p:ph type="sldImg"/>
+          </p:nvPr>
+        </p:nvSpPr>
+        <p:spPr/>
+      </p:sp>
+      <p:sp>
+        <p:nvSpPr>
+          <p:cNvPr id="3" name="Notes Placeholder 2">
+            <a:extLst>
+              <a:ext uri="{FF2B5EF4-FFF2-40B4-BE49-F238E27FC236}">
+                <a16:creationId xmlns:a16="http://schemas.microsoft.com/office/drawing/2014/main" xmlns="" id="{C62C92A2-0E82-6EA1-AA1F-C125D6D8C6A8}"/>
+              </a:ext>
+            </a:extLst>
+          </p:cNvPr>
+          <p:cNvSpPr>
+            <a:spLocks noGrp="1"/>
+          </p:cNvSpPr>
+          <p:nvPr>
+            <p:ph type="body" idx="1"/>
+          </p:nvPr>
+        </p:nvSpPr>
+        <p:spPr/>
+        <p:txBody>
+          <a:bodyPr/>
+          <a:lstStyle/>
+          <a:p>
+            <a:endParaRPr lang="en-US"/>
+          </a:p>
+        </p:txBody>
+      </p:sp>
+      <p:sp>
+        <p:nvSpPr>
+          <p:cNvPr id="4" name="Slide Number Placeholder 3">
+            <a:extLst>
+              <a:ext uri="{FF2B5EF4-FFF2-40B4-BE49-F238E27FC236}">
+                <a16:creationId xmlns:a16="http://schemas.microsoft.com/office/drawing/2014/main" xmlns="" id="{F80306BD-3757-CA40-4082-AACA5F6DB656}"/>
+              </a:ext>
+            </a:extLst>
+          </p:cNvPr>
+          <p:cNvSpPr>
+            <a:spLocks noGrp="1"/>
+          </p:cNvSpPr>
+          <p:nvPr>
+            <p:ph type="sldNum" sz="quarter" idx="5"/>
+          </p:nvPr>
+        </p:nvSpPr>
+        <p:spPr/>
+        <p:txBody>
+          <a:bodyPr/>
+          <a:lstStyle/>
+          <a:p>
+            <a:fld id="{55247812-3409-784D-BAE7-ABE53735D59F}" type="slidenum">
+              <a:rPr lang="en-US" smtClean="0"/>
+              <a:t>29</a:t>
             </a:fld>
             <a:endParaRPr lang="en-US"/>
           </a:p>
@@ -2836,7 +2945,7 @@
         <p:cNvPr id="1" name="">
           <a:extLst>
             <a:ext uri="{FF2B5EF4-FFF2-40B4-BE49-F238E27FC236}">
-              <a16:creationId xmlns="" xmlns:a16="http://schemas.microsoft.com/office/drawing/2014/main" id="{413E0E2F-FB5F-19AD-18FD-02AFD3C3D2A7}"/>
+              <a16:creationId xmlns:a16="http://schemas.microsoft.com/office/drawing/2014/main" xmlns="" id="{413E0E2F-FB5F-19AD-18FD-02AFD3C3D2A7}"/>
             </a:ext>
           </a:extLst>
         </p:cNvPr>
@@ -2856,7 +2965,7 @@
           <p:cNvPr id="2" name="Slide Image Placeholder 1">
             <a:extLst>
               <a:ext uri="{FF2B5EF4-FFF2-40B4-BE49-F238E27FC236}">
-                <a16:creationId xmlns="" xmlns:a16="http://schemas.microsoft.com/office/drawing/2014/main" id="{7836B388-51EF-10FA-3783-0696B2AF7329}"/>
+                <a16:creationId xmlns:a16="http://schemas.microsoft.com/office/drawing/2014/main" xmlns="" id="{7836B388-51EF-10FA-3783-0696B2AF7329}"/>
               </a:ext>
             </a:extLst>
           </p:cNvPr>
@@ -2874,7 +2983,7 @@
           <p:cNvPr id="3" name="Notes Placeholder 2">
             <a:extLst>
               <a:ext uri="{FF2B5EF4-FFF2-40B4-BE49-F238E27FC236}">
-                <a16:creationId xmlns="" xmlns:a16="http://schemas.microsoft.com/office/drawing/2014/main" id="{31C1FAC0-00E4-5BDB-5727-4597CCDC9776}"/>
+                <a16:creationId xmlns:a16="http://schemas.microsoft.com/office/drawing/2014/main" xmlns="" id="{31C1FAC0-00E4-5BDB-5727-4597CCDC9776}"/>
               </a:ext>
             </a:extLst>
           </p:cNvPr>
@@ -2899,7 +3008,7 @@
           <p:cNvPr id="4" name="Slide Number Placeholder 3">
             <a:extLst>
               <a:ext uri="{FF2B5EF4-FFF2-40B4-BE49-F238E27FC236}">
-                <a16:creationId xmlns="" xmlns:a16="http://schemas.microsoft.com/office/drawing/2014/main" id="{387CD11C-29A5-A450-5B49-9B2C8F5A483A}"/>
+                <a16:creationId xmlns:a16="http://schemas.microsoft.com/office/drawing/2014/main" xmlns="" id="{387CD11C-29A5-A450-5B49-9B2C8F5A483A}"/>
               </a:ext>
             </a:extLst>
           </p:cNvPr>
@@ -2944,7 +3053,7 @@
         <p:cNvPr id="1" name="">
           <a:extLst>
             <a:ext uri="{FF2B5EF4-FFF2-40B4-BE49-F238E27FC236}">
-              <a16:creationId xmlns="" xmlns:a16="http://schemas.microsoft.com/office/drawing/2014/main" id="{32CDD179-4403-A07F-630C-A153B2FB9440}"/>
+              <a16:creationId xmlns:a16="http://schemas.microsoft.com/office/drawing/2014/main" xmlns="" id="{32CDD179-4403-A07F-630C-A153B2FB9440}"/>
             </a:ext>
           </a:extLst>
         </p:cNvPr>
@@ -2964,7 +3073,7 @@
           <p:cNvPr id="2" name="Slide Image Placeholder 1">
             <a:extLst>
               <a:ext uri="{FF2B5EF4-FFF2-40B4-BE49-F238E27FC236}">
-                <a16:creationId xmlns="" xmlns:a16="http://schemas.microsoft.com/office/drawing/2014/main" id="{C5371C59-0780-417A-50AE-5F81ED51E3DD}"/>
+                <a16:creationId xmlns:a16="http://schemas.microsoft.com/office/drawing/2014/main" xmlns="" id="{C5371C59-0780-417A-50AE-5F81ED51E3DD}"/>
               </a:ext>
             </a:extLst>
           </p:cNvPr>
@@ -2982,7 +3091,7 @@
           <p:cNvPr id="3" name="Notes Placeholder 2">
             <a:extLst>
               <a:ext uri="{FF2B5EF4-FFF2-40B4-BE49-F238E27FC236}">
-                <a16:creationId xmlns="" xmlns:a16="http://schemas.microsoft.com/office/drawing/2014/main" id="{3877DC73-D2E6-4C8A-5B32-AAE3B3DEC3E1}"/>
+                <a16:creationId xmlns:a16="http://schemas.microsoft.com/office/drawing/2014/main" xmlns="" id="{3877DC73-D2E6-4C8A-5B32-AAE3B3DEC3E1}"/>
               </a:ext>
             </a:extLst>
           </p:cNvPr>
@@ -3007,7 +3116,7 @@
           <p:cNvPr id="4" name="Slide Number Placeholder 3">
             <a:extLst>
               <a:ext uri="{FF2B5EF4-FFF2-40B4-BE49-F238E27FC236}">
-                <a16:creationId xmlns="" xmlns:a16="http://schemas.microsoft.com/office/drawing/2014/main" id="{A53F2668-F7D8-0DD8-090D-8D685CDFDF82}"/>
+                <a16:creationId xmlns:a16="http://schemas.microsoft.com/office/drawing/2014/main" xmlns="" id="{A53F2668-F7D8-0DD8-090D-8D685CDFDF82}"/>
               </a:ext>
             </a:extLst>
           </p:cNvPr>
@@ -3052,7 +3161,7 @@
         <p:cNvPr id="1" name="">
           <a:extLst>
             <a:ext uri="{FF2B5EF4-FFF2-40B4-BE49-F238E27FC236}">
-              <a16:creationId xmlns="" xmlns:a16="http://schemas.microsoft.com/office/drawing/2014/main" id="{611B77C4-0D39-64D6-A86B-642112E29695}"/>
+              <a16:creationId xmlns:a16="http://schemas.microsoft.com/office/drawing/2014/main" xmlns="" id="{611B77C4-0D39-64D6-A86B-642112E29695}"/>
             </a:ext>
           </a:extLst>
         </p:cNvPr>
@@ -3072,7 +3181,7 @@
           <p:cNvPr id="2" name="Slide Image Placeholder 1">
             <a:extLst>
               <a:ext uri="{FF2B5EF4-FFF2-40B4-BE49-F238E27FC236}">
-                <a16:creationId xmlns="" xmlns:a16="http://schemas.microsoft.com/office/drawing/2014/main" id="{248CF8F3-1596-3F28-5175-2E3D216F2B36}"/>
+                <a16:creationId xmlns:a16="http://schemas.microsoft.com/office/drawing/2014/main" xmlns="" id="{248CF8F3-1596-3F28-5175-2E3D216F2B36}"/>
               </a:ext>
             </a:extLst>
           </p:cNvPr>
@@ -3090,7 +3199,7 @@
           <p:cNvPr id="3" name="Notes Placeholder 2">
             <a:extLst>
               <a:ext uri="{FF2B5EF4-FFF2-40B4-BE49-F238E27FC236}">
-                <a16:creationId xmlns="" xmlns:a16="http://schemas.microsoft.com/office/drawing/2014/main" id="{8DAF0CB2-EC6B-167D-32D1-6BCC4A35A007}"/>
+                <a16:creationId xmlns:a16="http://schemas.microsoft.com/office/drawing/2014/main" xmlns="" id="{8DAF0CB2-EC6B-167D-32D1-6BCC4A35A007}"/>
               </a:ext>
             </a:extLst>
           </p:cNvPr>
@@ -3115,7 +3224,7 @@
           <p:cNvPr id="4" name="Slide Number Placeholder 3">
             <a:extLst>
               <a:ext uri="{FF2B5EF4-FFF2-40B4-BE49-F238E27FC236}">
-                <a16:creationId xmlns="" xmlns:a16="http://schemas.microsoft.com/office/drawing/2014/main" id="{4B9C545A-1AD5-BFF5-B687-7B9BD552CC0D}"/>
+                <a16:creationId xmlns:a16="http://schemas.microsoft.com/office/drawing/2014/main" xmlns="" id="{4B9C545A-1AD5-BFF5-B687-7B9BD552CC0D}"/>
               </a:ext>
             </a:extLst>
           </p:cNvPr>
@@ -3160,7 +3269,7 @@
         <p:cNvPr id="1" name="">
           <a:extLst>
             <a:ext uri="{FF2B5EF4-FFF2-40B4-BE49-F238E27FC236}">
-              <a16:creationId xmlns="" xmlns:a16="http://schemas.microsoft.com/office/drawing/2014/main" id="{3E01EA9D-0D8E-B3B3-3471-A72EA7077645}"/>
+              <a16:creationId xmlns:a16="http://schemas.microsoft.com/office/drawing/2014/main" xmlns="" id="{3E01EA9D-0D8E-B3B3-3471-A72EA7077645}"/>
             </a:ext>
           </a:extLst>
         </p:cNvPr>
@@ -3180,7 +3289,7 @@
           <p:cNvPr id="2" name="Slide Image Placeholder 1">
             <a:extLst>
               <a:ext uri="{FF2B5EF4-FFF2-40B4-BE49-F238E27FC236}">
-                <a16:creationId xmlns="" xmlns:a16="http://schemas.microsoft.com/office/drawing/2014/main" id="{7B90D1D5-C864-5E4C-3C40-4D43E6C4296D}"/>
+                <a16:creationId xmlns:a16="http://schemas.microsoft.com/office/drawing/2014/main" xmlns="" id="{7B90D1D5-C864-5E4C-3C40-4D43E6C4296D}"/>
               </a:ext>
             </a:extLst>
           </p:cNvPr>
@@ -3198,7 +3307,7 @@
           <p:cNvPr id="3" name="Notes Placeholder 2">
             <a:extLst>
               <a:ext uri="{FF2B5EF4-FFF2-40B4-BE49-F238E27FC236}">
-                <a16:creationId xmlns="" xmlns:a16="http://schemas.microsoft.com/office/drawing/2014/main" id="{ED9CB586-8860-3BD8-3381-DA1CEFABC39B}"/>
+                <a16:creationId xmlns:a16="http://schemas.microsoft.com/office/drawing/2014/main" xmlns="" id="{ED9CB586-8860-3BD8-3381-DA1CEFABC39B}"/>
               </a:ext>
             </a:extLst>
           </p:cNvPr>
@@ -3223,7 +3332,7 @@
           <p:cNvPr id="4" name="Slide Number Placeholder 3">
             <a:extLst>
               <a:ext uri="{FF2B5EF4-FFF2-40B4-BE49-F238E27FC236}">
-                <a16:creationId xmlns="" xmlns:a16="http://schemas.microsoft.com/office/drawing/2014/main" id="{C0A432A5-CFDC-1082-A3A3-88230315F764}"/>
+                <a16:creationId xmlns:a16="http://schemas.microsoft.com/office/drawing/2014/main" xmlns="" id="{C0A432A5-CFDC-1082-A3A3-88230315F764}"/>
               </a:ext>
             </a:extLst>
           </p:cNvPr>
@@ -3268,7 +3377,7 @@
         <p:cNvPr id="1" name="">
           <a:extLst>
             <a:ext uri="{FF2B5EF4-FFF2-40B4-BE49-F238E27FC236}">
-              <a16:creationId xmlns="" xmlns:a16="http://schemas.microsoft.com/office/drawing/2014/main" id="{3E01EA9D-0D8E-B3B3-3471-A72EA7077645}"/>
+              <a16:creationId xmlns:a16="http://schemas.microsoft.com/office/drawing/2014/main" xmlns="" id="{3E01EA9D-0D8E-B3B3-3471-A72EA7077645}"/>
             </a:ext>
           </a:extLst>
         </p:cNvPr>
@@ -3288,7 +3397,7 @@
           <p:cNvPr id="2" name="Slide Image Placeholder 1">
             <a:extLst>
               <a:ext uri="{FF2B5EF4-FFF2-40B4-BE49-F238E27FC236}">
-                <a16:creationId xmlns="" xmlns:a16="http://schemas.microsoft.com/office/drawing/2014/main" id="{7B90D1D5-C864-5E4C-3C40-4D43E6C4296D}"/>
+                <a16:creationId xmlns:a16="http://schemas.microsoft.com/office/drawing/2014/main" xmlns="" id="{7B90D1D5-C864-5E4C-3C40-4D43E6C4296D}"/>
               </a:ext>
             </a:extLst>
           </p:cNvPr>
@@ -3306,7 +3415,7 @@
           <p:cNvPr id="3" name="Notes Placeholder 2">
             <a:extLst>
               <a:ext uri="{FF2B5EF4-FFF2-40B4-BE49-F238E27FC236}">
-                <a16:creationId xmlns="" xmlns:a16="http://schemas.microsoft.com/office/drawing/2014/main" id="{ED9CB586-8860-3BD8-3381-DA1CEFABC39B}"/>
+                <a16:creationId xmlns:a16="http://schemas.microsoft.com/office/drawing/2014/main" xmlns="" id="{ED9CB586-8860-3BD8-3381-DA1CEFABC39B}"/>
               </a:ext>
             </a:extLst>
           </p:cNvPr>
@@ -3331,7 +3440,7 @@
           <p:cNvPr id="4" name="Slide Number Placeholder 3">
             <a:extLst>
               <a:ext uri="{FF2B5EF4-FFF2-40B4-BE49-F238E27FC236}">
-                <a16:creationId xmlns="" xmlns:a16="http://schemas.microsoft.com/office/drawing/2014/main" id="{C0A432A5-CFDC-1082-A3A3-88230315F764}"/>
+                <a16:creationId xmlns:a16="http://schemas.microsoft.com/office/drawing/2014/main" xmlns="" id="{C0A432A5-CFDC-1082-A3A3-88230315F764}"/>
               </a:ext>
             </a:extLst>
           </p:cNvPr>
@@ -3376,7 +3485,7 @@
         <p:cNvPr id="1" name="">
           <a:extLst>
             <a:ext uri="{FF2B5EF4-FFF2-40B4-BE49-F238E27FC236}">
-              <a16:creationId xmlns="" xmlns:a16="http://schemas.microsoft.com/office/drawing/2014/main" id="{5EB58F29-43BC-250B-F029-F71591A0B61F}"/>
+              <a16:creationId xmlns:a16="http://schemas.microsoft.com/office/drawing/2014/main" xmlns="" id="{5EB58F29-43BC-250B-F029-F71591A0B61F}"/>
             </a:ext>
           </a:extLst>
         </p:cNvPr>
@@ -3396,7 +3505,7 @@
           <p:cNvPr id="2" name="Slide Image Placeholder 1">
             <a:extLst>
               <a:ext uri="{FF2B5EF4-FFF2-40B4-BE49-F238E27FC236}">
-                <a16:creationId xmlns="" xmlns:a16="http://schemas.microsoft.com/office/drawing/2014/main" id="{5DE86BF1-A149-E84A-3F16-6B3EA6508255}"/>
+                <a16:creationId xmlns:a16="http://schemas.microsoft.com/office/drawing/2014/main" xmlns="" id="{5DE86BF1-A149-E84A-3F16-6B3EA6508255}"/>
               </a:ext>
             </a:extLst>
           </p:cNvPr>
@@ -3414,7 +3523,7 @@
           <p:cNvPr id="3" name="Notes Placeholder 2">
             <a:extLst>
               <a:ext uri="{FF2B5EF4-FFF2-40B4-BE49-F238E27FC236}">
-                <a16:creationId xmlns="" xmlns:a16="http://schemas.microsoft.com/office/drawing/2014/main" id="{CA0F34B0-7045-260E-477B-11A6EFF1956C}"/>
+                <a16:creationId xmlns:a16="http://schemas.microsoft.com/office/drawing/2014/main" xmlns="" id="{CA0F34B0-7045-260E-477B-11A6EFF1956C}"/>
               </a:ext>
             </a:extLst>
           </p:cNvPr>
@@ -3439,7 +3548,7 @@
           <p:cNvPr id="4" name="Slide Number Placeholder 3">
             <a:extLst>
               <a:ext uri="{FF2B5EF4-FFF2-40B4-BE49-F238E27FC236}">
-                <a16:creationId xmlns="" xmlns:a16="http://schemas.microsoft.com/office/drawing/2014/main" id="{A5688479-B809-6A48-F4C5-5339F475891A}"/>
+                <a16:creationId xmlns:a16="http://schemas.microsoft.com/office/drawing/2014/main" xmlns="" id="{A5688479-B809-6A48-F4C5-5339F475891A}"/>
               </a:ext>
             </a:extLst>
           </p:cNvPr>
@@ -3484,7 +3593,7 @@
         <p:cNvPr id="1" name="">
           <a:extLst>
             <a:ext uri="{FF2B5EF4-FFF2-40B4-BE49-F238E27FC236}">
-              <a16:creationId xmlns="" xmlns:a16="http://schemas.microsoft.com/office/drawing/2014/main" id="{84847B3D-F9FE-E845-0A9E-7B3E4737F607}"/>
+              <a16:creationId xmlns:a16="http://schemas.microsoft.com/office/drawing/2014/main" xmlns="" id="{84847B3D-F9FE-E845-0A9E-7B3E4737F607}"/>
             </a:ext>
           </a:extLst>
         </p:cNvPr>
@@ -3504,7 +3613,7 @@
           <p:cNvPr id="2" name="Slide Image Placeholder 1">
             <a:extLst>
               <a:ext uri="{FF2B5EF4-FFF2-40B4-BE49-F238E27FC236}">
-                <a16:creationId xmlns="" xmlns:a16="http://schemas.microsoft.com/office/drawing/2014/main" id="{A65C55DC-40F4-B8B2-A44F-CEE7EA9104C1}"/>
+                <a16:creationId xmlns:a16="http://schemas.microsoft.com/office/drawing/2014/main" xmlns="" id="{A65C55DC-40F4-B8B2-A44F-CEE7EA9104C1}"/>
               </a:ext>
             </a:extLst>
           </p:cNvPr>
@@ -3522,7 +3631,7 @@
           <p:cNvPr id="3" name="Notes Placeholder 2">
             <a:extLst>
               <a:ext uri="{FF2B5EF4-FFF2-40B4-BE49-F238E27FC236}">
-                <a16:creationId xmlns="" xmlns:a16="http://schemas.microsoft.com/office/drawing/2014/main" id="{AFAEFE12-CFF9-2E00-9808-098A1D824723}"/>
+                <a16:creationId xmlns:a16="http://schemas.microsoft.com/office/drawing/2014/main" xmlns="" id="{AFAEFE12-CFF9-2E00-9808-098A1D824723}"/>
               </a:ext>
             </a:extLst>
           </p:cNvPr>
@@ -3547,7 +3656,7 @@
           <p:cNvPr id="4" name="Slide Number Placeholder 3">
             <a:extLst>
               <a:ext uri="{FF2B5EF4-FFF2-40B4-BE49-F238E27FC236}">
-                <a16:creationId xmlns="" xmlns:a16="http://schemas.microsoft.com/office/drawing/2014/main" id="{85084F94-5BAE-E3B2-298D-1E3D1D48D1F6}"/>
+                <a16:creationId xmlns:a16="http://schemas.microsoft.com/office/drawing/2014/main" xmlns="" id="{85084F94-5BAE-E3B2-298D-1E3D1D48D1F6}"/>
               </a:ext>
             </a:extLst>
           </p:cNvPr>
@@ -3614,7 +3723,7 @@
           <p:cNvPr id="7" name="Picture Placeholder 6">
             <a:extLst>
               <a:ext uri="{FF2B5EF4-FFF2-40B4-BE49-F238E27FC236}">
-                <a16:creationId xmlns="" xmlns:a16="http://schemas.microsoft.com/office/drawing/2014/main" id="{7A7F58C7-D277-8F14-F024-4B41D20D054F}"/>
+                <a16:creationId xmlns:a16="http://schemas.microsoft.com/office/drawing/2014/main" xmlns="" id="{7A7F58C7-D277-8F14-F024-4B41D20D054F}"/>
               </a:ext>
             </a:extLst>
           </p:cNvPr>
@@ -3659,7 +3768,7 @@
           <p:cNvPr id="6" name="Title 1">
             <a:extLst>
               <a:ext uri="{FF2B5EF4-FFF2-40B4-BE49-F238E27FC236}">
-                <a16:creationId xmlns="" xmlns:a16="http://schemas.microsoft.com/office/drawing/2014/main" id="{2E8C189B-2E00-67DA-E342-3440F5EBB4CE}"/>
+                <a16:creationId xmlns:a16="http://schemas.microsoft.com/office/drawing/2014/main" xmlns="" id="{2E8C189B-2E00-67DA-E342-3440F5EBB4CE}"/>
               </a:ext>
             </a:extLst>
           </p:cNvPr>
@@ -3732,7 +3841,7 @@
           <p:cNvPr id="2" name="Title 1">
             <a:extLst>
               <a:ext uri="{FF2B5EF4-FFF2-40B4-BE49-F238E27FC236}">
-                <a16:creationId xmlns="" xmlns:a16="http://schemas.microsoft.com/office/drawing/2014/main" id="{0C40C44A-93E6-6C58-5E88-AFDC594EC27A}"/>
+                <a16:creationId xmlns:a16="http://schemas.microsoft.com/office/drawing/2014/main" xmlns="" id="{0C40C44A-93E6-6C58-5E88-AFDC594EC27A}"/>
               </a:ext>
             </a:extLst>
           </p:cNvPr>
@@ -3771,7 +3880,7 @@
           <p:cNvPr id="8" name="Content Placeholder 10">
             <a:extLst>
               <a:ext uri="{FF2B5EF4-FFF2-40B4-BE49-F238E27FC236}">
-                <a16:creationId xmlns="" xmlns:a16="http://schemas.microsoft.com/office/drawing/2014/main" id="{A524C1E0-92FE-D7D2-83A7-46D29A838874}"/>
+                <a16:creationId xmlns:a16="http://schemas.microsoft.com/office/drawing/2014/main" xmlns="" id="{A524C1E0-92FE-D7D2-83A7-46D29A838874}"/>
               </a:ext>
             </a:extLst>
           </p:cNvPr>
@@ -3919,7 +4028,7 @@
           <p:cNvPr id="11" name="Content Placeholder 10">
             <a:extLst>
               <a:ext uri="{FF2B5EF4-FFF2-40B4-BE49-F238E27FC236}">
-                <a16:creationId xmlns="" xmlns:a16="http://schemas.microsoft.com/office/drawing/2014/main" id="{427E0367-8E38-8905-DC9A-D0C376A591A7}"/>
+                <a16:creationId xmlns:a16="http://schemas.microsoft.com/office/drawing/2014/main" xmlns="" id="{427E0367-8E38-8905-DC9A-D0C376A591A7}"/>
               </a:ext>
             </a:extLst>
           </p:cNvPr>
@@ -4067,10 +4176,10 @@
           <p:cNvPr id="10" name="Rectangle 9">
             <a:extLst>
               <a:ext uri="{FF2B5EF4-FFF2-40B4-BE49-F238E27FC236}">
-                <a16:creationId xmlns="" xmlns:a16="http://schemas.microsoft.com/office/drawing/2014/main" id="{43D847DE-29F2-8ABB-1718-34BED4F37718}"/>
+                <a16:creationId xmlns:a16="http://schemas.microsoft.com/office/drawing/2014/main" xmlns="" id="{43D847DE-29F2-8ABB-1718-34BED4F37718}"/>
               </a:ext>
               <a:ext uri="{C183D7F6-B498-43B3-948B-1728B52AA6E4}">
-                <adec:decorative xmlns="" xmlns:adec="http://schemas.microsoft.com/office/drawing/2017/decorative" val="1"/>
+                <adec:decorative xmlns:adec="http://schemas.microsoft.com/office/drawing/2017/decorative" xmlns="" val="1"/>
               </a:ext>
             </a:extLst>
           </p:cNvPr>
@@ -4139,7 +4248,7 @@
           <p:cNvPr id="5" name="Date Placeholder 4">
             <a:extLst>
               <a:ext uri="{FF2B5EF4-FFF2-40B4-BE49-F238E27FC236}">
-                <a16:creationId xmlns="" xmlns:a16="http://schemas.microsoft.com/office/drawing/2014/main" id="{C6CFCEB5-4092-FD13-478E-51CD74FDB82E}"/>
+                <a16:creationId xmlns:a16="http://schemas.microsoft.com/office/drawing/2014/main" xmlns="" id="{C6CFCEB5-4092-FD13-478E-51CD74FDB82E}"/>
               </a:ext>
             </a:extLst>
           </p:cNvPr>
@@ -4157,7 +4266,7 @@
           <a:p>
             <a:fld id="{D6D8061D-18C3-4F4F-85EF-561633F58754}" type="datetimeFigureOut">
               <a:rPr lang="en-US" smtClean="0"/>
-              <a:t>3/2/2025</a:t>
+              <a:t>3/4/2025</a:t>
             </a:fld>
             <a:endParaRPr lang="en-US"/>
           </a:p>
@@ -4168,7 +4277,7 @@
           <p:cNvPr id="6" name="Footer Placeholder 5">
             <a:extLst>
               <a:ext uri="{FF2B5EF4-FFF2-40B4-BE49-F238E27FC236}">
-                <a16:creationId xmlns="" xmlns:a16="http://schemas.microsoft.com/office/drawing/2014/main" id="{5D077A4D-E7C0-912D-293F-D93F0CB5CA49}"/>
+                <a16:creationId xmlns:a16="http://schemas.microsoft.com/office/drawing/2014/main" xmlns="" id="{5D077A4D-E7C0-912D-293F-D93F0CB5CA49}"/>
               </a:ext>
             </a:extLst>
           </p:cNvPr>
@@ -4193,7 +4302,7 @@
           <p:cNvPr id="7" name="Slide Number Placeholder 6">
             <a:extLst>
               <a:ext uri="{FF2B5EF4-FFF2-40B4-BE49-F238E27FC236}">
-                <a16:creationId xmlns="" xmlns:a16="http://schemas.microsoft.com/office/drawing/2014/main" id="{CA6AA9E1-334B-5F8F-8A92-67DD095F7838}"/>
+                <a16:creationId xmlns:a16="http://schemas.microsoft.com/office/drawing/2014/main" xmlns="" id="{CA6AA9E1-334B-5F8F-8A92-67DD095F7838}"/>
               </a:ext>
             </a:extLst>
           </p:cNvPr>
@@ -4252,7 +4361,7 @@
           <p:cNvPr id="2" name="Title 1">
             <a:extLst>
               <a:ext uri="{FF2B5EF4-FFF2-40B4-BE49-F238E27FC236}">
-                <a16:creationId xmlns="" xmlns:a16="http://schemas.microsoft.com/office/drawing/2014/main" id="{F657BD59-35CC-9BB3-8621-6FA3356F81AA}"/>
+                <a16:creationId xmlns:a16="http://schemas.microsoft.com/office/drawing/2014/main" xmlns="" id="{F657BD59-35CC-9BB3-8621-6FA3356F81AA}"/>
               </a:ext>
             </a:extLst>
           </p:cNvPr>
@@ -4286,7 +4395,7 @@
           <p:cNvPr id="8" name="Table Placeholder 7">
             <a:extLst>
               <a:ext uri="{FF2B5EF4-FFF2-40B4-BE49-F238E27FC236}">
-                <a16:creationId xmlns="" xmlns:a16="http://schemas.microsoft.com/office/drawing/2014/main" id="{0CEAFE70-86D3-8690-31CA-F9A1FBA494D0}"/>
+                <a16:creationId xmlns:a16="http://schemas.microsoft.com/office/drawing/2014/main" xmlns="" id="{0CEAFE70-86D3-8690-31CA-F9A1FBA494D0}"/>
               </a:ext>
             </a:extLst>
           </p:cNvPr>
@@ -4324,7 +4433,7 @@
           <p:cNvPr id="4" name="Date Placeholder 3">
             <a:extLst>
               <a:ext uri="{FF2B5EF4-FFF2-40B4-BE49-F238E27FC236}">
-                <a16:creationId xmlns="" xmlns:a16="http://schemas.microsoft.com/office/drawing/2014/main" id="{8C56EB0F-63C8-5F75-A333-3413A9DC6F76}"/>
+                <a16:creationId xmlns:a16="http://schemas.microsoft.com/office/drawing/2014/main" xmlns="" id="{8C56EB0F-63C8-5F75-A333-3413A9DC6F76}"/>
               </a:ext>
             </a:extLst>
           </p:cNvPr>
@@ -4342,7 +4451,7 @@
           <a:p>
             <a:fld id="{D6D8061D-18C3-4F4F-85EF-561633F58754}" type="datetimeFigureOut">
               <a:rPr lang="en-US" smtClean="0"/>
-              <a:t>3/2/2025</a:t>
+              <a:t>3/4/2025</a:t>
             </a:fld>
             <a:endParaRPr lang="en-US"/>
           </a:p>
@@ -4353,7 +4462,7 @@
           <p:cNvPr id="5" name="Footer Placeholder 4">
             <a:extLst>
               <a:ext uri="{FF2B5EF4-FFF2-40B4-BE49-F238E27FC236}">
-                <a16:creationId xmlns="" xmlns:a16="http://schemas.microsoft.com/office/drawing/2014/main" id="{4D4DE333-25B4-E092-1CC4-C3D20BA25168}"/>
+                <a16:creationId xmlns:a16="http://schemas.microsoft.com/office/drawing/2014/main" xmlns="" id="{4D4DE333-25B4-E092-1CC4-C3D20BA25168}"/>
               </a:ext>
             </a:extLst>
           </p:cNvPr>
@@ -4378,7 +4487,7 @@
           <p:cNvPr id="6" name="Slide Number Placeholder 5">
             <a:extLst>
               <a:ext uri="{FF2B5EF4-FFF2-40B4-BE49-F238E27FC236}">
-                <a16:creationId xmlns="" xmlns:a16="http://schemas.microsoft.com/office/drawing/2014/main" id="{8F1AF200-E81F-A326-0EDB-4B93C71D9BF4}"/>
+                <a16:creationId xmlns:a16="http://schemas.microsoft.com/office/drawing/2014/main" xmlns="" id="{8F1AF200-E81F-A326-0EDB-4B93C71D9BF4}"/>
               </a:ext>
             </a:extLst>
           </p:cNvPr>
@@ -4437,7 +4546,7 @@
           <p:cNvPr id="12" name="Picture Placeholder 11">
             <a:extLst>
               <a:ext uri="{FF2B5EF4-FFF2-40B4-BE49-F238E27FC236}">
-                <a16:creationId xmlns="" xmlns:a16="http://schemas.microsoft.com/office/drawing/2014/main" id="{76EE6F3F-63EB-5C0E-2307-3B7CBBA1C374}"/>
+                <a16:creationId xmlns:a16="http://schemas.microsoft.com/office/drawing/2014/main" xmlns="" id="{76EE6F3F-63EB-5C0E-2307-3B7CBBA1C374}"/>
               </a:ext>
             </a:extLst>
           </p:cNvPr>
@@ -4485,7 +4594,7 @@
           <p:cNvPr id="2" name="Title 1">
             <a:extLst>
               <a:ext uri="{FF2B5EF4-FFF2-40B4-BE49-F238E27FC236}">
-                <a16:creationId xmlns="" xmlns:a16="http://schemas.microsoft.com/office/drawing/2014/main" id="{F657BD59-35CC-9BB3-8621-6FA3356F81AA}"/>
+                <a16:creationId xmlns:a16="http://schemas.microsoft.com/office/drawing/2014/main" xmlns="" id="{F657BD59-35CC-9BB3-8621-6FA3356F81AA}"/>
               </a:ext>
             </a:extLst>
           </p:cNvPr>
@@ -4531,7 +4640,7 @@
           <p:cNvPr id="10" name="Text Placeholder 9">
             <a:extLst>
               <a:ext uri="{FF2B5EF4-FFF2-40B4-BE49-F238E27FC236}">
-                <a16:creationId xmlns="" xmlns:a16="http://schemas.microsoft.com/office/drawing/2014/main" id="{E12DA517-30B0-BC62-0422-F995FB9189E2}"/>
+                <a16:creationId xmlns:a16="http://schemas.microsoft.com/office/drawing/2014/main" xmlns="" id="{E12DA517-30B0-BC62-0422-F995FB9189E2}"/>
               </a:ext>
             </a:extLst>
           </p:cNvPr>
@@ -4653,7 +4762,7 @@
           <p:cNvPr id="2" name="Title 1">
             <a:extLst>
               <a:ext uri="{FF2B5EF4-FFF2-40B4-BE49-F238E27FC236}">
-                <a16:creationId xmlns="" xmlns:a16="http://schemas.microsoft.com/office/drawing/2014/main" id="{F657BD59-35CC-9BB3-8621-6FA3356F81AA}"/>
+                <a16:creationId xmlns:a16="http://schemas.microsoft.com/office/drawing/2014/main" xmlns="" id="{F657BD59-35CC-9BB3-8621-6FA3356F81AA}"/>
               </a:ext>
             </a:extLst>
           </p:cNvPr>
@@ -4692,7 +4801,7 @@
           <p:cNvPr id="10" name="Picture Placeholder 9">
             <a:extLst>
               <a:ext uri="{FF2B5EF4-FFF2-40B4-BE49-F238E27FC236}">
-                <a16:creationId xmlns="" xmlns:a16="http://schemas.microsoft.com/office/drawing/2014/main" id="{6B8CBAD6-FC79-B2BB-0B67-26429A6D4C8C}"/>
+                <a16:creationId xmlns:a16="http://schemas.microsoft.com/office/drawing/2014/main" xmlns="" id="{6B8CBAD6-FC79-B2BB-0B67-26429A6D4C8C}"/>
               </a:ext>
             </a:extLst>
           </p:cNvPr>
@@ -4739,7 +4848,7 @@
           <p:cNvPr id="3" name="Content Placeholder 2">
             <a:extLst>
               <a:ext uri="{FF2B5EF4-FFF2-40B4-BE49-F238E27FC236}">
-                <a16:creationId xmlns="" xmlns:a16="http://schemas.microsoft.com/office/drawing/2014/main" id="{A772710C-A212-1B12-06CD-FA2A14F89D68}"/>
+                <a16:creationId xmlns:a16="http://schemas.microsoft.com/office/drawing/2014/main" xmlns="" id="{A772710C-A212-1B12-06CD-FA2A14F89D68}"/>
               </a:ext>
             </a:extLst>
           </p:cNvPr>
@@ -4854,10 +4963,10 @@
           <p:cNvPr id="11" name="Rectangle 10">
             <a:extLst>
               <a:ext uri="{FF2B5EF4-FFF2-40B4-BE49-F238E27FC236}">
-                <a16:creationId xmlns="" xmlns:a16="http://schemas.microsoft.com/office/drawing/2014/main" id="{934796A3-781D-5244-DAB8-2D6EE0AC3B70}"/>
+                <a16:creationId xmlns:a16="http://schemas.microsoft.com/office/drawing/2014/main" xmlns="" id="{934796A3-781D-5244-DAB8-2D6EE0AC3B70}"/>
               </a:ext>
               <a:ext uri="{C183D7F6-B498-43B3-948B-1728B52AA6E4}">
-                <adec:decorative xmlns="" xmlns:adec="http://schemas.microsoft.com/office/drawing/2017/decorative" val="1"/>
+                <adec:decorative xmlns:adec="http://schemas.microsoft.com/office/drawing/2017/decorative" xmlns="" val="1"/>
               </a:ext>
             </a:extLst>
           </p:cNvPr>
@@ -4933,7 +5042,7 @@
   </p:clrMapOvr>
   <p:extLst>
     <p:ext uri="{DCECCB84-F9BA-43D5-87BE-67443E8EF086}">
-      <p15:sldGuideLst xmlns="" xmlns:p15="http://schemas.microsoft.com/office/powerpoint/2012/main">
+      <p15:sldGuideLst xmlns:p15="http://schemas.microsoft.com/office/powerpoint/2012/main" xmlns="">
         <p15:guide id="1" orient="horz" pos="2160" userDrawn="1">
           <p15:clr>
             <a:srgbClr val="FBAE40"/>
@@ -4972,7 +5081,7 @@
           <p:cNvPr id="2" name="Title 1">
             <a:extLst>
               <a:ext uri="{FF2B5EF4-FFF2-40B4-BE49-F238E27FC236}">
-                <a16:creationId xmlns="" xmlns:a16="http://schemas.microsoft.com/office/drawing/2014/main" id="{32772C41-A024-2F33-1F04-21E003FA7291}"/>
+                <a16:creationId xmlns:a16="http://schemas.microsoft.com/office/drawing/2014/main" xmlns="" id="{32772C41-A024-2F33-1F04-21E003FA7291}"/>
               </a:ext>
             </a:extLst>
           </p:cNvPr>
@@ -5012,7 +5121,7 @@
           <p:cNvPr id="12" name="Picture Placeholder 11">
             <a:extLst>
               <a:ext uri="{FF2B5EF4-FFF2-40B4-BE49-F238E27FC236}">
-                <a16:creationId xmlns="" xmlns:a16="http://schemas.microsoft.com/office/drawing/2014/main" id="{82836803-D9E6-3DF1-3B90-1E7E677CC7B7}"/>
+                <a16:creationId xmlns:a16="http://schemas.microsoft.com/office/drawing/2014/main" xmlns="" id="{82836803-D9E6-3DF1-3B90-1E7E677CC7B7}"/>
               </a:ext>
             </a:extLst>
           </p:cNvPr>
@@ -5058,7 +5167,7 @@
           <p:cNvPr id="3" name="Subtitle 2">
             <a:extLst>
               <a:ext uri="{FF2B5EF4-FFF2-40B4-BE49-F238E27FC236}">
-                <a16:creationId xmlns="" xmlns:a16="http://schemas.microsoft.com/office/drawing/2014/main" id="{473BC2DF-9C2A-052C-AD2C-0A8ABAA50374}"/>
+                <a16:creationId xmlns:a16="http://schemas.microsoft.com/office/drawing/2014/main" xmlns="" id="{473BC2DF-9C2A-052C-AD2C-0A8ABAA50374}"/>
               </a:ext>
             </a:extLst>
           </p:cNvPr>
@@ -5184,7 +5293,7 @@
           <p:cNvPr id="2" name="Title 1">
             <a:extLst>
               <a:ext uri="{FF2B5EF4-FFF2-40B4-BE49-F238E27FC236}">
-                <a16:creationId xmlns="" xmlns:a16="http://schemas.microsoft.com/office/drawing/2014/main" id="{F657BD59-35CC-9BB3-8621-6FA3356F81AA}"/>
+                <a16:creationId xmlns:a16="http://schemas.microsoft.com/office/drawing/2014/main" xmlns="" id="{F657BD59-35CC-9BB3-8621-6FA3356F81AA}"/>
               </a:ext>
             </a:extLst>
           </p:cNvPr>
@@ -5223,7 +5332,7 @@
           <p:cNvPr id="10" name="Picture Placeholder 9">
             <a:extLst>
               <a:ext uri="{FF2B5EF4-FFF2-40B4-BE49-F238E27FC236}">
-                <a16:creationId xmlns="" xmlns:a16="http://schemas.microsoft.com/office/drawing/2014/main" id="{511A5385-FB23-93A8-2B8F-9887244244DF}"/>
+                <a16:creationId xmlns:a16="http://schemas.microsoft.com/office/drawing/2014/main" xmlns="" id="{511A5385-FB23-93A8-2B8F-9887244244DF}"/>
               </a:ext>
             </a:extLst>
           </p:cNvPr>
@@ -5264,7 +5373,7 @@
           <p:cNvPr id="3" name="Content Placeholder 2">
             <a:extLst>
               <a:ext uri="{FF2B5EF4-FFF2-40B4-BE49-F238E27FC236}">
-                <a16:creationId xmlns="" xmlns:a16="http://schemas.microsoft.com/office/drawing/2014/main" id="{A772710C-A212-1B12-06CD-FA2A14F89D68}"/>
+                <a16:creationId xmlns:a16="http://schemas.microsoft.com/office/drawing/2014/main" xmlns="" id="{A772710C-A212-1B12-06CD-FA2A14F89D68}"/>
               </a:ext>
             </a:extLst>
           </p:cNvPr>
@@ -5399,10 +5508,10 @@
           <p:cNvPr id="8" name="Rectangle 7">
             <a:extLst>
               <a:ext uri="{FF2B5EF4-FFF2-40B4-BE49-F238E27FC236}">
-                <a16:creationId xmlns="" xmlns:a16="http://schemas.microsoft.com/office/drawing/2014/main" id="{50E25A87-9155-9E07-878F-CEC0B137C2D7}"/>
+                <a16:creationId xmlns:a16="http://schemas.microsoft.com/office/drawing/2014/main" xmlns="" id="{50E25A87-9155-9E07-878F-CEC0B137C2D7}"/>
               </a:ext>
               <a:ext uri="{C183D7F6-B498-43B3-948B-1728B52AA6E4}">
-                <adec:decorative xmlns="" xmlns:adec="http://schemas.microsoft.com/office/drawing/2017/decorative" val="1"/>
+                <adec:decorative xmlns:adec="http://schemas.microsoft.com/office/drawing/2017/decorative" xmlns="" val="1"/>
               </a:ext>
             </a:extLst>
           </p:cNvPr>
@@ -5501,7 +5610,7 @@
           <p:cNvPr id="2" name="Title 1">
             <a:extLst>
               <a:ext uri="{FF2B5EF4-FFF2-40B4-BE49-F238E27FC236}">
-                <a16:creationId xmlns="" xmlns:a16="http://schemas.microsoft.com/office/drawing/2014/main" id="{32772C41-A024-2F33-1F04-21E003FA7291}"/>
+                <a16:creationId xmlns:a16="http://schemas.microsoft.com/office/drawing/2014/main" xmlns="" id="{32772C41-A024-2F33-1F04-21E003FA7291}"/>
               </a:ext>
             </a:extLst>
           </p:cNvPr>
@@ -5540,7 +5649,7 @@
           <p:cNvPr id="3" name="Subtitle 2">
             <a:extLst>
               <a:ext uri="{FF2B5EF4-FFF2-40B4-BE49-F238E27FC236}">
-                <a16:creationId xmlns="" xmlns:a16="http://schemas.microsoft.com/office/drawing/2014/main" id="{473BC2DF-9C2A-052C-AD2C-0A8ABAA50374}"/>
+                <a16:creationId xmlns:a16="http://schemas.microsoft.com/office/drawing/2014/main" xmlns="" id="{473BC2DF-9C2A-052C-AD2C-0A8ABAA50374}"/>
               </a:ext>
             </a:extLst>
           </p:cNvPr>
@@ -5666,10 +5775,10 @@
           <p:cNvPr id="10" name="Rectangle 9">
             <a:extLst>
               <a:ext uri="{FF2B5EF4-FFF2-40B4-BE49-F238E27FC236}">
-                <a16:creationId xmlns="" xmlns:a16="http://schemas.microsoft.com/office/drawing/2014/main" id="{29577E27-B60E-C6DD-BAAF-5CCC3D59E5D5}"/>
+                <a16:creationId xmlns:a16="http://schemas.microsoft.com/office/drawing/2014/main" xmlns="" id="{29577E27-B60E-C6DD-BAAF-5CCC3D59E5D5}"/>
               </a:ext>
               <a:ext uri="{C183D7F6-B498-43B3-948B-1728B52AA6E4}">
-                <adec:decorative xmlns="" xmlns:adec="http://schemas.microsoft.com/office/drawing/2017/decorative" val="1"/>
+                <adec:decorative xmlns:adec="http://schemas.microsoft.com/office/drawing/2017/decorative" xmlns="" val="1"/>
               </a:ext>
             </a:extLst>
           </p:cNvPr>
@@ -5738,7 +5847,7 @@
           <p:cNvPr id="2" name="Title 1">
             <a:extLst>
               <a:ext uri="{FF2B5EF4-FFF2-40B4-BE49-F238E27FC236}">
-                <a16:creationId xmlns="" xmlns:a16="http://schemas.microsoft.com/office/drawing/2014/main" id="{0C40C44A-93E6-6C58-5E88-AFDC594EC27A}"/>
+                <a16:creationId xmlns:a16="http://schemas.microsoft.com/office/drawing/2014/main" xmlns="" id="{0C40C44A-93E6-6C58-5E88-AFDC594EC27A}"/>
               </a:ext>
             </a:extLst>
           </p:cNvPr>
@@ -5777,7 +5886,7 @@
           <p:cNvPr id="9" name="Content Placeholder 10">
             <a:extLst>
               <a:ext uri="{FF2B5EF4-FFF2-40B4-BE49-F238E27FC236}">
-                <a16:creationId xmlns="" xmlns:a16="http://schemas.microsoft.com/office/drawing/2014/main" id="{964CA031-27E0-D0AA-1451-A904CCF234FE}"/>
+                <a16:creationId xmlns:a16="http://schemas.microsoft.com/office/drawing/2014/main" xmlns="" id="{964CA031-27E0-D0AA-1451-A904CCF234FE}"/>
               </a:ext>
             </a:extLst>
           </p:cNvPr>
@@ -5922,7 +6031,7 @@
           <p:cNvPr id="12" name="Content Placeholder 10">
             <a:extLst>
               <a:ext uri="{FF2B5EF4-FFF2-40B4-BE49-F238E27FC236}">
-                <a16:creationId xmlns="" xmlns:a16="http://schemas.microsoft.com/office/drawing/2014/main" id="{81FE0D7D-86B7-CCD2-A7A1-70E95846B542}"/>
+                <a16:creationId xmlns:a16="http://schemas.microsoft.com/office/drawing/2014/main" xmlns="" id="{81FE0D7D-86B7-CCD2-A7A1-70E95846B542}"/>
               </a:ext>
             </a:extLst>
           </p:cNvPr>
@@ -6067,7 +6176,7 @@
           <p:cNvPr id="5" name="Date Placeholder 4">
             <a:extLst>
               <a:ext uri="{FF2B5EF4-FFF2-40B4-BE49-F238E27FC236}">
-                <a16:creationId xmlns="" xmlns:a16="http://schemas.microsoft.com/office/drawing/2014/main" id="{C6CFCEB5-4092-FD13-478E-51CD74FDB82E}"/>
+                <a16:creationId xmlns:a16="http://schemas.microsoft.com/office/drawing/2014/main" xmlns="" id="{C6CFCEB5-4092-FD13-478E-51CD74FDB82E}"/>
               </a:ext>
             </a:extLst>
           </p:cNvPr>
@@ -6085,7 +6194,7 @@
           <a:p>
             <a:fld id="{D6D8061D-18C3-4F4F-85EF-561633F58754}" type="datetimeFigureOut">
               <a:rPr lang="en-US" smtClean="0"/>
-              <a:t>3/2/2025</a:t>
+              <a:t>3/4/2025</a:t>
             </a:fld>
             <a:endParaRPr lang="en-US"/>
           </a:p>
@@ -6096,7 +6205,7 @@
           <p:cNvPr id="6" name="Footer Placeholder 5">
             <a:extLst>
               <a:ext uri="{FF2B5EF4-FFF2-40B4-BE49-F238E27FC236}">
-                <a16:creationId xmlns="" xmlns:a16="http://schemas.microsoft.com/office/drawing/2014/main" id="{5D077A4D-E7C0-912D-293F-D93F0CB5CA49}"/>
+                <a16:creationId xmlns:a16="http://schemas.microsoft.com/office/drawing/2014/main" xmlns="" id="{5D077A4D-E7C0-912D-293F-D93F0CB5CA49}"/>
               </a:ext>
             </a:extLst>
           </p:cNvPr>
@@ -6121,7 +6230,7 @@
           <p:cNvPr id="7" name="Slide Number Placeholder 6">
             <a:extLst>
               <a:ext uri="{FF2B5EF4-FFF2-40B4-BE49-F238E27FC236}">
-                <a16:creationId xmlns="" xmlns:a16="http://schemas.microsoft.com/office/drawing/2014/main" id="{CA6AA9E1-334B-5F8F-8A92-67DD095F7838}"/>
+                <a16:creationId xmlns:a16="http://schemas.microsoft.com/office/drawing/2014/main" xmlns="" id="{CA6AA9E1-334B-5F8F-8A92-67DD095F7838}"/>
               </a:ext>
             </a:extLst>
           </p:cNvPr>
@@ -6180,7 +6289,7 @@
           <p:cNvPr id="2" name="Title 1">
             <a:extLst>
               <a:ext uri="{FF2B5EF4-FFF2-40B4-BE49-F238E27FC236}">
-                <a16:creationId xmlns="" xmlns:a16="http://schemas.microsoft.com/office/drawing/2014/main" id="{0C40C44A-93E6-6C58-5E88-AFDC594EC27A}"/>
+                <a16:creationId xmlns:a16="http://schemas.microsoft.com/office/drawing/2014/main" xmlns="" id="{0C40C44A-93E6-6C58-5E88-AFDC594EC27A}"/>
               </a:ext>
             </a:extLst>
           </p:cNvPr>
@@ -6219,7 +6328,7 @@
           <p:cNvPr id="11" name="Content Placeholder 10">
             <a:extLst>
               <a:ext uri="{FF2B5EF4-FFF2-40B4-BE49-F238E27FC236}">
-                <a16:creationId xmlns="" xmlns:a16="http://schemas.microsoft.com/office/drawing/2014/main" id="{2D2DE411-9D7C-15AE-0B59-F26B2BF8C522}"/>
+                <a16:creationId xmlns:a16="http://schemas.microsoft.com/office/drawing/2014/main" xmlns="" id="{2D2DE411-9D7C-15AE-0B59-F26B2BF8C522}"/>
               </a:ext>
             </a:extLst>
           </p:cNvPr>
@@ -6357,7 +6466,7 @@
           <p:cNvPr id="4" name="Content Placeholder 10">
             <a:extLst>
               <a:ext uri="{FF2B5EF4-FFF2-40B4-BE49-F238E27FC236}">
-                <a16:creationId xmlns="" xmlns:a16="http://schemas.microsoft.com/office/drawing/2014/main" id="{60FEDE7C-502F-ECFE-4136-E99206849C2A}"/>
+                <a16:creationId xmlns:a16="http://schemas.microsoft.com/office/drawing/2014/main" xmlns="" id="{60FEDE7C-502F-ECFE-4136-E99206849C2A}"/>
               </a:ext>
             </a:extLst>
           </p:cNvPr>
@@ -6502,7 +6611,7 @@
           <p:cNvPr id="5" name="Date Placeholder 4">
             <a:extLst>
               <a:ext uri="{FF2B5EF4-FFF2-40B4-BE49-F238E27FC236}">
-                <a16:creationId xmlns="" xmlns:a16="http://schemas.microsoft.com/office/drawing/2014/main" id="{C6CFCEB5-4092-FD13-478E-51CD74FDB82E}"/>
+                <a16:creationId xmlns:a16="http://schemas.microsoft.com/office/drawing/2014/main" xmlns="" id="{C6CFCEB5-4092-FD13-478E-51CD74FDB82E}"/>
               </a:ext>
             </a:extLst>
           </p:cNvPr>
@@ -6520,7 +6629,7 @@
           <a:p>
             <a:fld id="{D6D8061D-18C3-4F4F-85EF-561633F58754}" type="datetimeFigureOut">
               <a:rPr lang="en-US" smtClean="0"/>
-              <a:t>3/2/2025</a:t>
+              <a:t>3/4/2025</a:t>
             </a:fld>
             <a:endParaRPr lang="en-US"/>
           </a:p>
@@ -6531,7 +6640,7 @@
           <p:cNvPr id="6" name="Footer Placeholder 5">
             <a:extLst>
               <a:ext uri="{FF2B5EF4-FFF2-40B4-BE49-F238E27FC236}">
-                <a16:creationId xmlns="" xmlns:a16="http://schemas.microsoft.com/office/drawing/2014/main" id="{5D077A4D-E7C0-912D-293F-D93F0CB5CA49}"/>
+                <a16:creationId xmlns:a16="http://schemas.microsoft.com/office/drawing/2014/main" xmlns="" id="{5D077A4D-E7C0-912D-293F-D93F0CB5CA49}"/>
               </a:ext>
             </a:extLst>
           </p:cNvPr>
@@ -6556,7 +6665,7 @@
           <p:cNvPr id="7" name="Slide Number Placeholder 6">
             <a:extLst>
               <a:ext uri="{FF2B5EF4-FFF2-40B4-BE49-F238E27FC236}">
-                <a16:creationId xmlns="" xmlns:a16="http://schemas.microsoft.com/office/drawing/2014/main" id="{CA6AA9E1-334B-5F8F-8A92-67DD095F7838}"/>
+                <a16:creationId xmlns:a16="http://schemas.microsoft.com/office/drawing/2014/main" xmlns="" id="{CA6AA9E1-334B-5F8F-8A92-67DD095F7838}"/>
               </a:ext>
             </a:extLst>
           </p:cNvPr>
@@ -6615,7 +6724,7 @@
           <p:cNvPr id="2" name="Title 1">
             <a:extLst>
               <a:ext uri="{FF2B5EF4-FFF2-40B4-BE49-F238E27FC236}">
-                <a16:creationId xmlns="" xmlns:a16="http://schemas.microsoft.com/office/drawing/2014/main" id="{0C40C44A-93E6-6C58-5E88-AFDC594EC27A}"/>
+                <a16:creationId xmlns:a16="http://schemas.microsoft.com/office/drawing/2014/main" xmlns="" id="{0C40C44A-93E6-6C58-5E88-AFDC594EC27A}"/>
               </a:ext>
             </a:extLst>
           </p:cNvPr>
@@ -6655,7 +6764,7 @@
           <p:cNvPr id="4" name="Content Placeholder 10">
             <a:extLst>
               <a:ext uri="{FF2B5EF4-FFF2-40B4-BE49-F238E27FC236}">
-                <a16:creationId xmlns="" xmlns:a16="http://schemas.microsoft.com/office/drawing/2014/main" id="{5F30E2A0-23EF-51B1-8ABD-00429EEA0642}"/>
+                <a16:creationId xmlns:a16="http://schemas.microsoft.com/office/drawing/2014/main" xmlns="" id="{5F30E2A0-23EF-51B1-8ABD-00429EEA0642}"/>
               </a:ext>
             </a:extLst>
           </p:cNvPr>
@@ -6800,7 +6909,7 @@
           <p:cNvPr id="11" name="Picture Placeholder 10">
             <a:extLst>
               <a:ext uri="{FF2B5EF4-FFF2-40B4-BE49-F238E27FC236}">
-                <a16:creationId xmlns="" xmlns:a16="http://schemas.microsoft.com/office/drawing/2014/main" id="{AF15552F-C66B-341F-2D37-0389710BA5E2}"/>
+                <a16:creationId xmlns:a16="http://schemas.microsoft.com/office/drawing/2014/main" xmlns="" id="{AF15552F-C66B-341F-2D37-0389710BA5E2}"/>
               </a:ext>
             </a:extLst>
           </p:cNvPr>
@@ -6841,10 +6950,10 @@
           <p:cNvPr id="12" name="Rectangle 11">
             <a:extLst>
               <a:ext uri="{FF2B5EF4-FFF2-40B4-BE49-F238E27FC236}">
-                <a16:creationId xmlns="" xmlns:a16="http://schemas.microsoft.com/office/drawing/2014/main" id="{0D8DCC6D-8B88-7BE0-7240-F743AE09EC48}"/>
+                <a16:creationId xmlns:a16="http://schemas.microsoft.com/office/drawing/2014/main" xmlns="" id="{0D8DCC6D-8B88-7BE0-7240-F743AE09EC48}"/>
               </a:ext>
               <a:ext uri="{C183D7F6-B498-43B3-948B-1728B52AA6E4}">
-                <adec:decorative xmlns="" xmlns:adec="http://schemas.microsoft.com/office/drawing/2017/decorative" val="1"/>
+                <adec:decorative xmlns:adec="http://schemas.microsoft.com/office/drawing/2017/decorative" xmlns="" val="1"/>
               </a:ext>
             </a:extLst>
           </p:cNvPr>
@@ -6943,7 +7052,7 @@
           <p:cNvPr id="2" name="Title 1">
             <a:extLst>
               <a:ext uri="{FF2B5EF4-FFF2-40B4-BE49-F238E27FC236}">
-                <a16:creationId xmlns="" xmlns:a16="http://schemas.microsoft.com/office/drawing/2014/main" id="{0C40C44A-93E6-6C58-5E88-AFDC594EC27A}"/>
+                <a16:creationId xmlns:a16="http://schemas.microsoft.com/office/drawing/2014/main" xmlns="" id="{0C40C44A-93E6-6C58-5E88-AFDC594EC27A}"/>
               </a:ext>
             </a:extLst>
           </p:cNvPr>
@@ -6982,7 +7091,7 @@
           <p:cNvPr id="4" name="Content Placeholder 10">
             <a:extLst>
               <a:ext uri="{FF2B5EF4-FFF2-40B4-BE49-F238E27FC236}">
-                <a16:creationId xmlns="" xmlns:a16="http://schemas.microsoft.com/office/drawing/2014/main" id="{9C3ED3BF-FF6B-07FA-72C4-F6102A8558AF}"/>
+                <a16:creationId xmlns:a16="http://schemas.microsoft.com/office/drawing/2014/main" xmlns="" id="{9C3ED3BF-FF6B-07FA-72C4-F6102A8558AF}"/>
               </a:ext>
             </a:extLst>
           </p:cNvPr>
@@ -7127,7 +7236,7 @@
           <p:cNvPr id="8" name="Table Placeholder 7">
             <a:extLst>
               <a:ext uri="{FF2B5EF4-FFF2-40B4-BE49-F238E27FC236}">
-                <a16:creationId xmlns="" xmlns:a16="http://schemas.microsoft.com/office/drawing/2014/main" id="{423FEB60-8FB5-7F10-EDD7-8AB4B3139EF6}"/>
+                <a16:creationId xmlns:a16="http://schemas.microsoft.com/office/drawing/2014/main" xmlns="" id="{423FEB60-8FB5-7F10-EDD7-8AB4B3139EF6}"/>
               </a:ext>
             </a:extLst>
           </p:cNvPr>
@@ -7161,7 +7270,7 @@
           <p:cNvPr id="5" name="Date Placeholder 4">
             <a:extLst>
               <a:ext uri="{FF2B5EF4-FFF2-40B4-BE49-F238E27FC236}">
-                <a16:creationId xmlns="" xmlns:a16="http://schemas.microsoft.com/office/drawing/2014/main" id="{C6CFCEB5-4092-FD13-478E-51CD74FDB82E}"/>
+                <a16:creationId xmlns:a16="http://schemas.microsoft.com/office/drawing/2014/main" xmlns="" id="{C6CFCEB5-4092-FD13-478E-51CD74FDB82E}"/>
               </a:ext>
             </a:extLst>
           </p:cNvPr>
@@ -7179,7 +7288,7 @@
           <a:p>
             <a:fld id="{D6D8061D-18C3-4F4F-85EF-561633F58754}" type="datetimeFigureOut">
               <a:rPr lang="en-US" smtClean="0"/>
-              <a:t>3/2/2025</a:t>
+              <a:t>3/4/2025</a:t>
             </a:fld>
             <a:endParaRPr lang="en-US"/>
           </a:p>
@@ -7190,7 +7299,7 @@
           <p:cNvPr id="6" name="Footer Placeholder 5">
             <a:extLst>
               <a:ext uri="{FF2B5EF4-FFF2-40B4-BE49-F238E27FC236}">
-                <a16:creationId xmlns="" xmlns:a16="http://schemas.microsoft.com/office/drawing/2014/main" id="{5D077A4D-E7C0-912D-293F-D93F0CB5CA49}"/>
+                <a16:creationId xmlns:a16="http://schemas.microsoft.com/office/drawing/2014/main" xmlns="" id="{5D077A4D-E7C0-912D-293F-D93F0CB5CA49}"/>
               </a:ext>
             </a:extLst>
           </p:cNvPr>
@@ -7215,7 +7324,7 @@
           <p:cNvPr id="7" name="Slide Number Placeholder 6">
             <a:extLst>
               <a:ext uri="{FF2B5EF4-FFF2-40B4-BE49-F238E27FC236}">
-                <a16:creationId xmlns="" xmlns:a16="http://schemas.microsoft.com/office/drawing/2014/main" id="{CA6AA9E1-334B-5F8F-8A92-67DD095F7838}"/>
+                <a16:creationId xmlns:a16="http://schemas.microsoft.com/office/drawing/2014/main" xmlns="" id="{CA6AA9E1-334B-5F8F-8A92-67DD095F7838}"/>
               </a:ext>
             </a:extLst>
           </p:cNvPr>
@@ -7279,7 +7388,7 @@
           <p:cNvPr id="2" name="Title Placeholder 1">
             <a:extLst>
               <a:ext uri="{FF2B5EF4-FFF2-40B4-BE49-F238E27FC236}">
-                <a16:creationId xmlns="" xmlns:a16="http://schemas.microsoft.com/office/drawing/2014/main" id="{4FD97564-C310-6E8C-8689-CE18881B4A17}"/>
+                <a16:creationId xmlns:a16="http://schemas.microsoft.com/office/drawing/2014/main" xmlns="" id="{4FD97564-C310-6E8C-8689-CE18881B4A17}"/>
               </a:ext>
             </a:extLst>
           </p:cNvPr>
@@ -7318,7 +7427,7 @@
           <p:cNvPr id="3" name="Text Placeholder 2">
             <a:extLst>
               <a:ext uri="{FF2B5EF4-FFF2-40B4-BE49-F238E27FC236}">
-                <a16:creationId xmlns="" xmlns:a16="http://schemas.microsoft.com/office/drawing/2014/main" id="{0FAD99FA-26D9-873B-BE7F-26FEC5C233A2}"/>
+                <a16:creationId xmlns:a16="http://schemas.microsoft.com/office/drawing/2014/main" xmlns="" id="{0FAD99FA-26D9-873B-BE7F-26FEC5C233A2}"/>
               </a:ext>
             </a:extLst>
           </p:cNvPr>
@@ -7386,7 +7495,7 @@
           <p:cNvPr id="4" name="Date Placeholder 3">
             <a:extLst>
               <a:ext uri="{FF2B5EF4-FFF2-40B4-BE49-F238E27FC236}">
-                <a16:creationId xmlns="" xmlns:a16="http://schemas.microsoft.com/office/drawing/2014/main" id="{C319819E-0266-97DD-DFD1-BAAA06AE3236}"/>
+                <a16:creationId xmlns:a16="http://schemas.microsoft.com/office/drawing/2014/main" xmlns="" id="{C319819E-0266-97DD-DFD1-BAAA06AE3236}"/>
               </a:ext>
             </a:extLst>
           </p:cNvPr>
@@ -7422,7 +7531,7 @@
           <a:p>
             <a:fld id="{D6D8061D-18C3-4F4F-85EF-561633F58754}" type="datetimeFigureOut">
               <a:rPr lang="en-US" smtClean="0"/>
-              <a:t>3/2/2025</a:t>
+              <a:t>3/4/2025</a:t>
             </a:fld>
             <a:endParaRPr lang="en-US"/>
           </a:p>
@@ -7433,7 +7542,7 @@
           <p:cNvPr id="5" name="Footer Placeholder 4">
             <a:extLst>
               <a:ext uri="{FF2B5EF4-FFF2-40B4-BE49-F238E27FC236}">
-                <a16:creationId xmlns="" xmlns:a16="http://schemas.microsoft.com/office/drawing/2014/main" id="{2BFD19C9-01CE-9E2A-CDA5-C15940F055F7}"/>
+                <a16:creationId xmlns:a16="http://schemas.microsoft.com/office/drawing/2014/main" xmlns="" id="{2BFD19C9-01CE-9E2A-CDA5-C15940F055F7}"/>
               </a:ext>
             </a:extLst>
           </p:cNvPr>
@@ -7476,7 +7585,7 @@
           <p:cNvPr id="6" name="Slide Number Placeholder 5">
             <a:extLst>
               <a:ext uri="{FF2B5EF4-FFF2-40B4-BE49-F238E27FC236}">
-                <a16:creationId xmlns="" xmlns:a16="http://schemas.microsoft.com/office/drawing/2014/main" id="{A1801085-7B28-048D-E3D3-9C3614268DA7}"/>
+                <a16:creationId xmlns:a16="http://schemas.microsoft.com/office/drawing/2014/main" xmlns="" id="{A1801085-7B28-048D-E3D3-9C3614268DA7}"/>
               </a:ext>
             </a:extLst>
           </p:cNvPr>
@@ -7845,7 +7954,7 @@
           <p:cNvPr id="6" name="Title 5">
             <a:extLst>
               <a:ext uri="{FF2B5EF4-FFF2-40B4-BE49-F238E27FC236}">
-                <a16:creationId xmlns="" xmlns:a16="http://schemas.microsoft.com/office/drawing/2014/main" id="{F20A922B-22EC-7FD8-FA8C-2FFAC558BD66}"/>
+                <a16:creationId xmlns:a16="http://schemas.microsoft.com/office/drawing/2014/main" xmlns="" id="{F20A922B-22EC-7FD8-FA8C-2FFAC558BD66}"/>
               </a:ext>
             </a:extLst>
           </p:cNvPr>
@@ -7918,7 +8027,7 @@
           <p:cNvPr id="7" name="TextBox 6">
             <a:extLst>
               <a:ext uri="{FF2B5EF4-FFF2-40B4-BE49-F238E27FC236}">
-                <a16:creationId xmlns="" xmlns:a16="http://schemas.microsoft.com/office/drawing/2014/main" id="{80FDA16B-36A0-D5C1-2B07-8EE49AE7A5F9}"/>
+                <a16:creationId xmlns:a16="http://schemas.microsoft.com/office/drawing/2014/main" xmlns="" id="{80FDA16B-36A0-D5C1-2B07-8EE49AE7A5F9}"/>
               </a:ext>
             </a:extLst>
           </p:cNvPr>
@@ -8025,7 +8134,7 @@
         <p:cNvPr id="1" name="">
           <a:extLst>
             <a:ext uri="{FF2B5EF4-FFF2-40B4-BE49-F238E27FC236}">
-              <a16:creationId xmlns="" xmlns:a16="http://schemas.microsoft.com/office/drawing/2014/main" id="{EF87400A-AA39-C6BD-0F50-19DF27F0BEE1}"/>
+              <a16:creationId xmlns:a16="http://schemas.microsoft.com/office/drawing/2014/main" xmlns="" id="{EF87400A-AA39-C6BD-0F50-19DF27F0BEE1}"/>
             </a:ext>
           </a:extLst>
         </p:cNvPr>
@@ -8045,7 +8154,7 @@
           <p:cNvPr id="7" name="Title 6">
             <a:extLst>
               <a:ext uri="{FF2B5EF4-FFF2-40B4-BE49-F238E27FC236}">
-                <a16:creationId xmlns="" xmlns:a16="http://schemas.microsoft.com/office/drawing/2014/main" id="{DDE79998-A15C-2CB6-B04B-53D589C36C00}"/>
+                <a16:creationId xmlns:a16="http://schemas.microsoft.com/office/drawing/2014/main" xmlns="" id="{DDE79998-A15C-2CB6-B04B-53D589C36C00}"/>
               </a:ext>
             </a:extLst>
           </p:cNvPr>
@@ -8089,7 +8198,7 @@
           <p:cNvPr id="4" name="TextBox 3">
             <a:extLst>
               <a:ext uri="{FF2B5EF4-FFF2-40B4-BE49-F238E27FC236}">
-                <a16:creationId xmlns="" xmlns:a16="http://schemas.microsoft.com/office/drawing/2014/main" id="{879E6C82-14DA-B822-B0AD-CDBC55F93D43}"/>
+                <a16:creationId xmlns:a16="http://schemas.microsoft.com/office/drawing/2014/main" xmlns="" id="{879E6C82-14DA-B822-B0AD-CDBC55F93D43}"/>
               </a:ext>
             </a:extLst>
           </p:cNvPr>
@@ -8175,7 +8284,7 @@
           <p:cNvPr id="18" name="Arc 17">
             <a:extLst>
               <a:ext uri="{FF2B5EF4-FFF2-40B4-BE49-F238E27FC236}">
-                <a16:creationId xmlns="" xmlns:a16="http://schemas.microsoft.com/office/drawing/2014/main" id="{9B8D2FA6-CA42-5B24-DF6B-A4BC73628119}"/>
+                <a16:creationId xmlns:a16="http://schemas.microsoft.com/office/drawing/2014/main" xmlns="" id="{9B8D2FA6-CA42-5B24-DF6B-A4BC73628119}"/>
               </a:ext>
             </a:extLst>
           </p:cNvPr>
@@ -8219,7 +8328,7 @@
           <p:cNvPr id="19" name="TextBox 18">
             <a:extLst>
               <a:ext uri="{FF2B5EF4-FFF2-40B4-BE49-F238E27FC236}">
-                <a16:creationId xmlns="" xmlns:a16="http://schemas.microsoft.com/office/drawing/2014/main" id="{1D79FC21-9495-9973-2B02-EC44707476AF}"/>
+                <a16:creationId xmlns:a16="http://schemas.microsoft.com/office/drawing/2014/main" xmlns="" id="{1D79FC21-9495-9973-2B02-EC44707476AF}"/>
               </a:ext>
             </a:extLst>
           </p:cNvPr>
@@ -8278,7 +8387,7 @@
           <p:cNvPr id="21" name="Arc 20">
             <a:extLst>
               <a:ext uri="{FF2B5EF4-FFF2-40B4-BE49-F238E27FC236}">
-                <a16:creationId xmlns="" xmlns:a16="http://schemas.microsoft.com/office/drawing/2014/main" id="{D625BEE6-1977-BBA6-6801-FA5F97103C62}"/>
+                <a16:creationId xmlns:a16="http://schemas.microsoft.com/office/drawing/2014/main" xmlns="" id="{D625BEE6-1977-BBA6-6801-FA5F97103C62}"/>
               </a:ext>
             </a:extLst>
           </p:cNvPr>
@@ -8325,7 +8434,7 @@
           <p:cNvPr id="22" name="TextBox 21">
             <a:extLst>
               <a:ext uri="{FF2B5EF4-FFF2-40B4-BE49-F238E27FC236}">
-                <a16:creationId xmlns="" xmlns:a16="http://schemas.microsoft.com/office/drawing/2014/main" id="{3C172C52-0068-4260-6B4B-32D95D57BAE3}"/>
+                <a16:creationId xmlns:a16="http://schemas.microsoft.com/office/drawing/2014/main" xmlns="" id="{3C172C52-0068-4260-6B4B-32D95D57BAE3}"/>
               </a:ext>
             </a:extLst>
           </p:cNvPr>
@@ -8407,7 +8516,7 @@
           <p:cNvPr id="23" name="Arc 22">
             <a:extLst>
               <a:ext uri="{FF2B5EF4-FFF2-40B4-BE49-F238E27FC236}">
-                <a16:creationId xmlns="" xmlns:a16="http://schemas.microsoft.com/office/drawing/2014/main" id="{E9F44C23-2D8C-90B8-227F-6E591C8E4A94}"/>
+                <a16:creationId xmlns:a16="http://schemas.microsoft.com/office/drawing/2014/main" xmlns="" id="{E9F44C23-2D8C-90B8-227F-6E591C8E4A94}"/>
               </a:ext>
             </a:extLst>
           </p:cNvPr>
@@ -8467,7 +8576,7 @@
         <p:cNvPr id="1" name="">
           <a:extLst>
             <a:ext uri="{FF2B5EF4-FFF2-40B4-BE49-F238E27FC236}">
-              <a16:creationId xmlns="" xmlns:a16="http://schemas.microsoft.com/office/drawing/2014/main" id="{EF87400A-AA39-C6BD-0F50-19DF27F0BEE1}"/>
+              <a16:creationId xmlns:a16="http://schemas.microsoft.com/office/drawing/2014/main" xmlns="" id="{EF87400A-AA39-C6BD-0F50-19DF27F0BEE1}"/>
             </a:ext>
           </a:extLst>
         </p:cNvPr>
@@ -8487,7 +8596,7 @@
           <p:cNvPr id="7" name="Title 6">
             <a:extLst>
               <a:ext uri="{FF2B5EF4-FFF2-40B4-BE49-F238E27FC236}">
-                <a16:creationId xmlns="" xmlns:a16="http://schemas.microsoft.com/office/drawing/2014/main" id="{DDE79998-A15C-2CB6-B04B-53D589C36C00}"/>
+                <a16:creationId xmlns:a16="http://schemas.microsoft.com/office/drawing/2014/main" xmlns="" id="{DDE79998-A15C-2CB6-B04B-53D589C36C00}"/>
               </a:ext>
             </a:extLst>
           </p:cNvPr>
@@ -9185,7 +9294,7 @@
         <p:cNvPr id="1" name="">
           <a:extLst>
             <a:ext uri="{FF2B5EF4-FFF2-40B4-BE49-F238E27FC236}">
-              <a16:creationId xmlns="" xmlns:a16="http://schemas.microsoft.com/office/drawing/2014/main" id="{EF87400A-AA39-C6BD-0F50-19DF27F0BEE1}"/>
+              <a16:creationId xmlns:a16="http://schemas.microsoft.com/office/drawing/2014/main" xmlns="" id="{EF87400A-AA39-C6BD-0F50-19DF27F0BEE1}"/>
             </a:ext>
           </a:extLst>
         </p:cNvPr>
@@ -9669,7 +9778,7 @@
         <p:cNvPr id="1" name="">
           <a:extLst>
             <a:ext uri="{FF2B5EF4-FFF2-40B4-BE49-F238E27FC236}">
-              <a16:creationId xmlns="" xmlns:a16="http://schemas.microsoft.com/office/drawing/2014/main" id="{EF87400A-AA39-C6BD-0F50-19DF27F0BEE1}"/>
+              <a16:creationId xmlns:a16="http://schemas.microsoft.com/office/drawing/2014/main" xmlns="" id="{EF87400A-AA39-C6BD-0F50-19DF27F0BEE1}"/>
             </a:ext>
           </a:extLst>
         </p:cNvPr>
@@ -10157,7 +10266,7 @@
         <p:cNvPr id="1" name="">
           <a:extLst>
             <a:ext uri="{FF2B5EF4-FFF2-40B4-BE49-F238E27FC236}">
-              <a16:creationId xmlns="" xmlns:a16="http://schemas.microsoft.com/office/drawing/2014/main" id="{EF87400A-AA39-C6BD-0F50-19DF27F0BEE1}"/>
+              <a16:creationId xmlns:a16="http://schemas.microsoft.com/office/drawing/2014/main" xmlns="" id="{EF87400A-AA39-C6BD-0F50-19DF27F0BEE1}"/>
             </a:ext>
           </a:extLst>
         </p:cNvPr>
@@ -10479,7 +10588,7 @@
         <p:cNvPr id="1" name="">
           <a:extLst>
             <a:ext uri="{FF2B5EF4-FFF2-40B4-BE49-F238E27FC236}">
-              <a16:creationId xmlns="" xmlns:a16="http://schemas.microsoft.com/office/drawing/2014/main" id="{EF87400A-AA39-C6BD-0F50-19DF27F0BEE1}"/>
+              <a16:creationId xmlns:a16="http://schemas.microsoft.com/office/drawing/2014/main" xmlns="" id="{EF87400A-AA39-C6BD-0F50-19DF27F0BEE1}"/>
             </a:ext>
           </a:extLst>
         </p:cNvPr>
@@ -10714,7 +10823,7 @@
         <p:cNvPr id="1" name="">
           <a:extLst>
             <a:ext uri="{FF2B5EF4-FFF2-40B4-BE49-F238E27FC236}">
-              <a16:creationId xmlns="" xmlns:a16="http://schemas.microsoft.com/office/drawing/2014/main" id="{EF87400A-AA39-C6BD-0F50-19DF27F0BEE1}"/>
+              <a16:creationId xmlns:a16="http://schemas.microsoft.com/office/drawing/2014/main" xmlns="" id="{EF87400A-AA39-C6BD-0F50-19DF27F0BEE1}"/>
             </a:ext>
           </a:extLst>
         </p:cNvPr>
@@ -10734,7 +10843,7 @@
           <p:cNvPr id="7" name="Title 6">
             <a:extLst>
               <a:ext uri="{FF2B5EF4-FFF2-40B4-BE49-F238E27FC236}">
-                <a16:creationId xmlns="" xmlns:a16="http://schemas.microsoft.com/office/drawing/2014/main" id="{DDE79998-A15C-2CB6-B04B-53D589C36C00}"/>
+                <a16:creationId xmlns:a16="http://schemas.microsoft.com/office/drawing/2014/main" xmlns="" id="{DDE79998-A15C-2CB6-B04B-53D589C36C00}"/>
               </a:ext>
             </a:extLst>
           </p:cNvPr>
@@ -11401,7 +11510,7 @@
         <p:cNvPr id="1" name="">
           <a:extLst>
             <a:ext uri="{FF2B5EF4-FFF2-40B4-BE49-F238E27FC236}">
-              <a16:creationId xmlns="" xmlns:a16="http://schemas.microsoft.com/office/drawing/2014/main" id="{EF87400A-AA39-C6BD-0F50-19DF27F0BEE1}"/>
+              <a16:creationId xmlns:a16="http://schemas.microsoft.com/office/drawing/2014/main" xmlns="" id="{EF87400A-AA39-C6BD-0F50-19DF27F0BEE1}"/>
             </a:ext>
           </a:extLst>
         </p:cNvPr>
@@ -11881,7 +11990,7 @@
         <p:cNvPr id="1" name="">
           <a:extLst>
             <a:ext uri="{FF2B5EF4-FFF2-40B4-BE49-F238E27FC236}">
-              <a16:creationId xmlns="" xmlns:a16="http://schemas.microsoft.com/office/drawing/2014/main" id="{EF87400A-AA39-C6BD-0F50-19DF27F0BEE1}"/>
+              <a16:creationId xmlns:a16="http://schemas.microsoft.com/office/drawing/2014/main" xmlns="" id="{EF87400A-AA39-C6BD-0F50-19DF27F0BEE1}"/>
             </a:ext>
           </a:extLst>
         </p:cNvPr>
@@ -12373,7 +12482,7 @@
         <p:cNvPr id="1" name="">
           <a:extLst>
             <a:ext uri="{FF2B5EF4-FFF2-40B4-BE49-F238E27FC236}">
-              <a16:creationId xmlns="" xmlns:a16="http://schemas.microsoft.com/office/drawing/2014/main" id="{EF87400A-AA39-C6BD-0F50-19DF27F0BEE1}"/>
+              <a16:creationId xmlns:a16="http://schemas.microsoft.com/office/drawing/2014/main" xmlns="" id="{EF87400A-AA39-C6BD-0F50-19DF27F0BEE1}"/>
             </a:ext>
           </a:extLst>
         </p:cNvPr>
@@ -12709,7 +12818,7 @@
           <p:cNvPr id="7" name="Title 6">
             <a:extLst>
               <a:ext uri="{FF2B5EF4-FFF2-40B4-BE49-F238E27FC236}">
-                <a16:creationId xmlns="" xmlns:a16="http://schemas.microsoft.com/office/drawing/2014/main" id="{2B1821E8-F378-D74B-E865-C40990E3D41F}"/>
+                <a16:creationId xmlns:a16="http://schemas.microsoft.com/office/drawing/2014/main" xmlns="" id="{2B1821E8-F378-D74B-E865-C40990E3D41F}"/>
               </a:ext>
             </a:extLst>
           </p:cNvPr>
@@ -12742,7 +12851,7 @@
           <p:cNvPr id="8" name="TextBox 7">
             <a:extLst>
               <a:ext uri="{FF2B5EF4-FFF2-40B4-BE49-F238E27FC236}">
-                <a16:creationId xmlns="" xmlns:a16="http://schemas.microsoft.com/office/drawing/2014/main" id="{FA6ECF98-C929-063C-BFD6-AA57AAC2A02F}"/>
+                <a16:creationId xmlns:a16="http://schemas.microsoft.com/office/drawing/2014/main" xmlns="" id="{FA6ECF98-C929-063C-BFD6-AA57AAC2A02F}"/>
               </a:ext>
             </a:extLst>
           </p:cNvPr>
@@ -12886,7 +12995,7 @@
           <p:cNvPr id="9" name="TextBox 8">
             <a:extLst>
               <a:ext uri="{FF2B5EF4-FFF2-40B4-BE49-F238E27FC236}">
-                <a16:creationId xmlns="" xmlns:a16="http://schemas.microsoft.com/office/drawing/2014/main" id="{867A665E-4508-A316-4C04-8788127440A7}"/>
+                <a16:creationId xmlns:a16="http://schemas.microsoft.com/office/drawing/2014/main" xmlns="" id="{867A665E-4508-A316-4C04-8788127440A7}"/>
               </a:ext>
             </a:extLst>
           </p:cNvPr>
@@ -13096,7 +13205,7 @@
         <p:cNvPr id="1" name="">
           <a:extLst>
             <a:ext uri="{FF2B5EF4-FFF2-40B4-BE49-F238E27FC236}">
-              <a16:creationId xmlns="" xmlns:a16="http://schemas.microsoft.com/office/drawing/2014/main" id="{EF87400A-AA39-C6BD-0F50-19DF27F0BEE1}"/>
+              <a16:creationId xmlns:a16="http://schemas.microsoft.com/office/drawing/2014/main" xmlns="" id="{EF87400A-AA39-C6BD-0F50-19DF27F0BEE1}"/>
             </a:ext>
           </a:extLst>
         </p:cNvPr>
@@ -13279,7 +13388,7 @@
         <p:cNvPr id="1" name="">
           <a:extLst>
             <a:ext uri="{FF2B5EF4-FFF2-40B4-BE49-F238E27FC236}">
-              <a16:creationId xmlns="" xmlns:a16="http://schemas.microsoft.com/office/drawing/2014/main" id="{EF87400A-AA39-C6BD-0F50-19DF27F0BEE1}"/>
+              <a16:creationId xmlns:a16="http://schemas.microsoft.com/office/drawing/2014/main" xmlns="" id="{EF87400A-AA39-C6BD-0F50-19DF27F0BEE1}"/>
             </a:ext>
           </a:extLst>
         </p:cNvPr>
@@ -13299,7 +13408,7 @@
           <p:cNvPr id="7" name="Title 6">
             <a:extLst>
               <a:ext uri="{FF2B5EF4-FFF2-40B4-BE49-F238E27FC236}">
-                <a16:creationId xmlns="" xmlns:a16="http://schemas.microsoft.com/office/drawing/2014/main" id="{DDE79998-A15C-2CB6-B04B-53D589C36C00}"/>
+                <a16:creationId xmlns:a16="http://schemas.microsoft.com/office/drawing/2014/main" xmlns="" id="{DDE79998-A15C-2CB6-B04B-53D589C36C00}"/>
               </a:ext>
             </a:extLst>
           </p:cNvPr>
@@ -14014,7 +14123,7 @@
         <p:cNvPr id="1" name="">
           <a:extLst>
             <a:ext uri="{FF2B5EF4-FFF2-40B4-BE49-F238E27FC236}">
-              <a16:creationId xmlns="" xmlns:a16="http://schemas.microsoft.com/office/drawing/2014/main" id="{EF87400A-AA39-C6BD-0F50-19DF27F0BEE1}"/>
+              <a16:creationId xmlns:a16="http://schemas.microsoft.com/office/drawing/2014/main" xmlns="" id="{EF87400A-AA39-C6BD-0F50-19DF27F0BEE1}"/>
             </a:ext>
           </a:extLst>
         </p:cNvPr>
@@ -14533,7 +14642,7 @@
         <p:cNvPr id="1" name="">
           <a:extLst>
             <a:ext uri="{FF2B5EF4-FFF2-40B4-BE49-F238E27FC236}">
-              <a16:creationId xmlns="" xmlns:a16="http://schemas.microsoft.com/office/drawing/2014/main" id="{EF87400A-AA39-C6BD-0F50-19DF27F0BEE1}"/>
+              <a16:creationId xmlns:a16="http://schemas.microsoft.com/office/drawing/2014/main" xmlns="" id="{EF87400A-AA39-C6BD-0F50-19DF27F0BEE1}"/>
             </a:ext>
           </a:extLst>
         </p:cNvPr>
@@ -15024,7 +15133,7 @@
         <p:cNvPr id="1" name="">
           <a:extLst>
             <a:ext uri="{FF2B5EF4-FFF2-40B4-BE49-F238E27FC236}">
-              <a16:creationId xmlns="" xmlns:a16="http://schemas.microsoft.com/office/drawing/2014/main" id="{EF87400A-AA39-C6BD-0F50-19DF27F0BEE1}"/>
+              <a16:creationId xmlns:a16="http://schemas.microsoft.com/office/drawing/2014/main" xmlns="" id="{EF87400A-AA39-C6BD-0F50-19DF27F0BEE1}"/>
             </a:ext>
           </a:extLst>
         </p:cNvPr>
@@ -15341,7 +15450,7 @@
         <p:cNvPr id="1" name="">
           <a:extLst>
             <a:ext uri="{FF2B5EF4-FFF2-40B4-BE49-F238E27FC236}">
-              <a16:creationId xmlns="" xmlns:a16="http://schemas.microsoft.com/office/drawing/2014/main" id="{EF87400A-AA39-C6BD-0F50-19DF27F0BEE1}"/>
+              <a16:creationId xmlns:a16="http://schemas.microsoft.com/office/drawing/2014/main" xmlns="" id="{EF87400A-AA39-C6BD-0F50-19DF27F0BEE1}"/>
             </a:ext>
           </a:extLst>
         </p:cNvPr>
@@ -15559,15 +15668,7 @@
                   <a:schemeClr val="bg1"/>
                 </a:solidFill>
               </a:rPr>
-              <a:t> </a:t>
-            </a:r>
-            <a:r>
-              <a:rPr lang="en-US" sz="2400" dirty="0" smtClean="0">
-                <a:solidFill>
-                  <a:schemeClr val="bg1"/>
-                </a:solidFill>
-              </a:rPr>
-              <a:t>instead of </a:t>
+              <a:t> instead of </a:t>
             </a:r>
             <a:r>
               <a:rPr lang="en-US" sz="2400" dirty="0" err="1" smtClean="0">
@@ -15630,15 +15731,7 @@
                   <a:schemeClr val="bg1"/>
                 </a:solidFill>
               </a:rPr>
-              <a:t>3</a:t>
-            </a:r>
-            <a:r>
-              <a:rPr lang="en-US" sz="2400" dirty="0" smtClean="0">
-                <a:solidFill>
-                  <a:schemeClr val="bg1"/>
-                </a:solidFill>
-              </a:rPr>
-              <a:t>) </a:t>
+              <a:t>3) </a:t>
             </a:r>
             <a:r>
               <a:rPr lang="en-US" sz="2400" dirty="0" err="1" smtClean="0">
@@ -16001,7 +16094,7 @@
         <p:cNvPr id="1" name="">
           <a:extLst>
             <a:ext uri="{FF2B5EF4-FFF2-40B4-BE49-F238E27FC236}">
-              <a16:creationId xmlns="" xmlns:a16="http://schemas.microsoft.com/office/drawing/2014/main" id="{EF87400A-AA39-C6BD-0F50-19DF27F0BEE1}"/>
+              <a16:creationId xmlns:a16="http://schemas.microsoft.com/office/drawing/2014/main" xmlns="" id="{EF87400A-AA39-C6BD-0F50-19DF27F0BEE1}"/>
             </a:ext>
           </a:extLst>
         </p:cNvPr>
@@ -16202,7 +16295,7 @@
         <p:cNvPr id="1" name="">
           <a:extLst>
             <a:ext uri="{FF2B5EF4-FFF2-40B4-BE49-F238E27FC236}">
-              <a16:creationId xmlns="" xmlns:a16="http://schemas.microsoft.com/office/drawing/2014/main" id="{EF87400A-AA39-C6BD-0F50-19DF27F0BEE1}"/>
+              <a16:creationId xmlns:a16="http://schemas.microsoft.com/office/drawing/2014/main" xmlns="" id="{EF87400A-AA39-C6BD-0F50-19DF27F0BEE1}"/>
             </a:ext>
           </a:extLst>
         </p:cNvPr>
@@ -16264,7 +16357,7 @@
       </p:sp>
       <p:sp>
         <p:nvSpPr>
-          <p:cNvPr id="13" name="Заголовок 1"/>
+          <p:cNvPr id="4" name="Заголовок 1"/>
           <p:cNvSpPr txBox="1">
             <a:spLocks/>
           </p:cNvSpPr>
@@ -16272,8 +16365,8 @@
         </p:nvSpPr>
         <p:spPr>
           <a:xfrm>
-            <a:off x="2201925" y="173736"/>
-            <a:ext cx="7653418" cy="625642"/>
+            <a:off x="0" y="904240"/>
+            <a:ext cx="9113520" cy="689249"/>
           </a:xfrm>
           <a:prstGeom prst="rect">
             <a:avLst/>
@@ -16303,59 +16396,6 @@
             </a:lvl1pPr>
           </a:lstStyle>
           <a:p>
-            <a:r>
-              <a:rPr lang="ru-RU" sz="2800" dirty="0" smtClean="0"/>
-              <a:t>1 </a:t>
-            </a:r>
-            <a:r>
-              <a:rPr lang="en-US" sz="2800" dirty="0" smtClean="0"/>
-              <a:t>hypothesis</a:t>
-            </a:r>
-            <a:endParaRPr lang="en-US" sz="2800" dirty="0"/>
-          </a:p>
-        </p:txBody>
-      </p:sp>
-      <p:sp>
-        <p:nvSpPr>
-          <p:cNvPr id="4" name="Заголовок 1"/>
-          <p:cNvSpPr txBox="1">
-            <a:spLocks/>
-          </p:cNvSpPr>
-          <p:nvPr/>
-        </p:nvSpPr>
-        <p:spPr>
-          <a:xfrm>
-            <a:off x="0" y="904240"/>
-            <a:ext cx="9113520" cy="689249"/>
-          </a:xfrm>
-          <a:prstGeom prst="rect">
-            <a:avLst/>
-          </a:prstGeom>
-        </p:spPr>
-        <p:txBody>
-          <a:bodyPr vert="horz" lIns="91440" tIns="45720" rIns="91440" bIns="45720" rtlCol="0" anchor="ctr" anchorCtr="0">
-            <a:noAutofit/>
-          </a:bodyPr>
-          <a:lstStyle>
-            <a:lvl1pPr algn="ctr" defTabSz="914400" rtl="0" eaLnBrk="1" latinLnBrk="0" hangingPunct="1">
-              <a:lnSpc>
-                <a:spcPct val="90000"/>
-              </a:lnSpc>
-              <a:spcBef>
-                <a:spcPct val="0"/>
-              </a:spcBef>
-              <a:buNone/>
-              <a:defRPr sz="4800" kern="1200" cap="all" spc="300" baseline="0">
-                <a:solidFill>
-                  <a:schemeClr val="bg1"/>
-                </a:solidFill>
-                <a:latin typeface="+mj-lt"/>
-                <a:ea typeface="+mj-ea"/>
-                <a:cs typeface="+mj-cs"/>
-              </a:defRPr>
-            </a:lvl1pPr>
-          </a:lstStyle>
-          <a:p>
             <a:pPr algn="l"/>
             <a:r>
               <a:rPr lang="en-US" sz="2400" dirty="0" smtClean="0"/>
@@ -16363,11 +16403,7 @@
             </a:r>
             <a:r>
               <a:rPr lang="ru-RU" sz="2400" dirty="0" smtClean="0"/>
-              <a:t> </a:t>
-            </a:r>
-            <a:r>
-              <a:rPr lang="ru-RU" sz="2400" dirty="0" smtClean="0"/>
-              <a:t>-</a:t>
+              <a:t> -</a:t>
             </a:r>
             <a:r>
               <a:rPr lang="en-US" sz="2400" dirty="0"/>
@@ -16386,8 +16422,8 @@
               <a:t>Training time: </a:t>
             </a:r>
             <a:r>
-              <a:rPr lang="ru-RU" sz="2400" dirty="0" smtClean="0"/>
-              <a:t>???</a:t>
+              <a:rPr lang="en-US" sz="2400" dirty="0" smtClean="0"/>
+              <a:t>9 hours</a:t>
             </a:r>
             <a:endParaRPr lang="en-US" sz="2400" dirty="0"/>
           </a:p>
@@ -16578,16 +16614,179 @@
           </a:p>
         </p:txBody>
       </p:sp>
+      <p:sp>
+        <p:nvSpPr>
+          <p:cNvPr id="9" name="Заголовок 1"/>
+          <p:cNvSpPr txBox="1">
+            <a:spLocks/>
+          </p:cNvSpPr>
+          <p:nvPr/>
+        </p:nvSpPr>
+        <p:spPr>
+          <a:xfrm>
+            <a:off x="3828365" y="3041249"/>
+            <a:ext cx="3546680" cy="625642"/>
+          </a:xfrm>
+          <a:prstGeom prst="rect">
+            <a:avLst/>
+          </a:prstGeom>
+        </p:spPr>
+        <p:txBody>
+          <a:bodyPr vert="horz" lIns="91440" tIns="45720" rIns="91440" bIns="45720" rtlCol="0" anchor="ctr" anchorCtr="0">
+            <a:noAutofit/>
+          </a:bodyPr>
+          <a:lstStyle>
+            <a:lvl1pPr algn="ctr" defTabSz="914400" rtl="0" eaLnBrk="1" latinLnBrk="0" hangingPunct="1">
+              <a:lnSpc>
+                <a:spcPct val="90000"/>
+              </a:lnSpc>
+              <a:spcBef>
+                <a:spcPct val="0"/>
+              </a:spcBef>
+              <a:buNone/>
+              <a:defRPr sz="4800" kern="1200" cap="all" spc="300" baseline="0">
+                <a:solidFill>
+                  <a:schemeClr val="bg1"/>
+                </a:solidFill>
+                <a:latin typeface="+mj-lt"/>
+                <a:ea typeface="+mj-ea"/>
+                <a:cs typeface="+mj-cs"/>
+              </a:defRPr>
+            </a:lvl1pPr>
+          </a:lstStyle>
+          <a:p>
+            <a:r>
+              <a:rPr lang="en-US" sz="2800" dirty="0"/>
+              <a:t>new(FN </a:t>
+            </a:r>
+            <a:r>
+              <a:rPr lang="en-US" sz="2800" dirty="0" smtClean="0"/>
+              <a:t>– </a:t>
+            </a:r>
+            <a:r>
+              <a:rPr lang="en-US" sz="2800" dirty="0" smtClean="0">
+                <a:solidFill>
+                  <a:srgbClr val="FF0000"/>
+                </a:solidFill>
+              </a:rPr>
+              <a:t>0.0007</a:t>
+            </a:r>
+            <a:r>
+              <a:rPr lang="en-US" sz="2800" dirty="0" smtClean="0"/>
+              <a:t>)</a:t>
+            </a:r>
+            <a:endParaRPr lang="en-US" sz="2800" dirty="0"/>
+          </a:p>
+        </p:txBody>
+      </p:sp>
+      <p:sp>
+        <p:nvSpPr>
+          <p:cNvPr id="10" name="Заголовок 1"/>
+          <p:cNvSpPr txBox="1">
+            <a:spLocks/>
+          </p:cNvSpPr>
+          <p:nvPr/>
+        </p:nvSpPr>
+        <p:spPr>
+          <a:xfrm>
+            <a:off x="1545490" y="6189923"/>
+            <a:ext cx="4757675" cy="625642"/>
+          </a:xfrm>
+          <a:prstGeom prst="rect">
+            <a:avLst/>
+          </a:prstGeom>
+        </p:spPr>
+        <p:txBody>
+          <a:bodyPr vert="horz" lIns="91440" tIns="45720" rIns="91440" bIns="45720" rtlCol="0" anchor="ctr" anchorCtr="0">
+            <a:noAutofit/>
+          </a:bodyPr>
+          <a:lstStyle>
+            <a:lvl1pPr algn="ctr" defTabSz="914400" rtl="0" eaLnBrk="1" latinLnBrk="0" hangingPunct="1">
+              <a:lnSpc>
+                <a:spcPct val="90000"/>
+              </a:lnSpc>
+              <a:spcBef>
+                <a:spcPct val="0"/>
+              </a:spcBef>
+              <a:buNone/>
+              <a:defRPr sz="4800" kern="1200" cap="all" spc="300" baseline="0">
+                <a:solidFill>
+                  <a:schemeClr val="bg1"/>
+                </a:solidFill>
+                <a:latin typeface="+mj-lt"/>
+                <a:ea typeface="+mj-ea"/>
+                <a:cs typeface="+mj-cs"/>
+              </a:defRPr>
+            </a:lvl1pPr>
+          </a:lstStyle>
+          <a:p>
+            <a:r>
+              <a:rPr lang="en-US" sz="2800" dirty="0" smtClean="0"/>
+              <a:t>Look at green line</a:t>
+            </a:r>
+            <a:endParaRPr lang="en-US" sz="2800" dirty="0"/>
+          </a:p>
+        </p:txBody>
+      </p:sp>
+      <p:sp>
+        <p:nvSpPr>
+          <p:cNvPr id="12" name="Заголовок 1"/>
+          <p:cNvSpPr txBox="1">
+            <a:spLocks/>
+          </p:cNvSpPr>
+          <p:nvPr/>
+        </p:nvSpPr>
+        <p:spPr>
+          <a:xfrm>
+            <a:off x="1323367" y="2708998"/>
+            <a:ext cx="5201920" cy="312821"/>
+          </a:xfrm>
+          <a:prstGeom prst="rect">
+            <a:avLst/>
+          </a:prstGeom>
+        </p:spPr>
+        <p:txBody>
+          <a:bodyPr vert="horz" lIns="91440" tIns="45720" rIns="91440" bIns="45720" rtlCol="0" anchor="ctr" anchorCtr="0">
+            <a:noAutofit/>
+          </a:bodyPr>
+          <a:lstStyle>
+            <a:lvl1pPr algn="ctr" defTabSz="914400" rtl="0" eaLnBrk="1" latinLnBrk="0" hangingPunct="1">
+              <a:lnSpc>
+                <a:spcPct val="90000"/>
+              </a:lnSpc>
+              <a:spcBef>
+                <a:spcPct val="0"/>
+              </a:spcBef>
+              <a:buNone/>
+              <a:defRPr sz="4800" kern="1200" cap="all" spc="300" baseline="0">
+                <a:solidFill>
+                  <a:schemeClr val="bg1"/>
+                </a:solidFill>
+                <a:latin typeface="+mj-lt"/>
+                <a:ea typeface="+mj-ea"/>
+                <a:cs typeface="+mj-cs"/>
+              </a:defRPr>
+            </a:lvl1pPr>
+          </a:lstStyle>
+          <a:p>
+            <a:r>
+              <a:rPr lang="en-US" sz="1800" i="1" dirty="0" smtClean="0"/>
+              <a:t>FN – final loss(it should be small)</a:t>
+            </a:r>
+            <a:endParaRPr lang="en-US" sz="1800" i="1" dirty="0"/>
+          </a:p>
+        </p:txBody>
+      </p:sp>
       <p:pic>
         <p:nvPicPr>
-          <p:cNvPr id="8" name="Picture 2"/>
+          <p:cNvPr id="1026" name="Picture 2"/>
           <p:cNvPicPr>
             <a:picLocks noChangeAspect="1" noChangeArrowheads="1"/>
           </p:cNvPicPr>
           <p:nvPr/>
         </p:nvPicPr>
         <p:blipFill>
-          <a:blip r:embed="rId4" cstate="print">
+          <a:blip r:embed="rId5" cstate="print">
             <a:extLst>
               <a:ext uri="{28A0092B-C50C-407E-A947-70E740481C1C}">
                 <a14:useLocalDpi xmlns:a14="http://schemas.microsoft.com/office/drawing/2010/main" val="0"/>
@@ -16601,8 +16800,8 @@
         </p:blipFill>
         <p:spPr bwMode="auto">
           <a:xfrm>
-            <a:off x="3828365" y="3756007"/>
-            <a:ext cx="3557681" cy="1902733"/>
+            <a:off x="3924327" y="3745261"/>
+            <a:ext cx="3503613" cy="1924223"/>
           </a:xfrm>
           <a:prstGeom prst="rect">
             <a:avLst/>
@@ -16642,9 +16841,73 @@
           </a:extLst>
         </p:spPr>
       </p:pic>
-      <p:sp>
-        <p:nvSpPr>
-          <p:cNvPr id="9" name="Заголовок 1"/>
+      <p:pic>
+        <p:nvPicPr>
+          <p:cNvPr id="1027" name="Picture 3"/>
+          <p:cNvPicPr>
+            <a:picLocks noChangeAspect="1" noChangeArrowheads="1"/>
+          </p:cNvPicPr>
+          <p:nvPr/>
+        </p:nvPicPr>
+        <p:blipFill>
+          <a:blip r:embed="rId6" cstate="print">
+            <a:extLst>
+              <a:ext uri="{28A0092B-C50C-407E-A947-70E740481C1C}">
+                <a14:useLocalDpi xmlns:a14="http://schemas.microsoft.com/office/drawing/2010/main" val="0"/>
+              </a:ext>
+            </a:extLst>
+          </a:blip>
+          <a:srcRect/>
+          <a:stretch>
+            <a:fillRect/>
+          </a:stretch>
+        </p:blipFill>
+        <p:spPr bwMode="auto">
+          <a:xfrm>
+            <a:off x="8446607" y="0"/>
+            <a:ext cx="3745393" cy="2108447"/>
+          </a:xfrm>
+          <a:prstGeom prst="rect">
+            <a:avLst/>
+          </a:prstGeom>
+          <a:noFill/>
+          <a:ln>
+            <a:noFill/>
+          </a:ln>
+          <a:effectLst/>
+          <a:extLst>
+            <a:ext uri="{909E8E84-426E-40DD-AFC4-6F175D3DCCD1}">
+              <a14:hiddenFill xmlns:a14="http://schemas.microsoft.com/office/drawing/2010/main">
+                <a:solidFill>
+                  <a:schemeClr val="accent1"/>
+                </a:solidFill>
+              </a14:hiddenFill>
+            </a:ext>
+            <a:ext uri="{91240B29-F687-4F45-9708-019B960494DF}">
+              <a14:hiddenLine xmlns:a14="http://schemas.microsoft.com/office/drawing/2010/main" w="9525">
+                <a:solidFill>
+                  <a:schemeClr val="tx1"/>
+                </a:solidFill>
+                <a:miter lim="800000"/>
+                <a:headEnd/>
+                <a:tailEnd/>
+              </a14:hiddenLine>
+            </a:ext>
+            <a:ext uri="{AF507438-7753-43E0-B8FC-AC1667EBCBE1}">
+              <a14:hiddenEffects xmlns:a14="http://schemas.microsoft.com/office/drawing/2010/main">
+                <a:effectLst>
+                  <a:outerShdw dist="35921" dir="2700000" algn="ctr" rotWithShape="0">
+                    <a:schemeClr val="bg2"/>
+                  </a:outerShdw>
+                </a:effectLst>
+              </a14:hiddenEffects>
+            </a:ext>
+          </a:extLst>
+        </p:spPr>
+      </p:pic>
+      <p:sp>
+        <p:nvSpPr>
+          <p:cNvPr id="14" name="Заголовок 1"/>
           <p:cNvSpPr txBox="1">
             <a:spLocks/>
           </p:cNvSpPr>
@@ -16652,8 +16915,8 @@
         </p:nvSpPr>
         <p:spPr>
           <a:xfrm>
-            <a:off x="3828365" y="3041249"/>
-            <a:ext cx="3546680" cy="625642"/>
+            <a:off x="6990080" y="2363024"/>
+            <a:ext cx="5201920" cy="312821"/>
           </a:xfrm>
           <a:prstGeom prst="rect">
             <a:avLst/>
@@ -16684,24 +16947,16 @@
           </a:lstStyle>
           <a:p>
             <a:r>
-              <a:rPr lang="en-US" sz="2800" dirty="0"/>
-              <a:t>new(FN - </a:t>
-            </a:r>
-            <a:r>
-              <a:rPr lang="ru-RU" sz="2800" dirty="0"/>
-              <a:t>0.0039</a:t>
-            </a:r>
-            <a:r>
-              <a:rPr lang="en-US" sz="2800" dirty="0" smtClean="0"/>
-              <a:t>)</a:t>
-            </a:r>
-            <a:endParaRPr lang="en-US" sz="2800" dirty="0"/>
-          </a:p>
-        </p:txBody>
-      </p:sp>
-      <p:sp>
-        <p:nvSpPr>
-          <p:cNvPr id="10" name="Заголовок 1"/>
+              <a:rPr lang="en-US" sz="1600" i="1" dirty="0" smtClean="0"/>
+              <a:t>Now our AI works better than jpeg and take less size, but let`s try some more changes to increase the quality</a:t>
+            </a:r>
+            <a:endParaRPr lang="en-US" sz="1600" i="1" dirty="0"/>
+          </a:p>
+        </p:txBody>
+      </p:sp>
+      <p:sp>
+        <p:nvSpPr>
+          <p:cNvPr id="15" name="Заголовок 1"/>
           <p:cNvSpPr txBox="1">
             <a:spLocks/>
           </p:cNvSpPr>
@@ -16709,8 +16964,8 @@
         </p:nvSpPr>
         <p:spPr>
           <a:xfrm>
-            <a:off x="1545490" y="6189923"/>
-            <a:ext cx="4757675" cy="625642"/>
+            <a:off x="2201925" y="0"/>
+            <a:ext cx="7653418" cy="625642"/>
           </a:xfrm>
           <a:prstGeom prst="rect">
             <a:avLst/>
@@ -16742,58 +16997,17 @@
           <a:p>
             <a:r>
               <a:rPr lang="en-US" sz="2800" dirty="0" smtClean="0"/>
-              <a:t>Look at green line</a:t>
+              <a:t>1</a:t>
+            </a:r>
+            <a:r>
+              <a:rPr lang="ru-RU" sz="2800" dirty="0" smtClean="0"/>
+              <a:t> </a:t>
+            </a:r>
+            <a:r>
+              <a:rPr lang="en-US" sz="2800" dirty="0" smtClean="0"/>
+              <a:t>hypothesis</a:t>
             </a:r>
             <a:endParaRPr lang="en-US" sz="2800" dirty="0"/>
-          </a:p>
-        </p:txBody>
-      </p:sp>
-      <p:sp>
-        <p:nvSpPr>
-          <p:cNvPr id="12" name="Заголовок 1"/>
-          <p:cNvSpPr txBox="1">
-            <a:spLocks/>
-          </p:cNvSpPr>
-          <p:nvPr/>
-        </p:nvSpPr>
-        <p:spPr>
-          <a:xfrm>
-            <a:off x="1323367" y="2708998"/>
-            <a:ext cx="5201920" cy="312821"/>
-          </a:xfrm>
-          <a:prstGeom prst="rect">
-            <a:avLst/>
-          </a:prstGeom>
-        </p:spPr>
-        <p:txBody>
-          <a:bodyPr vert="horz" lIns="91440" tIns="45720" rIns="91440" bIns="45720" rtlCol="0" anchor="ctr" anchorCtr="0">
-            <a:noAutofit/>
-          </a:bodyPr>
-          <a:lstStyle>
-            <a:lvl1pPr algn="ctr" defTabSz="914400" rtl="0" eaLnBrk="1" latinLnBrk="0" hangingPunct="1">
-              <a:lnSpc>
-                <a:spcPct val="90000"/>
-              </a:lnSpc>
-              <a:spcBef>
-                <a:spcPct val="0"/>
-              </a:spcBef>
-              <a:buNone/>
-              <a:defRPr sz="4800" kern="1200" cap="all" spc="300" baseline="0">
-                <a:solidFill>
-                  <a:schemeClr val="bg1"/>
-                </a:solidFill>
-                <a:latin typeface="+mj-lt"/>
-                <a:ea typeface="+mj-ea"/>
-                <a:cs typeface="+mj-cs"/>
-              </a:defRPr>
-            </a:lvl1pPr>
-          </a:lstStyle>
-          <a:p>
-            <a:r>
-              <a:rPr lang="en-US" sz="1800" i="1" dirty="0" smtClean="0"/>
-              <a:t>FN – final loss(it should be small)</a:t>
-            </a:r>
-            <a:endParaRPr lang="en-US" sz="1800" i="1" dirty="0"/>
           </a:p>
         </p:txBody>
       </p:sp>
@@ -16818,7 +17032,7 @@
         <p:cNvPr id="1" name="">
           <a:extLst>
             <a:ext uri="{FF2B5EF4-FFF2-40B4-BE49-F238E27FC236}">
-              <a16:creationId xmlns="" xmlns:a16="http://schemas.microsoft.com/office/drawing/2014/main" id="{8C579E26-FA2D-1C68-DB27-3D2C268F6B28}"/>
+              <a16:creationId xmlns:a16="http://schemas.microsoft.com/office/drawing/2014/main" xmlns="" id="{EF87400A-AA39-C6BD-0F50-19DF27F0BEE1}"/>
             </a:ext>
           </a:extLst>
         </p:cNvPr>
@@ -16835,10 +17049,771 @@
       </p:grpSpPr>
       <p:sp>
         <p:nvSpPr>
+          <p:cNvPr id="3" name="Прямоугольник 2"/>
+          <p:cNvSpPr/>
+          <p:nvPr/>
+        </p:nvSpPr>
+        <p:spPr>
+          <a:xfrm>
+            <a:off x="0" y="5658740"/>
+            <a:ext cx="1876926" cy="1200329"/>
+          </a:xfrm>
+          <a:prstGeom prst="rect">
+            <a:avLst/>
+          </a:prstGeom>
+        </p:spPr>
+        <p:txBody>
+          <a:bodyPr wrap="square">
+            <a:spAutoFit/>
+          </a:bodyPr>
+          <a:lstStyle/>
+          <a:p>
+            <a:r>
+              <a:rPr lang="en-US" sz="7200" dirty="0" smtClean="0">
+                <a:solidFill>
+                  <a:schemeClr val="bg1"/>
+                </a:solidFill>
+              </a:rPr>
+              <a:t>V</a:t>
+            </a:r>
+            <a:r>
+              <a:rPr lang="en-US" sz="7200" dirty="0">
+                <a:solidFill>
+                  <a:schemeClr val="bg1"/>
+                </a:solidFill>
+              </a:rPr>
+              <a:t>4</a:t>
+            </a:r>
+            <a:endParaRPr lang="ru-RU" sz="7200" dirty="0">
+              <a:solidFill>
+                <a:schemeClr val="bg1"/>
+              </a:solidFill>
+            </a:endParaRPr>
+          </a:p>
+        </p:txBody>
+      </p:sp>
+      <p:sp>
+        <p:nvSpPr>
+          <p:cNvPr id="13" name="Заголовок 1"/>
+          <p:cNvSpPr txBox="1">
+            <a:spLocks/>
+          </p:cNvSpPr>
+          <p:nvPr/>
+        </p:nvSpPr>
+        <p:spPr>
+          <a:xfrm>
+            <a:off x="2201925" y="0"/>
+            <a:ext cx="7653418" cy="625642"/>
+          </a:xfrm>
+          <a:prstGeom prst="rect">
+            <a:avLst/>
+          </a:prstGeom>
+        </p:spPr>
+        <p:txBody>
+          <a:bodyPr vert="horz" lIns="91440" tIns="45720" rIns="91440" bIns="45720" rtlCol="0" anchor="ctr" anchorCtr="0">
+            <a:noAutofit/>
+          </a:bodyPr>
+          <a:lstStyle>
+            <a:lvl1pPr algn="ctr" defTabSz="914400" rtl="0" eaLnBrk="1" latinLnBrk="0" hangingPunct="1">
+              <a:lnSpc>
+                <a:spcPct val="90000"/>
+              </a:lnSpc>
+              <a:spcBef>
+                <a:spcPct val="0"/>
+              </a:spcBef>
+              <a:buNone/>
+              <a:defRPr sz="4800" kern="1200" cap="all" spc="300" baseline="0">
+                <a:solidFill>
+                  <a:schemeClr val="bg1"/>
+                </a:solidFill>
+                <a:latin typeface="+mj-lt"/>
+                <a:ea typeface="+mj-ea"/>
+                <a:cs typeface="+mj-cs"/>
+              </a:defRPr>
+            </a:lvl1pPr>
+          </a:lstStyle>
+          <a:p>
+            <a:r>
+              <a:rPr lang="en-US" sz="2800" dirty="0"/>
+              <a:t>2</a:t>
+            </a:r>
+            <a:r>
+              <a:rPr lang="ru-RU" sz="2800" dirty="0" smtClean="0"/>
+              <a:t> </a:t>
+            </a:r>
+            <a:r>
+              <a:rPr lang="en-US" sz="2800" dirty="0" smtClean="0"/>
+              <a:t>hypothesis</a:t>
+            </a:r>
+            <a:endParaRPr lang="en-US" sz="2800" dirty="0"/>
+          </a:p>
+        </p:txBody>
+      </p:sp>
+      <p:sp>
+        <p:nvSpPr>
+          <p:cNvPr id="4" name="Заголовок 1"/>
+          <p:cNvSpPr txBox="1">
+            <a:spLocks/>
+          </p:cNvSpPr>
+          <p:nvPr/>
+        </p:nvSpPr>
+        <p:spPr>
+          <a:xfrm>
+            <a:off x="0" y="486557"/>
+            <a:ext cx="8446607" cy="1621889"/>
+          </a:xfrm>
+          <a:prstGeom prst="rect">
+            <a:avLst/>
+          </a:prstGeom>
+        </p:spPr>
+        <p:txBody>
+          <a:bodyPr vert="horz" lIns="91440" tIns="45720" rIns="91440" bIns="45720" rtlCol="0" anchor="ctr" anchorCtr="0">
+            <a:noAutofit/>
+          </a:bodyPr>
+          <a:lstStyle>
+            <a:lvl1pPr algn="ctr" defTabSz="914400" rtl="0" eaLnBrk="1" latinLnBrk="0" hangingPunct="1">
+              <a:lnSpc>
+                <a:spcPct val="90000"/>
+              </a:lnSpc>
+              <a:spcBef>
+                <a:spcPct val="0"/>
+              </a:spcBef>
+              <a:buNone/>
+              <a:defRPr sz="4800" kern="1200" cap="all" spc="300" baseline="0">
+                <a:solidFill>
+                  <a:schemeClr val="bg1"/>
+                </a:solidFill>
+                <a:latin typeface="+mj-lt"/>
+                <a:ea typeface="+mj-ea"/>
+                <a:cs typeface="+mj-cs"/>
+              </a:defRPr>
+            </a:lvl1pPr>
+          </a:lstStyle>
+          <a:p>
+            <a:pPr algn="l"/>
+            <a:r>
+              <a:rPr lang="en-US" sz="2400" dirty="0" smtClean="0"/>
+              <a:t>Hypothesis</a:t>
+            </a:r>
+            <a:r>
+              <a:rPr lang="ru-RU" sz="2400" dirty="0" smtClean="0"/>
+              <a:t> -</a:t>
+            </a:r>
+            <a:r>
+              <a:rPr lang="en-US" sz="2400" dirty="0"/>
+              <a:t>Use </a:t>
+            </a:r>
+            <a:r>
+              <a:rPr lang="en-US" sz="2400" dirty="0" err="1" smtClean="0"/>
+              <a:t>LeakyReLU</a:t>
+            </a:r>
+            <a:r>
+              <a:rPr lang="en-US" sz="2400" dirty="0"/>
+              <a:t> </a:t>
+            </a:r>
+            <a:r>
+              <a:rPr lang="en-US" sz="2400" dirty="0" smtClean="0"/>
+              <a:t>instead of </a:t>
+            </a:r>
+            <a:r>
+              <a:rPr lang="en-US" sz="2400" dirty="0" err="1" smtClean="0"/>
+              <a:t>relu</a:t>
+            </a:r>
+            <a:r>
+              <a:rPr lang="en-US" sz="2400" dirty="0"/>
+              <a:t>, </a:t>
+            </a:r>
+            <a:r>
+              <a:rPr lang="en-US" sz="2400" dirty="0" smtClean="0"/>
+              <a:t>add Batch Normalization, make learning rate dynamic, not static</a:t>
+            </a:r>
+            <a:endParaRPr lang="en-US" sz="2400" dirty="0" smtClean="0"/>
+          </a:p>
+          <a:p>
+            <a:pPr algn="l"/>
+            <a:r>
+              <a:rPr lang="en-US" sz="2400" dirty="0" smtClean="0"/>
+              <a:t>Training </a:t>
+            </a:r>
+            <a:r>
+              <a:rPr lang="en-US" sz="2400" dirty="0" smtClean="0"/>
+              <a:t>time: </a:t>
+            </a:r>
+            <a:r>
+              <a:rPr lang="ru-RU" sz="2400" dirty="0" smtClean="0"/>
+              <a:t>???</a:t>
+            </a:r>
+            <a:endParaRPr lang="en-US" sz="2400" dirty="0"/>
+          </a:p>
+        </p:txBody>
+      </p:sp>
+      <p:pic>
+        <p:nvPicPr>
+          <p:cNvPr id="6" name="Picture 2"/>
+          <p:cNvPicPr>
+            <a:picLocks noChangeAspect="1" noChangeArrowheads="1"/>
+          </p:cNvPicPr>
+          <p:nvPr/>
+        </p:nvPicPr>
+        <p:blipFill>
+          <a:blip r:embed="rId3" cstate="print">
+            <a:extLst>
+              <a:ext uri="{28A0092B-C50C-407E-A947-70E740481C1C}">
+                <a14:useLocalDpi xmlns:a14="http://schemas.microsoft.com/office/drawing/2010/main" val="0"/>
+              </a:ext>
+            </a:extLst>
+          </a:blip>
+          <a:srcRect/>
+          <a:stretch>
+            <a:fillRect/>
+          </a:stretch>
+        </p:blipFill>
+        <p:spPr bwMode="auto">
+          <a:xfrm>
+            <a:off x="575605" y="3756007"/>
+            <a:ext cx="3557681" cy="1902733"/>
+          </a:xfrm>
+          <a:prstGeom prst="rect">
+            <a:avLst/>
+          </a:prstGeom>
+          <a:noFill/>
+          <a:ln>
+            <a:noFill/>
+          </a:ln>
+          <a:effectLst/>
+          <a:extLst>
+            <a:ext uri="{909E8E84-426E-40DD-AFC4-6F175D3DCCD1}">
+              <a14:hiddenFill xmlns:a14="http://schemas.microsoft.com/office/drawing/2010/main">
+                <a:solidFill>
+                  <a:schemeClr val="accent1"/>
+                </a:solidFill>
+              </a14:hiddenFill>
+            </a:ext>
+            <a:ext uri="{91240B29-F687-4F45-9708-019B960494DF}">
+              <a14:hiddenLine xmlns:a14="http://schemas.microsoft.com/office/drawing/2010/main" w="9525">
+                <a:solidFill>
+                  <a:schemeClr val="tx1"/>
+                </a:solidFill>
+                <a:miter lim="800000"/>
+                <a:headEnd/>
+                <a:tailEnd/>
+              </a14:hiddenLine>
+            </a:ext>
+            <a:ext uri="{AF507438-7753-43E0-B8FC-AC1667EBCBE1}">
+              <a14:hiddenEffects xmlns:a14="http://schemas.microsoft.com/office/drawing/2010/main">
+                <a:effectLst>
+                  <a:outerShdw dist="35921" dir="2700000" algn="ctr" rotWithShape="0">
+                    <a:schemeClr val="bg2"/>
+                  </a:outerShdw>
+                </a:effectLst>
+              </a14:hiddenEffects>
+            </a:ext>
+          </a:extLst>
+        </p:spPr>
+      </p:pic>
+      <p:sp>
+        <p:nvSpPr>
+          <p:cNvPr id="7" name="Заголовок 1"/>
+          <p:cNvSpPr txBox="1">
+            <a:spLocks/>
+          </p:cNvSpPr>
+          <p:nvPr/>
+        </p:nvSpPr>
+        <p:spPr>
+          <a:xfrm>
+            <a:off x="575605" y="3010790"/>
+            <a:ext cx="3557681" cy="625642"/>
+          </a:xfrm>
+          <a:prstGeom prst="rect">
+            <a:avLst/>
+          </a:prstGeom>
+        </p:spPr>
+        <p:txBody>
+          <a:bodyPr vert="horz" lIns="91440" tIns="45720" rIns="91440" bIns="45720" rtlCol="0" anchor="ctr" anchorCtr="0">
+            <a:noAutofit/>
+          </a:bodyPr>
+          <a:lstStyle>
+            <a:lvl1pPr algn="ctr" defTabSz="914400" rtl="0" eaLnBrk="1" latinLnBrk="0" hangingPunct="1">
+              <a:lnSpc>
+                <a:spcPct val="90000"/>
+              </a:lnSpc>
+              <a:spcBef>
+                <a:spcPct val="0"/>
+              </a:spcBef>
+              <a:buNone/>
+              <a:defRPr sz="4800" kern="1200" cap="all" spc="300" baseline="0">
+                <a:solidFill>
+                  <a:schemeClr val="bg1"/>
+                </a:solidFill>
+                <a:latin typeface="+mj-lt"/>
+                <a:ea typeface="+mj-ea"/>
+                <a:cs typeface="+mj-cs"/>
+              </a:defRPr>
+            </a:lvl1pPr>
+          </a:lstStyle>
+          <a:p>
+            <a:r>
+              <a:rPr lang="en-US" sz="2800" dirty="0" smtClean="0"/>
+              <a:t>Old(FN - </a:t>
+            </a:r>
+            <a:r>
+              <a:rPr lang="ru-RU" sz="2800" dirty="0" smtClean="0"/>
+              <a:t>0.00</a:t>
+            </a:r>
+            <a:r>
+              <a:rPr lang="en-US" sz="2800" dirty="0" smtClean="0"/>
+              <a:t>07)</a:t>
+            </a:r>
+            <a:endParaRPr lang="en-US" sz="2800" dirty="0"/>
+          </a:p>
+        </p:txBody>
+      </p:sp>
+      <p:sp>
+        <p:nvSpPr>
+          <p:cNvPr id="9" name="Заголовок 1"/>
+          <p:cNvSpPr txBox="1">
+            <a:spLocks/>
+          </p:cNvSpPr>
+          <p:nvPr/>
+        </p:nvSpPr>
+        <p:spPr>
+          <a:xfrm>
+            <a:off x="4730413" y="3021819"/>
+            <a:ext cx="3546680" cy="625642"/>
+          </a:xfrm>
+          <a:prstGeom prst="rect">
+            <a:avLst/>
+          </a:prstGeom>
+        </p:spPr>
+        <p:txBody>
+          <a:bodyPr vert="horz" lIns="91440" tIns="45720" rIns="91440" bIns="45720" rtlCol="0" anchor="ctr" anchorCtr="0">
+            <a:noAutofit/>
+          </a:bodyPr>
+          <a:lstStyle>
+            <a:lvl1pPr algn="ctr" defTabSz="914400" rtl="0" eaLnBrk="1" latinLnBrk="0" hangingPunct="1">
+              <a:lnSpc>
+                <a:spcPct val="90000"/>
+              </a:lnSpc>
+              <a:spcBef>
+                <a:spcPct val="0"/>
+              </a:spcBef>
+              <a:buNone/>
+              <a:defRPr sz="4800" kern="1200" cap="all" spc="300" baseline="0">
+                <a:solidFill>
+                  <a:schemeClr val="bg1"/>
+                </a:solidFill>
+                <a:latin typeface="+mj-lt"/>
+                <a:ea typeface="+mj-ea"/>
+                <a:cs typeface="+mj-cs"/>
+              </a:defRPr>
+            </a:lvl1pPr>
+          </a:lstStyle>
+          <a:p>
+            <a:r>
+              <a:rPr lang="en-US" sz="2800" dirty="0"/>
+              <a:t>new(FN </a:t>
+            </a:r>
+            <a:r>
+              <a:rPr lang="en-US" sz="2800" dirty="0" smtClean="0"/>
+              <a:t>– </a:t>
+            </a:r>
+            <a:r>
+              <a:rPr lang="en-US" sz="2800" dirty="0" smtClean="0">
+                <a:solidFill>
+                  <a:srgbClr val="FF0000"/>
+                </a:solidFill>
+              </a:rPr>
+              <a:t>0.0007</a:t>
+            </a:r>
+            <a:r>
+              <a:rPr lang="en-US" sz="2800" dirty="0" smtClean="0"/>
+              <a:t>)</a:t>
+            </a:r>
+            <a:endParaRPr lang="en-US" sz="2800" dirty="0"/>
+          </a:p>
+        </p:txBody>
+      </p:sp>
+      <p:sp>
+        <p:nvSpPr>
+          <p:cNvPr id="10" name="Заголовок 1"/>
+          <p:cNvSpPr txBox="1">
+            <a:spLocks/>
+          </p:cNvSpPr>
+          <p:nvPr/>
+        </p:nvSpPr>
+        <p:spPr>
+          <a:xfrm>
+            <a:off x="1545490" y="6189923"/>
+            <a:ext cx="4757675" cy="625642"/>
+          </a:xfrm>
+          <a:prstGeom prst="rect">
+            <a:avLst/>
+          </a:prstGeom>
+        </p:spPr>
+        <p:txBody>
+          <a:bodyPr vert="horz" lIns="91440" tIns="45720" rIns="91440" bIns="45720" rtlCol="0" anchor="ctr" anchorCtr="0">
+            <a:noAutofit/>
+          </a:bodyPr>
+          <a:lstStyle>
+            <a:lvl1pPr algn="ctr" defTabSz="914400" rtl="0" eaLnBrk="1" latinLnBrk="0" hangingPunct="1">
+              <a:lnSpc>
+                <a:spcPct val="90000"/>
+              </a:lnSpc>
+              <a:spcBef>
+                <a:spcPct val="0"/>
+              </a:spcBef>
+              <a:buNone/>
+              <a:defRPr sz="4800" kern="1200" cap="all" spc="300" baseline="0">
+                <a:solidFill>
+                  <a:schemeClr val="bg1"/>
+                </a:solidFill>
+                <a:latin typeface="+mj-lt"/>
+                <a:ea typeface="+mj-ea"/>
+                <a:cs typeface="+mj-cs"/>
+              </a:defRPr>
+            </a:lvl1pPr>
+          </a:lstStyle>
+          <a:p>
+            <a:r>
+              <a:rPr lang="en-US" sz="2800" dirty="0" smtClean="0"/>
+              <a:t>Look at green line</a:t>
+            </a:r>
+            <a:endParaRPr lang="en-US" sz="2800" dirty="0"/>
+          </a:p>
+        </p:txBody>
+      </p:sp>
+      <p:sp>
+        <p:nvSpPr>
+          <p:cNvPr id="12" name="Заголовок 1"/>
+          <p:cNvSpPr txBox="1">
+            <a:spLocks/>
+          </p:cNvSpPr>
+          <p:nvPr/>
+        </p:nvSpPr>
+        <p:spPr>
+          <a:xfrm>
+            <a:off x="1834813" y="2708998"/>
+            <a:ext cx="5201920" cy="312821"/>
+          </a:xfrm>
+          <a:prstGeom prst="rect">
+            <a:avLst/>
+          </a:prstGeom>
+        </p:spPr>
+        <p:txBody>
+          <a:bodyPr vert="horz" lIns="91440" tIns="45720" rIns="91440" bIns="45720" rtlCol="0" anchor="ctr" anchorCtr="0">
+            <a:noAutofit/>
+          </a:bodyPr>
+          <a:lstStyle>
+            <a:lvl1pPr algn="ctr" defTabSz="914400" rtl="0" eaLnBrk="1" latinLnBrk="0" hangingPunct="1">
+              <a:lnSpc>
+                <a:spcPct val="90000"/>
+              </a:lnSpc>
+              <a:spcBef>
+                <a:spcPct val="0"/>
+              </a:spcBef>
+              <a:buNone/>
+              <a:defRPr sz="4800" kern="1200" cap="all" spc="300" baseline="0">
+                <a:solidFill>
+                  <a:schemeClr val="bg1"/>
+                </a:solidFill>
+                <a:latin typeface="+mj-lt"/>
+                <a:ea typeface="+mj-ea"/>
+                <a:cs typeface="+mj-cs"/>
+              </a:defRPr>
+            </a:lvl1pPr>
+          </a:lstStyle>
+          <a:p>
+            <a:r>
+              <a:rPr lang="en-US" sz="1800" i="1" dirty="0" smtClean="0"/>
+              <a:t>FN – final loss(it should be small)</a:t>
+            </a:r>
+            <a:endParaRPr lang="en-US" sz="1800" i="1" dirty="0"/>
+          </a:p>
+        </p:txBody>
+      </p:sp>
+      <p:pic>
+        <p:nvPicPr>
+          <p:cNvPr id="1026" name="Picture 2"/>
+          <p:cNvPicPr>
+            <a:picLocks noChangeAspect="1" noChangeArrowheads="1"/>
+          </p:cNvPicPr>
+          <p:nvPr/>
+        </p:nvPicPr>
+        <p:blipFill>
+          <a:blip r:embed="rId4" cstate="print">
+            <a:extLst>
+              <a:ext uri="{28A0092B-C50C-407E-A947-70E740481C1C}">
+                <a14:useLocalDpi xmlns:a14="http://schemas.microsoft.com/office/drawing/2010/main" val="0"/>
+              </a:ext>
+            </a:extLst>
+          </a:blip>
+          <a:srcRect/>
+          <a:stretch>
+            <a:fillRect/>
+          </a:stretch>
+        </p:blipFill>
+        <p:spPr bwMode="auto">
+          <a:xfrm>
+            <a:off x="4773480" y="3756007"/>
+            <a:ext cx="3503613" cy="1924223"/>
+          </a:xfrm>
+          <a:prstGeom prst="rect">
+            <a:avLst/>
+          </a:prstGeom>
+          <a:noFill/>
+          <a:ln>
+            <a:noFill/>
+          </a:ln>
+          <a:effectLst/>
+          <a:extLst>
+            <a:ext uri="{909E8E84-426E-40DD-AFC4-6F175D3DCCD1}">
+              <a14:hiddenFill xmlns:a14="http://schemas.microsoft.com/office/drawing/2010/main">
+                <a:solidFill>
+                  <a:schemeClr val="accent1"/>
+                </a:solidFill>
+              </a14:hiddenFill>
+            </a:ext>
+            <a:ext uri="{91240B29-F687-4F45-9708-019B960494DF}">
+              <a14:hiddenLine xmlns:a14="http://schemas.microsoft.com/office/drawing/2010/main" w="9525">
+                <a:solidFill>
+                  <a:schemeClr val="tx1"/>
+                </a:solidFill>
+                <a:miter lim="800000"/>
+                <a:headEnd/>
+                <a:tailEnd/>
+              </a14:hiddenLine>
+            </a:ext>
+            <a:ext uri="{AF507438-7753-43E0-B8FC-AC1667EBCBE1}">
+              <a14:hiddenEffects xmlns:a14="http://schemas.microsoft.com/office/drawing/2010/main">
+                <a:effectLst>
+                  <a:outerShdw dist="35921" dir="2700000" algn="ctr" rotWithShape="0">
+                    <a:schemeClr val="bg2"/>
+                  </a:outerShdw>
+                </a:effectLst>
+              </a14:hiddenEffects>
+            </a:ext>
+          </a:extLst>
+        </p:spPr>
+      </p:pic>
+      <p:pic>
+        <p:nvPicPr>
+          <p:cNvPr id="1027" name="Picture 3"/>
+          <p:cNvPicPr>
+            <a:picLocks noChangeAspect="1" noChangeArrowheads="1"/>
+          </p:cNvPicPr>
+          <p:nvPr/>
+        </p:nvPicPr>
+        <p:blipFill>
+          <a:blip r:embed="rId5" cstate="print">
+            <a:extLst>
+              <a:ext uri="{28A0092B-C50C-407E-A947-70E740481C1C}">
+                <a14:useLocalDpi xmlns:a14="http://schemas.microsoft.com/office/drawing/2010/main" val="0"/>
+              </a:ext>
+            </a:extLst>
+          </a:blip>
+          <a:srcRect/>
+          <a:stretch>
+            <a:fillRect/>
+          </a:stretch>
+        </p:blipFill>
+        <p:spPr bwMode="auto">
+          <a:xfrm>
+            <a:off x="8446607" y="0"/>
+            <a:ext cx="3745393" cy="2108447"/>
+          </a:xfrm>
+          <a:prstGeom prst="rect">
+            <a:avLst/>
+          </a:prstGeom>
+          <a:noFill/>
+          <a:ln>
+            <a:noFill/>
+          </a:ln>
+          <a:effectLst/>
+          <a:extLst>
+            <a:ext uri="{909E8E84-426E-40DD-AFC4-6F175D3DCCD1}">
+              <a14:hiddenFill xmlns:a14="http://schemas.microsoft.com/office/drawing/2010/main">
+                <a:solidFill>
+                  <a:schemeClr val="accent1"/>
+                </a:solidFill>
+              </a14:hiddenFill>
+            </a:ext>
+            <a:ext uri="{91240B29-F687-4F45-9708-019B960494DF}">
+              <a14:hiddenLine xmlns:a14="http://schemas.microsoft.com/office/drawing/2010/main" w="9525">
+                <a:solidFill>
+                  <a:schemeClr val="tx1"/>
+                </a:solidFill>
+                <a:miter lim="800000"/>
+                <a:headEnd/>
+                <a:tailEnd/>
+              </a14:hiddenLine>
+            </a:ext>
+            <a:ext uri="{AF507438-7753-43E0-B8FC-AC1667EBCBE1}">
+              <a14:hiddenEffects xmlns:a14="http://schemas.microsoft.com/office/drawing/2010/main">
+                <a:effectLst>
+                  <a:outerShdw dist="35921" dir="2700000" algn="ctr" rotWithShape="0">
+                    <a:schemeClr val="bg2"/>
+                  </a:outerShdw>
+                </a:effectLst>
+              </a14:hiddenEffects>
+            </a:ext>
+          </a:extLst>
+        </p:spPr>
+      </p:pic>
+      <p:sp>
+        <p:nvSpPr>
+          <p:cNvPr id="14" name="Заголовок 1"/>
+          <p:cNvSpPr txBox="1">
+            <a:spLocks/>
+          </p:cNvSpPr>
+          <p:nvPr/>
+        </p:nvSpPr>
+        <p:spPr>
+          <a:xfrm>
+            <a:off x="6990080" y="2363024"/>
+            <a:ext cx="5201920" cy="312821"/>
+          </a:xfrm>
+          <a:prstGeom prst="rect">
+            <a:avLst/>
+          </a:prstGeom>
+        </p:spPr>
+        <p:txBody>
+          <a:bodyPr vert="horz" lIns="91440" tIns="45720" rIns="91440" bIns="45720" rtlCol="0" anchor="ctr" anchorCtr="0">
+            <a:noAutofit/>
+          </a:bodyPr>
+          <a:lstStyle>
+            <a:lvl1pPr algn="ctr" defTabSz="914400" rtl="0" eaLnBrk="1" latinLnBrk="0" hangingPunct="1">
+              <a:lnSpc>
+                <a:spcPct val="90000"/>
+              </a:lnSpc>
+              <a:spcBef>
+                <a:spcPct val="0"/>
+              </a:spcBef>
+              <a:buNone/>
+              <a:defRPr sz="4800" kern="1200" cap="all" spc="300" baseline="0">
+                <a:solidFill>
+                  <a:schemeClr val="bg1"/>
+                </a:solidFill>
+                <a:latin typeface="+mj-lt"/>
+                <a:ea typeface="+mj-ea"/>
+                <a:cs typeface="+mj-cs"/>
+              </a:defRPr>
+            </a:lvl1pPr>
+          </a:lstStyle>
+          <a:p>
+            <a:r>
+              <a:rPr lang="ru-RU" sz="1600" i="1" dirty="0" smtClean="0"/>
+              <a:t>????</a:t>
+            </a:r>
+            <a:endParaRPr lang="en-US" sz="1600" i="1" dirty="0"/>
+          </a:p>
+        </p:txBody>
+      </p:sp>
+      <p:pic>
+        <p:nvPicPr>
+          <p:cNvPr id="2" name="Picture 2"/>
+          <p:cNvPicPr>
+            <a:picLocks noChangeAspect="1" noChangeArrowheads="1"/>
+          </p:cNvPicPr>
+          <p:nvPr/>
+        </p:nvPicPr>
+        <p:blipFill>
+          <a:blip r:embed="rId6">
+            <a:extLst>
+              <a:ext uri="{28A0092B-C50C-407E-A947-70E740481C1C}">
+                <a14:useLocalDpi xmlns:a14="http://schemas.microsoft.com/office/drawing/2010/main" val="0"/>
+              </a:ext>
+            </a:extLst>
+          </a:blip>
+          <a:srcRect/>
+          <a:stretch>
+            <a:fillRect/>
+          </a:stretch>
+        </p:blipFill>
+        <p:spPr bwMode="auto">
+          <a:xfrm>
+            <a:off x="10001403" y="3210676"/>
+            <a:ext cx="2190597" cy="3648393"/>
+          </a:xfrm>
+          <a:prstGeom prst="rect">
+            <a:avLst/>
+          </a:prstGeom>
+          <a:noFill/>
+          <a:ln>
+            <a:noFill/>
+          </a:ln>
+          <a:effectLst/>
+          <a:extLst>
+            <a:ext uri="{909E8E84-426E-40DD-AFC4-6F175D3DCCD1}">
+              <a14:hiddenFill xmlns:a14="http://schemas.microsoft.com/office/drawing/2010/main">
+                <a:solidFill>
+                  <a:schemeClr val="accent1"/>
+                </a:solidFill>
+              </a14:hiddenFill>
+            </a:ext>
+            <a:ext uri="{91240B29-F687-4F45-9708-019B960494DF}">
+              <a14:hiddenLine xmlns:a14="http://schemas.microsoft.com/office/drawing/2010/main" w="9525">
+                <a:solidFill>
+                  <a:schemeClr val="tx1"/>
+                </a:solidFill>
+                <a:miter lim="800000"/>
+                <a:headEnd/>
+                <a:tailEnd/>
+              </a14:hiddenLine>
+            </a:ext>
+            <a:ext uri="{AF507438-7753-43E0-B8FC-AC1667EBCBE1}">
+              <a14:hiddenEffects xmlns:a14="http://schemas.microsoft.com/office/drawing/2010/main">
+                <a:effectLst>
+                  <a:outerShdw dist="35921" dir="2700000" algn="ctr" rotWithShape="0">
+                    <a:schemeClr val="bg2"/>
+                  </a:outerShdw>
+                </a:effectLst>
+              </a14:hiddenEffects>
+            </a:ext>
+          </a:extLst>
+        </p:spPr>
+      </p:pic>
+    </p:spTree>
+    <p:extLst>
+      <p:ext uri="{BB962C8B-B14F-4D97-AF65-F5344CB8AC3E}">
+        <p14:creationId xmlns:p14="http://schemas.microsoft.com/office/powerpoint/2010/main" val="1804435526"/>
+      </p:ext>
+    </p:extLst>
+  </p:cSld>
+  <p:clrMapOvr>
+    <a:masterClrMapping/>
+  </p:clrMapOvr>
+</p:sld>
+</file>
+
+<file path=ppt/slides/slide29.xml><?xml version="1.0" encoding="utf-8"?>
+<p:sld xmlns:a="http://schemas.openxmlformats.org/drawingml/2006/main" xmlns:r="http://schemas.openxmlformats.org/officeDocument/2006/relationships" xmlns:p="http://schemas.openxmlformats.org/presentationml/2006/main">
+  <p:cSld>
+    <p:spTree>
+      <p:nvGrpSpPr>
+        <p:cNvPr id="1" name="">
+          <a:extLst>
+            <a:ext uri="{FF2B5EF4-FFF2-40B4-BE49-F238E27FC236}">
+              <a16:creationId xmlns:a16="http://schemas.microsoft.com/office/drawing/2014/main" xmlns="" id="{8C579E26-FA2D-1C68-DB27-3D2C268F6B28}"/>
+            </a:ext>
+          </a:extLst>
+        </p:cNvPr>
+        <p:cNvGrpSpPr/>
+        <p:nvPr/>
+      </p:nvGrpSpPr>
+      <p:grpSpPr>
+        <a:xfrm>
+          <a:off x="0" y="0"/>
+          <a:ext cx="0" cy="0"/>
+          <a:chOff x="0" y="0"/>
+          <a:chExt cx="0" cy="0"/>
+        </a:xfrm>
+      </p:grpSpPr>
+      <p:sp>
+        <p:nvSpPr>
           <p:cNvPr id="7" name="Title 6">
             <a:extLst>
               <a:ext uri="{FF2B5EF4-FFF2-40B4-BE49-F238E27FC236}">
-                <a16:creationId xmlns="" xmlns:a16="http://schemas.microsoft.com/office/drawing/2014/main" id="{44A692C1-E622-D699-43E0-1ECB59404096}"/>
+                <a16:creationId xmlns:a16="http://schemas.microsoft.com/office/drawing/2014/main" xmlns="" id="{44A692C1-E622-D699-43E0-1ECB59404096}"/>
               </a:ext>
             </a:extLst>
           </p:cNvPr>
@@ -16897,7 +17872,7 @@
         <p:cNvPr id="1" name="">
           <a:extLst>
             <a:ext uri="{FF2B5EF4-FFF2-40B4-BE49-F238E27FC236}">
-              <a16:creationId xmlns="" xmlns:a16="http://schemas.microsoft.com/office/drawing/2014/main" id="{39288295-DCAF-069C-8B1B-4576B8E372BB}"/>
+              <a16:creationId xmlns:a16="http://schemas.microsoft.com/office/drawing/2014/main" xmlns="" id="{39288295-DCAF-069C-8B1B-4576B8E372BB}"/>
             </a:ext>
           </a:extLst>
         </p:cNvPr>
@@ -16917,7 +17892,7 @@
           <p:cNvPr id="7" name="Title 6">
             <a:extLst>
               <a:ext uri="{FF2B5EF4-FFF2-40B4-BE49-F238E27FC236}">
-                <a16:creationId xmlns="" xmlns:a16="http://schemas.microsoft.com/office/drawing/2014/main" id="{61F85EF1-69F5-5E4D-E911-359BF0A3DBF3}"/>
+                <a16:creationId xmlns:a16="http://schemas.microsoft.com/office/drawing/2014/main" xmlns="" id="{61F85EF1-69F5-5E4D-E911-359BF0A3DBF3}"/>
               </a:ext>
             </a:extLst>
           </p:cNvPr>
@@ -16958,7 +17933,7 @@
           <p:cNvPr id="8" name="TextBox 7">
             <a:extLst>
               <a:ext uri="{FF2B5EF4-FFF2-40B4-BE49-F238E27FC236}">
-                <a16:creationId xmlns="" xmlns:a16="http://schemas.microsoft.com/office/drawing/2014/main" id="{F8C56A79-35B0-9EBF-8FD3-C903CBFF847D}"/>
+                <a16:creationId xmlns:a16="http://schemas.microsoft.com/office/drawing/2014/main" xmlns="" id="{F8C56A79-35B0-9EBF-8FD3-C903CBFF847D}"/>
               </a:ext>
             </a:extLst>
           </p:cNvPr>
@@ -17081,7 +18056,7 @@
           <p:cNvPr id="2" name="TextBox 1">
             <a:extLst>
               <a:ext uri="{FF2B5EF4-FFF2-40B4-BE49-F238E27FC236}">
-                <a16:creationId xmlns="" xmlns:a16="http://schemas.microsoft.com/office/drawing/2014/main" id="{144EF226-6026-E052-DD93-BEC3F237B30F}"/>
+                <a16:creationId xmlns:a16="http://schemas.microsoft.com/office/drawing/2014/main" xmlns="" id="{144EF226-6026-E052-DD93-BEC3F237B30F}"/>
               </a:ext>
             </a:extLst>
           </p:cNvPr>
@@ -17221,7 +18196,7 @@
         <p:cNvPr id="1" name="">
           <a:extLst>
             <a:ext uri="{FF2B5EF4-FFF2-40B4-BE49-F238E27FC236}">
-              <a16:creationId xmlns="" xmlns:a16="http://schemas.microsoft.com/office/drawing/2014/main" id="{953B6214-BA54-21CA-C08F-F6E6CD6F9476}"/>
+              <a16:creationId xmlns:a16="http://schemas.microsoft.com/office/drawing/2014/main" xmlns="" id="{953B6214-BA54-21CA-C08F-F6E6CD6F9476}"/>
             </a:ext>
           </a:extLst>
         </p:cNvPr>
@@ -17241,7 +18216,7 @@
           <p:cNvPr id="7" name="Title 6">
             <a:extLst>
               <a:ext uri="{FF2B5EF4-FFF2-40B4-BE49-F238E27FC236}">
-                <a16:creationId xmlns="" xmlns:a16="http://schemas.microsoft.com/office/drawing/2014/main" id="{D1FCF065-2D37-1687-8F8E-2906BCCE04C9}"/>
+                <a16:creationId xmlns:a16="http://schemas.microsoft.com/office/drawing/2014/main" xmlns="" id="{D1FCF065-2D37-1687-8F8E-2906BCCE04C9}"/>
               </a:ext>
             </a:extLst>
           </p:cNvPr>
@@ -17281,7 +18256,7 @@
           <p:cNvPr id="8" name="TextBox 7">
             <a:extLst>
               <a:ext uri="{FF2B5EF4-FFF2-40B4-BE49-F238E27FC236}">
-                <a16:creationId xmlns="" xmlns:a16="http://schemas.microsoft.com/office/drawing/2014/main" id="{829DCAF4-0E7A-EA3D-F623-CCC0F2F22DFF}"/>
+                <a16:creationId xmlns:a16="http://schemas.microsoft.com/office/drawing/2014/main" xmlns="" id="{829DCAF4-0E7A-EA3D-F623-CCC0F2F22DFF}"/>
               </a:ext>
             </a:extLst>
           </p:cNvPr>
@@ -17420,7 +18395,7 @@
           <p:cNvPr id="3" name="TextBox 2">
             <a:extLst>
               <a:ext uri="{FF2B5EF4-FFF2-40B4-BE49-F238E27FC236}">
-                <a16:creationId xmlns="" xmlns:a16="http://schemas.microsoft.com/office/drawing/2014/main" id="{C529289A-69EA-F080-93CD-30695BDBF134}"/>
+                <a16:creationId xmlns:a16="http://schemas.microsoft.com/office/drawing/2014/main" xmlns="" id="{C529289A-69EA-F080-93CD-30695BDBF134}"/>
               </a:ext>
             </a:extLst>
           </p:cNvPr>
@@ -17522,7 +18497,7 @@
           <p:cNvPr id="6" name="TextBox 5">
             <a:extLst>
               <a:ext uri="{FF2B5EF4-FFF2-40B4-BE49-F238E27FC236}">
-                <a16:creationId xmlns="" xmlns:a16="http://schemas.microsoft.com/office/drawing/2014/main" id="{3C9745D3-7387-F090-C452-2E45D43F0971}"/>
+                <a16:creationId xmlns:a16="http://schemas.microsoft.com/office/drawing/2014/main" xmlns="" id="{3C9745D3-7387-F090-C452-2E45D43F0971}"/>
               </a:ext>
             </a:extLst>
           </p:cNvPr>
@@ -17657,7 +18632,7 @@
           <p:cNvPr id="9" name="Rectangle 8">
             <a:extLst>
               <a:ext uri="{FF2B5EF4-FFF2-40B4-BE49-F238E27FC236}">
-                <a16:creationId xmlns="" xmlns:a16="http://schemas.microsoft.com/office/drawing/2014/main" id="{3F9A327E-7B0F-6322-F8E7-5226A4116A9B}"/>
+                <a16:creationId xmlns:a16="http://schemas.microsoft.com/office/drawing/2014/main" xmlns="" id="{3F9A327E-7B0F-6322-F8E7-5226A4116A9B}"/>
               </a:ext>
             </a:extLst>
           </p:cNvPr>
@@ -17729,7 +18704,7 @@
         <p:cNvPr id="1" name="">
           <a:extLst>
             <a:ext uri="{FF2B5EF4-FFF2-40B4-BE49-F238E27FC236}">
-              <a16:creationId xmlns="" xmlns:a16="http://schemas.microsoft.com/office/drawing/2014/main" id="{00AB00F2-1ABB-46F7-FBD3-B7149DCD1A5B}"/>
+              <a16:creationId xmlns:a16="http://schemas.microsoft.com/office/drawing/2014/main" xmlns="" id="{00AB00F2-1ABB-46F7-FBD3-B7149DCD1A5B}"/>
             </a:ext>
           </a:extLst>
         </p:cNvPr>
@@ -17749,7 +18724,7 @@
           <p:cNvPr id="7" name="Title 6">
             <a:extLst>
               <a:ext uri="{FF2B5EF4-FFF2-40B4-BE49-F238E27FC236}">
-                <a16:creationId xmlns="" xmlns:a16="http://schemas.microsoft.com/office/drawing/2014/main" id="{65745319-EE7D-296C-2FFE-F56F0B6538A0}"/>
+                <a16:creationId xmlns:a16="http://schemas.microsoft.com/office/drawing/2014/main" xmlns="" id="{65745319-EE7D-296C-2FFE-F56F0B6538A0}"/>
               </a:ext>
             </a:extLst>
           </p:cNvPr>
@@ -17789,7 +18764,7 @@
           <p:cNvPr id="8" name="TextBox 7">
             <a:extLst>
               <a:ext uri="{FF2B5EF4-FFF2-40B4-BE49-F238E27FC236}">
-                <a16:creationId xmlns="" xmlns:a16="http://schemas.microsoft.com/office/drawing/2014/main" id="{6D710782-0111-EEBD-02DC-6E7ACC855995}"/>
+                <a16:creationId xmlns:a16="http://schemas.microsoft.com/office/drawing/2014/main" xmlns="" id="{6D710782-0111-EEBD-02DC-6E7ACC855995}"/>
               </a:ext>
             </a:extLst>
           </p:cNvPr>
@@ -17836,7 +18811,7 @@
           <p:cNvPr id="9" name="TextBox 8">
             <a:extLst>
               <a:ext uri="{FF2B5EF4-FFF2-40B4-BE49-F238E27FC236}">
-                <a16:creationId xmlns="" xmlns:a16="http://schemas.microsoft.com/office/drawing/2014/main" id="{AE941EAD-4479-E631-4FC0-8E1DFBDB66EF}"/>
+                <a16:creationId xmlns:a16="http://schemas.microsoft.com/office/drawing/2014/main" xmlns="" id="{AE941EAD-4479-E631-4FC0-8E1DFBDB66EF}"/>
               </a:ext>
             </a:extLst>
           </p:cNvPr>
@@ -17890,7 +18865,7 @@
           <p:cNvPr id="2" name="Rectangle 1">
             <a:extLst>
               <a:ext uri="{FF2B5EF4-FFF2-40B4-BE49-F238E27FC236}">
-                <a16:creationId xmlns="" xmlns:a16="http://schemas.microsoft.com/office/drawing/2014/main" id="{8BE59029-112F-330F-CBC2-D013521EFC34}"/>
+                <a16:creationId xmlns:a16="http://schemas.microsoft.com/office/drawing/2014/main" xmlns="" id="{8BE59029-112F-330F-CBC2-D013521EFC34}"/>
               </a:ext>
             </a:extLst>
           </p:cNvPr>
@@ -17946,7 +18921,7 @@
           <p:cNvPr id="3" name="TextBox 2">
             <a:extLst>
               <a:ext uri="{FF2B5EF4-FFF2-40B4-BE49-F238E27FC236}">
-                <a16:creationId xmlns="" xmlns:a16="http://schemas.microsoft.com/office/drawing/2014/main" id="{E5DE46A3-2E10-F599-6F94-3604A4BB1603}"/>
+                <a16:creationId xmlns:a16="http://schemas.microsoft.com/office/drawing/2014/main" xmlns="" id="{E5DE46A3-2E10-F599-6F94-3604A4BB1603}"/>
               </a:ext>
             </a:extLst>
           </p:cNvPr>
@@ -17993,7 +18968,7 @@
           <p:cNvPr id="4" name="Rectangle 3">
             <a:extLst>
               <a:ext uri="{FF2B5EF4-FFF2-40B4-BE49-F238E27FC236}">
-                <a16:creationId xmlns="" xmlns:a16="http://schemas.microsoft.com/office/drawing/2014/main" id="{09F4D9B4-F12A-0A44-0AFA-0BFA209DAD40}"/>
+                <a16:creationId xmlns:a16="http://schemas.microsoft.com/office/drawing/2014/main" xmlns="" id="{09F4D9B4-F12A-0A44-0AFA-0BFA209DAD40}"/>
               </a:ext>
             </a:extLst>
           </p:cNvPr>
@@ -18049,7 +19024,7 @@
           <p:cNvPr id="5" name="TextBox 4">
             <a:extLst>
               <a:ext uri="{FF2B5EF4-FFF2-40B4-BE49-F238E27FC236}">
-                <a16:creationId xmlns="" xmlns:a16="http://schemas.microsoft.com/office/drawing/2014/main" id="{4B8F1482-E9ED-644D-56F0-2E8E230275E4}"/>
+                <a16:creationId xmlns:a16="http://schemas.microsoft.com/office/drawing/2014/main" xmlns="" id="{4B8F1482-E9ED-644D-56F0-2E8E230275E4}"/>
               </a:ext>
             </a:extLst>
           </p:cNvPr>
@@ -18103,7 +19078,7 @@
           <p:cNvPr id="6" name="Rectangle 5">
             <a:extLst>
               <a:ext uri="{FF2B5EF4-FFF2-40B4-BE49-F238E27FC236}">
-                <a16:creationId xmlns="" xmlns:a16="http://schemas.microsoft.com/office/drawing/2014/main" id="{F36FF003-B68C-97DC-B023-B640B58811FB}"/>
+                <a16:creationId xmlns:a16="http://schemas.microsoft.com/office/drawing/2014/main" xmlns="" id="{F36FF003-B68C-97DC-B023-B640B58811FB}"/>
               </a:ext>
             </a:extLst>
           </p:cNvPr>
@@ -18167,7 +19142,7 @@
           <p:cNvPr id="10" name="TextBox 9">
             <a:extLst>
               <a:ext uri="{FF2B5EF4-FFF2-40B4-BE49-F238E27FC236}">
-                <a16:creationId xmlns="" xmlns:a16="http://schemas.microsoft.com/office/drawing/2014/main" id="{23E42A81-E323-6371-B6FE-90B77C71CF1C}"/>
+                <a16:creationId xmlns:a16="http://schemas.microsoft.com/office/drawing/2014/main" xmlns="" id="{23E42A81-E323-6371-B6FE-90B77C71CF1C}"/>
               </a:ext>
             </a:extLst>
           </p:cNvPr>
@@ -18221,7 +19196,7 @@
           <p:cNvPr id="12" name="Picture 11" descr="A white snake with blue eyes&#10;&#10;AI-generated content may be incorrect.">
             <a:extLst>
               <a:ext uri="{FF2B5EF4-FFF2-40B4-BE49-F238E27FC236}">
-                <a16:creationId xmlns="" xmlns:a16="http://schemas.microsoft.com/office/drawing/2014/main" id="{D9DE6AA5-2528-AC56-C9A1-0E28C374E6CD}"/>
+                <a16:creationId xmlns:a16="http://schemas.microsoft.com/office/drawing/2014/main" xmlns="" id="{D9DE6AA5-2528-AC56-C9A1-0E28C374E6CD}"/>
               </a:ext>
             </a:extLst>
           </p:cNvPr>
@@ -18257,7 +19232,7 @@
           <p:cNvPr id="14" name="Picture 13" descr="A black background with white text&#10;&#10;AI-generated content may be incorrect.">
             <a:extLst>
               <a:ext uri="{FF2B5EF4-FFF2-40B4-BE49-F238E27FC236}">
-                <a16:creationId xmlns="" xmlns:a16="http://schemas.microsoft.com/office/drawing/2014/main" id="{E5F34F0F-1868-BDDA-B7A2-4B9B8D5E70C7}"/>
+                <a16:creationId xmlns:a16="http://schemas.microsoft.com/office/drawing/2014/main" xmlns="" id="{E5F34F0F-1868-BDDA-B7A2-4B9B8D5E70C7}"/>
               </a:ext>
             </a:extLst>
           </p:cNvPr>
@@ -18293,7 +19268,7 @@
           <p:cNvPr id="16" name="Picture 15" descr="A black and green symbol with a checkered pattern&#10;&#10;AI-generated content may be incorrect.">
             <a:extLst>
               <a:ext uri="{FF2B5EF4-FFF2-40B4-BE49-F238E27FC236}">
-                <a16:creationId xmlns="" xmlns:a16="http://schemas.microsoft.com/office/drawing/2014/main" id="{45DD2A95-1335-EFEF-D0FB-5A8AFC7B3575}"/>
+                <a16:creationId xmlns:a16="http://schemas.microsoft.com/office/drawing/2014/main" xmlns="" id="{45DD2A95-1335-EFEF-D0FB-5A8AFC7B3575}"/>
               </a:ext>
             </a:extLst>
           </p:cNvPr>
@@ -18329,7 +19304,7 @@
           <p:cNvPr id="18" name="Picture 17" descr="A purple rectangular object with white text&#10;&#10;AI-generated content may be incorrect.">
             <a:extLst>
               <a:ext uri="{FF2B5EF4-FFF2-40B4-BE49-F238E27FC236}">
-                <a16:creationId xmlns="" xmlns:a16="http://schemas.microsoft.com/office/drawing/2014/main" id="{748AF984-AFF8-25B6-3929-06533135F867}"/>
+                <a16:creationId xmlns:a16="http://schemas.microsoft.com/office/drawing/2014/main" xmlns="" id="{748AF984-AFF8-25B6-3929-06533135F867}"/>
               </a:ext>
             </a:extLst>
           </p:cNvPr>
@@ -18365,7 +19340,7 @@
           <p:cNvPr id="20" name="Picture 19">
             <a:extLst>
               <a:ext uri="{FF2B5EF4-FFF2-40B4-BE49-F238E27FC236}">
-                <a16:creationId xmlns="" xmlns:a16="http://schemas.microsoft.com/office/drawing/2014/main" id="{995B517E-6B59-0EDF-176D-2C3A8DDD1E24}"/>
+                <a16:creationId xmlns:a16="http://schemas.microsoft.com/office/drawing/2014/main" xmlns="" id="{995B517E-6B59-0EDF-176D-2C3A8DDD1E24}"/>
               </a:ext>
             </a:extLst>
           </p:cNvPr>
@@ -18401,7 +19376,7 @@
           <p:cNvPr id="22" name="Picture 21" descr="A math equations and symbols&#10;&#10;AI-generated content may be incorrect.">
             <a:extLst>
               <a:ext uri="{FF2B5EF4-FFF2-40B4-BE49-F238E27FC236}">
-                <a16:creationId xmlns="" xmlns:a16="http://schemas.microsoft.com/office/drawing/2014/main" id="{F5515C3C-6DE4-6DC0-C477-32381037F16D}"/>
+                <a16:creationId xmlns:a16="http://schemas.microsoft.com/office/drawing/2014/main" xmlns="" id="{F5515C3C-6DE4-6DC0-C477-32381037F16D}"/>
               </a:ext>
             </a:extLst>
           </p:cNvPr>
@@ -18453,7 +19428,7 @@
         <p:cNvPr id="1" name="">
           <a:extLst>
             <a:ext uri="{FF2B5EF4-FFF2-40B4-BE49-F238E27FC236}">
-              <a16:creationId xmlns="" xmlns:a16="http://schemas.microsoft.com/office/drawing/2014/main" id="{DBE5E39A-F5D5-D29E-5B7F-DCFE051AAE1B}"/>
+              <a16:creationId xmlns:a16="http://schemas.microsoft.com/office/drawing/2014/main" xmlns="" id="{DBE5E39A-F5D5-D29E-5B7F-DCFE051AAE1B}"/>
             </a:ext>
           </a:extLst>
         </p:cNvPr>
@@ -18473,7 +19448,7 @@
           <p:cNvPr id="7" name="Title 6">
             <a:extLst>
               <a:ext uri="{FF2B5EF4-FFF2-40B4-BE49-F238E27FC236}">
-                <a16:creationId xmlns="" xmlns:a16="http://schemas.microsoft.com/office/drawing/2014/main" id="{B4656742-F44E-DEB8-0DE2-46FE8A3B4872}"/>
+                <a16:creationId xmlns:a16="http://schemas.microsoft.com/office/drawing/2014/main" xmlns="" id="{B4656742-F44E-DEB8-0DE2-46FE8A3B4872}"/>
               </a:ext>
             </a:extLst>
           </p:cNvPr>
@@ -18515,7 +19490,7 @@
           <p:cNvPr id="24" name="Text 1">
             <a:extLst>
               <a:ext uri="{FF2B5EF4-FFF2-40B4-BE49-F238E27FC236}">
-                <a16:creationId xmlns="" xmlns:a16="http://schemas.microsoft.com/office/drawing/2014/main" id="{472BFC16-825E-73E4-9596-F2CA527F48EA}"/>
+                <a16:creationId xmlns:a16="http://schemas.microsoft.com/office/drawing/2014/main" xmlns="" id="{472BFC16-825E-73E4-9596-F2CA527F48EA}"/>
               </a:ext>
             </a:extLst>
           </p:cNvPr>
@@ -18662,7 +19637,7 @@
           <p:cNvPr id="25" name="Text 2">
             <a:extLst>
               <a:ext uri="{FF2B5EF4-FFF2-40B4-BE49-F238E27FC236}">
-                <a16:creationId xmlns="" xmlns:a16="http://schemas.microsoft.com/office/drawing/2014/main" id="{0ED9AA18-9EE7-D709-C4C3-818089404EA4}"/>
+                <a16:creationId xmlns:a16="http://schemas.microsoft.com/office/drawing/2014/main" xmlns="" id="{0ED9AA18-9EE7-D709-C4C3-818089404EA4}"/>
               </a:ext>
             </a:extLst>
           </p:cNvPr>
@@ -18809,7 +19784,7 @@
           <p:cNvPr id="26" name="Image 1">
             <a:extLst>
               <a:ext uri="{FF2B5EF4-FFF2-40B4-BE49-F238E27FC236}">
-                <a16:creationId xmlns="" xmlns:a16="http://schemas.microsoft.com/office/drawing/2014/main" id="{3AA18FAE-20E6-DD3E-8389-A3A3C5E5F02F}"/>
+                <a16:creationId xmlns:a16="http://schemas.microsoft.com/office/drawing/2014/main" xmlns="" id="{3AA18FAE-20E6-DD3E-8389-A3A3C5E5F02F}"/>
               </a:ext>
             </a:extLst>
           </p:cNvPr>
@@ -18839,7 +19814,7 @@
           <p:cNvPr id="27" name="Image 3">
             <a:extLst>
               <a:ext uri="{FF2B5EF4-FFF2-40B4-BE49-F238E27FC236}">
-                <a16:creationId xmlns="" xmlns:a16="http://schemas.microsoft.com/office/drawing/2014/main" id="{0C8D0B1D-8793-388D-0ADB-907B849DA21A}"/>
+                <a16:creationId xmlns:a16="http://schemas.microsoft.com/office/drawing/2014/main" xmlns="" id="{0C8D0B1D-8793-388D-0ADB-907B849DA21A}"/>
               </a:ext>
             </a:extLst>
           </p:cNvPr>
@@ -18875,7 +19850,7 @@
           <p:cNvPr id="28" name="Text 5">
             <a:extLst>
               <a:ext uri="{FF2B5EF4-FFF2-40B4-BE49-F238E27FC236}">
-                <a16:creationId xmlns="" xmlns:a16="http://schemas.microsoft.com/office/drawing/2014/main" id="{6FEBA9B4-92F8-1783-D199-984E9BD35FE4}"/>
+                <a16:creationId xmlns:a16="http://schemas.microsoft.com/office/drawing/2014/main" xmlns="" id="{6FEBA9B4-92F8-1783-D199-984E9BD35FE4}"/>
               </a:ext>
             </a:extLst>
           </p:cNvPr>
@@ -19022,7 +19997,7 @@
           <p:cNvPr id="29" name="Text 6">
             <a:extLst>
               <a:ext uri="{FF2B5EF4-FFF2-40B4-BE49-F238E27FC236}">
-                <a16:creationId xmlns="" xmlns:a16="http://schemas.microsoft.com/office/drawing/2014/main" id="{A01B7A0E-C486-C1C0-401D-9E6A0598F71F}"/>
+                <a16:creationId xmlns:a16="http://schemas.microsoft.com/office/drawing/2014/main" xmlns="" id="{A01B7A0E-C486-C1C0-401D-9E6A0598F71F}"/>
               </a:ext>
             </a:extLst>
           </p:cNvPr>
@@ -19169,7 +20144,7 @@
           <p:cNvPr id="30" name="Image 2">
             <a:extLst>
               <a:ext uri="{FF2B5EF4-FFF2-40B4-BE49-F238E27FC236}">
-                <a16:creationId xmlns="" xmlns:a16="http://schemas.microsoft.com/office/drawing/2014/main" id="{4699EAB3-B451-FA65-3003-7F72825EBD8F}"/>
+                <a16:creationId xmlns:a16="http://schemas.microsoft.com/office/drawing/2014/main" xmlns="" id="{4699EAB3-B451-FA65-3003-7F72825EBD8F}"/>
               </a:ext>
             </a:extLst>
           </p:cNvPr>
@@ -19199,7 +20174,7 @@
           <p:cNvPr id="31" name="Text 3">
             <a:extLst>
               <a:ext uri="{FF2B5EF4-FFF2-40B4-BE49-F238E27FC236}">
-                <a16:creationId xmlns="" xmlns:a16="http://schemas.microsoft.com/office/drawing/2014/main" id="{3317EA26-C890-3AA8-57C6-07F0D9D86A26}"/>
+                <a16:creationId xmlns:a16="http://schemas.microsoft.com/office/drawing/2014/main" xmlns="" id="{3317EA26-C890-3AA8-57C6-07F0D9D86A26}"/>
               </a:ext>
             </a:extLst>
           </p:cNvPr>
@@ -19346,7 +20321,7 @@
           <p:cNvPr id="32" name="Text 4">
             <a:extLst>
               <a:ext uri="{FF2B5EF4-FFF2-40B4-BE49-F238E27FC236}">
-                <a16:creationId xmlns="" xmlns:a16="http://schemas.microsoft.com/office/drawing/2014/main" id="{2F075863-C6D6-3DCA-EAB9-909D73EE40B1}"/>
+                <a16:creationId xmlns:a16="http://schemas.microsoft.com/office/drawing/2014/main" xmlns="" id="{2F075863-C6D6-3DCA-EAB9-909D73EE40B1}"/>
               </a:ext>
             </a:extLst>
           </p:cNvPr>
@@ -19509,7 +20484,7 @@
         <p:cNvPr id="1" name="">
           <a:extLst>
             <a:ext uri="{FF2B5EF4-FFF2-40B4-BE49-F238E27FC236}">
-              <a16:creationId xmlns="" xmlns:a16="http://schemas.microsoft.com/office/drawing/2014/main" id="{7B580C78-F914-AF3B-B3F8-86674699E7E9}"/>
+              <a16:creationId xmlns:a16="http://schemas.microsoft.com/office/drawing/2014/main" xmlns="" id="{7B580C78-F914-AF3B-B3F8-86674699E7E9}"/>
             </a:ext>
           </a:extLst>
         </p:cNvPr>
@@ -19529,7 +20504,7 @@
           <p:cNvPr id="7" name="Title 6">
             <a:extLst>
               <a:ext uri="{FF2B5EF4-FFF2-40B4-BE49-F238E27FC236}">
-                <a16:creationId xmlns="" xmlns:a16="http://schemas.microsoft.com/office/drawing/2014/main" id="{6C658EAB-7DAF-BE2F-A84A-38A3402BEF3F}"/>
+                <a16:creationId xmlns:a16="http://schemas.microsoft.com/office/drawing/2014/main" xmlns="" id="{6C658EAB-7DAF-BE2F-A84A-38A3402BEF3F}"/>
               </a:ext>
             </a:extLst>
           </p:cNvPr>
@@ -19585,7 +20560,7 @@
           <p:cNvPr id="9" name="Picture 8" descr="A black background with white text&#10;&#10;AI-generated content may be incorrect.">
             <a:extLst>
               <a:ext uri="{FF2B5EF4-FFF2-40B4-BE49-F238E27FC236}">
-                <a16:creationId xmlns="" xmlns:a16="http://schemas.microsoft.com/office/drawing/2014/main" id="{C4E41495-4A51-AEA7-884E-CAA49182C5C7}"/>
+                <a16:creationId xmlns:a16="http://schemas.microsoft.com/office/drawing/2014/main" xmlns="" id="{C4E41495-4A51-AEA7-884E-CAA49182C5C7}"/>
               </a:ext>
             </a:extLst>
           </p:cNvPr>
@@ -19708,7 +20683,7 @@
         <p:cNvPr id="1" name="">
           <a:extLst>
             <a:ext uri="{FF2B5EF4-FFF2-40B4-BE49-F238E27FC236}">
-              <a16:creationId xmlns="" xmlns:a16="http://schemas.microsoft.com/office/drawing/2014/main" id="{7B580C78-F914-AF3B-B3F8-86674699E7E9}"/>
+              <a16:creationId xmlns:a16="http://schemas.microsoft.com/office/drawing/2014/main" xmlns="" id="{7B580C78-F914-AF3B-B3F8-86674699E7E9}"/>
             </a:ext>
           </a:extLst>
         </p:cNvPr>
@@ -19728,7 +20703,7 @@
           <p:cNvPr id="7" name="Title 6">
             <a:extLst>
               <a:ext uri="{FF2B5EF4-FFF2-40B4-BE49-F238E27FC236}">
-                <a16:creationId xmlns="" xmlns:a16="http://schemas.microsoft.com/office/drawing/2014/main" id="{6C658EAB-7DAF-BE2F-A84A-38A3402BEF3F}"/>
+                <a16:creationId xmlns:a16="http://schemas.microsoft.com/office/drawing/2014/main" xmlns="" id="{6C658EAB-7DAF-BE2F-A84A-38A3402BEF3F}"/>
               </a:ext>
             </a:extLst>
           </p:cNvPr>
@@ -20077,7 +21052,7 @@
         <p:cNvPr id="1" name="">
           <a:extLst>
             <a:ext uri="{FF2B5EF4-FFF2-40B4-BE49-F238E27FC236}">
-              <a16:creationId xmlns="" xmlns:a16="http://schemas.microsoft.com/office/drawing/2014/main" id="{FDF6AF63-1DBE-D11B-6DC9-B3687284A56C}"/>
+              <a16:creationId xmlns:a16="http://schemas.microsoft.com/office/drawing/2014/main" xmlns="" id="{FDF6AF63-1DBE-D11B-6DC9-B3687284A56C}"/>
             </a:ext>
           </a:extLst>
         </p:cNvPr>
@@ -20097,7 +21072,7 @@
           <p:cNvPr id="7" name="Title 6">
             <a:extLst>
               <a:ext uri="{FF2B5EF4-FFF2-40B4-BE49-F238E27FC236}">
-                <a16:creationId xmlns="" xmlns:a16="http://schemas.microsoft.com/office/drawing/2014/main" id="{C8FF4F10-97E7-7357-3F36-228622417091}"/>
+                <a16:creationId xmlns:a16="http://schemas.microsoft.com/office/drawing/2014/main" xmlns="" id="{C8FF4F10-97E7-7357-3F36-228622417091}"/>
               </a:ext>
             </a:extLst>
           </p:cNvPr>
@@ -20604,7 +21579,7 @@
   <a:extraClrSchemeLst/>
   <a:extLst>
     <a:ext uri="{05A4C25C-085E-4340-85A3-A5531E510DB2}">
-      <thm15:themeFamily xmlns="" xmlns:thm15="http://schemas.microsoft.com/office/thememl/2012/main" name="TM55661986_wac_CP_V19" id="{030227AD-26D8-46F7-B412-6532AF4DDFEA}" vid="{787E6F9C-FC70-455D-8D81-5DEDA8A08FF0}"/>
+      <thm15:themeFamily xmlns:thm15="http://schemas.microsoft.com/office/thememl/2012/main" xmlns="" name="TM55661986_wac_CP_V19" id="{030227AD-26D8-46F7-B412-6532AF4DDFEA}" vid="{787E6F9C-FC70-455D-8D81-5DEDA8A08FF0}"/>
     </a:ext>
   </a:extLst>
 </a:theme>
@@ -20899,7 +21874,7 @@
   <a:extraClrSchemeLst/>
   <a:extLst>
     <a:ext uri="{05A4C25C-085E-4340-85A3-A5531E510DB2}">
-      <thm15:themeFamily xmlns="" xmlns:thm15="http://schemas.microsoft.com/office/thememl/2012/main" name="Office Theme" id="{62F939B6-93AF-4DB8-9C6B-D6C7DFDC589F}" vid="{4A3C46E8-61CC-4603-A589-7422A47A8E4A}"/>
+      <thm15:themeFamily xmlns:thm15="http://schemas.microsoft.com/office/thememl/2012/main" xmlns="" name="Office Theme" id="{62F939B6-93AF-4DB8-9C6B-D6C7DFDC589F}" vid="{4A3C46E8-61CC-4603-A589-7422A47A8E4A}"/>
     </a:ext>
   </a:extLst>
 </a:theme>
@@ -21214,13 +22189,33 @@
   <a:extraClrSchemeLst/>
   <a:extLst>
     <a:ext uri="{05A4C25C-085E-4340-85A3-A5531E510DB2}">
-      <thm15:themeFamily xmlns="" xmlns:thm15="http://schemas.microsoft.com/office/thememl/2012/main" name="Office Theme" id="{2E142A2C-CD16-42D6-873A-C26D2A0506FA}" vid="{1BDDFF52-6CD6-40A5-AB3C-68EB2F1E4D0A}"/>
+      <thm15:themeFamily xmlns:thm15="http://schemas.microsoft.com/office/thememl/2012/main" xmlns="" name="Office Theme" id="{2E142A2C-CD16-42D6-873A-C26D2A0506FA}" vid="{1BDDFF52-6CD6-40A5-AB3C-68EB2F1E4D0A}"/>
     </a:ext>
   </a:extLst>
 </a:theme>
 </file>
 
 <file path=customXml/item1.xml><?xml version="1.0" encoding="utf-8"?>
+<p:properties xmlns:p="http://schemas.microsoft.com/office/2006/metadata/properties" xmlns:xsi="http://www.w3.org/2001/XMLSchema-instance" xmlns:pc="http://schemas.microsoft.com/office/infopath/2007/PartnerControls">
+  <documentManagement>
+    <_ip_UnifiedCompliancePolicyUIAction xmlns="http://schemas.microsoft.com/sharepoint/v3" xsi:nil="true"/>
+    <Image xmlns="71af3243-3dd4-4a8d-8c0d-dd76da1f02a5">
+      <Url xsi:nil="true"/>
+      <Description xsi:nil="true"/>
+    </Image>
+    <Status xmlns="71af3243-3dd4-4a8d-8c0d-dd76da1f02a5">Not started</Status>
+    <Background xmlns="71af3243-3dd4-4a8d-8c0d-dd76da1f02a5">false</Background>
+    <_ip_UnifiedCompliancePolicyProperties xmlns="http://schemas.microsoft.com/sharepoint/v3" xsi:nil="true"/>
+    <ImageTagsTaxHTField xmlns="71af3243-3dd4-4a8d-8c0d-dd76da1f02a5">
+      <Terms xmlns="http://schemas.microsoft.com/office/infopath/2007/PartnerControls"/>
+    </ImageTagsTaxHTField>
+    <TaxCatchAll xmlns="230e9df3-be65-4c73-a93b-d1236ebd677e" xsi:nil="true"/>
+    <MediaServiceKeyPoints xmlns="71af3243-3dd4-4a8d-8c0d-dd76da1f02a5" xsi:nil="true"/>
+  </documentManagement>
+</p:properties>
+</file>
+
+<file path=customXml/item2.xml><?xml version="1.0" encoding="utf-8"?>
 <ct:contentTypeSchema xmlns:ct="http://schemas.microsoft.com/office/2006/metadata/contentType" xmlns:ma="http://schemas.microsoft.com/office/2006/metadata/properties/metaAttributes" ct:_="" ma:_="" ma:contentTypeName="Document" ma:contentTypeID="0x01010079F111ED35F8CC479449609E8A0923A6" ma:contentTypeVersion="28" ma:contentTypeDescription="Create a new document." ma:contentTypeScope="" ma:versionID="60f5a4f2d2b0abadcf532d48ebf9cb71">
   <xsd:schema xmlns:xsd="http://www.w3.org/2001/XMLSchema" xmlns:xs="http://www.w3.org/2001/XMLSchema" xmlns:p="http://schemas.microsoft.com/office/2006/metadata/properties" xmlns:ns1="http://schemas.microsoft.com/sharepoint/v3" xmlns:ns2="71af3243-3dd4-4a8d-8c0d-dd76da1f02a5" xmlns:ns3="16c05727-aa75-4e4a-9b5f-8a80a1165891" xmlns:ns4="230e9df3-be65-4c73-a93b-d1236ebd677e" targetNamespace="http://schemas.microsoft.com/office/2006/metadata/properties" ma:root="true" ma:fieldsID="7dd78129e6a1811f84807ad11c651531" ns1:_="" ns2:_="" ns3:_="" ns4:_="">
     <xsd:import namespace="http://schemas.microsoft.com/sharepoint/v3"/>
@@ -21532,26 +22527,6 @@
 </ct:contentTypeSchema>
 </file>
 
-<file path=customXml/item2.xml><?xml version="1.0" encoding="utf-8"?>
-<p:properties xmlns:p="http://schemas.microsoft.com/office/2006/metadata/properties" xmlns:xsi="http://www.w3.org/2001/XMLSchema-instance" xmlns:pc="http://schemas.microsoft.com/office/infopath/2007/PartnerControls">
-  <documentManagement>
-    <_ip_UnifiedCompliancePolicyUIAction xmlns="http://schemas.microsoft.com/sharepoint/v3" xsi:nil="true"/>
-    <Image xmlns="71af3243-3dd4-4a8d-8c0d-dd76da1f02a5">
-      <Url xsi:nil="true"/>
-      <Description xsi:nil="true"/>
-    </Image>
-    <Status xmlns="71af3243-3dd4-4a8d-8c0d-dd76da1f02a5">Not started</Status>
-    <Background xmlns="71af3243-3dd4-4a8d-8c0d-dd76da1f02a5">false</Background>
-    <_ip_UnifiedCompliancePolicyProperties xmlns="http://schemas.microsoft.com/sharepoint/v3" xsi:nil="true"/>
-    <ImageTagsTaxHTField xmlns="71af3243-3dd4-4a8d-8c0d-dd76da1f02a5">
-      <Terms xmlns="http://schemas.microsoft.com/office/infopath/2007/PartnerControls"/>
-    </ImageTagsTaxHTField>
-    <TaxCatchAll xmlns="230e9df3-be65-4c73-a93b-d1236ebd677e" xsi:nil="true"/>
-    <MediaServiceKeyPoints xmlns="71af3243-3dd4-4a8d-8c0d-dd76da1f02a5" xsi:nil="true"/>
-  </documentManagement>
-</p:properties>
-</file>
-
 <file path=customXml/item3.xml><?xml version="1.0" encoding="utf-8"?>
 <?mso-contentType ?>
 <FormTemplates xmlns="http://schemas.microsoft.com/sharepoint/v3/contenttype/forms">
@@ -21562,6 +22537,25 @@
 </file>
 
 <file path=customXml/itemProps1.xml><?xml version="1.0" encoding="utf-8"?>
+<ds:datastoreItem xmlns:ds="http://schemas.openxmlformats.org/officeDocument/2006/customXml" ds:itemID="{85C2645A-E767-4D7E-984D-234E531E4556}">
+  <ds:schemaRefs>
+    <ds:schemaRef ds:uri="230e9df3-be65-4c73-a93b-d1236ebd677e"/>
+    <ds:schemaRef ds:uri="http://schemas.microsoft.com/office/2006/documentManagement/types"/>
+    <ds:schemaRef ds:uri="http://purl.org/dc/terms/"/>
+    <ds:schemaRef ds:uri="http://purl.org/dc/elements/1.1/"/>
+    <ds:schemaRef ds:uri="http://schemas.openxmlformats.org/package/2006/metadata/core-properties"/>
+    <ds:schemaRef ds:uri="71af3243-3dd4-4a8d-8c0d-dd76da1f02a5"/>
+    <ds:schemaRef ds:uri="http://www.w3.org/XML/1998/namespace"/>
+    <ds:schemaRef ds:uri="http://purl.org/dc/dcmitype/"/>
+    <ds:schemaRef ds:uri="http://schemas.microsoft.com/office/infopath/2007/PartnerControls"/>
+    <ds:schemaRef ds:uri="16c05727-aa75-4e4a-9b5f-8a80a1165891"/>
+    <ds:schemaRef ds:uri="http://schemas.microsoft.com/sharepoint/v3"/>
+    <ds:schemaRef ds:uri="http://schemas.microsoft.com/office/2006/metadata/properties"/>
+  </ds:schemaRefs>
+</ds:datastoreItem>
+</file>
+
+<file path=customXml/itemProps2.xml><?xml version="1.0" encoding="utf-8"?>
 <ds:datastoreItem xmlns:ds="http://schemas.openxmlformats.org/officeDocument/2006/customXml" ds:itemID="{5F2A2379-DD35-4769-BFD6-4857D72F808A}">
   <ds:schemaRefs>
     <ds:schemaRef ds:uri="http://schemas.microsoft.com/office/2006/metadata/contentType"/>
@@ -21582,25 +22576,6 @@
 </ds:datastoreItem>
 </file>
 
-<file path=customXml/itemProps2.xml><?xml version="1.0" encoding="utf-8"?>
-<ds:datastoreItem xmlns:ds="http://schemas.openxmlformats.org/officeDocument/2006/customXml" ds:itemID="{85C2645A-E767-4D7E-984D-234E531E4556}">
-  <ds:schemaRefs>
-    <ds:schemaRef ds:uri="230e9df3-be65-4c73-a93b-d1236ebd677e"/>
-    <ds:schemaRef ds:uri="http://schemas.microsoft.com/office/2006/documentManagement/types"/>
-    <ds:schemaRef ds:uri="http://purl.org/dc/terms/"/>
-    <ds:schemaRef ds:uri="http://purl.org/dc/elements/1.1/"/>
-    <ds:schemaRef ds:uri="http://schemas.openxmlformats.org/package/2006/metadata/core-properties"/>
-    <ds:schemaRef ds:uri="71af3243-3dd4-4a8d-8c0d-dd76da1f02a5"/>
-    <ds:schemaRef ds:uri="http://www.w3.org/XML/1998/namespace"/>
-    <ds:schemaRef ds:uri="http://purl.org/dc/dcmitype/"/>
-    <ds:schemaRef ds:uri="http://schemas.microsoft.com/office/infopath/2007/PartnerControls"/>
-    <ds:schemaRef ds:uri="16c05727-aa75-4e4a-9b5f-8a80a1165891"/>
-    <ds:schemaRef ds:uri="http://schemas.microsoft.com/sharepoint/v3"/>
-    <ds:schemaRef ds:uri="http://schemas.microsoft.com/office/2006/metadata/properties"/>
-  </ds:schemaRefs>
-</ds:datastoreItem>
-</file>
-
 <file path=customXml/itemProps3.xml><?xml version="1.0" encoding="utf-8"?>
 <ds:datastoreItem xmlns:ds="http://schemas.openxmlformats.org/officeDocument/2006/customXml" ds:itemID="{0F048343-1EA9-44C3-883E-652FAAF0713E}">
   <ds:schemaRefs>

--- a/ai_compression_project.pptx
+++ b/ai_compression_project.pptx
@@ -5,10 +5,10 @@
     <p:sldMasterId id="2147483648" r:id="rId4"/>
   </p:sldMasterIdLst>
   <p:notesMasterIdLst>
-    <p:notesMasterId r:id="rId34"/>
+    <p:notesMasterId r:id="rId35"/>
   </p:notesMasterIdLst>
   <p:handoutMasterIdLst>
-    <p:handoutMasterId r:id="rId35"/>
+    <p:handoutMasterId r:id="rId36"/>
   </p:handoutMasterIdLst>
   <p:sldIdLst>
     <p:sldId id="281" r:id="rId5"/>
@@ -39,7 +39,8 @@
     <p:sldId id="311" r:id="rId30"/>
     <p:sldId id="313" r:id="rId31"/>
     <p:sldId id="314" r:id="rId32"/>
-    <p:sldId id="291" r:id="rId33"/>
+    <p:sldId id="315" r:id="rId33"/>
+    <p:sldId id="291" r:id="rId34"/>
   </p:sldIdLst>
   <p:sldSz cx="12192000" cy="6858000"/>
   <p:notesSz cx="6858000" cy="9144000"/>
@@ -140,10 +141,10 @@
   </p:defaultTextStyle>
   <p:extLst>
     <p:ext uri="{EFAFB233-063F-42B5-8137-9DF3F51BA10A}">
-      <p15:sldGuideLst xmlns:p15="http://schemas.microsoft.com/office/powerpoint/2012/main" xmlns=""/>
+      <p15:sldGuideLst xmlns="" xmlns:p15="http://schemas.microsoft.com/office/powerpoint/2012/main"/>
     </p:ext>
     <p:ext uri="{2D200454-40CA-4A62-9FC3-DE9A4176ACB9}">
-      <p15:notesGuideLst xmlns:p15="http://schemas.microsoft.com/office/powerpoint/2012/main" xmlns=""/>
+      <p15:notesGuideLst xmlns="" xmlns:p15="http://schemas.microsoft.com/office/powerpoint/2012/main"/>
     </p:ext>
   </p:extLst>
 </p:presentation>
@@ -182,7 +183,7 @@
           <p:cNvPr id="2" name="Header Placeholder 1">
             <a:extLst>
               <a:ext uri="{FF2B5EF4-FFF2-40B4-BE49-F238E27FC236}">
-                <a16:creationId xmlns:a16="http://schemas.microsoft.com/office/drawing/2014/main" xmlns="" id="{3976AB79-C677-3DB7-78CF-9305D5861483}"/>
+                <a16:creationId xmlns="" xmlns:a16="http://schemas.microsoft.com/office/drawing/2014/main" id="{3976AB79-C677-3DB7-78CF-9305D5861483}"/>
               </a:ext>
             </a:extLst>
           </p:cNvPr>
@@ -219,7 +220,7 @@
           <p:cNvPr id="3" name="Date Placeholder 2">
             <a:extLst>
               <a:ext uri="{FF2B5EF4-FFF2-40B4-BE49-F238E27FC236}">
-                <a16:creationId xmlns:a16="http://schemas.microsoft.com/office/drawing/2014/main" xmlns="" id="{113AB137-CEA6-0244-F12B-1ECC21172D00}"/>
+                <a16:creationId xmlns="" xmlns:a16="http://schemas.microsoft.com/office/drawing/2014/main" id="{113AB137-CEA6-0244-F12B-1ECC21172D00}"/>
               </a:ext>
             </a:extLst>
           </p:cNvPr>
@@ -249,7 +250,7 @@
           <a:p>
             <a:fld id="{0DC994AA-C437-4EF4-8BEF-0B832D7FA420}" type="datetimeFigureOut">
               <a:rPr lang="en-US" smtClean="0"/>
-              <a:t>3/4/2025</a:t>
+              <a:t>3/5/2025</a:t>
             </a:fld>
             <a:endParaRPr lang="en-US"/>
           </a:p>
@@ -260,7 +261,7 @@
           <p:cNvPr id="4" name="Footer Placeholder 3">
             <a:extLst>
               <a:ext uri="{FF2B5EF4-FFF2-40B4-BE49-F238E27FC236}">
-                <a16:creationId xmlns:a16="http://schemas.microsoft.com/office/drawing/2014/main" xmlns="" id="{0868EC96-C6CC-F2AF-D90F-143F4D20A07A}"/>
+                <a16:creationId xmlns="" xmlns:a16="http://schemas.microsoft.com/office/drawing/2014/main" id="{0868EC96-C6CC-F2AF-D90F-143F4D20A07A}"/>
               </a:ext>
             </a:extLst>
           </p:cNvPr>
@@ -297,7 +298,7 @@
           <p:cNvPr id="5" name="Slide Number Placeholder 4">
             <a:extLst>
               <a:ext uri="{FF2B5EF4-FFF2-40B4-BE49-F238E27FC236}">
-                <a16:creationId xmlns:a16="http://schemas.microsoft.com/office/drawing/2014/main" xmlns="" id="{94F8EC8D-EF88-0275-F75C-A789924433BA}"/>
+                <a16:creationId xmlns="" xmlns:a16="http://schemas.microsoft.com/office/drawing/2014/main" id="{94F8EC8D-EF88-0275-F75C-A789924433BA}"/>
               </a:ext>
             </a:extLst>
           </p:cNvPr>
@@ -426,7 +427,7 @@
           <a:p>
             <a:fld id="{3B4FE048-FAD0-D943-9A17-3C4CB7633182}" type="datetimeFigureOut">
               <a:rPr lang="en-US" smtClean="0"/>
-              <a:t>3/4/2025</a:t>
+              <a:t>3/5/2025</a:t>
             </a:fld>
             <a:endParaRPr lang="en-US"/>
           </a:p>
@@ -785,7 +786,7 @@
         <p:cNvPr id="1" name="">
           <a:extLst>
             <a:ext uri="{FF2B5EF4-FFF2-40B4-BE49-F238E27FC236}">
-              <a16:creationId xmlns:a16="http://schemas.microsoft.com/office/drawing/2014/main" xmlns="" id="{84847B3D-F9FE-E845-0A9E-7B3E4737F607}"/>
+              <a16:creationId xmlns="" xmlns:a16="http://schemas.microsoft.com/office/drawing/2014/main" id="{84847B3D-F9FE-E845-0A9E-7B3E4737F607}"/>
             </a:ext>
           </a:extLst>
         </p:cNvPr>
@@ -805,7 +806,7 @@
           <p:cNvPr id="2" name="Slide Image Placeholder 1">
             <a:extLst>
               <a:ext uri="{FF2B5EF4-FFF2-40B4-BE49-F238E27FC236}">
-                <a16:creationId xmlns:a16="http://schemas.microsoft.com/office/drawing/2014/main" xmlns="" id="{A65C55DC-40F4-B8B2-A44F-CEE7EA9104C1}"/>
+                <a16:creationId xmlns="" xmlns:a16="http://schemas.microsoft.com/office/drawing/2014/main" id="{A65C55DC-40F4-B8B2-A44F-CEE7EA9104C1}"/>
               </a:ext>
             </a:extLst>
           </p:cNvPr>
@@ -823,7 +824,7 @@
           <p:cNvPr id="3" name="Notes Placeholder 2">
             <a:extLst>
               <a:ext uri="{FF2B5EF4-FFF2-40B4-BE49-F238E27FC236}">
-                <a16:creationId xmlns:a16="http://schemas.microsoft.com/office/drawing/2014/main" xmlns="" id="{AFAEFE12-CFF9-2E00-9808-098A1D824723}"/>
+                <a16:creationId xmlns="" xmlns:a16="http://schemas.microsoft.com/office/drawing/2014/main" id="{AFAEFE12-CFF9-2E00-9808-098A1D824723}"/>
               </a:ext>
             </a:extLst>
           </p:cNvPr>
@@ -848,7 +849,7 @@
           <p:cNvPr id="4" name="Slide Number Placeholder 3">
             <a:extLst>
               <a:ext uri="{FF2B5EF4-FFF2-40B4-BE49-F238E27FC236}">
-                <a16:creationId xmlns:a16="http://schemas.microsoft.com/office/drawing/2014/main" xmlns="" id="{85084F94-5BAE-E3B2-298D-1E3D1D48D1F6}"/>
+                <a16:creationId xmlns="" xmlns:a16="http://schemas.microsoft.com/office/drawing/2014/main" id="{85084F94-5BAE-E3B2-298D-1E3D1D48D1F6}"/>
               </a:ext>
             </a:extLst>
           </p:cNvPr>
@@ -893,7 +894,7 @@
         <p:cNvPr id="1" name="">
           <a:extLst>
             <a:ext uri="{FF2B5EF4-FFF2-40B4-BE49-F238E27FC236}">
-              <a16:creationId xmlns:a16="http://schemas.microsoft.com/office/drawing/2014/main" xmlns="" id="{84847B3D-F9FE-E845-0A9E-7B3E4737F607}"/>
+              <a16:creationId xmlns="" xmlns:a16="http://schemas.microsoft.com/office/drawing/2014/main" id="{84847B3D-F9FE-E845-0A9E-7B3E4737F607}"/>
             </a:ext>
           </a:extLst>
         </p:cNvPr>
@@ -913,7 +914,7 @@
           <p:cNvPr id="2" name="Slide Image Placeholder 1">
             <a:extLst>
               <a:ext uri="{FF2B5EF4-FFF2-40B4-BE49-F238E27FC236}">
-                <a16:creationId xmlns:a16="http://schemas.microsoft.com/office/drawing/2014/main" xmlns="" id="{A65C55DC-40F4-B8B2-A44F-CEE7EA9104C1}"/>
+                <a16:creationId xmlns="" xmlns:a16="http://schemas.microsoft.com/office/drawing/2014/main" id="{A65C55DC-40F4-B8B2-A44F-CEE7EA9104C1}"/>
               </a:ext>
             </a:extLst>
           </p:cNvPr>
@@ -931,7 +932,7 @@
           <p:cNvPr id="3" name="Notes Placeholder 2">
             <a:extLst>
               <a:ext uri="{FF2B5EF4-FFF2-40B4-BE49-F238E27FC236}">
-                <a16:creationId xmlns:a16="http://schemas.microsoft.com/office/drawing/2014/main" xmlns="" id="{AFAEFE12-CFF9-2E00-9808-098A1D824723}"/>
+                <a16:creationId xmlns="" xmlns:a16="http://schemas.microsoft.com/office/drawing/2014/main" id="{AFAEFE12-CFF9-2E00-9808-098A1D824723}"/>
               </a:ext>
             </a:extLst>
           </p:cNvPr>
@@ -956,7 +957,7 @@
           <p:cNvPr id="4" name="Slide Number Placeholder 3">
             <a:extLst>
               <a:ext uri="{FF2B5EF4-FFF2-40B4-BE49-F238E27FC236}">
-                <a16:creationId xmlns:a16="http://schemas.microsoft.com/office/drawing/2014/main" xmlns="" id="{85084F94-5BAE-E3B2-298D-1E3D1D48D1F6}"/>
+                <a16:creationId xmlns="" xmlns:a16="http://schemas.microsoft.com/office/drawing/2014/main" id="{85084F94-5BAE-E3B2-298D-1E3D1D48D1F6}"/>
               </a:ext>
             </a:extLst>
           </p:cNvPr>
@@ -1001,7 +1002,7 @@
         <p:cNvPr id="1" name="">
           <a:extLst>
             <a:ext uri="{FF2B5EF4-FFF2-40B4-BE49-F238E27FC236}">
-              <a16:creationId xmlns:a16="http://schemas.microsoft.com/office/drawing/2014/main" xmlns="" id="{84847B3D-F9FE-E845-0A9E-7B3E4737F607}"/>
+              <a16:creationId xmlns="" xmlns:a16="http://schemas.microsoft.com/office/drawing/2014/main" id="{84847B3D-F9FE-E845-0A9E-7B3E4737F607}"/>
             </a:ext>
           </a:extLst>
         </p:cNvPr>
@@ -1021,7 +1022,7 @@
           <p:cNvPr id="2" name="Slide Image Placeholder 1">
             <a:extLst>
               <a:ext uri="{FF2B5EF4-FFF2-40B4-BE49-F238E27FC236}">
-                <a16:creationId xmlns:a16="http://schemas.microsoft.com/office/drawing/2014/main" xmlns="" id="{A65C55DC-40F4-B8B2-A44F-CEE7EA9104C1}"/>
+                <a16:creationId xmlns="" xmlns:a16="http://schemas.microsoft.com/office/drawing/2014/main" id="{A65C55DC-40F4-B8B2-A44F-CEE7EA9104C1}"/>
               </a:ext>
             </a:extLst>
           </p:cNvPr>
@@ -1039,7 +1040,7 @@
           <p:cNvPr id="3" name="Notes Placeholder 2">
             <a:extLst>
               <a:ext uri="{FF2B5EF4-FFF2-40B4-BE49-F238E27FC236}">
-                <a16:creationId xmlns:a16="http://schemas.microsoft.com/office/drawing/2014/main" xmlns="" id="{AFAEFE12-CFF9-2E00-9808-098A1D824723}"/>
+                <a16:creationId xmlns="" xmlns:a16="http://schemas.microsoft.com/office/drawing/2014/main" id="{AFAEFE12-CFF9-2E00-9808-098A1D824723}"/>
               </a:ext>
             </a:extLst>
           </p:cNvPr>
@@ -1064,7 +1065,7 @@
           <p:cNvPr id="4" name="Slide Number Placeholder 3">
             <a:extLst>
               <a:ext uri="{FF2B5EF4-FFF2-40B4-BE49-F238E27FC236}">
-                <a16:creationId xmlns:a16="http://schemas.microsoft.com/office/drawing/2014/main" xmlns="" id="{85084F94-5BAE-E3B2-298D-1E3D1D48D1F6}"/>
+                <a16:creationId xmlns="" xmlns:a16="http://schemas.microsoft.com/office/drawing/2014/main" id="{85084F94-5BAE-E3B2-298D-1E3D1D48D1F6}"/>
               </a:ext>
             </a:extLst>
           </p:cNvPr>
@@ -1109,7 +1110,7 @@
         <p:cNvPr id="1" name="">
           <a:extLst>
             <a:ext uri="{FF2B5EF4-FFF2-40B4-BE49-F238E27FC236}">
-              <a16:creationId xmlns:a16="http://schemas.microsoft.com/office/drawing/2014/main" xmlns="" id="{84847B3D-F9FE-E845-0A9E-7B3E4737F607}"/>
+              <a16:creationId xmlns="" xmlns:a16="http://schemas.microsoft.com/office/drawing/2014/main" id="{84847B3D-F9FE-E845-0A9E-7B3E4737F607}"/>
             </a:ext>
           </a:extLst>
         </p:cNvPr>
@@ -1129,7 +1130,7 @@
           <p:cNvPr id="2" name="Slide Image Placeholder 1">
             <a:extLst>
               <a:ext uri="{FF2B5EF4-FFF2-40B4-BE49-F238E27FC236}">
-                <a16:creationId xmlns:a16="http://schemas.microsoft.com/office/drawing/2014/main" xmlns="" id="{A65C55DC-40F4-B8B2-A44F-CEE7EA9104C1}"/>
+                <a16:creationId xmlns="" xmlns:a16="http://schemas.microsoft.com/office/drawing/2014/main" id="{A65C55DC-40F4-B8B2-A44F-CEE7EA9104C1}"/>
               </a:ext>
             </a:extLst>
           </p:cNvPr>
@@ -1147,7 +1148,7 @@
           <p:cNvPr id="3" name="Notes Placeholder 2">
             <a:extLst>
               <a:ext uri="{FF2B5EF4-FFF2-40B4-BE49-F238E27FC236}">
-                <a16:creationId xmlns:a16="http://schemas.microsoft.com/office/drawing/2014/main" xmlns="" id="{AFAEFE12-CFF9-2E00-9808-098A1D824723}"/>
+                <a16:creationId xmlns="" xmlns:a16="http://schemas.microsoft.com/office/drawing/2014/main" id="{AFAEFE12-CFF9-2E00-9808-098A1D824723}"/>
               </a:ext>
             </a:extLst>
           </p:cNvPr>
@@ -1172,7 +1173,7 @@
           <p:cNvPr id="4" name="Slide Number Placeholder 3">
             <a:extLst>
               <a:ext uri="{FF2B5EF4-FFF2-40B4-BE49-F238E27FC236}">
-                <a16:creationId xmlns:a16="http://schemas.microsoft.com/office/drawing/2014/main" xmlns="" id="{85084F94-5BAE-E3B2-298D-1E3D1D48D1F6}"/>
+                <a16:creationId xmlns="" xmlns:a16="http://schemas.microsoft.com/office/drawing/2014/main" id="{85084F94-5BAE-E3B2-298D-1E3D1D48D1F6}"/>
               </a:ext>
             </a:extLst>
           </p:cNvPr>
@@ -1217,7 +1218,7 @@
         <p:cNvPr id="1" name="">
           <a:extLst>
             <a:ext uri="{FF2B5EF4-FFF2-40B4-BE49-F238E27FC236}">
-              <a16:creationId xmlns:a16="http://schemas.microsoft.com/office/drawing/2014/main" xmlns="" id="{84847B3D-F9FE-E845-0A9E-7B3E4737F607}"/>
+              <a16:creationId xmlns="" xmlns:a16="http://schemas.microsoft.com/office/drawing/2014/main" id="{84847B3D-F9FE-E845-0A9E-7B3E4737F607}"/>
             </a:ext>
           </a:extLst>
         </p:cNvPr>
@@ -1237,7 +1238,7 @@
           <p:cNvPr id="2" name="Slide Image Placeholder 1">
             <a:extLst>
               <a:ext uri="{FF2B5EF4-FFF2-40B4-BE49-F238E27FC236}">
-                <a16:creationId xmlns:a16="http://schemas.microsoft.com/office/drawing/2014/main" xmlns="" id="{A65C55DC-40F4-B8B2-A44F-CEE7EA9104C1}"/>
+                <a16:creationId xmlns="" xmlns:a16="http://schemas.microsoft.com/office/drawing/2014/main" id="{A65C55DC-40F4-B8B2-A44F-CEE7EA9104C1}"/>
               </a:ext>
             </a:extLst>
           </p:cNvPr>
@@ -1255,7 +1256,7 @@
           <p:cNvPr id="3" name="Notes Placeholder 2">
             <a:extLst>
               <a:ext uri="{FF2B5EF4-FFF2-40B4-BE49-F238E27FC236}">
-                <a16:creationId xmlns:a16="http://schemas.microsoft.com/office/drawing/2014/main" xmlns="" id="{AFAEFE12-CFF9-2E00-9808-098A1D824723}"/>
+                <a16:creationId xmlns="" xmlns:a16="http://schemas.microsoft.com/office/drawing/2014/main" id="{AFAEFE12-CFF9-2E00-9808-098A1D824723}"/>
               </a:ext>
             </a:extLst>
           </p:cNvPr>
@@ -1280,7 +1281,7 @@
           <p:cNvPr id="4" name="Slide Number Placeholder 3">
             <a:extLst>
               <a:ext uri="{FF2B5EF4-FFF2-40B4-BE49-F238E27FC236}">
-                <a16:creationId xmlns:a16="http://schemas.microsoft.com/office/drawing/2014/main" xmlns="" id="{85084F94-5BAE-E3B2-298D-1E3D1D48D1F6}"/>
+                <a16:creationId xmlns="" xmlns:a16="http://schemas.microsoft.com/office/drawing/2014/main" id="{85084F94-5BAE-E3B2-298D-1E3D1D48D1F6}"/>
               </a:ext>
             </a:extLst>
           </p:cNvPr>
@@ -1325,7 +1326,7 @@
         <p:cNvPr id="1" name="">
           <a:extLst>
             <a:ext uri="{FF2B5EF4-FFF2-40B4-BE49-F238E27FC236}">
-              <a16:creationId xmlns:a16="http://schemas.microsoft.com/office/drawing/2014/main" xmlns="" id="{84847B3D-F9FE-E845-0A9E-7B3E4737F607}"/>
+              <a16:creationId xmlns="" xmlns:a16="http://schemas.microsoft.com/office/drawing/2014/main" id="{84847B3D-F9FE-E845-0A9E-7B3E4737F607}"/>
             </a:ext>
           </a:extLst>
         </p:cNvPr>
@@ -1345,7 +1346,7 @@
           <p:cNvPr id="2" name="Slide Image Placeholder 1">
             <a:extLst>
               <a:ext uri="{FF2B5EF4-FFF2-40B4-BE49-F238E27FC236}">
-                <a16:creationId xmlns:a16="http://schemas.microsoft.com/office/drawing/2014/main" xmlns="" id="{A65C55DC-40F4-B8B2-A44F-CEE7EA9104C1}"/>
+                <a16:creationId xmlns="" xmlns:a16="http://schemas.microsoft.com/office/drawing/2014/main" id="{A65C55DC-40F4-B8B2-A44F-CEE7EA9104C1}"/>
               </a:ext>
             </a:extLst>
           </p:cNvPr>
@@ -1363,7 +1364,7 @@
           <p:cNvPr id="3" name="Notes Placeholder 2">
             <a:extLst>
               <a:ext uri="{FF2B5EF4-FFF2-40B4-BE49-F238E27FC236}">
-                <a16:creationId xmlns:a16="http://schemas.microsoft.com/office/drawing/2014/main" xmlns="" id="{AFAEFE12-CFF9-2E00-9808-098A1D824723}"/>
+                <a16:creationId xmlns="" xmlns:a16="http://schemas.microsoft.com/office/drawing/2014/main" id="{AFAEFE12-CFF9-2E00-9808-098A1D824723}"/>
               </a:ext>
             </a:extLst>
           </p:cNvPr>
@@ -1388,7 +1389,7 @@
           <p:cNvPr id="4" name="Slide Number Placeholder 3">
             <a:extLst>
               <a:ext uri="{FF2B5EF4-FFF2-40B4-BE49-F238E27FC236}">
-                <a16:creationId xmlns:a16="http://schemas.microsoft.com/office/drawing/2014/main" xmlns="" id="{85084F94-5BAE-E3B2-298D-1E3D1D48D1F6}"/>
+                <a16:creationId xmlns="" xmlns:a16="http://schemas.microsoft.com/office/drawing/2014/main" id="{85084F94-5BAE-E3B2-298D-1E3D1D48D1F6}"/>
               </a:ext>
             </a:extLst>
           </p:cNvPr>
@@ -1433,7 +1434,7 @@
         <p:cNvPr id="1" name="">
           <a:extLst>
             <a:ext uri="{FF2B5EF4-FFF2-40B4-BE49-F238E27FC236}">
-              <a16:creationId xmlns:a16="http://schemas.microsoft.com/office/drawing/2014/main" xmlns="" id="{84847B3D-F9FE-E845-0A9E-7B3E4737F607}"/>
+              <a16:creationId xmlns="" xmlns:a16="http://schemas.microsoft.com/office/drawing/2014/main" id="{84847B3D-F9FE-E845-0A9E-7B3E4737F607}"/>
             </a:ext>
           </a:extLst>
         </p:cNvPr>
@@ -1453,7 +1454,7 @@
           <p:cNvPr id="2" name="Slide Image Placeholder 1">
             <a:extLst>
               <a:ext uri="{FF2B5EF4-FFF2-40B4-BE49-F238E27FC236}">
-                <a16:creationId xmlns:a16="http://schemas.microsoft.com/office/drawing/2014/main" xmlns="" id="{A65C55DC-40F4-B8B2-A44F-CEE7EA9104C1}"/>
+                <a16:creationId xmlns="" xmlns:a16="http://schemas.microsoft.com/office/drawing/2014/main" id="{A65C55DC-40F4-B8B2-A44F-CEE7EA9104C1}"/>
               </a:ext>
             </a:extLst>
           </p:cNvPr>
@@ -1471,7 +1472,7 @@
           <p:cNvPr id="3" name="Notes Placeholder 2">
             <a:extLst>
               <a:ext uri="{FF2B5EF4-FFF2-40B4-BE49-F238E27FC236}">
-                <a16:creationId xmlns:a16="http://schemas.microsoft.com/office/drawing/2014/main" xmlns="" id="{AFAEFE12-CFF9-2E00-9808-098A1D824723}"/>
+                <a16:creationId xmlns="" xmlns:a16="http://schemas.microsoft.com/office/drawing/2014/main" id="{AFAEFE12-CFF9-2E00-9808-098A1D824723}"/>
               </a:ext>
             </a:extLst>
           </p:cNvPr>
@@ -1496,7 +1497,7 @@
           <p:cNvPr id="4" name="Slide Number Placeholder 3">
             <a:extLst>
               <a:ext uri="{FF2B5EF4-FFF2-40B4-BE49-F238E27FC236}">
-                <a16:creationId xmlns:a16="http://schemas.microsoft.com/office/drawing/2014/main" xmlns="" id="{85084F94-5BAE-E3B2-298D-1E3D1D48D1F6}"/>
+                <a16:creationId xmlns="" xmlns:a16="http://schemas.microsoft.com/office/drawing/2014/main" id="{85084F94-5BAE-E3B2-298D-1E3D1D48D1F6}"/>
               </a:ext>
             </a:extLst>
           </p:cNvPr>
@@ -1541,7 +1542,7 @@
         <p:cNvPr id="1" name="">
           <a:extLst>
             <a:ext uri="{FF2B5EF4-FFF2-40B4-BE49-F238E27FC236}">
-              <a16:creationId xmlns:a16="http://schemas.microsoft.com/office/drawing/2014/main" xmlns="" id="{84847B3D-F9FE-E845-0A9E-7B3E4737F607}"/>
+              <a16:creationId xmlns="" xmlns:a16="http://schemas.microsoft.com/office/drawing/2014/main" id="{84847B3D-F9FE-E845-0A9E-7B3E4737F607}"/>
             </a:ext>
           </a:extLst>
         </p:cNvPr>
@@ -1561,7 +1562,7 @@
           <p:cNvPr id="2" name="Slide Image Placeholder 1">
             <a:extLst>
               <a:ext uri="{FF2B5EF4-FFF2-40B4-BE49-F238E27FC236}">
-                <a16:creationId xmlns:a16="http://schemas.microsoft.com/office/drawing/2014/main" xmlns="" id="{A65C55DC-40F4-B8B2-A44F-CEE7EA9104C1}"/>
+                <a16:creationId xmlns="" xmlns:a16="http://schemas.microsoft.com/office/drawing/2014/main" id="{A65C55DC-40F4-B8B2-A44F-CEE7EA9104C1}"/>
               </a:ext>
             </a:extLst>
           </p:cNvPr>
@@ -1579,7 +1580,7 @@
           <p:cNvPr id="3" name="Notes Placeholder 2">
             <a:extLst>
               <a:ext uri="{FF2B5EF4-FFF2-40B4-BE49-F238E27FC236}">
-                <a16:creationId xmlns:a16="http://schemas.microsoft.com/office/drawing/2014/main" xmlns="" id="{AFAEFE12-CFF9-2E00-9808-098A1D824723}"/>
+                <a16:creationId xmlns="" xmlns:a16="http://schemas.microsoft.com/office/drawing/2014/main" id="{AFAEFE12-CFF9-2E00-9808-098A1D824723}"/>
               </a:ext>
             </a:extLst>
           </p:cNvPr>
@@ -1604,7 +1605,7 @@
           <p:cNvPr id="4" name="Slide Number Placeholder 3">
             <a:extLst>
               <a:ext uri="{FF2B5EF4-FFF2-40B4-BE49-F238E27FC236}">
-                <a16:creationId xmlns:a16="http://schemas.microsoft.com/office/drawing/2014/main" xmlns="" id="{85084F94-5BAE-E3B2-298D-1E3D1D48D1F6}"/>
+                <a16:creationId xmlns="" xmlns:a16="http://schemas.microsoft.com/office/drawing/2014/main" id="{85084F94-5BAE-E3B2-298D-1E3D1D48D1F6}"/>
               </a:ext>
             </a:extLst>
           </p:cNvPr>
@@ -1649,7 +1650,7 @@
         <p:cNvPr id="1" name="">
           <a:extLst>
             <a:ext uri="{FF2B5EF4-FFF2-40B4-BE49-F238E27FC236}">
-              <a16:creationId xmlns:a16="http://schemas.microsoft.com/office/drawing/2014/main" xmlns="" id="{84847B3D-F9FE-E845-0A9E-7B3E4737F607}"/>
+              <a16:creationId xmlns="" xmlns:a16="http://schemas.microsoft.com/office/drawing/2014/main" id="{84847B3D-F9FE-E845-0A9E-7B3E4737F607}"/>
             </a:ext>
           </a:extLst>
         </p:cNvPr>
@@ -1669,7 +1670,7 @@
           <p:cNvPr id="2" name="Slide Image Placeholder 1">
             <a:extLst>
               <a:ext uri="{FF2B5EF4-FFF2-40B4-BE49-F238E27FC236}">
-                <a16:creationId xmlns:a16="http://schemas.microsoft.com/office/drawing/2014/main" xmlns="" id="{A65C55DC-40F4-B8B2-A44F-CEE7EA9104C1}"/>
+                <a16:creationId xmlns="" xmlns:a16="http://schemas.microsoft.com/office/drawing/2014/main" id="{A65C55DC-40F4-B8B2-A44F-CEE7EA9104C1}"/>
               </a:ext>
             </a:extLst>
           </p:cNvPr>
@@ -1687,7 +1688,7 @@
           <p:cNvPr id="3" name="Notes Placeholder 2">
             <a:extLst>
               <a:ext uri="{FF2B5EF4-FFF2-40B4-BE49-F238E27FC236}">
-                <a16:creationId xmlns:a16="http://schemas.microsoft.com/office/drawing/2014/main" xmlns="" id="{AFAEFE12-CFF9-2E00-9808-098A1D824723}"/>
+                <a16:creationId xmlns="" xmlns:a16="http://schemas.microsoft.com/office/drawing/2014/main" id="{AFAEFE12-CFF9-2E00-9808-098A1D824723}"/>
               </a:ext>
             </a:extLst>
           </p:cNvPr>
@@ -1712,7 +1713,7 @@
           <p:cNvPr id="4" name="Slide Number Placeholder 3">
             <a:extLst>
               <a:ext uri="{FF2B5EF4-FFF2-40B4-BE49-F238E27FC236}">
-                <a16:creationId xmlns:a16="http://schemas.microsoft.com/office/drawing/2014/main" xmlns="" id="{85084F94-5BAE-E3B2-298D-1E3D1D48D1F6}"/>
+                <a16:creationId xmlns="" xmlns:a16="http://schemas.microsoft.com/office/drawing/2014/main" id="{85084F94-5BAE-E3B2-298D-1E3D1D48D1F6}"/>
               </a:ext>
             </a:extLst>
           </p:cNvPr>
@@ -1757,7 +1758,7 @@
         <p:cNvPr id="1" name="">
           <a:extLst>
             <a:ext uri="{FF2B5EF4-FFF2-40B4-BE49-F238E27FC236}">
-              <a16:creationId xmlns:a16="http://schemas.microsoft.com/office/drawing/2014/main" xmlns="" id="{84847B3D-F9FE-E845-0A9E-7B3E4737F607}"/>
+              <a16:creationId xmlns="" xmlns:a16="http://schemas.microsoft.com/office/drawing/2014/main" id="{84847B3D-F9FE-E845-0A9E-7B3E4737F607}"/>
             </a:ext>
           </a:extLst>
         </p:cNvPr>
@@ -1777,7 +1778,7 @@
           <p:cNvPr id="2" name="Slide Image Placeholder 1">
             <a:extLst>
               <a:ext uri="{FF2B5EF4-FFF2-40B4-BE49-F238E27FC236}">
-                <a16:creationId xmlns:a16="http://schemas.microsoft.com/office/drawing/2014/main" xmlns="" id="{A65C55DC-40F4-B8B2-A44F-CEE7EA9104C1}"/>
+                <a16:creationId xmlns="" xmlns:a16="http://schemas.microsoft.com/office/drawing/2014/main" id="{A65C55DC-40F4-B8B2-A44F-CEE7EA9104C1}"/>
               </a:ext>
             </a:extLst>
           </p:cNvPr>
@@ -1795,7 +1796,7 @@
           <p:cNvPr id="3" name="Notes Placeholder 2">
             <a:extLst>
               <a:ext uri="{FF2B5EF4-FFF2-40B4-BE49-F238E27FC236}">
-                <a16:creationId xmlns:a16="http://schemas.microsoft.com/office/drawing/2014/main" xmlns="" id="{AFAEFE12-CFF9-2E00-9808-098A1D824723}"/>
+                <a16:creationId xmlns="" xmlns:a16="http://schemas.microsoft.com/office/drawing/2014/main" id="{AFAEFE12-CFF9-2E00-9808-098A1D824723}"/>
               </a:ext>
             </a:extLst>
           </p:cNvPr>
@@ -1820,7 +1821,7 @@
           <p:cNvPr id="4" name="Slide Number Placeholder 3">
             <a:extLst>
               <a:ext uri="{FF2B5EF4-FFF2-40B4-BE49-F238E27FC236}">
-                <a16:creationId xmlns:a16="http://schemas.microsoft.com/office/drawing/2014/main" xmlns="" id="{85084F94-5BAE-E3B2-298D-1E3D1D48D1F6}"/>
+                <a16:creationId xmlns="" xmlns:a16="http://schemas.microsoft.com/office/drawing/2014/main" id="{85084F94-5BAE-E3B2-298D-1E3D1D48D1F6}"/>
               </a:ext>
             </a:extLst>
           </p:cNvPr>
@@ -1865,7 +1866,7 @@
         <p:cNvPr id="1" name="">
           <a:extLst>
             <a:ext uri="{FF2B5EF4-FFF2-40B4-BE49-F238E27FC236}">
-              <a16:creationId xmlns:a16="http://schemas.microsoft.com/office/drawing/2014/main" xmlns="" id="{89563512-A8BA-1764-87C7-A00C34FD03E8}"/>
+              <a16:creationId xmlns="" xmlns:a16="http://schemas.microsoft.com/office/drawing/2014/main" id="{89563512-A8BA-1764-87C7-A00C34FD03E8}"/>
             </a:ext>
           </a:extLst>
         </p:cNvPr>
@@ -1885,7 +1886,7 @@
           <p:cNvPr id="2" name="Slide Image Placeholder 1">
             <a:extLst>
               <a:ext uri="{FF2B5EF4-FFF2-40B4-BE49-F238E27FC236}">
-                <a16:creationId xmlns:a16="http://schemas.microsoft.com/office/drawing/2014/main" xmlns="" id="{F8D8F7F0-68B1-3C8C-3974-1CFE7D3952A7}"/>
+                <a16:creationId xmlns="" xmlns:a16="http://schemas.microsoft.com/office/drawing/2014/main" id="{F8D8F7F0-68B1-3C8C-3974-1CFE7D3952A7}"/>
               </a:ext>
             </a:extLst>
           </p:cNvPr>
@@ -1903,7 +1904,7 @@
           <p:cNvPr id="3" name="Notes Placeholder 2">
             <a:extLst>
               <a:ext uri="{FF2B5EF4-FFF2-40B4-BE49-F238E27FC236}">
-                <a16:creationId xmlns:a16="http://schemas.microsoft.com/office/drawing/2014/main" xmlns="" id="{7893E87E-9A62-BE42-B48F-A4960F0B96B7}"/>
+                <a16:creationId xmlns="" xmlns:a16="http://schemas.microsoft.com/office/drawing/2014/main" id="{7893E87E-9A62-BE42-B48F-A4960F0B96B7}"/>
               </a:ext>
             </a:extLst>
           </p:cNvPr>
@@ -1928,7 +1929,7 @@
           <p:cNvPr id="4" name="Slide Number Placeholder 3">
             <a:extLst>
               <a:ext uri="{FF2B5EF4-FFF2-40B4-BE49-F238E27FC236}">
-                <a16:creationId xmlns:a16="http://schemas.microsoft.com/office/drawing/2014/main" xmlns="" id="{61190961-0558-0020-C7FC-07CF6AD55449}"/>
+                <a16:creationId xmlns="" xmlns:a16="http://schemas.microsoft.com/office/drawing/2014/main" id="{61190961-0558-0020-C7FC-07CF6AD55449}"/>
               </a:ext>
             </a:extLst>
           </p:cNvPr>
@@ -1973,7 +1974,7 @@
         <p:cNvPr id="1" name="">
           <a:extLst>
             <a:ext uri="{FF2B5EF4-FFF2-40B4-BE49-F238E27FC236}">
-              <a16:creationId xmlns:a16="http://schemas.microsoft.com/office/drawing/2014/main" xmlns="" id="{84847B3D-F9FE-E845-0A9E-7B3E4737F607}"/>
+              <a16:creationId xmlns="" xmlns:a16="http://schemas.microsoft.com/office/drawing/2014/main" id="{84847B3D-F9FE-E845-0A9E-7B3E4737F607}"/>
             </a:ext>
           </a:extLst>
         </p:cNvPr>
@@ -1993,7 +1994,7 @@
           <p:cNvPr id="2" name="Slide Image Placeholder 1">
             <a:extLst>
               <a:ext uri="{FF2B5EF4-FFF2-40B4-BE49-F238E27FC236}">
-                <a16:creationId xmlns:a16="http://schemas.microsoft.com/office/drawing/2014/main" xmlns="" id="{A65C55DC-40F4-B8B2-A44F-CEE7EA9104C1}"/>
+                <a16:creationId xmlns="" xmlns:a16="http://schemas.microsoft.com/office/drawing/2014/main" id="{A65C55DC-40F4-B8B2-A44F-CEE7EA9104C1}"/>
               </a:ext>
             </a:extLst>
           </p:cNvPr>
@@ -2011,7 +2012,7 @@
           <p:cNvPr id="3" name="Notes Placeholder 2">
             <a:extLst>
               <a:ext uri="{FF2B5EF4-FFF2-40B4-BE49-F238E27FC236}">
-                <a16:creationId xmlns:a16="http://schemas.microsoft.com/office/drawing/2014/main" xmlns="" id="{AFAEFE12-CFF9-2E00-9808-098A1D824723}"/>
+                <a16:creationId xmlns="" xmlns:a16="http://schemas.microsoft.com/office/drawing/2014/main" id="{AFAEFE12-CFF9-2E00-9808-098A1D824723}"/>
               </a:ext>
             </a:extLst>
           </p:cNvPr>
@@ -2036,7 +2037,7 @@
           <p:cNvPr id="4" name="Slide Number Placeholder 3">
             <a:extLst>
               <a:ext uri="{FF2B5EF4-FFF2-40B4-BE49-F238E27FC236}">
-                <a16:creationId xmlns:a16="http://schemas.microsoft.com/office/drawing/2014/main" xmlns="" id="{85084F94-5BAE-E3B2-298D-1E3D1D48D1F6}"/>
+                <a16:creationId xmlns="" xmlns:a16="http://schemas.microsoft.com/office/drawing/2014/main" id="{85084F94-5BAE-E3B2-298D-1E3D1D48D1F6}"/>
               </a:ext>
             </a:extLst>
           </p:cNvPr>
@@ -2081,7 +2082,7 @@
         <p:cNvPr id="1" name="">
           <a:extLst>
             <a:ext uri="{FF2B5EF4-FFF2-40B4-BE49-F238E27FC236}">
-              <a16:creationId xmlns:a16="http://schemas.microsoft.com/office/drawing/2014/main" xmlns="" id="{84847B3D-F9FE-E845-0A9E-7B3E4737F607}"/>
+              <a16:creationId xmlns="" xmlns:a16="http://schemas.microsoft.com/office/drawing/2014/main" id="{84847B3D-F9FE-E845-0A9E-7B3E4737F607}"/>
             </a:ext>
           </a:extLst>
         </p:cNvPr>
@@ -2101,7 +2102,7 @@
           <p:cNvPr id="2" name="Slide Image Placeholder 1">
             <a:extLst>
               <a:ext uri="{FF2B5EF4-FFF2-40B4-BE49-F238E27FC236}">
-                <a16:creationId xmlns:a16="http://schemas.microsoft.com/office/drawing/2014/main" xmlns="" id="{A65C55DC-40F4-B8B2-A44F-CEE7EA9104C1}"/>
+                <a16:creationId xmlns="" xmlns:a16="http://schemas.microsoft.com/office/drawing/2014/main" id="{A65C55DC-40F4-B8B2-A44F-CEE7EA9104C1}"/>
               </a:ext>
             </a:extLst>
           </p:cNvPr>
@@ -2119,7 +2120,7 @@
           <p:cNvPr id="3" name="Notes Placeholder 2">
             <a:extLst>
               <a:ext uri="{FF2B5EF4-FFF2-40B4-BE49-F238E27FC236}">
-                <a16:creationId xmlns:a16="http://schemas.microsoft.com/office/drawing/2014/main" xmlns="" id="{AFAEFE12-CFF9-2E00-9808-098A1D824723}"/>
+                <a16:creationId xmlns="" xmlns:a16="http://schemas.microsoft.com/office/drawing/2014/main" id="{AFAEFE12-CFF9-2E00-9808-098A1D824723}"/>
               </a:ext>
             </a:extLst>
           </p:cNvPr>
@@ -2144,7 +2145,7 @@
           <p:cNvPr id="4" name="Slide Number Placeholder 3">
             <a:extLst>
               <a:ext uri="{FF2B5EF4-FFF2-40B4-BE49-F238E27FC236}">
-                <a16:creationId xmlns:a16="http://schemas.microsoft.com/office/drawing/2014/main" xmlns="" id="{85084F94-5BAE-E3B2-298D-1E3D1D48D1F6}"/>
+                <a16:creationId xmlns="" xmlns:a16="http://schemas.microsoft.com/office/drawing/2014/main" id="{85084F94-5BAE-E3B2-298D-1E3D1D48D1F6}"/>
               </a:ext>
             </a:extLst>
           </p:cNvPr>
@@ -2189,7 +2190,7 @@
         <p:cNvPr id="1" name="">
           <a:extLst>
             <a:ext uri="{FF2B5EF4-FFF2-40B4-BE49-F238E27FC236}">
-              <a16:creationId xmlns:a16="http://schemas.microsoft.com/office/drawing/2014/main" xmlns="" id="{84847B3D-F9FE-E845-0A9E-7B3E4737F607}"/>
+              <a16:creationId xmlns="" xmlns:a16="http://schemas.microsoft.com/office/drawing/2014/main" id="{84847B3D-F9FE-E845-0A9E-7B3E4737F607}"/>
             </a:ext>
           </a:extLst>
         </p:cNvPr>
@@ -2209,7 +2210,7 @@
           <p:cNvPr id="2" name="Slide Image Placeholder 1">
             <a:extLst>
               <a:ext uri="{FF2B5EF4-FFF2-40B4-BE49-F238E27FC236}">
-                <a16:creationId xmlns:a16="http://schemas.microsoft.com/office/drawing/2014/main" xmlns="" id="{A65C55DC-40F4-B8B2-A44F-CEE7EA9104C1}"/>
+                <a16:creationId xmlns="" xmlns:a16="http://schemas.microsoft.com/office/drawing/2014/main" id="{A65C55DC-40F4-B8B2-A44F-CEE7EA9104C1}"/>
               </a:ext>
             </a:extLst>
           </p:cNvPr>
@@ -2227,7 +2228,7 @@
           <p:cNvPr id="3" name="Notes Placeholder 2">
             <a:extLst>
               <a:ext uri="{FF2B5EF4-FFF2-40B4-BE49-F238E27FC236}">
-                <a16:creationId xmlns:a16="http://schemas.microsoft.com/office/drawing/2014/main" xmlns="" id="{AFAEFE12-CFF9-2E00-9808-098A1D824723}"/>
+                <a16:creationId xmlns="" xmlns:a16="http://schemas.microsoft.com/office/drawing/2014/main" id="{AFAEFE12-CFF9-2E00-9808-098A1D824723}"/>
               </a:ext>
             </a:extLst>
           </p:cNvPr>
@@ -2252,7 +2253,7 @@
           <p:cNvPr id="4" name="Slide Number Placeholder 3">
             <a:extLst>
               <a:ext uri="{FF2B5EF4-FFF2-40B4-BE49-F238E27FC236}">
-                <a16:creationId xmlns:a16="http://schemas.microsoft.com/office/drawing/2014/main" xmlns="" id="{85084F94-5BAE-E3B2-298D-1E3D1D48D1F6}"/>
+                <a16:creationId xmlns="" xmlns:a16="http://schemas.microsoft.com/office/drawing/2014/main" id="{85084F94-5BAE-E3B2-298D-1E3D1D48D1F6}"/>
               </a:ext>
             </a:extLst>
           </p:cNvPr>
@@ -2297,7 +2298,7 @@
         <p:cNvPr id="1" name="">
           <a:extLst>
             <a:ext uri="{FF2B5EF4-FFF2-40B4-BE49-F238E27FC236}">
-              <a16:creationId xmlns:a16="http://schemas.microsoft.com/office/drawing/2014/main" xmlns="" id="{84847B3D-F9FE-E845-0A9E-7B3E4737F607}"/>
+              <a16:creationId xmlns="" xmlns:a16="http://schemas.microsoft.com/office/drawing/2014/main" id="{84847B3D-F9FE-E845-0A9E-7B3E4737F607}"/>
             </a:ext>
           </a:extLst>
         </p:cNvPr>
@@ -2317,7 +2318,7 @@
           <p:cNvPr id="2" name="Slide Image Placeholder 1">
             <a:extLst>
               <a:ext uri="{FF2B5EF4-FFF2-40B4-BE49-F238E27FC236}">
-                <a16:creationId xmlns:a16="http://schemas.microsoft.com/office/drawing/2014/main" xmlns="" id="{A65C55DC-40F4-B8B2-A44F-CEE7EA9104C1}"/>
+                <a16:creationId xmlns="" xmlns:a16="http://schemas.microsoft.com/office/drawing/2014/main" id="{A65C55DC-40F4-B8B2-A44F-CEE7EA9104C1}"/>
               </a:ext>
             </a:extLst>
           </p:cNvPr>
@@ -2335,7 +2336,7 @@
           <p:cNvPr id="3" name="Notes Placeholder 2">
             <a:extLst>
               <a:ext uri="{FF2B5EF4-FFF2-40B4-BE49-F238E27FC236}">
-                <a16:creationId xmlns:a16="http://schemas.microsoft.com/office/drawing/2014/main" xmlns="" id="{AFAEFE12-CFF9-2E00-9808-098A1D824723}"/>
+                <a16:creationId xmlns="" xmlns:a16="http://schemas.microsoft.com/office/drawing/2014/main" id="{AFAEFE12-CFF9-2E00-9808-098A1D824723}"/>
               </a:ext>
             </a:extLst>
           </p:cNvPr>
@@ -2360,7 +2361,7 @@
           <p:cNvPr id="4" name="Slide Number Placeholder 3">
             <a:extLst>
               <a:ext uri="{FF2B5EF4-FFF2-40B4-BE49-F238E27FC236}">
-                <a16:creationId xmlns:a16="http://schemas.microsoft.com/office/drawing/2014/main" xmlns="" id="{85084F94-5BAE-E3B2-298D-1E3D1D48D1F6}"/>
+                <a16:creationId xmlns="" xmlns:a16="http://schemas.microsoft.com/office/drawing/2014/main" id="{85084F94-5BAE-E3B2-298D-1E3D1D48D1F6}"/>
               </a:ext>
             </a:extLst>
           </p:cNvPr>
@@ -2405,7 +2406,7 @@
         <p:cNvPr id="1" name="">
           <a:extLst>
             <a:ext uri="{FF2B5EF4-FFF2-40B4-BE49-F238E27FC236}">
-              <a16:creationId xmlns:a16="http://schemas.microsoft.com/office/drawing/2014/main" xmlns="" id="{84847B3D-F9FE-E845-0A9E-7B3E4737F607}"/>
+              <a16:creationId xmlns="" xmlns:a16="http://schemas.microsoft.com/office/drawing/2014/main" id="{84847B3D-F9FE-E845-0A9E-7B3E4737F607}"/>
             </a:ext>
           </a:extLst>
         </p:cNvPr>
@@ -2425,7 +2426,7 @@
           <p:cNvPr id="2" name="Slide Image Placeholder 1">
             <a:extLst>
               <a:ext uri="{FF2B5EF4-FFF2-40B4-BE49-F238E27FC236}">
-                <a16:creationId xmlns:a16="http://schemas.microsoft.com/office/drawing/2014/main" xmlns="" id="{A65C55DC-40F4-B8B2-A44F-CEE7EA9104C1}"/>
+                <a16:creationId xmlns="" xmlns:a16="http://schemas.microsoft.com/office/drawing/2014/main" id="{A65C55DC-40F4-B8B2-A44F-CEE7EA9104C1}"/>
               </a:ext>
             </a:extLst>
           </p:cNvPr>
@@ -2443,7 +2444,7 @@
           <p:cNvPr id="3" name="Notes Placeholder 2">
             <a:extLst>
               <a:ext uri="{FF2B5EF4-FFF2-40B4-BE49-F238E27FC236}">
-                <a16:creationId xmlns:a16="http://schemas.microsoft.com/office/drawing/2014/main" xmlns="" id="{AFAEFE12-CFF9-2E00-9808-098A1D824723}"/>
+                <a16:creationId xmlns="" xmlns:a16="http://schemas.microsoft.com/office/drawing/2014/main" id="{AFAEFE12-CFF9-2E00-9808-098A1D824723}"/>
               </a:ext>
             </a:extLst>
           </p:cNvPr>
@@ -2468,7 +2469,7 @@
           <p:cNvPr id="4" name="Slide Number Placeholder 3">
             <a:extLst>
               <a:ext uri="{FF2B5EF4-FFF2-40B4-BE49-F238E27FC236}">
-                <a16:creationId xmlns:a16="http://schemas.microsoft.com/office/drawing/2014/main" xmlns="" id="{85084F94-5BAE-E3B2-298D-1E3D1D48D1F6}"/>
+                <a16:creationId xmlns="" xmlns:a16="http://schemas.microsoft.com/office/drawing/2014/main" id="{85084F94-5BAE-E3B2-298D-1E3D1D48D1F6}"/>
               </a:ext>
             </a:extLst>
           </p:cNvPr>
@@ -2513,7 +2514,7 @@
         <p:cNvPr id="1" name="">
           <a:extLst>
             <a:ext uri="{FF2B5EF4-FFF2-40B4-BE49-F238E27FC236}">
-              <a16:creationId xmlns:a16="http://schemas.microsoft.com/office/drawing/2014/main" xmlns="" id="{84847B3D-F9FE-E845-0A9E-7B3E4737F607}"/>
+              <a16:creationId xmlns="" xmlns:a16="http://schemas.microsoft.com/office/drawing/2014/main" id="{84847B3D-F9FE-E845-0A9E-7B3E4737F607}"/>
             </a:ext>
           </a:extLst>
         </p:cNvPr>
@@ -2533,7 +2534,7 @@
           <p:cNvPr id="2" name="Slide Image Placeholder 1">
             <a:extLst>
               <a:ext uri="{FF2B5EF4-FFF2-40B4-BE49-F238E27FC236}">
-                <a16:creationId xmlns:a16="http://schemas.microsoft.com/office/drawing/2014/main" xmlns="" id="{A65C55DC-40F4-B8B2-A44F-CEE7EA9104C1}"/>
+                <a16:creationId xmlns="" xmlns:a16="http://schemas.microsoft.com/office/drawing/2014/main" id="{A65C55DC-40F4-B8B2-A44F-CEE7EA9104C1}"/>
               </a:ext>
             </a:extLst>
           </p:cNvPr>
@@ -2551,7 +2552,7 @@
           <p:cNvPr id="3" name="Notes Placeholder 2">
             <a:extLst>
               <a:ext uri="{FF2B5EF4-FFF2-40B4-BE49-F238E27FC236}">
-                <a16:creationId xmlns:a16="http://schemas.microsoft.com/office/drawing/2014/main" xmlns="" id="{AFAEFE12-CFF9-2E00-9808-098A1D824723}"/>
+                <a16:creationId xmlns="" xmlns:a16="http://schemas.microsoft.com/office/drawing/2014/main" id="{AFAEFE12-CFF9-2E00-9808-098A1D824723}"/>
               </a:ext>
             </a:extLst>
           </p:cNvPr>
@@ -2576,7 +2577,7 @@
           <p:cNvPr id="4" name="Slide Number Placeholder 3">
             <a:extLst>
               <a:ext uri="{FF2B5EF4-FFF2-40B4-BE49-F238E27FC236}">
-                <a16:creationId xmlns:a16="http://schemas.microsoft.com/office/drawing/2014/main" xmlns="" id="{85084F94-5BAE-E3B2-298D-1E3D1D48D1F6}"/>
+                <a16:creationId xmlns="" xmlns:a16="http://schemas.microsoft.com/office/drawing/2014/main" id="{85084F94-5BAE-E3B2-298D-1E3D1D48D1F6}"/>
               </a:ext>
             </a:extLst>
           </p:cNvPr>
@@ -2621,7 +2622,7 @@
         <p:cNvPr id="1" name="">
           <a:extLst>
             <a:ext uri="{FF2B5EF4-FFF2-40B4-BE49-F238E27FC236}">
-              <a16:creationId xmlns:a16="http://schemas.microsoft.com/office/drawing/2014/main" xmlns="" id="{84847B3D-F9FE-E845-0A9E-7B3E4737F607}"/>
+              <a16:creationId xmlns="" xmlns:a16="http://schemas.microsoft.com/office/drawing/2014/main" id="{84847B3D-F9FE-E845-0A9E-7B3E4737F607}"/>
             </a:ext>
           </a:extLst>
         </p:cNvPr>
@@ -2641,7 +2642,7 @@
           <p:cNvPr id="2" name="Slide Image Placeholder 1">
             <a:extLst>
               <a:ext uri="{FF2B5EF4-FFF2-40B4-BE49-F238E27FC236}">
-                <a16:creationId xmlns:a16="http://schemas.microsoft.com/office/drawing/2014/main" xmlns="" id="{A65C55DC-40F4-B8B2-A44F-CEE7EA9104C1}"/>
+                <a16:creationId xmlns="" xmlns:a16="http://schemas.microsoft.com/office/drawing/2014/main" id="{A65C55DC-40F4-B8B2-A44F-CEE7EA9104C1}"/>
               </a:ext>
             </a:extLst>
           </p:cNvPr>
@@ -2659,7 +2660,7 @@
           <p:cNvPr id="3" name="Notes Placeholder 2">
             <a:extLst>
               <a:ext uri="{FF2B5EF4-FFF2-40B4-BE49-F238E27FC236}">
-                <a16:creationId xmlns:a16="http://schemas.microsoft.com/office/drawing/2014/main" xmlns="" id="{AFAEFE12-CFF9-2E00-9808-098A1D824723}"/>
+                <a16:creationId xmlns="" xmlns:a16="http://schemas.microsoft.com/office/drawing/2014/main" id="{AFAEFE12-CFF9-2E00-9808-098A1D824723}"/>
               </a:ext>
             </a:extLst>
           </p:cNvPr>
@@ -2684,7 +2685,7 @@
           <p:cNvPr id="4" name="Slide Number Placeholder 3">
             <a:extLst>
               <a:ext uri="{FF2B5EF4-FFF2-40B4-BE49-F238E27FC236}">
-                <a16:creationId xmlns:a16="http://schemas.microsoft.com/office/drawing/2014/main" xmlns="" id="{85084F94-5BAE-E3B2-298D-1E3D1D48D1F6}"/>
+                <a16:creationId xmlns="" xmlns:a16="http://schemas.microsoft.com/office/drawing/2014/main" id="{85084F94-5BAE-E3B2-298D-1E3D1D48D1F6}"/>
               </a:ext>
             </a:extLst>
           </p:cNvPr>
@@ -2729,7 +2730,7 @@
         <p:cNvPr id="1" name="">
           <a:extLst>
             <a:ext uri="{FF2B5EF4-FFF2-40B4-BE49-F238E27FC236}">
-              <a16:creationId xmlns:a16="http://schemas.microsoft.com/office/drawing/2014/main" xmlns="" id="{84847B3D-F9FE-E845-0A9E-7B3E4737F607}"/>
+              <a16:creationId xmlns="" xmlns:a16="http://schemas.microsoft.com/office/drawing/2014/main" id="{84847B3D-F9FE-E845-0A9E-7B3E4737F607}"/>
             </a:ext>
           </a:extLst>
         </p:cNvPr>
@@ -2749,7 +2750,7 @@
           <p:cNvPr id="2" name="Slide Image Placeholder 1">
             <a:extLst>
               <a:ext uri="{FF2B5EF4-FFF2-40B4-BE49-F238E27FC236}">
-                <a16:creationId xmlns:a16="http://schemas.microsoft.com/office/drawing/2014/main" xmlns="" id="{A65C55DC-40F4-B8B2-A44F-CEE7EA9104C1}"/>
+                <a16:creationId xmlns="" xmlns:a16="http://schemas.microsoft.com/office/drawing/2014/main" id="{A65C55DC-40F4-B8B2-A44F-CEE7EA9104C1}"/>
               </a:ext>
             </a:extLst>
           </p:cNvPr>
@@ -2767,7 +2768,7 @@
           <p:cNvPr id="3" name="Notes Placeholder 2">
             <a:extLst>
               <a:ext uri="{FF2B5EF4-FFF2-40B4-BE49-F238E27FC236}">
-                <a16:creationId xmlns:a16="http://schemas.microsoft.com/office/drawing/2014/main" xmlns="" id="{AFAEFE12-CFF9-2E00-9808-098A1D824723}"/>
+                <a16:creationId xmlns="" xmlns:a16="http://schemas.microsoft.com/office/drawing/2014/main" id="{AFAEFE12-CFF9-2E00-9808-098A1D824723}"/>
               </a:ext>
             </a:extLst>
           </p:cNvPr>
@@ -2792,7 +2793,7 @@
           <p:cNvPr id="4" name="Slide Number Placeholder 3">
             <a:extLst>
               <a:ext uri="{FF2B5EF4-FFF2-40B4-BE49-F238E27FC236}">
-                <a16:creationId xmlns:a16="http://schemas.microsoft.com/office/drawing/2014/main" xmlns="" id="{85084F94-5BAE-E3B2-298D-1E3D1D48D1F6}"/>
+                <a16:creationId xmlns="" xmlns:a16="http://schemas.microsoft.com/office/drawing/2014/main" id="{85084F94-5BAE-E3B2-298D-1E3D1D48D1F6}"/>
               </a:ext>
             </a:extLst>
           </p:cNvPr>
@@ -2837,7 +2838,7 @@
         <p:cNvPr id="1" name="">
           <a:extLst>
             <a:ext uri="{FF2B5EF4-FFF2-40B4-BE49-F238E27FC236}">
-              <a16:creationId xmlns:a16="http://schemas.microsoft.com/office/drawing/2014/main" xmlns="" id="{84F15084-9E64-0732-2172-D06E24D20324}"/>
+              <a16:creationId xmlns="" xmlns:a16="http://schemas.microsoft.com/office/drawing/2014/main" id="{84847B3D-F9FE-E845-0A9E-7B3E4737F607}"/>
             </a:ext>
           </a:extLst>
         </p:cNvPr>
@@ -2857,7 +2858,7 @@
           <p:cNvPr id="2" name="Slide Image Placeholder 1">
             <a:extLst>
               <a:ext uri="{FF2B5EF4-FFF2-40B4-BE49-F238E27FC236}">
-                <a16:creationId xmlns:a16="http://schemas.microsoft.com/office/drawing/2014/main" xmlns="" id="{7CCBBEEF-0F58-7DB2-13AB-6DAFC52BE070}"/>
+                <a16:creationId xmlns="" xmlns:a16="http://schemas.microsoft.com/office/drawing/2014/main" id="{A65C55DC-40F4-B8B2-A44F-CEE7EA9104C1}"/>
               </a:ext>
             </a:extLst>
           </p:cNvPr>
@@ -2875,7 +2876,7 @@
           <p:cNvPr id="3" name="Notes Placeholder 2">
             <a:extLst>
               <a:ext uri="{FF2B5EF4-FFF2-40B4-BE49-F238E27FC236}">
-                <a16:creationId xmlns:a16="http://schemas.microsoft.com/office/drawing/2014/main" xmlns="" id="{C62C92A2-0E82-6EA1-AA1F-C125D6D8C6A8}"/>
+                <a16:creationId xmlns="" xmlns:a16="http://schemas.microsoft.com/office/drawing/2014/main" id="{AFAEFE12-CFF9-2E00-9808-098A1D824723}"/>
               </a:ext>
             </a:extLst>
           </p:cNvPr>
@@ -2891,7 +2892,7 @@
           <a:bodyPr/>
           <a:lstStyle/>
           <a:p>
-            <a:endParaRPr lang="en-US"/>
+            <a:endParaRPr lang="en-US" dirty="0"/>
           </a:p>
         </p:txBody>
       </p:sp>
@@ -2900,7 +2901,7 @@
           <p:cNvPr id="4" name="Slide Number Placeholder 3">
             <a:extLst>
               <a:ext uri="{FF2B5EF4-FFF2-40B4-BE49-F238E27FC236}">
-                <a16:creationId xmlns:a16="http://schemas.microsoft.com/office/drawing/2014/main" xmlns="" id="{F80306BD-3757-CA40-4082-AACA5F6DB656}"/>
+                <a16:creationId xmlns="" xmlns:a16="http://schemas.microsoft.com/office/drawing/2014/main" id="{85084F94-5BAE-E3B2-298D-1E3D1D48D1F6}"/>
               </a:ext>
             </a:extLst>
           </p:cNvPr>
@@ -2919,6 +2920,114 @@
             <a:fld id="{55247812-3409-784D-BAE7-ABE53735D59F}" type="slidenum">
               <a:rPr lang="en-US" smtClean="0"/>
               <a:t>29</a:t>
+            </a:fld>
+            <a:endParaRPr lang="en-US"/>
+          </a:p>
+        </p:txBody>
+      </p:sp>
+    </p:spTree>
+    <p:extLst>
+      <p:ext uri="{BB962C8B-B14F-4D97-AF65-F5344CB8AC3E}">
+        <p14:creationId xmlns:p14="http://schemas.microsoft.com/office/powerpoint/2010/main" val="1899534547"/>
+      </p:ext>
+    </p:extLst>
+  </p:cSld>
+  <p:clrMapOvr>
+    <a:masterClrMapping/>
+  </p:clrMapOvr>
+</p:notes>
+</file>
+
+<file path=ppt/notesSlides/notesSlide29.xml><?xml version="1.0" encoding="utf-8"?>
+<p:notes xmlns:a="http://schemas.openxmlformats.org/drawingml/2006/main" xmlns:r="http://schemas.openxmlformats.org/officeDocument/2006/relationships" xmlns:p="http://schemas.openxmlformats.org/presentationml/2006/main">
+  <p:cSld>
+    <p:spTree>
+      <p:nvGrpSpPr>
+        <p:cNvPr id="1" name="">
+          <a:extLst>
+            <a:ext uri="{FF2B5EF4-FFF2-40B4-BE49-F238E27FC236}">
+              <a16:creationId xmlns="" xmlns:a16="http://schemas.microsoft.com/office/drawing/2014/main" id="{84F15084-9E64-0732-2172-D06E24D20324}"/>
+            </a:ext>
+          </a:extLst>
+        </p:cNvPr>
+        <p:cNvGrpSpPr/>
+        <p:nvPr/>
+      </p:nvGrpSpPr>
+      <p:grpSpPr>
+        <a:xfrm>
+          <a:off x="0" y="0"/>
+          <a:ext cx="0" cy="0"/>
+          <a:chOff x="0" y="0"/>
+          <a:chExt cx="0" cy="0"/>
+        </a:xfrm>
+      </p:grpSpPr>
+      <p:sp>
+        <p:nvSpPr>
+          <p:cNvPr id="2" name="Slide Image Placeholder 1">
+            <a:extLst>
+              <a:ext uri="{FF2B5EF4-FFF2-40B4-BE49-F238E27FC236}">
+                <a16:creationId xmlns="" xmlns:a16="http://schemas.microsoft.com/office/drawing/2014/main" id="{7CCBBEEF-0F58-7DB2-13AB-6DAFC52BE070}"/>
+              </a:ext>
+            </a:extLst>
+          </p:cNvPr>
+          <p:cNvSpPr>
+            <a:spLocks noGrp="1" noRot="1" noChangeAspect="1"/>
+          </p:cNvSpPr>
+          <p:nvPr>
+            <p:ph type="sldImg"/>
+          </p:nvPr>
+        </p:nvSpPr>
+        <p:spPr/>
+      </p:sp>
+      <p:sp>
+        <p:nvSpPr>
+          <p:cNvPr id="3" name="Notes Placeholder 2">
+            <a:extLst>
+              <a:ext uri="{FF2B5EF4-FFF2-40B4-BE49-F238E27FC236}">
+                <a16:creationId xmlns="" xmlns:a16="http://schemas.microsoft.com/office/drawing/2014/main" id="{C62C92A2-0E82-6EA1-AA1F-C125D6D8C6A8}"/>
+              </a:ext>
+            </a:extLst>
+          </p:cNvPr>
+          <p:cNvSpPr>
+            <a:spLocks noGrp="1"/>
+          </p:cNvSpPr>
+          <p:nvPr>
+            <p:ph type="body" idx="1"/>
+          </p:nvPr>
+        </p:nvSpPr>
+        <p:spPr/>
+        <p:txBody>
+          <a:bodyPr/>
+          <a:lstStyle/>
+          <a:p>
+            <a:endParaRPr lang="en-US"/>
+          </a:p>
+        </p:txBody>
+      </p:sp>
+      <p:sp>
+        <p:nvSpPr>
+          <p:cNvPr id="4" name="Slide Number Placeholder 3">
+            <a:extLst>
+              <a:ext uri="{FF2B5EF4-FFF2-40B4-BE49-F238E27FC236}">
+                <a16:creationId xmlns="" xmlns:a16="http://schemas.microsoft.com/office/drawing/2014/main" id="{F80306BD-3757-CA40-4082-AACA5F6DB656}"/>
+              </a:ext>
+            </a:extLst>
+          </p:cNvPr>
+          <p:cNvSpPr>
+            <a:spLocks noGrp="1"/>
+          </p:cNvSpPr>
+          <p:nvPr>
+            <p:ph type="sldNum" sz="quarter" idx="5"/>
+          </p:nvPr>
+        </p:nvSpPr>
+        <p:spPr/>
+        <p:txBody>
+          <a:bodyPr/>
+          <a:lstStyle/>
+          <a:p>
+            <a:fld id="{55247812-3409-784D-BAE7-ABE53735D59F}" type="slidenum">
+              <a:rPr lang="en-US" smtClean="0"/>
+              <a:t>30</a:t>
             </a:fld>
             <a:endParaRPr lang="en-US"/>
           </a:p>
@@ -2945,7 +3054,7 @@
         <p:cNvPr id="1" name="">
           <a:extLst>
             <a:ext uri="{FF2B5EF4-FFF2-40B4-BE49-F238E27FC236}">
-              <a16:creationId xmlns:a16="http://schemas.microsoft.com/office/drawing/2014/main" xmlns="" id="{413E0E2F-FB5F-19AD-18FD-02AFD3C3D2A7}"/>
+              <a16:creationId xmlns="" xmlns:a16="http://schemas.microsoft.com/office/drawing/2014/main" id="{413E0E2F-FB5F-19AD-18FD-02AFD3C3D2A7}"/>
             </a:ext>
           </a:extLst>
         </p:cNvPr>
@@ -2965,7 +3074,7 @@
           <p:cNvPr id="2" name="Slide Image Placeholder 1">
             <a:extLst>
               <a:ext uri="{FF2B5EF4-FFF2-40B4-BE49-F238E27FC236}">
-                <a16:creationId xmlns:a16="http://schemas.microsoft.com/office/drawing/2014/main" xmlns="" id="{7836B388-51EF-10FA-3783-0696B2AF7329}"/>
+                <a16:creationId xmlns="" xmlns:a16="http://schemas.microsoft.com/office/drawing/2014/main" id="{7836B388-51EF-10FA-3783-0696B2AF7329}"/>
               </a:ext>
             </a:extLst>
           </p:cNvPr>
@@ -2983,7 +3092,7 @@
           <p:cNvPr id="3" name="Notes Placeholder 2">
             <a:extLst>
               <a:ext uri="{FF2B5EF4-FFF2-40B4-BE49-F238E27FC236}">
-                <a16:creationId xmlns:a16="http://schemas.microsoft.com/office/drawing/2014/main" xmlns="" id="{31C1FAC0-00E4-5BDB-5727-4597CCDC9776}"/>
+                <a16:creationId xmlns="" xmlns:a16="http://schemas.microsoft.com/office/drawing/2014/main" id="{31C1FAC0-00E4-5BDB-5727-4597CCDC9776}"/>
               </a:ext>
             </a:extLst>
           </p:cNvPr>
@@ -3008,7 +3117,7 @@
           <p:cNvPr id="4" name="Slide Number Placeholder 3">
             <a:extLst>
               <a:ext uri="{FF2B5EF4-FFF2-40B4-BE49-F238E27FC236}">
-                <a16:creationId xmlns:a16="http://schemas.microsoft.com/office/drawing/2014/main" xmlns="" id="{387CD11C-29A5-A450-5B49-9B2C8F5A483A}"/>
+                <a16:creationId xmlns="" xmlns:a16="http://schemas.microsoft.com/office/drawing/2014/main" id="{387CD11C-29A5-A450-5B49-9B2C8F5A483A}"/>
               </a:ext>
             </a:extLst>
           </p:cNvPr>
@@ -3053,7 +3162,7 @@
         <p:cNvPr id="1" name="">
           <a:extLst>
             <a:ext uri="{FF2B5EF4-FFF2-40B4-BE49-F238E27FC236}">
-              <a16:creationId xmlns:a16="http://schemas.microsoft.com/office/drawing/2014/main" xmlns="" id="{32CDD179-4403-A07F-630C-A153B2FB9440}"/>
+              <a16:creationId xmlns="" xmlns:a16="http://schemas.microsoft.com/office/drawing/2014/main" id="{32CDD179-4403-A07F-630C-A153B2FB9440}"/>
             </a:ext>
           </a:extLst>
         </p:cNvPr>
@@ -3073,7 +3182,7 @@
           <p:cNvPr id="2" name="Slide Image Placeholder 1">
             <a:extLst>
               <a:ext uri="{FF2B5EF4-FFF2-40B4-BE49-F238E27FC236}">
-                <a16:creationId xmlns:a16="http://schemas.microsoft.com/office/drawing/2014/main" xmlns="" id="{C5371C59-0780-417A-50AE-5F81ED51E3DD}"/>
+                <a16:creationId xmlns="" xmlns:a16="http://schemas.microsoft.com/office/drawing/2014/main" id="{C5371C59-0780-417A-50AE-5F81ED51E3DD}"/>
               </a:ext>
             </a:extLst>
           </p:cNvPr>
@@ -3091,7 +3200,7 @@
           <p:cNvPr id="3" name="Notes Placeholder 2">
             <a:extLst>
               <a:ext uri="{FF2B5EF4-FFF2-40B4-BE49-F238E27FC236}">
-                <a16:creationId xmlns:a16="http://schemas.microsoft.com/office/drawing/2014/main" xmlns="" id="{3877DC73-D2E6-4C8A-5B32-AAE3B3DEC3E1}"/>
+                <a16:creationId xmlns="" xmlns:a16="http://schemas.microsoft.com/office/drawing/2014/main" id="{3877DC73-D2E6-4C8A-5B32-AAE3B3DEC3E1}"/>
               </a:ext>
             </a:extLst>
           </p:cNvPr>
@@ -3116,7 +3225,7 @@
           <p:cNvPr id="4" name="Slide Number Placeholder 3">
             <a:extLst>
               <a:ext uri="{FF2B5EF4-FFF2-40B4-BE49-F238E27FC236}">
-                <a16:creationId xmlns:a16="http://schemas.microsoft.com/office/drawing/2014/main" xmlns="" id="{A53F2668-F7D8-0DD8-090D-8D685CDFDF82}"/>
+                <a16:creationId xmlns="" xmlns:a16="http://schemas.microsoft.com/office/drawing/2014/main" id="{A53F2668-F7D8-0DD8-090D-8D685CDFDF82}"/>
               </a:ext>
             </a:extLst>
           </p:cNvPr>
@@ -3161,7 +3270,7 @@
         <p:cNvPr id="1" name="">
           <a:extLst>
             <a:ext uri="{FF2B5EF4-FFF2-40B4-BE49-F238E27FC236}">
-              <a16:creationId xmlns:a16="http://schemas.microsoft.com/office/drawing/2014/main" xmlns="" id="{611B77C4-0D39-64D6-A86B-642112E29695}"/>
+              <a16:creationId xmlns="" xmlns:a16="http://schemas.microsoft.com/office/drawing/2014/main" id="{611B77C4-0D39-64D6-A86B-642112E29695}"/>
             </a:ext>
           </a:extLst>
         </p:cNvPr>
@@ -3181,7 +3290,7 @@
           <p:cNvPr id="2" name="Slide Image Placeholder 1">
             <a:extLst>
               <a:ext uri="{FF2B5EF4-FFF2-40B4-BE49-F238E27FC236}">
-                <a16:creationId xmlns:a16="http://schemas.microsoft.com/office/drawing/2014/main" xmlns="" id="{248CF8F3-1596-3F28-5175-2E3D216F2B36}"/>
+                <a16:creationId xmlns="" xmlns:a16="http://schemas.microsoft.com/office/drawing/2014/main" id="{248CF8F3-1596-3F28-5175-2E3D216F2B36}"/>
               </a:ext>
             </a:extLst>
           </p:cNvPr>
@@ -3199,7 +3308,7 @@
           <p:cNvPr id="3" name="Notes Placeholder 2">
             <a:extLst>
               <a:ext uri="{FF2B5EF4-FFF2-40B4-BE49-F238E27FC236}">
-                <a16:creationId xmlns:a16="http://schemas.microsoft.com/office/drawing/2014/main" xmlns="" id="{8DAF0CB2-EC6B-167D-32D1-6BCC4A35A007}"/>
+                <a16:creationId xmlns="" xmlns:a16="http://schemas.microsoft.com/office/drawing/2014/main" id="{8DAF0CB2-EC6B-167D-32D1-6BCC4A35A007}"/>
               </a:ext>
             </a:extLst>
           </p:cNvPr>
@@ -3224,7 +3333,7 @@
           <p:cNvPr id="4" name="Slide Number Placeholder 3">
             <a:extLst>
               <a:ext uri="{FF2B5EF4-FFF2-40B4-BE49-F238E27FC236}">
-                <a16:creationId xmlns:a16="http://schemas.microsoft.com/office/drawing/2014/main" xmlns="" id="{4B9C545A-1AD5-BFF5-B687-7B9BD552CC0D}"/>
+                <a16:creationId xmlns="" xmlns:a16="http://schemas.microsoft.com/office/drawing/2014/main" id="{4B9C545A-1AD5-BFF5-B687-7B9BD552CC0D}"/>
               </a:ext>
             </a:extLst>
           </p:cNvPr>
@@ -3269,7 +3378,7 @@
         <p:cNvPr id="1" name="">
           <a:extLst>
             <a:ext uri="{FF2B5EF4-FFF2-40B4-BE49-F238E27FC236}">
-              <a16:creationId xmlns:a16="http://schemas.microsoft.com/office/drawing/2014/main" xmlns="" id="{3E01EA9D-0D8E-B3B3-3471-A72EA7077645}"/>
+              <a16:creationId xmlns="" xmlns:a16="http://schemas.microsoft.com/office/drawing/2014/main" id="{3E01EA9D-0D8E-B3B3-3471-A72EA7077645}"/>
             </a:ext>
           </a:extLst>
         </p:cNvPr>
@@ -3289,7 +3398,7 @@
           <p:cNvPr id="2" name="Slide Image Placeholder 1">
             <a:extLst>
               <a:ext uri="{FF2B5EF4-FFF2-40B4-BE49-F238E27FC236}">
-                <a16:creationId xmlns:a16="http://schemas.microsoft.com/office/drawing/2014/main" xmlns="" id="{7B90D1D5-C864-5E4C-3C40-4D43E6C4296D}"/>
+                <a16:creationId xmlns="" xmlns:a16="http://schemas.microsoft.com/office/drawing/2014/main" id="{7B90D1D5-C864-5E4C-3C40-4D43E6C4296D}"/>
               </a:ext>
             </a:extLst>
           </p:cNvPr>
@@ -3307,7 +3416,7 @@
           <p:cNvPr id="3" name="Notes Placeholder 2">
             <a:extLst>
               <a:ext uri="{FF2B5EF4-FFF2-40B4-BE49-F238E27FC236}">
-                <a16:creationId xmlns:a16="http://schemas.microsoft.com/office/drawing/2014/main" xmlns="" id="{ED9CB586-8860-3BD8-3381-DA1CEFABC39B}"/>
+                <a16:creationId xmlns="" xmlns:a16="http://schemas.microsoft.com/office/drawing/2014/main" id="{ED9CB586-8860-3BD8-3381-DA1CEFABC39B}"/>
               </a:ext>
             </a:extLst>
           </p:cNvPr>
@@ -3332,7 +3441,7 @@
           <p:cNvPr id="4" name="Slide Number Placeholder 3">
             <a:extLst>
               <a:ext uri="{FF2B5EF4-FFF2-40B4-BE49-F238E27FC236}">
-                <a16:creationId xmlns:a16="http://schemas.microsoft.com/office/drawing/2014/main" xmlns="" id="{C0A432A5-CFDC-1082-A3A3-88230315F764}"/>
+                <a16:creationId xmlns="" xmlns:a16="http://schemas.microsoft.com/office/drawing/2014/main" id="{C0A432A5-CFDC-1082-A3A3-88230315F764}"/>
               </a:ext>
             </a:extLst>
           </p:cNvPr>
@@ -3377,7 +3486,7 @@
         <p:cNvPr id="1" name="">
           <a:extLst>
             <a:ext uri="{FF2B5EF4-FFF2-40B4-BE49-F238E27FC236}">
-              <a16:creationId xmlns:a16="http://schemas.microsoft.com/office/drawing/2014/main" xmlns="" id="{3E01EA9D-0D8E-B3B3-3471-A72EA7077645}"/>
+              <a16:creationId xmlns="" xmlns:a16="http://schemas.microsoft.com/office/drawing/2014/main" id="{3E01EA9D-0D8E-B3B3-3471-A72EA7077645}"/>
             </a:ext>
           </a:extLst>
         </p:cNvPr>
@@ -3397,7 +3506,7 @@
           <p:cNvPr id="2" name="Slide Image Placeholder 1">
             <a:extLst>
               <a:ext uri="{FF2B5EF4-FFF2-40B4-BE49-F238E27FC236}">
-                <a16:creationId xmlns:a16="http://schemas.microsoft.com/office/drawing/2014/main" xmlns="" id="{7B90D1D5-C864-5E4C-3C40-4D43E6C4296D}"/>
+                <a16:creationId xmlns="" xmlns:a16="http://schemas.microsoft.com/office/drawing/2014/main" id="{7B90D1D5-C864-5E4C-3C40-4D43E6C4296D}"/>
               </a:ext>
             </a:extLst>
           </p:cNvPr>
@@ -3415,7 +3524,7 @@
           <p:cNvPr id="3" name="Notes Placeholder 2">
             <a:extLst>
               <a:ext uri="{FF2B5EF4-FFF2-40B4-BE49-F238E27FC236}">
-                <a16:creationId xmlns:a16="http://schemas.microsoft.com/office/drawing/2014/main" xmlns="" id="{ED9CB586-8860-3BD8-3381-DA1CEFABC39B}"/>
+                <a16:creationId xmlns="" xmlns:a16="http://schemas.microsoft.com/office/drawing/2014/main" id="{ED9CB586-8860-3BD8-3381-DA1CEFABC39B}"/>
               </a:ext>
             </a:extLst>
           </p:cNvPr>
@@ -3440,7 +3549,7 @@
           <p:cNvPr id="4" name="Slide Number Placeholder 3">
             <a:extLst>
               <a:ext uri="{FF2B5EF4-FFF2-40B4-BE49-F238E27FC236}">
-                <a16:creationId xmlns:a16="http://schemas.microsoft.com/office/drawing/2014/main" xmlns="" id="{C0A432A5-CFDC-1082-A3A3-88230315F764}"/>
+                <a16:creationId xmlns="" xmlns:a16="http://schemas.microsoft.com/office/drawing/2014/main" id="{C0A432A5-CFDC-1082-A3A3-88230315F764}"/>
               </a:ext>
             </a:extLst>
           </p:cNvPr>
@@ -3485,7 +3594,7 @@
         <p:cNvPr id="1" name="">
           <a:extLst>
             <a:ext uri="{FF2B5EF4-FFF2-40B4-BE49-F238E27FC236}">
-              <a16:creationId xmlns:a16="http://schemas.microsoft.com/office/drawing/2014/main" xmlns="" id="{5EB58F29-43BC-250B-F029-F71591A0B61F}"/>
+              <a16:creationId xmlns="" xmlns:a16="http://schemas.microsoft.com/office/drawing/2014/main" id="{5EB58F29-43BC-250B-F029-F71591A0B61F}"/>
             </a:ext>
           </a:extLst>
         </p:cNvPr>
@@ -3505,7 +3614,7 @@
           <p:cNvPr id="2" name="Slide Image Placeholder 1">
             <a:extLst>
               <a:ext uri="{FF2B5EF4-FFF2-40B4-BE49-F238E27FC236}">
-                <a16:creationId xmlns:a16="http://schemas.microsoft.com/office/drawing/2014/main" xmlns="" id="{5DE86BF1-A149-E84A-3F16-6B3EA6508255}"/>
+                <a16:creationId xmlns="" xmlns:a16="http://schemas.microsoft.com/office/drawing/2014/main" id="{5DE86BF1-A149-E84A-3F16-6B3EA6508255}"/>
               </a:ext>
             </a:extLst>
           </p:cNvPr>
@@ -3523,7 +3632,7 @@
           <p:cNvPr id="3" name="Notes Placeholder 2">
             <a:extLst>
               <a:ext uri="{FF2B5EF4-FFF2-40B4-BE49-F238E27FC236}">
-                <a16:creationId xmlns:a16="http://schemas.microsoft.com/office/drawing/2014/main" xmlns="" id="{CA0F34B0-7045-260E-477B-11A6EFF1956C}"/>
+                <a16:creationId xmlns="" xmlns:a16="http://schemas.microsoft.com/office/drawing/2014/main" id="{CA0F34B0-7045-260E-477B-11A6EFF1956C}"/>
               </a:ext>
             </a:extLst>
           </p:cNvPr>
@@ -3548,7 +3657,7 @@
           <p:cNvPr id="4" name="Slide Number Placeholder 3">
             <a:extLst>
               <a:ext uri="{FF2B5EF4-FFF2-40B4-BE49-F238E27FC236}">
-                <a16:creationId xmlns:a16="http://schemas.microsoft.com/office/drawing/2014/main" xmlns="" id="{A5688479-B809-6A48-F4C5-5339F475891A}"/>
+                <a16:creationId xmlns="" xmlns:a16="http://schemas.microsoft.com/office/drawing/2014/main" id="{A5688479-B809-6A48-F4C5-5339F475891A}"/>
               </a:ext>
             </a:extLst>
           </p:cNvPr>
@@ -3593,7 +3702,7 @@
         <p:cNvPr id="1" name="">
           <a:extLst>
             <a:ext uri="{FF2B5EF4-FFF2-40B4-BE49-F238E27FC236}">
-              <a16:creationId xmlns:a16="http://schemas.microsoft.com/office/drawing/2014/main" xmlns="" id="{84847B3D-F9FE-E845-0A9E-7B3E4737F607}"/>
+              <a16:creationId xmlns="" xmlns:a16="http://schemas.microsoft.com/office/drawing/2014/main" id="{84847B3D-F9FE-E845-0A9E-7B3E4737F607}"/>
             </a:ext>
           </a:extLst>
         </p:cNvPr>
@@ -3613,7 +3722,7 @@
           <p:cNvPr id="2" name="Slide Image Placeholder 1">
             <a:extLst>
               <a:ext uri="{FF2B5EF4-FFF2-40B4-BE49-F238E27FC236}">
-                <a16:creationId xmlns:a16="http://schemas.microsoft.com/office/drawing/2014/main" xmlns="" id="{A65C55DC-40F4-B8B2-A44F-CEE7EA9104C1}"/>
+                <a16:creationId xmlns="" xmlns:a16="http://schemas.microsoft.com/office/drawing/2014/main" id="{A65C55DC-40F4-B8B2-A44F-CEE7EA9104C1}"/>
               </a:ext>
             </a:extLst>
           </p:cNvPr>
@@ -3631,7 +3740,7 @@
           <p:cNvPr id="3" name="Notes Placeholder 2">
             <a:extLst>
               <a:ext uri="{FF2B5EF4-FFF2-40B4-BE49-F238E27FC236}">
-                <a16:creationId xmlns:a16="http://schemas.microsoft.com/office/drawing/2014/main" xmlns="" id="{AFAEFE12-CFF9-2E00-9808-098A1D824723}"/>
+                <a16:creationId xmlns="" xmlns:a16="http://schemas.microsoft.com/office/drawing/2014/main" id="{AFAEFE12-CFF9-2E00-9808-098A1D824723}"/>
               </a:ext>
             </a:extLst>
           </p:cNvPr>
@@ -3656,7 +3765,7 @@
           <p:cNvPr id="4" name="Slide Number Placeholder 3">
             <a:extLst>
               <a:ext uri="{FF2B5EF4-FFF2-40B4-BE49-F238E27FC236}">
-                <a16:creationId xmlns:a16="http://schemas.microsoft.com/office/drawing/2014/main" xmlns="" id="{85084F94-5BAE-E3B2-298D-1E3D1D48D1F6}"/>
+                <a16:creationId xmlns="" xmlns:a16="http://schemas.microsoft.com/office/drawing/2014/main" id="{85084F94-5BAE-E3B2-298D-1E3D1D48D1F6}"/>
               </a:ext>
             </a:extLst>
           </p:cNvPr>
@@ -3723,7 +3832,7 @@
           <p:cNvPr id="7" name="Picture Placeholder 6">
             <a:extLst>
               <a:ext uri="{FF2B5EF4-FFF2-40B4-BE49-F238E27FC236}">
-                <a16:creationId xmlns:a16="http://schemas.microsoft.com/office/drawing/2014/main" xmlns="" id="{7A7F58C7-D277-8F14-F024-4B41D20D054F}"/>
+                <a16:creationId xmlns="" xmlns:a16="http://schemas.microsoft.com/office/drawing/2014/main" id="{7A7F58C7-D277-8F14-F024-4B41D20D054F}"/>
               </a:ext>
             </a:extLst>
           </p:cNvPr>
@@ -3768,7 +3877,7 @@
           <p:cNvPr id="6" name="Title 1">
             <a:extLst>
               <a:ext uri="{FF2B5EF4-FFF2-40B4-BE49-F238E27FC236}">
-                <a16:creationId xmlns:a16="http://schemas.microsoft.com/office/drawing/2014/main" xmlns="" id="{2E8C189B-2E00-67DA-E342-3440F5EBB4CE}"/>
+                <a16:creationId xmlns="" xmlns:a16="http://schemas.microsoft.com/office/drawing/2014/main" id="{2E8C189B-2E00-67DA-E342-3440F5EBB4CE}"/>
               </a:ext>
             </a:extLst>
           </p:cNvPr>
@@ -3841,7 +3950,7 @@
           <p:cNvPr id="2" name="Title 1">
             <a:extLst>
               <a:ext uri="{FF2B5EF4-FFF2-40B4-BE49-F238E27FC236}">
-                <a16:creationId xmlns:a16="http://schemas.microsoft.com/office/drawing/2014/main" xmlns="" id="{0C40C44A-93E6-6C58-5E88-AFDC594EC27A}"/>
+                <a16:creationId xmlns="" xmlns:a16="http://schemas.microsoft.com/office/drawing/2014/main" id="{0C40C44A-93E6-6C58-5E88-AFDC594EC27A}"/>
               </a:ext>
             </a:extLst>
           </p:cNvPr>
@@ -3880,7 +3989,7 @@
           <p:cNvPr id="8" name="Content Placeholder 10">
             <a:extLst>
               <a:ext uri="{FF2B5EF4-FFF2-40B4-BE49-F238E27FC236}">
-                <a16:creationId xmlns:a16="http://schemas.microsoft.com/office/drawing/2014/main" xmlns="" id="{A524C1E0-92FE-D7D2-83A7-46D29A838874}"/>
+                <a16:creationId xmlns="" xmlns:a16="http://schemas.microsoft.com/office/drawing/2014/main" id="{A524C1E0-92FE-D7D2-83A7-46D29A838874}"/>
               </a:ext>
             </a:extLst>
           </p:cNvPr>
@@ -4028,7 +4137,7 @@
           <p:cNvPr id="11" name="Content Placeholder 10">
             <a:extLst>
               <a:ext uri="{FF2B5EF4-FFF2-40B4-BE49-F238E27FC236}">
-                <a16:creationId xmlns:a16="http://schemas.microsoft.com/office/drawing/2014/main" xmlns="" id="{427E0367-8E38-8905-DC9A-D0C376A591A7}"/>
+                <a16:creationId xmlns="" xmlns:a16="http://schemas.microsoft.com/office/drawing/2014/main" id="{427E0367-8E38-8905-DC9A-D0C376A591A7}"/>
               </a:ext>
             </a:extLst>
           </p:cNvPr>
@@ -4176,10 +4285,10 @@
           <p:cNvPr id="10" name="Rectangle 9">
             <a:extLst>
               <a:ext uri="{FF2B5EF4-FFF2-40B4-BE49-F238E27FC236}">
-                <a16:creationId xmlns:a16="http://schemas.microsoft.com/office/drawing/2014/main" xmlns="" id="{43D847DE-29F2-8ABB-1718-34BED4F37718}"/>
+                <a16:creationId xmlns="" xmlns:a16="http://schemas.microsoft.com/office/drawing/2014/main" id="{43D847DE-29F2-8ABB-1718-34BED4F37718}"/>
               </a:ext>
               <a:ext uri="{C183D7F6-B498-43B3-948B-1728B52AA6E4}">
-                <adec:decorative xmlns:adec="http://schemas.microsoft.com/office/drawing/2017/decorative" xmlns="" val="1"/>
+                <adec:decorative xmlns="" xmlns:adec="http://schemas.microsoft.com/office/drawing/2017/decorative" val="1"/>
               </a:ext>
             </a:extLst>
           </p:cNvPr>
@@ -4248,7 +4357,7 @@
           <p:cNvPr id="5" name="Date Placeholder 4">
             <a:extLst>
               <a:ext uri="{FF2B5EF4-FFF2-40B4-BE49-F238E27FC236}">
-                <a16:creationId xmlns:a16="http://schemas.microsoft.com/office/drawing/2014/main" xmlns="" id="{C6CFCEB5-4092-FD13-478E-51CD74FDB82E}"/>
+                <a16:creationId xmlns="" xmlns:a16="http://schemas.microsoft.com/office/drawing/2014/main" id="{C6CFCEB5-4092-FD13-478E-51CD74FDB82E}"/>
               </a:ext>
             </a:extLst>
           </p:cNvPr>
@@ -4266,7 +4375,7 @@
           <a:p>
             <a:fld id="{D6D8061D-18C3-4F4F-85EF-561633F58754}" type="datetimeFigureOut">
               <a:rPr lang="en-US" smtClean="0"/>
-              <a:t>3/4/2025</a:t>
+              <a:t>3/5/2025</a:t>
             </a:fld>
             <a:endParaRPr lang="en-US"/>
           </a:p>
@@ -4277,7 +4386,7 @@
           <p:cNvPr id="6" name="Footer Placeholder 5">
             <a:extLst>
               <a:ext uri="{FF2B5EF4-FFF2-40B4-BE49-F238E27FC236}">
-                <a16:creationId xmlns:a16="http://schemas.microsoft.com/office/drawing/2014/main" xmlns="" id="{5D077A4D-E7C0-912D-293F-D93F0CB5CA49}"/>
+                <a16:creationId xmlns="" xmlns:a16="http://schemas.microsoft.com/office/drawing/2014/main" id="{5D077A4D-E7C0-912D-293F-D93F0CB5CA49}"/>
               </a:ext>
             </a:extLst>
           </p:cNvPr>
@@ -4302,7 +4411,7 @@
           <p:cNvPr id="7" name="Slide Number Placeholder 6">
             <a:extLst>
               <a:ext uri="{FF2B5EF4-FFF2-40B4-BE49-F238E27FC236}">
-                <a16:creationId xmlns:a16="http://schemas.microsoft.com/office/drawing/2014/main" xmlns="" id="{CA6AA9E1-334B-5F8F-8A92-67DD095F7838}"/>
+                <a16:creationId xmlns="" xmlns:a16="http://schemas.microsoft.com/office/drawing/2014/main" id="{CA6AA9E1-334B-5F8F-8A92-67DD095F7838}"/>
               </a:ext>
             </a:extLst>
           </p:cNvPr>
@@ -4361,7 +4470,7 @@
           <p:cNvPr id="2" name="Title 1">
             <a:extLst>
               <a:ext uri="{FF2B5EF4-FFF2-40B4-BE49-F238E27FC236}">
-                <a16:creationId xmlns:a16="http://schemas.microsoft.com/office/drawing/2014/main" xmlns="" id="{F657BD59-35CC-9BB3-8621-6FA3356F81AA}"/>
+                <a16:creationId xmlns="" xmlns:a16="http://schemas.microsoft.com/office/drawing/2014/main" id="{F657BD59-35CC-9BB3-8621-6FA3356F81AA}"/>
               </a:ext>
             </a:extLst>
           </p:cNvPr>
@@ -4395,7 +4504,7 @@
           <p:cNvPr id="8" name="Table Placeholder 7">
             <a:extLst>
               <a:ext uri="{FF2B5EF4-FFF2-40B4-BE49-F238E27FC236}">
-                <a16:creationId xmlns:a16="http://schemas.microsoft.com/office/drawing/2014/main" xmlns="" id="{0CEAFE70-86D3-8690-31CA-F9A1FBA494D0}"/>
+                <a16:creationId xmlns="" xmlns:a16="http://schemas.microsoft.com/office/drawing/2014/main" id="{0CEAFE70-86D3-8690-31CA-F9A1FBA494D0}"/>
               </a:ext>
             </a:extLst>
           </p:cNvPr>
@@ -4433,7 +4542,7 @@
           <p:cNvPr id="4" name="Date Placeholder 3">
             <a:extLst>
               <a:ext uri="{FF2B5EF4-FFF2-40B4-BE49-F238E27FC236}">
-                <a16:creationId xmlns:a16="http://schemas.microsoft.com/office/drawing/2014/main" xmlns="" id="{8C56EB0F-63C8-5F75-A333-3413A9DC6F76}"/>
+                <a16:creationId xmlns="" xmlns:a16="http://schemas.microsoft.com/office/drawing/2014/main" id="{8C56EB0F-63C8-5F75-A333-3413A9DC6F76}"/>
               </a:ext>
             </a:extLst>
           </p:cNvPr>
@@ -4451,7 +4560,7 @@
           <a:p>
             <a:fld id="{D6D8061D-18C3-4F4F-85EF-561633F58754}" type="datetimeFigureOut">
               <a:rPr lang="en-US" smtClean="0"/>
-              <a:t>3/4/2025</a:t>
+              <a:t>3/5/2025</a:t>
             </a:fld>
             <a:endParaRPr lang="en-US"/>
           </a:p>
@@ -4462,7 +4571,7 @@
           <p:cNvPr id="5" name="Footer Placeholder 4">
             <a:extLst>
               <a:ext uri="{FF2B5EF4-FFF2-40B4-BE49-F238E27FC236}">
-                <a16:creationId xmlns:a16="http://schemas.microsoft.com/office/drawing/2014/main" xmlns="" id="{4D4DE333-25B4-E092-1CC4-C3D20BA25168}"/>
+                <a16:creationId xmlns="" xmlns:a16="http://schemas.microsoft.com/office/drawing/2014/main" id="{4D4DE333-25B4-E092-1CC4-C3D20BA25168}"/>
               </a:ext>
             </a:extLst>
           </p:cNvPr>
@@ -4487,7 +4596,7 @@
           <p:cNvPr id="6" name="Slide Number Placeholder 5">
             <a:extLst>
               <a:ext uri="{FF2B5EF4-FFF2-40B4-BE49-F238E27FC236}">
-                <a16:creationId xmlns:a16="http://schemas.microsoft.com/office/drawing/2014/main" xmlns="" id="{8F1AF200-E81F-A326-0EDB-4B93C71D9BF4}"/>
+                <a16:creationId xmlns="" xmlns:a16="http://schemas.microsoft.com/office/drawing/2014/main" id="{8F1AF200-E81F-A326-0EDB-4B93C71D9BF4}"/>
               </a:ext>
             </a:extLst>
           </p:cNvPr>
@@ -4546,7 +4655,7 @@
           <p:cNvPr id="12" name="Picture Placeholder 11">
             <a:extLst>
               <a:ext uri="{FF2B5EF4-FFF2-40B4-BE49-F238E27FC236}">
-                <a16:creationId xmlns:a16="http://schemas.microsoft.com/office/drawing/2014/main" xmlns="" id="{76EE6F3F-63EB-5C0E-2307-3B7CBBA1C374}"/>
+                <a16:creationId xmlns="" xmlns:a16="http://schemas.microsoft.com/office/drawing/2014/main" id="{76EE6F3F-63EB-5C0E-2307-3B7CBBA1C374}"/>
               </a:ext>
             </a:extLst>
           </p:cNvPr>
@@ -4594,7 +4703,7 @@
           <p:cNvPr id="2" name="Title 1">
             <a:extLst>
               <a:ext uri="{FF2B5EF4-FFF2-40B4-BE49-F238E27FC236}">
-                <a16:creationId xmlns:a16="http://schemas.microsoft.com/office/drawing/2014/main" xmlns="" id="{F657BD59-35CC-9BB3-8621-6FA3356F81AA}"/>
+                <a16:creationId xmlns="" xmlns:a16="http://schemas.microsoft.com/office/drawing/2014/main" id="{F657BD59-35CC-9BB3-8621-6FA3356F81AA}"/>
               </a:ext>
             </a:extLst>
           </p:cNvPr>
@@ -4640,7 +4749,7 @@
           <p:cNvPr id="10" name="Text Placeholder 9">
             <a:extLst>
               <a:ext uri="{FF2B5EF4-FFF2-40B4-BE49-F238E27FC236}">
-                <a16:creationId xmlns:a16="http://schemas.microsoft.com/office/drawing/2014/main" xmlns="" id="{E12DA517-30B0-BC62-0422-F995FB9189E2}"/>
+                <a16:creationId xmlns="" xmlns:a16="http://schemas.microsoft.com/office/drawing/2014/main" id="{E12DA517-30B0-BC62-0422-F995FB9189E2}"/>
               </a:ext>
             </a:extLst>
           </p:cNvPr>
@@ -4762,7 +4871,7 @@
           <p:cNvPr id="2" name="Title 1">
             <a:extLst>
               <a:ext uri="{FF2B5EF4-FFF2-40B4-BE49-F238E27FC236}">
-                <a16:creationId xmlns:a16="http://schemas.microsoft.com/office/drawing/2014/main" xmlns="" id="{F657BD59-35CC-9BB3-8621-6FA3356F81AA}"/>
+                <a16:creationId xmlns="" xmlns:a16="http://schemas.microsoft.com/office/drawing/2014/main" id="{F657BD59-35CC-9BB3-8621-6FA3356F81AA}"/>
               </a:ext>
             </a:extLst>
           </p:cNvPr>
@@ -4801,7 +4910,7 @@
           <p:cNvPr id="10" name="Picture Placeholder 9">
             <a:extLst>
               <a:ext uri="{FF2B5EF4-FFF2-40B4-BE49-F238E27FC236}">
-                <a16:creationId xmlns:a16="http://schemas.microsoft.com/office/drawing/2014/main" xmlns="" id="{6B8CBAD6-FC79-B2BB-0B67-26429A6D4C8C}"/>
+                <a16:creationId xmlns="" xmlns:a16="http://schemas.microsoft.com/office/drawing/2014/main" id="{6B8CBAD6-FC79-B2BB-0B67-26429A6D4C8C}"/>
               </a:ext>
             </a:extLst>
           </p:cNvPr>
@@ -4848,7 +4957,7 @@
           <p:cNvPr id="3" name="Content Placeholder 2">
             <a:extLst>
               <a:ext uri="{FF2B5EF4-FFF2-40B4-BE49-F238E27FC236}">
-                <a16:creationId xmlns:a16="http://schemas.microsoft.com/office/drawing/2014/main" xmlns="" id="{A772710C-A212-1B12-06CD-FA2A14F89D68}"/>
+                <a16:creationId xmlns="" xmlns:a16="http://schemas.microsoft.com/office/drawing/2014/main" id="{A772710C-A212-1B12-06CD-FA2A14F89D68}"/>
               </a:ext>
             </a:extLst>
           </p:cNvPr>
@@ -4963,10 +5072,10 @@
           <p:cNvPr id="11" name="Rectangle 10">
             <a:extLst>
               <a:ext uri="{FF2B5EF4-FFF2-40B4-BE49-F238E27FC236}">
-                <a16:creationId xmlns:a16="http://schemas.microsoft.com/office/drawing/2014/main" xmlns="" id="{934796A3-781D-5244-DAB8-2D6EE0AC3B70}"/>
+                <a16:creationId xmlns="" xmlns:a16="http://schemas.microsoft.com/office/drawing/2014/main" id="{934796A3-781D-5244-DAB8-2D6EE0AC3B70}"/>
               </a:ext>
               <a:ext uri="{C183D7F6-B498-43B3-948B-1728B52AA6E4}">
-                <adec:decorative xmlns:adec="http://schemas.microsoft.com/office/drawing/2017/decorative" xmlns="" val="1"/>
+                <adec:decorative xmlns="" xmlns:adec="http://schemas.microsoft.com/office/drawing/2017/decorative" val="1"/>
               </a:ext>
             </a:extLst>
           </p:cNvPr>
@@ -5042,7 +5151,7 @@
   </p:clrMapOvr>
   <p:extLst>
     <p:ext uri="{DCECCB84-F9BA-43D5-87BE-67443E8EF086}">
-      <p15:sldGuideLst xmlns:p15="http://schemas.microsoft.com/office/powerpoint/2012/main" xmlns="">
+      <p15:sldGuideLst xmlns="" xmlns:p15="http://schemas.microsoft.com/office/powerpoint/2012/main">
         <p15:guide id="1" orient="horz" pos="2160" userDrawn="1">
           <p15:clr>
             <a:srgbClr val="FBAE40"/>
@@ -5081,7 +5190,7 @@
           <p:cNvPr id="2" name="Title 1">
             <a:extLst>
               <a:ext uri="{FF2B5EF4-FFF2-40B4-BE49-F238E27FC236}">
-                <a16:creationId xmlns:a16="http://schemas.microsoft.com/office/drawing/2014/main" xmlns="" id="{32772C41-A024-2F33-1F04-21E003FA7291}"/>
+                <a16:creationId xmlns="" xmlns:a16="http://schemas.microsoft.com/office/drawing/2014/main" id="{32772C41-A024-2F33-1F04-21E003FA7291}"/>
               </a:ext>
             </a:extLst>
           </p:cNvPr>
@@ -5121,7 +5230,7 @@
           <p:cNvPr id="12" name="Picture Placeholder 11">
             <a:extLst>
               <a:ext uri="{FF2B5EF4-FFF2-40B4-BE49-F238E27FC236}">
-                <a16:creationId xmlns:a16="http://schemas.microsoft.com/office/drawing/2014/main" xmlns="" id="{82836803-D9E6-3DF1-3B90-1E7E677CC7B7}"/>
+                <a16:creationId xmlns="" xmlns:a16="http://schemas.microsoft.com/office/drawing/2014/main" id="{82836803-D9E6-3DF1-3B90-1E7E677CC7B7}"/>
               </a:ext>
             </a:extLst>
           </p:cNvPr>
@@ -5167,7 +5276,7 @@
           <p:cNvPr id="3" name="Subtitle 2">
             <a:extLst>
               <a:ext uri="{FF2B5EF4-FFF2-40B4-BE49-F238E27FC236}">
-                <a16:creationId xmlns:a16="http://schemas.microsoft.com/office/drawing/2014/main" xmlns="" id="{473BC2DF-9C2A-052C-AD2C-0A8ABAA50374}"/>
+                <a16:creationId xmlns="" xmlns:a16="http://schemas.microsoft.com/office/drawing/2014/main" id="{473BC2DF-9C2A-052C-AD2C-0A8ABAA50374}"/>
               </a:ext>
             </a:extLst>
           </p:cNvPr>
@@ -5293,7 +5402,7 @@
           <p:cNvPr id="2" name="Title 1">
             <a:extLst>
               <a:ext uri="{FF2B5EF4-FFF2-40B4-BE49-F238E27FC236}">
-                <a16:creationId xmlns:a16="http://schemas.microsoft.com/office/drawing/2014/main" xmlns="" id="{F657BD59-35CC-9BB3-8621-6FA3356F81AA}"/>
+                <a16:creationId xmlns="" xmlns:a16="http://schemas.microsoft.com/office/drawing/2014/main" id="{F657BD59-35CC-9BB3-8621-6FA3356F81AA}"/>
               </a:ext>
             </a:extLst>
           </p:cNvPr>
@@ -5332,7 +5441,7 @@
           <p:cNvPr id="10" name="Picture Placeholder 9">
             <a:extLst>
               <a:ext uri="{FF2B5EF4-FFF2-40B4-BE49-F238E27FC236}">
-                <a16:creationId xmlns:a16="http://schemas.microsoft.com/office/drawing/2014/main" xmlns="" id="{511A5385-FB23-93A8-2B8F-9887244244DF}"/>
+                <a16:creationId xmlns="" xmlns:a16="http://schemas.microsoft.com/office/drawing/2014/main" id="{511A5385-FB23-93A8-2B8F-9887244244DF}"/>
               </a:ext>
             </a:extLst>
           </p:cNvPr>
@@ -5373,7 +5482,7 @@
           <p:cNvPr id="3" name="Content Placeholder 2">
             <a:extLst>
               <a:ext uri="{FF2B5EF4-FFF2-40B4-BE49-F238E27FC236}">
-                <a16:creationId xmlns:a16="http://schemas.microsoft.com/office/drawing/2014/main" xmlns="" id="{A772710C-A212-1B12-06CD-FA2A14F89D68}"/>
+                <a16:creationId xmlns="" xmlns:a16="http://schemas.microsoft.com/office/drawing/2014/main" id="{A772710C-A212-1B12-06CD-FA2A14F89D68}"/>
               </a:ext>
             </a:extLst>
           </p:cNvPr>
@@ -5508,10 +5617,10 @@
           <p:cNvPr id="8" name="Rectangle 7">
             <a:extLst>
               <a:ext uri="{FF2B5EF4-FFF2-40B4-BE49-F238E27FC236}">
-                <a16:creationId xmlns:a16="http://schemas.microsoft.com/office/drawing/2014/main" xmlns="" id="{50E25A87-9155-9E07-878F-CEC0B137C2D7}"/>
+                <a16:creationId xmlns="" xmlns:a16="http://schemas.microsoft.com/office/drawing/2014/main" id="{50E25A87-9155-9E07-878F-CEC0B137C2D7}"/>
               </a:ext>
               <a:ext uri="{C183D7F6-B498-43B3-948B-1728B52AA6E4}">
-                <adec:decorative xmlns:adec="http://schemas.microsoft.com/office/drawing/2017/decorative" xmlns="" val="1"/>
+                <adec:decorative xmlns="" xmlns:adec="http://schemas.microsoft.com/office/drawing/2017/decorative" val="1"/>
               </a:ext>
             </a:extLst>
           </p:cNvPr>
@@ -5610,7 +5719,7 @@
           <p:cNvPr id="2" name="Title 1">
             <a:extLst>
               <a:ext uri="{FF2B5EF4-FFF2-40B4-BE49-F238E27FC236}">
-                <a16:creationId xmlns:a16="http://schemas.microsoft.com/office/drawing/2014/main" xmlns="" id="{32772C41-A024-2F33-1F04-21E003FA7291}"/>
+                <a16:creationId xmlns="" xmlns:a16="http://schemas.microsoft.com/office/drawing/2014/main" id="{32772C41-A024-2F33-1F04-21E003FA7291}"/>
               </a:ext>
             </a:extLst>
           </p:cNvPr>
@@ -5649,7 +5758,7 @@
           <p:cNvPr id="3" name="Subtitle 2">
             <a:extLst>
               <a:ext uri="{FF2B5EF4-FFF2-40B4-BE49-F238E27FC236}">
-                <a16:creationId xmlns:a16="http://schemas.microsoft.com/office/drawing/2014/main" xmlns="" id="{473BC2DF-9C2A-052C-AD2C-0A8ABAA50374}"/>
+                <a16:creationId xmlns="" xmlns:a16="http://schemas.microsoft.com/office/drawing/2014/main" id="{473BC2DF-9C2A-052C-AD2C-0A8ABAA50374}"/>
               </a:ext>
             </a:extLst>
           </p:cNvPr>
@@ -5775,10 +5884,10 @@
           <p:cNvPr id="10" name="Rectangle 9">
             <a:extLst>
               <a:ext uri="{FF2B5EF4-FFF2-40B4-BE49-F238E27FC236}">
-                <a16:creationId xmlns:a16="http://schemas.microsoft.com/office/drawing/2014/main" xmlns="" id="{29577E27-B60E-C6DD-BAAF-5CCC3D59E5D5}"/>
+                <a16:creationId xmlns="" xmlns:a16="http://schemas.microsoft.com/office/drawing/2014/main" id="{29577E27-B60E-C6DD-BAAF-5CCC3D59E5D5}"/>
               </a:ext>
               <a:ext uri="{C183D7F6-B498-43B3-948B-1728B52AA6E4}">
-                <adec:decorative xmlns:adec="http://schemas.microsoft.com/office/drawing/2017/decorative" xmlns="" val="1"/>
+                <adec:decorative xmlns="" xmlns:adec="http://schemas.microsoft.com/office/drawing/2017/decorative" val="1"/>
               </a:ext>
             </a:extLst>
           </p:cNvPr>
@@ -5847,7 +5956,7 @@
           <p:cNvPr id="2" name="Title 1">
             <a:extLst>
               <a:ext uri="{FF2B5EF4-FFF2-40B4-BE49-F238E27FC236}">
-                <a16:creationId xmlns:a16="http://schemas.microsoft.com/office/drawing/2014/main" xmlns="" id="{0C40C44A-93E6-6C58-5E88-AFDC594EC27A}"/>
+                <a16:creationId xmlns="" xmlns:a16="http://schemas.microsoft.com/office/drawing/2014/main" id="{0C40C44A-93E6-6C58-5E88-AFDC594EC27A}"/>
               </a:ext>
             </a:extLst>
           </p:cNvPr>
@@ -5886,7 +5995,7 @@
           <p:cNvPr id="9" name="Content Placeholder 10">
             <a:extLst>
               <a:ext uri="{FF2B5EF4-FFF2-40B4-BE49-F238E27FC236}">
-                <a16:creationId xmlns:a16="http://schemas.microsoft.com/office/drawing/2014/main" xmlns="" id="{964CA031-27E0-D0AA-1451-A904CCF234FE}"/>
+                <a16:creationId xmlns="" xmlns:a16="http://schemas.microsoft.com/office/drawing/2014/main" id="{964CA031-27E0-D0AA-1451-A904CCF234FE}"/>
               </a:ext>
             </a:extLst>
           </p:cNvPr>
@@ -6031,7 +6140,7 @@
           <p:cNvPr id="12" name="Content Placeholder 10">
             <a:extLst>
               <a:ext uri="{FF2B5EF4-FFF2-40B4-BE49-F238E27FC236}">
-                <a16:creationId xmlns:a16="http://schemas.microsoft.com/office/drawing/2014/main" xmlns="" id="{81FE0D7D-86B7-CCD2-A7A1-70E95846B542}"/>
+                <a16:creationId xmlns="" xmlns:a16="http://schemas.microsoft.com/office/drawing/2014/main" id="{81FE0D7D-86B7-CCD2-A7A1-70E95846B542}"/>
               </a:ext>
             </a:extLst>
           </p:cNvPr>
@@ -6176,7 +6285,7 @@
           <p:cNvPr id="5" name="Date Placeholder 4">
             <a:extLst>
               <a:ext uri="{FF2B5EF4-FFF2-40B4-BE49-F238E27FC236}">
-                <a16:creationId xmlns:a16="http://schemas.microsoft.com/office/drawing/2014/main" xmlns="" id="{C6CFCEB5-4092-FD13-478E-51CD74FDB82E}"/>
+                <a16:creationId xmlns="" xmlns:a16="http://schemas.microsoft.com/office/drawing/2014/main" id="{C6CFCEB5-4092-FD13-478E-51CD74FDB82E}"/>
               </a:ext>
             </a:extLst>
           </p:cNvPr>
@@ -6194,7 +6303,7 @@
           <a:p>
             <a:fld id="{D6D8061D-18C3-4F4F-85EF-561633F58754}" type="datetimeFigureOut">
               <a:rPr lang="en-US" smtClean="0"/>
-              <a:t>3/4/2025</a:t>
+              <a:t>3/5/2025</a:t>
             </a:fld>
             <a:endParaRPr lang="en-US"/>
           </a:p>
@@ -6205,7 +6314,7 @@
           <p:cNvPr id="6" name="Footer Placeholder 5">
             <a:extLst>
               <a:ext uri="{FF2B5EF4-FFF2-40B4-BE49-F238E27FC236}">
-                <a16:creationId xmlns:a16="http://schemas.microsoft.com/office/drawing/2014/main" xmlns="" id="{5D077A4D-E7C0-912D-293F-D93F0CB5CA49}"/>
+                <a16:creationId xmlns="" xmlns:a16="http://schemas.microsoft.com/office/drawing/2014/main" id="{5D077A4D-E7C0-912D-293F-D93F0CB5CA49}"/>
               </a:ext>
             </a:extLst>
           </p:cNvPr>
@@ -6230,7 +6339,7 @@
           <p:cNvPr id="7" name="Slide Number Placeholder 6">
             <a:extLst>
               <a:ext uri="{FF2B5EF4-FFF2-40B4-BE49-F238E27FC236}">
-                <a16:creationId xmlns:a16="http://schemas.microsoft.com/office/drawing/2014/main" xmlns="" id="{CA6AA9E1-334B-5F8F-8A92-67DD095F7838}"/>
+                <a16:creationId xmlns="" xmlns:a16="http://schemas.microsoft.com/office/drawing/2014/main" id="{CA6AA9E1-334B-5F8F-8A92-67DD095F7838}"/>
               </a:ext>
             </a:extLst>
           </p:cNvPr>
@@ -6289,7 +6398,7 @@
           <p:cNvPr id="2" name="Title 1">
             <a:extLst>
               <a:ext uri="{FF2B5EF4-FFF2-40B4-BE49-F238E27FC236}">
-                <a16:creationId xmlns:a16="http://schemas.microsoft.com/office/drawing/2014/main" xmlns="" id="{0C40C44A-93E6-6C58-5E88-AFDC594EC27A}"/>
+                <a16:creationId xmlns="" xmlns:a16="http://schemas.microsoft.com/office/drawing/2014/main" id="{0C40C44A-93E6-6C58-5E88-AFDC594EC27A}"/>
               </a:ext>
             </a:extLst>
           </p:cNvPr>
@@ -6328,7 +6437,7 @@
           <p:cNvPr id="11" name="Content Placeholder 10">
             <a:extLst>
               <a:ext uri="{FF2B5EF4-FFF2-40B4-BE49-F238E27FC236}">
-                <a16:creationId xmlns:a16="http://schemas.microsoft.com/office/drawing/2014/main" xmlns="" id="{2D2DE411-9D7C-15AE-0B59-F26B2BF8C522}"/>
+                <a16:creationId xmlns="" xmlns:a16="http://schemas.microsoft.com/office/drawing/2014/main" id="{2D2DE411-9D7C-15AE-0B59-F26B2BF8C522}"/>
               </a:ext>
             </a:extLst>
           </p:cNvPr>
@@ -6466,7 +6575,7 @@
           <p:cNvPr id="4" name="Content Placeholder 10">
             <a:extLst>
               <a:ext uri="{FF2B5EF4-FFF2-40B4-BE49-F238E27FC236}">
-                <a16:creationId xmlns:a16="http://schemas.microsoft.com/office/drawing/2014/main" xmlns="" id="{60FEDE7C-502F-ECFE-4136-E99206849C2A}"/>
+                <a16:creationId xmlns="" xmlns:a16="http://schemas.microsoft.com/office/drawing/2014/main" id="{60FEDE7C-502F-ECFE-4136-E99206849C2A}"/>
               </a:ext>
             </a:extLst>
           </p:cNvPr>
@@ -6611,7 +6720,7 @@
           <p:cNvPr id="5" name="Date Placeholder 4">
             <a:extLst>
               <a:ext uri="{FF2B5EF4-FFF2-40B4-BE49-F238E27FC236}">
-                <a16:creationId xmlns:a16="http://schemas.microsoft.com/office/drawing/2014/main" xmlns="" id="{C6CFCEB5-4092-FD13-478E-51CD74FDB82E}"/>
+                <a16:creationId xmlns="" xmlns:a16="http://schemas.microsoft.com/office/drawing/2014/main" id="{C6CFCEB5-4092-FD13-478E-51CD74FDB82E}"/>
               </a:ext>
             </a:extLst>
           </p:cNvPr>
@@ -6629,7 +6738,7 @@
           <a:p>
             <a:fld id="{D6D8061D-18C3-4F4F-85EF-561633F58754}" type="datetimeFigureOut">
               <a:rPr lang="en-US" smtClean="0"/>
-              <a:t>3/4/2025</a:t>
+              <a:t>3/5/2025</a:t>
             </a:fld>
             <a:endParaRPr lang="en-US"/>
           </a:p>
@@ -6640,7 +6749,7 @@
           <p:cNvPr id="6" name="Footer Placeholder 5">
             <a:extLst>
               <a:ext uri="{FF2B5EF4-FFF2-40B4-BE49-F238E27FC236}">
-                <a16:creationId xmlns:a16="http://schemas.microsoft.com/office/drawing/2014/main" xmlns="" id="{5D077A4D-E7C0-912D-293F-D93F0CB5CA49}"/>
+                <a16:creationId xmlns="" xmlns:a16="http://schemas.microsoft.com/office/drawing/2014/main" id="{5D077A4D-E7C0-912D-293F-D93F0CB5CA49}"/>
               </a:ext>
             </a:extLst>
           </p:cNvPr>
@@ -6665,7 +6774,7 @@
           <p:cNvPr id="7" name="Slide Number Placeholder 6">
             <a:extLst>
               <a:ext uri="{FF2B5EF4-FFF2-40B4-BE49-F238E27FC236}">
-                <a16:creationId xmlns:a16="http://schemas.microsoft.com/office/drawing/2014/main" xmlns="" id="{CA6AA9E1-334B-5F8F-8A92-67DD095F7838}"/>
+                <a16:creationId xmlns="" xmlns:a16="http://schemas.microsoft.com/office/drawing/2014/main" id="{CA6AA9E1-334B-5F8F-8A92-67DD095F7838}"/>
               </a:ext>
             </a:extLst>
           </p:cNvPr>
@@ -6724,7 +6833,7 @@
           <p:cNvPr id="2" name="Title 1">
             <a:extLst>
               <a:ext uri="{FF2B5EF4-FFF2-40B4-BE49-F238E27FC236}">
-                <a16:creationId xmlns:a16="http://schemas.microsoft.com/office/drawing/2014/main" xmlns="" id="{0C40C44A-93E6-6C58-5E88-AFDC594EC27A}"/>
+                <a16:creationId xmlns="" xmlns:a16="http://schemas.microsoft.com/office/drawing/2014/main" id="{0C40C44A-93E6-6C58-5E88-AFDC594EC27A}"/>
               </a:ext>
             </a:extLst>
           </p:cNvPr>
@@ -6764,7 +6873,7 @@
           <p:cNvPr id="4" name="Content Placeholder 10">
             <a:extLst>
               <a:ext uri="{FF2B5EF4-FFF2-40B4-BE49-F238E27FC236}">
-                <a16:creationId xmlns:a16="http://schemas.microsoft.com/office/drawing/2014/main" xmlns="" id="{5F30E2A0-23EF-51B1-8ABD-00429EEA0642}"/>
+                <a16:creationId xmlns="" xmlns:a16="http://schemas.microsoft.com/office/drawing/2014/main" id="{5F30E2A0-23EF-51B1-8ABD-00429EEA0642}"/>
               </a:ext>
             </a:extLst>
           </p:cNvPr>
@@ -6909,7 +7018,7 @@
           <p:cNvPr id="11" name="Picture Placeholder 10">
             <a:extLst>
               <a:ext uri="{FF2B5EF4-FFF2-40B4-BE49-F238E27FC236}">
-                <a16:creationId xmlns:a16="http://schemas.microsoft.com/office/drawing/2014/main" xmlns="" id="{AF15552F-C66B-341F-2D37-0389710BA5E2}"/>
+                <a16:creationId xmlns="" xmlns:a16="http://schemas.microsoft.com/office/drawing/2014/main" id="{AF15552F-C66B-341F-2D37-0389710BA5E2}"/>
               </a:ext>
             </a:extLst>
           </p:cNvPr>
@@ -6950,10 +7059,10 @@
           <p:cNvPr id="12" name="Rectangle 11">
             <a:extLst>
               <a:ext uri="{FF2B5EF4-FFF2-40B4-BE49-F238E27FC236}">
-                <a16:creationId xmlns:a16="http://schemas.microsoft.com/office/drawing/2014/main" xmlns="" id="{0D8DCC6D-8B88-7BE0-7240-F743AE09EC48}"/>
+                <a16:creationId xmlns="" xmlns:a16="http://schemas.microsoft.com/office/drawing/2014/main" id="{0D8DCC6D-8B88-7BE0-7240-F743AE09EC48}"/>
               </a:ext>
               <a:ext uri="{C183D7F6-B498-43B3-948B-1728B52AA6E4}">
-                <adec:decorative xmlns:adec="http://schemas.microsoft.com/office/drawing/2017/decorative" xmlns="" val="1"/>
+                <adec:decorative xmlns="" xmlns:adec="http://schemas.microsoft.com/office/drawing/2017/decorative" val="1"/>
               </a:ext>
             </a:extLst>
           </p:cNvPr>
@@ -7052,7 +7161,7 @@
           <p:cNvPr id="2" name="Title 1">
             <a:extLst>
               <a:ext uri="{FF2B5EF4-FFF2-40B4-BE49-F238E27FC236}">
-                <a16:creationId xmlns:a16="http://schemas.microsoft.com/office/drawing/2014/main" xmlns="" id="{0C40C44A-93E6-6C58-5E88-AFDC594EC27A}"/>
+                <a16:creationId xmlns="" xmlns:a16="http://schemas.microsoft.com/office/drawing/2014/main" id="{0C40C44A-93E6-6C58-5E88-AFDC594EC27A}"/>
               </a:ext>
             </a:extLst>
           </p:cNvPr>
@@ -7091,7 +7200,7 @@
           <p:cNvPr id="4" name="Content Placeholder 10">
             <a:extLst>
               <a:ext uri="{FF2B5EF4-FFF2-40B4-BE49-F238E27FC236}">
-                <a16:creationId xmlns:a16="http://schemas.microsoft.com/office/drawing/2014/main" xmlns="" id="{9C3ED3BF-FF6B-07FA-72C4-F6102A8558AF}"/>
+                <a16:creationId xmlns="" xmlns:a16="http://schemas.microsoft.com/office/drawing/2014/main" id="{9C3ED3BF-FF6B-07FA-72C4-F6102A8558AF}"/>
               </a:ext>
             </a:extLst>
           </p:cNvPr>
@@ -7236,7 +7345,7 @@
           <p:cNvPr id="8" name="Table Placeholder 7">
             <a:extLst>
               <a:ext uri="{FF2B5EF4-FFF2-40B4-BE49-F238E27FC236}">
-                <a16:creationId xmlns:a16="http://schemas.microsoft.com/office/drawing/2014/main" xmlns="" id="{423FEB60-8FB5-7F10-EDD7-8AB4B3139EF6}"/>
+                <a16:creationId xmlns="" xmlns:a16="http://schemas.microsoft.com/office/drawing/2014/main" id="{423FEB60-8FB5-7F10-EDD7-8AB4B3139EF6}"/>
               </a:ext>
             </a:extLst>
           </p:cNvPr>
@@ -7270,7 +7379,7 @@
           <p:cNvPr id="5" name="Date Placeholder 4">
             <a:extLst>
               <a:ext uri="{FF2B5EF4-FFF2-40B4-BE49-F238E27FC236}">
-                <a16:creationId xmlns:a16="http://schemas.microsoft.com/office/drawing/2014/main" xmlns="" id="{C6CFCEB5-4092-FD13-478E-51CD74FDB82E}"/>
+                <a16:creationId xmlns="" xmlns:a16="http://schemas.microsoft.com/office/drawing/2014/main" id="{C6CFCEB5-4092-FD13-478E-51CD74FDB82E}"/>
               </a:ext>
             </a:extLst>
           </p:cNvPr>
@@ -7288,7 +7397,7 @@
           <a:p>
             <a:fld id="{D6D8061D-18C3-4F4F-85EF-561633F58754}" type="datetimeFigureOut">
               <a:rPr lang="en-US" smtClean="0"/>
-              <a:t>3/4/2025</a:t>
+              <a:t>3/5/2025</a:t>
             </a:fld>
             <a:endParaRPr lang="en-US"/>
           </a:p>
@@ -7299,7 +7408,7 @@
           <p:cNvPr id="6" name="Footer Placeholder 5">
             <a:extLst>
               <a:ext uri="{FF2B5EF4-FFF2-40B4-BE49-F238E27FC236}">
-                <a16:creationId xmlns:a16="http://schemas.microsoft.com/office/drawing/2014/main" xmlns="" id="{5D077A4D-E7C0-912D-293F-D93F0CB5CA49}"/>
+                <a16:creationId xmlns="" xmlns:a16="http://schemas.microsoft.com/office/drawing/2014/main" id="{5D077A4D-E7C0-912D-293F-D93F0CB5CA49}"/>
               </a:ext>
             </a:extLst>
           </p:cNvPr>
@@ -7324,7 +7433,7 @@
           <p:cNvPr id="7" name="Slide Number Placeholder 6">
             <a:extLst>
               <a:ext uri="{FF2B5EF4-FFF2-40B4-BE49-F238E27FC236}">
-                <a16:creationId xmlns:a16="http://schemas.microsoft.com/office/drawing/2014/main" xmlns="" id="{CA6AA9E1-334B-5F8F-8A92-67DD095F7838}"/>
+                <a16:creationId xmlns="" xmlns:a16="http://schemas.microsoft.com/office/drawing/2014/main" id="{CA6AA9E1-334B-5F8F-8A92-67DD095F7838}"/>
               </a:ext>
             </a:extLst>
           </p:cNvPr>
@@ -7388,7 +7497,7 @@
           <p:cNvPr id="2" name="Title Placeholder 1">
             <a:extLst>
               <a:ext uri="{FF2B5EF4-FFF2-40B4-BE49-F238E27FC236}">
-                <a16:creationId xmlns:a16="http://schemas.microsoft.com/office/drawing/2014/main" xmlns="" id="{4FD97564-C310-6E8C-8689-CE18881B4A17}"/>
+                <a16:creationId xmlns="" xmlns:a16="http://schemas.microsoft.com/office/drawing/2014/main" id="{4FD97564-C310-6E8C-8689-CE18881B4A17}"/>
               </a:ext>
             </a:extLst>
           </p:cNvPr>
@@ -7427,7 +7536,7 @@
           <p:cNvPr id="3" name="Text Placeholder 2">
             <a:extLst>
               <a:ext uri="{FF2B5EF4-FFF2-40B4-BE49-F238E27FC236}">
-                <a16:creationId xmlns:a16="http://schemas.microsoft.com/office/drawing/2014/main" xmlns="" id="{0FAD99FA-26D9-873B-BE7F-26FEC5C233A2}"/>
+                <a16:creationId xmlns="" xmlns:a16="http://schemas.microsoft.com/office/drawing/2014/main" id="{0FAD99FA-26D9-873B-BE7F-26FEC5C233A2}"/>
               </a:ext>
             </a:extLst>
           </p:cNvPr>
@@ -7495,7 +7604,7 @@
           <p:cNvPr id="4" name="Date Placeholder 3">
             <a:extLst>
               <a:ext uri="{FF2B5EF4-FFF2-40B4-BE49-F238E27FC236}">
-                <a16:creationId xmlns:a16="http://schemas.microsoft.com/office/drawing/2014/main" xmlns="" id="{C319819E-0266-97DD-DFD1-BAAA06AE3236}"/>
+                <a16:creationId xmlns="" xmlns:a16="http://schemas.microsoft.com/office/drawing/2014/main" id="{C319819E-0266-97DD-DFD1-BAAA06AE3236}"/>
               </a:ext>
             </a:extLst>
           </p:cNvPr>
@@ -7531,7 +7640,7 @@
           <a:p>
             <a:fld id="{D6D8061D-18C3-4F4F-85EF-561633F58754}" type="datetimeFigureOut">
               <a:rPr lang="en-US" smtClean="0"/>
-              <a:t>3/4/2025</a:t>
+              <a:t>3/5/2025</a:t>
             </a:fld>
             <a:endParaRPr lang="en-US"/>
           </a:p>
@@ -7542,7 +7651,7 @@
           <p:cNvPr id="5" name="Footer Placeholder 4">
             <a:extLst>
               <a:ext uri="{FF2B5EF4-FFF2-40B4-BE49-F238E27FC236}">
-                <a16:creationId xmlns:a16="http://schemas.microsoft.com/office/drawing/2014/main" xmlns="" id="{2BFD19C9-01CE-9E2A-CDA5-C15940F055F7}"/>
+                <a16:creationId xmlns="" xmlns:a16="http://schemas.microsoft.com/office/drawing/2014/main" id="{2BFD19C9-01CE-9E2A-CDA5-C15940F055F7}"/>
               </a:ext>
             </a:extLst>
           </p:cNvPr>
@@ -7585,7 +7694,7 @@
           <p:cNvPr id="6" name="Slide Number Placeholder 5">
             <a:extLst>
               <a:ext uri="{FF2B5EF4-FFF2-40B4-BE49-F238E27FC236}">
-                <a16:creationId xmlns:a16="http://schemas.microsoft.com/office/drawing/2014/main" xmlns="" id="{A1801085-7B28-048D-E3D3-9C3614268DA7}"/>
+                <a16:creationId xmlns="" xmlns:a16="http://schemas.microsoft.com/office/drawing/2014/main" id="{A1801085-7B28-048D-E3D3-9C3614268DA7}"/>
               </a:ext>
             </a:extLst>
           </p:cNvPr>
@@ -7954,7 +8063,7 @@
           <p:cNvPr id="6" name="Title 5">
             <a:extLst>
               <a:ext uri="{FF2B5EF4-FFF2-40B4-BE49-F238E27FC236}">
-                <a16:creationId xmlns:a16="http://schemas.microsoft.com/office/drawing/2014/main" xmlns="" id="{F20A922B-22EC-7FD8-FA8C-2FFAC558BD66}"/>
+                <a16:creationId xmlns="" xmlns:a16="http://schemas.microsoft.com/office/drawing/2014/main" id="{F20A922B-22EC-7FD8-FA8C-2FFAC558BD66}"/>
               </a:ext>
             </a:extLst>
           </p:cNvPr>
@@ -8027,7 +8136,7 @@
           <p:cNvPr id="7" name="TextBox 6">
             <a:extLst>
               <a:ext uri="{FF2B5EF4-FFF2-40B4-BE49-F238E27FC236}">
-                <a16:creationId xmlns:a16="http://schemas.microsoft.com/office/drawing/2014/main" xmlns="" id="{80FDA16B-36A0-D5C1-2B07-8EE49AE7A5F9}"/>
+                <a16:creationId xmlns="" xmlns:a16="http://schemas.microsoft.com/office/drawing/2014/main" id="{80FDA16B-36A0-D5C1-2B07-8EE49AE7A5F9}"/>
               </a:ext>
             </a:extLst>
           </p:cNvPr>
@@ -8134,7 +8243,7 @@
         <p:cNvPr id="1" name="">
           <a:extLst>
             <a:ext uri="{FF2B5EF4-FFF2-40B4-BE49-F238E27FC236}">
-              <a16:creationId xmlns:a16="http://schemas.microsoft.com/office/drawing/2014/main" xmlns="" id="{EF87400A-AA39-C6BD-0F50-19DF27F0BEE1}"/>
+              <a16:creationId xmlns="" xmlns:a16="http://schemas.microsoft.com/office/drawing/2014/main" id="{EF87400A-AA39-C6BD-0F50-19DF27F0BEE1}"/>
             </a:ext>
           </a:extLst>
         </p:cNvPr>
@@ -8154,7 +8263,7 @@
           <p:cNvPr id="7" name="Title 6">
             <a:extLst>
               <a:ext uri="{FF2B5EF4-FFF2-40B4-BE49-F238E27FC236}">
-                <a16:creationId xmlns:a16="http://schemas.microsoft.com/office/drawing/2014/main" xmlns="" id="{DDE79998-A15C-2CB6-B04B-53D589C36C00}"/>
+                <a16:creationId xmlns="" xmlns:a16="http://schemas.microsoft.com/office/drawing/2014/main" id="{DDE79998-A15C-2CB6-B04B-53D589C36C00}"/>
               </a:ext>
             </a:extLst>
           </p:cNvPr>
@@ -8198,7 +8307,7 @@
           <p:cNvPr id="4" name="TextBox 3">
             <a:extLst>
               <a:ext uri="{FF2B5EF4-FFF2-40B4-BE49-F238E27FC236}">
-                <a16:creationId xmlns:a16="http://schemas.microsoft.com/office/drawing/2014/main" xmlns="" id="{879E6C82-14DA-B822-B0AD-CDBC55F93D43}"/>
+                <a16:creationId xmlns="" xmlns:a16="http://schemas.microsoft.com/office/drawing/2014/main" id="{879E6C82-14DA-B822-B0AD-CDBC55F93D43}"/>
               </a:ext>
             </a:extLst>
           </p:cNvPr>
@@ -8284,7 +8393,7 @@
           <p:cNvPr id="18" name="Arc 17">
             <a:extLst>
               <a:ext uri="{FF2B5EF4-FFF2-40B4-BE49-F238E27FC236}">
-                <a16:creationId xmlns:a16="http://schemas.microsoft.com/office/drawing/2014/main" xmlns="" id="{9B8D2FA6-CA42-5B24-DF6B-A4BC73628119}"/>
+                <a16:creationId xmlns="" xmlns:a16="http://schemas.microsoft.com/office/drawing/2014/main" id="{9B8D2FA6-CA42-5B24-DF6B-A4BC73628119}"/>
               </a:ext>
             </a:extLst>
           </p:cNvPr>
@@ -8328,7 +8437,7 @@
           <p:cNvPr id="19" name="TextBox 18">
             <a:extLst>
               <a:ext uri="{FF2B5EF4-FFF2-40B4-BE49-F238E27FC236}">
-                <a16:creationId xmlns:a16="http://schemas.microsoft.com/office/drawing/2014/main" xmlns="" id="{1D79FC21-9495-9973-2B02-EC44707476AF}"/>
+                <a16:creationId xmlns="" xmlns:a16="http://schemas.microsoft.com/office/drawing/2014/main" id="{1D79FC21-9495-9973-2B02-EC44707476AF}"/>
               </a:ext>
             </a:extLst>
           </p:cNvPr>
@@ -8387,7 +8496,7 @@
           <p:cNvPr id="21" name="Arc 20">
             <a:extLst>
               <a:ext uri="{FF2B5EF4-FFF2-40B4-BE49-F238E27FC236}">
-                <a16:creationId xmlns:a16="http://schemas.microsoft.com/office/drawing/2014/main" xmlns="" id="{D625BEE6-1977-BBA6-6801-FA5F97103C62}"/>
+                <a16:creationId xmlns="" xmlns:a16="http://schemas.microsoft.com/office/drawing/2014/main" id="{D625BEE6-1977-BBA6-6801-FA5F97103C62}"/>
               </a:ext>
             </a:extLst>
           </p:cNvPr>
@@ -8434,7 +8543,7 @@
           <p:cNvPr id="22" name="TextBox 21">
             <a:extLst>
               <a:ext uri="{FF2B5EF4-FFF2-40B4-BE49-F238E27FC236}">
-                <a16:creationId xmlns:a16="http://schemas.microsoft.com/office/drawing/2014/main" xmlns="" id="{3C172C52-0068-4260-6B4B-32D95D57BAE3}"/>
+                <a16:creationId xmlns="" xmlns:a16="http://schemas.microsoft.com/office/drawing/2014/main" id="{3C172C52-0068-4260-6B4B-32D95D57BAE3}"/>
               </a:ext>
             </a:extLst>
           </p:cNvPr>
@@ -8516,7 +8625,7 @@
           <p:cNvPr id="23" name="Arc 22">
             <a:extLst>
               <a:ext uri="{FF2B5EF4-FFF2-40B4-BE49-F238E27FC236}">
-                <a16:creationId xmlns:a16="http://schemas.microsoft.com/office/drawing/2014/main" xmlns="" id="{E9F44C23-2D8C-90B8-227F-6E591C8E4A94}"/>
+                <a16:creationId xmlns="" xmlns:a16="http://schemas.microsoft.com/office/drawing/2014/main" id="{E9F44C23-2D8C-90B8-227F-6E591C8E4A94}"/>
               </a:ext>
             </a:extLst>
           </p:cNvPr>
@@ -8576,7 +8685,7 @@
         <p:cNvPr id="1" name="">
           <a:extLst>
             <a:ext uri="{FF2B5EF4-FFF2-40B4-BE49-F238E27FC236}">
-              <a16:creationId xmlns:a16="http://schemas.microsoft.com/office/drawing/2014/main" xmlns="" id="{EF87400A-AA39-C6BD-0F50-19DF27F0BEE1}"/>
+              <a16:creationId xmlns="" xmlns:a16="http://schemas.microsoft.com/office/drawing/2014/main" id="{EF87400A-AA39-C6BD-0F50-19DF27F0BEE1}"/>
             </a:ext>
           </a:extLst>
         </p:cNvPr>
@@ -8596,7 +8705,7 @@
           <p:cNvPr id="7" name="Title 6">
             <a:extLst>
               <a:ext uri="{FF2B5EF4-FFF2-40B4-BE49-F238E27FC236}">
-                <a16:creationId xmlns:a16="http://schemas.microsoft.com/office/drawing/2014/main" xmlns="" id="{DDE79998-A15C-2CB6-B04B-53D589C36C00}"/>
+                <a16:creationId xmlns="" xmlns:a16="http://schemas.microsoft.com/office/drawing/2014/main" id="{DDE79998-A15C-2CB6-B04B-53D589C36C00}"/>
               </a:ext>
             </a:extLst>
           </p:cNvPr>
@@ -9294,7 +9403,7 @@
         <p:cNvPr id="1" name="">
           <a:extLst>
             <a:ext uri="{FF2B5EF4-FFF2-40B4-BE49-F238E27FC236}">
-              <a16:creationId xmlns:a16="http://schemas.microsoft.com/office/drawing/2014/main" xmlns="" id="{EF87400A-AA39-C6BD-0F50-19DF27F0BEE1}"/>
+              <a16:creationId xmlns="" xmlns:a16="http://schemas.microsoft.com/office/drawing/2014/main" id="{EF87400A-AA39-C6BD-0F50-19DF27F0BEE1}"/>
             </a:ext>
           </a:extLst>
         </p:cNvPr>
@@ -9778,7 +9887,7 @@
         <p:cNvPr id="1" name="">
           <a:extLst>
             <a:ext uri="{FF2B5EF4-FFF2-40B4-BE49-F238E27FC236}">
-              <a16:creationId xmlns:a16="http://schemas.microsoft.com/office/drawing/2014/main" xmlns="" id="{EF87400A-AA39-C6BD-0F50-19DF27F0BEE1}"/>
+              <a16:creationId xmlns="" xmlns:a16="http://schemas.microsoft.com/office/drawing/2014/main" id="{EF87400A-AA39-C6BD-0F50-19DF27F0BEE1}"/>
             </a:ext>
           </a:extLst>
         </p:cNvPr>
@@ -10266,7 +10375,7 @@
         <p:cNvPr id="1" name="">
           <a:extLst>
             <a:ext uri="{FF2B5EF4-FFF2-40B4-BE49-F238E27FC236}">
-              <a16:creationId xmlns:a16="http://schemas.microsoft.com/office/drawing/2014/main" xmlns="" id="{EF87400A-AA39-C6BD-0F50-19DF27F0BEE1}"/>
+              <a16:creationId xmlns="" xmlns:a16="http://schemas.microsoft.com/office/drawing/2014/main" id="{EF87400A-AA39-C6BD-0F50-19DF27F0BEE1}"/>
             </a:ext>
           </a:extLst>
         </p:cNvPr>
@@ -10588,7 +10697,7 @@
         <p:cNvPr id="1" name="">
           <a:extLst>
             <a:ext uri="{FF2B5EF4-FFF2-40B4-BE49-F238E27FC236}">
-              <a16:creationId xmlns:a16="http://schemas.microsoft.com/office/drawing/2014/main" xmlns="" id="{EF87400A-AA39-C6BD-0F50-19DF27F0BEE1}"/>
+              <a16:creationId xmlns="" xmlns:a16="http://schemas.microsoft.com/office/drawing/2014/main" id="{EF87400A-AA39-C6BD-0F50-19DF27F0BEE1}"/>
             </a:ext>
           </a:extLst>
         </p:cNvPr>
@@ -10823,7 +10932,7 @@
         <p:cNvPr id="1" name="">
           <a:extLst>
             <a:ext uri="{FF2B5EF4-FFF2-40B4-BE49-F238E27FC236}">
-              <a16:creationId xmlns:a16="http://schemas.microsoft.com/office/drawing/2014/main" xmlns="" id="{EF87400A-AA39-C6BD-0F50-19DF27F0BEE1}"/>
+              <a16:creationId xmlns="" xmlns:a16="http://schemas.microsoft.com/office/drawing/2014/main" id="{EF87400A-AA39-C6BD-0F50-19DF27F0BEE1}"/>
             </a:ext>
           </a:extLst>
         </p:cNvPr>
@@ -10843,7 +10952,7 @@
           <p:cNvPr id="7" name="Title 6">
             <a:extLst>
               <a:ext uri="{FF2B5EF4-FFF2-40B4-BE49-F238E27FC236}">
-                <a16:creationId xmlns:a16="http://schemas.microsoft.com/office/drawing/2014/main" xmlns="" id="{DDE79998-A15C-2CB6-B04B-53D589C36C00}"/>
+                <a16:creationId xmlns="" xmlns:a16="http://schemas.microsoft.com/office/drawing/2014/main" id="{DDE79998-A15C-2CB6-B04B-53D589C36C00}"/>
               </a:ext>
             </a:extLst>
           </p:cNvPr>
@@ -11510,7 +11619,7 @@
         <p:cNvPr id="1" name="">
           <a:extLst>
             <a:ext uri="{FF2B5EF4-FFF2-40B4-BE49-F238E27FC236}">
-              <a16:creationId xmlns:a16="http://schemas.microsoft.com/office/drawing/2014/main" xmlns="" id="{EF87400A-AA39-C6BD-0F50-19DF27F0BEE1}"/>
+              <a16:creationId xmlns="" xmlns:a16="http://schemas.microsoft.com/office/drawing/2014/main" id="{EF87400A-AA39-C6BD-0F50-19DF27F0BEE1}"/>
             </a:ext>
           </a:extLst>
         </p:cNvPr>
@@ -11990,7 +12099,7 @@
         <p:cNvPr id="1" name="">
           <a:extLst>
             <a:ext uri="{FF2B5EF4-FFF2-40B4-BE49-F238E27FC236}">
-              <a16:creationId xmlns:a16="http://schemas.microsoft.com/office/drawing/2014/main" xmlns="" id="{EF87400A-AA39-C6BD-0F50-19DF27F0BEE1}"/>
+              <a16:creationId xmlns="" xmlns:a16="http://schemas.microsoft.com/office/drawing/2014/main" id="{EF87400A-AA39-C6BD-0F50-19DF27F0BEE1}"/>
             </a:ext>
           </a:extLst>
         </p:cNvPr>
@@ -12482,7 +12591,7 @@
         <p:cNvPr id="1" name="">
           <a:extLst>
             <a:ext uri="{FF2B5EF4-FFF2-40B4-BE49-F238E27FC236}">
-              <a16:creationId xmlns:a16="http://schemas.microsoft.com/office/drawing/2014/main" xmlns="" id="{EF87400A-AA39-C6BD-0F50-19DF27F0BEE1}"/>
+              <a16:creationId xmlns="" xmlns:a16="http://schemas.microsoft.com/office/drawing/2014/main" id="{EF87400A-AA39-C6BD-0F50-19DF27F0BEE1}"/>
             </a:ext>
           </a:extLst>
         </p:cNvPr>
@@ -12818,7 +12927,7 @@
           <p:cNvPr id="7" name="Title 6">
             <a:extLst>
               <a:ext uri="{FF2B5EF4-FFF2-40B4-BE49-F238E27FC236}">
-                <a16:creationId xmlns:a16="http://schemas.microsoft.com/office/drawing/2014/main" xmlns="" id="{2B1821E8-F378-D74B-E865-C40990E3D41F}"/>
+                <a16:creationId xmlns="" xmlns:a16="http://schemas.microsoft.com/office/drawing/2014/main" id="{2B1821E8-F378-D74B-E865-C40990E3D41F}"/>
               </a:ext>
             </a:extLst>
           </p:cNvPr>
@@ -12851,7 +12960,7 @@
           <p:cNvPr id="8" name="TextBox 7">
             <a:extLst>
               <a:ext uri="{FF2B5EF4-FFF2-40B4-BE49-F238E27FC236}">
-                <a16:creationId xmlns:a16="http://schemas.microsoft.com/office/drawing/2014/main" xmlns="" id="{FA6ECF98-C929-063C-BFD6-AA57AAC2A02F}"/>
+                <a16:creationId xmlns="" xmlns:a16="http://schemas.microsoft.com/office/drawing/2014/main" id="{FA6ECF98-C929-063C-BFD6-AA57AAC2A02F}"/>
               </a:ext>
             </a:extLst>
           </p:cNvPr>
@@ -12995,7 +13104,7 @@
           <p:cNvPr id="9" name="TextBox 8">
             <a:extLst>
               <a:ext uri="{FF2B5EF4-FFF2-40B4-BE49-F238E27FC236}">
-                <a16:creationId xmlns:a16="http://schemas.microsoft.com/office/drawing/2014/main" xmlns="" id="{867A665E-4508-A316-4C04-8788127440A7}"/>
+                <a16:creationId xmlns="" xmlns:a16="http://schemas.microsoft.com/office/drawing/2014/main" id="{867A665E-4508-A316-4C04-8788127440A7}"/>
               </a:ext>
             </a:extLst>
           </p:cNvPr>
@@ -13205,7 +13314,7 @@
         <p:cNvPr id="1" name="">
           <a:extLst>
             <a:ext uri="{FF2B5EF4-FFF2-40B4-BE49-F238E27FC236}">
-              <a16:creationId xmlns:a16="http://schemas.microsoft.com/office/drawing/2014/main" xmlns="" id="{EF87400A-AA39-C6BD-0F50-19DF27F0BEE1}"/>
+              <a16:creationId xmlns="" xmlns:a16="http://schemas.microsoft.com/office/drawing/2014/main" id="{EF87400A-AA39-C6BD-0F50-19DF27F0BEE1}"/>
             </a:ext>
           </a:extLst>
         </p:cNvPr>
@@ -13388,7 +13497,7 @@
         <p:cNvPr id="1" name="">
           <a:extLst>
             <a:ext uri="{FF2B5EF4-FFF2-40B4-BE49-F238E27FC236}">
-              <a16:creationId xmlns:a16="http://schemas.microsoft.com/office/drawing/2014/main" xmlns="" id="{EF87400A-AA39-C6BD-0F50-19DF27F0BEE1}"/>
+              <a16:creationId xmlns="" xmlns:a16="http://schemas.microsoft.com/office/drawing/2014/main" id="{EF87400A-AA39-C6BD-0F50-19DF27F0BEE1}"/>
             </a:ext>
           </a:extLst>
         </p:cNvPr>
@@ -13408,7 +13517,7 @@
           <p:cNvPr id="7" name="Title 6">
             <a:extLst>
               <a:ext uri="{FF2B5EF4-FFF2-40B4-BE49-F238E27FC236}">
-                <a16:creationId xmlns:a16="http://schemas.microsoft.com/office/drawing/2014/main" xmlns="" id="{DDE79998-A15C-2CB6-B04B-53D589C36C00}"/>
+                <a16:creationId xmlns="" xmlns:a16="http://schemas.microsoft.com/office/drawing/2014/main" id="{DDE79998-A15C-2CB6-B04B-53D589C36C00}"/>
               </a:ext>
             </a:extLst>
           </p:cNvPr>
@@ -14123,7 +14232,7 @@
         <p:cNvPr id="1" name="">
           <a:extLst>
             <a:ext uri="{FF2B5EF4-FFF2-40B4-BE49-F238E27FC236}">
-              <a16:creationId xmlns:a16="http://schemas.microsoft.com/office/drawing/2014/main" xmlns="" id="{EF87400A-AA39-C6BD-0F50-19DF27F0BEE1}"/>
+              <a16:creationId xmlns="" xmlns:a16="http://schemas.microsoft.com/office/drawing/2014/main" id="{EF87400A-AA39-C6BD-0F50-19DF27F0BEE1}"/>
             </a:ext>
           </a:extLst>
         </p:cNvPr>
@@ -14642,7 +14751,7 @@
         <p:cNvPr id="1" name="">
           <a:extLst>
             <a:ext uri="{FF2B5EF4-FFF2-40B4-BE49-F238E27FC236}">
-              <a16:creationId xmlns:a16="http://schemas.microsoft.com/office/drawing/2014/main" xmlns="" id="{EF87400A-AA39-C6BD-0F50-19DF27F0BEE1}"/>
+              <a16:creationId xmlns="" xmlns:a16="http://schemas.microsoft.com/office/drawing/2014/main" id="{EF87400A-AA39-C6BD-0F50-19DF27F0BEE1}"/>
             </a:ext>
           </a:extLst>
         </p:cNvPr>
@@ -15133,7 +15242,7 @@
         <p:cNvPr id="1" name="">
           <a:extLst>
             <a:ext uri="{FF2B5EF4-FFF2-40B4-BE49-F238E27FC236}">
-              <a16:creationId xmlns:a16="http://schemas.microsoft.com/office/drawing/2014/main" xmlns="" id="{EF87400A-AA39-C6BD-0F50-19DF27F0BEE1}"/>
+              <a16:creationId xmlns="" xmlns:a16="http://schemas.microsoft.com/office/drawing/2014/main" id="{EF87400A-AA39-C6BD-0F50-19DF27F0BEE1}"/>
             </a:ext>
           </a:extLst>
         </p:cNvPr>
@@ -15450,7 +15559,7 @@
         <p:cNvPr id="1" name="">
           <a:extLst>
             <a:ext uri="{FF2B5EF4-FFF2-40B4-BE49-F238E27FC236}">
-              <a16:creationId xmlns:a16="http://schemas.microsoft.com/office/drawing/2014/main" xmlns="" id="{EF87400A-AA39-C6BD-0F50-19DF27F0BEE1}"/>
+              <a16:creationId xmlns="" xmlns:a16="http://schemas.microsoft.com/office/drawing/2014/main" id="{EF87400A-AA39-C6BD-0F50-19DF27F0BEE1}"/>
             </a:ext>
           </a:extLst>
         </p:cNvPr>
@@ -16094,7 +16203,7 @@
         <p:cNvPr id="1" name="">
           <a:extLst>
             <a:ext uri="{FF2B5EF4-FFF2-40B4-BE49-F238E27FC236}">
-              <a16:creationId xmlns:a16="http://schemas.microsoft.com/office/drawing/2014/main" xmlns="" id="{EF87400A-AA39-C6BD-0F50-19DF27F0BEE1}"/>
+              <a16:creationId xmlns="" xmlns:a16="http://schemas.microsoft.com/office/drawing/2014/main" id="{EF87400A-AA39-C6BD-0F50-19DF27F0BEE1}"/>
             </a:ext>
           </a:extLst>
         </p:cNvPr>
@@ -16295,7 +16404,7 @@
         <p:cNvPr id="1" name="">
           <a:extLst>
             <a:ext uri="{FF2B5EF4-FFF2-40B4-BE49-F238E27FC236}">
-              <a16:creationId xmlns:a16="http://schemas.microsoft.com/office/drawing/2014/main" xmlns="" id="{EF87400A-AA39-C6BD-0F50-19DF27F0BEE1}"/>
+              <a16:creationId xmlns="" xmlns:a16="http://schemas.microsoft.com/office/drawing/2014/main" id="{EF87400A-AA39-C6BD-0F50-19DF27F0BEE1}"/>
             </a:ext>
           </a:extLst>
         </p:cNvPr>
@@ -16413,17 +16522,12 @@
               <a:rPr lang="en-US" sz="2400" dirty="0" smtClean="0"/>
               <a:t>)</a:t>
             </a:r>
-            <a:endParaRPr lang="ru-RU" sz="2400" dirty="0" smtClean="0"/>
           </a:p>
           <a:p>
             <a:pPr algn="l"/>
             <a:r>
               <a:rPr lang="en-US" sz="2400" dirty="0" smtClean="0"/>
-              <a:t>Training time: </a:t>
-            </a:r>
-            <a:r>
-              <a:rPr lang="en-US" sz="2400" dirty="0" smtClean="0"/>
-              <a:t>9 hours</a:t>
+              <a:t>Training time: 9 hours</a:t>
             </a:r>
             <a:endParaRPr lang="en-US" sz="2400" dirty="0"/>
           </a:p>
@@ -16689,7 +16793,7 @@
         </p:nvSpPr>
         <p:spPr>
           <a:xfrm>
-            <a:off x="1545490" y="6189923"/>
+            <a:off x="1545490" y="5946083"/>
             <a:ext cx="4757675" cy="625642"/>
           </a:xfrm>
           <a:prstGeom prst="rect">
@@ -17032,7 +17136,7 @@
         <p:cNvPr id="1" name="">
           <a:extLst>
             <a:ext uri="{FF2B5EF4-FFF2-40B4-BE49-F238E27FC236}">
-              <a16:creationId xmlns:a16="http://schemas.microsoft.com/office/drawing/2014/main" xmlns="" id="{EF87400A-AA39-C6BD-0F50-19DF27F0BEE1}"/>
+              <a16:creationId xmlns="" xmlns:a16="http://schemas.microsoft.com/office/drawing/2014/main" id="{EF87400A-AA39-C6BD-0F50-19DF27F0BEE1}"/>
             </a:ext>
           </a:extLst>
         </p:cNvPr>
@@ -17159,8 +17263,8 @@
         </p:nvSpPr>
         <p:spPr>
           <a:xfrm>
-            <a:off x="0" y="486557"/>
-            <a:ext cx="8446607" cy="1621889"/>
+            <a:off x="0" y="625642"/>
+            <a:ext cx="12192000" cy="1621889"/>
           </a:xfrm>
           <a:prstGeom prst="rect">
             <a:avLst/>
@@ -17225,95 +17329,18 @@
             </a:r>
             <a:r>
               <a:rPr lang="en-US" sz="2400" dirty="0" smtClean="0"/>
-              <a:t>add Batch Normalization, make learning rate dynamic, not static</a:t>
-            </a:r>
-            <a:endParaRPr lang="en-US" sz="2400" dirty="0" smtClean="0"/>
-          </a:p>
-          <a:p>
-            <a:pPr algn="l"/>
+              <a:t>add Batch Normalization, make learning rate dynamic, not </a:t>
+            </a:r>
             <a:r>
               <a:rPr lang="en-US" sz="2400" dirty="0" smtClean="0"/>
-              <a:t>Training </a:t>
-            </a:r>
-            <a:r>
-              <a:rPr lang="en-US" sz="2400" dirty="0" smtClean="0"/>
-              <a:t>time: </a:t>
-            </a:r>
-            <a:r>
-              <a:rPr lang="ru-RU" sz="2400" dirty="0" smtClean="0"/>
-              <a:t>???</a:t>
-            </a:r>
-            <a:endParaRPr lang="en-US" sz="2400" dirty="0"/>
-          </a:p>
-        </p:txBody>
-      </p:sp>
-      <p:pic>
-        <p:nvPicPr>
-          <p:cNvPr id="6" name="Picture 2"/>
-          <p:cNvPicPr>
-            <a:picLocks noChangeAspect="1" noChangeArrowheads="1"/>
-          </p:cNvPicPr>
-          <p:nvPr/>
-        </p:nvPicPr>
-        <p:blipFill>
-          <a:blip r:embed="rId3" cstate="print">
-            <a:extLst>
-              <a:ext uri="{28A0092B-C50C-407E-A947-70E740481C1C}">
-                <a14:useLocalDpi xmlns:a14="http://schemas.microsoft.com/office/drawing/2010/main" val="0"/>
-              </a:ext>
-            </a:extLst>
-          </a:blip>
-          <a:srcRect/>
-          <a:stretch>
-            <a:fillRect/>
-          </a:stretch>
-        </p:blipFill>
-        <p:spPr bwMode="auto">
-          <a:xfrm>
-            <a:off x="575605" y="3756007"/>
-            <a:ext cx="3557681" cy="1902733"/>
-          </a:xfrm>
-          <a:prstGeom prst="rect">
-            <a:avLst/>
-          </a:prstGeom>
-          <a:noFill/>
-          <a:ln>
-            <a:noFill/>
-          </a:ln>
-          <a:effectLst/>
-          <a:extLst>
-            <a:ext uri="{909E8E84-426E-40DD-AFC4-6F175D3DCCD1}">
-              <a14:hiddenFill xmlns:a14="http://schemas.microsoft.com/office/drawing/2010/main">
-                <a:solidFill>
-                  <a:schemeClr val="accent1"/>
-                </a:solidFill>
-              </a14:hiddenFill>
-            </a:ext>
-            <a:ext uri="{91240B29-F687-4F45-9708-019B960494DF}">
-              <a14:hiddenLine xmlns:a14="http://schemas.microsoft.com/office/drawing/2010/main" w="9525">
-                <a:solidFill>
-                  <a:schemeClr val="tx1"/>
-                </a:solidFill>
-                <a:miter lim="800000"/>
-                <a:headEnd/>
-                <a:tailEnd/>
-              </a14:hiddenLine>
-            </a:ext>
-            <a:ext uri="{AF507438-7753-43E0-B8FC-AC1667EBCBE1}">
-              <a14:hiddenEffects xmlns:a14="http://schemas.microsoft.com/office/drawing/2010/main">
-                <a:effectLst>
-                  <a:outerShdw dist="35921" dir="2700000" algn="ctr" rotWithShape="0">
-                    <a:schemeClr val="bg2"/>
-                  </a:outerShdw>
-                </a:effectLst>
-              </a14:hiddenEffects>
-            </a:ext>
-          </a:extLst>
-        </p:spPr>
-      </p:pic>
-      <p:sp>
-        <p:nvSpPr>
-          <p:cNvPr id="7" name="Заголовок 1"/>
+              <a:t>static</a:t>
+            </a:r>
+          </a:p>
+        </p:txBody>
+      </p:sp>
+      <p:sp>
+        <p:nvSpPr>
+          <p:cNvPr id="10" name="Заголовок 1"/>
           <p:cNvSpPr txBox="1">
             <a:spLocks/>
           </p:cNvSpPr>
@@ -17321,8 +17348,8 @@
         </p:nvSpPr>
         <p:spPr>
           <a:xfrm>
-            <a:off x="575605" y="3010790"/>
-            <a:ext cx="3557681" cy="625642"/>
+            <a:off x="0" y="3213043"/>
+            <a:ext cx="12192000" cy="625642"/>
           </a:xfrm>
           <a:prstGeom prst="rect">
             <a:avLst/>
@@ -17354,424 +17381,20 @@
           <a:p>
             <a:r>
               <a:rPr lang="en-US" sz="2800" dirty="0" smtClean="0"/>
-              <a:t>Old(FN - </a:t>
-            </a:r>
-            <a:r>
-              <a:rPr lang="ru-RU" sz="2800" dirty="0" smtClean="0"/>
-              <a:t>0.00</a:t>
+              <a:t>Quality increased, but Decoded image size increased, because that methods save more artifacts than simple </a:t>
+            </a:r>
+            <a:r>
+              <a:rPr lang="en-US" sz="2800" dirty="0" err="1" smtClean="0"/>
+              <a:t>relu</a:t>
             </a:r>
             <a:r>
               <a:rPr lang="en-US" sz="2800" dirty="0" smtClean="0"/>
-              <a:t>07)</a:t>
+              <a:t>, so we returned to first hypothesis code</a:t>
             </a:r>
             <a:endParaRPr lang="en-US" sz="2800" dirty="0"/>
           </a:p>
         </p:txBody>
       </p:sp>
-      <p:sp>
-        <p:nvSpPr>
-          <p:cNvPr id="9" name="Заголовок 1"/>
-          <p:cNvSpPr txBox="1">
-            <a:spLocks/>
-          </p:cNvSpPr>
-          <p:nvPr/>
-        </p:nvSpPr>
-        <p:spPr>
-          <a:xfrm>
-            <a:off x="4730413" y="3021819"/>
-            <a:ext cx="3546680" cy="625642"/>
-          </a:xfrm>
-          <a:prstGeom prst="rect">
-            <a:avLst/>
-          </a:prstGeom>
-        </p:spPr>
-        <p:txBody>
-          <a:bodyPr vert="horz" lIns="91440" tIns="45720" rIns="91440" bIns="45720" rtlCol="0" anchor="ctr" anchorCtr="0">
-            <a:noAutofit/>
-          </a:bodyPr>
-          <a:lstStyle>
-            <a:lvl1pPr algn="ctr" defTabSz="914400" rtl="0" eaLnBrk="1" latinLnBrk="0" hangingPunct="1">
-              <a:lnSpc>
-                <a:spcPct val="90000"/>
-              </a:lnSpc>
-              <a:spcBef>
-                <a:spcPct val="0"/>
-              </a:spcBef>
-              <a:buNone/>
-              <a:defRPr sz="4800" kern="1200" cap="all" spc="300" baseline="0">
-                <a:solidFill>
-                  <a:schemeClr val="bg1"/>
-                </a:solidFill>
-                <a:latin typeface="+mj-lt"/>
-                <a:ea typeface="+mj-ea"/>
-                <a:cs typeface="+mj-cs"/>
-              </a:defRPr>
-            </a:lvl1pPr>
-          </a:lstStyle>
-          <a:p>
-            <a:r>
-              <a:rPr lang="en-US" sz="2800" dirty="0"/>
-              <a:t>new(FN </a:t>
-            </a:r>
-            <a:r>
-              <a:rPr lang="en-US" sz="2800" dirty="0" smtClean="0"/>
-              <a:t>– </a:t>
-            </a:r>
-            <a:r>
-              <a:rPr lang="en-US" sz="2800" dirty="0" smtClean="0">
-                <a:solidFill>
-                  <a:srgbClr val="FF0000"/>
-                </a:solidFill>
-              </a:rPr>
-              <a:t>0.0007</a:t>
-            </a:r>
-            <a:r>
-              <a:rPr lang="en-US" sz="2800" dirty="0" smtClean="0"/>
-              <a:t>)</a:t>
-            </a:r>
-            <a:endParaRPr lang="en-US" sz="2800" dirty="0"/>
-          </a:p>
-        </p:txBody>
-      </p:sp>
-      <p:sp>
-        <p:nvSpPr>
-          <p:cNvPr id="10" name="Заголовок 1"/>
-          <p:cNvSpPr txBox="1">
-            <a:spLocks/>
-          </p:cNvSpPr>
-          <p:nvPr/>
-        </p:nvSpPr>
-        <p:spPr>
-          <a:xfrm>
-            <a:off x="1545490" y="6189923"/>
-            <a:ext cx="4757675" cy="625642"/>
-          </a:xfrm>
-          <a:prstGeom prst="rect">
-            <a:avLst/>
-          </a:prstGeom>
-        </p:spPr>
-        <p:txBody>
-          <a:bodyPr vert="horz" lIns="91440" tIns="45720" rIns="91440" bIns="45720" rtlCol="0" anchor="ctr" anchorCtr="0">
-            <a:noAutofit/>
-          </a:bodyPr>
-          <a:lstStyle>
-            <a:lvl1pPr algn="ctr" defTabSz="914400" rtl="0" eaLnBrk="1" latinLnBrk="0" hangingPunct="1">
-              <a:lnSpc>
-                <a:spcPct val="90000"/>
-              </a:lnSpc>
-              <a:spcBef>
-                <a:spcPct val="0"/>
-              </a:spcBef>
-              <a:buNone/>
-              <a:defRPr sz="4800" kern="1200" cap="all" spc="300" baseline="0">
-                <a:solidFill>
-                  <a:schemeClr val="bg1"/>
-                </a:solidFill>
-                <a:latin typeface="+mj-lt"/>
-                <a:ea typeface="+mj-ea"/>
-                <a:cs typeface="+mj-cs"/>
-              </a:defRPr>
-            </a:lvl1pPr>
-          </a:lstStyle>
-          <a:p>
-            <a:r>
-              <a:rPr lang="en-US" sz="2800" dirty="0" smtClean="0"/>
-              <a:t>Look at green line</a:t>
-            </a:r>
-            <a:endParaRPr lang="en-US" sz="2800" dirty="0"/>
-          </a:p>
-        </p:txBody>
-      </p:sp>
-      <p:sp>
-        <p:nvSpPr>
-          <p:cNvPr id="12" name="Заголовок 1"/>
-          <p:cNvSpPr txBox="1">
-            <a:spLocks/>
-          </p:cNvSpPr>
-          <p:nvPr/>
-        </p:nvSpPr>
-        <p:spPr>
-          <a:xfrm>
-            <a:off x="1834813" y="2708998"/>
-            <a:ext cx="5201920" cy="312821"/>
-          </a:xfrm>
-          <a:prstGeom prst="rect">
-            <a:avLst/>
-          </a:prstGeom>
-        </p:spPr>
-        <p:txBody>
-          <a:bodyPr vert="horz" lIns="91440" tIns="45720" rIns="91440" bIns="45720" rtlCol="0" anchor="ctr" anchorCtr="0">
-            <a:noAutofit/>
-          </a:bodyPr>
-          <a:lstStyle>
-            <a:lvl1pPr algn="ctr" defTabSz="914400" rtl="0" eaLnBrk="1" latinLnBrk="0" hangingPunct="1">
-              <a:lnSpc>
-                <a:spcPct val="90000"/>
-              </a:lnSpc>
-              <a:spcBef>
-                <a:spcPct val="0"/>
-              </a:spcBef>
-              <a:buNone/>
-              <a:defRPr sz="4800" kern="1200" cap="all" spc="300" baseline="0">
-                <a:solidFill>
-                  <a:schemeClr val="bg1"/>
-                </a:solidFill>
-                <a:latin typeface="+mj-lt"/>
-                <a:ea typeface="+mj-ea"/>
-                <a:cs typeface="+mj-cs"/>
-              </a:defRPr>
-            </a:lvl1pPr>
-          </a:lstStyle>
-          <a:p>
-            <a:r>
-              <a:rPr lang="en-US" sz="1800" i="1" dirty="0" smtClean="0"/>
-              <a:t>FN – final loss(it should be small)</a:t>
-            </a:r>
-            <a:endParaRPr lang="en-US" sz="1800" i="1" dirty="0"/>
-          </a:p>
-        </p:txBody>
-      </p:sp>
-      <p:pic>
-        <p:nvPicPr>
-          <p:cNvPr id="1026" name="Picture 2"/>
-          <p:cNvPicPr>
-            <a:picLocks noChangeAspect="1" noChangeArrowheads="1"/>
-          </p:cNvPicPr>
-          <p:nvPr/>
-        </p:nvPicPr>
-        <p:blipFill>
-          <a:blip r:embed="rId4" cstate="print">
-            <a:extLst>
-              <a:ext uri="{28A0092B-C50C-407E-A947-70E740481C1C}">
-                <a14:useLocalDpi xmlns:a14="http://schemas.microsoft.com/office/drawing/2010/main" val="0"/>
-              </a:ext>
-            </a:extLst>
-          </a:blip>
-          <a:srcRect/>
-          <a:stretch>
-            <a:fillRect/>
-          </a:stretch>
-        </p:blipFill>
-        <p:spPr bwMode="auto">
-          <a:xfrm>
-            <a:off x="4773480" y="3756007"/>
-            <a:ext cx="3503613" cy="1924223"/>
-          </a:xfrm>
-          <a:prstGeom prst="rect">
-            <a:avLst/>
-          </a:prstGeom>
-          <a:noFill/>
-          <a:ln>
-            <a:noFill/>
-          </a:ln>
-          <a:effectLst/>
-          <a:extLst>
-            <a:ext uri="{909E8E84-426E-40DD-AFC4-6F175D3DCCD1}">
-              <a14:hiddenFill xmlns:a14="http://schemas.microsoft.com/office/drawing/2010/main">
-                <a:solidFill>
-                  <a:schemeClr val="accent1"/>
-                </a:solidFill>
-              </a14:hiddenFill>
-            </a:ext>
-            <a:ext uri="{91240B29-F687-4F45-9708-019B960494DF}">
-              <a14:hiddenLine xmlns:a14="http://schemas.microsoft.com/office/drawing/2010/main" w="9525">
-                <a:solidFill>
-                  <a:schemeClr val="tx1"/>
-                </a:solidFill>
-                <a:miter lim="800000"/>
-                <a:headEnd/>
-                <a:tailEnd/>
-              </a14:hiddenLine>
-            </a:ext>
-            <a:ext uri="{AF507438-7753-43E0-B8FC-AC1667EBCBE1}">
-              <a14:hiddenEffects xmlns:a14="http://schemas.microsoft.com/office/drawing/2010/main">
-                <a:effectLst>
-                  <a:outerShdw dist="35921" dir="2700000" algn="ctr" rotWithShape="0">
-                    <a:schemeClr val="bg2"/>
-                  </a:outerShdw>
-                </a:effectLst>
-              </a14:hiddenEffects>
-            </a:ext>
-          </a:extLst>
-        </p:spPr>
-      </p:pic>
-      <p:pic>
-        <p:nvPicPr>
-          <p:cNvPr id="1027" name="Picture 3"/>
-          <p:cNvPicPr>
-            <a:picLocks noChangeAspect="1" noChangeArrowheads="1"/>
-          </p:cNvPicPr>
-          <p:nvPr/>
-        </p:nvPicPr>
-        <p:blipFill>
-          <a:blip r:embed="rId5" cstate="print">
-            <a:extLst>
-              <a:ext uri="{28A0092B-C50C-407E-A947-70E740481C1C}">
-                <a14:useLocalDpi xmlns:a14="http://schemas.microsoft.com/office/drawing/2010/main" val="0"/>
-              </a:ext>
-            </a:extLst>
-          </a:blip>
-          <a:srcRect/>
-          <a:stretch>
-            <a:fillRect/>
-          </a:stretch>
-        </p:blipFill>
-        <p:spPr bwMode="auto">
-          <a:xfrm>
-            <a:off x="8446607" y="0"/>
-            <a:ext cx="3745393" cy="2108447"/>
-          </a:xfrm>
-          <a:prstGeom prst="rect">
-            <a:avLst/>
-          </a:prstGeom>
-          <a:noFill/>
-          <a:ln>
-            <a:noFill/>
-          </a:ln>
-          <a:effectLst/>
-          <a:extLst>
-            <a:ext uri="{909E8E84-426E-40DD-AFC4-6F175D3DCCD1}">
-              <a14:hiddenFill xmlns:a14="http://schemas.microsoft.com/office/drawing/2010/main">
-                <a:solidFill>
-                  <a:schemeClr val="accent1"/>
-                </a:solidFill>
-              </a14:hiddenFill>
-            </a:ext>
-            <a:ext uri="{91240B29-F687-4F45-9708-019B960494DF}">
-              <a14:hiddenLine xmlns:a14="http://schemas.microsoft.com/office/drawing/2010/main" w="9525">
-                <a:solidFill>
-                  <a:schemeClr val="tx1"/>
-                </a:solidFill>
-                <a:miter lim="800000"/>
-                <a:headEnd/>
-                <a:tailEnd/>
-              </a14:hiddenLine>
-            </a:ext>
-            <a:ext uri="{AF507438-7753-43E0-B8FC-AC1667EBCBE1}">
-              <a14:hiddenEffects xmlns:a14="http://schemas.microsoft.com/office/drawing/2010/main">
-                <a:effectLst>
-                  <a:outerShdw dist="35921" dir="2700000" algn="ctr" rotWithShape="0">
-                    <a:schemeClr val="bg2"/>
-                  </a:outerShdw>
-                </a:effectLst>
-              </a14:hiddenEffects>
-            </a:ext>
-          </a:extLst>
-        </p:spPr>
-      </p:pic>
-      <p:sp>
-        <p:nvSpPr>
-          <p:cNvPr id="14" name="Заголовок 1"/>
-          <p:cNvSpPr txBox="1">
-            <a:spLocks/>
-          </p:cNvSpPr>
-          <p:nvPr/>
-        </p:nvSpPr>
-        <p:spPr>
-          <a:xfrm>
-            <a:off x="6990080" y="2363024"/>
-            <a:ext cx="5201920" cy="312821"/>
-          </a:xfrm>
-          <a:prstGeom prst="rect">
-            <a:avLst/>
-          </a:prstGeom>
-        </p:spPr>
-        <p:txBody>
-          <a:bodyPr vert="horz" lIns="91440" tIns="45720" rIns="91440" bIns="45720" rtlCol="0" anchor="ctr" anchorCtr="0">
-            <a:noAutofit/>
-          </a:bodyPr>
-          <a:lstStyle>
-            <a:lvl1pPr algn="ctr" defTabSz="914400" rtl="0" eaLnBrk="1" latinLnBrk="0" hangingPunct="1">
-              <a:lnSpc>
-                <a:spcPct val="90000"/>
-              </a:lnSpc>
-              <a:spcBef>
-                <a:spcPct val="0"/>
-              </a:spcBef>
-              <a:buNone/>
-              <a:defRPr sz="4800" kern="1200" cap="all" spc="300" baseline="0">
-                <a:solidFill>
-                  <a:schemeClr val="bg1"/>
-                </a:solidFill>
-                <a:latin typeface="+mj-lt"/>
-                <a:ea typeface="+mj-ea"/>
-                <a:cs typeface="+mj-cs"/>
-              </a:defRPr>
-            </a:lvl1pPr>
-          </a:lstStyle>
-          <a:p>
-            <a:r>
-              <a:rPr lang="ru-RU" sz="1600" i="1" dirty="0" smtClean="0"/>
-              <a:t>????</a:t>
-            </a:r>
-            <a:endParaRPr lang="en-US" sz="1600" i="1" dirty="0"/>
-          </a:p>
-        </p:txBody>
-      </p:sp>
-      <p:pic>
-        <p:nvPicPr>
-          <p:cNvPr id="2" name="Picture 2"/>
-          <p:cNvPicPr>
-            <a:picLocks noChangeAspect="1" noChangeArrowheads="1"/>
-          </p:cNvPicPr>
-          <p:nvPr/>
-        </p:nvPicPr>
-        <p:blipFill>
-          <a:blip r:embed="rId6">
-            <a:extLst>
-              <a:ext uri="{28A0092B-C50C-407E-A947-70E740481C1C}">
-                <a14:useLocalDpi xmlns:a14="http://schemas.microsoft.com/office/drawing/2010/main" val="0"/>
-              </a:ext>
-            </a:extLst>
-          </a:blip>
-          <a:srcRect/>
-          <a:stretch>
-            <a:fillRect/>
-          </a:stretch>
-        </p:blipFill>
-        <p:spPr bwMode="auto">
-          <a:xfrm>
-            <a:off x="10001403" y="3210676"/>
-            <a:ext cx="2190597" cy="3648393"/>
-          </a:xfrm>
-          <a:prstGeom prst="rect">
-            <a:avLst/>
-          </a:prstGeom>
-          <a:noFill/>
-          <a:ln>
-            <a:noFill/>
-          </a:ln>
-          <a:effectLst/>
-          <a:extLst>
-            <a:ext uri="{909E8E84-426E-40DD-AFC4-6F175D3DCCD1}">
-              <a14:hiddenFill xmlns:a14="http://schemas.microsoft.com/office/drawing/2010/main">
-                <a:solidFill>
-                  <a:schemeClr val="accent1"/>
-                </a:solidFill>
-              </a14:hiddenFill>
-            </a:ext>
-            <a:ext uri="{91240B29-F687-4F45-9708-019B960494DF}">
-              <a14:hiddenLine xmlns:a14="http://schemas.microsoft.com/office/drawing/2010/main" w="9525">
-                <a:solidFill>
-                  <a:schemeClr val="tx1"/>
-                </a:solidFill>
-                <a:miter lim="800000"/>
-                <a:headEnd/>
-                <a:tailEnd/>
-              </a14:hiddenLine>
-            </a:ext>
-            <a:ext uri="{AF507438-7753-43E0-B8FC-AC1667EBCBE1}">
-              <a14:hiddenEffects xmlns:a14="http://schemas.microsoft.com/office/drawing/2010/main">
-                <a:effectLst>
-                  <a:outerShdw dist="35921" dir="2700000" algn="ctr" rotWithShape="0">
-                    <a:schemeClr val="bg2"/>
-                  </a:outerShdw>
-                </a:effectLst>
-              </a14:hiddenEffects>
-            </a:ext>
-          </a:extLst>
-        </p:spPr>
-      </p:pic>
     </p:spTree>
     <p:extLst>
       <p:ext uri="{BB962C8B-B14F-4D97-AF65-F5344CB8AC3E}">
@@ -17793,7 +17416,7 @@
         <p:cNvPr id="1" name="">
           <a:extLst>
             <a:ext uri="{FF2B5EF4-FFF2-40B4-BE49-F238E27FC236}">
-              <a16:creationId xmlns:a16="http://schemas.microsoft.com/office/drawing/2014/main" xmlns="" id="{8C579E26-FA2D-1C68-DB27-3D2C268F6B28}"/>
+              <a16:creationId xmlns="" xmlns:a16="http://schemas.microsoft.com/office/drawing/2014/main" id="{EF87400A-AA39-C6BD-0F50-19DF27F0BEE1}"/>
             </a:ext>
           </a:extLst>
         </p:cNvPr>
@@ -17810,51 +17433,773 @@
       </p:grpSpPr>
       <p:sp>
         <p:nvSpPr>
-          <p:cNvPr id="7" name="Title 6">
-            <a:extLst>
-              <a:ext uri="{FF2B5EF4-FFF2-40B4-BE49-F238E27FC236}">
-                <a16:creationId xmlns:a16="http://schemas.microsoft.com/office/drawing/2014/main" xmlns="" id="{44A692C1-E622-D699-43E0-1ECB59404096}"/>
-              </a:ext>
-            </a:extLst>
-          </p:cNvPr>
-          <p:cNvSpPr>
-            <a:spLocks noGrp="1"/>
+          <p:cNvPr id="3" name="Прямоугольник 2"/>
+          <p:cNvSpPr/>
+          <p:nvPr/>
+        </p:nvSpPr>
+        <p:spPr>
+          <a:xfrm>
+            <a:off x="0" y="5658740"/>
+            <a:ext cx="1876926" cy="1200329"/>
+          </a:xfrm>
+          <a:prstGeom prst="rect">
+            <a:avLst/>
+          </a:prstGeom>
+        </p:spPr>
+        <p:txBody>
+          <a:bodyPr wrap="square">
+            <a:spAutoFit/>
+          </a:bodyPr>
+          <a:lstStyle/>
+          <a:p>
+            <a:r>
+              <a:rPr lang="en-US" sz="7200" dirty="0" smtClean="0">
+                <a:solidFill>
+                  <a:schemeClr val="bg1"/>
+                </a:solidFill>
+              </a:rPr>
+              <a:t>V</a:t>
+            </a:r>
+            <a:r>
+              <a:rPr lang="en-US" sz="7200" dirty="0">
+                <a:solidFill>
+                  <a:schemeClr val="bg1"/>
+                </a:solidFill>
+              </a:rPr>
+              <a:t>4</a:t>
+            </a:r>
+            <a:endParaRPr lang="ru-RU" sz="7200" dirty="0">
+              <a:solidFill>
+                <a:schemeClr val="bg1"/>
+              </a:solidFill>
+            </a:endParaRPr>
+          </a:p>
+        </p:txBody>
+      </p:sp>
+      <p:sp>
+        <p:nvSpPr>
+          <p:cNvPr id="4" name="Заголовок 1"/>
+          <p:cNvSpPr txBox="1">
+            <a:spLocks/>
           </p:cNvSpPr>
-          <p:nvPr>
-            <p:ph type="ctrTitle"/>
-          </p:nvPr>
+          <p:nvPr/>
         </p:nvSpPr>
         <p:spPr>
           <a:xfrm>
-            <a:off x="2344992" y="2857500"/>
-            <a:ext cx="7502015" cy="1143000"/>
-          </a:xfrm>
-        </p:spPr>
-        <p:txBody>
-          <a:bodyPr/>
-          <a:lstStyle/>
-          <a:p>
-            <a:r>
-              <a:rPr lang="en-US" b="1" dirty="0">
-                <a:solidFill>
-                  <a:srgbClr val="FFFFFF"/>
-                </a:solidFill>
-                <a:latin typeface="Calibri Light (Headings)"/>
-                <a:ea typeface="Crimson Pro Bold"/>
-                <a:cs typeface="+mn-cs"/>
-              </a:rPr>
-              <a:t>Thank you</a:t>
-            </a:r>
-            <a:endParaRPr lang="en-US" b="1" dirty="0">
-              <a:latin typeface="Calibri Light (Headings)"/>
-            </a:endParaRPr>
-          </a:p>
-        </p:txBody>
-      </p:sp>
+            <a:off x="0" y="904240"/>
+            <a:ext cx="8446607" cy="689249"/>
+          </a:xfrm>
+          <a:prstGeom prst="rect">
+            <a:avLst/>
+          </a:prstGeom>
+        </p:spPr>
+        <p:txBody>
+          <a:bodyPr vert="horz" lIns="91440" tIns="45720" rIns="91440" bIns="45720" rtlCol="0" anchor="ctr" anchorCtr="0">
+            <a:noAutofit/>
+          </a:bodyPr>
+          <a:lstStyle>
+            <a:lvl1pPr algn="ctr" defTabSz="914400" rtl="0" eaLnBrk="1" latinLnBrk="0" hangingPunct="1">
+              <a:lnSpc>
+                <a:spcPct val="90000"/>
+              </a:lnSpc>
+              <a:spcBef>
+                <a:spcPct val="0"/>
+              </a:spcBef>
+              <a:buNone/>
+              <a:defRPr sz="4800" kern="1200" cap="all" spc="300" baseline="0">
+                <a:solidFill>
+                  <a:schemeClr val="bg1"/>
+                </a:solidFill>
+                <a:latin typeface="+mj-lt"/>
+                <a:ea typeface="+mj-ea"/>
+                <a:cs typeface="+mj-cs"/>
+              </a:defRPr>
+            </a:lvl1pPr>
+          </a:lstStyle>
+          <a:p>
+            <a:pPr algn="l"/>
+            <a:r>
+              <a:rPr lang="en-US" sz="2400" dirty="0" smtClean="0"/>
+              <a:t>Hypothesis</a:t>
+            </a:r>
+            <a:r>
+              <a:rPr lang="ru-RU" sz="2400" dirty="0" smtClean="0"/>
+              <a:t> -</a:t>
+            </a:r>
+            <a:r>
+              <a:rPr lang="en-US" sz="2400" dirty="0"/>
+              <a:t>Use </a:t>
+            </a:r>
+            <a:r>
+              <a:rPr lang="en-US" sz="2400" dirty="0" smtClean="0"/>
+              <a:t>smart learning rate and more learning epochs(40 instead of 30)</a:t>
+            </a:r>
+            <a:endParaRPr lang="ru-RU" sz="2400" dirty="0" smtClean="0"/>
+          </a:p>
+          <a:p>
+            <a:pPr algn="l"/>
+            <a:r>
+              <a:rPr lang="en-US" sz="2400" dirty="0" smtClean="0"/>
+              <a:t>Training time: </a:t>
+            </a:r>
+            <a:r>
+              <a:rPr lang="en-US" sz="2400" dirty="0" smtClean="0"/>
+              <a:t>400 minutes</a:t>
+            </a:r>
+            <a:endParaRPr lang="en-US" sz="2400" dirty="0"/>
+          </a:p>
+        </p:txBody>
+      </p:sp>
+      <p:sp>
+        <p:nvSpPr>
+          <p:cNvPr id="7" name="Заголовок 1"/>
+          <p:cNvSpPr txBox="1">
+            <a:spLocks/>
+          </p:cNvSpPr>
+          <p:nvPr/>
+        </p:nvSpPr>
+        <p:spPr>
+          <a:xfrm>
+            <a:off x="98085" y="3041249"/>
+            <a:ext cx="3557681" cy="625642"/>
+          </a:xfrm>
+          <a:prstGeom prst="rect">
+            <a:avLst/>
+          </a:prstGeom>
+        </p:spPr>
+        <p:txBody>
+          <a:bodyPr vert="horz" lIns="91440" tIns="45720" rIns="91440" bIns="45720" rtlCol="0" anchor="ctr" anchorCtr="0">
+            <a:noAutofit/>
+          </a:bodyPr>
+          <a:lstStyle>
+            <a:lvl1pPr algn="ctr" defTabSz="914400" rtl="0" eaLnBrk="1" latinLnBrk="0" hangingPunct="1">
+              <a:lnSpc>
+                <a:spcPct val="90000"/>
+              </a:lnSpc>
+              <a:spcBef>
+                <a:spcPct val="0"/>
+              </a:spcBef>
+              <a:buNone/>
+              <a:defRPr sz="4800" kern="1200" cap="all" spc="300" baseline="0">
+                <a:solidFill>
+                  <a:schemeClr val="bg1"/>
+                </a:solidFill>
+                <a:latin typeface="+mj-lt"/>
+                <a:ea typeface="+mj-ea"/>
+                <a:cs typeface="+mj-cs"/>
+              </a:defRPr>
+            </a:lvl1pPr>
+          </a:lstStyle>
+          <a:p>
+            <a:r>
+              <a:rPr lang="en-US" sz="2800" dirty="0" smtClean="0"/>
+              <a:t>Old(FN - </a:t>
+            </a:r>
+            <a:r>
+              <a:rPr lang="ru-RU" sz="2800" dirty="0" smtClean="0"/>
+              <a:t>0.00</a:t>
+            </a:r>
+            <a:r>
+              <a:rPr lang="en-US" sz="2800" dirty="0" smtClean="0"/>
+              <a:t>07)</a:t>
+            </a:r>
+            <a:endParaRPr lang="en-US" sz="2800" dirty="0"/>
+          </a:p>
+        </p:txBody>
+      </p:sp>
+      <p:sp>
+        <p:nvSpPr>
+          <p:cNvPr id="9" name="Заголовок 1"/>
+          <p:cNvSpPr txBox="1">
+            <a:spLocks/>
+          </p:cNvSpPr>
+          <p:nvPr/>
+        </p:nvSpPr>
+        <p:spPr>
+          <a:xfrm>
+            <a:off x="3828365" y="3041249"/>
+            <a:ext cx="3546680" cy="625642"/>
+          </a:xfrm>
+          <a:prstGeom prst="rect">
+            <a:avLst/>
+          </a:prstGeom>
+        </p:spPr>
+        <p:txBody>
+          <a:bodyPr vert="horz" lIns="91440" tIns="45720" rIns="91440" bIns="45720" rtlCol="0" anchor="ctr" anchorCtr="0">
+            <a:noAutofit/>
+          </a:bodyPr>
+          <a:lstStyle>
+            <a:lvl1pPr algn="ctr" defTabSz="914400" rtl="0" eaLnBrk="1" latinLnBrk="0" hangingPunct="1">
+              <a:lnSpc>
+                <a:spcPct val="90000"/>
+              </a:lnSpc>
+              <a:spcBef>
+                <a:spcPct val="0"/>
+              </a:spcBef>
+              <a:buNone/>
+              <a:defRPr sz="4800" kern="1200" cap="all" spc="300" baseline="0">
+                <a:solidFill>
+                  <a:schemeClr val="bg1"/>
+                </a:solidFill>
+                <a:latin typeface="+mj-lt"/>
+                <a:ea typeface="+mj-ea"/>
+                <a:cs typeface="+mj-cs"/>
+              </a:defRPr>
+            </a:lvl1pPr>
+          </a:lstStyle>
+          <a:p>
+            <a:r>
+              <a:rPr lang="en-US" sz="2800" dirty="0"/>
+              <a:t>new(FN </a:t>
+            </a:r>
+            <a:r>
+              <a:rPr lang="en-US" sz="2800" dirty="0" smtClean="0"/>
+              <a:t>– </a:t>
+            </a:r>
+            <a:r>
+              <a:rPr lang="en-US" sz="2800" dirty="0" smtClean="0">
+                <a:solidFill>
+                  <a:srgbClr val="FF0000"/>
+                </a:solidFill>
+              </a:rPr>
+              <a:t>0.0004</a:t>
+            </a:r>
+            <a:r>
+              <a:rPr lang="en-US" sz="2800" dirty="0" smtClean="0"/>
+              <a:t>)</a:t>
+            </a:r>
+            <a:endParaRPr lang="en-US" sz="2800" dirty="0"/>
+          </a:p>
+        </p:txBody>
+      </p:sp>
+      <p:sp>
+        <p:nvSpPr>
+          <p:cNvPr id="10" name="Заголовок 1"/>
+          <p:cNvSpPr txBox="1">
+            <a:spLocks/>
+          </p:cNvSpPr>
+          <p:nvPr/>
+        </p:nvSpPr>
+        <p:spPr>
+          <a:xfrm>
+            <a:off x="1545489" y="5946083"/>
+            <a:ext cx="4757675" cy="625642"/>
+          </a:xfrm>
+          <a:prstGeom prst="rect">
+            <a:avLst/>
+          </a:prstGeom>
+        </p:spPr>
+        <p:txBody>
+          <a:bodyPr vert="horz" lIns="91440" tIns="45720" rIns="91440" bIns="45720" rtlCol="0" anchor="ctr" anchorCtr="0">
+            <a:noAutofit/>
+          </a:bodyPr>
+          <a:lstStyle>
+            <a:lvl1pPr algn="ctr" defTabSz="914400" rtl="0" eaLnBrk="1" latinLnBrk="0" hangingPunct="1">
+              <a:lnSpc>
+                <a:spcPct val="90000"/>
+              </a:lnSpc>
+              <a:spcBef>
+                <a:spcPct val="0"/>
+              </a:spcBef>
+              <a:buNone/>
+              <a:defRPr sz="4800" kern="1200" cap="all" spc="300" baseline="0">
+                <a:solidFill>
+                  <a:schemeClr val="bg1"/>
+                </a:solidFill>
+                <a:latin typeface="+mj-lt"/>
+                <a:ea typeface="+mj-ea"/>
+                <a:cs typeface="+mj-cs"/>
+              </a:defRPr>
+            </a:lvl1pPr>
+          </a:lstStyle>
+          <a:p>
+            <a:r>
+              <a:rPr lang="en-US" sz="2800" dirty="0" smtClean="0"/>
+              <a:t>Look at green line</a:t>
+            </a:r>
+            <a:endParaRPr lang="en-US" sz="2800" dirty="0"/>
+          </a:p>
+        </p:txBody>
+      </p:sp>
+      <p:sp>
+        <p:nvSpPr>
+          <p:cNvPr id="12" name="Заголовок 1"/>
+          <p:cNvSpPr txBox="1">
+            <a:spLocks/>
+          </p:cNvSpPr>
+          <p:nvPr/>
+        </p:nvSpPr>
+        <p:spPr>
+          <a:xfrm>
+            <a:off x="1323367" y="2708998"/>
+            <a:ext cx="5201920" cy="312821"/>
+          </a:xfrm>
+          <a:prstGeom prst="rect">
+            <a:avLst/>
+          </a:prstGeom>
+        </p:spPr>
+        <p:txBody>
+          <a:bodyPr vert="horz" lIns="91440" tIns="45720" rIns="91440" bIns="45720" rtlCol="0" anchor="ctr" anchorCtr="0">
+            <a:noAutofit/>
+          </a:bodyPr>
+          <a:lstStyle>
+            <a:lvl1pPr algn="ctr" defTabSz="914400" rtl="0" eaLnBrk="1" latinLnBrk="0" hangingPunct="1">
+              <a:lnSpc>
+                <a:spcPct val="90000"/>
+              </a:lnSpc>
+              <a:spcBef>
+                <a:spcPct val="0"/>
+              </a:spcBef>
+              <a:buNone/>
+              <a:defRPr sz="4800" kern="1200" cap="all" spc="300" baseline="0">
+                <a:solidFill>
+                  <a:schemeClr val="bg1"/>
+                </a:solidFill>
+                <a:latin typeface="+mj-lt"/>
+                <a:ea typeface="+mj-ea"/>
+                <a:cs typeface="+mj-cs"/>
+              </a:defRPr>
+            </a:lvl1pPr>
+          </a:lstStyle>
+          <a:p>
+            <a:r>
+              <a:rPr lang="en-US" sz="1800" i="1" dirty="0" smtClean="0"/>
+              <a:t>FN – final loss(it should be small)</a:t>
+            </a:r>
+            <a:endParaRPr lang="en-US" sz="1800" i="1" dirty="0"/>
+          </a:p>
+        </p:txBody>
+      </p:sp>
+      <p:pic>
+        <p:nvPicPr>
+          <p:cNvPr id="1026" name="Picture 2"/>
+          <p:cNvPicPr>
+            <a:picLocks noChangeAspect="1" noChangeArrowheads="1"/>
+          </p:cNvPicPr>
+          <p:nvPr/>
+        </p:nvPicPr>
+        <p:blipFill>
+          <a:blip r:embed="rId3" cstate="print">
+            <a:extLst>
+              <a:ext uri="{28A0092B-C50C-407E-A947-70E740481C1C}">
+                <a14:useLocalDpi xmlns:a14="http://schemas.microsoft.com/office/drawing/2010/main" val="0"/>
+              </a:ext>
+            </a:extLst>
+          </a:blip>
+          <a:srcRect/>
+          <a:stretch>
+            <a:fillRect/>
+          </a:stretch>
+        </p:blipFill>
+        <p:spPr bwMode="auto">
+          <a:xfrm>
+            <a:off x="152153" y="3745261"/>
+            <a:ext cx="3503613" cy="1924223"/>
+          </a:xfrm>
+          <a:prstGeom prst="rect">
+            <a:avLst/>
+          </a:prstGeom>
+          <a:noFill/>
+          <a:ln>
+            <a:noFill/>
+          </a:ln>
+          <a:effectLst/>
+          <a:extLst>
+            <a:ext uri="{909E8E84-426E-40DD-AFC4-6F175D3DCCD1}">
+              <a14:hiddenFill xmlns:a14="http://schemas.microsoft.com/office/drawing/2010/main">
+                <a:solidFill>
+                  <a:schemeClr val="accent1"/>
+                </a:solidFill>
+              </a14:hiddenFill>
+            </a:ext>
+            <a:ext uri="{91240B29-F687-4F45-9708-019B960494DF}">
+              <a14:hiddenLine xmlns:a14="http://schemas.microsoft.com/office/drawing/2010/main" w="9525">
+                <a:solidFill>
+                  <a:schemeClr val="tx1"/>
+                </a:solidFill>
+                <a:miter lim="800000"/>
+                <a:headEnd/>
+                <a:tailEnd/>
+              </a14:hiddenLine>
+            </a:ext>
+            <a:ext uri="{AF507438-7753-43E0-B8FC-AC1667EBCBE1}">
+              <a14:hiddenEffects xmlns:a14="http://schemas.microsoft.com/office/drawing/2010/main">
+                <a:effectLst>
+                  <a:outerShdw dist="35921" dir="2700000" algn="ctr" rotWithShape="0">
+                    <a:schemeClr val="bg2"/>
+                  </a:outerShdw>
+                </a:effectLst>
+              </a14:hiddenEffects>
+            </a:ext>
+          </a:extLst>
+        </p:spPr>
+      </p:pic>
+      <p:sp>
+        <p:nvSpPr>
+          <p:cNvPr id="14" name="Заголовок 1"/>
+          <p:cNvSpPr txBox="1">
+            <a:spLocks/>
+          </p:cNvSpPr>
+          <p:nvPr/>
+        </p:nvSpPr>
+        <p:spPr>
+          <a:xfrm>
+            <a:off x="6990080" y="2363024"/>
+            <a:ext cx="5201920" cy="312821"/>
+          </a:xfrm>
+          <a:prstGeom prst="rect">
+            <a:avLst/>
+          </a:prstGeom>
+        </p:spPr>
+        <p:txBody>
+          <a:bodyPr vert="horz" lIns="91440" tIns="45720" rIns="91440" bIns="45720" rtlCol="0" anchor="ctr" anchorCtr="0">
+            <a:noAutofit/>
+          </a:bodyPr>
+          <a:lstStyle>
+            <a:lvl1pPr algn="ctr" defTabSz="914400" rtl="0" eaLnBrk="1" latinLnBrk="0" hangingPunct="1">
+              <a:lnSpc>
+                <a:spcPct val="90000"/>
+              </a:lnSpc>
+              <a:spcBef>
+                <a:spcPct val="0"/>
+              </a:spcBef>
+              <a:buNone/>
+              <a:defRPr sz="4800" kern="1200" cap="all" spc="300" baseline="0">
+                <a:solidFill>
+                  <a:schemeClr val="bg1"/>
+                </a:solidFill>
+                <a:latin typeface="+mj-lt"/>
+                <a:ea typeface="+mj-ea"/>
+                <a:cs typeface="+mj-cs"/>
+              </a:defRPr>
+            </a:lvl1pPr>
+          </a:lstStyle>
+          <a:p>
+            <a:r>
+              <a:rPr lang="en-US" sz="1600" i="1" dirty="0" smtClean="0"/>
+              <a:t>Now our AI works better than jpeg and take less size, but let`s try some more changes to increase the quality</a:t>
+            </a:r>
+            <a:endParaRPr lang="en-US" sz="1600" i="1" dirty="0"/>
+          </a:p>
+        </p:txBody>
+      </p:sp>
+      <p:sp>
+        <p:nvSpPr>
+          <p:cNvPr id="15" name="Заголовок 1"/>
+          <p:cNvSpPr txBox="1">
+            <a:spLocks/>
+          </p:cNvSpPr>
+          <p:nvPr/>
+        </p:nvSpPr>
+        <p:spPr>
+          <a:xfrm>
+            <a:off x="2201925" y="0"/>
+            <a:ext cx="7653418" cy="625642"/>
+          </a:xfrm>
+          <a:prstGeom prst="rect">
+            <a:avLst/>
+          </a:prstGeom>
+        </p:spPr>
+        <p:txBody>
+          <a:bodyPr vert="horz" lIns="91440" tIns="45720" rIns="91440" bIns="45720" rtlCol="0" anchor="ctr" anchorCtr="0">
+            <a:noAutofit/>
+          </a:bodyPr>
+          <a:lstStyle>
+            <a:lvl1pPr algn="ctr" defTabSz="914400" rtl="0" eaLnBrk="1" latinLnBrk="0" hangingPunct="1">
+              <a:lnSpc>
+                <a:spcPct val="90000"/>
+              </a:lnSpc>
+              <a:spcBef>
+                <a:spcPct val="0"/>
+              </a:spcBef>
+              <a:buNone/>
+              <a:defRPr sz="4800" kern="1200" cap="all" spc="300" baseline="0">
+                <a:solidFill>
+                  <a:schemeClr val="bg1"/>
+                </a:solidFill>
+                <a:latin typeface="+mj-lt"/>
+                <a:ea typeface="+mj-ea"/>
+                <a:cs typeface="+mj-cs"/>
+              </a:defRPr>
+            </a:lvl1pPr>
+          </a:lstStyle>
+          <a:p>
+            <a:r>
+              <a:rPr lang="en-US" sz="2800" dirty="0"/>
+              <a:t>3</a:t>
+            </a:r>
+            <a:r>
+              <a:rPr lang="ru-RU" sz="2800" dirty="0" smtClean="0"/>
+              <a:t> </a:t>
+            </a:r>
+            <a:r>
+              <a:rPr lang="en-US" sz="2800" dirty="0" smtClean="0"/>
+              <a:t>hypothesis</a:t>
+            </a:r>
+            <a:endParaRPr lang="en-US" sz="2800" dirty="0"/>
+          </a:p>
+        </p:txBody>
+      </p:sp>
+      <p:pic>
+        <p:nvPicPr>
+          <p:cNvPr id="2" name="Picture 2"/>
+          <p:cNvPicPr>
+            <a:picLocks noChangeAspect="1" noChangeArrowheads="1"/>
+          </p:cNvPicPr>
+          <p:nvPr/>
+        </p:nvPicPr>
+        <p:blipFill>
+          <a:blip r:embed="rId4" cstate="print">
+            <a:extLst>
+              <a:ext uri="{28A0092B-C50C-407E-A947-70E740481C1C}">
+                <a14:useLocalDpi xmlns:a14="http://schemas.microsoft.com/office/drawing/2010/main" val="0"/>
+              </a:ext>
+            </a:extLst>
+          </a:blip>
+          <a:srcRect/>
+          <a:stretch>
+            <a:fillRect/>
+          </a:stretch>
+        </p:blipFill>
+        <p:spPr bwMode="auto">
+          <a:xfrm>
+            <a:off x="3924327" y="3748553"/>
+            <a:ext cx="3580650" cy="1925737"/>
+          </a:xfrm>
+          <a:prstGeom prst="rect">
+            <a:avLst/>
+          </a:prstGeom>
+          <a:noFill/>
+          <a:ln>
+            <a:noFill/>
+          </a:ln>
+          <a:effectLst/>
+          <a:extLst>
+            <a:ext uri="{909E8E84-426E-40DD-AFC4-6F175D3DCCD1}">
+              <a14:hiddenFill xmlns:a14="http://schemas.microsoft.com/office/drawing/2010/main">
+                <a:solidFill>
+                  <a:schemeClr val="accent1"/>
+                </a:solidFill>
+              </a14:hiddenFill>
+            </a:ext>
+            <a:ext uri="{91240B29-F687-4F45-9708-019B960494DF}">
+              <a14:hiddenLine xmlns:a14="http://schemas.microsoft.com/office/drawing/2010/main" w="9525">
+                <a:solidFill>
+                  <a:schemeClr val="tx1"/>
+                </a:solidFill>
+                <a:miter lim="800000"/>
+                <a:headEnd/>
+                <a:tailEnd/>
+              </a14:hiddenLine>
+            </a:ext>
+            <a:ext uri="{AF507438-7753-43E0-B8FC-AC1667EBCBE1}">
+              <a14:hiddenEffects xmlns:a14="http://schemas.microsoft.com/office/drawing/2010/main">
+                <a:effectLst>
+                  <a:outerShdw dist="35921" dir="2700000" algn="ctr" rotWithShape="0">
+                    <a:schemeClr val="bg2"/>
+                  </a:outerShdw>
+                </a:effectLst>
+              </a14:hiddenEffects>
+            </a:ext>
+          </a:extLst>
+        </p:spPr>
+      </p:pic>
+      <p:pic>
+        <p:nvPicPr>
+          <p:cNvPr id="5" name="Picture 3"/>
+          <p:cNvPicPr>
+            <a:picLocks noChangeAspect="1" noChangeArrowheads="1"/>
+          </p:cNvPicPr>
+          <p:nvPr/>
+        </p:nvPicPr>
+        <p:blipFill>
+          <a:blip r:embed="rId5" cstate="print">
+            <a:extLst>
+              <a:ext uri="{28A0092B-C50C-407E-A947-70E740481C1C}">
+                <a14:useLocalDpi xmlns:a14="http://schemas.microsoft.com/office/drawing/2010/main" val="0"/>
+              </a:ext>
+            </a:extLst>
+          </a:blip>
+          <a:srcRect/>
+          <a:stretch>
+            <a:fillRect/>
+          </a:stretch>
+        </p:blipFill>
+        <p:spPr bwMode="auto">
+          <a:xfrm>
+            <a:off x="8446606" y="0"/>
+            <a:ext cx="3745393" cy="1999271"/>
+          </a:xfrm>
+          <a:prstGeom prst="rect">
+            <a:avLst/>
+          </a:prstGeom>
+          <a:noFill/>
+          <a:ln>
+            <a:noFill/>
+          </a:ln>
+          <a:effectLst/>
+          <a:extLst>
+            <a:ext uri="{909E8E84-426E-40DD-AFC4-6F175D3DCCD1}">
+              <a14:hiddenFill xmlns:a14="http://schemas.microsoft.com/office/drawing/2010/main">
+                <a:solidFill>
+                  <a:schemeClr val="accent1"/>
+                </a:solidFill>
+              </a14:hiddenFill>
+            </a:ext>
+            <a:ext uri="{91240B29-F687-4F45-9708-019B960494DF}">
+              <a14:hiddenLine xmlns:a14="http://schemas.microsoft.com/office/drawing/2010/main" w="9525">
+                <a:solidFill>
+                  <a:schemeClr val="tx1"/>
+                </a:solidFill>
+                <a:miter lim="800000"/>
+                <a:headEnd/>
+                <a:tailEnd/>
+              </a14:hiddenLine>
+            </a:ext>
+            <a:ext uri="{AF507438-7753-43E0-B8FC-AC1667EBCBE1}">
+              <a14:hiddenEffects xmlns:a14="http://schemas.microsoft.com/office/drawing/2010/main">
+                <a:effectLst>
+                  <a:outerShdw dist="35921" dir="2700000" algn="ctr" rotWithShape="0">
+                    <a:schemeClr val="bg2"/>
+                  </a:outerShdw>
+                </a:effectLst>
+              </a14:hiddenEffects>
+            </a:ext>
+          </a:extLst>
+        </p:spPr>
+      </p:pic>
+      <p:pic>
+        <p:nvPicPr>
+          <p:cNvPr id="1028" name="Picture 4"/>
+          <p:cNvPicPr>
+            <a:picLocks noChangeAspect="1" noChangeArrowheads="1"/>
+          </p:cNvPicPr>
+          <p:nvPr/>
+        </p:nvPicPr>
+        <p:blipFill>
+          <a:blip r:embed="rId6">
+            <a:extLst>
+              <a:ext uri="{28A0092B-C50C-407E-A947-70E740481C1C}">
+                <a14:useLocalDpi xmlns:a14="http://schemas.microsoft.com/office/drawing/2010/main" val="0"/>
+              </a:ext>
+            </a:extLst>
+          </a:blip>
+          <a:srcRect/>
+          <a:stretch>
+            <a:fillRect/>
+          </a:stretch>
+        </p:blipFill>
+        <p:spPr bwMode="auto">
+          <a:xfrm>
+            <a:off x="8254451" y="5268532"/>
+            <a:ext cx="3937548" cy="780415"/>
+          </a:xfrm>
+          <a:prstGeom prst="rect">
+            <a:avLst/>
+          </a:prstGeom>
+          <a:noFill/>
+          <a:ln>
+            <a:noFill/>
+          </a:ln>
+          <a:effectLst/>
+          <a:extLst>
+            <a:ext uri="{909E8E84-426E-40DD-AFC4-6F175D3DCCD1}">
+              <a14:hiddenFill xmlns:a14="http://schemas.microsoft.com/office/drawing/2010/main">
+                <a:solidFill>
+                  <a:schemeClr val="accent1"/>
+                </a:solidFill>
+              </a14:hiddenFill>
+            </a:ext>
+            <a:ext uri="{91240B29-F687-4F45-9708-019B960494DF}">
+              <a14:hiddenLine xmlns:a14="http://schemas.microsoft.com/office/drawing/2010/main" w="9525">
+                <a:solidFill>
+                  <a:schemeClr val="tx1"/>
+                </a:solidFill>
+                <a:miter lim="800000"/>
+                <a:headEnd/>
+                <a:tailEnd/>
+              </a14:hiddenLine>
+            </a:ext>
+            <a:ext uri="{AF507438-7753-43E0-B8FC-AC1667EBCBE1}">
+              <a14:hiddenEffects xmlns:a14="http://schemas.microsoft.com/office/drawing/2010/main">
+                <a:effectLst>
+                  <a:outerShdw dist="35921" dir="2700000" algn="ctr" rotWithShape="0">
+                    <a:schemeClr val="bg2"/>
+                  </a:outerShdw>
+                </a:effectLst>
+              </a14:hiddenEffects>
+            </a:ext>
+          </a:extLst>
+        </p:spPr>
+      </p:pic>
+      <p:pic>
+        <p:nvPicPr>
+          <p:cNvPr id="1029" name="Picture 5"/>
+          <p:cNvPicPr>
+            <a:picLocks noChangeAspect="1" noChangeArrowheads="1"/>
+          </p:cNvPicPr>
+          <p:nvPr/>
+        </p:nvPicPr>
+        <p:blipFill>
+          <a:blip r:embed="rId7">
+            <a:extLst>
+              <a:ext uri="{28A0092B-C50C-407E-A947-70E740481C1C}">
+                <a14:useLocalDpi xmlns:a14="http://schemas.microsoft.com/office/drawing/2010/main" val="0"/>
+              </a:ext>
+            </a:extLst>
+          </a:blip>
+          <a:srcRect/>
+          <a:stretch>
+            <a:fillRect/>
+          </a:stretch>
+        </p:blipFill>
+        <p:spPr bwMode="auto">
+          <a:xfrm>
+            <a:off x="6132138" y="6050270"/>
+            <a:ext cx="6059862" cy="808799"/>
+          </a:xfrm>
+          <a:prstGeom prst="rect">
+            <a:avLst/>
+          </a:prstGeom>
+          <a:noFill/>
+          <a:ln>
+            <a:noFill/>
+          </a:ln>
+          <a:effectLst/>
+          <a:extLst>
+            <a:ext uri="{909E8E84-426E-40DD-AFC4-6F175D3DCCD1}">
+              <a14:hiddenFill xmlns:a14="http://schemas.microsoft.com/office/drawing/2010/main">
+                <a:solidFill>
+                  <a:schemeClr val="accent1"/>
+                </a:solidFill>
+              </a14:hiddenFill>
+            </a:ext>
+            <a:ext uri="{91240B29-F687-4F45-9708-019B960494DF}">
+              <a14:hiddenLine xmlns:a14="http://schemas.microsoft.com/office/drawing/2010/main" w="9525">
+                <a:solidFill>
+                  <a:schemeClr val="tx1"/>
+                </a:solidFill>
+                <a:miter lim="800000"/>
+                <a:headEnd/>
+                <a:tailEnd/>
+              </a14:hiddenLine>
+            </a:ext>
+            <a:ext uri="{AF507438-7753-43E0-B8FC-AC1667EBCBE1}">
+              <a14:hiddenEffects xmlns:a14="http://schemas.microsoft.com/office/drawing/2010/main">
+                <a:effectLst>
+                  <a:outerShdw dist="35921" dir="2700000" algn="ctr" rotWithShape="0">
+                    <a:schemeClr val="bg2"/>
+                  </a:outerShdw>
+                </a:effectLst>
+              </a14:hiddenEffects>
+            </a:ext>
+          </a:extLst>
+        </p:spPr>
+      </p:pic>
     </p:spTree>
     <p:extLst>
       <p:ext uri="{BB962C8B-B14F-4D97-AF65-F5344CB8AC3E}">
-        <p14:creationId xmlns:p14="http://schemas.microsoft.com/office/powerpoint/2010/main" val="4044571280"/>
+        <p14:creationId xmlns:p14="http://schemas.microsoft.com/office/powerpoint/2010/main" val="3649018817"/>
       </p:ext>
     </p:extLst>
   </p:cSld>
@@ -17872,7 +18217,7 @@
         <p:cNvPr id="1" name="">
           <a:extLst>
             <a:ext uri="{FF2B5EF4-FFF2-40B4-BE49-F238E27FC236}">
-              <a16:creationId xmlns:a16="http://schemas.microsoft.com/office/drawing/2014/main" xmlns="" id="{39288295-DCAF-069C-8B1B-4576B8E372BB}"/>
+              <a16:creationId xmlns="" xmlns:a16="http://schemas.microsoft.com/office/drawing/2014/main" id="{39288295-DCAF-069C-8B1B-4576B8E372BB}"/>
             </a:ext>
           </a:extLst>
         </p:cNvPr>
@@ -17892,7 +18237,7 @@
           <p:cNvPr id="7" name="Title 6">
             <a:extLst>
               <a:ext uri="{FF2B5EF4-FFF2-40B4-BE49-F238E27FC236}">
-                <a16:creationId xmlns:a16="http://schemas.microsoft.com/office/drawing/2014/main" xmlns="" id="{61F85EF1-69F5-5E4D-E911-359BF0A3DBF3}"/>
+                <a16:creationId xmlns="" xmlns:a16="http://schemas.microsoft.com/office/drawing/2014/main" id="{61F85EF1-69F5-5E4D-E911-359BF0A3DBF3}"/>
               </a:ext>
             </a:extLst>
           </p:cNvPr>
@@ -17933,7 +18278,7 @@
           <p:cNvPr id="8" name="TextBox 7">
             <a:extLst>
               <a:ext uri="{FF2B5EF4-FFF2-40B4-BE49-F238E27FC236}">
-                <a16:creationId xmlns:a16="http://schemas.microsoft.com/office/drawing/2014/main" xmlns="" id="{F8C56A79-35B0-9EBF-8FD3-C903CBFF847D}"/>
+                <a16:creationId xmlns="" xmlns:a16="http://schemas.microsoft.com/office/drawing/2014/main" id="{F8C56A79-35B0-9EBF-8FD3-C903CBFF847D}"/>
               </a:ext>
             </a:extLst>
           </p:cNvPr>
@@ -18056,7 +18401,7 @@
           <p:cNvPr id="2" name="TextBox 1">
             <a:extLst>
               <a:ext uri="{FF2B5EF4-FFF2-40B4-BE49-F238E27FC236}">
-                <a16:creationId xmlns:a16="http://schemas.microsoft.com/office/drawing/2014/main" xmlns="" id="{144EF226-6026-E052-DD93-BEC3F237B30F}"/>
+                <a16:creationId xmlns="" xmlns:a16="http://schemas.microsoft.com/office/drawing/2014/main" id="{144EF226-6026-E052-DD93-BEC3F237B30F}"/>
               </a:ext>
             </a:extLst>
           </p:cNvPr>
@@ -18179,6 +18524,85 @@
     <p:extLst>
       <p:ext uri="{BB962C8B-B14F-4D97-AF65-F5344CB8AC3E}">
         <p14:creationId xmlns:p14="http://schemas.microsoft.com/office/powerpoint/2010/main" val="131280348"/>
+      </p:ext>
+    </p:extLst>
+  </p:cSld>
+  <p:clrMapOvr>
+    <a:masterClrMapping/>
+  </p:clrMapOvr>
+</p:sld>
+</file>
+
+<file path=ppt/slides/slide30.xml><?xml version="1.0" encoding="utf-8"?>
+<p:sld xmlns:a="http://schemas.openxmlformats.org/drawingml/2006/main" xmlns:r="http://schemas.openxmlformats.org/officeDocument/2006/relationships" xmlns:p="http://schemas.openxmlformats.org/presentationml/2006/main">
+  <p:cSld>
+    <p:spTree>
+      <p:nvGrpSpPr>
+        <p:cNvPr id="1" name="">
+          <a:extLst>
+            <a:ext uri="{FF2B5EF4-FFF2-40B4-BE49-F238E27FC236}">
+              <a16:creationId xmlns="" xmlns:a16="http://schemas.microsoft.com/office/drawing/2014/main" id="{8C579E26-FA2D-1C68-DB27-3D2C268F6B28}"/>
+            </a:ext>
+          </a:extLst>
+        </p:cNvPr>
+        <p:cNvGrpSpPr/>
+        <p:nvPr/>
+      </p:nvGrpSpPr>
+      <p:grpSpPr>
+        <a:xfrm>
+          <a:off x="0" y="0"/>
+          <a:ext cx="0" cy="0"/>
+          <a:chOff x="0" y="0"/>
+          <a:chExt cx="0" cy="0"/>
+        </a:xfrm>
+      </p:grpSpPr>
+      <p:sp>
+        <p:nvSpPr>
+          <p:cNvPr id="7" name="Title 6">
+            <a:extLst>
+              <a:ext uri="{FF2B5EF4-FFF2-40B4-BE49-F238E27FC236}">
+                <a16:creationId xmlns="" xmlns:a16="http://schemas.microsoft.com/office/drawing/2014/main" id="{44A692C1-E622-D699-43E0-1ECB59404096}"/>
+              </a:ext>
+            </a:extLst>
+          </p:cNvPr>
+          <p:cNvSpPr>
+            <a:spLocks noGrp="1"/>
+          </p:cNvSpPr>
+          <p:nvPr>
+            <p:ph type="ctrTitle"/>
+          </p:nvPr>
+        </p:nvSpPr>
+        <p:spPr>
+          <a:xfrm>
+            <a:off x="2344992" y="2857500"/>
+            <a:ext cx="7502015" cy="1143000"/>
+          </a:xfrm>
+        </p:spPr>
+        <p:txBody>
+          <a:bodyPr/>
+          <a:lstStyle/>
+          <a:p>
+            <a:r>
+              <a:rPr lang="en-US" b="1" dirty="0">
+                <a:solidFill>
+                  <a:srgbClr val="FFFFFF"/>
+                </a:solidFill>
+                <a:latin typeface="Calibri Light (Headings)"/>
+                <a:ea typeface="Crimson Pro Bold"/>
+                <a:cs typeface="+mn-cs"/>
+              </a:rPr>
+              <a:t>Thank you</a:t>
+            </a:r>
+            <a:endParaRPr lang="en-US" b="1" dirty="0">
+              <a:latin typeface="Calibri Light (Headings)"/>
+            </a:endParaRPr>
+          </a:p>
+        </p:txBody>
+      </p:sp>
+    </p:spTree>
+    <p:extLst>
+      <p:ext uri="{BB962C8B-B14F-4D97-AF65-F5344CB8AC3E}">
+        <p14:creationId xmlns:p14="http://schemas.microsoft.com/office/powerpoint/2010/main" val="4044571280"/>
       </p:ext>
     </p:extLst>
   </p:cSld>
@@ -18196,7 +18620,7 @@
         <p:cNvPr id="1" name="">
           <a:extLst>
             <a:ext uri="{FF2B5EF4-FFF2-40B4-BE49-F238E27FC236}">
-              <a16:creationId xmlns:a16="http://schemas.microsoft.com/office/drawing/2014/main" xmlns="" id="{953B6214-BA54-21CA-C08F-F6E6CD6F9476}"/>
+              <a16:creationId xmlns="" xmlns:a16="http://schemas.microsoft.com/office/drawing/2014/main" id="{953B6214-BA54-21CA-C08F-F6E6CD6F9476}"/>
             </a:ext>
           </a:extLst>
         </p:cNvPr>
@@ -18216,7 +18640,7 @@
           <p:cNvPr id="7" name="Title 6">
             <a:extLst>
               <a:ext uri="{FF2B5EF4-FFF2-40B4-BE49-F238E27FC236}">
-                <a16:creationId xmlns:a16="http://schemas.microsoft.com/office/drawing/2014/main" xmlns="" id="{D1FCF065-2D37-1687-8F8E-2906BCCE04C9}"/>
+                <a16:creationId xmlns="" xmlns:a16="http://schemas.microsoft.com/office/drawing/2014/main" id="{D1FCF065-2D37-1687-8F8E-2906BCCE04C9}"/>
               </a:ext>
             </a:extLst>
           </p:cNvPr>
@@ -18256,7 +18680,7 @@
           <p:cNvPr id="8" name="TextBox 7">
             <a:extLst>
               <a:ext uri="{FF2B5EF4-FFF2-40B4-BE49-F238E27FC236}">
-                <a16:creationId xmlns:a16="http://schemas.microsoft.com/office/drawing/2014/main" xmlns="" id="{829DCAF4-0E7A-EA3D-F623-CCC0F2F22DFF}"/>
+                <a16:creationId xmlns="" xmlns:a16="http://schemas.microsoft.com/office/drawing/2014/main" id="{829DCAF4-0E7A-EA3D-F623-CCC0F2F22DFF}"/>
               </a:ext>
             </a:extLst>
           </p:cNvPr>
@@ -18395,7 +18819,7 @@
           <p:cNvPr id="3" name="TextBox 2">
             <a:extLst>
               <a:ext uri="{FF2B5EF4-FFF2-40B4-BE49-F238E27FC236}">
-                <a16:creationId xmlns:a16="http://schemas.microsoft.com/office/drawing/2014/main" xmlns="" id="{C529289A-69EA-F080-93CD-30695BDBF134}"/>
+                <a16:creationId xmlns="" xmlns:a16="http://schemas.microsoft.com/office/drawing/2014/main" id="{C529289A-69EA-F080-93CD-30695BDBF134}"/>
               </a:ext>
             </a:extLst>
           </p:cNvPr>
@@ -18497,7 +18921,7 @@
           <p:cNvPr id="6" name="TextBox 5">
             <a:extLst>
               <a:ext uri="{FF2B5EF4-FFF2-40B4-BE49-F238E27FC236}">
-                <a16:creationId xmlns:a16="http://schemas.microsoft.com/office/drawing/2014/main" xmlns="" id="{3C9745D3-7387-F090-C452-2E45D43F0971}"/>
+                <a16:creationId xmlns="" xmlns:a16="http://schemas.microsoft.com/office/drawing/2014/main" id="{3C9745D3-7387-F090-C452-2E45D43F0971}"/>
               </a:ext>
             </a:extLst>
           </p:cNvPr>
@@ -18632,7 +19056,7 @@
           <p:cNvPr id="9" name="Rectangle 8">
             <a:extLst>
               <a:ext uri="{FF2B5EF4-FFF2-40B4-BE49-F238E27FC236}">
-                <a16:creationId xmlns:a16="http://schemas.microsoft.com/office/drawing/2014/main" xmlns="" id="{3F9A327E-7B0F-6322-F8E7-5226A4116A9B}"/>
+                <a16:creationId xmlns="" xmlns:a16="http://schemas.microsoft.com/office/drawing/2014/main" id="{3F9A327E-7B0F-6322-F8E7-5226A4116A9B}"/>
               </a:ext>
             </a:extLst>
           </p:cNvPr>
@@ -18704,7 +19128,7 @@
         <p:cNvPr id="1" name="">
           <a:extLst>
             <a:ext uri="{FF2B5EF4-FFF2-40B4-BE49-F238E27FC236}">
-              <a16:creationId xmlns:a16="http://schemas.microsoft.com/office/drawing/2014/main" xmlns="" id="{00AB00F2-1ABB-46F7-FBD3-B7149DCD1A5B}"/>
+              <a16:creationId xmlns="" xmlns:a16="http://schemas.microsoft.com/office/drawing/2014/main" id="{00AB00F2-1ABB-46F7-FBD3-B7149DCD1A5B}"/>
             </a:ext>
           </a:extLst>
         </p:cNvPr>
@@ -18724,7 +19148,7 @@
           <p:cNvPr id="7" name="Title 6">
             <a:extLst>
               <a:ext uri="{FF2B5EF4-FFF2-40B4-BE49-F238E27FC236}">
-                <a16:creationId xmlns:a16="http://schemas.microsoft.com/office/drawing/2014/main" xmlns="" id="{65745319-EE7D-296C-2FFE-F56F0B6538A0}"/>
+                <a16:creationId xmlns="" xmlns:a16="http://schemas.microsoft.com/office/drawing/2014/main" id="{65745319-EE7D-296C-2FFE-F56F0B6538A0}"/>
               </a:ext>
             </a:extLst>
           </p:cNvPr>
@@ -18764,7 +19188,7 @@
           <p:cNvPr id="8" name="TextBox 7">
             <a:extLst>
               <a:ext uri="{FF2B5EF4-FFF2-40B4-BE49-F238E27FC236}">
-                <a16:creationId xmlns:a16="http://schemas.microsoft.com/office/drawing/2014/main" xmlns="" id="{6D710782-0111-EEBD-02DC-6E7ACC855995}"/>
+                <a16:creationId xmlns="" xmlns:a16="http://schemas.microsoft.com/office/drawing/2014/main" id="{6D710782-0111-EEBD-02DC-6E7ACC855995}"/>
               </a:ext>
             </a:extLst>
           </p:cNvPr>
@@ -18811,7 +19235,7 @@
           <p:cNvPr id="9" name="TextBox 8">
             <a:extLst>
               <a:ext uri="{FF2B5EF4-FFF2-40B4-BE49-F238E27FC236}">
-                <a16:creationId xmlns:a16="http://schemas.microsoft.com/office/drawing/2014/main" xmlns="" id="{AE941EAD-4479-E631-4FC0-8E1DFBDB66EF}"/>
+                <a16:creationId xmlns="" xmlns:a16="http://schemas.microsoft.com/office/drawing/2014/main" id="{AE941EAD-4479-E631-4FC0-8E1DFBDB66EF}"/>
               </a:ext>
             </a:extLst>
           </p:cNvPr>
@@ -18865,7 +19289,7 @@
           <p:cNvPr id="2" name="Rectangle 1">
             <a:extLst>
               <a:ext uri="{FF2B5EF4-FFF2-40B4-BE49-F238E27FC236}">
-                <a16:creationId xmlns:a16="http://schemas.microsoft.com/office/drawing/2014/main" xmlns="" id="{8BE59029-112F-330F-CBC2-D013521EFC34}"/>
+                <a16:creationId xmlns="" xmlns:a16="http://schemas.microsoft.com/office/drawing/2014/main" id="{8BE59029-112F-330F-CBC2-D013521EFC34}"/>
               </a:ext>
             </a:extLst>
           </p:cNvPr>
@@ -18921,7 +19345,7 @@
           <p:cNvPr id="3" name="TextBox 2">
             <a:extLst>
               <a:ext uri="{FF2B5EF4-FFF2-40B4-BE49-F238E27FC236}">
-                <a16:creationId xmlns:a16="http://schemas.microsoft.com/office/drawing/2014/main" xmlns="" id="{E5DE46A3-2E10-F599-6F94-3604A4BB1603}"/>
+                <a16:creationId xmlns="" xmlns:a16="http://schemas.microsoft.com/office/drawing/2014/main" id="{E5DE46A3-2E10-F599-6F94-3604A4BB1603}"/>
               </a:ext>
             </a:extLst>
           </p:cNvPr>
@@ -18968,7 +19392,7 @@
           <p:cNvPr id="4" name="Rectangle 3">
             <a:extLst>
               <a:ext uri="{FF2B5EF4-FFF2-40B4-BE49-F238E27FC236}">
-                <a16:creationId xmlns:a16="http://schemas.microsoft.com/office/drawing/2014/main" xmlns="" id="{09F4D9B4-F12A-0A44-0AFA-0BFA209DAD40}"/>
+                <a16:creationId xmlns="" xmlns:a16="http://schemas.microsoft.com/office/drawing/2014/main" id="{09F4D9B4-F12A-0A44-0AFA-0BFA209DAD40}"/>
               </a:ext>
             </a:extLst>
           </p:cNvPr>
@@ -19024,7 +19448,7 @@
           <p:cNvPr id="5" name="TextBox 4">
             <a:extLst>
               <a:ext uri="{FF2B5EF4-FFF2-40B4-BE49-F238E27FC236}">
-                <a16:creationId xmlns:a16="http://schemas.microsoft.com/office/drawing/2014/main" xmlns="" id="{4B8F1482-E9ED-644D-56F0-2E8E230275E4}"/>
+                <a16:creationId xmlns="" xmlns:a16="http://schemas.microsoft.com/office/drawing/2014/main" id="{4B8F1482-E9ED-644D-56F0-2E8E230275E4}"/>
               </a:ext>
             </a:extLst>
           </p:cNvPr>
@@ -19078,7 +19502,7 @@
           <p:cNvPr id="6" name="Rectangle 5">
             <a:extLst>
               <a:ext uri="{FF2B5EF4-FFF2-40B4-BE49-F238E27FC236}">
-                <a16:creationId xmlns:a16="http://schemas.microsoft.com/office/drawing/2014/main" xmlns="" id="{F36FF003-B68C-97DC-B023-B640B58811FB}"/>
+                <a16:creationId xmlns="" xmlns:a16="http://schemas.microsoft.com/office/drawing/2014/main" id="{F36FF003-B68C-97DC-B023-B640B58811FB}"/>
               </a:ext>
             </a:extLst>
           </p:cNvPr>
@@ -19142,7 +19566,7 @@
           <p:cNvPr id="10" name="TextBox 9">
             <a:extLst>
               <a:ext uri="{FF2B5EF4-FFF2-40B4-BE49-F238E27FC236}">
-                <a16:creationId xmlns:a16="http://schemas.microsoft.com/office/drawing/2014/main" xmlns="" id="{23E42A81-E323-6371-B6FE-90B77C71CF1C}"/>
+                <a16:creationId xmlns="" xmlns:a16="http://schemas.microsoft.com/office/drawing/2014/main" id="{23E42A81-E323-6371-B6FE-90B77C71CF1C}"/>
               </a:ext>
             </a:extLst>
           </p:cNvPr>
@@ -19196,7 +19620,7 @@
           <p:cNvPr id="12" name="Picture 11" descr="A white snake with blue eyes&#10;&#10;AI-generated content may be incorrect.">
             <a:extLst>
               <a:ext uri="{FF2B5EF4-FFF2-40B4-BE49-F238E27FC236}">
-                <a16:creationId xmlns:a16="http://schemas.microsoft.com/office/drawing/2014/main" xmlns="" id="{D9DE6AA5-2528-AC56-C9A1-0E28C374E6CD}"/>
+                <a16:creationId xmlns="" xmlns:a16="http://schemas.microsoft.com/office/drawing/2014/main" id="{D9DE6AA5-2528-AC56-C9A1-0E28C374E6CD}"/>
               </a:ext>
             </a:extLst>
           </p:cNvPr>
@@ -19232,7 +19656,7 @@
           <p:cNvPr id="14" name="Picture 13" descr="A black background with white text&#10;&#10;AI-generated content may be incorrect.">
             <a:extLst>
               <a:ext uri="{FF2B5EF4-FFF2-40B4-BE49-F238E27FC236}">
-                <a16:creationId xmlns:a16="http://schemas.microsoft.com/office/drawing/2014/main" xmlns="" id="{E5F34F0F-1868-BDDA-B7A2-4B9B8D5E70C7}"/>
+                <a16:creationId xmlns="" xmlns:a16="http://schemas.microsoft.com/office/drawing/2014/main" id="{E5F34F0F-1868-BDDA-B7A2-4B9B8D5E70C7}"/>
               </a:ext>
             </a:extLst>
           </p:cNvPr>
@@ -19268,7 +19692,7 @@
           <p:cNvPr id="16" name="Picture 15" descr="A black and green symbol with a checkered pattern&#10;&#10;AI-generated content may be incorrect.">
             <a:extLst>
               <a:ext uri="{FF2B5EF4-FFF2-40B4-BE49-F238E27FC236}">
-                <a16:creationId xmlns:a16="http://schemas.microsoft.com/office/drawing/2014/main" xmlns="" id="{45DD2A95-1335-EFEF-D0FB-5A8AFC7B3575}"/>
+                <a16:creationId xmlns="" xmlns:a16="http://schemas.microsoft.com/office/drawing/2014/main" id="{45DD2A95-1335-EFEF-D0FB-5A8AFC7B3575}"/>
               </a:ext>
             </a:extLst>
           </p:cNvPr>
@@ -19304,7 +19728,7 @@
           <p:cNvPr id="18" name="Picture 17" descr="A purple rectangular object with white text&#10;&#10;AI-generated content may be incorrect.">
             <a:extLst>
               <a:ext uri="{FF2B5EF4-FFF2-40B4-BE49-F238E27FC236}">
-                <a16:creationId xmlns:a16="http://schemas.microsoft.com/office/drawing/2014/main" xmlns="" id="{748AF984-AFF8-25B6-3929-06533135F867}"/>
+                <a16:creationId xmlns="" xmlns:a16="http://schemas.microsoft.com/office/drawing/2014/main" id="{748AF984-AFF8-25B6-3929-06533135F867}"/>
               </a:ext>
             </a:extLst>
           </p:cNvPr>
@@ -19340,7 +19764,7 @@
           <p:cNvPr id="20" name="Picture 19">
             <a:extLst>
               <a:ext uri="{FF2B5EF4-FFF2-40B4-BE49-F238E27FC236}">
-                <a16:creationId xmlns:a16="http://schemas.microsoft.com/office/drawing/2014/main" xmlns="" id="{995B517E-6B59-0EDF-176D-2C3A8DDD1E24}"/>
+                <a16:creationId xmlns="" xmlns:a16="http://schemas.microsoft.com/office/drawing/2014/main" id="{995B517E-6B59-0EDF-176D-2C3A8DDD1E24}"/>
               </a:ext>
             </a:extLst>
           </p:cNvPr>
@@ -19376,7 +19800,7 @@
           <p:cNvPr id="22" name="Picture 21" descr="A math equations and symbols&#10;&#10;AI-generated content may be incorrect.">
             <a:extLst>
               <a:ext uri="{FF2B5EF4-FFF2-40B4-BE49-F238E27FC236}">
-                <a16:creationId xmlns:a16="http://schemas.microsoft.com/office/drawing/2014/main" xmlns="" id="{F5515C3C-6DE4-6DC0-C477-32381037F16D}"/>
+                <a16:creationId xmlns="" xmlns:a16="http://schemas.microsoft.com/office/drawing/2014/main" id="{F5515C3C-6DE4-6DC0-C477-32381037F16D}"/>
               </a:ext>
             </a:extLst>
           </p:cNvPr>
@@ -19428,7 +19852,7 @@
         <p:cNvPr id="1" name="">
           <a:extLst>
             <a:ext uri="{FF2B5EF4-FFF2-40B4-BE49-F238E27FC236}">
-              <a16:creationId xmlns:a16="http://schemas.microsoft.com/office/drawing/2014/main" xmlns="" id="{DBE5E39A-F5D5-D29E-5B7F-DCFE051AAE1B}"/>
+              <a16:creationId xmlns="" xmlns:a16="http://schemas.microsoft.com/office/drawing/2014/main" id="{DBE5E39A-F5D5-D29E-5B7F-DCFE051AAE1B}"/>
             </a:ext>
           </a:extLst>
         </p:cNvPr>
@@ -19448,7 +19872,7 @@
           <p:cNvPr id="7" name="Title 6">
             <a:extLst>
               <a:ext uri="{FF2B5EF4-FFF2-40B4-BE49-F238E27FC236}">
-                <a16:creationId xmlns:a16="http://schemas.microsoft.com/office/drawing/2014/main" xmlns="" id="{B4656742-F44E-DEB8-0DE2-46FE8A3B4872}"/>
+                <a16:creationId xmlns="" xmlns:a16="http://schemas.microsoft.com/office/drawing/2014/main" id="{B4656742-F44E-DEB8-0DE2-46FE8A3B4872}"/>
               </a:ext>
             </a:extLst>
           </p:cNvPr>
@@ -19490,7 +19914,7 @@
           <p:cNvPr id="24" name="Text 1">
             <a:extLst>
               <a:ext uri="{FF2B5EF4-FFF2-40B4-BE49-F238E27FC236}">
-                <a16:creationId xmlns:a16="http://schemas.microsoft.com/office/drawing/2014/main" xmlns="" id="{472BFC16-825E-73E4-9596-F2CA527F48EA}"/>
+                <a16:creationId xmlns="" xmlns:a16="http://schemas.microsoft.com/office/drawing/2014/main" id="{472BFC16-825E-73E4-9596-F2CA527F48EA}"/>
               </a:ext>
             </a:extLst>
           </p:cNvPr>
@@ -19637,7 +20061,7 @@
           <p:cNvPr id="25" name="Text 2">
             <a:extLst>
               <a:ext uri="{FF2B5EF4-FFF2-40B4-BE49-F238E27FC236}">
-                <a16:creationId xmlns:a16="http://schemas.microsoft.com/office/drawing/2014/main" xmlns="" id="{0ED9AA18-9EE7-D709-C4C3-818089404EA4}"/>
+                <a16:creationId xmlns="" xmlns:a16="http://schemas.microsoft.com/office/drawing/2014/main" id="{0ED9AA18-9EE7-D709-C4C3-818089404EA4}"/>
               </a:ext>
             </a:extLst>
           </p:cNvPr>
@@ -19784,7 +20208,7 @@
           <p:cNvPr id="26" name="Image 1">
             <a:extLst>
               <a:ext uri="{FF2B5EF4-FFF2-40B4-BE49-F238E27FC236}">
-                <a16:creationId xmlns:a16="http://schemas.microsoft.com/office/drawing/2014/main" xmlns="" id="{3AA18FAE-20E6-DD3E-8389-A3A3C5E5F02F}"/>
+                <a16:creationId xmlns="" xmlns:a16="http://schemas.microsoft.com/office/drawing/2014/main" id="{3AA18FAE-20E6-DD3E-8389-A3A3C5E5F02F}"/>
               </a:ext>
             </a:extLst>
           </p:cNvPr>
@@ -19814,7 +20238,7 @@
           <p:cNvPr id="27" name="Image 3">
             <a:extLst>
               <a:ext uri="{FF2B5EF4-FFF2-40B4-BE49-F238E27FC236}">
-                <a16:creationId xmlns:a16="http://schemas.microsoft.com/office/drawing/2014/main" xmlns="" id="{0C8D0B1D-8793-388D-0ADB-907B849DA21A}"/>
+                <a16:creationId xmlns="" xmlns:a16="http://schemas.microsoft.com/office/drawing/2014/main" id="{0C8D0B1D-8793-388D-0ADB-907B849DA21A}"/>
               </a:ext>
             </a:extLst>
           </p:cNvPr>
@@ -19850,7 +20274,7 @@
           <p:cNvPr id="28" name="Text 5">
             <a:extLst>
               <a:ext uri="{FF2B5EF4-FFF2-40B4-BE49-F238E27FC236}">
-                <a16:creationId xmlns:a16="http://schemas.microsoft.com/office/drawing/2014/main" xmlns="" id="{6FEBA9B4-92F8-1783-D199-984E9BD35FE4}"/>
+                <a16:creationId xmlns="" xmlns:a16="http://schemas.microsoft.com/office/drawing/2014/main" id="{6FEBA9B4-92F8-1783-D199-984E9BD35FE4}"/>
               </a:ext>
             </a:extLst>
           </p:cNvPr>
@@ -19997,7 +20421,7 @@
           <p:cNvPr id="29" name="Text 6">
             <a:extLst>
               <a:ext uri="{FF2B5EF4-FFF2-40B4-BE49-F238E27FC236}">
-                <a16:creationId xmlns:a16="http://schemas.microsoft.com/office/drawing/2014/main" xmlns="" id="{A01B7A0E-C486-C1C0-401D-9E6A0598F71F}"/>
+                <a16:creationId xmlns="" xmlns:a16="http://schemas.microsoft.com/office/drawing/2014/main" id="{A01B7A0E-C486-C1C0-401D-9E6A0598F71F}"/>
               </a:ext>
             </a:extLst>
           </p:cNvPr>
@@ -20144,7 +20568,7 @@
           <p:cNvPr id="30" name="Image 2">
             <a:extLst>
               <a:ext uri="{FF2B5EF4-FFF2-40B4-BE49-F238E27FC236}">
-                <a16:creationId xmlns:a16="http://schemas.microsoft.com/office/drawing/2014/main" xmlns="" id="{4699EAB3-B451-FA65-3003-7F72825EBD8F}"/>
+                <a16:creationId xmlns="" xmlns:a16="http://schemas.microsoft.com/office/drawing/2014/main" id="{4699EAB3-B451-FA65-3003-7F72825EBD8F}"/>
               </a:ext>
             </a:extLst>
           </p:cNvPr>
@@ -20174,7 +20598,7 @@
           <p:cNvPr id="31" name="Text 3">
             <a:extLst>
               <a:ext uri="{FF2B5EF4-FFF2-40B4-BE49-F238E27FC236}">
-                <a16:creationId xmlns:a16="http://schemas.microsoft.com/office/drawing/2014/main" xmlns="" id="{3317EA26-C890-3AA8-57C6-07F0D9D86A26}"/>
+                <a16:creationId xmlns="" xmlns:a16="http://schemas.microsoft.com/office/drawing/2014/main" id="{3317EA26-C890-3AA8-57C6-07F0D9D86A26}"/>
               </a:ext>
             </a:extLst>
           </p:cNvPr>
@@ -20321,7 +20745,7 @@
           <p:cNvPr id="32" name="Text 4">
             <a:extLst>
               <a:ext uri="{FF2B5EF4-FFF2-40B4-BE49-F238E27FC236}">
-                <a16:creationId xmlns:a16="http://schemas.microsoft.com/office/drawing/2014/main" xmlns="" id="{2F075863-C6D6-3DCA-EAB9-909D73EE40B1}"/>
+                <a16:creationId xmlns="" xmlns:a16="http://schemas.microsoft.com/office/drawing/2014/main" id="{2F075863-C6D6-3DCA-EAB9-909D73EE40B1}"/>
               </a:ext>
             </a:extLst>
           </p:cNvPr>
@@ -20484,7 +20908,7 @@
         <p:cNvPr id="1" name="">
           <a:extLst>
             <a:ext uri="{FF2B5EF4-FFF2-40B4-BE49-F238E27FC236}">
-              <a16:creationId xmlns:a16="http://schemas.microsoft.com/office/drawing/2014/main" xmlns="" id="{7B580C78-F914-AF3B-B3F8-86674699E7E9}"/>
+              <a16:creationId xmlns="" xmlns:a16="http://schemas.microsoft.com/office/drawing/2014/main" id="{7B580C78-F914-AF3B-B3F8-86674699E7E9}"/>
             </a:ext>
           </a:extLst>
         </p:cNvPr>
@@ -20504,7 +20928,7 @@
           <p:cNvPr id="7" name="Title 6">
             <a:extLst>
               <a:ext uri="{FF2B5EF4-FFF2-40B4-BE49-F238E27FC236}">
-                <a16:creationId xmlns:a16="http://schemas.microsoft.com/office/drawing/2014/main" xmlns="" id="{6C658EAB-7DAF-BE2F-A84A-38A3402BEF3F}"/>
+                <a16:creationId xmlns="" xmlns:a16="http://schemas.microsoft.com/office/drawing/2014/main" id="{6C658EAB-7DAF-BE2F-A84A-38A3402BEF3F}"/>
               </a:ext>
             </a:extLst>
           </p:cNvPr>
@@ -20560,7 +20984,7 @@
           <p:cNvPr id="9" name="Picture 8" descr="A black background with white text&#10;&#10;AI-generated content may be incorrect.">
             <a:extLst>
               <a:ext uri="{FF2B5EF4-FFF2-40B4-BE49-F238E27FC236}">
-                <a16:creationId xmlns:a16="http://schemas.microsoft.com/office/drawing/2014/main" xmlns="" id="{C4E41495-4A51-AEA7-884E-CAA49182C5C7}"/>
+                <a16:creationId xmlns="" xmlns:a16="http://schemas.microsoft.com/office/drawing/2014/main" id="{C4E41495-4A51-AEA7-884E-CAA49182C5C7}"/>
               </a:ext>
             </a:extLst>
           </p:cNvPr>
@@ -20683,7 +21107,7 @@
         <p:cNvPr id="1" name="">
           <a:extLst>
             <a:ext uri="{FF2B5EF4-FFF2-40B4-BE49-F238E27FC236}">
-              <a16:creationId xmlns:a16="http://schemas.microsoft.com/office/drawing/2014/main" xmlns="" id="{7B580C78-F914-AF3B-B3F8-86674699E7E9}"/>
+              <a16:creationId xmlns="" xmlns:a16="http://schemas.microsoft.com/office/drawing/2014/main" id="{7B580C78-F914-AF3B-B3F8-86674699E7E9}"/>
             </a:ext>
           </a:extLst>
         </p:cNvPr>
@@ -20703,7 +21127,7 @@
           <p:cNvPr id="7" name="Title 6">
             <a:extLst>
               <a:ext uri="{FF2B5EF4-FFF2-40B4-BE49-F238E27FC236}">
-                <a16:creationId xmlns:a16="http://schemas.microsoft.com/office/drawing/2014/main" xmlns="" id="{6C658EAB-7DAF-BE2F-A84A-38A3402BEF3F}"/>
+                <a16:creationId xmlns="" xmlns:a16="http://schemas.microsoft.com/office/drawing/2014/main" id="{6C658EAB-7DAF-BE2F-A84A-38A3402BEF3F}"/>
               </a:ext>
             </a:extLst>
           </p:cNvPr>
@@ -21052,7 +21476,7 @@
         <p:cNvPr id="1" name="">
           <a:extLst>
             <a:ext uri="{FF2B5EF4-FFF2-40B4-BE49-F238E27FC236}">
-              <a16:creationId xmlns:a16="http://schemas.microsoft.com/office/drawing/2014/main" xmlns="" id="{FDF6AF63-1DBE-D11B-6DC9-B3687284A56C}"/>
+              <a16:creationId xmlns="" xmlns:a16="http://schemas.microsoft.com/office/drawing/2014/main" id="{FDF6AF63-1DBE-D11B-6DC9-B3687284A56C}"/>
             </a:ext>
           </a:extLst>
         </p:cNvPr>
@@ -21072,7 +21496,7 @@
           <p:cNvPr id="7" name="Title 6">
             <a:extLst>
               <a:ext uri="{FF2B5EF4-FFF2-40B4-BE49-F238E27FC236}">
-                <a16:creationId xmlns:a16="http://schemas.microsoft.com/office/drawing/2014/main" xmlns="" id="{C8FF4F10-97E7-7357-3F36-228622417091}"/>
+                <a16:creationId xmlns="" xmlns:a16="http://schemas.microsoft.com/office/drawing/2014/main" id="{C8FF4F10-97E7-7357-3F36-228622417091}"/>
               </a:ext>
             </a:extLst>
           </p:cNvPr>
@@ -21579,7 +22003,7 @@
   <a:extraClrSchemeLst/>
   <a:extLst>
     <a:ext uri="{05A4C25C-085E-4340-85A3-A5531E510DB2}">
-      <thm15:themeFamily xmlns:thm15="http://schemas.microsoft.com/office/thememl/2012/main" xmlns="" name="TM55661986_wac_CP_V19" id="{030227AD-26D8-46F7-B412-6532AF4DDFEA}" vid="{787E6F9C-FC70-455D-8D81-5DEDA8A08FF0}"/>
+      <thm15:themeFamily xmlns="" xmlns:thm15="http://schemas.microsoft.com/office/thememl/2012/main" name="TM55661986_wac_CP_V19" id="{030227AD-26D8-46F7-B412-6532AF4DDFEA}" vid="{787E6F9C-FC70-455D-8D81-5DEDA8A08FF0}"/>
     </a:ext>
   </a:extLst>
 </a:theme>
@@ -21874,7 +22298,7 @@
   <a:extraClrSchemeLst/>
   <a:extLst>
     <a:ext uri="{05A4C25C-085E-4340-85A3-A5531E510DB2}">
-      <thm15:themeFamily xmlns:thm15="http://schemas.microsoft.com/office/thememl/2012/main" xmlns="" name="Office Theme" id="{62F939B6-93AF-4DB8-9C6B-D6C7DFDC589F}" vid="{4A3C46E8-61CC-4603-A589-7422A47A8E4A}"/>
+      <thm15:themeFamily xmlns="" xmlns:thm15="http://schemas.microsoft.com/office/thememl/2012/main" name="Office Theme" id="{62F939B6-93AF-4DB8-9C6B-D6C7DFDC589F}" vid="{4A3C46E8-61CC-4603-A589-7422A47A8E4A}"/>
     </a:ext>
   </a:extLst>
 </a:theme>
@@ -22189,33 +22613,13 @@
   <a:extraClrSchemeLst/>
   <a:extLst>
     <a:ext uri="{05A4C25C-085E-4340-85A3-A5531E510DB2}">
-      <thm15:themeFamily xmlns:thm15="http://schemas.microsoft.com/office/thememl/2012/main" xmlns="" name="Office Theme" id="{2E142A2C-CD16-42D6-873A-C26D2A0506FA}" vid="{1BDDFF52-6CD6-40A5-AB3C-68EB2F1E4D0A}"/>
+      <thm15:themeFamily xmlns="" xmlns:thm15="http://schemas.microsoft.com/office/thememl/2012/main" name="Office Theme" id="{2E142A2C-CD16-42D6-873A-C26D2A0506FA}" vid="{1BDDFF52-6CD6-40A5-AB3C-68EB2F1E4D0A}"/>
     </a:ext>
   </a:extLst>
 </a:theme>
 </file>
 
 <file path=customXml/item1.xml><?xml version="1.0" encoding="utf-8"?>
-<p:properties xmlns:p="http://schemas.microsoft.com/office/2006/metadata/properties" xmlns:xsi="http://www.w3.org/2001/XMLSchema-instance" xmlns:pc="http://schemas.microsoft.com/office/infopath/2007/PartnerControls">
-  <documentManagement>
-    <_ip_UnifiedCompliancePolicyUIAction xmlns="http://schemas.microsoft.com/sharepoint/v3" xsi:nil="true"/>
-    <Image xmlns="71af3243-3dd4-4a8d-8c0d-dd76da1f02a5">
-      <Url xsi:nil="true"/>
-      <Description xsi:nil="true"/>
-    </Image>
-    <Status xmlns="71af3243-3dd4-4a8d-8c0d-dd76da1f02a5">Not started</Status>
-    <Background xmlns="71af3243-3dd4-4a8d-8c0d-dd76da1f02a5">false</Background>
-    <_ip_UnifiedCompliancePolicyProperties xmlns="http://schemas.microsoft.com/sharepoint/v3" xsi:nil="true"/>
-    <ImageTagsTaxHTField xmlns="71af3243-3dd4-4a8d-8c0d-dd76da1f02a5">
-      <Terms xmlns="http://schemas.microsoft.com/office/infopath/2007/PartnerControls"/>
-    </ImageTagsTaxHTField>
-    <TaxCatchAll xmlns="230e9df3-be65-4c73-a93b-d1236ebd677e" xsi:nil="true"/>
-    <MediaServiceKeyPoints xmlns="71af3243-3dd4-4a8d-8c0d-dd76da1f02a5" xsi:nil="true"/>
-  </documentManagement>
-</p:properties>
-</file>
-
-<file path=customXml/item2.xml><?xml version="1.0" encoding="utf-8"?>
 <ct:contentTypeSchema xmlns:ct="http://schemas.microsoft.com/office/2006/metadata/contentType" xmlns:ma="http://schemas.microsoft.com/office/2006/metadata/properties/metaAttributes" ct:_="" ma:_="" ma:contentTypeName="Document" ma:contentTypeID="0x01010079F111ED35F8CC479449609E8A0923A6" ma:contentTypeVersion="28" ma:contentTypeDescription="Create a new document." ma:contentTypeScope="" ma:versionID="60f5a4f2d2b0abadcf532d48ebf9cb71">
   <xsd:schema xmlns:xsd="http://www.w3.org/2001/XMLSchema" xmlns:xs="http://www.w3.org/2001/XMLSchema" xmlns:p="http://schemas.microsoft.com/office/2006/metadata/properties" xmlns:ns1="http://schemas.microsoft.com/sharepoint/v3" xmlns:ns2="71af3243-3dd4-4a8d-8c0d-dd76da1f02a5" xmlns:ns3="16c05727-aa75-4e4a-9b5f-8a80a1165891" xmlns:ns4="230e9df3-be65-4c73-a93b-d1236ebd677e" targetNamespace="http://schemas.microsoft.com/office/2006/metadata/properties" ma:root="true" ma:fieldsID="7dd78129e6a1811f84807ad11c651531" ns1:_="" ns2:_="" ns3:_="" ns4:_="">
     <xsd:import namespace="http://schemas.microsoft.com/sharepoint/v3"/>
@@ -22527,6 +22931,26 @@
 </ct:contentTypeSchema>
 </file>
 
+<file path=customXml/item2.xml><?xml version="1.0" encoding="utf-8"?>
+<p:properties xmlns:p="http://schemas.microsoft.com/office/2006/metadata/properties" xmlns:xsi="http://www.w3.org/2001/XMLSchema-instance" xmlns:pc="http://schemas.microsoft.com/office/infopath/2007/PartnerControls">
+  <documentManagement>
+    <_ip_UnifiedCompliancePolicyUIAction xmlns="http://schemas.microsoft.com/sharepoint/v3" xsi:nil="true"/>
+    <Image xmlns="71af3243-3dd4-4a8d-8c0d-dd76da1f02a5">
+      <Url xsi:nil="true"/>
+      <Description xsi:nil="true"/>
+    </Image>
+    <Status xmlns="71af3243-3dd4-4a8d-8c0d-dd76da1f02a5">Not started</Status>
+    <Background xmlns="71af3243-3dd4-4a8d-8c0d-dd76da1f02a5">false</Background>
+    <_ip_UnifiedCompliancePolicyProperties xmlns="http://schemas.microsoft.com/sharepoint/v3" xsi:nil="true"/>
+    <ImageTagsTaxHTField xmlns="71af3243-3dd4-4a8d-8c0d-dd76da1f02a5">
+      <Terms xmlns="http://schemas.microsoft.com/office/infopath/2007/PartnerControls"/>
+    </ImageTagsTaxHTField>
+    <TaxCatchAll xmlns="230e9df3-be65-4c73-a93b-d1236ebd677e" xsi:nil="true"/>
+    <MediaServiceKeyPoints xmlns="71af3243-3dd4-4a8d-8c0d-dd76da1f02a5" xsi:nil="true"/>
+  </documentManagement>
+</p:properties>
+</file>
+
 <file path=customXml/item3.xml><?xml version="1.0" encoding="utf-8"?>
 <?mso-contentType ?>
 <FormTemplates xmlns="http://schemas.microsoft.com/sharepoint/v3/contenttype/forms">
@@ -22537,25 +22961,6 @@
 </file>
 
 <file path=customXml/itemProps1.xml><?xml version="1.0" encoding="utf-8"?>
-<ds:datastoreItem xmlns:ds="http://schemas.openxmlformats.org/officeDocument/2006/customXml" ds:itemID="{85C2645A-E767-4D7E-984D-234E531E4556}">
-  <ds:schemaRefs>
-    <ds:schemaRef ds:uri="230e9df3-be65-4c73-a93b-d1236ebd677e"/>
-    <ds:schemaRef ds:uri="http://schemas.microsoft.com/office/2006/documentManagement/types"/>
-    <ds:schemaRef ds:uri="http://purl.org/dc/terms/"/>
-    <ds:schemaRef ds:uri="http://purl.org/dc/elements/1.1/"/>
-    <ds:schemaRef ds:uri="http://schemas.openxmlformats.org/package/2006/metadata/core-properties"/>
-    <ds:schemaRef ds:uri="71af3243-3dd4-4a8d-8c0d-dd76da1f02a5"/>
-    <ds:schemaRef ds:uri="http://www.w3.org/XML/1998/namespace"/>
-    <ds:schemaRef ds:uri="http://purl.org/dc/dcmitype/"/>
-    <ds:schemaRef ds:uri="http://schemas.microsoft.com/office/infopath/2007/PartnerControls"/>
-    <ds:schemaRef ds:uri="16c05727-aa75-4e4a-9b5f-8a80a1165891"/>
-    <ds:schemaRef ds:uri="http://schemas.microsoft.com/sharepoint/v3"/>
-    <ds:schemaRef ds:uri="http://schemas.microsoft.com/office/2006/metadata/properties"/>
-  </ds:schemaRefs>
-</ds:datastoreItem>
-</file>
-
-<file path=customXml/itemProps2.xml><?xml version="1.0" encoding="utf-8"?>
 <ds:datastoreItem xmlns:ds="http://schemas.openxmlformats.org/officeDocument/2006/customXml" ds:itemID="{5F2A2379-DD35-4769-BFD6-4857D72F808A}">
   <ds:schemaRefs>
     <ds:schemaRef ds:uri="http://schemas.microsoft.com/office/2006/metadata/contentType"/>
@@ -22576,6 +22981,25 @@
 </ds:datastoreItem>
 </file>
 
+<file path=customXml/itemProps2.xml><?xml version="1.0" encoding="utf-8"?>
+<ds:datastoreItem xmlns:ds="http://schemas.openxmlformats.org/officeDocument/2006/customXml" ds:itemID="{85C2645A-E767-4D7E-984D-234E531E4556}">
+  <ds:schemaRefs>
+    <ds:schemaRef ds:uri="230e9df3-be65-4c73-a93b-d1236ebd677e"/>
+    <ds:schemaRef ds:uri="http://schemas.microsoft.com/office/2006/documentManagement/types"/>
+    <ds:schemaRef ds:uri="http://purl.org/dc/terms/"/>
+    <ds:schemaRef ds:uri="http://purl.org/dc/elements/1.1/"/>
+    <ds:schemaRef ds:uri="http://schemas.openxmlformats.org/package/2006/metadata/core-properties"/>
+    <ds:schemaRef ds:uri="71af3243-3dd4-4a8d-8c0d-dd76da1f02a5"/>
+    <ds:schemaRef ds:uri="http://www.w3.org/XML/1998/namespace"/>
+    <ds:schemaRef ds:uri="http://purl.org/dc/dcmitype/"/>
+    <ds:schemaRef ds:uri="http://schemas.microsoft.com/office/infopath/2007/PartnerControls"/>
+    <ds:schemaRef ds:uri="16c05727-aa75-4e4a-9b5f-8a80a1165891"/>
+    <ds:schemaRef ds:uri="http://schemas.microsoft.com/sharepoint/v3"/>
+    <ds:schemaRef ds:uri="http://schemas.microsoft.com/office/2006/metadata/properties"/>
+  </ds:schemaRefs>
+</ds:datastoreItem>
+</file>
+
 <file path=customXml/itemProps3.xml><?xml version="1.0" encoding="utf-8"?>
 <ds:datastoreItem xmlns:ds="http://schemas.openxmlformats.org/officeDocument/2006/customXml" ds:itemID="{0F048343-1EA9-44C3-883E-652FAAF0713E}">
   <ds:schemaRefs>

--- a/ai_compression_project.pptx
+++ b/ai_compression_project.pptx
@@ -5,10 +5,10 @@
     <p:sldMasterId id="2147483648" r:id="rId4"/>
   </p:sldMasterIdLst>
   <p:notesMasterIdLst>
-    <p:notesMasterId r:id="rId35"/>
+    <p:notesMasterId r:id="rId39"/>
   </p:notesMasterIdLst>
   <p:handoutMasterIdLst>
-    <p:handoutMasterId r:id="rId36"/>
+    <p:handoutMasterId r:id="rId40"/>
   </p:handoutMasterIdLst>
   <p:sldIdLst>
     <p:sldId id="281" r:id="rId5"/>
@@ -40,7 +40,11 @@
     <p:sldId id="313" r:id="rId31"/>
     <p:sldId id="314" r:id="rId32"/>
     <p:sldId id="315" r:id="rId33"/>
-    <p:sldId id="291" r:id="rId34"/>
+    <p:sldId id="316" r:id="rId34"/>
+    <p:sldId id="317" r:id="rId35"/>
+    <p:sldId id="318" r:id="rId36"/>
+    <p:sldId id="319" r:id="rId37"/>
+    <p:sldId id="291" r:id="rId38"/>
   </p:sldIdLst>
   <p:sldSz cx="12192000" cy="6858000"/>
   <p:notesSz cx="6858000" cy="9144000"/>
@@ -141,10 +145,10 @@
   </p:defaultTextStyle>
   <p:extLst>
     <p:ext uri="{EFAFB233-063F-42B5-8137-9DF3F51BA10A}">
-      <p15:sldGuideLst xmlns="" xmlns:p15="http://schemas.microsoft.com/office/powerpoint/2012/main"/>
+      <p15:sldGuideLst xmlns:p15="http://schemas.microsoft.com/office/powerpoint/2012/main" xmlns=""/>
     </p:ext>
     <p:ext uri="{2D200454-40CA-4A62-9FC3-DE9A4176ACB9}">
-      <p15:notesGuideLst xmlns="" xmlns:p15="http://schemas.microsoft.com/office/powerpoint/2012/main"/>
+      <p15:notesGuideLst xmlns:p15="http://schemas.microsoft.com/office/powerpoint/2012/main" xmlns=""/>
     </p:ext>
   </p:extLst>
 </p:presentation>
@@ -183,7 +187,7 @@
           <p:cNvPr id="2" name="Header Placeholder 1">
             <a:extLst>
               <a:ext uri="{FF2B5EF4-FFF2-40B4-BE49-F238E27FC236}">
-                <a16:creationId xmlns="" xmlns:a16="http://schemas.microsoft.com/office/drawing/2014/main" id="{3976AB79-C677-3DB7-78CF-9305D5861483}"/>
+                <a16:creationId xmlns:a16="http://schemas.microsoft.com/office/drawing/2014/main" xmlns="" id="{3976AB79-C677-3DB7-78CF-9305D5861483}"/>
               </a:ext>
             </a:extLst>
           </p:cNvPr>
@@ -220,7 +224,7 @@
           <p:cNvPr id="3" name="Date Placeholder 2">
             <a:extLst>
               <a:ext uri="{FF2B5EF4-FFF2-40B4-BE49-F238E27FC236}">
-                <a16:creationId xmlns="" xmlns:a16="http://schemas.microsoft.com/office/drawing/2014/main" id="{113AB137-CEA6-0244-F12B-1ECC21172D00}"/>
+                <a16:creationId xmlns:a16="http://schemas.microsoft.com/office/drawing/2014/main" xmlns="" id="{113AB137-CEA6-0244-F12B-1ECC21172D00}"/>
               </a:ext>
             </a:extLst>
           </p:cNvPr>
@@ -261,7 +265,7 @@
           <p:cNvPr id="4" name="Footer Placeholder 3">
             <a:extLst>
               <a:ext uri="{FF2B5EF4-FFF2-40B4-BE49-F238E27FC236}">
-                <a16:creationId xmlns="" xmlns:a16="http://schemas.microsoft.com/office/drawing/2014/main" id="{0868EC96-C6CC-F2AF-D90F-143F4D20A07A}"/>
+                <a16:creationId xmlns:a16="http://schemas.microsoft.com/office/drawing/2014/main" xmlns="" id="{0868EC96-C6CC-F2AF-D90F-143F4D20A07A}"/>
               </a:ext>
             </a:extLst>
           </p:cNvPr>
@@ -298,7 +302,7 @@
           <p:cNvPr id="5" name="Slide Number Placeholder 4">
             <a:extLst>
               <a:ext uri="{FF2B5EF4-FFF2-40B4-BE49-F238E27FC236}">
-                <a16:creationId xmlns="" xmlns:a16="http://schemas.microsoft.com/office/drawing/2014/main" id="{94F8EC8D-EF88-0275-F75C-A789924433BA}"/>
+                <a16:creationId xmlns:a16="http://schemas.microsoft.com/office/drawing/2014/main" xmlns="" id="{94F8EC8D-EF88-0275-F75C-A789924433BA}"/>
               </a:ext>
             </a:extLst>
           </p:cNvPr>
@@ -786,7 +790,7 @@
         <p:cNvPr id="1" name="">
           <a:extLst>
             <a:ext uri="{FF2B5EF4-FFF2-40B4-BE49-F238E27FC236}">
-              <a16:creationId xmlns="" xmlns:a16="http://schemas.microsoft.com/office/drawing/2014/main" id="{84847B3D-F9FE-E845-0A9E-7B3E4737F607}"/>
+              <a16:creationId xmlns:a16="http://schemas.microsoft.com/office/drawing/2014/main" xmlns="" id="{84847B3D-F9FE-E845-0A9E-7B3E4737F607}"/>
             </a:ext>
           </a:extLst>
         </p:cNvPr>
@@ -806,7 +810,7 @@
           <p:cNvPr id="2" name="Slide Image Placeholder 1">
             <a:extLst>
               <a:ext uri="{FF2B5EF4-FFF2-40B4-BE49-F238E27FC236}">
-                <a16:creationId xmlns="" xmlns:a16="http://schemas.microsoft.com/office/drawing/2014/main" id="{A65C55DC-40F4-B8B2-A44F-CEE7EA9104C1}"/>
+                <a16:creationId xmlns:a16="http://schemas.microsoft.com/office/drawing/2014/main" xmlns="" id="{A65C55DC-40F4-B8B2-A44F-CEE7EA9104C1}"/>
               </a:ext>
             </a:extLst>
           </p:cNvPr>
@@ -824,7 +828,7 @@
           <p:cNvPr id="3" name="Notes Placeholder 2">
             <a:extLst>
               <a:ext uri="{FF2B5EF4-FFF2-40B4-BE49-F238E27FC236}">
-                <a16:creationId xmlns="" xmlns:a16="http://schemas.microsoft.com/office/drawing/2014/main" id="{AFAEFE12-CFF9-2E00-9808-098A1D824723}"/>
+                <a16:creationId xmlns:a16="http://schemas.microsoft.com/office/drawing/2014/main" xmlns="" id="{AFAEFE12-CFF9-2E00-9808-098A1D824723}"/>
               </a:ext>
             </a:extLst>
           </p:cNvPr>
@@ -849,7 +853,7 @@
           <p:cNvPr id="4" name="Slide Number Placeholder 3">
             <a:extLst>
               <a:ext uri="{FF2B5EF4-FFF2-40B4-BE49-F238E27FC236}">
-                <a16:creationId xmlns="" xmlns:a16="http://schemas.microsoft.com/office/drawing/2014/main" id="{85084F94-5BAE-E3B2-298D-1E3D1D48D1F6}"/>
+                <a16:creationId xmlns:a16="http://schemas.microsoft.com/office/drawing/2014/main" xmlns="" id="{85084F94-5BAE-E3B2-298D-1E3D1D48D1F6}"/>
               </a:ext>
             </a:extLst>
           </p:cNvPr>
@@ -894,7 +898,7 @@
         <p:cNvPr id="1" name="">
           <a:extLst>
             <a:ext uri="{FF2B5EF4-FFF2-40B4-BE49-F238E27FC236}">
-              <a16:creationId xmlns="" xmlns:a16="http://schemas.microsoft.com/office/drawing/2014/main" id="{84847B3D-F9FE-E845-0A9E-7B3E4737F607}"/>
+              <a16:creationId xmlns:a16="http://schemas.microsoft.com/office/drawing/2014/main" xmlns="" id="{84847B3D-F9FE-E845-0A9E-7B3E4737F607}"/>
             </a:ext>
           </a:extLst>
         </p:cNvPr>
@@ -914,7 +918,7 @@
           <p:cNvPr id="2" name="Slide Image Placeholder 1">
             <a:extLst>
               <a:ext uri="{FF2B5EF4-FFF2-40B4-BE49-F238E27FC236}">
-                <a16:creationId xmlns="" xmlns:a16="http://schemas.microsoft.com/office/drawing/2014/main" id="{A65C55DC-40F4-B8B2-A44F-CEE7EA9104C1}"/>
+                <a16:creationId xmlns:a16="http://schemas.microsoft.com/office/drawing/2014/main" xmlns="" id="{A65C55DC-40F4-B8B2-A44F-CEE7EA9104C1}"/>
               </a:ext>
             </a:extLst>
           </p:cNvPr>
@@ -932,7 +936,7 @@
           <p:cNvPr id="3" name="Notes Placeholder 2">
             <a:extLst>
               <a:ext uri="{FF2B5EF4-FFF2-40B4-BE49-F238E27FC236}">
-                <a16:creationId xmlns="" xmlns:a16="http://schemas.microsoft.com/office/drawing/2014/main" id="{AFAEFE12-CFF9-2E00-9808-098A1D824723}"/>
+                <a16:creationId xmlns:a16="http://schemas.microsoft.com/office/drawing/2014/main" xmlns="" id="{AFAEFE12-CFF9-2E00-9808-098A1D824723}"/>
               </a:ext>
             </a:extLst>
           </p:cNvPr>
@@ -957,7 +961,7 @@
           <p:cNvPr id="4" name="Slide Number Placeholder 3">
             <a:extLst>
               <a:ext uri="{FF2B5EF4-FFF2-40B4-BE49-F238E27FC236}">
-                <a16:creationId xmlns="" xmlns:a16="http://schemas.microsoft.com/office/drawing/2014/main" id="{85084F94-5BAE-E3B2-298D-1E3D1D48D1F6}"/>
+                <a16:creationId xmlns:a16="http://schemas.microsoft.com/office/drawing/2014/main" xmlns="" id="{85084F94-5BAE-E3B2-298D-1E3D1D48D1F6}"/>
               </a:ext>
             </a:extLst>
           </p:cNvPr>
@@ -1002,7 +1006,7 @@
         <p:cNvPr id="1" name="">
           <a:extLst>
             <a:ext uri="{FF2B5EF4-FFF2-40B4-BE49-F238E27FC236}">
-              <a16:creationId xmlns="" xmlns:a16="http://schemas.microsoft.com/office/drawing/2014/main" id="{84847B3D-F9FE-E845-0A9E-7B3E4737F607}"/>
+              <a16:creationId xmlns:a16="http://schemas.microsoft.com/office/drawing/2014/main" xmlns="" id="{84847B3D-F9FE-E845-0A9E-7B3E4737F607}"/>
             </a:ext>
           </a:extLst>
         </p:cNvPr>
@@ -1022,7 +1026,7 @@
           <p:cNvPr id="2" name="Slide Image Placeholder 1">
             <a:extLst>
               <a:ext uri="{FF2B5EF4-FFF2-40B4-BE49-F238E27FC236}">
-                <a16:creationId xmlns="" xmlns:a16="http://schemas.microsoft.com/office/drawing/2014/main" id="{A65C55DC-40F4-B8B2-A44F-CEE7EA9104C1}"/>
+                <a16:creationId xmlns:a16="http://schemas.microsoft.com/office/drawing/2014/main" xmlns="" id="{A65C55DC-40F4-B8B2-A44F-CEE7EA9104C1}"/>
               </a:ext>
             </a:extLst>
           </p:cNvPr>
@@ -1040,7 +1044,7 @@
           <p:cNvPr id="3" name="Notes Placeholder 2">
             <a:extLst>
               <a:ext uri="{FF2B5EF4-FFF2-40B4-BE49-F238E27FC236}">
-                <a16:creationId xmlns="" xmlns:a16="http://schemas.microsoft.com/office/drawing/2014/main" id="{AFAEFE12-CFF9-2E00-9808-098A1D824723}"/>
+                <a16:creationId xmlns:a16="http://schemas.microsoft.com/office/drawing/2014/main" xmlns="" id="{AFAEFE12-CFF9-2E00-9808-098A1D824723}"/>
               </a:ext>
             </a:extLst>
           </p:cNvPr>
@@ -1065,7 +1069,7 @@
           <p:cNvPr id="4" name="Slide Number Placeholder 3">
             <a:extLst>
               <a:ext uri="{FF2B5EF4-FFF2-40B4-BE49-F238E27FC236}">
-                <a16:creationId xmlns="" xmlns:a16="http://schemas.microsoft.com/office/drawing/2014/main" id="{85084F94-5BAE-E3B2-298D-1E3D1D48D1F6}"/>
+                <a16:creationId xmlns:a16="http://schemas.microsoft.com/office/drawing/2014/main" xmlns="" id="{85084F94-5BAE-E3B2-298D-1E3D1D48D1F6}"/>
               </a:ext>
             </a:extLst>
           </p:cNvPr>
@@ -1110,7 +1114,7 @@
         <p:cNvPr id="1" name="">
           <a:extLst>
             <a:ext uri="{FF2B5EF4-FFF2-40B4-BE49-F238E27FC236}">
-              <a16:creationId xmlns="" xmlns:a16="http://schemas.microsoft.com/office/drawing/2014/main" id="{84847B3D-F9FE-E845-0A9E-7B3E4737F607}"/>
+              <a16:creationId xmlns:a16="http://schemas.microsoft.com/office/drawing/2014/main" xmlns="" id="{84847B3D-F9FE-E845-0A9E-7B3E4737F607}"/>
             </a:ext>
           </a:extLst>
         </p:cNvPr>
@@ -1130,7 +1134,7 @@
           <p:cNvPr id="2" name="Slide Image Placeholder 1">
             <a:extLst>
               <a:ext uri="{FF2B5EF4-FFF2-40B4-BE49-F238E27FC236}">
-                <a16:creationId xmlns="" xmlns:a16="http://schemas.microsoft.com/office/drawing/2014/main" id="{A65C55DC-40F4-B8B2-A44F-CEE7EA9104C1}"/>
+                <a16:creationId xmlns:a16="http://schemas.microsoft.com/office/drawing/2014/main" xmlns="" id="{A65C55DC-40F4-B8B2-A44F-CEE7EA9104C1}"/>
               </a:ext>
             </a:extLst>
           </p:cNvPr>
@@ -1148,7 +1152,7 @@
           <p:cNvPr id="3" name="Notes Placeholder 2">
             <a:extLst>
               <a:ext uri="{FF2B5EF4-FFF2-40B4-BE49-F238E27FC236}">
-                <a16:creationId xmlns="" xmlns:a16="http://schemas.microsoft.com/office/drawing/2014/main" id="{AFAEFE12-CFF9-2E00-9808-098A1D824723}"/>
+                <a16:creationId xmlns:a16="http://schemas.microsoft.com/office/drawing/2014/main" xmlns="" id="{AFAEFE12-CFF9-2E00-9808-098A1D824723}"/>
               </a:ext>
             </a:extLst>
           </p:cNvPr>
@@ -1173,7 +1177,7 @@
           <p:cNvPr id="4" name="Slide Number Placeholder 3">
             <a:extLst>
               <a:ext uri="{FF2B5EF4-FFF2-40B4-BE49-F238E27FC236}">
-                <a16:creationId xmlns="" xmlns:a16="http://schemas.microsoft.com/office/drawing/2014/main" id="{85084F94-5BAE-E3B2-298D-1E3D1D48D1F6}"/>
+                <a16:creationId xmlns:a16="http://schemas.microsoft.com/office/drawing/2014/main" xmlns="" id="{85084F94-5BAE-E3B2-298D-1E3D1D48D1F6}"/>
               </a:ext>
             </a:extLst>
           </p:cNvPr>
@@ -1218,7 +1222,7 @@
         <p:cNvPr id="1" name="">
           <a:extLst>
             <a:ext uri="{FF2B5EF4-FFF2-40B4-BE49-F238E27FC236}">
-              <a16:creationId xmlns="" xmlns:a16="http://schemas.microsoft.com/office/drawing/2014/main" id="{84847B3D-F9FE-E845-0A9E-7B3E4737F607}"/>
+              <a16:creationId xmlns:a16="http://schemas.microsoft.com/office/drawing/2014/main" xmlns="" id="{84847B3D-F9FE-E845-0A9E-7B3E4737F607}"/>
             </a:ext>
           </a:extLst>
         </p:cNvPr>
@@ -1238,7 +1242,7 @@
           <p:cNvPr id="2" name="Slide Image Placeholder 1">
             <a:extLst>
               <a:ext uri="{FF2B5EF4-FFF2-40B4-BE49-F238E27FC236}">
-                <a16:creationId xmlns="" xmlns:a16="http://schemas.microsoft.com/office/drawing/2014/main" id="{A65C55DC-40F4-B8B2-A44F-CEE7EA9104C1}"/>
+                <a16:creationId xmlns:a16="http://schemas.microsoft.com/office/drawing/2014/main" xmlns="" id="{A65C55DC-40F4-B8B2-A44F-CEE7EA9104C1}"/>
               </a:ext>
             </a:extLst>
           </p:cNvPr>
@@ -1256,7 +1260,7 @@
           <p:cNvPr id="3" name="Notes Placeholder 2">
             <a:extLst>
               <a:ext uri="{FF2B5EF4-FFF2-40B4-BE49-F238E27FC236}">
-                <a16:creationId xmlns="" xmlns:a16="http://schemas.microsoft.com/office/drawing/2014/main" id="{AFAEFE12-CFF9-2E00-9808-098A1D824723}"/>
+                <a16:creationId xmlns:a16="http://schemas.microsoft.com/office/drawing/2014/main" xmlns="" id="{AFAEFE12-CFF9-2E00-9808-098A1D824723}"/>
               </a:ext>
             </a:extLst>
           </p:cNvPr>
@@ -1281,7 +1285,7 @@
           <p:cNvPr id="4" name="Slide Number Placeholder 3">
             <a:extLst>
               <a:ext uri="{FF2B5EF4-FFF2-40B4-BE49-F238E27FC236}">
-                <a16:creationId xmlns="" xmlns:a16="http://schemas.microsoft.com/office/drawing/2014/main" id="{85084F94-5BAE-E3B2-298D-1E3D1D48D1F6}"/>
+                <a16:creationId xmlns:a16="http://schemas.microsoft.com/office/drawing/2014/main" xmlns="" id="{85084F94-5BAE-E3B2-298D-1E3D1D48D1F6}"/>
               </a:ext>
             </a:extLst>
           </p:cNvPr>
@@ -1326,7 +1330,7 @@
         <p:cNvPr id="1" name="">
           <a:extLst>
             <a:ext uri="{FF2B5EF4-FFF2-40B4-BE49-F238E27FC236}">
-              <a16:creationId xmlns="" xmlns:a16="http://schemas.microsoft.com/office/drawing/2014/main" id="{84847B3D-F9FE-E845-0A9E-7B3E4737F607}"/>
+              <a16:creationId xmlns:a16="http://schemas.microsoft.com/office/drawing/2014/main" xmlns="" id="{84847B3D-F9FE-E845-0A9E-7B3E4737F607}"/>
             </a:ext>
           </a:extLst>
         </p:cNvPr>
@@ -1346,7 +1350,7 @@
           <p:cNvPr id="2" name="Slide Image Placeholder 1">
             <a:extLst>
               <a:ext uri="{FF2B5EF4-FFF2-40B4-BE49-F238E27FC236}">
-                <a16:creationId xmlns="" xmlns:a16="http://schemas.microsoft.com/office/drawing/2014/main" id="{A65C55DC-40F4-B8B2-A44F-CEE7EA9104C1}"/>
+                <a16:creationId xmlns:a16="http://schemas.microsoft.com/office/drawing/2014/main" xmlns="" id="{A65C55DC-40F4-B8B2-A44F-CEE7EA9104C1}"/>
               </a:ext>
             </a:extLst>
           </p:cNvPr>
@@ -1364,7 +1368,7 @@
           <p:cNvPr id="3" name="Notes Placeholder 2">
             <a:extLst>
               <a:ext uri="{FF2B5EF4-FFF2-40B4-BE49-F238E27FC236}">
-                <a16:creationId xmlns="" xmlns:a16="http://schemas.microsoft.com/office/drawing/2014/main" id="{AFAEFE12-CFF9-2E00-9808-098A1D824723}"/>
+                <a16:creationId xmlns:a16="http://schemas.microsoft.com/office/drawing/2014/main" xmlns="" id="{AFAEFE12-CFF9-2E00-9808-098A1D824723}"/>
               </a:ext>
             </a:extLst>
           </p:cNvPr>
@@ -1389,7 +1393,7 @@
           <p:cNvPr id="4" name="Slide Number Placeholder 3">
             <a:extLst>
               <a:ext uri="{FF2B5EF4-FFF2-40B4-BE49-F238E27FC236}">
-                <a16:creationId xmlns="" xmlns:a16="http://schemas.microsoft.com/office/drawing/2014/main" id="{85084F94-5BAE-E3B2-298D-1E3D1D48D1F6}"/>
+                <a16:creationId xmlns:a16="http://schemas.microsoft.com/office/drawing/2014/main" xmlns="" id="{85084F94-5BAE-E3B2-298D-1E3D1D48D1F6}"/>
               </a:ext>
             </a:extLst>
           </p:cNvPr>
@@ -1434,7 +1438,7 @@
         <p:cNvPr id="1" name="">
           <a:extLst>
             <a:ext uri="{FF2B5EF4-FFF2-40B4-BE49-F238E27FC236}">
-              <a16:creationId xmlns="" xmlns:a16="http://schemas.microsoft.com/office/drawing/2014/main" id="{84847B3D-F9FE-E845-0A9E-7B3E4737F607}"/>
+              <a16:creationId xmlns:a16="http://schemas.microsoft.com/office/drawing/2014/main" xmlns="" id="{84847B3D-F9FE-E845-0A9E-7B3E4737F607}"/>
             </a:ext>
           </a:extLst>
         </p:cNvPr>
@@ -1454,7 +1458,7 @@
           <p:cNvPr id="2" name="Slide Image Placeholder 1">
             <a:extLst>
               <a:ext uri="{FF2B5EF4-FFF2-40B4-BE49-F238E27FC236}">
-                <a16:creationId xmlns="" xmlns:a16="http://schemas.microsoft.com/office/drawing/2014/main" id="{A65C55DC-40F4-B8B2-A44F-CEE7EA9104C1}"/>
+                <a16:creationId xmlns:a16="http://schemas.microsoft.com/office/drawing/2014/main" xmlns="" id="{A65C55DC-40F4-B8B2-A44F-CEE7EA9104C1}"/>
               </a:ext>
             </a:extLst>
           </p:cNvPr>
@@ -1472,7 +1476,7 @@
           <p:cNvPr id="3" name="Notes Placeholder 2">
             <a:extLst>
               <a:ext uri="{FF2B5EF4-FFF2-40B4-BE49-F238E27FC236}">
-                <a16:creationId xmlns="" xmlns:a16="http://schemas.microsoft.com/office/drawing/2014/main" id="{AFAEFE12-CFF9-2E00-9808-098A1D824723}"/>
+                <a16:creationId xmlns:a16="http://schemas.microsoft.com/office/drawing/2014/main" xmlns="" id="{AFAEFE12-CFF9-2E00-9808-098A1D824723}"/>
               </a:ext>
             </a:extLst>
           </p:cNvPr>
@@ -1497,7 +1501,7 @@
           <p:cNvPr id="4" name="Slide Number Placeholder 3">
             <a:extLst>
               <a:ext uri="{FF2B5EF4-FFF2-40B4-BE49-F238E27FC236}">
-                <a16:creationId xmlns="" xmlns:a16="http://schemas.microsoft.com/office/drawing/2014/main" id="{85084F94-5BAE-E3B2-298D-1E3D1D48D1F6}"/>
+                <a16:creationId xmlns:a16="http://schemas.microsoft.com/office/drawing/2014/main" xmlns="" id="{85084F94-5BAE-E3B2-298D-1E3D1D48D1F6}"/>
               </a:ext>
             </a:extLst>
           </p:cNvPr>
@@ -1542,7 +1546,7 @@
         <p:cNvPr id="1" name="">
           <a:extLst>
             <a:ext uri="{FF2B5EF4-FFF2-40B4-BE49-F238E27FC236}">
-              <a16:creationId xmlns="" xmlns:a16="http://schemas.microsoft.com/office/drawing/2014/main" id="{84847B3D-F9FE-E845-0A9E-7B3E4737F607}"/>
+              <a16:creationId xmlns:a16="http://schemas.microsoft.com/office/drawing/2014/main" xmlns="" id="{84847B3D-F9FE-E845-0A9E-7B3E4737F607}"/>
             </a:ext>
           </a:extLst>
         </p:cNvPr>
@@ -1562,7 +1566,7 @@
           <p:cNvPr id="2" name="Slide Image Placeholder 1">
             <a:extLst>
               <a:ext uri="{FF2B5EF4-FFF2-40B4-BE49-F238E27FC236}">
-                <a16:creationId xmlns="" xmlns:a16="http://schemas.microsoft.com/office/drawing/2014/main" id="{A65C55DC-40F4-B8B2-A44F-CEE7EA9104C1}"/>
+                <a16:creationId xmlns:a16="http://schemas.microsoft.com/office/drawing/2014/main" xmlns="" id="{A65C55DC-40F4-B8B2-A44F-CEE7EA9104C1}"/>
               </a:ext>
             </a:extLst>
           </p:cNvPr>
@@ -1580,7 +1584,7 @@
           <p:cNvPr id="3" name="Notes Placeholder 2">
             <a:extLst>
               <a:ext uri="{FF2B5EF4-FFF2-40B4-BE49-F238E27FC236}">
-                <a16:creationId xmlns="" xmlns:a16="http://schemas.microsoft.com/office/drawing/2014/main" id="{AFAEFE12-CFF9-2E00-9808-098A1D824723}"/>
+                <a16:creationId xmlns:a16="http://schemas.microsoft.com/office/drawing/2014/main" xmlns="" id="{AFAEFE12-CFF9-2E00-9808-098A1D824723}"/>
               </a:ext>
             </a:extLst>
           </p:cNvPr>
@@ -1605,7 +1609,7 @@
           <p:cNvPr id="4" name="Slide Number Placeholder 3">
             <a:extLst>
               <a:ext uri="{FF2B5EF4-FFF2-40B4-BE49-F238E27FC236}">
-                <a16:creationId xmlns="" xmlns:a16="http://schemas.microsoft.com/office/drawing/2014/main" id="{85084F94-5BAE-E3B2-298D-1E3D1D48D1F6}"/>
+                <a16:creationId xmlns:a16="http://schemas.microsoft.com/office/drawing/2014/main" xmlns="" id="{85084F94-5BAE-E3B2-298D-1E3D1D48D1F6}"/>
               </a:ext>
             </a:extLst>
           </p:cNvPr>
@@ -1650,7 +1654,7 @@
         <p:cNvPr id="1" name="">
           <a:extLst>
             <a:ext uri="{FF2B5EF4-FFF2-40B4-BE49-F238E27FC236}">
-              <a16:creationId xmlns="" xmlns:a16="http://schemas.microsoft.com/office/drawing/2014/main" id="{84847B3D-F9FE-E845-0A9E-7B3E4737F607}"/>
+              <a16:creationId xmlns:a16="http://schemas.microsoft.com/office/drawing/2014/main" xmlns="" id="{84847B3D-F9FE-E845-0A9E-7B3E4737F607}"/>
             </a:ext>
           </a:extLst>
         </p:cNvPr>
@@ -1670,7 +1674,7 @@
           <p:cNvPr id="2" name="Slide Image Placeholder 1">
             <a:extLst>
               <a:ext uri="{FF2B5EF4-FFF2-40B4-BE49-F238E27FC236}">
-                <a16:creationId xmlns="" xmlns:a16="http://schemas.microsoft.com/office/drawing/2014/main" id="{A65C55DC-40F4-B8B2-A44F-CEE7EA9104C1}"/>
+                <a16:creationId xmlns:a16="http://schemas.microsoft.com/office/drawing/2014/main" xmlns="" id="{A65C55DC-40F4-B8B2-A44F-CEE7EA9104C1}"/>
               </a:ext>
             </a:extLst>
           </p:cNvPr>
@@ -1688,7 +1692,7 @@
           <p:cNvPr id="3" name="Notes Placeholder 2">
             <a:extLst>
               <a:ext uri="{FF2B5EF4-FFF2-40B4-BE49-F238E27FC236}">
-                <a16:creationId xmlns="" xmlns:a16="http://schemas.microsoft.com/office/drawing/2014/main" id="{AFAEFE12-CFF9-2E00-9808-098A1D824723}"/>
+                <a16:creationId xmlns:a16="http://schemas.microsoft.com/office/drawing/2014/main" xmlns="" id="{AFAEFE12-CFF9-2E00-9808-098A1D824723}"/>
               </a:ext>
             </a:extLst>
           </p:cNvPr>
@@ -1713,7 +1717,7 @@
           <p:cNvPr id="4" name="Slide Number Placeholder 3">
             <a:extLst>
               <a:ext uri="{FF2B5EF4-FFF2-40B4-BE49-F238E27FC236}">
-                <a16:creationId xmlns="" xmlns:a16="http://schemas.microsoft.com/office/drawing/2014/main" id="{85084F94-5BAE-E3B2-298D-1E3D1D48D1F6}"/>
+                <a16:creationId xmlns:a16="http://schemas.microsoft.com/office/drawing/2014/main" xmlns="" id="{85084F94-5BAE-E3B2-298D-1E3D1D48D1F6}"/>
               </a:ext>
             </a:extLst>
           </p:cNvPr>
@@ -1758,7 +1762,7 @@
         <p:cNvPr id="1" name="">
           <a:extLst>
             <a:ext uri="{FF2B5EF4-FFF2-40B4-BE49-F238E27FC236}">
-              <a16:creationId xmlns="" xmlns:a16="http://schemas.microsoft.com/office/drawing/2014/main" id="{84847B3D-F9FE-E845-0A9E-7B3E4737F607}"/>
+              <a16:creationId xmlns:a16="http://schemas.microsoft.com/office/drawing/2014/main" xmlns="" id="{84847B3D-F9FE-E845-0A9E-7B3E4737F607}"/>
             </a:ext>
           </a:extLst>
         </p:cNvPr>
@@ -1778,7 +1782,7 @@
           <p:cNvPr id="2" name="Slide Image Placeholder 1">
             <a:extLst>
               <a:ext uri="{FF2B5EF4-FFF2-40B4-BE49-F238E27FC236}">
-                <a16:creationId xmlns="" xmlns:a16="http://schemas.microsoft.com/office/drawing/2014/main" id="{A65C55DC-40F4-B8B2-A44F-CEE7EA9104C1}"/>
+                <a16:creationId xmlns:a16="http://schemas.microsoft.com/office/drawing/2014/main" xmlns="" id="{A65C55DC-40F4-B8B2-A44F-CEE7EA9104C1}"/>
               </a:ext>
             </a:extLst>
           </p:cNvPr>
@@ -1796,7 +1800,7 @@
           <p:cNvPr id="3" name="Notes Placeholder 2">
             <a:extLst>
               <a:ext uri="{FF2B5EF4-FFF2-40B4-BE49-F238E27FC236}">
-                <a16:creationId xmlns="" xmlns:a16="http://schemas.microsoft.com/office/drawing/2014/main" id="{AFAEFE12-CFF9-2E00-9808-098A1D824723}"/>
+                <a16:creationId xmlns:a16="http://schemas.microsoft.com/office/drawing/2014/main" xmlns="" id="{AFAEFE12-CFF9-2E00-9808-098A1D824723}"/>
               </a:ext>
             </a:extLst>
           </p:cNvPr>
@@ -1821,7 +1825,7 @@
           <p:cNvPr id="4" name="Slide Number Placeholder 3">
             <a:extLst>
               <a:ext uri="{FF2B5EF4-FFF2-40B4-BE49-F238E27FC236}">
-                <a16:creationId xmlns="" xmlns:a16="http://schemas.microsoft.com/office/drawing/2014/main" id="{85084F94-5BAE-E3B2-298D-1E3D1D48D1F6}"/>
+                <a16:creationId xmlns:a16="http://schemas.microsoft.com/office/drawing/2014/main" xmlns="" id="{85084F94-5BAE-E3B2-298D-1E3D1D48D1F6}"/>
               </a:ext>
             </a:extLst>
           </p:cNvPr>
@@ -1866,7 +1870,7 @@
         <p:cNvPr id="1" name="">
           <a:extLst>
             <a:ext uri="{FF2B5EF4-FFF2-40B4-BE49-F238E27FC236}">
-              <a16:creationId xmlns="" xmlns:a16="http://schemas.microsoft.com/office/drawing/2014/main" id="{89563512-A8BA-1764-87C7-A00C34FD03E8}"/>
+              <a16:creationId xmlns:a16="http://schemas.microsoft.com/office/drawing/2014/main" xmlns="" id="{89563512-A8BA-1764-87C7-A00C34FD03E8}"/>
             </a:ext>
           </a:extLst>
         </p:cNvPr>
@@ -1886,7 +1890,7 @@
           <p:cNvPr id="2" name="Slide Image Placeholder 1">
             <a:extLst>
               <a:ext uri="{FF2B5EF4-FFF2-40B4-BE49-F238E27FC236}">
-                <a16:creationId xmlns="" xmlns:a16="http://schemas.microsoft.com/office/drawing/2014/main" id="{F8D8F7F0-68B1-3C8C-3974-1CFE7D3952A7}"/>
+                <a16:creationId xmlns:a16="http://schemas.microsoft.com/office/drawing/2014/main" xmlns="" id="{F8D8F7F0-68B1-3C8C-3974-1CFE7D3952A7}"/>
               </a:ext>
             </a:extLst>
           </p:cNvPr>
@@ -1904,7 +1908,7 @@
           <p:cNvPr id="3" name="Notes Placeholder 2">
             <a:extLst>
               <a:ext uri="{FF2B5EF4-FFF2-40B4-BE49-F238E27FC236}">
-                <a16:creationId xmlns="" xmlns:a16="http://schemas.microsoft.com/office/drawing/2014/main" id="{7893E87E-9A62-BE42-B48F-A4960F0B96B7}"/>
+                <a16:creationId xmlns:a16="http://schemas.microsoft.com/office/drawing/2014/main" xmlns="" id="{7893E87E-9A62-BE42-B48F-A4960F0B96B7}"/>
               </a:ext>
             </a:extLst>
           </p:cNvPr>
@@ -1929,7 +1933,7 @@
           <p:cNvPr id="4" name="Slide Number Placeholder 3">
             <a:extLst>
               <a:ext uri="{FF2B5EF4-FFF2-40B4-BE49-F238E27FC236}">
-                <a16:creationId xmlns="" xmlns:a16="http://schemas.microsoft.com/office/drawing/2014/main" id="{61190961-0558-0020-C7FC-07CF6AD55449}"/>
+                <a16:creationId xmlns:a16="http://schemas.microsoft.com/office/drawing/2014/main" xmlns="" id="{61190961-0558-0020-C7FC-07CF6AD55449}"/>
               </a:ext>
             </a:extLst>
           </p:cNvPr>
@@ -1974,7 +1978,7 @@
         <p:cNvPr id="1" name="">
           <a:extLst>
             <a:ext uri="{FF2B5EF4-FFF2-40B4-BE49-F238E27FC236}">
-              <a16:creationId xmlns="" xmlns:a16="http://schemas.microsoft.com/office/drawing/2014/main" id="{84847B3D-F9FE-E845-0A9E-7B3E4737F607}"/>
+              <a16:creationId xmlns:a16="http://schemas.microsoft.com/office/drawing/2014/main" xmlns="" id="{84847B3D-F9FE-E845-0A9E-7B3E4737F607}"/>
             </a:ext>
           </a:extLst>
         </p:cNvPr>
@@ -1994,7 +1998,7 @@
           <p:cNvPr id="2" name="Slide Image Placeholder 1">
             <a:extLst>
               <a:ext uri="{FF2B5EF4-FFF2-40B4-BE49-F238E27FC236}">
-                <a16:creationId xmlns="" xmlns:a16="http://schemas.microsoft.com/office/drawing/2014/main" id="{A65C55DC-40F4-B8B2-A44F-CEE7EA9104C1}"/>
+                <a16:creationId xmlns:a16="http://schemas.microsoft.com/office/drawing/2014/main" xmlns="" id="{A65C55DC-40F4-B8B2-A44F-CEE7EA9104C1}"/>
               </a:ext>
             </a:extLst>
           </p:cNvPr>
@@ -2012,7 +2016,7 @@
           <p:cNvPr id="3" name="Notes Placeholder 2">
             <a:extLst>
               <a:ext uri="{FF2B5EF4-FFF2-40B4-BE49-F238E27FC236}">
-                <a16:creationId xmlns="" xmlns:a16="http://schemas.microsoft.com/office/drawing/2014/main" id="{AFAEFE12-CFF9-2E00-9808-098A1D824723}"/>
+                <a16:creationId xmlns:a16="http://schemas.microsoft.com/office/drawing/2014/main" xmlns="" id="{AFAEFE12-CFF9-2E00-9808-098A1D824723}"/>
               </a:ext>
             </a:extLst>
           </p:cNvPr>
@@ -2037,7 +2041,7 @@
           <p:cNvPr id="4" name="Slide Number Placeholder 3">
             <a:extLst>
               <a:ext uri="{FF2B5EF4-FFF2-40B4-BE49-F238E27FC236}">
-                <a16:creationId xmlns="" xmlns:a16="http://schemas.microsoft.com/office/drawing/2014/main" id="{85084F94-5BAE-E3B2-298D-1E3D1D48D1F6}"/>
+                <a16:creationId xmlns:a16="http://schemas.microsoft.com/office/drawing/2014/main" xmlns="" id="{85084F94-5BAE-E3B2-298D-1E3D1D48D1F6}"/>
               </a:ext>
             </a:extLst>
           </p:cNvPr>
@@ -2082,7 +2086,7 @@
         <p:cNvPr id="1" name="">
           <a:extLst>
             <a:ext uri="{FF2B5EF4-FFF2-40B4-BE49-F238E27FC236}">
-              <a16:creationId xmlns="" xmlns:a16="http://schemas.microsoft.com/office/drawing/2014/main" id="{84847B3D-F9FE-E845-0A9E-7B3E4737F607}"/>
+              <a16:creationId xmlns:a16="http://schemas.microsoft.com/office/drawing/2014/main" xmlns="" id="{84847B3D-F9FE-E845-0A9E-7B3E4737F607}"/>
             </a:ext>
           </a:extLst>
         </p:cNvPr>
@@ -2102,7 +2106,7 @@
           <p:cNvPr id="2" name="Slide Image Placeholder 1">
             <a:extLst>
               <a:ext uri="{FF2B5EF4-FFF2-40B4-BE49-F238E27FC236}">
-                <a16:creationId xmlns="" xmlns:a16="http://schemas.microsoft.com/office/drawing/2014/main" id="{A65C55DC-40F4-B8B2-A44F-CEE7EA9104C1}"/>
+                <a16:creationId xmlns:a16="http://schemas.microsoft.com/office/drawing/2014/main" xmlns="" id="{A65C55DC-40F4-B8B2-A44F-CEE7EA9104C1}"/>
               </a:ext>
             </a:extLst>
           </p:cNvPr>
@@ -2120,7 +2124,7 @@
           <p:cNvPr id="3" name="Notes Placeholder 2">
             <a:extLst>
               <a:ext uri="{FF2B5EF4-FFF2-40B4-BE49-F238E27FC236}">
-                <a16:creationId xmlns="" xmlns:a16="http://schemas.microsoft.com/office/drawing/2014/main" id="{AFAEFE12-CFF9-2E00-9808-098A1D824723}"/>
+                <a16:creationId xmlns:a16="http://schemas.microsoft.com/office/drawing/2014/main" xmlns="" id="{AFAEFE12-CFF9-2E00-9808-098A1D824723}"/>
               </a:ext>
             </a:extLst>
           </p:cNvPr>
@@ -2145,7 +2149,7 @@
           <p:cNvPr id="4" name="Slide Number Placeholder 3">
             <a:extLst>
               <a:ext uri="{FF2B5EF4-FFF2-40B4-BE49-F238E27FC236}">
-                <a16:creationId xmlns="" xmlns:a16="http://schemas.microsoft.com/office/drawing/2014/main" id="{85084F94-5BAE-E3B2-298D-1E3D1D48D1F6}"/>
+                <a16:creationId xmlns:a16="http://schemas.microsoft.com/office/drawing/2014/main" xmlns="" id="{85084F94-5BAE-E3B2-298D-1E3D1D48D1F6}"/>
               </a:ext>
             </a:extLst>
           </p:cNvPr>
@@ -2190,7 +2194,7 @@
         <p:cNvPr id="1" name="">
           <a:extLst>
             <a:ext uri="{FF2B5EF4-FFF2-40B4-BE49-F238E27FC236}">
-              <a16:creationId xmlns="" xmlns:a16="http://schemas.microsoft.com/office/drawing/2014/main" id="{84847B3D-F9FE-E845-0A9E-7B3E4737F607}"/>
+              <a16:creationId xmlns:a16="http://schemas.microsoft.com/office/drawing/2014/main" xmlns="" id="{84847B3D-F9FE-E845-0A9E-7B3E4737F607}"/>
             </a:ext>
           </a:extLst>
         </p:cNvPr>
@@ -2210,7 +2214,7 @@
           <p:cNvPr id="2" name="Slide Image Placeholder 1">
             <a:extLst>
               <a:ext uri="{FF2B5EF4-FFF2-40B4-BE49-F238E27FC236}">
-                <a16:creationId xmlns="" xmlns:a16="http://schemas.microsoft.com/office/drawing/2014/main" id="{A65C55DC-40F4-B8B2-A44F-CEE7EA9104C1}"/>
+                <a16:creationId xmlns:a16="http://schemas.microsoft.com/office/drawing/2014/main" xmlns="" id="{A65C55DC-40F4-B8B2-A44F-CEE7EA9104C1}"/>
               </a:ext>
             </a:extLst>
           </p:cNvPr>
@@ -2228,7 +2232,7 @@
           <p:cNvPr id="3" name="Notes Placeholder 2">
             <a:extLst>
               <a:ext uri="{FF2B5EF4-FFF2-40B4-BE49-F238E27FC236}">
-                <a16:creationId xmlns="" xmlns:a16="http://schemas.microsoft.com/office/drawing/2014/main" id="{AFAEFE12-CFF9-2E00-9808-098A1D824723}"/>
+                <a16:creationId xmlns:a16="http://schemas.microsoft.com/office/drawing/2014/main" xmlns="" id="{AFAEFE12-CFF9-2E00-9808-098A1D824723}"/>
               </a:ext>
             </a:extLst>
           </p:cNvPr>
@@ -2253,7 +2257,7 @@
           <p:cNvPr id="4" name="Slide Number Placeholder 3">
             <a:extLst>
               <a:ext uri="{FF2B5EF4-FFF2-40B4-BE49-F238E27FC236}">
-                <a16:creationId xmlns="" xmlns:a16="http://schemas.microsoft.com/office/drawing/2014/main" id="{85084F94-5BAE-E3B2-298D-1E3D1D48D1F6}"/>
+                <a16:creationId xmlns:a16="http://schemas.microsoft.com/office/drawing/2014/main" xmlns="" id="{85084F94-5BAE-E3B2-298D-1E3D1D48D1F6}"/>
               </a:ext>
             </a:extLst>
           </p:cNvPr>
@@ -2298,7 +2302,7 @@
         <p:cNvPr id="1" name="">
           <a:extLst>
             <a:ext uri="{FF2B5EF4-FFF2-40B4-BE49-F238E27FC236}">
-              <a16:creationId xmlns="" xmlns:a16="http://schemas.microsoft.com/office/drawing/2014/main" id="{84847B3D-F9FE-E845-0A9E-7B3E4737F607}"/>
+              <a16:creationId xmlns:a16="http://schemas.microsoft.com/office/drawing/2014/main" xmlns="" id="{84847B3D-F9FE-E845-0A9E-7B3E4737F607}"/>
             </a:ext>
           </a:extLst>
         </p:cNvPr>
@@ -2318,7 +2322,7 @@
           <p:cNvPr id="2" name="Slide Image Placeholder 1">
             <a:extLst>
               <a:ext uri="{FF2B5EF4-FFF2-40B4-BE49-F238E27FC236}">
-                <a16:creationId xmlns="" xmlns:a16="http://schemas.microsoft.com/office/drawing/2014/main" id="{A65C55DC-40F4-B8B2-A44F-CEE7EA9104C1}"/>
+                <a16:creationId xmlns:a16="http://schemas.microsoft.com/office/drawing/2014/main" xmlns="" id="{A65C55DC-40F4-B8B2-A44F-CEE7EA9104C1}"/>
               </a:ext>
             </a:extLst>
           </p:cNvPr>
@@ -2336,7 +2340,7 @@
           <p:cNvPr id="3" name="Notes Placeholder 2">
             <a:extLst>
               <a:ext uri="{FF2B5EF4-FFF2-40B4-BE49-F238E27FC236}">
-                <a16:creationId xmlns="" xmlns:a16="http://schemas.microsoft.com/office/drawing/2014/main" id="{AFAEFE12-CFF9-2E00-9808-098A1D824723}"/>
+                <a16:creationId xmlns:a16="http://schemas.microsoft.com/office/drawing/2014/main" xmlns="" id="{AFAEFE12-CFF9-2E00-9808-098A1D824723}"/>
               </a:ext>
             </a:extLst>
           </p:cNvPr>
@@ -2361,7 +2365,7 @@
           <p:cNvPr id="4" name="Slide Number Placeholder 3">
             <a:extLst>
               <a:ext uri="{FF2B5EF4-FFF2-40B4-BE49-F238E27FC236}">
-                <a16:creationId xmlns="" xmlns:a16="http://schemas.microsoft.com/office/drawing/2014/main" id="{85084F94-5BAE-E3B2-298D-1E3D1D48D1F6}"/>
+                <a16:creationId xmlns:a16="http://schemas.microsoft.com/office/drawing/2014/main" xmlns="" id="{85084F94-5BAE-E3B2-298D-1E3D1D48D1F6}"/>
               </a:ext>
             </a:extLst>
           </p:cNvPr>
@@ -2406,7 +2410,7 @@
         <p:cNvPr id="1" name="">
           <a:extLst>
             <a:ext uri="{FF2B5EF4-FFF2-40B4-BE49-F238E27FC236}">
-              <a16:creationId xmlns="" xmlns:a16="http://schemas.microsoft.com/office/drawing/2014/main" id="{84847B3D-F9FE-E845-0A9E-7B3E4737F607}"/>
+              <a16:creationId xmlns:a16="http://schemas.microsoft.com/office/drawing/2014/main" xmlns="" id="{84847B3D-F9FE-E845-0A9E-7B3E4737F607}"/>
             </a:ext>
           </a:extLst>
         </p:cNvPr>
@@ -2426,7 +2430,7 @@
           <p:cNvPr id="2" name="Slide Image Placeholder 1">
             <a:extLst>
               <a:ext uri="{FF2B5EF4-FFF2-40B4-BE49-F238E27FC236}">
-                <a16:creationId xmlns="" xmlns:a16="http://schemas.microsoft.com/office/drawing/2014/main" id="{A65C55DC-40F4-B8B2-A44F-CEE7EA9104C1}"/>
+                <a16:creationId xmlns:a16="http://schemas.microsoft.com/office/drawing/2014/main" xmlns="" id="{A65C55DC-40F4-B8B2-A44F-CEE7EA9104C1}"/>
               </a:ext>
             </a:extLst>
           </p:cNvPr>
@@ -2444,7 +2448,7 @@
           <p:cNvPr id="3" name="Notes Placeholder 2">
             <a:extLst>
               <a:ext uri="{FF2B5EF4-FFF2-40B4-BE49-F238E27FC236}">
-                <a16:creationId xmlns="" xmlns:a16="http://schemas.microsoft.com/office/drawing/2014/main" id="{AFAEFE12-CFF9-2E00-9808-098A1D824723}"/>
+                <a16:creationId xmlns:a16="http://schemas.microsoft.com/office/drawing/2014/main" xmlns="" id="{AFAEFE12-CFF9-2E00-9808-098A1D824723}"/>
               </a:ext>
             </a:extLst>
           </p:cNvPr>
@@ -2469,7 +2473,7 @@
           <p:cNvPr id="4" name="Slide Number Placeholder 3">
             <a:extLst>
               <a:ext uri="{FF2B5EF4-FFF2-40B4-BE49-F238E27FC236}">
-                <a16:creationId xmlns="" xmlns:a16="http://schemas.microsoft.com/office/drawing/2014/main" id="{85084F94-5BAE-E3B2-298D-1E3D1D48D1F6}"/>
+                <a16:creationId xmlns:a16="http://schemas.microsoft.com/office/drawing/2014/main" xmlns="" id="{85084F94-5BAE-E3B2-298D-1E3D1D48D1F6}"/>
               </a:ext>
             </a:extLst>
           </p:cNvPr>
@@ -2514,7 +2518,7 @@
         <p:cNvPr id="1" name="">
           <a:extLst>
             <a:ext uri="{FF2B5EF4-FFF2-40B4-BE49-F238E27FC236}">
-              <a16:creationId xmlns="" xmlns:a16="http://schemas.microsoft.com/office/drawing/2014/main" id="{84847B3D-F9FE-E845-0A9E-7B3E4737F607}"/>
+              <a16:creationId xmlns:a16="http://schemas.microsoft.com/office/drawing/2014/main" xmlns="" id="{84847B3D-F9FE-E845-0A9E-7B3E4737F607}"/>
             </a:ext>
           </a:extLst>
         </p:cNvPr>
@@ -2534,7 +2538,7 @@
           <p:cNvPr id="2" name="Slide Image Placeholder 1">
             <a:extLst>
               <a:ext uri="{FF2B5EF4-FFF2-40B4-BE49-F238E27FC236}">
-                <a16:creationId xmlns="" xmlns:a16="http://schemas.microsoft.com/office/drawing/2014/main" id="{A65C55DC-40F4-B8B2-A44F-CEE7EA9104C1}"/>
+                <a16:creationId xmlns:a16="http://schemas.microsoft.com/office/drawing/2014/main" xmlns="" id="{A65C55DC-40F4-B8B2-A44F-CEE7EA9104C1}"/>
               </a:ext>
             </a:extLst>
           </p:cNvPr>
@@ -2552,7 +2556,7 @@
           <p:cNvPr id="3" name="Notes Placeholder 2">
             <a:extLst>
               <a:ext uri="{FF2B5EF4-FFF2-40B4-BE49-F238E27FC236}">
-                <a16:creationId xmlns="" xmlns:a16="http://schemas.microsoft.com/office/drawing/2014/main" id="{AFAEFE12-CFF9-2E00-9808-098A1D824723}"/>
+                <a16:creationId xmlns:a16="http://schemas.microsoft.com/office/drawing/2014/main" xmlns="" id="{AFAEFE12-CFF9-2E00-9808-098A1D824723}"/>
               </a:ext>
             </a:extLst>
           </p:cNvPr>
@@ -2577,7 +2581,7 @@
           <p:cNvPr id="4" name="Slide Number Placeholder 3">
             <a:extLst>
               <a:ext uri="{FF2B5EF4-FFF2-40B4-BE49-F238E27FC236}">
-                <a16:creationId xmlns="" xmlns:a16="http://schemas.microsoft.com/office/drawing/2014/main" id="{85084F94-5BAE-E3B2-298D-1E3D1D48D1F6}"/>
+                <a16:creationId xmlns:a16="http://schemas.microsoft.com/office/drawing/2014/main" xmlns="" id="{85084F94-5BAE-E3B2-298D-1E3D1D48D1F6}"/>
               </a:ext>
             </a:extLst>
           </p:cNvPr>
@@ -2622,7 +2626,7 @@
         <p:cNvPr id="1" name="">
           <a:extLst>
             <a:ext uri="{FF2B5EF4-FFF2-40B4-BE49-F238E27FC236}">
-              <a16:creationId xmlns="" xmlns:a16="http://schemas.microsoft.com/office/drawing/2014/main" id="{84847B3D-F9FE-E845-0A9E-7B3E4737F607}"/>
+              <a16:creationId xmlns:a16="http://schemas.microsoft.com/office/drawing/2014/main" xmlns="" id="{84847B3D-F9FE-E845-0A9E-7B3E4737F607}"/>
             </a:ext>
           </a:extLst>
         </p:cNvPr>
@@ -2642,7 +2646,7 @@
           <p:cNvPr id="2" name="Slide Image Placeholder 1">
             <a:extLst>
               <a:ext uri="{FF2B5EF4-FFF2-40B4-BE49-F238E27FC236}">
-                <a16:creationId xmlns="" xmlns:a16="http://schemas.microsoft.com/office/drawing/2014/main" id="{A65C55DC-40F4-B8B2-A44F-CEE7EA9104C1}"/>
+                <a16:creationId xmlns:a16="http://schemas.microsoft.com/office/drawing/2014/main" xmlns="" id="{A65C55DC-40F4-B8B2-A44F-CEE7EA9104C1}"/>
               </a:ext>
             </a:extLst>
           </p:cNvPr>
@@ -2660,7 +2664,7 @@
           <p:cNvPr id="3" name="Notes Placeholder 2">
             <a:extLst>
               <a:ext uri="{FF2B5EF4-FFF2-40B4-BE49-F238E27FC236}">
-                <a16:creationId xmlns="" xmlns:a16="http://schemas.microsoft.com/office/drawing/2014/main" id="{AFAEFE12-CFF9-2E00-9808-098A1D824723}"/>
+                <a16:creationId xmlns:a16="http://schemas.microsoft.com/office/drawing/2014/main" xmlns="" id="{AFAEFE12-CFF9-2E00-9808-098A1D824723}"/>
               </a:ext>
             </a:extLst>
           </p:cNvPr>
@@ -2685,7 +2689,7 @@
           <p:cNvPr id="4" name="Slide Number Placeholder 3">
             <a:extLst>
               <a:ext uri="{FF2B5EF4-FFF2-40B4-BE49-F238E27FC236}">
-                <a16:creationId xmlns="" xmlns:a16="http://schemas.microsoft.com/office/drawing/2014/main" id="{85084F94-5BAE-E3B2-298D-1E3D1D48D1F6}"/>
+                <a16:creationId xmlns:a16="http://schemas.microsoft.com/office/drawing/2014/main" xmlns="" id="{85084F94-5BAE-E3B2-298D-1E3D1D48D1F6}"/>
               </a:ext>
             </a:extLst>
           </p:cNvPr>
@@ -2730,7 +2734,7 @@
         <p:cNvPr id="1" name="">
           <a:extLst>
             <a:ext uri="{FF2B5EF4-FFF2-40B4-BE49-F238E27FC236}">
-              <a16:creationId xmlns="" xmlns:a16="http://schemas.microsoft.com/office/drawing/2014/main" id="{84847B3D-F9FE-E845-0A9E-7B3E4737F607}"/>
+              <a16:creationId xmlns:a16="http://schemas.microsoft.com/office/drawing/2014/main" xmlns="" id="{84847B3D-F9FE-E845-0A9E-7B3E4737F607}"/>
             </a:ext>
           </a:extLst>
         </p:cNvPr>
@@ -2750,7 +2754,7 @@
           <p:cNvPr id="2" name="Slide Image Placeholder 1">
             <a:extLst>
               <a:ext uri="{FF2B5EF4-FFF2-40B4-BE49-F238E27FC236}">
-                <a16:creationId xmlns="" xmlns:a16="http://schemas.microsoft.com/office/drawing/2014/main" id="{A65C55DC-40F4-B8B2-A44F-CEE7EA9104C1}"/>
+                <a16:creationId xmlns:a16="http://schemas.microsoft.com/office/drawing/2014/main" xmlns="" id="{A65C55DC-40F4-B8B2-A44F-CEE7EA9104C1}"/>
               </a:ext>
             </a:extLst>
           </p:cNvPr>
@@ -2768,7 +2772,7 @@
           <p:cNvPr id="3" name="Notes Placeholder 2">
             <a:extLst>
               <a:ext uri="{FF2B5EF4-FFF2-40B4-BE49-F238E27FC236}">
-                <a16:creationId xmlns="" xmlns:a16="http://schemas.microsoft.com/office/drawing/2014/main" id="{AFAEFE12-CFF9-2E00-9808-098A1D824723}"/>
+                <a16:creationId xmlns:a16="http://schemas.microsoft.com/office/drawing/2014/main" xmlns="" id="{AFAEFE12-CFF9-2E00-9808-098A1D824723}"/>
               </a:ext>
             </a:extLst>
           </p:cNvPr>
@@ -2793,7 +2797,7 @@
           <p:cNvPr id="4" name="Slide Number Placeholder 3">
             <a:extLst>
               <a:ext uri="{FF2B5EF4-FFF2-40B4-BE49-F238E27FC236}">
-                <a16:creationId xmlns="" xmlns:a16="http://schemas.microsoft.com/office/drawing/2014/main" id="{85084F94-5BAE-E3B2-298D-1E3D1D48D1F6}"/>
+                <a16:creationId xmlns:a16="http://schemas.microsoft.com/office/drawing/2014/main" xmlns="" id="{85084F94-5BAE-E3B2-298D-1E3D1D48D1F6}"/>
               </a:ext>
             </a:extLst>
           </p:cNvPr>
@@ -2838,7 +2842,7 @@
         <p:cNvPr id="1" name="">
           <a:extLst>
             <a:ext uri="{FF2B5EF4-FFF2-40B4-BE49-F238E27FC236}">
-              <a16:creationId xmlns="" xmlns:a16="http://schemas.microsoft.com/office/drawing/2014/main" id="{84847B3D-F9FE-E845-0A9E-7B3E4737F607}"/>
+              <a16:creationId xmlns:a16="http://schemas.microsoft.com/office/drawing/2014/main" xmlns="" id="{84847B3D-F9FE-E845-0A9E-7B3E4737F607}"/>
             </a:ext>
           </a:extLst>
         </p:cNvPr>
@@ -2858,7 +2862,7 @@
           <p:cNvPr id="2" name="Slide Image Placeholder 1">
             <a:extLst>
               <a:ext uri="{FF2B5EF4-FFF2-40B4-BE49-F238E27FC236}">
-                <a16:creationId xmlns="" xmlns:a16="http://schemas.microsoft.com/office/drawing/2014/main" id="{A65C55DC-40F4-B8B2-A44F-CEE7EA9104C1}"/>
+                <a16:creationId xmlns:a16="http://schemas.microsoft.com/office/drawing/2014/main" xmlns="" id="{A65C55DC-40F4-B8B2-A44F-CEE7EA9104C1}"/>
               </a:ext>
             </a:extLst>
           </p:cNvPr>
@@ -2876,7 +2880,7 @@
           <p:cNvPr id="3" name="Notes Placeholder 2">
             <a:extLst>
               <a:ext uri="{FF2B5EF4-FFF2-40B4-BE49-F238E27FC236}">
-                <a16:creationId xmlns="" xmlns:a16="http://schemas.microsoft.com/office/drawing/2014/main" id="{AFAEFE12-CFF9-2E00-9808-098A1D824723}"/>
+                <a16:creationId xmlns:a16="http://schemas.microsoft.com/office/drawing/2014/main" xmlns="" id="{AFAEFE12-CFF9-2E00-9808-098A1D824723}"/>
               </a:ext>
             </a:extLst>
           </p:cNvPr>
@@ -2901,7 +2905,7 @@
           <p:cNvPr id="4" name="Slide Number Placeholder 3">
             <a:extLst>
               <a:ext uri="{FF2B5EF4-FFF2-40B4-BE49-F238E27FC236}">
-                <a16:creationId xmlns="" xmlns:a16="http://schemas.microsoft.com/office/drawing/2014/main" id="{85084F94-5BAE-E3B2-298D-1E3D1D48D1F6}"/>
+                <a16:creationId xmlns:a16="http://schemas.microsoft.com/office/drawing/2014/main" xmlns="" id="{85084F94-5BAE-E3B2-298D-1E3D1D48D1F6}"/>
               </a:ext>
             </a:extLst>
           </p:cNvPr>
@@ -2946,7 +2950,7 @@
         <p:cNvPr id="1" name="">
           <a:extLst>
             <a:ext uri="{FF2B5EF4-FFF2-40B4-BE49-F238E27FC236}">
-              <a16:creationId xmlns="" xmlns:a16="http://schemas.microsoft.com/office/drawing/2014/main" id="{84F15084-9E64-0732-2172-D06E24D20324}"/>
+              <a16:creationId xmlns:a16="http://schemas.microsoft.com/office/drawing/2014/main" xmlns="" id="{84847B3D-F9FE-E845-0A9E-7B3E4737F607}"/>
             </a:ext>
           </a:extLst>
         </p:cNvPr>
@@ -2966,7 +2970,7 @@
           <p:cNvPr id="2" name="Slide Image Placeholder 1">
             <a:extLst>
               <a:ext uri="{FF2B5EF4-FFF2-40B4-BE49-F238E27FC236}">
-                <a16:creationId xmlns="" xmlns:a16="http://schemas.microsoft.com/office/drawing/2014/main" id="{7CCBBEEF-0F58-7DB2-13AB-6DAFC52BE070}"/>
+                <a16:creationId xmlns:a16="http://schemas.microsoft.com/office/drawing/2014/main" xmlns="" id="{A65C55DC-40F4-B8B2-A44F-CEE7EA9104C1}"/>
               </a:ext>
             </a:extLst>
           </p:cNvPr>
@@ -2984,7 +2988,7 @@
           <p:cNvPr id="3" name="Notes Placeholder 2">
             <a:extLst>
               <a:ext uri="{FF2B5EF4-FFF2-40B4-BE49-F238E27FC236}">
-                <a16:creationId xmlns="" xmlns:a16="http://schemas.microsoft.com/office/drawing/2014/main" id="{C62C92A2-0E82-6EA1-AA1F-C125D6D8C6A8}"/>
+                <a16:creationId xmlns:a16="http://schemas.microsoft.com/office/drawing/2014/main" xmlns="" id="{AFAEFE12-CFF9-2E00-9808-098A1D824723}"/>
               </a:ext>
             </a:extLst>
           </p:cNvPr>
@@ -3000,7 +3004,7 @@
           <a:bodyPr/>
           <a:lstStyle/>
           <a:p>
-            <a:endParaRPr lang="en-US"/>
+            <a:endParaRPr lang="en-US" dirty="0"/>
           </a:p>
         </p:txBody>
       </p:sp>
@@ -3009,7 +3013,7 @@
           <p:cNvPr id="4" name="Slide Number Placeholder 3">
             <a:extLst>
               <a:ext uri="{FF2B5EF4-FFF2-40B4-BE49-F238E27FC236}">
-                <a16:creationId xmlns="" xmlns:a16="http://schemas.microsoft.com/office/drawing/2014/main" id="{F80306BD-3757-CA40-4082-AACA5F6DB656}"/>
+                <a16:creationId xmlns:a16="http://schemas.microsoft.com/office/drawing/2014/main" xmlns="" id="{85084F94-5BAE-E3B2-298D-1E3D1D48D1F6}"/>
               </a:ext>
             </a:extLst>
           </p:cNvPr>
@@ -3036,7 +3040,7 @@
     </p:spTree>
     <p:extLst>
       <p:ext uri="{BB962C8B-B14F-4D97-AF65-F5344CB8AC3E}">
-        <p14:creationId xmlns:p14="http://schemas.microsoft.com/office/powerpoint/2010/main" val="2113507462"/>
+        <p14:creationId xmlns:p14="http://schemas.microsoft.com/office/powerpoint/2010/main" val="1899534547"/>
       </p:ext>
     </p:extLst>
   </p:cSld>
@@ -3054,7 +3058,7 @@
         <p:cNvPr id="1" name="">
           <a:extLst>
             <a:ext uri="{FF2B5EF4-FFF2-40B4-BE49-F238E27FC236}">
-              <a16:creationId xmlns="" xmlns:a16="http://schemas.microsoft.com/office/drawing/2014/main" id="{413E0E2F-FB5F-19AD-18FD-02AFD3C3D2A7}"/>
+              <a16:creationId xmlns:a16="http://schemas.microsoft.com/office/drawing/2014/main" xmlns="" id="{413E0E2F-FB5F-19AD-18FD-02AFD3C3D2A7}"/>
             </a:ext>
           </a:extLst>
         </p:cNvPr>
@@ -3074,7 +3078,7 @@
           <p:cNvPr id="2" name="Slide Image Placeholder 1">
             <a:extLst>
               <a:ext uri="{FF2B5EF4-FFF2-40B4-BE49-F238E27FC236}">
-                <a16:creationId xmlns="" xmlns:a16="http://schemas.microsoft.com/office/drawing/2014/main" id="{7836B388-51EF-10FA-3783-0696B2AF7329}"/>
+                <a16:creationId xmlns:a16="http://schemas.microsoft.com/office/drawing/2014/main" xmlns="" id="{7836B388-51EF-10FA-3783-0696B2AF7329}"/>
               </a:ext>
             </a:extLst>
           </p:cNvPr>
@@ -3092,7 +3096,7 @@
           <p:cNvPr id="3" name="Notes Placeholder 2">
             <a:extLst>
               <a:ext uri="{FF2B5EF4-FFF2-40B4-BE49-F238E27FC236}">
-                <a16:creationId xmlns="" xmlns:a16="http://schemas.microsoft.com/office/drawing/2014/main" id="{31C1FAC0-00E4-5BDB-5727-4597CCDC9776}"/>
+                <a16:creationId xmlns:a16="http://schemas.microsoft.com/office/drawing/2014/main" xmlns="" id="{31C1FAC0-00E4-5BDB-5727-4597CCDC9776}"/>
               </a:ext>
             </a:extLst>
           </p:cNvPr>
@@ -3117,7 +3121,7 @@
           <p:cNvPr id="4" name="Slide Number Placeholder 3">
             <a:extLst>
               <a:ext uri="{FF2B5EF4-FFF2-40B4-BE49-F238E27FC236}">
-                <a16:creationId xmlns="" xmlns:a16="http://schemas.microsoft.com/office/drawing/2014/main" id="{387CD11C-29A5-A450-5B49-9B2C8F5A483A}"/>
+                <a16:creationId xmlns:a16="http://schemas.microsoft.com/office/drawing/2014/main" xmlns="" id="{387CD11C-29A5-A450-5B49-9B2C8F5A483A}"/>
               </a:ext>
             </a:extLst>
           </p:cNvPr>
@@ -3145,6 +3149,438 @@
     <p:extLst>
       <p:ext uri="{BB962C8B-B14F-4D97-AF65-F5344CB8AC3E}">
         <p14:creationId xmlns:p14="http://schemas.microsoft.com/office/powerpoint/2010/main" val="194684776"/>
+      </p:ext>
+    </p:extLst>
+  </p:cSld>
+  <p:clrMapOvr>
+    <a:masterClrMapping/>
+  </p:clrMapOvr>
+</p:notes>
+</file>
+
+<file path=ppt/notesSlides/notesSlide30.xml><?xml version="1.0" encoding="utf-8"?>
+<p:notes xmlns:a="http://schemas.openxmlformats.org/drawingml/2006/main" xmlns:r="http://schemas.openxmlformats.org/officeDocument/2006/relationships" xmlns:p="http://schemas.openxmlformats.org/presentationml/2006/main">
+  <p:cSld>
+    <p:spTree>
+      <p:nvGrpSpPr>
+        <p:cNvPr id="1" name="">
+          <a:extLst>
+            <a:ext uri="{FF2B5EF4-FFF2-40B4-BE49-F238E27FC236}">
+              <a16:creationId xmlns:a16="http://schemas.microsoft.com/office/drawing/2014/main" xmlns="" id="{84847B3D-F9FE-E845-0A9E-7B3E4737F607}"/>
+            </a:ext>
+          </a:extLst>
+        </p:cNvPr>
+        <p:cNvGrpSpPr/>
+        <p:nvPr/>
+      </p:nvGrpSpPr>
+      <p:grpSpPr>
+        <a:xfrm>
+          <a:off x="0" y="0"/>
+          <a:ext cx="0" cy="0"/>
+          <a:chOff x="0" y="0"/>
+          <a:chExt cx="0" cy="0"/>
+        </a:xfrm>
+      </p:grpSpPr>
+      <p:sp>
+        <p:nvSpPr>
+          <p:cNvPr id="2" name="Slide Image Placeholder 1">
+            <a:extLst>
+              <a:ext uri="{FF2B5EF4-FFF2-40B4-BE49-F238E27FC236}">
+                <a16:creationId xmlns:a16="http://schemas.microsoft.com/office/drawing/2014/main" xmlns="" id="{A65C55DC-40F4-B8B2-A44F-CEE7EA9104C1}"/>
+              </a:ext>
+            </a:extLst>
+          </p:cNvPr>
+          <p:cNvSpPr>
+            <a:spLocks noGrp="1" noRot="1" noChangeAspect="1"/>
+          </p:cNvSpPr>
+          <p:nvPr>
+            <p:ph type="sldImg"/>
+          </p:nvPr>
+        </p:nvSpPr>
+        <p:spPr/>
+      </p:sp>
+      <p:sp>
+        <p:nvSpPr>
+          <p:cNvPr id="3" name="Notes Placeholder 2">
+            <a:extLst>
+              <a:ext uri="{FF2B5EF4-FFF2-40B4-BE49-F238E27FC236}">
+                <a16:creationId xmlns:a16="http://schemas.microsoft.com/office/drawing/2014/main" xmlns="" id="{AFAEFE12-CFF9-2E00-9808-098A1D824723}"/>
+              </a:ext>
+            </a:extLst>
+          </p:cNvPr>
+          <p:cNvSpPr>
+            <a:spLocks noGrp="1"/>
+          </p:cNvSpPr>
+          <p:nvPr>
+            <p:ph type="body" idx="1"/>
+          </p:nvPr>
+        </p:nvSpPr>
+        <p:spPr/>
+        <p:txBody>
+          <a:bodyPr/>
+          <a:lstStyle/>
+          <a:p>
+            <a:endParaRPr lang="en-US" dirty="0"/>
+          </a:p>
+        </p:txBody>
+      </p:sp>
+      <p:sp>
+        <p:nvSpPr>
+          <p:cNvPr id="4" name="Slide Number Placeholder 3">
+            <a:extLst>
+              <a:ext uri="{FF2B5EF4-FFF2-40B4-BE49-F238E27FC236}">
+                <a16:creationId xmlns:a16="http://schemas.microsoft.com/office/drawing/2014/main" xmlns="" id="{85084F94-5BAE-E3B2-298D-1E3D1D48D1F6}"/>
+              </a:ext>
+            </a:extLst>
+          </p:cNvPr>
+          <p:cNvSpPr>
+            <a:spLocks noGrp="1"/>
+          </p:cNvSpPr>
+          <p:nvPr>
+            <p:ph type="sldNum" sz="quarter" idx="5"/>
+          </p:nvPr>
+        </p:nvSpPr>
+        <p:spPr/>
+        <p:txBody>
+          <a:bodyPr/>
+          <a:lstStyle/>
+          <a:p>
+            <a:fld id="{55247812-3409-784D-BAE7-ABE53735D59F}" type="slidenum">
+              <a:rPr lang="en-US" smtClean="0"/>
+              <a:t>31</a:t>
+            </a:fld>
+            <a:endParaRPr lang="en-US"/>
+          </a:p>
+        </p:txBody>
+      </p:sp>
+    </p:spTree>
+    <p:extLst>
+      <p:ext uri="{BB962C8B-B14F-4D97-AF65-F5344CB8AC3E}">
+        <p14:creationId xmlns:p14="http://schemas.microsoft.com/office/powerpoint/2010/main" val="1899534547"/>
+      </p:ext>
+    </p:extLst>
+  </p:cSld>
+  <p:clrMapOvr>
+    <a:masterClrMapping/>
+  </p:clrMapOvr>
+</p:notes>
+</file>
+
+<file path=ppt/notesSlides/notesSlide31.xml><?xml version="1.0" encoding="utf-8"?>
+<p:notes xmlns:a="http://schemas.openxmlformats.org/drawingml/2006/main" xmlns:r="http://schemas.openxmlformats.org/officeDocument/2006/relationships" xmlns:p="http://schemas.openxmlformats.org/presentationml/2006/main">
+  <p:cSld>
+    <p:spTree>
+      <p:nvGrpSpPr>
+        <p:cNvPr id="1" name="">
+          <a:extLst>
+            <a:ext uri="{FF2B5EF4-FFF2-40B4-BE49-F238E27FC236}">
+              <a16:creationId xmlns:a16="http://schemas.microsoft.com/office/drawing/2014/main" xmlns="" id="{84847B3D-F9FE-E845-0A9E-7B3E4737F607}"/>
+            </a:ext>
+          </a:extLst>
+        </p:cNvPr>
+        <p:cNvGrpSpPr/>
+        <p:nvPr/>
+      </p:nvGrpSpPr>
+      <p:grpSpPr>
+        <a:xfrm>
+          <a:off x="0" y="0"/>
+          <a:ext cx="0" cy="0"/>
+          <a:chOff x="0" y="0"/>
+          <a:chExt cx="0" cy="0"/>
+        </a:xfrm>
+      </p:grpSpPr>
+      <p:sp>
+        <p:nvSpPr>
+          <p:cNvPr id="2" name="Slide Image Placeholder 1">
+            <a:extLst>
+              <a:ext uri="{FF2B5EF4-FFF2-40B4-BE49-F238E27FC236}">
+                <a16:creationId xmlns:a16="http://schemas.microsoft.com/office/drawing/2014/main" xmlns="" id="{A65C55DC-40F4-B8B2-A44F-CEE7EA9104C1}"/>
+              </a:ext>
+            </a:extLst>
+          </p:cNvPr>
+          <p:cNvSpPr>
+            <a:spLocks noGrp="1" noRot="1" noChangeAspect="1"/>
+          </p:cNvSpPr>
+          <p:nvPr>
+            <p:ph type="sldImg"/>
+          </p:nvPr>
+        </p:nvSpPr>
+        <p:spPr/>
+      </p:sp>
+      <p:sp>
+        <p:nvSpPr>
+          <p:cNvPr id="3" name="Notes Placeholder 2">
+            <a:extLst>
+              <a:ext uri="{FF2B5EF4-FFF2-40B4-BE49-F238E27FC236}">
+                <a16:creationId xmlns:a16="http://schemas.microsoft.com/office/drawing/2014/main" xmlns="" id="{AFAEFE12-CFF9-2E00-9808-098A1D824723}"/>
+              </a:ext>
+            </a:extLst>
+          </p:cNvPr>
+          <p:cNvSpPr>
+            <a:spLocks noGrp="1"/>
+          </p:cNvSpPr>
+          <p:nvPr>
+            <p:ph type="body" idx="1"/>
+          </p:nvPr>
+        </p:nvSpPr>
+        <p:spPr/>
+        <p:txBody>
+          <a:bodyPr/>
+          <a:lstStyle/>
+          <a:p>
+            <a:endParaRPr lang="en-US" dirty="0"/>
+          </a:p>
+        </p:txBody>
+      </p:sp>
+      <p:sp>
+        <p:nvSpPr>
+          <p:cNvPr id="4" name="Slide Number Placeholder 3">
+            <a:extLst>
+              <a:ext uri="{FF2B5EF4-FFF2-40B4-BE49-F238E27FC236}">
+                <a16:creationId xmlns:a16="http://schemas.microsoft.com/office/drawing/2014/main" xmlns="" id="{85084F94-5BAE-E3B2-298D-1E3D1D48D1F6}"/>
+              </a:ext>
+            </a:extLst>
+          </p:cNvPr>
+          <p:cNvSpPr>
+            <a:spLocks noGrp="1"/>
+          </p:cNvSpPr>
+          <p:nvPr>
+            <p:ph type="sldNum" sz="quarter" idx="5"/>
+          </p:nvPr>
+        </p:nvSpPr>
+        <p:spPr/>
+        <p:txBody>
+          <a:bodyPr/>
+          <a:lstStyle/>
+          <a:p>
+            <a:fld id="{55247812-3409-784D-BAE7-ABE53735D59F}" type="slidenum">
+              <a:rPr lang="en-US" smtClean="0"/>
+              <a:t>32</a:t>
+            </a:fld>
+            <a:endParaRPr lang="en-US"/>
+          </a:p>
+        </p:txBody>
+      </p:sp>
+    </p:spTree>
+    <p:extLst>
+      <p:ext uri="{BB962C8B-B14F-4D97-AF65-F5344CB8AC3E}">
+        <p14:creationId xmlns:p14="http://schemas.microsoft.com/office/powerpoint/2010/main" val="1899534547"/>
+      </p:ext>
+    </p:extLst>
+  </p:cSld>
+  <p:clrMapOvr>
+    <a:masterClrMapping/>
+  </p:clrMapOvr>
+</p:notes>
+</file>
+
+<file path=ppt/notesSlides/notesSlide32.xml><?xml version="1.0" encoding="utf-8"?>
+<p:notes xmlns:a="http://schemas.openxmlformats.org/drawingml/2006/main" xmlns:r="http://schemas.openxmlformats.org/officeDocument/2006/relationships" xmlns:p="http://schemas.openxmlformats.org/presentationml/2006/main">
+  <p:cSld>
+    <p:spTree>
+      <p:nvGrpSpPr>
+        <p:cNvPr id="1" name="">
+          <a:extLst>
+            <a:ext uri="{FF2B5EF4-FFF2-40B4-BE49-F238E27FC236}">
+              <a16:creationId xmlns:a16="http://schemas.microsoft.com/office/drawing/2014/main" xmlns="" id="{84847B3D-F9FE-E845-0A9E-7B3E4737F607}"/>
+            </a:ext>
+          </a:extLst>
+        </p:cNvPr>
+        <p:cNvGrpSpPr/>
+        <p:nvPr/>
+      </p:nvGrpSpPr>
+      <p:grpSpPr>
+        <a:xfrm>
+          <a:off x="0" y="0"/>
+          <a:ext cx="0" cy="0"/>
+          <a:chOff x="0" y="0"/>
+          <a:chExt cx="0" cy="0"/>
+        </a:xfrm>
+      </p:grpSpPr>
+      <p:sp>
+        <p:nvSpPr>
+          <p:cNvPr id="2" name="Slide Image Placeholder 1">
+            <a:extLst>
+              <a:ext uri="{FF2B5EF4-FFF2-40B4-BE49-F238E27FC236}">
+                <a16:creationId xmlns:a16="http://schemas.microsoft.com/office/drawing/2014/main" xmlns="" id="{A65C55DC-40F4-B8B2-A44F-CEE7EA9104C1}"/>
+              </a:ext>
+            </a:extLst>
+          </p:cNvPr>
+          <p:cNvSpPr>
+            <a:spLocks noGrp="1" noRot="1" noChangeAspect="1"/>
+          </p:cNvSpPr>
+          <p:nvPr>
+            <p:ph type="sldImg"/>
+          </p:nvPr>
+        </p:nvSpPr>
+        <p:spPr/>
+      </p:sp>
+      <p:sp>
+        <p:nvSpPr>
+          <p:cNvPr id="3" name="Notes Placeholder 2">
+            <a:extLst>
+              <a:ext uri="{FF2B5EF4-FFF2-40B4-BE49-F238E27FC236}">
+                <a16:creationId xmlns:a16="http://schemas.microsoft.com/office/drawing/2014/main" xmlns="" id="{AFAEFE12-CFF9-2E00-9808-098A1D824723}"/>
+              </a:ext>
+            </a:extLst>
+          </p:cNvPr>
+          <p:cNvSpPr>
+            <a:spLocks noGrp="1"/>
+          </p:cNvSpPr>
+          <p:nvPr>
+            <p:ph type="body" idx="1"/>
+          </p:nvPr>
+        </p:nvSpPr>
+        <p:spPr/>
+        <p:txBody>
+          <a:bodyPr/>
+          <a:lstStyle/>
+          <a:p>
+            <a:endParaRPr lang="en-US" dirty="0"/>
+          </a:p>
+        </p:txBody>
+      </p:sp>
+      <p:sp>
+        <p:nvSpPr>
+          <p:cNvPr id="4" name="Slide Number Placeholder 3">
+            <a:extLst>
+              <a:ext uri="{FF2B5EF4-FFF2-40B4-BE49-F238E27FC236}">
+                <a16:creationId xmlns:a16="http://schemas.microsoft.com/office/drawing/2014/main" xmlns="" id="{85084F94-5BAE-E3B2-298D-1E3D1D48D1F6}"/>
+              </a:ext>
+            </a:extLst>
+          </p:cNvPr>
+          <p:cNvSpPr>
+            <a:spLocks noGrp="1"/>
+          </p:cNvSpPr>
+          <p:nvPr>
+            <p:ph type="sldNum" sz="quarter" idx="5"/>
+          </p:nvPr>
+        </p:nvSpPr>
+        <p:spPr/>
+        <p:txBody>
+          <a:bodyPr/>
+          <a:lstStyle/>
+          <a:p>
+            <a:fld id="{55247812-3409-784D-BAE7-ABE53735D59F}" type="slidenum">
+              <a:rPr lang="en-US" smtClean="0"/>
+              <a:t>33</a:t>
+            </a:fld>
+            <a:endParaRPr lang="en-US"/>
+          </a:p>
+        </p:txBody>
+      </p:sp>
+    </p:spTree>
+    <p:extLst>
+      <p:ext uri="{BB962C8B-B14F-4D97-AF65-F5344CB8AC3E}">
+        <p14:creationId xmlns:p14="http://schemas.microsoft.com/office/powerpoint/2010/main" val="1899534547"/>
+      </p:ext>
+    </p:extLst>
+  </p:cSld>
+  <p:clrMapOvr>
+    <a:masterClrMapping/>
+  </p:clrMapOvr>
+</p:notes>
+</file>
+
+<file path=ppt/notesSlides/notesSlide33.xml><?xml version="1.0" encoding="utf-8"?>
+<p:notes xmlns:a="http://schemas.openxmlformats.org/drawingml/2006/main" xmlns:r="http://schemas.openxmlformats.org/officeDocument/2006/relationships" xmlns:p="http://schemas.openxmlformats.org/presentationml/2006/main">
+  <p:cSld>
+    <p:spTree>
+      <p:nvGrpSpPr>
+        <p:cNvPr id="1" name="">
+          <a:extLst>
+            <a:ext uri="{FF2B5EF4-FFF2-40B4-BE49-F238E27FC236}">
+              <a16:creationId xmlns:a16="http://schemas.microsoft.com/office/drawing/2014/main" xmlns="" id="{84F15084-9E64-0732-2172-D06E24D20324}"/>
+            </a:ext>
+          </a:extLst>
+        </p:cNvPr>
+        <p:cNvGrpSpPr/>
+        <p:nvPr/>
+      </p:nvGrpSpPr>
+      <p:grpSpPr>
+        <a:xfrm>
+          <a:off x="0" y="0"/>
+          <a:ext cx="0" cy="0"/>
+          <a:chOff x="0" y="0"/>
+          <a:chExt cx="0" cy="0"/>
+        </a:xfrm>
+      </p:grpSpPr>
+      <p:sp>
+        <p:nvSpPr>
+          <p:cNvPr id="2" name="Slide Image Placeholder 1">
+            <a:extLst>
+              <a:ext uri="{FF2B5EF4-FFF2-40B4-BE49-F238E27FC236}">
+                <a16:creationId xmlns:a16="http://schemas.microsoft.com/office/drawing/2014/main" xmlns="" id="{7CCBBEEF-0F58-7DB2-13AB-6DAFC52BE070}"/>
+              </a:ext>
+            </a:extLst>
+          </p:cNvPr>
+          <p:cNvSpPr>
+            <a:spLocks noGrp="1" noRot="1" noChangeAspect="1"/>
+          </p:cNvSpPr>
+          <p:nvPr>
+            <p:ph type="sldImg"/>
+          </p:nvPr>
+        </p:nvSpPr>
+        <p:spPr/>
+      </p:sp>
+      <p:sp>
+        <p:nvSpPr>
+          <p:cNvPr id="3" name="Notes Placeholder 2">
+            <a:extLst>
+              <a:ext uri="{FF2B5EF4-FFF2-40B4-BE49-F238E27FC236}">
+                <a16:creationId xmlns:a16="http://schemas.microsoft.com/office/drawing/2014/main" xmlns="" id="{C62C92A2-0E82-6EA1-AA1F-C125D6D8C6A8}"/>
+              </a:ext>
+            </a:extLst>
+          </p:cNvPr>
+          <p:cNvSpPr>
+            <a:spLocks noGrp="1"/>
+          </p:cNvSpPr>
+          <p:nvPr>
+            <p:ph type="body" idx="1"/>
+          </p:nvPr>
+        </p:nvSpPr>
+        <p:spPr/>
+        <p:txBody>
+          <a:bodyPr/>
+          <a:lstStyle/>
+          <a:p>
+            <a:endParaRPr lang="en-US"/>
+          </a:p>
+        </p:txBody>
+      </p:sp>
+      <p:sp>
+        <p:nvSpPr>
+          <p:cNvPr id="4" name="Slide Number Placeholder 3">
+            <a:extLst>
+              <a:ext uri="{FF2B5EF4-FFF2-40B4-BE49-F238E27FC236}">
+                <a16:creationId xmlns:a16="http://schemas.microsoft.com/office/drawing/2014/main" xmlns="" id="{F80306BD-3757-CA40-4082-AACA5F6DB656}"/>
+              </a:ext>
+            </a:extLst>
+          </p:cNvPr>
+          <p:cNvSpPr>
+            <a:spLocks noGrp="1"/>
+          </p:cNvSpPr>
+          <p:nvPr>
+            <p:ph type="sldNum" sz="quarter" idx="5"/>
+          </p:nvPr>
+        </p:nvSpPr>
+        <p:spPr/>
+        <p:txBody>
+          <a:bodyPr/>
+          <a:lstStyle/>
+          <a:p>
+            <a:fld id="{55247812-3409-784D-BAE7-ABE53735D59F}" type="slidenum">
+              <a:rPr lang="en-US" smtClean="0"/>
+              <a:t>34</a:t>
+            </a:fld>
+            <a:endParaRPr lang="en-US"/>
+          </a:p>
+        </p:txBody>
+      </p:sp>
+    </p:spTree>
+    <p:extLst>
+      <p:ext uri="{BB962C8B-B14F-4D97-AF65-F5344CB8AC3E}">
+        <p14:creationId xmlns:p14="http://schemas.microsoft.com/office/powerpoint/2010/main" val="2113507462"/>
       </p:ext>
     </p:extLst>
   </p:cSld>
@@ -3162,7 +3598,7 @@
         <p:cNvPr id="1" name="">
           <a:extLst>
             <a:ext uri="{FF2B5EF4-FFF2-40B4-BE49-F238E27FC236}">
-              <a16:creationId xmlns="" xmlns:a16="http://schemas.microsoft.com/office/drawing/2014/main" id="{32CDD179-4403-A07F-630C-A153B2FB9440}"/>
+              <a16:creationId xmlns:a16="http://schemas.microsoft.com/office/drawing/2014/main" xmlns="" id="{32CDD179-4403-A07F-630C-A153B2FB9440}"/>
             </a:ext>
           </a:extLst>
         </p:cNvPr>
@@ -3182,7 +3618,7 @@
           <p:cNvPr id="2" name="Slide Image Placeholder 1">
             <a:extLst>
               <a:ext uri="{FF2B5EF4-FFF2-40B4-BE49-F238E27FC236}">
-                <a16:creationId xmlns="" xmlns:a16="http://schemas.microsoft.com/office/drawing/2014/main" id="{C5371C59-0780-417A-50AE-5F81ED51E3DD}"/>
+                <a16:creationId xmlns:a16="http://schemas.microsoft.com/office/drawing/2014/main" xmlns="" id="{C5371C59-0780-417A-50AE-5F81ED51E3DD}"/>
               </a:ext>
             </a:extLst>
           </p:cNvPr>
@@ -3200,7 +3636,7 @@
           <p:cNvPr id="3" name="Notes Placeholder 2">
             <a:extLst>
               <a:ext uri="{FF2B5EF4-FFF2-40B4-BE49-F238E27FC236}">
-                <a16:creationId xmlns="" xmlns:a16="http://schemas.microsoft.com/office/drawing/2014/main" id="{3877DC73-D2E6-4C8A-5B32-AAE3B3DEC3E1}"/>
+                <a16:creationId xmlns:a16="http://schemas.microsoft.com/office/drawing/2014/main" xmlns="" id="{3877DC73-D2E6-4C8A-5B32-AAE3B3DEC3E1}"/>
               </a:ext>
             </a:extLst>
           </p:cNvPr>
@@ -3225,7 +3661,7 @@
           <p:cNvPr id="4" name="Slide Number Placeholder 3">
             <a:extLst>
               <a:ext uri="{FF2B5EF4-FFF2-40B4-BE49-F238E27FC236}">
-                <a16:creationId xmlns="" xmlns:a16="http://schemas.microsoft.com/office/drawing/2014/main" id="{A53F2668-F7D8-0DD8-090D-8D685CDFDF82}"/>
+                <a16:creationId xmlns:a16="http://schemas.microsoft.com/office/drawing/2014/main" xmlns="" id="{A53F2668-F7D8-0DD8-090D-8D685CDFDF82}"/>
               </a:ext>
             </a:extLst>
           </p:cNvPr>
@@ -3270,7 +3706,7 @@
         <p:cNvPr id="1" name="">
           <a:extLst>
             <a:ext uri="{FF2B5EF4-FFF2-40B4-BE49-F238E27FC236}">
-              <a16:creationId xmlns="" xmlns:a16="http://schemas.microsoft.com/office/drawing/2014/main" id="{611B77C4-0D39-64D6-A86B-642112E29695}"/>
+              <a16:creationId xmlns:a16="http://schemas.microsoft.com/office/drawing/2014/main" xmlns="" id="{611B77C4-0D39-64D6-A86B-642112E29695}"/>
             </a:ext>
           </a:extLst>
         </p:cNvPr>
@@ -3290,7 +3726,7 @@
           <p:cNvPr id="2" name="Slide Image Placeholder 1">
             <a:extLst>
               <a:ext uri="{FF2B5EF4-FFF2-40B4-BE49-F238E27FC236}">
-                <a16:creationId xmlns="" xmlns:a16="http://schemas.microsoft.com/office/drawing/2014/main" id="{248CF8F3-1596-3F28-5175-2E3D216F2B36}"/>
+                <a16:creationId xmlns:a16="http://schemas.microsoft.com/office/drawing/2014/main" xmlns="" id="{248CF8F3-1596-3F28-5175-2E3D216F2B36}"/>
               </a:ext>
             </a:extLst>
           </p:cNvPr>
@@ -3308,7 +3744,7 @@
           <p:cNvPr id="3" name="Notes Placeholder 2">
             <a:extLst>
               <a:ext uri="{FF2B5EF4-FFF2-40B4-BE49-F238E27FC236}">
-                <a16:creationId xmlns="" xmlns:a16="http://schemas.microsoft.com/office/drawing/2014/main" id="{8DAF0CB2-EC6B-167D-32D1-6BCC4A35A007}"/>
+                <a16:creationId xmlns:a16="http://schemas.microsoft.com/office/drawing/2014/main" xmlns="" id="{8DAF0CB2-EC6B-167D-32D1-6BCC4A35A007}"/>
               </a:ext>
             </a:extLst>
           </p:cNvPr>
@@ -3333,7 +3769,7 @@
           <p:cNvPr id="4" name="Slide Number Placeholder 3">
             <a:extLst>
               <a:ext uri="{FF2B5EF4-FFF2-40B4-BE49-F238E27FC236}">
-                <a16:creationId xmlns="" xmlns:a16="http://schemas.microsoft.com/office/drawing/2014/main" id="{4B9C545A-1AD5-BFF5-B687-7B9BD552CC0D}"/>
+                <a16:creationId xmlns:a16="http://schemas.microsoft.com/office/drawing/2014/main" xmlns="" id="{4B9C545A-1AD5-BFF5-B687-7B9BD552CC0D}"/>
               </a:ext>
             </a:extLst>
           </p:cNvPr>
@@ -3378,7 +3814,7 @@
         <p:cNvPr id="1" name="">
           <a:extLst>
             <a:ext uri="{FF2B5EF4-FFF2-40B4-BE49-F238E27FC236}">
-              <a16:creationId xmlns="" xmlns:a16="http://schemas.microsoft.com/office/drawing/2014/main" id="{3E01EA9D-0D8E-B3B3-3471-A72EA7077645}"/>
+              <a16:creationId xmlns:a16="http://schemas.microsoft.com/office/drawing/2014/main" xmlns="" id="{3E01EA9D-0D8E-B3B3-3471-A72EA7077645}"/>
             </a:ext>
           </a:extLst>
         </p:cNvPr>
@@ -3398,7 +3834,7 @@
           <p:cNvPr id="2" name="Slide Image Placeholder 1">
             <a:extLst>
               <a:ext uri="{FF2B5EF4-FFF2-40B4-BE49-F238E27FC236}">
-                <a16:creationId xmlns="" xmlns:a16="http://schemas.microsoft.com/office/drawing/2014/main" id="{7B90D1D5-C864-5E4C-3C40-4D43E6C4296D}"/>
+                <a16:creationId xmlns:a16="http://schemas.microsoft.com/office/drawing/2014/main" xmlns="" id="{7B90D1D5-C864-5E4C-3C40-4D43E6C4296D}"/>
               </a:ext>
             </a:extLst>
           </p:cNvPr>
@@ -3416,7 +3852,7 @@
           <p:cNvPr id="3" name="Notes Placeholder 2">
             <a:extLst>
               <a:ext uri="{FF2B5EF4-FFF2-40B4-BE49-F238E27FC236}">
-                <a16:creationId xmlns="" xmlns:a16="http://schemas.microsoft.com/office/drawing/2014/main" id="{ED9CB586-8860-3BD8-3381-DA1CEFABC39B}"/>
+                <a16:creationId xmlns:a16="http://schemas.microsoft.com/office/drawing/2014/main" xmlns="" id="{ED9CB586-8860-3BD8-3381-DA1CEFABC39B}"/>
               </a:ext>
             </a:extLst>
           </p:cNvPr>
@@ -3441,7 +3877,7 @@
           <p:cNvPr id="4" name="Slide Number Placeholder 3">
             <a:extLst>
               <a:ext uri="{FF2B5EF4-FFF2-40B4-BE49-F238E27FC236}">
-                <a16:creationId xmlns="" xmlns:a16="http://schemas.microsoft.com/office/drawing/2014/main" id="{C0A432A5-CFDC-1082-A3A3-88230315F764}"/>
+                <a16:creationId xmlns:a16="http://schemas.microsoft.com/office/drawing/2014/main" xmlns="" id="{C0A432A5-CFDC-1082-A3A3-88230315F764}"/>
               </a:ext>
             </a:extLst>
           </p:cNvPr>
@@ -3486,7 +3922,7 @@
         <p:cNvPr id="1" name="">
           <a:extLst>
             <a:ext uri="{FF2B5EF4-FFF2-40B4-BE49-F238E27FC236}">
-              <a16:creationId xmlns="" xmlns:a16="http://schemas.microsoft.com/office/drawing/2014/main" id="{3E01EA9D-0D8E-B3B3-3471-A72EA7077645}"/>
+              <a16:creationId xmlns:a16="http://schemas.microsoft.com/office/drawing/2014/main" xmlns="" id="{3E01EA9D-0D8E-B3B3-3471-A72EA7077645}"/>
             </a:ext>
           </a:extLst>
         </p:cNvPr>
@@ -3506,7 +3942,7 @@
           <p:cNvPr id="2" name="Slide Image Placeholder 1">
             <a:extLst>
               <a:ext uri="{FF2B5EF4-FFF2-40B4-BE49-F238E27FC236}">
-                <a16:creationId xmlns="" xmlns:a16="http://schemas.microsoft.com/office/drawing/2014/main" id="{7B90D1D5-C864-5E4C-3C40-4D43E6C4296D}"/>
+                <a16:creationId xmlns:a16="http://schemas.microsoft.com/office/drawing/2014/main" xmlns="" id="{7B90D1D5-C864-5E4C-3C40-4D43E6C4296D}"/>
               </a:ext>
             </a:extLst>
           </p:cNvPr>
@@ -3524,7 +3960,7 @@
           <p:cNvPr id="3" name="Notes Placeholder 2">
             <a:extLst>
               <a:ext uri="{FF2B5EF4-FFF2-40B4-BE49-F238E27FC236}">
-                <a16:creationId xmlns="" xmlns:a16="http://schemas.microsoft.com/office/drawing/2014/main" id="{ED9CB586-8860-3BD8-3381-DA1CEFABC39B}"/>
+                <a16:creationId xmlns:a16="http://schemas.microsoft.com/office/drawing/2014/main" xmlns="" id="{ED9CB586-8860-3BD8-3381-DA1CEFABC39B}"/>
               </a:ext>
             </a:extLst>
           </p:cNvPr>
@@ -3549,7 +3985,7 @@
           <p:cNvPr id="4" name="Slide Number Placeholder 3">
             <a:extLst>
               <a:ext uri="{FF2B5EF4-FFF2-40B4-BE49-F238E27FC236}">
-                <a16:creationId xmlns="" xmlns:a16="http://schemas.microsoft.com/office/drawing/2014/main" id="{C0A432A5-CFDC-1082-A3A3-88230315F764}"/>
+                <a16:creationId xmlns:a16="http://schemas.microsoft.com/office/drawing/2014/main" xmlns="" id="{C0A432A5-CFDC-1082-A3A3-88230315F764}"/>
               </a:ext>
             </a:extLst>
           </p:cNvPr>
@@ -3594,7 +4030,7 @@
         <p:cNvPr id="1" name="">
           <a:extLst>
             <a:ext uri="{FF2B5EF4-FFF2-40B4-BE49-F238E27FC236}">
-              <a16:creationId xmlns="" xmlns:a16="http://schemas.microsoft.com/office/drawing/2014/main" id="{5EB58F29-43BC-250B-F029-F71591A0B61F}"/>
+              <a16:creationId xmlns:a16="http://schemas.microsoft.com/office/drawing/2014/main" xmlns="" id="{5EB58F29-43BC-250B-F029-F71591A0B61F}"/>
             </a:ext>
           </a:extLst>
         </p:cNvPr>
@@ -3614,7 +4050,7 @@
           <p:cNvPr id="2" name="Slide Image Placeholder 1">
             <a:extLst>
               <a:ext uri="{FF2B5EF4-FFF2-40B4-BE49-F238E27FC236}">
-                <a16:creationId xmlns="" xmlns:a16="http://schemas.microsoft.com/office/drawing/2014/main" id="{5DE86BF1-A149-E84A-3F16-6B3EA6508255}"/>
+                <a16:creationId xmlns:a16="http://schemas.microsoft.com/office/drawing/2014/main" xmlns="" id="{5DE86BF1-A149-E84A-3F16-6B3EA6508255}"/>
               </a:ext>
             </a:extLst>
           </p:cNvPr>
@@ -3632,7 +4068,7 @@
           <p:cNvPr id="3" name="Notes Placeholder 2">
             <a:extLst>
               <a:ext uri="{FF2B5EF4-FFF2-40B4-BE49-F238E27FC236}">
-                <a16:creationId xmlns="" xmlns:a16="http://schemas.microsoft.com/office/drawing/2014/main" id="{CA0F34B0-7045-260E-477B-11A6EFF1956C}"/>
+                <a16:creationId xmlns:a16="http://schemas.microsoft.com/office/drawing/2014/main" xmlns="" id="{CA0F34B0-7045-260E-477B-11A6EFF1956C}"/>
               </a:ext>
             </a:extLst>
           </p:cNvPr>
@@ -3657,7 +4093,7 @@
           <p:cNvPr id="4" name="Slide Number Placeholder 3">
             <a:extLst>
               <a:ext uri="{FF2B5EF4-FFF2-40B4-BE49-F238E27FC236}">
-                <a16:creationId xmlns="" xmlns:a16="http://schemas.microsoft.com/office/drawing/2014/main" id="{A5688479-B809-6A48-F4C5-5339F475891A}"/>
+                <a16:creationId xmlns:a16="http://schemas.microsoft.com/office/drawing/2014/main" xmlns="" id="{A5688479-B809-6A48-F4C5-5339F475891A}"/>
               </a:ext>
             </a:extLst>
           </p:cNvPr>
@@ -3702,7 +4138,7 @@
         <p:cNvPr id="1" name="">
           <a:extLst>
             <a:ext uri="{FF2B5EF4-FFF2-40B4-BE49-F238E27FC236}">
-              <a16:creationId xmlns="" xmlns:a16="http://schemas.microsoft.com/office/drawing/2014/main" id="{84847B3D-F9FE-E845-0A9E-7B3E4737F607}"/>
+              <a16:creationId xmlns:a16="http://schemas.microsoft.com/office/drawing/2014/main" xmlns="" id="{84847B3D-F9FE-E845-0A9E-7B3E4737F607}"/>
             </a:ext>
           </a:extLst>
         </p:cNvPr>
@@ -3722,7 +4158,7 @@
           <p:cNvPr id="2" name="Slide Image Placeholder 1">
             <a:extLst>
               <a:ext uri="{FF2B5EF4-FFF2-40B4-BE49-F238E27FC236}">
-                <a16:creationId xmlns="" xmlns:a16="http://schemas.microsoft.com/office/drawing/2014/main" id="{A65C55DC-40F4-B8B2-A44F-CEE7EA9104C1}"/>
+                <a16:creationId xmlns:a16="http://schemas.microsoft.com/office/drawing/2014/main" xmlns="" id="{A65C55DC-40F4-B8B2-A44F-CEE7EA9104C1}"/>
               </a:ext>
             </a:extLst>
           </p:cNvPr>
@@ -3740,7 +4176,7 @@
           <p:cNvPr id="3" name="Notes Placeholder 2">
             <a:extLst>
               <a:ext uri="{FF2B5EF4-FFF2-40B4-BE49-F238E27FC236}">
-                <a16:creationId xmlns="" xmlns:a16="http://schemas.microsoft.com/office/drawing/2014/main" id="{AFAEFE12-CFF9-2E00-9808-098A1D824723}"/>
+                <a16:creationId xmlns:a16="http://schemas.microsoft.com/office/drawing/2014/main" xmlns="" id="{AFAEFE12-CFF9-2E00-9808-098A1D824723}"/>
               </a:ext>
             </a:extLst>
           </p:cNvPr>
@@ -3765,7 +4201,7 @@
           <p:cNvPr id="4" name="Slide Number Placeholder 3">
             <a:extLst>
               <a:ext uri="{FF2B5EF4-FFF2-40B4-BE49-F238E27FC236}">
-                <a16:creationId xmlns="" xmlns:a16="http://schemas.microsoft.com/office/drawing/2014/main" id="{85084F94-5BAE-E3B2-298D-1E3D1D48D1F6}"/>
+                <a16:creationId xmlns:a16="http://schemas.microsoft.com/office/drawing/2014/main" xmlns="" id="{85084F94-5BAE-E3B2-298D-1E3D1D48D1F6}"/>
               </a:ext>
             </a:extLst>
           </p:cNvPr>
@@ -3832,7 +4268,7 @@
           <p:cNvPr id="7" name="Picture Placeholder 6">
             <a:extLst>
               <a:ext uri="{FF2B5EF4-FFF2-40B4-BE49-F238E27FC236}">
-                <a16:creationId xmlns="" xmlns:a16="http://schemas.microsoft.com/office/drawing/2014/main" id="{7A7F58C7-D277-8F14-F024-4B41D20D054F}"/>
+                <a16:creationId xmlns:a16="http://schemas.microsoft.com/office/drawing/2014/main" xmlns="" id="{7A7F58C7-D277-8F14-F024-4B41D20D054F}"/>
               </a:ext>
             </a:extLst>
           </p:cNvPr>
@@ -3877,7 +4313,7 @@
           <p:cNvPr id="6" name="Title 1">
             <a:extLst>
               <a:ext uri="{FF2B5EF4-FFF2-40B4-BE49-F238E27FC236}">
-                <a16:creationId xmlns="" xmlns:a16="http://schemas.microsoft.com/office/drawing/2014/main" id="{2E8C189B-2E00-67DA-E342-3440F5EBB4CE}"/>
+                <a16:creationId xmlns:a16="http://schemas.microsoft.com/office/drawing/2014/main" xmlns="" id="{2E8C189B-2E00-67DA-E342-3440F5EBB4CE}"/>
               </a:ext>
             </a:extLst>
           </p:cNvPr>
@@ -3950,7 +4386,7 @@
           <p:cNvPr id="2" name="Title 1">
             <a:extLst>
               <a:ext uri="{FF2B5EF4-FFF2-40B4-BE49-F238E27FC236}">
-                <a16:creationId xmlns="" xmlns:a16="http://schemas.microsoft.com/office/drawing/2014/main" id="{0C40C44A-93E6-6C58-5E88-AFDC594EC27A}"/>
+                <a16:creationId xmlns:a16="http://schemas.microsoft.com/office/drawing/2014/main" xmlns="" id="{0C40C44A-93E6-6C58-5E88-AFDC594EC27A}"/>
               </a:ext>
             </a:extLst>
           </p:cNvPr>
@@ -3989,7 +4425,7 @@
           <p:cNvPr id="8" name="Content Placeholder 10">
             <a:extLst>
               <a:ext uri="{FF2B5EF4-FFF2-40B4-BE49-F238E27FC236}">
-                <a16:creationId xmlns="" xmlns:a16="http://schemas.microsoft.com/office/drawing/2014/main" id="{A524C1E0-92FE-D7D2-83A7-46D29A838874}"/>
+                <a16:creationId xmlns:a16="http://schemas.microsoft.com/office/drawing/2014/main" xmlns="" id="{A524C1E0-92FE-D7D2-83A7-46D29A838874}"/>
               </a:ext>
             </a:extLst>
           </p:cNvPr>
@@ -4137,7 +4573,7 @@
           <p:cNvPr id="11" name="Content Placeholder 10">
             <a:extLst>
               <a:ext uri="{FF2B5EF4-FFF2-40B4-BE49-F238E27FC236}">
-                <a16:creationId xmlns="" xmlns:a16="http://schemas.microsoft.com/office/drawing/2014/main" id="{427E0367-8E38-8905-DC9A-D0C376A591A7}"/>
+                <a16:creationId xmlns:a16="http://schemas.microsoft.com/office/drawing/2014/main" xmlns="" id="{427E0367-8E38-8905-DC9A-D0C376A591A7}"/>
               </a:ext>
             </a:extLst>
           </p:cNvPr>
@@ -4285,10 +4721,10 @@
           <p:cNvPr id="10" name="Rectangle 9">
             <a:extLst>
               <a:ext uri="{FF2B5EF4-FFF2-40B4-BE49-F238E27FC236}">
-                <a16:creationId xmlns="" xmlns:a16="http://schemas.microsoft.com/office/drawing/2014/main" id="{43D847DE-29F2-8ABB-1718-34BED4F37718}"/>
+                <a16:creationId xmlns:a16="http://schemas.microsoft.com/office/drawing/2014/main" xmlns="" id="{43D847DE-29F2-8ABB-1718-34BED4F37718}"/>
               </a:ext>
               <a:ext uri="{C183D7F6-B498-43B3-948B-1728B52AA6E4}">
-                <adec:decorative xmlns="" xmlns:adec="http://schemas.microsoft.com/office/drawing/2017/decorative" val="1"/>
+                <adec:decorative xmlns:adec="http://schemas.microsoft.com/office/drawing/2017/decorative" xmlns="" val="1"/>
               </a:ext>
             </a:extLst>
           </p:cNvPr>
@@ -4357,7 +4793,7 @@
           <p:cNvPr id="5" name="Date Placeholder 4">
             <a:extLst>
               <a:ext uri="{FF2B5EF4-FFF2-40B4-BE49-F238E27FC236}">
-                <a16:creationId xmlns="" xmlns:a16="http://schemas.microsoft.com/office/drawing/2014/main" id="{C6CFCEB5-4092-FD13-478E-51CD74FDB82E}"/>
+                <a16:creationId xmlns:a16="http://schemas.microsoft.com/office/drawing/2014/main" xmlns="" id="{C6CFCEB5-4092-FD13-478E-51CD74FDB82E}"/>
               </a:ext>
             </a:extLst>
           </p:cNvPr>
@@ -4386,7 +4822,7 @@
           <p:cNvPr id="6" name="Footer Placeholder 5">
             <a:extLst>
               <a:ext uri="{FF2B5EF4-FFF2-40B4-BE49-F238E27FC236}">
-                <a16:creationId xmlns="" xmlns:a16="http://schemas.microsoft.com/office/drawing/2014/main" id="{5D077A4D-E7C0-912D-293F-D93F0CB5CA49}"/>
+                <a16:creationId xmlns:a16="http://schemas.microsoft.com/office/drawing/2014/main" xmlns="" id="{5D077A4D-E7C0-912D-293F-D93F0CB5CA49}"/>
               </a:ext>
             </a:extLst>
           </p:cNvPr>
@@ -4411,7 +4847,7 @@
           <p:cNvPr id="7" name="Slide Number Placeholder 6">
             <a:extLst>
               <a:ext uri="{FF2B5EF4-FFF2-40B4-BE49-F238E27FC236}">
-                <a16:creationId xmlns="" xmlns:a16="http://schemas.microsoft.com/office/drawing/2014/main" id="{CA6AA9E1-334B-5F8F-8A92-67DD095F7838}"/>
+                <a16:creationId xmlns:a16="http://schemas.microsoft.com/office/drawing/2014/main" xmlns="" id="{CA6AA9E1-334B-5F8F-8A92-67DD095F7838}"/>
               </a:ext>
             </a:extLst>
           </p:cNvPr>
@@ -4470,7 +4906,7 @@
           <p:cNvPr id="2" name="Title 1">
             <a:extLst>
               <a:ext uri="{FF2B5EF4-FFF2-40B4-BE49-F238E27FC236}">
-                <a16:creationId xmlns="" xmlns:a16="http://schemas.microsoft.com/office/drawing/2014/main" id="{F657BD59-35CC-9BB3-8621-6FA3356F81AA}"/>
+                <a16:creationId xmlns:a16="http://schemas.microsoft.com/office/drawing/2014/main" xmlns="" id="{F657BD59-35CC-9BB3-8621-6FA3356F81AA}"/>
               </a:ext>
             </a:extLst>
           </p:cNvPr>
@@ -4504,7 +4940,7 @@
           <p:cNvPr id="8" name="Table Placeholder 7">
             <a:extLst>
               <a:ext uri="{FF2B5EF4-FFF2-40B4-BE49-F238E27FC236}">
-                <a16:creationId xmlns="" xmlns:a16="http://schemas.microsoft.com/office/drawing/2014/main" id="{0CEAFE70-86D3-8690-31CA-F9A1FBA494D0}"/>
+                <a16:creationId xmlns:a16="http://schemas.microsoft.com/office/drawing/2014/main" xmlns="" id="{0CEAFE70-86D3-8690-31CA-F9A1FBA494D0}"/>
               </a:ext>
             </a:extLst>
           </p:cNvPr>
@@ -4542,7 +4978,7 @@
           <p:cNvPr id="4" name="Date Placeholder 3">
             <a:extLst>
               <a:ext uri="{FF2B5EF4-FFF2-40B4-BE49-F238E27FC236}">
-                <a16:creationId xmlns="" xmlns:a16="http://schemas.microsoft.com/office/drawing/2014/main" id="{8C56EB0F-63C8-5F75-A333-3413A9DC6F76}"/>
+                <a16:creationId xmlns:a16="http://schemas.microsoft.com/office/drawing/2014/main" xmlns="" id="{8C56EB0F-63C8-5F75-A333-3413A9DC6F76}"/>
               </a:ext>
             </a:extLst>
           </p:cNvPr>
@@ -4571,7 +5007,7 @@
           <p:cNvPr id="5" name="Footer Placeholder 4">
             <a:extLst>
               <a:ext uri="{FF2B5EF4-FFF2-40B4-BE49-F238E27FC236}">
-                <a16:creationId xmlns="" xmlns:a16="http://schemas.microsoft.com/office/drawing/2014/main" id="{4D4DE333-25B4-E092-1CC4-C3D20BA25168}"/>
+                <a16:creationId xmlns:a16="http://schemas.microsoft.com/office/drawing/2014/main" xmlns="" id="{4D4DE333-25B4-E092-1CC4-C3D20BA25168}"/>
               </a:ext>
             </a:extLst>
           </p:cNvPr>
@@ -4596,7 +5032,7 @@
           <p:cNvPr id="6" name="Slide Number Placeholder 5">
             <a:extLst>
               <a:ext uri="{FF2B5EF4-FFF2-40B4-BE49-F238E27FC236}">
-                <a16:creationId xmlns="" xmlns:a16="http://schemas.microsoft.com/office/drawing/2014/main" id="{8F1AF200-E81F-A326-0EDB-4B93C71D9BF4}"/>
+                <a16:creationId xmlns:a16="http://schemas.microsoft.com/office/drawing/2014/main" xmlns="" id="{8F1AF200-E81F-A326-0EDB-4B93C71D9BF4}"/>
               </a:ext>
             </a:extLst>
           </p:cNvPr>
@@ -4655,7 +5091,7 @@
           <p:cNvPr id="12" name="Picture Placeholder 11">
             <a:extLst>
               <a:ext uri="{FF2B5EF4-FFF2-40B4-BE49-F238E27FC236}">
-                <a16:creationId xmlns="" xmlns:a16="http://schemas.microsoft.com/office/drawing/2014/main" id="{76EE6F3F-63EB-5C0E-2307-3B7CBBA1C374}"/>
+                <a16:creationId xmlns:a16="http://schemas.microsoft.com/office/drawing/2014/main" xmlns="" id="{76EE6F3F-63EB-5C0E-2307-3B7CBBA1C374}"/>
               </a:ext>
             </a:extLst>
           </p:cNvPr>
@@ -4703,7 +5139,7 @@
           <p:cNvPr id="2" name="Title 1">
             <a:extLst>
               <a:ext uri="{FF2B5EF4-FFF2-40B4-BE49-F238E27FC236}">
-                <a16:creationId xmlns="" xmlns:a16="http://schemas.microsoft.com/office/drawing/2014/main" id="{F657BD59-35CC-9BB3-8621-6FA3356F81AA}"/>
+                <a16:creationId xmlns:a16="http://schemas.microsoft.com/office/drawing/2014/main" xmlns="" id="{F657BD59-35CC-9BB3-8621-6FA3356F81AA}"/>
               </a:ext>
             </a:extLst>
           </p:cNvPr>
@@ -4749,7 +5185,7 @@
           <p:cNvPr id="10" name="Text Placeholder 9">
             <a:extLst>
               <a:ext uri="{FF2B5EF4-FFF2-40B4-BE49-F238E27FC236}">
-                <a16:creationId xmlns="" xmlns:a16="http://schemas.microsoft.com/office/drawing/2014/main" id="{E12DA517-30B0-BC62-0422-F995FB9189E2}"/>
+                <a16:creationId xmlns:a16="http://schemas.microsoft.com/office/drawing/2014/main" xmlns="" id="{E12DA517-30B0-BC62-0422-F995FB9189E2}"/>
               </a:ext>
             </a:extLst>
           </p:cNvPr>
@@ -4871,7 +5307,7 @@
           <p:cNvPr id="2" name="Title 1">
             <a:extLst>
               <a:ext uri="{FF2B5EF4-FFF2-40B4-BE49-F238E27FC236}">
-                <a16:creationId xmlns="" xmlns:a16="http://schemas.microsoft.com/office/drawing/2014/main" id="{F657BD59-35CC-9BB3-8621-6FA3356F81AA}"/>
+                <a16:creationId xmlns:a16="http://schemas.microsoft.com/office/drawing/2014/main" xmlns="" id="{F657BD59-35CC-9BB3-8621-6FA3356F81AA}"/>
               </a:ext>
             </a:extLst>
           </p:cNvPr>
@@ -4910,7 +5346,7 @@
           <p:cNvPr id="10" name="Picture Placeholder 9">
             <a:extLst>
               <a:ext uri="{FF2B5EF4-FFF2-40B4-BE49-F238E27FC236}">
-                <a16:creationId xmlns="" xmlns:a16="http://schemas.microsoft.com/office/drawing/2014/main" id="{6B8CBAD6-FC79-B2BB-0B67-26429A6D4C8C}"/>
+                <a16:creationId xmlns:a16="http://schemas.microsoft.com/office/drawing/2014/main" xmlns="" id="{6B8CBAD6-FC79-B2BB-0B67-26429A6D4C8C}"/>
               </a:ext>
             </a:extLst>
           </p:cNvPr>
@@ -4957,7 +5393,7 @@
           <p:cNvPr id="3" name="Content Placeholder 2">
             <a:extLst>
               <a:ext uri="{FF2B5EF4-FFF2-40B4-BE49-F238E27FC236}">
-                <a16:creationId xmlns="" xmlns:a16="http://schemas.microsoft.com/office/drawing/2014/main" id="{A772710C-A212-1B12-06CD-FA2A14F89D68}"/>
+                <a16:creationId xmlns:a16="http://schemas.microsoft.com/office/drawing/2014/main" xmlns="" id="{A772710C-A212-1B12-06CD-FA2A14F89D68}"/>
               </a:ext>
             </a:extLst>
           </p:cNvPr>
@@ -5072,10 +5508,10 @@
           <p:cNvPr id="11" name="Rectangle 10">
             <a:extLst>
               <a:ext uri="{FF2B5EF4-FFF2-40B4-BE49-F238E27FC236}">
-                <a16:creationId xmlns="" xmlns:a16="http://schemas.microsoft.com/office/drawing/2014/main" id="{934796A3-781D-5244-DAB8-2D6EE0AC3B70}"/>
+                <a16:creationId xmlns:a16="http://schemas.microsoft.com/office/drawing/2014/main" xmlns="" id="{934796A3-781D-5244-DAB8-2D6EE0AC3B70}"/>
               </a:ext>
               <a:ext uri="{C183D7F6-B498-43B3-948B-1728B52AA6E4}">
-                <adec:decorative xmlns="" xmlns:adec="http://schemas.microsoft.com/office/drawing/2017/decorative" val="1"/>
+                <adec:decorative xmlns:adec="http://schemas.microsoft.com/office/drawing/2017/decorative" xmlns="" val="1"/>
               </a:ext>
             </a:extLst>
           </p:cNvPr>
@@ -5151,7 +5587,7 @@
   </p:clrMapOvr>
   <p:extLst>
     <p:ext uri="{DCECCB84-F9BA-43D5-87BE-67443E8EF086}">
-      <p15:sldGuideLst xmlns="" xmlns:p15="http://schemas.microsoft.com/office/powerpoint/2012/main">
+      <p15:sldGuideLst xmlns:p15="http://schemas.microsoft.com/office/powerpoint/2012/main" xmlns="">
         <p15:guide id="1" orient="horz" pos="2160" userDrawn="1">
           <p15:clr>
             <a:srgbClr val="FBAE40"/>
@@ -5190,7 +5626,7 @@
           <p:cNvPr id="2" name="Title 1">
             <a:extLst>
               <a:ext uri="{FF2B5EF4-FFF2-40B4-BE49-F238E27FC236}">
-                <a16:creationId xmlns="" xmlns:a16="http://schemas.microsoft.com/office/drawing/2014/main" id="{32772C41-A024-2F33-1F04-21E003FA7291}"/>
+                <a16:creationId xmlns:a16="http://schemas.microsoft.com/office/drawing/2014/main" xmlns="" id="{32772C41-A024-2F33-1F04-21E003FA7291}"/>
               </a:ext>
             </a:extLst>
           </p:cNvPr>
@@ -5230,7 +5666,7 @@
           <p:cNvPr id="12" name="Picture Placeholder 11">
             <a:extLst>
               <a:ext uri="{FF2B5EF4-FFF2-40B4-BE49-F238E27FC236}">
-                <a16:creationId xmlns="" xmlns:a16="http://schemas.microsoft.com/office/drawing/2014/main" id="{82836803-D9E6-3DF1-3B90-1E7E677CC7B7}"/>
+                <a16:creationId xmlns:a16="http://schemas.microsoft.com/office/drawing/2014/main" xmlns="" id="{82836803-D9E6-3DF1-3B90-1E7E677CC7B7}"/>
               </a:ext>
             </a:extLst>
           </p:cNvPr>
@@ -5276,7 +5712,7 @@
           <p:cNvPr id="3" name="Subtitle 2">
             <a:extLst>
               <a:ext uri="{FF2B5EF4-FFF2-40B4-BE49-F238E27FC236}">
-                <a16:creationId xmlns="" xmlns:a16="http://schemas.microsoft.com/office/drawing/2014/main" id="{473BC2DF-9C2A-052C-AD2C-0A8ABAA50374}"/>
+                <a16:creationId xmlns:a16="http://schemas.microsoft.com/office/drawing/2014/main" xmlns="" id="{473BC2DF-9C2A-052C-AD2C-0A8ABAA50374}"/>
               </a:ext>
             </a:extLst>
           </p:cNvPr>
@@ -5402,7 +5838,7 @@
           <p:cNvPr id="2" name="Title 1">
             <a:extLst>
               <a:ext uri="{FF2B5EF4-FFF2-40B4-BE49-F238E27FC236}">
-                <a16:creationId xmlns="" xmlns:a16="http://schemas.microsoft.com/office/drawing/2014/main" id="{F657BD59-35CC-9BB3-8621-6FA3356F81AA}"/>
+                <a16:creationId xmlns:a16="http://schemas.microsoft.com/office/drawing/2014/main" xmlns="" id="{F657BD59-35CC-9BB3-8621-6FA3356F81AA}"/>
               </a:ext>
             </a:extLst>
           </p:cNvPr>
@@ -5441,7 +5877,7 @@
           <p:cNvPr id="10" name="Picture Placeholder 9">
             <a:extLst>
               <a:ext uri="{FF2B5EF4-FFF2-40B4-BE49-F238E27FC236}">
-                <a16:creationId xmlns="" xmlns:a16="http://schemas.microsoft.com/office/drawing/2014/main" id="{511A5385-FB23-93A8-2B8F-9887244244DF}"/>
+                <a16:creationId xmlns:a16="http://schemas.microsoft.com/office/drawing/2014/main" xmlns="" id="{511A5385-FB23-93A8-2B8F-9887244244DF}"/>
               </a:ext>
             </a:extLst>
           </p:cNvPr>
@@ -5482,7 +5918,7 @@
           <p:cNvPr id="3" name="Content Placeholder 2">
             <a:extLst>
               <a:ext uri="{FF2B5EF4-FFF2-40B4-BE49-F238E27FC236}">
-                <a16:creationId xmlns="" xmlns:a16="http://schemas.microsoft.com/office/drawing/2014/main" id="{A772710C-A212-1B12-06CD-FA2A14F89D68}"/>
+                <a16:creationId xmlns:a16="http://schemas.microsoft.com/office/drawing/2014/main" xmlns="" id="{A772710C-A212-1B12-06CD-FA2A14F89D68}"/>
               </a:ext>
             </a:extLst>
           </p:cNvPr>
@@ -5617,10 +6053,10 @@
           <p:cNvPr id="8" name="Rectangle 7">
             <a:extLst>
               <a:ext uri="{FF2B5EF4-FFF2-40B4-BE49-F238E27FC236}">
-                <a16:creationId xmlns="" xmlns:a16="http://schemas.microsoft.com/office/drawing/2014/main" id="{50E25A87-9155-9E07-878F-CEC0B137C2D7}"/>
+                <a16:creationId xmlns:a16="http://schemas.microsoft.com/office/drawing/2014/main" xmlns="" id="{50E25A87-9155-9E07-878F-CEC0B137C2D7}"/>
               </a:ext>
               <a:ext uri="{C183D7F6-B498-43B3-948B-1728B52AA6E4}">
-                <adec:decorative xmlns="" xmlns:adec="http://schemas.microsoft.com/office/drawing/2017/decorative" val="1"/>
+                <adec:decorative xmlns:adec="http://schemas.microsoft.com/office/drawing/2017/decorative" xmlns="" val="1"/>
               </a:ext>
             </a:extLst>
           </p:cNvPr>
@@ -5719,7 +6155,7 @@
           <p:cNvPr id="2" name="Title 1">
             <a:extLst>
               <a:ext uri="{FF2B5EF4-FFF2-40B4-BE49-F238E27FC236}">
-                <a16:creationId xmlns="" xmlns:a16="http://schemas.microsoft.com/office/drawing/2014/main" id="{32772C41-A024-2F33-1F04-21E003FA7291}"/>
+                <a16:creationId xmlns:a16="http://schemas.microsoft.com/office/drawing/2014/main" xmlns="" id="{32772C41-A024-2F33-1F04-21E003FA7291}"/>
               </a:ext>
             </a:extLst>
           </p:cNvPr>
@@ -5758,7 +6194,7 @@
           <p:cNvPr id="3" name="Subtitle 2">
             <a:extLst>
               <a:ext uri="{FF2B5EF4-FFF2-40B4-BE49-F238E27FC236}">
-                <a16:creationId xmlns="" xmlns:a16="http://schemas.microsoft.com/office/drawing/2014/main" id="{473BC2DF-9C2A-052C-AD2C-0A8ABAA50374}"/>
+                <a16:creationId xmlns:a16="http://schemas.microsoft.com/office/drawing/2014/main" xmlns="" id="{473BC2DF-9C2A-052C-AD2C-0A8ABAA50374}"/>
               </a:ext>
             </a:extLst>
           </p:cNvPr>
@@ -5884,10 +6320,10 @@
           <p:cNvPr id="10" name="Rectangle 9">
             <a:extLst>
               <a:ext uri="{FF2B5EF4-FFF2-40B4-BE49-F238E27FC236}">
-                <a16:creationId xmlns="" xmlns:a16="http://schemas.microsoft.com/office/drawing/2014/main" id="{29577E27-B60E-C6DD-BAAF-5CCC3D59E5D5}"/>
+                <a16:creationId xmlns:a16="http://schemas.microsoft.com/office/drawing/2014/main" xmlns="" id="{29577E27-B60E-C6DD-BAAF-5CCC3D59E5D5}"/>
               </a:ext>
               <a:ext uri="{C183D7F6-B498-43B3-948B-1728B52AA6E4}">
-                <adec:decorative xmlns="" xmlns:adec="http://schemas.microsoft.com/office/drawing/2017/decorative" val="1"/>
+                <adec:decorative xmlns:adec="http://schemas.microsoft.com/office/drawing/2017/decorative" xmlns="" val="1"/>
               </a:ext>
             </a:extLst>
           </p:cNvPr>
@@ -5956,7 +6392,7 @@
           <p:cNvPr id="2" name="Title 1">
             <a:extLst>
               <a:ext uri="{FF2B5EF4-FFF2-40B4-BE49-F238E27FC236}">
-                <a16:creationId xmlns="" xmlns:a16="http://schemas.microsoft.com/office/drawing/2014/main" id="{0C40C44A-93E6-6C58-5E88-AFDC594EC27A}"/>
+                <a16:creationId xmlns:a16="http://schemas.microsoft.com/office/drawing/2014/main" xmlns="" id="{0C40C44A-93E6-6C58-5E88-AFDC594EC27A}"/>
               </a:ext>
             </a:extLst>
           </p:cNvPr>
@@ -5995,7 +6431,7 @@
           <p:cNvPr id="9" name="Content Placeholder 10">
             <a:extLst>
               <a:ext uri="{FF2B5EF4-FFF2-40B4-BE49-F238E27FC236}">
-                <a16:creationId xmlns="" xmlns:a16="http://schemas.microsoft.com/office/drawing/2014/main" id="{964CA031-27E0-D0AA-1451-A904CCF234FE}"/>
+                <a16:creationId xmlns:a16="http://schemas.microsoft.com/office/drawing/2014/main" xmlns="" id="{964CA031-27E0-D0AA-1451-A904CCF234FE}"/>
               </a:ext>
             </a:extLst>
           </p:cNvPr>
@@ -6140,7 +6576,7 @@
           <p:cNvPr id="12" name="Content Placeholder 10">
             <a:extLst>
               <a:ext uri="{FF2B5EF4-FFF2-40B4-BE49-F238E27FC236}">
-                <a16:creationId xmlns="" xmlns:a16="http://schemas.microsoft.com/office/drawing/2014/main" id="{81FE0D7D-86B7-CCD2-A7A1-70E95846B542}"/>
+                <a16:creationId xmlns:a16="http://schemas.microsoft.com/office/drawing/2014/main" xmlns="" id="{81FE0D7D-86B7-CCD2-A7A1-70E95846B542}"/>
               </a:ext>
             </a:extLst>
           </p:cNvPr>
@@ -6285,7 +6721,7 @@
           <p:cNvPr id="5" name="Date Placeholder 4">
             <a:extLst>
               <a:ext uri="{FF2B5EF4-FFF2-40B4-BE49-F238E27FC236}">
-                <a16:creationId xmlns="" xmlns:a16="http://schemas.microsoft.com/office/drawing/2014/main" id="{C6CFCEB5-4092-FD13-478E-51CD74FDB82E}"/>
+                <a16:creationId xmlns:a16="http://schemas.microsoft.com/office/drawing/2014/main" xmlns="" id="{C6CFCEB5-4092-FD13-478E-51CD74FDB82E}"/>
               </a:ext>
             </a:extLst>
           </p:cNvPr>
@@ -6314,7 +6750,7 @@
           <p:cNvPr id="6" name="Footer Placeholder 5">
             <a:extLst>
               <a:ext uri="{FF2B5EF4-FFF2-40B4-BE49-F238E27FC236}">
-                <a16:creationId xmlns="" xmlns:a16="http://schemas.microsoft.com/office/drawing/2014/main" id="{5D077A4D-E7C0-912D-293F-D93F0CB5CA49}"/>
+                <a16:creationId xmlns:a16="http://schemas.microsoft.com/office/drawing/2014/main" xmlns="" id="{5D077A4D-E7C0-912D-293F-D93F0CB5CA49}"/>
               </a:ext>
             </a:extLst>
           </p:cNvPr>
@@ -6339,7 +6775,7 @@
           <p:cNvPr id="7" name="Slide Number Placeholder 6">
             <a:extLst>
               <a:ext uri="{FF2B5EF4-FFF2-40B4-BE49-F238E27FC236}">
-                <a16:creationId xmlns="" xmlns:a16="http://schemas.microsoft.com/office/drawing/2014/main" id="{CA6AA9E1-334B-5F8F-8A92-67DD095F7838}"/>
+                <a16:creationId xmlns:a16="http://schemas.microsoft.com/office/drawing/2014/main" xmlns="" id="{CA6AA9E1-334B-5F8F-8A92-67DD095F7838}"/>
               </a:ext>
             </a:extLst>
           </p:cNvPr>
@@ -6398,7 +6834,7 @@
           <p:cNvPr id="2" name="Title 1">
             <a:extLst>
               <a:ext uri="{FF2B5EF4-FFF2-40B4-BE49-F238E27FC236}">
-                <a16:creationId xmlns="" xmlns:a16="http://schemas.microsoft.com/office/drawing/2014/main" id="{0C40C44A-93E6-6C58-5E88-AFDC594EC27A}"/>
+                <a16:creationId xmlns:a16="http://schemas.microsoft.com/office/drawing/2014/main" xmlns="" id="{0C40C44A-93E6-6C58-5E88-AFDC594EC27A}"/>
               </a:ext>
             </a:extLst>
           </p:cNvPr>
@@ -6437,7 +6873,7 @@
           <p:cNvPr id="11" name="Content Placeholder 10">
             <a:extLst>
               <a:ext uri="{FF2B5EF4-FFF2-40B4-BE49-F238E27FC236}">
-                <a16:creationId xmlns="" xmlns:a16="http://schemas.microsoft.com/office/drawing/2014/main" id="{2D2DE411-9D7C-15AE-0B59-F26B2BF8C522}"/>
+                <a16:creationId xmlns:a16="http://schemas.microsoft.com/office/drawing/2014/main" xmlns="" id="{2D2DE411-9D7C-15AE-0B59-F26B2BF8C522}"/>
               </a:ext>
             </a:extLst>
           </p:cNvPr>
@@ -6575,7 +7011,7 @@
           <p:cNvPr id="4" name="Content Placeholder 10">
             <a:extLst>
               <a:ext uri="{FF2B5EF4-FFF2-40B4-BE49-F238E27FC236}">
-                <a16:creationId xmlns="" xmlns:a16="http://schemas.microsoft.com/office/drawing/2014/main" id="{60FEDE7C-502F-ECFE-4136-E99206849C2A}"/>
+                <a16:creationId xmlns:a16="http://schemas.microsoft.com/office/drawing/2014/main" xmlns="" id="{60FEDE7C-502F-ECFE-4136-E99206849C2A}"/>
               </a:ext>
             </a:extLst>
           </p:cNvPr>
@@ -6720,7 +7156,7 @@
           <p:cNvPr id="5" name="Date Placeholder 4">
             <a:extLst>
               <a:ext uri="{FF2B5EF4-FFF2-40B4-BE49-F238E27FC236}">
-                <a16:creationId xmlns="" xmlns:a16="http://schemas.microsoft.com/office/drawing/2014/main" id="{C6CFCEB5-4092-FD13-478E-51CD74FDB82E}"/>
+                <a16:creationId xmlns:a16="http://schemas.microsoft.com/office/drawing/2014/main" xmlns="" id="{C6CFCEB5-4092-FD13-478E-51CD74FDB82E}"/>
               </a:ext>
             </a:extLst>
           </p:cNvPr>
@@ -6749,7 +7185,7 @@
           <p:cNvPr id="6" name="Footer Placeholder 5">
             <a:extLst>
               <a:ext uri="{FF2B5EF4-FFF2-40B4-BE49-F238E27FC236}">
-                <a16:creationId xmlns="" xmlns:a16="http://schemas.microsoft.com/office/drawing/2014/main" id="{5D077A4D-E7C0-912D-293F-D93F0CB5CA49}"/>
+                <a16:creationId xmlns:a16="http://schemas.microsoft.com/office/drawing/2014/main" xmlns="" id="{5D077A4D-E7C0-912D-293F-D93F0CB5CA49}"/>
               </a:ext>
             </a:extLst>
           </p:cNvPr>
@@ -6774,7 +7210,7 @@
           <p:cNvPr id="7" name="Slide Number Placeholder 6">
             <a:extLst>
               <a:ext uri="{FF2B5EF4-FFF2-40B4-BE49-F238E27FC236}">
-                <a16:creationId xmlns="" xmlns:a16="http://schemas.microsoft.com/office/drawing/2014/main" id="{CA6AA9E1-334B-5F8F-8A92-67DD095F7838}"/>
+                <a16:creationId xmlns:a16="http://schemas.microsoft.com/office/drawing/2014/main" xmlns="" id="{CA6AA9E1-334B-5F8F-8A92-67DD095F7838}"/>
               </a:ext>
             </a:extLst>
           </p:cNvPr>
@@ -6833,7 +7269,7 @@
           <p:cNvPr id="2" name="Title 1">
             <a:extLst>
               <a:ext uri="{FF2B5EF4-FFF2-40B4-BE49-F238E27FC236}">
-                <a16:creationId xmlns="" xmlns:a16="http://schemas.microsoft.com/office/drawing/2014/main" id="{0C40C44A-93E6-6C58-5E88-AFDC594EC27A}"/>
+                <a16:creationId xmlns:a16="http://schemas.microsoft.com/office/drawing/2014/main" xmlns="" id="{0C40C44A-93E6-6C58-5E88-AFDC594EC27A}"/>
               </a:ext>
             </a:extLst>
           </p:cNvPr>
@@ -6873,7 +7309,7 @@
           <p:cNvPr id="4" name="Content Placeholder 10">
             <a:extLst>
               <a:ext uri="{FF2B5EF4-FFF2-40B4-BE49-F238E27FC236}">
-                <a16:creationId xmlns="" xmlns:a16="http://schemas.microsoft.com/office/drawing/2014/main" id="{5F30E2A0-23EF-51B1-8ABD-00429EEA0642}"/>
+                <a16:creationId xmlns:a16="http://schemas.microsoft.com/office/drawing/2014/main" xmlns="" id="{5F30E2A0-23EF-51B1-8ABD-00429EEA0642}"/>
               </a:ext>
             </a:extLst>
           </p:cNvPr>
@@ -7018,7 +7454,7 @@
           <p:cNvPr id="11" name="Picture Placeholder 10">
             <a:extLst>
               <a:ext uri="{FF2B5EF4-FFF2-40B4-BE49-F238E27FC236}">
-                <a16:creationId xmlns="" xmlns:a16="http://schemas.microsoft.com/office/drawing/2014/main" id="{AF15552F-C66B-341F-2D37-0389710BA5E2}"/>
+                <a16:creationId xmlns:a16="http://schemas.microsoft.com/office/drawing/2014/main" xmlns="" id="{AF15552F-C66B-341F-2D37-0389710BA5E2}"/>
               </a:ext>
             </a:extLst>
           </p:cNvPr>
@@ -7059,10 +7495,10 @@
           <p:cNvPr id="12" name="Rectangle 11">
             <a:extLst>
               <a:ext uri="{FF2B5EF4-FFF2-40B4-BE49-F238E27FC236}">
-                <a16:creationId xmlns="" xmlns:a16="http://schemas.microsoft.com/office/drawing/2014/main" id="{0D8DCC6D-8B88-7BE0-7240-F743AE09EC48}"/>
+                <a16:creationId xmlns:a16="http://schemas.microsoft.com/office/drawing/2014/main" xmlns="" id="{0D8DCC6D-8B88-7BE0-7240-F743AE09EC48}"/>
               </a:ext>
               <a:ext uri="{C183D7F6-B498-43B3-948B-1728B52AA6E4}">
-                <adec:decorative xmlns="" xmlns:adec="http://schemas.microsoft.com/office/drawing/2017/decorative" val="1"/>
+                <adec:decorative xmlns:adec="http://schemas.microsoft.com/office/drawing/2017/decorative" xmlns="" val="1"/>
               </a:ext>
             </a:extLst>
           </p:cNvPr>
@@ -7161,7 +7597,7 @@
           <p:cNvPr id="2" name="Title 1">
             <a:extLst>
               <a:ext uri="{FF2B5EF4-FFF2-40B4-BE49-F238E27FC236}">
-                <a16:creationId xmlns="" xmlns:a16="http://schemas.microsoft.com/office/drawing/2014/main" id="{0C40C44A-93E6-6C58-5E88-AFDC594EC27A}"/>
+                <a16:creationId xmlns:a16="http://schemas.microsoft.com/office/drawing/2014/main" xmlns="" id="{0C40C44A-93E6-6C58-5E88-AFDC594EC27A}"/>
               </a:ext>
             </a:extLst>
           </p:cNvPr>
@@ -7200,7 +7636,7 @@
           <p:cNvPr id="4" name="Content Placeholder 10">
             <a:extLst>
               <a:ext uri="{FF2B5EF4-FFF2-40B4-BE49-F238E27FC236}">
-                <a16:creationId xmlns="" xmlns:a16="http://schemas.microsoft.com/office/drawing/2014/main" id="{9C3ED3BF-FF6B-07FA-72C4-F6102A8558AF}"/>
+                <a16:creationId xmlns:a16="http://schemas.microsoft.com/office/drawing/2014/main" xmlns="" id="{9C3ED3BF-FF6B-07FA-72C4-F6102A8558AF}"/>
               </a:ext>
             </a:extLst>
           </p:cNvPr>
@@ -7345,7 +7781,7 @@
           <p:cNvPr id="8" name="Table Placeholder 7">
             <a:extLst>
               <a:ext uri="{FF2B5EF4-FFF2-40B4-BE49-F238E27FC236}">
-                <a16:creationId xmlns="" xmlns:a16="http://schemas.microsoft.com/office/drawing/2014/main" id="{423FEB60-8FB5-7F10-EDD7-8AB4B3139EF6}"/>
+                <a16:creationId xmlns:a16="http://schemas.microsoft.com/office/drawing/2014/main" xmlns="" id="{423FEB60-8FB5-7F10-EDD7-8AB4B3139EF6}"/>
               </a:ext>
             </a:extLst>
           </p:cNvPr>
@@ -7379,7 +7815,7 @@
           <p:cNvPr id="5" name="Date Placeholder 4">
             <a:extLst>
               <a:ext uri="{FF2B5EF4-FFF2-40B4-BE49-F238E27FC236}">
-                <a16:creationId xmlns="" xmlns:a16="http://schemas.microsoft.com/office/drawing/2014/main" id="{C6CFCEB5-4092-FD13-478E-51CD74FDB82E}"/>
+                <a16:creationId xmlns:a16="http://schemas.microsoft.com/office/drawing/2014/main" xmlns="" id="{C6CFCEB5-4092-FD13-478E-51CD74FDB82E}"/>
               </a:ext>
             </a:extLst>
           </p:cNvPr>
@@ -7408,7 +7844,7 @@
           <p:cNvPr id="6" name="Footer Placeholder 5">
             <a:extLst>
               <a:ext uri="{FF2B5EF4-FFF2-40B4-BE49-F238E27FC236}">
-                <a16:creationId xmlns="" xmlns:a16="http://schemas.microsoft.com/office/drawing/2014/main" id="{5D077A4D-E7C0-912D-293F-D93F0CB5CA49}"/>
+                <a16:creationId xmlns:a16="http://schemas.microsoft.com/office/drawing/2014/main" xmlns="" id="{5D077A4D-E7C0-912D-293F-D93F0CB5CA49}"/>
               </a:ext>
             </a:extLst>
           </p:cNvPr>
@@ -7433,7 +7869,7 @@
           <p:cNvPr id="7" name="Slide Number Placeholder 6">
             <a:extLst>
               <a:ext uri="{FF2B5EF4-FFF2-40B4-BE49-F238E27FC236}">
-                <a16:creationId xmlns="" xmlns:a16="http://schemas.microsoft.com/office/drawing/2014/main" id="{CA6AA9E1-334B-5F8F-8A92-67DD095F7838}"/>
+                <a16:creationId xmlns:a16="http://schemas.microsoft.com/office/drawing/2014/main" xmlns="" id="{CA6AA9E1-334B-5F8F-8A92-67DD095F7838}"/>
               </a:ext>
             </a:extLst>
           </p:cNvPr>
@@ -7497,7 +7933,7 @@
           <p:cNvPr id="2" name="Title Placeholder 1">
             <a:extLst>
               <a:ext uri="{FF2B5EF4-FFF2-40B4-BE49-F238E27FC236}">
-                <a16:creationId xmlns="" xmlns:a16="http://schemas.microsoft.com/office/drawing/2014/main" id="{4FD97564-C310-6E8C-8689-CE18881B4A17}"/>
+                <a16:creationId xmlns:a16="http://schemas.microsoft.com/office/drawing/2014/main" xmlns="" id="{4FD97564-C310-6E8C-8689-CE18881B4A17}"/>
               </a:ext>
             </a:extLst>
           </p:cNvPr>
@@ -7536,7 +7972,7 @@
           <p:cNvPr id="3" name="Text Placeholder 2">
             <a:extLst>
               <a:ext uri="{FF2B5EF4-FFF2-40B4-BE49-F238E27FC236}">
-                <a16:creationId xmlns="" xmlns:a16="http://schemas.microsoft.com/office/drawing/2014/main" id="{0FAD99FA-26D9-873B-BE7F-26FEC5C233A2}"/>
+                <a16:creationId xmlns:a16="http://schemas.microsoft.com/office/drawing/2014/main" xmlns="" id="{0FAD99FA-26D9-873B-BE7F-26FEC5C233A2}"/>
               </a:ext>
             </a:extLst>
           </p:cNvPr>
@@ -7604,7 +8040,7 @@
           <p:cNvPr id="4" name="Date Placeholder 3">
             <a:extLst>
               <a:ext uri="{FF2B5EF4-FFF2-40B4-BE49-F238E27FC236}">
-                <a16:creationId xmlns="" xmlns:a16="http://schemas.microsoft.com/office/drawing/2014/main" id="{C319819E-0266-97DD-DFD1-BAAA06AE3236}"/>
+                <a16:creationId xmlns:a16="http://schemas.microsoft.com/office/drawing/2014/main" xmlns="" id="{C319819E-0266-97DD-DFD1-BAAA06AE3236}"/>
               </a:ext>
             </a:extLst>
           </p:cNvPr>
@@ -7651,7 +8087,7 @@
           <p:cNvPr id="5" name="Footer Placeholder 4">
             <a:extLst>
               <a:ext uri="{FF2B5EF4-FFF2-40B4-BE49-F238E27FC236}">
-                <a16:creationId xmlns="" xmlns:a16="http://schemas.microsoft.com/office/drawing/2014/main" id="{2BFD19C9-01CE-9E2A-CDA5-C15940F055F7}"/>
+                <a16:creationId xmlns:a16="http://schemas.microsoft.com/office/drawing/2014/main" xmlns="" id="{2BFD19C9-01CE-9E2A-CDA5-C15940F055F7}"/>
               </a:ext>
             </a:extLst>
           </p:cNvPr>
@@ -7694,7 +8130,7 @@
           <p:cNvPr id="6" name="Slide Number Placeholder 5">
             <a:extLst>
               <a:ext uri="{FF2B5EF4-FFF2-40B4-BE49-F238E27FC236}">
-                <a16:creationId xmlns="" xmlns:a16="http://schemas.microsoft.com/office/drawing/2014/main" id="{A1801085-7B28-048D-E3D3-9C3614268DA7}"/>
+                <a16:creationId xmlns:a16="http://schemas.microsoft.com/office/drawing/2014/main" xmlns="" id="{A1801085-7B28-048D-E3D3-9C3614268DA7}"/>
               </a:ext>
             </a:extLst>
           </p:cNvPr>
@@ -8063,7 +8499,7 @@
           <p:cNvPr id="6" name="Title 5">
             <a:extLst>
               <a:ext uri="{FF2B5EF4-FFF2-40B4-BE49-F238E27FC236}">
-                <a16:creationId xmlns="" xmlns:a16="http://schemas.microsoft.com/office/drawing/2014/main" id="{F20A922B-22EC-7FD8-FA8C-2FFAC558BD66}"/>
+                <a16:creationId xmlns:a16="http://schemas.microsoft.com/office/drawing/2014/main" xmlns="" id="{F20A922B-22EC-7FD8-FA8C-2FFAC558BD66}"/>
               </a:ext>
             </a:extLst>
           </p:cNvPr>
@@ -8136,7 +8572,7 @@
           <p:cNvPr id="7" name="TextBox 6">
             <a:extLst>
               <a:ext uri="{FF2B5EF4-FFF2-40B4-BE49-F238E27FC236}">
-                <a16:creationId xmlns="" xmlns:a16="http://schemas.microsoft.com/office/drawing/2014/main" id="{80FDA16B-36A0-D5C1-2B07-8EE49AE7A5F9}"/>
+                <a16:creationId xmlns:a16="http://schemas.microsoft.com/office/drawing/2014/main" xmlns="" id="{80FDA16B-36A0-D5C1-2B07-8EE49AE7A5F9}"/>
               </a:ext>
             </a:extLst>
           </p:cNvPr>
@@ -8243,7 +8679,7 @@
         <p:cNvPr id="1" name="">
           <a:extLst>
             <a:ext uri="{FF2B5EF4-FFF2-40B4-BE49-F238E27FC236}">
-              <a16:creationId xmlns="" xmlns:a16="http://schemas.microsoft.com/office/drawing/2014/main" id="{EF87400A-AA39-C6BD-0F50-19DF27F0BEE1}"/>
+              <a16:creationId xmlns:a16="http://schemas.microsoft.com/office/drawing/2014/main" xmlns="" id="{EF87400A-AA39-C6BD-0F50-19DF27F0BEE1}"/>
             </a:ext>
           </a:extLst>
         </p:cNvPr>
@@ -8263,7 +8699,7 @@
           <p:cNvPr id="7" name="Title 6">
             <a:extLst>
               <a:ext uri="{FF2B5EF4-FFF2-40B4-BE49-F238E27FC236}">
-                <a16:creationId xmlns="" xmlns:a16="http://schemas.microsoft.com/office/drawing/2014/main" id="{DDE79998-A15C-2CB6-B04B-53D589C36C00}"/>
+                <a16:creationId xmlns:a16="http://schemas.microsoft.com/office/drawing/2014/main" xmlns="" id="{DDE79998-A15C-2CB6-B04B-53D589C36C00}"/>
               </a:ext>
             </a:extLst>
           </p:cNvPr>
@@ -8307,7 +8743,7 @@
           <p:cNvPr id="4" name="TextBox 3">
             <a:extLst>
               <a:ext uri="{FF2B5EF4-FFF2-40B4-BE49-F238E27FC236}">
-                <a16:creationId xmlns="" xmlns:a16="http://schemas.microsoft.com/office/drawing/2014/main" id="{879E6C82-14DA-B822-B0AD-CDBC55F93D43}"/>
+                <a16:creationId xmlns:a16="http://schemas.microsoft.com/office/drawing/2014/main" xmlns="" id="{879E6C82-14DA-B822-B0AD-CDBC55F93D43}"/>
               </a:ext>
             </a:extLst>
           </p:cNvPr>
@@ -8393,7 +8829,7 @@
           <p:cNvPr id="18" name="Arc 17">
             <a:extLst>
               <a:ext uri="{FF2B5EF4-FFF2-40B4-BE49-F238E27FC236}">
-                <a16:creationId xmlns="" xmlns:a16="http://schemas.microsoft.com/office/drawing/2014/main" id="{9B8D2FA6-CA42-5B24-DF6B-A4BC73628119}"/>
+                <a16:creationId xmlns:a16="http://schemas.microsoft.com/office/drawing/2014/main" xmlns="" id="{9B8D2FA6-CA42-5B24-DF6B-A4BC73628119}"/>
               </a:ext>
             </a:extLst>
           </p:cNvPr>
@@ -8437,7 +8873,7 @@
           <p:cNvPr id="19" name="TextBox 18">
             <a:extLst>
               <a:ext uri="{FF2B5EF4-FFF2-40B4-BE49-F238E27FC236}">
-                <a16:creationId xmlns="" xmlns:a16="http://schemas.microsoft.com/office/drawing/2014/main" id="{1D79FC21-9495-9973-2B02-EC44707476AF}"/>
+                <a16:creationId xmlns:a16="http://schemas.microsoft.com/office/drawing/2014/main" xmlns="" id="{1D79FC21-9495-9973-2B02-EC44707476AF}"/>
               </a:ext>
             </a:extLst>
           </p:cNvPr>
@@ -8496,7 +8932,7 @@
           <p:cNvPr id="21" name="Arc 20">
             <a:extLst>
               <a:ext uri="{FF2B5EF4-FFF2-40B4-BE49-F238E27FC236}">
-                <a16:creationId xmlns="" xmlns:a16="http://schemas.microsoft.com/office/drawing/2014/main" id="{D625BEE6-1977-BBA6-6801-FA5F97103C62}"/>
+                <a16:creationId xmlns:a16="http://schemas.microsoft.com/office/drawing/2014/main" xmlns="" id="{D625BEE6-1977-BBA6-6801-FA5F97103C62}"/>
               </a:ext>
             </a:extLst>
           </p:cNvPr>
@@ -8543,7 +8979,7 @@
           <p:cNvPr id="22" name="TextBox 21">
             <a:extLst>
               <a:ext uri="{FF2B5EF4-FFF2-40B4-BE49-F238E27FC236}">
-                <a16:creationId xmlns="" xmlns:a16="http://schemas.microsoft.com/office/drawing/2014/main" id="{3C172C52-0068-4260-6B4B-32D95D57BAE3}"/>
+                <a16:creationId xmlns:a16="http://schemas.microsoft.com/office/drawing/2014/main" xmlns="" id="{3C172C52-0068-4260-6B4B-32D95D57BAE3}"/>
               </a:ext>
             </a:extLst>
           </p:cNvPr>
@@ -8625,7 +9061,7 @@
           <p:cNvPr id="23" name="Arc 22">
             <a:extLst>
               <a:ext uri="{FF2B5EF4-FFF2-40B4-BE49-F238E27FC236}">
-                <a16:creationId xmlns="" xmlns:a16="http://schemas.microsoft.com/office/drawing/2014/main" id="{E9F44C23-2D8C-90B8-227F-6E591C8E4A94}"/>
+                <a16:creationId xmlns:a16="http://schemas.microsoft.com/office/drawing/2014/main" xmlns="" id="{E9F44C23-2D8C-90B8-227F-6E591C8E4A94}"/>
               </a:ext>
             </a:extLst>
           </p:cNvPr>
@@ -8685,7 +9121,7 @@
         <p:cNvPr id="1" name="">
           <a:extLst>
             <a:ext uri="{FF2B5EF4-FFF2-40B4-BE49-F238E27FC236}">
-              <a16:creationId xmlns="" xmlns:a16="http://schemas.microsoft.com/office/drawing/2014/main" id="{EF87400A-AA39-C6BD-0F50-19DF27F0BEE1}"/>
+              <a16:creationId xmlns:a16="http://schemas.microsoft.com/office/drawing/2014/main" xmlns="" id="{EF87400A-AA39-C6BD-0F50-19DF27F0BEE1}"/>
             </a:ext>
           </a:extLst>
         </p:cNvPr>
@@ -8705,7 +9141,7 @@
           <p:cNvPr id="7" name="Title 6">
             <a:extLst>
               <a:ext uri="{FF2B5EF4-FFF2-40B4-BE49-F238E27FC236}">
-                <a16:creationId xmlns="" xmlns:a16="http://schemas.microsoft.com/office/drawing/2014/main" id="{DDE79998-A15C-2CB6-B04B-53D589C36C00}"/>
+                <a16:creationId xmlns:a16="http://schemas.microsoft.com/office/drawing/2014/main" xmlns="" id="{DDE79998-A15C-2CB6-B04B-53D589C36C00}"/>
               </a:ext>
             </a:extLst>
           </p:cNvPr>
@@ -9403,7 +9839,7 @@
         <p:cNvPr id="1" name="">
           <a:extLst>
             <a:ext uri="{FF2B5EF4-FFF2-40B4-BE49-F238E27FC236}">
-              <a16:creationId xmlns="" xmlns:a16="http://schemas.microsoft.com/office/drawing/2014/main" id="{EF87400A-AA39-C6BD-0F50-19DF27F0BEE1}"/>
+              <a16:creationId xmlns:a16="http://schemas.microsoft.com/office/drawing/2014/main" xmlns="" id="{EF87400A-AA39-C6BD-0F50-19DF27F0BEE1}"/>
             </a:ext>
           </a:extLst>
         </p:cNvPr>
@@ -9887,7 +10323,7 @@
         <p:cNvPr id="1" name="">
           <a:extLst>
             <a:ext uri="{FF2B5EF4-FFF2-40B4-BE49-F238E27FC236}">
-              <a16:creationId xmlns="" xmlns:a16="http://schemas.microsoft.com/office/drawing/2014/main" id="{EF87400A-AA39-C6BD-0F50-19DF27F0BEE1}"/>
+              <a16:creationId xmlns:a16="http://schemas.microsoft.com/office/drawing/2014/main" xmlns="" id="{EF87400A-AA39-C6BD-0F50-19DF27F0BEE1}"/>
             </a:ext>
           </a:extLst>
         </p:cNvPr>
@@ -10375,7 +10811,7 @@
         <p:cNvPr id="1" name="">
           <a:extLst>
             <a:ext uri="{FF2B5EF4-FFF2-40B4-BE49-F238E27FC236}">
-              <a16:creationId xmlns="" xmlns:a16="http://schemas.microsoft.com/office/drawing/2014/main" id="{EF87400A-AA39-C6BD-0F50-19DF27F0BEE1}"/>
+              <a16:creationId xmlns:a16="http://schemas.microsoft.com/office/drawing/2014/main" xmlns="" id="{EF87400A-AA39-C6BD-0F50-19DF27F0BEE1}"/>
             </a:ext>
           </a:extLst>
         </p:cNvPr>
@@ -10697,7 +11133,7 @@
         <p:cNvPr id="1" name="">
           <a:extLst>
             <a:ext uri="{FF2B5EF4-FFF2-40B4-BE49-F238E27FC236}">
-              <a16:creationId xmlns="" xmlns:a16="http://schemas.microsoft.com/office/drawing/2014/main" id="{EF87400A-AA39-C6BD-0F50-19DF27F0BEE1}"/>
+              <a16:creationId xmlns:a16="http://schemas.microsoft.com/office/drawing/2014/main" xmlns="" id="{EF87400A-AA39-C6BD-0F50-19DF27F0BEE1}"/>
             </a:ext>
           </a:extLst>
         </p:cNvPr>
@@ -10932,7 +11368,7 @@
         <p:cNvPr id="1" name="">
           <a:extLst>
             <a:ext uri="{FF2B5EF4-FFF2-40B4-BE49-F238E27FC236}">
-              <a16:creationId xmlns="" xmlns:a16="http://schemas.microsoft.com/office/drawing/2014/main" id="{EF87400A-AA39-C6BD-0F50-19DF27F0BEE1}"/>
+              <a16:creationId xmlns:a16="http://schemas.microsoft.com/office/drawing/2014/main" xmlns="" id="{EF87400A-AA39-C6BD-0F50-19DF27F0BEE1}"/>
             </a:ext>
           </a:extLst>
         </p:cNvPr>
@@ -10952,7 +11388,7 @@
           <p:cNvPr id="7" name="Title 6">
             <a:extLst>
               <a:ext uri="{FF2B5EF4-FFF2-40B4-BE49-F238E27FC236}">
-                <a16:creationId xmlns="" xmlns:a16="http://schemas.microsoft.com/office/drawing/2014/main" id="{DDE79998-A15C-2CB6-B04B-53D589C36C00}"/>
+                <a16:creationId xmlns:a16="http://schemas.microsoft.com/office/drawing/2014/main" xmlns="" id="{DDE79998-A15C-2CB6-B04B-53D589C36C00}"/>
               </a:ext>
             </a:extLst>
           </p:cNvPr>
@@ -11619,7 +12055,7 @@
         <p:cNvPr id="1" name="">
           <a:extLst>
             <a:ext uri="{FF2B5EF4-FFF2-40B4-BE49-F238E27FC236}">
-              <a16:creationId xmlns="" xmlns:a16="http://schemas.microsoft.com/office/drawing/2014/main" id="{EF87400A-AA39-C6BD-0F50-19DF27F0BEE1}"/>
+              <a16:creationId xmlns:a16="http://schemas.microsoft.com/office/drawing/2014/main" xmlns="" id="{EF87400A-AA39-C6BD-0F50-19DF27F0BEE1}"/>
             </a:ext>
           </a:extLst>
         </p:cNvPr>
@@ -12099,7 +12535,7 @@
         <p:cNvPr id="1" name="">
           <a:extLst>
             <a:ext uri="{FF2B5EF4-FFF2-40B4-BE49-F238E27FC236}">
-              <a16:creationId xmlns="" xmlns:a16="http://schemas.microsoft.com/office/drawing/2014/main" id="{EF87400A-AA39-C6BD-0F50-19DF27F0BEE1}"/>
+              <a16:creationId xmlns:a16="http://schemas.microsoft.com/office/drawing/2014/main" xmlns="" id="{EF87400A-AA39-C6BD-0F50-19DF27F0BEE1}"/>
             </a:ext>
           </a:extLst>
         </p:cNvPr>
@@ -12591,7 +13027,7 @@
         <p:cNvPr id="1" name="">
           <a:extLst>
             <a:ext uri="{FF2B5EF4-FFF2-40B4-BE49-F238E27FC236}">
-              <a16:creationId xmlns="" xmlns:a16="http://schemas.microsoft.com/office/drawing/2014/main" id="{EF87400A-AA39-C6BD-0F50-19DF27F0BEE1}"/>
+              <a16:creationId xmlns:a16="http://schemas.microsoft.com/office/drawing/2014/main" xmlns="" id="{EF87400A-AA39-C6BD-0F50-19DF27F0BEE1}"/>
             </a:ext>
           </a:extLst>
         </p:cNvPr>
@@ -12927,7 +13363,7 @@
           <p:cNvPr id="7" name="Title 6">
             <a:extLst>
               <a:ext uri="{FF2B5EF4-FFF2-40B4-BE49-F238E27FC236}">
-                <a16:creationId xmlns="" xmlns:a16="http://schemas.microsoft.com/office/drawing/2014/main" id="{2B1821E8-F378-D74B-E865-C40990E3D41F}"/>
+                <a16:creationId xmlns:a16="http://schemas.microsoft.com/office/drawing/2014/main" xmlns="" id="{2B1821E8-F378-D74B-E865-C40990E3D41F}"/>
               </a:ext>
             </a:extLst>
           </p:cNvPr>
@@ -12960,7 +13396,7 @@
           <p:cNvPr id="8" name="TextBox 7">
             <a:extLst>
               <a:ext uri="{FF2B5EF4-FFF2-40B4-BE49-F238E27FC236}">
-                <a16:creationId xmlns="" xmlns:a16="http://schemas.microsoft.com/office/drawing/2014/main" id="{FA6ECF98-C929-063C-BFD6-AA57AAC2A02F}"/>
+                <a16:creationId xmlns:a16="http://schemas.microsoft.com/office/drawing/2014/main" xmlns="" id="{FA6ECF98-C929-063C-BFD6-AA57AAC2A02F}"/>
               </a:ext>
             </a:extLst>
           </p:cNvPr>
@@ -13104,7 +13540,7 @@
           <p:cNvPr id="9" name="TextBox 8">
             <a:extLst>
               <a:ext uri="{FF2B5EF4-FFF2-40B4-BE49-F238E27FC236}">
-                <a16:creationId xmlns="" xmlns:a16="http://schemas.microsoft.com/office/drawing/2014/main" id="{867A665E-4508-A316-4C04-8788127440A7}"/>
+                <a16:creationId xmlns:a16="http://schemas.microsoft.com/office/drawing/2014/main" xmlns="" id="{867A665E-4508-A316-4C04-8788127440A7}"/>
               </a:ext>
             </a:extLst>
           </p:cNvPr>
@@ -13314,7 +13750,7 @@
         <p:cNvPr id="1" name="">
           <a:extLst>
             <a:ext uri="{FF2B5EF4-FFF2-40B4-BE49-F238E27FC236}">
-              <a16:creationId xmlns="" xmlns:a16="http://schemas.microsoft.com/office/drawing/2014/main" id="{EF87400A-AA39-C6BD-0F50-19DF27F0BEE1}"/>
+              <a16:creationId xmlns:a16="http://schemas.microsoft.com/office/drawing/2014/main" xmlns="" id="{EF87400A-AA39-C6BD-0F50-19DF27F0BEE1}"/>
             </a:ext>
           </a:extLst>
         </p:cNvPr>
@@ -13497,7 +13933,7 @@
         <p:cNvPr id="1" name="">
           <a:extLst>
             <a:ext uri="{FF2B5EF4-FFF2-40B4-BE49-F238E27FC236}">
-              <a16:creationId xmlns="" xmlns:a16="http://schemas.microsoft.com/office/drawing/2014/main" id="{EF87400A-AA39-C6BD-0F50-19DF27F0BEE1}"/>
+              <a16:creationId xmlns:a16="http://schemas.microsoft.com/office/drawing/2014/main" xmlns="" id="{EF87400A-AA39-C6BD-0F50-19DF27F0BEE1}"/>
             </a:ext>
           </a:extLst>
         </p:cNvPr>
@@ -13517,7 +13953,7 @@
           <p:cNvPr id="7" name="Title 6">
             <a:extLst>
               <a:ext uri="{FF2B5EF4-FFF2-40B4-BE49-F238E27FC236}">
-                <a16:creationId xmlns="" xmlns:a16="http://schemas.microsoft.com/office/drawing/2014/main" id="{DDE79998-A15C-2CB6-B04B-53D589C36C00}"/>
+                <a16:creationId xmlns:a16="http://schemas.microsoft.com/office/drawing/2014/main" xmlns="" id="{DDE79998-A15C-2CB6-B04B-53D589C36C00}"/>
               </a:ext>
             </a:extLst>
           </p:cNvPr>
@@ -14232,7 +14668,7 @@
         <p:cNvPr id="1" name="">
           <a:extLst>
             <a:ext uri="{FF2B5EF4-FFF2-40B4-BE49-F238E27FC236}">
-              <a16:creationId xmlns="" xmlns:a16="http://schemas.microsoft.com/office/drawing/2014/main" id="{EF87400A-AA39-C6BD-0F50-19DF27F0BEE1}"/>
+              <a16:creationId xmlns:a16="http://schemas.microsoft.com/office/drawing/2014/main" xmlns="" id="{EF87400A-AA39-C6BD-0F50-19DF27F0BEE1}"/>
             </a:ext>
           </a:extLst>
         </p:cNvPr>
@@ -14751,7 +15187,7 @@
         <p:cNvPr id="1" name="">
           <a:extLst>
             <a:ext uri="{FF2B5EF4-FFF2-40B4-BE49-F238E27FC236}">
-              <a16:creationId xmlns="" xmlns:a16="http://schemas.microsoft.com/office/drawing/2014/main" id="{EF87400A-AA39-C6BD-0F50-19DF27F0BEE1}"/>
+              <a16:creationId xmlns:a16="http://schemas.microsoft.com/office/drawing/2014/main" xmlns="" id="{EF87400A-AA39-C6BD-0F50-19DF27F0BEE1}"/>
             </a:ext>
           </a:extLst>
         </p:cNvPr>
@@ -15242,7 +15678,7 @@
         <p:cNvPr id="1" name="">
           <a:extLst>
             <a:ext uri="{FF2B5EF4-FFF2-40B4-BE49-F238E27FC236}">
-              <a16:creationId xmlns="" xmlns:a16="http://schemas.microsoft.com/office/drawing/2014/main" id="{EF87400A-AA39-C6BD-0F50-19DF27F0BEE1}"/>
+              <a16:creationId xmlns:a16="http://schemas.microsoft.com/office/drawing/2014/main" xmlns="" id="{EF87400A-AA39-C6BD-0F50-19DF27F0BEE1}"/>
             </a:ext>
           </a:extLst>
         </p:cNvPr>
@@ -15559,7 +15995,7 @@
         <p:cNvPr id="1" name="">
           <a:extLst>
             <a:ext uri="{FF2B5EF4-FFF2-40B4-BE49-F238E27FC236}">
-              <a16:creationId xmlns="" xmlns:a16="http://schemas.microsoft.com/office/drawing/2014/main" id="{EF87400A-AA39-C6BD-0F50-19DF27F0BEE1}"/>
+              <a16:creationId xmlns:a16="http://schemas.microsoft.com/office/drawing/2014/main" xmlns="" id="{EF87400A-AA39-C6BD-0F50-19DF27F0BEE1}"/>
             </a:ext>
           </a:extLst>
         </p:cNvPr>
@@ -16203,7 +16639,7 @@
         <p:cNvPr id="1" name="">
           <a:extLst>
             <a:ext uri="{FF2B5EF4-FFF2-40B4-BE49-F238E27FC236}">
-              <a16:creationId xmlns="" xmlns:a16="http://schemas.microsoft.com/office/drawing/2014/main" id="{EF87400A-AA39-C6BD-0F50-19DF27F0BEE1}"/>
+              <a16:creationId xmlns:a16="http://schemas.microsoft.com/office/drawing/2014/main" xmlns="" id="{EF87400A-AA39-C6BD-0F50-19DF27F0BEE1}"/>
             </a:ext>
           </a:extLst>
         </p:cNvPr>
@@ -16404,7 +16840,7 @@
         <p:cNvPr id="1" name="">
           <a:extLst>
             <a:ext uri="{FF2B5EF4-FFF2-40B4-BE49-F238E27FC236}">
-              <a16:creationId xmlns="" xmlns:a16="http://schemas.microsoft.com/office/drawing/2014/main" id="{EF87400A-AA39-C6BD-0F50-19DF27F0BEE1}"/>
+              <a16:creationId xmlns:a16="http://schemas.microsoft.com/office/drawing/2014/main" xmlns="" id="{EF87400A-AA39-C6BD-0F50-19DF27F0BEE1}"/>
             </a:ext>
           </a:extLst>
         </p:cNvPr>
@@ -17136,7 +17572,7 @@
         <p:cNvPr id="1" name="">
           <a:extLst>
             <a:ext uri="{FF2B5EF4-FFF2-40B4-BE49-F238E27FC236}">
-              <a16:creationId xmlns="" xmlns:a16="http://schemas.microsoft.com/office/drawing/2014/main" id="{EF87400A-AA39-C6BD-0F50-19DF27F0BEE1}"/>
+              <a16:creationId xmlns:a16="http://schemas.microsoft.com/office/drawing/2014/main" xmlns="" id="{EF87400A-AA39-C6BD-0F50-19DF27F0BEE1}"/>
             </a:ext>
           </a:extLst>
         </p:cNvPr>
@@ -17329,11 +17765,7 @@
             </a:r>
             <a:r>
               <a:rPr lang="en-US" sz="2400" dirty="0" smtClean="0"/>
-              <a:t>add Batch Normalization, make learning rate dynamic, not </a:t>
-            </a:r>
-            <a:r>
-              <a:rPr lang="en-US" sz="2400" dirty="0" smtClean="0"/>
-              <a:t>static</a:t>
+              <a:t>add Batch Normalization, make learning rate dynamic, not static</a:t>
             </a:r>
           </a:p>
         </p:txBody>
@@ -17416,7 +17848,7 @@
         <p:cNvPr id="1" name="">
           <a:extLst>
             <a:ext uri="{FF2B5EF4-FFF2-40B4-BE49-F238E27FC236}">
-              <a16:creationId xmlns="" xmlns:a16="http://schemas.microsoft.com/office/drawing/2014/main" id="{EF87400A-AA39-C6BD-0F50-19DF27F0BEE1}"/>
+              <a16:creationId xmlns:a16="http://schemas.microsoft.com/office/drawing/2014/main" xmlns="" id="{EF87400A-AA39-C6BD-0F50-19DF27F0BEE1}"/>
             </a:ext>
           </a:extLst>
         </p:cNvPr>
@@ -17540,11 +17972,7 @@
             <a:pPr algn="l"/>
             <a:r>
               <a:rPr lang="en-US" sz="2400" dirty="0" smtClean="0"/>
-              <a:t>Training time: </a:t>
-            </a:r>
-            <a:r>
-              <a:rPr lang="en-US" sz="2400" dirty="0" smtClean="0"/>
-              <a:t>400 minutes</a:t>
+              <a:t>Training time: 400 minutes</a:t>
             </a:r>
             <a:endParaRPr lang="en-US" sz="2400" dirty="0"/>
           </a:p>
@@ -18217,7 +18645,7 @@
         <p:cNvPr id="1" name="">
           <a:extLst>
             <a:ext uri="{FF2B5EF4-FFF2-40B4-BE49-F238E27FC236}">
-              <a16:creationId xmlns="" xmlns:a16="http://schemas.microsoft.com/office/drawing/2014/main" id="{39288295-DCAF-069C-8B1B-4576B8E372BB}"/>
+              <a16:creationId xmlns:a16="http://schemas.microsoft.com/office/drawing/2014/main" xmlns="" id="{39288295-DCAF-069C-8B1B-4576B8E372BB}"/>
             </a:ext>
           </a:extLst>
         </p:cNvPr>
@@ -18237,7 +18665,7 @@
           <p:cNvPr id="7" name="Title 6">
             <a:extLst>
               <a:ext uri="{FF2B5EF4-FFF2-40B4-BE49-F238E27FC236}">
-                <a16:creationId xmlns="" xmlns:a16="http://schemas.microsoft.com/office/drawing/2014/main" id="{61F85EF1-69F5-5E4D-E911-359BF0A3DBF3}"/>
+                <a16:creationId xmlns:a16="http://schemas.microsoft.com/office/drawing/2014/main" xmlns="" id="{61F85EF1-69F5-5E4D-E911-359BF0A3DBF3}"/>
               </a:ext>
             </a:extLst>
           </p:cNvPr>
@@ -18278,7 +18706,7 @@
           <p:cNvPr id="8" name="TextBox 7">
             <a:extLst>
               <a:ext uri="{FF2B5EF4-FFF2-40B4-BE49-F238E27FC236}">
-                <a16:creationId xmlns="" xmlns:a16="http://schemas.microsoft.com/office/drawing/2014/main" id="{F8C56A79-35B0-9EBF-8FD3-C903CBFF847D}"/>
+                <a16:creationId xmlns:a16="http://schemas.microsoft.com/office/drawing/2014/main" xmlns="" id="{F8C56A79-35B0-9EBF-8FD3-C903CBFF847D}"/>
               </a:ext>
             </a:extLst>
           </p:cNvPr>
@@ -18401,7 +18829,7 @@
           <p:cNvPr id="2" name="TextBox 1">
             <a:extLst>
               <a:ext uri="{FF2B5EF4-FFF2-40B4-BE49-F238E27FC236}">
-                <a16:creationId xmlns="" xmlns:a16="http://schemas.microsoft.com/office/drawing/2014/main" id="{144EF226-6026-E052-DD93-BEC3F237B30F}"/>
+                <a16:creationId xmlns:a16="http://schemas.microsoft.com/office/drawing/2014/main" xmlns="" id="{144EF226-6026-E052-DD93-BEC3F237B30F}"/>
               </a:ext>
             </a:extLst>
           </p:cNvPr>
@@ -18541,7 +18969,7 @@
         <p:cNvPr id="1" name="">
           <a:extLst>
             <a:ext uri="{FF2B5EF4-FFF2-40B4-BE49-F238E27FC236}">
-              <a16:creationId xmlns="" xmlns:a16="http://schemas.microsoft.com/office/drawing/2014/main" id="{8C579E26-FA2D-1C68-DB27-3D2C268F6B28}"/>
+              <a16:creationId xmlns:a16="http://schemas.microsoft.com/office/drawing/2014/main" xmlns="" id="{EF87400A-AA39-C6BD-0F50-19DF27F0BEE1}"/>
             </a:ext>
           </a:extLst>
         </p:cNvPr>
@@ -18558,10 +18986,1187 @@
       </p:grpSpPr>
       <p:sp>
         <p:nvSpPr>
+          <p:cNvPr id="3" name="Прямоугольник 2"/>
+          <p:cNvSpPr/>
+          <p:nvPr/>
+        </p:nvSpPr>
+        <p:spPr>
+          <a:xfrm>
+            <a:off x="0" y="5658740"/>
+            <a:ext cx="1876926" cy="1200329"/>
+          </a:xfrm>
+          <a:prstGeom prst="rect">
+            <a:avLst/>
+          </a:prstGeom>
+        </p:spPr>
+        <p:txBody>
+          <a:bodyPr wrap="square">
+            <a:spAutoFit/>
+          </a:bodyPr>
+          <a:lstStyle/>
+          <a:p>
+            <a:r>
+              <a:rPr lang="en-US" sz="7200" dirty="0" smtClean="0">
+                <a:solidFill>
+                  <a:schemeClr val="bg1"/>
+                </a:solidFill>
+              </a:rPr>
+              <a:t>V</a:t>
+            </a:r>
+            <a:r>
+              <a:rPr lang="ru-RU" sz="7200" dirty="0">
+                <a:solidFill>
+                  <a:schemeClr val="bg1"/>
+                </a:solidFill>
+              </a:rPr>
+              <a:t>4</a:t>
+            </a:r>
+            <a:endParaRPr lang="ru-RU" sz="7200" dirty="0">
+              <a:solidFill>
+                <a:schemeClr val="bg1"/>
+              </a:solidFill>
+            </a:endParaRPr>
+          </a:p>
+        </p:txBody>
+      </p:sp>
+      <p:sp>
+        <p:nvSpPr>
+          <p:cNvPr id="13" name="Заголовок 1"/>
+          <p:cNvSpPr txBox="1">
+            <a:spLocks/>
+          </p:cNvSpPr>
+          <p:nvPr/>
+        </p:nvSpPr>
+        <p:spPr>
+          <a:xfrm>
+            <a:off x="2201925" y="173736"/>
+            <a:ext cx="7653418" cy="625642"/>
+          </a:xfrm>
+          <a:prstGeom prst="rect">
+            <a:avLst/>
+          </a:prstGeom>
+        </p:spPr>
+        <p:txBody>
+          <a:bodyPr vert="horz" lIns="91440" tIns="45720" rIns="91440" bIns="45720" rtlCol="0" anchor="ctr" anchorCtr="0">
+            <a:noAutofit/>
+          </a:bodyPr>
+          <a:lstStyle>
+            <a:lvl1pPr algn="ctr" defTabSz="914400" rtl="0" eaLnBrk="1" latinLnBrk="0" hangingPunct="1">
+              <a:lnSpc>
+                <a:spcPct val="90000"/>
+              </a:lnSpc>
+              <a:spcBef>
+                <a:spcPct val="0"/>
+              </a:spcBef>
+              <a:buNone/>
+              <a:defRPr sz="4800" kern="1200" cap="all" spc="300" baseline="0">
+                <a:solidFill>
+                  <a:schemeClr val="bg1"/>
+                </a:solidFill>
+                <a:latin typeface="+mj-lt"/>
+                <a:ea typeface="+mj-ea"/>
+                <a:cs typeface="+mj-cs"/>
+              </a:defRPr>
+            </a:lvl1pPr>
+          </a:lstStyle>
+          <a:p>
+            <a:r>
+              <a:rPr lang="en-US" sz="2800" dirty="0" smtClean="0"/>
+              <a:t>Results(52000 photos trained model)</a:t>
+            </a:r>
+            <a:endParaRPr lang="en-US" sz="2800" dirty="0"/>
+          </a:p>
+        </p:txBody>
+      </p:sp>
+      <p:pic>
+        <p:nvPicPr>
+          <p:cNvPr id="1026" name="Picture 2"/>
+          <p:cNvPicPr>
+            <a:picLocks noChangeAspect="1" noChangeArrowheads="1"/>
+          </p:cNvPicPr>
+          <p:nvPr/>
+        </p:nvPicPr>
+        <p:blipFill>
+          <a:blip r:embed="rId3">
+            <a:extLst>
+              <a:ext uri="{28A0092B-C50C-407E-A947-70E740481C1C}">
+                <a14:useLocalDpi xmlns:a14="http://schemas.microsoft.com/office/drawing/2010/main" val="0"/>
+              </a:ext>
+            </a:extLst>
+          </a:blip>
+          <a:srcRect/>
+          <a:stretch>
+            <a:fillRect/>
+          </a:stretch>
+        </p:blipFill>
+        <p:spPr bwMode="auto">
+          <a:xfrm>
+            <a:off x="0" y="940712"/>
+            <a:ext cx="5975748" cy="3214727"/>
+          </a:xfrm>
+          <a:prstGeom prst="rect">
+            <a:avLst/>
+          </a:prstGeom>
+          <a:noFill/>
+          <a:ln>
+            <a:noFill/>
+          </a:ln>
+          <a:effectLst/>
+          <a:extLst>
+            <a:ext uri="{909E8E84-426E-40DD-AFC4-6F175D3DCCD1}">
+              <a14:hiddenFill xmlns:a14="http://schemas.microsoft.com/office/drawing/2010/main">
+                <a:solidFill>
+                  <a:schemeClr val="accent1"/>
+                </a:solidFill>
+              </a14:hiddenFill>
+            </a:ext>
+            <a:ext uri="{91240B29-F687-4F45-9708-019B960494DF}">
+              <a14:hiddenLine xmlns:a14="http://schemas.microsoft.com/office/drawing/2010/main" w="9525">
+                <a:solidFill>
+                  <a:schemeClr val="tx1"/>
+                </a:solidFill>
+                <a:miter lim="800000"/>
+                <a:headEnd/>
+                <a:tailEnd/>
+              </a14:hiddenLine>
+            </a:ext>
+            <a:ext uri="{AF507438-7753-43E0-B8FC-AC1667EBCBE1}">
+              <a14:hiddenEffects xmlns:a14="http://schemas.microsoft.com/office/drawing/2010/main">
+                <a:effectLst>
+                  <a:outerShdw dist="35921" dir="2700000" algn="ctr" rotWithShape="0">
+                    <a:schemeClr val="bg2"/>
+                  </a:outerShdw>
+                </a:effectLst>
+              </a14:hiddenEffects>
+            </a:ext>
+          </a:extLst>
+        </p:spPr>
+      </p:pic>
+      <p:pic>
+        <p:nvPicPr>
+          <p:cNvPr id="1027" name="Picture 3"/>
+          <p:cNvPicPr>
+            <a:picLocks noChangeAspect="1" noChangeArrowheads="1"/>
+          </p:cNvPicPr>
+          <p:nvPr/>
+        </p:nvPicPr>
+        <p:blipFill>
+          <a:blip r:embed="rId4">
+            <a:extLst>
+              <a:ext uri="{28A0092B-C50C-407E-A947-70E740481C1C}">
+                <a14:useLocalDpi xmlns:a14="http://schemas.microsoft.com/office/drawing/2010/main" val="0"/>
+              </a:ext>
+            </a:extLst>
+          </a:blip>
+          <a:srcRect/>
+          <a:stretch>
+            <a:fillRect/>
+          </a:stretch>
+        </p:blipFill>
+        <p:spPr bwMode="auto">
+          <a:xfrm>
+            <a:off x="6028634" y="940712"/>
+            <a:ext cx="6165425" cy="3214727"/>
+          </a:xfrm>
+          <a:prstGeom prst="rect">
+            <a:avLst/>
+          </a:prstGeom>
+          <a:noFill/>
+          <a:ln>
+            <a:noFill/>
+          </a:ln>
+          <a:effectLst/>
+          <a:extLst>
+            <a:ext uri="{909E8E84-426E-40DD-AFC4-6F175D3DCCD1}">
+              <a14:hiddenFill xmlns:a14="http://schemas.microsoft.com/office/drawing/2010/main">
+                <a:solidFill>
+                  <a:schemeClr val="accent1"/>
+                </a:solidFill>
+              </a14:hiddenFill>
+            </a:ext>
+            <a:ext uri="{91240B29-F687-4F45-9708-019B960494DF}">
+              <a14:hiddenLine xmlns:a14="http://schemas.microsoft.com/office/drawing/2010/main" w="9525">
+                <a:solidFill>
+                  <a:schemeClr val="tx1"/>
+                </a:solidFill>
+                <a:miter lim="800000"/>
+                <a:headEnd/>
+                <a:tailEnd/>
+              </a14:hiddenLine>
+            </a:ext>
+            <a:ext uri="{AF507438-7753-43E0-B8FC-AC1667EBCBE1}">
+              <a14:hiddenEffects xmlns:a14="http://schemas.microsoft.com/office/drawing/2010/main">
+                <a:effectLst>
+                  <a:outerShdw dist="35921" dir="2700000" algn="ctr" rotWithShape="0">
+                    <a:schemeClr val="bg2"/>
+                  </a:outerShdw>
+                </a:effectLst>
+              </a14:hiddenEffects>
+            </a:ext>
+          </a:extLst>
+        </p:spPr>
+      </p:pic>
+      <p:pic>
+        <p:nvPicPr>
+          <p:cNvPr id="1028" name="Picture 4"/>
+          <p:cNvPicPr>
+            <a:picLocks noChangeAspect="1" noChangeArrowheads="1"/>
+          </p:cNvPicPr>
+          <p:nvPr/>
+        </p:nvPicPr>
+        <p:blipFill>
+          <a:blip r:embed="rId5">
+            <a:extLst>
+              <a:ext uri="{28A0092B-C50C-407E-A947-70E740481C1C}">
+                <a14:useLocalDpi xmlns:a14="http://schemas.microsoft.com/office/drawing/2010/main" val="0"/>
+              </a:ext>
+            </a:extLst>
+          </a:blip>
+          <a:srcRect/>
+          <a:stretch>
+            <a:fillRect/>
+          </a:stretch>
+        </p:blipFill>
+        <p:spPr bwMode="auto">
+          <a:xfrm>
+            <a:off x="3508105" y="4175449"/>
+            <a:ext cx="5041058" cy="2683619"/>
+          </a:xfrm>
+          <a:prstGeom prst="rect">
+            <a:avLst/>
+          </a:prstGeom>
+          <a:noFill/>
+          <a:ln>
+            <a:noFill/>
+          </a:ln>
+          <a:effectLst/>
+          <a:extLst>
+            <a:ext uri="{909E8E84-426E-40DD-AFC4-6F175D3DCCD1}">
+              <a14:hiddenFill xmlns:a14="http://schemas.microsoft.com/office/drawing/2010/main">
+                <a:solidFill>
+                  <a:schemeClr val="accent1"/>
+                </a:solidFill>
+              </a14:hiddenFill>
+            </a:ext>
+            <a:ext uri="{91240B29-F687-4F45-9708-019B960494DF}">
+              <a14:hiddenLine xmlns:a14="http://schemas.microsoft.com/office/drawing/2010/main" w="9525">
+                <a:solidFill>
+                  <a:schemeClr val="tx1"/>
+                </a:solidFill>
+                <a:miter lim="800000"/>
+                <a:headEnd/>
+                <a:tailEnd/>
+              </a14:hiddenLine>
+            </a:ext>
+            <a:ext uri="{AF507438-7753-43E0-B8FC-AC1667EBCBE1}">
+              <a14:hiddenEffects xmlns:a14="http://schemas.microsoft.com/office/drawing/2010/main">
+                <a:effectLst>
+                  <a:outerShdw dist="35921" dir="2700000" algn="ctr" rotWithShape="0">
+                    <a:schemeClr val="bg2"/>
+                  </a:outerShdw>
+                </a:effectLst>
+              </a14:hiddenEffects>
+            </a:ext>
+          </a:extLst>
+        </p:spPr>
+      </p:pic>
+    </p:spTree>
+    <p:extLst>
+      <p:ext uri="{BB962C8B-B14F-4D97-AF65-F5344CB8AC3E}">
+        <p14:creationId xmlns:p14="http://schemas.microsoft.com/office/powerpoint/2010/main" val="3844802703"/>
+      </p:ext>
+    </p:extLst>
+  </p:cSld>
+  <p:clrMapOvr>
+    <a:masterClrMapping/>
+  </p:clrMapOvr>
+</p:sld>
+</file>
+
+<file path=ppt/slides/slide31.xml><?xml version="1.0" encoding="utf-8"?>
+<p:sld xmlns:a="http://schemas.openxmlformats.org/drawingml/2006/main" xmlns:r="http://schemas.openxmlformats.org/officeDocument/2006/relationships" xmlns:p="http://schemas.openxmlformats.org/presentationml/2006/main">
+  <p:cSld>
+    <p:spTree>
+      <p:nvGrpSpPr>
+        <p:cNvPr id="1" name="">
+          <a:extLst>
+            <a:ext uri="{FF2B5EF4-FFF2-40B4-BE49-F238E27FC236}">
+              <a16:creationId xmlns:a16="http://schemas.microsoft.com/office/drawing/2014/main" xmlns="" id="{EF87400A-AA39-C6BD-0F50-19DF27F0BEE1}"/>
+            </a:ext>
+          </a:extLst>
+        </p:cNvPr>
+        <p:cNvGrpSpPr/>
+        <p:nvPr/>
+      </p:nvGrpSpPr>
+      <p:grpSpPr>
+        <a:xfrm>
+          <a:off x="0" y="0"/>
+          <a:ext cx="0" cy="0"/>
+          <a:chOff x="0" y="0"/>
+          <a:chExt cx="0" cy="0"/>
+        </a:xfrm>
+      </p:grpSpPr>
+      <p:sp>
+        <p:nvSpPr>
+          <p:cNvPr id="3" name="Прямоугольник 2"/>
+          <p:cNvSpPr/>
+          <p:nvPr/>
+        </p:nvSpPr>
+        <p:spPr>
+          <a:xfrm>
+            <a:off x="0" y="5658740"/>
+            <a:ext cx="1876926" cy="1200329"/>
+          </a:xfrm>
+          <a:prstGeom prst="rect">
+            <a:avLst/>
+          </a:prstGeom>
+        </p:spPr>
+        <p:txBody>
+          <a:bodyPr wrap="square">
+            <a:spAutoFit/>
+          </a:bodyPr>
+          <a:lstStyle/>
+          <a:p>
+            <a:r>
+              <a:rPr lang="en-US" sz="7200" dirty="0" smtClean="0">
+                <a:solidFill>
+                  <a:schemeClr val="bg1"/>
+                </a:solidFill>
+              </a:rPr>
+              <a:t>V</a:t>
+            </a:r>
+            <a:r>
+              <a:rPr lang="ru-RU" sz="7200" dirty="0">
+                <a:solidFill>
+                  <a:schemeClr val="bg1"/>
+                </a:solidFill>
+              </a:rPr>
+              <a:t>4</a:t>
+            </a:r>
+            <a:endParaRPr lang="ru-RU" sz="7200" dirty="0">
+              <a:solidFill>
+                <a:schemeClr val="bg1"/>
+              </a:solidFill>
+            </a:endParaRPr>
+          </a:p>
+        </p:txBody>
+      </p:sp>
+      <p:sp>
+        <p:nvSpPr>
+          <p:cNvPr id="13" name="Заголовок 1"/>
+          <p:cNvSpPr txBox="1">
+            <a:spLocks/>
+          </p:cNvSpPr>
+          <p:nvPr/>
+        </p:nvSpPr>
+        <p:spPr>
+          <a:xfrm>
+            <a:off x="2201925" y="173736"/>
+            <a:ext cx="7653418" cy="625642"/>
+          </a:xfrm>
+          <a:prstGeom prst="rect">
+            <a:avLst/>
+          </a:prstGeom>
+        </p:spPr>
+        <p:txBody>
+          <a:bodyPr vert="horz" lIns="91440" tIns="45720" rIns="91440" bIns="45720" rtlCol="0" anchor="ctr" anchorCtr="0">
+            <a:noAutofit/>
+          </a:bodyPr>
+          <a:lstStyle>
+            <a:lvl1pPr algn="ctr" defTabSz="914400" rtl="0" eaLnBrk="1" latinLnBrk="0" hangingPunct="1">
+              <a:lnSpc>
+                <a:spcPct val="90000"/>
+              </a:lnSpc>
+              <a:spcBef>
+                <a:spcPct val="0"/>
+              </a:spcBef>
+              <a:buNone/>
+              <a:defRPr sz="4800" kern="1200" cap="all" spc="300" baseline="0">
+                <a:solidFill>
+                  <a:schemeClr val="bg1"/>
+                </a:solidFill>
+                <a:latin typeface="+mj-lt"/>
+                <a:ea typeface="+mj-ea"/>
+                <a:cs typeface="+mj-cs"/>
+              </a:defRPr>
+            </a:lvl1pPr>
+          </a:lstStyle>
+          <a:p>
+            <a:r>
+              <a:rPr lang="en-US" sz="2800" dirty="0" smtClean="0"/>
+              <a:t>Results(52000 photos trained model)</a:t>
+            </a:r>
+            <a:endParaRPr lang="en-US" sz="2800" dirty="0"/>
+          </a:p>
+        </p:txBody>
+      </p:sp>
+      <p:pic>
+        <p:nvPicPr>
+          <p:cNvPr id="2050" name="Picture 2"/>
+          <p:cNvPicPr>
+            <a:picLocks noChangeAspect="1" noChangeArrowheads="1"/>
+          </p:cNvPicPr>
+          <p:nvPr/>
+        </p:nvPicPr>
+        <p:blipFill>
+          <a:blip r:embed="rId3">
+            <a:extLst>
+              <a:ext uri="{28A0092B-C50C-407E-A947-70E740481C1C}">
+                <a14:useLocalDpi xmlns:a14="http://schemas.microsoft.com/office/drawing/2010/main" val="0"/>
+              </a:ext>
+            </a:extLst>
+          </a:blip>
+          <a:srcRect/>
+          <a:stretch>
+            <a:fillRect/>
+          </a:stretch>
+        </p:blipFill>
+        <p:spPr bwMode="auto">
+          <a:xfrm>
+            <a:off x="4255179" y="888997"/>
+            <a:ext cx="3546909" cy="3546909"/>
+          </a:xfrm>
+          <a:prstGeom prst="rect">
+            <a:avLst/>
+          </a:prstGeom>
+          <a:noFill/>
+          <a:ln>
+            <a:noFill/>
+          </a:ln>
+          <a:effectLst/>
+          <a:extLst>
+            <a:ext uri="{909E8E84-426E-40DD-AFC4-6F175D3DCCD1}">
+              <a14:hiddenFill xmlns:a14="http://schemas.microsoft.com/office/drawing/2010/main">
+                <a:solidFill>
+                  <a:schemeClr val="accent1"/>
+                </a:solidFill>
+              </a14:hiddenFill>
+            </a:ext>
+            <a:ext uri="{91240B29-F687-4F45-9708-019B960494DF}">
+              <a14:hiddenLine xmlns:a14="http://schemas.microsoft.com/office/drawing/2010/main" w="9525">
+                <a:solidFill>
+                  <a:schemeClr val="tx1"/>
+                </a:solidFill>
+                <a:miter lim="800000"/>
+                <a:headEnd/>
+                <a:tailEnd/>
+              </a14:hiddenLine>
+            </a:ext>
+            <a:ext uri="{AF507438-7753-43E0-B8FC-AC1667EBCBE1}">
+              <a14:hiddenEffects xmlns:a14="http://schemas.microsoft.com/office/drawing/2010/main">
+                <a:effectLst>
+                  <a:outerShdw dist="35921" dir="2700000" algn="ctr" rotWithShape="0">
+                    <a:schemeClr val="bg2"/>
+                  </a:outerShdw>
+                </a:effectLst>
+              </a14:hiddenEffects>
+            </a:ext>
+          </a:extLst>
+        </p:spPr>
+      </p:pic>
+      <p:pic>
+        <p:nvPicPr>
+          <p:cNvPr id="2051" name="Picture 3"/>
+          <p:cNvPicPr>
+            <a:picLocks noChangeAspect="1" noChangeArrowheads="1"/>
+          </p:cNvPicPr>
+          <p:nvPr/>
+        </p:nvPicPr>
+        <p:blipFill>
+          <a:blip r:embed="rId4">
+            <a:extLst>
+              <a:ext uri="{28A0092B-C50C-407E-A947-70E740481C1C}">
+                <a14:useLocalDpi xmlns:a14="http://schemas.microsoft.com/office/drawing/2010/main" val="0"/>
+              </a:ext>
+            </a:extLst>
+          </a:blip>
+          <a:srcRect/>
+          <a:stretch>
+            <a:fillRect/>
+          </a:stretch>
+        </p:blipFill>
+        <p:spPr bwMode="auto">
+          <a:xfrm>
+            <a:off x="0" y="889000"/>
+            <a:ext cx="3556000" cy="3556000"/>
+          </a:xfrm>
+          <a:prstGeom prst="rect">
+            <a:avLst/>
+          </a:prstGeom>
+          <a:noFill/>
+          <a:ln>
+            <a:noFill/>
+          </a:ln>
+          <a:effectLst/>
+          <a:extLst>
+            <a:ext uri="{909E8E84-426E-40DD-AFC4-6F175D3DCCD1}">
+              <a14:hiddenFill xmlns:a14="http://schemas.microsoft.com/office/drawing/2010/main">
+                <a:solidFill>
+                  <a:schemeClr val="accent1"/>
+                </a:solidFill>
+              </a14:hiddenFill>
+            </a:ext>
+            <a:ext uri="{91240B29-F687-4F45-9708-019B960494DF}">
+              <a14:hiddenLine xmlns:a14="http://schemas.microsoft.com/office/drawing/2010/main" w="9525">
+                <a:solidFill>
+                  <a:schemeClr val="tx1"/>
+                </a:solidFill>
+                <a:miter lim="800000"/>
+                <a:headEnd/>
+                <a:tailEnd/>
+              </a14:hiddenLine>
+            </a:ext>
+            <a:ext uri="{AF507438-7753-43E0-B8FC-AC1667EBCBE1}">
+              <a14:hiddenEffects xmlns:a14="http://schemas.microsoft.com/office/drawing/2010/main">
+                <a:effectLst>
+                  <a:outerShdw dist="35921" dir="2700000" algn="ctr" rotWithShape="0">
+                    <a:schemeClr val="bg2"/>
+                  </a:outerShdw>
+                </a:effectLst>
+              </a14:hiddenEffects>
+            </a:ext>
+          </a:extLst>
+        </p:spPr>
+      </p:pic>
+      <p:pic>
+        <p:nvPicPr>
+          <p:cNvPr id="2052" name="Picture 4"/>
+          <p:cNvPicPr>
+            <a:picLocks noChangeAspect="1" noChangeArrowheads="1"/>
+          </p:cNvPicPr>
+          <p:nvPr/>
+        </p:nvPicPr>
+        <p:blipFill>
+          <a:blip r:embed="rId5">
+            <a:extLst>
+              <a:ext uri="{28A0092B-C50C-407E-A947-70E740481C1C}">
+                <a14:useLocalDpi xmlns:a14="http://schemas.microsoft.com/office/drawing/2010/main" val="0"/>
+              </a:ext>
+            </a:extLst>
+          </a:blip>
+          <a:srcRect/>
+          <a:stretch>
+            <a:fillRect/>
+          </a:stretch>
+        </p:blipFill>
+        <p:spPr bwMode="auto">
+          <a:xfrm>
+            <a:off x="8636000" y="890049"/>
+            <a:ext cx="3556000" cy="3556000"/>
+          </a:xfrm>
+          <a:prstGeom prst="rect">
+            <a:avLst/>
+          </a:prstGeom>
+          <a:noFill/>
+          <a:ln>
+            <a:noFill/>
+          </a:ln>
+          <a:effectLst/>
+          <a:extLst>
+            <a:ext uri="{909E8E84-426E-40DD-AFC4-6F175D3DCCD1}">
+              <a14:hiddenFill xmlns:a14="http://schemas.microsoft.com/office/drawing/2010/main">
+                <a:solidFill>
+                  <a:schemeClr val="accent1"/>
+                </a:solidFill>
+              </a14:hiddenFill>
+            </a:ext>
+            <a:ext uri="{91240B29-F687-4F45-9708-019B960494DF}">
+              <a14:hiddenLine xmlns:a14="http://schemas.microsoft.com/office/drawing/2010/main" w="9525">
+                <a:solidFill>
+                  <a:schemeClr val="tx1"/>
+                </a:solidFill>
+                <a:miter lim="800000"/>
+                <a:headEnd/>
+                <a:tailEnd/>
+              </a14:hiddenLine>
+            </a:ext>
+            <a:ext uri="{AF507438-7753-43E0-B8FC-AC1667EBCBE1}">
+              <a14:hiddenEffects xmlns:a14="http://schemas.microsoft.com/office/drawing/2010/main">
+                <a:effectLst>
+                  <a:outerShdw dist="35921" dir="2700000" algn="ctr" rotWithShape="0">
+                    <a:schemeClr val="bg2"/>
+                  </a:outerShdw>
+                </a:effectLst>
+              </a14:hiddenEffects>
+            </a:ext>
+          </a:extLst>
+        </p:spPr>
+      </p:pic>
+      <p:sp>
+        <p:nvSpPr>
+          <p:cNvPr id="10" name="Прямоугольник 9"/>
+          <p:cNvSpPr/>
+          <p:nvPr/>
+        </p:nvSpPr>
+        <p:spPr>
+          <a:xfrm>
+            <a:off x="839537" y="4435909"/>
+            <a:ext cx="1876926" cy="523220"/>
+          </a:xfrm>
+          <a:prstGeom prst="rect">
+            <a:avLst/>
+          </a:prstGeom>
+        </p:spPr>
+        <p:txBody>
+          <a:bodyPr wrap="square">
+            <a:spAutoFit/>
+          </a:bodyPr>
+          <a:lstStyle/>
+          <a:p>
+            <a:pPr algn="ctr"/>
+            <a:r>
+              <a:rPr lang="en-US" sz="2800" dirty="0" smtClean="0">
+                <a:solidFill>
+                  <a:schemeClr val="bg1"/>
+                </a:solidFill>
+              </a:rPr>
+              <a:t>PNG(32KB)</a:t>
+            </a:r>
+            <a:endParaRPr lang="ru-RU" sz="2800" dirty="0">
+              <a:solidFill>
+                <a:schemeClr val="bg1"/>
+              </a:solidFill>
+            </a:endParaRPr>
+          </a:p>
+        </p:txBody>
+      </p:sp>
+      <p:sp>
+        <p:nvSpPr>
+          <p:cNvPr id="11" name="Прямоугольник 10"/>
+          <p:cNvSpPr/>
+          <p:nvPr/>
+        </p:nvSpPr>
+        <p:spPr>
+          <a:xfrm>
+            <a:off x="9391048" y="4447098"/>
+            <a:ext cx="2045903" cy="523220"/>
+          </a:xfrm>
+          <a:prstGeom prst="rect">
+            <a:avLst/>
+          </a:prstGeom>
+        </p:spPr>
+        <p:txBody>
+          <a:bodyPr wrap="square">
+            <a:spAutoFit/>
+          </a:bodyPr>
+          <a:lstStyle/>
+          <a:p>
+            <a:pPr algn="ctr"/>
+            <a:r>
+              <a:rPr lang="en-US" sz="2800" dirty="0" smtClean="0">
+                <a:solidFill>
+                  <a:schemeClr val="bg1"/>
+                </a:solidFill>
+              </a:rPr>
+              <a:t>JPG(2.72KB)</a:t>
+            </a:r>
+            <a:endParaRPr lang="ru-RU" sz="2800" dirty="0">
+              <a:solidFill>
+                <a:schemeClr val="bg1"/>
+              </a:solidFill>
+            </a:endParaRPr>
+          </a:p>
+        </p:txBody>
+      </p:sp>
+      <p:sp>
+        <p:nvSpPr>
+          <p:cNvPr id="12" name="Прямоугольник 11"/>
+          <p:cNvSpPr/>
+          <p:nvPr/>
+        </p:nvSpPr>
+        <p:spPr>
+          <a:xfrm>
+            <a:off x="4255179" y="4427048"/>
+            <a:ext cx="3546909" cy="1384995"/>
+          </a:xfrm>
+          <a:prstGeom prst="rect">
+            <a:avLst/>
+          </a:prstGeom>
+        </p:spPr>
+        <p:txBody>
+          <a:bodyPr wrap="square">
+            <a:spAutoFit/>
+          </a:bodyPr>
+          <a:lstStyle/>
+          <a:p>
+            <a:pPr algn="ctr"/>
+            <a:r>
+              <a:rPr lang="en-US" sz="2800" dirty="0" smtClean="0">
+                <a:solidFill>
+                  <a:schemeClr val="bg1"/>
+                </a:solidFill>
+              </a:rPr>
+              <a:t>AI</a:t>
+            </a:r>
+          </a:p>
+          <a:p>
+            <a:pPr algn="ctr"/>
+            <a:r>
+              <a:rPr lang="en-US" sz="2800" dirty="0" smtClean="0">
+                <a:solidFill>
+                  <a:schemeClr val="bg1"/>
+                </a:solidFill>
+              </a:rPr>
+              <a:t>Compressed 2.2KB</a:t>
+            </a:r>
+          </a:p>
+          <a:p>
+            <a:pPr algn="ctr"/>
+            <a:r>
+              <a:rPr lang="en-US" sz="2800" dirty="0" smtClean="0">
+                <a:solidFill>
+                  <a:schemeClr val="bg1"/>
+                </a:solidFill>
+              </a:rPr>
+              <a:t>Decompressed 30.6KB</a:t>
+            </a:r>
+            <a:endParaRPr lang="ru-RU" sz="2800" dirty="0">
+              <a:solidFill>
+                <a:schemeClr val="bg1"/>
+              </a:solidFill>
+            </a:endParaRPr>
+          </a:p>
+        </p:txBody>
+      </p:sp>
+    </p:spTree>
+    <p:extLst>
+      <p:ext uri="{BB962C8B-B14F-4D97-AF65-F5344CB8AC3E}">
+        <p14:creationId xmlns:p14="http://schemas.microsoft.com/office/powerpoint/2010/main" val="2394293538"/>
+      </p:ext>
+    </p:extLst>
+  </p:cSld>
+  <p:clrMapOvr>
+    <a:masterClrMapping/>
+  </p:clrMapOvr>
+</p:sld>
+</file>
+
+<file path=ppt/slides/slide32.xml><?xml version="1.0" encoding="utf-8"?>
+<p:sld xmlns:a="http://schemas.openxmlformats.org/drawingml/2006/main" xmlns:r="http://schemas.openxmlformats.org/officeDocument/2006/relationships" xmlns:p="http://schemas.openxmlformats.org/presentationml/2006/main">
+  <p:cSld>
+    <p:spTree>
+      <p:nvGrpSpPr>
+        <p:cNvPr id="1" name="">
+          <a:extLst>
+            <a:ext uri="{FF2B5EF4-FFF2-40B4-BE49-F238E27FC236}">
+              <a16:creationId xmlns:a16="http://schemas.microsoft.com/office/drawing/2014/main" xmlns="" id="{EF87400A-AA39-C6BD-0F50-19DF27F0BEE1}"/>
+            </a:ext>
+          </a:extLst>
+        </p:cNvPr>
+        <p:cNvGrpSpPr/>
+        <p:nvPr/>
+      </p:nvGrpSpPr>
+      <p:grpSpPr>
+        <a:xfrm>
+          <a:off x="0" y="0"/>
+          <a:ext cx="0" cy="0"/>
+          <a:chOff x="0" y="0"/>
+          <a:chExt cx="0" cy="0"/>
+        </a:xfrm>
+      </p:grpSpPr>
+      <p:sp>
+        <p:nvSpPr>
+          <p:cNvPr id="13" name="Заголовок 1"/>
+          <p:cNvSpPr txBox="1">
+            <a:spLocks/>
+          </p:cNvSpPr>
+          <p:nvPr/>
+        </p:nvSpPr>
+        <p:spPr>
+          <a:xfrm>
+            <a:off x="1831156" y="2072640"/>
+            <a:ext cx="8394955" cy="2926080"/>
+          </a:xfrm>
+          <a:prstGeom prst="rect">
+            <a:avLst/>
+          </a:prstGeom>
+        </p:spPr>
+        <p:txBody>
+          <a:bodyPr vert="horz" lIns="91440" tIns="45720" rIns="91440" bIns="45720" rtlCol="0" anchor="ctr" anchorCtr="0">
+            <a:noAutofit/>
+          </a:bodyPr>
+          <a:lstStyle>
+            <a:lvl1pPr algn="ctr" defTabSz="914400" rtl="0" eaLnBrk="1" latinLnBrk="0" hangingPunct="1">
+              <a:lnSpc>
+                <a:spcPct val="90000"/>
+              </a:lnSpc>
+              <a:spcBef>
+                <a:spcPct val="0"/>
+              </a:spcBef>
+              <a:buNone/>
+              <a:defRPr sz="4800" kern="1200" cap="all" spc="300" baseline="0">
+                <a:solidFill>
+                  <a:schemeClr val="bg1"/>
+                </a:solidFill>
+                <a:latin typeface="+mj-lt"/>
+                <a:ea typeface="+mj-ea"/>
+                <a:cs typeface="+mj-cs"/>
+              </a:defRPr>
+            </a:lvl1pPr>
+          </a:lstStyle>
+          <a:p>
+            <a:r>
+              <a:rPr lang="en-US" sz="2800" dirty="0" smtClean="0"/>
+              <a:t>In step 5 we will compare the time of compression and the requirements for jpg/ai compression</a:t>
+            </a:r>
+          </a:p>
+          <a:p>
+            <a:endParaRPr lang="en-US" sz="2800" dirty="0" smtClean="0"/>
+          </a:p>
+          <a:p>
+            <a:r>
+              <a:rPr lang="en-US" sz="2800" dirty="0" smtClean="0"/>
+              <a:t>Then </a:t>
+            </a:r>
+            <a:r>
+              <a:rPr lang="en-US" sz="2800" dirty="0" smtClean="0"/>
+              <a:t>we will try to optimize the time of ai compression/decompression</a:t>
+            </a:r>
+            <a:endParaRPr lang="en-US" sz="2800" dirty="0"/>
+          </a:p>
+        </p:txBody>
+      </p:sp>
+      <p:sp>
+        <p:nvSpPr>
+          <p:cNvPr id="14" name="Прямоугольник 13"/>
+          <p:cNvSpPr/>
+          <p:nvPr/>
+        </p:nvSpPr>
+        <p:spPr>
+          <a:xfrm>
+            <a:off x="4499553" y="0"/>
+            <a:ext cx="3058160" cy="1200329"/>
+          </a:xfrm>
+          <a:prstGeom prst="rect">
+            <a:avLst/>
+          </a:prstGeom>
+        </p:spPr>
+        <p:txBody>
+          <a:bodyPr wrap="square">
+            <a:spAutoFit/>
+          </a:bodyPr>
+          <a:lstStyle/>
+          <a:p>
+            <a:r>
+              <a:rPr lang="en-US" sz="7200" dirty="0" smtClean="0">
+                <a:solidFill>
+                  <a:schemeClr val="bg1"/>
+                </a:solidFill>
+              </a:rPr>
+              <a:t>Step 5</a:t>
+            </a:r>
+            <a:endParaRPr lang="ru-RU" sz="7200" dirty="0">
+              <a:solidFill>
+                <a:schemeClr val="bg1"/>
+              </a:solidFill>
+            </a:endParaRPr>
+          </a:p>
+        </p:txBody>
+      </p:sp>
+    </p:spTree>
+    <p:extLst>
+      <p:ext uri="{BB962C8B-B14F-4D97-AF65-F5344CB8AC3E}">
+        <p14:creationId xmlns:p14="http://schemas.microsoft.com/office/powerpoint/2010/main" val="2669163139"/>
+      </p:ext>
+    </p:extLst>
+  </p:cSld>
+  <p:clrMapOvr>
+    <a:masterClrMapping/>
+  </p:clrMapOvr>
+</p:sld>
+</file>
+
+<file path=ppt/slides/slide33.xml><?xml version="1.0" encoding="utf-8"?>
+<p:sld xmlns:a="http://schemas.openxmlformats.org/drawingml/2006/main" xmlns:r="http://schemas.openxmlformats.org/officeDocument/2006/relationships" xmlns:p="http://schemas.openxmlformats.org/presentationml/2006/main">
+  <p:cSld>
+    <p:spTree>
+      <p:nvGrpSpPr>
+        <p:cNvPr id="1" name="">
+          <a:extLst>
+            <a:ext uri="{FF2B5EF4-FFF2-40B4-BE49-F238E27FC236}">
+              <a16:creationId xmlns:a16="http://schemas.microsoft.com/office/drawing/2014/main" xmlns="" id="{EF87400A-AA39-C6BD-0F50-19DF27F0BEE1}"/>
+            </a:ext>
+          </a:extLst>
+        </p:cNvPr>
+        <p:cNvGrpSpPr/>
+        <p:nvPr/>
+      </p:nvGrpSpPr>
+      <p:grpSpPr>
+        <a:xfrm>
+          <a:off x="0" y="0"/>
+          <a:ext cx="0" cy="0"/>
+          <a:chOff x="0" y="0"/>
+          <a:chExt cx="0" cy="0"/>
+        </a:xfrm>
+      </p:grpSpPr>
+      <p:sp>
+        <p:nvSpPr>
+          <p:cNvPr id="13" name="Заголовок 1"/>
+          <p:cNvSpPr txBox="1">
+            <a:spLocks/>
+          </p:cNvSpPr>
+          <p:nvPr/>
+        </p:nvSpPr>
+        <p:spPr>
+          <a:xfrm>
+            <a:off x="451971" y="1595120"/>
+            <a:ext cx="4549324" cy="2682240"/>
+          </a:xfrm>
+          <a:prstGeom prst="rect">
+            <a:avLst/>
+          </a:prstGeom>
+        </p:spPr>
+        <p:txBody>
+          <a:bodyPr vert="horz" lIns="91440" tIns="45720" rIns="91440" bIns="45720" rtlCol="0" anchor="ctr" anchorCtr="0">
+            <a:noAutofit/>
+          </a:bodyPr>
+          <a:lstStyle>
+            <a:lvl1pPr algn="ctr" defTabSz="914400" rtl="0" eaLnBrk="1" latinLnBrk="0" hangingPunct="1">
+              <a:lnSpc>
+                <a:spcPct val="90000"/>
+              </a:lnSpc>
+              <a:spcBef>
+                <a:spcPct val="0"/>
+              </a:spcBef>
+              <a:buNone/>
+              <a:defRPr sz="4800" kern="1200" cap="all" spc="300" baseline="0">
+                <a:solidFill>
+                  <a:schemeClr val="bg1"/>
+                </a:solidFill>
+                <a:latin typeface="+mj-lt"/>
+                <a:ea typeface="+mj-ea"/>
+                <a:cs typeface="+mj-cs"/>
+              </a:defRPr>
+            </a:lvl1pPr>
+          </a:lstStyle>
+          <a:p>
+            <a:r>
+              <a:rPr lang="en-US" sz="2800" dirty="0" smtClean="0"/>
+              <a:t>JPG</a:t>
+            </a:r>
+            <a:endParaRPr lang="ru-RU" sz="2800" dirty="0" smtClean="0"/>
+          </a:p>
+          <a:p>
+            <a:r>
+              <a:rPr lang="en-US" sz="2800" dirty="0" smtClean="0"/>
+              <a:t>CT - </a:t>
+            </a:r>
+            <a:r>
+              <a:rPr lang="ru-RU" sz="2800" dirty="0" smtClean="0"/>
+              <a:t>0.0005</a:t>
+            </a:r>
+            <a:r>
+              <a:rPr lang="en-US" sz="2800" dirty="0" smtClean="0"/>
+              <a:t> seconds</a:t>
+            </a:r>
+            <a:endParaRPr lang="en-US" sz="2800" dirty="0" smtClean="0"/>
+          </a:p>
+        </p:txBody>
+      </p:sp>
+      <p:sp>
+        <p:nvSpPr>
+          <p:cNvPr id="14" name="Прямоугольник 13"/>
+          <p:cNvSpPr/>
+          <p:nvPr/>
+        </p:nvSpPr>
+        <p:spPr>
+          <a:xfrm>
+            <a:off x="2726633" y="-1"/>
+            <a:ext cx="6604000" cy="1200329"/>
+          </a:xfrm>
+          <a:prstGeom prst="rect">
+            <a:avLst/>
+          </a:prstGeom>
+        </p:spPr>
+        <p:txBody>
+          <a:bodyPr wrap="square">
+            <a:spAutoFit/>
+          </a:bodyPr>
+          <a:lstStyle/>
+          <a:p>
+            <a:r>
+              <a:rPr lang="en-US" sz="7200" dirty="0" smtClean="0">
+                <a:solidFill>
+                  <a:schemeClr val="bg1"/>
+                </a:solidFill>
+              </a:rPr>
+              <a:t>Time comparison</a:t>
+            </a:r>
+            <a:endParaRPr lang="ru-RU" sz="7200" dirty="0">
+              <a:solidFill>
+                <a:schemeClr val="bg1"/>
+              </a:solidFill>
+            </a:endParaRPr>
+          </a:p>
+        </p:txBody>
+      </p:sp>
+      <p:sp>
+        <p:nvSpPr>
+          <p:cNvPr id="4" name="Заголовок 1"/>
+          <p:cNvSpPr txBox="1">
+            <a:spLocks/>
+          </p:cNvSpPr>
+          <p:nvPr/>
+        </p:nvSpPr>
+        <p:spPr>
+          <a:xfrm>
+            <a:off x="6456531" y="1595120"/>
+            <a:ext cx="4549324" cy="2682240"/>
+          </a:xfrm>
+          <a:prstGeom prst="rect">
+            <a:avLst/>
+          </a:prstGeom>
+        </p:spPr>
+        <p:txBody>
+          <a:bodyPr vert="horz" lIns="91440" tIns="45720" rIns="91440" bIns="45720" rtlCol="0" anchor="ctr" anchorCtr="0">
+            <a:noAutofit/>
+          </a:bodyPr>
+          <a:lstStyle>
+            <a:lvl1pPr algn="ctr" defTabSz="914400" rtl="0" eaLnBrk="1" latinLnBrk="0" hangingPunct="1">
+              <a:lnSpc>
+                <a:spcPct val="90000"/>
+              </a:lnSpc>
+              <a:spcBef>
+                <a:spcPct val="0"/>
+              </a:spcBef>
+              <a:buNone/>
+              <a:defRPr sz="4800" kern="1200" cap="all" spc="300" baseline="0">
+                <a:solidFill>
+                  <a:schemeClr val="bg1"/>
+                </a:solidFill>
+                <a:latin typeface="+mj-lt"/>
+                <a:ea typeface="+mj-ea"/>
+                <a:cs typeface="+mj-cs"/>
+              </a:defRPr>
+            </a:lvl1pPr>
+          </a:lstStyle>
+          <a:p>
+            <a:r>
+              <a:rPr lang="en-US" sz="2800" dirty="0" smtClean="0"/>
+              <a:t>AI</a:t>
+            </a:r>
+          </a:p>
+          <a:p>
+            <a:r>
+              <a:rPr lang="en-US" sz="2800" dirty="0"/>
+              <a:t>CT - </a:t>
+            </a:r>
+            <a:r>
+              <a:rPr lang="en-US" sz="2800" dirty="0" smtClean="0"/>
+              <a:t>0.0295 seconds</a:t>
+            </a:r>
+          </a:p>
+          <a:p>
+            <a:r>
+              <a:rPr lang="en-US" sz="2800" dirty="0"/>
+              <a:t>DT - </a:t>
+            </a:r>
+            <a:r>
+              <a:rPr lang="en-US" sz="2800" dirty="0" smtClean="0"/>
+              <a:t>0.0098 seconds</a:t>
+            </a:r>
+          </a:p>
+          <a:p>
+            <a:endParaRPr lang="en-US" sz="2800" dirty="0"/>
+          </a:p>
+          <a:p>
+            <a:r>
+              <a:rPr lang="en-US" sz="2000" dirty="0" smtClean="0"/>
+              <a:t>All numbers include LZMA and quantization</a:t>
+            </a:r>
+            <a:endParaRPr lang="en-US" sz="2000" dirty="0"/>
+          </a:p>
+        </p:txBody>
+      </p:sp>
+      <p:sp>
+        <p:nvSpPr>
+          <p:cNvPr id="2" name="Прямоугольник 1"/>
+          <p:cNvSpPr/>
+          <p:nvPr/>
+        </p:nvSpPr>
+        <p:spPr>
+          <a:xfrm>
+            <a:off x="4732989" y="6200894"/>
+            <a:ext cx="2591287" cy="646331"/>
+          </a:xfrm>
+          <a:prstGeom prst="rect">
+            <a:avLst/>
+          </a:prstGeom>
+        </p:spPr>
+        <p:txBody>
+          <a:bodyPr wrap="none">
+            <a:spAutoFit/>
+          </a:bodyPr>
+          <a:lstStyle/>
+          <a:p>
+            <a:r>
+              <a:rPr lang="en-US" i="1" dirty="0" smtClean="0">
+                <a:solidFill>
+                  <a:schemeClr val="bg1"/>
+                </a:solidFill>
+              </a:rPr>
+              <a:t>CT - Compression time</a:t>
+            </a:r>
+          </a:p>
+          <a:p>
+            <a:r>
+              <a:rPr lang="en-US" i="1" dirty="0" smtClean="0">
+                <a:solidFill>
+                  <a:schemeClr val="bg1"/>
+                </a:solidFill>
+              </a:rPr>
+              <a:t>DT – Decompression time</a:t>
+            </a:r>
+            <a:endParaRPr lang="ru-RU" i="1" dirty="0">
+              <a:solidFill>
+                <a:schemeClr val="bg1"/>
+              </a:solidFill>
+            </a:endParaRPr>
+          </a:p>
+        </p:txBody>
+      </p:sp>
+    </p:spTree>
+    <p:extLst>
+      <p:ext uri="{BB962C8B-B14F-4D97-AF65-F5344CB8AC3E}">
+        <p14:creationId xmlns:p14="http://schemas.microsoft.com/office/powerpoint/2010/main" val="357402327"/>
+      </p:ext>
+    </p:extLst>
+  </p:cSld>
+  <p:clrMapOvr>
+    <a:masterClrMapping/>
+  </p:clrMapOvr>
+</p:sld>
+</file>
+
+<file path=ppt/slides/slide34.xml><?xml version="1.0" encoding="utf-8"?>
+<p:sld xmlns:a="http://schemas.openxmlformats.org/drawingml/2006/main" xmlns:r="http://schemas.openxmlformats.org/officeDocument/2006/relationships" xmlns:p="http://schemas.openxmlformats.org/presentationml/2006/main">
+  <p:cSld>
+    <p:spTree>
+      <p:nvGrpSpPr>
+        <p:cNvPr id="1" name="">
+          <a:extLst>
+            <a:ext uri="{FF2B5EF4-FFF2-40B4-BE49-F238E27FC236}">
+              <a16:creationId xmlns:a16="http://schemas.microsoft.com/office/drawing/2014/main" xmlns="" id="{8C579E26-FA2D-1C68-DB27-3D2C268F6B28}"/>
+            </a:ext>
+          </a:extLst>
+        </p:cNvPr>
+        <p:cNvGrpSpPr/>
+        <p:nvPr/>
+      </p:nvGrpSpPr>
+      <p:grpSpPr>
+        <a:xfrm>
+          <a:off x="0" y="0"/>
+          <a:ext cx="0" cy="0"/>
+          <a:chOff x="0" y="0"/>
+          <a:chExt cx="0" cy="0"/>
+        </a:xfrm>
+      </p:grpSpPr>
+      <p:sp>
+        <p:nvSpPr>
           <p:cNvPr id="7" name="Title 6">
             <a:extLst>
               <a:ext uri="{FF2B5EF4-FFF2-40B4-BE49-F238E27FC236}">
-                <a16:creationId xmlns="" xmlns:a16="http://schemas.microsoft.com/office/drawing/2014/main" id="{44A692C1-E622-D699-43E0-1ECB59404096}"/>
+                <a16:creationId xmlns:a16="http://schemas.microsoft.com/office/drawing/2014/main" xmlns="" id="{44A692C1-E622-D699-43E0-1ECB59404096}"/>
               </a:ext>
             </a:extLst>
           </p:cNvPr>
@@ -18620,7 +20225,7 @@
         <p:cNvPr id="1" name="">
           <a:extLst>
             <a:ext uri="{FF2B5EF4-FFF2-40B4-BE49-F238E27FC236}">
-              <a16:creationId xmlns="" xmlns:a16="http://schemas.microsoft.com/office/drawing/2014/main" id="{953B6214-BA54-21CA-C08F-F6E6CD6F9476}"/>
+              <a16:creationId xmlns:a16="http://schemas.microsoft.com/office/drawing/2014/main" xmlns="" id="{953B6214-BA54-21CA-C08F-F6E6CD6F9476}"/>
             </a:ext>
           </a:extLst>
         </p:cNvPr>
@@ -18640,7 +20245,7 @@
           <p:cNvPr id="7" name="Title 6">
             <a:extLst>
               <a:ext uri="{FF2B5EF4-FFF2-40B4-BE49-F238E27FC236}">
-                <a16:creationId xmlns="" xmlns:a16="http://schemas.microsoft.com/office/drawing/2014/main" id="{D1FCF065-2D37-1687-8F8E-2906BCCE04C9}"/>
+                <a16:creationId xmlns:a16="http://schemas.microsoft.com/office/drawing/2014/main" xmlns="" id="{D1FCF065-2D37-1687-8F8E-2906BCCE04C9}"/>
               </a:ext>
             </a:extLst>
           </p:cNvPr>
@@ -18680,7 +20285,7 @@
           <p:cNvPr id="8" name="TextBox 7">
             <a:extLst>
               <a:ext uri="{FF2B5EF4-FFF2-40B4-BE49-F238E27FC236}">
-                <a16:creationId xmlns="" xmlns:a16="http://schemas.microsoft.com/office/drawing/2014/main" id="{829DCAF4-0E7A-EA3D-F623-CCC0F2F22DFF}"/>
+                <a16:creationId xmlns:a16="http://schemas.microsoft.com/office/drawing/2014/main" xmlns="" id="{829DCAF4-0E7A-EA3D-F623-CCC0F2F22DFF}"/>
               </a:ext>
             </a:extLst>
           </p:cNvPr>
@@ -18819,7 +20424,7 @@
           <p:cNvPr id="3" name="TextBox 2">
             <a:extLst>
               <a:ext uri="{FF2B5EF4-FFF2-40B4-BE49-F238E27FC236}">
-                <a16:creationId xmlns="" xmlns:a16="http://schemas.microsoft.com/office/drawing/2014/main" id="{C529289A-69EA-F080-93CD-30695BDBF134}"/>
+                <a16:creationId xmlns:a16="http://schemas.microsoft.com/office/drawing/2014/main" xmlns="" id="{C529289A-69EA-F080-93CD-30695BDBF134}"/>
               </a:ext>
             </a:extLst>
           </p:cNvPr>
@@ -18921,7 +20526,7 @@
           <p:cNvPr id="6" name="TextBox 5">
             <a:extLst>
               <a:ext uri="{FF2B5EF4-FFF2-40B4-BE49-F238E27FC236}">
-                <a16:creationId xmlns="" xmlns:a16="http://schemas.microsoft.com/office/drawing/2014/main" id="{3C9745D3-7387-F090-C452-2E45D43F0971}"/>
+                <a16:creationId xmlns:a16="http://schemas.microsoft.com/office/drawing/2014/main" xmlns="" id="{3C9745D3-7387-F090-C452-2E45D43F0971}"/>
               </a:ext>
             </a:extLst>
           </p:cNvPr>
@@ -19056,7 +20661,7 @@
           <p:cNvPr id="9" name="Rectangle 8">
             <a:extLst>
               <a:ext uri="{FF2B5EF4-FFF2-40B4-BE49-F238E27FC236}">
-                <a16:creationId xmlns="" xmlns:a16="http://schemas.microsoft.com/office/drawing/2014/main" id="{3F9A327E-7B0F-6322-F8E7-5226A4116A9B}"/>
+                <a16:creationId xmlns:a16="http://schemas.microsoft.com/office/drawing/2014/main" xmlns="" id="{3F9A327E-7B0F-6322-F8E7-5226A4116A9B}"/>
               </a:ext>
             </a:extLst>
           </p:cNvPr>
@@ -19128,7 +20733,7 @@
         <p:cNvPr id="1" name="">
           <a:extLst>
             <a:ext uri="{FF2B5EF4-FFF2-40B4-BE49-F238E27FC236}">
-              <a16:creationId xmlns="" xmlns:a16="http://schemas.microsoft.com/office/drawing/2014/main" id="{00AB00F2-1ABB-46F7-FBD3-B7149DCD1A5B}"/>
+              <a16:creationId xmlns:a16="http://schemas.microsoft.com/office/drawing/2014/main" xmlns="" id="{00AB00F2-1ABB-46F7-FBD3-B7149DCD1A5B}"/>
             </a:ext>
           </a:extLst>
         </p:cNvPr>
@@ -19148,7 +20753,7 @@
           <p:cNvPr id="7" name="Title 6">
             <a:extLst>
               <a:ext uri="{FF2B5EF4-FFF2-40B4-BE49-F238E27FC236}">
-                <a16:creationId xmlns="" xmlns:a16="http://schemas.microsoft.com/office/drawing/2014/main" id="{65745319-EE7D-296C-2FFE-F56F0B6538A0}"/>
+                <a16:creationId xmlns:a16="http://schemas.microsoft.com/office/drawing/2014/main" xmlns="" id="{65745319-EE7D-296C-2FFE-F56F0B6538A0}"/>
               </a:ext>
             </a:extLst>
           </p:cNvPr>
@@ -19188,7 +20793,7 @@
           <p:cNvPr id="8" name="TextBox 7">
             <a:extLst>
               <a:ext uri="{FF2B5EF4-FFF2-40B4-BE49-F238E27FC236}">
-                <a16:creationId xmlns="" xmlns:a16="http://schemas.microsoft.com/office/drawing/2014/main" id="{6D710782-0111-EEBD-02DC-6E7ACC855995}"/>
+                <a16:creationId xmlns:a16="http://schemas.microsoft.com/office/drawing/2014/main" xmlns="" id="{6D710782-0111-EEBD-02DC-6E7ACC855995}"/>
               </a:ext>
             </a:extLst>
           </p:cNvPr>
@@ -19235,7 +20840,7 @@
           <p:cNvPr id="9" name="TextBox 8">
             <a:extLst>
               <a:ext uri="{FF2B5EF4-FFF2-40B4-BE49-F238E27FC236}">
-                <a16:creationId xmlns="" xmlns:a16="http://schemas.microsoft.com/office/drawing/2014/main" id="{AE941EAD-4479-E631-4FC0-8E1DFBDB66EF}"/>
+                <a16:creationId xmlns:a16="http://schemas.microsoft.com/office/drawing/2014/main" xmlns="" id="{AE941EAD-4479-E631-4FC0-8E1DFBDB66EF}"/>
               </a:ext>
             </a:extLst>
           </p:cNvPr>
@@ -19289,7 +20894,7 @@
           <p:cNvPr id="2" name="Rectangle 1">
             <a:extLst>
               <a:ext uri="{FF2B5EF4-FFF2-40B4-BE49-F238E27FC236}">
-                <a16:creationId xmlns="" xmlns:a16="http://schemas.microsoft.com/office/drawing/2014/main" id="{8BE59029-112F-330F-CBC2-D013521EFC34}"/>
+                <a16:creationId xmlns:a16="http://schemas.microsoft.com/office/drawing/2014/main" xmlns="" id="{8BE59029-112F-330F-CBC2-D013521EFC34}"/>
               </a:ext>
             </a:extLst>
           </p:cNvPr>
@@ -19345,7 +20950,7 @@
           <p:cNvPr id="3" name="TextBox 2">
             <a:extLst>
               <a:ext uri="{FF2B5EF4-FFF2-40B4-BE49-F238E27FC236}">
-                <a16:creationId xmlns="" xmlns:a16="http://schemas.microsoft.com/office/drawing/2014/main" id="{E5DE46A3-2E10-F599-6F94-3604A4BB1603}"/>
+                <a16:creationId xmlns:a16="http://schemas.microsoft.com/office/drawing/2014/main" xmlns="" id="{E5DE46A3-2E10-F599-6F94-3604A4BB1603}"/>
               </a:ext>
             </a:extLst>
           </p:cNvPr>
@@ -19392,7 +20997,7 @@
           <p:cNvPr id="4" name="Rectangle 3">
             <a:extLst>
               <a:ext uri="{FF2B5EF4-FFF2-40B4-BE49-F238E27FC236}">
-                <a16:creationId xmlns="" xmlns:a16="http://schemas.microsoft.com/office/drawing/2014/main" id="{09F4D9B4-F12A-0A44-0AFA-0BFA209DAD40}"/>
+                <a16:creationId xmlns:a16="http://schemas.microsoft.com/office/drawing/2014/main" xmlns="" id="{09F4D9B4-F12A-0A44-0AFA-0BFA209DAD40}"/>
               </a:ext>
             </a:extLst>
           </p:cNvPr>
@@ -19448,7 +21053,7 @@
           <p:cNvPr id="5" name="TextBox 4">
             <a:extLst>
               <a:ext uri="{FF2B5EF4-FFF2-40B4-BE49-F238E27FC236}">
-                <a16:creationId xmlns="" xmlns:a16="http://schemas.microsoft.com/office/drawing/2014/main" id="{4B8F1482-E9ED-644D-56F0-2E8E230275E4}"/>
+                <a16:creationId xmlns:a16="http://schemas.microsoft.com/office/drawing/2014/main" xmlns="" id="{4B8F1482-E9ED-644D-56F0-2E8E230275E4}"/>
               </a:ext>
             </a:extLst>
           </p:cNvPr>
@@ -19502,7 +21107,7 @@
           <p:cNvPr id="6" name="Rectangle 5">
             <a:extLst>
               <a:ext uri="{FF2B5EF4-FFF2-40B4-BE49-F238E27FC236}">
-                <a16:creationId xmlns="" xmlns:a16="http://schemas.microsoft.com/office/drawing/2014/main" id="{F36FF003-B68C-97DC-B023-B640B58811FB}"/>
+                <a16:creationId xmlns:a16="http://schemas.microsoft.com/office/drawing/2014/main" xmlns="" id="{F36FF003-B68C-97DC-B023-B640B58811FB}"/>
               </a:ext>
             </a:extLst>
           </p:cNvPr>
@@ -19566,7 +21171,7 @@
           <p:cNvPr id="10" name="TextBox 9">
             <a:extLst>
               <a:ext uri="{FF2B5EF4-FFF2-40B4-BE49-F238E27FC236}">
-                <a16:creationId xmlns="" xmlns:a16="http://schemas.microsoft.com/office/drawing/2014/main" id="{23E42A81-E323-6371-B6FE-90B77C71CF1C}"/>
+                <a16:creationId xmlns:a16="http://schemas.microsoft.com/office/drawing/2014/main" xmlns="" id="{23E42A81-E323-6371-B6FE-90B77C71CF1C}"/>
               </a:ext>
             </a:extLst>
           </p:cNvPr>
@@ -19620,7 +21225,7 @@
           <p:cNvPr id="12" name="Picture 11" descr="A white snake with blue eyes&#10;&#10;AI-generated content may be incorrect.">
             <a:extLst>
               <a:ext uri="{FF2B5EF4-FFF2-40B4-BE49-F238E27FC236}">
-                <a16:creationId xmlns="" xmlns:a16="http://schemas.microsoft.com/office/drawing/2014/main" id="{D9DE6AA5-2528-AC56-C9A1-0E28C374E6CD}"/>
+                <a16:creationId xmlns:a16="http://schemas.microsoft.com/office/drawing/2014/main" xmlns="" id="{D9DE6AA5-2528-AC56-C9A1-0E28C374E6CD}"/>
               </a:ext>
             </a:extLst>
           </p:cNvPr>
@@ -19656,7 +21261,7 @@
           <p:cNvPr id="14" name="Picture 13" descr="A black background with white text&#10;&#10;AI-generated content may be incorrect.">
             <a:extLst>
               <a:ext uri="{FF2B5EF4-FFF2-40B4-BE49-F238E27FC236}">
-                <a16:creationId xmlns="" xmlns:a16="http://schemas.microsoft.com/office/drawing/2014/main" id="{E5F34F0F-1868-BDDA-B7A2-4B9B8D5E70C7}"/>
+                <a16:creationId xmlns:a16="http://schemas.microsoft.com/office/drawing/2014/main" xmlns="" id="{E5F34F0F-1868-BDDA-B7A2-4B9B8D5E70C7}"/>
               </a:ext>
             </a:extLst>
           </p:cNvPr>
@@ -19692,7 +21297,7 @@
           <p:cNvPr id="16" name="Picture 15" descr="A black and green symbol with a checkered pattern&#10;&#10;AI-generated content may be incorrect.">
             <a:extLst>
               <a:ext uri="{FF2B5EF4-FFF2-40B4-BE49-F238E27FC236}">
-                <a16:creationId xmlns="" xmlns:a16="http://schemas.microsoft.com/office/drawing/2014/main" id="{45DD2A95-1335-EFEF-D0FB-5A8AFC7B3575}"/>
+                <a16:creationId xmlns:a16="http://schemas.microsoft.com/office/drawing/2014/main" xmlns="" id="{45DD2A95-1335-EFEF-D0FB-5A8AFC7B3575}"/>
               </a:ext>
             </a:extLst>
           </p:cNvPr>
@@ -19728,7 +21333,7 @@
           <p:cNvPr id="18" name="Picture 17" descr="A purple rectangular object with white text&#10;&#10;AI-generated content may be incorrect.">
             <a:extLst>
               <a:ext uri="{FF2B5EF4-FFF2-40B4-BE49-F238E27FC236}">
-                <a16:creationId xmlns="" xmlns:a16="http://schemas.microsoft.com/office/drawing/2014/main" id="{748AF984-AFF8-25B6-3929-06533135F867}"/>
+                <a16:creationId xmlns:a16="http://schemas.microsoft.com/office/drawing/2014/main" xmlns="" id="{748AF984-AFF8-25B6-3929-06533135F867}"/>
               </a:ext>
             </a:extLst>
           </p:cNvPr>
@@ -19764,7 +21369,7 @@
           <p:cNvPr id="20" name="Picture 19">
             <a:extLst>
               <a:ext uri="{FF2B5EF4-FFF2-40B4-BE49-F238E27FC236}">
-                <a16:creationId xmlns="" xmlns:a16="http://schemas.microsoft.com/office/drawing/2014/main" id="{995B517E-6B59-0EDF-176D-2C3A8DDD1E24}"/>
+                <a16:creationId xmlns:a16="http://schemas.microsoft.com/office/drawing/2014/main" xmlns="" id="{995B517E-6B59-0EDF-176D-2C3A8DDD1E24}"/>
               </a:ext>
             </a:extLst>
           </p:cNvPr>
@@ -19800,7 +21405,7 @@
           <p:cNvPr id="22" name="Picture 21" descr="A math equations and symbols&#10;&#10;AI-generated content may be incorrect.">
             <a:extLst>
               <a:ext uri="{FF2B5EF4-FFF2-40B4-BE49-F238E27FC236}">
-                <a16:creationId xmlns="" xmlns:a16="http://schemas.microsoft.com/office/drawing/2014/main" id="{F5515C3C-6DE4-6DC0-C477-32381037F16D}"/>
+                <a16:creationId xmlns:a16="http://schemas.microsoft.com/office/drawing/2014/main" xmlns="" id="{F5515C3C-6DE4-6DC0-C477-32381037F16D}"/>
               </a:ext>
             </a:extLst>
           </p:cNvPr>
@@ -19852,7 +21457,7 @@
         <p:cNvPr id="1" name="">
           <a:extLst>
             <a:ext uri="{FF2B5EF4-FFF2-40B4-BE49-F238E27FC236}">
-              <a16:creationId xmlns="" xmlns:a16="http://schemas.microsoft.com/office/drawing/2014/main" id="{DBE5E39A-F5D5-D29E-5B7F-DCFE051AAE1B}"/>
+              <a16:creationId xmlns:a16="http://schemas.microsoft.com/office/drawing/2014/main" xmlns="" id="{DBE5E39A-F5D5-D29E-5B7F-DCFE051AAE1B}"/>
             </a:ext>
           </a:extLst>
         </p:cNvPr>
@@ -19872,7 +21477,7 @@
           <p:cNvPr id="7" name="Title 6">
             <a:extLst>
               <a:ext uri="{FF2B5EF4-FFF2-40B4-BE49-F238E27FC236}">
-                <a16:creationId xmlns="" xmlns:a16="http://schemas.microsoft.com/office/drawing/2014/main" id="{B4656742-F44E-DEB8-0DE2-46FE8A3B4872}"/>
+                <a16:creationId xmlns:a16="http://schemas.microsoft.com/office/drawing/2014/main" xmlns="" id="{B4656742-F44E-DEB8-0DE2-46FE8A3B4872}"/>
               </a:ext>
             </a:extLst>
           </p:cNvPr>
@@ -19914,7 +21519,7 @@
           <p:cNvPr id="24" name="Text 1">
             <a:extLst>
               <a:ext uri="{FF2B5EF4-FFF2-40B4-BE49-F238E27FC236}">
-                <a16:creationId xmlns="" xmlns:a16="http://schemas.microsoft.com/office/drawing/2014/main" id="{472BFC16-825E-73E4-9596-F2CA527F48EA}"/>
+                <a16:creationId xmlns:a16="http://schemas.microsoft.com/office/drawing/2014/main" xmlns="" id="{472BFC16-825E-73E4-9596-F2CA527F48EA}"/>
               </a:ext>
             </a:extLst>
           </p:cNvPr>
@@ -20061,7 +21666,7 @@
           <p:cNvPr id="25" name="Text 2">
             <a:extLst>
               <a:ext uri="{FF2B5EF4-FFF2-40B4-BE49-F238E27FC236}">
-                <a16:creationId xmlns="" xmlns:a16="http://schemas.microsoft.com/office/drawing/2014/main" id="{0ED9AA18-9EE7-D709-C4C3-818089404EA4}"/>
+                <a16:creationId xmlns:a16="http://schemas.microsoft.com/office/drawing/2014/main" xmlns="" id="{0ED9AA18-9EE7-D709-C4C3-818089404EA4}"/>
               </a:ext>
             </a:extLst>
           </p:cNvPr>
@@ -20208,7 +21813,7 @@
           <p:cNvPr id="26" name="Image 1">
             <a:extLst>
               <a:ext uri="{FF2B5EF4-FFF2-40B4-BE49-F238E27FC236}">
-                <a16:creationId xmlns="" xmlns:a16="http://schemas.microsoft.com/office/drawing/2014/main" id="{3AA18FAE-20E6-DD3E-8389-A3A3C5E5F02F}"/>
+                <a16:creationId xmlns:a16="http://schemas.microsoft.com/office/drawing/2014/main" xmlns="" id="{3AA18FAE-20E6-DD3E-8389-A3A3C5E5F02F}"/>
               </a:ext>
             </a:extLst>
           </p:cNvPr>
@@ -20238,7 +21843,7 @@
           <p:cNvPr id="27" name="Image 3">
             <a:extLst>
               <a:ext uri="{FF2B5EF4-FFF2-40B4-BE49-F238E27FC236}">
-                <a16:creationId xmlns="" xmlns:a16="http://schemas.microsoft.com/office/drawing/2014/main" id="{0C8D0B1D-8793-388D-0ADB-907B849DA21A}"/>
+                <a16:creationId xmlns:a16="http://schemas.microsoft.com/office/drawing/2014/main" xmlns="" id="{0C8D0B1D-8793-388D-0ADB-907B849DA21A}"/>
               </a:ext>
             </a:extLst>
           </p:cNvPr>
@@ -20274,7 +21879,7 @@
           <p:cNvPr id="28" name="Text 5">
             <a:extLst>
               <a:ext uri="{FF2B5EF4-FFF2-40B4-BE49-F238E27FC236}">
-                <a16:creationId xmlns="" xmlns:a16="http://schemas.microsoft.com/office/drawing/2014/main" id="{6FEBA9B4-92F8-1783-D199-984E9BD35FE4}"/>
+                <a16:creationId xmlns:a16="http://schemas.microsoft.com/office/drawing/2014/main" xmlns="" id="{6FEBA9B4-92F8-1783-D199-984E9BD35FE4}"/>
               </a:ext>
             </a:extLst>
           </p:cNvPr>
@@ -20421,7 +22026,7 @@
           <p:cNvPr id="29" name="Text 6">
             <a:extLst>
               <a:ext uri="{FF2B5EF4-FFF2-40B4-BE49-F238E27FC236}">
-                <a16:creationId xmlns="" xmlns:a16="http://schemas.microsoft.com/office/drawing/2014/main" id="{A01B7A0E-C486-C1C0-401D-9E6A0598F71F}"/>
+                <a16:creationId xmlns:a16="http://schemas.microsoft.com/office/drawing/2014/main" xmlns="" id="{A01B7A0E-C486-C1C0-401D-9E6A0598F71F}"/>
               </a:ext>
             </a:extLst>
           </p:cNvPr>
@@ -20568,7 +22173,7 @@
           <p:cNvPr id="30" name="Image 2">
             <a:extLst>
               <a:ext uri="{FF2B5EF4-FFF2-40B4-BE49-F238E27FC236}">
-                <a16:creationId xmlns="" xmlns:a16="http://schemas.microsoft.com/office/drawing/2014/main" id="{4699EAB3-B451-FA65-3003-7F72825EBD8F}"/>
+                <a16:creationId xmlns:a16="http://schemas.microsoft.com/office/drawing/2014/main" xmlns="" id="{4699EAB3-B451-FA65-3003-7F72825EBD8F}"/>
               </a:ext>
             </a:extLst>
           </p:cNvPr>
@@ -20598,7 +22203,7 @@
           <p:cNvPr id="31" name="Text 3">
             <a:extLst>
               <a:ext uri="{FF2B5EF4-FFF2-40B4-BE49-F238E27FC236}">
-                <a16:creationId xmlns="" xmlns:a16="http://schemas.microsoft.com/office/drawing/2014/main" id="{3317EA26-C890-3AA8-57C6-07F0D9D86A26}"/>
+                <a16:creationId xmlns:a16="http://schemas.microsoft.com/office/drawing/2014/main" xmlns="" id="{3317EA26-C890-3AA8-57C6-07F0D9D86A26}"/>
               </a:ext>
             </a:extLst>
           </p:cNvPr>
@@ -20745,7 +22350,7 @@
           <p:cNvPr id="32" name="Text 4">
             <a:extLst>
               <a:ext uri="{FF2B5EF4-FFF2-40B4-BE49-F238E27FC236}">
-                <a16:creationId xmlns="" xmlns:a16="http://schemas.microsoft.com/office/drawing/2014/main" id="{2F075863-C6D6-3DCA-EAB9-909D73EE40B1}"/>
+                <a16:creationId xmlns:a16="http://schemas.microsoft.com/office/drawing/2014/main" xmlns="" id="{2F075863-C6D6-3DCA-EAB9-909D73EE40B1}"/>
               </a:ext>
             </a:extLst>
           </p:cNvPr>
@@ -20908,7 +22513,7 @@
         <p:cNvPr id="1" name="">
           <a:extLst>
             <a:ext uri="{FF2B5EF4-FFF2-40B4-BE49-F238E27FC236}">
-              <a16:creationId xmlns="" xmlns:a16="http://schemas.microsoft.com/office/drawing/2014/main" id="{7B580C78-F914-AF3B-B3F8-86674699E7E9}"/>
+              <a16:creationId xmlns:a16="http://schemas.microsoft.com/office/drawing/2014/main" xmlns="" id="{7B580C78-F914-AF3B-B3F8-86674699E7E9}"/>
             </a:ext>
           </a:extLst>
         </p:cNvPr>
@@ -20928,7 +22533,7 @@
           <p:cNvPr id="7" name="Title 6">
             <a:extLst>
               <a:ext uri="{FF2B5EF4-FFF2-40B4-BE49-F238E27FC236}">
-                <a16:creationId xmlns="" xmlns:a16="http://schemas.microsoft.com/office/drawing/2014/main" id="{6C658EAB-7DAF-BE2F-A84A-38A3402BEF3F}"/>
+                <a16:creationId xmlns:a16="http://schemas.microsoft.com/office/drawing/2014/main" xmlns="" id="{6C658EAB-7DAF-BE2F-A84A-38A3402BEF3F}"/>
               </a:ext>
             </a:extLst>
           </p:cNvPr>
@@ -20984,7 +22589,7 @@
           <p:cNvPr id="9" name="Picture 8" descr="A black background with white text&#10;&#10;AI-generated content may be incorrect.">
             <a:extLst>
               <a:ext uri="{FF2B5EF4-FFF2-40B4-BE49-F238E27FC236}">
-                <a16:creationId xmlns="" xmlns:a16="http://schemas.microsoft.com/office/drawing/2014/main" id="{C4E41495-4A51-AEA7-884E-CAA49182C5C7}"/>
+                <a16:creationId xmlns:a16="http://schemas.microsoft.com/office/drawing/2014/main" xmlns="" id="{C4E41495-4A51-AEA7-884E-CAA49182C5C7}"/>
               </a:ext>
             </a:extLst>
           </p:cNvPr>
@@ -21107,7 +22712,7 @@
         <p:cNvPr id="1" name="">
           <a:extLst>
             <a:ext uri="{FF2B5EF4-FFF2-40B4-BE49-F238E27FC236}">
-              <a16:creationId xmlns="" xmlns:a16="http://schemas.microsoft.com/office/drawing/2014/main" id="{7B580C78-F914-AF3B-B3F8-86674699E7E9}"/>
+              <a16:creationId xmlns:a16="http://schemas.microsoft.com/office/drawing/2014/main" xmlns="" id="{7B580C78-F914-AF3B-B3F8-86674699E7E9}"/>
             </a:ext>
           </a:extLst>
         </p:cNvPr>
@@ -21127,7 +22732,7 @@
           <p:cNvPr id="7" name="Title 6">
             <a:extLst>
               <a:ext uri="{FF2B5EF4-FFF2-40B4-BE49-F238E27FC236}">
-                <a16:creationId xmlns="" xmlns:a16="http://schemas.microsoft.com/office/drawing/2014/main" id="{6C658EAB-7DAF-BE2F-A84A-38A3402BEF3F}"/>
+                <a16:creationId xmlns:a16="http://schemas.microsoft.com/office/drawing/2014/main" xmlns="" id="{6C658EAB-7DAF-BE2F-A84A-38A3402BEF3F}"/>
               </a:ext>
             </a:extLst>
           </p:cNvPr>
@@ -21476,7 +23081,7 @@
         <p:cNvPr id="1" name="">
           <a:extLst>
             <a:ext uri="{FF2B5EF4-FFF2-40B4-BE49-F238E27FC236}">
-              <a16:creationId xmlns="" xmlns:a16="http://schemas.microsoft.com/office/drawing/2014/main" id="{FDF6AF63-1DBE-D11B-6DC9-B3687284A56C}"/>
+              <a16:creationId xmlns:a16="http://schemas.microsoft.com/office/drawing/2014/main" xmlns="" id="{FDF6AF63-1DBE-D11B-6DC9-B3687284A56C}"/>
             </a:ext>
           </a:extLst>
         </p:cNvPr>
@@ -21496,7 +23101,7 @@
           <p:cNvPr id="7" name="Title 6">
             <a:extLst>
               <a:ext uri="{FF2B5EF4-FFF2-40B4-BE49-F238E27FC236}">
-                <a16:creationId xmlns="" xmlns:a16="http://schemas.microsoft.com/office/drawing/2014/main" id="{C8FF4F10-97E7-7357-3F36-228622417091}"/>
+                <a16:creationId xmlns:a16="http://schemas.microsoft.com/office/drawing/2014/main" xmlns="" id="{C8FF4F10-97E7-7357-3F36-228622417091}"/>
               </a:ext>
             </a:extLst>
           </p:cNvPr>
@@ -22003,7 +23608,7 @@
   <a:extraClrSchemeLst/>
   <a:extLst>
     <a:ext uri="{05A4C25C-085E-4340-85A3-A5531E510DB2}">
-      <thm15:themeFamily xmlns="" xmlns:thm15="http://schemas.microsoft.com/office/thememl/2012/main" name="TM55661986_wac_CP_V19" id="{030227AD-26D8-46F7-B412-6532AF4DDFEA}" vid="{787E6F9C-FC70-455D-8D81-5DEDA8A08FF0}"/>
+      <thm15:themeFamily xmlns:thm15="http://schemas.microsoft.com/office/thememl/2012/main" xmlns="" name="TM55661986_wac_CP_V19" id="{030227AD-26D8-46F7-B412-6532AF4DDFEA}" vid="{787E6F9C-FC70-455D-8D81-5DEDA8A08FF0}"/>
     </a:ext>
   </a:extLst>
 </a:theme>
@@ -22298,7 +23903,7 @@
   <a:extraClrSchemeLst/>
   <a:extLst>
     <a:ext uri="{05A4C25C-085E-4340-85A3-A5531E510DB2}">
-      <thm15:themeFamily xmlns="" xmlns:thm15="http://schemas.microsoft.com/office/thememl/2012/main" name="Office Theme" id="{62F939B6-93AF-4DB8-9C6B-D6C7DFDC589F}" vid="{4A3C46E8-61CC-4603-A589-7422A47A8E4A}"/>
+      <thm15:themeFamily xmlns:thm15="http://schemas.microsoft.com/office/thememl/2012/main" xmlns="" name="Office Theme" id="{62F939B6-93AF-4DB8-9C6B-D6C7DFDC589F}" vid="{4A3C46E8-61CC-4603-A589-7422A47A8E4A}"/>
     </a:ext>
   </a:extLst>
 </a:theme>
@@ -22613,13 +24218,33 @@
   <a:extraClrSchemeLst/>
   <a:extLst>
     <a:ext uri="{05A4C25C-085E-4340-85A3-A5531E510DB2}">
-      <thm15:themeFamily xmlns="" xmlns:thm15="http://schemas.microsoft.com/office/thememl/2012/main" name="Office Theme" id="{2E142A2C-CD16-42D6-873A-C26D2A0506FA}" vid="{1BDDFF52-6CD6-40A5-AB3C-68EB2F1E4D0A}"/>
+      <thm15:themeFamily xmlns:thm15="http://schemas.microsoft.com/office/thememl/2012/main" xmlns="" name="Office Theme" id="{2E142A2C-CD16-42D6-873A-C26D2A0506FA}" vid="{1BDDFF52-6CD6-40A5-AB3C-68EB2F1E4D0A}"/>
     </a:ext>
   </a:extLst>
 </a:theme>
 </file>
 
 <file path=customXml/item1.xml><?xml version="1.0" encoding="utf-8"?>
+<p:properties xmlns:p="http://schemas.microsoft.com/office/2006/metadata/properties" xmlns:xsi="http://www.w3.org/2001/XMLSchema-instance" xmlns:pc="http://schemas.microsoft.com/office/infopath/2007/PartnerControls">
+  <documentManagement>
+    <_ip_UnifiedCompliancePolicyUIAction xmlns="http://schemas.microsoft.com/sharepoint/v3" xsi:nil="true"/>
+    <Image xmlns="71af3243-3dd4-4a8d-8c0d-dd76da1f02a5">
+      <Url xsi:nil="true"/>
+      <Description xsi:nil="true"/>
+    </Image>
+    <Status xmlns="71af3243-3dd4-4a8d-8c0d-dd76da1f02a5">Not started</Status>
+    <Background xmlns="71af3243-3dd4-4a8d-8c0d-dd76da1f02a5">false</Background>
+    <_ip_UnifiedCompliancePolicyProperties xmlns="http://schemas.microsoft.com/sharepoint/v3" xsi:nil="true"/>
+    <ImageTagsTaxHTField xmlns="71af3243-3dd4-4a8d-8c0d-dd76da1f02a5">
+      <Terms xmlns="http://schemas.microsoft.com/office/infopath/2007/PartnerControls"/>
+    </ImageTagsTaxHTField>
+    <TaxCatchAll xmlns="230e9df3-be65-4c73-a93b-d1236ebd677e" xsi:nil="true"/>
+    <MediaServiceKeyPoints xmlns="71af3243-3dd4-4a8d-8c0d-dd76da1f02a5" xsi:nil="true"/>
+  </documentManagement>
+</p:properties>
+</file>
+
+<file path=customXml/item2.xml><?xml version="1.0" encoding="utf-8"?>
 <ct:contentTypeSchema xmlns:ct="http://schemas.microsoft.com/office/2006/metadata/contentType" xmlns:ma="http://schemas.microsoft.com/office/2006/metadata/properties/metaAttributes" ct:_="" ma:_="" ma:contentTypeName="Document" ma:contentTypeID="0x01010079F111ED35F8CC479449609E8A0923A6" ma:contentTypeVersion="28" ma:contentTypeDescription="Create a new document." ma:contentTypeScope="" ma:versionID="60f5a4f2d2b0abadcf532d48ebf9cb71">
   <xsd:schema xmlns:xsd="http://www.w3.org/2001/XMLSchema" xmlns:xs="http://www.w3.org/2001/XMLSchema" xmlns:p="http://schemas.microsoft.com/office/2006/metadata/properties" xmlns:ns1="http://schemas.microsoft.com/sharepoint/v3" xmlns:ns2="71af3243-3dd4-4a8d-8c0d-dd76da1f02a5" xmlns:ns3="16c05727-aa75-4e4a-9b5f-8a80a1165891" xmlns:ns4="230e9df3-be65-4c73-a93b-d1236ebd677e" targetNamespace="http://schemas.microsoft.com/office/2006/metadata/properties" ma:root="true" ma:fieldsID="7dd78129e6a1811f84807ad11c651531" ns1:_="" ns2:_="" ns3:_="" ns4:_="">
     <xsd:import namespace="http://schemas.microsoft.com/sharepoint/v3"/>
@@ -22931,26 +24556,6 @@
 </ct:contentTypeSchema>
 </file>
 
-<file path=customXml/item2.xml><?xml version="1.0" encoding="utf-8"?>
-<p:properties xmlns:p="http://schemas.microsoft.com/office/2006/metadata/properties" xmlns:xsi="http://www.w3.org/2001/XMLSchema-instance" xmlns:pc="http://schemas.microsoft.com/office/infopath/2007/PartnerControls">
-  <documentManagement>
-    <_ip_UnifiedCompliancePolicyUIAction xmlns="http://schemas.microsoft.com/sharepoint/v3" xsi:nil="true"/>
-    <Image xmlns="71af3243-3dd4-4a8d-8c0d-dd76da1f02a5">
-      <Url xsi:nil="true"/>
-      <Description xsi:nil="true"/>
-    </Image>
-    <Status xmlns="71af3243-3dd4-4a8d-8c0d-dd76da1f02a5">Not started</Status>
-    <Background xmlns="71af3243-3dd4-4a8d-8c0d-dd76da1f02a5">false</Background>
-    <_ip_UnifiedCompliancePolicyProperties xmlns="http://schemas.microsoft.com/sharepoint/v3" xsi:nil="true"/>
-    <ImageTagsTaxHTField xmlns="71af3243-3dd4-4a8d-8c0d-dd76da1f02a5">
-      <Terms xmlns="http://schemas.microsoft.com/office/infopath/2007/PartnerControls"/>
-    </ImageTagsTaxHTField>
-    <TaxCatchAll xmlns="230e9df3-be65-4c73-a93b-d1236ebd677e" xsi:nil="true"/>
-    <MediaServiceKeyPoints xmlns="71af3243-3dd4-4a8d-8c0d-dd76da1f02a5" xsi:nil="true"/>
-  </documentManagement>
-</p:properties>
-</file>
-
 <file path=customXml/item3.xml><?xml version="1.0" encoding="utf-8"?>
 <?mso-contentType ?>
 <FormTemplates xmlns="http://schemas.microsoft.com/sharepoint/v3/contenttype/forms">
@@ -22961,6 +24566,25 @@
 </file>
 
 <file path=customXml/itemProps1.xml><?xml version="1.0" encoding="utf-8"?>
+<ds:datastoreItem xmlns:ds="http://schemas.openxmlformats.org/officeDocument/2006/customXml" ds:itemID="{85C2645A-E767-4D7E-984D-234E531E4556}">
+  <ds:schemaRefs>
+    <ds:schemaRef ds:uri="230e9df3-be65-4c73-a93b-d1236ebd677e"/>
+    <ds:schemaRef ds:uri="http://schemas.microsoft.com/office/2006/documentManagement/types"/>
+    <ds:schemaRef ds:uri="http://purl.org/dc/terms/"/>
+    <ds:schemaRef ds:uri="http://purl.org/dc/elements/1.1/"/>
+    <ds:schemaRef ds:uri="http://schemas.openxmlformats.org/package/2006/metadata/core-properties"/>
+    <ds:schemaRef ds:uri="71af3243-3dd4-4a8d-8c0d-dd76da1f02a5"/>
+    <ds:schemaRef ds:uri="http://www.w3.org/XML/1998/namespace"/>
+    <ds:schemaRef ds:uri="http://purl.org/dc/dcmitype/"/>
+    <ds:schemaRef ds:uri="http://schemas.microsoft.com/office/infopath/2007/PartnerControls"/>
+    <ds:schemaRef ds:uri="16c05727-aa75-4e4a-9b5f-8a80a1165891"/>
+    <ds:schemaRef ds:uri="http://schemas.microsoft.com/sharepoint/v3"/>
+    <ds:schemaRef ds:uri="http://schemas.microsoft.com/office/2006/metadata/properties"/>
+  </ds:schemaRefs>
+</ds:datastoreItem>
+</file>
+
+<file path=customXml/itemProps2.xml><?xml version="1.0" encoding="utf-8"?>
 <ds:datastoreItem xmlns:ds="http://schemas.openxmlformats.org/officeDocument/2006/customXml" ds:itemID="{5F2A2379-DD35-4769-BFD6-4857D72F808A}">
   <ds:schemaRefs>
     <ds:schemaRef ds:uri="http://schemas.microsoft.com/office/2006/metadata/contentType"/>
@@ -22981,25 +24605,6 @@
 </ds:datastoreItem>
 </file>
 
-<file path=customXml/itemProps2.xml><?xml version="1.0" encoding="utf-8"?>
-<ds:datastoreItem xmlns:ds="http://schemas.openxmlformats.org/officeDocument/2006/customXml" ds:itemID="{85C2645A-E767-4D7E-984D-234E531E4556}">
-  <ds:schemaRefs>
-    <ds:schemaRef ds:uri="230e9df3-be65-4c73-a93b-d1236ebd677e"/>
-    <ds:schemaRef ds:uri="http://schemas.microsoft.com/office/2006/documentManagement/types"/>
-    <ds:schemaRef ds:uri="http://purl.org/dc/terms/"/>
-    <ds:schemaRef ds:uri="http://purl.org/dc/elements/1.1/"/>
-    <ds:schemaRef ds:uri="http://schemas.openxmlformats.org/package/2006/metadata/core-properties"/>
-    <ds:schemaRef ds:uri="71af3243-3dd4-4a8d-8c0d-dd76da1f02a5"/>
-    <ds:schemaRef ds:uri="http://www.w3.org/XML/1998/namespace"/>
-    <ds:schemaRef ds:uri="http://purl.org/dc/dcmitype/"/>
-    <ds:schemaRef ds:uri="http://schemas.microsoft.com/office/infopath/2007/PartnerControls"/>
-    <ds:schemaRef ds:uri="16c05727-aa75-4e4a-9b5f-8a80a1165891"/>
-    <ds:schemaRef ds:uri="http://schemas.microsoft.com/sharepoint/v3"/>
-    <ds:schemaRef ds:uri="http://schemas.microsoft.com/office/2006/metadata/properties"/>
-  </ds:schemaRefs>
-</ds:datastoreItem>
-</file>
-
 <file path=customXml/itemProps3.xml><?xml version="1.0" encoding="utf-8"?>
 <ds:datastoreItem xmlns:ds="http://schemas.openxmlformats.org/officeDocument/2006/customXml" ds:itemID="{0F048343-1EA9-44C3-883E-652FAAF0713E}">
   <ds:schemaRefs>

--- a/ai_compression_project.pptx
+++ b/ai_compression_project.pptx
@@ -5,10 +5,10 @@
     <p:sldMasterId id="2147483648" r:id="rId4"/>
   </p:sldMasterIdLst>
   <p:notesMasterIdLst>
-    <p:notesMasterId r:id="rId39"/>
+    <p:notesMasterId r:id="rId43"/>
   </p:notesMasterIdLst>
   <p:handoutMasterIdLst>
-    <p:handoutMasterId r:id="rId40"/>
+    <p:handoutMasterId r:id="rId44"/>
   </p:handoutMasterIdLst>
   <p:sldIdLst>
     <p:sldId id="281" r:id="rId5"/>
@@ -44,7 +44,11 @@
     <p:sldId id="317" r:id="rId35"/>
     <p:sldId id="318" r:id="rId36"/>
     <p:sldId id="319" r:id="rId37"/>
-    <p:sldId id="291" r:id="rId38"/>
+    <p:sldId id="320" r:id="rId38"/>
+    <p:sldId id="322" r:id="rId39"/>
+    <p:sldId id="323" r:id="rId40"/>
+    <p:sldId id="324" r:id="rId41"/>
+    <p:sldId id="291" r:id="rId42"/>
   </p:sldIdLst>
   <p:sldSz cx="12192000" cy="6858000"/>
   <p:notesSz cx="6858000" cy="9144000"/>
@@ -145,10 +149,10 @@
   </p:defaultTextStyle>
   <p:extLst>
     <p:ext uri="{EFAFB233-063F-42B5-8137-9DF3F51BA10A}">
-      <p15:sldGuideLst xmlns:p15="http://schemas.microsoft.com/office/powerpoint/2012/main" xmlns=""/>
+      <p15:sldGuideLst xmlns="" xmlns:p15="http://schemas.microsoft.com/office/powerpoint/2012/main"/>
     </p:ext>
     <p:ext uri="{2D200454-40CA-4A62-9FC3-DE9A4176ACB9}">
-      <p15:notesGuideLst xmlns:p15="http://schemas.microsoft.com/office/powerpoint/2012/main" xmlns=""/>
+      <p15:notesGuideLst xmlns="" xmlns:p15="http://schemas.microsoft.com/office/powerpoint/2012/main"/>
     </p:ext>
   </p:extLst>
 </p:presentation>
@@ -187,7 +191,7 @@
           <p:cNvPr id="2" name="Header Placeholder 1">
             <a:extLst>
               <a:ext uri="{FF2B5EF4-FFF2-40B4-BE49-F238E27FC236}">
-                <a16:creationId xmlns:a16="http://schemas.microsoft.com/office/drawing/2014/main" xmlns="" id="{3976AB79-C677-3DB7-78CF-9305D5861483}"/>
+                <a16:creationId xmlns="" xmlns:a16="http://schemas.microsoft.com/office/drawing/2014/main" id="{3976AB79-C677-3DB7-78CF-9305D5861483}"/>
               </a:ext>
             </a:extLst>
           </p:cNvPr>
@@ -224,7 +228,7 @@
           <p:cNvPr id="3" name="Date Placeholder 2">
             <a:extLst>
               <a:ext uri="{FF2B5EF4-FFF2-40B4-BE49-F238E27FC236}">
-                <a16:creationId xmlns:a16="http://schemas.microsoft.com/office/drawing/2014/main" xmlns="" id="{113AB137-CEA6-0244-F12B-1ECC21172D00}"/>
+                <a16:creationId xmlns="" xmlns:a16="http://schemas.microsoft.com/office/drawing/2014/main" id="{113AB137-CEA6-0244-F12B-1ECC21172D00}"/>
               </a:ext>
             </a:extLst>
           </p:cNvPr>
@@ -254,7 +258,7 @@
           <a:p>
             <a:fld id="{0DC994AA-C437-4EF4-8BEF-0B832D7FA420}" type="datetimeFigureOut">
               <a:rPr lang="en-US" smtClean="0"/>
-              <a:t>3/5/2025</a:t>
+              <a:t>3/10/2025</a:t>
             </a:fld>
             <a:endParaRPr lang="en-US"/>
           </a:p>
@@ -265,7 +269,7 @@
           <p:cNvPr id="4" name="Footer Placeholder 3">
             <a:extLst>
               <a:ext uri="{FF2B5EF4-FFF2-40B4-BE49-F238E27FC236}">
-                <a16:creationId xmlns:a16="http://schemas.microsoft.com/office/drawing/2014/main" xmlns="" id="{0868EC96-C6CC-F2AF-D90F-143F4D20A07A}"/>
+                <a16:creationId xmlns="" xmlns:a16="http://schemas.microsoft.com/office/drawing/2014/main" id="{0868EC96-C6CC-F2AF-D90F-143F4D20A07A}"/>
               </a:ext>
             </a:extLst>
           </p:cNvPr>
@@ -302,7 +306,7 @@
           <p:cNvPr id="5" name="Slide Number Placeholder 4">
             <a:extLst>
               <a:ext uri="{FF2B5EF4-FFF2-40B4-BE49-F238E27FC236}">
-                <a16:creationId xmlns:a16="http://schemas.microsoft.com/office/drawing/2014/main" xmlns="" id="{94F8EC8D-EF88-0275-F75C-A789924433BA}"/>
+                <a16:creationId xmlns="" xmlns:a16="http://schemas.microsoft.com/office/drawing/2014/main" id="{94F8EC8D-EF88-0275-F75C-A789924433BA}"/>
               </a:ext>
             </a:extLst>
           </p:cNvPr>
@@ -431,7 +435,7 @@
           <a:p>
             <a:fld id="{3B4FE048-FAD0-D943-9A17-3C4CB7633182}" type="datetimeFigureOut">
               <a:rPr lang="en-US" smtClean="0"/>
-              <a:t>3/5/2025</a:t>
+              <a:t>3/10/2025</a:t>
             </a:fld>
             <a:endParaRPr lang="en-US"/>
           </a:p>
@@ -790,7 +794,7 @@
         <p:cNvPr id="1" name="">
           <a:extLst>
             <a:ext uri="{FF2B5EF4-FFF2-40B4-BE49-F238E27FC236}">
-              <a16:creationId xmlns:a16="http://schemas.microsoft.com/office/drawing/2014/main" xmlns="" id="{84847B3D-F9FE-E845-0A9E-7B3E4737F607}"/>
+              <a16:creationId xmlns="" xmlns:a16="http://schemas.microsoft.com/office/drawing/2014/main" id="{84847B3D-F9FE-E845-0A9E-7B3E4737F607}"/>
             </a:ext>
           </a:extLst>
         </p:cNvPr>
@@ -810,7 +814,7 @@
           <p:cNvPr id="2" name="Slide Image Placeholder 1">
             <a:extLst>
               <a:ext uri="{FF2B5EF4-FFF2-40B4-BE49-F238E27FC236}">
-                <a16:creationId xmlns:a16="http://schemas.microsoft.com/office/drawing/2014/main" xmlns="" id="{A65C55DC-40F4-B8B2-A44F-CEE7EA9104C1}"/>
+                <a16:creationId xmlns="" xmlns:a16="http://schemas.microsoft.com/office/drawing/2014/main" id="{A65C55DC-40F4-B8B2-A44F-CEE7EA9104C1}"/>
               </a:ext>
             </a:extLst>
           </p:cNvPr>
@@ -828,7 +832,7 @@
           <p:cNvPr id="3" name="Notes Placeholder 2">
             <a:extLst>
               <a:ext uri="{FF2B5EF4-FFF2-40B4-BE49-F238E27FC236}">
-                <a16:creationId xmlns:a16="http://schemas.microsoft.com/office/drawing/2014/main" xmlns="" id="{AFAEFE12-CFF9-2E00-9808-098A1D824723}"/>
+                <a16:creationId xmlns="" xmlns:a16="http://schemas.microsoft.com/office/drawing/2014/main" id="{AFAEFE12-CFF9-2E00-9808-098A1D824723}"/>
               </a:ext>
             </a:extLst>
           </p:cNvPr>
@@ -853,7 +857,7 @@
           <p:cNvPr id="4" name="Slide Number Placeholder 3">
             <a:extLst>
               <a:ext uri="{FF2B5EF4-FFF2-40B4-BE49-F238E27FC236}">
-                <a16:creationId xmlns:a16="http://schemas.microsoft.com/office/drawing/2014/main" xmlns="" id="{85084F94-5BAE-E3B2-298D-1E3D1D48D1F6}"/>
+                <a16:creationId xmlns="" xmlns:a16="http://schemas.microsoft.com/office/drawing/2014/main" id="{85084F94-5BAE-E3B2-298D-1E3D1D48D1F6}"/>
               </a:ext>
             </a:extLst>
           </p:cNvPr>
@@ -898,7 +902,7 @@
         <p:cNvPr id="1" name="">
           <a:extLst>
             <a:ext uri="{FF2B5EF4-FFF2-40B4-BE49-F238E27FC236}">
-              <a16:creationId xmlns:a16="http://schemas.microsoft.com/office/drawing/2014/main" xmlns="" id="{84847B3D-F9FE-E845-0A9E-7B3E4737F607}"/>
+              <a16:creationId xmlns="" xmlns:a16="http://schemas.microsoft.com/office/drawing/2014/main" id="{84847B3D-F9FE-E845-0A9E-7B3E4737F607}"/>
             </a:ext>
           </a:extLst>
         </p:cNvPr>
@@ -918,7 +922,7 @@
           <p:cNvPr id="2" name="Slide Image Placeholder 1">
             <a:extLst>
               <a:ext uri="{FF2B5EF4-FFF2-40B4-BE49-F238E27FC236}">
-                <a16:creationId xmlns:a16="http://schemas.microsoft.com/office/drawing/2014/main" xmlns="" id="{A65C55DC-40F4-B8B2-A44F-CEE7EA9104C1}"/>
+                <a16:creationId xmlns="" xmlns:a16="http://schemas.microsoft.com/office/drawing/2014/main" id="{A65C55DC-40F4-B8B2-A44F-CEE7EA9104C1}"/>
               </a:ext>
             </a:extLst>
           </p:cNvPr>
@@ -936,7 +940,7 @@
           <p:cNvPr id="3" name="Notes Placeholder 2">
             <a:extLst>
               <a:ext uri="{FF2B5EF4-FFF2-40B4-BE49-F238E27FC236}">
-                <a16:creationId xmlns:a16="http://schemas.microsoft.com/office/drawing/2014/main" xmlns="" id="{AFAEFE12-CFF9-2E00-9808-098A1D824723}"/>
+                <a16:creationId xmlns="" xmlns:a16="http://schemas.microsoft.com/office/drawing/2014/main" id="{AFAEFE12-CFF9-2E00-9808-098A1D824723}"/>
               </a:ext>
             </a:extLst>
           </p:cNvPr>
@@ -961,7 +965,7 @@
           <p:cNvPr id="4" name="Slide Number Placeholder 3">
             <a:extLst>
               <a:ext uri="{FF2B5EF4-FFF2-40B4-BE49-F238E27FC236}">
-                <a16:creationId xmlns:a16="http://schemas.microsoft.com/office/drawing/2014/main" xmlns="" id="{85084F94-5BAE-E3B2-298D-1E3D1D48D1F6}"/>
+                <a16:creationId xmlns="" xmlns:a16="http://schemas.microsoft.com/office/drawing/2014/main" id="{85084F94-5BAE-E3B2-298D-1E3D1D48D1F6}"/>
               </a:ext>
             </a:extLst>
           </p:cNvPr>
@@ -1006,7 +1010,7 @@
         <p:cNvPr id="1" name="">
           <a:extLst>
             <a:ext uri="{FF2B5EF4-FFF2-40B4-BE49-F238E27FC236}">
-              <a16:creationId xmlns:a16="http://schemas.microsoft.com/office/drawing/2014/main" xmlns="" id="{84847B3D-F9FE-E845-0A9E-7B3E4737F607}"/>
+              <a16:creationId xmlns="" xmlns:a16="http://schemas.microsoft.com/office/drawing/2014/main" id="{84847B3D-F9FE-E845-0A9E-7B3E4737F607}"/>
             </a:ext>
           </a:extLst>
         </p:cNvPr>
@@ -1026,7 +1030,7 @@
           <p:cNvPr id="2" name="Slide Image Placeholder 1">
             <a:extLst>
               <a:ext uri="{FF2B5EF4-FFF2-40B4-BE49-F238E27FC236}">
-                <a16:creationId xmlns:a16="http://schemas.microsoft.com/office/drawing/2014/main" xmlns="" id="{A65C55DC-40F4-B8B2-A44F-CEE7EA9104C1}"/>
+                <a16:creationId xmlns="" xmlns:a16="http://schemas.microsoft.com/office/drawing/2014/main" id="{A65C55DC-40F4-B8B2-A44F-CEE7EA9104C1}"/>
               </a:ext>
             </a:extLst>
           </p:cNvPr>
@@ -1044,7 +1048,7 @@
           <p:cNvPr id="3" name="Notes Placeholder 2">
             <a:extLst>
               <a:ext uri="{FF2B5EF4-FFF2-40B4-BE49-F238E27FC236}">
-                <a16:creationId xmlns:a16="http://schemas.microsoft.com/office/drawing/2014/main" xmlns="" id="{AFAEFE12-CFF9-2E00-9808-098A1D824723}"/>
+                <a16:creationId xmlns="" xmlns:a16="http://schemas.microsoft.com/office/drawing/2014/main" id="{AFAEFE12-CFF9-2E00-9808-098A1D824723}"/>
               </a:ext>
             </a:extLst>
           </p:cNvPr>
@@ -1069,7 +1073,7 @@
           <p:cNvPr id="4" name="Slide Number Placeholder 3">
             <a:extLst>
               <a:ext uri="{FF2B5EF4-FFF2-40B4-BE49-F238E27FC236}">
-                <a16:creationId xmlns:a16="http://schemas.microsoft.com/office/drawing/2014/main" xmlns="" id="{85084F94-5BAE-E3B2-298D-1E3D1D48D1F6}"/>
+                <a16:creationId xmlns="" xmlns:a16="http://schemas.microsoft.com/office/drawing/2014/main" id="{85084F94-5BAE-E3B2-298D-1E3D1D48D1F6}"/>
               </a:ext>
             </a:extLst>
           </p:cNvPr>
@@ -1114,7 +1118,7 @@
         <p:cNvPr id="1" name="">
           <a:extLst>
             <a:ext uri="{FF2B5EF4-FFF2-40B4-BE49-F238E27FC236}">
-              <a16:creationId xmlns:a16="http://schemas.microsoft.com/office/drawing/2014/main" xmlns="" id="{84847B3D-F9FE-E845-0A9E-7B3E4737F607}"/>
+              <a16:creationId xmlns="" xmlns:a16="http://schemas.microsoft.com/office/drawing/2014/main" id="{84847B3D-F9FE-E845-0A9E-7B3E4737F607}"/>
             </a:ext>
           </a:extLst>
         </p:cNvPr>
@@ -1134,7 +1138,7 @@
           <p:cNvPr id="2" name="Slide Image Placeholder 1">
             <a:extLst>
               <a:ext uri="{FF2B5EF4-FFF2-40B4-BE49-F238E27FC236}">
-                <a16:creationId xmlns:a16="http://schemas.microsoft.com/office/drawing/2014/main" xmlns="" id="{A65C55DC-40F4-B8B2-A44F-CEE7EA9104C1}"/>
+                <a16:creationId xmlns="" xmlns:a16="http://schemas.microsoft.com/office/drawing/2014/main" id="{A65C55DC-40F4-B8B2-A44F-CEE7EA9104C1}"/>
               </a:ext>
             </a:extLst>
           </p:cNvPr>
@@ -1152,7 +1156,7 @@
           <p:cNvPr id="3" name="Notes Placeholder 2">
             <a:extLst>
               <a:ext uri="{FF2B5EF4-FFF2-40B4-BE49-F238E27FC236}">
-                <a16:creationId xmlns:a16="http://schemas.microsoft.com/office/drawing/2014/main" xmlns="" id="{AFAEFE12-CFF9-2E00-9808-098A1D824723}"/>
+                <a16:creationId xmlns="" xmlns:a16="http://schemas.microsoft.com/office/drawing/2014/main" id="{AFAEFE12-CFF9-2E00-9808-098A1D824723}"/>
               </a:ext>
             </a:extLst>
           </p:cNvPr>
@@ -1177,7 +1181,7 @@
           <p:cNvPr id="4" name="Slide Number Placeholder 3">
             <a:extLst>
               <a:ext uri="{FF2B5EF4-FFF2-40B4-BE49-F238E27FC236}">
-                <a16:creationId xmlns:a16="http://schemas.microsoft.com/office/drawing/2014/main" xmlns="" id="{85084F94-5BAE-E3B2-298D-1E3D1D48D1F6}"/>
+                <a16:creationId xmlns="" xmlns:a16="http://schemas.microsoft.com/office/drawing/2014/main" id="{85084F94-5BAE-E3B2-298D-1E3D1D48D1F6}"/>
               </a:ext>
             </a:extLst>
           </p:cNvPr>
@@ -1222,7 +1226,7 @@
         <p:cNvPr id="1" name="">
           <a:extLst>
             <a:ext uri="{FF2B5EF4-FFF2-40B4-BE49-F238E27FC236}">
-              <a16:creationId xmlns:a16="http://schemas.microsoft.com/office/drawing/2014/main" xmlns="" id="{84847B3D-F9FE-E845-0A9E-7B3E4737F607}"/>
+              <a16:creationId xmlns="" xmlns:a16="http://schemas.microsoft.com/office/drawing/2014/main" id="{84847B3D-F9FE-E845-0A9E-7B3E4737F607}"/>
             </a:ext>
           </a:extLst>
         </p:cNvPr>
@@ -1242,7 +1246,7 @@
           <p:cNvPr id="2" name="Slide Image Placeholder 1">
             <a:extLst>
               <a:ext uri="{FF2B5EF4-FFF2-40B4-BE49-F238E27FC236}">
-                <a16:creationId xmlns:a16="http://schemas.microsoft.com/office/drawing/2014/main" xmlns="" id="{A65C55DC-40F4-B8B2-A44F-CEE7EA9104C1}"/>
+                <a16:creationId xmlns="" xmlns:a16="http://schemas.microsoft.com/office/drawing/2014/main" id="{A65C55DC-40F4-B8B2-A44F-CEE7EA9104C1}"/>
               </a:ext>
             </a:extLst>
           </p:cNvPr>
@@ -1260,7 +1264,7 @@
           <p:cNvPr id="3" name="Notes Placeholder 2">
             <a:extLst>
               <a:ext uri="{FF2B5EF4-FFF2-40B4-BE49-F238E27FC236}">
-                <a16:creationId xmlns:a16="http://schemas.microsoft.com/office/drawing/2014/main" xmlns="" id="{AFAEFE12-CFF9-2E00-9808-098A1D824723}"/>
+                <a16:creationId xmlns="" xmlns:a16="http://schemas.microsoft.com/office/drawing/2014/main" id="{AFAEFE12-CFF9-2E00-9808-098A1D824723}"/>
               </a:ext>
             </a:extLst>
           </p:cNvPr>
@@ -1285,7 +1289,7 @@
           <p:cNvPr id="4" name="Slide Number Placeholder 3">
             <a:extLst>
               <a:ext uri="{FF2B5EF4-FFF2-40B4-BE49-F238E27FC236}">
-                <a16:creationId xmlns:a16="http://schemas.microsoft.com/office/drawing/2014/main" xmlns="" id="{85084F94-5BAE-E3B2-298D-1E3D1D48D1F6}"/>
+                <a16:creationId xmlns="" xmlns:a16="http://schemas.microsoft.com/office/drawing/2014/main" id="{85084F94-5BAE-E3B2-298D-1E3D1D48D1F6}"/>
               </a:ext>
             </a:extLst>
           </p:cNvPr>
@@ -1330,7 +1334,7 @@
         <p:cNvPr id="1" name="">
           <a:extLst>
             <a:ext uri="{FF2B5EF4-FFF2-40B4-BE49-F238E27FC236}">
-              <a16:creationId xmlns:a16="http://schemas.microsoft.com/office/drawing/2014/main" xmlns="" id="{84847B3D-F9FE-E845-0A9E-7B3E4737F607}"/>
+              <a16:creationId xmlns="" xmlns:a16="http://schemas.microsoft.com/office/drawing/2014/main" id="{84847B3D-F9FE-E845-0A9E-7B3E4737F607}"/>
             </a:ext>
           </a:extLst>
         </p:cNvPr>
@@ -1350,7 +1354,7 @@
           <p:cNvPr id="2" name="Slide Image Placeholder 1">
             <a:extLst>
               <a:ext uri="{FF2B5EF4-FFF2-40B4-BE49-F238E27FC236}">
-                <a16:creationId xmlns:a16="http://schemas.microsoft.com/office/drawing/2014/main" xmlns="" id="{A65C55DC-40F4-B8B2-A44F-CEE7EA9104C1}"/>
+                <a16:creationId xmlns="" xmlns:a16="http://schemas.microsoft.com/office/drawing/2014/main" id="{A65C55DC-40F4-B8B2-A44F-CEE7EA9104C1}"/>
               </a:ext>
             </a:extLst>
           </p:cNvPr>
@@ -1368,7 +1372,7 @@
           <p:cNvPr id="3" name="Notes Placeholder 2">
             <a:extLst>
               <a:ext uri="{FF2B5EF4-FFF2-40B4-BE49-F238E27FC236}">
-                <a16:creationId xmlns:a16="http://schemas.microsoft.com/office/drawing/2014/main" xmlns="" id="{AFAEFE12-CFF9-2E00-9808-098A1D824723}"/>
+                <a16:creationId xmlns="" xmlns:a16="http://schemas.microsoft.com/office/drawing/2014/main" id="{AFAEFE12-CFF9-2E00-9808-098A1D824723}"/>
               </a:ext>
             </a:extLst>
           </p:cNvPr>
@@ -1393,7 +1397,7 @@
           <p:cNvPr id="4" name="Slide Number Placeholder 3">
             <a:extLst>
               <a:ext uri="{FF2B5EF4-FFF2-40B4-BE49-F238E27FC236}">
-                <a16:creationId xmlns:a16="http://schemas.microsoft.com/office/drawing/2014/main" xmlns="" id="{85084F94-5BAE-E3B2-298D-1E3D1D48D1F6}"/>
+                <a16:creationId xmlns="" xmlns:a16="http://schemas.microsoft.com/office/drawing/2014/main" id="{85084F94-5BAE-E3B2-298D-1E3D1D48D1F6}"/>
               </a:ext>
             </a:extLst>
           </p:cNvPr>
@@ -1438,7 +1442,7 @@
         <p:cNvPr id="1" name="">
           <a:extLst>
             <a:ext uri="{FF2B5EF4-FFF2-40B4-BE49-F238E27FC236}">
-              <a16:creationId xmlns:a16="http://schemas.microsoft.com/office/drawing/2014/main" xmlns="" id="{84847B3D-F9FE-E845-0A9E-7B3E4737F607}"/>
+              <a16:creationId xmlns="" xmlns:a16="http://schemas.microsoft.com/office/drawing/2014/main" id="{84847B3D-F9FE-E845-0A9E-7B3E4737F607}"/>
             </a:ext>
           </a:extLst>
         </p:cNvPr>
@@ -1458,7 +1462,7 @@
           <p:cNvPr id="2" name="Slide Image Placeholder 1">
             <a:extLst>
               <a:ext uri="{FF2B5EF4-FFF2-40B4-BE49-F238E27FC236}">
-                <a16:creationId xmlns:a16="http://schemas.microsoft.com/office/drawing/2014/main" xmlns="" id="{A65C55DC-40F4-B8B2-A44F-CEE7EA9104C1}"/>
+                <a16:creationId xmlns="" xmlns:a16="http://schemas.microsoft.com/office/drawing/2014/main" id="{A65C55DC-40F4-B8B2-A44F-CEE7EA9104C1}"/>
               </a:ext>
             </a:extLst>
           </p:cNvPr>
@@ -1476,7 +1480,7 @@
           <p:cNvPr id="3" name="Notes Placeholder 2">
             <a:extLst>
               <a:ext uri="{FF2B5EF4-FFF2-40B4-BE49-F238E27FC236}">
-                <a16:creationId xmlns:a16="http://schemas.microsoft.com/office/drawing/2014/main" xmlns="" id="{AFAEFE12-CFF9-2E00-9808-098A1D824723}"/>
+                <a16:creationId xmlns="" xmlns:a16="http://schemas.microsoft.com/office/drawing/2014/main" id="{AFAEFE12-CFF9-2E00-9808-098A1D824723}"/>
               </a:ext>
             </a:extLst>
           </p:cNvPr>
@@ -1501,7 +1505,7 @@
           <p:cNvPr id="4" name="Slide Number Placeholder 3">
             <a:extLst>
               <a:ext uri="{FF2B5EF4-FFF2-40B4-BE49-F238E27FC236}">
-                <a16:creationId xmlns:a16="http://schemas.microsoft.com/office/drawing/2014/main" xmlns="" id="{85084F94-5BAE-E3B2-298D-1E3D1D48D1F6}"/>
+                <a16:creationId xmlns="" xmlns:a16="http://schemas.microsoft.com/office/drawing/2014/main" id="{85084F94-5BAE-E3B2-298D-1E3D1D48D1F6}"/>
               </a:ext>
             </a:extLst>
           </p:cNvPr>
@@ -1546,7 +1550,7 @@
         <p:cNvPr id="1" name="">
           <a:extLst>
             <a:ext uri="{FF2B5EF4-FFF2-40B4-BE49-F238E27FC236}">
-              <a16:creationId xmlns:a16="http://schemas.microsoft.com/office/drawing/2014/main" xmlns="" id="{84847B3D-F9FE-E845-0A9E-7B3E4737F607}"/>
+              <a16:creationId xmlns="" xmlns:a16="http://schemas.microsoft.com/office/drawing/2014/main" id="{84847B3D-F9FE-E845-0A9E-7B3E4737F607}"/>
             </a:ext>
           </a:extLst>
         </p:cNvPr>
@@ -1566,7 +1570,7 @@
           <p:cNvPr id="2" name="Slide Image Placeholder 1">
             <a:extLst>
               <a:ext uri="{FF2B5EF4-FFF2-40B4-BE49-F238E27FC236}">
-                <a16:creationId xmlns:a16="http://schemas.microsoft.com/office/drawing/2014/main" xmlns="" id="{A65C55DC-40F4-B8B2-A44F-CEE7EA9104C1}"/>
+                <a16:creationId xmlns="" xmlns:a16="http://schemas.microsoft.com/office/drawing/2014/main" id="{A65C55DC-40F4-B8B2-A44F-CEE7EA9104C1}"/>
               </a:ext>
             </a:extLst>
           </p:cNvPr>
@@ -1584,7 +1588,7 @@
           <p:cNvPr id="3" name="Notes Placeholder 2">
             <a:extLst>
               <a:ext uri="{FF2B5EF4-FFF2-40B4-BE49-F238E27FC236}">
-                <a16:creationId xmlns:a16="http://schemas.microsoft.com/office/drawing/2014/main" xmlns="" id="{AFAEFE12-CFF9-2E00-9808-098A1D824723}"/>
+                <a16:creationId xmlns="" xmlns:a16="http://schemas.microsoft.com/office/drawing/2014/main" id="{AFAEFE12-CFF9-2E00-9808-098A1D824723}"/>
               </a:ext>
             </a:extLst>
           </p:cNvPr>
@@ -1609,7 +1613,7 @@
           <p:cNvPr id="4" name="Slide Number Placeholder 3">
             <a:extLst>
               <a:ext uri="{FF2B5EF4-FFF2-40B4-BE49-F238E27FC236}">
-                <a16:creationId xmlns:a16="http://schemas.microsoft.com/office/drawing/2014/main" xmlns="" id="{85084F94-5BAE-E3B2-298D-1E3D1D48D1F6}"/>
+                <a16:creationId xmlns="" xmlns:a16="http://schemas.microsoft.com/office/drawing/2014/main" id="{85084F94-5BAE-E3B2-298D-1E3D1D48D1F6}"/>
               </a:ext>
             </a:extLst>
           </p:cNvPr>
@@ -1654,7 +1658,7 @@
         <p:cNvPr id="1" name="">
           <a:extLst>
             <a:ext uri="{FF2B5EF4-FFF2-40B4-BE49-F238E27FC236}">
-              <a16:creationId xmlns:a16="http://schemas.microsoft.com/office/drawing/2014/main" xmlns="" id="{84847B3D-F9FE-E845-0A9E-7B3E4737F607}"/>
+              <a16:creationId xmlns="" xmlns:a16="http://schemas.microsoft.com/office/drawing/2014/main" id="{84847B3D-F9FE-E845-0A9E-7B3E4737F607}"/>
             </a:ext>
           </a:extLst>
         </p:cNvPr>
@@ -1674,7 +1678,7 @@
           <p:cNvPr id="2" name="Slide Image Placeholder 1">
             <a:extLst>
               <a:ext uri="{FF2B5EF4-FFF2-40B4-BE49-F238E27FC236}">
-                <a16:creationId xmlns:a16="http://schemas.microsoft.com/office/drawing/2014/main" xmlns="" id="{A65C55DC-40F4-B8B2-A44F-CEE7EA9104C1}"/>
+                <a16:creationId xmlns="" xmlns:a16="http://schemas.microsoft.com/office/drawing/2014/main" id="{A65C55DC-40F4-B8B2-A44F-CEE7EA9104C1}"/>
               </a:ext>
             </a:extLst>
           </p:cNvPr>
@@ -1692,7 +1696,7 @@
           <p:cNvPr id="3" name="Notes Placeholder 2">
             <a:extLst>
               <a:ext uri="{FF2B5EF4-FFF2-40B4-BE49-F238E27FC236}">
-                <a16:creationId xmlns:a16="http://schemas.microsoft.com/office/drawing/2014/main" xmlns="" id="{AFAEFE12-CFF9-2E00-9808-098A1D824723}"/>
+                <a16:creationId xmlns="" xmlns:a16="http://schemas.microsoft.com/office/drawing/2014/main" id="{AFAEFE12-CFF9-2E00-9808-098A1D824723}"/>
               </a:ext>
             </a:extLst>
           </p:cNvPr>
@@ -1717,7 +1721,7 @@
           <p:cNvPr id="4" name="Slide Number Placeholder 3">
             <a:extLst>
               <a:ext uri="{FF2B5EF4-FFF2-40B4-BE49-F238E27FC236}">
-                <a16:creationId xmlns:a16="http://schemas.microsoft.com/office/drawing/2014/main" xmlns="" id="{85084F94-5BAE-E3B2-298D-1E3D1D48D1F6}"/>
+                <a16:creationId xmlns="" xmlns:a16="http://schemas.microsoft.com/office/drawing/2014/main" id="{85084F94-5BAE-E3B2-298D-1E3D1D48D1F6}"/>
               </a:ext>
             </a:extLst>
           </p:cNvPr>
@@ -1762,7 +1766,7 @@
         <p:cNvPr id="1" name="">
           <a:extLst>
             <a:ext uri="{FF2B5EF4-FFF2-40B4-BE49-F238E27FC236}">
-              <a16:creationId xmlns:a16="http://schemas.microsoft.com/office/drawing/2014/main" xmlns="" id="{84847B3D-F9FE-E845-0A9E-7B3E4737F607}"/>
+              <a16:creationId xmlns="" xmlns:a16="http://schemas.microsoft.com/office/drawing/2014/main" id="{84847B3D-F9FE-E845-0A9E-7B3E4737F607}"/>
             </a:ext>
           </a:extLst>
         </p:cNvPr>
@@ -1782,7 +1786,7 @@
           <p:cNvPr id="2" name="Slide Image Placeholder 1">
             <a:extLst>
               <a:ext uri="{FF2B5EF4-FFF2-40B4-BE49-F238E27FC236}">
-                <a16:creationId xmlns:a16="http://schemas.microsoft.com/office/drawing/2014/main" xmlns="" id="{A65C55DC-40F4-B8B2-A44F-CEE7EA9104C1}"/>
+                <a16:creationId xmlns="" xmlns:a16="http://schemas.microsoft.com/office/drawing/2014/main" id="{A65C55DC-40F4-B8B2-A44F-CEE7EA9104C1}"/>
               </a:ext>
             </a:extLst>
           </p:cNvPr>
@@ -1800,7 +1804,7 @@
           <p:cNvPr id="3" name="Notes Placeholder 2">
             <a:extLst>
               <a:ext uri="{FF2B5EF4-FFF2-40B4-BE49-F238E27FC236}">
-                <a16:creationId xmlns:a16="http://schemas.microsoft.com/office/drawing/2014/main" xmlns="" id="{AFAEFE12-CFF9-2E00-9808-098A1D824723}"/>
+                <a16:creationId xmlns="" xmlns:a16="http://schemas.microsoft.com/office/drawing/2014/main" id="{AFAEFE12-CFF9-2E00-9808-098A1D824723}"/>
               </a:ext>
             </a:extLst>
           </p:cNvPr>
@@ -1825,7 +1829,7 @@
           <p:cNvPr id="4" name="Slide Number Placeholder 3">
             <a:extLst>
               <a:ext uri="{FF2B5EF4-FFF2-40B4-BE49-F238E27FC236}">
-                <a16:creationId xmlns:a16="http://schemas.microsoft.com/office/drawing/2014/main" xmlns="" id="{85084F94-5BAE-E3B2-298D-1E3D1D48D1F6}"/>
+                <a16:creationId xmlns="" xmlns:a16="http://schemas.microsoft.com/office/drawing/2014/main" id="{85084F94-5BAE-E3B2-298D-1E3D1D48D1F6}"/>
               </a:ext>
             </a:extLst>
           </p:cNvPr>
@@ -1870,7 +1874,7 @@
         <p:cNvPr id="1" name="">
           <a:extLst>
             <a:ext uri="{FF2B5EF4-FFF2-40B4-BE49-F238E27FC236}">
-              <a16:creationId xmlns:a16="http://schemas.microsoft.com/office/drawing/2014/main" xmlns="" id="{89563512-A8BA-1764-87C7-A00C34FD03E8}"/>
+              <a16:creationId xmlns="" xmlns:a16="http://schemas.microsoft.com/office/drawing/2014/main" id="{89563512-A8BA-1764-87C7-A00C34FD03E8}"/>
             </a:ext>
           </a:extLst>
         </p:cNvPr>
@@ -1890,7 +1894,7 @@
           <p:cNvPr id="2" name="Slide Image Placeholder 1">
             <a:extLst>
               <a:ext uri="{FF2B5EF4-FFF2-40B4-BE49-F238E27FC236}">
-                <a16:creationId xmlns:a16="http://schemas.microsoft.com/office/drawing/2014/main" xmlns="" id="{F8D8F7F0-68B1-3C8C-3974-1CFE7D3952A7}"/>
+                <a16:creationId xmlns="" xmlns:a16="http://schemas.microsoft.com/office/drawing/2014/main" id="{F8D8F7F0-68B1-3C8C-3974-1CFE7D3952A7}"/>
               </a:ext>
             </a:extLst>
           </p:cNvPr>
@@ -1908,7 +1912,7 @@
           <p:cNvPr id="3" name="Notes Placeholder 2">
             <a:extLst>
               <a:ext uri="{FF2B5EF4-FFF2-40B4-BE49-F238E27FC236}">
-                <a16:creationId xmlns:a16="http://schemas.microsoft.com/office/drawing/2014/main" xmlns="" id="{7893E87E-9A62-BE42-B48F-A4960F0B96B7}"/>
+                <a16:creationId xmlns="" xmlns:a16="http://schemas.microsoft.com/office/drawing/2014/main" id="{7893E87E-9A62-BE42-B48F-A4960F0B96B7}"/>
               </a:ext>
             </a:extLst>
           </p:cNvPr>
@@ -1933,7 +1937,7 @@
           <p:cNvPr id="4" name="Slide Number Placeholder 3">
             <a:extLst>
               <a:ext uri="{FF2B5EF4-FFF2-40B4-BE49-F238E27FC236}">
-                <a16:creationId xmlns:a16="http://schemas.microsoft.com/office/drawing/2014/main" xmlns="" id="{61190961-0558-0020-C7FC-07CF6AD55449}"/>
+                <a16:creationId xmlns="" xmlns:a16="http://schemas.microsoft.com/office/drawing/2014/main" id="{61190961-0558-0020-C7FC-07CF6AD55449}"/>
               </a:ext>
             </a:extLst>
           </p:cNvPr>
@@ -1978,7 +1982,7 @@
         <p:cNvPr id="1" name="">
           <a:extLst>
             <a:ext uri="{FF2B5EF4-FFF2-40B4-BE49-F238E27FC236}">
-              <a16:creationId xmlns:a16="http://schemas.microsoft.com/office/drawing/2014/main" xmlns="" id="{84847B3D-F9FE-E845-0A9E-7B3E4737F607}"/>
+              <a16:creationId xmlns="" xmlns:a16="http://schemas.microsoft.com/office/drawing/2014/main" id="{84847B3D-F9FE-E845-0A9E-7B3E4737F607}"/>
             </a:ext>
           </a:extLst>
         </p:cNvPr>
@@ -1998,7 +2002,7 @@
           <p:cNvPr id="2" name="Slide Image Placeholder 1">
             <a:extLst>
               <a:ext uri="{FF2B5EF4-FFF2-40B4-BE49-F238E27FC236}">
-                <a16:creationId xmlns:a16="http://schemas.microsoft.com/office/drawing/2014/main" xmlns="" id="{A65C55DC-40F4-B8B2-A44F-CEE7EA9104C1}"/>
+                <a16:creationId xmlns="" xmlns:a16="http://schemas.microsoft.com/office/drawing/2014/main" id="{A65C55DC-40F4-B8B2-A44F-CEE7EA9104C1}"/>
               </a:ext>
             </a:extLst>
           </p:cNvPr>
@@ -2016,7 +2020,7 @@
           <p:cNvPr id="3" name="Notes Placeholder 2">
             <a:extLst>
               <a:ext uri="{FF2B5EF4-FFF2-40B4-BE49-F238E27FC236}">
-                <a16:creationId xmlns:a16="http://schemas.microsoft.com/office/drawing/2014/main" xmlns="" id="{AFAEFE12-CFF9-2E00-9808-098A1D824723}"/>
+                <a16:creationId xmlns="" xmlns:a16="http://schemas.microsoft.com/office/drawing/2014/main" id="{AFAEFE12-CFF9-2E00-9808-098A1D824723}"/>
               </a:ext>
             </a:extLst>
           </p:cNvPr>
@@ -2041,7 +2045,7 @@
           <p:cNvPr id="4" name="Slide Number Placeholder 3">
             <a:extLst>
               <a:ext uri="{FF2B5EF4-FFF2-40B4-BE49-F238E27FC236}">
-                <a16:creationId xmlns:a16="http://schemas.microsoft.com/office/drawing/2014/main" xmlns="" id="{85084F94-5BAE-E3B2-298D-1E3D1D48D1F6}"/>
+                <a16:creationId xmlns="" xmlns:a16="http://schemas.microsoft.com/office/drawing/2014/main" id="{85084F94-5BAE-E3B2-298D-1E3D1D48D1F6}"/>
               </a:ext>
             </a:extLst>
           </p:cNvPr>
@@ -2086,7 +2090,7 @@
         <p:cNvPr id="1" name="">
           <a:extLst>
             <a:ext uri="{FF2B5EF4-FFF2-40B4-BE49-F238E27FC236}">
-              <a16:creationId xmlns:a16="http://schemas.microsoft.com/office/drawing/2014/main" xmlns="" id="{84847B3D-F9FE-E845-0A9E-7B3E4737F607}"/>
+              <a16:creationId xmlns="" xmlns:a16="http://schemas.microsoft.com/office/drawing/2014/main" id="{84847B3D-F9FE-E845-0A9E-7B3E4737F607}"/>
             </a:ext>
           </a:extLst>
         </p:cNvPr>
@@ -2106,7 +2110,7 @@
           <p:cNvPr id="2" name="Slide Image Placeholder 1">
             <a:extLst>
               <a:ext uri="{FF2B5EF4-FFF2-40B4-BE49-F238E27FC236}">
-                <a16:creationId xmlns:a16="http://schemas.microsoft.com/office/drawing/2014/main" xmlns="" id="{A65C55DC-40F4-B8B2-A44F-CEE7EA9104C1}"/>
+                <a16:creationId xmlns="" xmlns:a16="http://schemas.microsoft.com/office/drawing/2014/main" id="{A65C55DC-40F4-B8B2-A44F-CEE7EA9104C1}"/>
               </a:ext>
             </a:extLst>
           </p:cNvPr>
@@ -2124,7 +2128,7 @@
           <p:cNvPr id="3" name="Notes Placeholder 2">
             <a:extLst>
               <a:ext uri="{FF2B5EF4-FFF2-40B4-BE49-F238E27FC236}">
-                <a16:creationId xmlns:a16="http://schemas.microsoft.com/office/drawing/2014/main" xmlns="" id="{AFAEFE12-CFF9-2E00-9808-098A1D824723}"/>
+                <a16:creationId xmlns="" xmlns:a16="http://schemas.microsoft.com/office/drawing/2014/main" id="{AFAEFE12-CFF9-2E00-9808-098A1D824723}"/>
               </a:ext>
             </a:extLst>
           </p:cNvPr>
@@ -2149,7 +2153,7 @@
           <p:cNvPr id="4" name="Slide Number Placeholder 3">
             <a:extLst>
               <a:ext uri="{FF2B5EF4-FFF2-40B4-BE49-F238E27FC236}">
-                <a16:creationId xmlns:a16="http://schemas.microsoft.com/office/drawing/2014/main" xmlns="" id="{85084F94-5BAE-E3B2-298D-1E3D1D48D1F6}"/>
+                <a16:creationId xmlns="" xmlns:a16="http://schemas.microsoft.com/office/drawing/2014/main" id="{85084F94-5BAE-E3B2-298D-1E3D1D48D1F6}"/>
               </a:ext>
             </a:extLst>
           </p:cNvPr>
@@ -2194,7 +2198,7 @@
         <p:cNvPr id="1" name="">
           <a:extLst>
             <a:ext uri="{FF2B5EF4-FFF2-40B4-BE49-F238E27FC236}">
-              <a16:creationId xmlns:a16="http://schemas.microsoft.com/office/drawing/2014/main" xmlns="" id="{84847B3D-F9FE-E845-0A9E-7B3E4737F607}"/>
+              <a16:creationId xmlns="" xmlns:a16="http://schemas.microsoft.com/office/drawing/2014/main" id="{84847B3D-F9FE-E845-0A9E-7B3E4737F607}"/>
             </a:ext>
           </a:extLst>
         </p:cNvPr>
@@ -2214,7 +2218,7 @@
           <p:cNvPr id="2" name="Slide Image Placeholder 1">
             <a:extLst>
               <a:ext uri="{FF2B5EF4-FFF2-40B4-BE49-F238E27FC236}">
-                <a16:creationId xmlns:a16="http://schemas.microsoft.com/office/drawing/2014/main" xmlns="" id="{A65C55DC-40F4-B8B2-A44F-CEE7EA9104C1}"/>
+                <a16:creationId xmlns="" xmlns:a16="http://schemas.microsoft.com/office/drawing/2014/main" id="{A65C55DC-40F4-B8B2-A44F-CEE7EA9104C1}"/>
               </a:ext>
             </a:extLst>
           </p:cNvPr>
@@ -2232,7 +2236,7 @@
           <p:cNvPr id="3" name="Notes Placeholder 2">
             <a:extLst>
               <a:ext uri="{FF2B5EF4-FFF2-40B4-BE49-F238E27FC236}">
-                <a16:creationId xmlns:a16="http://schemas.microsoft.com/office/drawing/2014/main" xmlns="" id="{AFAEFE12-CFF9-2E00-9808-098A1D824723}"/>
+                <a16:creationId xmlns="" xmlns:a16="http://schemas.microsoft.com/office/drawing/2014/main" id="{AFAEFE12-CFF9-2E00-9808-098A1D824723}"/>
               </a:ext>
             </a:extLst>
           </p:cNvPr>
@@ -2257,7 +2261,7 @@
           <p:cNvPr id="4" name="Slide Number Placeholder 3">
             <a:extLst>
               <a:ext uri="{FF2B5EF4-FFF2-40B4-BE49-F238E27FC236}">
-                <a16:creationId xmlns:a16="http://schemas.microsoft.com/office/drawing/2014/main" xmlns="" id="{85084F94-5BAE-E3B2-298D-1E3D1D48D1F6}"/>
+                <a16:creationId xmlns="" xmlns:a16="http://schemas.microsoft.com/office/drawing/2014/main" id="{85084F94-5BAE-E3B2-298D-1E3D1D48D1F6}"/>
               </a:ext>
             </a:extLst>
           </p:cNvPr>
@@ -2302,7 +2306,7 @@
         <p:cNvPr id="1" name="">
           <a:extLst>
             <a:ext uri="{FF2B5EF4-FFF2-40B4-BE49-F238E27FC236}">
-              <a16:creationId xmlns:a16="http://schemas.microsoft.com/office/drawing/2014/main" xmlns="" id="{84847B3D-F9FE-E845-0A9E-7B3E4737F607}"/>
+              <a16:creationId xmlns="" xmlns:a16="http://schemas.microsoft.com/office/drawing/2014/main" id="{84847B3D-F9FE-E845-0A9E-7B3E4737F607}"/>
             </a:ext>
           </a:extLst>
         </p:cNvPr>
@@ -2322,7 +2326,7 @@
           <p:cNvPr id="2" name="Slide Image Placeholder 1">
             <a:extLst>
               <a:ext uri="{FF2B5EF4-FFF2-40B4-BE49-F238E27FC236}">
-                <a16:creationId xmlns:a16="http://schemas.microsoft.com/office/drawing/2014/main" xmlns="" id="{A65C55DC-40F4-B8B2-A44F-CEE7EA9104C1}"/>
+                <a16:creationId xmlns="" xmlns:a16="http://schemas.microsoft.com/office/drawing/2014/main" id="{A65C55DC-40F4-B8B2-A44F-CEE7EA9104C1}"/>
               </a:ext>
             </a:extLst>
           </p:cNvPr>
@@ -2340,7 +2344,7 @@
           <p:cNvPr id="3" name="Notes Placeholder 2">
             <a:extLst>
               <a:ext uri="{FF2B5EF4-FFF2-40B4-BE49-F238E27FC236}">
-                <a16:creationId xmlns:a16="http://schemas.microsoft.com/office/drawing/2014/main" xmlns="" id="{AFAEFE12-CFF9-2E00-9808-098A1D824723}"/>
+                <a16:creationId xmlns="" xmlns:a16="http://schemas.microsoft.com/office/drawing/2014/main" id="{AFAEFE12-CFF9-2E00-9808-098A1D824723}"/>
               </a:ext>
             </a:extLst>
           </p:cNvPr>
@@ -2365,7 +2369,7 @@
           <p:cNvPr id="4" name="Slide Number Placeholder 3">
             <a:extLst>
               <a:ext uri="{FF2B5EF4-FFF2-40B4-BE49-F238E27FC236}">
-                <a16:creationId xmlns:a16="http://schemas.microsoft.com/office/drawing/2014/main" xmlns="" id="{85084F94-5BAE-E3B2-298D-1E3D1D48D1F6}"/>
+                <a16:creationId xmlns="" xmlns:a16="http://schemas.microsoft.com/office/drawing/2014/main" id="{85084F94-5BAE-E3B2-298D-1E3D1D48D1F6}"/>
               </a:ext>
             </a:extLst>
           </p:cNvPr>
@@ -2410,7 +2414,7 @@
         <p:cNvPr id="1" name="">
           <a:extLst>
             <a:ext uri="{FF2B5EF4-FFF2-40B4-BE49-F238E27FC236}">
-              <a16:creationId xmlns:a16="http://schemas.microsoft.com/office/drawing/2014/main" xmlns="" id="{84847B3D-F9FE-E845-0A9E-7B3E4737F607}"/>
+              <a16:creationId xmlns="" xmlns:a16="http://schemas.microsoft.com/office/drawing/2014/main" id="{84847B3D-F9FE-E845-0A9E-7B3E4737F607}"/>
             </a:ext>
           </a:extLst>
         </p:cNvPr>
@@ -2430,7 +2434,7 @@
           <p:cNvPr id="2" name="Slide Image Placeholder 1">
             <a:extLst>
               <a:ext uri="{FF2B5EF4-FFF2-40B4-BE49-F238E27FC236}">
-                <a16:creationId xmlns:a16="http://schemas.microsoft.com/office/drawing/2014/main" xmlns="" id="{A65C55DC-40F4-B8B2-A44F-CEE7EA9104C1}"/>
+                <a16:creationId xmlns="" xmlns:a16="http://schemas.microsoft.com/office/drawing/2014/main" id="{A65C55DC-40F4-B8B2-A44F-CEE7EA9104C1}"/>
               </a:ext>
             </a:extLst>
           </p:cNvPr>
@@ -2448,7 +2452,7 @@
           <p:cNvPr id="3" name="Notes Placeholder 2">
             <a:extLst>
               <a:ext uri="{FF2B5EF4-FFF2-40B4-BE49-F238E27FC236}">
-                <a16:creationId xmlns:a16="http://schemas.microsoft.com/office/drawing/2014/main" xmlns="" id="{AFAEFE12-CFF9-2E00-9808-098A1D824723}"/>
+                <a16:creationId xmlns="" xmlns:a16="http://schemas.microsoft.com/office/drawing/2014/main" id="{AFAEFE12-CFF9-2E00-9808-098A1D824723}"/>
               </a:ext>
             </a:extLst>
           </p:cNvPr>
@@ -2473,7 +2477,7 @@
           <p:cNvPr id="4" name="Slide Number Placeholder 3">
             <a:extLst>
               <a:ext uri="{FF2B5EF4-FFF2-40B4-BE49-F238E27FC236}">
-                <a16:creationId xmlns:a16="http://schemas.microsoft.com/office/drawing/2014/main" xmlns="" id="{85084F94-5BAE-E3B2-298D-1E3D1D48D1F6}"/>
+                <a16:creationId xmlns="" xmlns:a16="http://schemas.microsoft.com/office/drawing/2014/main" id="{85084F94-5BAE-E3B2-298D-1E3D1D48D1F6}"/>
               </a:ext>
             </a:extLst>
           </p:cNvPr>
@@ -2518,7 +2522,7 @@
         <p:cNvPr id="1" name="">
           <a:extLst>
             <a:ext uri="{FF2B5EF4-FFF2-40B4-BE49-F238E27FC236}">
-              <a16:creationId xmlns:a16="http://schemas.microsoft.com/office/drawing/2014/main" xmlns="" id="{84847B3D-F9FE-E845-0A9E-7B3E4737F607}"/>
+              <a16:creationId xmlns="" xmlns:a16="http://schemas.microsoft.com/office/drawing/2014/main" id="{84847B3D-F9FE-E845-0A9E-7B3E4737F607}"/>
             </a:ext>
           </a:extLst>
         </p:cNvPr>
@@ -2538,7 +2542,7 @@
           <p:cNvPr id="2" name="Slide Image Placeholder 1">
             <a:extLst>
               <a:ext uri="{FF2B5EF4-FFF2-40B4-BE49-F238E27FC236}">
-                <a16:creationId xmlns:a16="http://schemas.microsoft.com/office/drawing/2014/main" xmlns="" id="{A65C55DC-40F4-B8B2-A44F-CEE7EA9104C1}"/>
+                <a16:creationId xmlns="" xmlns:a16="http://schemas.microsoft.com/office/drawing/2014/main" id="{A65C55DC-40F4-B8B2-A44F-CEE7EA9104C1}"/>
               </a:ext>
             </a:extLst>
           </p:cNvPr>
@@ -2556,7 +2560,7 @@
           <p:cNvPr id="3" name="Notes Placeholder 2">
             <a:extLst>
               <a:ext uri="{FF2B5EF4-FFF2-40B4-BE49-F238E27FC236}">
-                <a16:creationId xmlns:a16="http://schemas.microsoft.com/office/drawing/2014/main" xmlns="" id="{AFAEFE12-CFF9-2E00-9808-098A1D824723}"/>
+                <a16:creationId xmlns="" xmlns:a16="http://schemas.microsoft.com/office/drawing/2014/main" id="{AFAEFE12-CFF9-2E00-9808-098A1D824723}"/>
               </a:ext>
             </a:extLst>
           </p:cNvPr>
@@ -2581,7 +2585,7 @@
           <p:cNvPr id="4" name="Slide Number Placeholder 3">
             <a:extLst>
               <a:ext uri="{FF2B5EF4-FFF2-40B4-BE49-F238E27FC236}">
-                <a16:creationId xmlns:a16="http://schemas.microsoft.com/office/drawing/2014/main" xmlns="" id="{85084F94-5BAE-E3B2-298D-1E3D1D48D1F6}"/>
+                <a16:creationId xmlns="" xmlns:a16="http://schemas.microsoft.com/office/drawing/2014/main" id="{85084F94-5BAE-E3B2-298D-1E3D1D48D1F6}"/>
               </a:ext>
             </a:extLst>
           </p:cNvPr>
@@ -2626,7 +2630,7 @@
         <p:cNvPr id="1" name="">
           <a:extLst>
             <a:ext uri="{FF2B5EF4-FFF2-40B4-BE49-F238E27FC236}">
-              <a16:creationId xmlns:a16="http://schemas.microsoft.com/office/drawing/2014/main" xmlns="" id="{84847B3D-F9FE-E845-0A9E-7B3E4737F607}"/>
+              <a16:creationId xmlns="" xmlns:a16="http://schemas.microsoft.com/office/drawing/2014/main" id="{84847B3D-F9FE-E845-0A9E-7B3E4737F607}"/>
             </a:ext>
           </a:extLst>
         </p:cNvPr>
@@ -2646,7 +2650,7 @@
           <p:cNvPr id="2" name="Slide Image Placeholder 1">
             <a:extLst>
               <a:ext uri="{FF2B5EF4-FFF2-40B4-BE49-F238E27FC236}">
-                <a16:creationId xmlns:a16="http://schemas.microsoft.com/office/drawing/2014/main" xmlns="" id="{A65C55DC-40F4-B8B2-A44F-CEE7EA9104C1}"/>
+                <a16:creationId xmlns="" xmlns:a16="http://schemas.microsoft.com/office/drawing/2014/main" id="{A65C55DC-40F4-B8B2-A44F-CEE7EA9104C1}"/>
               </a:ext>
             </a:extLst>
           </p:cNvPr>
@@ -2664,7 +2668,7 @@
           <p:cNvPr id="3" name="Notes Placeholder 2">
             <a:extLst>
               <a:ext uri="{FF2B5EF4-FFF2-40B4-BE49-F238E27FC236}">
-                <a16:creationId xmlns:a16="http://schemas.microsoft.com/office/drawing/2014/main" xmlns="" id="{AFAEFE12-CFF9-2E00-9808-098A1D824723}"/>
+                <a16:creationId xmlns="" xmlns:a16="http://schemas.microsoft.com/office/drawing/2014/main" id="{AFAEFE12-CFF9-2E00-9808-098A1D824723}"/>
               </a:ext>
             </a:extLst>
           </p:cNvPr>
@@ -2689,7 +2693,7 @@
           <p:cNvPr id="4" name="Slide Number Placeholder 3">
             <a:extLst>
               <a:ext uri="{FF2B5EF4-FFF2-40B4-BE49-F238E27FC236}">
-                <a16:creationId xmlns:a16="http://schemas.microsoft.com/office/drawing/2014/main" xmlns="" id="{85084F94-5BAE-E3B2-298D-1E3D1D48D1F6}"/>
+                <a16:creationId xmlns="" xmlns:a16="http://schemas.microsoft.com/office/drawing/2014/main" id="{85084F94-5BAE-E3B2-298D-1E3D1D48D1F6}"/>
               </a:ext>
             </a:extLst>
           </p:cNvPr>
@@ -2734,7 +2738,7 @@
         <p:cNvPr id="1" name="">
           <a:extLst>
             <a:ext uri="{FF2B5EF4-FFF2-40B4-BE49-F238E27FC236}">
-              <a16:creationId xmlns:a16="http://schemas.microsoft.com/office/drawing/2014/main" xmlns="" id="{84847B3D-F9FE-E845-0A9E-7B3E4737F607}"/>
+              <a16:creationId xmlns="" xmlns:a16="http://schemas.microsoft.com/office/drawing/2014/main" id="{84847B3D-F9FE-E845-0A9E-7B3E4737F607}"/>
             </a:ext>
           </a:extLst>
         </p:cNvPr>
@@ -2754,7 +2758,7 @@
           <p:cNvPr id="2" name="Slide Image Placeholder 1">
             <a:extLst>
               <a:ext uri="{FF2B5EF4-FFF2-40B4-BE49-F238E27FC236}">
-                <a16:creationId xmlns:a16="http://schemas.microsoft.com/office/drawing/2014/main" xmlns="" id="{A65C55DC-40F4-B8B2-A44F-CEE7EA9104C1}"/>
+                <a16:creationId xmlns="" xmlns:a16="http://schemas.microsoft.com/office/drawing/2014/main" id="{A65C55DC-40F4-B8B2-A44F-CEE7EA9104C1}"/>
               </a:ext>
             </a:extLst>
           </p:cNvPr>
@@ -2772,7 +2776,7 @@
           <p:cNvPr id="3" name="Notes Placeholder 2">
             <a:extLst>
               <a:ext uri="{FF2B5EF4-FFF2-40B4-BE49-F238E27FC236}">
-                <a16:creationId xmlns:a16="http://schemas.microsoft.com/office/drawing/2014/main" xmlns="" id="{AFAEFE12-CFF9-2E00-9808-098A1D824723}"/>
+                <a16:creationId xmlns="" xmlns:a16="http://schemas.microsoft.com/office/drawing/2014/main" id="{AFAEFE12-CFF9-2E00-9808-098A1D824723}"/>
               </a:ext>
             </a:extLst>
           </p:cNvPr>
@@ -2797,7 +2801,7 @@
           <p:cNvPr id="4" name="Slide Number Placeholder 3">
             <a:extLst>
               <a:ext uri="{FF2B5EF4-FFF2-40B4-BE49-F238E27FC236}">
-                <a16:creationId xmlns:a16="http://schemas.microsoft.com/office/drawing/2014/main" xmlns="" id="{85084F94-5BAE-E3B2-298D-1E3D1D48D1F6}"/>
+                <a16:creationId xmlns="" xmlns:a16="http://schemas.microsoft.com/office/drawing/2014/main" id="{85084F94-5BAE-E3B2-298D-1E3D1D48D1F6}"/>
               </a:ext>
             </a:extLst>
           </p:cNvPr>
@@ -2842,7 +2846,7 @@
         <p:cNvPr id="1" name="">
           <a:extLst>
             <a:ext uri="{FF2B5EF4-FFF2-40B4-BE49-F238E27FC236}">
-              <a16:creationId xmlns:a16="http://schemas.microsoft.com/office/drawing/2014/main" xmlns="" id="{84847B3D-F9FE-E845-0A9E-7B3E4737F607}"/>
+              <a16:creationId xmlns="" xmlns:a16="http://schemas.microsoft.com/office/drawing/2014/main" id="{84847B3D-F9FE-E845-0A9E-7B3E4737F607}"/>
             </a:ext>
           </a:extLst>
         </p:cNvPr>
@@ -2862,7 +2866,7 @@
           <p:cNvPr id="2" name="Slide Image Placeholder 1">
             <a:extLst>
               <a:ext uri="{FF2B5EF4-FFF2-40B4-BE49-F238E27FC236}">
-                <a16:creationId xmlns:a16="http://schemas.microsoft.com/office/drawing/2014/main" xmlns="" id="{A65C55DC-40F4-B8B2-A44F-CEE7EA9104C1}"/>
+                <a16:creationId xmlns="" xmlns:a16="http://schemas.microsoft.com/office/drawing/2014/main" id="{A65C55DC-40F4-B8B2-A44F-CEE7EA9104C1}"/>
               </a:ext>
             </a:extLst>
           </p:cNvPr>
@@ -2880,7 +2884,7 @@
           <p:cNvPr id="3" name="Notes Placeholder 2">
             <a:extLst>
               <a:ext uri="{FF2B5EF4-FFF2-40B4-BE49-F238E27FC236}">
-                <a16:creationId xmlns:a16="http://schemas.microsoft.com/office/drawing/2014/main" xmlns="" id="{AFAEFE12-CFF9-2E00-9808-098A1D824723}"/>
+                <a16:creationId xmlns="" xmlns:a16="http://schemas.microsoft.com/office/drawing/2014/main" id="{AFAEFE12-CFF9-2E00-9808-098A1D824723}"/>
               </a:ext>
             </a:extLst>
           </p:cNvPr>
@@ -2905,7 +2909,7 @@
           <p:cNvPr id="4" name="Slide Number Placeholder 3">
             <a:extLst>
               <a:ext uri="{FF2B5EF4-FFF2-40B4-BE49-F238E27FC236}">
-                <a16:creationId xmlns:a16="http://schemas.microsoft.com/office/drawing/2014/main" xmlns="" id="{85084F94-5BAE-E3B2-298D-1E3D1D48D1F6}"/>
+                <a16:creationId xmlns="" xmlns:a16="http://schemas.microsoft.com/office/drawing/2014/main" id="{85084F94-5BAE-E3B2-298D-1E3D1D48D1F6}"/>
               </a:ext>
             </a:extLst>
           </p:cNvPr>
@@ -2950,7 +2954,7 @@
         <p:cNvPr id="1" name="">
           <a:extLst>
             <a:ext uri="{FF2B5EF4-FFF2-40B4-BE49-F238E27FC236}">
-              <a16:creationId xmlns:a16="http://schemas.microsoft.com/office/drawing/2014/main" xmlns="" id="{84847B3D-F9FE-E845-0A9E-7B3E4737F607}"/>
+              <a16:creationId xmlns="" xmlns:a16="http://schemas.microsoft.com/office/drawing/2014/main" id="{84847B3D-F9FE-E845-0A9E-7B3E4737F607}"/>
             </a:ext>
           </a:extLst>
         </p:cNvPr>
@@ -2970,7 +2974,7 @@
           <p:cNvPr id="2" name="Slide Image Placeholder 1">
             <a:extLst>
               <a:ext uri="{FF2B5EF4-FFF2-40B4-BE49-F238E27FC236}">
-                <a16:creationId xmlns:a16="http://schemas.microsoft.com/office/drawing/2014/main" xmlns="" id="{A65C55DC-40F4-B8B2-A44F-CEE7EA9104C1}"/>
+                <a16:creationId xmlns="" xmlns:a16="http://schemas.microsoft.com/office/drawing/2014/main" id="{A65C55DC-40F4-B8B2-A44F-CEE7EA9104C1}"/>
               </a:ext>
             </a:extLst>
           </p:cNvPr>
@@ -2988,7 +2992,7 @@
           <p:cNvPr id="3" name="Notes Placeholder 2">
             <a:extLst>
               <a:ext uri="{FF2B5EF4-FFF2-40B4-BE49-F238E27FC236}">
-                <a16:creationId xmlns:a16="http://schemas.microsoft.com/office/drawing/2014/main" xmlns="" id="{AFAEFE12-CFF9-2E00-9808-098A1D824723}"/>
+                <a16:creationId xmlns="" xmlns:a16="http://schemas.microsoft.com/office/drawing/2014/main" id="{AFAEFE12-CFF9-2E00-9808-098A1D824723}"/>
               </a:ext>
             </a:extLst>
           </p:cNvPr>
@@ -3013,7 +3017,7 @@
           <p:cNvPr id="4" name="Slide Number Placeholder 3">
             <a:extLst>
               <a:ext uri="{FF2B5EF4-FFF2-40B4-BE49-F238E27FC236}">
-                <a16:creationId xmlns:a16="http://schemas.microsoft.com/office/drawing/2014/main" xmlns="" id="{85084F94-5BAE-E3B2-298D-1E3D1D48D1F6}"/>
+                <a16:creationId xmlns="" xmlns:a16="http://schemas.microsoft.com/office/drawing/2014/main" id="{85084F94-5BAE-E3B2-298D-1E3D1D48D1F6}"/>
               </a:ext>
             </a:extLst>
           </p:cNvPr>
@@ -3058,7 +3062,7 @@
         <p:cNvPr id="1" name="">
           <a:extLst>
             <a:ext uri="{FF2B5EF4-FFF2-40B4-BE49-F238E27FC236}">
-              <a16:creationId xmlns:a16="http://schemas.microsoft.com/office/drawing/2014/main" xmlns="" id="{413E0E2F-FB5F-19AD-18FD-02AFD3C3D2A7}"/>
+              <a16:creationId xmlns="" xmlns:a16="http://schemas.microsoft.com/office/drawing/2014/main" id="{413E0E2F-FB5F-19AD-18FD-02AFD3C3D2A7}"/>
             </a:ext>
           </a:extLst>
         </p:cNvPr>
@@ -3078,7 +3082,7 @@
           <p:cNvPr id="2" name="Slide Image Placeholder 1">
             <a:extLst>
               <a:ext uri="{FF2B5EF4-FFF2-40B4-BE49-F238E27FC236}">
-                <a16:creationId xmlns:a16="http://schemas.microsoft.com/office/drawing/2014/main" xmlns="" id="{7836B388-51EF-10FA-3783-0696B2AF7329}"/>
+                <a16:creationId xmlns="" xmlns:a16="http://schemas.microsoft.com/office/drawing/2014/main" id="{7836B388-51EF-10FA-3783-0696B2AF7329}"/>
               </a:ext>
             </a:extLst>
           </p:cNvPr>
@@ -3096,7 +3100,7 @@
           <p:cNvPr id="3" name="Notes Placeholder 2">
             <a:extLst>
               <a:ext uri="{FF2B5EF4-FFF2-40B4-BE49-F238E27FC236}">
-                <a16:creationId xmlns:a16="http://schemas.microsoft.com/office/drawing/2014/main" xmlns="" id="{31C1FAC0-00E4-5BDB-5727-4597CCDC9776}"/>
+                <a16:creationId xmlns="" xmlns:a16="http://schemas.microsoft.com/office/drawing/2014/main" id="{31C1FAC0-00E4-5BDB-5727-4597CCDC9776}"/>
               </a:ext>
             </a:extLst>
           </p:cNvPr>
@@ -3121,7 +3125,7 @@
           <p:cNvPr id="4" name="Slide Number Placeholder 3">
             <a:extLst>
               <a:ext uri="{FF2B5EF4-FFF2-40B4-BE49-F238E27FC236}">
-                <a16:creationId xmlns:a16="http://schemas.microsoft.com/office/drawing/2014/main" xmlns="" id="{387CD11C-29A5-A450-5B49-9B2C8F5A483A}"/>
+                <a16:creationId xmlns="" xmlns:a16="http://schemas.microsoft.com/office/drawing/2014/main" id="{387CD11C-29A5-A450-5B49-9B2C8F5A483A}"/>
               </a:ext>
             </a:extLst>
           </p:cNvPr>
@@ -3166,7 +3170,7 @@
         <p:cNvPr id="1" name="">
           <a:extLst>
             <a:ext uri="{FF2B5EF4-FFF2-40B4-BE49-F238E27FC236}">
-              <a16:creationId xmlns:a16="http://schemas.microsoft.com/office/drawing/2014/main" xmlns="" id="{84847B3D-F9FE-E845-0A9E-7B3E4737F607}"/>
+              <a16:creationId xmlns="" xmlns:a16="http://schemas.microsoft.com/office/drawing/2014/main" id="{84847B3D-F9FE-E845-0A9E-7B3E4737F607}"/>
             </a:ext>
           </a:extLst>
         </p:cNvPr>
@@ -3186,7 +3190,7 @@
           <p:cNvPr id="2" name="Slide Image Placeholder 1">
             <a:extLst>
               <a:ext uri="{FF2B5EF4-FFF2-40B4-BE49-F238E27FC236}">
-                <a16:creationId xmlns:a16="http://schemas.microsoft.com/office/drawing/2014/main" xmlns="" id="{A65C55DC-40F4-B8B2-A44F-CEE7EA9104C1}"/>
+                <a16:creationId xmlns="" xmlns:a16="http://schemas.microsoft.com/office/drawing/2014/main" id="{A65C55DC-40F4-B8B2-A44F-CEE7EA9104C1}"/>
               </a:ext>
             </a:extLst>
           </p:cNvPr>
@@ -3204,7 +3208,7 @@
           <p:cNvPr id="3" name="Notes Placeholder 2">
             <a:extLst>
               <a:ext uri="{FF2B5EF4-FFF2-40B4-BE49-F238E27FC236}">
-                <a16:creationId xmlns:a16="http://schemas.microsoft.com/office/drawing/2014/main" xmlns="" id="{AFAEFE12-CFF9-2E00-9808-098A1D824723}"/>
+                <a16:creationId xmlns="" xmlns:a16="http://schemas.microsoft.com/office/drawing/2014/main" id="{AFAEFE12-CFF9-2E00-9808-098A1D824723}"/>
               </a:ext>
             </a:extLst>
           </p:cNvPr>
@@ -3229,7 +3233,7 @@
           <p:cNvPr id="4" name="Slide Number Placeholder 3">
             <a:extLst>
               <a:ext uri="{FF2B5EF4-FFF2-40B4-BE49-F238E27FC236}">
-                <a16:creationId xmlns:a16="http://schemas.microsoft.com/office/drawing/2014/main" xmlns="" id="{85084F94-5BAE-E3B2-298D-1E3D1D48D1F6}"/>
+                <a16:creationId xmlns="" xmlns:a16="http://schemas.microsoft.com/office/drawing/2014/main" id="{85084F94-5BAE-E3B2-298D-1E3D1D48D1F6}"/>
               </a:ext>
             </a:extLst>
           </p:cNvPr>
@@ -3274,7 +3278,7 @@
         <p:cNvPr id="1" name="">
           <a:extLst>
             <a:ext uri="{FF2B5EF4-FFF2-40B4-BE49-F238E27FC236}">
-              <a16:creationId xmlns:a16="http://schemas.microsoft.com/office/drawing/2014/main" xmlns="" id="{84847B3D-F9FE-E845-0A9E-7B3E4737F607}"/>
+              <a16:creationId xmlns="" xmlns:a16="http://schemas.microsoft.com/office/drawing/2014/main" id="{84847B3D-F9FE-E845-0A9E-7B3E4737F607}"/>
             </a:ext>
           </a:extLst>
         </p:cNvPr>
@@ -3294,7 +3298,7 @@
           <p:cNvPr id="2" name="Slide Image Placeholder 1">
             <a:extLst>
               <a:ext uri="{FF2B5EF4-FFF2-40B4-BE49-F238E27FC236}">
-                <a16:creationId xmlns:a16="http://schemas.microsoft.com/office/drawing/2014/main" xmlns="" id="{A65C55DC-40F4-B8B2-A44F-CEE7EA9104C1}"/>
+                <a16:creationId xmlns="" xmlns:a16="http://schemas.microsoft.com/office/drawing/2014/main" id="{A65C55DC-40F4-B8B2-A44F-CEE7EA9104C1}"/>
               </a:ext>
             </a:extLst>
           </p:cNvPr>
@@ -3312,7 +3316,7 @@
           <p:cNvPr id="3" name="Notes Placeholder 2">
             <a:extLst>
               <a:ext uri="{FF2B5EF4-FFF2-40B4-BE49-F238E27FC236}">
-                <a16:creationId xmlns:a16="http://schemas.microsoft.com/office/drawing/2014/main" xmlns="" id="{AFAEFE12-CFF9-2E00-9808-098A1D824723}"/>
+                <a16:creationId xmlns="" xmlns:a16="http://schemas.microsoft.com/office/drawing/2014/main" id="{AFAEFE12-CFF9-2E00-9808-098A1D824723}"/>
               </a:ext>
             </a:extLst>
           </p:cNvPr>
@@ -3337,7 +3341,7 @@
           <p:cNvPr id="4" name="Slide Number Placeholder 3">
             <a:extLst>
               <a:ext uri="{FF2B5EF4-FFF2-40B4-BE49-F238E27FC236}">
-                <a16:creationId xmlns:a16="http://schemas.microsoft.com/office/drawing/2014/main" xmlns="" id="{85084F94-5BAE-E3B2-298D-1E3D1D48D1F6}"/>
+                <a16:creationId xmlns="" xmlns:a16="http://schemas.microsoft.com/office/drawing/2014/main" id="{85084F94-5BAE-E3B2-298D-1E3D1D48D1F6}"/>
               </a:ext>
             </a:extLst>
           </p:cNvPr>
@@ -3382,7 +3386,7 @@
         <p:cNvPr id="1" name="">
           <a:extLst>
             <a:ext uri="{FF2B5EF4-FFF2-40B4-BE49-F238E27FC236}">
-              <a16:creationId xmlns:a16="http://schemas.microsoft.com/office/drawing/2014/main" xmlns="" id="{84847B3D-F9FE-E845-0A9E-7B3E4737F607}"/>
+              <a16:creationId xmlns="" xmlns:a16="http://schemas.microsoft.com/office/drawing/2014/main" id="{84847B3D-F9FE-E845-0A9E-7B3E4737F607}"/>
             </a:ext>
           </a:extLst>
         </p:cNvPr>
@@ -3402,7 +3406,7 @@
           <p:cNvPr id="2" name="Slide Image Placeholder 1">
             <a:extLst>
               <a:ext uri="{FF2B5EF4-FFF2-40B4-BE49-F238E27FC236}">
-                <a16:creationId xmlns:a16="http://schemas.microsoft.com/office/drawing/2014/main" xmlns="" id="{A65C55DC-40F4-B8B2-A44F-CEE7EA9104C1}"/>
+                <a16:creationId xmlns="" xmlns:a16="http://schemas.microsoft.com/office/drawing/2014/main" id="{A65C55DC-40F4-B8B2-A44F-CEE7EA9104C1}"/>
               </a:ext>
             </a:extLst>
           </p:cNvPr>
@@ -3420,7 +3424,7 @@
           <p:cNvPr id="3" name="Notes Placeholder 2">
             <a:extLst>
               <a:ext uri="{FF2B5EF4-FFF2-40B4-BE49-F238E27FC236}">
-                <a16:creationId xmlns:a16="http://schemas.microsoft.com/office/drawing/2014/main" xmlns="" id="{AFAEFE12-CFF9-2E00-9808-098A1D824723}"/>
+                <a16:creationId xmlns="" xmlns:a16="http://schemas.microsoft.com/office/drawing/2014/main" id="{AFAEFE12-CFF9-2E00-9808-098A1D824723}"/>
               </a:ext>
             </a:extLst>
           </p:cNvPr>
@@ -3445,7 +3449,7 @@
           <p:cNvPr id="4" name="Slide Number Placeholder 3">
             <a:extLst>
               <a:ext uri="{FF2B5EF4-FFF2-40B4-BE49-F238E27FC236}">
-                <a16:creationId xmlns:a16="http://schemas.microsoft.com/office/drawing/2014/main" xmlns="" id="{85084F94-5BAE-E3B2-298D-1E3D1D48D1F6}"/>
+                <a16:creationId xmlns="" xmlns:a16="http://schemas.microsoft.com/office/drawing/2014/main" id="{85084F94-5BAE-E3B2-298D-1E3D1D48D1F6}"/>
               </a:ext>
             </a:extLst>
           </p:cNvPr>
@@ -3490,7 +3494,7 @@
         <p:cNvPr id="1" name="">
           <a:extLst>
             <a:ext uri="{FF2B5EF4-FFF2-40B4-BE49-F238E27FC236}">
-              <a16:creationId xmlns:a16="http://schemas.microsoft.com/office/drawing/2014/main" xmlns="" id="{84F15084-9E64-0732-2172-D06E24D20324}"/>
+              <a16:creationId xmlns="" xmlns:a16="http://schemas.microsoft.com/office/drawing/2014/main" id="{84847B3D-F9FE-E845-0A9E-7B3E4737F607}"/>
             </a:ext>
           </a:extLst>
         </p:cNvPr>
@@ -3510,7 +3514,7 @@
           <p:cNvPr id="2" name="Slide Image Placeholder 1">
             <a:extLst>
               <a:ext uri="{FF2B5EF4-FFF2-40B4-BE49-F238E27FC236}">
-                <a16:creationId xmlns:a16="http://schemas.microsoft.com/office/drawing/2014/main" xmlns="" id="{7CCBBEEF-0F58-7DB2-13AB-6DAFC52BE070}"/>
+                <a16:creationId xmlns="" xmlns:a16="http://schemas.microsoft.com/office/drawing/2014/main" id="{A65C55DC-40F4-B8B2-A44F-CEE7EA9104C1}"/>
               </a:ext>
             </a:extLst>
           </p:cNvPr>
@@ -3528,7 +3532,7 @@
           <p:cNvPr id="3" name="Notes Placeholder 2">
             <a:extLst>
               <a:ext uri="{FF2B5EF4-FFF2-40B4-BE49-F238E27FC236}">
-                <a16:creationId xmlns:a16="http://schemas.microsoft.com/office/drawing/2014/main" xmlns="" id="{C62C92A2-0E82-6EA1-AA1F-C125D6D8C6A8}"/>
+                <a16:creationId xmlns="" xmlns:a16="http://schemas.microsoft.com/office/drawing/2014/main" id="{AFAEFE12-CFF9-2E00-9808-098A1D824723}"/>
               </a:ext>
             </a:extLst>
           </p:cNvPr>
@@ -3544,7 +3548,7 @@
           <a:bodyPr/>
           <a:lstStyle/>
           <a:p>
-            <a:endParaRPr lang="en-US"/>
+            <a:endParaRPr lang="en-US" dirty="0"/>
           </a:p>
         </p:txBody>
       </p:sp>
@@ -3553,7 +3557,7 @@
           <p:cNvPr id="4" name="Slide Number Placeholder 3">
             <a:extLst>
               <a:ext uri="{FF2B5EF4-FFF2-40B4-BE49-F238E27FC236}">
-                <a16:creationId xmlns:a16="http://schemas.microsoft.com/office/drawing/2014/main" xmlns="" id="{F80306BD-3757-CA40-4082-AACA5F6DB656}"/>
+                <a16:creationId xmlns="" xmlns:a16="http://schemas.microsoft.com/office/drawing/2014/main" id="{85084F94-5BAE-E3B2-298D-1E3D1D48D1F6}"/>
               </a:ext>
             </a:extLst>
           </p:cNvPr>
@@ -3572,6 +3576,438 @@
             <a:fld id="{55247812-3409-784D-BAE7-ABE53735D59F}" type="slidenum">
               <a:rPr lang="en-US" smtClean="0"/>
               <a:t>34</a:t>
+            </a:fld>
+            <a:endParaRPr lang="en-US"/>
+          </a:p>
+        </p:txBody>
+      </p:sp>
+    </p:spTree>
+    <p:extLst>
+      <p:ext uri="{BB962C8B-B14F-4D97-AF65-F5344CB8AC3E}">
+        <p14:creationId xmlns:p14="http://schemas.microsoft.com/office/powerpoint/2010/main" val="1899534547"/>
+      </p:ext>
+    </p:extLst>
+  </p:cSld>
+  <p:clrMapOvr>
+    <a:masterClrMapping/>
+  </p:clrMapOvr>
+</p:notes>
+</file>
+
+<file path=ppt/notesSlides/notesSlide34.xml><?xml version="1.0" encoding="utf-8"?>
+<p:notes xmlns:a="http://schemas.openxmlformats.org/drawingml/2006/main" xmlns:r="http://schemas.openxmlformats.org/officeDocument/2006/relationships" xmlns:p="http://schemas.openxmlformats.org/presentationml/2006/main">
+  <p:cSld>
+    <p:spTree>
+      <p:nvGrpSpPr>
+        <p:cNvPr id="1" name="">
+          <a:extLst>
+            <a:ext uri="{FF2B5EF4-FFF2-40B4-BE49-F238E27FC236}">
+              <a16:creationId xmlns="" xmlns:a16="http://schemas.microsoft.com/office/drawing/2014/main" id="{84847B3D-F9FE-E845-0A9E-7B3E4737F607}"/>
+            </a:ext>
+          </a:extLst>
+        </p:cNvPr>
+        <p:cNvGrpSpPr/>
+        <p:nvPr/>
+      </p:nvGrpSpPr>
+      <p:grpSpPr>
+        <a:xfrm>
+          <a:off x="0" y="0"/>
+          <a:ext cx="0" cy="0"/>
+          <a:chOff x="0" y="0"/>
+          <a:chExt cx="0" cy="0"/>
+        </a:xfrm>
+      </p:grpSpPr>
+      <p:sp>
+        <p:nvSpPr>
+          <p:cNvPr id="2" name="Slide Image Placeholder 1">
+            <a:extLst>
+              <a:ext uri="{FF2B5EF4-FFF2-40B4-BE49-F238E27FC236}">
+                <a16:creationId xmlns="" xmlns:a16="http://schemas.microsoft.com/office/drawing/2014/main" id="{A65C55DC-40F4-B8B2-A44F-CEE7EA9104C1}"/>
+              </a:ext>
+            </a:extLst>
+          </p:cNvPr>
+          <p:cNvSpPr>
+            <a:spLocks noGrp="1" noRot="1" noChangeAspect="1"/>
+          </p:cNvSpPr>
+          <p:nvPr>
+            <p:ph type="sldImg"/>
+          </p:nvPr>
+        </p:nvSpPr>
+        <p:spPr/>
+      </p:sp>
+      <p:sp>
+        <p:nvSpPr>
+          <p:cNvPr id="3" name="Notes Placeholder 2">
+            <a:extLst>
+              <a:ext uri="{FF2B5EF4-FFF2-40B4-BE49-F238E27FC236}">
+                <a16:creationId xmlns="" xmlns:a16="http://schemas.microsoft.com/office/drawing/2014/main" id="{AFAEFE12-CFF9-2E00-9808-098A1D824723}"/>
+              </a:ext>
+            </a:extLst>
+          </p:cNvPr>
+          <p:cNvSpPr>
+            <a:spLocks noGrp="1"/>
+          </p:cNvSpPr>
+          <p:nvPr>
+            <p:ph type="body" idx="1"/>
+          </p:nvPr>
+        </p:nvSpPr>
+        <p:spPr/>
+        <p:txBody>
+          <a:bodyPr/>
+          <a:lstStyle/>
+          <a:p>
+            <a:endParaRPr lang="en-US" dirty="0"/>
+          </a:p>
+        </p:txBody>
+      </p:sp>
+      <p:sp>
+        <p:nvSpPr>
+          <p:cNvPr id="4" name="Slide Number Placeholder 3">
+            <a:extLst>
+              <a:ext uri="{FF2B5EF4-FFF2-40B4-BE49-F238E27FC236}">
+                <a16:creationId xmlns="" xmlns:a16="http://schemas.microsoft.com/office/drawing/2014/main" id="{85084F94-5BAE-E3B2-298D-1E3D1D48D1F6}"/>
+              </a:ext>
+            </a:extLst>
+          </p:cNvPr>
+          <p:cNvSpPr>
+            <a:spLocks noGrp="1"/>
+          </p:cNvSpPr>
+          <p:nvPr>
+            <p:ph type="sldNum" sz="quarter" idx="5"/>
+          </p:nvPr>
+        </p:nvSpPr>
+        <p:spPr/>
+        <p:txBody>
+          <a:bodyPr/>
+          <a:lstStyle/>
+          <a:p>
+            <a:fld id="{55247812-3409-784D-BAE7-ABE53735D59F}" type="slidenum">
+              <a:rPr lang="en-US" smtClean="0"/>
+              <a:t>35</a:t>
+            </a:fld>
+            <a:endParaRPr lang="en-US"/>
+          </a:p>
+        </p:txBody>
+      </p:sp>
+    </p:spTree>
+    <p:extLst>
+      <p:ext uri="{BB962C8B-B14F-4D97-AF65-F5344CB8AC3E}">
+        <p14:creationId xmlns:p14="http://schemas.microsoft.com/office/powerpoint/2010/main" val="1899534547"/>
+      </p:ext>
+    </p:extLst>
+  </p:cSld>
+  <p:clrMapOvr>
+    <a:masterClrMapping/>
+  </p:clrMapOvr>
+</p:notes>
+</file>
+
+<file path=ppt/notesSlides/notesSlide35.xml><?xml version="1.0" encoding="utf-8"?>
+<p:notes xmlns:a="http://schemas.openxmlformats.org/drawingml/2006/main" xmlns:r="http://schemas.openxmlformats.org/officeDocument/2006/relationships" xmlns:p="http://schemas.openxmlformats.org/presentationml/2006/main">
+  <p:cSld>
+    <p:spTree>
+      <p:nvGrpSpPr>
+        <p:cNvPr id="1" name="">
+          <a:extLst>
+            <a:ext uri="{FF2B5EF4-FFF2-40B4-BE49-F238E27FC236}">
+              <a16:creationId xmlns="" xmlns:a16="http://schemas.microsoft.com/office/drawing/2014/main" id="{84847B3D-F9FE-E845-0A9E-7B3E4737F607}"/>
+            </a:ext>
+          </a:extLst>
+        </p:cNvPr>
+        <p:cNvGrpSpPr/>
+        <p:nvPr/>
+      </p:nvGrpSpPr>
+      <p:grpSpPr>
+        <a:xfrm>
+          <a:off x="0" y="0"/>
+          <a:ext cx="0" cy="0"/>
+          <a:chOff x="0" y="0"/>
+          <a:chExt cx="0" cy="0"/>
+        </a:xfrm>
+      </p:grpSpPr>
+      <p:sp>
+        <p:nvSpPr>
+          <p:cNvPr id="2" name="Slide Image Placeholder 1">
+            <a:extLst>
+              <a:ext uri="{FF2B5EF4-FFF2-40B4-BE49-F238E27FC236}">
+                <a16:creationId xmlns="" xmlns:a16="http://schemas.microsoft.com/office/drawing/2014/main" id="{A65C55DC-40F4-B8B2-A44F-CEE7EA9104C1}"/>
+              </a:ext>
+            </a:extLst>
+          </p:cNvPr>
+          <p:cNvSpPr>
+            <a:spLocks noGrp="1" noRot="1" noChangeAspect="1"/>
+          </p:cNvSpPr>
+          <p:nvPr>
+            <p:ph type="sldImg"/>
+          </p:nvPr>
+        </p:nvSpPr>
+        <p:spPr/>
+      </p:sp>
+      <p:sp>
+        <p:nvSpPr>
+          <p:cNvPr id="3" name="Notes Placeholder 2">
+            <a:extLst>
+              <a:ext uri="{FF2B5EF4-FFF2-40B4-BE49-F238E27FC236}">
+                <a16:creationId xmlns="" xmlns:a16="http://schemas.microsoft.com/office/drawing/2014/main" id="{AFAEFE12-CFF9-2E00-9808-098A1D824723}"/>
+              </a:ext>
+            </a:extLst>
+          </p:cNvPr>
+          <p:cNvSpPr>
+            <a:spLocks noGrp="1"/>
+          </p:cNvSpPr>
+          <p:nvPr>
+            <p:ph type="body" idx="1"/>
+          </p:nvPr>
+        </p:nvSpPr>
+        <p:spPr/>
+        <p:txBody>
+          <a:bodyPr/>
+          <a:lstStyle/>
+          <a:p>
+            <a:endParaRPr lang="en-US" dirty="0"/>
+          </a:p>
+        </p:txBody>
+      </p:sp>
+      <p:sp>
+        <p:nvSpPr>
+          <p:cNvPr id="4" name="Slide Number Placeholder 3">
+            <a:extLst>
+              <a:ext uri="{FF2B5EF4-FFF2-40B4-BE49-F238E27FC236}">
+                <a16:creationId xmlns="" xmlns:a16="http://schemas.microsoft.com/office/drawing/2014/main" id="{85084F94-5BAE-E3B2-298D-1E3D1D48D1F6}"/>
+              </a:ext>
+            </a:extLst>
+          </p:cNvPr>
+          <p:cNvSpPr>
+            <a:spLocks noGrp="1"/>
+          </p:cNvSpPr>
+          <p:nvPr>
+            <p:ph type="sldNum" sz="quarter" idx="5"/>
+          </p:nvPr>
+        </p:nvSpPr>
+        <p:spPr/>
+        <p:txBody>
+          <a:bodyPr/>
+          <a:lstStyle/>
+          <a:p>
+            <a:fld id="{55247812-3409-784D-BAE7-ABE53735D59F}" type="slidenum">
+              <a:rPr lang="en-US" smtClean="0"/>
+              <a:t>36</a:t>
+            </a:fld>
+            <a:endParaRPr lang="en-US"/>
+          </a:p>
+        </p:txBody>
+      </p:sp>
+    </p:spTree>
+    <p:extLst>
+      <p:ext uri="{BB962C8B-B14F-4D97-AF65-F5344CB8AC3E}">
+        <p14:creationId xmlns:p14="http://schemas.microsoft.com/office/powerpoint/2010/main" val="1899534547"/>
+      </p:ext>
+    </p:extLst>
+  </p:cSld>
+  <p:clrMapOvr>
+    <a:masterClrMapping/>
+  </p:clrMapOvr>
+</p:notes>
+</file>
+
+<file path=ppt/notesSlides/notesSlide36.xml><?xml version="1.0" encoding="utf-8"?>
+<p:notes xmlns:a="http://schemas.openxmlformats.org/drawingml/2006/main" xmlns:r="http://schemas.openxmlformats.org/officeDocument/2006/relationships" xmlns:p="http://schemas.openxmlformats.org/presentationml/2006/main">
+  <p:cSld>
+    <p:spTree>
+      <p:nvGrpSpPr>
+        <p:cNvPr id="1" name="">
+          <a:extLst>
+            <a:ext uri="{FF2B5EF4-FFF2-40B4-BE49-F238E27FC236}">
+              <a16:creationId xmlns="" xmlns:a16="http://schemas.microsoft.com/office/drawing/2014/main" id="{84847B3D-F9FE-E845-0A9E-7B3E4737F607}"/>
+            </a:ext>
+          </a:extLst>
+        </p:cNvPr>
+        <p:cNvGrpSpPr/>
+        <p:nvPr/>
+      </p:nvGrpSpPr>
+      <p:grpSpPr>
+        <a:xfrm>
+          <a:off x="0" y="0"/>
+          <a:ext cx="0" cy="0"/>
+          <a:chOff x="0" y="0"/>
+          <a:chExt cx="0" cy="0"/>
+        </a:xfrm>
+      </p:grpSpPr>
+      <p:sp>
+        <p:nvSpPr>
+          <p:cNvPr id="2" name="Slide Image Placeholder 1">
+            <a:extLst>
+              <a:ext uri="{FF2B5EF4-FFF2-40B4-BE49-F238E27FC236}">
+                <a16:creationId xmlns="" xmlns:a16="http://schemas.microsoft.com/office/drawing/2014/main" id="{A65C55DC-40F4-B8B2-A44F-CEE7EA9104C1}"/>
+              </a:ext>
+            </a:extLst>
+          </p:cNvPr>
+          <p:cNvSpPr>
+            <a:spLocks noGrp="1" noRot="1" noChangeAspect="1"/>
+          </p:cNvSpPr>
+          <p:nvPr>
+            <p:ph type="sldImg"/>
+          </p:nvPr>
+        </p:nvSpPr>
+        <p:spPr/>
+      </p:sp>
+      <p:sp>
+        <p:nvSpPr>
+          <p:cNvPr id="3" name="Notes Placeholder 2">
+            <a:extLst>
+              <a:ext uri="{FF2B5EF4-FFF2-40B4-BE49-F238E27FC236}">
+                <a16:creationId xmlns="" xmlns:a16="http://schemas.microsoft.com/office/drawing/2014/main" id="{AFAEFE12-CFF9-2E00-9808-098A1D824723}"/>
+              </a:ext>
+            </a:extLst>
+          </p:cNvPr>
+          <p:cNvSpPr>
+            <a:spLocks noGrp="1"/>
+          </p:cNvSpPr>
+          <p:nvPr>
+            <p:ph type="body" idx="1"/>
+          </p:nvPr>
+        </p:nvSpPr>
+        <p:spPr/>
+        <p:txBody>
+          <a:bodyPr/>
+          <a:lstStyle/>
+          <a:p>
+            <a:endParaRPr lang="en-US" dirty="0"/>
+          </a:p>
+        </p:txBody>
+      </p:sp>
+      <p:sp>
+        <p:nvSpPr>
+          <p:cNvPr id="4" name="Slide Number Placeholder 3">
+            <a:extLst>
+              <a:ext uri="{FF2B5EF4-FFF2-40B4-BE49-F238E27FC236}">
+                <a16:creationId xmlns="" xmlns:a16="http://schemas.microsoft.com/office/drawing/2014/main" id="{85084F94-5BAE-E3B2-298D-1E3D1D48D1F6}"/>
+              </a:ext>
+            </a:extLst>
+          </p:cNvPr>
+          <p:cNvSpPr>
+            <a:spLocks noGrp="1"/>
+          </p:cNvSpPr>
+          <p:nvPr>
+            <p:ph type="sldNum" sz="quarter" idx="5"/>
+          </p:nvPr>
+        </p:nvSpPr>
+        <p:spPr/>
+        <p:txBody>
+          <a:bodyPr/>
+          <a:lstStyle/>
+          <a:p>
+            <a:fld id="{55247812-3409-784D-BAE7-ABE53735D59F}" type="slidenum">
+              <a:rPr lang="en-US" smtClean="0"/>
+              <a:t>37</a:t>
+            </a:fld>
+            <a:endParaRPr lang="en-US"/>
+          </a:p>
+        </p:txBody>
+      </p:sp>
+    </p:spTree>
+    <p:extLst>
+      <p:ext uri="{BB962C8B-B14F-4D97-AF65-F5344CB8AC3E}">
+        <p14:creationId xmlns:p14="http://schemas.microsoft.com/office/powerpoint/2010/main" val="1899534547"/>
+      </p:ext>
+    </p:extLst>
+  </p:cSld>
+  <p:clrMapOvr>
+    <a:masterClrMapping/>
+  </p:clrMapOvr>
+</p:notes>
+</file>
+
+<file path=ppt/notesSlides/notesSlide37.xml><?xml version="1.0" encoding="utf-8"?>
+<p:notes xmlns:a="http://schemas.openxmlformats.org/drawingml/2006/main" xmlns:r="http://schemas.openxmlformats.org/officeDocument/2006/relationships" xmlns:p="http://schemas.openxmlformats.org/presentationml/2006/main">
+  <p:cSld>
+    <p:spTree>
+      <p:nvGrpSpPr>
+        <p:cNvPr id="1" name="">
+          <a:extLst>
+            <a:ext uri="{FF2B5EF4-FFF2-40B4-BE49-F238E27FC236}">
+              <a16:creationId xmlns="" xmlns:a16="http://schemas.microsoft.com/office/drawing/2014/main" id="{84F15084-9E64-0732-2172-D06E24D20324}"/>
+            </a:ext>
+          </a:extLst>
+        </p:cNvPr>
+        <p:cNvGrpSpPr/>
+        <p:nvPr/>
+      </p:nvGrpSpPr>
+      <p:grpSpPr>
+        <a:xfrm>
+          <a:off x="0" y="0"/>
+          <a:ext cx="0" cy="0"/>
+          <a:chOff x="0" y="0"/>
+          <a:chExt cx="0" cy="0"/>
+        </a:xfrm>
+      </p:grpSpPr>
+      <p:sp>
+        <p:nvSpPr>
+          <p:cNvPr id="2" name="Slide Image Placeholder 1">
+            <a:extLst>
+              <a:ext uri="{FF2B5EF4-FFF2-40B4-BE49-F238E27FC236}">
+                <a16:creationId xmlns="" xmlns:a16="http://schemas.microsoft.com/office/drawing/2014/main" id="{7CCBBEEF-0F58-7DB2-13AB-6DAFC52BE070}"/>
+              </a:ext>
+            </a:extLst>
+          </p:cNvPr>
+          <p:cNvSpPr>
+            <a:spLocks noGrp="1" noRot="1" noChangeAspect="1"/>
+          </p:cNvSpPr>
+          <p:nvPr>
+            <p:ph type="sldImg"/>
+          </p:nvPr>
+        </p:nvSpPr>
+        <p:spPr/>
+      </p:sp>
+      <p:sp>
+        <p:nvSpPr>
+          <p:cNvPr id="3" name="Notes Placeholder 2">
+            <a:extLst>
+              <a:ext uri="{FF2B5EF4-FFF2-40B4-BE49-F238E27FC236}">
+                <a16:creationId xmlns="" xmlns:a16="http://schemas.microsoft.com/office/drawing/2014/main" id="{C62C92A2-0E82-6EA1-AA1F-C125D6D8C6A8}"/>
+              </a:ext>
+            </a:extLst>
+          </p:cNvPr>
+          <p:cNvSpPr>
+            <a:spLocks noGrp="1"/>
+          </p:cNvSpPr>
+          <p:nvPr>
+            <p:ph type="body" idx="1"/>
+          </p:nvPr>
+        </p:nvSpPr>
+        <p:spPr/>
+        <p:txBody>
+          <a:bodyPr/>
+          <a:lstStyle/>
+          <a:p>
+            <a:endParaRPr lang="en-US"/>
+          </a:p>
+        </p:txBody>
+      </p:sp>
+      <p:sp>
+        <p:nvSpPr>
+          <p:cNvPr id="4" name="Slide Number Placeholder 3">
+            <a:extLst>
+              <a:ext uri="{FF2B5EF4-FFF2-40B4-BE49-F238E27FC236}">
+                <a16:creationId xmlns="" xmlns:a16="http://schemas.microsoft.com/office/drawing/2014/main" id="{F80306BD-3757-CA40-4082-AACA5F6DB656}"/>
+              </a:ext>
+            </a:extLst>
+          </p:cNvPr>
+          <p:cNvSpPr>
+            <a:spLocks noGrp="1"/>
+          </p:cNvSpPr>
+          <p:nvPr>
+            <p:ph type="sldNum" sz="quarter" idx="5"/>
+          </p:nvPr>
+        </p:nvSpPr>
+        <p:spPr/>
+        <p:txBody>
+          <a:bodyPr/>
+          <a:lstStyle/>
+          <a:p>
+            <a:fld id="{55247812-3409-784D-BAE7-ABE53735D59F}" type="slidenum">
+              <a:rPr lang="en-US" smtClean="0"/>
+              <a:t>38</a:t>
             </a:fld>
             <a:endParaRPr lang="en-US"/>
           </a:p>
@@ -3598,7 +4034,7 @@
         <p:cNvPr id="1" name="">
           <a:extLst>
             <a:ext uri="{FF2B5EF4-FFF2-40B4-BE49-F238E27FC236}">
-              <a16:creationId xmlns:a16="http://schemas.microsoft.com/office/drawing/2014/main" xmlns="" id="{32CDD179-4403-A07F-630C-A153B2FB9440}"/>
+              <a16:creationId xmlns="" xmlns:a16="http://schemas.microsoft.com/office/drawing/2014/main" id="{32CDD179-4403-A07F-630C-A153B2FB9440}"/>
             </a:ext>
           </a:extLst>
         </p:cNvPr>
@@ -3618,7 +4054,7 @@
           <p:cNvPr id="2" name="Slide Image Placeholder 1">
             <a:extLst>
               <a:ext uri="{FF2B5EF4-FFF2-40B4-BE49-F238E27FC236}">
-                <a16:creationId xmlns:a16="http://schemas.microsoft.com/office/drawing/2014/main" xmlns="" id="{C5371C59-0780-417A-50AE-5F81ED51E3DD}"/>
+                <a16:creationId xmlns="" xmlns:a16="http://schemas.microsoft.com/office/drawing/2014/main" id="{C5371C59-0780-417A-50AE-5F81ED51E3DD}"/>
               </a:ext>
             </a:extLst>
           </p:cNvPr>
@@ -3636,7 +4072,7 @@
           <p:cNvPr id="3" name="Notes Placeholder 2">
             <a:extLst>
               <a:ext uri="{FF2B5EF4-FFF2-40B4-BE49-F238E27FC236}">
-                <a16:creationId xmlns:a16="http://schemas.microsoft.com/office/drawing/2014/main" xmlns="" id="{3877DC73-D2E6-4C8A-5B32-AAE3B3DEC3E1}"/>
+                <a16:creationId xmlns="" xmlns:a16="http://schemas.microsoft.com/office/drawing/2014/main" id="{3877DC73-D2E6-4C8A-5B32-AAE3B3DEC3E1}"/>
               </a:ext>
             </a:extLst>
           </p:cNvPr>
@@ -3661,7 +4097,7 @@
           <p:cNvPr id="4" name="Slide Number Placeholder 3">
             <a:extLst>
               <a:ext uri="{FF2B5EF4-FFF2-40B4-BE49-F238E27FC236}">
-                <a16:creationId xmlns:a16="http://schemas.microsoft.com/office/drawing/2014/main" xmlns="" id="{A53F2668-F7D8-0DD8-090D-8D685CDFDF82}"/>
+                <a16:creationId xmlns="" xmlns:a16="http://schemas.microsoft.com/office/drawing/2014/main" id="{A53F2668-F7D8-0DD8-090D-8D685CDFDF82}"/>
               </a:ext>
             </a:extLst>
           </p:cNvPr>
@@ -3706,7 +4142,7 @@
         <p:cNvPr id="1" name="">
           <a:extLst>
             <a:ext uri="{FF2B5EF4-FFF2-40B4-BE49-F238E27FC236}">
-              <a16:creationId xmlns:a16="http://schemas.microsoft.com/office/drawing/2014/main" xmlns="" id="{611B77C4-0D39-64D6-A86B-642112E29695}"/>
+              <a16:creationId xmlns="" xmlns:a16="http://schemas.microsoft.com/office/drawing/2014/main" id="{611B77C4-0D39-64D6-A86B-642112E29695}"/>
             </a:ext>
           </a:extLst>
         </p:cNvPr>
@@ -3726,7 +4162,7 @@
           <p:cNvPr id="2" name="Slide Image Placeholder 1">
             <a:extLst>
               <a:ext uri="{FF2B5EF4-FFF2-40B4-BE49-F238E27FC236}">
-                <a16:creationId xmlns:a16="http://schemas.microsoft.com/office/drawing/2014/main" xmlns="" id="{248CF8F3-1596-3F28-5175-2E3D216F2B36}"/>
+                <a16:creationId xmlns="" xmlns:a16="http://schemas.microsoft.com/office/drawing/2014/main" id="{248CF8F3-1596-3F28-5175-2E3D216F2B36}"/>
               </a:ext>
             </a:extLst>
           </p:cNvPr>
@@ -3744,7 +4180,7 @@
           <p:cNvPr id="3" name="Notes Placeholder 2">
             <a:extLst>
               <a:ext uri="{FF2B5EF4-FFF2-40B4-BE49-F238E27FC236}">
-                <a16:creationId xmlns:a16="http://schemas.microsoft.com/office/drawing/2014/main" xmlns="" id="{8DAF0CB2-EC6B-167D-32D1-6BCC4A35A007}"/>
+                <a16:creationId xmlns="" xmlns:a16="http://schemas.microsoft.com/office/drawing/2014/main" id="{8DAF0CB2-EC6B-167D-32D1-6BCC4A35A007}"/>
               </a:ext>
             </a:extLst>
           </p:cNvPr>
@@ -3769,7 +4205,7 @@
           <p:cNvPr id="4" name="Slide Number Placeholder 3">
             <a:extLst>
               <a:ext uri="{FF2B5EF4-FFF2-40B4-BE49-F238E27FC236}">
-                <a16:creationId xmlns:a16="http://schemas.microsoft.com/office/drawing/2014/main" xmlns="" id="{4B9C545A-1AD5-BFF5-B687-7B9BD552CC0D}"/>
+                <a16:creationId xmlns="" xmlns:a16="http://schemas.microsoft.com/office/drawing/2014/main" id="{4B9C545A-1AD5-BFF5-B687-7B9BD552CC0D}"/>
               </a:ext>
             </a:extLst>
           </p:cNvPr>
@@ -3814,7 +4250,7 @@
         <p:cNvPr id="1" name="">
           <a:extLst>
             <a:ext uri="{FF2B5EF4-FFF2-40B4-BE49-F238E27FC236}">
-              <a16:creationId xmlns:a16="http://schemas.microsoft.com/office/drawing/2014/main" xmlns="" id="{3E01EA9D-0D8E-B3B3-3471-A72EA7077645}"/>
+              <a16:creationId xmlns="" xmlns:a16="http://schemas.microsoft.com/office/drawing/2014/main" id="{3E01EA9D-0D8E-B3B3-3471-A72EA7077645}"/>
             </a:ext>
           </a:extLst>
         </p:cNvPr>
@@ -3834,7 +4270,7 @@
           <p:cNvPr id="2" name="Slide Image Placeholder 1">
             <a:extLst>
               <a:ext uri="{FF2B5EF4-FFF2-40B4-BE49-F238E27FC236}">
-                <a16:creationId xmlns:a16="http://schemas.microsoft.com/office/drawing/2014/main" xmlns="" id="{7B90D1D5-C864-5E4C-3C40-4D43E6C4296D}"/>
+                <a16:creationId xmlns="" xmlns:a16="http://schemas.microsoft.com/office/drawing/2014/main" id="{7B90D1D5-C864-5E4C-3C40-4D43E6C4296D}"/>
               </a:ext>
             </a:extLst>
           </p:cNvPr>
@@ -3852,7 +4288,7 @@
           <p:cNvPr id="3" name="Notes Placeholder 2">
             <a:extLst>
               <a:ext uri="{FF2B5EF4-FFF2-40B4-BE49-F238E27FC236}">
-                <a16:creationId xmlns:a16="http://schemas.microsoft.com/office/drawing/2014/main" xmlns="" id="{ED9CB586-8860-3BD8-3381-DA1CEFABC39B}"/>
+                <a16:creationId xmlns="" xmlns:a16="http://schemas.microsoft.com/office/drawing/2014/main" id="{ED9CB586-8860-3BD8-3381-DA1CEFABC39B}"/>
               </a:ext>
             </a:extLst>
           </p:cNvPr>
@@ -3877,7 +4313,7 @@
           <p:cNvPr id="4" name="Slide Number Placeholder 3">
             <a:extLst>
               <a:ext uri="{FF2B5EF4-FFF2-40B4-BE49-F238E27FC236}">
-                <a16:creationId xmlns:a16="http://schemas.microsoft.com/office/drawing/2014/main" xmlns="" id="{C0A432A5-CFDC-1082-A3A3-88230315F764}"/>
+                <a16:creationId xmlns="" xmlns:a16="http://schemas.microsoft.com/office/drawing/2014/main" id="{C0A432A5-CFDC-1082-A3A3-88230315F764}"/>
               </a:ext>
             </a:extLst>
           </p:cNvPr>
@@ -3922,7 +4358,7 @@
         <p:cNvPr id="1" name="">
           <a:extLst>
             <a:ext uri="{FF2B5EF4-FFF2-40B4-BE49-F238E27FC236}">
-              <a16:creationId xmlns:a16="http://schemas.microsoft.com/office/drawing/2014/main" xmlns="" id="{3E01EA9D-0D8E-B3B3-3471-A72EA7077645}"/>
+              <a16:creationId xmlns="" xmlns:a16="http://schemas.microsoft.com/office/drawing/2014/main" id="{3E01EA9D-0D8E-B3B3-3471-A72EA7077645}"/>
             </a:ext>
           </a:extLst>
         </p:cNvPr>
@@ -3942,7 +4378,7 @@
           <p:cNvPr id="2" name="Slide Image Placeholder 1">
             <a:extLst>
               <a:ext uri="{FF2B5EF4-FFF2-40B4-BE49-F238E27FC236}">
-                <a16:creationId xmlns:a16="http://schemas.microsoft.com/office/drawing/2014/main" xmlns="" id="{7B90D1D5-C864-5E4C-3C40-4D43E6C4296D}"/>
+                <a16:creationId xmlns="" xmlns:a16="http://schemas.microsoft.com/office/drawing/2014/main" id="{7B90D1D5-C864-5E4C-3C40-4D43E6C4296D}"/>
               </a:ext>
             </a:extLst>
           </p:cNvPr>
@@ -3960,7 +4396,7 @@
           <p:cNvPr id="3" name="Notes Placeholder 2">
             <a:extLst>
               <a:ext uri="{FF2B5EF4-FFF2-40B4-BE49-F238E27FC236}">
-                <a16:creationId xmlns:a16="http://schemas.microsoft.com/office/drawing/2014/main" xmlns="" id="{ED9CB586-8860-3BD8-3381-DA1CEFABC39B}"/>
+                <a16:creationId xmlns="" xmlns:a16="http://schemas.microsoft.com/office/drawing/2014/main" id="{ED9CB586-8860-3BD8-3381-DA1CEFABC39B}"/>
               </a:ext>
             </a:extLst>
           </p:cNvPr>
@@ -3985,7 +4421,7 @@
           <p:cNvPr id="4" name="Slide Number Placeholder 3">
             <a:extLst>
               <a:ext uri="{FF2B5EF4-FFF2-40B4-BE49-F238E27FC236}">
-                <a16:creationId xmlns:a16="http://schemas.microsoft.com/office/drawing/2014/main" xmlns="" id="{C0A432A5-CFDC-1082-A3A3-88230315F764}"/>
+                <a16:creationId xmlns="" xmlns:a16="http://schemas.microsoft.com/office/drawing/2014/main" id="{C0A432A5-CFDC-1082-A3A3-88230315F764}"/>
               </a:ext>
             </a:extLst>
           </p:cNvPr>
@@ -4030,7 +4466,7 @@
         <p:cNvPr id="1" name="">
           <a:extLst>
             <a:ext uri="{FF2B5EF4-FFF2-40B4-BE49-F238E27FC236}">
-              <a16:creationId xmlns:a16="http://schemas.microsoft.com/office/drawing/2014/main" xmlns="" id="{5EB58F29-43BC-250B-F029-F71591A0B61F}"/>
+              <a16:creationId xmlns="" xmlns:a16="http://schemas.microsoft.com/office/drawing/2014/main" id="{5EB58F29-43BC-250B-F029-F71591A0B61F}"/>
             </a:ext>
           </a:extLst>
         </p:cNvPr>
@@ -4050,7 +4486,7 @@
           <p:cNvPr id="2" name="Slide Image Placeholder 1">
             <a:extLst>
               <a:ext uri="{FF2B5EF4-FFF2-40B4-BE49-F238E27FC236}">
-                <a16:creationId xmlns:a16="http://schemas.microsoft.com/office/drawing/2014/main" xmlns="" id="{5DE86BF1-A149-E84A-3F16-6B3EA6508255}"/>
+                <a16:creationId xmlns="" xmlns:a16="http://schemas.microsoft.com/office/drawing/2014/main" id="{5DE86BF1-A149-E84A-3F16-6B3EA6508255}"/>
               </a:ext>
             </a:extLst>
           </p:cNvPr>
@@ -4068,7 +4504,7 @@
           <p:cNvPr id="3" name="Notes Placeholder 2">
             <a:extLst>
               <a:ext uri="{FF2B5EF4-FFF2-40B4-BE49-F238E27FC236}">
-                <a16:creationId xmlns:a16="http://schemas.microsoft.com/office/drawing/2014/main" xmlns="" id="{CA0F34B0-7045-260E-477B-11A6EFF1956C}"/>
+                <a16:creationId xmlns="" xmlns:a16="http://schemas.microsoft.com/office/drawing/2014/main" id="{CA0F34B0-7045-260E-477B-11A6EFF1956C}"/>
               </a:ext>
             </a:extLst>
           </p:cNvPr>
@@ -4093,7 +4529,7 @@
           <p:cNvPr id="4" name="Slide Number Placeholder 3">
             <a:extLst>
               <a:ext uri="{FF2B5EF4-FFF2-40B4-BE49-F238E27FC236}">
-                <a16:creationId xmlns:a16="http://schemas.microsoft.com/office/drawing/2014/main" xmlns="" id="{A5688479-B809-6A48-F4C5-5339F475891A}"/>
+                <a16:creationId xmlns="" xmlns:a16="http://schemas.microsoft.com/office/drawing/2014/main" id="{A5688479-B809-6A48-F4C5-5339F475891A}"/>
               </a:ext>
             </a:extLst>
           </p:cNvPr>
@@ -4138,7 +4574,7 @@
         <p:cNvPr id="1" name="">
           <a:extLst>
             <a:ext uri="{FF2B5EF4-FFF2-40B4-BE49-F238E27FC236}">
-              <a16:creationId xmlns:a16="http://schemas.microsoft.com/office/drawing/2014/main" xmlns="" id="{84847B3D-F9FE-E845-0A9E-7B3E4737F607}"/>
+              <a16:creationId xmlns="" xmlns:a16="http://schemas.microsoft.com/office/drawing/2014/main" id="{84847B3D-F9FE-E845-0A9E-7B3E4737F607}"/>
             </a:ext>
           </a:extLst>
         </p:cNvPr>
@@ -4158,7 +4594,7 @@
           <p:cNvPr id="2" name="Slide Image Placeholder 1">
             <a:extLst>
               <a:ext uri="{FF2B5EF4-FFF2-40B4-BE49-F238E27FC236}">
-                <a16:creationId xmlns:a16="http://schemas.microsoft.com/office/drawing/2014/main" xmlns="" id="{A65C55DC-40F4-B8B2-A44F-CEE7EA9104C1}"/>
+                <a16:creationId xmlns="" xmlns:a16="http://schemas.microsoft.com/office/drawing/2014/main" id="{A65C55DC-40F4-B8B2-A44F-CEE7EA9104C1}"/>
               </a:ext>
             </a:extLst>
           </p:cNvPr>
@@ -4176,7 +4612,7 @@
           <p:cNvPr id="3" name="Notes Placeholder 2">
             <a:extLst>
               <a:ext uri="{FF2B5EF4-FFF2-40B4-BE49-F238E27FC236}">
-                <a16:creationId xmlns:a16="http://schemas.microsoft.com/office/drawing/2014/main" xmlns="" id="{AFAEFE12-CFF9-2E00-9808-098A1D824723}"/>
+                <a16:creationId xmlns="" xmlns:a16="http://schemas.microsoft.com/office/drawing/2014/main" id="{AFAEFE12-CFF9-2E00-9808-098A1D824723}"/>
               </a:ext>
             </a:extLst>
           </p:cNvPr>
@@ -4201,7 +4637,7 @@
           <p:cNvPr id="4" name="Slide Number Placeholder 3">
             <a:extLst>
               <a:ext uri="{FF2B5EF4-FFF2-40B4-BE49-F238E27FC236}">
-                <a16:creationId xmlns:a16="http://schemas.microsoft.com/office/drawing/2014/main" xmlns="" id="{85084F94-5BAE-E3B2-298D-1E3D1D48D1F6}"/>
+                <a16:creationId xmlns="" xmlns:a16="http://schemas.microsoft.com/office/drawing/2014/main" id="{85084F94-5BAE-E3B2-298D-1E3D1D48D1F6}"/>
               </a:ext>
             </a:extLst>
           </p:cNvPr>
@@ -4268,7 +4704,7 @@
           <p:cNvPr id="7" name="Picture Placeholder 6">
             <a:extLst>
               <a:ext uri="{FF2B5EF4-FFF2-40B4-BE49-F238E27FC236}">
-                <a16:creationId xmlns:a16="http://schemas.microsoft.com/office/drawing/2014/main" xmlns="" id="{7A7F58C7-D277-8F14-F024-4B41D20D054F}"/>
+                <a16:creationId xmlns="" xmlns:a16="http://schemas.microsoft.com/office/drawing/2014/main" id="{7A7F58C7-D277-8F14-F024-4B41D20D054F}"/>
               </a:ext>
             </a:extLst>
           </p:cNvPr>
@@ -4313,7 +4749,7 @@
           <p:cNvPr id="6" name="Title 1">
             <a:extLst>
               <a:ext uri="{FF2B5EF4-FFF2-40B4-BE49-F238E27FC236}">
-                <a16:creationId xmlns:a16="http://schemas.microsoft.com/office/drawing/2014/main" xmlns="" id="{2E8C189B-2E00-67DA-E342-3440F5EBB4CE}"/>
+                <a16:creationId xmlns="" xmlns:a16="http://schemas.microsoft.com/office/drawing/2014/main" id="{2E8C189B-2E00-67DA-E342-3440F5EBB4CE}"/>
               </a:ext>
             </a:extLst>
           </p:cNvPr>
@@ -4386,7 +4822,7 @@
           <p:cNvPr id="2" name="Title 1">
             <a:extLst>
               <a:ext uri="{FF2B5EF4-FFF2-40B4-BE49-F238E27FC236}">
-                <a16:creationId xmlns:a16="http://schemas.microsoft.com/office/drawing/2014/main" xmlns="" id="{0C40C44A-93E6-6C58-5E88-AFDC594EC27A}"/>
+                <a16:creationId xmlns="" xmlns:a16="http://schemas.microsoft.com/office/drawing/2014/main" id="{0C40C44A-93E6-6C58-5E88-AFDC594EC27A}"/>
               </a:ext>
             </a:extLst>
           </p:cNvPr>
@@ -4425,7 +4861,7 @@
           <p:cNvPr id="8" name="Content Placeholder 10">
             <a:extLst>
               <a:ext uri="{FF2B5EF4-FFF2-40B4-BE49-F238E27FC236}">
-                <a16:creationId xmlns:a16="http://schemas.microsoft.com/office/drawing/2014/main" xmlns="" id="{A524C1E0-92FE-D7D2-83A7-46D29A838874}"/>
+                <a16:creationId xmlns="" xmlns:a16="http://schemas.microsoft.com/office/drawing/2014/main" id="{A524C1E0-92FE-D7D2-83A7-46D29A838874}"/>
               </a:ext>
             </a:extLst>
           </p:cNvPr>
@@ -4573,7 +5009,7 @@
           <p:cNvPr id="11" name="Content Placeholder 10">
             <a:extLst>
               <a:ext uri="{FF2B5EF4-FFF2-40B4-BE49-F238E27FC236}">
-                <a16:creationId xmlns:a16="http://schemas.microsoft.com/office/drawing/2014/main" xmlns="" id="{427E0367-8E38-8905-DC9A-D0C376A591A7}"/>
+                <a16:creationId xmlns="" xmlns:a16="http://schemas.microsoft.com/office/drawing/2014/main" id="{427E0367-8E38-8905-DC9A-D0C376A591A7}"/>
               </a:ext>
             </a:extLst>
           </p:cNvPr>
@@ -4721,10 +5157,10 @@
           <p:cNvPr id="10" name="Rectangle 9">
             <a:extLst>
               <a:ext uri="{FF2B5EF4-FFF2-40B4-BE49-F238E27FC236}">
-                <a16:creationId xmlns:a16="http://schemas.microsoft.com/office/drawing/2014/main" xmlns="" id="{43D847DE-29F2-8ABB-1718-34BED4F37718}"/>
+                <a16:creationId xmlns="" xmlns:a16="http://schemas.microsoft.com/office/drawing/2014/main" id="{43D847DE-29F2-8ABB-1718-34BED4F37718}"/>
               </a:ext>
               <a:ext uri="{C183D7F6-B498-43B3-948B-1728B52AA6E4}">
-                <adec:decorative xmlns:adec="http://schemas.microsoft.com/office/drawing/2017/decorative" xmlns="" val="1"/>
+                <adec:decorative xmlns="" xmlns:adec="http://schemas.microsoft.com/office/drawing/2017/decorative" val="1"/>
               </a:ext>
             </a:extLst>
           </p:cNvPr>
@@ -4793,7 +5229,7 @@
           <p:cNvPr id="5" name="Date Placeholder 4">
             <a:extLst>
               <a:ext uri="{FF2B5EF4-FFF2-40B4-BE49-F238E27FC236}">
-                <a16:creationId xmlns:a16="http://schemas.microsoft.com/office/drawing/2014/main" xmlns="" id="{C6CFCEB5-4092-FD13-478E-51CD74FDB82E}"/>
+                <a16:creationId xmlns="" xmlns:a16="http://schemas.microsoft.com/office/drawing/2014/main" id="{C6CFCEB5-4092-FD13-478E-51CD74FDB82E}"/>
               </a:ext>
             </a:extLst>
           </p:cNvPr>
@@ -4811,7 +5247,7 @@
           <a:p>
             <a:fld id="{D6D8061D-18C3-4F4F-85EF-561633F58754}" type="datetimeFigureOut">
               <a:rPr lang="en-US" smtClean="0"/>
-              <a:t>3/5/2025</a:t>
+              <a:t>3/10/2025</a:t>
             </a:fld>
             <a:endParaRPr lang="en-US"/>
           </a:p>
@@ -4822,7 +5258,7 @@
           <p:cNvPr id="6" name="Footer Placeholder 5">
             <a:extLst>
               <a:ext uri="{FF2B5EF4-FFF2-40B4-BE49-F238E27FC236}">
-                <a16:creationId xmlns:a16="http://schemas.microsoft.com/office/drawing/2014/main" xmlns="" id="{5D077A4D-E7C0-912D-293F-D93F0CB5CA49}"/>
+                <a16:creationId xmlns="" xmlns:a16="http://schemas.microsoft.com/office/drawing/2014/main" id="{5D077A4D-E7C0-912D-293F-D93F0CB5CA49}"/>
               </a:ext>
             </a:extLst>
           </p:cNvPr>
@@ -4847,7 +5283,7 @@
           <p:cNvPr id="7" name="Slide Number Placeholder 6">
             <a:extLst>
               <a:ext uri="{FF2B5EF4-FFF2-40B4-BE49-F238E27FC236}">
-                <a16:creationId xmlns:a16="http://schemas.microsoft.com/office/drawing/2014/main" xmlns="" id="{CA6AA9E1-334B-5F8F-8A92-67DD095F7838}"/>
+                <a16:creationId xmlns="" xmlns:a16="http://schemas.microsoft.com/office/drawing/2014/main" id="{CA6AA9E1-334B-5F8F-8A92-67DD095F7838}"/>
               </a:ext>
             </a:extLst>
           </p:cNvPr>
@@ -4906,7 +5342,7 @@
           <p:cNvPr id="2" name="Title 1">
             <a:extLst>
               <a:ext uri="{FF2B5EF4-FFF2-40B4-BE49-F238E27FC236}">
-                <a16:creationId xmlns:a16="http://schemas.microsoft.com/office/drawing/2014/main" xmlns="" id="{F657BD59-35CC-9BB3-8621-6FA3356F81AA}"/>
+                <a16:creationId xmlns="" xmlns:a16="http://schemas.microsoft.com/office/drawing/2014/main" id="{F657BD59-35CC-9BB3-8621-6FA3356F81AA}"/>
               </a:ext>
             </a:extLst>
           </p:cNvPr>
@@ -4940,7 +5376,7 @@
           <p:cNvPr id="8" name="Table Placeholder 7">
             <a:extLst>
               <a:ext uri="{FF2B5EF4-FFF2-40B4-BE49-F238E27FC236}">
-                <a16:creationId xmlns:a16="http://schemas.microsoft.com/office/drawing/2014/main" xmlns="" id="{0CEAFE70-86D3-8690-31CA-F9A1FBA494D0}"/>
+                <a16:creationId xmlns="" xmlns:a16="http://schemas.microsoft.com/office/drawing/2014/main" id="{0CEAFE70-86D3-8690-31CA-F9A1FBA494D0}"/>
               </a:ext>
             </a:extLst>
           </p:cNvPr>
@@ -4978,7 +5414,7 @@
           <p:cNvPr id="4" name="Date Placeholder 3">
             <a:extLst>
               <a:ext uri="{FF2B5EF4-FFF2-40B4-BE49-F238E27FC236}">
-                <a16:creationId xmlns:a16="http://schemas.microsoft.com/office/drawing/2014/main" xmlns="" id="{8C56EB0F-63C8-5F75-A333-3413A9DC6F76}"/>
+                <a16:creationId xmlns="" xmlns:a16="http://schemas.microsoft.com/office/drawing/2014/main" id="{8C56EB0F-63C8-5F75-A333-3413A9DC6F76}"/>
               </a:ext>
             </a:extLst>
           </p:cNvPr>
@@ -4996,7 +5432,7 @@
           <a:p>
             <a:fld id="{D6D8061D-18C3-4F4F-85EF-561633F58754}" type="datetimeFigureOut">
               <a:rPr lang="en-US" smtClean="0"/>
-              <a:t>3/5/2025</a:t>
+              <a:t>3/10/2025</a:t>
             </a:fld>
             <a:endParaRPr lang="en-US"/>
           </a:p>
@@ -5007,7 +5443,7 @@
           <p:cNvPr id="5" name="Footer Placeholder 4">
             <a:extLst>
               <a:ext uri="{FF2B5EF4-FFF2-40B4-BE49-F238E27FC236}">
-                <a16:creationId xmlns:a16="http://schemas.microsoft.com/office/drawing/2014/main" xmlns="" id="{4D4DE333-25B4-E092-1CC4-C3D20BA25168}"/>
+                <a16:creationId xmlns="" xmlns:a16="http://schemas.microsoft.com/office/drawing/2014/main" id="{4D4DE333-25B4-E092-1CC4-C3D20BA25168}"/>
               </a:ext>
             </a:extLst>
           </p:cNvPr>
@@ -5032,7 +5468,7 @@
           <p:cNvPr id="6" name="Slide Number Placeholder 5">
             <a:extLst>
               <a:ext uri="{FF2B5EF4-FFF2-40B4-BE49-F238E27FC236}">
-                <a16:creationId xmlns:a16="http://schemas.microsoft.com/office/drawing/2014/main" xmlns="" id="{8F1AF200-E81F-A326-0EDB-4B93C71D9BF4}"/>
+                <a16:creationId xmlns="" xmlns:a16="http://schemas.microsoft.com/office/drawing/2014/main" id="{8F1AF200-E81F-A326-0EDB-4B93C71D9BF4}"/>
               </a:ext>
             </a:extLst>
           </p:cNvPr>
@@ -5091,7 +5527,7 @@
           <p:cNvPr id="12" name="Picture Placeholder 11">
             <a:extLst>
               <a:ext uri="{FF2B5EF4-FFF2-40B4-BE49-F238E27FC236}">
-                <a16:creationId xmlns:a16="http://schemas.microsoft.com/office/drawing/2014/main" xmlns="" id="{76EE6F3F-63EB-5C0E-2307-3B7CBBA1C374}"/>
+                <a16:creationId xmlns="" xmlns:a16="http://schemas.microsoft.com/office/drawing/2014/main" id="{76EE6F3F-63EB-5C0E-2307-3B7CBBA1C374}"/>
               </a:ext>
             </a:extLst>
           </p:cNvPr>
@@ -5139,7 +5575,7 @@
           <p:cNvPr id="2" name="Title 1">
             <a:extLst>
               <a:ext uri="{FF2B5EF4-FFF2-40B4-BE49-F238E27FC236}">
-                <a16:creationId xmlns:a16="http://schemas.microsoft.com/office/drawing/2014/main" xmlns="" id="{F657BD59-35CC-9BB3-8621-6FA3356F81AA}"/>
+                <a16:creationId xmlns="" xmlns:a16="http://schemas.microsoft.com/office/drawing/2014/main" id="{F657BD59-35CC-9BB3-8621-6FA3356F81AA}"/>
               </a:ext>
             </a:extLst>
           </p:cNvPr>
@@ -5185,7 +5621,7 @@
           <p:cNvPr id="10" name="Text Placeholder 9">
             <a:extLst>
               <a:ext uri="{FF2B5EF4-FFF2-40B4-BE49-F238E27FC236}">
-                <a16:creationId xmlns:a16="http://schemas.microsoft.com/office/drawing/2014/main" xmlns="" id="{E12DA517-30B0-BC62-0422-F995FB9189E2}"/>
+                <a16:creationId xmlns="" xmlns:a16="http://schemas.microsoft.com/office/drawing/2014/main" id="{E12DA517-30B0-BC62-0422-F995FB9189E2}"/>
               </a:ext>
             </a:extLst>
           </p:cNvPr>
@@ -5307,7 +5743,7 @@
           <p:cNvPr id="2" name="Title 1">
             <a:extLst>
               <a:ext uri="{FF2B5EF4-FFF2-40B4-BE49-F238E27FC236}">
-                <a16:creationId xmlns:a16="http://schemas.microsoft.com/office/drawing/2014/main" xmlns="" id="{F657BD59-35CC-9BB3-8621-6FA3356F81AA}"/>
+                <a16:creationId xmlns="" xmlns:a16="http://schemas.microsoft.com/office/drawing/2014/main" id="{F657BD59-35CC-9BB3-8621-6FA3356F81AA}"/>
               </a:ext>
             </a:extLst>
           </p:cNvPr>
@@ -5346,7 +5782,7 @@
           <p:cNvPr id="10" name="Picture Placeholder 9">
             <a:extLst>
               <a:ext uri="{FF2B5EF4-FFF2-40B4-BE49-F238E27FC236}">
-                <a16:creationId xmlns:a16="http://schemas.microsoft.com/office/drawing/2014/main" xmlns="" id="{6B8CBAD6-FC79-B2BB-0B67-26429A6D4C8C}"/>
+                <a16:creationId xmlns="" xmlns:a16="http://schemas.microsoft.com/office/drawing/2014/main" id="{6B8CBAD6-FC79-B2BB-0B67-26429A6D4C8C}"/>
               </a:ext>
             </a:extLst>
           </p:cNvPr>
@@ -5393,7 +5829,7 @@
           <p:cNvPr id="3" name="Content Placeholder 2">
             <a:extLst>
               <a:ext uri="{FF2B5EF4-FFF2-40B4-BE49-F238E27FC236}">
-                <a16:creationId xmlns:a16="http://schemas.microsoft.com/office/drawing/2014/main" xmlns="" id="{A772710C-A212-1B12-06CD-FA2A14F89D68}"/>
+                <a16:creationId xmlns="" xmlns:a16="http://schemas.microsoft.com/office/drawing/2014/main" id="{A772710C-A212-1B12-06CD-FA2A14F89D68}"/>
               </a:ext>
             </a:extLst>
           </p:cNvPr>
@@ -5508,10 +5944,10 @@
           <p:cNvPr id="11" name="Rectangle 10">
             <a:extLst>
               <a:ext uri="{FF2B5EF4-FFF2-40B4-BE49-F238E27FC236}">
-                <a16:creationId xmlns:a16="http://schemas.microsoft.com/office/drawing/2014/main" xmlns="" id="{934796A3-781D-5244-DAB8-2D6EE0AC3B70}"/>
+                <a16:creationId xmlns="" xmlns:a16="http://schemas.microsoft.com/office/drawing/2014/main" id="{934796A3-781D-5244-DAB8-2D6EE0AC3B70}"/>
               </a:ext>
               <a:ext uri="{C183D7F6-B498-43B3-948B-1728B52AA6E4}">
-                <adec:decorative xmlns:adec="http://schemas.microsoft.com/office/drawing/2017/decorative" xmlns="" val="1"/>
+                <adec:decorative xmlns="" xmlns:adec="http://schemas.microsoft.com/office/drawing/2017/decorative" val="1"/>
               </a:ext>
             </a:extLst>
           </p:cNvPr>
@@ -5587,7 +6023,7 @@
   </p:clrMapOvr>
   <p:extLst>
     <p:ext uri="{DCECCB84-F9BA-43D5-87BE-67443E8EF086}">
-      <p15:sldGuideLst xmlns:p15="http://schemas.microsoft.com/office/powerpoint/2012/main" xmlns="">
+      <p15:sldGuideLst xmlns="" xmlns:p15="http://schemas.microsoft.com/office/powerpoint/2012/main">
         <p15:guide id="1" orient="horz" pos="2160" userDrawn="1">
           <p15:clr>
             <a:srgbClr val="FBAE40"/>
@@ -5626,7 +6062,7 @@
           <p:cNvPr id="2" name="Title 1">
             <a:extLst>
               <a:ext uri="{FF2B5EF4-FFF2-40B4-BE49-F238E27FC236}">
-                <a16:creationId xmlns:a16="http://schemas.microsoft.com/office/drawing/2014/main" xmlns="" id="{32772C41-A024-2F33-1F04-21E003FA7291}"/>
+                <a16:creationId xmlns="" xmlns:a16="http://schemas.microsoft.com/office/drawing/2014/main" id="{32772C41-A024-2F33-1F04-21E003FA7291}"/>
               </a:ext>
             </a:extLst>
           </p:cNvPr>
@@ -5666,7 +6102,7 @@
           <p:cNvPr id="12" name="Picture Placeholder 11">
             <a:extLst>
               <a:ext uri="{FF2B5EF4-FFF2-40B4-BE49-F238E27FC236}">
-                <a16:creationId xmlns:a16="http://schemas.microsoft.com/office/drawing/2014/main" xmlns="" id="{82836803-D9E6-3DF1-3B90-1E7E677CC7B7}"/>
+                <a16:creationId xmlns="" xmlns:a16="http://schemas.microsoft.com/office/drawing/2014/main" id="{82836803-D9E6-3DF1-3B90-1E7E677CC7B7}"/>
               </a:ext>
             </a:extLst>
           </p:cNvPr>
@@ -5712,7 +6148,7 @@
           <p:cNvPr id="3" name="Subtitle 2">
             <a:extLst>
               <a:ext uri="{FF2B5EF4-FFF2-40B4-BE49-F238E27FC236}">
-                <a16:creationId xmlns:a16="http://schemas.microsoft.com/office/drawing/2014/main" xmlns="" id="{473BC2DF-9C2A-052C-AD2C-0A8ABAA50374}"/>
+                <a16:creationId xmlns="" xmlns:a16="http://schemas.microsoft.com/office/drawing/2014/main" id="{473BC2DF-9C2A-052C-AD2C-0A8ABAA50374}"/>
               </a:ext>
             </a:extLst>
           </p:cNvPr>
@@ -5838,7 +6274,7 @@
           <p:cNvPr id="2" name="Title 1">
             <a:extLst>
               <a:ext uri="{FF2B5EF4-FFF2-40B4-BE49-F238E27FC236}">
-                <a16:creationId xmlns:a16="http://schemas.microsoft.com/office/drawing/2014/main" xmlns="" id="{F657BD59-35CC-9BB3-8621-6FA3356F81AA}"/>
+                <a16:creationId xmlns="" xmlns:a16="http://schemas.microsoft.com/office/drawing/2014/main" id="{F657BD59-35CC-9BB3-8621-6FA3356F81AA}"/>
               </a:ext>
             </a:extLst>
           </p:cNvPr>
@@ -5877,7 +6313,7 @@
           <p:cNvPr id="10" name="Picture Placeholder 9">
             <a:extLst>
               <a:ext uri="{FF2B5EF4-FFF2-40B4-BE49-F238E27FC236}">
-                <a16:creationId xmlns:a16="http://schemas.microsoft.com/office/drawing/2014/main" xmlns="" id="{511A5385-FB23-93A8-2B8F-9887244244DF}"/>
+                <a16:creationId xmlns="" xmlns:a16="http://schemas.microsoft.com/office/drawing/2014/main" id="{511A5385-FB23-93A8-2B8F-9887244244DF}"/>
               </a:ext>
             </a:extLst>
           </p:cNvPr>
@@ -5918,7 +6354,7 @@
           <p:cNvPr id="3" name="Content Placeholder 2">
             <a:extLst>
               <a:ext uri="{FF2B5EF4-FFF2-40B4-BE49-F238E27FC236}">
-                <a16:creationId xmlns:a16="http://schemas.microsoft.com/office/drawing/2014/main" xmlns="" id="{A772710C-A212-1B12-06CD-FA2A14F89D68}"/>
+                <a16:creationId xmlns="" xmlns:a16="http://schemas.microsoft.com/office/drawing/2014/main" id="{A772710C-A212-1B12-06CD-FA2A14F89D68}"/>
               </a:ext>
             </a:extLst>
           </p:cNvPr>
@@ -6053,10 +6489,10 @@
           <p:cNvPr id="8" name="Rectangle 7">
             <a:extLst>
               <a:ext uri="{FF2B5EF4-FFF2-40B4-BE49-F238E27FC236}">
-                <a16:creationId xmlns:a16="http://schemas.microsoft.com/office/drawing/2014/main" xmlns="" id="{50E25A87-9155-9E07-878F-CEC0B137C2D7}"/>
+                <a16:creationId xmlns="" xmlns:a16="http://schemas.microsoft.com/office/drawing/2014/main" id="{50E25A87-9155-9E07-878F-CEC0B137C2D7}"/>
               </a:ext>
               <a:ext uri="{C183D7F6-B498-43B3-948B-1728B52AA6E4}">
-                <adec:decorative xmlns:adec="http://schemas.microsoft.com/office/drawing/2017/decorative" xmlns="" val="1"/>
+                <adec:decorative xmlns="" xmlns:adec="http://schemas.microsoft.com/office/drawing/2017/decorative" val="1"/>
               </a:ext>
             </a:extLst>
           </p:cNvPr>
@@ -6155,7 +6591,7 @@
           <p:cNvPr id="2" name="Title 1">
             <a:extLst>
               <a:ext uri="{FF2B5EF4-FFF2-40B4-BE49-F238E27FC236}">
-                <a16:creationId xmlns:a16="http://schemas.microsoft.com/office/drawing/2014/main" xmlns="" id="{32772C41-A024-2F33-1F04-21E003FA7291}"/>
+                <a16:creationId xmlns="" xmlns:a16="http://schemas.microsoft.com/office/drawing/2014/main" id="{32772C41-A024-2F33-1F04-21E003FA7291}"/>
               </a:ext>
             </a:extLst>
           </p:cNvPr>
@@ -6194,7 +6630,7 @@
           <p:cNvPr id="3" name="Subtitle 2">
             <a:extLst>
               <a:ext uri="{FF2B5EF4-FFF2-40B4-BE49-F238E27FC236}">
-                <a16:creationId xmlns:a16="http://schemas.microsoft.com/office/drawing/2014/main" xmlns="" id="{473BC2DF-9C2A-052C-AD2C-0A8ABAA50374}"/>
+                <a16:creationId xmlns="" xmlns:a16="http://schemas.microsoft.com/office/drawing/2014/main" id="{473BC2DF-9C2A-052C-AD2C-0A8ABAA50374}"/>
               </a:ext>
             </a:extLst>
           </p:cNvPr>
@@ -6320,10 +6756,10 @@
           <p:cNvPr id="10" name="Rectangle 9">
             <a:extLst>
               <a:ext uri="{FF2B5EF4-FFF2-40B4-BE49-F238E27FC236}">
-                <a16:creationId xmlns:a16="http://schemas.microsoft.com/office/drawing/2014/main" xmlns="" id="{29577E27-B60E-C6DD-BAAF-5CCC3D59E5D5}"/>
+                <a16:creationId xmlns="" xmlns:a16="http://schemas.microsoft.com/office/drawing/2014/main" id="{29577E27-B60E-C6DD-BAAF-5CCC3D59E5D5}"/>
               </a:ext>
               <a:ext uri="{C183D7F6-B498-43B3-948B-1728B52AA6E4}">
-                <adec:decorative xmlns:adec="http://schemas.microsoft.com/office/drawing/2017/decorative" xmlns="" val="1"/>
+                <adec:decorative xmlns="" xmlns:adec="http://schemas.microsoft.com/office/drawing/2017/decorative" val="1"/>
               </a:ext>
             </a:extLst>
           </p:cNvPr>
@@ -6392,7 +6828,7 @@
           <p:cNvPr id="2" name="Title 1">
             <a:extLst>
               <a:ext uri="{FF2B5EF4-FFF2-40B4-BE49-F238E27FC236}">
-                <a16:creationId xmlns:a16="http://schemas.microsoft.com/office/drawing/2014/main" xmlns="" id="{0C40C44A-93E6-6C58-5E88-AFDC594EC27A}"/>
+                <a16:creationId xmlns="" xmlns:a16="http://schemas.microsoft.com/office/drawing/2014/main" id="{0C40C44A-93E6-6C58-5E88-AFDC594EC27A}"/>
               </a:ext>
             </a:extLst>
           </p:cNvPr>
@@ -6431,7 +6867,7 @@
           <p:cNvPr id="9" name="Content Placeholder 10">
             <a:extLst>
               <a:ext uri="{FF2B5EF4-FFF2-40B4-BE49-F238E27FC236}">
-                <a16:creationId xmlns:a16="http://schemas.microsoft.com/office/drawing/2014/main" xmlns="" id="{964CA031-27E0-D0AA-1451-A904CCF234FE}"/>
+                <a16:creationId xmlns="" xmlns:a16="http://schemas.microsoft.com/office/drawing/2014/main" id="{964CA031-27E0-D0AA-1451-A904CCF234FE}"/>
               </a:ext>
             </a:extLst>
           </p:cNvPr>
@@ -6576,7 +7012,7 @@
           <p:cNvPr id="12" name="Content Placeholder 10">
             <a:extLst>
               <a:ext uri="{FF2B5EF4-FFF2-40B4-BE49-F238E27FC236}">
-                <a16:creationId xmlns:a16="http://schemas.microsoft.com/office/drawing/2014/main" xmlns="" id="{81FE0D7D-86B7-CCD2-A7A1-70E95846B542}"/>
+                <a16:creationId xmlns="" xmlns:a16="http://schemas.microsoft.com/office/drawing/2014/main" id="{81FE0D7D-86B7-CCD2-A7A1-70E95846B542}"/>
               </a:ext>
             </a:extLst>
           </p:cNvPr>
@@ -6721,7 +7157,7 @@
           <p:cNvPr id="5" name="Date Placeholder 4">
             <a:extLst>
               <a:ext uri="{FF2B5EF4-FFF2-40B4-BE49-F238E27FC236}">
-                <a16:creationId xmlns:a16="http://schemas.microsoft.com/office/drawing/2014/main" xmlns="" id="{C6CFCEB5-4092-FD13-478E-51CD74FDB82E}"/>
+                <a16:creationId xmlns="" xmlns:a16="http://schemas.microsoft.com/office/drawing/2014/main" id="{C6CFCEB5-4092-FD13-478E-51CD74FDB82E}"/>
               </a:ext>
             </a:extLst>
           </p:cNvPr>
@@ -6739,7 +7175,7 @@
           <a:p>
             <a:fld id="{D6D8061D-18C3-4F4F-85EF-561633F58754}" type="datetimeFigureOut">
               <a:rPr lang="en-US" smtClean="0"/>
-              <a:t>3/5/2025</a:t>
+              <a:t>3/10/2025</a:t>
             </a:fld>
             <a:endParaRPr lang="en-US"/>
           </a:p>
@@ -6750,7 +7186,7 @@
           <p:cNvPr id="6" name="Footer Placeholder 5">
             <a:extLst>
               <a:ext uri="{FF2B5EF4-FFF2-40B4-BE49-F238E27FC236}">
-                <a16:creationId xmlns:a16="http://schemas.microsoft.com/office/drawing/2014/main" xmlns="" id="{5D077A4D-E7C0-912D-293F-D93F0CB5CA49}"/>
+                <a16:creationId xmlns="" xmlns:a16="http://schemas.microsoft.com/office/drawing/2014/main" id="{5D077A4D-E7C0-912D-293F-D93F0CB5CA49}"/>
               </a:ext>
             </a:extLst>
           </p:cNvPr>
@@ -6775,7 +7211,7 @@
           <p:cNvPr id="7" name="Slide Number Placeholder 6">
             <a:extLst>
               <a:ext uri="{FF2B5EF4-FFF2-40B4-BE49-F238E27FC236}">
-                <a16:creationId xmlns:a16="http://schemas.microsoft.com/office/drawing/2014/main" xmlns="" id="{CA6AA9E1-334B-5F8F-8A92-67DD095F7838}"/>
+                <a16:creationId xmlns="" xmlns:a16="http://schemas.microsoft.com/office/drawing/2014/main" id="{CA6AA9E1-334B-5F8F-8A92-67DD095F7838}"/>
               </a:ext>
             </a:extLst>
           </p:cNvPr>
@@ -6834,7 +7270,7 @@
           <p:cNvPr id="2" name="Title 1">
             <a:extLst>
               <a:ext uri="{FF2B5EF4-FFF2-40B4-BE49-F238E27FC236}">
-                <a16:creationId xmlns:a16="http://schemas.microsoft.com/office/drawing/2014/main" xmlns="" id="{0C40C44A-93E6-6C58-5E88-AFDC594EC27A}"/>
+                <a16:creationId xmlns="" xmlns:a16="http://schemas.microsoft.com/office/drawing/2014/main" id="{0C40C44A-93E6-6C58-5E88-AFDC594EC27A}"/>
               </a:ext>
             </a:extLst>
           </p:cNvPr>
@@ -6873,7 +7309,7 @@
           <p:cNvPr id="11" name="Content Placeholder 10">
             <a:extLst>
               <a:ext uri="{FF2B5EF4-FFF2-40B4-BE49-F238E27FC236}">
-                <a16:creationId xmlns:a16="http://schemas.microsoft.com/office/drawing/2014/main" xmlns="" id="{2D2DE411-9D7C-15AE-0B59-F26B2BF8C522}"/>
+                <a16:creationId xmlns="" xmlns:a16="http://schemas.microsoft.com/office/drawing/2014/main" id="{2D2DE411-9D7C-15AE-0B59-F26B2BF8C522}"/>
               </a:ext>
             </a:extLst>
           </p:cNvPr>
@@ -7011,7 +7447,7 @@
           <p:cNvPr id="4" name="Content Placeholder 10">
             <a:extLst>
               <a:ext uri="{FF2B5EF4-FFF2-40B4-BE49-F238E27FC236}">
-                <a16:creationId xmlns:a16="http://schemas.microsoft.com/office/drawing/2014/main" xmlns="" id="{60FEDE7C-502F-ECFE-4136-E99206849C2A}"/>
+                <a16:creationId xmlns="" xmlns:a16="http://schemas.microsoft.com/office/drawing/2014/main" id="{60FEDE7C-502F-ECFE-4136-E99206849C2A}"/>
               </a:ext>
             </a:extLst>
           </p:cNvPr>
@@ -7156,7 +7592,7 @@
           <p:cNvPr id="5" name="Date Placeholder 4">
             <a:extLst>
               <a:ext uri="{FF2B5EF4-FFF2-40B4-BE49-F238E27FC236}">
-                <a16:creationId xmlns:a16="http://schemas.microsoft.com/office/drawing/2014/main" xmlns="" id="{C6CFCEB5-4092-FD13-478E-51CD74FDB82E}"/>
+                <a16:creationId xmlns="" xmlns:a16="http://schemas.microsoft.com/office/drawing/2014/main" id="{C6CFCEB5-4092-FD13-478E-51CD74FDB82E}"/>
               </a:ext>
             </a:extLst>
           </p:cNvPr>
@@ -7174,7 +7610,7 @@
           <a:p>
             <a:fld id="{D6D8061D-18C3-4F4F-85EF-561633F58754}" type="datetimeFigureOut">
               <a:rPr lang="en-US" smtClean="0"/>
-              <a:t>3/5/2025</a:t>
+              <a:t>3/10/2025</a:t>
             </a:fld>
             <a:endParaRPr lang="en-US"/>
           </a:p>
@@ -7185,7 +7621,7 @@
           <p:cNvPr id="6" name="Footer Placeholder 5">
             <a:extLst>
               <a:ext uri="{FF2B5EF4-FFF2-40B4-BE49-F238E27FC236}">
-                <a16:creationId xmlns:a16="http://schemas.microsoft.com/office/drawing/2014/main" xmlns="" id="{5D077A4D-E7C0-912D-293F-D93F0CB5CA49}"/>
+                <a16:creationId xmlns="" xmlns:a16="http://schemas.microsoft.com/office/drawing/2014/main" id="{5D077A4D-E7C0-912D-293F-D93F0CB5CA49}"/>
               </a:ext>
             </a:extLst>
           </p:cNvPr>
@@ -7210,7 +7646,7 @@
           <p:cNvPr id="7" name="Slide Number Placeholder 6">
             <a:extLst>
               <a:ext uri="{FF2B5EF4-FFF2-40B4-BE49-F238E27FC236}">
-                <a16:creationId xmlns:a16="http://schemas.microsoft.com/office/drawing/2014/main" xmlns="" id="{CA6AA9E1-334B-5F8F-8A92-67DD095F7838}"/>
+                <a16:creationId xmlns="" xmlns:a16="http://schemas.microsoft.com/office/drawing/2014/main" id="{CA6AA9E1-334B-5F8F-8A92-67DD095F7838}"/>
               </a:ext>
             </a:extLst>
           </p:cNvPr>
@@ -7269,7 +7705,7 @@
           <p:cNvPr id="2" name="Title 1">
             <a:extLst>
               <a:ext uri="{FF2B5EF4-FFF2-40B4-BE49-F238E27FC236}">
-                <a16:creationId xmlns:a16="http://schemas.microsoft.com/office/drawing/2014/main" xmlns="" id="{0C40C44A-93E6-6C58-5E88-AFDC594EC27A}"/>
+                <a16:creationId xmlns="" xmlns:a16="http://schemas.microsoft.com/office/drawing/2014/main" id="{0C40C44A-93E6-6C58-5E88-AFDC594EC27A}"/>
               </a:ext>
             </a:extLst>
           </p:cNvPr>
@@ -7309,7 +7745,7 @@
           <p:cNvPr id="4" name="Content Placeholder 10">
             <a:extLst>
               <a:ext uri="{FF2B5EF4-FFF2-40B4-BE49-F238E27FC236}">
-                <a16:creationId xmlns:a16="http://schemas.microsoft.com/office/drawing/2014/main" xmlns="" id="{5F30E2A0-23EF-51B1-8ABD-00429EEA0642}"/>
+                <a16:creationId xmlns="" xmlns:a16="http://schemas.microsoft.com/office/drawing/2014/main" id="{5F30E2A0-23EF-51B1-8ABD-00429EEA0642}"/>
               </a:ext>
             </a:extLst>
           </p:cNvPr>
@@ -7454,7 +7890,7 @@
           <p:cNvPr id="11" name="Picture Placeholder 10">
             <a:extLst>
               <a:ext uri="{FF2B5EF4-FFF2-40B4-BE49-F238E27FC236}">
-                <a16:creationId xmlns:a16="http://schemas.microsoft.com/office/drawing/2014/main" xmlns="" id="{AF15552F-C66B-341F-2D37-0389710BA5E2}"/>
+                <a16:creationId xmlns="" xmlns:a16="http://schemas.microsoft.com/office/drawing/2014/main" id="{AF15552F-C66B-341F-2D37-0389710BA5E2}"/>
               </a:ext>
             </a:extLst>
           </p:cNvPr>
@@ -7495,10 +7931,10 @@
           <p:cNvPr id="12" name="Rectangle 11">
             <a:extLst>
               <a:ext uri="{FF2B5EF4-FFF2-40B4-BE49-F238E27FC236}">
-                <a16:creationId xmlns:a16="http://schemas.microsoft.com/office/drawing/2014/main" xmlns="" id="{0D8DCC6D-8B88-7BE0-7240-F743AE09EC48}"/>
+                <a16:creationId xmlns="" xmlns:a16="http://schemas.microsoft.com/office/drawing/2014/main" id="{0D8DCC6D-8B88-7BE0-7240-F743AE09EC48}"/>
               </a:ext>
               <a:ext uri="{C183D7F6-B498-43B3-948B-1728B52AA6E4}">
-                <adec:decorative xmlns:adec="http://schemas.microsoft.com/office/drawing/2017/decorative" xmlns="" val="1"/>
+                <adec:decorative xmlns="" xmlns:adec="http://schemas.microsoft.com/office/drawing/2017/decorative" val="1"/>
               </a:ext>
             </a:extLst>
           </p:cNvPr>
@@ -7597,7 +8033,7 @@
           <p:cNvPr id="2" name="Title 1">
             <a:extLst>
               <a:ext uri="{FF2B5EF4-FFF2-40B4-BE49-F238E27FC236}">
-                <a16:creationId xmlns:a16="http://schemas.microsoft.com/office/drawing/2014/main" xmlns="" id="{0C40C44A-93E6-6C58-5E88-AFDC594EC27A}"/>
+                <a16:creationId xmlns="" xmlns:a16="http://schemas.microsoft.com/office/drawing/2014/main" id="{0C40C44A-93E6-6C58-5E88-AFDC594EC27A}"/>
               </a:ext>
             </a:extLst>
           </p:cNvPr>
@@ -7636,7 +8072,7 @@
           <p:cNvPr id="4" name="Content Placeholder 10">
             <a:extLst>
               <a:ext uri="{FF2B5EF4-FFF2-40B4-BE49-F238E27FC236}">
-                <a16:creationId xmlns:a16="http://schemas.microsoft.com/office/drawing/2014/main" xmlns="" id="{9C3ED3BF-FF6B-07FA-72C4-F6102A8558AF}"/>
+                <a16:creationId xmlns="" xmlns:a16="http://schemas.microsoft.com/office/drawing/2014/main" id="{9C3ED3BF-FF6B-07FA-72C4-F6102A8558AF}"/>
               </a:ext>
             </a:extLst>
           </p:cNvPr>
@@ -7781,7 +8217,7 @@
           <p:cNvPr id="8" name="Table Placeholder 7">
             <a:extLst>
               <a:ext uri="{FF2B5EF4-FFF2-40B4-BE49-F238E27FC236}">
-                <a16:creationId xmlns:a16="http://schemas.microsoft.com/office/drawing/2014/main" xmlns="" id="{423FEB60-8FB5-7F10-EDD7-8AB4B3139EF6}"/>
+                <a16:creationId xmlns="" xmlns:a16="http://schemas.microsoft.com/office/drawing/2014/main" id="{423FEB60-8FB5-7F10-EDD7-8AB4B3139EF6}"/>
               </a:ext>
             </a:extLst>
           </p:cNvPr>
@@ -7815,7 +8251,7 @@
           <p:cNvPr id="5" name="Date Placeholder 4">
             <a:extLst>
               <a:ext uri="{FF2B5EF4-FFF2-40B4-BE49-F238E27FC236}">
-                <a16:creationId xmlns:a16="http://schemas.microsoft.com/office/drawing/2014/main" xmlns="" id="{C6CFCEB5-4092-FD13-478E-51CD74FDB82E}"/>
+                <a16:creationId xmlns="" xmlns:a16="http://schemas.microsoft.com/office/drawing/2014/main" id="{C6CFCEB5-4092-FD13-478E-51CD74FDB82E}"/>
               </a:ext>
             </a:extLst>
           </p:cNvPr>
@@ -7833,7 +8269,7 @@
           <a:p>
             <a:fld id="{D6D8061D-18C3-4F4F-85EF-561633F58754}" type="datetimeFigureOut">
               <a:rPr lang="en-US" smtClean="0"/>
-              <a:t>3/5/2025</a:t>
+              <a:t>3/10/2025</a:t>
             </a:fld>
             <a:endParaRPr lang="en-US"/>
           </a:p>
@@ -7844,7 +8280,7 @@
           <p:cNvPr id="6" name="Footer Placeholder 5">
             <a:extLst>
               <a:ext uri="{FF2B5EF4-FFF2-40B4-BE49-F238E27FC236}">
-                <a16:creationId xmlns:a16="http://schemas.microsoft.com/office/drawing/2014/main" xmlns="" id="{5D077A4D-E7C0-912D-293F-D93F0CB5CA49}"/>
+                <a16:creationId xmlns="" xmlns:a16="http://schemas.microsoft.com/office/drawing/2014/main" id="{5D077A4D-E7C0-912D-293F-D93F0CB5CA49}"/>
               </a:ext>
             </a:extLst>
           </p:cNvPr>
@@ -7869,7 +8305,7 @@
           <p:cNvPr id="7" name="Slide Number Placeholder 6">
             <a:extLst>
               <a:ext uri="{FF2B5EF4-FFF2-40B4-BE49-F238E27FC236}">
-                <a16:creationId xmlns:a16="http://schemas.microsoft.com/office/drawing/2014/main" xmlns="" id="{CA6AA9E1-334B-5F8F-8A92-67DD095F7838}"/>
+                <a16:creationId xmlns="" xmlns:a16="http://schemas.microsoft.com/office/drawing/2014/main" id="{CA6AA9E1-334B-5F8F-8A92-67DD095F7838}"/>
               </a:ext>
             </a:extLst>
           </p:cNvPr>
@@ -7933,7 +8369,7 @@
           <p:cNvPr id="2" name="Title Placeholder 1">
             <a:extLst>
               <a:ext uri="{FF2B5EF4-FFF2-40B4-BE49-F238E27FC236}">
-                <a16:creationId xmlns:a16="http://schemas.microsoft.com/office/drawing/2014/main" xmlns="" id="{4FD97564-C310-6E8C-8689-CE18881B4A17}"/>
+                <a16:creationId xmlns="" xmlns:a16="http://schemas.microsoft.com/office/drawing/2014/main" id="{4FD97564-C310-6E8C-8689-CE18881B4A17}"/>
               </a:ext>
             </a:extLst>
           </p:cNvPr>
@@ -7972,7 +8408,7 @@
           <p:cNvPr id="3" name="Text Placeholder 2">
             <a:extLst>
               <a:ext uri="{FF2B5EF4-FFF2-40B4-BE49-F238E27FC236}">
-                <a16:creationId xmlns:a16="http://schemas.microsoft.com/office/drawing/2014/main" xmlns="" id="{0FAD99FA-26D9-873B-BE7F-26FEC5C233A2}"/>
+                <a16:creationId xmlns="" xmlns:a16="http://schemas.microsoft.com/office/drawing/2014/main" id="{0FAD99FA-26D9-873B-BE7F-26FEC5C233A2}"/>
               </a:ext>
             </a:extLst>
           </p:cNvPr>
@@ -8040,7 +8476,7 @@
           <p:cNvPr id="4" name="Date Placeholder 3">
             <a:extLst>
               <a:ext uri="{FF2B5EF4-FFF2-40B4-BE49-F238E27FC236}">
-                <a16:creationId xmlns:a16="http://schemas.microsoft.com/office/drawing/2014/main" xmlns="" id="{C319819E-0266-97DD-DFD1-BAAA06AE3236}"/>
+                <a16:creationId xmlns="" xmlns:a16="http://schemas.microsoft.com/office/drawing/2014/main" id="{C319819E-0266-97DD-DFD1-BAAA06AE3236}"/>
               </a:ext>
             </a:extLst>
           </p:cNvPr>
@@ -8076,7 +8512,7 @@
           <a:p>
             <a:fld id="{D6D8061D-18C3-4F4F-85EF-561633F58754}" type="datetimeFigureOut">
               <a:rPr lang="en-US" smtClean="0"/>
-              <a:t>3/5/2025</a:t>
+              <a:t>3/10/2025</a:t>
             </a:fld>
             <a:endParaRPr lang="en-US"/>
           </a:p>
@@ -8087,7 +8523,7 @@
           <p:cNvPr id="5" name="Footer Placeholder 4">
             <a:extLst>
               <a:ext uri="{FF2B5EF4-FFF2-40B4-BE49-F238E27FC236}">
-                <a16:creationId xmlns:a16="http://schemas.microsoft.com/office/drawing/2014/main" xmlns="" id="{2BFD19C9-01CE-9E2A-CDA5-C15940F055F7}"/>
+                <a16:creationId xmlns="" xmlns:a16="http://schemas.microsoft.com/office/drawing/2014/main" id="{2BFD19C9-01CE-9E2A-CDA5-C15940F055F7}"/>
               </a:ext>
             </a:extLst>
           </p:cNvPr>
@@ -8130,7 +8566,7 @@
           <p:cNvPr id="6" name="Slide Number Placeholder 5">
             <a:extLst>
               <a:ext uri="{FF2B5EF4-FFF2-40B4-BE49-F238E27FC236}">
-                <a16:creationId xmlns:a16="http://schemas.microsoft.com/office/drawing/2014/main" xmlns="" id="{A1801085-7B28-048D-E3D3-9C3614268DA7}"/>
+                <a16:creationId xmlns="" xmlns:a16="http://schemas.microsoft.com/office/drawing/2014/main" id="{A1801085-7B28-048D-E3D3-9C3614268DA7}"/>
               </a:ext>
             </a:extLst>
           </p:cNvPr>
@@ -8499,7 +8935,7 @@
           <p:cNvPr id="6" name="Title 5">
             <a:extLst>
               <a:ext uri="{FF2B5EF4-FFF2-40B4-BE49-F238E27FC236}">
-                <a16:creationId xmlns:a16="http://schemas.microsoft.com/office/drawing/2014/main" xmlns="" id="{F20A922B-22EC-7FD8-FA8C-2FFAC558BD66}"/>
+                <a16:creationId xmlns="" xmlns:a16="http://schemas.microsoft.com/office/drawing/2014/main" id="{F20A922B-22EC-7FD8-FA8C-2FFAC558BD66}"/>
               </a:ext>
             </a:extLst>
           </p:cNvPr>
@@ -8572,7 +9008,7 @@
           <p:cNvPr id="7" name="TextBox 6">
             <a:extLst>
               <a:ext uri="{FF2B5EF4-FFF2-40B4-BE49-F238E27FC236}">
-                <a16:creationId xmlns:a16="http://schemas.microsoft.com/office/drawing/2014/main" xmlns="" id="{80FDA16B-36A0-D5C1-2B07-8EE49AE7A5F9}"/>
+                <a16:creationId xmlns="" xmlns:a16="http://schemas.microsoft.com/office/drawing/2014/main" id="{80FDA16B-36A0-D5C1-2B07-8EE49AE7A5F9}"/>
               </a:ext>
             </a:extLst>
           </p:cNvPr>
@@ -8679,7 +9115,7 @@
         <p:cNvPr id="1" name="">
           <a:extLst>
             <a:ext uri="{FF2B5EF4-FFF2-40B4-BE49-F238E27FC236}">
-              <a16:creationId xmlns:a16="http://schemas.microsoft.com/office/drawing/2014/main" xmlns="" id="{EF87400A-AA39-C6BD-0F50-19DF27F0BEE1}"/>
+              <a16:creationId xmlns="" xmlns:a16="http://schemas.microsoft.com/office/drawing/2014/main" id="{EF87400A-AA39-C6BD-0F50-19DF27F0BEE1}"/>
             </a:ext>
           </a:extLst>
         </p:cNvPr>
@@ -8699,7 +9135,7 @@
           <p:cNvPr id="7" name="Title 6">
             <a:extLst>
               <a:ext uri="{FF2B5EF4-FFF2-40B4-BE49-F238E27FC236}">
-                <a16:creationId xmlns:a16="http://schemas.microsoft.com/office/drawing/2014/main" xmlns="" id="{DDE79998-A15C-2CB6-B04B-53D589C36C00}"/>
+                <a16:creationId xmlns="" xmlns:a16="http://schemas.microsoft.com/office/drawing/2014/main" id="{DDE79998-A15C-2CB6-B04B-53D589C36C00}"/>
               </a:ext>
             </a:extLst>
           </p:cNvPr>
@@ -8743,7 +9179,7 @@
           <p:cNvPr id="4" name="TextBox 3">
             <a:extLst>
               <a:ext uri="{FF2B5EF4-FFF2-40B4-BE49-F238E27FC236}">
-                <a16:creationId xmlns:a16="http://schemas.microsoft.com/office/drawing/2014/main" xmlns="" id="{879E6C82-14DA-B822-B0AD-CDBC55F93D43}"/>
+                <a16:creationId xmlns="" xmlns:a16="http://schemas.microsoft.com/office/drawing/2014/main" id="{879E6C82-14DA-B822-B0AD-CDBC55F93D43}"/>
               </a:ext>
             </a:extLst>
           </p:cNvPr>
@@ -8829,7 +9265,7 @@
           <p:cNvPr id="18" name="Arc 17">
             <a:extLst>
               <a:ext uri="{FF2B5EF4-FFF2-40B4-BE49-F238E27FC236}">
-                <a16:creationId xmlns:a16="http://schemas.microsoft.com/office/drawing/2014/main" xmlns="" id="{9B8D2FA6-CA42-5B24-DF6B-A4BC73628119}"/>
+                <a16:creationId xmlns="" xmlns:a16="http://schemas.microsoft.com/office/drawing/2014/main" id="{9B8D2FA6-CA42-5B24-DF6B-A4BC73628119}"/>
               </a:ext>
             </a:extLst>
           </p:cNvPr>
@@ -8873,7 +9309,7 @@
           <p:cNvPr id="19" name="TextBox 18">
             <a:extLst>
               <a:ext uri="{FF2B5EF4-FFF2-40B4-BE49-F238E27FC236}">
-                <a16:creationId xmlns:a16="http://schemas.microsoft.com/office/drawing/2014/main" xmlns="" id="{1D79FC21-9495-9973-2B02-EC44707476AF}"/>
+                <a16:creationId xmlns="" xmlns:a16="http://schemas.microsoft.com/office/drawing/2014/main" id="{1D79FC21-9495-9973-2B02-EC44707476AF}"/>
               </a:ext>
             </a:extLst>
           </p:cNvPr>
@@ -8932,7 +9368,7 @@
           <p:cNvPr id="21" name="Arc 20">
             <a:extLst>
               <a:ext uri="{FF2B5EF4-FFF2-40B4-BE49-F238E27FC236}">
-                <a16:creationId xmlns:a16="http://schemas.microsoft.com/office/drawing/2014/main" xmlns="" id="{D625BEE6-1977-BBA6-6801-FA5F97103C62}"/>
+                <a16:creationId xmlns="" xmlns:a16="http://schemas.microsoft.com/office/drawing/2014/main" id="{D625BEE6-1977-BBA6-6801-FA5F97103C62}"/>
               </a:ext>
             </a:extLst>
           </p:cNvPr>
@@ -8979,7 +9415,7 @@
           <p:cNvPr id="22" name="TextBox 21">
             <a:extLst>
               <a:ext uri="{FF2B5EF4-FFF2-40B4-BE49-F238E27FC236}">
-                <a16:creationId xmlns:a16="http://schemas.microsoft.com/office/drawing/2014/main" xmlns="" id="{3C172C52-0068-4260-6B4B-32D95D57BAE3}"/>
+                <a16:creationId xmlns="" xmlns:a16="http://schemas.microsoft.com/office/drawing/2014/main" id="{3C172C52-0068-4260-6B4B-32D95D57BAE3}"/>
               </a:ext>
             </a:extLst>
           </p:cNvPr>
@@ -9061,7 +9497,7 @@
           <p:cNvPr id="23" name="Arc 22">
             <a:extLst>
               <a:ext uri="{FF2B5EF4-FFF2-40B4-BE49-F238E27FC236}">
-                <a16:creationId xmlns:a16="http://schemas.microsoft.com/office/drawing/2014/main" xmlns="" id="{E9F44C23-2D8C-90B8-227F-6E591C8E4A94}"/>
+                <a16:creationId xmlns="" xmlns:a16="http://schemas.microsoft.com/office/drawing/2014/main" id="{E9F44C23-2D8C-90B8-227F-6E591C8E4A94}"/>
               </a:ext>
             </a:extLst>
           </p:cNvPr>
@@ -9121,7 +9557,7 @@
         <p:cNvPr id="1" name="">
           <a:extLst>
             <a:ext uri="{FF2B5EF4-FFF2-40B4-BE49-F238E27FC236}">
-              <a16:creationId xmlns:a16="http://schemas.microsoft.com/office/drawing/2014/main" xmlns="" id="{EF87400A-AA39-C6BD-0F50-19DF27F0BEE1}"/>
+              <a16:creationId xmlns="" xmlns:a16="http://schemas.microsoft.com/office/drawing/2014/main" id="{EF87400A-AA39-C6BD-0F50-19DF27F0BEE1}"/>
             </a:ext>
           </a:extLst>
         </p:cNvPr>
@@ -9141,7 +9577,7 @@
           <p:cNvPr id="7" name="Title 6">
             <a:extLst>
               <a:ext uri="{FF2B5EF4-FFF2-40B4-BE49-F238E27FC236}">
-                <a16:creationId xmlns:a16="http://schemas.microsoft.com/office/drawing/2014/main" xmlns="" id="{DDE79998-A15C-2CB6-B04B-53D589C36C00}"/>
+                <a16:creationId xmlns="" xmlns:a16="http://schemas.microsoft.com/office/drawing/2014/main" id="{DDE79998-A15C-2CB6-B04B-53D589C36C00}"/>
               </a:ext>
             </a:extLst>
           </p:cNvPr>
@@ -9839,7 +10275,7 @@
         <p:cNvPr id="1" name="">
           <a:extLst>
             <a:ext uri="{FF2B5EF4-FFF2-40B4-BE49-F238E27FC236}">
-              <a16:creationId xmlns:a16="http://schemas.microsoft.com/office/drawing/2014/main" xmlns="" id="{EF87400A-AA39-C6BD-0F50-19DF27F0BEE1}"/>
+              <a16:creationId xmlns="" xmlns:a16="http://schemas.microsoft.com/office/drawing/2014/main" id="{EF87400A-AA39-C6BD-0F50-19DF27F0BEE1}"/>
             </a:ext>
           </a:extLst>
         </p:cNvPr>
@@ -10323,7 +10759,7 @@
         <p:cNvPr id="1" name="">
           <a:extLst>
             <a:ext uri="{FF2B5EF4-FFF2-40B4-BE49-F238E27FC236}">
-              <a16:creationId xmlns:a16="http://schemas.microsoft.com/office/drawing/2014/main" xmlns="" id="{EF87400A-AA39-C6BD-0F50-19DF27F0BEE1}"/>
+              <a16:creationId xmlns="" xmlns:a16="http://schemas.microsoft.com/office/drawing/2014/main" id="{EF87400A-AA39-C6BD-0F50-19DF27F0BEE1}"/>
             </a:ext>
           </a:extLst>
         </p:cNvPr>
@@ -10811,7 +11247,7 @@
         <p:cNvPr id="1" name="">
           <a:extLst>
             <a:ext uri="{FF2B5EF4-FFF2-40B4-BE49-F238E27FC236}">
-              <a16:creationId xmlns:a16="http://schemas.microsoft.com/office/drawing/2014/main" xmlns="" id="{EF87400A-AA39-C6BD-0F50-19DF27F0BEE1}"/>
+              <a16:creationId xmlns="" xmlns:a16="http://schemas.microsoft.com/office/drawing/2014/main" id="{EF87400A-AA39-C6BD-0F50-19DF27F0BEE1}"/>
             </a:ext>
           </a:extLst>
         </p:cNvPr>
@@ -11133,7 +11569,7 @@
         <p:cNvPr id="1" name="">
           <a:extLst>
             <a:ext uri="{FF2B5EF4-FFF2-40B4-BE49-F238E27FC236}">
-              <a16:creationId xmlns:a16="http://schemas.microsoft.com/office/drawing/2014/main" xmlns="" id="{EF87400A-AA39-C6BD-0F50-19DF27F0BEE1}"/>
+              <a16:creationId xmlns="" xmlns:a16="http://schemas.microsoft.com/office/drawing/2014/main" id="{EF87400A-AA39-C6BD-0F50-19DF27F0BEE1}"/>
             </a:ext>
           </a:extLst>
         </p:cNvPr>
@@ -11368,7 +11804,7 @@
         <p:cNvPr id="1" name="">
           <a:extLst>
             <a:ext uri="{FF2B5EF4-FFF2-40B4-BE49-F238E27FC236}">
-              <a16:creationId xmlns:a16="http://schemas.microsoft.com/office/drawing/2014/main" xmlns="" id="{EF87400A-AA39-C6BD-0F50-19DF27F0BEE1}"/>
+              <a16:creationId xmlns="" xmlns:a16="http://schemas.microsoft.com/office/drawing/2014/main" id="{EF87400A-AA39-C6BD-0F50-19DF27F0BEE1}"/>
             </a:ext>
           </a:extLst>
         </p:cNvPr>
@@ -11388,7 +11824,7 @@
           <p:cNvPr id="7" name="Title 6">
             <a:extLst>
               <a:ext uri="{FF2B5EF4-FFF2-40B4-BE49-F238E27FC236}">
-                <a16:creationId xmlns:a16="http://schemas.microsoft.com/office/drawing/2014/main" xmlns="" id="{DDE79998-A15C-2CB6-B04B-53D589C36C00}"/>
+                <a16:creationId xmlns="" xmlns:a16="http://schemas.microsoft.com/office/drawing/2014/main" id="{DDE79998-A15C-2CB6-B04B-53D589C36C00}"/>
               </a:ext>
             </a:extLst>
           </p:cNvPr>
@@ -12055,7 +12491,7 @@
         <p:cNvPr id="1" name="">
           <a:extLst>
             <a:ext uri="{FF2B5EF4-FFF2-40B4-BE49-F238E27FC236}">
-              <a16:creationId xmlns:a16="http://schemas.microsoft.com/office/drawing/2014/main" xmlns="" id="{EF87400A-AA39-C6BD-0F50-19DF27F0BEE1}"/>
+              <a16:creationId xmlns="" xmlns:a16="http://schemas.microsoft.com/office/drawing/2014/main" id="{EF87400A-AA39-C6BD-0F50-19DF27F0BEE1}"/>
             </a:ext>
           </a:extLst>
         </p:cNvPr>
@@ -12535,7 +12971,7 @@
         <p:cNvPr id="1" name="">
           <a:extLst>
             <a:ext uri="{FF2B5EF4-FFF2-40B4-BE49-F238E27FC236}">
-              <a16:creationId xmlns:a16="http://schemas.microsoft.com/office/drawing/2014/main" xmlns="" id="{EF87400A-AA39-C6BD-0F50-19DF27F0BEE1}"/>
+              <a16:creationId xmlns="" xmlns:a16="http://schemas.microsoft.com/office/drawing/2014/main" id="{EF87400A-AA39-C6BD-0F50-19DF27F0BEE1}"/>
             </a:ext>
           </a:extLst>
         </p:cNvPr>
@@ -13027,7 +13463,7 @@
         <p:cNvPr id="1" name="">
           <a:extLst>
             <a:ext uri="{FF2B5EF4-FFF2-40B4-BE49-F238E27FC236}">
-              <a16:creationId xmlns:a16="http://schemas.microsoft.com/office/drawing/2014/main" xmlns="" id="{EF87400A-AA39-C6BD-0F50-19DF27F0BEE1}"/>
+              <a16:creationId xmlns="" xmlns:a16="http://schemas.microsoft.com/office/drawing/2014/main" id="{EF87400A-AA39-C6BD-0F50-19DF27F0BEE1}"/>
             </a:ext>
           </a:extLst>
         </p:cNvPr>
@@ -13363,7 +13799,7 @@
           <p:cNvPr id="7" name="Title 6">
             <a:extLst>
               <a:ext uri="{FF2B5EF4-FFF2-40B4-BE49-F238E27FC236}">
-                <a16:creationId xmlns:a16="http://schemas.microsoft.com/office/drawing/2014/main" xmlns="" id="{2B1821E8-F378-D74B-E865-C40990E3D41F}"/>
+                <a16:creationId xmlns="" xmlns:a16="http://schemas.microsoft.com/office/drawing/2014/main" id="{2B1821E8-F378-D74B-E865-C40990E3D41F}"/>
               </a:ext>
             </a:extLst>
           </p:cNvPr>
@@ -13396,7 +13832,7 @@
           <p:cNvPr id="8" name="TextBox 7">
             <a:extLst>
               <a:ext uri="{FF2B5EF4-FFF2-40B4-BE49-F238E27FC236}">
-                <a16:creationId xmlns:a16="http://schemas.microsoft.com/office/drawing/2014/main" xmlns="" id="{FA6ECF98-C929-063C-BFD6-AA57AAC2A02F}"/>
+                <a16:creationId xmlns="" xmlns:a16="http://schemas.microsoft.com/office/drawing/2014/main" id="{FA6ECF98-C929-063C-BFD6-AA57AAC2A02F}"/>
               </a:ext>
             </a:extLst>
           </p:cNvPr>
@@ -13540,7 +13976,7 @@
           <p:cNvPr id="9" name="TextBox 8">
             <a:extLst>
               <a:ext uri="{FF2B5EF4-FFF2-40B4-BE49-F238E27FC236}">
-                <a16:creationId xmlns:a16="http://schemas.microsoft.com/office/drawing/2014/main" xmlns="" id="{867A665E-4508-A316-4C04-8788127440A7}"/>
+                <a16:creationId xmlns="" xmlns:a16="http://schemas.microsoft.com/office/drawing/2014/main" id="{867A665E-4508-A316-4C04-8788127440A7}"/>
               </a:ext>
             </a:extLst>
           </p:cNvPr>
@@ -13750,7 +14186,7 @@
         <p:cNvPr id="1" name="">
           <a:extLst>
             <a:ext uri="{FF2B5EF4-FFF2-40B4-BE49-F238E27FC236}">
-              <a16:creationId xmlns:a16="http://schemas.microsoft.com/office/drawing/2014/main" xmlns="" id="{EF87400A-AA39-C6BD-0F50-19DF27F0BEE1}"/>
+              <a16:creationId xmlns="" xmlns:a16="http://schemas.microsoft.com/office/drawing/2014/main" id="{EF87400A-AA39-C6BD-0F50-19DF27F0BEE1}"/>
             </a:ext>
           </a:extLst>
         </p:cNvPr>
@@ -13933,7 +14369,7 @@
         <p:cNvPr id="1" name="">
           <a:extLst>
             <a:ext uri="{FF2B5EF4-FFF2-40B4-BE49-F238E27FC236}">
-              <a16:creationId xmlns:a16="http://schemas.microsoft.com/office/drawing/2014/main" xmlns="" id="{EF87400A-AA39-C6BD-0F50-19DF27F0BEE1}"/>
+              <a16:creationId xmlns="" xmlns:a16="http://schemas.microsoft.com/office/drawing/2014/main" id="{EF87400A-AA39-C6BD-0F50-19DF27F0BEE1}"/>
             </a:ext>
           </a:extLst>
         </p:cNvPr>
@@ -13953,7 +14389,7 @@
           <p:cNvPr id="7" name="Title 6">
             <a:extLst>
               <a:ext uri="{FF2B5EF4-FFF2-40B4-BE49-F238E27FC236}">
-                <a16:creationId xmlns:a16="http://schemas.microsoft.com/office/drawing/2014/main" xmlns="" id="{DDE79998-A15C-2CB6-B04B-53D589C36C00}"/>
+                <a16:creationId xmlns="" xmlns:a16="http://schemas.microsoft.com/office/drawing/2014/main" id="{DDE79998-A15C-2CB6-B04B-53D589C36C00}"/>
               </a:ext>
             </a:extLst>
           </p:cNvPr>
@@ -14668,7 +15104,7 @@
         <p:cNvPr id="1" name="">
           <a:extLst>
             <a:ext uri="{FF2B5EF4-FFF2-40B4-BE49-F238E27FC236}">
-              <a16:creationId xmlns:a16="http://schemas.microsoft.com/office/drawing/2014/main" xmlns="" id="{EF87400A-AA39-C6BD-0F50-19DF27F0BEE1}"/>
+              <a16:creationId xmlns="" xmlns:a16="http://schemas.microsoft.com/office/drawing/2014/main" id="{EF87400A-AA39-C6BD-0F50-19DF27F0BEE1}"/>
             </a:ext>
           </a:extLst>
         </p:cNvPr>
@@ -15187,7 +15623,7 @@
         <p:cNvPr id="1" name="">
           <a:extLst>
             <a:ext uri="{FF2B5EF4-FFF2-40B4-BE49-F238E27FC236}">
-              <a16:creationId xmlns:a16="http://schemas.microsoft.com/office/drawing/2014/main" xmlns="" id="{EF87400A-AA39-C6BD-0F50-19DF27F0BEE1}"/>
+              <a16:creationId xmlns="" xmlns:a16="http://schemas.microsoft.com/office/drawing/2014/main" id="{EF87400A-AA39-C6BD-0F50-19DF27F0BEE1}"/>
             </a:ext>
           </a:extLst>
         </p:cNvPr>
@@ -15678,7 +16114,7 @@
         <p:cNvPr id="1" name="">
           <a:extLst>
             <a:ext uri="{FF2B5EF4-FFF2-40B4-BE49-F238E27FC236}">
-              <a16:creationId xmlns:a16="http://schemas.microsoft.com/office/drawing/2014/main" xmlns="" id="{EF87400A-AA39-C6BD-0F50-19DF27F0BEE1}"/>
+              <a16:creationId xmlns="" xmlns:a16="http://schemas.microsoft.com/office/drawing/2014/main" id="{EF87400A-AA39-C6BD-0F50-19DF27F0BEE1}"/>
             </a:ext>
           </a:extLst>
         </p:cNvPr>
@@ -15995,7 +16431,7 @@
         <p:cNvPr id="1" name="">
           <a:extLst>
             <a:ext uri="{FF2B5EF4-FFF2-40B4-BE49-F238E27FC236}">
-              <a16:creationId xmlns:a16="http://schemas.microsoft.com/office/drawing/2014/main" xmlns="" id="{EF87400A-AA39-C6BD-0F50-19DF27F0BEE1}"/>
+              <a16:creationId xmlns="" xmlns:a16="http://schemas.microsoft.com/office/drawing/2014/main" id="{EF87400A-AA39-C6BD-0F50-19DF27F0BEE1}"/>
             </a:ext>
           </a:extLst>
         </p:cNvPr>
@@ -16639,7 +17075,7 @@
         <p:cNvPr id="1" name="">
           <a:extLst>
             <a:ext uri="{FF2B5EF4-FFF2-40B4-BE49-F238E27FC236}">
-              <a16:creationId xmlns:a16="http://schemas.microsoft.com/office/drawing/2014/main" xmlns="" id="{EF87400A-AA39-C6BD-0F50-19DF27F0BEE1}"/>
+              <a16:creationId xmlns="" xmlns:a16="http://schemas.microsoft.com/office/drawing/2014/main" id="{EF87400A-AA39-C6BD-0F50-19DF27F0BEE1}"/>
             </a:ext>
           </a:extLst>
         </p:cNvPr>
@@ -16840,7 +17276,7 @@
         <p:cNvPr id="1" name="">
           <a:extLst>
             <a:ext uri="{FF2B5EF4-FFF2-40B4-BE49-F238E27FC236}">
-              <a16:creationId xmlns:a16="http://schemas.microsoft.com/office/drawing/2014/main" xmlns="" id="{EF87400A-AA39-C6BD-0F50-19DF27F0BEE1}"/>
+              <a16:creationId xmlns="" xmlns:a16="http://schemas.microsoft.com/office/drawing/2014/main" id="{EF87400A-AA39-C6BD-0F50-19DF27F0BEE1}"/>
             </a:ext>
           </a:extLst>
         </p:cNvPr>
@@ -17572,7 +18008,7 @@
         <p:cNvPr id="1" name="">
           <a:extLst>
             <a:ext uri="{FF2B5EF4-FFF2-40B4-BE49-F238E27FC236}">
-              <a16:creationId xmlns:a16="http://schemas.microsoft.com/office/drawing/2014/main" xmlns="" id="{EF87400A-AA39-C6BD-0F50-19DF27F0BEE1}"/>
+              <a16:creationId xmlns="" xmlns:a16="http://schemas.microsoft.com/office/drawing/2014/main" id="{EF87400A-AA39-C6BD-0F50-19DF27F0BEE1}"/>
             </a:ext>
           </a:extLst>
         </p:cNvPr>
@@ -17848,7 +18284,7 @@
         <p:cNvPr id="1" name="">
           <a:extLst>
             <a:ext uri="{FF2B5EF4-FFF2-40B4-BE49-F238E27FC236}">
-              <a16:creationId xmlns:a16="http://schemas.microsoft.com/office/drawing/2014/main" xmlns="" id="{EF87400A-AA39-C6BD-0F50-19DF27F0BEE1}"/>
+              <a16:creationId xmlns="" xmlns:a16="http://schemas.microsoft.com/office/drawing/2014/main" id="{EF87400A-AA39-C6BD-0F50-19DF27F0BEE1}"/>
             </a:ext>
           </a:extLst>
         </p:cNvPr>
@@ -18645,7 +19081,7 @@
         <p:cNvPr id="1" name="">
           <a:extLst>
             <a:ext uri="{FF2B5EF4-FFF2-40B4-BE49-F238E27FC236}">
-              <a16:creationId xmlns:a16="http://schemas.microsoft.com/office/drawing/2014/main" xmlns="" id="{39288295-DCAF-069C-8B1B-4576B8E372BB}"/>
+              <a16:creationId xmlns="" xmlns:a16="http://schemas.microsoft.com/office/drawing/2014/main" id="{39288295-DCAF-069C-8B1B-4576B8E372BB}"/>
             </a:ext>
           </a:extLst>
         </p:cNvPr>
@@ -18665,7 +19101,7 @@
           <p:cNvPr id="7" name="Title 6">
             <a:extLst>
               <a:ext uri="{FF2B5EF4-FFF2-40B4-BE49-F238E27FC236}">
-                <a16:creationId xmlns:a16="http://schemas.microsoft.com/office/drawing/2014/main" xmlns="" id="{61F85EF1-69F5-5E4D-E911-359BF0A3DBF3}"/>
+                <a16:creationId xmlns="" xmlns:a16="http://schemas.microsoft.com/office/drawing/2014/main" id="{61F85EF1-69F5-5E4D-E911-359BF0A3DBF3}"/>
               </a:ext>
             </a:extLst>
           </p:cNvPr>
@@ -18706,7 +19142,7 @@
           <p:cNvPr id="8" name="TextBox 7">
             <a:extLst>
               <a:ext uri="{FF2B5EF4-FFF2-40B4-BE49-F238E27FC236}">
-                <a16:creationId xmlns:a16="http://schemas.microsoft.com/office/drawing/2014/main" xmlns="" id="{F8C56A79-35B0-9EBF-8FD3-C903CBFF847D}"/>
+                <a16:creationId xmlns="" xmlns:a16="http://schemas.microsoft.com/office/drawing/2014/main" id="{F8C56A79-35B0-9EBF-8FD3-C903CBFF847D}"/>
               </a:ext>
             </a:extLst>
           </p:cNvPr>
@@ -18829,7 +19265,7 @@
           <p:cNvPr id="2" name="TextBox 1">
             <a:extLst>
               <a:ext uri="{FF2B5EF4-FFF2-40B4-BE49-F238E27FC236}">
-                <a16:creationId xmlns:a16="http://schemas.microsoft.com/office/drawing/2014/main" xmlns="" id="{144EF226-6026-E052-DD93-BEC3F237B30F}"/>
+                <a16:creationId xmlns="" xmlns:a16="http://schemas.microsoft.com/office/drawing/2014/main" id="{144EF226-6026-E052-DD93-BEC3F237B30F}"/>
               </a:ext>
             </a:extLst>
           </p:cNvPr>
@@ -18969,7 +19405,7 @@
         <p:cNvPr id="1" name="">
           <a:extLst>
             <a:ext uri="{FF2B5EF4-FFF2-40B4-BE49-F238E27FC236}">
-              <a16:creationId xmlns:a16="http://schemas.microsoft.com/office/drawing/2014/main" xmlns="" id="{EF87400A-AA39-C6BD-0F50-19DF27F0BEE1}"/>
+              <a16:creationId xmlns="" xmlns:a16="http://schemas.microsoft.com/office/drawing/2014/main" id="{EF87400A-AA39-C6BD-0F50-19DF27F0BEE1}"/>
             </a:ext>
           </a:extLst>
         </p:cNvPr>
@@ -19021,11 +19457,6 @@
               </a:rPr>
               <a:t>4</a:t>
             </a:r>
-            <a:endParaRPr lang="ru-RU" sz="7200" dirty="0">
-              <a:solidFill>
-                <a:schemeClr val="bg1"/>
-              </a:solidFill>
-            </a:endParaRPr>
           </a:p>
         </p:txBody>
       </p:sp>
@@ -19291,7 +19722,7 @@
         <p:cNvPr id="1" name="">
           <a:extLst>
             <a:ext uri="{FF2B5EF4-FFF2-40B4-BE49-F238E27FC236}">
-              <a16:creationId xmlns:a16="http://schemas.microsoft.com/office/drawing/2014/main" xmlns="" id="{EF87400A-AA39-C6BD-0F50-19DF27F0BEE1}"/>
+              <a16:creationId xmlns="" xmlns:a16="http://schemas.microsoft.com/office/drawing/2014/main" id="{EF87400A-AA39-C6BD-0F50-19DF27F0BEE1}"/>
             </a:ext>
           </a:extLst>
         </p:cNvPr>
@@ -19343,11 +19774,6 @@
               </a:rPr>
               <a:t>4</a:t>
             </a:r>
-            <a:endParaRPr lang="ru-RU" sz="7200" dirty="0">
-              <a:solidFill>
-                <a:schemeClr val="bg1"/>
-              </a:solidFill>
-            </a:endParaRPr>
           </a:p>
         </p:txBody>
       </p:sp>
@@ -19749,7 +20175,7 @@
         <p:cNvPr id="1" name="">
           <a:extLst>
             <a:ext uri="{FF2B5EF4-FFF2-40B4-BE49-F238E27FC236}">
-              <a16:creationId xmlns:a16="http://schemas.microsoft.com/office/drawing/2014/main" xmlns="" id="{EF87400A-AA39-C6BD-0F50-19DF27F0BEE1}"/>
+              <a16:creationId xmlns="" xmlns:a16="http://schemas.microsoft.com/office/drawing/2014/main" id="{EF87400A-AA39-C6BD-0F50-19DF27F0BEE1}"/>
             </a:ext>
           </a:extLst>
         </p:cNvPr>
@@ -19816,11 +20242,7 @@
           <a:p>
             <a:r>
               <a:rPr lang="en-US" sz="2800" dirty="0" smtClean="0"/>
-              <a:t>Then </a:t>
-            </a:r>
-            <a:r>
-              <a:rPr lang="en-US" sz="2800" dirty="0" smtClean="0"/>
-              <a:t>we will try to optimize the time of ai compression/decompression</a:t>
+              <a:t>Then we will try to optimize the time of ai compression/decompression</a:t>
             </a:r>
             <a:endParaRPr lang="en-US" sz="2800" dirty="0"/>
           </a:p>
@@ -19884,7 +20306,7 @@
         <p:cNvPr id="1" name="">
           <a:extLst>
             <a:ext uri="{FF2B5EF4-FFF2-40B4-BE49-F238E27FC236}">
-              <a16:creationId xmlns:a16="http://schemas.microsoft.com/office/drawing/2014/main" xmlns="" id="{EF87400A-AA39-C6BD-0F50-19DF27F0BEE1}"/>
+              <a16:creationId xmlns="" xmlns:a16="http://schemas.microsoft.com/office/drawing/2014/main" id="{EF87400A-AA39-C6BD-0F50-19DF27F0BEE1}"/>
             </a:ext>
           </a:extLst>
         </p:cNvPr>
@@ -19959,7 +20381,6 @@
               <a:rPr lang="en-US" sz="2800" dirty="0" smtClean="0"/>
               <a:t> seconds</a:t>
             </a:r>
-            <a:endParaRPr lang="en-US" sz="2800" dirty="0" smtClean="0"/>
           </a:p>
         </p:txBody>
       </p:sp>
@@ -20146,7 +20567,7 @@
         <p:cNvPr id="1" name="">
           <a:extLst>
             <a:ext uri="{FF2B5EF4-FFF2-40B4-BE49-F238E27FC236}">
-              <a16:creationId xmlns:a16="http://schemas.microsoft.com/office/drawing/2014/main" xmlns="" id="{8C579E26-FA2D-1C68-DB27-3D2C268F6B28}"/>
+              <a16:creationId xmlns="" xmlns:a16="http://schemas.microsoft.com/office/drawing/2014/main" id="{EF87400A-AA39-C6BD-0F50-19DF27F0BEE1}"/>
             </a:ext>
           </a:extLst>
         </p:cNvPr>
@@ -20163,10 +20584,950 @@
       </p:grpSpPr>
       <p:sp>
         <p:nvSpPr>
+          <p:cNvPr id="13" name="Заголовок 1"/>
+          <p:cNvSpPr txBox="1">
+            <a:spLocks/>
+          </p:cNvSpPr>
+          <p:nvPr/>
+        </p:nvSpPr>
+        <p:spPr>
+          <a:xfrm>
+            <a:off x="1831156" y="2072640"/>
+            <a:ext cx="8394955" cy="2926080"/>
+          </a:xfrm>
+          <a:prstGeom prst="rect">
+            <a:avLst/>
+          </a:prstGeom>
+        </p:spPr>
+        <p:txBody>
+          <a:bodyPr vert="horz" lIns="91440" tIns="45720" rIns="91440" bIns="45720" rtlCol="0" anchor="ctr" anchorCtr="0">
+            <a:noAutofit/>
+          </a:bodyPr>
+          <a:lstStyle>
+            <a:lvl1pPr algn="ctr" defTabSz="914400" rtl="0" eaLnBrk="1" latinLnBrk="0" hangingPunct="1">
+              <a:lnSpc>
+                <a:spcPct val="90000"/>
+              </a:lnSpc>
+              <a:spcBef>
+                <a:spcPct val="0"/>
+              </a:spcBef>
+              <a:buNone/>
+              <a:defRPr sz="4800" kern="1200" cap="all" spc="300" baseline="0">
+                <a:solidFill>
+                  <a:schemeClr val="bg1"/>
+                </a:solidFill>
+                <a:latin typeface="+mj-lt"/>
+                <a:ea typeface="+mj-ea"/>
+                <a:cs typeface="+mj-cs"/>
+              </a:defRPr>
+            </a:lvl1pPr>
+          </a:lstStyle>
+          <a:p>
+            <a:r>
+              <a:rPr lang="en-US" sz="2800" dirty="0" smtClean="0"/>
+              <a:t>In step 6 we will Learn model on the 1024x1024px images to see, how model will compete with jpeg on high-quality images</a:t>
+            </a:r>
+            <a:endParaRPr lang="en-US" sz="2800" dirty="0"/>
+          </a:p>
+        </p:txBody>
+      </p:sp>
+      <p:sp>
+        <p:nvSpPr>
+          <p:cNvPr id="14" name="Прямоугольник 13"/>
+          <p:cNvSpPr/>
+          <p:nvPr/>
+        </p:nvSpPr>
+        <p:spPr>
+          <a:xfrm>
+            <a:off x="4499553" y="0"/>
+            <a:ext cx="3058160" cy="1200329"/>
+          </a:xfrm>
+          <a:prstGeom prst="rect">
+            <a:avLst/>
+          </a:prstGeom>
+        </p:spPr>
+        <p:txBody>
+          <a:bodyPr wrap="square">
+            <a:spAutoFit/>
+          </a:bodyPr>
+          <a:lstStyle/>
+          <a:p>
+            <a:r>
+              <a:rPr lang="en-US" sz="7200" dirty="0" smtClean="0">
+                <a:solidFill>
+                  <a:schemeClr val="bg1"/>
+                </a:solidFill>
+              </a:rPr>
+              <a:t>Step 6</a:t>
+            </a:r>
+            <a:endParaRPr lang="ru-RU" sz="7200" dirty="0">
+              <a:solidFill>
+                <a:schemeClr val="bg1"/>
+              </a:solidFill>
+            </a:endParaRPr>
+          </a:p>
+        </p:txBody>
+      </p:sp>
+    </p:spTree>
+    <p:extLst>
+      <p:ext uri="{BB962C8B-B14F-4D97-AF65-F5344CB8AC3E}">
+        <p14:creationId xmlns:p14="http://schemas.microsoft.com/office/powerpoint/2010/main" val="1013405305"/>
+      </p:ext>
+    </p:extLst>
+  </p:cSld>
+  <p:clrMapOvr>
+    <a:masterClrMapping/>
+  </p:clrMapOvr>
+</p:sld>
+</file>
+
+<file path=ppt/slides/slide35.xml><?xml version="1.0" encoding="utf-8"?>
+<p:sld xmlns:a="http://schemas.openxmlformats.org/drawingml/2006/main" xmlns:r="http://schemas.openxmlformats.org/officeDocument/2006/relationships" xmlns:p="http://schemas.openxmlformats.org/presentationml/2006/main">
+  <p:cSld>
+    <p:spTree>
+      <p:nvGrpSpPr>
+        <p:cNvPr id="1" name="">
+          <a:extLst>
+            <a:ext uri="{FF2B5EF4-FFF2-40B4-BE49-F238E27FC236}">
+              <a16:creationId xmlns="" xmlns:a16="http://schemas.microsoft.com/office/drawing/2014/main" id="{EF87400A-AA39-C6BD-0F50-19DF27F0BEE1}"/>
+            </a:ext>
+          </a:extLst>
+        </p:cNvPr>
+        <p:cNvGrpSpPr/>
+        <p:nvPr/>
+      </p:nvGrpSpPr>
+      <p:grpSpPr>
+        <a:xfrm>
+          <a:off x="0" y="0"/>
+          <a:ext cx="0" cy="0"/>
+          <a:chOff x="0" y="0"/>
+          <a:chExt cx="0" cy="0"/>
+        </a:xfrm>
+      </p:grpSpPr>
+      <p:sp>
+        <p:nvSpPr>
+          <p:cNvPr id="3" name="Прямоугольник 2"/>
+          <p:cNvSpPr/>
+          <p:nvPr/>
+        </p:nvSpPr>
+        <p:spPr>
+          <a:xfrm>
+            <a:off x="-1" y="5658740"/>
+            <a:ext cx="2529841" cy="1200329"/>
+          </a:xfrm>
+          <a:prstGeom prst="rect">
+            <a:avLst/>
+          </a:prstGeom>
+        </p:spPr>
+        <p:txBody>
+          <a:bodyPr wrap="square">
+            <a:spAutoFit/>
+          </a:bodyPr>
+          <a:lstStyle/>
+          <a:p>
+            <a:r>
+              <a:rPr lang="en-US" sz="7200" dirty="0" smtClean="0">
+                <a:solidFill>
+                  <a:schemeClr val="bg1"/>
+                </a:solidFill>
+              </a:rPr>
+              <a:t>Step 6</a:t>
+            </a:r>
+            <a:endParaRPr lang="ru-RU" sz="7200" dirty="0">
+              <a:solidFill>
+                <a:schemeClr val="bg1"/>
+              </a:solidFill>
+            </a:endParaRPr>
+          </a:p>
+        </p:txBody>
+      </p:sp>
+      <p:sp>
+        <p:nvSpPr>
+          <p:cNvPr id="13" name="Заголовок 1"/>
+          <p:cNvSpPr txBox="1">
+            <a:spLocks/>
+          </p:cNvSpPr>
+          <p:nvPr/>
+        </p:nvSpPr>
+        <p:spPr>
+          <a:xfrm>
+            <a:off x="1188720" y="173736"/>
+            <a:ext cx="10444479" cy="625642"/>
+          </a:xfrm>
+          <a:prstGeom prst="rect">
+            <a:avLst/>
+          </a:prstGeom>
+        </p:spPr>
+        <p:txBody>
+          <a:bodyPr vert="horz" lIns="91440" tIns="45720" rIns="91440" bIns="45720" rtlCol="0" anchor="ctr" anchorCtr="0">
+            <a:noAutofit/>
+          </a:bodyPr>
+          <a:lstStyle>
+            <a:lvl1pPr algn="ctr" defTabSz="914400" rtl="0" eaLnBrk="1" latinLnBrk="0" hangingPunct="1">
+              <a:lnSpc>
+                <a:spcPct val="90000"/>
+              </a:lnSpc>
+              <a:spcBef>
+                <a:spcPct val="0"/>
+              </a:spcBef>
+              <a:buNone/>
+              <a:defRPr sz="4800" kern="1200" cap="all" spc="300" baseline="0">
+                <a:solidFill>
+                  <a:schemeClr val="bg1"/>
+                </a:solidFill>
+                <a:latin typeface="+mj-lt"/>
+                <a:ea typeface="+mj-ea"/>
+                <a:cs typeface="+mj-cs"/>
+              </a:defRPr>
+            </a:lvl1pPr>
+          </a:lstStyle>
+          <a:p>
+            <a:r>
+              <a:rPr lang="en-US" sz="2800" dirty="0" smtClean="0"/>
+              <a:t>Results(1000 1024x1024px images trained model)</a:t>
+            </a:r>
+            <a:endParaRPr lang="en-US" sz="2800" dirty="0"/>
+          </a:p>
+        </p:txBody>
+      </p:sp>
+      <p:sp>
+        <p:nvSpPr>
+          <p:cNvPr id="2" name="Прямоугольник 1"/>
+          <p:cNvSpPr/>
+          <p:nvPr/>
+        </p:nvSpPr>
+        <p:spPr>
+          <a:xfrm>
+            <a:off x="9222731" y="5332592"/>
+            <a:ext cx="2410468" cy="369332"/>
+          </a:xfrm>
+          <a:prstGeom prst="rect">
+            <a:avLst/>
+          </a:prstGeom>
+        </p:spPr>
+        <p:txBody>
+          <a:bodyPr wrap="none">
+            <a:spAutoFit/>
+          </a:bodyPr>
+          <a:lstStyle/>
+          <a:p>
+            <a:r>
+              <a:rPr lang="en-US" dirty="0" smtClean="0">
+                <a:solidFill>
+                  <a:schemeClr val="bg1"/>
+                </a:solidFill>
+              </a:rPr>
+              <a:t>Learning time: 30 hours</a:t>
+            </a:r>
+            <a:endParaRPr lang="ru-RU" dirty="0">
+              <a:solidFill>
+                <a:schemeClr val="bg1"/>
+              </a:solidFill>
+            </a:endParaRPr>
+          </a:p>
+        </p:txBody>
+      </p:sp>
+      <p:pic>
+        <p:nvPicPr>
+          <p:cNvPr id="4" name="Picture 2"/>
+          <p:cNvPicPr>
+            <a:picLocks noChangeAspect="1" noChangeArrowheads="1"/>
+          </p:cNvPicPr>
+          <p:nvPr/>
+        </p:nvPicPr>
+        <p:blipFill>
+          <a:blip r:embed="rId3">
+            <a:extLst>
+              <a:ext uri="{28A0092B-C50C-407E-A947-70E740481C1C}">
+                <a14:useLocalDpi xmlns:a14="http://schemas.microsoft.com/office/drawing/2010/main" val="0"/>
+              </a:ext>
+            </a:extLst>
+          </a:blip>
+          <a:srcRect/>
+          <a:stretch>
+            <a:fillRect/>
+          </a:stretch>
+        </p:blipFill>
+        <p:spPr bwMode="auto">
+          <a:xfrm>
+            <a:off x="-1" y="940712"/>
+            <a:ext cx="6028635" cy="3214727"/>
+          </a:xfrm>
+          <a:prstGeom prst="rect">
+            <a:avLst/>
+          </a:prstGeom>
+          <a:noFill/>
+          <a:ln>
+            <a:noFill/>
+          </a:ln>
+          <a:effectLst/>
+          <a:extLst>
+            <a:ext uri="{909E8E84-426E-40DD-AFC4-6F175D3DCCD1}">
+              <a14:hiddenFill xmlns:a14="http://schemas.microsoft.com/office/drawing/2010/main">
+                <a:solidFill>
+                  <a:schemeClr val="accent1"/>
+                </a:solidFill>
+              </a14:hiddenFill>
+            </a:ext>
+            <a:ext uri="{91240B29-F687-4F45-9708-019B960494DF}">
+              <a14:hiddenLine xmlns:a14="http://schemas.microsoft.com/office/drawing/2010/main" w="9525">
+                <a:solidFill>
+                  <a:schemeClr val="tx1"/>
+                </a:solidFill>
+                <a:miter lim="800000"/>
+                <a:headEnd/>
+                <a:tailEnd/>
+              </a14:hiddenLine>
+            </a:ext>
+            <a:ext uri="{AF507438-7753-43E0-B8FC-AC1667EBCBE1}">
+              <a14:hiddenEffects xmlns:a14="http://schemas.microsoft.com/office/drawing/2010/main">
+                <a:effectLst>
+                  <a:outerShdw dist="35921" dir="2700000" algn="ctr" rotWithShape="0">
+                    <a:schemeClr val="bg2"/>
+                  </a:outerShdw>
+                </a:effectLst>
+              </a14:hiddenEffects>
+            </a:ext>
+          </a:extLst>
+        </p:spPr>
+      </p:pic>
+      <p:pic>
+        <p:nvPicPr>
+          <p:cNvPr id="5" name="Picture 3"/>
+          <p:cNvPicPr>
+            <a:picLocks noChangeAspect="1" noChangeArrowheads="1"/>
+          </p:cNvPicPr>
+          <p:nvPr/>
+        </p:nvPicPr>
+        <p:blipFill>
+          <a:blip r:embed="rId4">
+            <a:extLst>
+              <a:ext uri="{28A0092B-C50C-407E-A947-70E740481C1C}">
+                <a14:useLocalDpi xmlns:a14="http://schemas.microsoft.com/office/drawing/2010/main" val="0"/>
+              </a:ext>
+            </a:extLst>
+          </a:blip>
+          <a:srcRect/>
+          <a:stretch>
+            <a:fillRect/>
+          </a:stretch>
+        </p:blipFill>
+        <p:spPr bwMode="auto">
+          <a:xfrm>
+            <a:off x="6126083" y="940712"/>
+            <a:ext cx="6065917" cy="3214727"/>
+          </a:xfrm>
+          <a:prstGeom prst="rect">
+            <a:avLst/>
+          </a:prstGeom>
+          <a:noFill/>
+          <a:ln>
+            <a:noFill/>
+          </a:ln>
+          <a:effectLst/>
+          <a:extLst>
+            <a:ext uri="{909E8E84-426E-40DD-AFC4-6F175D3DCCD1}">
+              <a14:hiddenFill xmlns:a14="http://schemas.microsoft.com/office/drawing/2010/main">
+                <a:solidFill>
+                  <a:schemeClr val="accent1"/>
+                </a:solidFill>
+              </a14:hiddenFill>
+            </a:ext>
+            <a:ext uri="{91240B29-F687-4F45-9708-019B960494DF}">
+              <a14:hiddenLine xmlns:a14="http://schemas.microsoft.com/office/drawing/2010/main" w="9525">
+                <a:solidFill>
+                  <a:schemeClr val="tx1"/>
+                </a:solidFill>
+                <a:miter lim="800000"/>
+                <a:headEnd/>
+                <a:tailEnd/>
+              </a14:hiddenLine>
+            </a:ext>
+            <a:ext uri="{AF507438-7753-43E0-B8FC-AC1667EBCBE1}">
+              <a14:hiddenEffects xmlns:a14="http://schemas.microsoft.com/office/drawing/2010/main">
+                <a:effectLst>
+                  <a:outerShdw dist="35921" dir="2700000" algn="ctr" rotWithShape="0">
+                    <a:schemeClr val="bg2"/>
+                  </a:outerShdw>
+                </a:effectLst>
+              </a14:hiddenEffects>
+            </a:ext>
+          </a:extLst>
+        </p:spPr>
+      </p:pic>
+      <p:pic>
+        <p:nvPicPr>
+          <p:cNvPr id="6" name="Picture 4"/>
+          <p:cNvPicPr>
+            <a:picLocks noChangeAspect="1" noChangeArrowheads="1"/>
+          </p:cNvPicPr>
+          <p:nvPr/>
+        </p:nvPicPr>
+        <p:blipFill>
+          <a:blip r:embed="rId5">
+            <a:extLst>
+              <a:ext uri="{28A0092B-C50C-407E-A947-70E740481C1C}">
+                <a14:useLocalDpi xmlns:a14="http://schemas.microsoft.com/office/drawing/2010/main" val="0"/>
+              </a:ext>
+            </a:extLst>
+          </a:blip>
+          <a:srcRect/>
+          <a:stretch>
+            <a:fillRect/>
+          </a:stretch>
+        </p:blipFill>
+        <p:spPr bwMode="auto">
+          <a:xfrm>
+            <a:off x="3583249" y="4232968"/>
+            <a:ext cx="4890770" cy="2635881"/>
+          </a:xfrm>
+          <a:prstGeom prst="rect">
+            <a:avLst/>
+          </a:prstGeom>
+          <a:noFill/>
+          <a:ln>
+            <a:noFill/>
+          </a:ln>
+          <a:effectLst/>
+          <a:extLst>
+            <a:ext uri="{909E8E84-426E-40DD-AFC4-6F175D3DCCD1}">
+              <a14:hiddenFill xmlns:a14="http://schemas.microsoft.com/office/drawing/2010/main">
+                <a:solidFill>
+                  <a:schemeClr val="accent1"/>
+                </a:solidFill>
+              </a14:hiddenFill>
+            </a:ext>
+            <a:ext uri="{91240B29-F687-4F45-9708-019B960494DF}">
+              <a14:hiddenLine xmlns:a14="http://schemas.microsoft.com/office/drawing/2010/main" w="9525">
+                <a:solidFill>
+                  <a:schemeClr val="tx1"/>
+                </a:solidFill>
+                <a:miter lim="800000"/>
+                <a:headEnd/>
+                <a:tailEnd/>
+              </a14:hiddenLine>
+            </a:ext>
+            <a:ext uri="{AF507438-7753-43E0-B8FC-AC1667EBCBE1}">
+              <a14:hiddenEffects xmlns:a14="http://schemas.microsoft.com/office/drawing/2010/main">
+                <a:effectLst>
+                  <a:outerShdw dist="35921" dir="2700000" algn="ctr" rotWithShape="0">
+                    <a:schemeClr val="bg2"/>
+                  </a:outerShdw>
+                </a:effectLst>
+              </a14:hiddenEffects>
+            </a:ext>
+          </a:extLst>
+        </p:spPr>
+      </p:pic>
+    </p:spTree>
+    <p:extLst>
+      <p:ext uri="{BB962C8B-B14F-4D97-AF65-F5344CB8AC3E}">
+        <p14:creationId xmlns:p14="http://schemas.microsoft.com/office/powerpoint/2010/main" val="2234160863"/>
+      </p:ext>
+    </p:extLst>
+  </p:cSld>
+  <p:clrMapOvr>
+    <a:masterClrMapping/>
+  </p:clrMapOvr>
+</p:sld>
+</file>
+
+<file path=ppt/slides/slide36.xml><?xml version="1.0" encoding="utf-8"?>
+<p:sld xmlns:a="http://schemas.openxmlformats.org/drawingml/2006/main" xmlns:r="http://schemas.openxmlformats.org/officeDocument/2006/relationships" xmlns:p="http://schemas.openxmlformats.org/presentationml/2006/main">
+  <p:cSld>
+    <p:spTree>
+      <p:nvGrpSpPr>
+        <p:cNvPr id="1" name="">
+          <a:extLst>
+            <a:ext uri="{FF2B5EF4-FFF2-40B4-BE49-F238E27FC236}">
+              <a16:creationId xmlns="" xmlns:a16="http://schemas.microsoft.com/office/drawing/2014/main" id="{EF87400A-AA39-C6BD-0F50-19DF27F0BEE1}"/>
+            </a:ext>
+          </a:extLst>
+        </p:cNvPr>
+        <p:cNvGrpSpPr/>
+        <p:nvPr/>
+      </p:nvGrpSpPr>
+      <p:grpSpPr>
+        <a:xfrm>
+          <a:off x="0" y="0"/>
+          <a:ext cx="0" cy="0"/>
+          <a:chOff x="0" y="0"/>
+          <a:chExt cx="0" cy="0"/>
+        </a:xfrm>
+      </p:grpSpPr>
+      <p:sp>
+        <p:nvSpPr>
+          <p:cNvPr id="13" name="Заголовок 1"/>
+          <p:cNvSpPr txBox="1">
+            <a:spLocks/>
+          </p:cNvSpPr>
+          <p:nvPr/>
+        </p:nvSpPr>
+        <p:spPr>
+          <a:xfrm>
+            <a:off x="1831155" y="0"/>
+            <a:ext cx="8394955" cy="2600960"/>
+          </a:xfrm>
+          <a:prstGeom prst="rect">
+            <a:avLst/>
+          </a:prstGeom>
+        </p:spPr>
+        <p:txBody>
+          <a:bodyPr vert="horz" lIns="91440" tIns="45720" rIns="91440" bIns="45720" rtlCol="0" anchor="ctr" anchorCtr="0">
+            <a:noAutofit/>
+          </a:bodyPr>
+          <a:lstStyle>
+            <a:lvl1pPr algn="ctr" defTabSz="914400" rtl="0" eaLnBrk="1" latinLnBrk="0" hangingPunct="1">
+              <a:lnSpc>
+                <a:spcPct val="90000"/>
+              </a:lnSpc>
+              <a:spcBef>
+                <a:spcPct val="0"/>
+              </a:spcBef>
+              <a:buNone/>
+              <a:defRPr sz="4800" kern="1200" cap="all" spc="300" baseline="0">
+                <a:solidFill>
+                  <a:schemeClr val="bg1"/>
+                </a:solidFill>
+                <a:latin typeface="+mj-lt"/>
+                <a:ea typeface="+mj-ea"/>
+                <a:cs typeface="+mj-cs"/>
+              </a:defRPr>
+            </a:lvl1pPr>
+          </a:lstStyle>
+          <a:p>
+            <a:r>
+              <a:rPr lang="en-US" sz="2800" dirty="0" smtClean="0"/>
+              <a:t>Now we see that quality is not so good, but the size is very small, lets increase the size a little bit to see, can we achieve the same quality</a:t>
+            </a:r>
+            <a:endParaRPr lang="en-US" sz="2800" dirty="0"/>
+          </a:p>
+        </p:txBody>
+      </p:sp>
+      <p:sp>
+        <p:nvSpPr>
+          <p:cNvPr id="14" name="Прямоугольник 13"/>
+          <p:cNvSpPr/>
+          <p:nvPr/>
+        </p:nvSpPr>
+        <p:spPr>
+          <a:xfrm>
+            <a:off x="0" y="5657671"/>
+            <a:ext cx="3058160" cy="1200329"/>
+          </a:xfrm>
+          <a:prstGeom prst="rect">
+            <a:avLst/>
+          </a:prstGeom>
+        </p:spPr>
+        <p:txBody>
+          <a:bodyPr wrap="square">
+            <a:spAutoFit/>
+          </a:bodyPr>
+          <a:lstStyle/>
+          <a:p>
+            <a:r>
+              <a:rPr lang="en-US" sz="7200" dirty="0" smtClean="0">
+                <a:solidFill>
+                  <a:schemeClr val="bg1"/>
+                </a:solidFill>
+              </a:rPr>
+              <a:t>Step </a:t>
+            </a:r>
+            <a:r>
+              <a:rPr lang="ru-RU" sz="7200" dirty="0" smtClean="0">
+                <a:solidFill>
+                  <a:schemeClr val="bg1"/>
+                </a:solidFill>
+              </a:rPr>
+              <a:t>7</a:t>
+            </a:r>
+            <a:endParaRPr lang="ru-RU" sz="7200" dirty="0">
+              <a:solidFill>
+                <a:schemeClr val="bg1"/>
+              </a:solidFill>
+            </a:endParaRPr>
+          </a:p>
+        </p:txBody>
+      </p:sp>
+      <p:sp>
+        <p:nvSpPr>
+          <p:cNvPr id="4" name="Заголовок 1"/>
+          <p:cNvSpPr txBox="1">
+            <a:spLocks/>
+          </p:cNvSpPr>
+          <p:nvPr/>
+        </p:nvSpPr>
+        <p:spPr>
+          <a:xfrm>
+            <a:off x="783498" y="2245360"/>
+            <a:ext cx="4549324" cy="2682240"/>
+          </a:xfrm>
+          <a:prstGeom prst="rect">
+            <a:avLst/>
+          </a:prstGeom>
+        </p:spPr>
+        <p:txBody>
+          <a:bodyPr vert="horz" lIns="91440" tIns="45720" rIns="91440" bIns="45720" rtlCol="0" anchor="ctr" anchorCtr="0">
+            <a:noAutofit/>
+          </a:bodyPr>
+          <a:lstStyle>
+            <a:lvl1pPr algn="ctr" defTabSz="914400" rtl="0" eaLnBrk="1" latinLnBrk="0" hangingPunct="1">
+              <a:lnSpc>
+                <a:spcPct val="90000"/>
+              </a:lnSpc>
+              <a:spcBef>
+                <a:spcPct val="0"/>
+              </a:spcBef>
+              <a:buNone/>
+              <a:defRPr sz="4800" kern="1200" cap="all" spc="300" baseline="0">
+                <a:solidFill>
+                  <a:schemeClr val="bg1"/>
+                </a:solidFill>
+                <a:latin typeface="+mj-lt"/>
+                <a:ea typeface="+mj-ea"/>
+                <a:cs typeface="+mj-cs"/>
+              </a:defRPr>
+            </a:lvl1pPr>
+          </a:lstStyle>
+          <a:p>
+            <a:r>
+              <a:rPr lang="en-US" sz="1600" dirty="0" smtClean="0"/>
+              <a:t>We will </a:t>
+            </a:r>
+            <a:r>
+              <a:rPr lang="en-US" sz="1600" dirty="0"/>
+              <a:t>use </a:t>
+            </a:r>
+            <a:r>
+              <a:rPr lang="en-US" sz="1600" b="1" dirty="0" err="1" smtClean="0"/>
+              <a:t>LeakyReLU</a:t>
+            </a:r>
+            <a:r>
+              <a:rPr lang="en-US" sz="1600" b="1" dirty="0" smtClean="0"/>
+              <a:t>(0.2</a:t>
+            </a:r>
+            <a:r>
+              <a:rPr lang="en-US" sz="1600" dirty="0" smtClean="0"/>
+              <a:t>)</a:t>
+            </a:r>
+            <a:r>
+              <a:rPr lang="ru-RU" sz="1600" dirty="0" smtClean="0"/>
+              <a:t> </a:t>
+            </a:r>
+            <a:r>
+              <a:rPr lang="en-US" sz="1600" dirty="0" smtClean="0"/>
+              <a:t>Instead of </a:t>
+            </a:r>
+            <a:r>
+              <a:rPr lang="en-US" sz="1600" b="1" dirty="0" err="1" smtClean="0"/>
+              <a:t>relu</a:t>
+            </a:r>
+            <a:r>
+              <a:rPr lang="ru-RU" sz="1600" dirty="0" smtClean="0"/>
+              <a:t>(</a:t>
+            </a:r>
+            <a:r>
+              <a:rPr lang="en-US" sz="1600" dirty="0" smtClean="0"/>
+              <a:t>new activation function</a:t>
+            </a:r>
+            <a:r>
+              <a:rPr lang="ru-RU" sz="1600" dirty="0" smtClean="0"/>
+              <a:t>) - </a:t>
+            </a:r>
+            <a:r>
+              <a:rPr lang="en-US" sz="1600" dirty="0"/>
+              <a:t>solves the problem of "dead neurons" when part of the network stops learning.</a:t>
+            </a:r>
+            <a:endParaRPr lang="en-US" sz="1600" dirty="0" smtClean="0"/>
+          </a:p>
+        </p:txBody>
+      </p:sp>
+      <p:sp>
+        <p:nvSpPr>
+          <p:cNvPr id="5" name="Заголовок 1"/>
+          <p:cNvSpPr txBox="1">
+            <a:spLocks/>
+          </p:cNvSpPr>
+          <p:nvPr/>
+        </p:nvSpPr>
+        <p:spPr>
+          <a:xfrm>
+            <a:off x="6028632" y="2255520"/>
+            <a:ext cx="4549324" cy="2682240"/>
+          </a:xfrm>
+          <a:prstGeom prst="rect">
+            <a:avLst/>
+          </a:prstGeom>
+        </p:spPr>
+        <p:txBody>
+          <a:bodyPr vert="horz" lIns="91440" tIns="45720" rIns="91440" bIns="45720" rtlCol="0" anchor="ctr" anchorCtr="0">
+            <a:noAutofit/>
+          </a:bodyPr>
+          <a:lstStyle>
+            <a:lvl1pPr algn="ctr" defTabSz="914400" rtl="0" eaLnBrk="1" latinLnBrk="0" hangingPunct="1">
+              <a:lnSpc>
+                <a:spcPct val="90000"/>
+              </a:lnSpc>
+              <a:spcBef>
+                <a:spcPct val="0"/>
+              </a:spcBef>
+              <a:buNone/>
+              <a:defRPr sz="4800" kern="1200" cap="all" spc="300" baseline="0">
+                <a:solidFill>
+                  <a:schemeClr val="bg1"/>
+                </a:solidFill>
+                <a:latin typeface="+mj-lt"/>
+                <a:ea typeface="+mj-ea"/>
+                <a:cs typeface="+mj-cs"/>
+              </a:defRPr>
+            </a:lvl1pPr>
+          </a:lstStyle>
+          <a:p>
+            <a:r>
+              <a:rPr lang="en-US" sz="1600" dirty="0" smtClean="0"/>
+              <a:t>We </a:t>
+            </a:r>
+            <a:r>
+              <a:rPr lang="en-US" sz="1600" dirty="0"/>
+              <a:t>will also </a:t>
+            </a:r>
+            <a:r>
+              <a:rPr lang="en-US" sz="1600" dirty="0" smtClean="0"/>
+              <a:t>add</a:t>
+            </a:r>
+            <a:r>
+              <a:rPr lang="ru-RU" sz="1600" dirty="0" smtClean="0"/>
+              <a:t> </a:t>
+            </a:r>
+            <a:r>
+              <a:rPr lang="en-US" sz="1600" b="1" dirty="0" err="1"/>
+              <a:t>BatchNorm</a:t>
+            </a:r>
+            <a:r>
+              <a:rPr lang="en-US" sz="1600" dirty="0"/>
+              <a:t> normalization - Reduces the spread of values </a:t>
+            </a:r>
+            <a:r>
+              <a:rPr lang="en-US" sz="1600" dirty="0" smtClean="0"/>
+              <a:t>​​→ makes </a:t>
+            </a:r>
+            <a:r>
+              <a:rPr lang="en-US" sz="1600" dirty="0"/>
+              <a:t>the network more stable</a:t>
+            </a:r>
+            <a:endParaRPr lang="en-US" sz="1600" dirty="0" smtClean="0"/>
+          </a:p>
+        </p:txBody>
+      </p:sp>
+    </p:spTree>
+    <p:extLst>
+      <p:ext uri="{BB962C8B-B14F-4D97-AF65-F5344CB8AC3E}">
+        <p14:creationId xmlns:p14="http://schemas.microsoft.com/office/powerpoint/2010/main" val="462770779"/>
+      </p:ext>
+    </p:extLst>
+  </p:cSld>
+  <p:clrMapOvr>
+    <a:masterClrMapping/>
+  </p:clrMapOvr>
+</p:sld>
+</file>
+
+<file path=ppt/slides/slide37.xml><?xml version="1.0" encoding="utf-8"?>
+<p:sld xmlns:a="http://schemas.openxmlformats.org/drawingml/2006/main" xmlns:r="http://schemas.openxmlformats.org/officeDocument/2006/relationships" xmlns:p="http://schemas.openxmlformats.org/presentationml/2006/main">
+  <p:cSld>
+    <p:spTree>
+      <p:nvGrpSpPr>
+        <p:cNvPr id="1" name="">
+          <a:extLst>
+            <a:ext uri="{FF2B5EF4-FFF2-40B4-BE49-F238E27FC236}">
+              <a16:creationId xmlns="" xmlns:a16="http://schemas.microsoft.com/office/drawing/2014/main" id="{EF87400A-AA39-C6BD-0F50-19DF27F0BEE1}"/>
+            </a:ext>
+          </a:extLst>
+        </p:cNvPr>
+        <p:cNvGrpSpPr/>
+        <p:nvPr/>
+      </p:nvGrpSpPr>
+      <p:grpSpPr>
+        <a:xfrm>
+          <a:off x="0" y="0"/>
+          <a:ext cx="0" cy="0"/>
+          <a:chOff x="0" y="0"/>
+          <a:chExt cx="0" cy="0"/>
+        </a:xfrm>
+      </p:grpSpPr>
+      <p:sp>
+        <p:nvSpPr>
+          <p:cNvPr id="3" name="Прямоугольник 2"/>
+          <p:cNvSpPr/>
+          <p:nvPr/>
+        </p:nvSpPr>
+        <p:spPr>
+          <a:xfrm>
+            <a:off x="-1" y="5658740"/>
+            <a:ext cx="2529841" cy="1200329"/>
+          </a:xfrm>
+          <a:prstGeom prst="rect">
+            <a:avLst/>
+          </a:prstGeom>
+        </p:spPr>
+        <p:txBody>
+          <a:bodyPr wrap="square">
+            <a:spAutoFit/>
+          </a:bodyPr>
+          <a:lstStyle/>
+          <a:p>
+            <a:r>
+              <a:rPr lang="en-US" sz="7200" dirty="0" smtClean="0">
+                <a:solidFill>
+                  <a:schemeClr val="bg1"/>
+                </a:solidFill>
+              </a:rPr>
+              <a:t>Step </a:t>
+            </a:r>
+            <a:r>
+              <a:rPr lang="ru-RU" sz="7200" dirty="0" smtClean="0">
+                <a:solidFill>
+                  <a:schemeClr val="bg1"/>
+                </a:solidFill>
+              </a:rPr>
+              <a:t>7</a:t>
+            </a:r>
+            <a:endParaRPr lang="ru-RU" sz="7200" dirty="0">
+              <a:solidFill>
+                <a:schemeClr val="bg1"/>
+              </a:solidFill>
+            </a:endParaRPr>
+          </a:p>
+        </p:txBody>
+      </p:sp>
+      <p:sp>
+        <p:nvSpPr>
+          <p:cNvPr id="13" name="Заголовок 1"/>
+          <p:cNvSpPr txBox="1">
+            <a:spLocks/>
+          </p:cNvSpPr>
+          <p:nvPr/>
+        </p:nvSpPr>
+        <p:spPr>
+          <a:xfrm>
+            <a:off x="1188720" y="173736"/>
+            <a:ext cx="10444479" cy="625642"/>
+          </a:xfrm>
+          <a:prstGeom prst="rect">
+            <a:avLst/>
+          </a:prstGeom>
+        </p:spPr>
+        <p:txBody>
+          <a:bodyPr vert="horz" lIns="91440" tIns="45720" rIns="91440" bIns="45720" rtlCol="0" anchor="ctr" anchorCtr="0">
+            <a:noAutofit/>
+          </a:bodyPr>
+          <a:lstStyle>
+            <a:lvl1pPr algn="ctr" defTabSz="914400" rtl="0" eaLnBrk="1" latinLnBrk="0" hangingPunct="1">
+              <a:lnSpc>
+                <a:spcPct val="90000"/>
+              </a:lnSpc>
+              <a:spcBef>
+                <a:spcPct val="0"/>
+              </a:spcBef>
+              <a:buNone/>
+              <a:defRPr sz="4800" kern="1200" cap="all" spc="300" baseline="0">
+                <a:solidFill>
+                  <a:schemeClr val="bg1"/>
+                </a:solidFill>
+                <a:latin typeface="+mj-lt"/>
+                <a:ea typeface="+mj-ea"/>
+                <a:cs typeface="+mj-cs"/>
+              </a:defRPr>
+            </a:lvl1pPr>
+          </a:lstStyle>
+          <a:p>
+            <a:r>
+              <a:rPr lang="en-US" sz="2800" dirty="0" smtClean="0"/>
+              <a:t>Results(1000 1024x1024px images trained model)</a:t>
+            </a:r>
+            <a:endParaRPr lang="en-US" sz="2800" dirty="0"/>
+          </a:p>
+        </p:txBody>
+      </p:sp>
+      <p:sp>
+        <p:nvSpPr>
+          <p:cNvPr id="2" name="Прямоугольник 1"/>
+          <p:cNvSpPr/>
+          <p:nvPr/>
+        </p:nvSpPr>
+        <p:spPr>
+          <a:xfrm>
+            <a:off x="5474484" y="3005952"/>
+            <a:ext cx="936475" cy="369332"/>
+          </a:xfrm>
+          <a:prstGeom prst="rect">
+            <a:avLst/>
+          </a:prstGeom>
+        </p:spPr>
+        <p:txBody>
+          <a:bodyPr wrap="none">
+            <a:spAutoFit/>
+          </a:bodyPr>
+          <a:lstStyle/>
+          <a:p>
+            <a:r>
+              <a:rPr lang="ru-RU" dirty="0" smtClean="0">
+                <a:solidFill>
+                  <a:schemeClr val="bg1"/>
+                </a:solidFill>
+              </a:rPr>
+              <a:t>???????</a:t>
+            </a:r>
+            <a:endParaRPr lang="ru-RU" dirty="0">
+              <a:solidFill>
+                <a:schemeClr val="bg1"/>
+              </a:solidFill>
+            </a:endParaRPr>
+          </a:p>
+        </p:txBody>
+      </p:sp>
+    </p:spTree>
+    <p:extLst>
+      <p:ext uri="{BB962C8B-B14F-4D97-AF65-F5344CB8AC3E}">
+        <p14:creationId xmlns:p14="http://schemas.microsoft.com/office/powerpoint/2010/main" val="84724712"/>
+      </p:ext>
+    </p:extLst>
+  </p:cSld>
+  <p:clrMapOvr>
+    <a:masterClrMapping/>
+  </p:clrMapOvr>
+</p:sld>
+</file>
+
+<file path=ppt/slides/slide38.xml><?xml version="1.0" encoding="utf-8"?>
+<p:sld xmlns:a="http://schemas.openxmlformats.org/drawingml/2006/main" xmlns:r="http://schemas.openxmlformats.org/officeDocument/2006/relationships" xmlns:p="http://schemas.openxmlformats.org/presentationml/2006/main">
+  <p:cSld>
+    <p:spTree>
+      <p:nvGrpSpPr>
+        <p:cNvPr id="1" name="">
+          <a:extLst>
+            <a:ext uri="{FF2B5EF4-FFF2-40B4-BE49-F238E27FC236}">
+              <a16:creationId xmlns="" xmlns:a16="http://schemas.microsoft.com/office/drawing/2014/main" id="{8C579E26-FA2D-1C68-DB27-3D2C268F6B28}"/>
+            </a:ext>
+          </a:extLst>
+        </p:cNvPr>
+        <p:cNvGrpSpPr/>
+        <p:nvPr/>
+      </p:nvGrpSpPr>
+      <p:grpSpPr>
+        <a:xfrm>
+          <a:off x="0" y="0"/>
+          <a:ext cx="0" cy="0"/>
+          <a:chOff x="0" y="0"/>
+          <a:chExt cx="0" cy="0"/>
+        </a:xfrm>
+      </p:grpSpPr>
+      <p:sp>
+        <p:nvSpPr>
           <p:cNvPr id="7" name="Title 6">
             <a:extLst>
               <a:ext uri="{FF2B5EF4-FFF2-40B4-BE49-F238E27FC236}">
-                <a16:creationId xmlns:a16="http://schemas.microsoft.com/office/drawing/2014/main" xmlns="" id="{44A692C1-E622-D699-43E0-1ECB59404096}"/>
+                <a16:creationId xmlns="" xmlns:a16="http://schemas.microsoft.com/office/drawing/2014/main" id="{44A692C1-E622-D699-43E0-1ECB59404096}"/>
               </a:ext>
             </a:extLst>
           </p:cNvPr>
@@ -20225,7 +21586,7 @@
         <p:cNvPr id="1" name="">
           <a:extLst>
             <a:ext uri="{FF2B5EF4-FFF2-40B4-BE49-F238E27FC236}">
-              <a16:creationId xmlns:a16="http://schemas.microsoft.com/office/drawing/2014/main" xmlns="" id="{953B6214-BA54-21CA-C08F-F6E6CD6F9476}"/>
+              <a16:creationId xmlns="" xmlns:a16="http://schemas.microsoft.com/office/drawing/2014/main" id="{953B6214-BA54-21CA-C08F-F6E6CD6F9476}"/>
             </a:ext>
           </a:extLst>
         </p:cNvPr>
@@ -20245,7 +21606,7 @@
           <p:cNvPr id="7" name="Title 6">
             <a:extLst>
               <a:ext uri="{FF2B5EF4-FFF2-40B4-BE49-F238E27FC236}">
-                <a16:creationId xmlns:a16="http://schemas.microsoft.com/office/drawing/2014/main" xmlns="" id="{D1FCF065-2D37-1687-8F8E-2906BCCE04C9}"/>
+                <a16:creationId xmlns="" xmlns:a16="http://schemas.microsoft.com/office/drawing/2014/main" id="{D1FCF065-2D37-1687-8F8E-2906BCCE04C9}"/>
               </a:ext>
             </a:extLst>
           </p:cNvPr>
@@ -20285,7 +21646,7 @@
           <p:cNvPr id="8" name="TextBox 7">
             <a:extLst>
               <a:ext uri="{FF2B5EF4-FFF2-40B4-BE49-F238E27FC236}">
-                <a16:creationId xmlns:a16="http://schemas.microsoft.com/office/drawing/2014/main" xmlns="" id="{829DCAF4-0E7A-EA3D-F623-CCC0F2F22DFF}"/>
+                <a16:creationId xmlns="" xmlns:a16="http://schemas.microsoft.com/office/drawing/2014/main" id="{829DCAF4-0E7A-EA3D-F623-CCC0F2F22DFF}"/>
               </a:ext>
             </a:extLst>
           </p:cNvPr>
@@ -20424,7 +21785,7 @@
           <p:cNvPr id="3" name="TextBox 2">
             <a:extLst>
               <a:ext uri="{FF2B5EF4-FFF2-40B4-BE49-F238E27FC236}">
-                <a16:creationId xmlns:a16="http://schemas.microsoft.com/office/drawing/2014/main" xmlns="" id="{C529289A-69EA-F080-93CD-30695BDBF134}"/>
+                <a16:creationId xmlns="" xmlns:a16="http://schemas.microsoft.com/office/drawing/2014/main" id="{C529289A-69EA-F080-93CD-30695BDBF134}"/>
               </a:ext>
             </a:extLst>
           </p:cNvPr>
@@ -20526,7 +21887,7 @@
           <p:cNvPr id="6" name="TextBox 5">
             <a:extLst>
               <a:ext uri="{FF2B5EF4-FFF2-40B4-BE49-F238E27FC236}">
-                <a16:creationId xmlns:a16="http://schemas.microsoft.com/office/drawing/2014/main" xmlns="" id="{3C9745D3-7387-F090-C452-2E45D43F0971}"/>
+                <a16:creationId xmlns="" xmlns:a16="http://schemas.microsoft.com/office/drawing/2014/main" id="{3C9745D3-7387-F090-C452-2E45D43F0971}"/>
               </a:ext>
             </a:extLst>
           </p:cNvPr>
@@ -20661,7 +22022,7 @@
           <p:cNvPr id="9" name="Rectangle 8">
             <a:extLst>
               <a:ext uri="{FF2B5EF4-FFF2-40B4-BE49-F238E27FC236}">
-                <a16:creationId xmlns:a16="http://schemas.microsoft.com/office/drawing/2014/main" xmlns="" id="{3F9A327E-7B0F-6322-F8E7-5226A4116A9B}"/>
+                <a16:creationId xmlns="" xmlns:a16="http://schemas.microsoft.com/office/drawing/2014/main" id="{3F9A327E-7B0F-6322-F8E7-5226A4116A9B}"/>
               </a:ext>
             </a:extLst>
           </p:cNvPr>
@@ -20733,7 +22094,7 @@
         <p:cNvPr id="1" name="">
           <a:extLst>
             <a:ext uri="{FF2B5EF4-FFF2-40B4-BE49-F238E27FC236}">
-              <a16:creationId xmlns:a16="http://schemas.microsoft.com/office/drawing/2014/main" xmlns="" id="{00AB00F2-1ABB-46F7-FBD3-B7149DCD1A5B}"/>
+              <a16:creationId xmlns="" xmlns:a16="http://schemas.microsoft.com/office/drawing/2014/main" id="{00AB00F2-1ABB-46F7-FBD3-B7149DCD1A5B}"/>
             </a:ext>
           </a:extLst>
         </p:cNvPr>
@@ -20753,7 +22114,7 @@
           <p:cNvPr id="7" name="Title 6">
             <a:extLst>
               <a:ext uri="{FF2B5EF4-FFF2-40B4-BE49-F238E27FC236}">
-                <a16:creationId xmlns:a16="http://schemas.microsoft.com/office/drawing/2014/main" xmlns="" id="{65745319-EE7D-296C-2FFE-F56F0B6538A0}"/>
+                <a16:creationId xmlns="" xmlns:a16="http://schemas.microsoft.com/office/drawing/2014/main" id="{65745319-EE7D-296C-2FFE-F56F0B6538A0}"/>
               </a:ext>
             </a:extLst>
           </p:cNvPr>
@@ -20793,7 +22154,7 @@
           <p:cNvPr id="8" name="TextBox 7">
             <a:extLst>
               <a:ext uri="{FF2B5EF4-FFF2-40B4-BE49-F238E27FC236}">
-                <a16:creationId xmlns:a16="http://schemas.microsoft.com/office/drawing/2014/main" xmlns="" id="{6D710782-0111-EEBD-02DC-6E7ACC855995}"/>
+                <a16:creationId xmlns="" xmlns:a16="http://schemas.microsoft.com/office/drawing/2014/main" id="{6D710782-0111-EEBD-02DC-6E7ACC855995}"/>
               </a:ext>
             </a:extLst>
           </p:cNvPr>
@@ -20840,7 +22201,7 @@
           <p:cNvPr id="9" name="TextBox 8">
             <a:extLst>
               <a:ext uri="{FF2B5EF4-FFF2-40B4-BE49-F238E27FC236}">
-                <a16:creationId xmlns:a16="http://schemas.microsoft.com/office/drawing/2014/main" xmlns="" id="{AE941EAD-4479-E631-4FC0-8E1DFBDB66EF}"/>
+                <a16:creationId xmlns="" xmlns:a16="http://schemas.microsoft.com/office/drawing/2014/main" id="{AE941EAD-4479-E631-4FC0-8E1DFBDB66EF}"/>
               </a:ext>
             </a:extLst>
           </p:cNvPr>
@@ -20894,7 +22255,7 @@
           <p:cNvPr id="2" name="Rectangle 1">
             <a:extLst>
               <a:ext uri="{FF2B5EF4-FFF2-40B4-BE49-F238E27FC236}">
-                <a16:creationId xmlns:a16="http://schemas.microsoft.com/office/drawing/2014/main" xmlns="" id="{8BE59029-112F-330F-CBC2-D013521EFC34}"/>
+                <a16:creationId xmlns="" xmlns:a16="http://schemas.microsoft.com/office/drawing/2014/main" id="{8BE59029-112F-330F-CBC2-D013521EFC34}"/>
               </a:ext>
             </a:extLst>
           </p:cNvPr>
@@ -20950,7 +22311,7 @@
           <p:cNvPr id="3" name="TextBox 2">
             <a:extLst>
               <a:ext uri="{FF2B5EF4-FFF2-40B4-BE49-F238E27FC236}">
-                <a16:creationId xmlns:a16="http://schemas.microsoft.com/office/drawing/2014/main" xmlns="" id="{E5DE46A3-2E10-F599-6F94-3604A4BB1603}"/>
+                <a16:creationId xmlns="" xmlns:a16="http://schemas.microsoft.com/office/drawing/2014/main" id="{E5DE46A3-2E10-F599-6F94-3604A4BB1603}"/>
               </a:ext>
             </a:extLst>
           </p:cNvPr>
@@ -20997,7 +22358,7 @@
           <p:cNvPr id="4" name="Rectangle 3">
             <a:extLst>
               <a:ext uri="{FF2B5EF4-FFF2-40B4-BE49-F238E27FC236}">
-                <a16:creationId xmlns:a16="http://schemas.microsoft.com/office/drawing/2014/main" xmlns="" id="{09F4D9B4-F12A-0A44-0AFA-0BFA209DAD40}"/>
+                <a16:creationId xmlns="" xmlns:a16="http://schemas.microsoft.com/office/drawing/2014/main" id="{09F4D9B4-F12A-0A44-0AFA-0BFA209DAD40}"/>
               </a:ext>
             </a:extLst>
           </p:cNvPr>
@@ -21053,7 +22414,7 @@
           <p:cNvPr id="5" name="TextBox 4">
             <a:extLst>
               <a:ext uri="{FF2B5EF4-FFF2-40B4-BE49-F238E27FC236}">
-                <a16:creationId xmlns:a16="http://schemas.microsoft.com/office/drawing/2014/main" xmlns="" id="{4B8F1482-E9ED-644D-56F0-2E8E230275E4}"/>
+                <a16:creationId xmlns="" xmlns:a16="http://schemas.microsoft.com/office/drawing/2014/main" id="{4B8F1482-E9ED-644D-56F0-2E8E230275E4}"/>
               </a:ext>
             </a:extLst>
           </p:cNvPr>
@@ -21107,7 +22468,7 @@
           <p:cNvPr id="6" name="Rectangle 5">
             <a:extLst>
               <a:ext uri="{FF2B5EF4-FFF2-40B4-BE49-F238E27FC236}">
-                <a16:creationId xmlns:a16="http://schemas.microsoft.com/office/drawing/2014/main" xmlns="" id="{F36FF003-B68C-97DC-B023-B640B58811FB}"/>
+                <a16:creationId xmlns="" xmlns:a16="http://schemas.microsoft.com/office/drawing/2014/main" id="{F36FF003-B68C-97DC-B023-B640B58811FB}"/>
               </a:ext>
             </a:extLst>
           </p:cNvPr>
@@ -21171,7 +22532,7 @@
           <p:cNvPr id="10" name="TextBox 9">
             <a:extLst>
               <a:ext uri="{FF2B5EF4-FFF2-40B4-BE49-F238E27FC236}">
-                <a16:creationId xmlns:a16="http://schemas.microsoft.com/office/drawing/2014/main" xmlns="" id="{23E42A81-E323-6371-B6FE-90B77C71CF1C}"/>
+                <a16:creationId xmlns="" xmlns:a16="http://schemas.microsoft.com/office/drawing/2014/main" id="{23E42A81-E323-6371-B6FE-90B77C71CF1C}"/>
               </a:ext>
             </a:extLst>
           </p:cNvPr>
@@ -21225,7 +22586,7 @@
           <p:cNvPr id="12" name="Picture 11" descr="A white snake with blue eyes&#10;&#10;AI-generated content may be incorrect.">
             <a:extLst>
               <a:ext uri="{FF2B5EF4-FFF2-40B4-BE49-F238E27FC236}">
-                <a16:creationId xmlns:a16="http://schemas.microsoft.com/office/drawing/2014/main" xmlns="" id="{D9DE6AA5-2528-AC56-C9A1-0E28C374E6CD}"/>
+                <a16:creationId xmlns="" xmlns:a16="http://schemas.microsoft.com/office/drawing/2014/main" id="{D9DE6AA5-2528-AC56-C9A1-0E28C374E6CD}"/>
               </a:ext>
             </a:extLst>
           </p:cNvPr>
@@ -21261,7 +22622,7 @@
           <p:cNvPr id="14" name="Picture 13" descr="A black background with white text&#10;&#10;AI-generated content may be incorrect.">
             <a:extLst>
               <a:ext uri="{FF2B5EF4-FFF2-40B4-BE49-F238E27FC236}">
-                <a16:creationId xmlns:a16="http://schemas.microsoft.com/office/drawing/2014/main" xmlns="" id="{E5F34F0F-1868-BDDA-B7A2-4B9B8D5E70C7}"/>
+                <a16:creationId xmlns="" xmlns:a16="http://schemas.microsoft.com/office/drawing/2014/main" id="{E5F34F0F-1868-BDDA-B7A2-4B9B8D5E70C7}"/>
               </a:ext>
             </a:extLst>
           </p:cNvPr>
@@ -21297,7 +22658,7 @@
           <p:cNvPr id="16" name="Picture 15" descr="A black and green symbol with a checkered pattern&#10;&#10;AI-generated content may be incorrect.">
             <a:extLst>
               <a:ext uri="{FF2B5EF4-FFF2-40B4-BE49-F238E27FC236}">
-                <a16:creationId xmlns:a16="http://schemas.microsoft.com/office/drawing/2014/main" xmlns="" id="{45DD2A95-1335-EFEF-D0FB-5A8AFC7B3575}"/>
+                <a16:creationId xmlns="" xmlns:a16="http://schemas.microsoft.com/office/drawing/2014/main" id="{45DD2A95-1335-EFEF-D0FB-5A8AFC7B3575}"/>
               </a:ext>
             </a:extLst>
           </p:cNvPr>
@@ -21333,7 +22694,7 @@
           <p:cNvPr id="18" name="Picture 17" descr="A purple rectangular object with white text&#10;&#10;AI-generated content may be incorrect.">
             <a:extLst>
               <a:ext uri="{FF2B5EF4-FFF2-40B4-BE49-F238E27FC236}">
-                <a16:creationId xmlns:a16="http://schemas.microsoft.com/office/drawing/2014/main" xmlns="" id="{748AF984-AFF8-25B6-3929-06533135F867}"/>
+                <a16:creationId xmlns="" xmlns:a16="http://schemas.microsoft.com/office/drawing/2014/main" id="{748AF984-AFF8-25B6-3929-06533135F867}"/>
               </a:ext>
             </a:extLst>
           </p:cNvPr>
@@ -21369,7 +22730,7 @@
           <p:cNvPr id="20" name="Picture 19">
             <a:extLst>
               <a:ext uri="{FF2B5EF4-FFF2-40B4-BE49-F238E27FC236}">
-                <a16:creationId xmlns:a16="http://schemas.microsoft.com/office/drawing/2014/main" xmlns="" id="{995B517E-6B59-0EDF-176D-2C3A8DDD1E24}"/>
+                <a16:creationId xmlns="" xmlns:a16="http://schemas.microsoft.com/office/drawing/2014/main" id="{995B517E-6B59-0EDF-176D-2C3A8DDD1E24}"/>
               </a:ext>
             </a:extLst>
           </p:cNvPr>
@@ -21405,7 +22766,7 @@
           <p:cNvPr id="22" name="Picture 21" descr="A math equations and symbols&#10;&#10;AI-generated content may be incorrect.">
             <a:extLst>
               <a:ext uri="{FF2B5EF4-FFF2-40B4-BE49-F238E27FC236}">
-                <a16:creationId xmlns:a16="http://schemas.microsoft.com/office/drawing/2014/main" xmlns="" id="{F5515C3C-6DE4-6DC0-C477-32381037F16D}"/>
+                <a16:creationId xmlns="" xmlns:a16="http://schemas.microsoft.com/office/drawing/2014/main" id="{F5515C3C-6DE4-6DC0-C477-32381037F16D}"/>
               </a:ext>
             </a:extLst>
           </p:cNvPr>
@@ -21457,7 +22818,7 @@
         <p:cNvPr id="1" name="">
           <a:extLst>
             <a:ext uri="{FF2B5EF4-FFF2-40B4-BE49-F238E27FC236}">
-              <a16:creationId xmlns:a16="http://schemas.microsoft.com/office/drawing/2014/main" xmlns="" id="{DBE5E39A-F5D5-D29E-5B7F-DCFE051AAE1B}"/>
+              <a16:creationId xmlns="" xmlns:a16="http://schemas.microsoft.com/office/drawing/2014/main" id="{DBE5E39A-F5D5-D29E-5B7F-DCFE051AAE1B}"/>
             </a:ext>
           </a:extLst>
         </p:cNvPr>
@@ -21477,7 +22838,7 @@
           <p:cNvPr id="7" name="Title 6">
             <a:extLst>
               <a:ext uri="{FF2B5EF4-FFF2-40B4-BE49-F238E27FC236}">
-                <a16:creationId xmlns:a16="http://schemas.microsoft.com/office/drawing/2014/main" xmlns="" id="{B4656742-F44E-DEB8-0DE2-46FE8A3B4872}"/>
+                <a16:creationId xmlns="" xmlns:a16="http://schemas.microsoft.com/office/drawing/2014/main" id="{B4656742-F44E-DEB8-0DE2-46FE8A3B4872}"/>
               </a:ext>
             </a:extLst>
           </p:cNvPr>
@@ -21519,7 +22880,7 @@
           <p:cNvPr id="24" name="Text 1">
             <a:extLst>
               <a:ext uri="{FF2B5EF4-FFF2-40B4-BE49-F238E27FC236}">
-                <a16:creationId xmlns:a16="http://schemas.microsoft.com/office/drawing/2014/main" xmlns="" id="{472BFC16-825E-73E4-9596-F2CA527F48EA}"/>
+                <a16:creationId xmlns="" xmlns:a16="http://schemas.microsoft.com/office/drawing/2014/main" id="{472BFC16-825E-73E4-9596-F2CA527F48EA}"/>
               </a:ext>
             </a:extLst>
           </p:cNvPr>
@@ -21666,7 +23027,7 @@
           <p:cNvPr id="25" name="Text 2">
             <a:extLst>
               <a:ext uri="{FF2B5EF4-FFF2-40B4-BE49-F238E27FC236}">
-                <a16:creationId xmlns:a16="http://schemas.microsoft.com/office/drawing/2014/main" xmlns="" id="{0ED9AA18-9EE7-D709-C4C3-818089404EA4}"/>
+                <a16:creationId xmlns="" xmlns:a16="http://schemas.microsoft.com/office/drawing/2014/main" id="{0ED9AA18-9EE7-D709-C4C3-818089404EA4}"/>
               </a:ext>
             </a:extLst>
           </p:cNvPr>
@@ -21813,7 +23174,7 @@
           <p:cNvPr id="26" name="Image 1">
             <a:extLst>
               <a:ext uri="{FF2B5EF4-FFF2-40B4-BE49-F238E27FC236}">
-                <a16:creationId xmlns:a16="http://schemas.microsoft.com/office/drawing/2014/main" xmlns="" id="{3AA18FAE-20E6-DD3E-8389-A3A3C5E5F02F}"/>
+                <a16:creationId xmlns="" xmlns:a16="http://schemas.microsoft.com/office/drawing/2014/main" id="{3AA18FAE-20E6-DD3E-8389-A3A3C5E5F02F}"/>
               </a:ext>
             </a:extLst>
           </p:cNvPr>
@@ -21843,7 +23204,7 @@
           <p:cNvPr id="27" name="Image 3">
             <a:extLst>
               <a:ext uri="{FF2B5EF4-FFF2-40B4-BE49-F238E27FC236}">
-                <a16:creationId xmlns:a16="http://schemas.microsoft.com/office/drawing/2014/main" xmlns="" id="{0C8D0B1D-8793-388D-0ADB-907B849DA21A}"/>
+                <a16:creationId xmlns="" xmlns:a16="http://schemas.microsoft.com/office/drawing/2014/main" id="{0C8D0B1D-8793-388D-0ADB-907B849DA21A}"/>
               </a:ext>
             </a:extLst>
           </p:cNvPr>
@@ -21879,7 +23240,7 @@
           <p:cNvPr id="28" name="Text 5">
             <a:extLst>
               <a:ext uri="{FF2B5EF4-FFF2-40B4-BE49-F238E27FC236}">
-                <a16:creationId xmlns:a16="http://schemas.microsoft.com/office/drawing/2014/main" xmlns="" id="{6FEBA9B4-92F8-1783-D199-984E9BD35FE4}"/>
+                <a16:creationId xmlns="" xmlns:a16="http://schemas.microsoft.com/office/drawing/2014/main" id="{6FEBA9B4-92F8-1783-D199-984E9BD35FE4}"/>
               </a:ext>
             </a:extLst>
           </p:cNvPr>
@@ -22026,7 +23387,7 @@
           <p:cNvPr id="29" name="Text 6">
             <a:extLst>
               <a:ext uri="{FF2B5EF4-FFF2-40B4-BE49-F238E27FC236}">
-                <a16:creationId xmlns:a16="http://schemas.microsoft.com/office/drawing/2014/main" xmlns="" id="{A01B7A0E-C486-C1C0-401D-9E6A0598F71F}"/>
+                <a16:creationId xmlns="" xmlns:a16="http://schemas.microsoft.com/office/drawing/2014/main" id="{A01B7A0E-C486-C1C0-401D-9E6A0598F71F}"/>
               </a:ext>
             </a:extLst>
           </p:cNvPr>
@@ -22173,7 +23534,7 @@
           <p:cNvPr id="30" name="Image 2">
             <a:extLst>
               <a:ext uri="{FF2B5EF4-FFF2-40B4-BE49-F238E27FC236}">
-                <a16:creationId xmlns:a16="http://schemas.microsoft.com/office/drawing/2014/main" xmlns="" id="{4699EAB3-B451-FA65-3003-7F72825EBD8F}"/>
+                <a16:creationId xmlns="" xmlns:a16="http://schemas.microsoft.com/office/drawing/2014/main" id="{4699EAB3-B451-FA65-3003-7F72825EBD8F}"/>
               </a:ext>
             </a:extLst>
           </p:cNvPr>
@@ -22203,7 +23564,7 @@
           <p:cNvPr id="31" name="Text 3">
             <a:extLst>
               <a:ext uri="{FF2B5EF4-FFF2-40B4-BE49-F238E27FC236}">
-                <a16:creationId xmlns:a16="http://schemas.microsoft.com/office/drawing/2014/main" xmlns="" id="{3317EA26-C890-3AA8-57C6-07F0D9D86A26}"/>
+                <a16:creationId xmlns="" xmlns:a16="http://schemas.microsoft.com/office/drawing/2014/main" id="{3317EA26-C890-3AA8-57C6-07F0D9D86A26}"/>
               </a:ext>
             </a:extLst>
           </p:cNvPr>
@@ -22350,7 +23711,7 @@
           <p:cNvPr id="32" name="Text 4">
             <a:extLst>
               <a:ext uri="{FF2B5EF4-FFF2-40B4-BE49-F238E27FC236}">
-                <a16:creationId xmlns:a16="http://schemas.microsoft.com/office/drawing/2014/main" xmlns="" id="{2F075863-C6D6-3DCA-EAB9-909D73EE40B1}"/>
+                <a16:creationId xmlns="" xmlns:a16="http://schemas.microsoft.com/office/drawing/2014/main" id="{2F075863-C6D6-3DCA-EAB9-909D73EE40B1}"/>
               </a:ext>
             </a:extLst>
           </p:cNvPr>
@@ -22513,7 +23874,7 @@
         <p:cNvPr id="1" name="">
           <a:extLst>
             <a:ext uri="{FF2B5EF4-FFF2-40B4-BE49-F238E27FC236}">
-              <a16:creationId xmlns:a16="http://schemas.microsoft.com/office/drawing/2014/main" xmlns="" id="{7B580C78-F914-AF3B-B3F8-86674699E7E9}"/>
+              <a16:creationId xmlns="" xmlns:a16="http://schemas.microsoft.com/office/drawing/2014/main" id="{7B580C78-F914-AF3B-B3F8-86674699E7E9}"/>
             </a:ext>
           </a:extLst>
         </p:cNvPr>
@@ -22533,7 +23894,7 @@
           <p:cNvPr id="7" name="Title 6">
             <a:extLst>
               <a:ext uri="{FF2B5EF4-FFF2-40B4-BE49-F238E27FC236}">
-                <a16:creationId xmlns:a16="http://schemas.microsoft.com/office/drawing/2014/main" xmlns="" id="{6C658EAB-7DAF-BE2F-A84A-38A3402BEF3F}"/>
+                <a16:creationId xmlns="" xmlns:a16="http://schemas.microsoft.com/office/drawing/2014/main" id="{6C658EAB-7DAF-BE2F-A84A-38A3402BEF3F}"/>
               </a:ext>
             </a:extLst>
           </p:cNvPr>
@@ -22589,7 +23950,7 @@
           <p:cNvPr id="9" name="Picture 8" descr="A black background with white text&#10;&#10;AI-generated content may be incorrect.">
             <a:extLst>
               <a:ext uri="{FF2B5EF4-FFF2-40B4-BE49-F238E27FC236}">
-                <a16:creationId xmlns:a16="http://schemas.microsoft.com/office/drawing/2014/main" xmlns="" id="{C4E41495-4A51-AEA7-884E-CAA49182C5C7}"/>
+                <a16:creationId xmlns="" xmlns:a16="http://schemas.microsoft.com/office/drawing/2014/main" id="{C4E41495-4A51-AEA7-884E-CAA49182C5C7}"/>
               </a:ext>
             </a:extLst>
           </p:cNvPr>
@@ -22712,7 +24073,7 @@
         <p:cNvPr id="1" name="">
           <a:extLst>
             <a:ext uri="{FF2B5EF4-FFF2-40B4-BE49-F238E27FC236}">
-              <a16:creationId xmlns:a16="http://schemas.microsoft.com/office/drawing/2014/main" xmlns="" id="{7B580C78-F914-AF3B-B3F8-86674699E7E9}"/>
+              <a16:creationId xmlns="" xmlns:a16="http://schemas.microsoft.com/office/drawing/2014/main" id="{7B580C78-F914-AF3B-B3F8-86674699E7E9}"/>
             </a:ext>
           </a:extLst>
         </p:cNvPr>
@@ -22732,7 +24093,7 @@
           <p:cNvPr id="7" name="Title 6">
             <a:extLst>
               <a:ext uri="{FF2B5EF4-FFF2-40B4-BE49-F238E27FC236}">
-                <a16:creationId xmlns:a16="http://schemas.microsoft.com/office/drawing/2014/main" xmlns="" id="{6C658EAB-7DAF-BE2F-A84A-38A3402BEF3F}"/>
+                <a16:creationId xmlns="" xmlns:a16="http://schemas.microsoft.com/office/drawing/2014/main" id="{6C658EAB-7DAF-BE2F-A84A-38A3402BEF3F}"/>
               </a:ext>
             </a:extLst>
           </p:cNvPr>
@@ -23081,7 +24442,7 @@
         <p:cNvPr id="1" name="">
           <a:extLst>
             <a:ext uri="{FF2B5EF4-FFF2-40B4-BE49-F238E27FC236}">
-              <a16:creationId xmlns:a16="http://schemas.microsoft.com/office/drawing/2014/main" xmlns="" id="{FDF6AF63-1DBE-D11B-6DC9-B3687284A56C}"/>
+              <a16:creationId xmlns="" xmlns:a16="http://schemas.microsoft.com/office/drawing/2014/main" id="{FDF6AF63-1DBE-D11B-6DC9-B3687284A56C}"/>
             </a:ext>
           </a:extLst>
         </p:cNvPr>
@@ -23101,7 +24462,7 @@
           <p:cNvPr id="7" name="Title 6">
             <a:extLst>
               <a:ext uri="{FF2B5EF4-FFF2-40B4-BE49-F238E27FC236}">
-                <a16:creationId xmlns:a16="http://schemas.microsoft.com/office/drawing/2014/main" xmlns="" id="{C8FF4F10-97E7-7357-3F36-228622417091}"/>
+                <a16:creationId xmlns="" xmlns:a16="http://schemas.microsoft.com/office/drawing/2014/main" id="{C8FF4F10-97E7-7357-3F36-228622417091}"/>
               </a:ext>
             </a:extLst>
           </p:cNvPr>
@@ -23608,7 +24969,7 @@
   <a:extraClrSchemeLst/>
   <a:extLst>
     <a:ext uri="{05A4C25C-085E-4340-85A3-A5531E510DB2}">
-      <thm15:themeFamily xmlns:thm15="http://schemas.microsoft.com/office/thememl/2012/main" xmlns="" name="TM55661986_wac_CP_V19" id="{030227AD-26D8-46F7-B412-6532AF4DDFEA}" vid="{787E6F9C-FC70-455D-8D81-5DEDA8A08FF0}"/>
+      <thm15:themeFamily xmlns="" xmlns:thm15="http://schemas.microsoft.com/office/thememl/2012/main" name="TM55661986_wac_CP_V19" id="{030227AD-26D8-46F7-B412-6532AF4DDFEA}" vid="{787E6F9C-FC70-455D-8D81-5DEDA8A08FF0}"/>
     </a:ext>
   </a:extLst>
 </a:theme>
@@ -23903,7 +25264,7 @@
   <a:extraClrSchemeLst/>
   <a:extLst>
     <a:ext uri="{05A4C25C-085E-4340-85A3-A5531E510DB2}">
-      <thm15:themeFamily xmlns:thm15="http://schemas.microsoft.com/office/thememl/2012/main" xmlns="" name="Office Theme" id="{62F939B6-93AF-4DB8-9C6B-D6C7DFDC589F}" vid="{4A3C46E8-61CC-4603-A589-7422A47A8E4A}"/>
+      <thm15:themeFamily xmlns="" xmlns:thm15="http://schemas.microsoft.com/office/thememl/2012/main" name="Office Theme" id="{62F939B6-93AF-4DB8-9C6B-D6C7DFDC589F}" vid="{4A3C46E8-61CC-4603-A589-7422A47A8E4A}"/>
     </a:ext>
   </a:extLst>
 </a:theme>
@@ -24218,33 +25579,13 @@
   <a:extraClrSchemeLst/>
   <a:extLst>
     <a:ext uri="{05A4C25C-085E-4340-85A3-A5531E510DB2}">
-      <thm15:themeFamily xmlns:thm15="http://schemas.microsoft.com/office/thememl/2012/main" xmlns="" name="Office Theme" id="{2E142A2C-CD16-42D6-873A-C26D2A0506FA}" vid="{1BDDFF52-6CD6-40A5-AB3C-68EB2F1E4D0A}"/>
+      <thm15:themeFamily xmlns="" xmlns:thm15="http://schemas.microsoft.com/office/thememl/2012/main" name="Office Theme" id="{2E142A2C-CD16-42D6-873A-C26D2A0506FA}" vid="{1BDDFF52-6CD6-40A5-AB3C-68EB2F1E4D0A}"/>
     </a:ext>
   </a:extLst>
 </a:theme>
 </file>
 
 <file path=customXml/item1.xml><?xml version="1.0" encoding="utf-8"?>
-<p:properties xmlns:p="http://schemas.microsoft.com/office/2006/metadata/properties" xmlns:xsi="http://www.w3.org/2001/XMLSchema-instance" xmlns:pc="http://schemas.microsoft.com/office/infopath/2007/PartnerControls">
-  <documentManagement>
-    <_ip_UnifiedCompliancePolicyUIAction xmlns="http://schemas.microsoft.com/sharepoint/v3" xsi:nil="true"/>
-    <Image xmlns="71af3243-3dd4-4a8d-8c0d-dd76da1f02a5">
-      <Url xsi:nil="true"/>
-      <Description xsi:nil="true"/>
-    </Image>
-    <Status xmlns="71af3243-3dd4-4a8d-8c0d-dd76da1f02a5">Not started</Status>
-    <Background xmlns="71af3243-3dd4-4a8d-8c0d-dd76da1f02a5">false</Background>
-    <_ip_UnifiedCompliancePolicyProperties xmlns="http://schemas.microsoft.com/sharepoint/v3" xsi:nil="true"/>
-    <ImageTagsTaxHTField xmlns="71af3243-3dd4-4a8d-8c0d-dd76da1f02a5">
-      <Terms xmlns="http://schemas.microsoft.com/office/infopath/2007/PartnerControls"/>
-    </ImageTagsTaxHTField>
-    <TaxCatchAll xmlns="230e9df3-be65-4c73-a93b-d1236ebd677e" xsi:nil="true"/>
-    <MediaServiceKeyPoints xmlns="71af3243-3dd4-4a8d-8c0d-dd76da1f02a5" xsi:nil="true"/>
-  </documentManagement>
-</p:properties>
-</file>
-
-<file path=customXml/item2.xml><?xml version="1.0" encoding="utf-8"?>
 <ct:contentTypeSchema xmlns:ct="http://schemas.microsoft.com/office/2006/metadata/contentType" xmlns:ma="http://schemas.microsoft.com/office/2006/metadata/properties/metaAttributes" ct:_="" ma:_="" ma:contentTypeName="Document" ma:contentTypeID="0x01010079F111ED35F8CC479449609E8A0923A6" ma:contentTypeVersion="28" ma:contentTypeDescription="Create a new document." ma:contentTypeScope="" ma:versionID="60f5a4f2d2b0abadcf532d48ebf9cb71">
   <xsd:schema xmlns:xsd="http://www.w3.org/2001/XMLSchema" xmlns:xs="http://www.w3.org/2001/XMLSchema" xmlns:p="http://schemas.microsoft.com/office/2006/metadata/properties" xmlns:ns1="http://schemas.microsoft.com/sharepoint/v3" xmlns:ns2="71af3243-3dd4-4a8d-8c0d-dd76da1f02a5" xmlns:ns3="16c05727-aa75-4e4a-9b5f-8a80a1165891" xmlns:ns4="230e9df3-be65-4c73-a93b-d1236ebd677e" targetNamespace="http://schemas.microsoft.com/office/2006/metadata/properties" ma:root="true" ma:fieldsID="7dd78129e6a1811f84807ad11c651531" ns1:_="" ns2:_="" ns3:_="" ns4:_="">
     <xsd:import namespace="http://schemas.microsoft.com/sharepoint/v3"/>
@@ -24556,7 +25897,7 @@
 </ct:contentTypeSchema>
 </file>
 
-<file path=customXml/item3.xml><?xml version="1.0" encoding="utf-8"?>
+<file path=customXml/item2.xml><?xml version="1.0" encoding="utf-8"?>
 <?mso-contentType ?>
 <FormTemplates xmlns="http://schemas.microsoft.com/sharepoint/v3/contenttype/forms">
   <Display>DocumentLibraryForm</Display>
@@ -24565,26 +25906,27 @@
 </FormTemplates>
 </file>
 
-<file path=customXml/itemProps1.xml><?xml version="1.0" encoding="utf-8"?>
-<ds:datastoreItem xmlns:ds="http://schemas.openxmlformats.org/officeDocument/2006/customXml" ds:itemID="{85C2645A-E767-4D7E-984D-234E531E4556}">
-  <ds:schemaRefs>
-    <ds:schemaRef ds:uri="230e9df3-be65-4c73-a93b-d1236ebd677e"/>
-    <ds:schemaRef ds:uri="http://schemas.microsoft.com/office/2006/documentManagement/types"/>
-    <ds:schemaRef ds:uri="http://purl.org/dc/terms/"/>
-    <ds:schemaRef ds:uri="http://purl.org/dc/elements/1.1/"/>
-    <ds:schemaRef ds:uri="http://schemas.openxmlformats.org/package/2006/metadata/core-properties"/>
-    <ds:schemaRef ds:uri="71af3243-3dd4-4a8d-8c0d-dd76da1f02a5"/>
-    <ds:schemaRef ds:uri="http://www.w3.org/XML/1998/namespace"/>
-    <ds:schemaRef ds:uri="http://purl.org/dc/dcmitype/"/>
-    <ds:schemaRef ds:uri="http://schemas.microsoft.com/office/infopath/2007/PartnerControls"/>
-    <ds:schemaRef ds:uri="16c05727-aa75-4e4a-9b5f-8a80a1165891"/>
-    <ds:schemaRef ds:uri="http://schemas.microsoft.com/sharepoint/v3"/>
-    <ds:schemaRef ds:uri="http://schemas.microsoft.com/office/2006/metadata/properties"/>
-  </ds:schemaRefs>
-</ds:datastoreItem>
+<file path=customXml/item3.xml><?xml version="1.0" encoding="utf-8"?>
+<p:properties xmlns:p="http://schemas.microsoft.com/office/2006/metadata/properties" xmlns:xsi="http://www.w3.org/2001/XMLSchema-instance" xmlns:pc="http://schemas.microsoft.com/office/infopath/2007/PartnerControls">
+  <documentManagement>
+    <_ip_UnifiedCompliancePolicyUIAction xmlns="http://schemas.microsoft.com/sharepoint/v3" xsi:nil="true"/>
+    <Image xmlns="71af3243-3dd4-4a8d-8c0d-dd76da1f02a5">
+      <Url xsi:nil="true"/>
+      <Description xsi:nil="true"/>
+    </Image>
+    <Status xmlns="71af3243-3dd4-4a8d-8c0d-dd76da1f02a5">Not started</Status>
+    <Background xmlns="71af3243-3dd4-4a8d-8c0d-dd76da1f02a5">false</Background>
+    <_ip_UnifiedCompliancePolicyProperties xmlns="http://schemas.microsoft.com/sharepoint/v3" xsi:nil="true"/>
+    <ImageTagsTaxHTField xmlns="71af3243-3dd4-4a8d-8c0d-dd76da1f02a5">
+      <Terms xmlns="http://schemas.microsoft.com/office/infopath/2007/PartnerControls"/>
+    </ImageTagsTaxHTField>
+    <TaxCatchAll xmlns="230e9df3-be65-4c73-a93b-d1236ebd677e" xsi:nil="true"/>
+    <MediaServiceKeyPoints xmlns="71af3243-3dd4-4a8d-8c0d-dd76da1f02a5" xsi:nil="true"/>
+  </documentManagement>
+</p:properties>
 </file>
 
-<file path=customXml/itemProps2.xml><?xml version="1.0" encoding="utf-8"?>
+<file path=customXml/itemProps1.xml><?xml version="1.0" encoding="utf-8"?>
 <ds:datastoreItem xmlns:ds="http://schemas.openxmlformats.org/officeDocument/2006/customXml" ds:itemID="{5F2A2379-DD35-4769-BFD6-4857D72F808A}">
   <ds:schemaRefs>
     <ds:schemaRef ds:uri="http://schemas.microsoft.com/office/2006/metadata/contentType"/>
@@ -24605,7 +25947,7 @@
 </ds:datastoreItem>
 </file>
 
-<file path=customXml/itemProps3.xml><?xml version="1.0" encoding="utf-8"?>
+<file path=customXml/itemProps2.xml><?xml version="1.0" encoding="utf-8"?>
 <ds:datastoreItem xmlns:ds="http://schemas.openxmlformats.org/officeDocument/2006/customXml" ds:itemID="{0F048343-1EA9-44C3-883E-652FAAF0713E}">
   <ds:schemaRefs>
     <ds:schemaRef ds:uri="http://schemas.microsoft.com/sharepoint/v3/contenttype/forms"/>
@@ -24613,6 +25955,25 @@
 </ds:datastoreItem>
 </file>
 
+<file path=customXml/itemProps3.xml><?xml version="1.0" encoding="utf-8"?>
+<ds:datastoreItem xmlns:ds="http://schemas.openxmlformats.org/officeDocument/2006/customXml" ds:itemID="{85C2645A-E767-4D7E-984D-234E531E4556}">
+  <ds:schemaRefs>
+    <ds:schemaRef ds:uri="230e9df3-be65-4c73-a93b-d1236ebd677e"/>
+    <ds:schemaRef ds:uri="http://schemas.microsoft.com/office/2006/documentManagement/types"/>
+    <ds:schemaRef ds:uri="http://purl.org/dc/terms/"/>
+    <ds:schemaRef ds:uri="http://purl.org/dc/elements/1.1/"/>
+    <ds:schemaRef ds:uri="http://schemas.openxmlformats.org/package/2006/metadata/core-properties"/>
+    <ds:schemaRef ds:uri="71af3243-3dd4-4a8d-8c0d-dd76da1f02a5"/>
+    <ds:schemaRef ds:uri="http://www.w3.org/XML/1998/namespace"/>
+    <ds:schemaRef ds:uri="http://purl.org/dc/dcmitype/"/>
+    <ds:schemaRef ds:uri="http://schemas.microsoft.com/office/infopath/2007/PartnerControls"/>
+    <ds:schemaRef ds:uri="16c05727-aa75-4e4a-9b5f-8a80a1165891"/>
+    <ds:schemaRef ds:uri="http://schemas.microsoft.com/sharepoint/v3"/>
+    <ds:schemaRef ds:uri="http://schemas.microsoft.com/office/2006/metadata/properties"/>
+  </ds:schemaRefs>
+</ds:datastoreItem>
+</file>
+
 <file path=docMetadata/LabelInfo.xml><?xml version="1.0" encoding="utf-8"?>
 <clbl:labelList xmlns:clbl="http://schemas.microsoft.com/office/2020/mipLabelMetadata"/>
 </file>
--- a/ai_compression_project.pptx
+++ b/ai_compression_project.pptx
@@ -5,10 +5,10 @@
     <p:sldMasterId id="2147483648" r:id="rId4"/>
   </p:sldMasterIdLst>
   <p:notesMasterIdLst>
-    <p:notesMasterId r:id="rId43"/>
+    <p:notesMasterId r:id="rId46"/>
   </p:notesMasterIdLst>
   <p:handoutMasterIdLst>
-    <p:handoutMasterId r:id="rId44"/>
+    <p:handoutMasterId r:id="rId47"/>
   </p:handoutMasterIdLst>
   <p:sldIdLst>
     <p:sldId id="281" r:id="rId5"/>
@@ -48,7 +48,10 @@
     <p:sldId id="322" r:id="rId39"/>
     <p:sldId id="323" r:id="rId40"/>
     <p:sldId id="324" r:id="rId41"/>
-    <p:sldId id="291" r:id="rId42"/>
+    <p:sldId id="325" r:id="rId42"/>
+    <p:sldId id="326" r:id="rId43"/>
+    <p:sldId id="327" r:id="rId44"/>
+    <p:sldId id="291" r:id="rId45"/>
   </p:sldIdLst>
   <p:sldSz cx="12192000" cy="6858000"/>
   <p:notesSz cx="6858000" cy="9144000"/>
@@ -258,7 +261,7 @@
           <a:p>
             <a:fld id="{0DC994AA-C437-4EF4-8BEF-0B832D7FA420}" type="datetimeFigureOut">
               <a:rPr lang="en-US" smtClean="0"/>
-              <a:t>3/10/2025</a:t>
+              <a:t>3/30/2025</a:t>
             </a:fld>
             <a:endParaRPr lang="en-US"/>
           </a:p>
@@ -435,7 +438,7 @@
           <a:p>
             <a:fld id="{3B4FE048-FAD0-D943-9A17-3C4CB7633182}" type="datetimeFigureOut">
               <a:rPr lang="en-US" smtClean="0"/>
-              <a:t>3/10/2025</a:t>
+              <a:t>3/30/2025</a:t>
             </a:fld>
             <a:endParaRPr lang="en-US"/>
           </a:p>
@@ -3926,7 +3929,7 @@
         <p:cNvPr id="1" name="">
           <a:extLst>
             <a:ext uri="{FF2B5EF4-FFF2-40B4-BE49-F238E27FC236}">
-              <a16:creationId xmlns="" xmlns:a16="http://schemas.microsoft.com/office/drawing/2014/main" id="{84F15084-9E64-0732-2172-D06E24D20324}"/>
+              <a16:creationId xmlns="" xmlns:a16="http://schemas.microsoft.com/office/drawing/2014/main" id="{84847B3D-F9FE-E845-0A9E-7B3E4737F607}"/>
             </a:ext>
           </a:extLst>
         </p:cNvPr>
@@ -3946,7 +3949,7 @@
           <p:cNvPr id="2" name="Slide Image Placeholder 1">
             <a:extLst>
               <a:ext uri="{FF2B5EF4-FFF2-40B4-BE49-F238E27FC236}">
-                <a16:creationId xmlns="" xmlns:a16="http://schemas.microsoft.com/office/drawing/2014/main" id="{7CCBBEEF-0F58-7DB2-13AB-6DAFC52BE070}"/>
+                <a16:creationId xmlns="" xmlns:a16="http://schemas.microsoft.com/office/drawing/2014/main" id="{A65C55DC-40F4-B8B2-A44F-CEE7EA9104C1}"/>
               </a:ext>
             </a:extLst>
           </p:cNvPr>
@@ -3964,7 +3967,7 @@
           <p:cNvPr id="3" name="Notes Placeholder 2">
             <a:extLst>
               <a:ext uri="{FF2B5EF4-FFF2-40B4-BE49-F238E27FC236}">
-                <a16:creationId xmlns="" xmlns:a16="http://schemas.microsoft.com/office/drawing/2014/main" id="{C62C92A2-0E82-6EA1-AA1F-C125D6D8C6A8}"/>
+                <a16:creationId xmlns="" xmlns:a16="http://schemas.microsoft.com/office/drawing/2014/main" id="{AFAEFE12-CFF9-2E00-9808-098A1D824723}"/>
               </a:ext>
             </a:extLst>
           </p:cNvPr>
@@ -3980,7 +3983,7 @@
           <a:bodyPr/>
           <a:lstStyle/>
           <a:p>
-            <a:endParaRPr lang="en-US"/>
+            <a:endParaRPr lang="en-US" dirty="0"/>
           </a:p>
         </p:txBody>
       </p:sp>
@@ -3989,7 +3992,7 @@
           <p:cNvPr id="4" name="Slide Number Placeholder 3">
             <a:extLst>
               <a:ext uri="{FF2B5EF4-FFF2-40B4-BE49-F238E27FC236}">
-                <a16:creationId xmlns="" xmlns:a16="http://schemas.microsoft.com/office/drawing/2014/main" id="{F80306BD-3757-CA40-4082-AACA5F6DB656}"/>
+                <a16:creationId xmlns="" xmlns:a16="http://schemas.microsoft.com/office/drawing/2014/main" id="{85084F94-5BAE-E3B2-298D-1E3D1D48D1F6}"/>
               </a:ext>
             </a:extLst>
           </p:cNvPr>
@@ -4016,7 +4019,223 @@
     </p:spTree>
     <p:extLst>
       <p:ext uri="{BB962C8B-B14F-4D97-AF65-F5344CB8AC3E}">
-        <p14:creationId xmlns:p14="http://schemas.microsoft.com/office/powerpoint/2010/main" val="2113507462"/>
+        <p14:creationId xmlns:p14="http://schemas.microsoft.com/office/powerpoint/2010/main" val="1899534547"/>
+      </p:ext>
+    </p:extLst>
+  </p:cSld>
+  <p:clrMapOvr>
+    <a:masterClrMapping/>
+  </p:clrMapOvr>
+</p:notes>
+</file>
+
+<file path=ppt/notesSlides/notesSlide38.xml><?xml version="1.0" encoding="utf-8"?>
+<p:notes xmlns:a="http://schemas.openxmlformats.org/drawingml/2006/main" xmlns:r="http://schemas.openxmlformats.org/officeDocument/2006/relationships" xmlns:p="http://schemas.openxmlformats.org/presentationml/2006/main">
+  <p:cSld>
+    <p:spTree>
+      <p:nvGrpSpPr>
+        <p:cNvPr id="1" name="">
+          <a:extLst>
+            <a:ext uri="{FF2B5EF4-FFF2-40B4-BE49-F238E27FC236}">
+              <a16:creationId xmlns="" xmlns:a16="http://schemas.microsoft.com/office/drawing/2014/main" id="{84847B3D-F9FE-E845-0A9E-7B3E4737F607}"/>
+            </a:ext>
+          </a:extLst>
+        </p:cNvPr>
+        <p:cNvGrpSpPr/>
+        <p:nvPr/>
+      </p:nvGrpSpPr>
+      <p:grpSpPr>
+        <a:xfrm>
+          <a:off x="0" y="0"/>
+          <a:ext cx="0" cy="0"/>
+          <a:chOff x="0" y="0"/>
+          <a:chExt cx="0" cy="0"/>
+        </a:xfrm>
+      </p:grpSpPr>
+      <p:sp>
+        <p:nvSpPr>
+          <p:cNvPr id="2" name="Slide Image Placeholder 1">
+            <a:extLst>
+              <a:ext uri="{FF2B5EF4-FFF2-40B4-BE49-F238E27FC236}">
+                <a16:creationId xmlns="" xmlns:a16="http://schemas.microsoft.com/office/drawing/2014/main" id="{A65C55DC-40F4-B8B2-A44F-CEE7EA9104C1}"/>
+              </a:ext>
+            </a:extLst>
+          </p:cNvPr>
+          <p:cNvSpPr>
+            <a:spLocks noGrp="1" noRot="1" noChangeAspect="1"/>
+          </p:cNvSpPr>
+          <p:nvPr>
+            <p:ph type="sldImg"/>
+          </p:nvPr>
+        </p:nvSpPr>
+        <p:spPr/>
+      </p:sp>
+      <p:sp>
+        <p:nvSpPr>
+          <p:cNvPr id="3" name="Notes Placeholder 2">
+            <a:extLst>
+              <a:ext uri="{FF2B5EF4-FFF2-40B4-BE49-F238E27FC236}">
+                <a16:creationId xmlns="" xmlns:a16="http://schemas.microsoft.com/office/drawing/2014/main" id="{AFAEFE12-CFF9-2E00-9808-098A1D824723}"/>
+              </a:ext>
+            </a:extLst>
+          </p:cNvPr>
+          <p:cNvSpPr>
+            <a:spLocks noGrp="1"/>
+          </p:cNvSpPr>
+          <p:nvPr>
+            <p:ph type="body" idx="1"/>
+          </p:nvPr>
+        </p:nvSpPr>
+        <p:spPr/>
+        <p:txBody>
+          <a:bodyPr/>
+          <a:lstStyle/>
+          <a:p>
+            <a:endParaRPr lang="en-US" dirty="0"/>
+          </a:p>
+        </p:txBody>
+      </p:sp>
+      <p:sp>
+        <p:nvSpPr>
+          <p:cNvPr id="4" name="Slide Number Placeholder 3">
+            <a:extLst>
+              <a:ext uri="{FF2B5EF4-FFF2-40B4-BE49-F238E27FC236}">
+                <a16:creationId xmlns="" xmlns:a16="http://schemas.microsoft.com/office/drawing/2014/main" id="{85084F94-5BAE-E3B2-298D-1E3D1D48D1F6}"/>
+              </a:ext>
+            </a:extLst>
+          </p:cNvPr>
+          <p:cNvSpPr>
+            <a:spLocks noGrp="1"/>
+          </p:cNvSpPr>
+          <p:nvPr>
+            <p:ph type="sldNum" sz="quarter" idx="5"/>
+          </p:nvPr>
+        </p:nvSpPr>
+        <p:spPr/>
+        <p:txBody>
+          <a:bodyPr/>
+          <a:lstStyle/>
+          <a:p>
+            <a:fld id="{55247812-3409-784D-BAE7-ABE53735D59F}" type="slidenum">
+              <a:rPr lang="en-US" smtClean="0"/>
+              <a:t>39</a:t>
+            </a:fld>
+            <a:endParaRPr lang="en-US"/>
+          </a:p>
+        </p:txBody>
+      </p:sp>
+    </p:spTree>
+    <p:extLst>
+      <p:ext uri="{BB962C8B-B14F-4D97-AF65-F5344CB8AC3E}">
+        <p14:creationId xmlns:p14="http://schemas.microsoft.com/office/powerpoint/2010/main" val="1899534547"/>
+      </p:ext>
+    </p:extLst>
+  </p:cSld>
+  <p:clrMapOvr>
+    <a:masterClrMapping/>
+  </p:clrMapOvr>
+</p:notes>
+</file>
+
+<file path=ppt/notesSlides/notesSlide39.xml><?xml version="1.0" encoding="utf-8"?>
+<p:notes xmlns:a="http://schemas.openxmlformats.org/drawingml/2006/main" xmlns:r="http://schemas.openxmlformats.org/officeDocument/2006/relationships" xmlns:p="http://schemas.openxmlformats.org/presentationml/2006/main">
+  <p:cSld>
+    <p:spTree>
+      <p:nvGrpSpPr>
+        <p:cNvPr id="1" name="">
+          <a:extLst>
+            <a:ext uri="{FF2B5EF4-FFF2-40B4-BE49-F238E27FC236}">
+              <a16:creationId xmlns="" xmlns:a16="http://schemas.microsoft.com/office/drawing/2014/main" id="{84847B3D-F9FE-E845-0A9E-7B3E4737F607}"/>
+            </a:ext>
+          </a:extLst>
+        </p:cNvPr>
+        <p:cNvGrpSpPr/>
+        <p:nvPr/>
+      </p:nvGrpSpPr>
+      <p:grpSpPr>
+        <a:xfrm>
+          <a:off x="0" y="0"/>
+          <a:ext cx="0" cy="0"/>
+          <a:chOff x="0" y="0"/>
+          <a:chExt cx="0" cy="0"/>
+        </a:xfrm>
+      </p:grpSpPr>
+      <p:sp>
+        <p:nvSpPr>
+          <p:cNvPr id="2" name="Slide Image Placeholder 1">
+            <a:extLst>
+              <a:ext uri="{FF2B5EF4-FFF2-40B4-BE49-F238E27FC236}">
+                <a16:creationId xmlns="" xmlns:a16="http://schemas.microsoft.com/office/drawing/2014/main" id="{A65C55DC-40F4-B8B2-A44F-CEE7EA9104C1}"/>
+              </a:ext>
+            </a:extLst>
+          </p:cNvPr>
+          <p:cNvSpPr>
+            <a:spLocks noGrp="1" noRot="1" noChangeAspect="1"/>
+          </p:cNvSpPr>
+          <p:nvPr>
+            <p:ph type="sldImg"/>
+          </p:nvPr>
+        </p:nvSpPr>
+        <p:spPr/>
+      </p:sp>
+      <p:sp>
+        <p:nvSpPr>
+          <p:cNvPr id="3" name="Notes Placeholder 2">
+            <a:extLst>
+              <a:ext uri="{FF2B5EF4-FFF2-40B4-BE49-F238E27FC236}">
+                <a16:creationId xmlns="" xmlns:a16="http://schemas.microsoft.com/office/drawing/2014/main" id="{AFAEFE12-CFF9-2E00-9808-098A1D824723}"/>
+              </a:ext>
+            </a:extLst>
+          </p:cNvPr>
+          <p:cNvSpPr>
+            <a:spLocks noGrp="1"/>
+          </p:cNvSpPr>
+          <p:nvPr>
+            <p:ph type="body" idx="1"/>
+          </p:nvPr>
+        </p:nvSpPr>
+        <p:spPr/>
+        <p:txBody>
+          <a:bodyPr/>
+          <a:lstStyle/>
+          <a:p>
+            <a:endParaRPr lang="en-US" dirty="0"/>
+          </a:p>
+        </p:txBody>
+      </p:sp>
+      <p:sp>
+        <p:nvSpPr>
+          <p:cNvPr id="4" name="Slide Number Placeholder 3">
+            <a:extLst>
+              <a:ext uri="{FF2B5EF4-FFF2-40B4-BE49-F238E27FC236}">
+                <a16:creationId xmlns="" xmlns:a16="http://schemas.microsoft.com/office/drawing/2014/main" id="{85084F94-5BAE-E3B2-298D-1E3D1D48D1F6}"/>
+              </a:ext>
+            </a:extLst>
+          </p:cNvPr>
+          <p:cNvSpPr>
+            <a:spLocks noGrp="1"/>
+          </p:cNvSpPr>
+          <p:nvPr>
+            <p:ph type="sldNum" sz="quarter" idx="5"/>
+          </p:nvPr>
+        </p:nvSpPr>
+        <p:spPr/>
+        <p:txBody>
+          <a:bodyPr/>
+          <a:lstStyle/>
+          <a:p>
+            <a:fld id="{55247812-3409-784D-BAE7-ABE53735D59F}" type="slidenum">
+              <a:rPr lang="en-US" smtClean="0"/>
+              <a:t>40</a:t>
+            </a:fld>
+            <a:endParaRPr lang="en-US"/>
+          </a:p>
+        </p:txBody>
+      </p:sp>
+    </p:spTree>
+    <p:extLst>
+      <p:ext uri="{BB962C8B-B14F-4D97-AF65-F5344CB8AC3E}">
+        <p14:creationId xmlns:p14="http://schemas.microsoft.com/office/powerpoint/2010/main" val="1899534547"/>
       </p:ext>
     </p:extLst>
   </p:cSld>
@@ -4125,6 +4344,114 @@
     <p:extLst>
       <p:ext uri="{BB962C8B-B14F-4D97-AF65-F5344CB8AC3E}">
         <p14:creationId xmlns:p14="http://schemas.microsoft.com/office/powerpoint/2010/main" val="1288405238"/>
+      </p:ext>
+    </p:extLst>
+  </p:cSld>
+  <p:clrMapOvr>
+    <a:masterClrMapping/>
+  </p:clrMapOvr>
+</p:notes>
+</file>
+
+<file path=ppt/notesSlides/notesSlide40.xml><?xml version="1.0" encoding="utf-8"?>
+<p:notes xmlns:a="http://schemas.openxmlformats.org/drawingml/2006/main" xmlns:r="http://schemas.openxmlformats.org/officeDocument/2006/relationships" xmlns:p="http://schemas.openxmlformats.org/presentationml/2006/main">
+  <p:cSld>
+    <p:spTree>
+      <p:nvGrpSpPr>
+        <p:cNvPr id="1" name="">
+          <a:extLst>
+            <a:ext uri="{FF2B5EF4-FFF2-40B4-BE49-F238E27FC236}">
+              <a16:creationId xmlns="" xmlns:a16="http://schemas.microsoft.com/office/drawing/2014/main" id="{84F15084-9E64-0732-2172-D06E24D20324}"/>
+            </a:ext>
+          </a:extLst>
+        </p:cNvPr>
+        <p:cNvGrpSpPr/>
+        <p:nvPr/>
+      </p:nvGrpSpPr>
+      <p:grpSpPr>
+        <a:xfrm>
+          <a:off x="0" y="0"/>
+          <a:ext cx="0" cy="0"/>
+          <a:chOff x="0" y="0"/>
+          <a:chExt cx="0" cy="0"/>
+        </a:xfrm>
+      </p:grpSpPr>
+      <p:sp>
+        <p:nvSpPr>
+          <p:cNvPr id="2" name="Slide Image Placeholder 1">
+            <a:extLst>
+              <a:ext uri="{FF2B5EF4-FFF2-40B4-BE49-F238E27FC236}">
+                <a16:creationId xmlns="" xmlns:a16="http://schemas.microsoft.com/office/drawing/2014/main" id="{7CCBBEEF-0F58-7DB2-13AB-6DAFC52BE070}"/>
+              </a:ext>
+            </a:extLst>
+          </p:cNvPr>
+          <p:cNvSpPr>
+            <a:spLocks noGrp="1" noRot="1" noChangeAspect="1"/>
+          </p:cNvSpPr>
+          <p:nvPr>
+            <p:ph type="sldImg"/>
+          </p:nvPr>
+        </p:nvSpPr>
+        <p:spPr/>
+      </p:sp>
+      <p:sp>
+        <p:nvSpPr>
+          <p:cNvPr id="3" name="Notes Placeholder 2">
+            <a:extLst>
+              <a:ext uri="{FF2B5EF4-FFF2-40B4-BE49-F238E27FC236}">
+                <a16:creationId xmlns="" xmlns:a16="http://schemas.microsoft.com/office/drawing/2014/main" id="{C62C92A2-0E82-6EA1-AA1F-C125D6D8C6A8}"/>
+              </a:ext>
+            </a:extLst>
+          </p:cNvPr>
+          <p:cNvSpPr>
+            <a:spLocks noGrp="1"/>
+          </p:cNvSpPr>
+          <p:nvPr>
+            <p:ph type="body" idx="1"/>
+          </p:nvPr>
+        </p:nvSpPr>
+        <p:spPr/>
+        <p:txBody>
+          <a:bodyPr/>
+          <a:lstStyle/>
+          <a:p>
+            <a:endParaRPr lang="en-US"/>
+          </a:p>
+        </p:txBody>
+      </p:sp>
+      <p:sp>
+        <p:nvSpPr>
+          <p:cNvPr id="4" name="Slide Number Placeholder 3">
+            <a:extLst>
+              <a:ext uri="{FF2B5EF4-FFF2-40B4-BE49-F238E27FC236}">
+                <a16:creationId xmlns="" xmlns:a16="http://schemas.microsoft.com/office/drawing/2014/main" id="{F80306BD-3757-CA40-4082-AACA5F6DB656}"/>
+              </a:ext>
+            </a:extLst>
+          </p:cNvPr>
+          <p:cNvSpPr>
+            <a:spLocks noGrp="1"/>
+          </p:cNvSpPr>
+          <p:nvPr>
+            <p:ph type="sldNum" sz="quarter" idx="5"/>
+          </p:nvPr>
+        </p:nvSpPr>
+        <p:spPr/>
+        <p:txBody>
+          <a:bodyPr/>
+          <a:lstStyle/>
+          <a:p>
+            <a:fld id="{55247812-3409-784D-BAE7-ABE53735D59F}" type="slidenum">
+              <a:rPr lang="en-US" smtClean="0"/>
+              <a:t>41</a:t>
+            </a:fld>
+            <a:endParaRPr lang="en-US"/>
+          </a:p>
+        </p:txBody>
+      </p:sp>
+    </p:spTree>
+    <p:extLst>
+      <p:ext uri="{BB962C8B-B14F-4D97-AF65-F5344CB8AC3E}">
+        <p14:creationId xmlns:p14="http://schemas.microsoft.com/office/powerpoint/2010/main" val="2113507462"/>
       </p:ext>
     </p:extLst>
   </p:cSld>
@@ -5247,7 +5574,7 @@
           <a:p>
             <a:fld id="{D6D8061D-18C3-4F4F-85EF-561633F58754}" type="datetimeFigureOut">
               <a:rPr lang="en-US" smtClean="0"/>
-              <a:t>3/10/2025</a:t>
+              <a:t>3/30/2025</a:t>
             </a:fld>
             <a:endParaRPr lang="en-US"/>
           </a:p>
@@ -5432,7 +5759,7 @@
           <a:p>
             <a:fld id="{D6D8061D-18C3-4F4F-85EF-561633F58754}" type="datetimeFigureOut">
               <a:rPr lang="en-US" smtClean="0"/>
-              <a:t>3/10/2025</a:t>
+              <a:t>3/30/2025</a:t>
             </a:fld>
             <a:endParaRPr lang="en-US"/>
           </a:p>
@@ -7175,7 +7502,7 @@
           <a:p>
             <a:fld id="{D6D8061D-18C3-4F4F-85EF-561633F58754}" type="datetimeFigureOut">
               <a:rPr lang="en-US" smtClean="0"/>
-              <a:t>3/10/2025</a:t>
+              <a:t>3/30/2025</a:t>
             </a:fld>
             <a:endParaRPr lang="en-US"/>
           </a:p>
@@ -7610,7 +7937,7 @@
           <a:p>
             <a:fld id="{D6D8061D-18C3-4F4F-85EF-561633F58754}" type="datetimeFigureOut">
               <a:rPr lang="en-US" smtClean="0"/>
-              <a:t>3/10/2025</a:t>
+              <a:t>3/30/2025</a:t>
             </a:fld>
             <a:endParaRPr lang="en-US"/>
           </a:p>
@@ -8269,7 +8596,7 @@
           <a:p>
             <a:fld id="{D6D8061D-18C3-4F4F-85EF-561633F58754}" type="datetimeFigureOut">
               <a:rPr lang="en-US" smtClean="0"/>
-              <a:t>3/10/2025</a:t>
+              <a:t>3/30/2025</a:t>
             </a:fld>
             <a:endParaRPr lang="en-US"/>
           </a:p>
@@ -8512,7 +8839,7 @@
           <a:p>
             <a:fld id="{D6D8061D-18C3-4F4F-85EF-561633F58754}" type="datetimeFigureOut">
               <a:rPr lang="en-US" smtClean="0"/>
-              <a:t>3/10/2025</a:t>
+              <a:t>3/30/2025</a:t>
             </a:fld>
             <a:endParaRPr lang="en-US"/>
           </a:p>
@@ -19470,8 +19797,8 @@
         </p:nvSpPr>
         <p:spPr>
           <a:xfrm>
-            <a:off x="2201925" y="173736"/>
-            <a:ext cx="7653418" cy="625642"/>
+            <a:off x="152400" y="173736"/>
+            <a:ext cx="11927839" cy="625642"/>
           </a:xfrm>
           <a:prstGeom prst="rect">
             <a:avLst/>
@@ -19503,7 +19830,31 @@
           <a:p>
             <a:r>
               <a:rPr lang="en-US" sz="2800" dirty="0" smtClean="0"/>
-              <a:t>Results(52000 photos trained model)</a:t>
+              <a:t>Results(52000 </a:t>
+            </a:r>
+            <a:r>
+              <a:rPr lang="en-US" sz="2800" dirty="0" smtClean="0"/>
+              <a:t>photos</a:t>
+            </a:r>
+            <a:r>
+              <a:rPr lang="ru-RU" sz="2800" dirty="0" smtClean="0"/>
+              <a:t>(128</a:t>
+            </a:r>
+            <a:r>
+              <a:rPr lang="en-US" sz="2800" dirty="0" smtClean="0"/>
+              <a:t>x128px</a:t>
+            </a:r>
+            <a:r>
+              <a:rPr lang="ru-RU" sz="2800" dirty="0" smtClean="0"/>
+              <a:t>)</a:t>
+            </a:r>
+            <a:r>
+              <a:rPr lang="en-US" sz="2800" dirty="0" smtClean="0"/>
+              <a:t> </a:t>
+            </a:r>
+            <a:r>
+              <a:rPr lang="en-US" sz="2800" dirty="0" smtClean="0"/>
+              <a:t>trained model)</a:t>
             </a:r>
             <a:endParaRPr lang="en-US" sz="2800" dirty="0"/>
           </a:p>
@@ -21159,7 +21510,7 @@
         </p:nvSpPr>
         <p:spPr>
           <a:xfrm>
-            <a:off x="783498" y="2245360"/>
+            <a:off x="3506378" y="2326640"/>
             <a:ext cx="4549324" cy="2682240"/>
           </a:xfrm>
           <a:prstGeom prst="rect">
@@ -21237,83 +21588,6 @@
             <a:r>
               <a:rPr lang="en-US" sz="1600" dirty="0"/>
               <a:t>solves the problem of "dead neurons" when part of the network stops learning.</a:t>
-            </a:r>
-            <a:endParaRPr lang="en-US" sz="1600" dirty="0" smtClean="0"/>
-          </a:p>
-        </p:txBody>
-      </p:sp>
-      <p:sp>
-        <p:nvSpPr>
-          <p:cNvPr id="5" name="Заголовок 1"/>
-          <p:cNvSpPr txBox="1">
-            <a:spLocks/>
-          </p:cNvSpPr>
-          <p:nvPr/>
-        </p:nvSpPr>
-        <p:spPr>
-          <a:xfrm>
-            <a:off x="6028632" y="2255520"/>
-            <a:ext cx="4549324" cy="2682240"/>
-          </a:xfrm>
-          <a:prstGeom prst="rect">
-            <a:avLst/>
-          </a:prstGeom>
-        </p:spPr>
-        <p:txBody>
-          <a:bodyPr vert="horz" lIns="91440" tIns="45720" rIns="91440" bIns="45720" rtlCol="0" anchor="ctr" anchorCtr="0">
-            <a:noAutofit/>
-          </a:bodyPr>
-          <a:lstStyle>
-            <a:lvl1pPr algn="ctr" defTabSz="914400" rtl="0" eaLnBrk="1" latinLnBrk="0" hangingPunct="1">
-              <a:lnSpc>
-                <a:spcPct val="90000"/>
-              </a:lnSpc>
-              <a:spcBef>
-                <a:spcPct val="0"/>
-              </a:spcBef>
-              <a:buNone/>
-              <a:defRPr sz="4800" kern="1200" cap="all" spc="300" baseline="0">
-                <a:solidFill>
-                  <a:schemeClr val="bg1"/>
-                </a:solidFill>
-                <a:latin typeface="+mj-lt"/>
-                <a:ea typeface="+mj-ea"/>
-                <a:cs typeface="+mj-cs"/>
-              </a:defRPr>
-            </a:lvl1pPr>
-          </a:lstStyle>
-          <a:p>
-            <a:r>
-              <a:rPr lang="en-US" sz="1600" dirty="0" smtClean="0"/>
-              <a:t>We </a:t>
-            </a:r>
-            <a:r>
-              <a:rPr lang="en-US" sz="1600" dirty="0"/>
-              <a:t>will also </a:t>
-            </a:r>
-            <a:r>
-              <a:rPr lang="en-US" sz="1600" dirty="0" smtClean="0"/>
-              <a:t>add</a:t>
-            </a:r>
-            <a:r>
-              <a:rPr lang="ru-RU" sz="1600" dirty="0" smtClean="0"/>
-              <a:t> </a:t>
-            </a:r>
-            <a:r>
-              <a:rPr lang="en-US" sz="1600" b="1" dirty="0" err="1"/>
-              <a:t>BatchNorm</a:t>
-            </a:r>
-            <a:r>
-              <a:rPr lang="en-US" sz="1600" dirty="0"/>
-              <a:t> normalization - Reduces the spread of values </a:t>
-            </a:r>
-            <a:r>
-              <a:rPr lang="en-US" sz="1600" dirty="0" smtClean="0"/>
-              <a:t>​​→ makes </a:t>
-            </a:r>
-            <a:r>
-              <a:rPr lang="en-US" sz="1600" dirty="0"/>
-              <a:t>the network more stable</a:t>
             </a:r>
             <a:endParaRPr lang="en-US" sz="1600" dirty="0" smtClean="0"/>
           </a:p>
@@ -21449,43 +21723,198 @@
           </a:p>
         </p:txBody>
       </p:sp>
-      <p:sp>
-        <p:nvSpPr>
-          <p:cNvPr id="2" name="Прямоугольник 1"/>
-          <p:cNvSpPr/>
+      <p:pic>
+        <p:nvPicPr>
+          <p:cNvPr id="2050" name="Picture 2"/>
+          <p:cNvPicPr>
+            <a:picLocks noChangeAspect="1" noChangeArrowheads="1"/>
+          </p:cNvPicPr>
           <p:nvPr/>
-        </p:nvSpPr>
-        <p:spPr>
-          <a:xfrm>
-            <a:off x="5474484" y="3005952"/>
-            <a:ext cx="936475" cy="369332"/>
+        </p:nvPicPr>
+        <p:blipFill>
+          <a:blip r:embed="rId3">
+            <a:extLst>
+              <a:ext uri="{28A0092B-C50C-407E-A947-70E740481C1C}">
+                <a14:useLocalDpi xmlns:a14="http://schemas.microsoft.com/office/drawing/2010/main" val="0"/>
+              </a:ext>
+            </a:extLst>
+          </a:blip>
+          <a:srcRect/>
+          <a:stretch>
+            <a:fillRect/>
+          </a:stretch>
+        </p:blipFill>
+        <p:spPr bwMode="auto">
+          <a:xfrm>
+            <a:off x="0" y="988853"/>
+            <a:ext cx="5933386" cy="3136107"/>
           </a:xfrm>
           <a:prstGeom prst="rect">
             <a:avLst/>
           </a:prstGeom>
-        </p:spPr>
-        <p:txBody>
-          <a:bodyPr wrap="none">
-            <a:spAutoFit/>
-          </a:bodyPr>
-          <a:lstStyle/>
-          <a:p>
-            <a:r>
-              <a:rPr lang="ru-RU" dirty="0" smtClean="0">
-                <a:solidFill>
-                  <a:schemeClr val="bg1"/>
-                </a:solidFill>
-              </a:rPr>
-              <a:t>???????</a:t>
-            </a:r>
-            <a:endParaRPr lang="ru-RU" dirty="0">
-              <a:solidFill>
-                <a:schemeClr val="bg1"/>
-              </a:solidFill>
-            </a:endParaRPr>
-          </a:p>
-        </p:txBody>
-      </p:sp>
+          <a:noFill/>
+          <a:ln>
+            <a:noFill/>
+          </a:ln>
+          <a:effectLst/>
+          <a:extLst>
+            <a:ext uri="{909E8E84-426E-40DD-AFC4-6F175D3DCCD1}">
+              <a14:hiddenFill xmlns:a14="http://schemas.microsoft.com/office/drawing/2010/main">
+                <a:solidFill>
+                  <a:schemeClr val="accent1"/>
+                </a:solidFill>
+              </a14:hiddenFill>
+            </a:ext>
+            <a:ext uri="{91240B29-F687-4F45-9708-019B960494DF}">
+              <a14:hiddenLine xmlns:a14="http://schemas.microsoft.com/office/drawing/2010/main" w="9525">
+                <a:solidFill>
+                  <a:schemeClr val="tx1"/>
+                </a:solidFill>
+                <a:miter lim="800000"/>
+                <a:headEnd/>
+                <a:tailEnd/>
+              </a14:hiddenLine>
+            </a:ext>
+            <a:ext uri="{AF507438-7753-43E0-B8FC-AC1667EBCBE1}">
+              <a14:hiddenEffects xmlns:a14="http://schemas.microsoft.com/office/drawing/2010/main">
+                <a:effectLst>
+                  <a:outerShdw dist="35921" dir="2700000" algn="ctr" rotWithShape="0">
+                    <a:schemeClr val="bg2"/>
+                  </a:outerShdw>
+                </a:effectLst>
+              </a14:hiddenEffects>
+            </a:ext>
+          </a:extLst>
+        </p:spPr>
+      </p:pic>
+      <p:pic>
+        <p:nvPicPr>
+          <p:cNvPr id="2051" name="Picture 3"/>
+          <p:cNvPicPr>
+            <a:picLocks noChangeAspect="1" noChangeArrowheads="1"/>
+          </p:cNvPicPr>
+          <p:nvPr/>
+        </p:nvPicPr>
+        <p:blipFill>
+          <a:blip r:embed="rId4">
+            <a:extLst>
+              <a:ext uri="{28A0092B-C50C-407E-A947-70E740481C1C}">
+                <a14:useLocalDpi xmlns:a14="http://schemas.microsoft.com/office/drawing/2010/main" val="0"/>
+              </a:ext>
+            </a:extLst>
+          </a:blip>
+          <a:srcRect/>
+          <a:stretch>
+            <a:fillRect/>
+          </a:stretch>
+        </p:blipFill>
+        <p:spPr bwMode="auto">
+          <a:xfrm>
+            <a:off x="6126907" y="988854"/>
+            <a:ext cx="6065094" cy="3136106"/>
+          </a:xfrm>
+          <a:prstGeom prst="rect">
+            <a:avLst/>
+          </a:prstGeom>
+          <a:noFill/>
+          <a:ln>
+            <a:noFill/>
+          </a:ln>
+          <a:effectLst/>
+          <a:extLst>
+            <a:ext uri="{909E8E84-426E-40DD-AFC4-6F175D3DCCD1}">
+              <a14:hiddenFill xmlns:a14="http://schemas.microsoft.com/office/drawing/2010/main">
+                <a:solidFill>
+                  <a:schemeClr val="accent1"/>
+                </a:solidFill>
+              </a14:hiddenFill>
+            </a:ext>
+            <a:ext uri="{91240B29-F687-4F45-9708-019B960494DF}">
+              <a14:hiddenLine xmlns:a14="http://schemas.microsoft.com/office/drawing/2010/main" w="9525">
+                <a:solidFill>
+                  <a:schemeClr val="tx1"/>
+                </a:solidFill>
+                <a:miter lim="800000"/>
+                <a:headEnd/>
+                <a:tailEnd/>
+              </a14:hiddenLine>
+            </a:ext>
+            <a:ext uri="{AF507438-7753-43E0-B8FC-AC1667EBCBE1}">
+              <a14:hiddenEffects xmlns:a14="http://schemas.microsoft.com/office/drawing/2010/main">
+                <a:effectLst>
+                  <a:outerShdw dist="35921" dir="2700000" algn="ctr" rotWithShape="0">
+                    <a:schemeClr val="bg2"/>
+                  </a:outerShdw>
+                </a:effectLst>
+              </a14:hiddenEffects>
+            </a:ext>
+          </a:extLst>
+        </p:spPr>
+      </p:pic>
+      <p:pic>
+        <p:nvPicPr>
+          <p:cNvPr id="2052" name="Picture 4"/>
+          <p:cNvPicPr>
+            <a:picLocks noChangeAspect="1" noChangeArrowheads="1"/>
+          </p:cNvPicPr>
+          <p:nvPr/>
+        </p:nvPicPr>
+        <p:blipFill>
+          <a:blip r:embed="rId5">
+            <a:extLst>
+              <a:ext uri="{28A0092B-C50C-407E-A947-70E740481C1C}">
+                <a14:useLocalDpi xmlns:a14="http://schemas.microsoft.com/office/drawing/2010/main" val="0"/>
+              </a:ext>
+            </a:extLst>
+          </a:blip>
+          <a:srcRect/>
+          <a:stretch>
+            <a:fillRect/>
+          </a:stretch>
+        </p:blipFill>
+        <p:spPr bwMode="auto">
+          <a:xfrm>
+            <a:off x="3404643" y="4219463"/>
+            <a:ext cx="5199725" cy="2639606"/>
+          </a:xfrm>
+          <a:prstGeom prst="rect">
+            <a:avLst/>
+          </a:prstGeom>
+          <a:noFill/>
+          <a:ln>
+            <a:noFill/>
+          </a:ln>
+          <a:effectLst/>
+          <a:extLst>
+            <a:ext uri="{909E8E84-426E-40DD-AFC4-6F175D3DCCD1}">
+              <a14:hiddenFill xmlns:a14="http://schemas.microsoft.com/office/drawing/2010/main">
+                <a:solidFill>
+                  <a:schemeClr val="accent1"/>
+                </a:solidFill>
+              </a14:hiddenFill>
+            </a:ext>
+            <a:ext uri="{91240B29-F687-4F45-9708-019B960494DF}">
+              <a14:hiddenLine xmlns:a14="http://schemas.microsoft.com/office/drawing/2010/main" w="9525">
+                <a:solidFill>
+                  <a:schemeClr val="tx1"/>
+                </a:solidFill>
+                <a:miter lim="800000"/>
+                <a:headEnd/>
+                <a:tailEnd/>
+              </a14:hiddenLine>
+            </a:ext>
+            <a:ext uri="{AF507438-7753-43E0-B8FC-AC1667EBCBE1}">
+              <a14:hiddenEffects xmlns:a14="http://schemas.microsoft.com/office/drawing/2010/main">
+                <a:effectLst>
+                  <a:outerShdw dist="35921" dir="2700000" algn="ctr" rotWithShape="0">
+                    <a:schemeClr val="bg2"/>
+                  </a:outerShdw>
+                </a:effectLst>
+              </a14:hiddenEffects>
+            </a:ext>
+          </a:extLst>
+        </p:spPr>
+      </p:pic>
     </p:spTree>
     <p:extLst>
       <p:ext uri="{BB962C8B-B14F-4D97-AF65-F5344CB8AC3E}">
@@ -21507,7 +21936,7 @@
         <p:cNvPr id="1" name="">
           <a:extLst>
             <a:ext uri="{FF2B5EF4-FFF2-40B4-BE49-F238E27FC236}">
-              <a16:creationId xmlns="" xmlns:a16="http://schemas.microsoft.com/office/drawing/2014/main" id="{8C579E26-FA2D-1C68-DB27-3D2C268F6B28}"/>
+              <a16:creationId xmlns="" xmlns:a16="http://schemas.microsoft.com/office/drawing/2014/main" id="{EF87400A-AA39-C6BD-0F50-19DF27F0BEE1}"/>
             </a:ext>
           </a:extLst>
         </p:cNvPr>
@@ -21524,43 +21953,275 @@
       </p:grpSpPr>
       <p:sp>
         <p:nvSpPr>
-          <p:cNvPr id="7" name="Title 6">
-            <a:extLst>
-              <a:ext uri="{FF2B5EF4-FFF2-40B4-BE49-F238E27FC236}">
-                <a16:creationId xmlns="" xmlns:a16="http://schemas.microsoft.com/office/drawing/2014/main" id="{44A692C1-E622-D699-43E0-1ECB59404096}"/>
-              </a:ext>
-            </a:extLst>
-          </p:cNvPr>
-          <p:cNvSpPr>
-            <a:spLocks noGrp="1"/>
+          <p:cNvPr id="13" name="Заголовок 1"/>
+          <p:cNvSpPr txBox="1">
+            <a:spLocks/>
           </p:cNvSpPr>
-          <p:nvPr>
-            <p:ph type="ctrTitle"/>
-          </p:nvPr>
+          <p:nvPr/>
         </p:nvSpPr>
         <p:spPr>
           <a:xfrm>
-            <a:off x="2344992" y="2857500"/>
-            <a:ext cx="7502015" cy="1143000"/>
-          </a:xfrm>
-        </p:spPr>
-        <p:txBody>
-          <a:bodyPr/>
+            <a:off x="451971" y="1595120"/>
+            <a:ext cx="4549324" cy="2682240"/>
+          </a:xfrm>
+          <a:prstGeom prst="rect">
+            <a:avLst/>
+          </a:prstGeom>
+        </p:spPr>
+        <p:txBody>
+          <a:bodyPr vert="horz" lIns="91440" tIns="45720" rIns="91440" bIns="45720" rtlCol="0" anchor="ctr" anchorCtr="0">
+            <a:noAutofit/>
+          </a:bodyPr>
+          <a:lstStyle>
+            <a:lvl1pPr algn="ctr" defTabSz="914400" rtl="0" eaLnBrk="1" latinLnBrk="0" hangingPunct="1">
+              <a:lnSpc>
+                <a:spcPct val="90000"/>
+              </a:lnSpc>
+              <a:spcBef>
+                <a:spcPct val="0"/>
+              </a:spcBef>
+              <a:buNone/>
+              <a:defRPr sz="4800" kern="1200" cap="all" spc="300" baseline="0">
+                <a:solidFill>
+                  <a:schemeClr val="bg1"/>
+                </a:solidFill>
+                <a:latin typeface="+mj-lt"/>
+                <a:ea typeface="+mj-ea"/>
+                <a:cs typeface="+mj-cs"/>
+              </a:defRPr>
+            </a:lvl1pPr>
+          </a:lstStyle>
+          <a:p>
+            <a:r>
+              <a:rPr lang="en-US" sz="2800" dirty="0" smtClean="0"/>
+              <a:t>JPG</a:t>
+            </a:r>
+            <a:endParaRPr lang="ru-RU" sz="2800" dirty="0" smtClean="0"/>
+          </a:p>
+          <a:p>
+            <a:r>
+              <a:rPr lang="en-US" sz="2800" dirty="0" smtClean="0"/>
+              <a:t>CT - </a:t>
+            </a:r>
+            <a:r>
+              <a:rPr lang="ru-RU" sz="2800" dirty="0" smtClean="0"/>
+              <a:t>0.</a:t>
+            </a:r>
+            <a:r>
+              <a:rPr lang="en-US" sz="2800" dirty="0" smtClean="0"/>
+              <a:t>08 </a:t>
+            </a:r>
+            <a:r>
+              <a:rPr lang="en-US" sz="2800" dirty="0" smtClean="0"/>
+              <a:t>seconds</a:t>
+            </a:r>
+            <a:endParaRPr lang="en-US" sz="2800" dirty="0" smtClean="0"/>
+          </a:p>
+        </p:txBody>
+      </p:sp>
+      <p:sp>
+        <p:nvSpPr>
+          <p:cNvPr id="14" name="Прямоугольник 13"/>
+          <p:cNvSpPr/>
+          <p:nvPr/>
+        </p:nvSpPr>
+        <p:spPr>
+          <a:xfrm>
+            <a:off x="2726633" y="-1"/>
+            <a:ext cx="6604000" cy="1200329"/>
+          </a:xfrm>
+          <a:prstGeom prst="rect">
+            <a:avLst/>
+          </a:prstGeom>
+        </p:spPr>
+        <p:txBody>
+          <a:bodyPr wrap="square">
+            <a:spAutoFit/>
+          </a:bodyPr>
           <a:lstStyle/>
           <a:p>
             <a:r>
-              <a:rPr lang="en-US" b="1" dirty="0">
-                <a:solidFill>
-                  <a:srgbClr val="FFFFFF"/>
-                </a:solidFill>
-                <a:latin typeface="Calibri Light (Headings)"/>
-                <a:ea typeface="Crimson Pro Bold"/>
-                <a:cs typeface="+mn-cs"/>
-              </a:rPr>
-              <a:t>Thank you</a:t>
-            </a:r>
-            <a:endParaRPr lang="en-US" b="1" dirty="0">
-              <a:latin typeface="Calibri Light (Headings)"/>
+              <a:rPr lang="en-US" sz="7200" dirty="0" smtClean="0">
+                <a:solidFill>
+                  <a:schemeClr val="bg1"/>
+                </a:solidFill>
+              </a:rPr>
+              <a:t>Time comparison</a:t>
+            </a:r>
+            <a:endParaRPr lang="ru-RU" sz="7200" dirty="0">
+              <a:solidFill>
+                <a:schemeClr val="bg1"/>
+              </a:solidFill>
+            </a:endParaRPr>
+          </a:p>
+        </p:txBody>
+      </p:sp>
+      <p:sp>
+        <p:nvSpPr>
+          <p:cNvPr id="4" name="Заголовок 1"/>
+          <p:cNvSpPr txBox="1">
+            <a:spLocks/>
+          </p:cNvSpPr>
+          <p:nvPr/>
+        </p:nvSpPr>
+        <p:spPr>
+          <a:xfrm>
+            <a:off x="6456531" y="1595120"/>
+            <a:ext cx="4549324" cy="2682240"/>
+          </a:xfrm>
+          <a:prstGeom prst="rect">
+            <a:avLst/>
+          </a:prstGeom>
+        </p:spPr>
+        <p:txBody>
+          <a:bodyPr vert="horz" lIns="91440" tIns="45720" rIns="91440" bIns="45720" rtlCol="0" anchor="ctr" anchorCtr="0">
+            <a:noAutofit/>
+          </a:bodyPr>
+          <a:lstStyle>
+            <a:lvl1pPr algn="ctr" defTabSz="914400" rtl="0" eaLnBrk="1" latinLnBrk="0" hangingPunct="1">
+              <a:lnSpc>
+                <a:spcPct val="90000"/>
+              </a:lnSpc>
+              <a:spcBef>
+                <a:spcPct val="0"/>
+              </a:spcBef>
+              <a:buNone/>
+              <a:defRPr sz="4800" kern="1200" cap="all" spc="300" baseline="0">
+                <a:solidFill>
+                  <a:schemeClr val="bg1"/>
+                </a:solidFill>
+                <a:latin typeface="+mj-lt"/>
+                <a:ea typeface="+mj-ea"/>
+                <a:cs typeface="+mj-cs"/>
+              </a:defRPr>
+            </a:lvl1pPr>
+          </a:lstStyle>
+          <a:p>
+            <a:r>
+              <a:rPr lang="en-US" sz="2800" dirty="0" smtClean="0"/>
+              <a:t>AI</a:t>
+            </a:r>
+          </a:p>
+          <a:p>
+            <a:r>
+              <a:rPr lang="en-US" sz="2800" dirty="0"/>
+              <a:t>CT - </a:t>
+            </a:r>
+            <a:r>
+              <a:rPr lang="en-US" sz="2800" dirty="0" smtClean="0"/>
+              <a:t>1 seconds</a:t>
+            </a:r>
+          </a:p>
+          <a:p>
+            <a:r>
+              <a:rPr lang="en-US" sz="2800" dirty="0"/>
+              <a:t>DT - </a:t>
+            </a:r>
+            <a:r>
+              <a:rPr lang="en-US" sz="2800" dirty="0" smtClean="0"/>
+              <a:t>0.2 seconds</a:t>
+            </a:r>
+          </a:p>
+          <a:p>
+            <a:endParaRPr lang="en-US" sz="2800" dirty="0"/>
+          </a:p>
+          <a:p>
+            <a:r>
+              <a:rPr lang="en-US" sz="2000" dirty="0" smtClean="0"/>
+              <a:t>All numbers include LZMA and quantization</a:t>
+            </a:r>
+            <a:endParaRPr lang="en-US" sz="2000" dirty="0"/>
+          </a:p>
+        </p:txBody>
+      </p:sp>
+      <p:sp>
+        <p:nvSpPr>
+          <p:cNvPr id="2" name="Прямоугольник 1"/>
+          <p:cNvSpPr/>
+          <p:nvPr/>
+        </p:nvSpPr>
+        <p:spPr>
+          <a:xfrm>
+            <a:off x="4732989" y="6200894"/>
+            <a:ext cx="2591287" cy="646331"/>
+          </a:xfrm>
+          <a:prstGeom prst="rect">
+            <a:avLst/>
+          </a:prstGeom>
+        </p:spPr>
+        <p:txBody>
+          <a:bodyPr wrap="none">
+            <a:spAutoFit/>
+          </a:bodyPr>
+          <a:lstStyle/>
+          <a:p>
+            <a:r>
+              <a:rPr lang="en-US" i="1" dirty="0" smtClean="0">
+                <a:solidFill>
+                  <a:schemeClr val="bg1"/>
+                </a:solidFill>
+              </a:rPr>
+              <a:t>CT - Compression time</a:t>
+            </a:r>
+          </a:p>
+          <a:p>
+            <a:r>
+              <a:rPr lang="en-US" i="1" dirty="0" smtClean="0">
+                <a:solidFill>
+                  <a:schemeClr val="bg1"/>
+                </a:solidFill>
+              </a:rPr>
+              <a:t>DT – Decompression time</a:t>
+            </a:r>
+            <a:endParaRPr lang="ru-RU" i="1" dirty="0">
+              <a:solidFill>
+                <a:schemeClr val="bg1"/>
+              </a:solidFill>
+            </a:endParaRPr>
+          </a:p>
+        </p:txBody>
+      </p:sp>
+      <p:sp>
+        <p:nvSpPr>
+          <p:cNvPr id="6" name="Прямоугольник 5"/>
+          <p:cNvSpPr/>
+          <p:nvPr/>
+        </p:nvSpPr>
+        <p:spPr>
+          <a:xfrm>
+            <a:off x="-1" y="5658740"/>
+            <a:ext cx="2529841" cy="1200329"/>
+          </a:xfrm>
+          <a:prstGeom prst="rect">
+            <a:avLst/>
+          </a:prstGeom>
+        </p:spPr>
+        <p:txBody>
+          <a:bodyPr wrap="square">
+            <a:spAutoFit/>
+          </a:bodyPr>
+          <a:lstStyle/>
+          <a:p>
+            <a:r>
+              <a:rPr lang="en-US" sz="7200" dirty="0" smtClean="0">
+                <a:solidFill>
+                  <a:schemeClr val="bg1"/>
+                </a:solidFill>
+              </a:rPr>
+              <a:t>Step </a:t>
+            </a:r>
+            <a:r>
+              <a:rPr lang="ru-RU" sz="7200" dirty="0" smtClean="0">
+                <a:solidFill>
+                  <a:schemeClr val="bg1"/>
+                </a:solidFill>
+              </a:rPr>
+              <a:t>7</a:t>
+            </a:r>
+            <a:endParaRPr lang="ru-RU" sz="7200" dirty="0">
+              <a:solidFill>
+                <a:schemeClr val="bg1"/>
+              </a:solidFill>
             </a:endParaRPr>
           </a:p>
         </p:txBody>
@@ -21568,7 +22229,300 @@
     </p:spTree>
     <p:extLst>
       <p:ext uri="{BB962C8B-B14F-4D97-AF65-F5344CB8AC3E}">
-        <p14:creationId xmlns:p14="http://schemas.microsoft.com/office/powerpoint/2010/main" val="4044571280"/>
+        <p14:creationId xmlns:p14="http://schemas.microsoft.com/office/powerpoint/2010/main" val="1785371677"/>
+      </p:ext>
+    </p:extLst>
+  </p:cSld>
+  <p:clrMapOvr>
+    <a:masterClrMapping/>
+  </p:clrMapOvr>
+</p:sld>
+</file>
+
+<file path=ppt/slides/slide39.xml><?xml version="1.0" encoding="utf-8"?>
+<p:sld xmlns:a="http://schemas.openxmlformats.org/drawingml/2006/main" xmlns:r="http://schemas.openxmlformats.org/officeDocument/2006/relationships" xmlns:p="http://schemas.openxmlformats.org/presentationml/2006/main">
+  <p:cSld>
+    <p:spTree>
+      <p:nvGrpSpPr>
+        <p:cNvPr id="1" name="">
+          <a:extLst>
+            <a:ext uri="{FF2B5EF4-FFF2-40B4-BE49-F238E27FC236}">
+              <a16:creationId xmlns="" xmlns:a16="http://schemas.microsoft.com/office/drawing/2014/main" id="{EF87400A-AA39-C6BD-0F50-19DF27F0BEE1}"/>
+            </a:ext>
+          </a:extLst>
+        </p:cNvPr>
+        <p:cNvGrpSpPr/>
+        <p:nvPr/>
+      </p:nvGrpSpPr>
+      <p:grpSpPr>
+        <a:xfrm>
+          <a:off x="0" y="0"/>
+          <a:ext cx="0" cy="0"/>
+          <a:chOff x="0" y="0"/>
+          <a:chExt cx="0" cy="0"/>
+        </a:xfrm>
+      </p:grpSpPr>
+      <p:sp>
+        <p:nvSpPr>
+          <p:cNvPr id="13" name="Заголовок 1"/>
+          <p:cNvSpPr txBox="1">
+            <a:spLocks/>
+          </p:cNvSpPr>
+          <p:nvPr/>
+        </p:nvSpPr>
+        <p:spPr>
+          <a:xfrm>
+            <a:off x="451971" y="1463040"/>
+            <a:ext cx="4549324" cy="3759200"/>
+          </a:xfrm>
+          <a:prstGeom prst="rect">
+            <a:avLst/>
+          </a:prstGeom>
+        </p:spPr>
+        <p:txBody>
+          <a:bodyPr vert="horz" lIns="91440" tIns="45720" rIns="91440" bIns="45720" rtlCol="0" anchor="ctr" anchorCtr="0">
+            <a:noAutofit/>
+          </a:bodyPr>
+          <a:lstStyle>
+            <a:lvl1pPr algn="ctr" defTabSz="914400" rtl="0" eaLnBrk="1" latinLnBrk="0" hangingPunct="1">
+              <a:lnSpc>
+                <a:spcPct val="90000"/>
+              </a:lnSpc>
+              <a:spcBef>
+                <a:spcPct val="0"/>
+              </a:spcBef>
+              <a:buNone/>
+              <a:defRPr sz="4800" kern="1200" cap="all" spc="300" baseline="0">
+                <a:solidFill>
+                  <a:schemeClr val="bg1"/>
+                </a:solidFill>
+                <a:latin typeface="+mj-lt"/>
+                <a:ea typeface="+mj-ea"/>
+                <a:cs typeface="+mj-cs"/>
+              </a:defRPr>
+            </a:lvl1pPr>
+          </a:lstStyle>
+          <a:p>
+            <a:r>
+              <a:rPr lang="en-US" sz="2800" dirty="0" smtClean="0"/>
+              <a:t>JPEG(+)</a:t>
+            </a:r>
+            <a:endParaRPr lang="ru-RU" sz="2800" dirty="0" smtClean="0"/>
+          </a:p>
+          <a:p>
+            <a:pPr marL="457200" indent="-457200" algn="l">
+              <a:buFont typeface="+mj-lt"/>
+              <a:buAutoNum type="arabicPeriod"/>
+            </a:pPr>
+            <a:r>
+              <a:rPr lang="ru-RU" sz="2000" dirty="0" smtClean="0"/>
+              <a:t>40 </a:t>
+            </a:r>
+            <a:r>
+              <a:rPr lang="en-US" sz="2000" dirty="0" smtClean="0"/>
+              <a:t>time faster</a:t>
+            </a:r>
+            <a:r>
+              <a:rPr lang="ru-RU" sz="2000" dirty="0" smtClean="0"/>
+              <a:t> </a:t>
+            </a:r>
+            <a:r>
+              <a:rPr lang="en-US" sz="2000" dirty="0" smtClean="0"/>
+              <a:t>compression</a:t>
+            </a:r>
+          </a:p>
+          <a:p>
+            <a:pPr marL="457200" indent="-457200" algn="l">
+              <a:buFont typeface="+mj-lt"/>
+              <a:buAutoNum type="arabicPeriod"/>
+            </a:pPr>
+            <a:r>
+              <a:rPr lang="en-US" sz="2000" dirty="0" smtClean="0"/>
+              <a:t>Better compressed quality</a:t>
+            </a:r>
+          </a:p>
+          <a:p>
+            <a:pPr marL="457200" indent="-457200" algn="l">
+              <a:buFont typeface="+mj-lt"/>
+              <a:buAutoNum type="arabicPeriod"/>
+            </a:pPr>
+            <a:r>
+              <a:rPr lang="en-US" sz="2000" dirty="0"/>
+              <a:t>Adaptable to different photo sizes and </a:t>
+            </a:r>
+            <a:r>
+              <a:rPr lang="en-US" sz="2000" dirty="0" smtClean="0"/>
+              <a:t>ratios</a:t>
+            </a:r>
+          </a:p>
+          <a:p>
+            <a:pPr marL="457200" indent="-457200" algn="l">
+              <a:buFont typeface="+mj-lt"/>
+              <a:buAutoNum type="arabicPeriod"/>
+            </a:pPr>
+            <a:r>
+              <a:rPr lang="en-US" sz="2000" dirty="0"/>
+              <a:t>Ability to select compression </a:t>
+            </a:r>
+            <a:r>
+              <a:rPr lang="en-US" sz="2000" dirty="0" smtClean="0"/>
+              <a:t>force</a:t>
+            </a:r>
+          </a:p>
+          <a:p>
+            <a:pPr marL="457200" indent="-457200" algn="l">
+              <a:buFont typeface="+mj-lt"/>
+              <a:buAutoNum type="arabicPeriod"/>
+            </a:pPr>
+            <a:r>
+              <a:rPr lang="en-US" sz="2000" dirty="0" smtClean="0"/>
+              <a:t>Doesn’t require python environment and libraries to work – just simple math</a:t>
+            </a:r>
+            <a:endParaRPr lang="en-US" sz="2000" dirty="0" smtClean="0"/>
+          </a:p>
+        </p:txBody>
+      </p:sp>
+      <p:sp>
+        <p:nvSpPr>
+          <p:cNvPr id="14" name="Прямоугольник 13"/>
+          <p:cNvSpPr/>
+          <p:nvPr/>
+        </p:nvSpPr>
+        <p:spPr>
+          <a:xfrm>
+            <a:off x="1920240" y="-1"/>
+            <a:ext cx="8229600" cy="830997"/>
+          </a:xfrm>
+          <a:prstGeom prst="rect">
+            <a:avLst/>
+          </a:prstGeom>
+        </p:spPr>
+        <p:txBody>
+          <a:bodyPr wrap="square">
+            <a:spAutoFit/>
+          </a:bodyPr>
+          <a:lstStyle/>
+          <a:p>
+            <a:r>
+              <a:rPr lang="en-US" sz="4800" dirty="0" smtClean="0">
+                <a:solidFill>
+                  <a:schemeClr val="bg1"/>
+                </a:solidFill>
+              </a:rPr>
+              <a:t>Results on high quality images</a:t>
+            </a:r>
+            <a:endParaRPr lang="ru-RU" sz="4800" dirty="0">
+              <a:solidFill>
+                <a:schemeClr val="bg1"/>
+              </a:solidFill>
+            </a:endParaRPr>
+          </a:p>
+        </p:txBody>
+      </p:sp>
+      <p:sp>
+        <p:nvSpPr>
+          <p:cNvPr id="4" name="Заголовок 1"/>
+          <p:cNvSpPr txBox="1">
+            <a:spLocks/>
+          </p:cNvSpPr>
+          <p:nvPr/>
+        </p:nvSpPr>
+        <p:spPr>
+          <a:xfrm>
+            <a:off x="6456531" y="1463040"/>
+            <a:ext cx="4549324" cy="2682240"/>
+          </a:xfrm>
+          <a:prstGeom prst="rect">
+            <a:avLst/>
+          </a:prstGeom>
+        </p:spPr>
+        <p:txBody>
+          <a:bodyPr vert="horz" lIns="91440" tIns="45720" rIns="91440" bIns="45720" rtlCol="0" anchor="ctr" anchorCtr="0">
+            <a:noAutofit/>
+          </a:bodyPr>
+          <a:lstStyle>
+            <a:lvl1pPr algn="ctr" defTabSz="914400" rtl="0" eaLnBrk="1" latinLnBrk="0" hangingPunct="1">
+              <a:lnSpc>
+                <a:spcPct val="90000"/>
+              </a:lnSpc>
+              <a:spcBef>
+                <a:spcPct val="0"/>
+              </a:spcBef>
+              <a:buNone/>
+              <a:defRPr sz="4800" kern="1200" cap="all" spc="300" baseline="0">
+                <a:solidFill>
+                  <a:schemeClr val="bg1"/>
+                </a:solidFill>
+                <a:latin typeface="+mj-lt"/>
+                <a:ea typeface="+mj-ea"/>
+                <a:cs typeface="+mj-cs"/>
+              </a:defRPr>
+            </a:lvl1pPr>
+          </a:lstStyle>
+          <a:p>
+            <a:r>
+              <a:rPr lang="en-US" sz="2800" dirty="0" smtClean="0"/>
+              <a:t>AI(+)</a:t>
+            </a:r>
+          </a:p>
+          <a:p>
+            <a:r>
+              <a:rPr lang="en-US" sz="2000" dirty="0" smtClean="0"/>
+              <a:t>There are no pluses</a:t>
+            </a:r>
+            <a:endParaRPr lang="en-US" sz="2000" dirty="0" smtClean="0"/>
+          </a:p>
+        </p:txBody>
+      </p:sp>
+      <p:sp>
+        <p:nvSpPr>
+          <p:cNvPr id="6" name="Прямоугольник 5"/>
+          <p:cNvSpPr/>
+          <p:nvPr/>
+        </p:nvSpPr>
+        <p:spPr>
+          <a:xfrm>
+            <a:off x="-1" y="5658740"/>
+            <a:ext cx="2529841" cy="1200329"/>
+          </a:xfrm>
+          <a:prstGeom prst="rect">
+            <a:avLst/>
+          </a:prstGeom>
+        </p:spPr>
+        <p:txBody>
+          <a:bodyPr wrap="square">
+            <a:spAutoFit/>
+          </a:bodyPr>
+          <a:lstStyle/>
+          <a:p>
+            <a:r>
+              <a:rPr lang="en-US" sz="7200" dirty="0" smtClean="0">
+                <a:solidFill>
+                  <a:schemeClr val="bg1"/>
+                </a:solidFill>
+              </a:rPr>
+              <a:t>Step </a:t>
+            </a:r>
+            <a:r>
+              <a:rPr lang="ru-RU" sz="7200" dirty="0" smtClean="0">
+                <a:solidFill>
+                  <a:schemeClr val="bg1"/>
+                </a:solidFill>
+              </a:rPr>
+              <a:t>7</a:t>
+            </a:r>
+            <a:endParaRPr lang="ru-RU" sz="7200" dirty="0">
+              <a:solidFill>
+                <a:schemeClr val="bg1"/>
+              </a:solidFill>
+            </a:endParaRPr>
+          </a:p>
+        </p:txBody>
+      </p:sp>
+    </p:spTree>
+    <p:extLst>
+      <p:ext uri="{BB962C8B-B14F-4D97-AF65-F5344CB8AC3E}">
+        <p14:creationId xmlns:p14="http://schemas.microsoft.com/office/powerpoint/2010/main" val="3813696930"/>
       </p:ext>
     </p:extLst>
   </p:cSld>
@@ -22077,6 +23031,374 @@
     <p:extLst>
       <p:ext uri="{BB962C8B-B14F-4D97-AF65-F5344CB8AC3E}">
         <p14:creationId xmlns:p14="http://schemas.microsoft.com/office/powerpoint/2010/main" val="1345207721"/>
+      </p:ext>
+    </p:extLst>
+  </p:cSld>
+  <p:clrMapOvr>
+    <a:masterClrMapping/>
+  </p:clrMapOvr>
+</p:sld>
+</file>
+
+<file path=ppt/slides/slide40.xml><?xml version="1.0" encoding="utf-8"?>
+<p:sld xmlns:a="http://schemas.openxmlformats.org/drawingml/2006/main" xmlns:r="http://schemas.openxmlformats.org/officeDocument/2006/relationships" xmlns:p="http://schemas.openxmlformats.org/presentationml/2006/main">
+  <p:cSld>
+    <p:spTree>
+      <p:nvGrpSpPr>
+        <p:cNvPr id="1" name="">
+          <a:extLst>
+            <a:ext uri="{FF2B5EF4-FFF2-40B4-BE49-F238E27FC236}">
+              <a16:creationId xmlns="" xmlns:a16="http://schemas.microsoft.com/office/drawing/2014/main" id="{EF87400A-AA39-C6BD-0F50-19DF27F0BEE1}"/>
+            </a:ext>
+          </a:extLst>
+        </p:cNvPr>
+        <p:cNvGrpSpPr/>
+        <p:nvPr/>
+      </p:nvGrpSpPr>
+      <p:grpSpPr>
+        <a:xfrm>
+          <a:off x="0" y="0"/>
+          <a:ext cx="0" cy="0"/>
+          <a:chOff x="0" y="0"/>
+          <a:chExt cx="0" cy="0"/>
+        </a:xfrm>
+      </p:grpSpPr>
+      <p:sp>
+        <p:nvSpPr>
+          <p:cNvPr id="4" name="Заголовок 1"/>
+          <p:cNvSpPr txBox="1">
+            <a:spLocks/>
+          </p:cNvSpPr>
+          <p:nvPr/>
+        </p:nvSpPr>
+        <p:spPr>
+          <a:xfrm>
+            <a:off x="4383891" y="81280"/>
+            <a:ext cx="3286909" cy="650240"/>
+          </a:xfrm>
+          <a:prstGeom prst="rect">
+            <a:avLst/>
+          </a:prstGeom>
+        </p:spPr>
+        <p:txBody>
+          <a:bodyPr vert="horz" lIns="91440" tIns="45720" rIns="91440" bIns="45720" rtlCol="0" anchor="ctr" anchorCtr="0">
+            <a:noAutofit/>
+          </a:bodyPr>
+          <a:lstStyle>
+            <a:lvl1pPr algn="ctr" defTabSz="914400" rtl="0" eaLnBrk="1" latinLnBrk="0" hangingPunct="1">
+              <a:lnSpc>
+                <a:spcPct val="90000"/>
+              </a:lnSpc>
+              <a:spcBef>
+                <a:spcPct val="0"/>
+              </a:spcBef>
+              <a:buNone/>
+              <a:defRPr sz="4800" kern="1200" cap="all" spc="300" baseline="0">
+                <a:solidFill>
+                  <a:schemeClr val="bg1"/>
+                </a:solidFill>
+                <a:latin typeface="+mj-lt"/>
+                <a:ea typeface="+mj-ea"/>
+                <a:cs typeface="+mj-cs"/>
+              </a:defRPr>
+            </a:lvl1pPr>
+          </a:lstStyle>
+          <a:p>
+            <a:r>
+              <a:rPr lang="en-US" sz="2800" dirty="0" smtClean="0"/>
+              <a:t>Conclusion</a:t>
+            </a:r>
+            <a:endParaRPr lang="en-US" sz="2000" dirty="0" smtClean="0"/>
+          </a:p>
+        </p:txBody>
+      </p:sp>
+      <p:sp>
+        <p:nvSpPr>
+          <p:cNvPr id="7" name="Заголовок 1"/>
+          <p:cNvSpPr txBox="1">
+            <a:spLocks/>
+          </p:cNvSpPr>
+          <p:nvPr/>
+        </p:nvSpPr>
+        <p:spPr>
+          <a:xfrm>
+            <a:off x="1810945" y="833120"/>
+            <a:ext cx="8432800" cy="650240"/>
+          </a:xfrm>
+          <a:prstGeom prst="rect">
+            <a:avLst/>
+          </a:prstGeom>
+        </p:spPr>
+        <p:txBody>
+          <a:bodyPr vert="horz" lIns="91440" tIns="45720" rIns="91440" bIns="45720" rtlCol="0" anchor="ctr" anchorCtr="0">
+            <a:noAutofit/>
+          </a:bodyPr>
+          <a:lstStyle>
+            <a:lvl1pPr algn="ctr" defTabSz="914400" rtl="0" eaLnBrk="1" latinLnBrk="0" hangingPunct="1">
+              <a:lnSpc>
+                <a:spcPct val="90000"/>
+              </a:lnSpc>
+              <a:spcBef>
+                <a:spcPct val="0"/>
+              </a:spcBef>
+              <a:buNone/>
+              <a:defRPr sz="4800" kern="1200" cap="all" spc="300" baseline="0">
+                <a:solidFill>
+                  <a:schemeClr val="bg1"/>
+                </a:solidFill>
+                <a:latin typeface="+mj-lt"/>
+                <a:ea typeface="+mj-ea"/>
+                <a:cs typeface="+mj-cs"/>
+              </a:defRPr>
+            </a:lvl1pPr>
+          </a:lstStyle>
+          <a:p>
+            <a:r>
+              <a:rPr lang="en-US" sz="2000" dirty="0" smtClean="0"/>
+              <a:t>AI can work well, in our example it worked better than math </a:t>
+            </a:r>
+            <a:r>
+              <a:rPr lang="en-US" sz="2000" dirty="0"/>
+              <a:t>on example of poor quality photos</a:t>
+            </a:r>
+            <a:endParaRPr lang="en-US" sz="1600" dirty="0" smtClean="0"/>
+          </a:p>
+        </p:txBody>
+      </p:sp>
+      <p:sp>
+        <p:nvSpPr>
+          <p:cNvPr id="8" name="Заголовок 1"/>
+          <p:cNvSpPr txBox="1">
+            <a:spLocks/>
+          </p:cNvSpPr>
+          <p:nvPr/>
+        </p:nvSpPr>
+        <p:spPr>
+          <a:xfrm>
+            <a:off x="1810945" y="1910080"/>
+            <a:ext cx="8432800" cy="650240"/>
+          </a:xfrm>
+          <a:prstGeom prst="rect">
+            <a:avLst/>
+          </a:prstGeom>
+        </p:spPr>
+        <p:txBody>
+          <a:bodyPr vert="horz" lIns="91440" tIns="45720" rIns="91440" bIns="45720" rtlCol="0" anchor="ctr" anchorCtr="0">
+            <a:noAutofit/>
+          </a:bodyPr>
+          <a:lstStyle>
+            <a:lvl1pPr algn="ctr" defTabSz="914400" rtl="0" eaLnBrk="1" latinLnBrk="0" hangingPunct="1">
+              <a:lnSpc>
+                <a:spcPct val="90000"/>
+              </a:lnSpc>
+              <a:spcBef>
+                <a:spcPct val="0"/>
+              </a:spcBef>
+              <a:buNone/>
+              <a:defRPr sz="4800" kern="1200" cap="all" spc="300" baseline="0">
+                <a:solidFill>
+                  <a:schemeClr val="bg1"/>
+                </a:solidFill>
+                <a:latin typeface="+mj-lt"/>
+                <a:ea typeface="+mj-ea"/>
+                <a:cs typeface="+mj-cs"/>
+              </a:defRPr>
+            </a:lvl1pPr>
+          </a:lstStyle>
+          <a:p>
+            <a:r>
+              <a:rPr lang="en-US" sz="2000" dirty="0" smtClean="0"/>
+              <a:t>But even in that case the compression time was </a:t>
+            </a:r>
+            <a:r>
+              <a:rPr lang="en-US" sz="2000" dirty="0" smtClean="0">
+                <a:solidFill>
+                  <a:srgbClr val="C00000"/>
+                </a:solidFill>
+              </a:rPr>
+              <a:t>60</a:t>
+            </a:r>
+            <a:r>
+              <a:rPr lang="en-US" sz="2000" dirty="0" smtClean="0"/>
+              <a:t> times more than simple math – in case of image compression that is on</a:t>
+            </a:r>
+            <a:r>
+              <a:rPr lang="en-US" sz="2000" dirty="0"/>
+              <a:t>e</a:t>
+            </a:r>
+            <a:r>
+              <a:rPr lang="en-US" sz="2000" dirty="0" smtClean="0"/>
+              <a:t> of the main troubles</a:t>
+            </a:r>
+            <a:endParaRPr lang="en-US" sz="1600" dirty="0" smtClean="0"/>
+          </a:p>
+        </p:txBody>
+      </p:sp>
+      <p:sp>
+        <p:nvSpPr>
+          <p:cNvPr id="9" name="Заголовок 1"/>
+          <p:cNvSpPr txBox="1">
+            <a:spLocks/>
+          </p:cNvSpPr>
+          <p:nvPr/>
+        </p:nvSpPr>
+        <p:spPr>
+          <a:xfrm>
+            <a:off x="1810945" y="2936240"/>
+            <a:ext cx="8432800" cy="3576320"/>
+          </a:xfrm>
+          <a:prstGeom prst="rect">
+            <a:avLst/>
+          </a:prstGeom>
+        </p:spPr>
+        <p:txBody>
+          <a:bodyPr vert="horz" lIns="91440" tIns="45720" rIns="91440" bIns="45720" rtlCol="0" anchor="ctr" anchorCtr="0">
+            <a:noAutofit/>
+          </a:bodyPr>
+          <a:lstStyle>
+            <a:lvl1pPr algn="ctr" defTabSz="914400" rtl="0" eaLnBrk="1" latinLnBrk="0" hangingPunct="1">
+              <a:lnSpc>
+                <a:spcPct val="90000"/>
+              </a:lnSpc>
+              <a:spcBef>
+                <a:spcPct val="0"/>
+              </a:spcBef>
+              <a:buNone/>
+              <a:defRPr sz="4800" kern="1200" cap="all" spc="300" baseline="0">
+                <a:solidFill>
+                  <a:schemeClr val="bg1"/>
+                </a:solidFill>
+                <a:latin typeface="+mj-lt"/>
+                <a:ea typeface="+mj-ea"/>
+                <a:cs typeface="+mj-cs"/>
+              </a:defRPr>
+            </a:lvl1pPr>
+          </a:lstStyle>
+          <a:p>
+            <a:r>
+              <a:rPr lang="en-US" sz="2000" dirty="0" smtClean="0"/>
+              <a:t>In </a:t>
+            </a:r>
+            <a:r>
+              <a:rPr lang="en-US" sz="2000" dirty="0"/>
+              <a:t>that research we got an extremely interesting conclusion - AI is not a magician, sometimes it loses to a regular mathematical formula and information theory in general.</a:t>
+            </a:r>
+          </a:p>
+          <a:p>
+            <a:endParaRPr lang="en-US" sz="2000" dirty="0"/>
+          </a:p>
+          <a:p>
+            <a:r>
+              <a:rPr lang="en-US" sz="2000" dirty="0"/>
+              <a:t>AI creates a wow effect, </a:t>
+            </a:r>
+            <a:r>
+              <a:rPr lang="en-US" sz="2000" dirty="0" smtClean="0"/>
+              <a:t>that </a:t>
+            </a:r>
+            <a:r>
+              <a:rPr lang="en-US" sz="2000" dirty="0"/>
+              <a:t>is why </a:t>
+            </a:r>
+            <a:r>
+              <a:rPr lang="en-US" sz="2000" dirty="0" smtClean="0"/>
+              <a:t>IT has </a:t>
+            </a:r>
+            <a:r>
+              <a:rPr lang="en-US" sz="2000" dirty="0"/>
+              <a:t>produced such a worldwide boom in the popularity of AI, but in low-level calculations aimed at maximum performance, it loses </a:t>
+            </a:r>
+            <a:r>
+              <a:rPr lang="en-US" sz="2000" dirty="0" smtClean="0"/>
+              <a:t>greatly.</a:t>
+            </a:r>
+            <a:endParaRPr lang="en-US" sz="1600" dirty="0" smtClean="0"/>
+          </a:p>
+        </p:txBody>
+      </p:sp>
+    </p:spTree>
+    <p:extLst>
+      <p:ext uri="{BB962C8B-B14F-4D97-AF65-F5344CB8AC3E}">
+        <p14:creationId xmlns:p14="http://schemas.microsoft.com/office/powerpoint/2010/main" val="1818153347"/>
+      </p:ext>
+    </p:extLst>
+  </p:cSld>
+  <p:clrMapOvr>
+    <a:masterClrMapping/>
+  </p:clrMapOvr>
+</p:sld>
+</file>
+
+<file path=ppt/slides/slide41.xml><?xml version="1.0" encoding="utf-8"?>
+<p:sld xmlns:a="http://schemas.openxmlformats.org/drawingml/2006/main" xmlns:r="http://schemas.openxmlformats.org/officeDocument/2006/relationships" xmlns:p="http://schemas.openxmlformats.org/presentationml/2006/main">
+  <p:cSld>
+    <p:spTree>
+      <p:nvGrpSpPr>
+        <p:cNvPr id="1" name="">
+          <a:extLst>
+            <a:ext uri="{FF2B5EF4-FFF2-40B4-BE49-F238E27FC236}">
+              <a16:creationId xmlns="" xmlns:a16="http://schemas.microsoft.com/office/drawing/2014/main" id="{8C579E26-FA2D-1C68-DB27-3D2C268F6B28}"/>
+            </a:ext>
+          </a:extLst>
+        </p:cNvPr>
+        <p:cNvGrpSpPr/>
+        <p:nvPr/>
+      </p:nvGrpSpPr>
+      <p:grpSpPr>
+        <a:xfrm>
+          <a:off x="0" y="0"/>
+          <a:ext cx="0" cy="0"/>
+          <a:chOff x="0" y="0"/>
+          <a:chExt cx="0" cy="0"/>
+        </a:xfrm>
+      </p:grpSpPr>
+      <p:sp>
+        <p:nvSpPr>
+          <p:cNvPr id="7" name="Title 6">
+            <a:extLst>
+              <a:ext uri="{FF2B5EF4-FFF2-40B4-BE49-F238E27FC236}">
+                <a16:creationId xmlns="" xmlns:a16="http://schemas.microsoft.com/office/drawing/2014/main" id="{44A692C1-E622-D699-43E0-1ECB59404096}"/>
+              </a:ext>
+            </a:extLst>
+          </p:cNvPr>
+          <p:cNvSpPr>
+            <a:spLocks noGrp="1"/>
+          </p:cNvSpPr>
+          <p:nvPr>
+            <p:ph type="ctrTitle"/>
+          </p:nvPr>
+        </p:nvSpPr>
+        <p:spPr>
+          <a:xfrm>
+            <a:off x="2344992" y="2857500"/>
+            <a:ext cx="7502015" cy="1143000"/>
+          </a:xfrm>
+        </p:spPr>
+        <p:txBody>
+          <a:bodyPr/>
+          <a:lstStyle/>
+          <a:p>
+            <a:r>
+              <a:rPr lang="en-US" b="1" dirty="0">
+                <a:solidFill>
+                  <a:srgbClr val="FFFFFF"/>
+                </a:solidFill>
+                <a:latin typeface="Calibri Light (Headings)"/>
+                <a:ea typeface="Crimson Pro Bold"/>
+                <a:cs typeface="+mn-cs"/>
+              </a:rPr>
+              <a:t>Thank you</a:t>
+            </a:r>
+            <a:endParaRPr lang="en-US" b="1" dirty="0">
+              <a:latin typeface="Calibri Light (Headings)"/>
+            </a:endParaRPr>
+          </a:p>
+        </p:txBody>
+      </p:sp>
+    </p:spTree>
+    <p:extLst>
+      <p:ext uri="{BB962C8B-B14F-4D97-AF65-F5344CB8AC3E}">
+        <p14:creationId xmlns:p14="http://schemas.microsoft.com/office/powerpoint/2010/main" val="4044571280"/>
       </p:ext>
     </p:extLst>
   </p:cSld>
@@ -25586,6 +26908,26 @@
 </file>
 
 <file path=customXml/item1.xml><?xml version="1.0" encoding="utf-8"?>
+<p:properties xmlns:p="http://schemas.microsoft.com/office/2006/metadata/properties" xmlns:xsi="http://www.w3.org/2001/XMLSchema-instance" xmlns:pc="http://schemas.microsoft.com/office/infopath/2007/PartnerControls">
+  <documentManagement>
+    <_ip_UnifiedCompliancePolicyUIAction xmlns="http://schemas.microsoft.com/sharepoint/v3" xsi:nil="true"/>
+    <Image xmlns="71af3243-3dd4-4a8d-8c0d-dd76da1f02a5">
+      <Url xsi:nil="true"/>
+      <Description xsi:nil="true"/>
+    </Image>
+    <Status xmlns="71af3243-3dd4-4a8d-8c0d-dd76da1f02a5">Not started</Status>
+    <Background xmlns="71af3243-3dd4-4a8d-8c0d-dd76da1f02a5">false</Background>
+    <_ip_UnifiedCompliancePolicyProperties xmlns="http://schemas.microsoft.com/sharepoint/v3" xsi:nil="true"/>
+    <ImageTagsTaxHTField xmlns="71af3243-3dd4-4a8d-8c0d-dd76da1f02a5">
+      <Terms xmlns="http://schemas.microsoft.com/office/infopath/2007/PartnerControls"/>
+    </ImageTagsTaxHTField>
+    <TaxCatchAll xmlns="230e9df3-be65-4c73-a93b-d1236ebd677e" xsi:nil="true"/>
+    <MediaServiceKeyPoints xmlns="71af3243-3dd4-4a8d-8c0d-dd76da1f02a5" xsi:nil="true"/>
+  </documentManagement>
+</p:properties>
+</file>
+
+<file path=customXml/item2.xml><?xml version="1.0" encoding="utf-8"?>
 <ct:contentTypeSchema xmlns:ct="http://schemas.microsoft.com/office/2006/metadata/contentType" xmlns:ma="http://schemas.microsoft.com/office/2006/metadata/properties/metaAttributes" ct:_="" ma:_="" ma:contentTypeName="Document" ma:contentTypeID="0x01010079F111ED35F8CC479449609E8A0923A6" ma:contentTypeVersion="28" ma:contentTypeDescription="Create a new document." ma:contentTypeScope="" ma:versionID="60f5a4f2d2b0abadcf532d48ebf9cb71">
   <xsd:schema xmlns:xsd="http://www.w3.org/2001/XMLSchema" xmlns:xs="http://www.w3.org/2001/XMLSchema" xmlns:p="http://schemas.microsoft.com/office/2006/metadata/properties" xmlns:ns1="http://schemas.microsoft.com/sharepoint/v3" xmlns:ns2="71af3243-3dd4-4a8d-8c0d-dd76da1f02a5" xmlns:ns3="16c05727-aa75-4e4a-9b5f-8a80a1165891" xmlns:ns4="230e9df3-be65-4c73-a93b-d1236ebd677e" targetNamespace="http://schemas.microsoft.com/office/2006/metadata/properties" ma:root="true" ma:fieldsID="7dd78129e6a1811f84807ad11c651531" ns1:_="" ns2:_="" ns3:_="" ns4:_="">
     <xsd:import namespace="http://schemas.microsoft.com/sharepoint/v3"/>
@@ -25897,7 +27239,7 @@
 </ct:contentTypeSchema>
 </file>
 
-<file path=customXml/item2.xml><?xml version="1.0" encoding="utf-8"?>
+<file path=customXml/item3.xml><?xml version="1.0" encoding="utf-8"?>
 <?mso-contentType ?>
 <FormTemplates xmlns="http://schemas.microsoft.com/sharepoint/v3/contenttype/forms">
   <Display>DocumentLibraryForm</Display>
@@ -25906,27 +27248,26 @@
 </FormTemplates>
 </file>
 
-<file path=customXml/item3.xml><?xml version="1.0" encoding="utf-8"?>
-<p:properties xmlns:p="http://schemas.microsoft.com/office/2006/metadata/properties" xmlns:xsi="http://www.w3.org/2001/XMLSchema-instance" xmlns:pc="http://schemas.microsoft.com/office/infopath/2007/PartnerControls">
-  <documentManagement>
-    <_ip_UnifiedCompliancePolicyUIAction xmlns="http://schemas.microsoft.com/sharepoint/v3" xsi:nil="true"/>
-    <Image xmlns="71af3243-3dd4-4a8d-8c0d-dd76da1f02a5">
-      <Url xsi:nil="true"/>
-      <Description xsi:nil="true"/>
-    </Image>
-    <Status xmlns="71af3243-3dd4-4a8d-8c0d-dd76da1f02a5">Not started</Status>
-    <Background xmlns="71af3243-3dd4-4a8d-8c0d-dd76da1f02a5">false</Background>
-    <_ip_UnifiedCompliancePolicyProperties xmlns="http://schemas.microsoft.com/sharepoint/v3" xsi:nil="true"/>
-    <ImageTagsTaxHTField xmlns="71af3243-3dd4-4a8d-8c0d-dd76da1f02a5">
-      <Terms xmlns="http://schemas.microsoft.com/office/infopath/2007/PartnerControls"/>
-    </ImageTagsTaxHTField>
-    <TaxCatchAll xmlns="230e9df3-be65-4c73-a93b-d1236ebd677e" xsi:nil="true"/>
-    <MediaServiceKeyPoints xmlns="71af3243-3dd4-4a8d-8c0d-dd76da1f02a5" xsi:nil="true"/>
-  </documentManagement>
-</p:properties>
+<file path=customXml/itemProps1.xml><?xml version="1.0" encoding="utf-8"?>
+<ds:datastoreItem xmlns:ds="http://schemas.openxmlformats.org/officeDocument/2006/customXml" ds:itemID="{85C2645A-E767-4D7E-984D-234E531E4556}">
+  <ds:schemaRefs>
+    <ds:schemaRef ds:uri="230e9df3-be65-4c73-a93b-d1236ebd677e"/>
+    <ds:schemaRef ds:uri="http://schemas.microsoft.com/office/2006/documentManagement/types"/>
+    <ds:schemaRef ds:uri="http://purl.org/dc/terms/"/>
+    <ds:schemaRef ds:uri="http://purl.org/dc/elements/1.1/"/>
+    <ds:schemaRef ds:uri="http://schemas.openxmlformats.org/package/2006/metadata/core-properties"/>
+    <ds:schemaRef ds:uri="71af3243-3dd4-4a8d-8c0d-dd76da1f02a5"/>
+    <ds:schemaRef ds:uri="http://www.w3.org/XML/1998/namespace"/>
+    <ds:schemaRef ds:uri="http://purl.org/dc/dcmitype/"/>
+    <ds:schemaRef ds:uri="http://schemas.microsoft.com/office/infopath/2007/PartnerControls"/>
+    <ds:schemaRef ds:uri="16c05727-aa75-4e4a-9b5f-8a80a1165891"/>
+    <ds:schemaRef ds:uri="http://schemas.microsoft.com/sharepoint/v3"/>
+    <ds:schemaRef ds:uri="http://schemas.microsoft.com/office/2006/metadata/properties"/>
+  </ds:schemaRefs>
+</ds:datastoreItem>
 </file>
 
-<file path=customXml/itemProps1.xml><?xml version="1.0" encoding="utf-8"?>
+<file path=customXml/itemProps2.xml><?xml version="1.0" encoding="utf-8"?>
 <ds:datastoreItem xmlns:ds="http://schemas.openxmlformats.org/officeDocument/2006/customXml" ds:itemID="{5F2A2379-DD35-4769-BFD6-4857D72F808A}">
   <ds:schemaRefs>
     <ds:schemaRef ds:uri="http://schemas.microsoft.com/office/2006/metadata/contentType"/>
@@ -25947,7 +27288,7 @@
 </ds:datastoreItem>
 </file>
 
-<file path=customXml/itemProps2.xml><?xml version="1.0" encoding="utf-8"?>
+<file path=customXml/itemProps3.xml><?xml version="1.0" encoding="utf-8"?>
 <ds:datastoreItem xmlns:ds="http://schemas.openxmlformats.org/officeDocument/2006/customXml" ds:itemID="{0F048343-1EA9-44C3-883E-652FAAF0713E}">
   <ds:schemaRefs>
     <ds:schemaRef ds:uri="http://schemas.microsoft.com/sharepoint/v3/contenttype/forms"/>
@@ -25955,25 +27296,6 @@
 </ds:datastoreItem>
 </file>
 
-<file path=customXml/itemProps3.xml><?xml version="1.0" encoding="utf-8"?>
-<ds:datastoreItem xmlns:ds="http://schemas.openxmlformats.org/officeDocument/2006/customXml" ds:itemID="{85C2645A-E767-4D7E-984D-234E531E4556}">
-  <ds:schemaRefs>
-    <ds:schemaRef ds:uri="230e9df3-be65-4c73-a93b-d1236ebd677e"/>
-    <ds:schemaRef ds:uri="http://schemas.microsoft.com/office/2006/documentManagement/types"/>
-    <ds:schemaRef ds:uri="http://purl.org/dc/terms/"/>
-    <ds:schemaRef ds:uri="http://purl.org/dc/elements/1.1/"/>
-    <ds:schemaRef ds:uri="http://schemas.openxmlformats.org/package/2006/metadata/core-properties"/>
-    <ds:schemaRef ds:uri="71af3243-3dd4-4a8d-8c0d-dd76da1f02a5"/>
-    <ds:schemaRef ds:uri="http://www.w3.org/XML/1998/namespace"/>
-    <ds:schemaRef ds:uri="http://purl.org/dc/dcmitype/"/>
-    <ds:schemaRef ds:uri="http://schemas.microsoft.com/office/infopath/2007/PartnerControls"/>
-    <ds:schemaRef ds:uri="16c05727-aa75-4e4a-9b5f-8a80a1165891"/>
-    <ds:schemaRef ds:uri="http://schemas.microsoft.com/sharepoint/v3"/>
-    <ds:schemaRef ds:uri="http://schemas.microsoft.com/office/2006/metadata/properties"/>
-  </ds:schemaRefs>
-</ds:datastoreItem>
-</file>
-
 <file path=docMetadata/LabelInfo.xml><?xml version="1.0" encoding="utf-8"?>
 <clbl:labelList xmlns:clbl="http://schemas.microsoft.com/office/2020/mipLabelMetadata"/>
 </file>